--- a/Introduction to Fortran Slides.pptx
+++ b/Introduction to Fortran Slides.pptx
@@ -484,7 +484,7 @@
           <a:p>
             <a:fld id="{88EB714B-C3CC-4216-88C1-02913905B1CF}" type="datetimeFigureOut">
               <a:rPr lang="en-GB" smtClean="0"/>
-              <a:t>19/12/2019</a:t>
+              <a:t>30/01/2020</a:t>
             </a:fld>
             <a:endParaRPr lang="en-GB"/>
           </a:p>
@@ -8437,7 +8437,7 @@
           <a:p>
             <a:fld id="{EB0080F8-EA1C-491D-963C-2C881B2F918F}" type="datetimeFigureOut">
               <a:rPr lang="en-GB" smtClean="0"/>
-              <a:t>19/12/2019</a:t>
+              <a:t>30/01/2020</a:t>
             </a:fld>
             <a:endParaRPr lang="en-GB"/>
           </a:p>
@@ -8587,7 +8587,7 @@
           <a:p>
             <a:fld id="{EB0080F8-EA1C-491D-963C-2C881B2F918F}" type="datetimeFigureOut">
               <a:rPr lang="en-GB" smtClean="0"/>
-              <a:t>19/12/2019</a:t>
+              <a:t>30/01/2020</a:t>
             </a:fld>
             <a:endParaRPr lang="en-GB"/>
           </a:p>
@@ -10120,7 +10120,7 @@
           <a:p>
             <a:fld id="{EB0080F8-EA1C-491D-963C-2C881B2F918F}" type="datetimeFigureOut">
               <a:rPr lang="en-GB" smtClean="0"/>
-              <a:t>19/12/2019</a:t>
+              <a:t>30/01/2020</a:t>
             </a:fld>
             <a:endParaRPr lang="en-GB"/>
           </a:p>
@@ -10690,7 +10690,10 @@
             </a:r>
           </a:p>
           <a:p>
-            <a:pPr lvl="1"/>
+            <a:pPr lvl="1">
+              <a:buFont typeface="Wingdings" panose="05000000000000000000" pitchFamily="2" charset="2"/>
+              <a:buChar char="§"/>
+            </a:pPr>
             <a:r>
               <a:rPr lang="en-GB" sz="2600" dirty="0" err="1"/>
               <a:t>gfortran</a:t>
@@ -10715,7 +10718,10 @@
             </a:r>
           </a:p>
           <a:p>
-            <a:pPr lvl="1"/>
+            <a:pPr lvl="1">
+              <a:buFont typeface="Wingdings" panose="05000000000000000000" pitchFamily="2" charset="2"/>
+              <a:buChar char="§"/>
+            </a:pPr>
             <a:r>
               <a:rPr lang="en-GB" sz="2600" dirty="0" err="1"/>
               <a:t>gfortran</a:t>
@@ -10726,7 +10732,10 @@
             </a:r>
           </a:p>
           <a:p>
-            <a:pPr lvl="1"/>
+            <a:pPr lvl="1">
+              <a:buFont typeface="Wingdings" panose="05000000000000000000" pitchFamily="2" charset="2"/>
+              <a:buChar char="§"/>
+            </a:pPr>
             <a:r>
               <a:rPr lang="en-GB" sz="2600" dirty="0" err="1"/>
               <a:t>gfortran</a:t>
@@ -10737,7 +10746,10 @@
             </a:r>
           </a:p>
           <a:p>
-            <a:pPr lvl="1"/>
+            <a:pPr lvl="1">
+              <a:buFont typeface="Wingdings" panose="05000000000000000000" pitchFamily="2" charset="2"/>
+              <a:buChar char="§"/>
+            </a:pPr>
             <a:r>
               <a:rPr lang="en-GB" sz="2600" dirty="0" err="1"/>
               <a:t>gfortran</a:t>
@@ -13310,7 +13322,7 @@
           <p:nvPr>
             <p:extLst>
               <p:ext uri="{D42A27DB-BD31-4B8C-83A1-F6EECF244321}">
-                <p14:modId xmlns:p14="http://schemas.microsoft.com/office/powerpoint/2010/main" val="3821278574"/>
+                <p14:modId xmlns:p14="http://schemas.microsoft.com/office/powerpoint/2010/main" val="1713723781"/>
               </p:ext>
             </p:extLst>
           </p:nvPr>
@@ -13616,7 +13628,15 @@
                     <a:p>
                       <a:r>
                         <a:rPr lang="en-US" dirty="0"/>
-                        <a:t>a*b</a:t>
+                        <a:t>max(</a:t>
+                      </a:r>
+                      <a:r>
+                        <a:rPr lang="en-US" dirty="0" err="1"/>
+                        <a:t>a,b,c</a:t>
+                      </a:r>
+                      <a:r>
+                        <a:rPr lang="en-US" dirty="0"/>
+                        <a:t>...)</a:t>
                       </a:r>
                     </a:p>
                   </a:txBody>
@@ -13670,7 +13690,15 @@
                     <a:p>
                       <a:r>
                         <a:rPr lang="en-US" dirty="0"/>
-                        <a:t>a*b</a:t>
+                        <a:t>min(</a:t>
+                      </a:r>
+                      <a:r>
+                        <a:rPr lang="en-US" dirty="0" err="1"/>
+                        <a:t>a,b,c</a:t>
+                      </a:r>
+                      <a:r>
+                        <a:rPr lang="en-US" dirty="0"/>
+                        <a:t>...)</a:t>
                       </a:r>
                     </a:p>
                   </a:txBody>
@@ -19032,13 +19060,8 @@
             </a:r>
             <a:r>
               <a:rPr lang="en-GB" sz="2800" dirty="0"/>
-              <a:t>*, </a:t>
-            </a:r>
-            <a:r>
-              <a:rPr lang="en-GB" sz="2800" dirty="0" err="1"/>
-              <a:t>do_counter</a:t>
-            </a:r>
-            <a:endParaRPr lang="en-GB" sz="2800" dirty="0"/>
+              <a:t>*, counter</a:t>
+            </a:r>
           </a:p>
           <a:p>
             <a:r>

--- a/Introduction to Fortran Slides.pptx
+++ b/Introduction to Fortran Slides.pptx
@@ -5,10 +5,10 @@
     <p:sldMasterId id="2147483648" r:id="rId1"/>
   </p:sldMasterIdLst>
   <p:notesMasterIdLst>
-    <p:notesMasterId r:id="rId50"/>
+    <p:notesMasterId r:id="rId51"/>
   </p:notesMasterIdLst>
   <p:handoutMasterIdLst>
-    <p:handoutMasterId r:id="rId51"/>
+    <p:handoutMasterId r:id="rId52"/>
   </p:handoutMasterIdLst>
   <p:sldIdLst>
     <p:sldId id="264" r:id="rId2"/>
@@ -45,20 +45,21 @@
     <p:sldId id="314" r:id="rId33"/>
     <p:sldId id="315" r:id="rId34"/>
     <p:sldId id="316" r:id="rId35"/>
-    <p:sldId id="317" r:id="rId36"/>
-    <p:sldId id="324" r:id="rId37"/>
-    <p:sldId id="326" r:id="rId38"/>
-    <p:sldId id="323" r:id="rId39"/>
-    <p:sldId id="318" r:id="rId40"/>
-    <p:sldId id="319" r:id="rId41"/>
-    <p:sldId id="320" r:id="rId42"/>
-    <p:sldId id="333" r:id="rId43"/>
+    <p:sldId id="323" r:id="rId36"/>
+    <p:sldId id="318" r:id="rId37"/>
+    <p:sldId id="319" r:id="rId38"/>
+    <p:sldId id="333" r:id="rId39"/>
+    <p:sldId id="320" r:id="rId40"/>
+    <p:sldId id="317" r:id="rId41"/>
+    <p:sldId id="324" r:id="rId42"/>
+    <p:sldId id="326" r:id="rId43"/>
     <p:sldId id="327" r:id="rId44"/>
     <p:sldId id="328" r:id="rId45"/>
     <p:sldId id="329" r:id="rId46"/>
     <p:sldId id="330" r:id="rId47"/>
     <p:sldId id="332" r:id="rId48"/>
-    <p:sldId id="280" r:id="rId49"/>
+    <p:sldId id="334" r:id="rId49"/>
+    <p:sldId id="280" r:id="rId50"/>
   </p:sldIdLst>
   <p:sldSz cx="9144000" cy="6858000" type="screen4x3"/>
   <p:notesSz cx="7099300" cy="10234613"/>
@@ -196,19 +197,20 @@
             <p14:sldId id="314"/>
             <p14:sldId id="315"/>
             <p14:sldId id="316"/>
+            <p14:sldId id="323"/>
+            <p14:sldId id="318"/>
+            <p14:sldId id="319"/>
+            <p14:sldId id="333"/>
+            <p14:sldId id="320"/>
             <p14:sldId id="317"/>
             <p14:sldId id="324"/>
             <p14:sldId id="326"/>
-            <p14:sldId id="323"/>
-            <p14:sldId id="318"/>
-            <p14:sldId id="319"/>
-            <p14:sldId id="320"/>
-            <p14:sldId id="333"/>
             <p14:sldId id="327"/>
             <p14:sldId id="328"/>
             <p14:sldId id="329"/>
             <p14:sldId id="330"/>
             <p14:sldId id="332"/>
+            <p14:sldId id="334"/>
             <p14:sldId id="280"/>
           </p14:sldIdLst>
         </p14:section>
@@ -484,7 +486,7 @@
           <a:p>
             <a:fld id="{88EB714B-C3CC-4216-88C1-02913905B1CF}" type="datetimeFigureOut">
               <a:rPr lang="en-GB" smtClean="0"/>
-              <a:t>30/01/2020</a:t>
+              <a:t>31/01/2020</a:t>
             </a:fld>
             <a:endParaRPr lang="en-GB"/>
           </a:p>
@@ -1166,6 +1168,43 @@
           <a:chExt cx="0" cy="0"/>
         </a:xfrm>
       </p:grpSpPr>
+      <p:sp>
+        <p:nvSpPr>
+          <p:cNvPr id="2" name="Notes Placeholder 1">
+            <a:extLst>
+              <a:ext uri="{FF2B5EF4-FFF2-40B4-BE49-F238E27FC236}">
+                <a16:creationId xmlns:a16="http://schemas.microsoft.com/office/drawing/2014/main" id="{761D98A2-8C88-4ED7-93EC-E97DDF9E8DC7}"/>
+              </a:ext>
+            </a:extLst>
+          </p:cNvPr>
+          <p:cNvSpPr>
+            <a:spLocks noGrp="1"/>
+          </p:cNvSpPr>
+          <p:nvPr>
+            <p:ph type="body" idx="1"/>
+          </p:nvPr>
+        </p:nvSpPr>
+        <p:spPr/>
+        <p:txBody>
+          <a:bodyPr/>
+          <a:lstStyle/>
+          <a:p>
+            <a:r>
+              <a:rPr lang="en-GB" dirty="0"/>
+              <a:t>Most compilers allow the use of “flags”. These are pieces of text included in the command to the compiler telling it to compile file(s). These are compiler-specific and affect specifics of how the compiler compiles the files. Multiple flags may be used in a single statement and it normally doesn’t matter what order these flags are provided in.</a:t>
+            </a:r>
+          </a:p>
+          <a:p>
+            <a:endParaRPr lang="en-GB" dirty="0"/>
+          </a:p>
+          <a:p>
+            <a:r>
+              <a:rPr lang="en-GB" dirty="0"/>
+              <a:t>Flags can ask the compiler to provide optional warnings when compiled the code, ask the executable to do extra work to log information for use with debugging tools, set the level of optimisation the compiler is to perform or enable other external code libraries.</a:t>
+            </a:r>
+          </a:p>
+        </p:txBody>
+      </p:sp>
     </p:spTree>
     <p:extLst>
       <p:ext uri="{BB962C8B-B14F-4D97-AF65-F5344CB8AC3E}">
@@ -1776,31 +1815,6 @@
           <a:bodyPr/>
           <a:lstStyle/>
           <a:p>
-            <a:r>
-              <a:rPr lang="en-GB" dirty="0"/>
-              <a:t>Variables are key in any programming languages. They allowed calculated values to be stored and re-used in future calculations. A variable has a “variable name” which allows it to be referenced or assigned.</a:t>
-            </a:r>
-            <a:br>
-              <a:rPr lang="en-GB" dirty="0"/>
-            </a:br>
-            <a:br>
-              <a:rPr lang="en-GB" dirty="0"/>
-            </a:br>
-            <a:r>
-              <a:rPr lang="en-GB" dirty="0"/>
-              <a:t>Fortran is unlike some popular languages such as Python in the sense that variables must be declared before they are used. This means you must tell Fortran what variables will exist within a routine and what type they have. Trying to put values of a different type into a variable will often result in an error.</a:t>
-            </a:r>
-          </a:p>
-          <a:p>
-            <a:endParaRPr lang="en-GB" dirty="0"/>
-          </a:p>
-          <a:p>
-            <a:r>
-              <a:rPr lang="en-GB" dirty="0"/>
-              <a:t>Check Variables/mathematical_operators.f90 for an example.</a:t>
-            </a:r>
-          </a:p>
-          <a:p>
             <a:endParaRPr lang="en-GB" dirty="0"/>
           </a:p>
         </p:txBody>
@@ -1887,7 +1901,7 @@
           <a:p>
             <a:r>
               <a:rPr lang="en-GB" dirty="0"/>
-              <a:t>Variable names in Fortran have certain requirements. These mainly exist so the compiler can recognise them as variable names in the script and to avoid them getting confused with operators and other constructs. The limit of variable name length is a hangover from the days when memory was expensive and had to be saved whenever possible.</a:t>
+              <a:t>Operators in Fortran follow the normal P-E-DM-AS or BODMAS order of operations. This means calculations continued within parentheses will be carried out first, then exponentiation operations (i.e. “**” operations), then multiplication and division operations, then addition and subtraction operations. </a:t>
             </a:r>
           </a:p>
           <a:p>
@@ -1896,16 +1910,38 @@
           <a:p>
             <a:r>
               <a:rPr lang="en-GB" dirty="0"/>
-              <a:t>Fortran also has some other weird behaviours when it comes to variable names. By default, a variable can be used without it being declared. If it begins with an </a:t>
-            </a:r>
-            <a:r>
-              <a:rPr lang="en-GB" dirty="0" err="1"/>
-              <a:t>i</a:t>
-            </a:r>
-            <a:r>
-              <a:rPr lang="en-GB" dirty="0"/>
-              <a:t>, j, k, l, m or n it would implicitly be given the type of integer and if it begins with other characters it will be a real. This is overridden by any explicit declarations. This feature exists to reduce the number of lines of code that were needed back when code was expensive and laborious to write. However, it’s now a feature whose downsides outweigh its upsides. It means that, if you mis-type a variable name your code may still run but with values assigned to a variable you’ve created accidentally. Fortunately, this feature can easily be turned off by typing ”implicit none” at the top of your routine. This means only explicitly declared variables will exist.</a:t>
-            </a:r>
+              <a:t>When multiple sets of parentheses are provided in the same expression, they are evaluated from innermost to outermost.</a:t>
+            </a:r>
+          </a:p>
+          <a:p>
+            <a:endParaRPr lang="en-GB" dirty="0"/>
+          </a:p>
+          <a:p>
+            <a:r>
+              <a:rPr lang="en-GB" dirty="0"/>
+              <a:t>When multiple exponents are provided in the same expression, they are evaluated from right to left.</a:t>
+            </a:r>
+          </a:p>
+          <a:p>
+            <a:endParaRPr lang="en-GB" dirty="0"/>
+          </a:p>
+          <a:p>
+            <a:r>
+              <a:rPr lang="en-GB" dirty="0"/>
+              <a:t>When multiple multiplication/division operations are provided in the same expression, they are evaluated from left to right.</a:t>
+            </a:r>
+          </a:p>
+          <a:p>
+            <a:endParaRPr lang="en-GB" dirty="0"/>
+          </a:p>
+          <a:p>
+            <a:r>
+              <a:rPr lang="en-GB" dirty="0"/>
+              <a:t>When multiple addition/subtraction operations are provided in the same expression, they are evaluated from left to right.</a:t>
+            </a:r>
+          </a:p>
+          <a:p>
+            <a:endParaRPr lang="en-GB" dirty="0"/>
           </a:p>
         </p:txBody>
       </p:sp>
@@ -1989,31 +2025,6 @@
           <a:bodyPr/>
           <a:lstStyle/>
           <a:p>
-            <a:r>
-              <a:rPr lang="en-GB" dirty="0"/>
-              <a:t>Variables are key in any programming languages. They allowed calculated values to be stored and re-used in future calculations. A variable has a “variable name” which allows it to be referenced or assigned.</a:t>
-            </a:r>
-            <a:br>
-              <a:rPr lang="en-GB" dirty="0"/>
-            </a:br>
-            <a:br>
-              <a:rPr lang="en-GB" dirty="0"/>
-            </a:br>
-            <a:r>
-              <a:rPr lang="en-GB" dirty="0"/>
-              <a:t>Fortran is unlike some popular languages such as Python in the sense that variables must be declared before they are used. This means you must tell Fortran what variables will exist within a routine and what type they have. Trying to put values of a different type into a variable will often result in an error.</a:t>
-            </a:r>
-          </a:p>
-          <a:p>
-            <a:endParaRPr lang="en-GB" dirty="0"/>
-          </a:p>
-          <a:p>
-            <a:r>
-              <a:rPr lang="en-GB" dirty="0"/>
-              <a:t>Check Variables/mathematical_operators.f90 for an example.</a:t>
-            </a:r>
-          </a:p>
-          <a:p>
             <a:endParaRPr lang="en-GB" dirty="0"/>
           </a:p>
         </p:txBody>
@@ -2297,7 +2308,7 @@
           <a:p>
             <a:r>
               <a:rPr lang="en-GB" dirty="0"/>
-              <a:t>An array is a variable which contains a number of pieces of data of the same type. For instance, the array in the slide is named “</a:t>
+              <a:t>For instance, the array in the slide is named “</a:t>
             </a:r>
             <a:r>
               <a:rPr lang="en-GB" dirty="0" err="1"/>
@@ -5136,7 +5147,7 @@
             </a:pPr>
             <a:r>
               <a:rPr lang="en-GB" dirty="0"/>
-              <a:t>A subroutine must be defined following a “contains” statement within your code. The “contains” statement can be put in a few places. To begin with, we’ll consider when it occurs in between the “program…” and “end program…” statements. This serves to divide the code of your program which will be executed sequentially (above “contains”) and the definition of functions, subroutines, etc.</a:t>
+              <a:t>A function must be defined following a “contains” statement within your code. The “contains” statement can be put in a few places. To begin with, we’ll consider when it occurs in between the “program…” and “end program…” statements. This serves to divide the code of your program which will be executed sequentially (above “contains”) and the definition of functions, subroutines, etc.</a:t>
             </a:r>
           </a:p>
           <a:p>
@@ -5179,7 +5190,50 @@
             </a:pPr>
             <a:r>
               <a:rPr lang="en-GB" dirty="0"/>
-              <a:t>Subroutines may contain the declaration of variables to be used within that subroutine. Each time the function is called, a new variable with that name will be created and will exist for the duration of the call to that subroutine. The variable will cease to exist when the subroutine finishes. Variables declared in a subroutine are only accessible from within the code contained in that subroutine and are not accessible from the piece of code which called the subroutine or from any functions or subroutines called from within the subroutine.</a:t>
+              <a:t>Functions may contain the declaration of variables to be used within that function. Each time the function is called, a new variable with that name will be created and will exist for the duration of the call to that function. The variable will cease to exist when the function finishes. Variables declared in a function are only accessible from within the code contained in that function and are not accessible from the piece of code which called the function or from any functions or subroutines called from within the function.</a:t>
+            </a:r>
+          </a:p>
+          <a:p>
+            <a:pPr marL="0" marR="0" lvl="0" indent="0" algn="l" defTabSz="914400" rtl="0" eaLnBrk="1" fontAlgn="auto" latinLnBrk="0" hangingPunct="1">
+              <a:lnSpc>
+                <a:spcPct val="100000"/>
+              </a:lnSpc>
+              <a:spcBef>
+                <a:spcPts val="0"/>
+              </a:spcBef>
+              <a:spcAft>
+                <a:spcPts val="0"/>
+              </a:spcAft>
+              <a:buClrTx/>
+              <a:buSzTx/>
+              <a:buFontTx/>
+              <a:buNone/>
+              <a:tabLst/>
+              <a:defRPr/>
+            </a:pPr>
+            <a:endParaRPr lang="en-GB" dirty="0"/>
+          </a:p>
+          <a:p>
+            <a:pPr marL="0" marR="0" lvl="0" indent="0" algn="l" defTabSz="914400" rtl="0" eaLnBrk="1" fontAlgn="auto" latinLnBrk="0" hangingPunct="1">
+              <a:lnSpc>
+                <a:spcPct val="100000"/>
+              </a:lnSpc>
+              <a:spcBef>
+                <a:spcPts val="0"/>
+              </a:spcBef>
+              <a:spcAft>
+                <a:spcPts val="0"/>
+              </a:spcAft>
+              <a:buClrTx/>
+              <a:buSzTx/>
+              <a:buFontTx/>
+              <a:buNone/>
+              <a:tabLst/>
+              <a:defRPr/>
+            </a:pPr>
+            <a:r>
+              <a:rPr lang="en-GB" dirty="0"/>
+              <a:t>Functions have a type and will “return” a value of that type.</a:t>
             </a:r>
           </a:p>
         </p:txBody>
@@ -5210,7 +5264,7 @@
     </p:spTree>
     <p:extLst>
       <p:ext uri="{BB962C8B-B14F-4D97-AF65-F5344CB8AC3E}">
-        <p14:creationId xmlns:p14="http://schemas.microsoft.com/office/powerpoint/2010/main" val="3277135252"/>
+        <p14:creationId xmlns:p14="http://schemas.microsoft.com/office/powerpoint/2010/main" val="2879707264"/>
       </p:ext>
     </p:extLst>
   </p:cSld>
@@ -5283,7 +5337,7 @@
             </a:pPr>
             <a:r>
               <a:rPr lang="en-GB" dirty="0"/>
-              <a:t>The word “subroutine” signals the start of a subroutine definition. This is followed by the name of the subroutine (which has the same restrictions as a variable name). This is then followed by a set of parentheses which contain a number of “arguments” separated by commas. A subroutine may have no arguments, a small number or many. Arguments are variables which will be used in the execution of the subroutine and whose values are provided by the code which calls the subroutine and whose values will be passed back to the calling code when the subroutine is complete.</a:t>
+              <a:t>These two functions will produce the same result but demonstrate two different ways of specifying a function. They have some things in common. Both use the word “function” to begin the specification of the function and finish with the “end function” statement. Both of these statements are followed by the name of the function. The “end function” statement does not necessarily need to be followed by the function name, but it is good practice to so as it makes your code more readable.</a:t>
             </a:r>
           </a:p>
           <a:p>
@@ -5326,7 +5380,7 @@
             </a:pPr>
             <a:r>
               <a:rPr lang="en-GB" dirty="0"/>
-              <a:t>Next, any variables used in the subroutine are declared (including any arguments). These variable names are only relevant within the subroutine itself and cannot be accessed from outside the subroutine. They may be the same variable names as variables elsewhere in the code.</a:t>
+              <a:t>Following the specification of the function name, a list of variable names separated by commas are contained within parentheses. This is the list of arguments that the function takes and will be given values when the function is called (more on that later). A function does not require arguments and there’s no upper limit on the number of arguments allowed. Next any variables which will be used in the function are declared. The declared variables must include all arguments from the argument list. Following the declaration of variables, any calculations to be performed in the function are written and the function is concluded with an “end function” statement</a:t>
             </a:r>
           </a:p>
           <a:p>
@@ -5369,7 +5423,7 @@
             </a:pPr>
             <a:r>
               <a:rPr lang="en-GB" dirty="0"/>
-              <a:t>Next, any operations to be carried out by the subroutine are defined. These will be carried out in order as they would be elsewhere in a Fortran program.</a:t>
+              <a:t>In the first function definition, the word “real” preceding the word “function” specifies that the function will return a real value. This allows assignment to the name of the function (in this case “function_name1”). The value of this variable at the end of the function will be the value returned by the call to the function.</a:t>
             </a:r>
           </a:p>
           <a:p>
@@ -5412,7 +5466,7 @@
             </a:pPr>
             <a:r>
               <a:rPr lang="en-GB" dirty="0"/>
-              <a:t>The end of a subroutine is marked with the “end subroutine” statement. This may optionally be followed by the name of the subroutine. It’s god practice to include the name of the subroutine here as, when defining multiple long subroutines, it makes the code easier to read.</a:t>
+              <a:t>In the second example, the word “real” is not placed before the word “function”. Instead, the statement “result(evaluation)” is placed after the argument list. This specifies that the value of the variable named “evaluation” at the end of the function will be returned. This also means that a variable named “evaluation” must be declared and that the function’s return type will be specified by the type of the variable “evaluation”. Any variable name could be used here, I have chosen “evaluation” because its descriptive within the scope of the function.</a:t>
             </a:r>
           </a:p>
         </p:txBody>
@@ -5443,7 +5497,7 @@
     </p:spTree>
     <p:extLst>
       <p:ext uri="{BB962C8B-B14F-4D97-AF65-F5344CB8AC3E}">
-        <p14:creationId xmlns:p14="http://schemas.microsoft.com/office/powerpoint/2010/main" val="3982370110"/>
+        <p14:creationId xmlns:p14="http://schemas.microsoft.com/office/powerpoint/2010/main" val="3379787824"/>
       </p:ext>
     </p:extLst>
   </p:cSld>
@@ -5516,7 +5570,7 @@
             </a:pPr>
             <a:r>
               <a:rPr lang="en-GB" dirty="0"/>
-              <a:t>A subroutine is called by using the “call” statement followed by the name of the subroutine. The names of the variables whose values are to be used in the call to the subroutine. The variables used here may have the same or different names to the names of the arguments as defined in subroutine declaration.</a:t>
+              <a:t>When a function is called, it may be placed in the same place in a statement as another variable of that type may be placed. This is done by writing the name of the function and then, in parentheses, the values which the corresponding arguments in the argument list of the function will take during this call to the function. These may be values specified explicitly, the names of variables or statements which will be evaluated when the function is called. The specification of the arguments are separated by commas and each must have the same type as the argument that they are being passed to in the function.</a:t>
             </a:r>
           </a:p>
           <a:p>
@@ -5559,7 +5613,7 @@
             </a:pPr>
             <a:r>
               <a:rPr lang="en-GB" dirty="0"/>
-              <a:t>Once the call to the subroutine has been completed, the values of the variables in the argument list will take the value of the corresponding argument in the subroutine at the end of the subroutine call.</a:t>
+              <a:t>This call to the function may be placed anywhere a variable name of the same type may be placed. It may be printed to the screen, assigned to a variable or used as part of a calculation. It may be even be placed in the argument list of a call to a function.</a:t>
             </a:r>
           </a:p>
         </p:txBody>
@@ -5590,7 +5644,7 @@
     </p:spTree>
     <p:extLst>
       <p:ext uri="{BB962C8B-B14F-4D97-AF65-F5344CB8AC3E}">
-        <p14:creationId xmlns:p14="http://schemas.microsoft.com/office/powerpoint/2010/main" val="1299901112"/>
+        <p14:creationId xmlns:p14="http://schemas.microsoft.com/office/powerpoint/2010/main" val="2238695586"/>
       </p:ext>
     </p:extLst>
   </p:cSld>
@@ -5663,93 +5717,7 @@
             </a:pPr>
             <a:r>
               <a:rPr lang="en-GB" dirty="0"/>
-              <a:t>A function must be defined following a “contains” statement within your code. The “contains” statement can be put in a few places. To begin with, we’ll consider when it occurs in between the “program…” and “end program…” statements. This serves to divide the code of your program which will be executed sequentially (above “contains”) and the definition of functions, subroutines, etc.</a:t>
-            </a:r>
-          </a:p>
-          <a:p>
-            <a:pPr marL="0" marR="0" lvl="0" indent="0" algn="l" defTabSz="914400" rtl="0" eaLnBrk="1" fontAlgn="auto" latinLnBrk="0" hangingPunct="1">
-              <a:lnSpc>
-                <a:spcPct val="100000"/>
-              </a:lnSpc>
-              <a:spcBef>
-                <a:spcPts val="0"/>
-              </a:spcBef>
-              <a:spcAft>
-                <a:spcPts val="0"/>
-              </a:spcAft>
-              <a:buClrTx/>
-              <a:buSzTx/>
-              <a:buFontTx/>
-              <a:buNone/>
-              <a:tabLst/>
-              <a:defRPr/>
-            </a:pPr>
-            <a:endParaRPr lang="en-GB" dirty="0"/>
-          </a:p>
-          <a:p>
-            <a:pPr marL="0" marR="0" lvl="0" indent="0" algn="l" defTabSz="914400" rtl="0" eaLnBrk="1" fontAlgn="auto" latinLnBrk="0" hangingPunct="1">
-              <a:lnSpc>
-                <a:spcPct val="100000"/>
-              </a:lnSpc>
-              <a:spcBef>
-                <a:spcPts val="0"/>
-              </a:spcBef>
-              <a:spcAft>
-                <a:spcPts val="0"/>
-              </a:spcAft>
-              <a:buClrTx/>
-              <a:buSzTx/>
-              <a:buFontTx/>
-              <a:buNone/>
-              <a:tabLst/>
-              <a:defRPr/>
-            </a:pPr>
-            <a:r>
-              <a:rPr lang="en-GB" dirty="0"/>
-              <a:t>Functions may contain the declaration of variables to be used within that function. Each time the function is called, a new variable with that name will be created and will exist for the duration of the call to that function. The variable will cease to exist when the function finishes. Variables declared in a function are only accessible from within the code contained in that function and are not accessible from the piece of code which called the function or from any functions or subroutines called from within the function.</a:t>
-            </a:r>
-          </a:p>
-          <a:p>
-            <a:pPr marL="0" marR="0" lvl="0" indent="0" algn="l" defTabSz="914400" rtl="0" eaLnBrk="1" fontAlgn="auto" latinLnBrk="0" hangingPunct="1">
-              <a:lnSpc>
-                <a:spcPct val="100000"/>
-              </a:lnSpc>
-              <a:spcBef>
-                <a:spcPts val="0"/>
-              </a:spcBef>
-              <a:spcAft>
-                <a:spcPts val="0"/>
-              </a:spcAft>
-              <a:buClrTx/>
-              <a:buSzTx/>
-              <a:buFontTx/>
-              <a:buNone/>
-              <a:tabLst/>
-              <a:defRPr/>
-            </a:pPr>
-            <a:endParaRPr lang="en-GB" dirty="0"/>
-          </a:p>
-          <a:p>
-            <a:pPr marL="0" marR="0" lvl="0" indent="0" algn="l" defTabSz="914400" rtl="0" eaLnBrk="1" fontAlgn="auto" latinLnBrk="0" hangingPunct="1">
-              <a:lnSpc>
-                <a:spcPct val="100000"/>
-              </a:lnSpc>
-              <a:spcBef>
-                <a:spcPts val="0"/>
-              </a:spcBef>
-              <a:spcAft>
-                <a:spcPts val="0"/>
-              </a:spcAft>
-              <a:buClrTx/>
-              <a:buSzTx/>
-              <a:buFontTx/>
-              <a:buNone/>
-              <a:tabLst/>
-              <a:defRPr/>
-            </a:pPr>
-            <a:r>
-              <a:rPr lang="en-GB" dirty="0"/>
-              <a:t>Functions have a type and will “return” a value of that type.</a:t>
+              <a:t>When using an array as an argument for a function or subroutine, it’s not necessary to specify the size of the array. By using one or more colons separated by commas in the dimension statement, it’s possible to specify the dimension, but not the size of an array argument. The function can then be called with an array of the appropriate size used as the argument.</a:t>
             </a:r>
           </a:p>
         </p:txBody>
@@ -5780,7 +5748,7 @@
     </p:spTree>
     <p:extLst>
       <p:ext uri="{BB962C8B-B14F-4D97-AF65-F5344CB8AC3E}">
-        <p14:creationId xmlns:p14="http://schemas.microsoft.com/office/powerpoint/2010/main" val="2879707264"/>
+        <p14:creationId xmlns:p14="http://schemas.microsoft.com/office/powerpoint/2010/main" val="3155736512"/>
       </p:ext>
     </p:extLst>
   </p:cSld>
@@ -5853,136 +5821,7 @@
             </a:pPr>
             <a:r>
               <a:rPr lang="en-GB" dirty="0"/>
-              <a:t>These two functions will produce the same result but demonstrate two different ways of specifying a function. They have some things in common. Both use the word “function” to begin the specification of the function and finish with the “end function” statement. Both of these statements are followed by the name of the function. The “end function” statement does not necessarily need to be followed by the function name, but it is good practice to so as it makes your code more readable.</a:t>
-            </a:r>
-          </a:p>
-          <a:p>
-            <a:pPr marL="0" marR="0" lvl="0" indent="0" algn="l" defTabSz="914400" rtl="0" eaLnBrk="1" fontAlgn="auto" latinLnBrk="0" hangingPunct="1">
-              <a:lnSpc>
-                <a:spcPct val="100000"/>
-              </a:lnSpc>
-              <a:spcBef>
-                <a:spcPts val="0"/>
-              </a:spcBef>
-              <a:spcAft>
-                <a:spcPts val="0"/>
-              </a:spcAft>
-              <a:buClrTx/>
-              <a:buSzTx/>
-              <a:buFontTx/>
-              <a:buNone/>
-              <a:tabLst/>
-              <a:defRPr/>
-            </a:pPr>
-            <a:endParaRPr lang="en-GB" dirty="0"/>
-          </a:p>
-          <a:p>
-            <a:pPr marL="0" marR="0" lvl="0" indent="0" algn="l" defTabSz="914400" rtl="0" eaLnBrk="1" fontAlgn="auto" latinLnBrk="0" hangingPunct="1">
-              <a:lnSpc>
-                <a:spcPct val="100000"/>
-              </a:lnSpc>
-              <a:spcBef>
-                <a:spcPts val="0"/>
-              </a:spcBef>
-              <a:spcAft>
-                <a:spcPts val="0"/>
-              </a:spcAft>
-              <a:buClrTx/>
-              <a:buSzTx/>
-              <a:buFontTx/>
-              <a:buNone/>
-              <a:tabLst/>
-              <a:defRPr/>
-            </a:pPr>
-            <a:r>
-              <a:rPr lang="en-GB" dirty="0"/>
-              <a:t>Following the specification of the function name, a list of variable names separated by commas are contained within parentheses. This is the list of arguments that the function takes and will be given values when the function is called (more on that later). Next any variables which will be used in the function are declared. The declared variables must include all arguments from the argument list. Following the declaration of variables, any calculations to be performed in the function are written.</a:t>
-            </a:r>
-          </a:p>
-          <a:p>
-            <a:pPr marL="0" marR="0" lvl="0" indent="0" algn="l" defTabSz="914400" rtl="0" eaLnBrk="1" fontAlgn="auto" latinLnBrk="0" hangingPunct="1">
-              <a:lnSpc>
-                <a:spcPct val="100000"/>
-              </a:lnSpc>
-              <a:spcBef>
-                <a:spcPts val="0"/>
-              </a:spcBef>
-              <a:spcAft>
-                <a:spcPts val="0"/>
-              </a:spcAft>
-              <a:buClrTx/>
-              <a:buSzTx/>
-              <a:buFontTx/>
-              <a:buNone/>
-              <a:tabLst/>
-              <a:defRPr/>
-            </a:pPr>
-            <a:endParaRPr lang="en-GB" dirty="0"/>
-          </a:p>
-          <a:p>
-            <a:pPr marL="0" marR="0" lvl="0" indent="0" algn="l" defTabSz="914400" rtl="0" eaLnBrk="1" fontAlgn="auto" latinLnBrk="0" hangingPunct="1">
-              <a:lnSpc>
-                <a:spcPct val="100000"/>
-              </a:lnSpc>
-              <a:spcBef>
-                <a:spcPts val="0"/>
-              </a:spcBef>
-              <a:spcAft>
-                <a:spcPts val="0"/>
-              </a:spcAft>
-              <a:buClrTx/>
-              <a:buSzTx/>
-              <a:buFontTx/>
-              <a:buNone/>
-              <a:tabLst/>
-              <a:defRPr/>
-            </a:pPr>
-            <a:r>
-              <a:rPr lang="en-GB" dirty="0"/>
-              <a:t>In the first function definition, the word “real” preceding the word “function” specifies that the function will return a real value. This allows assignment to the name of the function (in this case “function_name1”). The value of this variable at the end of the function will be the value returned by the call to the function.</a:t>
-            </a:r>
-          </a:p>
-          <a:p>
-            <a:pPr marL="0" marR="0" lvl="0" indent="0" algn="l" defTabSz="914400" rtl="0" eaLnBrk="1" fontAlgn="auto" latinLnBrk="0" hangingPunct="1">
-              <a:lnSpc>
-                <a:spcPct val="100000"/>
-              </a:lnSpc>
-              <a:spcBef>
-                <a:spcPts val="0"/>
-              </a:spcBef>
-              <a:spcAft>
-                <a:spcPts val="0"/>
-              </a:spcAft>
-              <a:buClrTx/>
-              <a:buSzTx/>
-              <a:buFontTx/>
-              <a:buNone/>
-              <a:tabLst/>
-              <a:defRPr/>
-            </a:pPr>
-            <a:endParaRPr lang="en-GB" dirty="0"/>
-          </a:p>
-          <a:p>
-            <a:pPr marL="0" marR="0" lvl="0" indent="0" algn="l" defTabSz="914400" rtl="0" eaLnBrk="1" fontAlgn="auto" latinLnBrk="0" hangingPunct="1">
-              <a:lnSpc>
-                <a:spcPct val="100000"/>
-              </a:lnSpc>
-              <a:spcBef>
-                <a:spcPts val="0"/>
-              </a:spcBef>
-              <a:spcAft>
-                <a:spcPts val="0"/>
-              </a:spcAft>
-              <a:buClrTx/>
-              <a:buSzTx/>
-              <a:buFontTx/>
-              <a:buNone/>
-              <a:tabLst/>
-              <a:defRPr/>
-            </a:pPr>
-            <a:r>
-              <a:rPr lang="en-GB" dirty="0"/>
-              <a:t>In the second example, the word “real” is not placed before the word “function”. Instead, the statement “result(evaluation)” is placed after the argument list. This specifies that the value of the variable named “evaluation” at the end of the function will be returned. This also means that a variable named “evaluation” must be declared and that the function’s return type will be specified by the type of the variable “evaluation”. Any variable name could be used here, I have chosen “evaluation” because its descriptive within the scope of the function.</a:t>
+              <a:t>A function in Fortran can be defined to be “recursive”, meaning it is able to call itself. In this example, we have written a recursive function to calculate the factorial of a number. It does this by checking if the value is 0 or 1 (and so the factorial of the value is 1) and, if so, returning that value. If the value is larger, it calls itself to calculate the factorial of a value one lower than the current value, and multiplies it by the current value before returning the result.</a:t>
             </a:r>
           </a:p>
         </p:txBody>
@@ -6013,7 +5852,7 @@
     </p:spTree>
     <p:extLst>
       <p:ext uri="{BB962C8B-B14F-4D97-AF65-F5344CB8AC3E}">
-        <p14:creationId xmlns:p14="http://schemas.microsoft.com/office/powerpoint/2010/main" val="3379787824"/>
+        <p14:creationId xmlns:p14="http://schemas.microsoft.com/office/powerpoint/2010/main" val="2122932727"/>
       </p:ext>
     </p:extLst>
   </p:cSld>
@@ -6215,7 +6054,7 @@
             </a:pPr>
             <a:r>
               <a:rPr lang="en-GB" dirty="0"/>
-              <a:t>When a function is called, it may be placed in the same place in a statement as another variable of that type may be placed. This is done by writing the name of the function and then, in parentheses, the values which the corresponding arguments in the argument list of the function will take during this call to the function. These may be values specified explicitly, the names of variables or statements which will be evaluated when the function is called. The specification of the arguments are separated by commas and each must have the same type as the argument that they are being passed to in the function.</a:t>
+              <a:t>A subroutine must be defined following a “contains” statement within your code. The “contains” statement can be put in a few places. To begin with, we’ll consider when it occurs in between the “program…” and “end program…” statements. This serves to divide the code of your program which will be executed sequentially (above “contains”) and the definition of functions, subroutines, etc.</a:t>
             </a:r>
           </a:p>
           <a:p>
@@ -6258,7 +6097,7 @@
             </a:pPr>
             <a:r>
               <a:rPr lang="en-GB" dirty="0"/>
-              <a:t>This call to the function may be placed anywhere a variable name of the same type may be placed. It may be printed to the screen, assigned to a variable or used as part of a calculation. It may be even be placed in the argument list of a call to a function.</a:t>
+              <a:t>Subroutines may contain the declaration of variables to be used within that subroutine. Each time the function is called, a new variable with that name will be created and will exist for the duration of the call to that subroutine. The variable will cease to exist when the subroutine finishes. Variables declared in a subroutine are only accessible from within the code contained in that subroutine and are not accessible from the piece of code which called the subroutine or from any functions or subroutines called from within the subroutine.</a:t>
             </a:r>
           </a:p>
         </p:txBody>
@@ -6289,7 +6128,7 @@
     </p:spTree>
     <p:extLst>
       <p:ext uri="{BB962C8B-B14F-4D97-AF65-F5344CB8AC3E}">
-        <p14:creationId xmlns:p14="http://schemas.microsoft.com/office/powerpoint/2010/main" val="2238695586"/>
+        <p14:creationId xmlns:p14="http://schemas.microsoft.com/office/powerpoint/2010/main" val="3277135252"/>
       </p:ext>
     </p:extLst>
   </p:cSld>
@@ -6362,7 +6201,136 @@
             </a:pPr>
             <a:r>
               <a:rPr lang="en-GB" dirty="0"/>
-              <a:t>A function in Fortran can be defined to be “recursive”, meaning it is able to call itself. In this example, we have written a recursive function to calculate the factorial of a number. It does this by checking if the value is 0 or 1 (and so the factorial of the value is 1) and, if so, returning that value. If the value is larger, it calls itself to calculate the factorial of a value one lower than the current value, and multiplies it by the current value before returning the result.</a:t>
+              <a:t>The word “subroutine” signals the start of a subroutine definition. This is followed by the name of the subroutine (which has the same restrictions as a variable name). This is then followed by a set of parentheses which contain a number of “arguments” separated by commas. A subroutine may have no arguments, a small number or many. Arguments are variables which will be used in the execution of the subroutine and whose values are provided by the code which calls the subroutine and whose values will be passed back to the calling code when the subroutine is complete.</a:t>
+            </a:r>
+          </a:p>
+          <a:p>
+            <a:pPr marL="0" marR="0" lvl="0" indent="0" algn="l" defTabSz="914400" rtl="0" eaLnBrk="1" fontAlgn="auto" latinLnBrk="0" hangingPunct="1">
+              <a:lnSpc>
+                <a:spcPct val="100000"/>
+              </a:lnSpc>
+              <a:spcBef>
+                <a:spcPts val="0"/>
+              </a:spcBef>
+              <a:spcAft>
+                <a:spcPts val="0"/>
+              </a:spcAft>
+              <a:buClrTx/>
+              <a:buSzTx/>
+              <a:buFontTx/>
+              <a:buNone/>
+              <a:tabLst/>
+              <a:defRPr/>
+            </a:pPr>
+            <a:endParaRPr lang="en-GB" dirty="0"/>
+          </a:p>
+          <a:p>
+            <a:pPr marL="0" marR="0" lvl="0" indent="0" algn="l" defTabSz="914400" rtl="0" eaLnBrk="1" fontAlgn="auto" latinLnBrk="0" hangingPunct="1">
+              <a:lnSpc>
+                <a:spcPct val="100000"/>
+              </a:lnSpc>
+              <a:spcBef>
+                <a:spcPts val="0"/>
+              </a:spcBef>
+              <a:spcAft>
+                <a:spcPts val="0"/>
+              </a:spcAft>
+              <a:buClrTx/>
+              <a:buSzTx/>
+              <a:buFontTx/>
+              <a:buNone/>
+              <a:tabLst/>
+              <a:defRPr/>
+            </a:pPr>
+            <a:r>
+              <a:rPr lang="en-GB" dirty="0"/>
+              <a:t>Next, any variables used in the subroutine are declared (including any arguments). These variable names are only relevant within the subroutine itself and cannot be accessed from outside the subroutine. They may be the same variable names as variables elsewhere in the code.</a:t>
+            </a:r>
+          </a:p>
+          <a:p>
+            <a:pPr marL="0" marR="0" lvl="0" indent="0" algn="l" defTabSz="914400" rtl="0" eaLnBrk="1" fontAlgn="auto" latinLnBrk="0" hangingPunct="1">
+              <a:lnSpc>
+                <a:spcPct val="100000"/>
+              </a:lnSpc>
+              <a:spcBef>
+                <a:spcPts val="0"/>
+              </a:spcBef>
+              <a:spcAft>
+                <a:spcPts val="0"/>
+              </a:spcAft>
+              <a:buClrTx/>
+              <a:buSzTx/>
+              <a:buFontTx/>
+              <a:buNone/>
+              <a:tabLst/>
+              <a:defRPr/>
+            </a:pPr>
+            <a:endParaRPr lang="en-GB" dirty="0"/>
+          </a:p>
+          <a:p>
+            <a:pPr marL="0" marR="0" lvl="0" indent="0" algn="l" defTabSz="914400" rtl="0" eaLnBrk="1" fontAlgn="auto" latinLnBrk="0" hangingPunct="1">
+              <a:lnSpc>
+                <a:spcPct val="100000"/>
+              </a:lnSpc>
+              <a:spcBef>
+                <a:spcPts val="0"/>
+              </a:spcBef>
+              <a:spcAft>
+                <a:spcPts val="0"/>
+              </a:spcAft>
+              <a:buClrTx/>
+              <a:buSzTx/>
+              <a:buFontTx/>
+              <a:buNone/>
+              <a:tabLst/>
+              <a:defRPr/>
+            </a:pPr>
+            <a:r>
+              <a:rPr lang="en-GB" dirty="0"/>
+              <a:t>Next, any operations to be carried out by the subroutine are defined. These will be carried out in order as they would be elsewhere in a Fortran program.</a:t>
+            </a:r>
+          </a:p>
+          <a:p>
+            <a:pPr marL="0" marR="0" lvl="0" indent="0" algn="l" defTabSz="914400" rtl="0" eaLnBrk="1" fontAlgn="auto" latinLnBrk="0" hangingPunct="1">
+              <a:lnSpc>
+                <a:spcPct val="100000"/>
+              </a:lnSpc>
+              <a:spcBef>
+                <a:spcPts val="0"/>
+              </a:spcBef>
+              <a:spcAft>
+                <a:spcPts val="0"/>
+              </a:spcAft>
+              <a:buClrTx/>
+              <a:buSzTx/>
+              <a:buFontTx/>
+              <a:buNone/>
+              <a:tabLst/>
+              <a:defRPr/>
+            </a:pPr>
+            <a:endParaRPr lang="en-GB" dirty="0"/>
+          </a:p>
+          <a:p>
+            <a:pPr marL="0" marR="0" lvl="0" indent="0" algn="l" defTabSz="914400" rtl="0" eaLnBrk="1" fontAlgn="auto" latinLnBrk="0" hangingPunct="1">
+              <a:lnSpc>
+                <a:spcPct val="100000"/>
+              </a:lnSpc>
+              <a:spcBef>
+                <a:spcPts val="0"/>
+              </a:spcBef>
+              <a:spcAft>
+                <a:spcPts val="0"/>
+              </a:spcAft>
+              <a:buClrTx/>
+              <a:buSzTx/>
+              <a:buFontTx/>
+              <a:buNone/>
+              <a:tabLst/>
+              <a:defRPr/>
+            </a:pPr>
+            <a:r>
+              <a:rPr lang="en-GB" dirty="0"/>
+              <a:t>The end of a subroutine is marked with the “end subroutine” statement. This may optionally be followed by the name of the subroutine. It’s god practice to include the name of the subroutine here as, when defining multiple long subroutines, it makes the code easier to read.</a:t>
             </a:r>
           </a:p>
         </p:txBody>
@@ -6393,7 +6361,7 @@
     </p:spTree>
     <p:extLst>
       <p:ext uri="{BB962C8B-B14F-4D97-AF65-F5344CB8AC3E}">
-        <p14:creationId xmlns:p14="http://schemas.microsoft.com/office/powerpoint/2010/main" val="2122932727"/>
+        <p14:creationId xmlns:p14="http://schemas.microsoft.com/office/powerpoint/2010/main" val="3982370110"/>
       </p:ext>
     </p:extLst>
   </p:cSld>
@@ -6466,7 +6434,50 @@
             </a:pPr>
             <a:r>
               <a:rPr lang="en-GB" dirty="0"/>
-              <a:t>When using an array as an argument for a function or subroutine, it’s not necessary to specify the size of the array. By using one or more colons separated by commas in the dimension statement, it’s possible to specify the dimension, but not the size of an array argument. The function can then be called with an array of the appropriate size used as the argument.</a:t>
+              <a:t>A subroutine is called by using the “call” statement followed by the name of the subroutine. The names of the variables whose values are to be used in the call to the subroutine. The variables used here may have the same or different names to the names of the arguments as defined in subroutine declaration.</a:t>
+            </a:r>
+          </a:p>
+          <a:p>
+            <a:pPr marL="0" marR="0" lvl="0" indent="0" algn="l" defTabSz="914400" rtl="0" eaLnBrk="1" fontAlgn="auto" latinLnBrk="0" hangingPunct="1">
+              <a:lnSpc>
+                <a:spcPct val="100000"/>
+              </a:lnSpc>
+              <a:spcBef>
+                <a:spcPts val="0"/>
+              </a:spcBef>
+              <a:spcAft>
+                <a:spcPts val="0"/>
+              </a:spcAft>
+              <a:buClrTx/>
+              <a:buSzTx/>
+              <a:buFontTx/>
+              <a:buNone/>
+              <a:tabLst/>
+              <a:defRPr/>
+            </a:pPr>
+            <a:endParaRPr lang="en-GB" dirty="0"/>
+          </a:p>
+          <a:p>
+            <a:pPr marL="0" marR="0" lvl="0" indent="0" algn="l" defTabSz="914400" rtl="0" eaLnBrk="1" fontAlgn="auto" latinLnBrk="0" hangingPunct="1">
+              <a:lnSpc>
+                <a:spcPct val="100000"/>
+              </a:lnSpc>
+              <a:spcBef>
+                <a:spcPts val="0"/>
+              </a:spcBef>
+              <a:spcAft>
+                <a:spcPts val="0"/>
+              </a:spcAft>
+              <a:buClrTx/>
+              <a:buSzTx/>
+              <a:buFontTx/>
+              <a:buNone/>
+              <a:tabLst/>
+              <a:defRPr/>
+            </a:pPr>
+            <a:r>
+              <a:rPr lang="en-GB" dirty="0"/>
+              <a:t>Once the call to the subroutine has been completed, the values of the variables in the argument list will take the value of the corresponding argument in the subroutine at the end of the subroutine call.</a:t>
             </a:r>
           </a:p>
         </p:txBody>
@@ -6497,7 +6508,7 @@
     </p:spTree>
     <p:extLst>
       <p:ext uri="{BB962C8B-B14F-4D97-AF65-F5344CB8AC3E}">
-        <p14:creationId xmlns:p14="http://schemas.microsoft.com/office/powerpoint/2010/main" val="3155736512"/>
+        <p14:creationId xmlns:p14="http://schemas.microsoft.com/office/powerpoint/2010/main" val="1299901112"/>
       </p:ext>
     </p:extLst>
   </p:cSld>
@@ -7115,86 +7126,7 @@
           <a:bodyPr/>
           <a:lstStyle/>
           <a:p>
-            <a:r>
-              <a:rPr lang="en-GB" dirty="0"/>
-              <a:t>There are two main types of error in Fortran (as in most compiled languages).</a:t>
-            </a:r>
-          </a:p>
-          <a:p>
             <a:endParaRPr lang="en-GB" dirty="0"/>
-          </a:p>
-          <a:p>
-            <a:r>
-              <a:rPr lang="en-GB" dirty="0"/>
-              <a:t>The first is a compilation error. This is where you have written something that is syntactically invalid and the problem is found when the compiler examines the source code. For instance, using an undeclared variable or starting a “do” loop but not using an “end do” would be examples of compilation errors because the compiler can work out the syntax is wrong from simply looking at the source code. Every compiler is slightly different and so compilation errors will be phrased differently by different compilers. In addition, some compilers may have more advanced logic and so may be able to spot different problems. Compilers may also provide warnings for things which aren’t technically wrong, but may be mistake the programmer has made, such as declaring a variable but never using it. Which warnings compilers display by default will vary from compiler to compiler and may be further toggled with compiler flags.</a:t>
-            </a:r>
-          </a:p>
-          <a:p>
-            <a:endParaRPr lang="en-GB" dirty="0"/>
-          </a:p>
-          <a:p>
-            <a:r>
-              <a:rPr lang="en-GB" dirty="0"/>
-              <a:t>Run-time errors occur when the syntax of a code is correct, but there are problems when the code is run due to the values of particular variables. As the compiler doesn’t run the code, it cannot spot these problems. They can only be found by running the code, often with different variables and in different contexts in the case of a subroutine or function. A common run-time error is a “</a:t>
-            </a:r>
-            <a:r>
-              <a:rPr lang="en-GB" dirty="0" err="1"/>
-              <a:t>segfault</a:t>
-            </a:r>
-            <a:r>
-              <a:rPr lang="en-GB" dirty="0"/>
-              <a:t>”, which commonly occurs when you try to read from or to a piece of memory which isn’t allocated. For example, reading from an unallocated array, or writing to the fourth element of an array with three entries. This type of </a:t>
-            </a:r>
-            <a:r>
-              <a:rPr lang="en-GB" dirty="0" err="1"/>
-              <a:t>errordoes</a:t>
-            </a:r>
-            <a:r>
-              <a:rPr lang="en-GB" dirty="0"/>
-              <a:t> not always give a useful error message and so can be tricky to track down. In the worst cases, may not even be picked up on as the code runs and may simply cause “wrong” results. For many compilers, extra compilation options will put in explicit checks for such errors and will also be able to provide more useful error messages. An example would be the “-</a:t>
-            </a:r>
-            <a:r>
-              <a:rPr lang="en-GB" dirty="0" err="1"/>
-              <a:t>fcheck</a:t>
-            </a:r>
-            <a:r>
-              <a:rPr lang="en-GB" dirty="0"/>
-              <a:t>=bounds” option for </a:t>
-            </a:r>
-            <a:r>
-              <a:rPr lang="en-GB" dirty="0" err="1"/>
-              <a:t>gfortran</a:t>
-            </a:r>
-            <a:r>
-              <a:rPr lang="en-GB" dirty="0"/>
-              <a:t> would check for accessing an element of an array beyond the bounds of the array. There are also specialised tools such as </a:t>
-            </a:r>
-            <a:r>
-              <a:rPr lang="en-GB" dirty="0" err="1"/>
-              <a:t>valgrind</a:t>
-            </a:r>
-            <a:r>
-              <a:rPr lang="en-GB" dirty="0"/>
-              <a:t> </a:t>
-            </a:r>
-            <a:r>
-              <a:rPr lang="en-GB" dirty="0">
-                <a:hlinkClick r:id="rId3"/>
-              </a:rPr>
-              <a:t>https://valgrind.org/</a:t>
-            </a:r>
-            <a:r>
-              <a:rPr lang="en-GB" dirty="0"/>
-              <a:t> which perform detailed and helpful checks of many run-time errors. However, using debugging flags or external tools such as </a:t>
-            </a:r>
-            <a:r>
-              <a:rPr lang="en-GB" dirty="0" err="1"/>
-              <a:t>valgrind</a:t>
-            </a:r>
-            <a:r>
-              <a:rPr lang="en-GB" dirty="0"/>
-              <a:t> will slow down your code a lot. As a result, these tools are best used in the development phase of your project.</a:t>
-            </a:r>
           </a:p>
         </p:txBody>
       </p:sp>
@@ -7230,6 +7162,69 @@
       </p:grpSpPr>
       <p:sp>
         <p:nvSpPr>
+          <p:cNvPr id="2" name="Notes Placeholder 1">
+            <a:extLst>
+              <a:ext uri="{FF2B5EF4-FFF2-40B4-BE49-F238E27FC236}">
+                <a16:creationId xmlns:a16="http://schemas.microsoft.com/office/drawing/2014/main" id="{50EFE6BF-E4A8-4E27-8C94-0E633E72D8B2}"/>
+              </a:ext>
+            </a:extLst>
+          </p:cNvPr>
+          <p:cNvSpPr>
+            <a:spLocks noGrp="1"/>
+          </p:cNvSpPr>
+          <p:nvPr>
+            <p:ph type="body" idx="1"/>
+          </p:nvPr>
+        </p:nvSpPr>
+        <p:spPr/>
+        <p:txBody>
+          <a:bodyPr/>
+          <a:lstStyle/>
+          <a:p>
+            <a:r>
+              <a:rPr lang="en-GB" dirty="0"/>
+              <a:t>There are several debugging tools which can help you navigate some of the trials of debugging Fortran code. We don’t have time to cover them in detail, but you may want to look at these tools as you get more advanced </a:t>
+            </a:r>
+            <a:r>
+              <a:rPr lang="en-GB"/>
+              <a:t>with Fortran.</a:t>
+            </a:r>
+            <a:endParaRPr lang="en-GB" dirty="0"/>
+          </a:p>
+        </p:txBody>
+      </p:sp>
+    </p:spTree>
+    <p:extLst>
+      <p:ext uri="{BB962C8B-B14F-4D97-AF65-F5344CB8AC3E}">
+        <p14:creationId xmlns:p14="http://schemas.microsoft.com/office/powerpoint/2010/main" val="3756634455"/>
+      </p:ext>
+    </p:extLst>
+  </p:cSld>
+  <p:clrMapOvr>
+    <a:masterClrMapping/>
+  </p:clrMapOvr>
+</p:notes>
+</file>
+
+<file path=ppt/notesSlides/notesSlide49.xml><?xml version="1.0" encoding="utf-8"?>
+<p:notes xmlns:a="http://schemas.openxmlformats.org/drawingml/2006/main" xmlns:r="http://schemas.openxmlformats.org/officeDocument/2006/relationships" xmlns:p="http://schemas.openxmlformats.org/presentationml/2006/main">
+  <p:cSld>
+    <p:spTree>
+      <p:nvGrpSpPr>
+        <p:cNvPr id="1" name=""/>
+        <p:cNvGrpSpPr/>
+        <p:nvPr/>
+      </p:nvGrpSpPr>
+      <p:grpSpPr>
+        <a:xfrm>
+          <a:off x="0" y="0"/>
+          <a:ext cx="0" cy="0"/>
+          <a:chOff x="0" y="0"/>
+          <a:chExt cx="0" cy="0"/>
+        </a:xfrm>
+      </p:grpSpPr>
+      <p:sp>
+        <p:nvSpPr>
           <p:cNvPr id="108546" name="Rectangle 7"/>
           <p:cNvSpPr>
             <a:spLocks noGrp="1" noChangeArrowheads="1"/>
@@ -7388,7 +7383,7 @@
                   <a:spcPct val="0"/>
                 </a:spcBef>
               </a:pPr>
-              <a:t>48</a:t>
+              <a:t>49</a:t>
             </a:fld>
             <a:endParaRPr lang="en-US" altLang="en-US"/>
           </a:p>
@@ -8437,7 +8432,7 @@
           <a:p>
             <a:fld id="{EB0080F8-EA1C-491D-963C-2C881B2F918F}" type="datetimeFigureOut">
               <a:rPr lang="en-GB" smtClean="0"/>
-              <a:t>30/01/2020</a:t>
+              <a:t>31/01/2020</a:t>
             </a:fld>
             <a:endParaRPr lang="en-GB"/>
           </a:p>
@@ -8587,7 +8582,7 @@
           <a:p>
             <a:fld id="{EB0080F8-EA1C-491D-963C-2C881B2F918F}" type="datetimeFigureOut">
               <a:rPr lang="en-GB" smtClean="0"/>
-              <a:t>30/01/2020</a:t>
+              <a:t>31/01/2020</a:t>
             </a:fld>
             <a:endParaRPr lang="en-GB"/>
           </a:p>
@@ -10120,7 +10115,7 @@
           <a:p>
             <a:fld id="{EB0080F8-EA1C-491D-963C-2C881B2F918F}" type="datetimeFigureOut">
               <a:rPr lang="en-GB" smtClean="0"/>
-              <a:t>30/01/2020</a:t>
+              <a:t>31/01/2020</a:t>
             </a:fld>
             <a:endParaRPr lang="en-GB"/>
           </a:p>
@@ -13322,14 +13317,14 @@
           <p:nvPr>
             <p:extLst>
               <p:ext uri="{D42A27DB-BD31-4B8C-83A1-F6EECF244321}">
-                <p14:modId xmlns:p14="http://schemas.microsoft.com/office/powerpoint/2010/main" val="1713723781"/>
+                <p14:modId xmlns:p14="http://schemas.microsoft.com/office/powerpoint/2010/main" val="2502250478"/>
               </p:ext>
             </p:extLst>
           </p:nvPr>
         </p:nvGraphicFramePr>
         <p:xfrm>
           <a:off x="457200" y="1271753"/>
-          <a:ext cx="8229600" cy="5087006"/>
+          <a:ext cx="8229600" cy="4831781"/>
         </p:xfrm>
         <a:graphic>
           <a:graphicData uri="http://schemas.openxmlformats.org/drawingml/2006/table">
@@ -13507,7 +13502,7 @@
                   </a:ext>
                 </a:extLst>
               </a:tr>
-              <a:tr h="682013">
+              <a:tr h="426788">
                 <a:tc>
                   <a:txBody>
                     <a:bodyPr/>
@@ -13541,7 +13536,7 @@
                     <a:p>
                       <a:r>
                         <a:rPr lang="en-US" dirty="0"/>
-                        <a:t>Returns the hyperbolic tangent of a (in radians)</a:t>
+                        <a:t>Returns the hyperbolic tangent of a</a:t>
                       </a:r>
                     </a:p>
                   </a:txBody>
@@ -16198,14 +16193,14 @@
           <p:nvPr>
             <p:extLst>
               <p:ext uri="{D42A27DB-BD31-4B8C-83A1-F6EECF244321}">
-                <p14:modId xmlns:p14="http://schemas.microsoft.com/office/powerpoint/2010/main" val="4105514913"/>
+                <p14:modId xmlns:p14="http://schemas.microsoft.com/office/powerpoint/2010/main" val="2085488993"/>
               </p:ext>
             </p:extLst>
           </p:nvPr>
         </p:nvGraphicFramePr>
         <p:xfrm>
           <a:off x="457200" y="1093077"/>
-          <a:ext cx="8229600" cy="5445605"/>
+          <a:ext cx="8229600" cy="5423685"/>
         </p:xfrm>
         <a:graphic>
           <a:graphicData uri="http://schemas.openxmlformats.org/drawingml/2006/table">
@@ -16236,7 +16231,7 @@
                   </a:extLst>
                 </a:gridCol>
               </a:tblGrid>
-              <a:tr h="315550">
+              <a:tr h="357181">
                 <a:tc>
                   <a:txBody>
                     <a:bodyPr/>
@@ -16282,7 +16277,7 @@
                   </a:ext>
                 </a:extLst>
               </a:tr>
-              <a:tr h="320449">
+              <a:tr h="327416">
                 <a:tc>
                   <a:txBody>
                     <a:bodyPr/>
@@ -16329,7 +16324,7 @@
                   </a:ext>
                 </a:extLst>
               </a:tr>
-              <a:tr h="320449">
+              <a:tr h="327416">
                 <a:tc>
                   <a:txBody>
                     <a:bodyPr/>
@@ -16375,7 +16370,7 @@
                   </a:ext>
                 </a:extLst>
               </a:tr>
-              <a:tr h="513074">
+              <a:tr h="565537">
                 <a:tc>
                   <a:txBody>
                     <a:bodyPr/>
@@ -16445,7 +16440,7 @@
                   </a:ext>
                 </a:extLst>
               </a:tr>
-              <a:tr h="513074">
+              <a:tr h="565537">
                 <a:tc>
                   <a:txBody>
                     <a:bodyPr/>
@@ -16515,7 +16510,7 @@
                   </a:ext>
                 </a:extLst>
               </a:tr>
-              <a:tr h="513074">
+              <a:tr h="565537">
                 <a:tc>
                   <a:txBody>
                     <a:bodyPr/>
@@ -16585,7 +16580,7 @@
                   </a:ext>
                 </a:extLst>
               </a:tr>
-              <a:tr h="513074">
+              <a:tr h="565537">
                 <a:tc>
                   <a:txBody>
                     <a:bodyPr/>
@@ -16643,7 +16638,7 @@
                   </a:ext>
                 </a:extLst>
               </a:tr>
-              <a:tr h="513074">
+              <a:tr h="565537">
                 <a:tc>
                   <a:txBody>
                     <a:bodyPr/>
@@ -16701,7 +16696,7 @@
                   </a:ext>
                 </a:extLst>
               </a:tr>
-              <a:tr h="421491">
+              <a:tr h="411605">
                 <a:tc>
                   <a:txBody>
                     <a:bodyPr/>
@@ -16751,7 +16746,7 @@
                   </a:ext>
                 </a:extLst>
               </a:tr>
-              <a:tr h="513074">
+              <a:tr h="565537">
                 <a:tc>
                   <a:txBody>
                     <a:bodyPr/>
@@ -16801,7 +16796,7 @@
                   </a:ext>
                 </a:extLst>
               </a:tr>
-              <a:tr h="513074">
+              <a:tr h="501040">
                 <a:tc>
                   <a:txBody>
                     <a:bodyPr/>
@@ -20054,6 +20049,1878 @@
           <a:p>
             <a:r>
               <a:rPr lang="en-GB" sz="4000" dirty="0"/>
+              <a:t>Functions</a:t>
+            </a:r>
+          </a:p>
+        </p:txBody>
+      </p:sp>
+      <p:sp>
+        <p:nvSpPr>
+          <p:cNvPr id="7" name="Content Placeholder 6">
+            <a:extLst>
+              <a:ext uri="{FF2B5EF4-FFF2-40B4-BE49-F238E27FC236}">
+                <a16:creationId xmlns:a16="http://schemas.microsoft.com/office/drawing/2014/main" id="{8704F1A3-720B-4123-B3B8-B6C05F8BAC14}"/>
+              </a:ext>
+            </a:extLst>
+          </p:cNvPr>
+          <p:cNvSpPr>
+            <a:spLocks noGrp="1"/>
+          </p:cNvSpPr>
+          <p:nvPr>
+            <p:ph idx="1"/>
+          </p:nvPr>
+        </p:nvSpPr>
+        <p:spPr/>
+        <p:txBody>
+          <a:bodyPr/>
+          <a:lstStyle/>
+          <a:p>
+            <a:r>
+              <a:rPr lang="en-GB" dirty="0"/>
+              <a:t>A function must be defined within a “contains” section of your code</a:t>
+            </a:r>
+          </a:p>
+          <a:p>
+            <a:r>
+              <a:rPr lang="en-GB" dirty="0"/>
+              <a:t>May contain it’s own variable declarations</a:t>
+            </a:r>
+          </a:p>
+          <a:p>
+            <a:r>
+              <a:rPr lang="en-GB" dirty="0"/>
+              <a:t>Variables are not available from elsewhere</a:t>
+            </a:r>
+          </a:p>
+          <a:p>
+            <a:r>
+              <a:rPr lang="en-GB" dirty="0"/>
+              <a:t>Functions have a type</a:t>
+            </a:r>
+          </a:p>
+          <a:p>
+            <a:r>
+              <a:rPr lang="en-GB" dirty="0"/>
+              <a:t>Returns a value</a:t>
+            </a:r>
+          </a:p>
+        </p:txBody>
+      </p:sp>
+    </p:spTree>
+    <p:extLst>
+      <p:ext uri="{BB962C8B-B14F-4D97-AF65-F5344CB8AC3E}">
+        <p14:creationId xmlns:p14="http://schemas.microsoft.com/office/powerpoint/2010/main" val="200963720"/>
+      </p:ext>
+    </p:extLst>
+  </p:cSld>
+  <p:clrMapOvr>
+    <a:masterClrMapping/>
+  </p:clrMapOvr>
+  <mc:AlternateContent xmlns:mc="http://schemas.openxmlformats.org/markup-compatibility/2006" xmlns:p14="http://schemas.microsoft.com/office/powerpoint/2010/main">
+    <mc:Choice Requires="p14">
+      <p:transition p14:dur="10"/>
+    </mc:Choice>
+    <mc:Fallback xmlns="">
+      <p:transition/>
+    </mc:Fallback>
+  </mc:AlternateContent>
+</p:sld>
+</file>
+
+<file path=ppt/slides/slide36.xml><?xml version="1.0" encoding="utf-8"?>
+<p:sld xmlns:a="http://schemas.openxmlformats.org/drawingml/2006/main" xmlns:r="http://schemas.openxmlformats.org/officeDocument/2006/relationships" xmlns:p="http://schemas.openxmlformats.org/presentationml/2006/main">
+  <p:cSld>
+    <p:spTree>
+      <p:nvGrpSpPr>
+        <p:cNvPr id="1" name=""/>
+        <p:cNvGrpSpPr/>
+        <p:nvPr/>
+      </p:nvGrpSpPr>
+      <p:grpSpPr>
+        <a:xfrm>
+          <a:off x="0" y="0"/>
+          <a:ext cx="0" cy="0"/>
+          <a:chOff x="0" y="0"/>
+          <a:chExt cx="0" cy="0"/>
+        </a:xfrm>
+      </p:grpSpPr>
+      <p:sp>
+        <p:nvSpPr>
+          <p:cNvPr id="2" name="Title 1"/>
+          <p:cNvSpPr>
+            <a:spLocks noGrp="1"/>
+          </p:cNvSpPr>
+          <p:nvPr>
+            <p:ph type="title"/>
+          </p:nvPr>
+        </p:nvSpPr>
+        <p:spPr/>
+        <p:txBody>
+          <a:bodyPr/>
+          <a:lstStyle/>
+          <a:p>
+            <a:r>
+              <a:rPr lang="en-GB" sz="4000" dirty="0"/>
+              <a:t>Functions - Definition</a:t>
+            </a:r>
+          </a:p>
+        </p:txBody>
+      </p:sp>
+      <p:sp>
+        <p:nvSpPr>
+          <p:cNvPr id="7" name="Content Placeholder 6">
+            <a:extLst>
+              <a:ext uri="{FF2B5EF4-FFF2-40B4-BE49-F238E27FC236}">
+                <a16:creationId xmlns:a16="http://schemas.microsoft.com/office/drawing/2014/main" id="{8704F1A3-720B-4123-B3B8-B6C05F8BAC14}"/>
+              </a:ext>
+            </a:extLst>
+          </p:cNvPr>
+          <p:cNvSpPr>
+            <a:spLocks noGrp="1"/>
+          </p:cNvSpPr>
+          <p:nvPr>
+            <p:ph idx="1"/>
+          </p:nvPr>
+        </p:nvSpPr>
+        <p:spPr>
+          <a:xfrm>
+            <a:off x="457200" y="1466440"/>
+            <a:ext cx="8131996" cy="2252797"/>
+          </a:xfrm>
+        </p:spPr>
+        <p:txBody>
+          <a:bodyPr/>
+          <a:lstStyle/>
+          <a:p>
+            <a:pPr marL="0" indent="0">
+              <a:buNone/>
+            </a:pPr>
+            <a:r>
+              <a:rPr lang="en-GB" sz="2000" dirty="0">
+                <a:solidFill>
+                  <a:schemeClr val="accent5"/>
+                </a:solidFill>
+              </a:rPr>
+              <a:t>real function </a:t>
+            </a:r>
+            <a:r>
+              <a:rPr lang="en-GB" sz="2000" dirty="0">
+                <a:solidFill>
+                  <a:schemeClr val="accent3"/>
+                </a:solidFill>
+              </a:rPr>
+              <a:t>function_name1</a:t>
+            </a:r>
+            <a:r>
+              <a:rPr lang="en-GB" sz="2000" dirty="0"/>
+              <a:t>(</a:t>
+            </a:r>
+            <a:r>
+              <a:rPr lang="en-GB" sz="2000" dirty="0">
+                <a:solidFill>
+                  <a:schemeClr val="accent4"/>
+                </a:solidFill>
+              </a:rPr>
+              <a:t>arg1</a:t>
+            </a:r>
+            <a:r>
+              <a:rPr lang="en-GB" sz="2000" dirty="0"/>
+              <a:t>, </a:t>
+            </a:r>
+            <a:r>
+              <a:rPr lang="en-GB" sz="2000" dirty="0">
+                <a:solidFill>
+                  <a:schemeClr val="accent4"/>
+                </a:solidFill>
+              </a:rPr>
+              <a:t>arg2</a:t>
+            </a:r>
+            <a:r>
+              <a:rPr lang="en-GB" sz="2000" dirty="0"/>
+              <a:t>)</a:t>
+            </a:r>
+          </a:p>
+          <a:p>
+            <a:pPr marL="0" indent="0">
+              <a:buNone/>
+            </a:pPr>
+            <a:r>
+              <a:rPr lang="en-GB" sz="2000" dirty="0"/>
+              <a:t>	</a:t>
+            </a:r>
+            <a:r>
+              <a:rPr lang="en-GB" sz="2000" dirty="0">
+                <a:solidFill>
+                  <a:schemeClr val="accent5"/>
+                </a:solidFill>
+              </a:rPr>
+              <a:t>real</a:t>
+            </a:r>
+            <a:r>
+              <a:rPr lang="en-GB" sz="2000" dirty="0"/>
+              <a:t>	::	arg1, arg2</a:t>
+            </a:r>
+          </a:p>
+          <a:p>
+            <a:pPr marL="0" indent="0">
+              <a:buNone/>
+            </a:pPr>
+            <a:endParaRPr lang="en-GB" sz="2000" dirty="0"/>
+          </a:p>
+          <a:p>
+            <a:pPr marL="0" indent="0">
+              <a:buNone/>
+            </a:pPr>
+            <a:r>
+              <a:rPr lang="en-GB" sz="2000" dirty="0"/>
+              <a:t>	function_name1=arg1*arg2</a:t>
+            </a:r>
+          </a:p>
+          <a:p>
+            <a:pPr marL="0" indent="0">
+              <a:buNone/>
+            </a:pPr>
+            <a:endParaRPr lang="en-GB" sz="2000" dirty="0"/>
+          </a:p>
+          <a:p>
+            <a:pPr marL="0" indent="0">
+              <a:buNone/>
+            </a:pPr>
+            <a:r>
+              <a:rPr lang="en-GB" sz="2000" dirty="0">
+                <a:solidFill>
+                  <a:schemeClr val="accent5"/>
+                </a:solidFill>
+              </a:rPr>
+              <a:t>end function </a:t>
+            </a:r>
+            <a:r>
+              <a:rPr lang="en-GB" sz="2000" dirty="0">
+                <a:solidFill>
+                  <a:schemeClr val="accent3"/>
+                </a:solidFill>
+              </a:rPr>
+              <a:t>function_name1</a:t>
+            </a:r>
+          </a:p>
+        </p:txBody>
+      </p:sp>
+      <p:cxnSp>
+        <p:nvCxnSpPr>
+          <p:cNvPr id="6" name="Straight Connector 5">
+            <a:extLst>
+              <a:ext uri="{FF2B5EF4-FFF2-40B4-BE49-F238E27FC236}">
+                <a16:creationId xmlns:a16="http://schemas.microsoft.com/office/drawing/2014/main" id="{40EABCDA-4885-4D33-A09B-9332CB4EEB0C}"/>
+              </a:ext>
+            </a:extLst>
+          </p:cNvPr>
+          <p:cNvCxnSpPr>
+            <a:cxnSpLocks/>
+          </p:cNvCxnSpPr>
+          <p:nvPr/>
+        </p:nvCxnSpPr>
+        <p:spPr>
+          <a:xfrm>
+            <a:off x="457200" y="3924728"/>
+            <a:ext cx="8131996" cy="0"/>
+          </a:xfrm>
+          <a:prstGeom prst="line">
+            <a:avLst/>
+          </a:prstGeom>
+        </p:spPr>
+        <p:style>
+          <a:lnRef idx="2">
+            <a:schemeClr val="accent1"/>
+          </a:lnRef>
+          <a:fillRef idx="0">
+            <a:schemeClr val="accent1"/>
+          </a:fillRef>
+          <a:effectRef idx="1">
+            <a:schemeClr val="accent1"/>
+          </a:effectRef>
+          <a:fontRef idx="minor">
+            <a:schemeClr val="tx1"/>
+          </a:fontRef>
+        </p:style>
+      </p:cxnSp>
+      <p:sp>
+        <p:nvSpPr>
+          <p:cNvPr id="10" name="Content Placeholder 6">
+            <a:extLst>
+              <a:ext uri="{FF2B5EF4-FFF2-40B4-BE49-F238E27FC236}">
+                <a16:creationId xmlns:a16="http://schemas.microsoft.com/office/drawing/2014/main" id="{456FA98F-FEFA-4AEC-9F3D-80689B184E8A}"/>
+              </a:ext>
+            </a:extLst>
+          </p:cNvPr>
+          <p:cNvSpPr txBox="1">
+            <a:spLocks/>
+          </p:cNvSpPr>
+          <p:nvPr/>
+        </p:nvSpPr>
+        <p:spPr>
+          <a:xfrm>
+            <a:off x="457200" y="4279847"/>
+            <a:ext cx="8131996" cy="2303501"/>
+          </a:xfrm>
+          <a:prstGeom prst="rect">
+            <a:avLst/>
+          </a:prstGeom>
+        </p:spPr>
+        <p:txBody>
+          <a:bodyPr/>
+          <a:lstStyle>
+            <a:lvl1pPr marL="342900" indent="-342900" algn="l" defTabSz="457200" rtl="0" eaLnBrk="1" latinLnBrk="0" hangingPunct="1">
+              <a:spcBef>
+                <a:spcPct val="20000"/>
+              </a:spcBef>
+              <a:buFont typeface="Arial"/>
+              <a:buChar char="•"/>
+              <a:defRPr sz="3200" kern="1200">
+                <a:solidFill>
+                  <a:schemeClr val="tx1"/>
+                </a:solidFill>
+                <a:latin typeface="+mn-lt"/>
+                <a:ea typeface="+mn-ea"/>
+                <a:cs typeface="+mn-cs"/>
+              </a:defRPr>
+            </a:lvl1pPr>
+            <a:lvl2pPr marL="742950" indent="-285750" algn="l" defTabSz="457200" rtl="0" eaLnBrk="1" latinLnBrk="0" hangingPunct="1">
+              <a:spcBef>
+                <a:spcPct val="20000"/>
+              </a:spcBef>
+              <a:buFont typeface="Arial"/>
+              <a:buChar char="–"/>
+              <a:defRPr sz="2800" kern="1200">
+                <a:solidFill>
+                  <a:schemeClr val="tx1"/>
+                </a:solidFill>
+                <a:latin typeface="+mn-lt"/>
+                <a:ea typeface="+mn-ea"/>
+                <a:cs typeface="+mn-cs"/>
+              </a:defRPr>
+            </a:lvl2pPr>
+            <a:lvl3pPr marL="1143000" indent="-228600" algn="l" defTabSz="457200" rtl="0" eaLnBrk="1" latinLnBrk="0" hangingPunct="1">
+              <a:spcBef>
+                <a:spcPct val="20000"/>
+              </a:spcBef>
+              <a:buFont typeface="Arial"/>
+              <a:buChar char="•"/>
+              <a:defRPr sz="2400" kern="1200">
+                <a:solidFill>
+                  <a:schemeClr val="tx1"/>
+                </a:solidFill>
+                <a:latin typeface="+mn-lt"/>
+                <a:ea typeface="+mn-ea"/>
+                <a:cs typeface="+mn-cs"/>
+              </a:defRPr>
+            </a:lvl3pPr>
+            <a:lvl4pPr marL="1600200" indent="-228600" algn="l" defTabSz="457200" rtl="0" eaLnBrk="1" latinLnBrk="0" hangingPunct="1">
+              <a:spcBef>
+                <a:spcPct val="20000"/>
+              </a:spcBef>
+              <a:buFont typeface="Arial"/>
+              <a:buChar char="–"/>
+              <a:defRPr sz="2000" kern="1200">
+                <a:solidFill>
+                  <a:schemeClr val="tx1"/>
+                </a:solidFill>
+                <a:latin typeface="+mn-lt"/>
+                <a:ea typeface="+mn-ea"/>
+                <a:cs typeface="+mn-cs"/>
+              </a:defRPr>
+            </a:lvl4pPr>
+            <a:lvl5pPr marL="1828800" indent="0" algn="l" defTabSz="457200" rtl="0" eaLnBrk="1" latinLnBrk="0" hangingPunct="1">
+              <a:spcBef>
+                <a:spcPct val="20000"/>
+              </a:spcBef>
+              <a:buFont typeface="Arial"/>
+              <a:buNone/>
+              <a:defRPr sz="2000" kern="1200">
+                <a:solidFill>
+                  <a:schemeClr val="tx1"/>
+                </a:solidFill>
+                <a:latin typeface="+mn-lt"/>
+                <a:ea typeface="+mn-ea"/>
+                <a:cs typeface="+mn-cs"/>
+              </a:defRPr>
+            </a:lvl5pPr>
+            <a:lvl6pPr marL="2514600" indent="-228600" algn="l" defTabSz="457200" rtl="0" eaLnBrk="1" latinLnBrk="0" hangingPunct="1">
+              <a:spcBef>
+                <a:spcPct val="20000"/>
+              </a:spcBef>
+              <a:buFont typeface="Arial"/>
+              <a:buChar char="•"/>
+              <a:defRPr sz="2000" kern="1200">
+                <a:solidFill>
+                  <a:schemeClr val="tx1"/>
+                </a:solidFill>
+                <a:latin typeface="+mn-lt"/>
+                <a:ea typeface="+mn-ea"/>
+                <a:cs typeface="+mn-cs"/>
+              </a:defRPr>
+            </a:lvl6pPr>
+            <a:lvl7pPr marL="2971800" indent="-228600" algn="l" defTabSz="457200" rtl="0" eaLnBrk="1" latinLnBrk="0" hangingPunct="1">
+              <a:spcBef>
+                <a:spcPct val="20000"/>
+              </a:spcBef>
+              <a:buFont typeface="Arial"/>
+              <a:buChar char="•"/>
+              <a:defRPr sz="2000" kern="1200">
+                <a:solidFill>
+                  <a:schemeClr val="tx1"/>
+                </a:solidFill>
+                <a:latin typeface="+mn-lt"/>
+                <a:ea typeface="+mn-ea"/>
+                <a:cs typeface="+mn-cs"/>
+              </a:defRPr>
+            </a:lvl7pPr>
+            <a:lvl8pPr marL="3429000" indent="-228600" algn="l" defTabSz="457200" rtl="0" eaLnBrk="1" latinLnBrk="0" hangingPunct="1">
+              <a:spcBef>
+                <a:spcPct val="20000"/>
+              </a:spcBef>
+              <a:buFont typeface="Arial"/>
+              <a:buChar char="•"/>
+              <a:defRPr sz="2000" kern="1200">
+                <a:solidFill>
+                  <a:schemeClr val="tx1"/>
+                </a:solidFill>
+                <a:latin typeface="+mn-lt"/>
+                <a:ea typeface="+mn-ea"/>
+                <a:cs typeface="+mn-cs"/>
+              </a:defRPr>
+            </a:lvl8pPr>
+            <a:lvl9pPr marL="3886200" indent="-228600" algn="l" defTabSz="457200" rtl="0" eaLnBrk="1" latinLnBrk="0" hangingPunct="1">
+              <a:spcBef>
+                <a:spcPct val="20000"/>
+              </a:spcBef>
+              <a:buFont typeface="Arial"/>
+              <a:buChar char="•"/>
+              <a:defRPr sz="2000" kern="1200">
+                <a:solidFill>
+                  <a:schemeClr val="tx1"/>
+                </a:solidFill>
+                <a:latin typeface="+mn-lt"/>
+                <a:ea typeface="+mn-ea"/>
+                <a:cs typeface="+mn-cs"/>
+              </a:defRPr>
+            </a:lvl9pPr>
+          </a:lstStyle>
+          <a:p>
+            <a:pPr marL="0" indent="0">
+              <a:buFont typeface="Arial"/>
+              <a:buNone/>
+            </a:pPr>
+            <a:r>
+              <a:rPr lang="en-GB" sz="2000" dirty="0">
+                <a:solidFill>
+                  <a:schemeClr val="accent5"/>
+                </a:solidFill>
+              </a:rPr>
+              <a:t>function</a:t>
+            </a:r>
+            <a:r>
+              <a:rPr lang="en-GB" sz="2000" dirty="0"/>
+              <a:t> </a:t>
+            </a:r>
+            <a:r>
+              <a:rPr lang="en-GB" sz="2000" dirty="0">
+                <a:solidFill>
+                  <a:schemeClr val="accent3"/>
+                </a:solidFill>
+              </a:rPr>
+              <a:t>function_name2</a:t>
+            </a:r>
+            <a:r>
+              <a:rPr lang="en-GB" sz="2000" dirty="0"/>
+              <a:t>(arg1, arg2)result(evaluation)</a:t>
+            </a:r>
+          </a:p>
+          <a:p>
+            <a:pPr marL="0" indent="0">
+              <a:buFont typeface="Arial"/>
+              <a:buNone/>
+            </a:pPr>
+            <a:r>
+              <a:rPr lang="en-GB" sz="2000" dirty="0"/>
+              <a:t>	</a:t>
+            </a:r>
+            <a:r>
+              <a:rPr lang="en-GB" sz="2000" dirty="0">
+                <a:solidFill>
+                  <a:schemeClr val="accent5"/>
+                </a:solidFill>
+              </a:rPr>
+              <a:t>real</a:t>
+            </a:r>
+            <a:r>
+              <a:rPr lang="en-GB" sz="2000" dirty="0"/>
+              <a:t>	::	arg1, arg2, evaluation</a:t>
+            </a:r>
+          </a:p>
+          <a:p>
+            <a:pPr marL="0" indent="0">
+              <a:buFont typeface="Arial"/>
+              <a:buNone/>
+            </a:pPr>
+            <a:endParaRPr lang="en-GB" sz="2000" dirty="0"/>
+          </a:p>
+          <a:p>
+            <a:pPr marL="0" indent="0">
+              <a:buFont typeface="Arial"/>
+              <a:buNone/>
+            </a:pPr>
+            <a:r>
+              <a:rPr lang="en-GB" sz="2000" dirty="0"/>
+              <a:t>	evaluation=arg1*arg2</a:t>
+            </a:r>
+          </a:p>
+          <a:p>
+            <a:pPr marL="0" indent="0">
+              <a:buFont typeface="Arial"/>
+              <a:buNone/>
+            </a:pPr>
+            <a:endParaRPr lang="en-GB" sz="2000" dirty="0"/>
+          </a:p>
+          <a:p>
+            <a:pPr marL="0" indent="0">
+              <a:buFont typeface="Arial"/>
+              <a:buNone/>
+            </a:pPr>
+            <a:r>
+              <a:rPr lang="en-GB" sz="2000" dirty="0">
+                <a:solidFill>
+                  <a:schemeClr val="accent5"/>
+                </a:solidFill>
+              </a:rPr>
+              <a:t>end function </a:t>
+            </a:r>
+            <a:r>
+              <a:rPr lang="en-GB" sz="2000" dirty="0">
+                <a:solidFill>
+                  <a:schemeClr val="accent3"/>
+                </a:solidFill>
+              </a:rPr>
+              <a:t>function_name2</a:t>
+            </a:r>
+          </a:p>
+        </p:txBody>
+      </p:sp>
+      <p:sp>
+        <p:nvSpPr>
+          <p:cNvPr id="11" name="TextBox 10">
+            <a:extLst>
+              <a:ext uri="{FF2B5EF4-FFF2-40B4-BE49-F238E27FC236}">
+                <a16:creationId xmlns:a16="http://schemas.microsoft.com/office/drawing/2014/main" id="{EE625C72-6D59-439C-96A8-3DEE7A0774D8}"/>
+              </a:ext>
+            </a:extLst>
+          </p:cNvPr>
+          <p:cNvSpPr txBox="1"/>
+          <p:nvPr/>
+        </p:nvSpPr>
+        <p:spPr>
+          <a:xfrm>
+            <a:off x="5728138" y="6498021"/>
+            <a:ext cx="1765738" cy="369332"/>
+          </a:xfrm>
+          <a:prstGeom prst="rect">
+            <a:avLst/>
+          </a:prstGeom>
+          <a:noFill/>
+        </p:spPr>
+        <p:txBody>
+          <a:bodyPr wrap="square" rtlCol="0">
+            <a:spAutoFit/>
+          </a:bodyPr>
+          <a:lstStyle/>
+          <a:p>
+            <a:r>
+              <a:rPr lang="en-GB" dirty="0">
+                <a:solidFill>
+                  <a:schemeClr val="accent1"/>
+                </a:solidFill>
+              </a:rPr>
+              <a:t>Demonstration</a:t>
+            </a:r>
+          </a:p>
+        </p:txBody>
+      </p:sp>
+    </p:spTree>
+    <p:extLst>
+      <p:ext uri="{BB962C8B-B14F-4D97-AF65-F5344CB8AC3E}">
+        <p14:creationId xmlns:p14="http://schemas.microsoft.com/office/powerpoint/2010/main" val="3162482540"/>
+      </p:ext>
+    </p:extLst>
+  </p:cSld>
+  <p:clrMapOvr>
+    <a:masterClrMapping/>
+  </p:clrMapOvr>
+  <mc:AlternateContent xmlns:mc="http://schemas.openxmlformats.org/markup-compatibility/2006" xmlns:p14="http://schemas.microsoft.com/office/powerpoint/2010/main">
+    <mc:Choice Requires="p14">
+      <p:transition p14:dur="10"/>
+    </mc:Choice>
+    <mc:Fallback xmlns="">
+      <p:transition/>
+    </mc:Fallback>
+  </mc:AlternateContent>
+</p:sld>
+</file>
+
+<file path=ppt/slides/slide37.xml><?xml version="1.0" encoding="utf-8"?>
+<p:sld xmlns:a="http://schemas.openxmlformats.org/drawingml/2006/main" xmlns:r="http://schemas.openxmlformats.org/officeDocument/2006/relationships" xmlns:p="http://schemas.openxmlformats.org/presentationml/2006/main">
+  <p:cSld>
+    <p:spTree>
+      <p:nvGrpSpPr>
+        <p:cNvPr id="1" name=""/>
+        <p:cNvGrpSpPr/>
+        <p:nvPr/>
+      </p:nvGrpSpPr>
+      <p:grpSpPr>
+        <a:xfrm>
+          <a:off x="0" y="0"/>
+          <a:ext cx="0" cy="0"/>
+          <a:chOff x="0" y="0"/>
+          <a:chExt cx="0" cy="0"/>
+        </a:xfrm>
+      </p:grpSpPr>
+      <p:sp>
+        <p:nvSpPr>
+          <p:cNvPr id="2" name="Title 1"/>
+          <p:cNvSpPr>
+            <a:spLocks noGrp="1"/>
+          </p:cNvSpPr>
+          <p:nvPr>
+            <p:ph type="title"/>
+          </p:nvPr>
+        </p:nvSpPr>
+        <p:spPr/>
+        <p:txBody>
+          <a:bodyPr/>
+          <a:lstStyle/>
+          <a:p>
+            <a:r>
+              <a:rPr lang="en-GB" sz="4000" dirty="0"/>
+              <a:t>Functions - Calling</a:t>
+            </a:r>
+          </a:p>
+        </p:txBody>
+      </p:sp>
+      <p:sp>
+        <p:nvSpPr>
+          <p:cNvPr id="7" name="Content Placeholder 6">
+            <a:extLst>
+              <a:ext uri="{FF2B5EF4-FFF2-40B4-BE49-F238E27FC236}">
+                <a16:creationId xmlns:a16="http://schemas.microsoft.com/office/drawing/2014/main" id="{8704F1A3-720B-4123-B3B8-B6C05F8BAC14}"/>
+              </a:ext>
+            </a:extLst>
+          </p:cNvPr>
+          <p:cNvSpPr>
+            <a:spLocks noGrp="1"/>
+          </p:cNvSpPr>
+          <p:nvPr>
+            <p:ph idx="1"/>
+          </p:nvPr>
+        </p:nvSpPr>
+        <p:spPr>
+          <a:xfrm>
+            <a:off x="457200" y="1466440"/>
+            <a:ext cx="8131996" cy="4879931"/>
+          </a:xfrm>
+        </p:spPr>
+        <p:txBody>
+          <a:bodyPr/>
+          <a:lstStyle/>
+          <a:p>
+            <a:pPr marL="0" indent="0">
+              <a:buNone/>
+            </a:pPr>
+            <a:r>
+              <a:rPr lang="en-GB" sz="2400" dirty="0">
+                <a:solidFill>
+                  <a:schemeClr val="accent5"/>
+                </a:solidFill>
+              </a:rPr>
+              <a:t>real</a:t>
+            </a:r>
+            <a:r>
+              <a:rPr lang="en-GB" sz="2400" dirty="0"/>
+              <a:t>    ::  real1, real2</a:t>
+            </a:r>
+          </a:p>
+          <a:p>
+            <a:pPr marL="0" indent="0">
+              <a:buNone/>
+            </a:pPr>
+            <a:endParaRPr lang="en-GB" sz="2400" dirty="0"/>
+          </a:p>
+          <a:p>
+            <a:pPr marL="0" indent="0">
+              <a:buNone/>
+            </a:pPr>
+            <a:r>
+              <a:rPr lang="en-GB" sz="2400" dirty="0">
+                <a:solidFill>
+                  <a:schemeClr val="accent1"/>
+                </a:solidFill>
+              </a:rPr>
+              <a:t>print</a:t>
+            </a:r>
+            <a:r>
+              <a:rPr lang="en-GB" sz="2400" dirty="0"/>
+              <a:t>*, function_name1(</a:t>
+            </a:r>
+            <a:r>
+              <a:rPr lang="en-GB" sz="2400" dirty="0">
+                <a:solidFill>
+                  <a:schemeClr val="accent2"/>
+                </a:solidFill>
+              </a:rPr>
+              <a:t>2.0</a:t>
+            </a:r>
+            <a:r>
+              <a:rPr lang="en-GB" sz="2400" dirty="0"/>
+              <a:t>, </a:t>
+            </a:r>
+            <a:r>
+              <a:rPr lang="en-GB" sz="2400" dirty="0">
+                <a:solidFill>
+                  <a:schemeClr val="accent2"/>
+                </a:solidFill>
+              </a:rPr>
+              <a:t>4.0</a:t>
+            </a:r>
+            <a:r>
+              <a:rPr lang="en-GB" sz="2400" dirty="0"/>
+              <a:t>)</a:t>
+            </a:r>
+          </a:p>
+          <a:p>
+            <a:pPr marL="0" indent="0">
+              <a:buNone/>
+            </a:pPr>
+            <a:r>
+              <a:rPr lang="en-GB" sz="2400" dirty="0">
+                <a:solidFill>
+                  <a:schemeClr val="accent1"/>
+                </a:solidFill>
+              </a:rPr>
+              <a:t>print</a:t>
+            </a:r>
+            <a:r>
+              <a:rPr lang="en-GB" sz="2400" dirty="0"/>
+              <a:t>*, function_name2(</a:t>
+            </a:r>
+            <a:r>
+              <a:rPr lang="en-GB" sz="2400" dirty="0">
+                <a:solidFill>
+                  <a:schemeClr val="accent2"/>
+                </a:solidFill>
+              </a:rPr>
+              <a:t>1.0</a:t>
+            </a:r>
+            <a:r>
+              <a:rPr lang="en-GB" sz="2400" dirty="0"/>
+              <a:t>, </a:t>
+            </a:r>
+            <a:r>
+              <a:rPr lang="en-GB" sz="2400" dirty="0">
+                <a:solidFill>
+                  <a:schemeClr val="accent2"/>
+                </a:solidFill>
+              </a:rPr>
+              <a:t>3.0</a:t>
+            </a:r>
+            <a:r>
+              <a:rPr lang="en-GB" sz="2400" dirty="0"/>
+              <a:t>)</a:t>
+            </a:r>
+          </a:p>
+          <a:p>
+            <a:pPr marL="0" indent="0">
+              <a:buNone/>
+            </a:pPr>
+            <a:endParaRPr lang="en-GB" sz="2400" dirty="0"/>
+          </a:p>
+          <a:p>
+            <a:pPr marL="0" indent="0">
+              <a:buNone/>
+            </a:pPr>
+            <a:r>
+              <a:rPr lang="en-GB" sz="2400" dirty="0"/>
+              <a:t>real1=function_name1 (</a:t>
+            </a:r>
+            <a:r>
+              <a:rPr lang="en-GB" sz="2400" dirty="0">
+                <a:solidFill>
+                  <a:schemeClr val="accent2"/>
+                </a:solidFill>
+              </a:rPr>
+              <a:t>2.0</a:t>
+            </a:r>
+            <a:r>
+              <a:rPr lang="en-GB" sz="2400" dirty="0"/>
+              <a:t>, </a:t>
+            </a:r>
+            <a:r>
+              <a:rPr lang="en-GB" sz="2400" dirty="0">
+                <a:solidFill>
+                  <a:schemeClr val="accent2"/>
+                </a:solidFill>
+              </a:rPr>
+              <a:t>3.0</a:t>
+            </a:r>
+            <a:r>
+              <a:rPr lang="en-GB" sz="2400" dirty="0"/>
+              <a:t>)</a:t>
+            </a:r>
+          </a:p>
+          <a:p>
+            <a:pPr marL="0" indent="0">
+              <a:buNone/>
+            </a:pPr>
+            <a:r>
+              <a:rPr lang="en-GB" sz="2400" dirty="0"/>
+              <a:t>real2=function_name2(real1, real1/</a:t>
+            </a:r>
+            <a:r>
+              <a:rPr lang="en-GB" sz="2400" dirty="0">
+                <a:solidFill>
+                  <a:schemeClr val="accent2"/>
+                </a:solidFill>
+              </a:rPr>
+              <a:t>3.0</a:t>
+            </a:r>
+            <a:r>
+              <a:rPr lang="en-GB" sz="2400" dirty="0"/>
+              <a:t>)*</a:t>
+            </a:r>
+            <a:r>
+              <a:rPr lang="en-GB" sz="2400" dirty="0">
+                <a:solidFill>
+                  <a:schemeClr val="accent2"/>
+                </a:solidFill>
+              </a:rPr>
+              <a:t>2.0</a:t>
+            </a:r>
+          </a:p>
+          <a:p>
+            <a:pPr marL="0" indent="0">
+              <a:buNone/>
+            </a:pPr>
+            <a:br>
+              <a:rPr lang="en-GB" sz="2400" dirty="0"/>
+            </a:br>
+            <a:r>
+              <a:rPr lang="en-GB" sz="2400" dirty="0">
+                <a:solidFill>
+                  <a:schemeClr val="accent1"/>
+                </a:solidFill>
+              </a:rPr>
+              <a:t>print</a:t>
+            </a:r>
+            <a:r>
+              <a:rPr lang="en-GB" sz="2400" dirty="0"/>
+              <a:t>*, function_name1(real2, function_name2(</a:t>
+            </a:r>
+            <a:r>
+              <a:rPr lang="en-GB" sz="2400" dirty="0">
+                <a:solidFill>
+                  <a:schemeClr val="accent2"/>
+                </a:solidFill>
+              </a:rPr>
+              <a:t>2.0</a:t>
+            </a:r>
+            <a:r>
+              <a:rPr lang="en-GB" sz="2400" dirty="0"/>
+              <a:t>, </a:t>
+            </a:r>
+            <a:r>
+              <a:rPr lang="en-GB" sz="2400" dirty="0">
+                <a:solidFill>
+                  <a:schemeClr val="accent2"/>
+                </a:solidFill>
+              </a:rPr>
+              <a:t>3.0</a:t>
+            </a:r>
+            <a:r>
+              <a:rPr lang="en-GB" sz="2400" dirty="0"/>
+              <a:t>))</a:t>
+            </a:r>
+          </a:p>
+        </p:txBody>
+      </p:sp>
+      <p:sp>
+        <p:nvSpPr>
+          <p:cNvPr id="11" name="TextBox 10">
+            <a:extLst>
+              <a:ext uri="{FF2B5EF4-FFF2-40B4-BE49-F238E27FC236}">
+                <a16:creationId xmlns:a16="http://schemas.microsoft.com/office/drawing/2014/main" id="{EE625C72-6D59-439C-96A8-3DEE7A0774D8}"/>
+              </a:ext>
+            </a:extLst>
+          </p:cNvPr>
+          <p:cNvSpPr txBox="1"/>
+          <p:nvPr/>
+        </p:nvSpPr>
+        <p:spPr>
+          <a:xfrm>
+            <a:off x="5728138" y="6498021"/>
+            <a:ext cx="1765738" cy="369332"/>
+          </a:xfrm>
+          <a:prstGeom prst="rect">
+            <a:avLst/>
+          </a:prstGeom>
+          <a:noFill/>
+        </p:spPr>
+        <p:txBody>
+          <a:bodyPr wrap="square" rtlCol="0">
+            <a:spAutoFit/>
+          </a:bodyPr>
+          <a:lstStyle/>
+          <a:p>
+            <a:r>
+              <a:rPr lang="en-GB" dirty="0">
+                <a:solidFill>
+                  <a:schemeClr val="accent1"/>
+                </a:solidFill>
+              </a:rPr>
+              <a:t>Demonstration</a:t>
+            </a:r>
+          </a:p>
+        </p:txBody>
+      </p:sp>
+      <p:sp>
+        <p:nvSpPr>
+          <p:cNvPr id="5" name="TextBox 4">
+            <a:extLst>
+              <a:ext uri="{FF2B5EF4-FFF2-40B4-BE49-F238E27FC236}">
+                <a16:creationId xmlns:a16="http://schemas.microsoft.com/office/drawing/2014/main" id="{14AD2C1F-43FF-4CF4-B8BB-C85A1A930793}"/>
+              </a:ext>
+            </a:extLst>
+          </p:cNvPr>
+          <p:cNvSpPr txBox="1"/>
+          <p:nvPr/>
+        </p:nvSpPr>
+        <p:spPr>
+          <a:xfrm>
+            <a:off x="7357241" y="6498021"/>
+            <a:ext cx="1697422" cy="369332"/>
+          </a:xfrm>
+          <a:prstGeom prst="rect">
+            <a:avLst/>
+          </a:prstGeom>
+          <a:noFill/>
+        </p:spPr>
+        <p:txBody>
+          <a:bodyPr wrap="square" rtlCol="0">
+            <a:spAutoFit/>
+          </a:bodyPr>
+          <a:lstStyle/>
+          <a:p>
+            <a:r>
+              <a:rPr lang="en-GB" dirty="0">
+                <a:solidFill>
+                  <a:schemeClr val="accent2"/>
+                </a:solidFill>
+              </a:rPr>
+              <a:t>Problem Sheet</a:t>
+            </a:r>
+          </a:p>
+        </p:txBody>
+      </p:sp>
+    </p:spTree>
+    <p:extLst>
+      <p:ext uri="{BB962C8B-B14F-4D97-AF65-F5344CB8AC3E}">
+        <p14:creationId xmlns:p14="http://schemas.microsoft.com/office/powerpoint/2010/main" val="265627358"/>
+      </p:ext>
+    </p:extLst>
+  </p:cSld>
+  <p:clrMapOvr>
+    <a:masterClrMapping/>
+  </p:clrMapOvr>
+  <mc:AlternateContent xmlns:mc="http://schemas.openxmlformats.org/markup-compatibility/2006" xmlns:p14="http://schemas.microsoft.com/office/powerpoint/2010/main">
+    <mc:Choice Requires="p14">
+      <p:transition p14:dur="10"/>
+    </mc:Choice>
+    <mc:Fallback xmlns="">
+      <p:transition/>
+    </mc:Fallback>
+  </mc:AlternateContent>
+</p:sld>
+</file>
+
+<file path=ppt/slides/slide38.xml><?xml version="1.0" encoding="utf-8"?>
+<p:sld xmlns:a="http://schemas.openxmlformats.org/drawingml/2006/main" xmlns:r="http://schemas.openxmlformats.org/officeDocument/2006/relationships" xmlns:p="http://schemas.openxmlformats.org/presentationml/2006/main">
+  <p:cSld>
+    <p:spTree>
+      <p:nvGrpSpPr>
+        <p:cNvPr id="1" name=""/>
+        <p:cNvGrpSpPr/>
+        <p:nvPr/>
+      </p:nvGrpSpPr>
+      <p:grpSpPr>
+        <a:xfrm>
+          <a:off x="0" y="0"/>
+          <a:ext cx="0" cy="0"/>
+          <a:chOff x="0" y="0"/>
+          <a:chExt cx="0" cy="0"/>
+        </a:xfrm>
+      </p:grpSpPr>
+      <p:sp>
+        <p:nvSpPr>
+          <p:cNvPr id="2" name="Title 1"/>
+          <p:cNvSpPr>
+            <a:spLocks noGrp="1"/>
+          </p:cNvSpPr>
+          <p:nvPr>
+            <p:ph type="title"/>
+          </p:nvPr>
+        </p:nvSpPr>
+        <p:spPr/>
+        <p:txBody>
+          <a:bodyPr/>
+          <a:lstStyle/>
+          <a:p>
+            <a:r>
+              <a:rPr lang="en-GB" sz="4000" dirty="0"/>
+              <a:t>Deferred Size Arguments</a:t>
+            </a:r>
+          </a:p>
+        </p:txBody>
+      </p:sp>
+      <p:sp>
+        <p:nvSpPr>
+          <p:cNvPr id="7" name="Content Placeholder 6">
+            <a:extLst>
+              <a:ext uri="{FF2B5EF4-FFF2-40B4-BE49-F238E27FC236}">
+                <a16:creationId xmlns:a16="http://schemas.microsoft.com/office/drawing/2014/main" id="{8704F1A3-720B-4123-B3B8-B6C05F8BAC14}"/>
+              </a:ext>
+            </a:extLst>
+          </p:cNvPr>
+          <p:cNvSpPr>
+            <a:spLocks noGrp="1"/>
+          </p:cNvSpPr>
+          <p:nvPr>
+            <p:ph idx="1"/>
+          </p:nvPr>
+        </p:nvSpPr>
+        <p:spPr>
+          <a:xfrm>
+            <a:off x="272143" y="1466440"/>
+            <a:ext cx="8131996" cy="4879931"/>
+          </a:xfrm>
+        </p:spPr>
+        <p:txBody>
+          <a:bodyPr/>
+          <a:lstStyle/>
+          <a:p>
+            <a:pPr marL="0" indent="0">
+              <a:buNone/>
+            </a:pPr>
+            <a:r>
+              <a:rPr lang="en-GB" sz="2400" dirty="0">
+                <a:solidFill>
+                  <a:schemeClr val="accent5"/>
+                </a:solidFill>
+              </a:rPr>
+              <a:t>function </a:t>
+            </a:r>
+            <a:r>
+              <a:rPr lang="en-GB" sz="2400" dirty="0" err="1">
+                <a:solidFill>
+                  <a:schemeClr val="accent3"/>
+                </a:solidFill>
+              </a:rPr>
+              <a:t>sum_of_cubes</a:t>
+            </a:r>
+            <a:r>
+              <a:rPr lang="en-GB" sz="2400" dirty="0"/>
+              <a:t>(</a:t>
+            </a:r>
+            <a:r>
+              <a:rPr lang="en-GB" sz="2400" dirty="0">
+                <a:solidFill>
+                  <a:schemeClr val="accent2"/>
+                </a:solidFill>
+              </a:rPr>
+              <a:t>array</a:t>
+            </a:r>
+            <a:r>
+              <a:rPr lang="en-GB" sz="2400" dirty="0"/>
+              <a:t>) 	</a:t>
+            </a:r>
+          </a:p>
+          <a:p>
+            <a:pPr marL="0" indent="0">
+              <a:buNone/>
+            </a:pPr>
+            <a:r>
+              <a:rPr lang="en-GB" sz="2400" dirty="0"/>
+              <a:t>	</a:t>
+            </a:r>
+            <a:r>
+              <a:rPr lang="en-GB" sz="2400" dirty="0">
+                <a:solidFill>
+                  <a:schemeClr val="accent5"/>
+                </a:solidFill>
+              </a:rPr>
+              <a:t>real</a:t>
+            </a:r>
+            <a:r>
+              <a:rPr lang="en-GB" sz="2400" dirty="0"/>
+              <a:t>, </a:t>
+            </a:r>
+            <a:r>
+              <a:rPr lang="en-GB" sz="2400" dirty="0">
+                <a:solidFill>
+                  <a:schemeClr val="accent5"/>
+                </a:solidFill>
+              </a:rPr>
+              <a:t>dimension</a:t>
+            </a:r>
+            <a:r>
+              <a:rPr lang="en-GB" sz="2400" dirty="0"/>
+              <a:t>(:) 	::  array</a:t>
+            </a:r>
+          </a:p>
+          <a:p>
+            <a:pPr marL="0" indent="0">
+              <a:buNone/>
+            </a:pPr>
+            <a:r>
+              <a:rPr lang="en-GB" sz="2400" dirty="0"/>
+              <a:t>	</a:t>
+            </a:r>
+            <a:r>
+              <a:rPr lang="en-GB" sz="2400" dirty="0">
+                <a:solidFill>
+                  <a:schemeClr val="accent5"/>
+                </a:solidFill>
+              </a:rPr>
+              <a:t>real</a:t>
+            </a:r>
+            <a:r>
+              <a:rPr lang="en-GB" sz="2400" dirty="0"/>
+              <a:t>                		::  evaluation</a:t>
+            </a:r>
+          </a:p>
+          <a:p>
+            <a:pPr marL="0" indent="0">
+              <a:buNone/>
+            </a:pPr>
+            <a:r>
+              <a:rPr lang="en-GB" sz="2400" dirty="0"/>
+              <a:t>     </a:t>
+            </a:r>
+            <a:r>
+              <a:rPr lang="en-GB" sz="2400" dirty="0">
+                <a:solidFill>
+                  <a:schemeClr val="accent5"/>
+                </a:solidFill>
+              </a:rPr>
+              <a:t>integer  </a:t>
+            </a:r>
+            <a:r>
+              <a:rPr lang="en-GB" sz="2400" dirty="0"/>
+              <a:t>           		::  ii</a:t>
+            </a:r>
+          </a:p>
+          <a:p>
+            <a:pPr marL="0" indent="0">
+              <a:buNone/>
+            </a:pPr>
+            <a:br>
+              <a:rPr lang="en-GB" sz="2400" dirty="0"/>
+            </a:br>
+            <a:r>
+              <a:rPr lang="en-GB" sz="2400" dirty="0"/>
+              <a:t>	evaluation=</a:t>
+            </a:r>
+            <a:r>
+              <a:rPr lang="en-GB" sz="2400" dirty="0">
+                <a:solidFill>
+                  <a:schemeClr val="accent2"/>
+                </a:solidFill>
+              </a:rPr>
+              <a:t>0.0</a:t>
+            </a:r>
+          </a:p>
+          <a:p>
+            <a:pPr marL="0" indent="0">
+              <a:buNone/>
+            </a:pPr>
+            <a:br>
+              <a:rPr lang="en-GB" sz="2400" dirty="0"/>
+            </a:br>
+            <a:r>
+              <a:rPr lang="en-GB" sz="2400" dirty="0"/>
+              <a:t>	</a:t>
+            </a:r>
+            <a:r>
+              <a:rPr lang="en-GB" sz="2400" dirty="0">
+                <a:solidFill>
+                  <a:schemeClr val="accent1"/>
+                </a:solidFill>
+              </a:rPr>
+              <a:t>do</a:t>
+            </a:r>
+            <a:r>
+              <a:rPr lang="en-GB" sz="2400" dirty="0"/>
+              <a:t> ii=</a:t>
+            </a:r>
+            <a:r>
+              <a:rPr lang="en-GB" sz="2400" dirty="0">
+                <a:solidFill>
+                  <a:schemeClr val="accent2"/>
+                </a:solidFill>
+              </a:rPr>
+              <a:t>1</a:t>
+            </a:r>
+            <a:r>
+              <a:rPr lang="en-GB" sz="2400" dirty="0"/>
+              <a:t>, </a:t>
+            </a:r>
+            <a:r>
+              <a:rPr lang="en-GB" sz="2400" dirty="0">
+                <a:solidFill>
+                  <a:schemeClr val="accent5"/>
+                </a:solidFill>
+              </a:rPr>
+              <a:t>size</a:t>
+            </a:r>
+            <a:r>
+              <a:rPr lang="en-GB" sz="2400" dirty="0"/>
+              <a:t>(array)</a:t>
+            </a:r>
+          </a:p>
+          <a:p>
+            <a:pPr marL="400050" lvl="1" indent="0">
+              <a:buNone/>
+            </a:pPr>
+            <a:r>
+              <a:rPr lang="en-GB" sz="2000" dirty="0"/>
+              <a:t>		</a:t>
+            </a:r>
+            <a:r>
+              <a:rPr lang="en-GB" sz="2400" dirty="0"/>
+              <a:t>evaluation=</a:t>
+            </a:r>
+            <a:r>
+              <a:rPr lang="en-GB" sz="2400" dirty="0" err="1"/>
+              <a:t>evaluation+array</a:t>
+            </a:r>
+            <a:r>
+              <a:rPr lang="en-GB" sz="2400" dirty="0"/>
+              <a:t>(ii)**</a:t>
+            </a:r>
+            <a:r>
+              <a:rPr lang="en-GB" sz="2400" dirty="0">
+                <a:solidFill>
+                  <a:schemeClr val="accent2"/>
+                </a:solidFill>
+              </a:rPr>
+              <a:t>3</a:t>
+            </a:r>
+          </a:p>
+          <a:p>
+            <a:pPr marL="400050" lvl="1" indent="0">
+              <a:buNone/>
+            </a:pPr>
+            <a:r>
+              <a:rPr lang="en-GB" sz="2400" dirty="0">
+                <a:solidFill>
+                  <a:schemeClr val="accent1"/>
+                </a:solidFill>
+              </a:rPr>
+              <a:t>end do  </a:t>
+            </a:r>
+            <a:r>
+              <a:rPr lang="en-GB" sz="2400" dirty="0"/>
+              <a:t> </a:t>
+            </a:r>
+            <a:r>
+              <a:rPr lang="en-GB" dirty="0"/>
+              <a:t>  </a:t>
+            </a:r>
+            <a:endParaRPr lang="en-GB" sz="2400" dirty="0">
+              <a:solidFill>
+                <a:schemeClr val="accent5"/>
+              </a:solidFill>
+            </a:endParaRPr>
+          </a:p>
+          <a:p>
+            <a:pPr marL="0" indent="0">
+              <a:buNone/>
+            </a:pPr>
+            <a:r>
+              <a:rPr lang="en-GB" sz="2400" dirty="0">
+                <a:solidFill>
+                  <a:schemeClr val="accent5"/>
+                </a:solidFill>
+              </a:rPr>
+              <a:t>end function </a:t>
+            </a:r>
+            <a:r>
+              <a:rPr lang="en-GB" sz="2400" dirty="0" err="1"/>
+              <a:t>print_max</a:t>
+            </a:r>
+            <a:endParaRPr lang="en-GB" sz="2400" dirty="0"/>
+          </a:p>
+        </p:txBody>
+      </p:sp>
+      <p:sp>
+        <p:nvSpPr>
+          <p:cNvPr id="11" name="TextBox 10">
+            <a:extLst>
+              <a:ext uri="{FF2B5EF4-FFF2-40B4-BE49-F238E27FC236}">
+                <a16:creationId xmlns:a16="http://schemas.microsoft.com/office/drawing/2014/main" id="{EE625C72-6D59-439C-96A8-3DEE7A0774D8}"/>
+              </a:ext>
+            </a:extLst>
+          </p:cNvPr>
+          <p:cNvSpPr txBox="1"/>
+          <p:nvPr/>
+        </p:nvSpPr>
+        <p:spPr>
+          <a:xfrm>
+            <a:off x="5728138" y="6498021"/>
+            <a:ext cx="1765738" cy="369332"/>
+          </a:xfrm>
+          <a:prstGeom prst="rect">
+            <a:avLst/>
+          </a:prstGeom>
+          <a:noFill/>
+        </p:spPr>
+        <p:txBody>
+          <a:bodyPr wrap="square" rtlCol="0">
+            <a:spAutoFit/>
+          </a:bodyPr>
+          <a:lstStyle/>
+          <a:p>
+            <a:r>
+              <a:rPr lang="en-GB" dirty="0">
+                <a:solidFill>
+                  <a:schemeClr val="accent1"/>
+                </a:solidFill>
+              </a:rPr>
+              <a:t>Demonstration</a:t>
+            </a:r>
+          </a:p>
+        </p:txBody>
+      </p:sp>
+    </p:spTree>
+    <p:extLst>
+      <p:ext uri="{BB962C8B-B14F-4D97-AF65-F5344CB8AC3E}">
+        <p14:creationId xmlns:p14="http://schemas.microsoft.com/office/powerpoint/2010/main" val="1971978791"/>
+      </p:ext>
+    </p:extLst>
+  </p:cSld>
+  <p:clrMapOvr>
+    <a:masterClrMapping/>
+  </p:clrMapOvr>
+  <mc:AlternateContent xmlns:mc="http://schemas.openxmlformats.org/markup-compatibility/2006" xmlns:p14="http://schemas.microsoft.com/office/powerpoint/2010/main">
+    <mc:Choice Requires="p14">
+      <p:transition p14:dur="10"/>
+    </mc:Choice>
+    <mc:Fallback xmlns="">
+      <p:transition/>
+    </mc:Fallback>
+  </mc:AlternateContent>
+</p:sld>
+</file>
+
+<file path=ppt/slides/slide39.xml><?xml version="1.0" encoding="utf-8"?>
+<p:sld xmlns:a="http://schemas.openxmlformats.org/drawingml/2006/main" xmlns:r="http://schemas.openxmlformats.org/officeDocument/2006/relationships" xmlns:p="http://schemas.openxmlformats.org/presentationml/2006/main">
+  <p:cSld>
+    <p:spTree>
+      <p:nvGrpSpPr>
+        <p:cNvPr id="1" name=""/>
+        <p:cNvGrpSpPr/>
+        <p:nvPr/>
+      </p:nvGrpSpPr>
+      <p:grpSpPr>
+        <a:xfrm>
+          <a:off x="0" y="0"/>
+          <a:ext cx="0" cy="0"/>
+          <a:chOff x="0" y="0"/>
+          <a:chExt cx="0" cy="0"/>
+        </a:xfrm>
+      </p:grpSpPr>
+      <p:sp>
+        <p:nvSpPr>
+          <p:cNvPr id="2" name="Title 1"/>
+          <p:cNvSpPr>
+            <a:spLocks noGrp="1"/>
+          </p:cNvSpPr>
+          <p:nvPr>
+            <p:ph type="title"/>
+          </p:nvPr>
+        </p:nvSpPr>
+        <p:spPr/>
+        <p:txBody>
+          <a:bodyPr/>
+          <a:lstStyle/>
+          <a:p>
+            <a:r>
+              <a:rPr lang="en-GB" sz="4000" dirty="0"/>
+              <a:t>Extension: Functions – Recursion</a:t>
+            </a:r>
+          </a:p>
+        </p:txBody>
+      </p:sp>
+      <p:sp>
+        <p:nvSpPr>
+          <p:cNvPr id="7" name="Content Placeholder 6">
+            <a:extLst>
+              <a:ext uri="{FF2B5EF4-FFF2-40B4-BE49-F238E27FC236}">
+                <a16:creationId xmlns:a16="http://schemas.microsoft.com/office/drawing/2014/main" id="{8704F1A3-720B-4123-B3B8-B6C05F8BAC14}"/>
+              </a:ext>
+            </a:extLst>
+          </p:cNvPr>
+          <p:cNvSpPr>
+            <a:spLocks noGrp="1"/>
+          </p:cNvSpPr>
+          <p:nvPr>
+            <p:ph idx="1"/>
+          </p:nvPr>
+        </p:nvSpPr>
+        <p:spPr>
+          <a:xfrm>
+            <a:off x="272143" y="1466440"/>
+            <a:ext cx="8131996" cy="4879931"/>
+          </a:xfrm>
+        </p:spPr>
+        <p:txBody>
+          <a:bodyPr/>
+          <a:lstStyle/>
+          <a:p>
+            <a:pPr marL="0" indent="0">
+              <a:buNone/>
+            </a:pPr>
+            <a:r>
+              <a:rPr lang="en-GB" sz="2400" dirty="0">
+                <a:solidFill>
+                  <a:schemeClr val="accent5"/>
+                </a:solidFill>
+              </a:rPr>
+              <a:t>recursive function </a:t>
+            </a:r>
+            <a:r>
+              <a:rPr lang="en-GB" sz="2400" dirty="0">
+                <a:solidFill>
+                  <a:schemeClr val="accent3"/>
+                </a:solidFill>
+              </a:rPr>
+              <a:t>factorial</a:t>
+            </a:r>
+            <a:r>
+              <a:rPr lang="en-GB" sz="2400" dirty="0"/>
+              <a:t>(</a:t>
+            </a:r>
+            <a:r>
+              <a:rPr lang="en-GB" sz="2400" dirty="0">
+                <a:solidFill>
+                  <a:schemeClr val="accent2"/>
+                </a:solidFill>
+              </a:rPr>
+              <a:t>value</a:t>
+            </a:r>
+            <a:r>
+              <a:rPr lang="en-GB" sz="2400" dirty="0"/>
+              <a:t>)result(evaluation)</a:t>
+            </a:r>
+          </a:p>
+          <a:p>
+            <a:pPr marL="0" indent="0">
+              <a:buNone/>
+            </a:pPr>
+            <a:r>
+              <a:rPr lang="en-GB" sz="2400" dirty="0"/>
+              <a:t>	integer ::  value, evaluation</a:t>
+            </a:r>
+          </a:p>
+          <a:p>
+            <a:pPr marL="0" indent="0">
+              <a:buNone/>
+            </a:pPr>
+            <a:endParaRPr lang="en-GB" sz="2400" dirty="0"/>
+          </a:p>
+          <a:p>
+            <a:pPr marL="400050" lvl="1" indent="0">
+              <a:buNone/>
+            </a:pPr>
+            <a:r>
+              <a:rPr lang="en-GB" sz="2400" dirty="0">
+                <a:solidFill>
+                  <a:schemeClr val="accent1"/>
+                </a:solidFill>
+              </a:rPr>
+              <a:t>	if</a:t>
+            </a:r>
+            <a:r>
+              <a:rPr lang="en-GB" sz="2400" dirty="0"/>
+              <a:t> (value==</a:t>
+            </a:r>
+            <a:r>
+              <a:rPr lang="en-GB" sz="2400" dirty="0">
+                <a:solidFill>
+                  <a:schemeClr val="accent2"/>
+                </a:solidFill>
+              </a:rPr>
+              <a:t>0</a:t>
+            </a:r>
+            <a:r>
+              <a:rPr lang="en-GB" sz="2400" dirty="0"/>
+              <a:t> .or. value==</a:t>
+            </a:r>
+            <a:r>
+              <a:rPr lang="en-GB" sz="2400" dirty="0">
+                <a:solidFill>
+                  <a:schemeClr val="accent2"/>
+                </a:solidFill>
+              </a:rPr>
+              <a:t>1</a:t>
+            </a:r>
+            <a:r>
+              <a:rPr lang="en-GB" sz="2400" dirty="0"/>
+              <a:t>)</a:t>
+            </a:r>
+            <a:r>
+              <a:rPr lang="en-GB" sz="2400" dirty="0">
+                <a:solidFill>
+                  <a:schemeClr val="accent1"/>
+                </a:solidFill>
+              </a:rPr>
+              <a:t>then</a:t>
+            </a:r>
+          </a:p>
+          <a:p>
+            <a:pPr marL="400050" lvl="1" indent="0">
+              <a:buNone/>
+            </a:pPr>
+            <a:r>
+              <a:rPr lang="en-GB" sz="2400" dirty="0"/>
+              <a:t>	  evaluation=</a:t>
+            </a:r>
+            <a:r>
+              <a:rPr lang="en-GB" sz="2400" dirty="0">
+                <a:solidFill>
+                  <a:schemeClr val="accent2"/>
+                </a:solidFill>
+              </a:rPr>
+              <a:t>1</a:t>
+            </a:r>
+          </a:p>
+          <a:p>
+            <a:pPr marL="400050" lvl="1" indent="0">
+              <a:buNone/>
+            </a:pPr>
+            <a:r>
+              <a:rPr lang="en-GB" sz="2400" dirty="0">
+                <a:solidFill>
+                  <a:schemeClr val="accent1"/>
+                </a:solidFill>
+              </a:rPr>
+              <a:t>else </a:t>
+            </a:r>
+            <a:r>
+              <a:rPr lang="en-GB" sz="2400" dirty="0"/>
+              <a:t>if(value&gt;</a:t>
+            </a:r>
+            <a:r>
+              <a:rPr lang="en-GB" sz="2400" dirty="0">
+                <a:solidFill>
+                  <a:schemeClr val="accent2"/>
+                </a:solidFill>
+              </a:rPr>
+              <a:t>1</a:t>
+            </a:r>
+            <a:r>
+              <a:rPr lang="en-GB" sz="2400" dirty="0"/>
+              <a:t>)then</a:t>
+            </a:r>
+          </a:p>
+          <a:p>
+            <a:pPr marL="400050" lvl="1" indent="0">
+              <a:buNone/>
+            </a:pPr>
+            <a:r>
+              <a:rPr lang="en-GB" sz="2400" dirty="0"/>
+              <a:t>  evaluation=value*factorial(value-</a:t>
+            </a:r>
+            <a:r>
+              <a:rPr lang="en-GB" sz="2400" dirty="0">
+                <a:solidFill>
+                  <a:schemeClr val="accent2"/>
+                </a:solidFill>
+              </a:rPr>
+              <a:t>1</a:t>
+            </a:r>
+            <a:r>
+              <a:rPr lang="en-GB" sz="2400" dirty="0"/>
+              <a:t>)</a:t>
+            </a:r>
+          </a:p>
+          <a:p>
+            <a:pPr marL="400050" lvl="1" indent="0">
+              <a:buNone/>
+            </a:pPr>
+            <a:r>
+              <a:rPr lang="en-GB" sz="2400" dirty="0">
+                <a:solidFill>
+                  <a:schemeClr val="accent1"/>
+                </a:solidFill>
+              </a:rPr>
+              <a:t>else</a:t>
+            </a:r>
+          </a:p>
+          <a:p>
+            <a:pPr marL="400050" lvl="1" indent="0">
+              <a:buNone/>
+            </a:pPr>
+            <a:r>
+              <a:rPr lang="en-GB" sz="2400" dirty="0">
+                <a:solidFill>
+                  <a:schemeClr val="accent1"/>
+                </a:solidFill>
+              </a:rPr>
+              <a:t>  stop </a:t>
+            </a:r>
+            <a:r>
+              <a:rPr lang="en-GB" sz="2400" dirty="0"/>
+              <a:t>"Cannot take the factorial of a negative number"</a:t>
+            </a:r>
+          </a:p>
+          <a:p>
+            <a:pPr marL="400050" lvl="1" indent="0">
+              <a:buNone/>
+            </a:pPr>
+            <a:r>
+              <a:rPr lang="en-GB" sz="2400" dirty="0">
+                <a:solidFill>
+                  <a:schemeClr val="accent1"/>
+                </a:solidFill>
+              </a:rPr>
+              <a:t>end if</a:t>
+            </a:r>
+          </a:p>
+          <a:p>
+            <a:pPr marL="0" indent="0">
+              <a:buNone/>
+            </a:pPr>
+            <a:r>
+              <a:rPr lang="en-GB" sz="2400" dirty="0">
+                <a:solidFill>
+                  <a:schemeClr val="accent5"/>
+                </a:solidFill>
+              </a:rPr>
+              <a:t>end function </a:t>
+            </a:r>
+            <a:r>
+              <a:rPr lang="en-GB" sz="2400" dirty="0"/>
+              <a:t>factorial</a:t>
+            </a:r>
+          </a:p>
+        </p:txBody>
+      </p:sp>
+      <p:sp>
+        <p:nvSpPr>
+          <p:cNvPr id="11" name="TextBox 10">
+            <a:extLst>
+              <a:ext uri="{FF2B5EF4-FFF2-40B4-BE49-F238E27FC236}">
+                <a16:creationId xmlns:a16="http://schemas.microsoft.com/office/drawing/2014/main" id="{EE625C72-6D59-439C-96A8-3DEE7A0774D8}"/>
+              </a:ext>
+            </a:extLst>
+          </p:cNvPr>
+          <p:cNvSpPr txBox="1"/>
+          <p:nvPr/>
+        </p:nvSpPr>
+        <p:spPr>
+          <a:xfrm>
+            <a:off x="5728138" y="6498021"/>
+            <a:ext cx="1765738" cy="369332"/>
+          </a:xfrm>
+          <a:prstGeom prst="rect">
+            <a:avLst/>
+          </a:prstGeom>
+          <a:noFill/>
+        </p:spPr>
+        <p:txBody>
+          <a:bodyPr wrap="square" rtlCol="0">
+            <a:spAutoFit/>
+          </a:bodyPr>
+          <a:lstStyle/>
+          <a:p>
+            <a:r>
+              <a:rPr lang="en-GB" dirty="0">
+                <a:solidFill>
+                  <a:schemeClr val="accent1"/>
+                </a:solidFill>
+              </a:rPr>
+              <a:t>Demonstration</a:t>
+            </a:r>
+          </a:p>
+        </p:txBody>
+      </p:sp>
+    </p:spTree>
+    <p:extLst>
+      <p:ext uri="{BB962C8B-B14F-4D97-AF65-F5344CB8AC3E}">
+        <p14:creationId xmlns:p14="http://schemas.microsoft.com/office/powerpoint/2010/main" val="3716300829"/>
+      </p:ext>
+    </p:extLst>
+  </p:cSld>
+  <p:clrMapOvr>
+    <a:masterClrMapping/>
+  </p:clrMapOvr>
+  <mc:AlternateContent xmlns:mc="http://schemas.openxmlformats.org/markup-compatibility/2006" xmlns:p14="http://schemas.microsoft.com/office/powerpoint/2010/main">
+    <mc:Choice Requires="p14">
+      <p:transition p14:dur="10"/>
+    </mc:Choice>
+    <mc:Fallback xmlns="">
+      <p:transition/>
+    </mc:Fallback>
+  </mc:AlternateContent>
+</p:sld>
+</file>
+
+<file path=ppt/slides/slide4.xml><?xml version="1.0" encoding="utf-8"?>
+<p:sld xmlns:a="http://schemas.openxmlformats.org/drawingml/2006/main" xmlns:r="http://schemas.openxmlformats.org/officeDocument/2006/relationships" xmlns:p="http://schemas.openxmlformats.org/presentationml/2006/main">
+  <p:cSld>
+    <p:spTree>
+      <p:nvGrpSpPr>
+        <p:cNvPr id="1" name=""/>
+        <p:cNvGrpSpPr/>
+        <p:nvPr/>
+      </p:nvGrpSpPr>
+      <p:grpSpPr>
+        <a:xfrm>
+          <a:off x="0" y="0"/>
+          <a:ext cx="0" cy="0"/>
+          <a:chOff x="0" y="0"/>
+          <a:chExt cx="0" cy="0"/>
+        </a:xfrm>
+      </p:grpSpPr>
+      <p:sp>
+        <p:nvSpPr>
+          <p:cNvPr id="2" name="Title 1"/>
+          <p:cNvSpPr>
+            <a:spLocks noGrp="1"/>
+          </p:cNvSpPr>
+          <p:nvPr>
+            <p:ph type="title"/>
+          </p:nvPr>
+        </p:nvSpPr>
+        <p:spPr/>
+        <p:txBody>
+          <a:bodyPr/>
+          <a:lstStyle/>
+          <a:p>
+            <a:r>
+              <a:rPr lang="en-GB" sz="4000" dirty="0"/>
+              <a:t>How Do We Code?</a:t>
+            </a:r>
+          </a:p>
+        </p:txBody>
+      </p:sp>
+      <p:sp>
+        <p:nvSpPr>
+          <p:cNvPr id="3" name="Content Placeholder 2"/>
+          <p:cNvSpPr>
+            <a:spLocks noGrp="1"/>
+          </p:cNvSpPr>
+          <p:nvPr>
+            <p:ph idx="1"/>
+          </p:nvPr>
+        </p:nvSpPr>
+        <p:spPr>
+          <a:xfrm>
+            <a:off x="457200" y="1600200"/>
+            <a:ext cx="8435280" cy="4876800"/>
+          </a:xfrm>
+        </p:spPr>
+        <p:txBody>
+          <a:bodyPr>
+            <a:normAutofit/>
+          </a:bodyPr>
+          <a:lstStyle/>
+          <a:p>
+            <a:r>
+              <a:rPr lang="en-GB" sz="3000" dirty="0"/>
+              <a:t>Design an algorithm which solves your problem</a:t>
+            </a:r>
+          </a:p>
+          <a:p>
+            <a:r>
+              <a:rPr lang="en-GB" sz="3000" dirty="0"/>
+              <a:t>Translate it into source code</a:t>
+            </a:r>
+          </a:p>
+          <a:p>
+            <a:r>
+              <a:rPr lang="en-GB" sz="3000" dirty="0"/>
+              <a:t>Instruct the computer to carry out the instructions of the source code</a:t>
+            </a:r>
+          </a:p>
+          <a:p>
+            <a:r>
+              <a:rPr lang="en-GB" sz="3000" dirty="0"/>
+              <a:t>Each step is language dependent</a:t>
+            </a:r>
+          </a:p>
+        </p:txBody>
+      </p:sp>
+    </p:spTree>
+    <p:extLst>
+      <p:ext uri="{BB962C8B-B14F-4D97-AF65-F5344CB8AC3E}">
+        <p14:creationId xmlns:p14="http://schemas.microsoft.com/office/powerpoint/2010/main" val="766773942"/>
+      </p:ext>
+    </p:extLst>
+  </p:cSld>
+  <p:clrMapOvr>
+    <a:masterClrMapping/>
+  </p:clrMapOvr>
+  <mc:AlternateContent xmlns:mc="http://schemas.openxmlformats.org/markup-compatibility/2006" xmlns:p14="http://schemas.microsoft.com/office/powerpoint/2010/main">
+    <mc:Choice Requires="p14">
+      <p:transition p14:dur="10"/>
+    </mc:Choice>
+    <mc:Fallback xmlns="">
+      <p:transition/>
+    </mc:Fallback>
+  </mc:AlternateContent>
+</p:sld>
+</file>
+
+<file path=ppt/slides/slide40.xml><?xml version="1.0" encoding="utf-8"?>
+<p:sld xmlns:a="http://schemas.openxmlformats.org/drawingml/2006/main" xmlns:r="http://schemas.openxmlformats.org/officeDocument/2006/relationships" xmlns:p="http://schemas.openxmlformats.org/presentationml/2006/main">
+  <p:cSld>
+    <p:spTree>
+      <p:nvGrpSpPr>
+        <p:cNvPr id="1" name=""/>
+        <p:cNvGrpSpPr/>
+        <p:nvPr/>
+      </p:nvGrpSpPr>
+      <p:grpSpPr>
+        <a:xfrm>
+          <a:off x="0" y="0"/>
+          <a:ext cx="0" cy="0"/>
+          <a:chOff x="0" y="0"/>
+          <a:chExt cx="0" cy="0"/>
+        </a:xfrm>
+      </p:grpSpPr>
+      <p:sp>
+        <p:nvSpPr>
+          <p:cNvPr id="2" name="Title 1"/>
+          <p:cNvSpPr>
+            <a:spLocks noGrp="1"/>
+          </p:cNvSpPr>
+          <p:nvPr>
+            <p:ph type="title"/>
+          </p:nvPr>
+        </p:nvSpPr>
+        <p:spPr/>
+        <p:txBody>
+          <a:bodyPr/>
+          <a:lstStyle/>
+          <a:p>
+            <a:r>
+              <a:rPr lang="en-GB" sz="4000" dirty="0"/>
               <a:t>Subroutines</a:t>
             </a:r>
           </a:p>
@@ -20120,7 +21987,7 @@
 </p:sld>
 </file>
 
-<file path=ppt/slides/slide36.xml><?xml version="1.0" encoding="utf-8"?>
+<file path=ppt/slides/slide41.xml><?xml version="1.0" encoding="utf-8"?>
 <p:sld xmlns:a="http://schemas.openxmlformats.org/drawingml/2006/main" xmlns:r="http://schemas.openxmlformats.org/officeDocument/2006/relationships" xmlns:p="http://schemas.openxmlformats.org/presentationml/2006/main">
   <p:cSld>
     <p:spTree>
@@ -20584,7 +22451,7 @@
 </p:sld>
 </file>
 
-<file path=ppt/slides/slide37.xml><?xml version="1.0" encoding="utf-8"?>
+<file path=ppt/slides/slide42.xml><?xml version="1.0" encoding="utf-8"?>
 <p:sld xmlns:a="http://schemas.openxmlformats.org/drawingml/2006/main" xmlns:r="http://schemas.openxmlformats.org/officeDocument/2006/relationships" xmlns:p="http://schemas.openxmlformats.org/presentationml/2006/main">
   <p:cSld>
     <p:spTree>
@@ -20942,1878 +22809,6 @@
     <p:extLst>
       <p:ext uri="{BB962C8B-B14F-4D97-AF65-F5344CB8AC3E}">
         <p14:creationId xmlns:p14="http://schemas.microsoft.com/office/powerpoint/2010/main" val="3835658580"/>
-      </p:ext>
-    </p:extLst>
-  </p:cSld>
-  <p:clrMapOvr>
-    <a:masterClrMapping/>
-  </p:clrMapOvr>
-  <mc:AlternateContent xmlns:mc="http://schemas.openxmlformats.org/markup-compatibility/2006" xmlns:p14="http://schemas.microsoft.com/office/powerpoint/2010/main">
-    <mc:Choice Requires="p14">
-      <p:transition p14:dur="10"/>
-    </mc:Choice>
-    <mc:Fallback xmlns="">
-      <p:transition/>
-    </mc:Fallback>
-  </mc:AlternateContent>
-</p:sld>
-</file>
-
-<file path=ppt/slides/slide38.xml><?xml version="1.0" encoding="utf-8"?>
-<p:sld xmlns:a="http://schemas.openxmlformats.org/drawingml/2006/main" xmlns:r="http://schemas.openxmlformats.org/officeDocument/2006/relationships" xmlns:p="http://schemas.openxmlformats.org/presentationml/2006/main">
-  <p:cSld>
-    <p:spTree>
-      <p:nvGrpSpPr>
-        <p:cNvPr id="1" name=""/>
-        <p:cNvGrpSpPr/>
-        <p:nvPr/>
-      </p:nvGrpSpPr>
-      <p:grpSpPr>
-        <a:xfrm>
-          <a:off x="0" y="0"/>
-          <a:ext cx="0" cy="0"/>
-          <a:chOff x="0" y="0"/>
-          <a:chExt cx="0" cy="0"/>
-        </a:xfrm>
-      </p:grpSpPr>
-      <p:sp>
-        <p:nvSpPr>
-          <p:cNvPr id="2" name="Title 1"/>
-          <p:cNvSpPr>
-            <a:spLocks noGrp="1"/>
-          </p:cNvSpPr>
-          <p:nvPr>
-            <p:ph type="title"/>
-          </p:nvPr>
-        </p:nvSpPr>
-        <p:spPr/>
-        <p:txBody>
-          <a:bodyPr/>
-          <a:lstStyle/>
-          <a:p>
-            <a:r>
-              <a:rPr lang="en-GB" sz="4000" dirty="0"/>
-              <a:t>Functions</a:t>
-            </a:r>
-          </a:p>
-        </p:txBody>
-      </p:sp>
-      <p:sp>
-        <p:nvSpPr>
-          <p:cNvPr id="7" name="Content Placeholder 6">
-            <a:extLst>
-              <a:ext uri="{FF2B5EF4-FFF2-40B4-BE49-F238E27FC236}">
-                <a16:creationId xmlns:a16="http://schemas.microsoft.com/office/drawing/2014/main" id="{8704F1A3-720B-4123-B3B8-B6C05F8BAC14}"/>
-              </a:ext>
-            </a:extLst>
-          </p:cNvPr>
-          <p:cNvSpPr>
-            <a:spLocks noGrp="1"/>
-          </p:cNvSpPr>
-          <p:nvPr>
-            <p:ph idx="1"/>
-          </p:nvPr>
-        </p:nvSpPr>
-        <p:spPr/>
-        <p:txBody>
-          <a:bodyPr/>
-          <a:lstStyle/>
-          <a:p>
-            <a:r>
-              <a:rPr lang="en-GB" dirty="0"/>
-              <a:t>A function must be defined within a “contains” section of your code</a:t>
-            </a:r>
-          </a:p>
-          <a:p>
-            <a:r>
-              <a:rPr lang="en-GB" dirty="0"/>
-              <a:t>May contain it’s own variable declarations</a:t>
-            </a:r>
-          </a:p>
-          <a:p>
-            <a:r>
-              <a:rPr lang="en-GB" dirty="0"/>
-              <a:t>Variables are not available from elsewhere</a:t>
-            </a:r>
-          </a:p>
-          <a:p>
-            <a:r>
-              <a:rPr lang="en-GB" dirty="0"/>
-              <a:t>Functions have a type</a:t>
-            </a:r>
-          </a:p>
-          <a:p>
-            <a:r>
-              <a:rPr lang="en-GB" dirty="0"/>
-              <a:t>Returns a value</a:t>
-            </a:r>
-          </a:p>
-        </p:txBody>
-      </p:sp>
-    </p:spTree>
-    <p:extLst>
-      <p:ext uri="{BB962C8B-B14F-4D97-AF65-F5344CB8AC3E}">
-        <p14:creationId xmlns:p14="http://schemas.microsoft.com/office/powerpoint/2010/main" val="200963720"/>
-      </p:ext>
-    </p:extLst>
-  </p:cSld>
-  <p:clrMapOvr>
-    <a:masterClrMapping/>
-  </p:clrMapOvr>
-  <mc:AlternateContent xmlns:mc="http://schemas.openxmlformats.org/markup-compatibility/2006" xmlns:p14="http://schemas.microsoft.com/office/powerpoint/2010/main">
-    <mc:Choice Requires="p14">
-      <p:transition p14:dur="10"/>
-    </mc:Choice>
-    <mc:Fallback xmlns="">
-      <p:transition/>
-    </mc:Fallback>
-  </mc:AlternateContent>
-</p:sld>
-</file>
-
-<file path=ppt/slides/slide39.xml><?xml version="1.0" encoding="utf-8"?>
-<p:sld xmlns:a="http://schemas.openxmlformats.org/drawingml/2006/main" xmlns:r="http://schemas.openxmlformats.org/officeDocument/2006/relationships" xmlns:p="http://schemas.openxmlformats.org/presentationml/2006/main">
-  <p:cSld>
-    <p:spTree>
-      <p:nvGrpSpPr>
-        <p:cNvPr id="1" name=""/>
-        <p:cNvGrpSpPr/>
-        <p:nvPr/>
-      </p:nvGrpSpPr>
-      <p:grpSpPr>
-        <a:xfrm>
-          <a:off x="0" y="0"/>
-          <a:ext cx="0" cy="0"/>
-          <a:chOff x="0" y="0"/>
-          <a:chExt cx="0" cy="0"/>
-        </a:xfrm>
-      </p:grpSpPr>
-      <p:sp>
-        <p:nvSpPr>
-          <p:cNvPr id="2" name="Title 1"/>
-          <p:cNvSpPr>
-            <a:spLocks noGrp="1"/>
-          </p:cNvSpPr>
-          <p:nvPr>
-            <p:ph type="title"/>
-          </p:nvPr>
-        </p:nvSpPr>
-        <p:spPr/>
-        <p:txBody>
-          <a:bodyPr/>
-          <a:lstStyle/>
-          <a:p>
-            <a:r>
-              <a:rPr lang="en-GB" sz="4000" dirty="0"/>
-              <a:t>Functions - Definition</a:t>
-            </a:r>
-          </a:p>
-        </p:txBody>
-      </p:sp>
-      <p:sp>
-        <p:nvSpPr>
-          <p:cNvPr id="7" name="Content Placeholder 6">
-            <a:extLst>
-              <a:ext uri="{FF2B5EF4-FFF2-40B4-BE49-F238E27FC236}">
-                <a16:creationId xmlns:a16="http://schemas.microsoft.com/office/drawing/2014/main" id="{8704F1A3-720B-4123-B3B8-B6C05F8BAC14}"/>
-              </a:ext>
-            </a:extLst>
-          </p:cNvPr>
-          <p:cNvSpPr>
-            <a:spLocks noGrp="1"/>
-          </p:cNvSpPr>
-          <p:nvPr>
-            <p:ph idx="1"/>
-          </p:nvPr>
-        </p:nvSpPr>
-        <p:spPr>
-          <a:xfrm>
-            <a:off x="457200" y="1466440"/>
-            <a:ext cx="8131996" cy="2252797"/>
-          </a:xfrm>
-        </p:spPr>
-        <p:txBody>
-          <a:bodyPr/>
-          <a:lstStyle/>
-          <a:p>
-            <a:pPr marL="0" indent="0">
-              <a:buNone/>
-            </a:pPr>
-            <a:r>
-              <a:rPr lang="en-GB" sz="2000" dirty="0">
-                <a:solidFill>
-                  <a:schemeClr val="accent5"/>
-                </a:solidFill>
-              </a:rPr>
-              <a:t>real function </a:t>
-            </a:r>
-            <a:r>
-              <a:rPr lang="en-GB" sz="2000" dirty="0">
-                <a:solidFill>
-                  <a:schemeClr val="accent3"/>
-                </a:solidFill>
-              </a:rPr>
-              <a:t>function_name1</a:t>
-            </a:r>
-            <a:r>
-              <a:rPr lang="en-GB" sz="2000" dirty="0"/>
-              <a:t>(</a:t>
-            </a:r>
-            <a:r>
-              <a:rPr lang="en-GB" sz="2000" dirty="0">
-                <a:solidFill>
-                  <a:schemeClr val="accent4"/>
-                </a:solidFill>
-              </a:rPr>
-              <a:t>arg1</a:t>
-            </a:r>
-            <a:r>
-              <a:rPr lang="en-GB" sz="2000" dirty="0"/>
-              <a:t>, </a:t>
-            </a:r>
-            <a:r>
-              <a:rPr lang="en-GB" sz="2000" dirty="0">
-                <a:solidFill>
-                  <a:schemeClr val="accent4"/>
-                </a:solidFill>
-              </a:rPr>
-              <a:t>arg2</a:t>
-            </a:r>
-            <a:r>
-              <a:rPr lang="en-GB" sz="2000" dirty="0"/>
-              <a:t>)</a:t>
-            </a:r>
-          </a:p>
-          <a:p>
-            <a:pPr marL="0" indent="0">
-              <a:buNone/>
-            </a:pPr>
-            <a:r>
-              <a:rPr lang="en-GB" sz="2000" dirty="0"/>
-              <a:t>	</a:t>
-            </a:r>
-            <a:r>
-              <a:rPr lang="en-GB" sz="2000" dirty="0">
-                <a:solidFill>
-                  <a:schemeClr val="accent5"/>
-                </a:solidFill>
-              </a:rPr>
-              <a:t>real</a:t>
-            </a:r>
-            <a:r>
-              <a:rPr lang="en-GB" sz="2000" dirty="0"/>
-              <a:t>	::	arg1, arg2</a:t>
-            </a:r>
-          </a:p>
-          <a:p>
-            <a:pPr marL="0" indent="0">
-              <a:buNone/>
-            </a:pPr>
-            <a:endParaRPr lang="en-GB" sz="2000" dirty="0"/>
-          </a:p>
-          <a:p>
-            <a:pPr marL="0" indent="0">
-              <a:buNone/>
-            </a:pPr>
-            <a:r>
-              <a:rPr lang="en-GB" sz="2000" dirty="0"/>
-              <a:t>	function_name1=arg1*arg2</a:t>
-            </a:r>
-          </a:p>
-          <a:p>
-            <a:pPr marL="0" indent="0">
-              <a:buNone/>
-            </a:pPr>
-            <a:endParaRPr lang="en-GB" sz="2000" dirty="0"/>
-          </a:p>
-          <a:p>
-            <a:pPr marL="0" indent="0">
-              <a:buNone/>
-            </a:pPr>
-            <a:r>
-              <a:rPr lang="en-GB" sz="2000" dirty="0">
-                <a:solidFill>
-                  <a:schemeClr val="accent5"/>
-                </a:solidFill>
-              </a:rPr>
-              <a:t>end function </a:t>
-            </a:r>
-            <a:r>
-              <a:rPr lang="en-GB" sz="2000" dirty="0">
-                <a:solidFill>
-                  <a:schemeClr val="accent3"/>
-                </a:solidFill>
-              </a:rPr>
-              <a:t>function_name1</a:t>
-            </a:r>
-          </a:p>
-        </p:txBody>
-      </p:sp>
-      <p:cxnSp>
-        <p:nvCxnSpPr>
-          <p:cNvPr id="6" name="Straight Connector 5">
-            <a:extLst>
-              <a:ext uri="{FF2B5EF4-FFF2-40B4-BE49-F238E27FC236}">
-                <a16:creationId xmlns:a16="http://schemas.microsoft.com/office/drawing/2014/main" id="{40EABCDA-4885-4D33-A09B-9332CB4EEB0C}"/>
-              </a:ext>
-            </a:extLst>
-          </p:cNvPr>
-          <p:cNvCxnSpPr>
-            <a:cxnSpLocks/>
-          </p:cNvCxnSpPr>
-          <p:nvPr/>
-        </p:nvCxnSpPr>
-        <p:spPr>
-          <a:xfrm>
-            <a:off x="457200" y="3924728"/>
-            <a:ext cx="8131996" cy="0"/>
-          </a:xfrm>
-          <a:prstGeom prst="line">
-            <a:avLst/>
-          </a:prstGeom>
-        </p:spPr>
-        <p:style>
-          <a:lnRef idx="2">
-            <a:schemeClr val="accent1"/>
-          </a:lnRef>
-          <a:fillRef idx="0">
-            <a:schemeClr val="accent1"/>
-          </a:fillRef>
-          <a:effectRef idx="1">
-            <a:schemeClr val="accent1"/>
-          </a:effectRef>
-          <a:fontRef idx="minor">
-            <a:schemeClr val="tx1"/>
-          </a:fontRef>
-        </p:style>
-      </p:cxnSp>
-      <p:sp>
-        <p:nvSpPr>
-          <p:cNvPr id="10" name="Content Placeholder 6">
-            <a:extLst>
-              <a:ext uri="{FF2B5EF4-FFF2-40B4-BE49-F238E27FC236}">
-                <a16:creationId xmlns:a16="http://schemas.microsoft.com/office/drawing/2014/main" id="{456FA98F-FEFA-4AEC-9F3D-80689B184E8A}"/>
-              </a:ext>
-            </a:extLst>
-          </p:cNvPr>
-          <p:cNvSpPr txBox="1">
-            <a:spLocks/>
-          </p:cNvSpPr>
-          <p:nvPr/>
-        </p:nvSpPr>
-        <p:spPr>
-          <a:xfrm>
-            <a:off x="457200" y="4279847"/>
-            <a:ext cx="8131996" cy="2303501"/>
-          </a:xfrm>
-          <a:prstGeom prst="rect">
-            <a:avLst/>
-          </a:prstGeom>
-        </p:spPr>
-        <p:txBody>
-          <a:bodyPr/>
-          <a:lstStyle>
-            <a:lvl1pPr marL="342900" indent="-342900" algn="l" defTabSz="457200" rtl="0" eaLnBrk="1" latinLnBrk="0" hangingPunct="1">
-              <a:spcBef>
-                <a:spcPct val="20000"/>
-              </a:spcBef>
-              <a:buFont typeface="Arial"/>
-              <a:buChar char="•"/>
-              <a:defRPr sz="3200" kern="1200">
-                <a:solidFill>
-                  <a:schemeClr val="tx1"/>
-                </a:solidFill>
-                <a:latin typeface="+mn-lt"/>
-                <a:ea typeface="+mn-ea"/>
-                <a:cs typeface="+mn-cs"/>
-              </a:defRPr>
-            </a:lvl1pPr>
-            <a:lvl2pPr marL="742950" indent="-285750" algn="l" defTabSz="457200" rtl="0" eaLnBrk="1" latinLnBrk="0" hangingPunct="1">
-              <a:spcBef>
-                <a:spcPct val="20000"/>
-              </a:spcBef>
-              <a:buFont typeface="Arial"/>
-              <a:buChar char="–"/>
-              <a:defRPr sz="2800" kern="1200">
-                <a:solidFill>
-                  <a:schemeClr val="tx1"/>
-                </a:solidFill>
-                <a:latin typeface="+mn-lt"/>
-                <a:ea typeface="+mn-ea"/>
-                <a:cs typeface="+mn-cs"/>
-              </a:defRPr>
-            </a:lvl2pPr>
-            <a:lvl3pPr marL="1143000" indent="-228600" algn="l" defTabSz="457200" rtl="0" eaLnBrk="1" latinLnBrk="0" hangingPunct="1">
-              <a:spcBef>
-                <a:spcPct val="20000"/>
-              </a:spcBef>
-              <a:buFont typeface="Arial"/>
-              <a:buChar char="•"/>
-              <a:defRPr sz="2400" kern="1200">
-                <a:solidFill>
-                  <a:schemeClr val="tx1"/>
-                </a:solidFill>
-                <a:latin typeface="+mn-lt"/>
-                <a:ea typeface="+mn-ea"/>
-                <a:cs typeface="+mn-cs"/>
-              </a:defRPr>
-            </a:lvl3pPr>
-            <a:lvl4pPr marL="1600200" indent="-228600" algn="l" defTabSz="457200" rtl="0" eaLnBrk="1" latinLnBrk="0" hangingPunct="1">
-              <a:spcBef>
-                <a:spcPct val="20000"/>
-              </a:spcBef>
-              <a:buFont typeface="Arial"/>
-              <a:buChar char="–"/>
-              <a:defRPr sz="2000" kern="1200">
-                <a:solidFill>
-                  <a:schemeClr val="tx1"/>
-                </a:solidFill>
-                <a:latin typeface="+mn-lt"/>
-                <a:ea typeface="+mn-ea"/>
-                <a:cs typeface="+mn-cs"/>
-              </a:defRPr>
-            </a:lvl4pPr>
-            <a:lvl5pPr marL="1828800" indent="0" algn="l" defTabSz="457200" rtl="0" eaLnBrk="1" latinLnBrk="0" hangingPunct="1">
-              <a:spcBef>
-                <a:spcPct val="20000"/>
-              </a:spcBef>
-              <a:buFont typeface="Arial"/>
-              <a:buNone/>
-              <a:defRPr sz="2000" kern="1200">
-                <a:solidFill>
-                  <a:schemeClr val="tx1"/>
-                </a:solidFill>
-                <a:latin typeface="+mn-lt"/>
-                <a:ea typeface="+mn-ea"/>
-                <a:cs typeface="+mn-cs"/>
-              </a:defRPr>
-            </a:lvl5pPr>
-            <a:lvl6pPr marL="2514600" indent="-228600" algn="l" defTabSz="457200" rtl="0" eaLnBrk="1" latinLnBrk="0" hangingPunct="1">
-              <a:spcBef>
-                <a:spcPct val="20000"/>
-              </a:spcBef>
-              <a:buFont typeface="Arial"/>
-              <a:buChar char="•"/>
-              <a:defRPr sz="2000" kern="1200">
-                <a:solidFill>
-                  <a:schemeClr val="tx1"/>
-                </a:solidFill>
-                <a:latin typeface="+mn-lt"/>
-                <a:ea typeface="+mn-ea"/>
-                <a:cs typeface="+mn-cs"/>
-              </a:defRPr>
-            </a:lvl6pPr>
-            <a:lvl7pPr marL="2971800" indent="-228600" algn="l" defTabSz="457200" rtl="0" eaLnBrk="1" latinLnBrk="0" hangingPunct="1">
-              <a:spcBef>
-                <a:spcPct val="20000"/>
-              </a:spcBef>
-              <a:buFont typeface="Arial"/>
-              <a:buChar char="•"/>
-              <a:defRPr sz="2000" kern="1200">
-                <a:solidFill>
-                  <a:schemeClr val="tx1"/>
-                </a:solidFill>
-                <a:latin typeface="+mn-lt"/>
-                <a:ea typeface="+mn-ea"/>
-                <a:cs typeface="+mn-cs"/>
-              </a:defRPr>
-            </a:lvl7pPr>
-            <a:lvl8pPr marL="3429000" indent="-228600" algn="l" defTabSz="457200" rtl="0" eaLnBrk="1" latinLnBrk="0" hangingPunct="1">
-              <a:spcBef>
-                <a:spcPct val="20000"/>
-              </a:spcBef>
-              <a:buFont typeface="Arial"/>
-              <a:buChar char="•"/>
-              <a:defRPr sz="2000" kern="1200">
-                <a:solidFill>
-                  <a:schemeClr val="tx1"/>
-                </a:solidFill>
-                <a:latin typeface="+mn-lt"/>
-                <a:ea typeface="+mn-ea"/>
-                <a:cs typeface="+mn-cs"/>
-              </a:defRPr>
-            </a:lvl8pPr>
-            <a:lvl9pPr marL="3886200" indent="-228600" algn="l" defTabSz="457200" rtl="0" eaLnBrk="1" latinLnBrk="0" hangingPunct="1">
-              <a:spcBef>
-                <a:spcPct val="20000"/>
-              </a:spcBef>
-              <a:buFont typeface="Arial"/>
-              <a:buChar char="•"/>
-              <a:defRPr sz="2000" kern="1200">
-                <a:solidFill>
-                  <a:schemeClr val="tx1"/>
-                </a:solidFill>
-                <a:latin typeface="+mn-lt"/>
-                <a:ea typeface="+mn-ea"/>
-                <a:cs typeface="+mn-cs"/>
-              </a:defRPr>
-            </a:lvl9pPr>
-          </a:lstStyle>
-          <a:p>
-            <a:pPr marL="0" indent="0">
-              <a:buFont typeface="Arial"/>
-              <a:buNone/>
-            </a:pPr>
-            <a:r>
-              <a:rPr lang="en-GB" sz="2000" dirty="0">
-                <a:solidFill>
-                  <a:schemeClr val="accent5"/>
-                </a:solidFill>
-              </a:rPr>
-              <a:t>function</a:t>
-            </a:r>
-            <a:r>
-              <a:rPr lang="en-GB" sz="2000" dirty="0"/>
-              <a:t> </a:t>
-            </a:r>
-            <a:r>
-              <a:rPr lang="en-GB" sz="2000" dirty="0">
-                <a:solidFill>
-                  <a:schemeClr val="accent3"/>
-                </a:solidFill>
-              </a:rPr>
-              <a:t>function_name2</a:t>
-            </a:r>
-            <a:r>
-              <a:rPr lang="en-GB" sz="2000" dirty="0"/>
-              <a:t>(arg1, arg2)result(evaluation)</a:t>
-            </a:r>
-          </a:p>
-          <a:p>
-            <a:pPr marL="0" indent="0">
-              <a:buFont typeface="Arial"/>
-              <a:buNone/>
-            </a:pPr>
-            <a:r>
-              <a:rPr lang="en-GB" sz="2000" dirty="0"/>
-              <a:t>	</a:t>
-            </a:r>
-            <a:r>
-              <a:rPr lang="en-GB" sz="2000" dirty="0">
-                <a:solidFill>
-                  <a:schemeClr val="accent5"/>
-                </a:solidFill>
-              </a:rPr>
-              <a:t>real</a:t>
-            </a:r>
-            <a:r>
-              <a:rPr lang="en-GB" sz="2000" dirty="0"/>
-              <a:t>	::	arg1, arg2, evaluation</a:t>
-            </a:r>
-          </a:p>
-          <a:p>
-            <a:pPr marL="0" indent="0">
-              <a:buFont typeface="Arial"/>
-              <a:buNone/>
-            </a:pPr>
-            <a:endParaRPr lang="en-GB" sz="2000" dirty="0"/>
-          </a:p>
-          <a:p>
-            <a:pPr marL="0" indent="0">
-              <a:buFont typeface="Arial"/>
-              <a:buNone/>
-            </a:pPr>
-            <a:r>
-              <a:rPr lang="en-GB" sz="2000" dirty="0"/>
-              <a:t>	evaluation=arg1*arg2</a:t>
-            </a:r>
-          </a:p>
-          <a:p>
-            <a:pPr marL="0" indent="0">
-              <a:buFont typeface="Arial"/>
-              <a:buNone/>
-            </a:pPr>
-            <a:endParaRPr lang="en-GB" sz="2000" dirty="0"/>
-          </a:p>
-          <a:p>
-            <a:pPr marL="0" indent="0">
-              <a:buFont typeface="Arial"/>
-              <a:buNone/>
-            </a:pPr>
-            <a:r>
-              <a:rPr lang="en-GB" sz="2000" dirty="0">
-                <a:solidFill>
-                  <a:schemeClr val="accent5"/>
-                </a:solidFill>
-              </a:rPr>
-              <a:t>end function </a:t>
-            </a:r>
-            <a:r>
-              <a:rPr lang="en-GB" sz="2000" dirty="0">
-                <a:solidFill>
-                  <a:schemeClr val="accent3"/>
-                </a:solidFill>
-              </a:rPr>
-              <a:t>function_name2</a:t>
-            </a:r>
-          </a:p>
-        </p:txBody>
-      </p:sp>
-      <p:sp>
-        <p:nvSpPr>
-          <p:cNvPr id="11" name="TextBox 10">
-            <a:extLst>
-              <a:ext uri="{FF2B5EF4-FFF2-40B4-BE49-F238E27FC236}">
-                <a16:creationId xmlns:a16="http://schemas.microsoft.com/office/drawing/2014/main" id="{EE625C72-6D59-439C-96A8-3DEE7A0774D8}"/>
-              </a:ext>
-            </a:extLst>
-          </p:cNvPr>
-          <p:cNvSpPr txBox="1"/>
-          <p:nvPr/>
-        </p:nvSpPr>
-        <p:spPr>
-          <a:xfrm>
-            <a:off x="5728138" y="6498021"/>
-            <a:ext cx="1765738" cy="369332"/>
-          </a:xfrm>
-          <a:prstGeom prst="rect">
-            <a:avLst/>
-          </a:prstGeom>
-          <a:noFill/>
-        </p:spPr>
-        <p:txBody>
-          <a:bodyPr wrap="square" rtlCol="0">
-            <a:spAutoFit/>
-          </a:bodyPr>
-          <a:lstStyle/>
-          <a:p>
-            <a:r>
-              <a:rPr lang="en-GB" dirty="0">
-                <a:solidFill>
-                  <a:schemeClr val="accent1"/>
-                </a:solidFill>
-              </a:rPr>
-              <a:t>Demonstration</a:t>
-            </a:r>
-          </a:p>
-        </p:txBody>
-      </p:sp>
-    </p:spTree>
-    <p:extLst>
-      <p:ext uri="{BB962C8B-B14F-4D97-AF65-F5344CB8AC3E}">
-        <p14:creationId xmlns:p14="http://schemas.microsoft.com/office/powerpoint/2010/main" val="3162482540"/>
-      </p:ext>
-    </p:extLst>
-  </p:cSld>
-  <p:clrMapOvr>
-    <a:masterClrMapping/>
-  </p:clrMapOvr>
-  <mc:AlternateContent xmlns:mc="http://schemas.openxmlformats.org/markup-compatibility/2006" xmlns:p14="http://schemas.microsoft.com/office/powerpoint/2010/main">
-    <mc:Choice Requires="p14">
-      <p:transition p14:dur="10"/>
-    </mc:Choice>
-    <mc:Fallback xmlns="">
-      <p:transition/>
-    </mc:Fallback>
-  </mc:AlternateContent>
-</p:sld>
-</file>
-
-<file path=ppt/slides/slide4.xml><?xml version="1.0" encoding="utf-8"?>
-<p:sld xmlns:a="http://schemas.openxmlformats.org/drawingml/2006/main" xmlns:r="http://schemas.openxmlformats.org/officeDocument/2006/relationships" xmlns:p="http://schemas.openxmlformats.org/presentationml/2006/main">
-  <p:cSld>
-    <p:spTree>
-      <p:nvGrpSpPr>
-        <p:cNvPr id="1" name=""/>
-        <p:cNvGrpSpPr/>
-        <p:nvPr/>
-      </p:nvGrpSpPr>
-      <p:grpSpPr>
-        <a:xfrm>
-          <a:off x="0" y="0"/>
-          <a:ext cx="0" cy="0"/>
-          <a:chOff x="0" y="0"/>
-          <a:chExt cx="0" cy="0"/>
-        </a:xfrm>
-      </p:grpSpPr>
-      <p:sp>
-        <p:nvSpPr>
-          <p:cNvPr id="2" name="Title 1"/>
-          <p:cNvSpPr>
-            <a:spLocks noGrp="1"/>
-          </p:cNvSpPr>
-          <p:nvPr>
-            <p:ph type="title"/>
-          </p:nvPr>
-        </p:nvSpPr>
-        <p:spPr/>
-        <p:txBody>
-          <a:bodyPr/>
-          <a:lstStyle/>
-          <a:p>
-            <a:r>
-              <a:rPr lang="en-GB" sz="4000" dirty="0"/>
-              <a:t>How Do We Code?</a:t>
-            </a:r>
-          </a:p>
-        </p:txBody>
-      </p:sp>
-      <p:sp>
-        <p:nvSpPr>
-          <p:cNvPr id="3" name="Content Placeholder 2"/>
-          <p:cNvSpPr>
-            <a:spLocks noGrp="1"/>
-          </p:cNvSpPr>
-          <p:nvPr>
-            <p:ph idx="1"/>
-          </p:nvPr>
-        </p:nvSpPr>
-        <p:spPr>
-          <a:xfrm>
-            <a:off x="457200" y="1600200"/>
-            <a:ext cx="8435280" cy="4876800"/>
-          </a:xfrm>
-        </p:spPr>
-        <p:txBody>
-          <a:bodyPr>
-            <a:normAutofit/>
-          </a:bodyPr>
-          <a:lstStyle/>
-          <a:p>
-            <a:r>
-              <a:rPr lang="en-GB" sz="3000" dirty="0"/>
-              <a:t>Design an algorithm which solves your problem</a:t>
-            </a:r>
-          </a:p>
-          <a:p>
-            <a:r>
-              <a:rPr lang="en-GB" sz="3000" dirty="0"/>
-              <a:t>Translate it into source code</a:t>
-            </a:r>
-          </a:p>
-          <a:p>
-            <a:r>
-              <a:rPr lang="en-GB" sz="3000" dirty="0"/>
-              <a:t>Instruct the computer to carry out the instructions of the source code</a:t>
-            </a:r>
-          </a:p>
-          <a:p>
-            <a:r>
-              <a:rPr lang="en-GB" sz="3000" dirty="0"/>
-              <a:t>Each step is language dependent</a:t>
-            </a:r>
-          </a:p>
-        </p:txBody>
-      </p:sp>
-    </p:spTree>
-    <p:extLst>
-      <p:ext uri="{BB962C8B-B14F-4D97-AF65-F5344CB8AC3E}">
-        <p14:creationId xmlns:p14="http://schemas.microsoft.com/office/powerpoint/2010/main" val="766773942"/>
-      </p:ext>
-    </p:extLst>
-  </p:cSld>
-  <p:clrMapOvr>
-    <a:masterClrMapping/>
-  </p:clrMapOvr>
-  <mc:AlternateContent xmlns:mc="http://schemas.openxmlformats.org/markup-compatibility/2006" xmlns:p14="http://schemas.microsoft.com/office/powerpoint/2010/main">
-    <mc:Choice Requires="p14">
-      <p:transition p14:dur="10"/>
-    </mc:Choice>
-    <mc:Fallback xmlns="">
-      <p:transition/>
-    </mc:Fallback>
-  </mc:AlternateContent>
-</p:sld>
-</file>
-
-<file path=ppt/slides/slide40.xml><?xml version="1.0" encoding="utf-8"?>
-<p:sld xmlns:a="http://schemas.openxmlformats.org/drawingml/2006/main" xmlns:r="http://schemas.openxmlformats.org/officeDocument/2006/relationships" xmlns:p="http://schemas.openxmlformats.org/presentationml/2006/main">
-  <p:cSld>
-    <p:spTree>
-      <p:nvGrpSpPr>
-        <p:cNvPr id="1" name=""/>
-        <p:cNvGrpSpPr/>
-        <p:nvPr/>
-      </p:nvGrpSpPr>
-      <p:grpSpPr>
-        <a:xfrm>
-          <a:off x="0" y="0"/>
-          <a:ext cx="0" cy="0"/>
-          <a:chOff x="0" y="0"/>
-          <a:chExt cx="0" cy="0"/>
-        </a:xfrm>
-      </p:grpSpPr>
-      <p:sp>
-        <p:nvSpPr>
-          <p:cNvPr id="2" name="Title 1"/>
-          <p:cNvSpPr>
-            <a:spLocks noGrp="1"/>
-          </p:cNvSpPr>
-          <p:nvPr>
-            <p:ph type="title"/>
-          </p:nvPr>
-        </p:nvSpPr>
-        <p:spPr/>
-        <p:txBody>
-          <a:bodyPr/>
-          <a:lstStyle/>
-          <a:p>
-            <a:r>
-              <a:rPr lang="en-GB" sz="4000" dirty="0"/>
-              <a:t>Functions - Calling</a:t>
-            </a:r>
-          </a:p>
-        </p:txBody>
-      </p:sp>
-      <p:sp>
-        <p:nvSpPr>
-          <p:cNvPr id="7" name="Content Placeholder 6">
-            <a:extLst>
-              <a:ext uri="{FF2B5EF4-FFF2-40B4-BE49-F238E27FC236}">
-                <a16:creationId xmlns:a16="http://schemas.microsoft.com/office/drawing/2014/main" id="{8704F1A3-720B-4123-B3B8-B6C05F8BAC14}"/>
-              </a:ext>
-            </a:extLst>
-          </p:cNvPr>
-          <p:cNvSpPr>
-            <a:spLocks noGrp="1"/>
-          </p:cNvSpPr>
-          <p:nvPr>
-            <p:ph idx="1"/>
-          </p:nvPr>
-        </p:nvSpPr>
-        <p:spPr>
-          <a:xfrm>
-            <a:off x="457200" y="1466440"/>
-            <a:ext cx="8131996" cy="4879931"/>
-          </a:xfrm>
-        </p:spPr>
-        <p:txBody>
-          <a:bodyPr/>
-          <a:lstStyle/>
-          <a:p>
-            <a:pPr marL="0" indent="0">
-              <a:buNone/>
-            </a:pPr>
-            <a:r>
-              <a:rPr lang="en-GB" sz="2400" dirty="0">
-                <a:solidFill>
-                  <a:schemeClr val="accent5"/>
-                </a:solidFill>
-              </a:rPr>
-              <a:t>real</a:t>
-            </a:r>
-            <a:r>
-              <a:rPr lang="en-GB" sz="2400" dirty="0"/>
-              <a:t>    ::  real1, real2</a:t>
-            </a:r>
-          </a:p>
-          <a:p>
-            <a:pPr marL="0" indent="0">
-              <a:buNone/>
-            </a:pPr>
-            <a:endParaRPr lang="en-GB" sz="2400" dirty="0"/>
-          </a:p>
-          <a:p>
-            <a:pPr marL="0" indent="0">
-              <a:buNone/>
-            </a:pPr>
-            <a:r>
-              <a:rPr lang="en-GB" sz="2400" dirty="0">
-                <a:solidFill>
-                  <a:schemeClr val="accent1"/>
-                </a:solidFill>
-              </a:rPr>
-              <a:t>print</a:t>
-            </a:r>
-            <a:r>
-              <a:rPr lang="en-GB" sz="2400" dirty="0"/>
-              <a:t>*, function_name1(</a:t>
-            </a:r>
-            <a:r>
-              <a:rPr lang="en-GB" sz="2400" dirty="0">
-                <a:solidFill>
-                  <a:schemeClr val="accent2"/>
-                </a:solidFill>
-              </a:rPr>
-              <a:t>2.0</a:t>
-            </a:r>
-            <a:r>
-              <a:rPr lang="en-GB" sz="2400" dirty="0"/>
-              <a:t>, </a:t>
-            </a:r>
-            <a:r>
-              <a:rPr lang="en-GB" sz="2400" dirty="0">
-                <a:solidFill>
-                  <a:schemeClr val="accent2"/>
-                </a:solidFill>
-              </a:rPr>
-              <a:t>4.0</a:t>
-            </a:r>
-            <a:r>
-              <a:rPr lang="en-GB" sz="2400" dirty="0"/>
-              <a:t>)</a:t>
-            </a:r>
-          </a:p>
-          <a:p>
-            <a:pPr marL="0" indent="0">
-              <a:buNone/>
-            </a:pPr>
-            <a:r>
-              <a:rPr lang="en-GB" sz="2400" dirty="0">
-                <a:solidFill>
-                  <a:schemeClr val="accent1"/>
-                </a:solidFill>
-              </a:rPr>
-              <a:t>print</a:t>
-            </a:r>
-            <a:r>
-              <a:rPr lang="en-GB" sz="2400" dirty="0"/>
-              <a:t>*, function_name2(</a:t>
-            </a:r>
-            <a:r>
-              <a:rPr lang="en-GB" sz="2400" dirty="0">
-                <a:solidFill>
-                  <a:schemeClr val="accent2"/>
-                </a:solidFill>
-              </a:rPr>
-              <a:t>1.0</a:t>
-            </a:r>
-            <a:r>
-              <a:rPr lang="en-GB" sz="2400" dirty="0"/>
-              <a:t>, </a:t>
-            </a:r>
-            <a:r>
-              <a:rPr lang="en-GB" sz="2400" dirty="0">
-                <a:solidFill>
-                  <a:schemeClr val="accent2"/>
-                </a:solidFill>
-              </a:rPr>
-              <a:t>3.0</a:t>
-            </a:r>
-            <a:r>
-              <a:rPr lang="en-GB" sz="2400" dirty="0"/>
-              <a:t>)</a:t>
-            </a:r>
-          </a:p>
-          <a:p>
-            <a:pPr marL="0" indent="0">
-              <a:buNone/>
-            </a:pPr>
-            <a:endParaRPr lang="en-GB" sz="2400" dirty="0"/>
-          </a:p>
-          <a:p>
-            <a:pPr marL="0" indent="0">
-              <a:buNone/>
-            </a:pPr>
-            <a:r>
-              <a:rPr lang="en-GB" sz="2400" dirty="0"/>
-              <a:t>real1=function_name1 (</a:t>
-            </a:r>
-            <a:r>
-              <a:rPr lang="en-GB" sz="2400" dirty="0">
-                <a:solidFill>
-                  <a:schemeClr val="accent2"/>
-                </a:solidFill>
-              </a:rPr>
-              <a:t>2.0</a:t>
-            </a:r>
-            <a:r>
-              <a:rPr lang="en-GB" sz="2400" dirty="0"/>
-              <a:t>, </a:t>
-            </a:r>
-            <a:r>
-              <a:rPr lang="en-GB" sz="2400" dirty="0">
-                <a:solidFill>
-                  <a:schemeClr val="accent2"/>
-                </a:solidFill>
-              </a:rPr>
-              <a:t>3.0</a:t>
-            </a:r>
-            <a:r>
-              <a:rPr lang="en-GB" sz="2400" dirty="0"/>
-              <a:t>)</a:t>
-            </a:r>
-          </a:p>
-          <a:p>
-            <a:pPr marL="0" indent="0">
-              <a:buNone/>
-            </a:pPr>
-            <a:r>
-              <a:rPr lang="en-GB" sz="2400" dirty="0"/>
-              <a:t>real2=function_name2(real1, real1/</a:t>
-            </a:r>
-            <a:r>
-              <a:rPr lang="en-GB" sz="2400" dirty="0">
-                <a:solidFill>
-                  <a:schemeClr val="accent2"/>
-                </a:solidFill>
-              </a:rPr>
-              <a:t>3.0</a:t>
-            </a:r>
-            <a:r>
-              <a:rPr lang="en-GB" sz="2400" dirty="0"/>
-              <a:t>)*</a:t>
-            </a:r>
-            <a:r>
-              <a:rPr lang="en-GB" sz="2400" dirty="0">
-                <a:solidFill>
-                  <a:schemeClr val="accent2"/>
-                </a:solidFill>
-              </a:rPr>
-              <a:t>2.0</a:t>
-            </a:r>
-          </a:p>
-          <a:p>
-            <a:pPr marL="0" indent="0">
-              <a:buNone/>
-            </a:pPr>
-            <a:br>
-              <a:rPr lang="en-GB" sz="2400" dirty="0"/>
-            </a:br>
-            <a:r>
-              <a:rPr lang="en-GB" sz="2400" dirty="0">
-                <a:solidFill>
-                  <a:schemeClr val="accent1"/>
-                </a:solidFill>
-              </a:rPr>
-              <a:t>print</a:t>
-            </a:r>
-            <a:r>
-              <a:rPr lang="en-GB" sz="2400" dirty="0"/>
-              <a:t>*, function_name1(real2, function_name2(</a:t>
-            </a:r>
-            <a:r>
-              <a:rPr lang="en-GB" sz="2400" dirty="0">
-                <a:solidFill>
-                  <a:schemeClr val="accent2"/>
-                </a:solidFill>
-              </a:rPr>
-              <a:t>2.0</a:t>
-            </a:r>
-            <a:r>
-              <a:rPr lang="en-GB" sz="2400" dirty="0"/>
-              <a:t>, </a:t>
-            </a:r>
-            <a:r>
-              <a:rPr lang="en-GB" sz="2400" dirty="0">
-                <a:solidFill>
-                  <a:schemeClr val="accent2"/>
-                </a:solidFill>
-              </a:rPr>
-              <a:t>3.0</a:t>
-            </a:r>
-            <a:r>
-              <a:rPr lang="en-GB" sz="2400" dirty="0"/>
-              <a:t>))</a:t>
-            </a:r>
-          </a:p>
-        </p:txBody>
-      </p:sp>
-      <p:sp>
-        <p:nvSpPr>
-          <p:cNvPr id="11" name="TextBox 10">
-            <a:extLst>
-              <a:ext uri="{FF2B5EF4-FFF2-40B4-BE49-F238E27FC236}">
-                <a16:creationId xmlns:a16="http://schemas.microsoft.com/office/drawing/2014/main" id="{EE625C72-6D59-439C-96A8-3DEE7A0774D8}"/>
-              </a:ext>
-            </a:extLst>
-          </p:cNvPr>
-          <p:cNvSpPr txBox="1"/>
-          <p:nvPr/>
-        </p:nvSpPr>
-        <p:spPr>
-          <a:xfrm>
-            <a:off x="5728138" y="6498021"/>
-            <a:ext cx="1765738" cy="369332"/>
-          </a:xfrm>
-          <a:prstGeom prst="rect">
-            <a:avLst/>
-          </a:prstGeom>
-          <a:noFill/>
-        </p:spPr>
-        <p:txBody>
-          <a:bodyPr wrap="square" rtlCol="0">
-            <a:spAutoFit/>
-          </a:bodyPr>
-          <a:lstStyle/>
-          <a:p>
-            <a:r>
-              <a:rPr lang="en-GB" dirty="0">
-                <a:solidFill>
-                  <a:schemeClr val="accent1"/>
-                </a:solidFill>
-              </a:rPr>
-              <a:t>Demonstration</a:t>
-            </a:r>
-          </a:p>
-        </p:txBody>
-      </p:sp>
-      <p:sp>
-        <p:nvSpPr>
-          <p:cNvPr id="5" name="TextBox 4">
-            <a:extLst>
-              <a:ext uri="{FF2B5EF4-FFF2-40B4-BE49-F238E27FC236}">
-                <a16:creationId xmlns:a16="http://schemas.microsoft.com/office/drawing/2014/main" id="{14AD2C1F-43FF-4CF4-B8BB-C85A1A930793}"/>
-              </a:ext>
-            </a:extLst>
-          </p:cNvPr>
-          <p:cNvSpPr txBox="1"/>
-          <p:nvPr/>
-        </p:nvSpPr>
-        <p:spPr>
-          <a:xfrm>
-            <a:off x="7357241" y="6498021"/>
-            <a:ext cx="1697422" cy="369332"/>
-          </a:xfrm>
-          <a:prstGeom prst="rect">
-            <a:avLst/>
-          </a:prstGeom>
-          <a:noFill/>
-        </p:spPr>
-        <p:txBody>
-          <a:bodyPr wrap="square" rtlCol="0">
-            <a:spAutoFit/>
-          </a:bodyPr>
-          <a:lstStyle/>
-          <a:p>
-            <a:r>
-              <a:rPr lang="en-GB" dirty="0">
-                <a:solidFill>
-                  <a:schemeClr val="accent2"/>
-                </a:solidFill>
-              </a:rPr>
-              <a:t>Problem Sheet</a:t>
-            </a:r>
-          </a:p>
-        </p:txBody>
-      </p:sp>
-    </p:spTree>
-    <p:extLst>
-      <p:ext uri="{BB962C8B-B14F-4D97-AF65-F5344CB8AC3E}">
-        <p14:creationId xmlns:p14="http://schemas.microsoft.com/office/powerpoint/2010/main" val="265627358"/>
-      </p:ext>
-    </p:extLst>
-  </p:cSld>
-  <p:clrMapOvr>
-    <a:masterClrMapping/>
-  </p:clrMapOvr>
-  <mc:AlternateContent xmlns:mc="http://schemas.openxmlformats.org/markup-compatibility/2006" xmlns:p14="http://schemas.microsoft.com/office/powerpoint/2010/main">
-    <mc:Choice Requires="p14">
-      <p:transition p14:dur="10"/>
-    </mc:Choice>
-    <mc:Fallback xmlns="">
-      <p:transition/>
-    </mc:Fallback>
-  </mc:AlternateContent>
-</p:sld>
-</file>
-
-<file path=ppt/slides/slide41.xml><?xml version="1.0" encoding="utf-8"?>
-<p:sld xmlns:a="http://schemas.openxmlformats.org/drawingml/2006/main" xmlns:r="http://schemas.openxmlformats.org/officeDocument/2006/relationships" xmlns:p="http://schemas.openxmlformats.org/presentationml/2006/main">
-  <p:cSld>
-    <p:spTree>
-      <p:nvGrpSpPr>
-        <p:cNvPr id="1" name=""/>
-        <p:cNvGrpSpPr/>
-        <p:nvPr/>
-      </p:nvGrpSpPr>
-      <p:grpSpPr>
-        <a:xfrm>
-          <a:off x="0" y="0"/>
-          <a:ext cx="0" cy="0"/>
-          <a:chOff x="0" y="0"/>
-          <a:chExt cx="0" cy="0"/>
-        </a:xfrm>
-      </p:grpSpPr>
-      <p:sp>
-        <p:nvSpPr>
-          <p:cNvPr id="2" name="Title 1"/>
-          <p:cNvSpPr>
-            <a:spLocks noGrp="1"/>
-          </p:cNvSpPr>
-          <p:nvPr>
-            <p:ph type="title"/>
-          </p:nvPr>
-        </p:nvSpPr>
-        <p:spPr/>
-        <p:txBody>
-          <a:bodyPr/>
-          <a:lstStyle/>
-          <a:p>
-            <a:r>
-              <a:rPr lang="en-GB" sz="4000" dirty="0"/>
-              <a:t>Extension: Functions – Recursion</a:t>
-            </a:r>
-          </a:p>
-        </p:txBody>
-      </p:sp>
-      <p:sp>
-        <p:nvSpPr>
-          <p:cNvPr id="7" name="Content Placeholder 6">
-            <a:extLst>
-              <a:ext uri="{FF2B5EF4-FFF2-40B4-BE49-F238E27FC236}">
-                <a16:creationId xmlns:a16="http://schemas.microsoft.com/office/drawing/2014/main" id="{8704F1A3-720B-4123-B3B8-B6C05F8BAC14}"/>
-              </a:ext>
-            </a:extLst>
-          </p:cNvPr>
-          <p:cNvSpPr>
-            <a:spLocks noGrp="1"/>
-          </p:cNvSpPr>
-          <p:nvPr>
-            <p:ph idx="1"/>
-          </p:nvPr>
-        </p:nvSpPr>
-        <p:spPr>
-          <a:xfrm>
-            <a:off x="272143" y="1466440"/>
-            <a:ext cx="8131996" cy="4879931"/>
-          </a:xfrm>
-        </p:spPr>
-        <p:txBody>
-          <a:bodyPr/>
-          <a:lstStyle/>
-          <a:p>
-            <a:pPr marL="0" indent="0">
-              <a:buNone/>
-            </a:pPr>
-            <a:r>
-              <a:rPr lang="en-GB" sz="2400" dirty="0">
-                <a:solidFill>
-                  <a:schemeClr val="accent5"/>
-                </a:solidFill>
-              </a:rPr>
-              <a:t>recursive function </a:t>
-            </a:r>
-            <a:r>
-              <a:rPr lang="en-GB" sz="2400" dirty="0">
-                <a:solidFill>
-                  <a:schemeClr val="accent3"/>
-                </a:solidFill>
-              </a:rPr>
-              <a:t>factorial</a:t>
-            </a:r>
-            <a:r>
-              <a:rPr lang="en-GB" sz="2400" dirty="0"/>
-              <a:t>(</a:t>
-            </a:r>
-            <a:r>
-              <a:rPr lang="en-GB" sz="2400" dirty="0">
-                <a:solidFill>
-                  <a:schemeClr val="accent2"/>
-                </a:solidFill>
-              </a:rPr>
-              <a:t>value</a:t>
-            </a:r>
-            <a:r>
-              <a:rPr lang="en-GB" sz="2400" dirty="0"/>
-              <a:t>)result(evaluation)</a:t>
-            </a:r>
-          </a:p>
-          <a:p>
-            <a:pPr marL="0" indent="0">
-              <a:buNone/>
-            </a:pPr>
-            <a:r>
-              <a:rPr lang="en-GB" sz="2400" dirty="0"/>
-              <a:t>	integer ::  value, evaluation</a:t>
-            </a:r>
-          </a:p>
-          <a:p>
-            <a:pPr marL="0" indent="0">
-              <a:buNone/>
-            </a:pPr>
-            <a:endParaRPr lang="en-GB" sz="2400" dirty="0"/>
-          </a:p>
-          <a:p>
-            <a:pPr marL="400050" lvl="1" indent="0">
-              <a:buNone/>
-            </a:pPr>
-            <a:r>
-              <a:rPr lang="en-GB" sz="2400" dirty="0">
-                <a:solidFill>
-                  <a:schemeClr val="accent1"/>
-                </a:solidFill>
-              </a:rPr>
-              <a:t>	if</a:t>
-            </a:r>
-            <a:r>
-              <a:rPr lang="en-GB" sz="2400" dirty="0"/>
-              <a:t> (value==</a:t>
-            </a:r>
-            <a:r>
-              <a:rPr lang="en-GB" sz="2400" dirty="0">
-                <a:solidFill>
-                  <a:schemeClr val="accent2"/>
-                </a:solidFill>
-              </a:rPr>
-              <a:t>0</a:t>
-            </a:r>
-            <a:r>
-              <a:rPr lang="en-GB" sz="2400" dirty="0"/>
-              <a:t> .or. value==</a:t>
-            </a:r>
-            <a:r>
-              <a:rPr lang="en-GB" sz="2400" dirty="0">
-                <a:solidFill>
-                  <a:schemeClr val="accent2"/>
-                </a:solidFill>
-              </a:rPr>
-              <a:t>1</a:t>
-            </a:r>
-            <a:r>
-              <a:rPr lang="en-GB" sz="2400" dirty="0"/>
-              <a:t>)</a:t>
-            </a:r>
-            <a:r>
-              <a:rPr lang="en-GB" sz="2400" dirty="0">
-                <a:solidFill>
-                  <a:schemeClr val="accent1"/>
-                </a:solidFill>
-              </a:rPr>
-              <a:t>then</a:t>
-            </a:r>
-          </a:p>
-          <a:p>
-            <a:pPr marL="400050" lvl="1" indent="0">
-              <a:buNone/>
-            </a:pPr>
-            <a:r>
-              <a:rPr lang="en-GB" sz="2400" dirty="0"/>
-              <a:t>	  evaluation=</a:t>
-            </a:r>
-            <a:r>
-              <a:rPr lang="en-GB" sz="2400" dirty="0">
-                <a:solidFill>
-                  <a:schemeClr val="accent2"/>
-                </a:solidFill>
-              </a:rPr>
-              <a:t>1</a:t>
-            </a:r>
-          </a:p>
-          <a:p>
-            <a:pPr marL="400050" lvl="1" indent="0">
-              <a:buNone/>
-            </a:pPr>
-            <a:r>
-              <a:rPr lang="en-GB" sz="2400" dirty="0">
-                <a:solidFill>
-                  <a:schemeClr val="accent1"/>
-                </a:solidFill>
-              </a:rPr>
-              <a:t>else </a:t>
-            </a:r>
-            <a:r>
-              <a:rPr lang="en-GB" sz="2400" dirty="0"/>
-              <a:t>if(value&gt;</a:t>
-            </a:r>
-            <a:r>
-              <a:rPr lang="en-GB" sz="2400" dirty="0">
-                <a:solidFill>
-                  <a:schemeClr val="accent2"/>
-                </a:solidFill>
-              </a:rPr>
-              <a:t>1</a:t>
-            </a:r>
-            <a:r>
-              <a:rPr lang="en-GB" sz="2400" dirty="0"/>
-              <a:t>)then</a:t>
-            </a:r>
-          </a:p>
-          <a:p>
-            <a:pPr marL="400050" lvl="1" indent="0">
-              <a:buNone/>
-            </a:pPr>
-            <a:r>
-              <a:rPr lang="en-GB" sz="2400" dirty="0"/>
-              <a:t>  evaluation=value*factorial(value-</a:t>
-            </a:r>
-            <a:r>
-              <a:rPr lang="en-GB" sz="2400" dirty="0">
-                <a:solidFill>
-                  <a:schemeClr val="accent2"/>
-                </a:solidFill>
-              </a:rPr>
-              <a:t>1</a:t>
-            </a:r>
-            <a:r>
-              <a:rPr lang="en-GB" sz="2400" dirty="0"/>
-              <a:t>)</a:t>
-            </a:r>
-          </a:p>
-          <a:p>
-            <a:pPr marL="400050" lvl="1" indent="0">
-              <a:buNone/>
-            </a:pPr>
-            <a:r>
-              <a:rPr lang="en-GB" sz="2400" dirty="0">
-                <a:solidFill>
-                  <a:schemeClr val="accent1"/>
-                </a:solidFill>
-              </a:rPr>
-              <a:t>else</a:t>
-            </a:r>
-          </a:p>
-          <a:p>
-            <a:pPr marL="400050" lvl="1" indent="0">
-              <a:buNone/>
-            </a:pPr>
-            <a:r>
-              <a:rPr lang="en-GB" sz="2400" dirty="0">
-                <a:solidFill>
-                  <a:schemeClr val="accent1"/>
-                </a:solidFill>
-              </a:rPr>
-              <a:t>  stop </a:t>
-            </a:r>
-            <a:r>
-              <a:rPr lang="en-GB" sz="2400" dirty="0"/>
-              <a:t>"Cannot take the factorial of a negative number"</a:t>
-            </a:r>
-          </a:p>
-          <a:p>
-            <a:pPr marL="400050" lvl="1" indent="0">
-              <a:buNone/>
-            </a:pPr>
-            <a:r>
-              <a:rPr lang="en-GB" sz="2400" dirty="0">
-                <a:solidFill>
-                  <a:schemeClr val="accent1"/>
-                </a:solidFill>
-              </a:rPr>
-              <a:t>end if</a:t>
-            </a:r>
-          </a:p>
-          <a:p>
-            <a:pPr marL="0" indent="0">
-              <a:buNone/>
-            </a:pPr>
-            <a:r>
-              <a:rPr lang="en-GB" sz="2400" dirty="0">
-                <a:solidFill>
-                  <a:schemeClr val="accent5"/>
-                </a:solidFill>
-              </a:rPr>
-              <a:t>end function </a:t>
-            </a:r>
-            <a:r>
-              <a:rPr lang="en-GB" sz="2400" dirty="0"/>
-              <a:t>factorial</a:t>
-            </a:r>
-          </a:p>
-        </p:txBody>
-      </p:sp>
-      <p:sp>
-        <p:nvSpPr>
-          <p:cNvPr id="11" name="TextBox 10">
-            <a:extLst>
-              <a:ext uri="{FF2B5EF4-FFF2-40B4-BE49-F238E27FC236}">
-                <a16:creationId xmlns:a16="http://schemas.microsoft.com/office/drawing/2014/main" id="{EE625C72-6D59-439C-96A8-3DEE7A0774D8}"/>
-              </a:ext>
-            </a:extLst>
-          </p:cNvPr>
-          <p:cNvSpPr txBox="1"/>
-          <p:nvPr/>
-        </p:nvSpPr>
-        <p:spPr>
-          <a:xfrm>
-            <a:off x="5728138" y="6498021"/>
-            <a:ext cx="1765738" cy="369332"/>
-          </a:xfrm>
-          <a:prstGeom prst="rect">
-            <a:avLst/>
-          </a:prstGeom>
-          <a:noFill/>
-        </p:spPr>
-        <p:txBody>
-          <a:bodyPr wrap="square" rtlCol="0">
-            <a:spAutoFit/>
-          </a:bodyPr>
-          <a:lstStyle/>
-          <a:p>
-            <a:r>
-              <a:rPr lang="en-GB" dirty="0">
-                <a:solidFill>
-                  <a:schemeClr val="accent1"/>
-                </a:solidFill>
-              </a:rPr>
-              <a:t>Demonstration</a:t>
-            </a:r>
-          </a:p>
-        </p:txBody>
-      </p:sp>
-    </p:spTree>
-    <p:extLst>
-      <p:ext uri="{BB962C8B-B14F-4D97-AF65-F5344CB8AC3E}">
-        <p14:creationId xmlns:p14="http://schemas.microsoft.com/office/powerpoint/2010/main" val="3716300829"/>
-      </p:ext>
-    </p:extLst>
-  </p:cSld>
-  <p:clrMapOvr>
-    <a:masterClrMapping/>
-  </p:clrMapOvr>
-  <mc:AlternateContent xmlns:mc="http://schemas.openxmlformats.org/markup-compatibility/2006" xmlns:p14="http://schemas.microsoft.com/office/powerpoint/2010/main">
-    <mc:Choice Requires="p14">
-      <p:transition p14:dur="10"/>
-    </mc:Choice>
-    <mc:Fallback xmlns="">
-      <p:transition/>
-    </mc:Fallback>
-  </mc:AlternateContent>
-</p:sld>
-</file>
-
-<file path=ppt/slides/slide42.xml><?xml version="1.0" encoding="utf-8"?>
-<p:sld xmlns:a="http://schemas.openxmlformats.org/drawingml/2006/main" xmlns:r="http://schemas.openxmlformats.org/officeDocument/2006/relationships" xmlns:p="http://schemas.openxmlformats.org/presentationml/2006/main">
-  <p:cSld>
-    <p:spTree>
-      <p:nvGrpSpPr>
-        <p:cNvPr id="1" name=""/>
-        <p:cNvGrpSpPr/>
-        <p:nvPr/>
-      </p:nvGrpSpPr>
-      <p:grpSpPr>
-        <a:xfrm>
-          <a:off x="0" y="0"/>
-          <a:ext cx="0" cy="0"/>
-          <a:chOff x="0" y="0"/>
-          <a:chExt cx="0" cy="0"/>
-        </a:xfrm>
-      </p:grpSpPr>
-      <p:sp>
-        <p:nvSpPr>
-          <p:cNvPr id="2" name="Title 1"/>
-          <p:cNvSpPr>
-            <a:spLocks noGrp="1"/>
-          </p:cNvSpPr>
-          <p:nvPr>
-            <p:ph type="title"/>
-          </p:nvPr>
-        </p:nvSpPr>
-        <p:spPr/>
-        <p:txBody>
-          <a:bodyPr/>
-          <a:lstStyle/>
-          <a:p>
-            <a:r>
-              <a:rPr lang="en-GB" sz="4000" dirty="0"/>
-              <a:t>Deferred Size Arguments</a:t>
-            </a:r>
-          </a:p>
-        </p:txBody>
-      </p:sp>
-      <p:sp>
-        <p:nvSpPr>
-          <p:cNvPr id="7" name="Content Placeholder 6">
-            <a:extLst>
-              <a:ext uri="{FF2B5EF4-FFF2-40B4-BE49-F238E27FC236}">
-                <a16:creationId xmlns:a16="http://schemas.microsoft.com/office/drawing/2014/main" id="{8704F1A3-720B-4123-B3B8-B6C05F8BAC14}"/>
-              </a:ext>
-            </a:extLst>
-          </p:cNvPr>
-          <p:cNvSpPr>
-            <a:spLocks noGrp="1"/>
-          </p:cNvSpPr>
-          <p:nvPr>
-            <p:ph idx="1"/>
-          </p:nvPr>
-        </p:nvSpPr>
-        <p:spPr>
-          <a:xfrm>
-            <a:off x="272143" y="1466440"/>
-            <a:ext cx="8131996" cy="4879931"/>
-          </a:xfrm>
-        </p:spPr>
-        <p:txBody>
-          <a:bodyPr/>
-          <a:lstStyle/>
-          <a:p>
-            <a:pPr marL="0" indent="0">
-              <a:buNone/>
-            </a:pPr>
-            <a:r>
-              <a:rPr lang="en-GB" sz="2400" dirty="0">
-                <a:solidFill>
-                  <a:schemeClr val="accent5"/>
-                </a:solidFill>
-              </a:rPr>
-              <a:t>function </a:t>
-            </a:r>
-            <a:r>
-              <a:rPr lang="en-GB" sz="2400" dirty="0" err="1">
-                <a:solidFill>
-                  <a:schemeClr val="accent3"/>
-                </a:solidFill>
-              </a:rPr>
-              <a:t>sum_of_cubes</a:t>
-            </a:r>
-            <a:r>
-              <a:rPr lang="en-GB" sz="2400" dirty="0"/>
-              <a:t>(</a:t>
-            </a:r>
-            <a:r>
-              <a:rPr lang="en-GB" sz="2400" dirty="0">
-                <a:solidFill>
-                  <a:schemeClr val="accent2"/>
-                </a:solidFill>
-              </a:rPr>
-              <a:t>array</a:t>
-            </a:r>
-            <a:r>
-              <a:rPr lang="en-GB" sz="2400" dirty="0"/>
-              <a:t>) 	</a:t>
-            </a:r>
-          </a:p>
-          <a:p>
-            <a:pPr marL="0" indent="0">
-              <a:buNone/>
-            </a:pPr>
-            <a:r>
-              <a:rPr lang="en-GB" sz="2400" dirty="0"/>
-              <a:t>	</a:t>
-            </a:r>
-            <a:r>
-              <a:rPr lang="en-GB" sz="2400" dirty="0">
-                <a:solidFill>
-                  <a:schemeClr val="accent5"/>
-                </a:solidFill>
-              </a:rPr>
-              <a:t>real</a:t>
-            </a:r>
-            <a:r>
-              <a:rPr lang="en-GB" sz="2400" dirty="0"/>
-              <a:t>, </a:t>
-            </a:r>
-            <a:r>
-              <a:rPr lang="en-GB" sz="2400" dirty="0">
-                <a:solidFill>
-                  <a:schemeClr val="accent5"/>
-                </a:solidFill>
-              </a:rPr>
-              <a:t>dimension</a:t>
-            </a:r>
-            <a:r>
-              <a:rPr lang="en-GB" sz="2400" dirty="0"/>
-              <a:t>(:) 	::  array</a:t>
-            </a:r>
-          </a:p>
-          <a:p>
-            <a:pPr marL="0" indent="0">
-              <a:buNone/>
-            </a:pPr>
-            <a:r>
-              <a:rPr lang="en-GB" sz="2400" dirty="0"/>
-              <a:t>	</a:t>
-            </a:r>
-            <a:r>
-              <a:rPr lang="en-GB" sz="2400" dirty="0">
-                <a:solidFill>
-                  <a:schemeClr val="accent5"/>
-                </a:solidFill>
-              </a:rPr>
-              <a:t>real</a:t>
-            </a:r>
-            <a:r>
-              <a:rPr lang="en-GB" sz="2400" dirty="0"/>
-              <a:t>                		::  evaluation</a:t>
-            </a:r>
-          </a:p>
-          <a:p>
-            <a:pPr marL="0" indent="0">
-              <a:buNone/>
-            </a:pPr>
-            <a:r>
-              <a:rPr lang="en-GB" sz="2400" dirty="0"/>
-              <a:t>     </a:t>
-            </a:r>
-            <a:r>
-              <a:rPr lang="en-GB" sz="2400" dirty="0">
-                <a:solidFill>
-                  <a:schemeClr val="accent5"/>
-                </a:solidFill>
-              </a:rPr>
-              <a:t>integer  </a:t>
-            </a:r>
-            <a:r>
-              <a:rPr lang="en-GB" sz="2400" dirty="0"/>
-              <a:t>           		::  ii</a:t>
-            </a:r>
-          </a:p>
-          <a:p>
-            <a:pPr marL="0" indent="0">
-              <a:buNone/>
-            </a:pPr>
-            <a:br>
-              <a:rPr lang="en-GB" sz="2400" dirty="0"/>
-            </a:br>
-            <a:r>
-              <a:rPr lang="en-GB" sz="2400" dirty="0"/>
-              <a:t>	evaluation=</a:t>
-            </a:r>
-            <a:r>
-              <a:rPr lang="en-GB" sz="2400" dirty="0">
-                <a:solidFill>
-                  <a:schemeClr val="accent2"/>
-                </a:solidFill>
-              </a:rPr>
-              <a:t>0.0</a:t>
-            </a:r>
-          </a:p>
-          <a:p>
-            <a:pPr marL="0" indent="0">
-              <a:buNone/>
-            </a:pPr>
-            <a:br>
-              <a:rPr lang="en-GB" sz="2400" dirty="0"/>
-            </a:br>
-            <a:r>
-              <a:rPr lang="en-GB" sz="2400" dirty="0"/>
-              <a:t>	</a:t>
-            </a:r>
-            <a:r>
-              <a:rPr lang="en-GB" sz="2400" dirty="0">
-                <a:solidFill>
-                  <a:schemeClr val="accent1"/>
-                </a:solidFill>
-              </a:rPr>
-              <a:t>do</a:t>
-            </a:r>
-            <a:r>
-              <a:rPr lang="en-GB" sz="2400" dirty="0"/>
-              <a:t> ii=</a:t>
-            </a:r>
-            <a:r>
-              <a:rPr lang="en-GB" sz="2400" dirty="0">
-                <a:solidFill>
-                  <a:schemeClr val="accent2"/>
-                </a:solidFill>
-              </a:rPr>
-              <a:t>1</a:t>
-            </a:r>
-            <a:r>
-              <a:rPr lang="en-GB" sz="2400" dirty="0"/>
-              <a:t>, </a:t>
-            </a:r>
-            <a:r>
-              <a:rPr lang="en-GB" sz="2400" dirty="0">
-                <a:solidFill>
-                  <a:schemeClr val="accent5"/>
-                </a:solidFill>
-              </a:rPr>
-              <a:t>size</a:t>
-            </a:r>
-            <a:r>
-              <a:rPr lang="en-GB" sz="2400" dirty="0"/>
-              <a:t>(array)</a:t>
-            </a:r>
-          </a:p>
-          <a:p>
-            <a:pPr marL="400050" lvl="1" indent="0">
-              <a:buNone/>
-            </a:pPr>
-            <a:r>
-              <a:rPr lang="en-GB" sz="2000" dirty="0"/>
-              <a:t>		</a:t>
-            </a:r>
-            <a:r>
-              <a:rPr lang="en-GB" sz="2400" dirty="0"/>
-              <a:t>evaluation=</a:t>
-            </a:r>
-            <a:r>
-              <a:rPr lang="en-GB" sz="2400" dirty="0" err="1"/>
-              <a:t>evaluation+array</a:t>
-            </a:r>
-            <a:r>
-              <a:rPr lang="en-GB" sz="2400" dirty="0"/>
-              <a:t>(ii)**</a:t>
-            </a:r>
-            <a:r>
-              <a:rPr lang="en-GB" sz="2400" dirty="0">
-                <a:solidFill>
-                  <a:schemeClr val="accent2"/>
-                </a:solidFill>
-              </a:rPr>
-              <a:t>3</a:t>
-            </a:r>
-          </a:p>
-          <a:p>
-            <a:pPr marL="400050" lvl="1" indent="0">
-              <a:buNone/>
-            </a:pPr>
-            <a:r>
-              <a:rPr lang="en-GB" sz="2400" dirty="0">
-                <a:solidFill>
-                  <a:schemeClr val="accent1"/>
-                </a:solidFill>
-              </a:rPr>
-              <a:t>end do  </a:t>
-            </a:r>
-            <a:r>
-              <a:rPr lang="en-GB" sz="2400" dirty="0"/>
-              <a:t> </a:t>
-            </a:r>
-            <a:r>
-              <a:rPr lang="en-GB" dirty="0"/>
-              <a:t>  </a:t>
-            </a:r>
-            <a:endParaRPr lang="en-GB" sz="2400" dirty="0">
-              <a:solidFill>
-                <a:schemeClr val="accent5"/>
-              </a:solidFill>
-            </a:endParaRPr>
-          </a:p>
-          <a:p>
-            <a:pPr marL="0" indent="0">
-              <a:buNone/>
-            </a:pPr>
-            <a:r>
-              <a:rPr lang="en-GB" sz="2400" dirty="0">
-                <a:solidFill>
-                  <a:schemeClr val="accent5"/>
-                </a:solidFill>
-              </a:rPr>
-              <a:t>end function </a:t>
-            </a:r>
-            <a:r>
-              <a:rPr lang="en-GB" sz="2400" dirty="0" err="1"/>
-              <a:t>print_max</a:t>
-            </a:r>
-            <a:endParaRPr lang="en-GB" sz="2400" dirty="0"/>
-          </a:p>
-        </p:txBody>
-      </p:sp>
-      <p:sp>
-        <p:nvSpPr>
-          <p:cNvPr id="11" name="TextBox 10">
-            <a:extLst>
-              <a:ext uri="{FF2B5EF4-FFF2-40B4-BE49-F238E27FC236}">
-                <a16:creationId xmlns:a16="http://schemas.microsoft.com/office/drawing/2014/main" id="{EE625C72-6D59-439C-96A8-3DEE7A0774D8}"/>
-              </a:ext>
-            </a:extLst>
-          </p:cNvPr>
-          <p:cNvSpPr txBox="1"/>
-          <p:nvPr/>
-        </p:nvSpPr>
-        <p:spPr>
-          <a:xfrm>
-            <a:off x="5728138" y="6498021"/>
-            <a:ext cx="1765738" cy="369332"/>
-          </a:xfrm>
-          <a:prstGeom prst="rect">
-            <a:avLst/>
-          </a:prstGeom>
-          <a:noFill/>
-        </p:spPr>
-        <p:txBody>
-          <a:bodyPr wrap="square" rtlCol="0">
-            <a:spAutoFit/>
-          </a:bodyPr>
-          <a:lstStyle/>
-          <a:p>
-            <a:r>
-              <a:rPr lang="en-GB" dirty="0">
-                <a:solidFill>
-                  <a:schemeClr val="accent1"/>
-                </a:solidFill>
-              </a:rPr>
-              <a:t>Demonstration</a:t>
-            </a:r>
-          </a:p>
-        </p:txBody>
-      </p:sp>
-    </p:spTree>
-    <p:extLst>
-      <p:ext uri="{BB962C8B-B14F-4D97-AF65-F5344CB8AC3E}">
-        <p14:creationId xmlns:p14="http://schemas.microsoft.com/office/powerpoint/2010/main" val="1971978791"/>
       </p:ext>
     </p:extLst>
   </p:cSld>
@@ -24776,6 +24771,133 @@
 </file>
 
 <file path=ppt/slides/slide48.xml><?xml version="1.0" encoding="utf-8"?>
+<p:sld xmlns:a="http://schemas.openxmlformats.org/drawingml/2006/main" xmlns:r="http://schemas.openxmlformats.org/officeDocument/2006/relationships" xmlns:p="http://schemas.openxmlformats.org/presentationml/2006/main">
+  <p:cSld>
+    <p:spTree>
+      <p:nvGrpSpPr>
+        <p:cNvPr id="1" name=""/>
+        <p:cNvGrpSpPr/>
+        <p:nvPr/>
+      </p:nvGrpSpPr>
+      <p:grpSpPr>
+        <a:xfrm>
+          <a:off x="0" y="0"/>
+          <a:ext cx="0" cy="0"/>
+          <a:chOff x="0" y="0"/>
+          <a:chExt cx="0" cy="0"/>
+        </a:xfrm>
+      </p:grpSpPr>
+      <p:sp>
+        <p:nvSpPr>
+          <p:cNvPr id="2" name="Title 1"/>
+          <p:cNvSpPr>
+            <a:spLocks noGrp="1"/>
+          </p:cNvSpPr>
+          <p:nvPr>
+            <p:ph type="title"/>
+          </p:nvPr>
+        </p:nvSpPr>
+        <p:spPr/>
+        <p:txBody>
+          <a:bodyPr/>
+          <a:lstStyle/>
+          <a:p>
+            <a:r>
+              <a:rPr lang="en-GB" sz="4000" dirty="0"/>
+              <a:t>Debugging Tools</a:t>
+            </a:r>
+          </a:p>
+        </p:txBody>
+      </p:sp>
+      <p:sp>
+        <p:nvSpPr>
+          <p:cNvPr id="7" name="Content Placeholder 6">
+            <a:extLst>
+              <a:ext uri="{FF2B5EF4-FFF2-40B4-BE49-F238E27FC236}">
+                <a16:creationId xmlns:a16="http://schemas.microsoft.com/office/drawing/2014/main" id="{8704F1A3-720B-4123-B3B8-B6C05F8BAC14}"/>
+              </a:ext>
+            </a:extLst>
+          </p:cNvPr>
+          <p:cNvSpPr>
+            <a:spLocks noGrp="1"/>
+          </p:cNvSpPr>
+          <p:nvPr>
+            <p:ph idx="1"/>
+          </p:nvPr>
+        </p:nvSpPr>
+        <p:spPr/>
+        <p:txBody>
+          <a:bodyPr/>
+          <a:lstStyle/>
+          <a:p>
+            <a:r>
+              <a:rPr lang="en-GB" sz="2400" dirty="0" err="1">
+                <a:hlinkClick r:id="rId3"/>
+              </a:rPr>
+              <a:t>gdb</a:t>
+            </a:r>
+            <a:endParaRPr lang="en-GB" sz="2400" dirty="0"/>
+          </a:p>
+          <a:p>
+            <a:r>
+              <a:rPr lang="en-GB" sz="2400" dirty="0">
+                <a:hlinkClick r:id="rId4"/>
+              </a:rPr>
+              <a:t>Valgrind</a:t>
+            </a:r>
+            <a:endParaRPr lang="en-GB" sz="2400" dirty="0"/>
+          </a:p>
+          <a:p>
+            <a:r>
+              <a:rPr lang="en-GB" sz="2400" dirty="0">
+                <a:hlinkClick r:id="rId5"/>
+              </a:rPr>
+              <a:t>Intel debuggers</a:t>
+            </a:r>
+            <a:endParaRPr lang="en-GB" sz="2400" dirty="0"/>
+          </a:p>
+          <a:p>
+            <a:r>
+              <a:rPr lang="en-GB" sz="2400" dirty="0">
+                <a:hlinkClick r:id="rId6"/>
+              </a:rPr>
+              <a:t>ddd</a:t>
+            </a:r>
+            <a:endParaRPr lang="en-GB" sz="2400" dirty="0"/>
+          </a:p>
+          <a:p>
+            <a:r>
+              <a:rPr lang="en-GB" sz="2400" dirty="0">
+                <a:hlinkClick r:id="rId7"/>
+              </a:rPr>
+              <a:t>Compiler options for different compilers</a:t>
+            </a:r>
+            <a:endParaRPr lang="en-GB" sz="2400" dirty="0"/>
+          </a:p>
+        </p:txBody>
+      </p:sp>
+    </p:spTree>
+    <p:extLst>
+      <p:ext uri="{BB962C8B-B14F-4D97-AF65-F5344CB8AC3E}">
+        <p14:creationId xmlns:p14="http://schemas.microsoft.com/office/powerpoint/2010/main" val="484737160"/>
+      </p:ext>
+    </p:extLst>
+  </p:cSld>
+  <p:clrMapOvr>
+    <a:masterClrMapping/>
+  </p:clrMapOvr>
+  <mc:AlternateContent xmlns:mc="http://schemas.openxmlformats.org/markup-compatibility/2006" xmlns:p14="http://schemas.microsoft.com/office/powerpoint/2010/main">
+    <mc:Choice Requires="p14">
+      <p:transition p14:dur="10"/>
+    </mc:Choice>
+    <mc:Fallback xmlns="">
+      <p:transition/>
+    </mc:Fallback>
+  </mc:AlternateContent>
+</p:sld>
+</file>
+
+<file path=ppt/slides/slide49.xml><?xml version="1.0" encoding="utf-8"?>
 <p:sld xmlns:a="http://schemas.openxmlformats.org/drawingml/2006/main" xmlns:r="http://schemas.openxmlformats.org/officeDocument/2006/relationships" xmlns:p="http://schemas.openxmlformats.org/presentationml/2006/main">
   <p:cSld>
     <p:spTree>

--- a/Introduction to Fortran Slides.pptx
+++ b/Introduction to Fortran Slides.pptx
@@ -45,14 +45,14 @@
     <p:sldId id="314" r:id="rId33"/>
     <p:sldId id="315" r:id="rId34"/>
     <p:sldId id="316" r:id="rId35"/>
-    <p:sldId id="323" r:id="rId36"/>
-    <p:sldId id="318" r:id="rId37"/>
-    <p:sldId id="319" r:id="rId38"/>
-    <p:sldId id="333" r:id="rId39"/>
-    <p:sldId id="320" r:id="rId40"/>
-    <p:sldId id="317" r:id="rId41"/>
-    <p:sldId id="324" r:id="rId42"/>
-    <p:sldId id="326" r:id="rId43"/>
+    <p:sldId id="317" r:id="rId36"/>
+    <p:sldId id="324" r:id="rId37"/>
+    <p:sldId id="326" r:id="rId38"/>
+    <p:sldId id="323" r:id="rId39"/>
+    <p:sldId id="318" r:id="rId40"/>
+    <p:sldId id="319" r:id="rId41"/>
+    <p:sldId id="320" r:id="rId42"/>
+    <p:sldId id="333" r:id="rId43"/>
     <p:sldId id="327" r:id="rId44"/>
     <p:sldId id="328" r:id="rId45"/>
     <p:sldId id="329" r:id="rId46"/>
@@ -197,14 +197,14 @@
             <p14:sldId id="314"/>
             <p14:sldId id="315"/>
             <p14:sldId id="316"/>
+            <p14:sldId id="317"/>
+            <p14:sldId id="324"/>
+            <p14:sldId id="326"/>
             <p14:sldId id="323"/>
             <p14:sldId id="318"/>
             <p14:sldId id="319"/>
+            <p14:sldId id="320"/>
             <p14:sldId id="333"/>
-            <p14:sldId id="320"/>
-            <p14:sldId id="317"/>
-            <p14:sldId id="324"/>
-            <p14:sldId id="326"/>
             <p14:sldId id="327"/>
             <p14:sldId id="328"/>
             <p14:sldId id="329"/>
@@ -486,7 +486,7 @@
           <a:p>
             <a:fld id="{88EB714B-C3CC-4216-88C1-02913905B1CF}" type="datetimeFigureOut">
               <a:rPr lang="en-GB" smtClean="0"/>
-              <a:t>31/01/2020</a:t>
+              <a:t>20/04/2020</a:t>
             </a:fld>
             <a:endParaRPr lang="en-GB"/>
           </a:p>
@@ -1168,43 +1168,6 @@
           <a:chExt cx="0" cy="0"/>
         </a:xfrm>
       </p:grpSpPr>
-      <p:sp>
-        <p:nvSpPr>
-          <p:cNvPr id="2" name="Notes Placeholder 1">
-            <a:extLst>
-              <a:ext uri="{FF2B5EF4-FFF2-40B4-BE49-F238E27FC236}">
-                <a16:creationId xmlns:a16="http://schemas.microsoft.com/office/drawing/2014/main" id="{761D98A2-8C88-4ED7-93EC-E97DDF9E8DC7}"/>
-              </a:ext>
-            </a:extLst>
-          </p:cNvPr>
-          <p:cNvSpPr>
-            <a:spLocks noGrp="1"/>
-          </p:cNvSpPr>
-          <p:nvPr>
-            <p:ph type="body" idx="1"/>
-          </p:nvPr>
-        </p:nvSpPr>
-        <p:spPr/>
-        <p:txBody>
-          <a:bodyPr/>
-          <a:lstStyle/>
-          <a:p>
-            <a:r>
-              <a:rPr lang="en-GB" dirty="0"/>
-              <a:t>Most compilers allow the use of “flags”. These are pieces of text included in the command to the compiler telling it to compile file(s). These are compiler-specific and affect specifics of how the compiler compiles the files. Multiple flags may be used in a single statement and it normally doesn’t matter what order these flags are provided in.</a:t>
-            </a:r>
-          </a:p>
-          <a:p>
-            <a:endParaRPr lang="en-GB" dirty="0"/>
-          </a:p>
-          <a:p>
-            <a:r>
-              <a:rPr lang="en-GB" dirty="0"/>
-              <a:t>Flags can ask the compiler to provide optional warnings when compiled the code, ask the executable to do extra work to log information for use with debugging tools, set the level of optimisation the compiler is to perform or enable other external code libraries.</a:t>
-            </a:r>
-          </a:p>
-        </p:txBody>
-      </p:sp>
     </p:spTree>
     <p:extLst>
       <p:ext uri="{BB962C8B-B14F-4D97-AF65-F5344CB8AC3E}">
@@ -1815,6 +1778,31 @@
           <a:bodyPr/>
           <a:lstStyle/>
           <a:p>
+            <a:r>
+              <a:rPr lang="en-GB" dirty="0"/>
+              <a:t>Variables are key in any programming languages. They allowed calculated values to be stored and re-used in future calculations. A variable has a “variable name” which allows it to be referenced or assigned.</a:t>
+            </a:r>
+            <a:br>
+              <a:rPr lang="en-GB" dirty="0"/>
+            </a:br>
+            <a:br>
+              <a:rPr lang="en-GB" dirty="0"/>
+            </a:br>
+            <a:r>
+              <a:rPr lang="en-GB" dirty="0"/>
+              <a:t>Fortran is unlike some popular languages such as Python in the sense that variables must be declared before they are used. This means you must tell Fortran what variables will exist within a routine and what type they have. Trying to put values of a different type into a variable will often result in an error.</a:t>
+            </a:r>
+          </a:p>
+          <a:p>
+            <a:endParaRPr lang="en-GB" dirty="0"/>
+          </a:p>
+          <a:p>
+            <a:r>
+              <a:rPr lang="en-GB" dirty="0"/>
+              <a:t>Check Variables/mathematical_operators.f90 for an example.</a:t>
+            </a:r>
+          </a:p>
+          <a:p>
             <a:endParaRPr lang="en-GB" dirty="0"/>
           </a:p>
         </p:txBody>
@@ -1901,7 +1889,7 @@
           <a:p>
             <a:r>
               <a:rPr lang="en-GB" dirty="0"/>
-              <a:t>Operators in Fortran follow the normal P-E-DM-AS or BODMAS order of operations. This means calculations continued within parentheses will be carried out first, then exponentiation operations (i.e. “**” operations), then multiplication and division operations, then addition and subtraction operations. </a:t>
+              <a:t>Variable names in Fortran have certain requirements. These mainly exist so the compiler can recognise them as variable names in the script and to avoid them getting confused with operators and other constructs. The limit of variable name length is a hangover from the days when memory was expensive and had to be saved whenever possible.</a:t>
             </a:r>
           </a:p>
           <a:p>
@@ -1910,38 +1898,16 @@
           <a:p>
             <a:r>
               <a:rPr lang="en-GB" dirty="0"/>
-              <a:t>When multiple sets of parentheses are provided in the same expression, they are evaluated from innermost to outermost.</a:t>
-            </a:r>
-          </a:p>
-          <a:p>
-            <a:endParaRPr lang="en-GB" dirty="0"/>
-          </a:p>
-          <a:p>
-            <a:r>
-              <a:rPr lang="en-GB" dirty="0"/>
-              <a:t>When multiple exponents are provided in the same expression, they are evaluated from right to left.</a:t>
-            </a:r>
-          </a:p>
-          <a:p>
-            <a:endParaRPr lang="en-GB" dirty="0"/>
-          </a:p>
-          <a:p>
-            <a:r>
-              <a:rPr lang="en-GB" dirty="0"/>
-              <a:t>When multiple multiplication/division operations are provided in the same expression, they are evaluated from left to right.</a:t>
-            </a:r>
-          </a:p>
-          <a:p>
-            <a:endParaRPr lang="en-GB" dirty="0"/>
-          </a:p>
-          <a:p>
-            <a:r>
-              <a:rPr lang="en-GB" dirty="0"/>
-              <a:t>When multiple addition/subtraction operations are provided in the same expression, they are evaluated from left to right.</a:t>
-            </a:r>
-          </a:p>
-          <a:p>
-            <a:endParaRPr lang="en-GB" dirty="0"/>
+              <a:t>Fortran also has some other weird behaviours when it comes to variable names. By default, a variable can be used without it being declared. If it begins with an </a:t>
+            </a:r>
+            <a:r>
+              <a:rPr lang="en-GB" dirty="0" err="1"/>
+              <a:t>i</a:t>
+            </a:r>
+            <a:r>
+              <a:rPr lang="en-GB" dirty="0"/>
+              <a:t>, j, k, l, m or n it would implicitly be given the type of integer and if it begins with other characters it will be a real. This is overridden by any explicit declarations. This feature exists to reduce the number of lines of code that were needed back when code was expensive and laborious to write. However, it’s now a feature whose downsides outweigh its upsides. It means that, if you mis-type a variable name your code may still run but with values assigned to a variable you’ve created accidentally. Fortunately, this feature can easily be turned off by typing ”implicit none” at the top of your routine. This means only explicitly declared variables will exist.</a:t>
+            </a:r>
           </a:p>
         </p:txBody>
       </p:sp>
@@ -2025,6 +1991,31 @@
           <a:bodyPr/>
           <a:lstStyle/>
           <a:p>
+            <a:r>
+              <a:rPr lang="en-GB" dirty="0"/>
+              <a:t>Variables are key in any programming languages. They allowed calculated values to be stored and re-used in future calculations. A variable has a “variable name” which allows it to be referenced or assigned.</a:t>
+            </a:r>
+            <a:br>
+              <a:rPr lang="en-GB" dirty="0"/>
+            </a:br>
+            <a:br>
+              <a:rPr lang="en-GB" dirty="0"/>
+            </a:br>
+            <a:r>
+              <a:rPr lang="en-GB" dirty="0"/>
+              <a:t>Fortran is unlike some popular languages such as Python in the sense that variables must be declared before they are used. This means you must tell Fortran what variables will exist within a routine and what type they have. Trying to put values of a different type into a variable will often result in an error.</a:t>
+            </a:r>
+          </a:p>
+          <a:p>
+            <a:endParaRPr lang="en-GB" dirty="0"/>
+          </a:p>
+          <a:p>
+            <a:r>
+              <a:rPr lang="en-GB" dirty="0"/>
+              <a:t>Check Variables/mathematical_operators.f90 for an example.</a:t>
+            </a:r>
+          </a:p>
+          <a:p>
             <a:endParaRPr lang="en-GB" dirty="0"/>
           </a:p>
         </p:txBody>
@@ -2308,7 +2299,7 @@
           <a:p>
             <a:r>
               <a:rPr lang="en-GB" dirty="0"/>
-              <a:t>For instance, the array in the slide is named “</a:t>
+              <a:t>An array is a variable which contains a number of pieces of data of the same type. For instance, the array in the slide is named “</a:t>
             </a:r>
             <a:r>
               <a:rPr lang="en-GB" dirty="0" err="1"/>
@@ -5147,7 +5138,7 @@
             </a:pPr>
             <a:r>
               <a:rPr lang="en-GB" dirty="0"/>
-              <a:t>A function must be defined following a “contains” statement within your code. The “contains” statement can be put in a few places. To begin with, we’ll consider when it occurs in between the “program…” and “end program…” statements. This serves to divide the code of your program which will be executed sequentially (above “contains”) and the definition of functions, subroutines, etc.</a:t>
+              <a:t>A subroutine must be defined following a “contains” statement within your code. The “contains” statement can be put in a few places. To begin with, we’ll consider when it occurs in between the “program…” and “end program…” statements. This serves to divide the code of your program which will be executed sequentially (above “contains”) and the definition of functions, subroutines, etc.</a:t>
             </a:r>
           </a:p>
           <a:p>
@@ -5190,50 +5181,7 @@
             </a:pPr>
             <a:r>
               <a:rPr lang="en-GB" dirty="0"/>
-              <a:t>Functions may contain the declaration of variables to be used within that function. Each time the function is called, a new variable with that name will be created and will exist for the duration of the call to that function. The variable will cease to exist when the function finishes. Variables declared in a function are only accessible from within the code contained in that function and are not accessible from the piece of code which called the function or from any functions or subroutines called from within the function.</a:t>
-            </a:r>
-          </a:p>
-          <a:p>
-            <a:pPr marL="0" marR="0" lvl="0" indent="0" algn="l" defTabSz="914400" rtl="0" eaLnBrk="1" fontAlgn="auto" latinLnBrk="0" hangingPunct="1">
-              <a:lnSpc>
-                <a:spcPct val="100000"/>
-              </a:lnSpc>
-              <a:spcBef>
-                <a:spcPts val="0"/>
-              </a:spcBef>
-              <a:spcAft>
-                <a:spcPts val="0"/>
-              </a:spcAft>
-              <a:buClrTx/>
-              <a:buSzTx/>
-              <a:buFontTx/>
-              <a:buNone/>
-              <a:tabLst/>
-              <a:defRPr/>
-            </a:pPr>
-            <a:endParaRPr lang="en-GB" dirty="0"/>
-          </a:p>
-          <a:p>
-            <a:pPr marL="0" marR="0" lvl="0" indent="0" algn="l" defTabSz="914400" rtl="0" eaLnBrk="1" fontAlgn="auto" latinLnBrk="0" hangingPunct="1">
-              <a:lnSpc>
-                <a:spcPct val="100000"/>
-              </a:lnSpc>
-              <a:spcBef>
-                <a:spcPts val="0"/>
-              </a:spcBef>
-              <a:spcAft>
-                <a:spcPts val="0"/>
-              </a:spcAft>
-              <a:buClrTx/>
-              <a:buSzTx/>
-              <a:buFontTx/>
-              <a:buNone/>
-              <a:tabLst/>
-              <a:defRPr/>
-            </a:pPr>
-            <a:r>
-              <a:rPr lang="en-GB" dirty="0"/>
-              <a:t>Functions have a type and will “return” a value of that type.</a:t>
+              <a:t>Subroutines may contain the declaration of variables to be used within that subroutine. Each time the function is called, a new variable with that name will be created and will exist for the duration of the call to that subroutine. The variable will cease to exist when the subroutine finishes. Variables declared in a subroutine are only accessible from within the code contained in that subroutine and are not accessible from the piece of code which called the subroutine or from any functions or subroutines called from within the subroutine.</a:t>
             </a:r>
           </a:p>
         </p:txBody>
@@ -5264,7 +5212,7 @@
     </p:spTree>
     <p:extLst>
       <p:ext uri="{BB962C8B-B14F-4D97-AF65-F5344CB8AC3E}">
-        <p14:creationId xmlns:p14="http://schemas.microsoft.com/office/powerpoint/2010/main" val="2879707264"/>
+        <p14:creationId xmlns:p14="http://schemas.microsoft.com/office/powerpoint/2010/main" val="3277135252"/>
       </p:ext>
     </p:extLst>
   </p:cSld>
@@ -5337,7 +5285,7 @@
             </a:pPr>
             <a:r>
               <a:rPr lang="en-GB" dirty="0"/>
-              <a:t>These two functions will produce the same result but demonstrate two different ways of specifying a function. They have some things in common. Both use the word “function” to begin the specification of the function and finish with the “end function” statement. Both of these statements are followed by the name of the function. The “end function” statement does not necessarily need to be followed by the function name, but it is good practice to so as it makes your code more readable.</a:t>
+              <a:t>The word “subroutine” signals the start of a subroutine definition. This is followed by the name of the subroutine (which has the same restrictions as a variable name). This is then followed by a set of parentheses which contain a number of “arguments” separated by commas. A subroutine may have no arguments, a small number or many. Arguments are variables which will be used in the execution of the subroutine and whose values are provided by the code which calls the subroutine and whose values will be passed back to the calling code when the subroutine is complete.</a:t>
             </a:r>
           </a:p>
           <a:p>
@@ -5380,7 +5328,7 @@
             </a:pPr>
             <a:r>
               <a:rPr lang="en-GB" dirty="0"/>
-              <a:t>Following the specification of the function name, a list of variable names separated by commas are contained within parentheses. This is the list of arguments that the function takes and will be given values when the function is called (more on that later). A function does not require arguments and there’s no upper limit on the number of arguments allowed. Next any variables which will be used in the function are declared. The declared variables must include all arguments from the argument list. Following the declaration of variables, any calculations to be performed in the function are written and the function is concluded with an “end function” statement</a:t>
+              <a:t>Next, any variables used in the subroutine are declared (including any arguments). These variable names are only relevant within the subroutine itself and cannot be accessed from outside the subroutine. They may be the same variable names as variables elsewhere in the code.</a:t>
             </a:r>
           </a:p>
           <a:p>
@@ -5423,7 +5371,7 @@
             </a:pPr>
             <a:r>
               <a:rPr lang="en-GB" dirty="0"/>
-              <a:t>In the first function definition, the word “real” preceding the word “function” specifies that the function will return a real value. This allows assignment to the name of the function (in this case “function_name1”). The value of this variable at the end of the function will be the value returned by the call to the function.</a:t>
+              <a:t>Next, any operations to be carried out by the subroutine are defined. These will be carried out in order as they would be elsewhere in a Fortran program.</a:t>
             </a:r>
           </a:p>
           <a:p>
@@ -5466,7 +5414,7 @@
             </a:pPr>
             <a:r>
               <a:rPr lang="en-GB" dirty="0"/>
-              <a:t>In the second example, the word “real” is not placed before the word “function”. Instead, the statement “result(evaluation)” is placed after the argument list. This specifies that the value of the variable named “evaluation” at the end of the function will be returned. This also means that a variable named “evaluation” must be declared and that the function’s return type will be specified by the type of the variable “evaluation”. Any variable name could be used here, I have chosen “evaluation” because its descriptive within the scope of the function.</a:t>
+              <a:t>The end of a subroutine is marked with the “end subroutine” statement. This may optionally be followed by the name of the subroutine. It’s god practice to include the name of the subroutine here as, when defining multiple long subroutines, it makes the code easier to read.</a:t>
             </a:r>
           </a:p>
         </p:txBody>
@@ -5497,7 +5445,7 @@
     </p:spTree>
     <p:extLst>
       <p:ext uri="{BB962C8B-B14F-4D97-AF65-F5344CB8AC3E}">
-        <p14:creationId xmlns:p14="http://schemas.microsoft.com/office/powerpoint/2010/main" val="3379787824"/>
+        <p14:creationId xmlns:p14="http://schemas.microsoft.com/office/powerpoint/2010/main" val="3982370110"/>
       </p:ext>
     </p:extLst>
   </p:cSld>
@@ -5570,7 +5518,7 @@
             </a:pPr>
             <a:r>
               <a:rPr lang="en-GB" dirty="0"/>
-              <a:t>When a function is called, it may be placed in the same place in a statement as another variable of that type may be placed. This is done by writing the name of the function and then, in parentheses, the values which the corresponding arguments in the argument list of the function will take during this call to the function. These may be values specified explicitly, the names of variables or statements which will be evaluated when the function is called. The specification of the arguments are separated by commas and each must have the same type as the argument that they are being passed to in the function.</a:t>
+              <a:t>A subroutine is called by using the “call” statement followed by the name of the subroutine. The names of the variables whose values are to be used in the call to the subroutine. The variables used here may have the same or different names to the names of the arguments as defined in subroutine declaration.</a:t>
             </a:r>
           </a:p>
           <a:p>
@@ -5613,7 +5561,7 @@
             </a:pPr>
             <a:r>
               <a:rPr lang="en-GB" dirty="0"/>
-              <a:t>This call to the function may be placed anywhere a variable name of the same type may be placed. It may be printed to the screen, assigned to a variable or used as part of a calculation. It may be even be placed in the argument list of a call to a function.</a:t>
+              <a:t>Once the call to the subroutine has been completed, the values of the variables in the argument list will take the value of the corresponding argument in the subroutine at the end of the subroutine call.</a:t>
             </a:r>
           </a:p>
         </p:txBody>
@@ -5644,7 +5592,7 @@
     </p:spTree>
     <p:extLst>
       <p:ext uri="{BB962C8B-B14F-4D97-AF65-F5344CB8AC3E}">
-        <p14:creationId xmlns:p14="http://schemas.microsoft.com/office/powerpoint/2010/main" val="2238695586"/>
+        <p14:creationId xmlns:p14="http://schemas.microsoft.com/office/powerpoint/2010/main" val="1299901112"/>
       </p:ext>
     </p:extLst>
   </p:cSld>
@@ -5717,7 +5665,93 @@
             </a:pPr>
             <a:r>
               <a:rPr lang="en-GB" dirty="0"/>
-              <a:t>When using an array as an argument for a function or subroutine, it’s not necessary to specify the size of the array. By using one or more colons separated by commas in the dimension statement, it’s possible to specify the dimension, but not the size of an array argument. The function can then be called with an array of the appropriate size used as the argument.</a:t>
+              <a:t>A function must be defined following a “contains” statement within your code. The “contains” statement can be put in a few places. To begin with, we’ll consider when it occurs in between the “program…” and “end program…” statements. This serves to divide the code of your program which will be executed sequentially (above “contains”) and the definition of functions, subroutines, etc.</a:t>
+            </a:r>
+          </a:p>
+          <a:p>
+            <a:pPr marL="0" marR="0" lvl="0" indent="0" algn="l" defTabSz="914400" rtl="0" eaLnBrk="1" fontAlgn="auto" latinLnBrk="0" hangingPunct="1">
+              <a:lnSpc>
+                <a:spcPct val="100000"/>
+              </a:lnSpc>
+              <a:spcBef>
+                <a:spcPts val="0"/>
+              </a:spcBef>
+              <a:spcAft>
+                <a:spcPts val="0"/>
+              </a:spcAft>
+              <a:buClrTx/>
+              <a:buSzTx/>
+              <a:buFontTx/>
+              <a:buNone/>
+              <a:tabLst/>
+              <a:defRPr/>
+            </a:pPr>
+            <a:endParaRPr lang="en-GB" dirty="0"/>
+          </a:p>
+          <a:p>
+            <a:pPr marL="0" marR="0" lvl="0" indent="0" algn="l" defTabSz="914400" rtl="0" eaLnBrk="1" fontAlgn="auto" latinLnBrk="0" hangingPunct="1">
+              <a:lnSpc>
+                <a:spcPct val="100000"/>
+              </a:lnSpc>
+              <a:spcBef>
+                <a:spcPts val="0"/>
+              </a:spcBef>
+              <a:spcAft>
+                <a:spcPts val="0"/>
+              </a:spcAft>
+              <a:buClrTx/>
+              <a:buSzTx/>
+              <a:buFontTx/>
+              <a:buNone/>
+              <a:tabLst/>
+              <a:defRPr/>
+            </a:pPr>
+            <a:r>
+              <a:rPr lang="en-GB" dirty="0"/>
+              <a:t>Functions may contain the declaration of variables to be used within that function. Each time the function is called, a new variable with that name will be created and will exist for the duration of the call to that function. The variable will cease to exist when the function finishes. Variables declared in a function are only accessible from within the code contained in that function and are not accessible from the piece of code which called the function or from any functions or subroutines called from within the function.</a:t>
+            </a:r>
+          </a:p>
+          <a:p>
+            <a:pPr marL="0" marR="0" lvl="0" indent="0" algn="l" defTabSz="914400" rtl="0" eaLnBrk="1" fontAlgn="auto" latinLnBrk="0" hangingPunct="1">
+              <a:lnSpc>
+                <a:spcPct val="100000"/>
+              </a:lnSpc>
+              <a:spcBef>
+                <a:spcPts val="0"/>
+              </a:spcBef>
+              <a:spcAft>
+                <a:spcPts val="0"/>
+              </a:spcAft>
+              <a:buClrTx/>
+              <a:buSzTx/>
+              <a:buFontTx/>
+              <a:buNone/>
+              <a:tabLst/>
+              <a:defRPr/>
+            </a:pPr>
+            <a:endParaRPr lang="en-GB" dirty="0"/>
+          </a:p>
+          <a:p>
+            <a:pPr marL="0" marR="0" lvl="0" indent="0" algn="l" defTabSz="914400" rtl="0" eaLnBrk="1" fontAlgn="auto" latinLnBrk="0" hangingPunct="1">
+              <a:lnSpc>
+                <a:spcPct val="100000"/>
+              </a:lnSpc>
+              <a:spcBef>
+                <a:spcPts val="0"/>
+              </a:spcBef>
+              <a:spcAft>
+                <a:spcPts val="0"/>
+              </a:spcAft>
+              <a:buClrTx/>
+              <a:buSzTx/>
+              <a:buFontTx/>
+              <a:buNone/>
+              <a:tabLst/>
+              <a:defRPr/>
+            </a:pPr>
+            <a:r>
+              <a:rPr lang="en-GB" dirty="0"/>
+              <a:t>Functions have a type and will “return” a value of that type.</a:t>
             </a:r>
           </a:p>
         </p:txBody>
@@ -5748,7 +5782,7 @@
     </p:spTree>
     <p:extLst>
       <p:ext uri="{BB962C8B-B14F-4D97-AF65-F5344CB8AC3E}">
-        <p14:creationId xmlns:p14="http://schemas.microsoft.com/office/powerpoint/2010/main" val="3155736512"/>
+        <p14:creationId xmlns:p14="http://schemas.microsoft.com/office/powerpoint/2010/main" val="2879707264"/>
       </p:ext>
     </p:extLst>
   </p:cSld>
@@ -5821,7 +5855,136 @@
             </a:pPr>
             <a:r>
               <a:rPr lang="en-GB" dirty="0"/>
-              <a:t>A function in Fortran can be defined to be “recursive”, meaning it is able to call itself. In this example, we have written a recursive function to calculate the factorial of a number. It does this by checking if the value is 0 or 1 (and so the factorial of the value is 1) and, if so, returning that value. If the value is larger, it calls itself to calculate the factorial of a value one lower than the current value, and multiplies it by the current value before returning the result.</a:t>
+              <a:t>These two functions will produce the same result but demonstrate two different ways of specifying a function. They have some things in common. Both use the word “function” to begin the specification of the function and finish with the “end function” statement. Both of these statements are followed by the name of the function. The “end function” statement does not necessarily need to be followed by the function name, but it is good practice to so as it makes your code more readable.</a:t>
+            </a:r>
+          </a:p>
+          <a:p>
+            <a:pPr marL="0" marR="0" lvl="0" indent="0" algn="l" defTabSz="914400" rtl="0" eaLnBrk="1" fontAlgn="auto" latinLnBrk="0" hangingPunct="1">
+              <a:lnSpc>
+                <a:spcPct val="100000"/>
+              </a:lnSpc>
+              <a:spcBef>
+                <a:spcPts val="0"/>
+              </a:spcBef>
+              <a:spcAft>
+                <a:spcPts val="0"/>
+              </a:spcAft>
+              <a:buClrTx/>
+              <a:buSzTx/>
+              <a:buFontTx/>
+              <a:buNone/>
+              <a:tabLst/>
+              <a:defRPr/>
+            </a:pPr>
+            <a:endParaRPr lang="en-GB" dirty="0"/>
+          </a:p>
+          <a:p>
+            <a:pPr marL="0" marR="0" lvl="0" indent="0" algn="l" defTabSz="914400" rtl="0" eaLnBrk="1" fontAlgn="auto" latinLnBrk="0" hangingPunct="1">
+              <a:lnSpc>
+                <a:spcPct val="100000"/>
+              </a:lnSpc>
+              <a:spcBef>
+                <a:spcPts val="0"/>
+              </a:spcBef>
+              <a:spcAft>
+                <a:spcPts val="0"/>
+              </a:spcAft>
+              <a:buClrTx/>
+              <a:buSzTx/>
+              <a:buFontTx/>
+              <a:buNone/>
+              <a:tabLst/>
+              <a:defRPr/>
+            </a:pPr>
+            <a:r>
+              <a:rPr lang="en-GB" dirty="0"/>
+              <a:t>Following the specification of the function name, a list of variable names separated by commas are contained within parentheses. This is the list of arguments that the function takes and will be given values when the function is called (more on that later). Next any variables which will be used in the function are declared. The declared variables must include all arguments from the argument list. Following the declaration of variables, any calculations to be performed in the function are written.</a:t>
+            </a:r>
+          </a:p>
+          <a:p>
+            <a:pPr marL="0" marR="0" lvl="0" indent="0" algn="l" defTabSz="914400" rtl="0" eaLnBrk="1" fontAlgn="auto" latinLnBrk="0" hangingPunct="1">
+              <a:lnSpc>
+                <a:spcPct val="100000"/>
+              </a:lnSpc>
+              <a:spcBef>
+                <a:spcPts val="0"/>
+              </a:spcBef>
+              <a:spcAft>
+                <a:spcPts val="0"/>
+              </a:spcAft>
+              <a:buClrTx/>
+              <a:buSzTx/>
+              <a:buFontTx/>
+              <a:buNone/>
+              <a:tabLst/>
+              <a:defRPr/>
+            </a:pPr>
+            <a:endParaRPr lang="en-GB" dirty="0"/>
+          </a:p>
+          <a:p>
+            <a:pPr marL="0" marR="0" lvl="0" indent="0" algn="l" defTabSz="914400" rtl="0" eaLnBrk="1" fontAlgn="auto" latinLnBrk="0" hangingPunct="1">
+              <a:lnSpc>
+                <a:spcPct val="100000"/>
+              </a:lnSpc>
+              <a:spcBef>
+                <a:spcPts val="0"/>
+              </a:spcBef>
+              <a:spcAft>
+                <a:spcPts val="0"/>
+              </a:spcAft>
+              <a:buClrTx/>
+              <a:buSzTx/>
+              <a:buFontTx/>
+              <a:buNone/>
+              <a:tabLst/>
+              <a:defRPr/>
+            </a:pPr>
+            <a:r>
+              <a:rPr lang="en-GB" dirty="0"/>
+              <a:t>In the first function definition, the word “real” preceding the word “function” specifies that the function will return a real value. This allows assignment to the name of the function (in this case “function_name1”). The value of this variable at the end of the function will be the value returned by the call to the function.</a:t>
+            </a:r>
+          </a:p>
+          <a:p>
+            <a:pPr marL="0" marR="0" lvl="0" indent="0" algn="l" defTabSz="914400" rtl="0" eaLnBrk="1" fontAlgn="auto" latinLnBrk="0" hangingPunct="1">
+              <a:lnSpc>
+                <a:spcPct val="100000"/>
+              </a:lnSpc>
+              <a:spcBef>
+                <a:spcPts val="0"/>
+              </a:spcBef>
+              <a:spcAft>
+                <a:spcPts val="0"/>
+              </a:spcAft>
+              <a:buClrTx/>
+              <a:buSzTx/>
+              <a:buFontTx/>
+              <a:buNone/>
+              <a:tabLst/>
+              <a:defRPr/>
+            </a:pPr>
+            <a:endParaRPr lang="en-GB" dirty="0"/>
+          </a:p>
+          <a:p>
+            <a:pPr marL="0" marR="0" lvl="0" indent="0" algn="l" defTabSz="914400" rtl="0" eaLnBrk="1" fontAlgn="auto" latinLnBrk="0" hangingPunct="1">
+              <a:lnSpc>
+                <a:spcPct val="100000"/>
+              </a:lnSpc>
+              <a:spcBef>
+                <a:spcPts val="0"/>
+              </a:spcBef>
+              <a:spcAft>
+                <a:spcPts val="0"/>
+              </a:spcAft>
+              <a:buClrTx/>
+              <a:buSzTx/>
+              <a:buFontTx/>
+              <a:buNone/>
+              <a:tabLst/>
+              <a:defRPr/>
+            </a:pPr>
+            <a:r>
+              <a:rPr lang="en-GB" dirty="0"/>
+              <a:t>In the second example, the word “real” is not placed before the word “function”. Instead, the statement “result(evaluation)” is placed after the argument list. This specifies that the value of the variable named “evaluation” at the end of the function will be returned. This also means that a variable named “evaluation” must be declared and that the function’s return type will be specified by the type of the variable “evaluation”. Any variable name could be used here, I have chosen “evaluation” because its descriptive within the scope of the function.</a:t>
             </a:r>
           </a:p>
         </p:txBody>
@@ -5852,7 +6015,7 @@
     </p:spTree>
     <p:extLst>
       <p:ext uri="{BB962C8B-B14F-4D97-AF65-F5344CB8AC3E}">
-        <p14:creationId xmlns:p14="http://schemas.microsoft.com/office/powerpoint/2010/main" val="2122932727"/>
+        <p14:creationId xmlns:p14="http://schemas.microsoft.com/office/powerpoint/2010/main" val="3379787824"/>
       </p:ext>
     </p:extLst>
   </p:cSld>
@@ -6054,7 +6217,7 @@
             </a:pPr>
             <a:r>
               <a:rPr lang="en-GB" dirty="0"/>
-              <a:t>A subroutine must be defined following a “contains” statement within your code. The “contains” statement can be put in a few places. To begin with, we’ll consider when it occurs in between the “program…” and “end program…” statements. This serves to divide the code of your program which will be executed sequentially (above “contains”) and the definition of functions, subroutines, etc.</a:t>
+              <a:t>When a function is called, it may be placed in the same place in a statement as another variable of that type may be placed. This is done by writing the name of the function and then, in parentheses, the values which the corresponding arguments in the argument list of the function will take during this call to the function. These may be values specified explicitly, the names of variables or statements which will be evaluated when the function is called. The specification of the arguments are separated by commas and each must have the same type as the argument that they are being passed to in the function.</a:t>
             </a:r>
           </a:p>
           <a:p>
@@ -6097,7 +6260,7 @@
             </a:pPr>
             <a:r>
               <a:rPr lang="en-GB" dirty="0"/>
-              <a:t>Subroutines may contain the declaration of variables to be used within that subroutine. Each time the function is called, a new variable with that name will be created and will exist for the duration of the call to that subroutine. The variable will cease to exist when the subroutine finishes. Variables declared in a subroutine are only accessible from within the code contained in that subroutine and are not accessible from the piece of code which called the subroutine or from any functions or subroutines called from within the subroutine.</a:t>
+              <a:t>This call to the function may be placed anywhere a variable name of the same type may be placed. It may be printed to the screen, assigned to a variable or used as part of a calculation. It may be even be placed in the argument list of a call to a function.</a:t>
             </a:r>
           </a:p>
         </p:txBody>
@@ -6128,7 +6291,7 @@
     </p:spTree>
     <p:extLst>
       <p:ext uri="{BB962C8B-B14F-4D97-AF65-F5344CB8AC3E}">
-        <p14:creationId xmlns:p14="http://schemas.microsoft.com/office/powerpoint/2010/main" val="3277135252"/>
+        <p14:creationId xmlns:p14="http://schemas.microsoft.com/office/powerpoint/2010/main" val="2238695586"/>
       </p:ext>
     </p:extLst>
   </p:cSld>
@@ -6201,136 +6364,7 @@
             </a:pPr>
             <a:r>
               <a:rPr lang="en-GB" dirty="0"/>
-              <a:t>The word “subroutine” signals the start of a subroutine definition. This is followed by the name of the subroutine (which has the same restrictions as a variable name). This is then followed by a set of parentheses which contain a number of “arguments” separated by commas. A subroutine may have no arguments, a small number or many. Arguments are variables which will be used in the execution of the subroutine and whose values are provided by the code which calls the subroutine and whose values will be passed back to the calling code when the subroutine is complete.</a:t>
-            </a:r>
-          </a:p>
-          <a:p>
-            <a:pPr marL="0" marR="0" lvl="0" indent="0" algn="l" defTabSz="914400" rtl="0" eaLnBrk="1" fontAlgn="auto" latinLnBrk="0" hangingPunct="1">
-              <a:lnSpc>
-                <a:spcPct val="100000"/>
-              </a:lnSpc>
-              <a:spcBef>
-                <a:spcPts val="0"/>
-              </a:spcBef>
-              <a:spcAft>
-                <a:spcPts val="0"/>
-              </a:spcAft>
-              <a:buClrTx/>
-              <a:buSzTx/>
-              <a:buFontTx/>
-              <a:buNone/>
-              <a:tabLst/>
-              <a:defRPr/>
-            </a:pPr>
-            <a:endParaRPr lang="en-GB" dirty="0"/>
-          </a:p>
-          <a:p>
-            <a:pPr marL="0" marR="0" lvl="0" indent="0" algn="l" defTabSz="914400" rtl="0" eaLnBrk="1" fontAlgn="auto" latinLnBrk="0" hangingPunct="1">
-              <a:lnSpc>
-                <a:spcPct val="100000"/>
-              </a:lnSpc>
-              <a:spcBef>
-                <a:spcPts val="0"/>
-              </a:spcBef>
-              <a:spcAft>
-                <a:spcPts val="0"/>
-              </a:spcAft>
-              <a:buClrTx/>
-              <a:buSzTx/>
-              <a:buFontTx/>
-              <a:buNone/>
-              <a:tabLst/>
-              <a:defRPr/>
-            </a:pPr>
-            <a:r>
-              <a:rPr lang="en-GB" dirty="0"/>
-              <a:t>Next, any variables used in the subroutine are declared (including any arguments). These variable names are only relevant within the subroutine itself and cannot be accessed from outside the subroutine. They may be the same variable names as variables elsewhere in the code.</a:t>
-            </a:r>
-          </a:p>
-          <a:p>
-            <a:pPr marL="0" marR="0" lvl="0" indent="0" algn="l" defTabSz="914400" rtl="0" eaLnBrk="1" fontAlgn="auto" latinLnBrk="0" hangingPunct="1">
-              <a:lnSpc>
-                <a:spcPct val="100000"/>
-              </a:lnSpc>
-              <a:spcBef>
-                <a:spcPts val="0"/>
-              </a:spcBef>
-              <a:spcAft>
-                <a:spcPts val="0"/>
-              </a:spcAft>
-              <a:buClrTx/>
-              <a:buSzTx/>
-              <a:buFontTx/>
-              <a:buNone/>
-              <a:tabLst/>
-              <a:defRPr/>
-            </a:pPr>
-            <a:endParaRPr lang="en-GB" dirty="0"/>
-          </a:p>
-          <a:p>
-            <a:pPr marL="0" marR="0" lvl="0" indent="0" algn="l" defTabSz="914400" rtl="0" eaLnBrk="1" fontAlgn="auto" latinLnBrk="0" hangingPunct="1">
-              <a:lnSpc>
-                <a:spcPct val="100000"/>
-              </a:lnSpc>
-              <a:spcBef>
-                <a:spcPts val="0"/>
-              </a:spcBef>
-              <a:spcAft>
-                <a:spcPts val="0"/>
-              </a:spcAft>
-              <a:buClrTx/>
-              <a:buSzTx/>
-              <a:buFontTx/>
-              <a:buNone/>
-              <a:tabLst/>
-              <a:defRPr/>
-            </a:pPr>
-            <a:r>
-              <a:rPr lang="en-GB" dirty="0"/>
-              <a:t>Next, any operations to be carried out by the subroutine are defined. These will be carried out in order as they would be elsewhere in a Fortran program.</a:t>
-            </a:r>
-          </a:p>
-          <a:p>
-            <a:pPr marL="0" marR="0" lvl="0" indent="0" algn="l" defTabSz="914400" rtl="0" eaLnBrk="1" fontAlgn="auto" latinLnBrk="0" hangingPunct="1">
-              <a:lnSpc>
-                <a:spcPct val="100000"/>
-              </a:lnSpc>
-              <a:spcBef>
-                <a:spcPts val="0"/>
-              </a:spcBef>
-              <a:spcAft>
-                <a:spcPts val="0"/>
-              </a:spcAft>
-              <a:buClrTx/>
-              <a:buSzTx/>
-              <a:buFontTx/>
-              <a:buNone/>
-              <a:tabLst/>
-              <a:defRPr/>
-            </a:pPr>
-            <a:endParaRPr lang="en-GB" dirty="0"/>
-          </a:p>
-          <a:p>
-            <a:pPr marL="0" marR="0" lvl="0" indent="0" algn="l" defTabSz="914400" rtl="0" eaLnBrk="1" fontAlgn="auto" latinLnBrk="0" hangingPunct="1">
-              <a:lnSpc>
-                <a:spcPct val="100000"/>
-              </a:lnSpc>
-              <a:spcBef>
-                <a:spcPts val="0"/>
-              </a:spcBef>
-              <a:spcAft>
-                <a:spcPts val="0"/>
-              </a:spcAft>
-              <a:buClrTx/>
-              <a:buSzTx/>
-              <a:buFontTx/>
-              <a:buNone/>
-              <a:tabLst/>
-              <a:defRPr/>
-            </a:pPr>
-            <a:r>
-              <a:rPr lang="en-GB" dirty="0"/>
-              <a:t>The end of a subroutine is marked with the “end subroutine” statement. This may optionally be followed by the name of the subroutine. It’s god practice to include the name of the subroutine here as, when defining multiple long subroutines, it makes the code easier to read.</a:t>
+              <a:t>A function in Fortran can be defined to be “recursive”, meaning it is able to call itself. In this example, we have written a recursive function to calculate the factorial of a number. It does this by checking if the value is 0 or 1 (and so the factorial of the value is 1) and, if so, returning that value. If the value is larger, it calls itself to calculate the factorial of a value one lower than the current value, and multiplies it by the current value before returning the result.</a:t>
             </a:r>
           </a:p>
         </p:txBody>
@@ -6361,7 +6395,7 @@
     </p:spTree>
     <p:extLst>
       <p:ext uri="{BB962C8B-B14F-4D97-AF65-F5344CB8AC3E}">
-        <p14:creationId xmlns:p14="http://schemas.microsoft.com/office/powerpoint/2010/main" val="3982370110"/>
+        <p14:creationId xmlns:p14="http://schemas.microsoft.com/office/powerpoint/2010/main" val="2122932727"/>
       </p:ext>
     </p:extLst>
   </p:cSld>
@@ -6434,50 +6468,7 @@
             </a:pPr>
             <a:r>
               <a:rPr lang="en-GB" dirty="0"/>
-              <a:t>A subroutine is called by using the “call” statement followed by the name of the subroutine. The names of the variables whose values are to be used in the call to the subroutine. The variables used here may have the same or different names to the names of the arguments as defined in subroutine declaration.</a:t>
-            </a:r>
-          </a:p>
-          <a:p>
-            <a:pPr marL="0" marR="0" lvl="0" indent="0" algn="l" defTabSz="914400" rtl="0" eaLnBrk="1" fontAlgn="auto" latinLnBrk="0" hangingPunct="1">
-              <a:lnSpc>
-                <a:spcPct val="100000"/>
-              </a:lnSpc>
-              <a:spcBef>
-                <a:spcPts val="0"/>
-              </a:spcBef>
-              <a:spcAft>
-                <a:spcPts val="0"/>
-              </a:spcAft>
-              <a:buClrTx/>
-              <a:buSzTx/>
-              <a:buFontTx/>
-              <a:buNone/>
-              <a:tabLst/>
-              <a:defRPr/>
-            </a:pPr>
-            <a:endParaRPr lang="en-GB" dirty="0"/>
-          </a:p>
-          <a:p>
-            <a:pPr marL="0" marR="0" lvl="0" indent="0" algn="l" defTabSz="914400" rtl="0" eaLnBrk="1" fontAlgn="auto" latinLnBrk="0" hangingPunct="1">
-              <a:lnSpc>
-                <a:spcPct val="100000"/>
-              </a:lnSpc>
-              <a:spcBef>
-                <a:spcPts val="0"/>
-              </a:spcBef>
-              <a:spcAft>
-                <a:spcPts val="0"/>
-              </a:spcAft>
-              <a:buClrTx/>
-              <a:buSzTx/>
-              <a:buFontTx/>
-              <a:buNone/>
-              <a:tabLst/>
-              <a:defRPr/>
-            </a:pPr>
-            <a:r>
-              <a:rPr lang="en-GB" dirty="0"/>
-              <a:t>Once the call to the subroutine has been completed, the values of the variables in the argument list will take the value of the corresponding argument in the subroutine at the end of the subroutine call.</a:t>
+              <a:t>When using an array as an argument for a function or subroutine, it’s not necessary to specify the size of the array. By using one or more colons separated by commas in the dimension statement, it’s possible to specify the dimension, but not the size of an array argument. The function can then be called with an array of the appropriate size used as the argument.</a:t>
             </a:r>
           </a:p>
         </p:txBody>
@@ -6508,7 +6499,7 @@
     </p:spTree>
     <p:extLst>
       <p:ext uri="{BB962C8B-B14F-4D97-AF65-F5344CB8AC3E}">
-        <p14:creationId xmlns:p14="http://schemas.microsoft.com/office/powerpoint/2010/main" val="1299901112"/>
+        <p14:creationId xmlns:p14="http://schemas.microsoft.com/office/powerpoint/2010/main" val="3155736512"/>
       </p:ext>
     </p:extLst>
   </p:cSld>
@@ -7126,7 +7117,86 @@
           <a:bodyPr/>
           <a:lstStyle/>
           <a:p>
+            <a:r>
+              <a:rPr lang="en-GB" dirty="0"/>
+              <a:t>There are two main types of error in Fortran (as in most compiled languages).</a:t>
+            </a:r>
+          </a:p>
+          <a:p>
             <a:endParaRPr lang="en-GB" dirty="0"/>
+          </a:p>
+          <a:p>
+            <a:r>
+              <a:rPr lang="en-GB" dirty="0"/>
+              <a:t>The first is a compilation error. This is where you have written something that is syntactically invalid and the problem is found when the compiler examines the source code. For instance, using an undeclared variable or starting a “do” loop but not using an “end do” would be examples of compilation errors because the compiler can work out the syntax is wrong from simply looking at the source code. Every compiler is slightly different and so compilation errors will be phrased differently by different compilers. In addition, some compilers may have more advanced logic and so may be able to spot different problems. Compilers may also provide warnings for things which aren’t technically wrong, but may be mistake the programmer has made, such as declaring a variable but never using it. Which warnings compilers display by default will vary from compiler to compiler and may be further toggled with compiler flags.</a:t>
+            </a:r>
+          </a:p>
+          <a:p>
+            <a:endParaRPr lang="en-GB" dirty="0"/>
+          </a:p>
+          <a:p>
+            <a:r>
+              <a:rPr lang="en-GB" dirty="0"/>
+              <a:t>Run-time errors occur when the syntax of a code is correct, but there are problems when the code is run due to the values of particular variables. As the compiler doesn’t run the code, it cannot spot these problems. They can only be found by running the code, often with different variables and in different contexts in the case of a subroutine or function. A common run-time error is a “</a:t>
+            </a:r>
+            <a:r>
+              <a:rPr lang="en-GB" dirty="0" err="1"/>
+              <a:t>segfault</a:t>
+            </a:r>
+            <a:r>
+              <a:rPr lang="en-GB" dirty="0"/>
+              <a:t>”, which commonly occurs when you try to read from or to a piece of memory which isn’t allocated. For example, reading from an unallocated array, or writing to the fourth element of an array with three entries. This type of </a:t>
+            </a:r>
+            <a:r>
+              <a:rPr lang="en-GB" dirty="0" err="1"/>
+              <a:t>errordoes</a:t>
+            </a:r>
+            <a:r>
+              <a:rPr lang="en-GB" dirty="0"/>
+              <a:t> not always give a useful error message and so can be tricky to track down. In the worst cases, may not even be picked up on as the code runs and may simply cause “wrong” results. For many compilers, extra compilation options will put in explicit checks for such errors and will also be able to provide more useful error messages. An example would be the “-</a:t>
+            </a:r>
+            <a:r>
+              <a:rPr lang="en-GB" dirty="0" err="1"/>
+              <a:t>fcheck</a:t>
+            </a:r>
+            <a:r>
+              <a:rPr lang="en-GB" dirty="0"/>
+              <a:t>=bounds” option for </a:t>
+            </a:r>
+            <a:r>
+              <a:rPr lang="en-GB" dirty="0" err="1"/>
+              <a:t>gfortran</a:t>
+            </a:r>
+            <a:r>
+              <a:rPr lang="en-GB" dirty="0"/>
+              <a:t> would check for accessing an element of an array beyond the bounds of the array. There are also specialised tools such as </a:t>
+            </a:r>
+            <a:r>
+              <a:rPr lang="en-GB" dirty="0" err="1"/>
+              <a:t>valgrind</a:t>
+            </a:r>
+            <a:r>
+              <a:rPr lang="en-GB" dirty="0"/>
+              <a:t> </a:t>
+            </a:r>
+            <a:r>
+              <a:rPr lang="en-GB" dirty="0">
+                <a:hlinkClick r:id="rId3"/>
+              </a:rPr>
+              <a:t>https://valgrind.org/</a:t>
+            </a:r>
+            <a:r>
+              <a:rPr lang="en-GB" dirty="0"/>
+              <a:t> which perform detailed and helpful checks of many run-time errors. However, using debugging flags or external tools such as </a:t>
+            </a:r>
+            <a:r>
+              <a:rPr lang="en-GB" dirty="0" err="1"/>
+              <a:t>valgrind</a:t>
+            </a:r>
+            <a:r>
+              <a:rPr lang="en-GB" dirty="0"/>
+              <a:t> will slow down your code a lot. As a result, these tools are best used in the development phase of your project.</a:t>
+            </a:r>
           </a:p>
         </p:txBody>
       </p:sp>
@@ -7162,13 +7232,19 @@
       </p:grpSpPr>
       <p:sp>
         <p:nvSpPr>
-          <p:cNvPr id="2" name="Notes Placeholder 1">
-            <a:extLst>
-              <a:ext uri="{FF2B5EF4-FFF2-40B4-BE49-F238E27FC236}">
-                <a16:creationId xmlns:a16="http://schemas.microsoft.com/office/drawing/2014/main" id="{50EFE6BF-E4A8-4E27-8C94-0E633E72D8B2}"/>
-              </a:ext>
-            </a:extLst>
-          </p:cNvPr>
+          <p:cNvPr id="2" name="Slide Image Placeholder 1"/>
+          <p:cNvSpPr>
+            <a:spLocks noGrp="1" noRot="1" noChangeAspect="1"/>
+          </p:cNvSpPr>
+          <p:nvPr>
+            <p:ph type="sldImg"/>
+          </p:nvPr>
+        </p:nvSpPr>
+        <p:spPr/>
+      </p:sp>
+      <p:sp>
+        <p:nvSpPr>
+          <p:cNvPr id="3" name="Notes Placeholder 2"/>
           <p:cNvSpPr>
             <a:spLocks noGrp="1"/>
           </p:cNvSpPr>
@@ -7181,22 +7257,37 @@
           <a:bodyPr/>
           <a:lstStyle/>
           <a:p>
-            <a:r>
-              <a:rPr lang="en-GB" dirty="0"/>
-              <a:t>There are several debugging tools which can help you navigate some of the trials of debugging Fortran code. We don’t have time to cover them in detail, but you may want to look at these tools as you get more advanced </a:t>
-            </a:r>
-            <a:r>
-              <a:rPr lang="en-GB"/>
-              <a:t>with Fortran.</a:t>
-            </a:r>
             <a:endParaRPr lang="en-GB" dirty="0"/>
+          </a:p>
+        </p:txBody>
+      </p:sp>
+      <p:sp>
+        <p:nvSpPr>
+          <p:cNvPr id="4" name="Slide Number Placeholder 3"/>
+          <p:cNvSpPr>
+            <a:spLocks noGrp="1"/>
+          </p:cNvSpPr>
+          <p:nvPr>
+            <p:ph type="sldNum" sz="quarter" idx="10"/>
+          </p:nvPr>
+        </p:nvSpPr>
+        <p:spPr/>
+        <p:txBody>
+          <a:bodyPr/>
+          <a:lstStyle/>
+          <a:p>
+            <a:fld id="{6A641EC8-C9F8-4A58-A1A7-F7D817526EEC}" type="slidenum">
+              <a:rPr lang="en-GB" smtClean="0"/>
+              <a:t>48</a:t>
+            </a:fld>
+            <a:endParaRPr lang="en-GB"/>
           </a:p>
         </p:txBody>
       </p:sp>
     </p:spTree>
     <p:extLst>
       <p:ext uri="{BB962C8B-B14F-4D97-AF65-F5344CB8AC3E}">
-        <p14:creationId xmlns:p14="http://schemas.microsoft.com/office/powerpoint/2010/main" val="3756634455"/>
+        <p14:creationId xmlns:p14="http://schemas.microsoft.com/office/powerpoint/2010/main" val="1492413823"/>
       </p:ext>
     </p:extLst>
   </p:cSld>
@@ -8432,7 +8523,7 @@
           <a:p>
             <a:fld id="{EB0080F8-EA1C-491D-963C-2C881B2F918F}" type="datetimeFigureOut">
               <a:rPr lang="en-GB" smtClean="0"/>
-              <a:t>31/01/2020</a:t>
+              <a:t>20/04/2020</a:t>
             </a:fld>
             <a:endParaRPr lang="en-GB"/>
           </a:p>
@@ -8582,7 +8673,7 @@
           <a:p>
             <a:fld id="{EB0080F8-EA1C-491D-963C-2C881B2F918F}" type="datetimeFigureOut">
               <a:rPr lang="en-GB" smtClean="0"/>
-              <a:t>31/01/2020</a:t>
+              <a:t>20/04/2020</a:t>
             </a:fld>
             <a:endParaRPr lang="en-GB"/>
           </a:p>
@@ -10115,7 +10206,7 @@
           <a:p>
             <a:fld id="{EB0080F8-EA1C-491D-963C-2C881B2F918F}" type="datetimeFigureOut">
               <a:rPr lang="en-GB" smtClean="0"/>
-              <a:t>31/01/2020</a:t>
+              <a:t>20/04/2020</a:t>
             </a:fld>
             <a:endParaRPr lang="en-GB"/>
           </a:p>
@@ -10685,10 +10776,7 @@
             </a:r>
           </a:p>
           <a:p>
-            <a:pPr lvl="1">
-              <a:buFont typeface="Wingdings" panose="05000000000000000000" pitchFamily="2" charset="2"/>
-              <a:buChar char="§"/>
-            </a:pPr>
+            <a:pPr lvl="1"/>
             <a:r>
               <a:rPr lang="en-GB" sz="2600" dirty="0" err="1"/>
               <a:t>gfortran</a:t>
@@ -10713,10 +10801,7 @@
             </a:r>
           </a:p>
           <a:p>
-            <a:pPr lvl="1">
-              <a:buFont typeface="Wingdings" panose="05000000000000000000" pitchFamily="2" charset="2"/>
-              <a:buChar char="§"/>
-            </a:pPr>
+            <a:pPr lvl="1"/>
             <a:r>
               <a:rPr lang="en-GB" sz="2600" dirty="0" err="1"/>
               <a:t>gfortran</a:t>
@@ -10727,10 +10812,7 @@
             </a:r>
           </a:p>
           <a:p>
-            <a:pPr lvl="1">
-              <a:buFont typeface="Wingdings" panose="05000000000000000000" pitchFamily="2" charset="2"/>
-              <a:buChar char="§"/>
-            </a:pPr>
+            <a:pPr lvl="1"/>
             <a:r>
               <a:rPr lang="en-GB" sz="2600" dirty="0" err="1"/>
               <a:t>gfortran</a:t>
@@ -10741,10 +10823,7 @@
             </a:r>
           </a:p>
           <a:p>
-            <a:pPr lvl="1">
-              <a:buFont typeface="Wingdings" panose="05000000000000000000" pitchFamily="2" charset="2"/>
-              <a:buChar char="§"/>
-            </a:pPr>
+            <a:pPr lvl="1"/>
             <a:r>
               <a:rPr lang="en-GB" sz="2600" dirty="0" err="1"/>
               <a:t>gfortran</a:t>
@@ -13317,14 +13396,14 @@
           <p:nvPr>
             <p:extLst>
               <p:ext uri="{D42A27DB-BD31-4B8C-83A1-F6EECF244321}">
-                <p14:modId xmlns:p14="http://schemas.microsoft.com/office/powerpoint/2010/main" val="2502250478"/>
+                <p14:modId xmlns:p14="http://schemas.microsoft.com/office/powerpoint/2010/main" val="3821278574"/>
               </p:ext>
             </p:extLst>
           </p:nvPr>
         </p:nvGraphicFramePr>
         <p:xfrm>
           <a:off x="457200" y="1271753"/>
-          <a:ext cx="8229600" cy="4831781"/>
+          <a:ext cx="8229600" cy="5087006"/>
         </p:xfrm>
         <a:graphic>
           <a:graphicData uri="http://schemas.openxmlformats.org/drawingml/2006/table">
@@ -13502,7 +13581,7 @@
                   </a:ext>
                 </a:extLst>
               </a:tr>
-              <a:tr h="426788">
+              <a:tr h="682013">
                 <a:tc>
                   <a:txBody>
                     <a:bodyPr/>
@@ -13536,7 +13615,7 @@
                     <a:p>
                       <a:r>
                         <a:rPr lang="en-US" dirty="0"/>
-                        <a:t>Returns the hyperbolic tangent of a</a:t>
+                        <a:t>Returns the hyperbolic tangent of a (in radians)</a:t>
                       </a:r>
                     </a:p>
                   </a:txBody>
@@ -13623,15 +13702,7 @@
                     <a:p>
                       <a:r>
                         <a:rPr lang="en-US" dirty="0"/>
-                        <a:t>max(</a:t>
-                      </a:r>
-                      <a:r>
-                        <a:rPr lang="en-US" dirty="0" err="1"/>
-                        <a:t>a,b,c</a:t>
-                      </a:r>
-                      <a:r>
-                        <a:rPr lang="en-US" dirty="0"/>
-                        <a:t>...)</a:t>
+                        <a:t>a*b</a:t>
                       </a:r>
                     </a:p>
                   </a:txBody>
@@ -13685,15 +13756,7 @@
                     <a:p>
                       <a:r>
                         <a:rPr lang="en-US" dirty="0"/>
-                        <a:t>min(</a:t>
-                      </a:r>
-                      <a:r>
-                        <a:rPr lang="en-US" dirty="0" err="1"/>
-                        <a:t>a,b,c</a:t>
-                      </a:r>
-                      <a:r>
-                        <a:rPr lang="en-US" dirty="0"/>
-                        <a:t>...)</a:t>
+                        <a:t>a*b</a:t>
                       </a:r>
                     </a:p>
                   </a:txBody>
@@ -16193,14 +16256,14 @@
           <p:nvPr>
             <p:extLst>
               <p:ext uri="{D42A27DB-BD31-4B8C-83A1-F6EECF244321}">
-                <p14:modId xmlns:p14="http://schemas.microsoft.com/office/powerpoint/2010/main" val="2085488993"/>
+                <p14:modId xmlns:p14="http://schemas.microsoft.com/office/powerpoint/2010/main" val="4105514913"/>
               </p:ext>
             </p:extLst>
           </p:nvPr>
         </p:nvGraphicFramePr>
         <p:xfrm>
           <a:off x="457200" y="1093077"/>
-          <a:ext cx="8229600" cy="5423685"/>
+          <a:ext cx="8229600" cy="5445605"/>
         </p:xfrm>
         <a:graphic>
           <a:graphicData uri="http://schemas.openxmlformats.org/drawingml/2006/table">
@@ -16231,7 +16294,7 @@
                   </a:extLst>
                 </a:gridCol>
               </a:tblGrid>
-              <a:tr h="357181">
+              <a:tr h="315550">
                 <a:tc>
                   <a:txBody>
                     <a:bodyPr/>
@@ -16277,7 +16340,7 @@
                   </a:ext>
                 </a:extLst>
               </a:tr>
-              <a:tr h="327416">
+              <a:tr h="320449">
                 <a:tc>
                   <a:txBody>
                     <a:bodyPr/>
@@ -16324,7 +16387,7 @@
                   </a:ext>
                 </a:extLst>
               </a:tr>
-              <a:tr h="327416">
+              <a:tr h="320449">
                 <a:tc>
                   <a:txBody>
                     <a:bodyPr/>
@@ -16370,7 +16433,7 @@
                   </a:ext>
                 </a:extLst>
               </a:tr>
-              <a:tr h="565537">
+              <a:tr h="513074">
                 <a:tc>
                   <a:txBody>
                     <a:bodyPr/>
@@ -16440,7 +16503,7 @@
                   </a:ext>
                 </a:extLst>
               </a:tr>
-              <a:tr h="565537">
+              <a:tr h="513074">
                 <a:tc>
                   <a:txBody>
                     <a:bodyPr/>
@@ -16510,7 +16573,7 @@
                   </a:ext>
                 </a:extLst>
               </a:tr>
-              <a:tr h="565537">
+              <a:tr h="513074">
                 <a:tc>
                   <a:txBody>
                     <a:bodyPr/>
@@ -16580,7 +16643,7 @@
                   </a:ext>
                 </a:extLst>
               </a:tr>
-              <a:tr h="565537">
+              <a:tr h="513074">
                 <a:tc>
                   <a:txBody>
                     <a:bodyPr/>
@@ -16638,7 +16701,7 @@
                   </a:ext>
                 </a:extLst>
               </a:tr>
-              <a:tr h="565537">
+              <a:tr h="513074">
                 <a:tc>
                   <a:txBody>
                     <a:bodyPr/>
@@ -16696,7 +16759,7 @@
                   </a:ext>
                 </a:extLst>
               </a:tr>
-              <a:tr h="411605">
+              <a:tr h="421491">
                 <a:tc>
                   <a:txBody>
                     <a:bodyPr/>
@@ -16746,7 +16809,7 @@
                   </a:ext>
                 </a:extLst>
               </a:tr>
-              <a:tr h="565537">
+              <a:tr h="513074">
                 <a:tc>
                   <a:txBody>
                     <a:bodyPr/>
@@ -16796,7 +16859,7 @@
                   </a:ext>
                 </a:extLst>
               </a:tr>
-              <a:tr h="501040">
+              <a:tr h="513074">
                 <a:tc>
                   <a:txBody>
                     <a:bodyPr/>
@@ -19055,8 +19118,13 @@
             </a:r>
             <a:r>
               <a:rPr lang="en-GB" sz="2800" dirty="0"/>
-              <a:t>*, counter</a:t>
-            </a:r>
+              <a:t>*, </a:t>
+            </a:r>
+            <a:r>
+              <a:rPr lang="en-GB" sz="2800" dirty="0" err="1"/>
+              <a:t>do_counter</a:t>
+            </a:r>
+            <a:endParaRPr lang="en-GB" sz="2800" dirty="0"/>
           </a:p>
           <a:p>
             <a:r>
@@ -20049,1878 +20117,6 @@
           <a:p>
             <a:r>
               <a:rPr lang="en-GB" sz="4000" dirty="0"/>
-              <a:t>Functions</a:t>
-            </a:r>
-          </a:p>
-        </p:txBody>
-      </p:sp>
-      <p:sp>
-        <p:nvSpPr>
-          <p:cNvPr id="7" name="Content Placeholder 6">
-            <a:extLst>
-              <a:ext uri="{FF2B5EF4-FFF2-40B4-BE49-F238E27FC236}">
-                <a16:creationId xmlns:a16="http://schemas.microsoft.com/office/drawing/2014/main" id="{8704F1A3-720B-4123-B3B8-B6C05F8BAC14}"/>
-              </a:ext>
-            </a:extLst>
-          </p:cNvPr>
-          <p:cNvSpPr>
-            <a:spLocks noGrp="1"/>
-          </p:cNvSpPr>
-          <p:nvPr>
-            <p:ph idx="1"/>
-          </p:nvPr>
-        </p:nvSpPr>
-        <p:spPr/>
-        <p:txBody>
-          <a:bodyPr/>
-          <a:lstStyle/>
-          <a:p>
-            <a:r>
-              <a:rPr lang="en-GB" dirty="0"/>
-              <a:t>A function must be defined within a “contains” section of your code</a:t>
-            </a:r>
-          </a:p>
-          <a:p>
-            <a:r>
-              <a:rPr lang="en-GB" dirty="0"/>
-              <a:t>May contain it’s own variable declarations</a:t>
-            </a:r>
-          </a:p>
-          <a:p>
-            <a:r>
-              <a:rPr lang="en-GB" dirty="0"/>
-              <a:t>Variables are not available from elsewhere</a:t>
-            </a:r>
-          </a:p>
-          <a:p>
-            <a:r>
-              <a:rPr lang="en-GB" dirty="0"/>
-              <a:t>Functions have a type</a:t>
-            </a:r>
-          </a:p>
-          <a:p>
-            <a:r>
-              <a:rPr lang="en-GB" dirty="0"/>
-              <a:t>Returns a value</a:t>
-            </a:r>
-          </a:p>
-        </p:txBody>
-      </p:sp>
-    </p:spTree>
-    <p:extLst>
-      <p:ext uri="{BB962C8B-B14F-4D97-AF65-F5344CB8AC3E}">
-        <p14:creationId xmlns:p14="http://schemas.microsoft.com/office/powerpoint/2010/main" val="200963720"/>
-      </p:ext>
-    </p:extLst>
-  </p:cSld>
-  <p:clrMapOvr>
-    <a:masterClrMapping/>
-  </p:clrMapOvr>
-  <mc:AlternateContent xmlns:mc="http://schemas.openxmlformats.org/markup-compatibility/2006" xmlns:p14="http://schemas.microsoft.com/office/powerpoint/2010/main">
-    <mc:Choice Requires="p14">
-      <p:transition p14:dur="10"/>
-    </mc:Choice>
-    <mc:Fallback xmlns="">
-      <p:transition/>
-    </mc:Fallback>
-  </mc:AlternateContent>
-</p:sld>
-</file>
-
-<file path=ppt/slides/slide36.xml><?xml version="1.0" encoding="utf-8"?>
-<p:sld xmlns:a="http://schemas.openxmlformats.org/drawingml/2006/main" xmlns:r="http://schemas.openxmlformats.org/officeDocument/2006/relationships" xmlns:p="http://schemas.openxmlformats.org/presentationml/2006/main">
-  <p:cSld>
-    <p:spTree>
-      <p:nvGrpSpPr>
-        <p:cNvPr id="1" name=""/>
-        <p:cNvGrpSpPr/>
-        <p:nvPr/>
-      </p:nvGrpSpPr>
-      <p:grpSpPr>
-        <a:xfrm>
-          <a:off x="0" y="0"/>
-          <a:ext cx="0" cy="0"/>
-          <a:chOff x="0" y="0"/>
-          <a:chExt cx="0" cy="0"/>
-        </a:xfrm>
-      </p:grpSpPr>
-      <p:sp>
-        <p:nvSpPr>
-          <p:cNvPr id="2" name="Title 1"/>
-          <p:cNvSpPr>
-            <a:spLocks noGrp="1"/>
-          </p:cNvSpPr>
-          <p:nvPr>
-            <p:ph type="title"/>
-          </p:nvPr>
-        </p:nvSpPr>
-        <p:spPr/>
-        <p:txBody>
-          <a:bodyPr/>
-          <a:lstStyle/>
-          <a:p>
-            <a:r>
-              <a:rPr lang="en-GB" sz="4000" dirty="0"/>
-              <a:t>Functions - Definition</a:t>
-            </a:r>
-          </a:p>
-        </p:txBody>
-      </p:sp>
-      <p:sp>
-        <p:nvSpPr>
-          <p:cNvPr id="7" name="Content Placeholder 6">
-            <a:extLst>
-              <a:ext uri="{FF2B5EF4-FFF2-40B4-BE49-F238E27FC236}">
-                <a16:creationId xmlns:a16="http://schemas.microsoft.com/office/drawing/2014/main" id="{8704F1A3-720B-4123-B3B8-B6C05F8BAC14}"/>
-              </a:ext>
-            </a:extLst>
-          </p:cNvPr>
-          <p:cNvSpPr>
-            <a:spLocks noGrp="1"/>
-          </p:cNvSpPr>
-          <p:nvPr>
-            <p:ph idx="1"/>
-          </p:nvPr>
-        </p:nvSpPr>
-        <p:spPr>
-          <a:xfrm>
-            <a:off x="457200" y="1466440"/>
-            <a:ext cx="8131996" cy="2252797"/>
-          </a:xfrm>
-        </p:spPr>
-        <p:txBody>
-          <a:bodyPr/>
-          <a:lstStyle/>
-          <a:p>
-            <a:pPr marL="0" indent="0">
-              <a:buNone/>
-            </a:pPr>
-            <a:r>
-              <a:rPr lang="en-GB" sz="2000" dirty="0">
-                <a:solidFill>
-                  <a:schemeClr val="accent5"/>
-                </a:solidFill>
-              </a:rPr>
-              <a:t>real function </a:t>
-            </a:r>
-            <a:r>
-              <a:rPr lang="en-GB" sz="2000" dirty="0">
-                <a:solidFill>
-                  <a:schemeClr val="accent3"/>
-                </a:solidFill>
-              </a:rPr>
-              <a:t>function_name1</a:t>
-            </a:r>
-            <a:r>
-              <a:rPr lang="en-GB" sz="2000" dirty="0"/>
-              <a:t>(</a:t>
-            </a:r>
-            <a:r>
-              <a:rPr lang="en-GB" sz="2000" dirty="0">
-                <a:solidFill>
-                  <a:schemeClr val="accent4"/>
-                </a:solidFill>
-              </a:rPr>
-              <a:t>arg1</a:t>
-            </a:r>
-            <a:r>
-              <a:rPr lang="en-GB" sz="2000" dirty="0"/>
-              <a:t>, </a:t>
-            </a:r>
-            <a:r>
-              <a:rPr lang="en-GB" sz="2000" dirty="0">
-                <a:solidFill>
-                  <a:schemeClr val="accent4"/>
-                </a:solidFill>
-              </a:rPr>
-              <a:t>arg2</a:t>
-            </a:r>
-            <a:r>
-              <a:rPr lang="en-GB" sz="2000" dirty="0"/>
-              <a:t>)</a:t>
-            </a:r>
-          </a:p>
-          <a:p>
-            <a:pPr marL="0" indent="0">
-              <a:buNone/>
-            </a:pPr>
-            <a:r>
-              <a:rPr lang="en-GB" sz="2000" dirty="0"/>
-              <a:t>	</a:t>
-            </a:r>
-            <a:r>
-              <a:rPr lang="en-GB" sz="2000" dirty="0">
-                <a:solidFill>
-                  <a:schemeClr val="accent5"/>
-                </a:solidFill>
-              </a:rPr>
-              <a:t>real</a:t>
-            </a:r>
-            <a:r>
-              <a:rPr lang="en-GB" sz="2000" dirty="0"/>
-              <a:t>	::	arg1, arg2</a:t>
-            </a:r>
-          </a:p>
-          <a:p>
-            <a:pPr marL="0" indent="0">
-              <a:buNone/>
-            </a:pPr>
-            <a:endParaRPr lang="en-GB" sz="2000" dirty="0"/>
-          </a:p>
-          <a:p>
-            <a:pPr marL="0" indent="0">
-              <a:buNone/>
-            </a:pPr>
-            <a:r>
-              <a:rPr lang="en-GB" sz="2000" dirty="0"/>
-              <a:t>	function_name1=arg1*arg2</a:t>
-            </a:r>
-          </a:p>
-          <a:p>
-            <a:pPr marL="0" indent="0">
-              <a:buNone/>
-            </a:pPr>
-            <a:endParaRPr lang="en-GB" sz="2000" dirty="0"/>
-          </a:p>
-          <a:p>
-            <a:pPr marL="0" indent="0">
-              <a:buNone/>
-            </a:pPr>
-            <a:r>
-              <a:rPr lang="en-GB" sz="2000" dirty="0">
-                <a:solidFill>
-                  <a:schemeClr val="accent5"/>
-                </a:solidFill>
-              </a:rPr>
-              <a:t>end function </a:t>
-            </a:r>
-            <a:r>
-              <a:rPr lang="en-GB" sz="2000" dirty="0">
-                <a:solidFill>
-                  <a:schemeClr val="accent3"/>
-                </a:solidFill>
-              </a:rPr>
-              <a:t>function_name1</a:t>
-            </a:r>
-          </a:p>
-        </p:txBody>
-      </p:sp>
-      <p:cxnSp>
-        <p:nvCxnSpPr>
-          <p:cNvPr id="6" name="Straight Connector 5">
-            <a:extLst>
-              <a:ext uri="{FF2B5EF4-FFF2-40B4-BE49-F238E27FC236}">
-                <a16:creationId xmlns:a16="http://schemas.microsoft.com/office/drawing/2014/main" id="{40EABCDA-4885-4D33-A09B-9332CB4EEB0C}"/>
-              </a:ext>
-            </a:extLst>
-          </p:cNvPr>
-          <p:cNvCxnSpPr>
-            <a:cxnSpLocks/>
-          </p:cNvCxnSpPr>
-          <p:nvPr/>
-        </p:nvCxnSpPr>
-        <p:spPr>
-          <a:xfrm>
-            <a:off x="457200" y="3924728"/>
-            <a:ext cx="8131996" cy="0"/>
-          </a:xfrm>
-          <a:prstGeom prst="line">
-            <a:avLst/>
-          </a:prstGeom>
-        </p:spPr>
-        <p:style>
-          <a:lnRef idx="2">
-            <a:schemeClr val="accent1"/>
-          </a:lnRef>
-          <a:fillRef idx="0">
-            <a:schemeClr val="accent1"/>
-          </a:fillRef>
-          <a:effectRef idx="1">
-            <a:schemeClr val="accent1"/>
-          </a:effectRef>
-          <a:fontRef idx="minor">
-            <a:schemeClr val="tx1"/>
-          </a:fontRef>
-        </p:style>
-      </p:cxnSp>
-      <p:sp>
-        <p:nvSpPr>
-          <p:cNvPr id="10" name="Content Placeholder 6">
-            <a:extLst>
-              <a:ext uri="{FF2B5EF4-FFF2-40B4-BE49-F238E27FC236}">
-                <a16:creationId xmlns:a16="http://schemas.microsoft.com/office/drawing/2014/main" id="{456FA98F-FEFA-4AEC-9F3D-80689B184E8A}"/>
-              </a:ext>
-            </a:extLst>
-          </p:cNvPr>
-          <p:cNvSpPr txBox="1">
-            <a:spLocks/>
-          </p:cNvSpPr>
-          <p:nvPr/>
-        </p:nvSpPr>
-        <p:spPr>
-          <a:xfrm>
-            <a:off x="457200" y="4279847"/>
-            <a:ext cx="8131996" cy="2303501"/>
-          </a:xfrm>
-          <a:prstGeom prst="rect">
-            <a:avLst/>
-          </a:prstGeom>
-        </p:spPr>
-        <p:txBody>
-          <a:bodyPr/>
-          <a:lstStyle>
-            <a:lvl1pPr marL="342900" indent="-342900" algn="l" defTabSz="457200" rtl="0" eaLnBrk="1" latinLnBrk="0" hangingPunct="1">
-              <a:spcBef>
-                <a:spcPct val="20000"/>
-              </a:spcBef>
-              <a:buFont typeface="Arial"/>
-              <a:buChar char="•"/>
-              <a:defRPr sz="3200" kern="1200">
-                <a:solidFill>
-                  <a:schemeClr val="tx1"/>
-                </a:solidFill>
-                <a:latin typeface="+mn-lt"/>
-                <a:ea typeface="+mn-ea"/>
-                <a:cs typeface="+mn-cs"/>
-              </a:defRPr>
-            </a:lvl1pPr>
-            <a:lvl2pPr marL="742950" indent="-285750" algn="l" defTabSz="457200" rtl="0" eaLnBrk="1" latinLnBrk="0" hangingPunct="1">
-              <a:spcBef>
-                <a:spcPct val="20000"/>
-              </a:spcBef>
-              <a:buFont typeface="Arial"/>
-              <a:buChar char="–"/>
-              <a:defRPr sz="2800" kern="1200">
-                <a:solidFill>
-                  <a:schemeClr val="tx1"/>
-                </a:solidFill>
-                <a:latin typeface="+mn-lt"/>
-                <a:ea typeface="+mn-ea"/>
-                <a:cs typeface="+mn-cs"/>
-              </a:defRPr>
-            </a:lvl2pPr>
-            <a:lvl3pPr marL="1143000" indent="-228600" algn="l" defTabSz="457200" rtl="0" eaLnBrk="1" latinLnBrk="0" hangingPunct="1">
-              <a:spcBef>
-                <a:spcPct val="20000"/>
-              </a:spcBef>
-              <a:buFont typeface="Arial"/>
-              <a:buChar char="•"/>
-              <a:defRPr sz="2400" kern="1200">
-                <a:solidFill>
-                  <a:schemeClr val="tx1"/>
-                </a:solidFill>
-                <a:latin typeface="+mn-lt"/>
-                <a:ea typeface="+mn-ea"/>
-                <a:cs typeface="+mn-cs"/>
-              </a:defRPr>
-            </a:lvl3pPr>
-            <a:lvl4pPr marL="1600200" indent="-228600" algn="l" defTabSz="457200" rtl="0" eaLnBrk="1" latinLnBrk="0" hangingPunct="1">
-              <a:spcBef>
-                <a:spcPct val="20000"/>
-              </a:spcBef>
-              <a:buFont typeface="Arial"/>
-              <a:buChar char="–"/>
-              <a:defRPr sz="2000" kern="1200">
-                <a:solidFill>
-                  <a:schemeClr val="tx1"/>
-                </a:solidFill>
-                <a:latin typeface="+mn-lt"/>
-                <a:ea typeface="+mn-ea"/>
-                <a:cs typeface="+mn-cs"/>
-              </a:defRPr>
-            </a:lvl4pPr>
-            <a:lvl5pPr marL="1828800" indent="0" algn="l" defTabSz="457200" rtl="0" eaLnBrk="1" latinLnBrk="0" hangingPunct="1">
-              <a:spcBef>
-                <a:spcPct val="20000"/>
-              </a:spcBef>
-              <a:buFont typeface="Arial"/>
-              <a:buNone/>
-              <a:defRPr sz="2000" kern="1200">
-                <a:solidFill>
-                  <a:schemeClr val="tx1"/>
-                </a:solidFill>
-                <a:latin typeface="+mn-lt"/>
-                <a:ea typeface="+mn-ea"/>
-                <a:cs typeface="+mn-cs"/>
-              </a:defRPr>
-            </a:lvl5pPr>
-            <a:lvl6pPr marL="2514600" indent="-228600" algn="l" defTabSz="457200" rtl="0" eaLnBrk="1" latinLnBrk="0" hangingPunct="1">
-              <a:spcBef>
-                <a:spcPct val="20000"/>
-              </a:spcBef>
-              <a:buFont typeface="Arial"/>
-              <a:buChar char="•"/>
-              <a:defRPr sz="2000" kern="1200">
-                <a:solidFill>
-                  <a:schemeClr val="tx1"/>
-                </a:solidFill>
-                <a:latin typeface="+mn-lt"/>
-                <a:ea typeface="+mn-ea"/>
-                <a:cs typeface="+mn-cs"/>
-              </a:defRPr>
-            </a:lvl6pPr>
-            <a:lvl7pPr marL="2971800" indent="-228600" algn="l" defTabSz="457200" rtl="0" eaLnBrk="1" latinLnBrk="0" hangingPunct="1">
-              <a:spcBef>
-                <a:spcPct val="20000"/>
-              </a:spcBef>
-              <a:buFont typeface="Arial"/>
-              <a:buChar char="•"/>
-              <a:defRPr sz="2000" kern="1200">
-                <a:solidFill>
-                  <a:schemeClr val="tx1"/>
-                </a:solidFill>
-                <a:latin typeface="+mn-lt"/>
-                <a:ea typeface="+mn-ea"/>
-                <a:cs typeface="+mn-cs"/>
-              </a:defRPr>
-            </a:lvl7pPr>
-            <a:lvl8pPr marL="3429000" indent="-228600" algn="l" defTabSz="457200" rtl="0" eaLnBrk="1" latinLnBrk="0" hangingPunct="1">
-              <a:spcBef>
-                <a:spcPct val="20000"/>
-              </a:spcBef>
-              <a:buFont typeface="Arial"/>
-              <a:buChar char="•"/>
-              <a:defRPr sz="2000" kern="1200">
-                <a:solidFill>
-                  <a:schemeClr val="tx1"/>
-                </a:solidFill>
-                <a:latin typeface="+mn-lt"/>
-                <a:ea typeface="+mn-ea"/>
-                <a:cs typeface="+mn-cs"/>
-              </a:defRPr>
-            </a:lvl8pPr>
-            <a:lvl9pPr marL="3886200" indent="-228600" algn="l" defTabSz="457200" rtl="0" eaLnBrk="1" latinLnBrk="0" hangingPunct="1">
-              <a:spcBef>
-                <a:spcPct val="20000"/>
-              </a:spcBef>
-              <a:buFont typeface="Arial"/>
-              <a:buChar char="•"/>
-              <a:defRPr sz="2000" kern="1200">
-                <a:solidFill>
-                  <a:schemeClr val="tx1"/>
-                </a:solidFill>
-                <a:latin typeface="+mn-lt"/>
-                <a:ea typeface="+mn-ea"/>
-                <a:cs typeface="+mn-cs"/>
-              </a:defRPr>
-            </a:lvl9pPr>
-          </a:lstStyle>
-          <a:p>
-            <a:pPr marL="0" indent="0">
-              <a:buFont typeface="Arial"/>
-              <a:buNone/>
-            </a:pPr>
-            <a:r>
-              <a:rPr lang="en-GB" sz="2000" dirty="0">
-                <a:solidFill>
-                  <a:schemeClr val="accent5"/>
-                </a:solidFill>
-              </a:rPr>
-              <a:t>function</a:t>
-            </a:r>
-            <a:r>
-              <a:rPr lang="en-GB" sz="2000" dirty="0"/>
-              <a:t> </a:t>
-            </a:r>
-            <a:r>
-              <a:rPr lang="en-GB" sz="2000" dirty="0">
-                <a:solidFill>
-                  <a:schemeClr val="accent3"/>
-                </a:solidFill>
-              </a:rPr>
-              <a:t>function_name2</a:t>
-            </a:r>
-            <a:r>
-              <a:rPr lang="en-GB" sz="2000" dirty="0"/>
-              <a:t>(arg1, arg2)result(evaluation)</a:t>
-            </a:r>
-          </a:p>
-          <a:p>
-            <a:pPr marL="0" indent="0">
-              <a:buFont typeface="Arial"/>
-              <a:buNone/>
-            </a:pPr>
-            <a:r>
-              <a:rPr lang="en-GB" sz="2000" dirty="0"/>
-              <a:t>	</a:t>
-            </a:r>
-            <a:r>
-              <a:rPr lang="en-GB" sz="2000" dirty="0">
-                <a:solidFill>
-                  <a:schemeClr val="accent5"/>
-                </a:solidFill>
-              </a:rPr>
-              <a:t>real</a:t>
-            </a:r>
-            <a:r>
-              <a:rPr lang="en-GB" sz="2000" dirty="0"/>
-              <a:t>	::	arg1, arg2, evaluation</a:t>
-            </a:r>
-          </a:p>
-          <a:p>
-            <a:pPr marL="0" indent="0">
-              <a:buFont typeface="Arial"/>
-              <a:buNone/>
-            </a:pPr>
-            <a:endParaRPr lang="en-GB" sz="2000" dirty="0"/>
-          </a:p>
-          <a:p>
-            <a:pPr marL="0" indent="0">
-              <a:buFont typeface="Arial"/>
-              <a:buNone/>
-            </a:pPr>
-            <a:r>
-              <a:rPr lang="en-GB" sz="2000" dirty="0"/>
-              <a:t>	evaluation=arg1*arg2</a:t>
-            </a:r>
-          </a:p>
-          <a:p>
-            <a:pPr marL="0" indent="0">
-              <a:buFont typeface="Arial"/>
-              <a:buNone/>
-            </a:pPr>
-            <a:endParaRPr lang="en-GB" sz="2000" dirty="0"/>
-          </a:p>
-          <a:p>
-            <a:pPr marL="0" indent="0">
-              <a:buFont typeface="Arial"/>
-              <a:buNone/>
-            </a:pPr>
-            <a:r>
-              <a:rPr lang="en-GB" sz="2000" dirty="0">
-                <a:solidFill>
-                  <a:schemeClr val="accent5"/>
-                </a:solidFill>
-              </a:rPr>
-              <a:t>end function </a:t>
-            </a:r>
-            <a:r>
-              <a:rPr lang="en-GB" sz="2000" dirty="0">
-                <a:solidFill>
-                  <a:schemeClr val="accent3"/>
-                </a:solidFill>
-              </a:rPr>
-              <a:t>function_name2</a:t>
-            </a:r>
-          </a:p>
-        </p:txBody>
-      </p:sp>
-      <p:sp>
-        <p:nvSpPr>
-          <p:cNvPr id="11" name="TextBox 10">
-            <a:extLst>
-              <a:ext uri="{FF2B5EF4-FFF2-40B4-BE49-F238E27FC236}">
-                <a16:creationId xmlns:a16="http://schemas.microsoft.com/office/drawing/2014/main" id="{EE625C72-6D59-439C-96A8-3DEE7A0774D8}"/>
-              </a:ext>
-            </a:extLst>
-          </p:cNvPr>
-          <p:cNvSpPr txBox="1"/>
-          <p:nvPr/>
-        </p:nvSpPr>
-        <p:spPr>
-          <a:xfrm>
-            <a:off x="5728138" y="6498021"/>
-            <a:ext cx="1765738" cy="369332"/>
-          </a:xfrm>
-          <a:prstGeom prst="rect">
-            <a:avLst/>
-          </a:prstGeom>
-          <a:noFill/>
-        </p:spPr>
-        <p:txBody>
-          <a:bodyPr wrap="square" rtlCol="0">
-            <a:spAutoFit/>
-          </a:bodyPr>
-          <a:lstStyle/>
-          <a:p>
-            <a:r>
-              <a:rPr lang="en-GB" dirty="0">
-                <a:solidFill>
-                  <a:schemeClr val="accent1"/>
-                </a:solidFill>
-              </a:rPr>
-              <a:t>Demonstration</a:t>
-            </a:r>
-          </a:p>
-        </p:txBody>
-      </p:sp>
-    </p:spTree>
-    <p:extLst>
-      <p:ext uri="{BB962C8B-B14F-4D97-AF65-F5344CB8AC3E}">
-        <p14:creationId xmlns:p14="http://schemas.microsoft.com/office/powerpoint/2010/main" val="3162482540"/>
-      </p:ext>
-    </p:extLst>
-  </p:cSld>
-  <p:clrMapOvr>
-    <a:masterClrMapping/>
-  </p:clrMapOvr>
-  <mc:AlternateContent xmlns:mc="http://schemas.openxmlformats.org/markup-compatibility/2006" xmlns:p14="http://schemas.microsoft.com/office/powerpoint/2010/main">
-    <mc:Choice Requires="p14">
-      <p:transition p14:dur="10"/>
-    </mc:Choice>
-    <mc:Fallback xmlns="">
-      <p:transition/>
-    </mc:Fallback>
-  </mc:AlternateContent>
-</p:sld>
-</file>
-
-<file path=ppt/slides/slide37.xml><?xml version="1.0" encoding="utf-8"?>
-<p:sld xmlns:a="http://schemas.openxmlformats.org/drawingml/2006/main" xmlns:r="http://schemas.openxmlformats.org/officeDocument/2006/relationships" xmlns:p="http://schemas.openxmlformats.org/presentationml/2006/main">
-  <p:cSld>
-    <p:spTree>
-      <p:nvGrpSpPr>
-        <p:cNvPr id="1" name=""/>
-        <p:cNvGrpSpPr/>
-        <p:nvPr/>
-      </p:nvGrpSpPr>
-      <p:grpSpPr>
-        <a:xfrm>
-          <a:off x="0" y="0"/>
-          <a:ext cx="0" cy="0"/>
-          <a:chOff x="0" y="0"/>
-          <a:chExt cx="0" cy="0"/>
-        </a:xfrm>
-      </p:grpSpPr>
-      <p:sp>
-        <p:nvSpPr>
-          <p:cNvPr id="2" name="Title 1"/>
-          <p:cNvSpPr>
-            <a:spLocks noGrp="1"/>
-          </p:cNvSpPr>
-          <p:nvPr>
-            <p:ph type="title"/>
-          </p:nvPr>
-        </p:nvSpPr>
-        <p:spPr/>
-        <p:txBody>
-          <a:bodyPr/>
-          <a:lstStyle/>
-          <a:p>
-            <a:r>
-              <a:rPr lang="en-GB" sz="4000" dirty="0"/>
-              <a:t>Functions - Calling</a:t>
-            </a:r>
-          </a:p>
-        </p:txBody>
-      </p:sp>
-      <p:sp>
-        <p:nvSpPr>
-          <p:cNvPr id="7" name="Content Placeholder 6">
-            <a:extLst>
-              <a:ext uri="{FF2B5EF4-FFF2-40B4-BE49-F238E27FC236}">
-                <a16:creationId xmlns:a16="http://schemas.microsoft.com/office/drawing/2014/main" id="{8704F1A3-720B-4123-B3B8-B6C05F8BAC14}"/>
-              </a:ext>
-            </a:extLst>
-          </p:cNvPr>
-          <p:cNvSpPr>
-            <a:spLocks noGrp="1"/>
-          </p:cNvSpPr>
-          <p:nvPr>
-            <p:ph idx="1"/>
-          </p:nvPr>
-        </p:nvSpPr>
-        <p:spPr>
-          <a:xfrm>
-            <a:off x="457200" y="1466440"/>
-            <a:ext cx="8131996" cy="4879931"/>
-          </a:xfrm>
-        </p:spPr>
-        <p:txBody>
-          <a:bodyPr/>
-          <a:lstStyle/>
-          <a:p>
-            <a:pPr marL="0" indent="0">
-              <a:buNone/>
-            </a:pPr>
-            <a:r>
-              <a:rPr lang="en-GB" sz="2400" dirty="0">
-                <a:solidFill>
-                  <a:schemeClr val="accent5"/>
-                </a:solidFill>
-              </a:rPr>
-              <a:t>real</a:t>
-            </a:r>
-            <a:r>
-              <a:rPr lang="en-GB" sz="2400" dirty="0"/>
-              <a:t>    ::  real1, real2</a:t>
-            </a:r>
-          </a:p>
-          <a:p>
-            <a:pPr marL="0" indent="0">
-              <a:buNone/>
-            </a:pPr>
-            <a:endParaRPr lang="en-GB" sz="2400" dirty="0"/>
-          </a:p>
-          <a:p>
-            <a:pPr marL="0" indent="0">
-              <a:buNone/>
-            </a:pPr>
-            <a:r>
-              <a:rPr lang="en-GB" sz="2400" dirty="0">
-                <a:solidFill>
-                  <a:schemeClr val="accent1"/>
-                </a:solidFill>
-              </a:rPr>
-              <a:t>print</a:t>
-            </a:r>
-            <a:r>
-              <a:rPr lang="en-GB" sz="2400" dirty="0"/>
-              <a:t>*, function_name1(</a:t>
-            </a:r>
-            <a:r>
-              <a:rPr lang="en-GB" sz="2400" dirty="0">
-                <a:solidFill>
-                  <a:schemeClr val="accent2"/>
-                </a:solidFill>
-              </a:rPr>
-              <a:t>2.0</a:t>
-            </a:r>
-            <a:r>
-              <a:rPr lang="en-GB" sz="2400" dirty="0"/>
-              <a:t>, </a:t>
-            </a:r>
-            <a:r>
-              <a:rPr lang="en-GB" sz="2400" dirty="0">
-                <a:solidFill>
-                  <a:schemeClr val="accent2"/>
-                </a:solidFill>
-              </a:rPr>
-              <a:t>4.0</a:t>
-            </a:r>
-            <a:r>
-              <a:rPr lang="en-GB" sz="2400" dirty="0"/>
-              <a:t>)</a:t>
-            </a:r>
-          </a:p>
-          <a:p>
-            <a:pPr marL="0" indent="0">
-              <a:buNone/>
-            </a:pPr>
-            <a:r>
-              <a:rPr lang="en-GB" sz="2400" dirty="0">
-                <a:solidFill>
-                  <a:schemeClr val="accent1"/>
-                </a:solidFill>
-              </a:rPr>
-              <a:t>print</a:t>
-            </a:r>
-            <a:r>
-              <a:rPr lang="en-GB" sz="2400" dirty="0"/>
-              <a:t>*, function_name2(</a:t>
-            </a:r>
-            <a:r>
-              <a:rPr lang="en-GB" sz="2400" dirty="0">
-                <a:solidFill>
-                  <a:schemeClr val="accent2"/>
-                </a:solidFill>
-              </a:rPr>
-              <a:t>1.0</a:t>
-            </a:r>
-            <a:r>
-              <a:rPr lang="en-GB" sz="2400" dirty="0"/>
-              <a:t>, </a:t>
-            </a:r>
-            <a:r>
-              <a:rPr lang="en-GB" sz="2400" dirty="0">
-                <a:solidFill>
-                  <a:schemeClr val="accent2"/>
-                </a:solidFill>
-              </a:rPr>
-              <a:t>3.0</a:t>
-            </a:r>
-            <a:r>
-              <a:rPr lang="en-GB" sz="2400" dirty="0"/>
-              <a:t>)</a:t>
-            </a:r>
-          </a:p>
-          <a:p>
-            <a:pPr marL="0" indent="0">
-              <a:buNone/>
-            </a:pPr>
-            <a:endParaRPr lang="en-GB" sz="2400" dirty="0"/>
-          </a:p>
-          <a:p>
-            <a:pPr marL="0" indent="0">
-              <a:buNone/>
-            </a:pPr>
-            <a:r>
-              <a:rPr lang="en-GB" sz="2400" dirty="0"/>
-              <a:t>real1=function_name1 (</a:t>
-            </a:r>
-            <a:r>
-              <a:rPr lang="en-GB" sz="2400" dirty="0">
-                <a:solidFill>
-                  <a:schemeClr val="accent2"/>
-                </a:solidFill>
-              </a:rPr>
-              <a:t>2.0</a:t>
-            </a:r>
-            <a:r>
-              <a:rPr lang="en-GB" sz="2400" dirty="0"/>
-              <a:t>, </a:t>
-            </a:r>
-            <a:r>
-              <a:rPr lang="en-GB" sz="2400" dirty="0">
-                <a:solidFill>
-                  <a:schemeClr val="accent2"/>
-                </a:solidFill>
-              </a:rPr>
-              <a:t>3.0</a:t>
-            </a:r>
-            <a:r>
-              <a:rPr lang="en-GB" sz="2400" dirty="0"/>
-              <a:t>)</a:t>
-            </a:r>
-          </a:p>
-          <a:p>
-            <a:pPr marL="0" indent="0">
-              <a:buNone/>
-            </a:pPr>
-            <a:r>
-              <a:rPr lang="en-GB" sz="2400" dirty="0"/>
-              <a:t>real2=function_name2(real1, real1/</a:t>
-            </a:r>
-            <a:r>
-              <a:rPr lang="en-GB" sz="2400" dirty="0">
-                <a:solidFill>
-                  <a:schemeClr val="accent2"/>
-                </a:solidFill>
-              </a:rPr>
-              <a:t>3.0</a:t>
-            </a:r>
-            <a:r>
-              <a:rPr lang="en-GB" sz="2400" dirty="0"/>
-              <a:t>)*</a:t>
-            </a:r>
-            <a:r>
-              <a:rPr lang="en-GB" sz="2400" dirty="0">
-                <a:solidFill>
-                  <a:schemeClr val="accent2"/>
-                </a:solidFill>
-              </a:rPr>
-              <a:t>2.0</a:t>
-            </a:r>
-          </a:p>
-          <a:p>
-            <a:pPr marL="0" indent="0">
-              <a:buNone/>
-            </a:pPr>
-            <a:br>
-              <a:rPr lang="en-GB" sz="2400" dirty="0"/>
-            </a:br>
-            <a:r>
-              <a:rPr lang="en-GB" sz="2400" dirty="0">
-                <a:solidFill>
-                  <a:schemeClr val="accent1"/>
-                </a:solidFill>
-              </a:rPr>
-              <a:t>print</a:t>
-            </a:r>
-            <a:r>
-              <a:rPr lang="en-GB" sz="2400" dirty="0"/>
-              <a:t>*, function_name1(real2, function_name2(</a:t>
-            </a:r>
-            <a:r>
-              <a:rPr lang="en-GB" sz="2400" dirty="0">
-                <a:solidFill>
-                  <a:schemeClr val="accent2"/>
-                </a:solidFill>
-              </a:rPr>
-              <a:t>2.0</a:t>
-            </a:r>
-            <a:r>
-              <a:rPr lang="en-GB" sz="2400" dirty="0"/>
-              <a:t>, </a:t>
-            </a:r>
-            <a:r>
-              <a:rPr lang="en-GB" sz="2400" dirty="0">
-                <a:solidFill>
-                  <a:schemeClr val="accent2"/>
-                </a:solidFill>
-              </a:rPr>
-              <a:t>3.0</a:t>
-            </a:r>
-            <a:r>
-              <a:rPr lang="en-GB" sz="2400" dirty="0"/>
-              <a:t>))</a:t>
-            </a:r>
-          </a:p>
-        </p:txBody>
-      </p:sp>
-      <p:sp>
-        <p:nvSpPr>
-          <p:cNvPr id="11" name="TextBox 10">
-            <a:extLst>
-              <a:ext uri="{FF2B5EF4-FFF2-40B4-BE49-F238E27FC236}">
-                <a16:creationId xmlns:a16="http://schemas.microsoft.com/office/drawing/2014/main" id="{EE625C72-6D59-439C-96A8-3DEE7A0774D8}"/>
-              </a:ext>
-            </a:extLst>
-          </p:cNvPr>
-          <p:cNvSpPr txBox="1"/>
-          <p:nvPr/>
-        </p:nvSpPr>
-        <p:spPr>
-          <a:xfrm>
-            <a:off x="5728138" y="6498021"/>
-            <a:ext cx="1765738" cy="369332"/>
-          </a:xfrm>
-          <a:prstGeom prst="rect">
-            <a:avLst/>
-          </a:prstGeom>
-          <a:noFill/>
-        </p:spPr>
-        <p:txBody>
-          <a:bodyPr wrap="square" rtlCol="0">
-            <a:spAutoFit/>
-          </a:bodyPr>
-          <a:lstStyle/>
-          <a:p>
-            <a:r>
-              <a:rPr lang="en-GB" dirty="0">
-                <a:solidFill>
-                  <a:schemeClr val="accent1"/>
-                </a:solidFill>
-              </a:rPr>
-              <a:t>Demonstration</a:t>
-            </a:r>
-          </a:p>
-        </p:txBody>
-      </p:sp>
-      <p:sp>
-        <p:nvSpPr>
-          <p:cNvPr id="5" name="TextBox 4">
-            <a:extLst>
-              <a:ext uri="{FF2B5EF4-FFF2-40B4-BE49-F238E27FC236}">
-                <a16:creationId xmlns:a16="http://schemas.microsoft.com/office/drawing/2014/main" id="{14AD2C1F-43FF-4CF4-B8BB-C85A1A930793}"/>
-              </a:ext>
-            </a:extLst>
-          </p:cNvPr>
-          <p:cNvSpPr txBox="1"/>
-          <p:nvPr/>
-        </p:nvSpPr>
-        <p:spPr>
-          <a:xfrm>
-            <a:off x="7357241" y="6498021"/>
-            <a:ext cx="1697422" cy="369332"/>
-          </a:xfrm>
-          <a:prstGeom prst="rect">
-            <a:avLst/>
-          </a:prstGeom>
-          <a:noFill/>
-        </p:spPr>
-        <p:txBody>
-          <a:bodyPr wrap="square" rtlCol="0">
-            <a:spAutoFit/>
-          </a:bodyPr>
-          <a:lstStyle/>
-          <a:p>
-            <a:r>
-              <a:rPr lang="en-GB" dirty="0">
-                <a:solidFill>
-                  <a:schemeClr val="accent2"/>
-                </a:solidFill>
-              </a:rPr>
-              <a:t>Problem Sheet</a:t>
-            </a:r>
-          </a:p>
-        </p:txBody>
-      </p:sp>
-    </p:spTree>
-    <p:extLst>
-      <p:ext uri="{BB962C8B-B14F-4D97-AF65-F5344CB8AC3E}">
-        <p14:creationId xmlns:p14="http://schemas.microsoft.com/office/powerpoint/2010/main" val="265627358"/>
-      </p:ext>
-    </p:extLst>
-  </p:cSld>
-  <p:clrMapOvr>
-    <a:masterClrMapping/>
-  </p:clrMapOvr>
-  <mc:AlternateContent xmlns:mc="http://schemas.openxmlformats.org/markup-compatibility/2006" xmlns:p14="http://schemas.microsoft.com/office/powerpoint/2010/main">
-    <mc:Choice Requires="p14">
-      <p:transition p14:dur="10"/>
-    </mc:Choice>
-    <mc:Fallback xmlns="">
-      <p:transition/>
-    </mc:Fallback>
-  </mc:AlternateContent>
-</p:sld>
-</file>
-
-<file path=ppt/slides/slide38.xml><?xml version="1.0" encoding="utf-8"?>
-<p:sld xmlns:a="http://schemas.openxmlformats.org/drawingml/2006/main" xmlns:r="http://schemas.openxmlformats.org/officeDocument/2006/relationships" xmlns:p="http://schemas.openxmlformats.org/presentationml/2006/main">
-  <p:cSld>
-    <p:spTree>
-      <p:nvGrpSpPr>
-        <p:cNvPr id="1" name=""/>
-        <p:cNvGrpSpPr/>
-        <p:nvPr/>
-      </p:nvGrpSpPr>
-      <p:grpSpPr>
-        <a:xfrm>
-          <a:off x="0" y="0"/>
-          <a:ext cx="0" cy="0"/>
-          <a:chOff x="0" y="0"/>
-          <a:chExt cx="0" cy="0"/>
-        </a:xfrm>
-      </p:grpSpPr>
-      <p:sp>
-        <p:nvSpPr>
-          <p:cNvPr id="2" name="Title 1"/>
-          <p:cNvSpPr>
-            <a:spLocks noGrp="1"/>
-          </p:cNvSpPr>
-          <p:nvPr>
-            <p:ph type="title"/>
-          </p:nvPr>
-        </p:nvSpPr>
-        <p:spPr/>
-        <p:txBody>
-          <a:bodyPr/>
-          <a:lstStyle/>
-          <a:p>
-            <a:r>
-              <a:rPr lang="en-GB" sz="4000" dirty="0"/>
-              <a:t>Deferred Size Arguments</a:t>
-            </a:r>
-          </a:p>
-        </p:txBody>
-      </p:sp>
-      <p:sp>
-        <p:nvSpPr>
-          <p:cNvPr id="7" name="Content Placeholder 6">
-            <a:extLst>
-              <a:ext uri="{FF2B5EF4-FFF2-40B4-BE49-F238E27FC236}">
-                <a16:creationId xmlns:a16="http://schemas.microsoft.com/office/drawing/2014/main" id="{8704F1A3-720B-4123-B3B8-B6C05F8BAC14}"/>
-              </a:ext>
-            </a:extLst>
-          </p:cNvPr>
-          <p:cNvSpPr>
-            <a:spLocks noGrp="1"/>
-          </p:cNvSpPr>
-          <p:nvPr>
-            <p:ph idx="1"/>
-          </p:nvPr>
-        </p:nvSpPr>
-        <p:spPr>
-          <a:xfrm>
-            <a:off x="272143" y="1466440"/>
-            <a:ext cx="8131996" cy="4879931"/>
-          </a:xfrm>
-        </p:spPr>
-        <p:txBody>
-          <a:bodyPr/>
-          <a:lstStyle/>
-          <a:p>
-            <a:pPr marL="0" indent="0">
-              <a:buNone/>
-            </a:pPr>
-            <a:r>
-              <a:rPr lang="en-GB" sz="2400" dirty="0">
-                <a:solidFill>
-                  <a:schemeClr val="accent5"/>
-                </a:solidFill>
-              </a:rPr>
-              <a:t>function </a:t>
-            </a:r>
-            <a:r>
-              <a:rPr lang="en-GB" sz="2400" dirty="0" err="1">
-                <a:solidFill>
-                  <a:schemeClr val="accent3"/>
-                </a:solidFill>
-              </a:rPr>
-              <a:t>sum_of_cubes</a:t>
-            </a:r>
-            <a:r>
-              <a:rPr lang="en-GB" sz="2400" dirty="0"/>
-              <a:t>(</a:t>
-            </a:r>
-            <a:r>
-              <a:rPr lang="en-GB" sz="2400" dirty="0">
-                <a:solidFill>
-                  <a:schemeClr val="accent2"/>
-                </a:solidFill>
-              </a:rPr>
-              <a:t>array</a:t>
-            </a:r>
-            <a:r>
-              <a:rPr lang="en-GB" sz="2400" dirty="0"/>
-              <a:t>) 	</a:t>
-            </a:r>
-          </a:p>
-          <a:p>
-            <a:pPr marL="0" indent="0">
-              <a:buNone/>
-            </a:pPr>
-            <a:r>
-              <a:rPr lang="en-GB" sz="2400" dirty="0"/>
-              <a:t>	</a:t>
-            </a:r>
-            <a:r>
-              <a:rPr lang="en-GB" sz="2400" dirty="0">
-                <a:solidFill>
-                  <a:schemeClr val="accent5"/>
-                </a:solidFill>
-              </a:rPr>
-              <a:t>real</a:t>
-            </a:r>
-            <a:r>
-              <a:rPr lang="en-GB" sz="2400" dirty="0"/>
-              <a:t>, </a:t>
-            </a:r>
-            <a:r>
-              <a:rPr lang="en-GB" sz="2400" dirty="0">
-                <a:solidFill>
-                  <a:schemeClr val="accent5"/>
-                </a:solidFill>
-              </a:rPr>
-              <a:t>dimension</a:t>
-            </a:r>
-            <a:r>
-              <a:rPr lang="en-GB" sz="2400" dirty="0"/>
-              <a:t>(:) 	::  array</a:t>
-            </a:r>
-          </a:p>
-          <a:p>
-            <a:pPr marL="0" indent="0">
-              <a:buNone/>
-            </a:pPr>
-            <a:r>
-              <a:rPr lang="en-GB" sz="2400" dirty="0"/>
-              <a:t>	</a:t>
-            </a:r>
-            <a:r>
-              <a:rPr lang="en-GB" sz="2400" dirty="0">
-                <a:solidFill>
-                  <a:schemeClr val="accent5"/>
-                </a:solidFill>
-              </a:rPr>
-              <a:t>real</a:t>
-            </a:r>
-            <a:r>
-              <a:rPr lang="en-GB" sz="2400" dirty="0"/>
-              <a:t>                		::  evaluation</a:t>
-            </a:r>
-          </a:p>
-          <a:p>
-            <a:pPr marL="0" indent="0">
-              <a:buNone/>
-            </a:pPr>
-            <a:r>
-              <a:rPr lang="en-GB" sz="2400" dirty="0"/>
-              <a:t>     </a:t>
-            </a:r>
-            <a:r>
-              <a:rPr lang="en-GB" sz="2400" dirty="0">
-                <a:solidFill>
-                  <a:schemeClr val="accent5"/>
-                </a:solidFill>
-              </a:rPr>
-              <a:t>integer  </a:t>
-            </a:r>
-            <a:r>
-              <a:rPr lang="en-GB" sz="2400" dirty="0"/>
-              <a:t>           		::  ii</a:t>
-            </a:r>
-          </a:p>
-          <a:p>
-            <a:pPr marL="0" indent="0">
-              <a:buNone/>
-            </a:pPr>
-            <a:br>
-              <a:rPr lang="en-GB" sz="2400" dirty="0"/>
-            </a:br>
-            <a:r>
-              <a:rPr lang="en-GB" sz="2400" dirty="0"/>
-              <a:t>	evaluation=</a:t>
-            </a:r>
-            <a:r>
-              <a:rPr lang="en-GB" sz="2400" dirty="0">
-                <a:solidFill>
-                  <a:schemeClr val="accent2"/>
-                </a:solidFill>
-              </a:rPr>
-              <a:t>0.0</a:t>
-            </a:r>
-          </a:p>
-          <a:p>
-            <a:pPr marL="0" indent="0">
-              <a:buNone/>
-            </a:pPr>
-            <a:br>
-              <a:rPr lang="en-GB" sz="2400" dirty="0"/>
-            </a:br>
-            <a:r>
-              <a:rPr lang="en-GB" sz="2400" dirty="0"/>
-              <a:t>	</a:t>
-            </a:r>
-            <a:r>
-              <a:rPr lang="en-GB" sz="2400" dirty="0">
-                <a:solidFill>
-                  <a:schemeClr val="accent1"/>
-                </a:solidFill>
-              </a:rPr>
-              <a:t>do</a:t>
-            </a:r>
-            <a:r>
-              <a:rPr lang="en-GB" sz="2400" dirty="0"/>
-              <a:t> ii=</a:t>
-            </a:r>
-            <a:r>
-              <a:rPr lang="en-GB" sz="2400" dirty="0">
-                <a:solidFill>
-                  <a:schemeClr val="accent2"/>
-                </a:solidFill>
-              </a:rPr>
-              <a:t>1</a:t>
-            </a:r>
-            <a:r>
-              <a:rPr lang="en-GB" sz="2400" dirty="0"/>
-              <a:t>, </a:t>
-            </a:r>
-            <a:r>
-              <a:rPr lang="en-GB" sz="2400" dirty="0">
-                <a:solidFill>
-                  <a:schemeClr val="accent5"/>
-                </a:solidFill>
-              </a:rPr>
-              <a:t>size</a:t>
-            </a:r>
-            <a:r>
-              <a:rPr lang="en-GB" sz="2400" dirty="0"/>
-              <a:t>(array)</a:t>
-            </a:r>
-          </a:p>
-          <a:p>
-            <a:pPr marL="400050" lvl="1" indent="0">
-              <a:buNone/>
-            </a:pPr>
-            <a:r>
-              <a:rPr lang="en-GB" sz="2000" dirty="0"/>
-              <a:t>		</a:t>
-            </a:r>
-            <a:r>
-              <a:rPr lang="en-GB" sz="2400" dirty="0"/>
-              <a:t>evaluation=</a:t>
-            </a:r>
-            <a:r>
-              <a:rPr lang="en-GB" sz="2400" dirty="0" err="1"/>
-              <a:t>evaluation+array</a:t>
-            </a:r>
-            <a:r>
-              <a:rPr lang="en-GB" sz="2400" dirty="0"/>
-              <a:t>(ii)**</a:t>
-            </a:r>
-            <a:r>
-              <a:rPr lang="en-GB" sz="2400" dirty="0">
-                <a:solidFill>
-                  <a:schemeClr val="accent2"/>
-                </a:solidFill>
-              </a:rPr>
-              <a:t>3</a:t>
-            </a:r>
-          </a:p>
-          <a:p>
-            <a:pPr marL="400050" lvl="1" indent="0">
-              <a:buNone/>
-            </a:pPr>
-            <a:r>
-              <a:rPr lang="en-GB" sz="2400" dirty="0">
-                <a:solidFill>
-                  <a:schemeClr val="accent1"/>
-                </a:solidFill>
-              </a:rPr>
-              <a:t>end do  </a:t>
-            </a:r>
-            <a:r>
-              <a:rPr lang="en-GB" sz="2400" dirty="0"/>
-              <a:t> </a:t>
-            </a:r>
-            <a:r>
-              <a:rPr lang="en-GB" dirty="0"/>
-              <a:t>  </a:t>
-            </a:r>
-            <a:endParaRPr lang="en-GB" sz="2400" dirty="0">
-              <a:solidFill>
-                <a:schemeClr val="accent5"/>
-              </a:solidFill>
-            </a:endParaRPr>
-          </a:p>
-          <a:p>
-            <a:pPr marL="0" indent="0">
-              <a:buNone/>
-            </a:pPr>
-            <a:r>
-              <a:rPr lang="en-GB" sz="2400" dirty="0">
-                <a:solidFill>
-                  <a:schemeClr val="accent5"/>
-                </a:solidFill>
-              </a:rPr>
-              <a:t>end function </a:t>
-            </a:r>
-            <a:r>
-              <a:rPr lang="en-GB" sz="2400" dirty="0" err="1"/>
-              <a:t>print_max</a:t>
-            </a:r>
-            <a:endParaRPr lang="en-GB" sz="2400" dirty="0"/>
-          </a:p>
-        </p:txBody>
-      </p:sp>
-      <p:sp>
-        <p:nvSpPr>
-          <p:cNvPr id="11" name="TextBox 10">
-            <a:extLst>
-              <a:ext uri="{FF2B5EF4-FFF2-40B4-BE49-F238E27FC236}">
-                <a16:creationId xmlns:a16="http://schemas.microsoft.com/office/drawing/2014/main" id="{EE625C72-6D59-439C-96A8-3DEE7A0774D8}"/>
-              </a:ext>
-            </a:extLst>
-          </p:cNvPr>
-          <p:cNvSpPr txBox="1"/>
-          <p:nvPr/>
-        </p:nvSpPr>
-        <p:spPr>
-          <a:xfrm>
-            <a:off x="5728138" y="6498021"/>
-            <a:ext cx="1765738" cy="369332"/>
-          </a:xfrm>
-          <a:prstGeom prst="rect">
-            <a:avLst/>
-          </a:prstGeom>
-          <a:noFill/>
-        </p:spPr>
-        <p:txBody>
-          <a:bodyPr wrap="square" rtlCol="0">
-            <a:spAutoFit/>
-          </a:bodyPr>
-          <a:lstStyle/>
-          <a:p>
-            <a:r>
-              <a:rPr lang="en-GB" dirty="0">
-                <a:solidFill>
-                  <a:schemeClr val="accent1"/>
-                </a:solidFill>
-              </a:rPr>
-              <a:t>Demonstration</a:t>
-            </a:r>
-          </a:p>
-        </p:txBody>
-      </p:sp>
-    </p:spTree>
-    <p:extLst>
-      <p:ext uri="{BB962C8B-B14F-4D97-AF65-F5344CB8AC3E}">
-        <p14:creationId xmlns:p14="http://schemas.microsoft.com/office/powerpoint/2010/main" val="1971978791"/>
-      </p:ext>
-    </p:extLst>
-  </p:cSld>
-  <p:clrMapOvr>
-    <a:masterClrMapping/>
-  </p:clrMapOvr>
-  <mc:AlternateContent xmlns:mc="http://schemas.openxmlformats.org/markup-compatibility/2006" xmlns:p14="http://schemas.microsoft.com/office/powerpoint/2010/main">
-    <mc:Choice Requires="p14">
-      <p:transition p14:dur="10"/>
-    </mc:Choice>
-    <mc:Fallback xmlns="">
-      <p:transition/>
-    </mc:Fallback>
-  </mc:AlternateContent>
-</p:sld>
-</file>
-
-<file path=ppt/slides/slide39.xml><?xml version="1.0" encoding="utf-8"?>
-<p:sld xmlns:a="http://schemas.openxmlformats.org/drawingml/2006/main" xmlns:r="http://schemas.openxmlformats.org/officeDocument/2006/relationships" xmlns:p="http://schemas.openxmlformats.org/presentationml/2006/main">
-  <p:cSld>
-    <p:spTree>
-      <p:nvGrpSpPr>
-        <p:cNvPr id="1" name=""/>
-        <p:cNvGrpSpPr/>
-        <p:nvPr/>
-      </p:nvGrpSpPr>
-      <p:grpSpPr>
-        <a:xfrm>
-          <a:off x="0" y="0"/>
-          <a:ext cx="0" cy="0"/>
-          <a:chOff x="0" y="0"/>
-          <a:chExt cx="0" cy="0"/>
-        </a:xfrm>
-      </p:grpSpPr>
-      <p:sp>
-        <p:nvSpPr>
-          <p:cNvPr id="2" name="Title 1"/>
-          <p:cNvSpPr>
-            <a:spLocks noGrp="1"/>
-          </p:cNvSpPr>
-          <p:nvPr>
-            <p:ph type="title"/>
-          </p:nvPr>
-        </p:nvSpPr>
-        <p:spPr/>
-        <p:txBody>
-          <a:bodyPr/>
-          <a:lstStyle/>
-          <a:p>
-            <a:r>
-              <a:rPr lang="en-GB" sz="4000" dirty="0"/>
-              <a:t>Extension: Functions – Recursion</a:t>
-            </a:r>
-          </a:p>
-        </p:txBody>
-      </p:sp>
-      <p:sp>
-        <p:nvSpPr>
-          <p:cNvPr id="7" name="Content Placeholder 6">
-            <a:extLst>
-              <a:ext uri="{FF2B5EF4-FFF2-40B4-BE49-F238E27FC236}">
-                <a16:creationId xmlns:a16="http://schemas.microsoft.com/office/drawing/2014/main" id="{8704F1A3-720B-4123-B3B8-B6C05F8BAC14}"/>
-              </a:ext>
-            </a:extLst>
-          </p:cNvPr>
-          <p:cNvSpPr>
-            <a:spLocks noGrp="1"/>
-          </p:cNvSpPr>
-          <p:nvPr>
-            <p:ph idx="1"/>
-          </p:nvPr>
-        </p:nvSpPr>
-        <p:spPr>
-          <a:xfrm>
-            <a:off x="272143" y="1466440"/>
-            <a:ext cx="8131996" cy="4879931"/>
-          </a:xfrm>
-        </p:spPr>
-        <p:txBody>
-          <a:bodyPr/>
-          <a:lstStyle/>
-          <a:p>
-            <a:pPr marL="0" indent="0">
-              <a:buNone/>
-            </a:pPr>
-            <a:r>
-              <a:rPr lang="en-GB" sz="2400" dirty="0">
-                <a:solidFill>
-                  <a:schemeClr val="accent5"/>
-                </a:solidFill>
-              </a:rPr>
-              <a:t>recursive function </a:t>
-            </a:r>
-            <a:r>
-              <a:rPr lang="en-GB" sz="2400" dirty="0">
-                <a:solidFill>
-                  <a:schemeClr val="accent3"/>
-                </a:solidFill>
-              </a:rPr>
-              <a:t>factorial</a:t>
-            </a:r>
-            <a:r>
-              <a:rPr lang="en-GB" sz="2400" dirty="0"/>
-              <a:t>(</a:t>
-            </a:r>
-            <a:r>
-              <a:rPr lang="en-GB" sz="2400" dirty="0">
-                <a:solidFill>
-                  <a:schemeClr val="accent2"/>
-                </a:solidFill>
-              </a:rPr>
-              <a:t>value</a:t>
-            </a:r>
-            <a:r>
-              <a:rPr lang="en-GB" sz="2400" dirty="0"/>
-              <a:t>)result(evaluation)</a:t>
-            </a:r>
-          </a:p>
-          <a:p>
-            <a:pPr marL="0" indent="0">
-              <a:buNone/>
-            </a:pPr>
-            <a:r>
-              <a:rPr lang="en-GB" sz="2400" dirty="0"/>
-              <a:t>	integer ::  value, evaluation</a:t>
-            </a:r>
-          </a:p>
-          <a:p>
-            <a:pPr marL="0" indent="0">
-              <a:buNone/>
-            </a:pPr>
-            <a:endParaRPr lang="en-GB" sz="2400" dirty="0"/>
-          </a:p>
-          <a:p>
-            <a:pPr marL="400050" lvl="1" indent="0">
-              <a:buNone/>
-            </a:pPr>
-            <a:r>
-              <a:rPr lang="en-GB" sz="2400" dirty="0">
-                <a:solidFill>
-                  <a:schemeClr val="accent1"/>
-                </a:solidFill>
-              </a:rPr>
-              <a:t>	if</a:t>
-            </a:r>
-            <a:r>
-              <a:rPr lang="en-GB" sz="2400" dirty="0"/>
-              <a:t> (value==</a:t>
-            </a:r>
-            <a:r>
-              <a:rPr lang="en-GB" sz="2400" dirty="0">
-                <a:solidFill>
-                  <a:schemeClr val="accent2"/>
-                </a:solidFill>
-              </a:rPr>
-              <a:t>0</a:t>
-            </a:r>
-            <a:r>
-              <a:rPr lang="en-GB" sz="2400" dirty="0"/>
-              <a:t> .or. value==</a:t>
-            </a:r>
-            <a:r>
-              <a:rPr lang="en-GB" sz="2400" dirty="0">
-                <a:solidFill>
-                  <a:schemeClr val="accent2"/>
-                </a:solidFill>
-              </a:rPr>
-              <a:t>1</a:t>
-            </a:r>
-            <a:r>
-              <a:rPr lang="en-GB" sz="2400" dirty="0"/>
-              <a:t>)</a:t>
-            </a:r>
-            <a:r>
-              <a:rPr lang="en-GB" sz="2400" dirty="0">
-                <a:solidFill>
-                  <a:schemeClr val="accent1"/>
-                </a:solidFill>
-              </a:rPr>
-              <a:t>then</a:t>
-            </a:r>
-          </a:p>
-          <a:p>
-            <a:pPr marL="400050" lvl="1" indent="0">
-              <a:buNone/>
-            </a:pPr>
-            <a:r>
-              <a:rPr lang="en-GB" sz="2400" dirty="0"/>
-              <a:t>	  evaluation=</a:t>
-            </a:r>
-            <a:r>
-              <a:rPr lang="en-GB" sz="2400" dirty="0">
-                <a:solidFill>
-                  <a:schemeClr val="accent2"/>
-                </a:solidFill>
-              </a:rPr>
-              <a:t>1</a:t>
-            </a:r>
-          </a:p>
-          <a:p>
-            <a:pPr marL="400050" lvl="1" indent="0">
-              <a:buNone/>
-            </a:pPr>
-            <a:r>
-              <a:rPr lang="en-GB" sz="2400" dirty="0">
-                <a:solidFill>
-                  <a:schemeClr val="accent1"/>
-                </a:solidFill>
-              </a:rPr>
-              <a:t>else </a:t>
-            </a:r>
-            <a:r>
-              <a:rPr lang="en-GB" sz="2400" dirty="0"/>
-              <a:t>if(value&gt;</a:t>
-            </a:r>
-            <a:r>
-              <a:rPr lang="en-GB" sz="2400" dirty="0">
-                <a:solidFill>
-                  <a:schemeClr val="accent2"/>
-                </a:solidFill>
-              </a:rPr>
-              <a:t>1</a:t>
-            </a:r>
-            <a:r>
-              <a:rPr lang="en-GB" sz="2400" dirty="0"/>
-              <a:t>)then</a:t>
-            </a:r>
-          </a:p>
-          <a:p>
-            <a:pPr marL="400050" lvl="1" indent="0">
-              <a:buNone/>
-            </a:pPr>
-            <a:r>
-              <a:rPr lang="en-GB" sz="2400" dirty="0"/>
-              <a:t>  evaluation=value*factorial(value-</a:t>
-            </a:r>
-            <a:r>
-              <a:rPr lang="en-GB" sz="2400" dirty="0">
-                <a:solidFill>
-                  <a:schemeClr val="accent2"/>
-                </a:solidFill>
-              </a:rPr>
-              <a:t>1</a:t>
-            </a:r>
-            <a:r>
-              <a:rPr lang="en-GB" sz="2400" dirty="0"/>
-              <a:t>)</a:t>
-            </a:r>
-          </a:p>
-          <a:p>
-            <a:pPr marL="400050" lvl="1" indent="0">
-              <a:buNone/>
-            </a:pPr>
-            <a:r>
-              <a:rPr lang="en-GB" sz="2400" dirty="0">
-                <a:solidFill>
-                  <a:schemeClr val="accent1"/>
-                </a:solidFill>
-              </a:rPr>
-              <a:t>else</a:t>
-            </a:r>
-          </a:p>
-          <a:p>
-            <a:pPr marL="400050" lvl="1" indent="0">
-              <a:buNone/>
-            </a:pPr>
-            <a:r>
-              <a:rPr lang="en-GB" sz="2400" dirty="0">
-                <a:solidFill>
-                  <a:schemeClr val="accent1"/>
-                </a:solidFill>
-              </a:rPr>
-              <a:t>  stop </a:t>
-            </a:r>
-            <a:r>
-              <a:rPr lang="en-GB" sz="2400" dirty="0"/>
-              <a:t>"Cannot take the factorial of a negative number"</a:t>
-            </a:r>
-          </a:p>
-          <a:p>
-            <a:pPr marL="400050" lvl="1" indent="0">
-              <a:buNone/>
-            </a:pPr>
-            <a:r>
-              <a:rPr lang="en-GB" sz="2400" dirty="0">
-                <a:solidFill>
-                  <a:schemeClr val="accent1"/>
-                </a:solidFill>
-              </a:rPr>
-              <a:t>end if</a:t>
-            </a:r>
-          </a:p>
-          <a:p>
-            <a:pPr marL="0" indent="0">
-              <a:buNone/>
-            </a:pPr>
-            <a:r>
-              <a:rPr lang="en-GB" sz="2400" dirty="0">
-                <a:solidFill>
-                  <a:schemeClr val="accent5"/>
-                </a:solidFill>
-              </a:rPr>
-              <a:t>end function </a:t>
-            </a:r>
-            <a:r>
-              <a:rPr lang="en-GB" sz="2400" dirty="0"/>
-              <a:t>factorial</a:t>
-            </a:r>
-          </a:p>
-        </p:txBody>
-      </p:sp>
-      <p:sp>
-        <p:nvSpPr>
-          <p:cNvPr id="11" name="TextBox 10">
-            <a:extLst>
-              <a:ext uri="{FF2B5EF4-FFF2-40B4-BE49-F238E27FC236}">
-                <a16:creationId xmlns:a16="http://schemas.microsoft.com/office/drawing/2014/main" id="{EE625C72-6D59-439C-96A8-3DEE7A0774D8}"/>
-              </a:ext>
-            </a:extLst>
-          </p:cNvPr>
-          <p:cNvSpPr txBox="1"/>
-          <p:nvPr/>
-        </p:nvSpPr>
-        <p:spPr>
-          <a:xfrm>
-            <a:off x="5728138" y="6498021"/>
-            <a:ext cx="1765738" cy="369332"/>
-          </a:xfrm>
-          <a:prstGeom prst="rect">
-            <a:avLst/>
-          </a:prstGeom>
-          <a:noFill/>
-        </p:spPr>
-        <p:txBody>
-          <a:bodyPr wrap="square" rtlCol="0">
-            <a:spAutoFit/>
-          </a:bodyPr>
-          <a:lstStyle/>
-          <a:p>
-            <a:r>
-              <a:rPr lang="en-GB" dirty="0">
-                <a:solidFill>
-                  <a:schemeClr val="accent1"/>
-                </a:solidFill>
-              </a:rPr>
-              <a:t>Demonstration</a:t>
-            </a:r>
-          </a:p>
-        </p:txBody>
-      </p:sp>
-    </p:spTree>
-    <p:extLst>
-      <p:ext uri="{BB962C8B-B14F-4D97-AF65-F5344CB8AC3E}">
-        <p14:creationId xmlns:p14="http://schemas.microsoft.com/office/powerpoint/2010/main" val="3716300829"/>
-      </p:ext>
-    </p:extLst>
-  </p:cSld>
-  <p:clrMapOvr>
-    <a:masterClrMapping/>
-  </p:clrMapOvr>
-  <mc:AlternateContent xmlns:mc="http://schemas.openxmlformats.org/markup-compatibility/2006" xmlns:p14="http://schemas.microsoft.com/office/powerpoint/2010/main">
-    <mc:Choice Requires="p14">
-      <p:transition p14:dur="10"/>
-    </mc:Choice>
-    <mc:Fallback xmlns="">
-      <p:transition/>
-    </mc:Fallback>
-  </mc:AlternateContent>
-</p:sld>
-</file>
-
-<file path=ppt/slides/slide4.xml><?xml version="1.0" encoding="utf-8"?>
-<p:sld xmlns:a="http://schemas.openxmlformats.org/drawingml/2006/main" xmlns:r="http://schemas.openxmlformats.org/officeDocument/2006/relationships" xmlns:p="http://schemas.openxmlformats.org/presentationml/2006/main">
-  <p:cSld>
-    <p:spTree>
-      <p:nvGrpSpPr>
-        <p:cNvPr id="1" name=""/>
-        <p:cNvGrpSpPr/>
-        <p:nvPr/>
-      </p:nvGrpSpPr>
-      <p:grpSpPr>
-        <a:xfrm>
-          <a:off x="0" y="0"/>
-          <a:ext cx="0" cy="0"/>
-          <a:chOff x="0" y="0"/>
-          <a:chExt cx="0" cy="0"/>
-        </a:xfrm>
-      </p:grpSpPr>
-      <p:sp>
-        <p:nvSpPr>
-          <p:cNvPr id="2" name="Title 1"/>
-          <p:cNvSpPr>
-            <a:spLocks noGrp="1"/>
-          </p:cNvSpPr>
-          <p:nvPr>
-            <p:ph type="title"/>
-          </p:nvPr>
-        </p:nvSpPr>
-        <p:spPr/>
-        <p:txBody>
-          <a:bodyPr/>
-          <a:lstStyle/>
-          <a:p>
-            <a:r>
-              <a:rPr lang="en-GB" sz="4000" dirty="0"/>
-              <a:t>How Do We Code?</a:t>
-            </a:r>
-          </a:p>
-        </p:txBody>
-      </p:sp>
-      <p:sp>
-        <p:nvSpPr>
-          <p:cNvPr id="3" name="Content Placeholder 2"/>
-          <p:cNvSpPr>
-            <a:spLocks noGrp="1"/>
-          </p:cNvSpPr>
-          <p:nvPr>
-            <p:ph idx="1"/>
-          </p:nvPr>
-        </p:nvSpPr>
-        <p:spPr>
-          <a:xfrm>
-            <a:off x="457200" y="1600200"/>
-            <a:ext cx="8435280" cy="4876800"/>
-          </a:xfrm>
-        </p:spPr>
-        <p:txBody>
-          <a:bodyPr>
-            <a:normAutofit/>
-          </a:bodyPr>
-          <a:lstStyle/>
-          <a:p>
-            <a:r>
-              <a:rPr lang="en-GB" sz="3000" dirty="0"/>
-              <a:t>Design an algorithm which solves your problem</a:t>
-            </a:r>
-          </a:p>
-          <a:p>
-            <a:r>
-              <a:rPr lang="en-GB" sz="3000" dirty="0"/>
-              <a:t>Translate it into source code</a:t>
-            </a:r>
-          </a:p>
-          <a:p>
-            <a:r>
-              <a:rPr lang="en-GB" sz="3000" dirty="0"/>
-              <a:t>Instruct the computer to carry out the instructions of the source code</a:t>
-            </a:r>
-          </a:p>
-          <a:p>
-            <a:r>
-              <a:rPr lang="en-GB" sz="3000" dirty="0"/>
-              <a:t>Each step is language dependent</a:t>
-            </a:r>
-          </a:p>
-        </p:txBody>
-      </p:sp>
-    </p:spTree>
-    <p:extLst>
-      <p:ext uri="{BB962C8B-B14F-4D97-AF65-F5344CB8AC3E}">
-        <p14:creationId xmlns:p14="http://schemas.microsoft.com/office/powerpoint/2010/main" val="766773942"/>
-      </p:ext>
-    </p:extLst>
-  </p:cSld>
-  <p:clrMapOvr>
-    <a:masterClrMapping/>
-  </p:clrMapOvr>
-  <mc:AlternateContent xmlns:mc="http://schemas.openxmlformats.org/markup-compatibility/2006" xmlns:p14="http://schemas.microsoft.com/office/powerpoint/2010/main">
-    <mc:Choice Requires="p14">
-      <p:transition p14:dur="10"/>
-    </mc:Choice>
-    <mc:Fallback xmlns="">
-      <p:transition/>
-    </mc:Fallback>
-  </mc:AlternateContent>
-</p:sld>
-</file>
-
-<file path=ppt/slides/slide40.xml><?xml version="1.0" encoding="utf-8"?>
-<p:sld xmlns:a="http://schemas.openxmlformats.org/drawingml/2006/main" xmlns:r="http://schemas.openxmlformats.org/officeDocument/2006/relationships" xmlns:p="http://schemas.openxmlformats.org/presentationml/2006/main">
-  <p:cSld>
-    <p:spTree>
-      <p:nvGrpSpPr>
-        <p:cNvPr id="1" name=""/>
-        <p:cNvGrpSpPr/>
-        <p:nvPr/>
-      </p:nvGrpSpPr>
-      <p:grpSpPr>
-        <a:xfrm>
-          <a:off x="0" y="0"/>
-          <a:ext cx="0" cy="0"/>
-          <a:chOff x="0" y="0"/>
-          <a:chExt cx="0" cy="0"/>
-        </a:xfrm>
-      </p:grpSpPr>
-      <p:sp>
-        <p:nvSpPr>
-          <p:cNvPr id="2" name="Title 1"/>
-          <p:cNvSpPr>
-            <a:spLocks noGrp="1"/>
-          </p:cNvSpPr>
-          <p:nvPr>
-            <p:ph type="title"/>
-          </p:nvPr>
-        </p:nvSpPr>
-        <p:spPr/>
-        <p:txBody>
-          <a:bodyPr/>
-          <a:lstStyle/>
-          <a:p>
-            <a:r>
-              <a:rPr lang="en-GB" sz="4000" dirty="0"/>
               <a:t>Subroutines</a:t>
             </a:r>
           </a:p>
@@ -21987,7 +20183,7 @@
 </p:sld>
 </file>
 
-<file path=ppt/slides/slide41.xml><?xml version="1.0" encoding="utf-8"?>
+<file path=ppt/slides/slide36.xml><?xml version="1.0" encoding="utf-8"?>
 <p:sld xmlns:a="http://schemas.openxmlformats.org/drawingml/2006/main" xmlns:r="http://schemas.openxmlformats.org/officeDocument/2006/relationships" xmlns:p="http://schemas.openxmlformats.org/presentationml/2006/main">
   <p:cSld>
     <p:spTree>
@@ -22451,7 +20647,7 @@
 </p:sld>
 </file>
 
-<file path=ppt/slides/slide42.xml><?xml version="1.0" encoding="utf-8"?>
+<file path=ppt/slides/slide37.xml><?xml version="1.0" encoding="utf-8"?>
 <p:sld xmlns:a="http://schemas.openxmlformats.org/drawingml/2006/main" xmlns:r="http://schemas.openxmlformats.org/officeDocument/2006/relationships" xmlns:p="http://schemas.openxmlformats.org/presentationml/2006/main">
   <p:cSld>
     <p:spTree>
@@ -22809,6 +21005,1878 @@
     <p:extLst>
       <p:ext uri="{BB962C8B-B14F-4D97-AF65-F5344CB8AC3E}">
         <p14:creationId xmlns:p14="http://schemas.microsoft.com/office/powerpoint/2010/main" val="3835658580"/>
+      </p:ext>
+    </p:extLst>
+  </p:cSld>
+  <p:clrMapOvr>
+    <a:masterClrMapping/>
+  </p:clrMapOvr>
+  <mc:AlternateContent xmlns:mc="http://schemas.openxmlformats.org/markup-compatibility/2006" xmlns:p14="http://schemas.microsoft.com/office/powerpoint/2010/main">
+    <mc:Choice Requires="p14">
+      <p:transition p14:dur="10"/>
+    </mc:Choice>
+    <mc:Fallback xmlns="">
+      <p:transition/>
+    </mc:Fallback>
+  </mc:AlternateContent>
+</p:sld>
+</file>
+
+<file path=ppt/slides/slide38.xml><?xml version="1.0" encoding="utf-8"?>
+<p:sld xmlns:a="http://schemas.openxmlformats.org/drawingml/2006/main" xmlns:r="http://schemas.openxmlformats.org/officeDocument/2006/relationships" xmlns:p="http://schemas.openxmlformats.org/presentationml/2006/main">
+  <p:cSld>
+    <p:spTree>
+      <p:nvGrpSpPr>
+        <p:cNvPr id="1" name=""/>
+        <p:cNvGrpSpPr/>
+        <p:nvPr/>
+      </p:nvGrpSpPr>
+      <p:grpSpPr>
+        <a:xfrm>
+          <a:off x="0" y="0"/>
+          <a:ext cx="0" cy="0"/>
+          <a:chOff x="0" y="0"/>
+          <a:chExt cx="0" cy="0"/>
+        </a:xfrm>
+      </p:grpSpPr>
+      <p:sp>
+        <p:nvSpPr>
+          <p:cNvPr id="2" name="Title 1"/>
+          <p:cNvSpPr>
+            <a:spLocks noGrp="1"/>
+          </p:cNvSpPr>
+          <p:nvPr>
+            <p:ph type="title"/>
+          </p:nvPr>
+        </p:nvSpPr>
+        <p:spPr/>
+        <p:txBody>
+          <a:bodyPr/>
+          <a:lstStyle/>
+          <a:p>
+            <a:r>
+              <a:rPr lang="en-GB" sz="4000" dirty="0"/>
+              <a:t>Functions</a:t>
+            </a:r>
+          </a:p>
+        </p:txBody>
+      </p:sp>
+      <p:sp>
+        <p:nvSpPr>
+          <p:cNvPr id="7" name="Content Placeholder 6">
+            <a:extLst>
+              <a:ext uri="{FF2B5EF4-FFF2-40B4-BE49-F238E27FC236}">
+                <a16:creationId xmlns:a16="http://schemas.microsoft.com/office/drawing/2014/main" id="{8704F1A3-720B-4123-B3B8-B6C05F8BAC14}"/>
+              </a:ext>
+            </a:extLst>
+          </p:cNvPr>
+          <p:cNvSpPr>
+            <a:spLocks noGrp="1"/>
+          </p:cNvSpPr>
+          <p:nvPr>
+            <p:ph idx="1"/>
+          </p:nvPr>
+        </p:nvSpPr>
+        <p:spPr/>
+        <p:txBody>
+          <a:bodyPr/>
+          <a:lstStyle/>
+          <a:p>
+            <a:r>
+              <a:rPr lang="en-GB" dirty="0"/>
+              <a:t>A function must be defined within a “contains” section of your code</a:t>
+            </a:r>
+          </a:p>
+          <a:p>
+            <a:r>
+              <a:rPr lang="en-GB" dirty="0"/>
+              <a:t>May contain it’s own variable declarations</a:t>
+            </a:r>
+          </a:p>
+          <a:p>
+            <a:r>
+              <a:rPr lang="en-GB" dirty="0"/>
+              <a:t>Variables are not available from elsewhere</a:t>
+            </a:r>
+          </a:p>
+          <a:p>
+            <a:r>
+              <a:rPr lang="en-GB" dirty="0"/>
+              <a:t>Functions have a type</a:t>
+            </a:r>
+          </a:p>
+          <a:p>
+            <a:r>
+              <a:rPr lang="en-GB" dirty="0"/>
+              <a:t>Returns a value</a:t>
+            </a:r>
+          </a:p>
+        </p:txBody>
+      </p:sp>
+    </p:spTree>
+    <p:extLst>
+      <p:ext uri="{BB962C8B-B14F-4D97-AF65-F5344CB8AC3E}">
+        <p14:creationId xmlns:p14="http://schemas.microsoft.com/office/powerpoint/2010/main" val="200963720"/>
+      </p:ext>
+    </p:extLst>
+  </p:cSld>
+  <p:clrMapOvr>
+    <a:masterClrMapping/>
+  </p:clrMapOvr>
+  <mc:AlternateContent xmlns:mc="http://schemas.openxmlformats.org/markup-compatibility/2006" xmlns:p14="http://schemas.microsoft.com/office/powerpoint/2010/main">
+    <mc:Choice Requires="p14">
+      <p:transition p14:dur="10"/>
+    </mc:Choice>
+    <mc:Fallback xmlns="">
+      <p:transition/>
+    </mc:Fallback>
+  </mc:AlternateContent>
+</p:sld>
+</file>
+
+<file path=ppt/slides/slide39.xml><?xml version="1.0" encoding="utf-8"?>
+<p:sld xmlns:a="http://schemas.openxmlformats.org/drawingml/2006/main" xmlns:r="http://schemas.openxmlformats.org/officeDocument/2006/relationships" xmlns:p="http://schemas.openxmlformats.org/presentationml/2006/main">
+  <p:cSld>
+    <p:spTree>
+      <p:nvGrpSpPr>
+        <p:cNvPr id="1" name=""/>
+        <p:cNvGrpSpPr/>
+        <p:nvPr/>
+      </p:nvGrpSpPr>
+      <p:grpSpPr>
+        <a:xfrm>
+          <a:off x="0" y="0"/>
+          <a:ext cx="0" cy="0"/>
+          <a:chOff x="0" y="0"/>
+          <a:chExt cx="0" cy="0"/>
+        </a:xfrm>
+      </p:grpSpPr>
+      <p:sp>
+        <p:nvSpPr>
+          <p:cNvPr id="2" name="Title 1"/>
+          <p:cNvSpPr>
+            <a:spLocks noGrp="1"/>
+          </p:cNvSpPr>
+          <p:nvPr>
+            <p:ph type="title"/>
+          </p:nvPr>
+        </p:nvSpPr>
+        <p:spPr/>
+        <p:txBody>
+          <a:bodyPr/>
+          <a:lstStyle/>
+          <a:p>
+            <a:r>
+              <a:rPr lang="en-GB" sz="4000" dirty="0"/>
+              <a:t>Functions - Definition</a:t>
+            </a:r>
+          </a:p>
+        </p:txBody>
+      </p:sp>
+      <p:sp>
+        <p:nvSpPr>
+          <p:cNvPr id="7" name="Content Placeholder 6">
+            <a:extLst>
+              <a:ext uri="{FF2B5EF4-FFF2-40B4-BE49-F238E27FC236}">
+                <a16:creationId xmlns:a16="http://schemas.microsoft.com/office/drawing/2014/main" id="{8704F1A3-720B-4123-B3B8-B6C05F8BAC14}"/>
+              </a:ext>
+            </a:extLst>
+          </p:cNvPr>
+          <p:cNvSpPr>
+            <a:spLocks noGrp="1"/>
+          </p:cNvSpPr>
+          <p:nvPr>
+            <p:ph idx="1"/>
+          </p:nvPr>
+        </p:nvSpPr>
+        <p:spPr>
+          <a:xfrm>
+            <a:off x="457200" y="1466440"/>
+            <a:ext cx="8131996" cy="2252797"/>
+          </a:xfrm>
+        </p:spPr>
+        <p:txBody>
+          <a:bodyPr/>
+          <a:lstStyle/>
+          <a:p>
+            <a:pPr marL="0" indent="0">
+              <a:buNone/>
+            </a:pPr>
+            <a:r>
+              <a:rPr lang="en-GB" sz="2000" dirty="0">
+                <a:solidFill>
+                  <a:schemeClr val="accent5"/>
+                </a:solidFill>
+              </a:rPr>
+              <a:t>real function </a:t>
+            </a:r>
+            <a:r>
+              <a:rPr lang="en-GB" sz="2000" dirty="0">
+                <a:solidFill>
+                  <a:schemeClr val="accent3"/>
+                </a:solidFill>
+              </a:rPr>
+              <a:t>function_name1</a:t>
+            </a:r>
+            <a:r>
+              <a:rPr lang="en-GB" sz="2000" dirty="0"/>
+              <a:t>(</a:t>
+            </a:r>
+            <a:r>
+              <a:rPr lang="en-GB" sz="2000" dirty="0">
+                <a:solidFill>
+                  <a:schemeClr val="accent4"/>
+                </a:solidFill>
+              </a:rPr>
+              <a:t>arg1</a:t>
+            </a:r>
+            <a:r>
+              <a:rPr lang="en-GB" sz="2000" dirty="0"/>
+              <a:t>, </a:t>
+            </a:r>
+            <a:r>
+              <a:rPr lang="en-GB" sz="2000" dirty="0">
+                <a:solidFill>
+                  <a:schemeClr val="accent4"/>
+                </a:solidFill>
+              </a:rPr>
+              <a:t>arg2</a:t>
+            </a:r>
+            <a:r>
+              <a:rPr lang="en-GB" sz="2000" dirty="0"/>
+              <a:t>)</a:t>
+            </a:r>
+          </a:p>
+          <a:p>
+            <a:pPr marL="0" indent="0">
+              <a:buNone/>
+            </a:pPr>
+            <a:r>
+              <a:rPr lang="en-GB" sz="2000" dirty="0"/>
+              <a:t>	</a:t>
+            </a:r>
+            <a:r>
+              <a:rPr lang="en-GB" sz="2000" dirty="0">
+                <a:solidFill>
+                  <a:schemeClr val="accent5"/>
+                </a:solidFill>
+              </a:rPr>
+              <a:t>real</a:t>
+            </a:r>
+            <a:r>
+              <a:rPr lang="en-GB" sz="2000" dirty="0"/>
+              <a:t>	::	arg1, arg2</a:t>
+            </a:r>
+          </a:p>
+          <a:p>
+            <a:pPr marL="0" indent="0">
+              <a:buNone/>
+            </a:pPr>
+            <a:endParaRPr lang="en-GB" sz="2000" dirty="0"/>
+          </a:p>
+          <a:p>
+            <a:pPr marL="0" indent="0">
+              <a:buNone/>
+            </a:pPr>
+            <a:r>
+              <a:rPr lang="en-GB" sz="2000" dirty="0"/>
+              <a:t>	function_name1=arg1*arg2</a:t>
+            </a:r>
+          </a:p>
+          <a:p>
+            <a:pPr marL="0" indent="0">
+              <a:buNone/>
+            </a:pPr>
+            <a:endParaRPr lang="en-GB" sz="2000" dirty="0"/>
+          </a:p>
+          <a:p>
+            <a:pPr marL="0" indent="0">
+              <a:buNone/>
+            </a:pPr>
+            <a:r>
+              <a:rPr lang="en-GB" sz="2000" dirty="0">
+                <a:solidFill>
+                  <a:schemeClr val="accent5"/>
+                </a:solidFill>
+              </a:rPr>
+              <a:t>end function </a:t>
+            </a:r>
+            <a:r>
+              <a:rPr lang="en-GB" sz="2000" dirty="0">
+                <a:solidFill>
+                  <a:schemeClr val="accent3"/>
+                </a:solidFill>
+              </a:rPr>
+              <a:t>function_name1</a:t>
+            </a:r>
+          </a:p>
+        </p:txBody>
+      </p:sp>
+      <p:cxnSp>
+        <p:nvCxnSpPr>
+          <p:cNvPr id="6" name="Straight Connector 5">
+            <a:extLst>
+              <a:ext uri="{FF2B5EF4-FFF2-40B4-BE49-F238E27FC236}">
+                <a16:creationId xmlns:a16="http://schemas.microsoft.com/office/drawing/2014/main" id="{40EABCDA-4885-4D33-A09B-9332CB4EEB0C}"/>
+              </a:ext>
+            </a:extLst>
+          </p:cNvPr>
+          <p:cNvCxnSpPr>
+            <a:cxnSpLocks/>
+          </p:cNvCxnSpPr>
+          <p:nvPr/>
+        </p:nvCxnSpPr>
+        <p:spPr>
+          <a:xfrm>
+            <a:off x="457200" y="3924728"/>
+            <a:ext cx="8131996" cy="0"/>
+          </a:xfrm>
+          <a:prstGeom prst="line">
+            <a:avLst/>
+          </a:prstGeom>
+        </p:spPr>
+        <p:style>
+          <a:lnRef idx="2">
+            <a:schemeClr val="accent1"/>
+          </a:lnRef>
+          <a:fillRef idx="0">
+            <a:schemeClr val="accent1"/>
+          </a:fillRef>
+          <a:effectRef idx="1">
+            <a:schemeClr val="accent1"/>
+          </a:effectRef>
+          <a:fontRef idx="minor">
+            <a:schemeClr val="tx1"/>
+          </a:fontRef>
+        </p:style>
+      </p:cxnSp>
+      <p:sp>
+        <p:nvSpPr>
+          <p:cNvPr id="10" name="Content Placeholder 6">
+            <a:extLst>
+              <a:ext uri="{FF2B5EF4-FFF2-40B4-BE49-F238E27FC236}">
+                <a16:creationId xmlns:a16="http://schemas.microsoft.com/office/drawing/2014/main" id="{456FA98F-FEFA-4AEC-9F3D-80689B184E8A}"/>
+              </a:ext>
+            </a:extLst>
+          </p:cNvPr>
+          <p:cNvSpPr txBox="1">
+            <a:spLocks/>
+          </p:cNvSpPr>
+          <p:nvPr/>
+        </p:nvSpPr>
+        <p:spPr>
+          <a:xfrm>
+            <a:off x="457200" y="4279847"/>
+            <a:ext cx="8131996" cy="2303501"/>
+          </a:xfrm>
+          <a:prstGeom prst="rect">
+            <a:avLst/>
+          </a:prstGeom>
+        </p:spPr>
+        <p:txBody>
+          <a:bodyPr/>
+          <a:lstStyle>
+            <a:lvl1pPr marL="342900" indent="-342900" algn="l" defTabSz="457200" rtl="0" eaLnBrk="1" latinLnBrk="0" hangingPunct="1">
+              <a:spcBef>
+                <a:spcPct val="20000"/>
+              </a:spcBef>
+              <a:buFont typeface="Arial"/>
+              <a:buChar char="•"/>
+              <a:defRPr sz="3200" kern="1200">
+                <a:solidFill>
+                  <a:schemeClr val="tx1"/>
+                </a:solidFill>
+                <a:latin typeface="+mn-lt"/>
+                <a:ea typeface="+mn-ea"/>
+                <a:cs typeface="+mn-cs"/>
+              </a:defRPr>
+            </a:lvl1pPr>
+            <a:lvl2pPr marL="742950" indent="-285750" algn="l" defTabSz="457200" rtl="0" eaLnBrk="1" latinLnBrk="0" hangingPunct="1">
+              <a:spcBef>
+                <a:spcPct val="20000"/>
+              </a:spcBef>
+              <a:buFont typeface="Arial"/>
+              <a:buChar char="–"/>
+              <a:defRPr sz="2800" kern="1200">
+                <a:solidFill>
+                  <a:schemeClr val="tx1"/>
+                </a:solidFill>
+                <a:latin typeface="+mn-lt"/>
+                <a:ea typeface="+mn-ea"/>
+                <a:cs typeface="+mn-cs"/>
+              </a:defRPr>
+            </a:lvl2pPr>
+            <a:lvl3pPr marL="1143000" indent="-228600" algn="l" defTabSz="457200" rtl="0" eaLnBrk="1" latinLnBrk="0" hangingPunct="1">
+              <a:spcBef>
+                <a:spcPct val="20000"/>
+              </a:spcBef>
+              <a:buFont typeface="Arial"/>
+              <a:buChar char="•"/>
+              <a:defRPr sz="2400" kern="1200">
+                <a:solidFill>
+                  <a:schemeClr val="tx1"/>
+                </a:solidFill>
+                <a:latin typeface="+mn-lt"/>
+                <a:ea typeface="+mn-ea"/>
+                <a:cs typeface="+mn-cs"/>
+              </a:defRPr>
+            </a:lvl3pPr>
+            <a:lvl4pPr marL="1600200" indent="-228600" algn="l" defTabSz="457200" rtl="0" eaLnBrk="1" latinLnBrk="0" hangingPunct="1">
+              <a:spcBef>
+                <a:spcPct val="20000"/>
+              </a:spcBef>
+              <a:buFont typeface="Arial"/>
+              <a:buChar char="–"/>
+              <a:defRPr sz="2000" kern="1200">
+                <a:solidFill>
+                  <a:schemeClr val="tx1"/>
+                </a:solidFill>
+                <a:latin typeface="+mn-lt"/>
+                <a:ea typeface="+mn-ea"/>
+                <a:cs typeface="+mn-cs"/>
+              </a:defRPr>
+            </a:lvl4pPr>
+            <a:lvl5pPr marL="1828800" indent="0" algn="l" defTabSz="457200" rtl="0" eaLnBrk="1" latinLnBrk="0" hangingPunct="1">
+              <a:spcBef>
+                <a:spcPct val="20000"/>
+              </a:spcBef>
+              <a:buFont typeface="Arial"/>
+              <a:buNone/>
+              <a:defRPr sz="2000" kern="1200">
+                <a:solidFill>
+                  <a:schemeClr val="tx1"/>
+                </a:solidFill>
+                <a:latin typeface="+mn-lt"/>
+                <a:ea typeface="+mn-ea"/>
+                <a:cs typeface="+mn-cs"/>
+              </a:defRPr>
+            </a:lvl5pPr>
+            <a:lvl6pPr marL="2514600" indent="-228600" algn="l" defTabSz="457200" rtl="0" eaLnBrk="1" latinLnBrk="0" hangingPunct="1">
+              <a:spcBef>
+                <a:spcPct val="20000"/>
+              </a:spcBef>
+              <a:buFont typeface="Arial"/>
+              <a:buChar char="•"/>
+              <a:defRPr sz="2000" kern="1200">
+                <a:solidFill>
+                  <a:schemeClr val="tx1"/>
+                </a:solidFill>
+                <a:latin typeface="+mn-lt"/>
+                <a:ea typeface="+mn-ea"/>
+                <a:cs typeface="+mn-cs"/>
+              </a:defRPr>
+            </a:lvl6pPr>
+            <a:lvl7pPr marL="2971800" indent="-228600" algn="l" defTabSz="457200" rtl="0" eaLnBrk="1" latinLnBrk="0" hangingPunct="1">
+              <a:spcBef>
+                <a:spcPct val="20000"/>
+              </a:spcBef>
+              <a:buFont typeface="Arial"/>
+              <a:buChar char="•"/>
+              <a:defRPr sz="2000" kern="1200">
+                <a:solidFill>
+                  <a:schemeClr val="tx1"/>
+                </a:solidFill>
+                <a:latin typeface="+mn-lt"/>
+                <a:ea typeface="+mn-ea"/>
+                <a:cs typeface="+mn-cs"/>
+              </a:defRPr>
+            </a:lvl7pPr>
+            <a:lvl8pPr marL="3429000" indent="-228600" algn="l" defTabSz="457200" rtl="0" eaLnBrk="1" latinLnBrk="0" hangingPunct="1">
+              <a:spcBef>
+                <a:spcPct val="20000"/>
+              </a:spcBef>
+              <a:buFont typeface="Arial"/>
+              <a:buChar char="•"/>
+              <a:defRPr sz="2000" kern="1200">
+                <a:solidFill>
+                  <a:schemeClr val="tx1"/>
+                </a:solidFill>
+                <a:latin typeface="+mn-lt"/>
+                <a:ea typeface="+mn-ea"/>
+                <a:cs typeface="+mn-cs"/>
+              </a:defRPr>
+            </a:lvl8pPr>
+            <a:lvl9pPr marL="3886200" indent="-228600" algn="l" defTabSz="457200" rtl="0" eaLnBrk="1" latinLnBrk="0" hangingPunct="1">
+              <a:spcBef>
+                <a:spcPct val="20000"/>
+              </a:spcBef>
+              <a:buFont typeface="Arial"/>
+              <a:buChar char="•"/>
+              <a:defRPr sz="2000" kern="1200">
+                <a:solidFill>
+                  <a:schemeClr val="tx1"/>
+                </a:solidFill>
+                <a:latin typeface="+mn-lt"/>
+                <a:ea typeface="+mn-ea"/>
+                <a:cs typeface="+mn-cs"/>
+              </a:defRPr>
+            </a:lvl9pPr>
+          </a:lstStyle>
+          <a:p>
+            <a:pPr marL="0" indent="0">
+              <a:buFont typeface="Arial"/>
+              <a:buNone/>
+            </a:pPr>
+            <a:r>
+              <a:rPr lang="en-GB" sz="2000" dirty="0">
+                <a:solidFill>
+                  <a:schemeClr val="accent5"/>
+                </a:solidFill>
+              </a:rPr>
+              <a:t>function</a:t>
+            </a:r>
+            <a:r>
+              <a:rPr lang="en-GB" sz="2000" dirty="0"/>
+              <a:t> </a:t>
+            </a:r>
+            <a:r>
+              <a:rPr lang="en-GB" sz="2000" dirty="0">
+                <a:solidFill>
+                  <a:schemeClr val="accent3"/>
+                </a:solidFill>
+              </a:rPr>
+              <a:t>function_name2</a:t>
+            </a:r>
+            <a:r>
+              <a:rPr lang="en-GB" sz="2000" dirty="0"/>
+              <a:t>(arg1, arg2)result(evaluation)</a:t>
+            </a:r>
+          </a:p>
+          <a:p>
+            <a:pPr marL="0" indent="0">
+              <a:buFont typeface="Arial"/>
+              <a:buNone/>
+            </a:pPr>
+            <a:r>
+              <a:rPr lang="en-GB" sz="2000" dirty="0"/>
+              <a:t>	</a:t>
+            </a:r>
+            <a:r>
+              <a:rPr lang="en-GB" sz="2000" dirty="0">
+                <a:solidFill>
+                  <a:schemeClr val="accent5"/>
+                </a:solidFill>
+              </a:rPr>
+              <a:t>real</a:t>
+            </a:r>
+            <a:r>
+              <a:rPr lang="en-GB" sz="2000" dirty="0"/>
+              <a:t>	::	arg1, arg2, evaluation</a:t>
+            </a:r>
+          </a:p>
+          <a:p>
+            <a:pPr marL="0" indent="0">
+              <a:buFont typeface="Arial"/>
+              <a:buNone/>
+            </a:pPr>
+            <a:endParaRPr lang="en-GB" sz="2000" dirty="0"/>
+          </a:p>
+          <a:p>
+            <a:pPr marL="0" indent="0">
+              <a:buFont typeface="Arial"/>
+              <a:buNone/>
+            </a:pPr>
+            <a:r>
+              <a:rPr lang="en-GB" sz="2000" dirty="0"/>
+              <a:t>	evaluation=arg1*arg2</a:t>
+            </a:r>
+          </a:p>
+          <a:p>
+            <a:pPr marL="0" indent="0">
+              <a:buFont typeface="Arial"/>
+              <a:buNone/>
+            </a:pPr>
+            <a:endParaRPr lang="en-GB" sz="2000" dirty="0"/>
+          </a:p>
+          <a:p>
+            <a:pPr marL="0" indent="0">
+              <a:buFont typeface="Arial"/>
+              <a:buNone/>
+            </a:pPr>
+            <a:r>
+              <a:rPr lang="en-GB" sz="2000" dirty="0">
+                <a:solidFill>
+                  <a:schemeClr val="accent5"/>
+                </a:solidFill>
+              </a:rPr>
+              <a:t>end function </a:t>
+            </a:r>
+            <a:r>
+              <a:rPr lang="en-GB" sz="2000" dirty="0">
+                <a:solidFill>
+                  <a:schemeClr val="accent3"/>
+                </a:solidFill>
+              </a:rPr>
+              <a:t>function_name2</a:t>
+            </a:r>
+          </a:p>
+        </p:txBody>
+      </p:sp>
+      <p:sp>
+        <p:nvSpPr>
+          <p:cNvPr id="11" name="TextBox 10">
+            <a:extLst>
+              <a:ext uri="{FF2B5EF4-FFF2-40B4-BE49-F238E27FC236}">
+                <a16:creationId xmlns:a16="http://schemas.microsoft.com/office/drawing/2014/main" id="{EE625C72-6D59-439C-96A8-3DEE7A0774D8}"/>
+              </a:ext>
+            </a:extLst>
+          </p:cNvPr>
+          <p:cNvSpPr txBox="1"/>
+          <p:nvPr/>
+        </p:nvSpPr>
+        <p:spPr>
+          <a:xfrm>
+            <a:off x="5728138" y="6498021"/>
+            <a:ext cx="1765738" cy="369332"/>
+          </a:xfrm>
+          <a:prstGeom prst="rect">
+            <a:avLst/>
+          </a:prstGeom>
+          <a:noFill/>
+        </p:spPr>
+        <p:txBody>
+          <a:bodyPr wrap="square" rtlCol="0">
+            <a:spAutoFit/>
+          </a:bodyPr>
+          <a:lstStyle/>
+          <a:p>
+            <a:r>
+              <a:rPr lang="en-GB" dirty="0">
+                <a:solidFill>
+                  <a:schemeClr val="accent1"/>
+                </a:solidFill>
+              </a:rPr>
+              <a:t>Demonstration</a:t>
+            </a:r>
+          </a:p>
+        </p:txBody>
+      </p:sp>
+    </p:spTree>
+    <p:extLst>
+      <p:ext uri="{BB962C8B-B14F-4D97-AF65-F5344CB8AC3E}">
+        <p14:creationId xmlns:p14="http://schemas.microsoft.com/office/powerpoint/2010/main" val="3162482540"/>
+      </p:ext>
+    </p:extLst>
+  </p:cSld>
+  <p:clrMapOvr>
+    <a:masterClrMapping/>
+  </p:clrMapOvr>
+  <mc:AlternateContent xmlns:mc="http://schemas.openxmlformats.org/markup-compatibility/2006" xmlns:p14="http://schemas.microsoft.com/office/powerpoint/2010/main">
+    <mc:Choice Requires="p14">
+      <p:transition p14:dur="10"/>
+    </mc:Choice>
+    <mc:Fallback xmlns="">
+      <p:transition/>
+    </mc:Fallback>
+  </mc:AlternateContent>
+</p:sld>
+</file>
+
+<file path=ppt/slides/slide4.xml><?xml version="1.0" encoding="utf-8"?>
+<p:sld xmlns:a="http://schemas.openxmlformats.org/drawingml/2006/main" xmlns:r="http://schemas.openxmlformats.org/officeDocument/2006/relationships" xmlns:p="http://schemas.openxmlformats.org/presentationml/2006/main">
+  <p:cSld>
+    <p:spTree>
+      <p:nvGrpSpPr>
+        <p:cNvPr id="1" name=""/>
+        <p:cNvGrpSpPr/>
+        <p:nvPr/>
+      </p:nvGrpSpPr>
+      <p:grpSpPr>
+        <a:xfrm>
+          <a:off x="0" y="0"/>
+          <a:ext cx="0" cy="0"/>
+          <a:chOff x="0" y="0"/>
+          <a:chExt cx="0" cy="0"/>
+        </a:xfrm>
+      </p:grpSpPr>
+      <p:sp>
+        <p:nvSpPr>
+          <p:cNvPr id="2" name="Title 1"/>
+          <p:cNvSpPr>
+            <a:spLocks noGrp="1"/>
+          </p:cNvSpPr>
+          <p:nvPr>
+            <p:ph type="title"/>
+          </p:nvPr>
+        </p:nvSpPr>
+        <p:spPr/>
+        <p:txBody>
+          <a:bodyPr/>
+          <a:lstStyle/>
+          <a:p>
+            <a:r>
+              <a:rPr lang="en-GB" sz="4000" dirty="0"/>
+              <a:t>How Do We Code?</a:t>
+            </a:r>
+          </a:p>
+        </p:txBody>
+      </p:sp>
+      <p:sp>
+        <p:nvSpPr>
+          <p:cNvPr id="3" name="Content Placeholder 2"/>
+          <p:cNvSpPr>
+            <a:spLocks noGrp="1"/>
+          </p:cNvSpPr>
+          <p:nvPr>
+            <p:ph idx="1"/>
+          </p:nvPr>
+        </p:nvSpPr>
+        <p:spPr>
+          <a:xfrm>
+            <a:off x="457200" y="1600200"/>
+            <a:ext cx="8435280" cy="4876800"/>
+          </a:xfrm>
+        </p:spPr>
+        <p:txBody>
+          <a:bodyPr>
+            <a:normAutofit/>
+          </a:bodyPr>
+          <a:lstStyle/>
+          <a:p>
+            <a:r>
+              <a:rPr lang="en-GB" sz="3000" dirty="0"/>
+              <a:t>Design an algorithm which solves your problem</a:t>
+            </a:r>
+          </a:p>
+          <a:p>
+            <a:r>
+              <a:rPr lang="en-GB" sz="3000" dirty="0"/>
+              <a:t>Translate it into source code</a:t>
+            </a:r>
+          </a:p>
+          <a:p>
+            <a:r>
+              <a:rPr lang="en-GB" sz="3000" dirty="0"/>
+              <a:t>Instruct the computer to carry out the instructions of the source code</a:t>
+            </a:r>
+          </a:p>
+          <a:p>
+            <a:r>
+              <a:rPr lang="en-GB" sz="3000" dirty="0"/>
+              <a:t>Each step is language dependent</a:t>
+            </a:r>
+          </a:p>
+        </p:txBody>
+      </p:sp>
+    </p:spTree>
+    <p:extLst>
+      <p:ext uri="{BB962C8B-B14F-4D97-AF65-F5344CB8AC3E}">
+        <p14:creationId xmlns:p14="http://schemas.microsoft.com/office/powerpoint/2010/main" val="766773942"/>
+      </p:ext>
+    </p:extLst>
+  </p:cSld>
+  <p:clrMapOvr>
+    <a:masterClrMapping/>
+  </p:clrMapOvr>
+  <mc:AlternateContent xmlns:mc="http://schemas.openxmlformats.org/markup-compatibility/2006" xmlns:p14="http://schemas.microsoft.com/office/powerpoint/2010/main">
+    <mc:Choice Requires="p14">
+      <p:transition p14:dur="10"/>
+    </mc:Choice>
+    <mc:Fallback xmlns="">
+      <p:transition/>
+    </mc:Fallback>
+  </mc:AlternateContent>
+</p:sld>
+</file>
+
+<file path=ppt/slides/slide40.xml><?xml version="1.0" encoding="utf-8"?>
+<p:sld xmlns:a="http://schemas.openxmlformats.org/drawingml/2006/main" xmlns:r="http://schemas.openxmlformats.org/officeDocument/2006/relationships" xmlns:p="http://schemas.openxmlformats.org/presentationml/2006/main">
+  <p:cSld>
+    <p:spTree>
+      <p:nvGrpSpPr>
+        <p:cNvPr id="1" name=""/>
+        <p:cNvGrpSpPr/>
+        <p:nvPr/>
+      </p:nvGrpSpPr>
+      <p:grpSpPr>
+        <a:xfrm>
+          <a:off x="0" y="0"/>
+          <a:ext cx="0" cy="0"/>
+          <a:chOff x="0" y="0"/>
+          <a:chExt cx="0" cy="0"/>
+        </a:xfrm>
+      </p:grpSpPr>
+      <p:sp>
+        <p:nvSpPr>
+          <p:cNvPr id="2" name="Title 1"/>
+          <p:cNvSpPr>
+            <a:spLocks noGrp="1"/>
+          </p:cNvSpPr>
+          <p:nvPr>
+            <p:ph type="title"/>
+          </p:nvPr>
+        </p:nvSpPr>
+        <p:spPr/>
+        <p:txBody>
+          <a:bodyPr/>
+          <a:lstStyle/>
+          <a:p>
+            <a:r>
+              <a:rPr lang="en-GB" sz="4000" dirty="0"/>
+              <a:t>Functions - Calling</a:t>
+            </a:r>
+          </a:p>
+        </p:txBody>
+      </p:sp>
+      <p:sp>
+        <p:nvSpPr>
+          <p:cNvPr id="7" name="Content Placeholder 6">
+            <a:extLst>
+              <a:ext uri="{FF2B5EF4-FFF2-40B4-BE49-F238E27FC236}">
+                <a16:creationId xmlns:a16="http://schemas.microsoft.com/office/drawing/2014/main" id="{8704F1A3-720B-4123-B3B8-B6C05F8BAC14}"/>
+              </a:ext>
+            </a:extLst>
+          </p:cNvPr>
+          <p:cNvSpPr>
+            <a:spLocks noGrp="1"/>
+          </p:cNvSpPr>
+          <p:nvPr>
+            <p:ph idx="1"/>
+          </p:nvPr>
+        </p:nvSpPr>
+        <p:spPr>
+          <a:xfrm>
+            <a:off x="457200" y="1466440"/>
+            <a:ext cx="8131996" cy="4879931"/>
+          </a:xfrm>
+        </p:spPr>
+        <p:txBody>
+          <a:bodyPr/>
+          <a:lstStyle/>
+          <a:p>
+            <a:pPr marL="0" indent="0">
+              <a:buNone/>
+            </a:pPr>
+            <a:r>
+              <a:rPr lang="en-GB" sz="2400" dirty="0">
+                <a:solidFill>
+                  <a:schemeClr val="accent5"/>
+                </a:solidFill>
+              </a:rPr>
+              <a:t>real</a:t>
+            </a:r>
+            <a:r>
+              <a:rPr lang="en-GB" sz="2400" dirty="0"/>
+              <a:t>    ::  real1, real2</a:t>
+            </a:r>
+          </a:p>
+          <a:p>
+            <a:pPr marL="0" indent="0">
+              <a:buNone/>
+            </a:pPr>
+            <a:endParaRPr lang="en-GB" sz="2400" dirty="0"/>
+          </a:p>
+          <a:p>
+            <a:pPr marL="0" indent="0">
+              <a:buNone/>
+            </a:pPr>
+            <a:r>
+              <a:rPr lang="en-GB" sz="2400" dirty="0">
+                <a:solidFill>
+                  <a:schemeClr val="accent1"/>
+                </a:solidFill>
+              </a:rPr>
+              <a:t>print</a:t>
+            </a:r>
+            <a:r>
+              <a:rPr lang="en-GB" sz="2400" dirty="0"/>
+              <a:t>*, function_name1(</a:t>
+            </a:r>
+            <a:r>
+              <a:rPr lang="en-GB" sz="2400" dirty="0">
+                <a:solidFill>
+                  <a:schemeClr val="accent2"/>
+                </a:solidFill>
+              </a:rPr>
+              <a:t>2.0</a:t>
+            </a:r>
+            <a:r>
+              <a:rPr lang="en-GB" sz="2400" dirty="0"/>
+              <a:t>, </a:t>
+            </a:r>
+            <a:r>
+              <a:rPr lang="en-GB" sz="2400" dirty="0">
+                <a:solidFill>
+                  <a:schemeClr val="accent2"/>
+                </a:solidFill>
+              </a:rPr>
+              <a:t>4.0</a:t>
+            </a:r>
+            <a:r>
+              <a:rPr lang="en-GB" sz="2400" dirty="0"/>
+              <a:t>)</a:t>
+            </a:r>
+          </a:p>
+          <a:p>
+            <a:pPr marL="0" indent="0">
+              <a:buNone/>
+            </a:pPr>
+            <a:r>
+              <a:rPr lang="en-GB" sz="2400" dirty="0">
+                <a:solidFill>
+                  <a:schemeClr val="accent1"/>
+                </a:solidFill>
+              </a:rPr>
+              <a:t>print</a:t>
+            </a:r>
+            <a:r>
+              <a:rPr lang="en-GB" sz="2400" dirty="0"/>
+              <a:t>*, function_name2(</a:t>
+            </a:r>
+            <a:r>
+              <a:rPr lang="en-GB" sz="2400" dirty="0">
+                <a:solidFill>
+                  <a:schemeClr val="accent2"/>
+                </a:solidFill>
+              </a:rPr>
+              <a:t>1.0</a:t>
+            </a:r>
+            <a:r>
+              <a:rPr lang="en-GB" sz="2400" dirty="0"/>
+              <a:t>, </a:t>
+            </a:r>
+            <a:r>
+              <a:rPr lang="en-GB" sz="2400" dirty="0">
+                <a:solidFill>
+                  <a:schemeClr val="accent2"/>
+                </a:solidFill>
+              </a:rPr>
+              <a:t>3.0</a:t>
+            </a:r>
+            <a:r>
+              <a:rPr lang="en-GB" sz="2400" dirty="0"/>
+              <a:t>)</a:t>
+            </a:r>
+          </a:p>
+          <a:p>
+            <a:pPr marL="0" indent="0">
+              <a:buNone/>
+            </a:pPr>
+            <a:endParaRPr lang="en-GB" sz="2400" dirty="0"/>
+          </a:p>
+          <a:p>
+            <a:pPr marL="0" indent="0">
+              <a:buNone/>
+            </a:pPr>
+            <a:r>
+              <a:rPr lang="en-GB" sz="2400" dirty="0"/>
+              <a:t>real1=function_name1 (</a:t>
+            </a:r>
+            <a:r>
+              <a:rPr lang="en-GB" sz="2400" dirty="0">
+                <a:solidFill>
+                  <a:schemeClr val="accent2"/>
+                </a:solidFill>
+              </a:rPr>
+              <a:t>2.0</a:t>
+            </a:r>
+            <a:r>
+              <a:rPr lang="en-GB" sz="2400" dirty="0"/>
+              <a:t>, </a:t>
+            </a:r>
+            <a:r>
+              <a:rPr lang="en-GB" sz="2400" dirty="0">
+                <a:solidFill>
+                  <a:schemeClr val="accent2"/>
+                </a:solidFill>
+              </a:rPr>
+              <a:t>3.0</a:t>
+            </a:r>
+            <a:r>
+              <a:rPr lang="en-GB" sz="2400" dirty="0"/>
+              <a:t>)</a:t>
+            </a:r>
+          </a:p>
+          <a:p>
+            <a:pPr marL="0" indent="0">
+              <a:buNone/>
+            </a:pPr>
+            <a:r>
+              <a:rPr lang="en-GB" sz="2400" dirty="0"/>
+              <a:t>real2=function_name2(real1, real1/</a:t>
+            </a:r>
+            <a:r>
+              <a:rPr lang="en-GB" sz="2400" dirty="0">
+                <a:solidFill>
+                  <a:schemeClr val="accent2"/>
+                </a:solidFill>
+              </a:rPr>
+              <a:t>3.0</a:t>
+            </a:r>
+            <a:r>
+              <a:rPr lang="en-GB" sz="2400" dirty="0"/>
+              <a:t>)*</a:t>
+            </a:r>
+            <a:r>
+              <a:rPr lang="en-GB" sz="2400" dirty="0">
+                <a:solidFill>
+                  <a:schemeClr val="accent2"/>
+                </a:solidFill>
+              </a:rPr>
+              <a:t>2.0</a:t>
+            </a:r>
+          </a:p>
+          <a:p>
+            <a:pPr marL="0" indent="0">
+              <a:buNone/>
+            </a:pPr>
+            <a:br>
+              <a:rPr lang="en-GB" sz="2400" dirty="0"/>
+            </a:br>
+            <a:r>
+              <a:rPr lang="en-GB" sz="2400" dirty="0">
+                <a:solidFill>
+                  <a:schemeClr val="accent1"/>
+                </a:solidFill>
+              </a:rPr>
+              <a:t>print</a:t>
+            </a:r>
+            <a:r>
+              <a:rPr lang="en-GB" sz="2400" dirty="0"/>
+              <a:t>*, function_name1(real2, function_name2(</a:t>
+            </a:r>
+            <a:r>
+              <a:rPr lang="en-GB" sz="2400" dirty="0">
+                <a:solidFill>
+                  <a:schemeClr val="accent2"/>
+                </a:solidFill>
+              </a:rPr>
+              <a:t>2.0</a:t>
+            </a:r>
+            <a:r>
+              <a:rPr lang="en-GB" sz="2400" dirty="0"/>
+              <a:t>, </a:t>
+            </a:r>
+            <a:r>
+              <a:rPr lang="en-GB" sz="2400" dirty="0">
+                <a:solidFill>
+                  <a:schemeClr val="accent2"/>
+                </a:solidFill>
+              </a:rPr>
+              <a:t>3.0</a:t>
+            </a:r>
+            <a:r>
+              <a:rPr lang="en-GB" sz="2400" dirty="0"/>
+              <a:t>))</a:t>
+            </a:r>
+          </a:p>
+        </p:txBody>
+      </p:sp>
+      <p:sp>
+        <p:nvSpPr>
+          <p:cNvPr id="11" name="TextBox 10">
+            <a:extLst>
+              <a:ext uri="{FF2B5EF4-FFF2-40B4-BE49-F238E27FC236}">
+                <a16:creationId xmlns:a16="http://schemas.microsoft.com/office/drawing/2014/main" id="{EE625C72-6D59-439C-96A8-3DEE7A0774D8}"/>
+              </a:ext>
+            </a:extLst>
+          </p:cNvPr>
+          <p:cNvSpPr txBox="1"/>
+          <p:nvPr/>
+        </p:nvSpPr>
+        <p:spPr>
+          <a:xfrm>
+            <a:off x="5728138" y="6498021"/>
+            <a:ext cx="1765738" cy="369332"/>
+          </a:xfrm>
+          <a:prstGeom prst="rect">
+            <a:avLst/>
+          </a:prstGeom>
+          <a:noFill/>
+        </p:spPr>
+        <p:txBody>
+          <a:bodyPr wrap="square" rtlCol="0">
+            <a:spAutoFit/>
+          </a:bodyPr>
+          <a:lstStyle/>
+          <a:p>
+            <a:r>
+              <a:rPr lang="en-GB" dirty="0">
+                <a:solidFill>
+                  <a:schemeClr val="accent1"/>
+                </a:solidFill>
+              </a:rPr>
+              <a:t>Demonstration</a:t>
+            </a:r>
+          </a:p>
+        </p:txBody>
+      </p:sp>
+      <p:sp>
+        <p:nvSpPr>
+          <p:cNvPr id="5" name="TextBox 4">
+            <a:extLst>
+              <a:ext uri="{FF2B5EF4-FFF2-40B4-BE49-F238E27FC236}">
+                <a16:creationId xmlns:a16="http://schemas.microsoft.com/office/drawing/2014/main" id="{14AD2C1F-43FF-4CF4-B8BB-C85A1A930793}"/>
+              </a:ext>
+            </a:extLst>
+          </p:cNvPr>
+          <p:cNvSpPr txBox="1"/>
+          <p:nvPr/>
+        </p:nvSpPr>
+        <p:spPr>
+          <a:xfrm>
+            <a:off x="7357241" y="6498021"/>
+            <a:ext cx="1697422" cy="369332"/>
+          </a:xfrm>
+          <a:prstGeom prst="rect">
+            <a:avLst/>
+          </a:prstGeom>
+          <a:noFill/>
+        </p:spPr>
+        <p:txBody>
+          <a:bodyPr wrap="square" rtlCol="0">
+            <a:spAutoFit/>
+          </a:bodyPr>
+          <a:lstStyle/>
+          <a:p>
+            <a:r>
+              <a:rPr lang="en-GB" dirty="0">
+                <a:solidFill>
+                  <a:schemeClr val="accent2"/>
+                </a:solidFill>
+              </a:rPr>
+              <a:t>Problem Sheet</a:t>
+            </a:r>
+          </a:p>
+        </p:txBody>
+      </p:sp>
+    </p:spTree>
+    <p:extLst>
+      <p:ext uri="{BB962C8B-B14F-4D97-AF65-F5344CB8AC3E}">
+        <p14:creationId xmlns:p14="http://schemas.microsoft.com/office/powerpoint/2010/main" val="265627358"/>
+      </p:ext>
+    </p:extLst>
+  </p:cSld>
+  <p:clrMapOvr>
+    <a:masterClrMapping/>
+  </p:clrMapOvr>
+  <mc:AlternateContent xmlns:mc="http://schemas.openxmlformats.org/markup-compatibility/2006" xmlns:p14="http://schemas.microsoft.com/office/powerpoint/2010/main">
+    <mc:Choice Requires="p14">
+      <p:transition p14:dur="10"/>
+    </mc:Choice>
+    <mc:Fallback xmlns="">
+      <p:transition/>
+    </mc:Fallback>
+  </mc:AlternateContent>
+</p:sld>
+</file>
+
+<file path=ppt/slides/slide41.xml><?xml version="1.0" encoding="utf-8"?>
+<p:sld xmlns:a="http://schemas.openxmlformats.org/drawingml/2006/main" xmlns:r="http://schemas.openxmlformats.org/officeDocument/2006/relationships" xmlns:p="http://schemas.openxmlformats.org/presentationml/2006/main">
+  <p:cSld>
+    <p:spTree>
+      <p:nvGrpSpPr>
+        <p:cNvPr id="1" name=""/>
+        <p:cNvGrpSpPr/>
+        <p:nvPr/>
+      </p:nvGrpSpPr>
+      <p:grpSpPr>
+        <a:xfrm>
+          <a:off x="0" y="0"/>
+          <a:ext cx="0" cy="0"/>
+          <a:chOff x="0" y="0"/>
+          <a:chExt cx="0" cy="0"/>
+        </a:xfrm>
+      </p:grpSpPr>
+      <p:sp>
+        <p:nvSpPr>
+          <p:cNvPr id="2" name="Title 1"/>
+          <p:cNvSpPr>
+            <a:spLocks noGrp="1"/>
+          </p:cNvSpPr>
+          <p:nvPr>
+            <p:ph type="title"/>
+          </p:nvPr>
+        </p:nvSpPr>
+        <p:spPr/>
+        <p:txBody>
+          <a:bodyPr/>
+          <a:lstStyle/>
+          <a:p>
+            <a:r>
+              <a:rPr lang="en-GB" sz="4000" dirty="0"/>
+              <a:t>Extension: Functions – Recursion</a:t>
+            </a:r>
+          </a:p>
+        </p:txBody>
+      </p:sp>
+      <p:sp>
+        <p:nvSpPr>
+          <p:cNvPr id="7" name="Content Placeholder 6">
+            <a:extLst>
+              <a:ext uri="{FF2B5EF4-FFF2-40B4-BE49-F238E27FC236}">
+                <a16:creationId xmlns:a16="http://schemas.microsoft.com/office/drawing/2014/main" id="{8704F1A3-720B-4123-B3B8-B6C05F8BAC14}"/>
+              </a:ext>
+            </a:extLst>
+          </p:cNvPr>
+          <p:cNvSpPr>
+            <a:spLocks noGrp="1"/>
+          </p:cNvSpPr>
+          <p:nvPr>
+            <p:ph idx="1"/>
+          </p:nvPr>
+        </p:nvSpPr>
+        <p:spPr>
+          <a:xfrm>
+            <a:off x="272143" y="1466440"/>
+            <a:ext cx="8131996" cy="4879931"/>
+          </a:xfrm>
+        </p:spPr>
+        <p:txBody>
+          <a:bodyPr/>
+          <a:lstStyle/>
+          <a:p>
+            <a:pPr marL="0" indent="0">
+              <a:buNone/>
+            </a:pPr>
+            <a:r>
+              <a:rPr lang="en-GB" sz="2400" dirty="0">
+                <a:solidFill>
+                  <a:schemeClr val="accent5"/>
+                </a:solidFill>
+              </a:rPr>
+              <a:t>recursive function </a:t>
+            </a:r>
+            <a:r>
+              <a:rPr lang="en-GB" sz="2400" dirty="0">
+                <a:solidFill>
+                  <a:schemeClr val="accent3"/>
+                </a:solidFill>
+              </a:rPr>
+              <a:t>factorial</a:t>
+            </a:r>
+            <a:r>
+              <a:rPr lang="en-GB" sz="2400" dirty="0"/>
+              <a:t>(</a:t>
+            </a:r>
+            <a:r>
+              <a:rPr lang="en-GB" sz="2400" dirty="0">
+                <a:solidFill>
+                  <a:schemeClr val="accent2"/>
+                </a:solidFill>
+              </a:rPr>
+              <a:t>value</a:t>
+            </a:r>
+            <a:r>
+              <a:rPr lang="en-GB" sz="2400" dirty="0"/>
+              <a:t>)result(evaluation)</a:t>
+            </a:r>
+          </a:p>
+          <a:p>
+            <a:pPr marL="0" indent="0">
+              <a:buNone/>
+            </a:pPr>
+            <a:r>
+              <a:rPr lang="en-GB" sz="2400" dirty="0"/>
+              <a:t>	integer ::  value, evaluation</a:t>
+            </a:r>
+          </a:p>
+          <a:p>
+            <a:pPr marL="0" indent="0">
+              <a:buNone/>
+            </a:pPr>
+            <a:endParaRPr lang="en-GB" sz="2400" dirty="0"/>
+          </a:p>
+          <a:p>
+            <a:pPr marL="400050" lvl="1" indent="0">
+              <a:buNone/>
+            </a:pPr>
+            <a:r>
+              <a:rPr lang="en-GB" sz="2400" dirty="0">
+                <a:solidFill>
+                  <a:schemeClr val="accent1"/>
+                </a:solidFill>
+              </a:rPr>
+              <a:t>	if</a:t>
+            </a:r>
+            <a:r>
+              <a:rPr lang="en-GB" sz="2400" dirty="0"/>
+              <a:t> (value==</a:t>
+            </a:r>
+            <a:r>
+              <a:rPr lang="en-GB" sz="2400" dirty="0">
+                <a:solidFill>
+                  <a:schemeClr val="accent2"/>
+                </a:solidFill>
+              </a:rPr>
+              <a:t>0</a:t>
+            </a:r>
+            <a:r>
+              <a:rPr lang="en-GB" sz="2400" dirty="0"/>
+              <a:t> .or. value==</a:t>
+            </a:r>
+            <a:r>
+              <a:rPr lang="en-GB" sz="2400" dirty="0">
+                <a:solidFill>
+                  <a:schemeClr val="accent2"/>
+                </a:solidFill>
+              </a:rPr>
+              <a:t>1</a:t>
+            </a:r>
+            <a:r>
+              <a:rPr lang="en-GB" sz="2400" dirty="0"/>
+              <a:t>)</a:t>
+            </a:r>
+            <a:r>
+              <a:rPr lang="en-GB" sz="2400" dirty="0">
+                <a:solidFill>
+                  <a:schemeClr val="accent1"/>
+                </a:solidFill>
+              </a:rPr>
+              <a:t>then</a:t>
+            </a:r>
+          </a:p>
+          <a:p>
+            <a:pPr marL="400050" lvl="1" indent="0">
+              <a:buNone/>
+            </a:pPr>
+            <a:r>
+              <a:rPr lang="en-GB" sz="2400" dirty="0"/>
+              <a:t>	  evaluation=</a:t>
+            </a:r>
+            <a:r>
+              <a:rPr lang="en-GB" sz="2400" dirty="0">
+                <a:solidFill>
+                  <a:schemeClr val="accent2"/>
+                </a:solidFill>
+              </a:rPr>
+              <a:t>1</a:t>
+            </a:r>
+          </a:p>
+          <a:p>
+            <a:pPr marL="400050" lvl="1" indent="0">
+              <a:buNone/>
+            </a:pPr>
+            <a:r>
+              <a:rPr lang="en-GB" sz="2400" dirty="0">
+                <a:solidFill>
+                  <a:schemeClr val="accent1"/>
+                </a:solidFill>
+              </a:rPr>
+              <a:t>else </a:t>
+            </a:r>
+            <a:r>
+              <a:rPr lang="en-GB" sz="2400" dirty="0"/>
+              <a:t>if(value&gt;</a:t>
+            </a:r>
+            <a:r>
+              <a:rPr lang="en-GB" sz="2400" dirty="0">
+                <a:solidFill>
+                  <a:schemeClr val="accent2"/>
+                </a:solidFill>
+              </a:rPr>
+              <a:t>1</a:t>
+            </a:r>
+            <a:r>
+              <a:rPr lang="en-GB" sz="2400" dirty="0"/>
+              <a:t>)then</a:t>
+            </a:r>
+          </a:p>
+          <a:p>
+            <a:pPr marL="400050" lvl="1" indent="0">
+              <a:buNone/>
+            </a:pPr>
+            <a:r>
+              <a:rPr lang="en-GB" sz="2400" dirty="0"/>
+              <a:t>  evaluation=value*factorial(value-</a:t>
+            </a:r>
+            <a:r>
+              <a:rPr lang="en-GB" sz="2400" dirty="0">
+                <a:solidFill>
+                  <a:schemeClr val="accent2"/>
+                </a:solidFill>
+              </a:rPr>
+              <a:t>1</a:t>
+            </a:r>
+            <a:r>
+              <a:rPr lang="en-GB" sz="2400" dirty="0"/>
+              <a:t>)</a:t>
+            </a:r>
+          </a:p>
+          <a:p>
+            <a:pPr marL="400050" lvl="1" indent="0">
+              <a:buNone/>
+            </a:pPr>
+            <a:r>
+              <a:rPr lang="en-GB" sz="2400" dirty="0">
+                <a:solidFill>
+                  <a:schemeClr val="accent1"/>
+                </a:solidFill>
+              </a:rPr>
+              <a:t>else</a:t>
+            </a:r>
+          </a:p>
+          <a:p>
+            <a:pPr marL="400050" lvl="1" indent="0">
+              <a:buNone/>
+            </a:pPr>
+            <a:r>
+              <a:rPr lang="en-GB" sz="2400" dirty="0">
+                <a:solidFill>
+                  <a:schemeClr val="accent1"/>
+                </a:solidFill>
+              </a:rPr>
+              <a:t>  stop </a:t>
+            </a:r>
+            <a:r>
+              <a:rPr lang="en-GB" sz="2400" dirty="0"/>
+              <a:t>"Cannot take the factorial of a negative number"</a:t>
+            </a:r>
+          </a:p>
+          <a:p>
+            <a:pPr marL="400050" lvl="1" indent="0">
+              <a:buNone/>
+            </a:pPr>
+            <a:r>
+              <a:rPr lang="en-GB" sz="2400" dirty="0">
+                <a:solidFill>
+                  <a:schemeClr val="accent1"/>
+                </a:solidFill>
+              </a:rPr>
+              <a:t>end if</a:t>
+            </a:r>
+          </a:p>
+          <a:p>
+            <a:pPr marL="0" indent="0">
+              <a:buNone/>
+            </a:pPr>
+            <a:r>
+              <a:rPr lang="en-GB" sz="2400" dirty="0">
+                <a:solidFill>
+                  <a:schemeClr val="accent5"/>
+                </a:solidFill>
+              </a:rPr>
+              <a:t>end function </a:t>
+            </a:r>
+            <a:r>
+              <a:rPr lang="en-GB" sz="2400" dirty="0"/>
+              <a:t>factorial</a:t>
+            </a:r>
+          </a:p>
+        </p:txBody>
+      </p:sp>
+      <p:sp>
+        <p:nvSpPr>
+          <p:cNvPr id="11" name="TextBox 10">
+            <a:extLst>
+              <a:ext uri="{FF2B5EF4-FFF2-40B4-BE49-F238E27FC236}">
+                <a16:creationId xmlns:a16="http://schemas.microsoft.com/office/drawing/2014/main" id="{EE625C72-6D59-439C-96A8-3DEE7A0774D8}"/>
+              </a:ext>
+            </a:extLst>
+          </p:cNvPr>
+          <p:cNvSpPr txBox="1"/>
+          <p:nvPr/>
+        </p:nvSpPr>
+        <p:spPr>
+          <a:xfrm>
+            <a:off x="5728138" y="6498021"/>
+            <a:ext cx="1765738" cy="369332"/>
+          </a:xfrm>
+          <a:prstGeom prst="rect">
+            <a:avLst/>
+          </a:prstGeom>
+          <a:noFill/>
+        </p:spPr>
+        <p:txBody>
+          <a:bodyPr wrap="square" rtlCol="0">
+            <a:spAutoFit/>
+          </a:bodyPr>
+          <a:lstStyle/>
+          <a:p>
+            <a:r>
+              <a:rPr lang="en-GB" dirty="0">
+                <a:solidFill>
+                  <a:schemeClr val="accent1"/>
+                </a:solidFill>
+              </a:rPr>
+              <a:t>Demonstration</a:t>
+            </a:r>
+          </a:p>
+        </p:txBody>
+      </p:sp>
+    </p:spTree>
+    <p:extLst>
+      <p:ext uri="{BB962C8B-B14F-4D97-AF65-F5344CB8AC3E}">
+        <p14:creationId xmlns:p14="http://schemas.microsoft.com/office/powerpoint/2010/main" val="3716300829"/>
+      </p:ext>
+    </p:extLst>
+  </p:cSld>
+  <p:clrMapOvr>
+    <a:masterClrMapping/>
+  </p:clrMapOvr>
+  <mc:AlternateContent xmlns:mc="http://schemas.openxmlformats.org/markup-compatibility/2006" xmlns:p14="http://schemas.microsoft.com/office/powerpoint/2010/main">
+    <mc:Choice Requires="p14">
+      <p:transition p14:dur="10"/>
+    </mc:Choice>
+    <mc:Fallback xmlns="">
+      <p:transition/>
+    </mc:Fallback>
+  </mc:AlternateContent>
+</p:sld>
+</file>
+
+<file path=ppt/slides/slide42.xml><?xml version="1.0" encoding="utf-8"?>
+<p:sld xmlns:a="http://schemas.openxmlformats.org/drawingml/2006/main" xmlns:r="http://schemas.openxmlformats.org/officeDocument/2006/relationships" xmlns:p="http://schemas.openxmlformats.org/presentationml/2006/main">
+  <p:cSld>
+    <p:spTree>
+      <p:nvGrpSpPr>
+        <p:cNvPr id="1" name=""/>
+        <p:cNvGrpSpPr/>
+        <p:nvPr/>
+      </p:nvGrpSpPr>
+      <p:grpSpPr>
+        <a:xfrm>
+          <a:off x="0" y="0"/>
+          <a:ext cx="0" cy="0"/>
+          <a:chOff x="0" y="0"/>
+          <a:chExt cx="0" cy="0"/>
+        </a:xfrm>
+      </p:grpSpPr>
+      <p:sp>
+        <p:nvSpPr>
+          <p:cNvPr id="2" name="Title 1"/>
+          <p:cNvSpPr>
+            <a:spLocks noGrp="1"/>
+          </p:cNvSpPr>
+          <p:nvPr>
+            <p:ph type="title"/>
+          </p:nvPr>
+        </p:nvSpPr>
+        <p:spPr/>
+        <p:txBody>
+          <a:bodyPr/>
+          <a:lstStyle/>
+          <a:p>
+            <a:r>
+              <a:rPr lang="en-GB" sz="4000" dirty="0"/>
+              <a:t>Deferred Size Arguments</a:t>
+            </a:r>
+          </a:p>
+        </p:txBody>
+      </p:sp>
+      <p:sp>
+        <p:nvSpPr>
+          <p:cNvPr id="7" name="Content Placeholder 6">
+            <a:extLst>
+              <a:ext uri="{FF2B5EF4-FFF2-40B4-BE49-F238E27FC236}">
+                <a16:creationId xmlns:a16="http://schemas.microsoft.com/office/drawing/2014/main" id="{8704F1A3-720B-4123-B3B8-B6C05F8BAC14}"/>
+              </a:ext>
+            </a:extLst>
+          </p:cNvPr>
+          <p:cNvSpPr>
+            <a:spLocks noGrp="1"/>
+          </p:cNvSpPr>
+          <p:nvPr>
+            <p:ph idx="1"/>
+          </p:nvPr>
+        </p:nvSpPr>
+        <p:spPr>
+          <a:xfrm>
+            <a:off x="272143" y="1466440"/>
+            <a:ext cx="8131996" cy="4879931"/>
+          </a:xfrm>
+        </p:spPr>
+        <p:txBody>
+          <a:bodyPr/>
+          <a:lstStyle/>
+          <a:p>
+            <a:pPr marL="0" indent="0">
+              <a:buNone/>
+            </a:pPr>
+            <a:r>
+              <a:rPr lang="en-GB" sz="2400" dirty="0">
+                <a:solidFill>
+                  <a:schemeClr val="accent5"/>
+                </a:solidFill>
+              </a:rPr>
+              <a:t>function </a:t>
+            </a:r>
+            <a:r>
+              <a:rPr lang="en-GB" sz="2400" dirty="0" err="1">
+                <a:solidFill>
+                  <a:schemeClr val="accent3"/>
+                </a:solidFill>
+              </a:rPr>
+              <a:t>sum_of_cubes</a:t>
+            </a:r>
+            <a:r>
+              <a:rPr lang="en-GB" sz="2400" dirty="0"/>
+              <a:t>(</a:t>
+            </a:r>
+            <a:r>
+              <a:rPr lang="en-GB" sz="2400" dirty="0">
+                <a:solidFill>
+                  <a:schemeClr val="accent2"/>
+                </a:solidFill>
+              </a:rPr>
+              <a:t>array</a:t>
+            </a:r>
+            <a:r>
+              <a:rPr lang="en-GB" sz="2400" dirty="0"/>
+              <a:t>) 	</a:t>
+            </a:r>
+          </a:p>
+          <a:p>
+            <a:pPr marL="0" indent="0">
+              <a:buNone/>
+            </a:pPr>
+            <a:r>
+              <a:rPr lang="en-GB" sz="2400" dirty="0"/>
+              <a:t>	</a:t>
+            </a:r>
+            <a:r>
+              <a:rPr lang="en-GB" sz="2400" dirty="0">
+                <a:solidFill>
+                  <a:schemeClr val="accent5"/>
+                </a:solidFill>
+              </a:rPr>
+              <a:t>real</a:t>
+            </a:r>
+            <a:r>
+              <a:rPr lang="en-GB" sz="2400" dirty="0"/>
+              <a:t>, </a:t>
+            </a:r>
+            <a:r>
+              <a:rPr lang="en-GB" sz="2400" dirty="0">
+                <a:solidFill>
+                  <a:schemeClr val="accent5"/>
+                </a:solidFill>
+              </a:rPr>
+              <a:t>dimension</a:t>
+            </a:r>
+            <a:r>
+              <a:rPr lang="en-GB" sz="2400" dirty="0"/>
+              <a:t>(:) 	::  array</a:t>
+            </a:r>
+          </a:p>
+          <a:p>
+            <a:pPr marL="0" indent="0">
+              <a:buNone/>
+            </a:pPr>
+            <a:r>
+              <a:rPr lang="en-GB" sz="2400" dirty="0"/>
+              <a:t>	</a:t>
+            </a:r>
+            <a:r>
+              <a:rPr lang="en-GB" sz="2400" dirty="0">
+                <a:solidFill>
+                  <a:schemeClr val="accent5"/>
+                </a:solidFill>
+              </a:rPr>
+              <a:t>real</a:t>
+            </a:r>
+            <a:r>
+              <a:rPr lang="en-GB" sz="2400" dirty="0"/>
+              <a:t>                		::  evaluation</a:t>
+            </a:r>
+          </a:p>
+          <a:p>
+            <a:pPr marL="0" indent="0">
+              <a:buNone/>
+            </a:pPr>
+            <a:r>
+              <a:rPr lang="en-GB" sz="2400" dirty="0"/>
+              <a:t>     </a:t>
+            </a:r>
+            <a:r>
+              <a:rPr lang="en-GB" sz="2400" dirty="0">
+                <a:solidFill>
+                  <a:schemeClr val="accent5"/>
+                </a:solidFill>
+              </a:rPr>
+              <a:t>integer  </a:t>
+            </a:r>
+            <a:r>
+              <a:rPr lang="en-GB" sz="2400" dirty="0"/>
+              <a:t>           		::  ii</a:t>
+            </a:r>
+          </a:p>
+          <a:p>
+            <a:pPr marL="0" indent="0">
+              <a:buNone/>
+            </a:pPr>
+            <a:br>
+              <a:rPr lang="en-GB" sz="2400" dirty="0"/>
+            </a:br>
+            <a:r>
+              <a:rPr lang="en-GB" sz="2400" dirty="0"/>
+              <a:t>	evaluation=</a:t>
+            </a:r>
+            <a:r>
+              <a:rPr lang="en-GB" sz="2400" dirty="0">
+                <a:solidFill>
+                  <a:schemeClr val="accent2"/>
+                </a:solidFill>
+              </a:rPr>
+              <a:t>0.0</a:t>
+            </a:r>
+          </a:p>
+          <a:p>
+            <a:pPr marL="0" indent="0">
+              <a:buNone/>
+            </a:pPr>
+            <a:br>
+              <a:rPr lang="en-GB" sz="2400" dirty="0"/>
+            </a:br>
+            <a:r>
+              <a:rPr lang="en-GB" sz="2400" dirty="0"/>
+              <a:t>	</a:t>
+            </a:r>
+            <a:r>
+              <a:rPr lang="en-GB" sz="2400" dirty="0">
+                <a:solidFill>
+                  <a:schemeClr val="accent1"/>
+                </a:solidFill>
+              </a:rPr>
+              <a:t>do</a:t>
+            </a:r>
+            <a:r>
+              <a:rPr lang="en-GB" sz="2400" dirty="0"/>
+              <a:t> ii=</a:t>
+            </a:r>
+            <a:r>
+              <a:rPr lang="en-GB" sz="2400" dirty="0">
+                <a:solidFill>
+                  <a:schemeClr val="accent2"/>
+                </a:solidFill>
+              </a:rPr>
+              <a:t>1</a:t>
+            </a:r>
+            <a:r>
+              <a:rPr lang="en-GB" sz="2400" dirty="0"/>
+              <a:t>, </a:t>
+            </a:r>
+            <a:r>
+              <a:rPr lang="en-GB" sz="2400" dirty="0">
+                <a:solidFill>
+                  <a:schemeClr val="accent5"/>
+                </a:solidFill>
+              </a:rPr>
+              <a:t>size</a:t>
+            </a:r>
+            <a:r>
+              <a:rPr lang="en-GB" sz="2400" dirty="0"/>
+              <a:t>(array)</a:t>
+            </a:r>
+          </a:p>
+          <a:p>
+            <a:pPr marL="400050" lvl="1" indent="0">
+              <a:buNone/>
+            </a:pPr>
+            <a:r>
+              <a:rPr lang="en-GB" sz="2000" dirty="0"/>
+              <a:t>		</a:t>
+            </a:r>
+            <a:r>
+              <a:rPr lang="en-GB" sz="2400" dirty="0"/>
+              <a:t>evaluation=</a:t>
+            </a:r>
+            <a:r>
+              <a:rPr lang="en-GB" sz="2400" dirty="0" err="1"/>
+              <a:t>evaluation+array</a:t>
+            </a:r>
+            <a:r>
+              <a:rPr lang="en-GB" sz="2400" dirty="0"/>
+              <a:t>(ii)**</a:t>
+            </a:r>
+            <a:r>
+              <a:rPr lang="en-GB" sz="2400" dirty="0">
+                <a:solidFill>
+                  <a:schemeClr val="accent2"/>
+                </a:solidFill>
+              </a:rPr>
+              <a:t>3</a:t>
+            </a:r>
+          </a:p>
+          <a:p>
+            <a:pPr marL="400050" lvl="1" indent="0">
+              <a:buNone/>
+            </a:pPr>
+            <a:r>
+              <a:rPr lang="en-GB" sz="2400" dirty="0">
+                <a:solidFill>
+                  <a:schemeClr val="accent1"/>
+                </a:solidFill>
+              </a:rPr>
+              <a:t>end do  </a:t>
+            </a:r>
+            <a:r>
+              <a:rPr lang="en-GB" sz="2400" dirty="0"/>
+              <a:t> </a:t>
+            </a:r>
+            <a:r>
+              <a:rPr lang="en-GB" dirty="0"/>
+              <a:t>  </a:t>
+            </a:r>
+            <a:endParaRPr lang="en-GB" sz="2400" dirty="0">
+              <a:solidFill>
+                <a:schemeClr val="accent5"/>
+              </a:solidFill>
+            </a:endParaRPr>
+          </a:p>
+          <a:p>
+            <a:pPr marL="0" indent="0">
+              <a:buNone/>
+            </a:pPr>
+            <a:r>
+              <a:rPr lang="en-GB" sz="2400" dirty="0">
+                <a:solidFill>
+                  <a:schemeClr val="accent5"/>
+                </a:solidFill>
+              </a:rPr>
+              <a:t>end function </a:t>
+            </a:r>
+            <a:r>
+              <a:rPr lang="en-GB" sz="2400" dirty="0" err="1"/>
+              <a:t>print_max</a:t>
+            </a:r>
+            <a:endParaRPr lang="en-GB" sz="2400" dirty="0"/>
+          </a:p>
+        </p:txBody>
+      </p:sp>
+      <p:sp>
+        <p:nvSpPr>
+          <p:cNvPr id="11" name="TextBox 10">
+            <a:extLst>
+              <a:ext uri="{FF2B5EF4-FFF2-40B4-BE49-F238E27FC236}">
+                <a16:creationId xmlns:a16="http://schemas.microsoft.com/office/drawing/2014/main" id="{EE625C72-6D59-439C-96A8-3DEE7A0774D8}"/>
+              </a:ext>
+            </a:extLst>
+          </p:cNvPr>
+          <p:cNvSpPr txBox="1"/>
+          <p:nvPr/>
+        </p:nvSpPr>
+        <p:spPr>
+          <a:xfrm>
+            <a:off x="5728138" y="6498021"/>
+            <a:ext cx="1765738" cy="369332"/>
+          </a:xfrm>
+          <a:prstGeom prst="rect">
+            <a:avLst/>
+          </a:prstGeom>
+          <a:noFill/>
+        </p:spPr>
+        <p:txBody>
+          <a:bodyPr wrap="square" rtlCol="0">
+            <a:spAutoFit/>
+          </a:bodyPr>
+          <a:lstStyle/>
+          <a:p>
+            <a:r>
+              <a:rPr lang="en-GB" dirty="0">
+                <a:solidFill>
+                  <a:schemeClr val="accent1"/>
+                </a:solidFill>
+              </a:rPr>
+              <a:t>Demonstration</a:t>
+            </a:r>
+          </a:p>
+        </p:txBody>
+      </p:sp>
+    </p:spTree>
+    <p:extLst>
+      <p:ext uri="{BB962C8B-B14F-4D97-AF65-F5344CB8AC3E}">
+        <p14:creationId xmlns:p14="http://schemas.microsoft.com/office/powerpoint/2010/main" val="1971978791"/>
       </p:ext>
     </p:extLst>
   </p:cSld>
@@ -24804,20 +24872,14 @@
           <a:p>
             <a:r>
               <a:rPr lang="en-GB" sz="4000" dirty="0"/>
-              <a:t>Debugging Tools</a:t>
-            </a:r>
-          </a:p>
-        </p:txBody>
-      </p:sp>
-      <p:sp>
-        <p:nvSpPr>
-          <p:cNvPr id="7" name="Content Placeholder 6">
-            <a:extLst>
-              <a:ext uri="{FF2B5EF4-FFF2-40B4-BE49-F238E27FC236}">
-                <a16:creationId xmlns:a16="http://schemas.microsoft.com/office/drawing/2014/main" id="{8704F1A3-720B-4123-B3B8-B6C05F8BAC14}"/>
-              </a:ext>
-            </a:extLst>
-          </p:cNvPr>
+              <a:t>Feedback</a:t>
+            </a:r>
+          </a:p>
+        </p:txBody>
+      </p:sp>
+      <p:sp>
+        <p:nvSpPr>
+          <p:cNvPr id="3" name="Content Placeholder 2"/>
           <p:cNvSpPr>
             <a:spLocks noGrp="1"/>
           </p:cNvSpPr>
@@ -24825,61 +24887,60 @@
             <p:ph idx="1"/>
           </p:nvPr>
         </p:nvSpPr>
-        <p:spPr/>
-        <p:txBody>
-          <a:bodyPr/>
-          <a:lstStyle/>
-          <a:p>
-            <a:r>
-              <a:rPr lang="en-GB" sz="2400" dirty="0" err="1">
+        <p:spPr>
+          <a:xfrm>
+            <a:off x="457200" y="1600200"/>
+            <a:ext cx="8435280" cy="4876800"/>
+          </a:xfrm>
+        </p:spPr>
+        <p:txBody>
+          <a:bodyPr>
+            <a:normAutofit/>
+          </a:bodyPr>
+          <a:lstStyle/>
+          <a:p>
+            <a:r>
+              <a:rPr lang="en-GB" sz="3000" dirty="0"/>
+              <a:t>Once you’ve completed this course, please provide feedback</a:t>
+            </a:r>
+          </a:p>
+          <a:p>
+            <a:pPr lvl="1"/>
+            <a:r>
+              <a:rPr lang="en-GB" sz="2600" dirty="0"/>
+              <a:t>The link is </a:t>
+            </a:r>
+            <a:r>
+              <a:rPr lang="en-GB" sz="2600" dirty="0">
                 <a:hlinkClick r:id="rId3"/>
               </a:rPr>
-              <a:t>gdb</a:t>
-            </a:r>
-            <a:endParaRPr lang="en-GB" sz="2400" dirty="0"/>
-          </a:p>
-          <a:p>
-            <a:r>
-              <a:rPr lang="en-GB" sz="2400" dirty="0">
-                <a:hlinkClick r:id="rId4"/>
-              </a:rPr>
-              <a:t>Valgrind</a:t>
-            </a:r>
-            <a:endParaRPr lang="en-GB" sz="2400" dirty="0"/>
-          </a:p>
-          <a:p>
-            <a:r>
-              <a:rPr lang="en-GB" sz="2400" dirty="0">
-                <a:hlinkClick r:id="rId5"/>
-              </a:rPr>
-              <a:t>Intel debuggers</a:t>
-            </a:r>
-            <a:endParaRPr lang="en-GB" sz="2400" dirty="0"/>
-          </a:p>
-          <a:p>
-            <a:r>
-              <a:rPr lang="en-GB" sz="2400" dirty="0">
-                <a:hlinkClick r:id="rId6"/>
-              </a:rPr>
-              <a:t>ddd</a:t>
-            </a:r>
-            <a:endParaRPr lang="en-GB" sz="2400" dirty="0"/>
-          </a:p>
-          <a:p>
-            <a:r>
-              <a:rPr lang="en-GB" sz="2400" dirty="0">
-                <a:hlinkClick r:id="rId7"/>
-              </a:rPr>
-              <a:t>Compiler options for different compilers</a:t>
-            </a:r>
-            <a:endParaRPr lang="en-GB" sz="2400" dirty="0"/>
+              <a:t>http://bit.ly/computingdatascience1920</a:t>
+            </a:r>
+            <a:endParaRPr lang="en-GB" sz="2600" dirty="0"/>
+          </a:p>
+          <a:p>
+            <a:pPr lvl="1"/>
+            <a:r>
+              <a:rPr lang="en-GB" sz="2600" dirty="0"/>
+              <a:t>You should also have received an email with this link</a:t>
+            </a:r>
+          </a:p>
+          <a:p>
+            <a:pPr lvl="1"/>
+            <a:r>
+              <a:rPr lang="en-GB" sz="2600" dirty="0"/>
+              <a:t>This helps us improve the class for future students</a:t>
+            </a:r>
+          </a:p>
+          <a:p>
+            <a:endParaRPr lang="en-GB" sz="3000" dirty="0"/>
           </a:p>
         </p:txBody>
       </p:sp>
     </p:spTree>
     <p:extLst>
       <p:ext uri="{BB962C8B-B14F-4D97-AF65-F5344CB8AC3E}">
-        <p14:creationId xmlns:p14="http://schemas.microsoft.com/office/powerpoint/2010/main" val="484737160"/>
+        <p14:creationId xmlns:p14="http://schemas.microsoft.com/office/powerpoint/2010/main" val="2122788927"/>
       </p:ext>
     </p:extLst>
   </p:cSld>
@@ -24946,33 +25007,223 @@
       </p:sp>
       <p:sp>
         <p:nvSpPr>
-          <p:cNvPr id="3" name="Subtitle 2"/>
+          <p:cNvPr id="6" name="Subtitle 2">
+            <a:extLst>
+              <a:ext uri="{FF2B5EF4-FFF2-40B4-BE49-F238E27FC236}">
+                <a16:creationId xmlns:a16="http://schemas.microsoft.com/office/drawing/2014/main" id="{C8703C93-D4E6-464D-9577-C37C4CFF12C9}"/>
+              </a:ext>
+            </a:extLst>
+          </p:cNvPr>
           <p:cNvSpPr>
             <a:spLocks noGrp="1"/>
           </p:cNvSpPr>
-          <p:nvPr>
-            <p:ph type="subTitle" idx="1"/>
-          </p:nvPr>
+          <p:nvPr/>
         </p:nvSpPr>
         <p:spPr>
           <a:xfrm>
-            <a:off x="401319" y="3153410"/>
-            <a:ext cx="7773689" cy="1752600"/>
+            <a:off x="401319" y="3237089"/>
+            <a:ext cx="8341362" cy="383822"/>
           </a:xfrm>
+          <a:prstGeom prst="rect">
+            <a:avLst/>
+          </a:prstGeom>
         </p:spPr>
         <p:txBody>
           <a:bodyPr/>
-          <a:lstStyle/>
-          <a:p>
-            <a:r>
-              <a:rPr lang="en-GB" dirty="0"/>
-              <a:t>Chris Cooling</a:t>
-            </a:r>
+          <a:lstStyle>
+            <a:lvl1pPr marL="0" indent="0" algn="l" defTabSz="457200" rtl="0" eaLnBrk="1" latinLnBrk="0" hangingPunct="1">
+              <a:spcBef>
+                <a:spcPct val="20000"/>
+              </a:spcBef>
+              <a:buFont typeface="Arial"/>
+              <a:buNone/>
+              <a:defRPr sz="2800" kern="1200">
+                <a:solidFill>
+                  <a:schemeClr val="accent3"/>
+                </a:solidFill>
+                <a:latin typeface="+mj-lt"/>
+                <a:ea typeface="+mn-ea"/>
+                <a:cs typeface="MetaOT-Bold"/>
+              </a:defRPr>
+            </a:lvl1pPr>
+            <a:lvl2pPr marL="457200" indent="0" algn="ctr" defTabSz="457200" rtl="0" eaLnBrk="1" latinLnBrk="0" hangingPunct="1">
+              <a:spcBef>
+                <a:spcPct val="20000"/>
+              </a:spcBef>
+              <a:buFont typeface="Arial"/>
+              <a:buNone/>
+              <a:defRPr sz="2800" kern="1200">
+                <a:solidFill>
+                  <a:schemeClr val="tx1">
+                    <a:tint val="75000"/>
+                  </a:schemeClr>
+                </a:solidFill>
+                <a:latin typeface="+mn-lt"/>
+                <a:ea typeface="+mn-ea"/>
+                <a:cs typeface="+mn-cs"/>
+              </a:defRPr>
+            </a:lvl2pPr>
+            <a:lvl3pPr marL="914400" indent="0" algn="ctr" defTabSz="457200" rtl="0" eaLnBrk="1" latinLnBrk="0" hangingPunct="1">
+              <a:spcBef>
+                <a:spcPct val="20000"/>
+              </a:spcBef>
+              <a:buFont typeface="Arial"/>
+              <a:buNone/>
+              <a:defRPr sz="2400" kern="1200">
+                <a:solidFill>
+                  <a:schemeClr val="tx1">
+                    <a:tint val="75000"/>
+                  </a:schemeClr>
+                </a:solidFill>
+                <a:latin typeface="+mn-lt"/>
+                <a:ea typeface="+mn-ea"/>
+                <a:cs typeface="+mn-cs"/>
+              </a:defRPr>
+            </a:lvl3pPr>
+            <a:lvl4pPr marL="1371600" indent="0" algn="ctr" defTabSz="457200" rtl="0" eaLnBrk="1" latinLnBrk="0" hangingPunct="1">
+              <a:spcBef>
+                <a:spcPct val="20000"/>
+              </a:spcBef>
+              <a:buFont typeface="Arial"/>
+              <a:buNone/>
+              <a:defRPr sz="2000" kern="1200">
+                <a:solidFill>
+                  <a:schemeClr val="tx1">
+                    <a:tint val="75000"/>
+                  </a:schemeClr>
+                </a:solidFill>
+                <a:latin typeface="+mn-lt"/>
+                <a:ea typeface="+mn-ea"/>
+                <a:cs typeface="+mn-cs"/>
+              </a:defRPr>
+            </a:lvl4pPr>
+            <a:lvl5pPr marL="1828800" indent="0" algn="ctr" defTabSz="457200" rtl="0" eaLnBrk="1" latinLnBrk="0" hangingPunct="1">
+              <a:spcBef>
+                <a:spcPct val="20000"/>
+              </a:spcBef>
+              <a:buFont typeface="Arial"/>
+              <a:buNone/>
+              <a:defRPr sz="2000" kern="1200">
+                <a:solidFill>
+                  <a:schemeClr val="tx1">
+                    <a:tint val="75000"/>
+                  </a:schemeClr>
+                </a:solidFill>
+                <a:latin typeface="+mn-lt"/>
+                <a:ea typeface="+mn-ea"/>
+                <a:cs typeface="+mn-cs"/>
+              </a:defRPr>
+            </a:lvl5pPr>
+            <a:lvl6pPr marL="2286000" indent="0" algn="ctr" defTabSz="457200" rtl="0" eaLnBrk="1" latinLnBrk="0" hangingPunct="1">
+              <a:spcBef>
+                <a:spcPct val="20000"/>
+              </a:spcBef>
+              <a:buFont typeface="Arial"/>
+              <a:buNone/>
+              <a:defRPr sz="2000" kern="1200">
+                <a:solidFill>
+                  <a:schemeClr val="tx1">
+                    <a:tint val="75000"/>
+                  </a:schemeClr>
+                </a:solidFill>
+                <a:latin typeface="+mn-lt"/>
+                <a:ea typeface="+mn-ea"/>
+                <a:cs typeface="+mn-cs"/>
+              </a:defRPr>
+            </a:lvl6pPr>
+            <a:lvl7pPr marL="2743200" indent="0" algn="ctr" defTabSz="457200" rtl="0" eaLnBrk="1" latinLnBrk="0" hangingPunct="1">
+              <a:spcBef>
+                <a:spcPct val="20000"/>
+              </a:spcBef>
+              <a:buFont typeface="Arial"/>
+              <a:buNone/>
+              <a:defRPr sz="2000" kern="1200">
+                <a:solidFill>
+                  <a:schemeClr val="tx1">
+                    <a:tint val="75000"/>
+                  </a:schemeClr>
+                </a:solidFill>
+                <a:latin typeface="+mn-lt"/>
+                <a:ea typeface="+mn-ea"/>
+                <a:cs typeface="+mn-cs"/>
+              </a:defRPr>
+            </a:lvl7pPr>
+            <a:lvl8pPr marL="3200400" indent="0" algn="ctr" defTabSz="457200" rtl="0" eaLnBrk="1" latinLnBrk="0" hangingPunct="1">
+              <a:spcBef>
+                <a:spcPct val="20000"/>
+              </a:spcBef>
+              <a:buFont typeface="Arial"/>
+              <a:buNone/>
+              <a:defRPr sz="2000" kern="1200">
+                <a:solidFill>
+                  <a:schemeClr val="tx1">
+                    <a:tint val="75000"/>
+                  </a:schemeClr>
+                </a:solidFill>
+                <a:latin typeface="+mn-lt"/>
+                <a:ea typeface="+mn-ea"/>
+                <a:cs typeface="+mn-cs"/>
+              </a:defRPr>
+            </a:lvl8pPr>
+            <a:lvl9pPr marL="3657600" indent="0" algn="ctr" defTabSz="457200" rtl="0" eaLnBrk="1" latinLnBrk="0" hangingPunct="1">
+              <a:spcBef>
+                <a:spcPct val="20000"/>
+              </a:spcBef>
+              <a:buFont typeface="Arial"/>
+              <a:buNone/>
+              <a:defRPr sz="2000" kern="1200">
+                <a:solidFill>
+                  <a:schemeClr val="tx1">
+                    <a:tint val="75000"/>
+                  </a:schemeClr>
+                </a:solidFill>
+                <a:latin typeface="+mn-lt"/>
+                <a:ea typeface="+mn-ea"/>
+                <a:cs typeface="+mn-cs"/>
+              </a:defRPr>
+            </a:lvl9pPr>
+          </a:lstStyle>
+          <a:p>
+            <a:r>
+              <a:rPr lang="en-GB" sz="1400" dirty="0"/>
+              <a:t>Distributed under </a:t>
+            </a:r>
+            <a:r>
+              <a:rPr lang="en-GB" sz="1400" dirty="0">
+                <a:hlinkClick r:id="rId3"/>
+              </a:rPr>
+              <a:t>Creative Commons Attribution-</a:t>
+            </a:r>
+            <a:r>
+              <a:rPr lang="en-GB" sz="1400" dirty="0" err="1">
+                <a:hlinkClick r:id="rId3"/>
+              </a:rPr>
+              <a:t>NonCommercial</a:t>
+            </a:r>
+            <a:r>
+              <a:rPr lang="en-GB" sz="1400" dirty="0">
+                <a:hlinkClick r:id="rId3"/>
+              </a:rPr>
+              <a:t>-</a:t>
+            </a:r>
+            <a:r>
+              <a:rPr lang="en-GB" sz="1400" dirty="0" err="1">
+                <a:hlinkClick r:id="rId3"/>
+              </a:rPr>
+              <a:t>ShareAlike</a:t>
+            </a:r>
+            <a:r>
+              <a:rPr lang="en-GB" sz="1400" dirty="0">
+                <a:hlinkClick r:id="rId3"/>
+              </a:rPr>
+              <a:t> 4.0 International</a:t>
+            </a:r>
+            <a:endParaRPr lang="en-GB" sz="1400" dirty="0"/>
           </a:p>
           <a:p>
             <a:r>
               <a:rPr lang="en-GB" sz="2400" dirty="0"/>
-              <a:t>Graduate School Teaching Fellow</a:t>
+              <a:t> </a:t>
             </a:r>
           </a:p>
         </p:txBody>

--- a/Introduction to Fortran Slides.pptx
+++ b/Introduction to Fortran Slides.pptx
@@ -484,7 +484,7 @@
           <a:p>
             <a:fld id="{88EB714B-C3CC-4216-88C1-02913905B1CF}" type="datetimeFigureOut">
               <a:rPr lang="en-GB" smtClean="0"/>
-              <a:t>19/12/2019</a:t>
+              <a:t>14/05/2020</a:t>
             </a:fld>
             <a:endParaRPr lang="en-GB"/>
           </a:p>
@@ -8437,7 +8437,7 @@
           <a:p>
             <a:fld id="{EB0080F8-EA1C-491D-963C-2C881B2F918F}" type="datetimeFigureOut">
               <a:rPr lang="en-GB" smtClean="0"/>
-              <a:t>19/12/2019</a:t>
+              <a:t>14/05/2020</a:t>
             </a:fld>
             <a:endParaRPr lang="en-GB"/>
           </a:p>
@@ -8587,7 +8587,7 @@
           <a:p>
             <a:fld id="{EB0080F8-EA1C-491D-963C-2C881B2F918F}" type="datetimeFigureOut">
               <a:rPr lang="en-GB" smtClean="0"/>
-              <a:t>19/12/2019</a:t>
+              <a:t>14/05/2020</a:t>
             </a:fld>
             <a:endParaRPr lang="en-GB"/>
           </a:p>
@@ -10120,7 +10120,7 @@
           <a:p>
             <a:fld id="{EB0080F8-EA1C-491D-963C-2C881B2F918F}" type="datetimeFigureOut">
               <a:rPr lang="en-GB" smtClean="0"/>
-              <a:t>19/12/2019</a:t>
+              <a:t>14/05/2020</a:t>
             </a:fld>
             <a:endParaRPr lang="en-GB"/>
           </a:p>
@@ -11527,7 +11527,7 @@
                   <a:schemeClr val="accent1"/>
                 </a:solidFill>
               </a:rPr>
-              <a:t>program</a:t>
+              <a:t>end program</a:t>
             </a:r>
             <a:r>
               <a:rPr lang="en-GB" sz="3000" dirty="0"/>
@@ -13310,7 +13310,7 @@
           <p:nvPr>
             <p:extLst>
               <p:ext uri="{D42A27DB-BD31-4B8C-83A1-F6EECF244321}">
-                <p14:modId xmlns:p14="http://schemas.microsoft.com/office/powerpoint/2010/main" val="3821278574"/>
+                <p14:modId xmlns:p14="http://schemas.microsoft.com/office/powerpoint/2010/main" val="3035163964"/>
               </p:ext>
             </p:extLst>
           </p:nvPr>
@@ -13461,8 +13461,12 @@
                     <a:lstStyle/>
                     <a:p>
                       <a:r>
+                        <a:rPr lang="en-US" dirty="0" err="1"/>
+                        <a:t>acos</a:t>
+                      </a:r>
+                      <a:r>
                         <a:rPr lang="en-US" dirty="0"/>
-                        <a:t>arcos(a)</a:t>
+                        <a:t>(a)</a:t>
                       </a:r>
                     </a:p>
                   </a:txBody>
@@ -13616,7 +13620,7 @@
                     <a:p>
                       <a:r>
                         <a:rPr lang="en-US" dirty="0"/>
-                        <a:t>a*b</a:t>
+                        <a:t>max(a, b)</a:t>
                       </a:r>
                     </a:p>
                   </a:txBody>
@@ -13670,7 +13674,15 @@
                     <a:p>
                       <a:r>
                         <a:rPr lang="en-US" dirty="0"/>
-                        <a:t>a*b</a:t>
+                        <a:t>m</a:t>
+                      </a:r>
+                      <a:r>
+                        <a:rPr lang="en-US"/>
+                        <a:t>in</a:t>
+                      </a:r>
+                      <a:r>
+                        <a:rPr lang="en-US" dirty="0"/>
+                        <a:t>(a, b)</a:t>
                       </a:r>
                     </a:p>
                   </a:txBody>
@@ -14368,7 +14380,7 @@
           <p:nvPr>
             <p:extLst>
               <p:ext uri="{D42A27DB-BD31-4B8C-83A1-F6EECF244321}">
-                <p14:modId xmlns:p14="http://schemas.microsoft.com/office/powerpoint/2010/main" val="1874660020"/>
+                <p14:modId xmlns:p14="http://schemas.microsoft.com/office/powerpoint/2010/main" val="545246634"/>
               </p:ext>
             </p:extLst>
           </p:nvPr>
@@ -14435,10 +14447,9 @@
                     <a:p>
                       <a:pPr algn="ctr"/>
                       <a:r>
-                        <a:rPr lang="en-GB" dirty="0" err="1"/>
-                        <a:t>my_array</a:t>
+                        <a:rPr lang="en-GB" dirty="0"/>
+                        <a:t>array1d</a:t>
                       </a:r>
-                      <a:endParaRPr lang="en-GB" dirty="0"/>
                     </a:p>
                   </a:txBody>
                   <a:tcPr/>
@@ -19032,13 +19043,8 @@
             </a:r>
             <a:r>
               <a:rPr lang="en-GB" sz="2800" dirty="0"/>
-              <a:t>*, </a:t>
-            </a:r>
-            <a:r>
-              <a:rPr lang="en-GB" sz="2800" dirty="0" err="1"/>
-              <a:t>do_counter</a:t>
-            </a:r>
-            <a:endParaRPr lang="en-GB" sz="2800" dirty="0"/>
+              <a:t>*, counter</a:t>
+            </a:r>
           </a:p>
           <a:p>
             <a:r>
@@ -20351,45 +20357,6 @@
       </p:sp>
       <p:sp>
         <p:nvSpPr>
-          <p:cNvPr id="11" name="TextBox 10">
-            <a:extLst>
-              <a:ext uri="{FF2B5EF4-FFF2-40B4-BE49-F238E27FC236}">
-                <a16:creationId xmlns:a16="http://schemas.microsoft.com/office/drawing/2014/main" id="{EE625C72-6D59-439C-96A8-3DEE7A0774D8}"/>
-              </a:ext>
-            </a:extLst>
-          </p:cNvPr>
-          <p:cNvSpPr txBox="1"/>
-          <p:nvPr/>
-        </p:nvSpPr>
-        <p:spPr>
-          <a:xfrm>
-            <a:off x="5728138" y="6498021"/>
-            <a:ext cx="1765738" cy="369332"/>
-          </a:xfrm>
-          <a:prstGeom prst="rect">
-            <a:avLst/>
-          </a:prstGeom>
-          <a:noFill/>
-        </p:spPr>
-        <p:txBody>
-          <a:bodyPr wrap="square" rtlCol="0">
-            <a:spAutoFit/>
-          </a:bodyPr>
-          <a:lstStyle/>
-          <a:p>
-            <a:r>
-              <a:rPr lang="en-GB" dirty="0">
-                <a:solidFill>
-                  <a:schemeClr val="accent1"/>
-                </a:solidFill>
-              </a:rPr>
-              <a:t>Demonstration</a:t>
-            </a:r>
-          </a:p>
-        </p:txBody>
-      </p:sp>
-      <p:sp>
-        <p:nvSpPr>
           <p:cNvPr id="5" name="TextBox 4">
             <a:extLst>
               <a:ext uri="{FF2B5EF4-FFF2-40B4-BE49-F238E27FC236}">
@@ -23122,45 +23089,6 @@
       </p:sp>
       <p:sp>
         <p:nvSpPr>
-          <p:cNvPr id="11" name="TextBox 10">
-            <a:extLst>
-              <a:ext uri="{FF2B5EF4-FFF2-40B4-BE49-F238E27FC236}">
-                <a16:creationId xmlns:a16="http://schemas.microsoft.com/office/drawing/2014/main" id="{EE625C72-6D59-439C-96A8-3DEE7A0774D8}"/>
-              </a:ext>
-            </a:extLst>
-          </p:cNvPr>
-          <p:cNvSpPr txBox="1"/>
-          <p:nvPr/>
-        </p:nvSpPr>
-        <p:spPr>
-          <a:xfrm>
-            <a:off x="5728138" y="6498021"/>
-            <a:ext cx="1765738" cy="369332"/>
-          </a:xfrm>
-          <a:prstGeom prst="rect">
-            <a:avLst/>
-          </a:prstGeom>
-          <a:noFill/>
-        </p:spPr>
-        <p:txBody>
-          <a:bodyPr wrap="square" rtlCol="0">
-            <a:spAutoFit/>
-          </a:bodyPr>
-          <a:lstStyle/>
-          <a:p>
-            <a:r>
-              <a:rPr lang="en-GB" dirty="0">
-                <a:solidFill>
-                  <a:schemeClr val="accent1"/>
-                </a:solidFill>
-              </a:rPr>
-              <a:t>Demonstration</a:t>
-            </a:r>
-          </a:p>
-        </p:txBody>
-      </p:sp>
-      <p:sp>
-        <p:nvSpPr>
           <p:cNvPr id="3" name="TextBox 2">
             <a:extLst>
               <a:ext uri="{FF2B5EF4-FFF2-40B4-BE49-F238E27FC236}">
@@ -23576,45 +23504,6 @@
             <a:r>
               <a:rPr lang="en-GB" sz="2400" dirty="0"/>
               <a:t>	</a:t>
-            </a:r>
-          </a:p>
-        </p:txBody>
-      </p:sp>
-      <p:sp>
-        <p:nvSpPr>
-          <p:cNvPr id="11" name="TextBox 10">
-            <a:extLst>
-              <a:ext uri="{FF2B5EF4-FFF2-40B4-BE49-F238E27FC236}">
-                <a16:creationId xmlns:a16="http://schemas.microsoft.com/office/drawing/2014/main" id="{EE625C72-6D59-439C-96A8-3DEE7A0774D8}"/>
-              </a:ext>
-            </a:extLst>
-          </p:cNvPr>
-          <p:cNvSpPr txBox="1"/>
-          <p:nvPr/>
-        </p:nvSpPr>
-        <p:spPr>
-          <a:xfrm>
-            <a:off x="5728138" y="6498021"/>
-            <a:ext cx="1765738" cy="369332"/>
-          </a:xfrm>
-          <a:prstGeom prst="rect">
-            <a:avLst/>
-          </a:prstGeom>
-          <a:noFill/>
-        </p:spPr>
-        <p:txBody>
-          <a:bodyPr wrap="square" rtlCol="0">
-            <a:spAutoFit/>
-          </a:bodyPr>
-          <a:lstStyle/>
-          <a:p>
-            <a:r>
-              <a:rPr lang="en-GB" dirty="0">
-                <a:solidFill>
-                  <a:schemeClr val="accent1"/>
-                </a:solidFill>
-              </a:rPr>
-              <a:t>Demonstration</a:t>
             </a:r>
           </a:p>
         </p:txBody>

--- a/Introduction to Fortran Slides.pptx
+++ b/Introduction to Fortran Slides.pptx
@@ -5,10 +5,10 @@
     <p:sldMasterId id="2147483648" r:id="rId1"/>
   </p:sldMasterIdLst>
   <p:notesMasterIdLst>
-    <p:notesMasterId r:id="rId50"/>
+    <p:notesMasterId r:id="rId51"/>
   </p:notesMasterIdLst>
   <p:handoutMasterIdLst>
-    <p:handoutMasterId r:id="rId51"/>
+    <p:handoutMasterId r:id="rId52"/>
   </p:handoutMasterIdLst>
   <p:sldIdLst>
     <p:sldId id="264" r:id="rId2"/>
@@ -58,7 +58,8 @@
     <p:sldId id="329" r:id="rId46"/>
     <p:sldId id="330" r:id="rId47"/>
     <p:sldId id="332" r:id="rId48"/>
-    <p:sldId id="280" r:id="rId49"/>
+    <p:sldId id="334" r:id="rId49"/>
+    <p:sldId id="280" r:id="rId50"/>
   </p:sldIdLst>
   <p:sldSz cx="9144000" cy="6858000" type="screen4x3"/>
   <p:notesSz cx="7099300" cy="10234613"/>
@@ -209,6 +210,7 @@
             <p14:sldId id="329"/>
             <p14:sldId id="330"/>
             <p14:sldId id="332"/>
+            <p14:sldId id="334"/>
             <p14:sldId id="280"/>
           </p14:sldIdLst>
         </p14:section>
@@ -484,7 +486,7 @@
           <a:p>
             <a:fld id="{88EB714B-C3CC-4216-88C1-02913905B1CF}" type="datetimeFigureOut">
               <a:rPr lang="en-GB" smtClean="0"/>
-              <a:t>14/05/2020</a:t>
+              <a:t>15/05/2020</a:t>
             </a:fld>
             <a:endParaRPr lang="en-GB"/>
           </a:p>
@@ -7230,6 +7232,90 @@
       </p:grpSpPr>
       <p:sp>
         <p:nvSpPr>
+          <p:cNvPr id="2" name="Slide Image Placeholder 1"/>
+          <p:cNvSpPr>
+            <a:spLocks noGrp="1" noRot="1" noChangeAspect="1"/>
+          </p:cNvSpPr>
+          <p:nvPr>
+            <p:ph type="sldImg"/>
+          </p:nvPr>
+        </p:nvSpPr>
+        <p:spPr/>
+      </p:sp>
+      <p:sp>
+        <p:nvSpPr>
+          <p:cNvPr id="3" name="Notes Placeholder 2"/>
+          <p:cNvSpPr>
+            <a:spLocks noGrp="1"/>
+          </p:cNvSpPr>
+          <p:nvPr>
+            <p:ph type="body" idx="1"/>
+          </p:nvPr>
+        </p:nvSpPr>
+        <p:spPr/>
+        <p:txBody>
+          <a:bodyPr/>
+          <a:lstStyle/>
+          <a:p>
+            <a:endParaRPr lang="en-GB" dirty="0"/>
+          </a:p>
+        </p:txBody>
+      </p:sp>
+      <p:sp>
+        <p:nvSpPr>
+          <p:cNvPr id="4" name="Slide Number Placeholder 3"/>
+          <p:cNvSpPr>
+            <a:spLocks noGrp="1"/>
+          </p:cNvSpPr>
+          <p:nvPr>
+            <p:ph type="sldNum" sz="quarter" idx="10"/>
+          </p:nvPr>
+        </p:nvSpPr>
+        <p:spPr/>
+        <p:txBody>
+          <a:bodyPr/>
+          <a:lstStyle/>
+          <a:p>
+            <a:fld id="{6A641EC8-C9F8-4A58-A1A7-F7D817526EEC}" type="slidenum">
+              <a:rPr lang="en-GB" smtClean="0"/>
+              <a:t>48</a:t>
+            </a:fld>
+            <a:endParaRPr lang="en-GB"/>
+          </a:p>
+        </p:txBody>
+      </p:sp>
+    </p:spTree>
+    <p:extLst>
+      <p:ext uri="{BB962C8B-B14F-4D97-AF65-F5344CB8AC3E}">
+        <p14:creationId xmlns:p14="http://schemas.microsoft.com/office/powerpoint/2010/main" val="1492413823"/>
+      </p:ext>
+    </p:extLst>
+  </p:cSld>
+  <p:clrMapOvr>
+    <a:masterClrMapping/>
+  </p:clrMapOvr>
+</p:notes>
+</file>
+
+<file path=ppt/notesSlides/notesSlide49.xml><?xml version="1.0" encoding="utf-8"?>
+<p:notes xmlns:a="http://schemas.openxmlformats.org/drawingml/2006/main" xmlns:r="http://schemas.openxmlformats.org/officeDocument/2006/relationships" xmlns:p="http://schemas.openxmlformats.org/presentationml/2006/main">
+  <p:cSld>
+    <p:spTree>
+      <p:nvGrpSpPr>
+        <p:cNvPr id="1" name=""/>
+        <p:cNvGrpSpPr/>
+        <p:nvPr/>
+      </p:nvGrpSpPr>
+      <p:grpSpPr>
+        <a:xfrm>
+          <a:off x="0" y="0"/>
+          <a:ext cx="0" cy="0"/>
+          <a:chOff x="0" y="0"/>
+          <a:chExt cx="0" cy="0"/>
+        </a:xfrm>
+      </p:grpSpPr>
+      <p:sp>
+        <p:nvSpPr>
           <p:cNvPr id="108546" name="Rectangle 7"/>
           <p:cNvSpPr>
             <a:spLocks noGrp="1" noChangeArrowheads="1"/>
@@ -7388,7 +7474,7 @@
                   <a:spcPct val="0"/>
                 </a:spcBef>
               </a:pPr>
-              <a:t>48</a:t>
+              <a:t>49</a:t>
             </a:fld>
             <a:endParaRPr lang="en-US" altLang="en-US"/>
           </a:p>
@@ -8437,7 +8523,7 @@
           <a:p>
             <a:fld id="{EB0080F8-EA1C-491D-963C-2C881B2F918F}" type="datetimeFigureOut">
               <a:rPr lang="en-GB" smtClean="0"/>
-              <a:t>14/05/2020</a:t>
+              <a:t>15/05/2020</a:t>
             </a:fld>
             <a:endParaRPr lang="en-GB"/>
           </a:p>
@@ -8587,7 +8673,7 @@
           <a:p>
             <a:fld id="{EB0080F8-EA1C-491D-963C-2C881B2F918F}" type="datetimeFigureOut">
               <a:rPr lang="en-GB" smtClean="0"/>
-              <a:t>14/05/2020</a:t>
+              <a:t>15/05/2020</a:t>
             </a:fld>
             <a:endParaRPr lang="en-GB"/>
           </a:p>
@@ -10120,7 +10206,7 @@
           <a:p>
             <a:fld id="{EB0080F8-EA1C-491D-963C-2C881B2F918F}" type="datetimeFigureOut">
               <a:rPr lang="en-GB" smtClean="0"/>
-              <a:t>14/05/2020</a:t>
+              <a:t>15/05/2020</a:t>
             </a:fld>
             <a:endParaRPr lang="en-GB"/>
           </a:p>
@@ -24660,6 +24746,126 @@
       </p:grpSpPr>
       <p:sp>
         <p:nvSpPr>
+          <p:cNvPr id="2" name="Title 1"/>
+          <p:cNvSpPr>
+            <a:spLocks noGrp="1"/>
+          </p:cNvSpPr>
+          <p:nvPr>
+            <p:ph type="title"/>
+          </p:nvPr>
+        </p:nvSpPr>
+        <p:spPr/>
+        <p:txBody>
+          <a:bodyPr/>
+          <a:lstStyle/>
+          <a:p>
+            <a:r>
+              <a:rPr lang="en-GB" sz="4000" dirty="0"/>
+              <a:t>Feedback</a:t>
+            </a:r>
+          </a:p>
+        </p:txBody>
+      </p:sp>
+      <p:sp>
+        <p:nvSpPr>
+          <p:cNvPr id="3" name="Content Placeholder 2"/>
+          <p:cNvSpPr>
+            <a:spLocks noGrp="1"/>
+          </p:cNvSpPr>
+          <p:nvPr>
+            <p:ph idx="1"/>
+          </p:nvPr>
+        </p:nvSpPr>
+        <p:spPr>
+          <a:xfrm>
+            <a:off x="457200" y="1600200"/>
+            <a:ext cx="8435280" cy="4876800"/>
+          </a:xfrm>
+        </p:spPr>
+        <p:txBody>
+          <a:bodyPr>
+            <a:normAutofit/>
+          </a:bodyPr>
+          <a:lstStyle/>
+          <a:p>
+            <a:r>
+              <a:rPr lang="en-GB" sz="3000" dirty="0"/>
+              <a:t>Once you’ve completed this course, please provide feedback</a:t>
+            </a:r>
+          </a:p>
+          <a:p>
+            <a:pPr lvl="1"/>
+            <a:r>
+              <a:rPr lang="en-GB" sz="2600" dirty="0"/>
+              <a:t>The link is </a:t>
+            </a:r>
+            <a:r>
+              <a:rPr lang="en-GB" sz="2600" dirty="0">
+                <a:hlinkClick r:id="rId3"/>
+              </a:rPr>
+              <a:t>http://bit.ly/computingdatascience1920</a:t>
+            </a:r>
+            <a:endParaRPr lang="en-GB" sz="2600" dirty="0"/>
+          </a:p>
+          <a:p>
+            <a:pPr lvl="1"/>
+            <a:r>
+              <a:rPr lang="en-GB" sz="2600" dirty="0"/>
+              <a:t>You should also have received an email with this link</a:t>
+            </a:r>
+          </a:p>
+          <a:p>
+            <a:pPr lvl="1"/>
+            <a:r>
+              <a:rPr lang="en-GB" sz="2600" dirty="0"/>
+              <a:t>This helps us improve the class for future students</a:t>
+            </a:r>
+          </a:p>
+          <a:p>
+            <a:endParaRPr lang="en-GB" sz="3000" dirty="0"/>
+          </a:p>
+        </p:txBody>
+      </p:sp>
+    </p:spTree>
+    <p:extLst>
+      <p:ext uri="{BB962C8B-B14F-4D97-AF65-F5344CB8AC3E}">
+        <p14:creationId xmlns:p14="http://schemas.microsoft.com/office/powerpoint/2010/main" val="2122788927"/>
+      </p:ext>
+    </p:extLst>
+  </p:cSld>
+  <p:clrMapOvr>
+    <a:masterClrMapping/>
+  </p:clrMapOvr>
+  <mc:AlternateContent xmlns:mc="http://schemas.openxmlformats.org/markup-compatibility/2006" xmlns:p14="http://schemas.microsoft.com/office/powerpoint/2010/main">
+    <mc:Choice Requires="p14">
+      <p:transition p14:dur="10"/>
+    </mc:Choice>
+    <mc:Fallback xmlns="">
+      <p:transition/>
+    </mc:Fallback>
+  </mc:AlternateContent>
+</p:sld>
+</file>
+
+<file path=ppt/slides/slide49.xml><?xml version="1.0" encoding="utf-8"?>
+<p:sld xmlns:a="http://schemas.openxmlformats.org/drawingml/2006/main" xmlns:r="http://schemas.openxmlformats.org/officeDocument/2006/relationships" xmlns:p="http://schemas.openxmlformats.org/presentationml/2006/main">
+  <p:cSld>
+    <p:spTree>
+      <p:nvGrpSpPr>
+        <p:cNvPr id="1" name=""/>
+        <p:cNvGrpSpPr/>
+        <p:nvPr/>
+      </p:nvGrpSpPr>
+      <p:grpSpPr>
+        <a:xfrm>
+          <a:off x="0" y="0"/>
+          <a:ext cx="0" cy="0"/>
+          <a:chOff x="0" y="0"/>
+          <a:chExt cx="0" cy="0"/>
+        </a:xfrm>
+      </p:grpSpPr>
+      <p:sp>
+        <p:nvSpPr>
           <p:cNvPr id="3074" name="Rectangle 2"/>
           <p:cNvSpPr>
             <a:spLocks noGrp="1" noChangeArrowheads="1"/>
@@ -24690,34 +24896,201 @@
       </p:sp>
       <p:sp>
         <p:nvSpPr>
-          <p:cNvPr id="3" name="Subtitle 2"/>
-          <p:cNvSpPr>
-            <a:spLocks noGrp="1"/>
-          </p:cNvSpPr>
-          <p:nvPr>
-            <p:ph type="subTitle" idx="1"/>
-          </p:nvPr>
+          <p:cNvPr id="4" name="Subtitle 2">
+            <a:extLst>
+              <a:ext uri="{FF2B5EF4-FFF2-40B4-BE49-F238E27FC236}">
+                <a16:creationId xmlns:a16="http://schemas.microsoft.com/office/drawing/2014/main" id="{98AFEE1D-FAD0-48A0-BDEC-126036B6F897}"/>
+              </a:ext>
+            </a:extLst>
+          </p:cNvPr>
+          <p:cNvSpPr txBox="1">
+            <a:spLocks/>
+          </p:cNvSpPr>
+          <p:nvPr/>
         </p:nvSpPr>
         <p:spPr>
           <a:xfrm>
-            <a:off x="401319" y="3153410"/>
-            <a:ext cx="7773689" cy="1752600"/>
+            <a:off x="401319" y="3194756"/>
+            <a:ext cx="8341362" cy="383822"/>
           </a:xfrm>
+          <a:prstGeom prst="rect">
+            <a:avLst/>
+          </a:prstGeom>
         </p:spPr>
         <p:txBody>
           <a:bodyPr/>
-          <a:lstStyle/>
-          <a:p>
-            <a:r>
-              <a:rPr lang="en-GB" dirty="0"/>
-              <a:t>Chris Cooling</a:t>
-            </a:r>
-          </a:p>
-          <a:p>
-            <a:r>
-              <a:rPr lang="en-GB" sz="2400" dirty="0"/>
-              <a:t>Graduate School Teaching Fellow</a:t>
-            </a:r>
+          <a:lstStyle>
+            <a:lvl1pPr marL="0" indent="0" algn="l" defTabSz="457200" rtl="0" eaLnBrk="1" latinLnBrk="0" hangingPunct="1">
+              <a:spcBef>
+                <a:spcPct val="20000"/>
+              </a:spcBef>
+              <a:buFont typeface="Arial"/>
+              <a:buNone/>
+              <a:defRPr sz="2800" kern="1200">
+                <a:solidFill>
+                  <a:schemeClr val="accent3"/>
+                </a:solidFill>
+                <a:latin typeface="+mj-lt"/>
+                <a:ea typeface="+mn-ea"/>
+                <a:cs typeface="MetaOT-Bold"/>
+              </a:defRPr>
+            </a:lvl1pPr>
+            <a:lvl2pPr marL="457200" indent="0" algn="ctr" defTabSz="457200" rtl="0" eaLnBrk="1" latinLnBrk="0" hangingPunct="1">
+              <a:spcBef>
+                <a:spcPct val="20000"/>
+              </a:spcBef>
+              <a:buFont typeface="Arial"/>
+              <a:buNone/>
+              <a:defRPr sz="2800" kern="1200">
+                <a:solidFill>
+                  <a:schemeClr val="tx1">
+                    <a:tint val="75000"/>
+                  </a:schemeClr>
+                </a:solidFill>
+                <a:latin typeface="+mn-lt"/>
+                <a:ea typeface="+mn-ea"/>
+                <a:cs typeface="+mn-cs"/>
+              </a:defRPr>
+            </a:lvl2pPr>
+            <a:lvl3pPr marL="914400" indent="0" algn="ctr" defTabSz="457200" rtl="0" eaLnBrk="1" latinLnBrk="0" hangingPunct="1">
+              <a:spcBef>
+                <a:spcPct val="20000"/>
+              </a:spcBef>
+              <a:buFont typeface="Arial"/>
+              <a:buNone/>
+              <a:defRPr sz="2400" kern="1200">
+                <a:solidFill>
+                  <a:schemeClr val="tx1">
+                    <a:tint val="75000"/>
+                  </a:schemeClr>
+                </a:solidFill>
+                <a:latin typeface="+mn-lt"/>
+                <a:ea typeface="+mn-ea"/>
+                <a:cs typeface="+mn-cs"/>
+              </a:defRPr>
+            </a:lvl3pPr>
+            <a:lvl4pPr marL="1371600" indent="0" algn="ctr" defTabSz="457200" rtl="0" eaLnBrk="1" latinLnBrk="0" hangingPunct="1">
+              <a:spcBef>
+                <a:spcPct val="20000"/>
+              </a:spcBef>
+              <a:buFont typeface="Arial"/>
+              <a:buNone/>
+              <a:defRPr sz="2000" kern="1200">
+                <a:solidFill>
+                  <a:schemeClr val="tx1">
+                    <a:tint val="75000"/>
+                  </a:schemeClr>
+                </a:solidFill>
+                <a:latin typeface="+mn-lt"/>
+                <a:ea typeface="+mn-ea"/>
+                <a:cs typeface="+mn-cs"/>
+              </a:defRPr>
+            </a:lvl4pPr>
+            <a:lvl5pPr marL="1828800" indent="0" algn="ctr" defTabSz="457200" rtl="0" eaLnBrk="1" latinLnBrk="0" hangingPunct="1">
+              <a:spcBef>
+                <a:spcPct val="20000"/>
+              </a:spcBef>
+              <a:buFont typeface="Arial"/>
+              <a:buNone/>
+              <a:defRPr sz="2000" kern="1200">
+                <a:solidFill>
+                  <a:schemeClr val="tx1">
+                    <a:tint val="75000"/>
+                  </a:schemeClr>
+                </a:solidFill>
+                <a:latin typeface="+mn-lt"/>
+                <a:ea typeface="+mn-ea"/>
+                <a:cs typeface="+mn-cs"/>
+              </a:defRPr>
+            </a:lvl5pPr>
+            <a:lvl6pPr marL="2286000" indent="0" algn="ctr" defTabSz="457200" rtl="0" eaLnBrk="1" latinLnBrk="0" hangingPunct="1">
+              <a:spcBef>
+                <a:spcPct val="20000"/>
+              </a:spcBef>
+              <a:buFont typeface="Arial"/>
+              <a:buNone/>
+              <a:defRPr sz="2000" kern="1200">
+                <a:solidFill>
+                  <a:schemeClr val="tx1">
+                    <a:tint val="75000"/>
+                  </a:schemeClr>
+                </a:solidFill>
+                <a:latin typeface="+mn-lt"/>
+                <a:ea typeface="+mn-ea"/>
+                <a:cs typeface="+mn-cs"/>
+              </a:defRPr>
+            </a:lvl6pPr>
+            <a:lvl7pPr marL="2743200" indent="0" algn="ctr" defTabSz="457200" rtl="0" eaLnBrk="1" latinLnBrk="0" hangingPunct="1">
+              <a:spcBef>
+                <a:spcPct val="20000"/>
+              </a:spcBef>
+              <a:buFont typeface="Arial"/>
+              <a:buNone/>
+              <a:defRPr sz="2000" kern="1200">
+                <a:solidFill>
+                  <a:schemeClr val="tx1">
+                    <a:tint val="75000"/>
+                  </a:schemeClr>
+                </a:solidFill>
+                <a:latin typeface="+mn-lt"/>
+                <a:ea typeface="+mn-ea"/>
+                <a:cs typeface="+mn-cs"/>
+              </a:defRPr>
+            </a:lvl7pPr>
+            <a:lvl8pPr marL="3200400" indent="0" algn="ctr" defTabSz="457200" rtl="0" eaLnBrk="1" latinLnBrk="0" hangingPunct="1">
+              <a:spcBef>
+                <a:spcPct val="20000"/>
+              </a:spcBef>
+              <a:buFont typeface="Arial"/>
+              <a:buNone/>
+              <a:defRPr sz="2000" kern="1200">
+                <a:solidFill>
+                  <a:schemeClr val="tx1">
+                    <a:tint val="75000"/>
+                  </a:schemeClr>
+                </a:solidFill>
+                <a:latin typeface="+mn-lt"/>
+                <a:ea typeface="+mn-ea"/>
+                <a:cs typeface="+mn-cs"/>
+              </a:defRPr>
+            </a:lvl8pPr>
+            <a:lvl9pPr marL="3657600" indent="0" algn="ctr" defTabSz="457200" rtl="0" eaLnBrk="1" latinLnBrk="0" hangingPunct="1">
+              <a:spcBef>
+                <a:spcPct val="20000"/>
+              </a:spcBef>
+              <a:buFont typeface="Arial"/>
+              <a:buNone/>
+              <a:defRPr sz="2000" kern="1200">
+                <a:solidFill>
+                  <a:schemeClr val="tx1">
+                    <a:tint val="75000"/>
+                  </a:schemeClr>
+                </a:solidFill>
+                <a:latin typeface="+mn-lt"/>
+                <a:ea typeface="+mn-ea"/>
+                <a:cs typeface="+mn-cs"/>
+              </a:defRPr>
+            </a:lvl9pPr>
+          </a:lstStyle>
+          <a:p>
+            <a:r>
+              <a:rPr lang="en-GB" sz="1400"/>
+              <a:t>Distributed under </a:t>
+            </a:r>
+            <a:r>
+              <a:rPr lang="en-GB" sz="1400">
+                <a:hlinkClick r:id="rId3"/>
+              </a:rPr>
+              <a:t>Creative Commons Attribution-NonCommercial-ShareAlike 4.0 International</a:t>
+            </a:r>
+            <a:endParaRPr lang="en-GB" sz="1400"/>
+          </a:p>
+          <a:p>
+            <a:r>
+              <a:rPr lang="en-GB" sz="2400"/>
+              <a:t> </a:t>
+            </a:r>
+            <a:endParaRPr lang="en-GB" sz="2400" dirty="0"/>
           </a:p>
         </p:txBody>
       </p:sp>

--- a/Introduction to Fortran Slides.pptx
+++ b/Introduction to Fortran Slides.pptx
@@ -58,7 +58,7 @@
     <p:sldId id="329" r:id="rId46"/>
     <p:sldId id="330" r:id="rId47"/>
     <p:sldId id="332" r:id="rId48"/>
-    <p:sldId id="334" r:id="rId49"/>
+    <p:sldId id="335" r:id="rId49"/>
     <p:sldId id="280" r:id="rId50"/>
   </p:sldIdLst>
   <p:sldSz cx="9144000" cy="6858000" type="screen4x3"/>
@@ -210,7 +210,7 @@
             <p14:sldId id="329"/>
             <p14:sldId id="330"/>
             <p14:sldId id="332"/>
-            <p14:sldId id="334"/>
+            <p14:sldId id="335"/>
             <p14:sldId id="280"/>
           </p14:sldIdLst>
         </p14:section>
@@ -486,7 +486,7 @@
           <a:p>
             <a:fld id="{88EB714B-C3CC-4216-88C1-02913905B1CF}" type="datetimeFigureOut">
               <a:rPr lang="en-GB" smtClean="0"/>
-              <a:t>15/05/2020</a:t>
+              <a:t>27/10/2020</a:t>
             </a:fld>
             <a:endParaRPr lang="en-GB"/>
           </a:p>
@@ -8523,7 +8523,7 @@
           <a:p>
             <a:fld id="{EB0080F8-EA1C-491D-963C-2C881B2F918F}" type="datetimeFigureOut">
               <a:rPr lang="en-GB" smtClean="0"/>
-              <a:t>15/05/2020</a:t>
+              <a:t>27/10/2020</a:t>
             </a:fld>
             <a:endParaRPr lang="en-GB"/>
           </a:p>
@@ -8673,7 +8673,7 @@
           <a:p>
             <a:fld id="{EB0080F8-EA1C-491D-963C-2C881B2F918F}" type="datetimeFigureOut">
               <a:rPr lang="en-GB" smtClean="0"/>
-              <a:t>15/05/2020</a:t>
+              <a:t>27/10/2020</a:t>
             </a:fld>
             <a:endParaRPr lang="en-GB"/>
           </a:p>
@@ -10206,7 +10206,7 @@
           <a:p>
             <a:fld id="{EB0080F8-EA1C-491D-963C-2C881B2F918F}" type="datetimeFigureOut">
               <a:rPr lang="en-GB" smtClean="0"/>
-              <a:t>15/05/2020</a:t>
+              <a:t>27/10/2020</a:t>
             </a:fld>
             <a:endParaRPr lang="en-GB"/>
           </a:p>
@@ -24800,10 +24800,14 @@
               <a:t>The link is </a:t>
             </a:r>
             <a:r>
-              <a:rPr lang="en-GB" sz="2600" dirty="0">
+              <a:rPr lang="en-GB" sz="2600" b="0" i="0" u="sng" dirty="0">
+                <a:solidFill>
+                  <a:srgbClr val="954F72"/>
+                </a:solidFill>
+                <a:effectLst/>
                 <a:hlinkClick r:id="rId3"/>
               </a:rPr>
-              <a:t>http://bit.ly/computingdatascience1920</a:t>
+              <a:t>http://bit.ly/rcds2021</a:t>
             </a:r>
             <a:endParaRPr lang="en-GB" sz="2600" dirty="0"/>
           </a:p>
@@ -24829,7 +24833,7 @@
     </p:spTree>
     <p:extLst>
       <p:ext uri="{BB962C8B-B14F-4D97-AF65-F5344CB8AC3E}">
-        <p14:creationId xmlns:p14="http://schemas.microsoft.com/office/powerpoint/2010/main" val="2122788927"/>
+        <p14:creationId xmlns:p14="http://schemas.microsoft.com/office/powerpoint/2010/main" val="466020703"/>
       </p:ext>
     </p:extLst>
   </p:cSld>

--- a/Introduction to Fortran Slides.pptx
+++ b/Introduction to Fortran Slides.pptx
@@ -486,7 +486,7 @@
           <a:p>
             <a:fld id="{88EB714B-C3CC-4216-88C1-02913905B1CF}" type="datetimeFigureOut">
               <a:rPr lang="en-GB" smtClean="0"/>
-              <a:t>27/10/2020</a:t>
+              <a:t>28/10/2020</a:t>
             </a:fld>
             <a:endParaRPr lang="en-GB"/>
           </a:p>
@@ -8523,7 +8523,7 @@
           <a:p>
             <a:fld id="{EB0080F8-EA1C-491D-963C-2C881B2F918F}" type="datetimeFigureOut">
               <a:rPr lang="en-GB" smtClean="0"/>
-              <a:t>27/10/2020</a:t>
+              <a:t>28/10/2020</a:t>
             </a:fld>
             <a:endParaRPr lang="en-GB"/>
           </a:p>
@@ -8673,7 +8673,7 @@
           <a:p>
             <a:fld id="{EB0080F8-EA1C-491D-963C-2C881B2F918F}" type="datetimeFigureOut">
               <a:rPr lang="en-GB" smtClean="0"/>
-              <a:t>27/10/2020</a:t>
+              <a:t>28/10/2020</a:t>
             </a:fld>
             <a:endParaRPr lang="en-GB"/>
           </a:p>
@@ -10206,7 +10206,7 @@
           <a:p>
             <a:fld id="{EB0080F8-EA1C-491D-963C-2C881B2F918F}" type="datetimeFigureOut">
               <a:rPr lang="en-GB" smtClean="0"/>
-              <a:t>27/10/2020</a:t>
+              <a:t>28/10/2020</a:t>
             </a:fld>
             <a:endParaRPr lang="en-GB"/>
           </a:p>
@@ -21579,45 +21579,6 @@
           </a:p>
         </p:txBody>
       </p:sp>
-      <p:sp>
-        <p:nvSpPr>
-          <p:cNvPr id="11" name="TextBox 10">
-            <a:extLst>
-              <a:ext uri="{FF2B5EF4-FFF2-40B4-BE49-F238E27FC236}">
-                <a16:creationId xmlns:a16="http://schemas.microsoft.com/office/drawing/2014/main" id="{EE625C72-6D59-439C-96A8-3DEE7A0774D8}"/>
-              </a:ext>
-            </a:extLst>
-          </p:cNvPr>
-          <p:cNvSpPr txBox="1"/>
-          <p:nvPr/>
-        </p:nvSpPr>
-        <p:spPr>
-          <a:xfrm>
-            <a:off x="5728138" y="6498021"/>
-            <a:ext cx="1765738" cy="369332"/>
-          </a:xfrm>
-          <a:prstGeom prst="rect">
-            <a:avLst/>
-          </a:prstGeom>
-          <a:noFill/>
-        </p:spPr>
-        <p:txBody>
-          <a:bodyPr wrap="square" rtlCol="0">
-            <a:spAutoFit/>
-          </a:bodyPr>
-          <a:lstStyle/>
-          <a:p>
-            <a:r>
-              <a:rPr lang="en-GB" dirty="0">
-                <a:solidFill>
-                  <a:schemeClr val="accent1"/>
-                </a:solidFill>
-              </a:rPr>
-              <a:t>Demonstration</a:t>
-            </a:r>
-          </a:p>
-        </p:txBody>
-      </p:sp>
     </p:spTree>
     <p:extLst>
       <p:ext uri="{BB962C8B-B14F-4D97-AF65-F5344CB8AC3E}">
@@ -22320,11 +22281,11 @@
                   <a:schemeClr val="accent1"/>
                 </a:solidFill>
               </a:rPr>
-              <a:t>else </a:t>
+              <a:t>else if</a:t>
             </a:r>
             <a:r>
               <a:rPr lang="en-GB" sz="2400" dirty="0"/>
-              <a:t>if(value&gt;</a:t>
+              <a:t>(value&gt;</a:t>
             </a:r>
             <a:r>
               <a:rPr lang="en-GB" sz="2400" dirty="0">
@@ -22580,7 +22541,7 @@
             </a:r>
             <a:r>
               <a:rPr lang="en-GB" sz="2400" dirty="0"/>
-              <a:t>) 	</a:t>
+              <a:t>)result(evaluation) 	</a:t>
             </a:r>
           </a:p>
           <a:p>

--- a/Introduction to Fortran Slides.pptx
+++ b/Introduction to Fortran Slides.pptx
@@ -486,7 +486,7 @@
           <a:p>
             <a:fld id="{88EB714B-C3CC-4216-88C1-02913905B1CF}" type="datetimeFigureOut">
               <a:rPr lang="en-GB" smtClean="0"/>
-              <a:t>28/10/2020</a:t>
+              <a:t>20/05/2021</a:t>
             </a:fld>
             <a:endParaRPr lang="en-GB"/>
           </a:p>
@@ -8523,7 +8523,7 @@
           <a:p>
             <a:fld id="{EB0080F8-EA1C-491D-963C-2C881B2F918F}" type="datetimeFigureOut">
               <a:rPr lang="en-GB" smtClean="0"/>
-              <a:t>28/10/2020</a:t>
+              <a:t>20/05/2021</a:t>
             </a:fld>
             <a:endParaRPr lang="en-GB"/>
           </a:p>
@@ -8673,7 +8673,7 @@
           <a:p>
             <a:fld id="{EB0080F8-EA1C-491D-963C-2C881B2F918F}" type="datetimeFigureOut">
               <a:rPr lang="en-GB" smtClean="0"/>
-              <a:t>28/10/2020</a:t>
+              <a:t>20/05/2021</a:t>
             </a:fld>
             <a:endParaRPr lang="en-GB"/>
           </a:p>
@@ -10206,7 +10206,7 @@
           <a:p>
             <a:fld id="{EB0080F8-EA1C-491D-963C-2C881B2F918F}" type="datetimeFigureOut">
               <a:rPr lang="en-GB" smtClean="0"/>
-              <a:t>28/10/2020</a:t>
+              <a:t>20/05/2021</a:t>
             </a:fld>
             <a:endParaRPr lang="en-GB"/>
           </a:p>
@@ -22755,8 +22755,12 @@
               <a:t>end function </a:t>
             </a:r>
             <a:r>
-              <a:rPr lang="en-GB" sz="2400" dirty="0" err="1"/>
-              <a:t>print_max</a:t>
+              <a:rPr lang="en-GB" sz="2400" dirty="0" err="1">
+                <a:solidFill>
+                  <a:schemeClr val="accent3"/>
+                </a:solidFill>
+              </a:rPr>
+              <a:t>sum_of_cubes</a:t>
             </a:r>
             <a:endParaRPr lang="en-GB" sz="2400" dirty="0"/>
           </a:p>

--- a/Introduction to Fortran Slides.pptx
+++ b/Introduction to Fortran Slides.pptx
@@ -486,7 +486,7 @@
           <a:p>
             <a:fld id="{88EB714B-C3CC-4216-88C1-02913905B1CF}" type="datetimeFigureOut">
               <a:rPr lang="en-GB" smtClean="0"/>
-              <a:t>20/05/2021</a:t>
+              <a:t>04/10/2021</a:t>
             </a:fld>
             <a:endParaRPr lang="en-GB"/>
           </a:p>
@@ -8523,7 +8523,7 @@
           <a:p>
             <a:fld id="{EB0080F8-EA1C-491D-963C-2C881B2F918F}" type="datetimeFigureOut">
               <a:rPr lang="en-GB" smtClean="0"/>
-              <a:t>20/05/2021</a:t>
+              <a:t>04/10/2021</a:t>
             </a:fld>
             <a:endParaRPr lang="en-GB"/>
           </a:p>
@@ -8673,7 +8673,7 @@
           <a:p>
             <a:fld id="{EB0080F8-EA1C-491D-963C-2C881B2F918F}" type="datetimeFigureOut">
               <a:rPr lang="en-GB" smtClean="0"/>
-              <a:t>20/05/2021</a:t>
+              <a:t>04/10/2021</a:t>
             </a:fld>
             <a:endParaRPr lang="en-GB"/>
           </a:p>
@@ -10206,7 +10206,7 @@
           <a:p>
             <a:fld id="{EB0080F8-EA1C-491D-963C-2C881B2F918F}" type="datetimeFigureOut">
               <a:rPr lang="en-GB" smtClean="0"/>
-              <a:t>20/05/2021</a:t>
+              <a:t>04/10/2021</a:t>
             </a:fld>
             <a:endParaRPr lang="en-GB"/>
           </a:p>
@@ -10683,7 +10683,15 @@
           <a:p>
             <a:r>
               <a:rPr lang="en-GB" sz="2400" dirty="0"/>
-              <a:t>Graduate School Teaching Fellow</a:t>
+              <a:t>Graduate </a:t>
+            </a:r>
+            <a:r>
+              <a:rPr lang="en-GB" sz="2400"/>
+              <a:t>School Senior Teaching </a:t>
+            </a:r>
+            <a:r>
+              <a:rPr lang="en-GB" sz="2400" dirty="0"/>
+              <a:t>Fellow</a:t>
             </a:r>
           </a:p>
         </p:txBody>
@@ -24765,16 +24773,25 @@
               <a:t>The link is </a:t>
             </a:r>
             <a:r>
-              <a:rPr lang="en-GB" sz="2600" b="0" i="0" u="sng" dirty="0">
-                <a:solidFill>
-                  <a:srgbClr val="954F72"/>
+              <a:rPr lang="en-GB" sz="2600" u="sng" dirty="0">
+                <a:solidFill>
+                  <a:srgbClr val="000000"/>
                 </a:solidFill>
                 <a:effectLst/>
+                <a:latin typeface="+mj-lt"/>
+                <a:ea typeface="Times New Roman" panose="02020603050405020304" pitchFamily="18" charset="0"/>
                 <a:hlinkClick r:id="rId3"/>
               </a:rPr>
-              <a:t>http://bit.ly/rcds2021</a:t>
-            </a:r>
-            <a:endParaRPr lang="en-GB" sz="2600" dirty="0"/>
+              <a:t>tinyurl.com/rcds2021-22</a:t>
+            </a:r>
+            <a:endParaRPr lang="en-GB" sz="2600" u="sng" dirty="0">
+              <a:solidFill>
+                <a:srgbClr val="000000"/>
+              </a:solidFill>
+              <a:effectLst/>
+              <a:latin typeface="+mj-lt"/>
+              <a:ea typeface="Times New Roman" panose="02020603050405020304" pitchFamily="18" charset="0"/>
+            </a:endParaRPr>
           </a:p>
           <a:p>
             <a:pPr lvl="1"/>

--- a/Introduction to Fortran Slides.pptx
+++ b/Introduction to Fortran Slides.pptx
@@ -5,61 +5,63 @@
     <p:sldMasterId id="2147483648" r:id="rId1"/>
   </p:sldMasterIdLst>
   <p:notesMasterIdLst>
-    <p:notesMasterId r:id="rId51"/>
+    <p:notesMasterId r:id="rId53"/>
   </p:notesMasterIdLst>
   <p:handoutMasterIdLst>
-    <p:handoutMasterId r:id="rId52"/>
+    <p:handoutMasterId r:id="rId54"/>
   </p:handoutMasterIdLst>
   <p:sldIdLst>
     <p:sldId id="264" r:id="rId2"/>
-    <p:sldId id="267" r:id="rId3"/>
-    <p:sldId id="281" r:id="rId4"/>
-    <p:sldId id="282" r:id="rId5"/>
-    <p:sldId id="283" r:id="rId6"/>
-    <p:sldId id="285" r:id="rId7"/>
-    <p:sldId id="284" r:id="rId8"/>
-    <p:sldId id="286" r:id="rId9"/>
-    <p:sldId id="287" r:id="rId10"/>
-    <p:sldId id="289" r:id="rId11"/>
-    <p:sldId id="331" r:id="rId12"/>
-    <p:sldId id="288" r:id="rId13"/>
-    <p:sldId id="292" r:id="rId14"/>
-    <p:sldId id="294" r:id="rId15"/>
-    <p:sldId id="296" r:id="rId16"/>
-    <p:sldId id="299" r:id="rId17"/>
-    <p:sldId id="295" r:id="rId18"/>
-    <p:sldId id="297" r:id="rId19"/>
-    <p:sldId id="306" r:id="rId20"/>
-    <p:sldId id="300" r:id="rId21"/>
-    <p:sldId id="301" r:id="rId22"/>
-    <p:sldId id="302" r:id="rId23"/>
-    <p:sldId id="305" r:id="rId24"/>
-    <p:sldId id="325" r:id="rId25"/>
-    <p:sldId id="307" r:id="rId26"/>
-    <p:sldId id="308" r:id="rId27"/>
-    <p:sldId id="309" r:id="rId28"/>
-    <p:sldId id="310" r:id="rId29"/>
-    <p:sldId id="311" r:id="rId30"/>
-    <p:sldId id="312" r:id="rId31"/>
-    <p:sldId id="313" r:id="rId32"/>
-    <p:sldId id="314" r:id="rId33"/>
-    <p:sldId id="315" r:id="rId34"/>
-    <p:sldId id="316" r:id="rId35"/>
-    <p:sldId id="317" r:id="rId36"/>
-    <p:sldId id="324" r:id="rId37"/>
-    <p:sldId id="326" r:id="rId38"/>
-    <p:sldId id="323" r:id="rId39"/>
-    <p:sldId id="318" r:id="rId40"/>
-    <p:sldId id="319" r:id="rId41"/>
-    <p:sldId id="320" r:id="rId42"/>
-    <p:sldId id="333" r:id="rId43"/>
-    <p:sldId id="327" r:id="rId44"/>
-    <p:sldId id="328" r:id="rId45"/>
-    <p:sldId id="329" r:id="rId46"/>
-    <p:sldId id="330" r:id="rId47"/>
-    <p:sldId id="332" r:id="rId48"/>
-    <p:sldId id="335" r:id="rId49"/>
-    <p:sldId id="280" r:id="rId50"/>
+    <p:sldId id="258" r:id="rId3"/>
+    <p:sldId id="257" r:id="rId4"/>
+    <p:sldId id="267" r:id="rId5"/>
+    <p:sldId id="281" r:id="rId6"/>
+    <p:sldId id="282" r:id="rId7"/>
+    <p:sldId id="283" r:id="rId8"/>
+    <p:sldId id="285" r:id="rId9"/>
+    <p:sldId id="284" r:id="rId10"/>
+    <p:sldId id="286" r:id="rId11"/>
+    <p:sldId id="287" r:id="rId12"/>
+    <p:sldId id="289" r:id="rId13"/>
+    <p:sldId id="331" r:id="rId14"/>
+    <p:sldId id="288" r:id="rId15"/>
+    <p:sldId id="292" r:id="rId16"/>
+    <p:sldId id="294" r:id="rId17"/>
+    <p:sldId id="296" r:id="rId18"/>
+    <p:sldId id="299" r:id="rId19"/>
+    <p:sldId id="295" r:id="rId20"/>
+    <p:sldId id="297" r:id="rId21"/>
+    <p:sldId id="306" r:id="rId22"/>
+    <p:sldId id="300" r:id="rId23"/>
+    <p:sldId id="301" r:id="rId24"/>
+    <p:sldId id="302" r:id="rId25"/>
+    <p:sldId id="305" r:id="rId26"/>
+    <p:sldId id="325" r:id="rId27"/>
+    <p:sldId id="307" r:id="rId28"/>
+    <p:sldId id="308" r:id="rId29"/>
+    <p:sldId id="309" r:id="rId30"/>
+    <p:sldId id="310" r:id="rId31"/>
+    <p:sldId id="311" r:id="rId32"/>
+    <p:sldId id="312" r:id="rId33"/>
+    <p:sldId id="313" r:id="rId34"/>
+    <p:sldId id="314" r:id="rId35"/>
+    <p:sldId id="315" r:id="rId36"/>
+    <p:sldId id="316" r:id="rId37"/>
+    <p:sldId id="317" r:id="rId38"/>
+    <p:sldId id="324" r:id="rId39"/>
+    <p:sldId id="326" r:id="rId40"/>
+    <p:sldId id="323" r:id="rId41"/>
+    <p:sldId id="318" r:id="rId42"/>
+    <p:sldId id="319" r:id="rId43"/>
+    <p:sldId id="320" r:id="rId44"/>
+    <p:sldId id="333" r:id="rId45"/>
+    <p:sldId id="327" r:id="rId46"/>
+    <p:sldId id="328" r:id="rId47"/>
+    <p:sldId id="329" r:id="rId48"/>
+    <p:sldId id="330" r:id="rId49"/>
+    <p:sldId id="332" r:id="rId50"/>
+    <p:sldId id="335" r:id="rId51"/>
+    <p:sldId id="280" r:id="rId52"/>
   </p:sldIdLst>
   <p:sldSz cx="9144000" cy="6858000" type="screen4x3"/>
   <p:notesSz cx="7099300" cy="10234613"/>
@@ -164,6 +166,8 @@
         <p14:section name="Introduction" id="{45EEEAF5-8C61-4410-A3AB-B2CD0B57ECF0}">
           <p14:sldIdLst>
             <p14:sldId id="264"/>
+            <p14:sldId id="258"/>
+            <p14:sldId id="257"/>
             <p14:sldId id="267"/>
             <p14:sldId id="281"/>
             <p14:sldId id="282"/>
@@ -1132,7 +1136,7 @@
           <a:p>
             <a:fld id="{6A641EC8-C9F8-4A58-A1A7-F7D817526EEC}" type="slidenum">
               <a:rPr lang="en-GB" smtClean="0"/>
-              <a:t>10</a:t>
+              <a:t>12</a:t>
             </a:fld>
             <a:endParaRPr lang="en-GB"/>
           </a:p>
@@ -1286,7 +1290,7 @@
           <a:p>
             <a:fld id="{6A641EC8-C9F8-4A58-A1A7-F7D817526EEC}" type="slidenum">
               <a:rPr lang="en-GB" smtClean="0"/>
-              <a:t>12</a:t>
+              <a:t>14</a:t>
             </a:fld>
             <a:endParaRPr lang="en-GB"/>
           </a:p>
@@ -1383,7 +1387,7 @@
           <a:p>
             <a:fld id="{6A641EC8-C9F8-4A58-A1A7-F7D817526EEC}" type="slidenum">
               <a:rPr lang="en-GB" smtClean="0"/>
-              <a:t>13</a:t>
+              <a:t>15</a:t>
             </a:fld>
             <a:endParaRPr lang="en-GB"/>
           </a:p>
@@ -1498,7 +1502,7 @@
           <a:p>
             <a:fld id="{6A641EC8-C9F8-4A58-A1A7-F7D817526EEC}" type="slidenum">
               <a:rPr lang="en-GB" smtClean="0"/>
-              <a:t>14</a:t>
+              <a:t>16</a:t>
             </a:fld>
             <a:endParaRPr lang="en-GB"/>
           </a:p>
@@ -1602,7 +1606,7 @@
           <a:p>
             <a:fld id="{6A641EC8-C9F8-4A58-A1A7-F7D817526EEC}" type="slidenum">
               <a:rPr lang="en-GB" smtClean="0"/>
-              <a:t>15</a:t>
+              <a:t>17</a:t>
             </a:fld>
             <a:endParaRPr lang="en-GB"/>
           </a:p>
@@ -1715,7 +1719,7 @@
           <a:p>
             <a:fld id="{6A641EC8-C9F8-4A58-A1A7-F7D817526EEC}" type="slidenum">
               <a:rPr lang="en-GB" smtClean="0"/>
-              <a:t>16</a:t>
+              <a:t>18</a:t>
             </a:fld>
             <a:endParaRPr lang="en-GB"/>
           </a:p>
@@ -1824,7 +1828,7 @@
           <a:p>
             <a:fld id="{6A641EC8-C9F8-4A58-A1A7-F7D817526EEC}" type="slidenum">
               <a:rPr lang="en-GB" smtClean="0"/>
-              <a:t>17</a:t>
+              <a:t>19</a:t>
             </a:fld>
             <a:endParaRPr lang="en-GB"/>
           </a:p>
@@ -1928,7 +1932,7 @@
           <a:p>
             <a:fld id="{6A641EC8-C9F8-4A58-A1A7-F7D817526EEC}" type="slidenum">
               <a:rPr lang="en-GB" smtClean="0"/>
-              <a:t>18</a:t>
+              <a:t>20</a:t>
             </a:fld>
             <a:endParaRPr lang="en-GB"/>
           </a:p>
@@ -2037,7 +2041,7 @@
           <a:p>
             <a:fld id="{6A641EC8-C9F8-4A58-A1A7-F7D817526EEC}" type="slidenum">
               <a:rPr lang="en-GB" smtClean="0"/>
-              <a:t>19</a:t>
+              <a:t>21</a:t>
             </a:fld>
             <a:endParaRPr lang="en-GB"/>
           </a:p>
@@ -2121,7 +2125,7 @@
           <a:p>
             <a:fld id="{6A641EC8-C9F8-4A58-A1A7-F7D817526EEC}" type="slidenum">
               <a:rPr lang="en-GB" smtClean="0"/>
-              <a:t>2</a:t>
+              <a:t>4</a:t>
             </a:fld>
             <a:endParaRPr lang="en-GB"/>
           </a:p>
@@ -2234,7 +2238,7 @@
           <a:p>
             <a:fld id="{6A641EC8-C9F8-4A58-A1A7-F7D817526EEC}" type="slidenum">
               <a:rPr lang="en-GB" smtClean="0"/>
-              <a:t>20</a:t>
+              <a:t>22</a:t>
             </a:fld>
             <a:endParaRPr lang="en-GB"/>
           </a:p>
@@ -2487,7 +2491,7 @@
           <a:p>
             <a:fld id="{6A641EC8-C9F8-4A58-A1A7-F7D817526EEC}" type="slidenum">
               <a:rPr lang="en-GB" smtClean="0"/>
-              <a:t>21</a:t>
+              <a:t>23</a:t>
             </a:fld>
             <a:endParaRPr lang="en-GB"/>
           </a:p>
@@ -2609,7 +2613,7 @@
           <a:p>
             <a:fld id="{6A641EC8-C9F8-4A58-A1A7-F7D817526EEC}" type="slidenum">
               <a:rPr lang="en-GB" smtClean="0"/>
-              <a:t>22</a:t>
+              <a:t>24</a:t>
             </a:fld>
             <a:endParaRPr lang="en-GB"/>
           </a:p>
@@ -2783,7 +2787,7 @@
           <a:p>
             <a:fld id="{6A641EC8-C9F8-4A58-A1A7-F7D817526EEC}" type="slidenum">
               <a:rPr lang="en-GB" smtClean="0"/>
-              <a:t>23</a:t>
+              <a:t>25</a:t>
             </a:fld>
             <a:endParaRPr lang="en-GB"/>
           </a:p>
@@ -2888,7 +2892,7 @@
           <a:p>
             <a:fld id="{6A641EC8-C9F8-4A58-A1A7-F7D817526EEC}" type="slidenum">
               <a:rPr lang="en-GB" smtClean="0"/>
-              <a:t>24</a:t>
+              <a:t>26</a:t>
             </a:fld>
             <a:endParaRPr lang="en-GB"/>
           </a:p>
@@ -3074,7 +3078,7 @@
           <a:p>
             <a:fld id="{6A641EC8-C9F8-4A58-A1A7-F7D817526EEC}" type="slidenum">
               <a:rPr lang="en-GB" smtClean="0"/>
-              <a:t>25</a:t>
+              <a:t>27</a:t>
             </a:fld>
             <a:endParaRPr lang="en-GB"/>
           </a:p>
@@ -3334,7 +3338,7 @@
           <a:p>
             <a:fld id="{6A641EC8-C9F8-4A58-A1A7-F7D817526EEC}" type="slidenum">
               <a:rPr lang="en-GB" smtClean="0"/>
-              <a:t>26</a:t>
+              <a:t>28</a:t>
             </a:fld>
             <a:endParaRPr lang="en-GB"/>
           </a:p>
@@ -3620,7 +3624,7 @@
           <a:p>
             <a:fld id="{6A641EC8-C9F8-4A58-A1A7-F7D817526EEC}" type="slidenum">
               <a:rPr lang="en-GB" smtClean="0"/>
-              <a:t>27</a:t>
+              <a:t>29</a:t>
             </a:fld>
             <a:endParaRPr lang="en-GB"/>
           </a:p>
@@ -3810,7 +3814,7 @@
           <a:p>
             <a:fld id="{6A641EC8-C9F8-4A58-A1A7-F7D817526EEC}" type="slidenum">
               <a:rPr lang="en-GB" smtClean="0"/>
-              <a:t>28</a:t>
+              <a:t>30</a:t>
             </a:fld>
             <a:endParaRPr lang="en-GB"/>
           </a:p>
@@ -4005,7 +4009,7 @@
           <a:p>
             <a:fld id="{6A641EC8-C9F8-4A58-A1A7-F7D817526EEC}" type="slidenum">
               <a:rPr lang="en-GB" smtClean="0"/>
-              <a:t>29</a:t>
+              <a:t>31</a:t>
             </a:fld>
             <a:endParaRPr lang="en-GB"/>
           </a:p>
@@ -4109,7 +4113,7 @@
           <a:p>
             <a:fld id="{6A641EC8-C9F8-4A58-A1A7-F7D817526EEC}" type="slidenum">
               <a:rPr lang="en-GB" smtClean="0"/>
-              <a:t>3</a:t>
+              <a:t>5</a:t>
             </a:fld>
             <a:endParaRPr lang="en-GB"/>
           </a:p>
@@ -4385,7 +4389,7 @@
           <a:p>
             <a:fld id="{6A641EC8-C9F8-4A58-A1A7-F7D817526EEC}" type="slidenum">
               <a:rPr lang="en-GB" smtClean="0"/>
-              <a:t>30</a:t>
+              <a:t>32</a:t>
             </a:fld>
             <a:endParaRPr lang="en-GB"/>
           </a:p>
@@ -4486,7 +4490,7 @@
           <a:p>
             <a:fld id="{6A641EC8-C9F8-4A58-A1A7-F7D817526EEC}" type="slidenum">
               <a:rPr lang="en-GB" smtClean="0"/>
-              <a:t>31</a:t>
+              <a:t>33</a:t>
             </a:fld>
             <a:endParaRPr lang="en-GB"/>
           </a:p>
@@ -4676,7 +4680,7 @@
           <a:p>
             <a:fld id="{6A641EC8-C9F8-4A58-A1A7-F7D817526EEC}" type="slidenum">
               <a:rPr lang="en-GB" smtClean="0"/>
-              <a:t>32</a:t>
+              <a:t>34</a:t>
             </a:fld>
             <a:endParaRPr lang="en-GB"/>
           </a:p>
@@ -4909,7 +4913,7 @@
           <a:p>
             <a:fld id="{6A641EC8-C9F8-4A58-A1A7-F7D817526EEC}" type="slidenum">
               <a:rPr lang="en-GB" smtClean="0"/>
-              <a:t>33</a:t>
+              <a:t>35</a:t>
             </a:fld>
             <a:endParaRPr lang="en-GB"/>
           </a:p>
@@ -5056,7 +5060,7 @@
           <a:p>
             <a:fld id="{6A641EC8-C9F8-4A58-A1A7-F7D817526EEC}" type="slidenum">
               <a:rPr lang="en-GB" smtClean="0"/>
-              <a:t>34</a:t>
+              <a:t>36</a:t>
             </a:fld>
             <a:endParaRPr lang="en-GB"/>
           </a:p>
@@ -5203,7 +5207,7 @@
           <a:p>
             <a:fld id="{6A641EC8-C9F8-4A58-A1A7-F7D817526EEC}" type="slidenum">
               <a:rPr lang="en-GB" smtClean="0"/>
-              <a:t>35</a:t>
+              <a:t>37</a:t>
             </a:fld>
             <a:endParaRPr lang="en-GB"/>
           </a:p>
@@ -5436,7 +5440,7 @@
           <a:p>
             <a:fld id="{6A641EC8-C9F8-4A58-A1A7-F7D817526EEC}" type="slidenum">
               <a:rPr lang="en-GB" smtClean="0"/>
-              <a:t>36</a:t>
+              <a:t>38</a:t>
             </a:fld>
             <a:endParaRPr lang="en-GB"/>
           </a:p>
@@ -5583,7 +5587,7 @@
           <a:p>
             <a:fld id="{6A641EC8-C9F8-4A58-A1A7-F7D817526EEC}" type="slidenum">
               <a:rPr lang="en-GB" smtClean="0"/>
-              <a:t>37</a:t>
+              <a:t>39</a:t>
             </a:fld>
             <a:endParaRPr lang="en-GB"/>
           </a:p>
@@ -5773,7 +5777,7 @@
           <a:p>
             <a:fld id="{6A641EC8-C9F8-4A58-A1A7-F7D817526EEC}" type="slidenum">
               <a:rPr lang="en-GB" smtClean="0"/>
-              <a:t>38</a:t>
+              <a:t>40</a:t>
             </a:fld>
             <a:endParaRPr lang="en-GB"/>
           </a:p>
@@ -6006,7 +6010,7 @@
           <a:p>
             <a:fld id="{6A641EC8-C9F8-4A58-A1A7-F7D817526EEC}" type="slidenum">
               <a:rPr lang="en-GB" smtClean="0"/>
-              <a:t>39</a:t>
+              <a:t>41</a:t>
             </a:fld>
             <a:endParaRPr lang="en-GB"/>
           </a:p>
@@ -6135,7 +6139,7 @@
           <a:p>
             <a:fld id="{6A641EC8-C9F8-4A58-A1A7-F7D817526EEC}" type="slidenum">
               <a:rPr lang="en-GB" smtClean="0"/>
-              <a:t>4</a:t>
+              <a:t>6</a:t>
             </a:fld>
             <a:endParaRPr lang="en-GB"/>
           </a:p>
@@ -6282,7 +6286,7 @@
           <a:p>
             <a:fld id="{6A641EC8-C9F8-4A58-A1A7-F7D817526EEC}" type="slidenum">
               <a:rPr lang="en-GB" smtClean="0"/>
-              <a:t>40</a:t>
+              <a:t>42</a:t>
             </a:fld>
             <a:endParaRPr lang="en-GB"/>
           </a:p>
@@ -6386,7 +6390,7 @@
           <a:p>
             <a:fld id="{6A641EC8-C9F8-4A58-A1A7-F7D817526EEC}" type="slidenum">
               <a:rPr lang="en-GB" smtClean="0"/>
-              <a:t>41</a:t>
+              <a:t>43</a:t>
             </a:fld>
             <a:endParaRPr lang="en-GB"/>
           </a:p>
@@ -6490,7 +6494,7 @@
           <a:p>
             <a:fld id="{6A641EC8-C9F8-4A58-A1A7-F7D817526EEC}" type="slidenum">
               <a:rPr lang="en-GB" smtClean="0"/>
-              <a:t>42</a:t>
+              <a:t>44</a:t>
             </a:fld>
             <a:endParaRPr lang="en-GB"/>
           </a:p>
@@ -6637,7 +6641,7 @@
           <a:p>
             <a:fld id="{6A641EC8-C9F8-4A58-A1A7-F7D817526EEC}" type="slidenum">
               <a:rPr lang="en-GB" smtClean="0"/>
-              <a:t>43</a:t>
+              <a:t>45</a:t>
             </a:fld>
             <a:endParaRPr lang="en-GB"/>
           </a:p>
@@ -6784,7 +6788,7 @@
           <a:p>
             <a:fld id="{6A641EC8-C9F8-4A58-A1A7-F7D817526EEC}" type="slidenum">
               <a:rPr lang="en-GB" smtClean="0"/>
-              <a:t>44</a:t>
+              <a:t>46</a:t>
             </a:fld>
             <a:endParaRPr lang="en-GB"/>
           </a:p>
@@ -6931,7 +6935,7 @@
           <a:p>
             <a:fld id="{6A641EC8-C9F8-4A58-A1A7-F7D817526EEC}" type="slidenum">
               <a:rPr lang="en-GB" smtClean="0"/>
-              <a:t>45</a:t>
+              <a:t>47</a:t>
             </a:fld>
             <a:endParaRPr lang="en-GB"/>
           </a:p>
@@ -7278,7 +7282,7 @@
           <a:p>
             <a:fld id="{6A641EC8-C9F8-4A58-A1A7-F7D817526EEC}" type="slidenum">
               <a:rPr lang="en-GB" smtClean="0"/>
-              <a:t>48</a:t>
+              <a:t>50</a:t>
             </a:fld>
             <a:endParaRPr lang="en-GB"/>
           </a:p>
@@ -7474,7 +7478,7 @@
                   <a:spcPct val="0"/>
                 </a:spcBef>
               </a:pPr>
-              <a:t>49</a:t>
+              <a:t>51</a:t>
             </a:fld>
             <a:endParaRPr lang="en-US" altLang="en-US"/>
           </a:p>
@@ -7676,7 +7680,7 @@
           <a:p>
             <a:fld id="{6A641EC8-C9F8-4A58-A1A7-F7D817526EEC}" type="slidenum">
               <a:rPr lang="en-GB" smtClean="0"/>
-              <a:t>5</a:t>
+              <a:t>7</a:t>
             </a:fld>
             <a:endParaRPr lang="en-GB"/>
           </a:p>
@@ -7760,7 +7764,7 @@
           <a:p>
             <a:fld id="{6A641EC8-C9F8-4A58-A1A7-F7D817526EEC}" type="slidenum">
               <a:rPr lang="en-GB" smtClean="0"/>
-              <a:t>6</a:t>
+              <a:t>8</a:t>
             </a:fld>
             <a:endParaRPr lang="en-GB"/>
           </a:p>
@@ -7865,7 +7869,7 @@
           <a:p>
             <a:fld id="{6A641EC8-C9F8-4A58-A1A7-F7D817526EEC}" type="slidenum">
               <a:rPr lang="en-GB" smtClean="0"/>
-              <a:t>7</a:t>
+              <a:t>9</a:t>
             </a:fld>
             <a:endParaRPr lang="en-GB"/>
           </a:p>
@@ -7988,7 +7992,7 @@
           <a:p>
             <a:fld id="{6A641EC8-C9F8-4A58-A1A7-F7D817526EEC}" type="slidenum">
               <a:rPr lang="en-GB" smtClean="0"/>
-              <a:t>8</a:t>
+              <a:t>10</a:t>
             </a:fld>
             <a:endParaRPr lang="en-GB"/>
           </a:p>
@@ -8145,7 +8149,7 @@
           <a:p>
             <a:fld id="{6A641EC8-C9F8-4A58-A1A7-F7D817526EEC}" type="slidenum">
               <a:rPr lang="en-GB" smtClean="0"/>
-              <a:t>9</a:t>
+              <a:t>11</a:t>
             </a:fld>
             <a:endParaRPr lang="en-GB"/>
           </a:p>
@@ -10751,6 +10755,250 @@
           <a:p>
             <a:r>
               <a:rPr lang="en-GB" sz="4000" dirty="0"/>
+              <a:t>The Compiler</a:t>
+            </a:r>
+          </a:p>
+        </p:txBody>
+      </p:sp>
+      <p:sp>
+        <p:nvSpPr>
+          <p:cNvPr id="3" name="Content Placeholder 2"/>
+          <p:cNvSpPr>
+            <a:spLocks noGrp="1"/>
+          </p:cNvSpPr>
+          <p:nvPr>
+            <p:ph idx="1"/>
+          </p:nvPr>
+        </p:nvSpPr>
+        <p:spPr>
+          <a:xfrm>
+            <a:off x="457200" y="1600200"/>
+            <a:ext cx="8435280" cy="4876800"/>
+          </a:xfrm>
+        </p:spPr>
+        <p:txBody>
+          <a:bodyPr>
+            <a:normAutofit/>
+          </a:bodyPr>
+          <a:lstStyle/>
+          <a:p>
+            <a:r>
+              <a:rPr lang="en-GB" sz="3000" dirty="0"/>
+              <a:t>Scans code for syntax errors</a:t>
+            </a:r>
+          </a:p>
+          <a:p>
+            <a:r>
+              <a:rPr lang="en-GB" sz="3000" dirty="0"/>
+              <a:t>Optimises the code</a:t>
+            </a:r>
+          </a:p>
+          <a:p>
+            <a:r>
+              <a:rPr lang="en-GB" sz="3000" dirty="0"/>
+              <a:t>Creates machine code in the form of an object file or executable</a:t>
+            </a:r>
+          </a:p>
+          <a:p>
+            <a:r>
+              <a:rPr lang="en-GB" sz="3000" dirty="0"/>
+              <a:t>Does not:</a:t>
+            </a:r>
+          </a:p>
+          <a:p>
+            <a:pPr lvl="1"/>
+            <a:r>
+              <a:rPr lang="en-GB" sz="2600" dirty="0"/>
+              <a:t>Reveal run-time errors</a:t>
+            </a:r>
+          </a:p>
+          <a:p>
+            <a:pPr lvl="1"/>
+            <a:r>
+              <a:rPr lang="en-GB" sz="2600" dirty="0"/>
+              <a:t>Know what values will be used when the program is executed</a:t>
+            </a:r>
+          </a:p>
+          <a:p>
+            <a:pPr lvl="1"/>
+            <a:r>
+              <a:rPr lang="en-GB" sz="2600" dirty="0"/>
+              <a:t>Run any computations</a:t>
+            </a:r>
+          </a:p>
+        </p:txBody>
+      </p:sp>
+    </p:spTree>
+    <p:extLst>
+      <p:ext uri="{BB962C8B-B14F-4D97-AF65-F5344CB8AC3E}">
+        <p14:creationId xmlns:p14="http://schemas.microsoft.com/office/powerpoint/2010/main" val="3966698890"/>
+      </p:ext>
+    </p:extLst>
+  </p:cSld>
+  <p:clrMapOvr>
+    <a:masterClrMapping/>
+  </p:clrMapOvr>
+  <mc:AlternateContent xmlns:mc="http://schemas.openxmlformats.org/markup-compatibility/2006" xmlns:p14="http://schemas.microsoft.com/office/powerpoint/2010/main">
+    <mc:Choice Requires="p14">
+      <p:transition p14:dur="10"/>
+    </mc:Choice>
+    <mc:Fallback xmlns="">
+      <p:transition/>
+    </mc:Fallback>
+  </mc:AlternateContent>
+</p:sld>
+</file>
+
+<file path=ppt/slides/slide11.xml><?xml version="1.0" encoding="utf-8"?>
+<p:sld xmlns:a="http://schemas.openxmlformats.org/drawingml/2006/main" xmlns:r="http://schemas.openxmlformats.org/officeDocument/2006/relationships" xmlns:p="http://schemas.openxmlformats.org/presentationml/2006/main">
+  <p:cSld>
+    <p:spTree>
+      <p:nvGrpSpPr>
+        <p:cNvPr id="1" name=""/>
+        <p:cNvGrpSpPr/>
+        <p:nvPr/>
+      </p:nvGrpSpPr>
+      <p:grpSpPr>
+        <a:xfrm>
+          <a:off x="0" y="0"/>
+          <a:ext cx="0" cy="0"/>
+          <a:chOff x="0" y="0"/>
+          <a:chExt cx="0" cy="0"/>
+        </a:xfrm>
+      </p:grpSpPr>
+      <p:sp>
+        <p:nvSpPr>
+          <p:cNvPr id="2" name="Title 1"/>
+          <p:cNvSpPr>
+            <a:spLocks noGrp="1"/>
+          </p:cNvSpPr>
+          <p:nvPr>
+            <p:ph type="title"/>
+          </p:nvPr>
+        </p:nvSpPr>
+        <p:spPr/>
+        <p:txBody>
+          <a:bodyPr/>
+          <a:lstStyle/>
+          <a:p>
+            <a:r>
+              <a:rPr lang="en-GB" sz="4000" dirty="0"/>
+              <a:t>Compilers</a:t>
+            </a:r>
+          </a:p>
+        </p:txBody>
+      </p:sp>
+      <p:sp>
+        <p:nvSpPr>
+          <p:cNvPr id="3" name="Content Placeholder 2"/>
+          <p:cNvSpPr>
+            <a:spLocks noGrp="1"/>
+          </p:cNvSpPr>
+          <p:nvPr>
+            <p:ph idx="1"/>
+          </p:nvPr>
+        </p:nvSpPr>
+        <p:spPr>
+          <a:xfrm>
+            <a:off x="457200" y="1600200"/>
+            <a:ext cx="8435280" cy="4876800"/>
+          </a:xfrm>
+        </p:spPr>
+        <p:txBody>
+          <a:bodyPr>
+            <a:normAutofit/>
+          </a:bodyPr>
+          <a:lstStyle/>
+          <a:p>
+            <a:r>
+              <a:rPr lang="en-GB" sz="3000" dirty="0" err="1"/>
+              <a:t>gfortran</a:t>
+            </a:r>
+            <a:endParaRPr lang="en-GB" sz="3000" dirty="0"/>
+          </a:p>
+          <a:p>
+            <a:r>
+              <a:rPr lang="en-GB" sz="3000" dirty="0"/>
+              <a:t>PGI</a:t>
+            </a:r>
+          </a:p>
+          <a:p>
+            <a:r>
+              <a:rPr lang="en-GB" sz="3000" dirty="0" err="1"/>
+              <a:t>Absoft</a:t>
+            </a:r>
+            <a:endParaRPr lang="en-GB" sz="3000" dirty="0"/>
+          </a:p>
+          <a:p>
+            <a:r>
+              <a:rPr lang="en-GB" sz="3000" dirty="0" err="1"/>
+              <a:t>Ifort</a:t>
+            </a:r>
+            <a:endParaRPr lang="en-GB" sz="3000" dirty="0"/>
+          </a:p>
+          <a:p>
+            <a:r>
+              <a:rPr lang="en-GB" sz="3000" dirty="0"/>
+              <a:t>MinGW</a:t>
+            </a:r>
+          </a:p>
+        </p:txBody>
+      </p:sp>
+    </p:spTree>
+    <p:extLst>
+      <p:ext uri="{BB962C8B-B14F-4D97-AF65-F5344CB8AC3E}">
+        <p14:creationId xmlns:p14="http://schemas.microsoft.com/office/powerpoint/2010/main" val="3168009626"/>
+      </p:ext>
+    </p:extLst>
+  </p:cSld>
+  <p:clrMapOvr>
+    <a:masterClrMapping/>
+  </p:clrMapOvr>
+  <mc:AlternateContent xmlns:mc="http://schemas.openxmlformats.org/markup-compatibility/2006" xmlns:p14="http://schemas.microsoft.com/office/powerpoint/2010/main">
+    <mc:Choice Requires="p14">
+      <p:transition p14:dur="10"/>
+    </mc:Choice>
+    <mc:Fallback xmlns="">
+      <p:transition/>
+    </mc:Fallback>
+  </mc:AlternateContent>
+</p:sld>
+</file>
+
+<file path=ppt/slides/slide12.xml><?xml version="1.0" encoding="utf-8"?>
+<p:sld xmlns:a="http://schemas.openxmlformats.org/drawingml/2006/main" xmlns:r="http://schemas.openxmlformats.org/officeDocument/2006/relationships" xmlns:p="http://schemas.openxmlformats.org/presentationml/2006/main">
+  <p:cSld>
+    <p:spTree>
+      <p:nvGrpSpPr>
+        <p:cNvPr id="1" name=""/>
+        <p:cNvGrpSpPr/>
+        <p:nvPr/>
+      </p:nvGrpSpPr>
+      <p:grpSpPr>
+        <a:xfrm>
+          <a:off x="0" y="0"/>
+          <a:ext cx="0" cy="0"/>
+          <a:chOff x="0" y="0"/>
+          <a:chExt cx="0" cy="0"/>
+        </a:xfrm>
+      </p:grpSpPr>
+      <p:sp>
+        <p:nvSpPr>
+          <p:cNvPr id="2" name="Title 1"/>
+          <p:cNvSpPr>
+            <a:spLocks noGrp="1"/>
+          </p:cNvSpPr>
+          <p:nvPr>
+            <p:ph type="title"/>
+          </p:nvPr>
+        </p:nvSpPr>
+        <p:spPr/>
+        <p:txBody>
+          <a:bodyPr/>
+          <a:lstStyle/>
+          <a:p>
+            <a:r>
+              <a:rPr lang="en-GB" sz="4000" dirty="0"/>
               <a:t>Compilation Example</a:t>
             </a:r>
           </a:p>
@@ -10950,7 +11198,7 @@
 </p:sld>
 </file>
 
-<file path=ppt/slides/slide11.xml><?xml version="1.0" encoding="utf-8"?>
+<file path=ppt/slides/slide13.xml><?xml version="1.0" encoding="utf-8"?>
 <p:sld xmlns:a="http://schemas.openxmlformats.org/drawingml/2006/main" xmlns:r="http://schemas.openxmlformats.org/officeDocument/2006/relationships" xmlns:p="http://schemas.openxmlformats.org/presentationml/2006/main">
   <p:cSld>
     <p:spTree>
@@ -11449,412 +11697,6 @@
 </p:sld>
 </file>
 
-<file path=ppt/slides/slide12.xml><?xml version="1.0" encoding="utf-8"?>
-<p:sld xmlns:a="http://schemas.openxmlformats.org/drawingml/2006/main" xmlns:r="http://schemas.openxmlformats.org/officeDocument/2006/relationships" xmlns:p="http://schemas.openxmlformats.org/presentationml/2006/main">
-  <p:cSld>
-    <p:spTree>
-      <p:nvGrpSpPr>
-        <p:cNvPr id="1" name=""/>
-        <p:cNvGrpSpPr/>
-        <p:nvPr/>
-      </p:nvGrpSpPr>
-      <p:grpSpPr>
-        <a:xfrm>
-          <a:off x="0" y="0"/>
-          <a:ext cx="0" cy="0"/>
-          <a:chOff x="0" y="0"/>
-          <a:chExt cx="0" cy="0"/>
-        </a:xfrm>
-      </p:grpSpPr>
-      <p:sp>
-        <p:nvSpPr>
-          <p:cNvPr id="2" name="Title 1"/>
-          <p:cNvSpPr>
-            <a:spLocks noGrp="1"/>
-          </p:cNvSpPr>
-          <p:nvPr>
-            <p:ph type="title"/>
-          </p:nvPr>
-        </p:nvSpPr>
-        <p:spPr/>
-        <p:txBody>
-          <a:bodyPr/>
-          <a:lstStyle/>
-          <a:p>
-            <a:r>
-              <a:rPr lang="en-GB" sz="4000" dirty="0"/>
-              <a:t>My First Program</a:t>
-            </a:r>
-          </a:p>
-        </p:txBody>
-      </p:sp>
-      <p:sp>
-        <p:nvSpPr>
-          <p:cNvPr id="3" name="Content Placeholder 2"/>
-          <p:cNvSpPr>
-            <a:spLocks noGrp="1"/>
-          </p:cNvSpPr>
-          <p:nvPr>
-            <p:ph idx="1"/>
-          </p:nvPr>
-        </p:nvSpPr>
-        <p:spPr>
-          <a:xfrm>
-            <a:off x="457200" y="1600200"/>
-            <a:ext cx="8435280" cy="4876800"/>
-          </a:xfrm>
-        </p:spPr>
-        <p:txBody>
-          <a:bodyPr>
-            <a:normAutofit/>
-          </a:bodyPr>
-          <a:lstStyle/>
-          <a:p>
-            <a:pPr marL="0" indent="0">
-              <a:buNone/>
-            </a:pPr>
-            <a:r>
-              <a:rPr lang="en-GB" sz="3000" dirty="0">
-                <a:solidFill>
-                  <a:schemeClr val="accent1"/>
-                </a:solidFill>
-              </a:rPr>
-              <a:t>program</a:t>
-            </a:r>
-            <a:r>
-              <a:rPr lang="en-GB" sz="3000" dirty="0"/>
-              <a:t> </a:t>
-            </a:r>
-            <a:r>
-              <a:rPr lang="en-GB" sz="3000" dirty="0" err="1"/>
-              <a:t>program_name</a:t>
-            </a:r>
-            <a:endParaRPr lang="en-GB" sz="3000" dirty="0"/>
-          </a:p>
-          <a:p>
-            <a:pPr marL="0" indent="0">
-              <a:buNone/>
-            </a:pPr>
-            <a:endParaRPr lang="en-GB" sz="3000" dirty="0"/>
-          </a:p>
-          <a:p>
-            <a:pPr marL="0" indent="0">
-              <a:buNone/>
-            </a:pPr>
-            <a:r>
-              <a:rPr lang="en-GB" sz="3000" dirty="0"/>
-              <a:t>	</a:t>
-            </a:r>
-            <a:r>
-              <a:rPr lang="en-GB" sz="3000" dirty="0">
-                <a:solidFill>
-                  <a:schemeClr val="accent6"/>
-                </a:solidFill>
-              </a:rPr>
-              <a:t>!This is a comment</a:t>
-            </a:r>
-          </a:p>
-          <a:p>
-            <a:pPr marL="0" indent="0">
-              <a:buNone/>
-            </a:pPr>
-            <a:endParaRPr lang="en-GB" sz="3000" dirty="0"/>
-          </a:p>
-          <a:p>
-            <a:pPr marL="0" indent="0">
-              <a:buNone/>
-            </a:pPr>
-            <a:r>
-              <a:rPr lang="en-GB" sz="3000" dirty="0"/>
-              <a:t>	</a:t>
-            </a:r>
-            <a:r>
-              <a:rPr lang="en-GB" sz="3000" dirty="0">
-                <a:solidFill>
-                  <a:schemeClr val="accent1"/>
-                </a:solidFill>
-              </a:rPr>
-              <a:t>print*</a:t>
-            </a:r>
-            <a:r>
-              <a:rPr lang="en-GB" sz="3000" dirty="0"/>
-              <a:t>,</a:t>
-            </a:r>
-            <a:r>
-              <a:rPr lang="en-GB" sz="3000" dirty="0">
-                <a:solidFill>
-                  <a:schemeClr val="accent1"/>
-                </a:solidFill>
-              </a:rPr>
-              <a:t> </a:t>
-            </a:r>
-            <a:r>
-              <a:rPr lang="en-GB" sz="3000" dirty="0">
-                <a:solidFill>
-                  <a:schemeClr val="accent4"/>
-                </a:solidFill>
-              </a:rPr>
-              <a:t>“Hello world” </a:t>
-            </a:r>
-            <a:r>
-              <a:rPr lang="en-GB" sz="3000" dirty="0">
-                <a:solidFill>
-                  <a:schemeClr val="accent6"/>
-                </a:solidFill>
-              </a:rPr>
-              <a:t>!I’ve just printed something!</a:t>
-            </a:r>
-          </a:p>
-          <a:p>
-            <a:pPr marL="0" indent="0">
-              <a:buNone/>
-            </a:pPr>
-            <a:endParaRPr lang="en-GB" sz="3000" dirty="0"/>
-          </a:p>
-          <a:p>
-            <a:pPr marL="0" indent="0">
-              <a:buNone/>
-            </a:pPr>
-            <a:r>
-              <a:rPr lang="en-GB" sz="3000" dirty="0">
-                <a:solidFill>
-                  <a:schemeClr val="accent1"/>
-                </a:solidFill>
-              </a:rPr>
-              <a:t>end program</a:t>
-            </a:r>
-            <a:r>
-              <a:rPr lang="en-GB" sz="3000" dirty="0"/>
-              <a:t> </a:t>
-            </a:r>
-            <a:r>
-              <a:rPr lang="en-GB" sz="3000" dirty="0" err="1"/>
-              <a:t>program_name</a:t>
-            </a:r>
-            <a:endParaRPr lang="en-GB" sz="3000" dirty="0"/>
-          </a:p>
-        </p:txBody>
-      </p:sp>
-      <p:sp>
-        <p:nvSpPr>
-          <p:cNvPr id="4" name="TextBox 3">
-            <a:extLst>
-              <a:ext uri="{FF2B5EF4-FFF2-40B4-BE49-F238E27FC236}">
-                <a16:creationId xmlns:a16="http://schemas.microsoft.com/office/drawing/2014/main" id="{A272A5A3-411E-4E84-948A-CB0C12587FD5}"/>
-              </a:ext>
-            </a:extLst>
-          </p:cNvPr>
-          <p:cNvSpPr txBox="1"/>
-          <p:nvPr/>
-        </p:nvSpPr>
-        <p:spPr>
-          <a:xfrm>
-            <a:off x="5728138" y="6498021"/>
-            <a:ext cx="1765738" cy="369332"/>
-          </a:xfrm>
-          <a:prstGeom prst="rect">
-            <a:avLst/>
-          </a:prstGeom>
-          <a:noFill/>
-        </p:spPr>
-        <p:txBody>
-          <a:bodyPr wrap="square" rtlCol="0">
-            <a:spAutoFit/>
-          </a:bodyPr>
-          <a:lstStyle/>
-          <a:p>
-            <a:r>
-              <a:rPr lang="en-GB" dirty="0">
-                <a:solidFill>
-                  <a:schemeClr val="accent1"/>
-                </a:solidFill>
-              </a:rPr>
-              <a:t>Demonstration</a:t>
-            </a:r>
-          </a:p>
-        </p:txBody>
-      </p:sp>
-      <p:sp>
-        <p:nvSpPr>
-          <p:cNvPr id="5" name="TextBox 4">
-            <a:extLst>
-              <a:ext uri="{FF2B5EF4-FFF2-40B4-BE49-F238E27FC236}">
-                <a16:creationId xmlns:a16="http://schemas.microsoft.com/office/drawing/2014/main" id="{DA57C239-F00E-48FE-95D5-C42BA114537F}"/>
-              </a:ext>
-            </a:extLst>
-          </p:cNvPr>
-          <p:cNvSpPr txBox="1"/>
-          <p:nvPr/>
-        </p:nvSpPr>
-        <p:spPr>
-          <a:xfrm>
-            <a:off x="7357241" y="6498021"/>
-            <a:ext cx="1697422" cy="369332"/>
-          </a:xfrm>
-          <a:prstGeom prst="rect">
-            <a:avLst/>
-          </a:prstGeom>
-          <a:noFill/>
-        </p:spPr>
-        <p:txBody>
-          <a:bodyPr wrap="square" rtlCol="0">
-            <a:spAutoFit/>
-          </a:bodyPr>
-          <a:lstStyle/>
-          <a:p>
-            <a:r>
-              <a:rPr lang="en-GB" dirty="0">
-                <a:solidFill>
-                  <a:schemeClr val="accent2"/>
-                </a:solidFill>
-              </a:rPr>
-              <a:t>Problem Sheet</a:t>
-            </a:r>
-          </a:p>
-        </p:txBody>
-      </p:sp>
-    </p:spTree>
-    <p:extLst>
-      <p:ext uri="{BB962C8B-B14F-4D97-AF65-F5344CB8AC3E}">
-        <p14:creationId xmlns:p14="http://schemas.microsoft.com/office/powerpoint/2010/main" val="746547034"/>
-      </p:ext>
-    </p:extLst>
-  </p:cSld>
-  <p:clrMapOvr>
-    <a:masterClrMapping/>
-  </p:clrMapOvr>
-  <mc:AlternateContent xmlns:mc="http://schemas.openxmlformats.org/markup-compatibility/2006" xmlns:p14="http://schemas.microsoft.com/office/powerpoint/2010/main">
-    <mc:Choice Requires="p14">
-      <p:transition p14:dur="10"/>
-    </mc:Choice>
-    <mc:Fallback xmlns="">
-      <p:transition/>
-    </mc:Fallback>
-  </mc:AlternateContent>
-</p:sld>
-</file>
-
-<file path=ppt/slides/slide13.xml><?xml version="1.0" encoding="utf-8"?>
-<p:sld xmlns:a="http://schemas.openxmlformats.org/drawingml/2006/main" xmlns:r="http://schemas.openxmlformats.org/officeDocument/2006/relationships" xmlns:p="http://schemas.openxmlformats.org/presentationml/2006/main">
-  <p:cSld>
-    <p:spTree>
-      <p:nvGrpSpPr>
-        <p:cNvPr id="1" name=""/>
-        <p:cNvGrpSpPr/>
-        <p:nvPr/>
-      </p:nvGrpSpPr>
-      <p:grpSpPr>
-        <a:xfrm>
-          <a:off x="0" y="0"/>
-          <a:ext cx="0" cy="0"/>
-          <a:chOff x="0" y="0"/>
-          <a:chExt cx="0" cy="0"/>
-        </a:xfrm>
-      </p:grpSpPr>
-      <p:sp>
-        <p:nvSpPr>
-          <p:cNvPr id="2" name="Title 1"/>
-          <p:cNvSpPr>
-            <a:spLocks noGrp="1"/>
-          </p:cNvSpPr>
-          <p:nvPr>
-            <p:ph type="title"/>
-          </p:nvPr>
-        </p:nvSpPr>
-        <p:spPr/>
-        <p:txBody>
-          <a:bodyPr/>
-          <a:lstStyle/>
-          <a:p>
-            <a:r>
-              <a:rPr lang="en-GB" sz="4000" dirty="0"/>
-              <a:t>Variables</a:t>
-            </a:r>
-          </a:p>
-        </p:txBody>
-      </p:sp>
-      <p:sp>
-        <p:nvSpPr>
-          <p:cNvPr id="3" name="Content Placeholder 2"/>
-          <p:cNvSpPr>
-            <a:spLocks noGrp="1"/>
-          </p:cNvSpPr>
-          <p:nvPr>
-            <p:ph idx="1"/>
-          </p:nvPr>
-        </p:nvSpPr>
-        <p:spPr>
-          <a:xfrm>
-            <a:off x="457200" y="1600200"/>
-            <a:ext cx="8435280" cy="4876800"/>
-          </a:xfrm>
-        </p:spPr>
-        <p:txBody>
-          <a:bodyPr>
-            <a:normAutofit fontScale="92500"/>
-          </a:bodyPr>
-          <a:lstStyle/>
-          <a:p>
-            <a:r>
-              <a:rPr lang="en-GB" sz="3000" dirty="0"/>
-              <a:t>Variables are stored pieces of information within your code</a:t>
-            </a:r>
-          </a:p>
-          <a:p>
-            <a:r>
-              <a:rPr lang="en-GB" sz="3000" dirty="0"/>
-              <a:t>A variable has a label called the “variable name”</a:t>
-            </a:r>
-          </a:p>
-          <a:p>
-            <a:r>
-              <a:rPr lang="en-GB" sz="3000" dirty="0"/>
-              <a:t>Using the variable name, it is possible to assign a new value to a variable, or use the value stored in the variable for a calculation</a:t>
-            </a:r>
-          </a:p>
-          <a:p>
-            <a:r>
-              <a:rPr lang="en-GB" sz="3000" dirty="0"/>
-              <a:t>In Fortran, you must “declare” a variable before using it</a:t>
-            </a:r>
-          </a:p>
-          <a:p>
-            <a:pPr lvl="1"/>
-            <a:r>
-              <a:rPr lang="en-GB" sz="2600" dirty="0"/>
-              <a:t>Defines the name</a:t>
-            </a:r>
-          </a:p>
-          <a:p>
-            <a:pPr lvl="1"/>
-            <a:r>
-              <a:rPr lang="en-GB" sz="2600" dirty="0"/>
-              <a:t>Defines the type of value it may hold </a:t>
-            </a:r>
-          </a:p>
-        </p:txBody>
-      </p:sp>
-    </p:spTree>
-    <p:extLst>
-      <p:ext uri="{BB962C8B-B14F-4D97-AF65-F5344CB8AC3E}">
-        <p14:creationId xmlns:p14="http://schemas.microsoft.com/office/powerpoint/2010/main" val="3140181227"/>
-      </p:ext>
-    </p:extLst>
-  </p:cSld>
-  <p:clrMapOvr>
-    <a:masterClrMapping/>
-  </p:clrMapOvr>
-  <mc:AlternateContent xmlns:mc="http://schemas.openxmlformats.org/markup-compatibility/2006" xmlns:p14="http://schemas.microsoft.com/office/powerpoint/2010/main">
-    <mc:Choice Requires="p14">
-      <p:transition p14:dur="10"/>
-    </mc:Choice>
-    <mc:Fallback xmlns="">
-      <p:transition/>
-    </mc:Fallback>
-  </mc:AlternateContent>
-</p:sld>
-</file>
-
 <file path=ppt/slides/slide14.xml><?xml version="1.0" encoding="utf-8"?>
 <p:sld xmlns:a="http://schemas.openxmlformats.org/drawingml/2006/main" xmlns:r="http://schemas.openxmlformats.org/officeDocument/2006/relationships" xmlns:p="http://schemas.openxmlformats.org/presentationml/2006/main">
   <p:cSld>
@@ -11889,7 +11731,7 @@
           <a:p>
             <a:r>
               <a:rPr lang="en-GB" sz="4000" dirty="0"/>
-              <a:t>Variables</a:t>
+              <a:t>My First Program</a:t>
             </a:r>
           </a:p>
         </p:txBody>
@@ -11920,135 +11762,124 @@
               <a:buNone/>
             </a:pPr>
             <a:r>
-              <a:rPr lang="en-GB" dirty="0">
-                <a:solidFill>
-                  <a:schemeClr val="accent5"/>
+              <a:rPr lang="en-GB" sz="3000" dirty="0">
+                <a:solidFill>
+                  <a:schemeClr val="accent1"/>
                 </a:solidFill>
               </a:rPr>
-              <a:t>integer </a:t>
-            </a:r>
-            <a:r>
-              <a:rPr lang="en-GB" dirty="0"/>
-              <a:t>					::  int1, int2, int3</a:t>
-            </a:r>
+              <a:t>program</a:t>
+            </a:r>
+            <a:r>
+              <a:rPr lang="en-GB" sz="3000" dirty="0"/>
+              <a:t> </a:t>
+            </a:r>
+            <a:r>
+              <a:rPr lang="en-GB" sz="3000" dirty="0" err="1"/>
+              <a:t>program_name</a:t>
+            </a:r>
+            <a:endParaRPr lang="en-GB" sz="3000" dirty="0"/>
           </a:p>
           <a:p>
             <a:pPr marL="0" indent="0">
               <a:buNone/>
             </a:pPr>
-            <a:r>
-              <a:rPr lang="en-GB" dirty="0">
-                <a:solidFill>
-                  <a:schemeClr val="accent5"/>
+            <a:endParaRPr lang="en-GB" sz="3000" dirty="0"/>
+          </a:p>
+          <a:p>
+            <a:pPr marL="0" indent="0">
+              <a:buNone/>
+            </a:pPr>
+            <a:r>
+              <a:rPr lang="en-GB" sz="3000" dirty="0"/>
+              <a:t>	</a:t>
+            </a:r>
+            <a:r>
+              <a:rPr lang="en-GB" sz="3000" dirty="0">
+                <a:solidFill>
+                  <a:schemeClr val="accent6"/>
                 </a:solidFill>
               </a:rPr>
-              <a:t>real</a:t>
-            </a:r>
-            <a:r>
-              <a:rPr lang="en-GB" dirty="0"/>
-              <a:t>    					::  real1</a:t>
+              <a:t>!This is a comment</a:t>
             </a:r>
           </a:p>
           <a:p>
             <a:pPr marL="0" indent="0">
               <a:buNone/>
             </a:pPr>
-            <a:r>
-              <a:rPr lang="en-GB" dirty="0">
-                <a:solidFill>
-                  <a:schemeClr val="accent5"/>
+            <a:endParaRPr lang="en-GB" sz="3000" dirty="0"/>
+          </a:p>
+          <a:p>
+            <a:pPr marL="0" indent="0">
+              <a:buNone/>
+            </a:pPr>
+            <a:r>
+              <a:rPr lang="en-GB" sz="3000" dirty="0"/>
+              <a:t>	</a:t>
+            </a:r>
+            <a:r>
+              <a:rPr lang="en-GB" sz="3000" dirty="0">
+                <a:solidFill>
+                  <a:schemeClr val="accent1"/>
                 </a:solidFill>
               </a:rPr>
-              <a:t>real </a:t>
-            </a:r>
-            <a:r>
-              <a:rPr lang="en-GB" dirty="0"/>
-              <a:t>   					::  real2</a:t>
+              <a:t>print*</a:t>
+            </a:r>
+            <a:r>
+              <a:rPr lang="en-GB" sz="3000" dirty="0"/>
+              <a:t>,</a:t>
+            </a:r>
+            <a:r>
+              <a:rPr lang="en-GB" sz="3000" dirty="0">
+                <a:solidFill>
+                  <a:schemeClr val="accent1"/>
+                </a:solidFill>
+              </a:rPr>
+              <a:t> </a:t>
+            </a:r>
+            <a:r>
+              <a:rPr lang="en-GB" sz="3000" dirty="0">
+                <a:solidFill>
+                  <a:schemeClr val="accent4"/>
+                </a:solidFill>
+              </a:rPr>
+              <a:t>“Hello world” </a:t>
+            </a:r>
+            <a:r>
+              <a:rPr lang="en-GB" sz="3000" dirty="0">
+                <a:solidFill>
+                  <a:schemeClr val="accent6"/>
+                </a:solidFill>
+              </a:rPr>
+              <a:t>!I’ve just printed something!</a:t>
             </a:r>
           </a:p>
           <a:p>
             <a:pPr marL="0" indent="0">
               <a:buNone/>
             </a:pPr>
-            <a:r>
-              <a:rPr lang="en-GB" dirty="0">
-                <a:solidFill>
-                  <a:schemeClr val="accent5"/>
+            <a:endParaRPr lang="en-GB" sz="3000" dirty="0"/>
+          </a:p>
+          <a:p>
+            <a:pPr marL="0" indent="0">
+              <a:buNone/>
+            </a:pPr>
+            <a:r>
+              <a:rPr lang="en-GB" sz="3000" dirty="0">
+                <a:solidFill>
+                  <a:schemeClr val="accent1"/>
                 </a:solidFill>
               </a:rPr>
-              <a:t>character</a:t>
-            </a:r>
-            <a:r>
-              <a:rPr lang="en-GB" dirty="0"/>
-              <a:t>(</a:t>
-            </a:r>
-            <a:r>
-              <a:rPr lang="en-GB" dirty="0">
-                <a:solidFill>
-                  <a:schemeClr val="accent2"/>
-                </a:solidFill>
-              </a:rPr>
-              <a:t>100</a:t>
-            </a:r>
-            <a:r>
-              <a:rPr lang="en-GB" dirty="0"/>
-              <a:t>)  	::  char1, char2</a:t>
-            </a:r>
-          </a:p>
-          <a:p>
-            <a:pPr marL="0" indent="0">
-              <a:buNone/>
-            </a:pPr>
-            <a:endParaRPr lang="en-GB" dirty="0"/>
-          </a:p>
-          <a:p>
-            <a:pPr marL="0" indent="0">
-              <a:buNone/>
-            </a:pPr>
-            <a:r>
-              <a:rPr lang="en-GB" dirty="0"/>
-              <a:t>int1=</a:t>
-            </a:r>
-            <a:r>
-              <a:rPr lang="en-GB" dirty="0">
-                <a:solidFill>
-                  <a:schemeClr val="accent2"/>
-                </a:solidFill>
-              </a:rPr>
-              <a:t>1</a:t>
-            </a:r>
-          </a:p>
-          <a:p>
-            <a:pPr marL="0" indent="0">
-              <a:buNone/>
-            </a:pPr>
-            <a:r>
-              <a:rPr lang="en-GB" dirty="0"/>
-              <a:t>int2=</a:t>
-            </a:r>
-            <a:r>
-              <a:rPr lang="en-GB" dirty="0">
-                <a:solidFill>
-                  <a:schemeClr val="accent2"/>
-                </a:solidFill>
-              </a:rPr>
-              <a:t>3</a:t>
-            </a:r>
-          </a:p>
-          <a:p>
-            <a:pPr marL="0" indent="0">
-              <a:buNone/>
-            </a:pPr>
-            <a:r>
-              <a:rPr lang="en-GB" dirty="0"/>
-              <a:t>int3=int1+int2</a:t>
-            </a:r>
-          </a:p>
-          <a:p>
-            <a:pPr marL="0" indent="0">
-              <a:buNone/>
-            </a:pPr>
-            <a:endParaRPr lang="en-GB" dirty="0"/>
+              <a:t>end program</a:t>
+            </a:r>
+            <a:r>
+              <a:rPr lang="en-GB" sz="3000" dirty="0"/>
+              <a:t> </a:t>
+            </a:r>
+            <a:r>
+              <a:rPr lang="en-GB" sz="3000" dirty="0" err="1"/>
+              <a:t>program_name</a:t>
+            </a:r>
+            <a:endParaRPr lang="en-GB" sz="3000" dirty="0"/>
           </a:p>
         </p:txBody>
       </p:sp>
@@ -12057,7 +11888,7 @@
           <p:cNvPr id="4" name="TextBox 3">
             <a:extLst>
               <a:ext uri="{FF2B5EF4-FFF2-40B4-BE49-F238E27FC236}">
-                <a16:creationId xmlns:a16="http://schemas.microsoft.com/office/drawing/2014/main" id="{BC5FB365-6269-4987-AD2B-497FC6B31569}"/>
+                <a16:creationId xmlns:a16="http://schemas.microsoft.com/office/drawing/2014/main" id="{A272A5A3-411E-4E84-948A-CB0C12587FD5}"/>
               </a:ext>
             </a:extLst>
           </p:cNvPr>
@@ -12091,10 +11922,49 @@
           </a:p>
         </p:txBody>
       </p:sp>
+      <p:sp>
+        <p:nvSpPr>
+          <p:cNvPr id="5" name="TextBox 4">
+            <a:extLst>
+              <a:ext uri="{FF2B5EF4-FFF2-40B4-BE49-F238E27FC236}">
+                <a16:creationId xmlns:a16="http://schemas.microsoft.com/office/drawing/2014/main" id="{DA57C239-F00E-48FE-95D5-C42BA114537F}"/>
+              </a:ext>
+            </a:extLst>
+          </p:cNvPr>
+          <p:cNvSpPr txBox="1"/>
+          <p:nvPr/>
+        </p:nvSpPr>
+        <p:spPr>
+          <a:xfrm>
+            <a:off x="7357241" y="6498021"/>
+            <a:ext cx="1697422" cy="369332"/>
+          </a:xfrm>
+          <a:prstGeom prst="rect">
+            <a:avLst/>
+          </a:prstGeom>
+          <a:noFill/>
+        </p:spPr>
+        <p:txBody>
+          <a:bodyPr wrap="square" rtlCol="0">
+            <a:spAutoFit/>
+          </a:bodyPr>
+          <a:lstStyle/>
+          <a:p>
+            <a:r>
+              <a:rPr lang="en-GB" dirty="0">
+                <a:solidFill>
+                  <a:schemeClr val="accent2"/>
+                </a:solidFill>
+              </a:rPr>
+              <a:t>Problem Sheet</a:t>
+            </a:r>
+          </a:p>
+        </p:txBody>
+      </p:sp>
     </p:spTree>
     <p:extLst>
       <p:ext uri="{BB962C8B-B14F-4D97-AF65-F5344CB8AC3E}">
-        <p14:creationId xmlns:p14="http://schemas.microsoft.com/office/powerpoint/2010/main" val="2454815734"/>
+        <p14:creationId xmlns:p14="http://schemas.microsoft.com/office/powerpoint/2010/main" val="746547034"/>
       </p:ext>
     </p:extLst>
   </p:cSld>
@@ -12146,7 +12016,7 @@
           <a:p>
             <a:r>
               <a:rPr lang="en-GB" sz="4000" dirty="0"/>
-              <a:t>Variable Naming Rules</a:t>
+              <a:t>Variables</a:t>
             </a:r>
           </a:p>
         </p:txBody>
@@ -12169,51 +12039,45 @@
         </p:spPr>
         <p:txBody>
           <a:bodyPr>
-            <a:normAutofit lnSpcReduction="10000"/>
+            <a:normAutofit fontScale="92500"/>
           </a:bodyPr>
           <a:lstStyle/>
           <a:p>
             <a:r>
               <a:rPr lang="en-GB" sz="3000" dirty="0"/>
-              <a:t>Must start with a letter</a:t>
+              <a:t>Variables are stored pieces of information within your code</a:t>
             </a:r>
           </a:p>
           <a:p>
             <a:r>
               <a:rPr lang="en-GB" sz="3000" dirty="0"/>
-              <a:t>Must contain only letters, numbers and underscores</a:t>
+              <a:t>A variable has a label called the “variable name”</a:t>
             </a:r>
           </a:p>
           <a:p>
             <a:r>
               <a:rPr lang="en-GB" sz="3000" dirty="0"/>
-              <a:t>Case-insensitive</a:t>
+              <a:t>Using the variable name, it is possible to assign a new value to a variable, or use the value stored in the variable for a calculation</a:t>
             </a:r>
           </a:p>
           <a:p>
             <a:r>
               <a:rPr lang="en-GB" sz="3000" dirty="0"/>
-              <a:t>Must be 31 characters or less</a:t>
-            </a:r>
-          </a:p>
-          <a:p>
-            <a:r>
-              <a:rPr lang="en-GB" sz="3000" dirty="0"/>
-              <a:t>By default, variables will be assumed to have a particular type if they haven’t been declared</a:t>
+              <a:t>In Fortran, you must “declare” a variable before using it</a:t>
             </a:r>
           </a:p>
           <a:p>
             <a:pPr lvl="1"/>
             <a:r>
               <a:rPr lang="en-GB" sz="2600" dirty="0"/>
-              <a:t>A bad idea</a:t>
+              <a:t>Defines the name</a:t>
             </a:r>
           </a:p>
           <a:p>
             <a:pPr lvl="1"/>
             <a:r>
               <a:rPr lang="en-GB" sz="2600" dirty="0"/>
-              <a:t>Can be suppressed by writing “implicit none” at the top of the routine: do this every time</a:t>
+              <a:t>Defines the type of value it may hold </a:t>
             </a:r>
           </a:p>
         </p:txBody>
@@ -12221,7 +12085,7 @@
     </p:spTree>
     <p:extLst>
       <p:ext uri="{BB962C8B-B14F-4D97-AF65-F5344CB8AC3E}">
-        <p14:creationId xmlns:p14="http://schemas.microsoft.com/office/powerpoint/2010/main" val="2849987525"/>
+        <p14:creationId xmlns:p14="http://schemas.microsoft.com/office/powerpoint/2010/main" val="3140181227"/>
       </p:ext>
     </p:extLst>
   </p:cSld>
@@ -12273,6 +12137,390 @@
           <a:p>
             <a:r>
               <a:rPr lang="en-GB" sz="4000" dirty="0"/>
+              <a:t>Variables</a:t>
+            </a:r>
+          </a:p>
+        </p:txBody>
+      </p:sp>
+      <p:sp>
+        <p:nvSpPr>
+          <p:cNvPr id="3" name="Content Placeholder 2"/>
+          <p:cNvSpPr>
+            <a:spLocks noGrp="1"/>
+          </p:cNvSpPr>
+          <p:nvPr>
+            <p:ph idx="1"/>
+          </p:nvPr>
+        </p:nvSpPr>
+        <p:spPr>
+          <a:xfrm>
+            <a:off x="457200" y="1600200"/>
+            <a:ext cx="8435280" cy="4876800"/>
+          </a:xfrm>
+        </p:spPr>
+        <p:txBody>
+          <a:bodyPr>
+            <a:normAutofit/>
+          </a:bodyPr>
+          <a:lstStyle/>
+          <a:p>
+            <a:pPr marL="0" indent="0">
+              <a:buNone/>
+            </a:pPr>
+            <a:r>
+              <a:rPr lang="en-GB" dirty="0">
+                <a:solidFill>
+                  <a:schemeClr val="accent5"/>
+                </a:solidFill>
+              </a:rPr>
+              <a:t>integer </a:t>
+            </a:r>
+            <a:r>
+              <a:rPr lang="en-GB" dirty="0"/>
+              <a:t>					::  int1, int2, int3</a:t>
+            </a:r>
+          </a:p>
+          <a:p>
+            <a:pPr marL="0" indent="0">
+              <a:buNone/>
+            </a:pPr>
+            <a:r>
+              <a:rPr lang="en-GB" dirty="0">
+                <a:solidFill>
+                  <a:schemeClr val="accent5"/>
+                </a:solidFill>
+              </a:rPr>
+              <a:t>real</a:t>
+            </a:r>
+            <a:r>
+              <a:rPr lang="en-GB" dirty="0"/>
+              <a:t>    					::  real1</a:t>
+            </a:r>
+          </a:p>
+          <a:p>
+            <a:pPr marL="0" indent="0">
+              <a:buNone/>
+            </a:pPr>
+            <a:r>
+              <a:rPr lang="en-GB" dirty="0">
+                <a:solidFill>
+                  <a:schemeClr val="accent5"/>
+                </a:solidFill>
+              </a:rPr>
+              <a:t>real </a:t>
+            </a:r>
+            <a:r>
+              <a:rPr lang="en-GB" dirty="0"/>
+              <a:t>   					::  real2</a:t>
+            </a:r>
+          </a:p>
+          <a:p>
+            <a:pPr marL="0" indent="0">
+              <a:buNone/>
+            </a:pPr>
+            <a:r>
+              <a:rPr lang="en-GB" dirty="0">
+                <a:solidFill>
+                  <a:schemeClr val="accent5"/>
+                </a:solidFill>
+              </a:rPr>
+              <a:t>character</a:t>
+            </a:r>
+            <a:r>
+              <a:rPr lang="en-GB" dirty="0"/>
+              <a:t>(</a:t>
+            </a:r>
+            <a:r>
+              <a:rPr lang="en-GB" dirty="0">
+                <a:solidFill>
+                  <a:schemeClr val="accent2"/>
+                </a:solidFill>
+              </a:rPr>
+              <a:t>100</a:t>
+            </a:r>
+            <a:r>
+              <a:rPr lang="en-GB" dirty="0"/>
+              <a:t>)  	::  char1, char2</a:t>
+            </a:r>
+          </a:p>
+          <a:p>
+            <a:pPr marL="0" indent="0">
+              <a:buNone/>
+            </a:pPr>
+            <a:endParaRPr lang="en-GB" dirty="0"/>
+          </a:p>
+          <a:p>
+            <a:pPr marL="0" indent="0">
+              <a:buNone/>
+            </a:pPr>
+            <a:r>
+              <a:rPr lang="en-GB" dirty="0"/>
+              <a:t>int1=</a:t>
+            </a:r>
+            <a:r>
+              <a:rPr lang="en-GB" dirty="0">
+                <a:solidFill>
+                  <a:schemeClr val="accent2"/>
+                </a:solidFill>
+              </a:rPr>
+              <a:t>1</a:t>
+            </a:r>
+          </a:p>
+          <a:p>
+            <a:pPr marL="0" indent="0">
+              <a:buNone/>
+            </a:pPr>
+            <a:r>
+              <a:rPr lang="en-GB" dirty="0"/>
+              <a:t>int2=</a:t>
+            </a:r>
+            <a:r>
+              <a:rPr lang="en-GB" dirty="0">
+                <a:solidFill>
+                  <a:schemeClr val="accent2"/>
+                </a:solidFill>
+              </a:rPr>
+              <a:t>3</a:t>
+            </a:r>
+          </a:p>
+          <a:p>
+            <a:pPr marL="0" indent="0">
+              <a:buNone/>
+            </a:pPr>
+            <a:r>
+              <a:rPr lang="en-GB" dirty="0"/>
+              <a:t>int3=int1+int2</a:t>
+            </a:r>
+          </a:p>
+          <a:p>
+            <a:pPr marL="0" indent="0">
+              <a:buNone/>
+            </a:pPr>
+            <a:endParaRPr lang="en-GB" dirty="0"/>
+          </a:p>
+        </p:txBody>
+      </p:sp>
+      <p:sp>
+        <p:nvSpPr>
+          <p:cNvPr id="4" name="TextBox 3">
+            <a:extLst>
+              <a:ext uri="{FF2B5EF4-FFF2-40B4-BE49-F238E27FC236}">
+                <a16:creationId xmlns:a16="http://schemas.microsoft.com/office/drawing/2014/main" id="{BC5FB365-6269-4987-AD2B-497FC6B31569}"/>
+              </a:ext>
+            </a:extLst>
+          </p:cNvPr>
+          <p:cNvSpPr txBox="1"/>
+          <p:nvPr/>
+        </p:nvSpPr>
+        <p:spPr>
+          <a:xfrm>
+            <a:off x="5728138" y="6498021"/>
+            <a:ext cx="1765738" cy="369332"/>
+          </a:xfrm>
+          <a:prstGeom prst="rect">
+            <a:avLst/>
+          </a:prstGeom>
+          <a:noFill/>
+        </p:spPr>
+        <p:txBody>
+          <a:bodyPr wrap="square" rtlCol="0">
+            <a:spAutoFit/>
+          </a:bodyPr>
+          <a:lstStyle/>
+          <a:p>
+            <a:r>
+              <a:rPr lang="en-GB" dirty="0">
+                <a:solidFill>
+                  <a:schemeClr val="accent1"/>
+                </a:solidFill>
+              </a:rPr>
+              <a:t>Demonstration</a:t>
+            </a:r>
+          </a:p>
+        </p:txBody>
+      </p:sp>
+    </p:spTree>
+    <p:extLst>
+      <p:ext uri="{BB962C8B-B14F-4D97-AF65-F5344CB8AC3E}">
+        <p14:creationId xmlns:p14="http://schemas.microsoft.com/office/powerpoint/2010/main" val="2454815734"/>
+      </p:ext>
+    </p:extLst>
+  </p:cSld>
+  <p:clrMapOvr>
+    <a:masterClrMapping/>
+  </p:clrMapOvr>
+  <mc:AlternateContent xmlns:mc="http://schemas.openxmlformats.org/markup-compatibility/2006" xmlns:p14="http://schemas.microsoft.com/office/powerpoint/2010/main">
+    <mc:Choice Requires="p14">
+      <p:transition p14:dur="10"/>
+    </mc:Choice>
+    <mc:Fallback xmlns="">
+      <p:transition/>
+    </mc:Fallback>
+  </mc:AlternateContent>
+</p:sld>
+</file>
+
+<file path=ppt/slides/slide17.xml><?xml version="1.0" encoding="utf-8"?>
+<p:sld xmlns:a="http://schemas.openxmlformats.org/drawingml/2006/main" xmlns:r="http://schemas.openxmlformats.org/officeDocument/2006/relationships" xmlns:p="http://schemas.openxmlformats.org/presentationml/2006/main">
+  <p:cSld>
+    <p:spTree>
+      <p:nvGrpSpPr>
+        <p:cNvPr id="1" name=""/>
+        <p:cNvGrpSpPr/>
+        <p:nvPr/>
+      </p:nvGrpSpPr>
+      <p:grpSpPr>
+        <a:xfrm>
+          <a:off x="0" y="0"/>
+          <a:ext cx="0" cy="0"/>
+          <a:chOff x="0" y="0"/>
+          <a:chExt cx="0" cy="0"/>
+        </a:xfrm>
+      </p:grpSpPr>
+      <p:sp>
+        <p:nvSpPr>
+          <p:cNvPr id="2" name="Title 1"/>
+          <p:cNvSpPr>
+            <a:spLocks noGrp="1"/>
+          </p:cNvSpPr>
+          <p:nvPr>
+            <p:ph type="title"/>
+          </p:nvPr>
+        </p:nvSpPr>
+        <p:spPr/>
+        <p:txBody>
+          <a:bodyPr/>
+          <a:lstStyle/>
+          <a:p>
+            <a:r>
+              <a:rPr lang="en-GB" sz="4000" dirty="0"/>
+              <a:t>Variable Naming Rules</a:t>
+            </a:r>
+          </a:p>
+        </p:txBody>
+      </p:sp>
+      <p:sp>
+        <p:nvSpPr>
+          <p:cNvPr id="3" name="Content Placeholder 2"/>
+          <p:cNvSpPr>
+            <a:spLocks noGrp="1"/>
+          </p:cNvSpPr>
+          <p:nvPr>
+            <p:ph idx="1"/>
+          </p:nvPr>
+        </p:nvSpPr>
+        <p:spPr>
+          <a:xfrm>
+            <a:off x="457200" y="1600200"/>
+            <a:ext cx="8435280" cy="4876800"/>
+          </a:xfrm>
+        </p:spPr>
+        <p:txBody>
+          <a:bodyPr>
+            <a:normAutofit lnSpcReduction="10000"/>
+          </a:bodyPr>
+          <a:lstStyle/>
+          <a:p>
+            <a:r>
+              <a:rPr lang="en-GB" sz="3000" dirty="0"/>
+              <a:t>Must start with a letter</a:t>
+            </a:r>
+          </a:p>
+          <a:p>
+            <a:r>
+              <a:rPr lang="en-GB" sz="3000" dirty="0"/>
+              <a:t>Must contain only letters, numbers and underscores</a:t>
+            </a:r>
+          </a:p>
+          <a:p>
+            <a:r>
+              <a:rPr lang="en-GB" sz="3000" dirty="0"/>
+              <a:t>Case-insensitive</a:t>
+            </a:r>
+          </a:p>
+          <a:p>
+            <a:r>
+              <a:rPr lang="en-GB" sz="3000" dirty="0"/>
+              <a:t>Must be 31 characters or less</a:t>
+            </a:r>
+          </a:p>
+          <a:p>
+            <a:r>
+              <a:rPr lang="en-GB" sz="3000" dirty="0"/>
+              <a:t>By default, variables will be assumed to have a particular type if they haven’t been declared</a:t>
+            </a:r>
+          </a:p>
+          <a:p>
+            <a:pPr lvl="1"/>
+            <a:r>
+              <a:rPr lang="en-GB" sz="2600" dirty="0"/>
+              <a:t>A bad idea</a:t>
+            </a:r>
+          </a:p>
+          <a:p>
+            <a:pPr lvl="1"/>
+            <a:r>
+              <a:rPr lang="en-GB" sz="2600" dirty="0"/>
+              <a:t>Can be suppressed by writing “implicit none” at the top of the routine: do this every time</a:t>
+            </a:r>
+          </a:p>
+        </p:txBody>
+      </p:sp>
+    </p:spTree>
+    <p:extLst>
+      <p:ext uri="{BB962C8B-B14F-4D97-AF65-F5344CB8AC3E}">
+        <p14:creationId xmlns:p14="http://schemas.microsoft.com/office/powerpoint/2010/main" val="2849987525"/>
+      </p:ext>
+    </p:extLst>
+  </p:cSld>
+  <p:clrMapOvr>
+    <a:masterClrMapping/>
+  </p:clrMapOvr>
+  <mc:AlternateContent xmlns:mc="http://schemas.openxmlformats.org/markup-compatibility/2006" xmlns:p14="http://schemas.microsoft.com/office/powerpoint/2010/main">
+    <mc:Choice Requires="p14">
+      <p:transition p14:dur="10"/>
+    </mc:Choice>
+    <mc:Fallback xmlns="">
+      <p:transition/>
+    </mc:Fallback>
+  </mc:AlternateContent>
+</p:sld>
+</file>
+
+<file path=ppt/slides/slide18.xml><?xml version="1.0" encoding="utf-8"?>
+<p:sld xmlns:a="http://schemas.openxmlformats.org/drawingml/2006/main" xmlns:r="http://schemas.openxmlformats.org/officeDocument/2006/relationships" xmlns:p="http://schemas.openxmlformats.org/presentationml/2006/main">
+  <p:cSld>
+    <p:spTree>
+      <p:nvGrpSpPr>
+        <p:cNvPr id="1" name=""/>
+        <p:cNvGrpSpPr/>
+        <p:nvPr/>
+      </p:nvGrpSpPr>
+      <p:grpSpPr>
+        <a:xfrm>
+          <a:off x="0" y="0"/>
+          <a:ext cx="0" cy="0"/>
+          <a:chOff x="0" y="0"/>
+          <a:chExt cx="0" cy="0"/>
+        </a:xfrm>
+      </p:grpSpPr>
+      <p:sp>
+        <p:nvSpPr>
+          <p:cNvPr id="2" name="Title 1"/>
+          <p:cNvSpPr>
+            <a:spLocks noGrp="1"/>
+          </p:cNvSpPr>
+          <p:nvPr>
+            <p:ph type="title"/>
+          </p:nvPr>
+        </p:nvSpPr>
+        <p:spPr/>
+        <p:txBody>
+          <a:bodyPr/>
+          <a:lstStyle/>
+          <a:p>
+            <a:r>
+              <a:rPr lang="en-GB" sz="4000" dirty="0"/>
               <a:t>Assignment</a:t>
             </a:r>
           </a:p>
@@ -12373,7 +12621,7 @@
 </p:sld>
 </file>
 
-<file path=ppt/slides/slide17.xml><?xml version="1.0" encoding="utf-8"?>
+<file path=ppt/slides/slide19.xml><?xml version="1.0" encoding="utf-8"?>
 <p:sld xmlns:a="http://schemas.openxmlformats.org/drawingml/2006/main" xmlns:r="http://schemas.openxmlformats.org/officeDocument/2006/relationships" xmlns:p="http://schemas.openxmlformats.org/presentationml/2006/main">
   <p:cSld>
     <p:spTree>
@@ -12877,7 +13125,213 @@
 </p:sld>
 </file>
 
-<file path=ppt/slides/slide18.xml><?xml version="1.0" encoding="utf-8"?>
+<file path=ppt/slides/slide2.xml><?xml version="1.0" encoding="utf-8"?>
+<p:sld xmlns:a="http://schemas.openxmlformats.org/drawingml/2006/main" xmlns:r="http://schemas.openxmlformats.org/officeDocument/2006/relationships" xmlns:p="http://schemas.openxmlformats.org/presentationml/2006/main">
+  <p:cSld>
+    <p:spTree>
+      <p:nvGrpSpPr>
+        <p:cNvPr id="1" name=""/>
+        <p:cNvGrpSpPr/>
+        <p:nvPr/>
+      </p:nvGrpSpPr>
+      <p:grpSpPr>
+        <a:xfrm>
+          <a:off x="0" y="0"/>
+          <a:ext cx="0" cy="0"/>
+          <a:chOff x="0" y="0"/>
+          <a:chExt cx="0" cy="0"/>
+        </a:xfrm>
+      </p:grpSpPr>
+      <p:sp>
+        <p:nvSpPr>
+          <p:cNvPr id="4" name="Title 1"/>
+          <p:cNvSpPr txBox="1">
+            <a:spLocks/>
+          </p:cNvSpPr>
+          <p:nvPr/>
+        </p:nvSpPr>
+        <p:spPr>
+          <a:xfrm>
+            <a:off x="401320" y="472966"/>
+            <a:ext cx="5778764" cy="961696"/>
+          </a:xfrm>
+          <a:prstGeom prst="rect">
+            <a:avLst/>
+          </a:prstGeom>
+        </p:spPr>
+        <p:txBody>
+          <a:bodyPr anchor="b"/>
+          <a:lstStyle>
+            <a:lvl1pPr algn="l" defTabSz="457200" rtl="0" eaLnBrk="1" latinLnBrk="0" hangingPunct="1">
+              <a:lnSpc>
+                <a:spcPct val="90000"/>
+              </a:lnSpc>
+              <a:spcBef>
+                <a:spcPct val="0"/>
+              </a:spcBef>
+              <a:buNone/>
+              <a:defRPr sz="4000" b="1" i="0" kern="1200" baseline="0">
+                <a:solidFill>
+                  <a:schemeClr val="tx2"/>
+                </a:solidFill>
+                <a:latin typeface="+mj-lt"/>
+                <a:ea typeface="+mj-ea"/>
+                <a:cs typeface="MetaOT-Bold"/>
+              </a:defRPr>
+            </a:lvl1pPr>
+          </a:lstStyle>
+          <a:p>
+            <a:r>
+              <a:rPr lang="en-US" sz="3200" dirty="0">
+                <a:solidFill>
+                  <a:schemeClr val="accent3"/>
+                </a:solidFill>
+              </a:rPr>
+              <a:t>Expectations:  Covid-safe teaching environments</a:t>
+            </a:r>
+          </a:p>
+        </p:txBody>
+      </p:sp>
+      <p:sp>
+        <p:nvSpPr>
+          <p:cNvPr id="5" name="Subtitle 2"/>
+          <p:cNvSpPr>
+            <a:spLocks noGrp="1"/>
+          </p:cNvSpPr>
+          <p:nvPr>
+            <p:ph type="subTitle" idx="1"/>
+          </p:nvPr>
+        </p:nvSpPr>
+        <p:spPr>
+          <a:xfrm>
+            <a:off x="401320" y="1631731"/>
+            <a:ext cx="8490432" cy="4548352"/>
+          </a:xfrm>
+        </p:spPr>
+        <p:txBody>
+          <a:bodyPr lIns="91440" tIns="45720" rIns="91440" bIns="45720" anchor="t"/>
+          <a:lstStyle/>
+          <a:p>
+            <a:r>
+              <a:rPr lang="en-US" sz="2200" u="sng" dirty="0">
+                <a:ea typeface="+mj-lt"/>
+                <a:cs typeface="+mj-lt"/>
+              </a:rPr>
+              <a:t>Face coverings</a:t>
+            </a:r>
+          </a:p>
+          <a:p>
+            <a:pPr marL="457200" indent="-457200">
+              <a:buFont typeface="Arial" panose="020B0604020202020204" pitchFamily="34" charset="0"/>
+              <a:buChar char="•"/>
+            </a:pPr>
+            <a:r>
+              <a:rPr lang="en-GB" sz="2200" dirty="0">
+                <a:latin typeface="+mn-lt"/>
+                <a:ea typeface="Calibri" panose="020F0502020204030204" pitchFamily="34" charset="0"/>
+                <a:cs typeface="Times New Roman"/>
+              </a:rPr>
+              <a:t>You are expected to wear a face covering </a:t>
+            </a:r>
+            <a:endParaRPr lang="en-GB" sz="2200" dirty="0"/>
+          </a:p>
+          <a:p>
+            <a:pPr marL="457200" indent="-457200">
+              <a:buFont typeface="Arial" panose="020B0604020202020204" pitchFamily="34" charset="0"/>
+              <a:buChar char="•"/>
+            </a:pPr>
+            <a:r>
+              <a:rPr lang="en-US" sz="2200" dirty="0">
+                <a:ea typeface="+mj-lt"/>
+                <a:cs typeface="+mj-lt"/>
+              </a:rPr>
+              <a:t>Tutors will deliver their workshop 2 meters distance from </a:t>
+            </a:r>
+            <a:r>
+              <a:rPr lang="en-US" sz="2200">
+                <a:ea typeface="+mj-lt"/>
+                <a:cs typeface="+mj-lt"/>
+              </a:rPr>
+              <a:t>you </a:t>
+            </a:r>
+            <a:endParaRPr lang="en-US" sz="2200" dirty="0">
+              <a:ea typeface="+mj-lt"/>
+              <a:cs typeface="+mj-lt"/>
+            </a:endParaRPr>
+          </a:p>
+          <a:p>
+            <a:endParaRPr lang="en-US" sz="2200" u="sng" dirty="0">
+              <a:latin typeface="+mn-lt"/>
+              <a:ea typeface="+mj-lt"/>
+              <a:cs typeface="+mj-lt"/>
+            </a:endParaRPr>
+          </a:p>
+          <a:p>
+            <a:r>
+              <a:rPr lang="en-US" sz="2200" u="sng" dirty="0">
+                <a:latin typeface="+mn-lt"/>
+                <a:ea typeface="+mj-lt"/>
+                <a:cs typeface="+mj-lt"/>
+              </a:rPr>
+              <a:t>Hygiene</a:t>
+            </a:r>
+            <a:endParaRPr lang="en-GB" sz="2200" u="sng" dirty="0">
+              <a:latin typeface="+mn-lt"/>
+              <a:ea typeface="Calibri" panose="020F0502020204030204" pitchFamily="34" charset="0"/>
+              <a:cs typeface="Times New Roman"/>
+            </a:endParaRPr>
+          </a:p>
+          <a:p>
+            <a:pPr marL="457200" indent="-457200">
+              <a:buFont typeface="Arial" panose="020B0604020202020204" pitchFamily="34" charset="0"/>
+              <a:buChar char="•"/>
+            </a:pPr>
+            <a:r>
+              <a:rPr lang="en-US" sz="2200" dirty="0"/>
+              <a:t>Where hand </a:t>
+            </a:r>
+            <a:r>
+              <a:rPr lang="en-US" sz="2200" dirty="0" err="1"/>
+              <a:t>sanitiser</a:t>
+            </a:r>
+            <a:r>
+              <a:rPr lang="en-US" sz="2200" dirty="0"/>
+              <a:t> is available, please use it</a:t>
+            </a:r>
+          </a:p>
+          <a:p>
+            <a:pPr marL="457200" indent="-457200">
+              <a:buFont typeface="Arial" panose="020B0604020202020204" pitchFamily="34" charset="0"/>
+              <a:buChar char="•"/>
+            </a:pPr>
+            <a:r>
+              <a:rPr lang="en-US" sz="2200" dirty="0"/>
+              <a:t>Please wipe down any communal/shared course materials/equipment </a:t>
+            </a:r>
+          </a:p>
+          <a:p>
+            <a:pPr marL="457200" indent="-457200">
+              <a:buFont typeface="Arial" panose="020B0604020202020204" pitchFamily="34" charset="0"/>
+              <a:buChar char="•"/>
+            </a:pPr>
+            <a:endParaRPr lang="en-US" sz="2400" dirty="0"/>
+          </a:p>
+        </p:txBody>
+      </p:sp>
+    </p:spTree>
+    <p:extLst>
+      <p:ext uri="{BB962C8B-B14F-4D97-AF65-F5344CB8AC3E}">
+        <p14:creationId xmlns:p14="http://schemas.microsoft.com/office/powerpoint/2010/main" val="70908208"/>
+      </p:ext>
+    </p:extLst>
+  </p:cSld>
+  <p:clrMapOvr>
+    <a:masterClrMapping/>
+  </p:clrMapOvr>
+</p:sld>
+</file>
+
+<file path=ppt/slides/slide20.xml><?xml version="1.0" encoding="utf-8"?>
 <p:sld xmlns:a="http://schemas.openxmlformats.org/drawingml/2006/main" xmlns:r="http://schemas.openxmlformats.org/officeDocument/2006/relationships" xmlns:p="http://schemas.openxmlformats.org/presentationml/2006/main">
   <p:cSld>
     <p:spTree>
@@ -13350,7 +13804,7 @@
 </p:sld>
 </file>
 
-<file path=ppt/slides/slide19.xml><?xml version="1.0" encoding="utf-8"?>
+<file path=ppt/slides/slide21.xml><?xml version="1.0" encoding="utf-8"?>
 <p:sld xmlns:a="http://schemas.openxmlformats.org/drawingml/2006/main" xmlns:r="http://schemas.openxmlformats.org/officeDocument/2006/relationships" xmlns:p="http://schemas.openxmlformats.org/presentationml/2006/main">
   <p:cSld>
     <p:spTree>
@@ -14120,157 +14574,7 @@
 </p:sld>
 </file>
 
-<file path=ppt/slides/slide2.xml><?xml version="1.0" encoding="utf-8"?>
-<p:sld xmlns:a="http://schemas.openxmlformats.org/drawingml/2006/main" xmlns:r="http://schemas.openxmlformats.org/officeDocument/2006/relationships" xmlns:p="http://schemas.openxmlformats.org/presentationml/2006/main">
-  <p:cSld>
-    <p:spTree>
-      <p:nvGrpSpPr>
-        <p:cNvPr id="1" name=""/>
-        <p:cNvGrpSpPr/>
-        <p:nvPr/>
-      </p:nvGrpSpPr>
-      <p:grpSpPr>
-        <a:xfrm>
-          <a:off x="0" y="0"/>
-          <a:ext cx="0" cy="0"/>
-          <a:chOff x="0" y="0"/>
-          <a:chExt cx="0" cy="0"/>
-        </a:xfrm>
-      </p:grpSpPr>
-      <p:sp>
-        <p:nvSpPr>
-          <p:cNvPr id="2" name="Title 1"/>
-          <p:cNvSpPr>
-            <a:spLocks noGrp="1"/>
-          </p:cNvSpPr>
-          <p:nvPr>
-            <p:ph type="title"/>
-          </p:nvPr>
-        </p:nvSpPr>
-        <p:spPr/>
-        <p:txBody>
-          <a:bodyPr/>
-          <a:lstStyle/>
-          <a:p>
-            <a:r>
-              <a:rPr lang="en-GB" sz="4000" dirty="0"/>
-              <a:t>Learning Outcomes</a:t>
-            </a:r>
-          </a:p>
-        </p:txBody>
-      </p:sp>
-      <p:sp>
-        <p:nvSpPr>
-          <p:cNvPr id="3" name="Content Placeholder 2"/>
-          <p:cNvSpPr>
-            <a:spLocks noGrp="1"/>
-          </p:cNvSpPr>
-          <p:nvPr>
-            <p:ph idx="1"/>
-          </p:nvPr>
-        </p:nvSpPr>
-        <p:spPr>
-          <a:xfrm>
-            <a:off x="457200" y="1600200"/>
-            <a:ext cx="8435280" cy="4876800"/>
-          </a:xfrm>
-        </p:spPr>
-        <p:txBody>
-          <a:bodyPr>
-            <a:normAutofit fontScale="92500" lnSpcReduction="20000"/>
-          </a:bodyPr>
-          <a:lstStyle/>
-          <a:p>
-            <a:pPr marL="514350" lvl="0" indent="-514350">
-              <a:buAutoNum type="arabicPeriod"/>
-            </a:pPr>
-            <a:r>
-              <a:rPr lang="en-GB" b="1" dirty="0"/>
-              <a:t>Define</a:t>
-            </a:r>
-            <a:r>
-              <a:rPr lang="en-GB" dirty="0"/>
-              <a:t> the terms source file, compiler and executable,</a:t>
-            </a:r>
-          </a:p>
-          <a:p>
-            <a:pPr marL="514350" lvl="0" indent="-514350">
-              <a:buAutoNum type="arabicPeriod"/>
-            </a:pPr>
-            <a:r>
-              <a:rPr lang="en-GB" b="1" dirty="0"/>
-              <a:t>Use</a:t>
-            </a:r>
-            <a:r>
-              <a:rPr lang="en-GB" dirty="0"/>
-              <a:t> a compiler to create and run simple codes,</a:t>
-            </a:r>
-          </a:p>
-          <a:p>
-            <a:pPr marL="514350" lvl="0" indent="-514350">
-              <a:buAutoNum type="arabicPeriod"/>
-            </a:pPr>
-            <a:r>
-              <a:rPr lang="en-GB" b="1" dirty="0"/>
-              <a:t>Apply</a:t>
-            </a:r>
-            <a:r>
-              <a:rPr lang="en-GB" dirty="0"/>
-              <a:t> fundamental components of the Fortran language including variables, loops, conditionals and subroutines,</a:t>
-            </a:r>
-          </a:p>
-          <a:p>
-            <a:pPr marL="514350" lvl="0" indent="-514350">
-              <a:buAutoNum type="arabicPeriod"/>
-            </a:pPr>
-            <a:r>
-              <a:rPr lang="en-GB" b="1" dirty="0"/>
-              <a:t>Create</a:t>
-            </a:r>
-            <a:r>
-              <a:rPr lang="en-GB" dirty="0"/>
-              <a:t> programs designed to solve simple numerical problems</a:t>
-            </a:r>
-            <a:endParaRPr lang="en-GB" i="1" dirty="0"/>
-          </a:p>
-          <a:p>
-            <a:pPr marL="514350" lvl="0" indent="-514350">
-              <a:buAutoNum type="arabicPeriod"/>
-            </a:pPr>
-            <a:r>
-              <a:rPr lang="en-GB" b="1" dirty="0"/>
-              <a:t>Interpret</a:t>
-            </a:r>
-            <a:r>
-              <a:rPr lang="en-GB" dirty="0"/>
-              <a:t> common compiler and run-time errors and use these to help debug a program</a:t>
-            </a:r>
-            <a:endParaRPr lang="en-GB" sz="3000" dirty="0"/>
-          </a:p>
-        </p:txBody>
-      </p:sp>
-    </p:spTree>
-    <p:extLst>
-      <p:ext uri="{BB962C8B-B14F-4D97-AF65-F5344CB8AC3E}">
-        <p14:creationId xmlns:p14="http://schemas.microsoft.com/office/powerpoint/2010/main" val="3248724752"/>
-      </p:ext>
-    </p:extLst>
-  </p:cSld>
-  <p:clrMapOvr>
-    <a:masterClrMapping/>
-  </p:clrMapOvr>
-  <mc:AlternateContent xmlns:mc="http://schemas.openxmlformats.org/markup-compatibility/2006" xmlns:p14="http://schemas.microsoft.com/office/powerpoint/2010/main">
-    <mc:Choice Requires="p14">
-      <p:transition p14:dur="10"/>
-    </mc:Choice>
-    <mc:Fallback xmlns="">
-      <p:transition/>
-    </mc:Fallback>
-  </mc:AlternateContent>
-</p:sld>
-</file>
-
-<file path=ppt/slides/slide20.xml><?xml version="1.0" encoding="utf-8"?>
+<file path=ppt/slides/slide22.xml><?xml version="1.0" encoding="utf-8"?>
 <p:sld xmlns:a="http://schemas.openxmlformats.org/drawingml/2006/main" xmlns:r="http://schemas.openxmlformats.org/officeDocument/2006/relationships" xmlns:p="http://schemas.openxmlformats.org/presentationml/2006/main">
   <p:cSld>
     <p:spTree>
@@ -14420,7 +14724,7 @@
 </p:sld>
 </file>
 
-<file path=ppt/slides/slide21.xml><?xml version="1.0" encoding="utf-8"?>
+<file path=ppt/slides/slide23.xml><?xml version="1.0" encoding="utf-8"?>
 <p:sld xmlns:a="http://schemas.openxmlformats.org/drawingml/2006/main" xmlns:r="http://schemas.openxmlformats.org/officeDocument/2006/relationships" xmlns:p="http://schemas.openxmlformats.org/presentationml/2006/main">
   <p:cSld>
     <p:spTree>
@@ -15222,7 +15526,7 @@
 </p:sld>
 </file>
 
-<file path=ppt/slides/slide22.xml><?xml version="1.0" encoding="utf-8"?>
+<file path=ppt/slides/slide24.xml><?xml version="1.0" encoding="utf-8"?>
 <p:sld xmlns:a="http://schemas.openxmlformats.org/drawingml/2006/main" xmlns:r="http://schemas.openxmlformats.org/officeDocument/2006/relationships" xmlns:p="http://schemas.openxmlformats.org/presentationml/2006/main">
   <p:cSld>
     <p:spTree>
@@ -16221,7 +16525,7 @@
 </p:sld>
 </file>
 
-<file path=ppt/slides/slide23.xml><?xml version="1.0" encoding="utf-8"?>
+<file path=ppt/slides/slide25.xml><?xml version="1.0" encoding="utf-8"?>
 <p:sld xmlns:a="http://schemas.openxmlformats.org/drawingml/2006/main" xmlns:r="http://schemas.openxmlformats.org/officeDocument/2006/relationships" xmlns:p="http://schemas.openxmlformats.org/presentationml/2006/main">
   <p:cSld>
     <p:spTree>
@@ -17027,503 +17331,6 @@
 </p:sld>
 </file>
 
-<file path=ppt/slides/slide24.xml><?xml version="1.0" encoding="utf-8"?>
-<p:sld xmlns:a="http://schemas.openxmlformats.org/drawingml/2006/main" xmlns:r="http://schemas.openxmlformats.org/officeDocument/2006/relationships" xmlns:p="http://schemas.openxmlformats.org/presentationml/2006/main">
-  <p:cSld>
-    <p:spTree>
-      <p:nvGrpSpPr>
-        <p:cNvPr id="1" name=""/>
-        <p:cNvGrpSpPr/>
-        <p:nvPr/>
-      </p:nvGrpSpPr>
-      <p:grpSpPr>
-        <a:xfrm>
-          <a:off x="0" y="0"/>
-          <a:ext cx="0" cy="0"/>
-          <a:chOff x="0" y="0"/>
-          <a:chExt cx="0" cy="0"/>
-        </a:xfrm>
-      </p:grpSpPr>
-      <p:sp>
-        <p:nvSpPr>
-          <p:cNvPr id="2" name="Title 1"/>
-          <p:cNvSpPr>
-            <a:spLocks noGrp="1"/>
-          </p:cNvSpPr>
-          <p:nvPr>
-            <p:ph type="title"/>
-          </p:nvPr>
-        </p:nvSpPr>
-        <p:spPr/>
-        <p:txBody>
-          <a:bodyPr/>
-          <a:lstStyle/>
-          <a:p>
-            <a:r>
-              <a:rPr lang="en-GB" sz="4000" dirty="0"/>
-              <a:t>Allocatable Arrays</a:t>
-            </a:r>
-          </a:p>
-        </p:txBody>
-      </p:sp>
-      <p:sp>
-        <p:nvSpPr>
-          <p:cNvPr id="8" name="TextBox 7">
-            <a:extLst>
-              <a:ext uri="{FF2B5EF4-FFF2-40B4-BE49-F238E27FC236}">
-                <a16:creationId xmlns:a16="http://schemas.microsoft.com/office/drawing/2014/main" id="{3DDD1C3F-84BE-4B14-A20B-C4525C3886D9}"/>
-              </a:ext>
-            </a:extLst>
-          </p:cNvPr>
-          <p:cNvSpPr txBox="1"/>
-          <p:nvPr/>
-        </p:nvSpPr>
-        <p:spPr>
-          <a:xfrm>
-            <a:off x="5728138" y="6498021"/>
-            <a:ext cx="1765738" cy="369332"/>
-          </a:xfrm>
-          <a:prstGeom prst="rect">
-            <a:avLst/>
-          </a:prstGeom>
-          <a:noFill/>
-        </p:spPr>
-        <p:txBody>
-          <a:bodyPr wrap="square" rtlCol="0">
-            <a:spAutoFit/>
-          </a:bodyPr>
-          <a:lstStyle/>
-          <a:p>
-            <a:r>
-              <a:rPr lang="en-GB" dirty="0">
-                <a:solidFill>
-                  <a:schemeClr val="accent1"/>
-                </a:solidFill>
-              </a:rPr>
-              <a:t>Demonstration</a:t>
-            </a:r>
-          </a:p>
-        </p:txBody>
-      </p:sp>
-      <p:sp>
-        <p:nvSpPr>
-          <p:cNvPr id="6" name="Content Placeholder 2">
-            <a:extLst>
-              <a:ext uri="{FF2B5EF4-FFF2-40B4-BE49-F238E27FC236}">
-                <a16:creationId xmlns:a16="http://schemas.microsoft.com/office/drawing/2014/main" id="{C94459EB-B5CC-4128-A805-FCBCD2C4D3F5}"/>
-              </a:ext>
-            </a:extLst>
-          </p:cNvPr>
-          <p:cNvSpPr>
-            <a:spLocks noGrp="1"/>
-          </p:cNvSpPr>
-          <p:nvPr>
-            <p:ph idx="1"/>
-          </p:nvPr>
-        </p:nvSpPr>
-        <p:spPr>
-          <a:xfrm>
-            <a:off x="457200" y="1600200"/>
-            <a:ext cx="8435280" cy="4876800"/>
-          </a:xfrm>
-        </p:spPr>
-        <p:txBody>
-          <a:bodyPr>
-            <a:normAutofit fontScale="70000" lnSpcReduction="20000"/>
-          </a:bodyPr>
-          <a:lstStyle/>
-          <a:p>
-            <a:r>
-              <a:rPr lang="en-GB" sz="3100" dirty="0"/>
-              <a:t>It’s possible to declare an array without specifying its length using:</a:t>
-            </a:r>
-          </a:p>
-          <a:p>
-            <a:pPr marL="0" indent="0">
-              <a:buNone/>
-            </a:pPr>
-            <a:r>
-              <a:rPr lang="en-GB" sz="3100" dirty="0">
-                <a:solidFill>
-                  <a:schemeClr val="accent5"/>
-                </a:solidFill>
-              </a:rPr>
-              <a:t>	integer</a:t>
-            </a:r>
-            <a:r>
-              <a:rPr lang="en-GB" sz="3100" dirty="0"/>
-              <a:t>, </a:t>
-            </a:r>
-            <a:r>
-              <a:rPr lang="en-GB" sz="3100" dirty="0">
-                <a:solidFill>
-                  <a:schemeClr val="accent5"/>
-                </a:solidFill>
-              </a:rPr>
-              <a:t>dimension</a:t>
-            </a:r>
-            <a:r>
-              <a:rPr lang="en-GB" sz="3100" dirty="0"/>
-              <a:t>(:), allocatable	::	</a:t>
-            </a:r>
-            <a:r>
-              <a:rPr lang="en-GB" sz="3100" dirty="0" err="1"/>
-              <a:t>array_name</a:t>
-            </a:r>
-            <a:endParaRPr lang="en-GB" sz="3100" dirty="0"/>
-          </a:p>
-          <a:p>
-            <a:r>
-              <a:rPr lang="en-GB" sz="3100" dirty="0"/>
-              <a:t>You may then allocate an array later to define its length using</a:t>
-            </a:r>
-          </a:p>
-          <a:p>
-            <a:pPr marL="0" indent="0">
-              <a:buNone/>
-            </a:pPr>
-            <a:r>
-              <a:rPr lang="en-GB" sz="3100" dirty="0"/>
-              <a:t>	</a:t>
-            </a:r>
-            <a:r>
-              <a:rPr lang="en-GB" sz="3100" dirty="0">
-                <a:solidFill>
-                  <a:schemeClr val="accent5"/>
-                </a:solidFill>
-              </a:rPr>
-              <a:t>allocate</a:t>
-            </a:r>
-            <a:r>
-              <a:rPr lang="en-GB" sz="3100" dirty="0"/>
-              <a:t>(</a:t>
-            </a:r>
-            <a:r>
-              <a:rPr lang="en-GB" sz="3100" dirty="0" err="1"/>
-              <a:t>array_name</a:t>
-            </a:r>
-            <a:r>
-              <a:rPr lang="en-GB" sz="3100" dirty="0"/>
-              <a:t>(size))</a:t>
-            </a:r>
-          </a:p>
-          <a:p>
-            <a:r>
-              <a:rPr lang="en-GB" sz="3100" dirty="0"/>
-              <a:t>Cannot assign to an entry in an array before it’s allocated</a:t>
-            </a:r>
-          </a:p>
-          <a:p>
-            <a:r>
-              <a:rPr lang="en-GB" sz="3100" dirty="0"/>
-              <a:t>Can assign an allocated array of the same dimension to an unallocated to allocate it </a:t>
-            </a:r>
-          </a:p>
-          <a:p>
-            <a:r>
-              <a:rPr lang="en-GB" sz="3100" dirty="0"/>
-              <a:t>Can check if an array is allocated using:</a:t>
-            </a:r>
-          </a:p>
-          <a:p>
-            <a:pPr marL="457200" lvl="1" indent="0">
-              <a:buNone/>
-            </a:pPr>
-            <a:r>
-              <a:rPr lang="en-GB" sz="3100" dirty="0">
-                <a:solidFill>
-                  <a:schemeClr val="accent5"/>
-                </a:solidFill>
-              </a:rPr>
-              <a:t>allocated</a:t>
-            </a:r>
-            <a:r>
-              <a:rPr lang="en-GB" sz="3100" dirty="0"/>
-              <a:t>(</a:t>
-            </a:r>
-            <a:r>
-              <a:rPr lang="en-GB" sz="3100" dirty="0" err="1"/>
-              <a:t>array_name</a:t>
-            </a:r>
-            <a:r>
-              <a:rPr lang="en-GB" sz="3100" dirty="0"/>
-              <a:t>)</a:t>
-            </a:r>
-          </a:p>
-          <a:p>
-            <a:r>
-              <a:rPr lang="en-GB" sz="3100" dirty="0"/>
-              <a:t>Can check the size of an array using</a:t>
-            </a:r>
-          </a:p>
-          <a:p>
-            <a:pPr marL="457200" lvl="1" indent="0">
-              <a:buNone/>
-            </a:pPr>
-            <a:r>
-              <a:rPr lang="en-GB" sz="3100" dirty="0">
-                <a:solidFill>
-                  <a:schemeClr val="accent5"/>
-                </a:solidFill>
-              </a:rPr>
-              <a:t>size</a:t>
-            </a:r>
-            <a:r>
-              <a:rPr lang="en-GB" sz="3100" dirty="0"/>
-              <a:t>(</a:t>
-            </a:r>
-            <a:r>
-              <a:rPr lang="en-GB" sz="3100" dirty="0" err="1"/>
-              <a:t>array_name</a:t>
-            </a:r>
-            <a:r>
-              <a:rPr lang="en-GB" sz="3100" dirty="0"/>
-              <a:t>, </a:t>
-            </a:r>
-            <a:r>
-              <a:rPr lang="en-GB" sz="3100" dirty="0" err="1"/>
-              <a:t>dimension_number</a:t>
-            </a:r>
-            <a:r>
-              <a:rPr lang="en-GB" sz="3100" dirty="0"/>
-              <a:t>)</a:t>
-            </a:r>
-          </a:p>
-          <a:p>
-            <a:r>
-              <a:rPr lang="en-GB" sz="3100" dirty="0"/>
-              <a:t>Can deallocate an array using</a:t>
-            </a:r>
-          </a:p>
-          <a:p>
-            <a:pPr marL="457200" lvl="1" indent="0">
-              <a:buNone/>
-            </a:pPr>
-            <a:r>
-              <a:rPr lang="en-GB" sz="3100" dirty="0">
-                <a:solidFill>
-                  <a:schemeClr val="accent5"/>
-                </a:solidFill>
-              </a:rPr>
-              <a:t>deallocate</a:t>
-            </a:r>
-            <a:r>
-              <a:rPr lang="en-GB" sz="3100" dirty="0"/>
-              <a:t>(</a:t>
-            </a:r>
-            <a:r>
-              <a:rPr lang="en-GB" sz="3100" dirty="0" err="1"/>
-              <a:t>array_name</a:t>
-            </a:r>
-            <a:r>
-              <a:rPr lang="en-GB" sz="3100" dirty="0"/>
-              <a:t>)</a:t>
-            </a:r>
-          </a:p>
-          <a:p>
-            <a:pPr lvl="1"/>
-            <a:endParaRPr lang="en-GB" sz="2200" dirty="0"/>
-          </a:p>
-          <a:p>
-            <a:endParaRPr lang="en-GB" sz="3000" dirty="0"/>
-          </a:p>
-        </p:txBody>
-      </p:sp>
-    </p:spTree>
-    <p:extLst>
-      <p:ext uri="{BB962C8B-B14F-4D97-AF65-F5344CB8AC3E}">
-        <p14:creationId xmlns:p14="http://schemas.microsoft.com/office/powerpoint/2010/main" val="3173781080"/>
-      </p:ext>
-    </p:extLst>
-  </p:cSld>
-  <p:clrMapOvr>
-    <a:masterClrMapping/>
-  </p:clrMapOvr>
-  <mc:AlternateContent xmlns:mc="http://schemas.openxmlformats.org/markup-compatibility/2006" xmlns:p14="http://schemas.microsoft.com/office/powerpoint/2010/main">
-    <mc:Choice Requires="p14">
-      <p:transition p14:dur="10"/>
-    </mc:Choice>
-    <mc:Fallback xmlns="">
-      <p:transition/>
-    </mc:Fallback>
-  </mc:AlternateContent>
-</p:sld>
-</file>
-
-<file path=ppt/slides/slide25.xml><?xml version="1.0" encoding="utf-8"?>
-<p:sld xmlns:a="http://schemas.openxmlformats.org/drawingml/2006/main" xmlns:r="http://schemas.openxmlformats.org/officeDocument/2006/relationships" xmlns:p="http://schemas.openxmlformats.org/presentationml/2006/main">
-  <p:cSld>
-    <p:spTree>
-      <p:nvGrpSpPr>
-        <p:cNvPr id="1" name=""/>
-        <p:cNvGrpSpPr/>
-        <p:nvPr/>
-      </p:nvGrpSpPr>
-      <p:grpSpPr>
-        <a:xfrm>
-          <a:off x="0" y="0"/>
-          <a:ext cx="0" cy="0"/>
-          <a:chOff x="0" y="0"/>
-          <a:chExt cx="0" cy="0"/>
-        </a:xfrm>
-      </p:grpSpPr>
-      <p:sp>
-        <p:nvSpPr>
-          <p:cNvPr id="2" name="Title 1"/>
-          <p:cNvSpPr>
-            <a:spLocks noGrp="1"/>
-          </p:cNvSpPr>
-          <p:nvPr>
-            <p:ph type="title"/>
-          </p:nvPr>
-        </p:nvSpPr>
-        <p:spPr/>
-        <p:txBody>
-          <a:bodyPr/>
-          <a:lstStyle/>
-          <a:p>
-            <a:r>
-              <a:rPr lang="en-GB" sz="4000" dirty="0" err="1"/>
-              <a:t>Logicals</a:t>
-            </a:r>
-            <a:endParaRPr lang="en-GB" sz="4000" dirty="0"/>
-          </a:p>
-        </p:txBody>
-      </p:sp>
-      <p:sp>
-        <p:nvSpPr>
-          <p:cNvPr id="3" name="Content Placeholder 2"/>
-          <p:cNvSpPr>
-            <a:spLocks noGrp="1"/>
-          </p:cNvSpPr>
-          <p:nvPr>
-            <p:ph idx="1"/>
-          </p:nvPr>
-        </p:nvSpPr>
-        <p:spPr>
-          <a:xfrm>
-            <a:off x="457200" y="1600200"/>
-            <a:ext cx="8435280" cy="4876800"/>
-          </a:xfrm>
-        </p:spPr>
-        <p:txBody>
-          <a:bodyPr>
-            <a:normAutofit lnSpcReduction="10000"/>
-          </a:bodyPr>
-          <a:lstStyle/>
-          <a:p>
-            <a:r>
-              <a:rPr lang="en-GB" sz="3000" dirty="0" err="1"/>
-              <a:t>Logicals</a:t>
-            </a:r>
-            <a:r>
-              <a:rPr lang="en-GB" sz="3000" dirty="0"/>
-              <a:t> are a type of variable</a:t>
-            </a:r>
-          </a:p>
-          <a:p>
-            <a:pPr lvl="1"/>
-            <a:r>
-              <a:rPr lang="en-GB" dirty="0"/>
-              <a:t>May be True or False</a:t>
-            </a:r>
-          </a:p>
-          <a:p>
-            <a:r>
-              <a:rPr lang="en-GB" dirty="0"/>
-              <a:t>Can be operated on with logical operations</a:t>
-            </a:r>
-          </a:p>
-          <a:p>
-            <a:r>
-              <a:rPr lang="en-GB" dirty="0"/>
-              <a:t>Commonly used to control the flow of the program</a:t>
-            </a:r>
-          </a:p>
-          <a:p>
-            <a:endParaRPr lang="en-GB" dirty="0"/>
-          </a:p>
-          <a:p>
-            <a:pPr marL="0" indent="0">
-              <a:buNone/>
-            </a:pPr>
-            <a:r>
-              <a:rPr lang="en-GB" dirty="0">
-                <a:solidFill>
-                  <a:schemeClr val="accent5"/>
-                </a:solidFill>
-              </a:rPr>
-              <a:t>logical</a:t>
-            </a:r>
-            <a:r>
-              <a:rPr lang="en-GB" dirty="0"/>
-              <a:t>	::	logical1, logical2</a:t>
-            </a:r>
-          </a:p>
-          <a:p>
-            <a:pPr marL="0" indent="0">
-              <a:buNone/>
-            </a:pPr>
-            <a:r>
-              <a:rPr lang="en-GB" dirty="0"/>
-              <a:t>logical1 =</a:t>
-            </a:r>
-            <a:r>
-              <a:rPr lang="en-GB" dirty="0">
-                <a:solidFill>
-                  <a:schemeClr val="accent5"/>
-                </a:solidFill>
-              </a:rPr>
-              <a:t> .true.</a:t>
-            </a:r>
-          </a:p>
-          <a:p>
-            <a:pPr marL="0" indent="0">
-              <a:buNone/>
-            </a:pPr>
-            <a:r>
-              <a:rPr lang="en-GB" dirty="0"/>
-              <a:t>logical2 = </a:t>
-            </a:r>
-            <a:r>
-              <a:rPr lang="en-GB" dirty="0">
-                <a:solidFill>
-                  <a:schemeClr val="accent5"/>
-                </a:solidFill>
-              </a:rPr>
-              <a:t>.false.</a:t>
-            </a:r>
-          </a:p>
-          <a:p>
-            <a:pPr lvl="1"/>
-            <a:endParaRPr lang="en-GB" sz="2200" dirty="0"/>
-          </a:p>
-          <a:p>
-            <a:endParaRPr lang="en-GB" sz="3000" dirty="0"/>
-          </a:p>
-        </p:txBody>
-      </p:sp>
-    </p:spTree>
-    <p:extLst>
-      <p:ext uri="{BB962C8B-B14F-4D97-AF65-F5344CB8AC3E}">
-        <p14:creationId xmlns:p14="http://schemas.microsoft.com/office/powerpoint/2010/main" val="1390760873"/>
-      </p:ext>
-    </p:extLst>
-  </p:cSld>
-  <p:clrMapOvr>
-    <a:masterClrMapping/>
-  </p:clrMapOvr>
-  <mc:AlternateContent xmlns:mc="http://schemas.openxmlformats.org/markup-compatibility/2006" xmlns:p14="http://schemas.microsoft.com/office/powerpoint/2010/main">
-    <mc:Choice Requires="p14">
-      <p:transition p14:dur="10"/>
-    </mc:Choice>
-    <mc:Fallback xmlns="">
-      <p:transition/>
-    </mc:Fallback>
-  </mc:AlternateContent>
-</p:sld>
-</file>
-
 <file path=ppt/slides/slide26.xml><?xml version="1.0" encoding="utf-8"?>
 <p:sld xmlns:a="http://schemas.openxmlformats.org/drawingml/2006/main" xmlns:r="http://schemas.openxmlformats.org/officeDocument/2006/relationships" xmlns:p="http://schemas.openxmlformats.org/presentationml/2006/main">
   <p:cSld>
@@ -17558,127 +17365,17 @@
           <a:p>
             <a:r>
               <a:rPr lang="en-GB" sz="4000" dirty="0"/>
-              <a:t>Boolean Operators</a:t>
-            </a:r>
-          </a:p>
-        </p:txBody>
-      </p:sp>
-      <p:sp>
-        <p:nvSpPr>
-          <p:cNvPr id="3" name="Content Placeholder 2"/>
-          <p:cNvSpPr>
-            <a:spLocks noGrp="1"/>
-          </p:cNvSpPr>
-          <p:nvPr>
-            <p:ph idx="1"/>
-          </p:nvPr>
-        </p:nvSpPr>
-        <p:spPr>
-          <a:xfrm>
-            <a:off x="457200" y="1600200"/>
-            <a:ext cx="8435280" cy="4876800"/>
-          </a:xfrm>
-        </p:spPr>
-        <p:txBody>
-          <a:bodyPr>
-            <a:normAutofit/>
-          </a:bodyPr>
-          <a:lstStyle/>
-          <a:p>
-            <a:r>
-              <a:rPr lang="en-GB" sz="2800" dirty="0"/>
-              <a:t>Boolean operators operate on one or more </a:t>
-            </a:r>
-            <a:r>
-              <a:rPr lang="en-GB" sz="2800" dirty="0" err="1"/>
-              <a:t>logicals</a:t>
-            </a:r>
-            <a:r>
-              <a:rPr lang="en-GB" sz="2800" dirty="0"/>
-              <a:t> and returns  logical</a:t>
-            </a:r>
-          </a:p>
-          <a:p>
-            <a:r>
-              <a:rPr lang="en-GB" sz="2800" dirty="0"/>
-              <a:t>Can be combined</a:t>
-            </a:r>
-          </a:p>
-          <a:p>
-            <a:pPr lvl="1"/>
-            <a:r>
-              <a:rPr lang="en-GB" dirty="0"/>
-              <a:t>Easiest to use parentheses</a:t>
-            </a:r>
-          </a:p>
-          <a:p>
-            <a:pPr marL="0" indent="0">
-              <a:buNone/>
-            </a:pPr>
-            <a:endParaRPr lang="en-GB" sz="2800" dirty="0"/>
-          </a:p>
-          <a:p>
-            <a:pPr marL="0" indent="0">
-              <a:buNone/>
-            </a:pPr>
-            <a:r>
-              <a:rPr lang="en-GB" sz="2800" dirty="0"/>
-              <a:t>logical2 = .not. logical1</a:t>
-            </a:r>
-          </a:p>
-          <a:p>
-            <a:pPr marL="0" indent="0">
-              <a:buNone/>
-            </a:pPr>
-            <a:r>
-              <a:rPr lang="en-GB" sz="2800" dirty="0"/>
-              <a:t>logical3 = logical1 .and. logical2</a:t>
-            </a:r>
-          </a:p>
-          <a:p>
-            <a:pPr marL="0" indent="0">
-              <a:buNone/>
-            </a:pPr>
-            <a:r>
-              <a:rPr lang="en-GB" sz="2800" dirty="0"/>
-              <a:t>logical3 = logical1 .or. logical2</a:t>
-            </a:r>
-          </a:p>
-          <a:p>
-            <a:pPr marL="0" indent="0">
-              <a:buNone/>
-            </a:pPr>
-            <a:r>
-              <a:rPr lang="en-GB" sz="2800" dirty="0"/>
-              <a:t>logical3 = .not. (logical1 .and. logical2)</a:t>
-            </a:r>
-          </a:p>
-          <a:p>
-            <a:pPr marL="0" indent="0">
-              <a:buNone/>
-            </a:pPr>
-            <a:endParaRPr lang="en-GB" sz="2600" dirty="0"/>
-          </a:p>
-          <a:p>
-            <a:pPr marL="0" indent="0">
-              <a:buNone/>
-            </a:pPr>
-            <a:endParaRPr lang="en-GB" sz="2600" dirty="0"/>
-          </a:p>
-          <a:p>
-            <a:pPr marL="0" indent="0">
-              <a:buNone/>
-            </a:pPr>
-            <a:endParaRPr lang="en-GB" sz="3000" dirty="0"/>
-          </a:p>
-        </p:txBody>
-      </p:sp>
-      <p:sp>
-        <p:nvSpPr>
-          <p:cNvPr id="4" name="TextBox 3">
+              <a:t>Allocatable Arrays</a:t>
+            </a:r>
+          </a:p>
+        </p:txBody>
+      </p:sp>
+      <p:sp>
+        <p:nvSpPr>
+          <p:cNvPr id="8" name="TextBox 7">
             <a:extLst>
               <a:ext uri="{FF2B5EF4-FFF2-40B4-BE49-F238E27FC236}">
-                <a16:creationId xmlns:a16="http://schemas.microsoft.com/office/drawing/2014/main" id="{6FAB0CB6-79B2-4901-AFD9-92C5A0C9BFEB}"/>
+                <a16:creationId xmlns:a16="http://schemas.microsoft.com/office/drawing/2014/main" id="{3DDD1C3F-84BE-4B14-A20B-C4525C3886D9}"/>
               </a:ext>
             </a:extLst>
           </p:cNvPr>
@@ -17712,10 +17409,234 @@
           </a:p>
         </p:txBody>
       </p:sp>
+      <p:sp>
+        <p:nvSpPr>
+          <p:cNvPr id="6" name="Content Placeholder 2">
+            <a:extLst>
+              <a:ext uri="{FF2B5EF4-FFF2-40B4-BE49-F238E27FC236}">
+                <a16:creationId xmlns:a16="http://schemas.microsoft.com/office/drawing/2014/main" id="{C94459EB-B5CC-4128-A805-FCBCD2C4D3F5}"/>
+              </a:ext>
+            </a:extLst>
+          </p:cNvPr>
+          <p:cNvSpPr>
+            <a:spLocks noGrp="1"/>
+          </p:cNvSpPr>
+          <p:nvPr>
+            <p:ph idx="1"/>
+          </p:nvPr>
+        </p:nvSpPr>
+        <p:spPr>
+          <a:xfrm>
+            <a:off x="457200" y="1600200"/>
+            <a:ext cx="8435280" cy="4876800"/>
+          </a:xfrm>
+        </p:spPr>
+        <p:txBody>
+          <a:bodyPr>
+            <a:normAutofit fontScale="70000" lnSpcReduction="20000"/>
+          </a:bodyPr>
+          <a:lstStyle/>
+          <a:p>
+            <a:r>
+              <a:rPr lang="en-GB" sz="3100" dirty="0"/>
+              <a:t>It’s possible to declare an array without specifying its length using:</a:t>
+            </a:r>
+          </a:p>
+          <a:p>
+            <a:pPr marL="0" indent="0">
+              <a:buNone/>
+            </a:pPr>
+            <a:r>
+              <a:rPr lang="en-GB" sz="3100" dirty="0">
+                <a:solidFill>
+                  <a:schemeClr val="accent5"/>
+                </a:solidFill>
+              </a:rPr>
+              <a:t>	integer</a:t>
+            </a:r>
+            <a:r>
+              <a:rPr lang="en-GB" sz="3100" dirty="0"/>
+              <a:t>, </a:t>
+            </a:r>
+            <a:r>
+              <a:rPr lang="en-GB" sz="3100" dirty="0">
+                <a:solidFill>
+                  <a:schemeClr val="accent5"/>
+                </a:solidFill>
+              </a:rPr>
+              <a:t>dimension</a:t>
+            </a:r>
+            <a:r>
+              <a:rPr lang="en-GB" sz="3100" dirty="0"/>
+              <a:t>(:), allocatable	::	</a:t>
+            </a:r>
+            <a:r>
+              <a:rPr lang="en-GB" sz="3100" dirty="0" err="1"/>
+              <a:t>array_name</a:t>
+            </a:r>
+            <a:endParaRPr lang="en-GB" sz="3100" dirty="0"/>
+          </a:p>
+          <a:p>
+            <a:r>
+              <a:rPr lang="en-GB" sz="3100" dirty="0"/>
+              <a:t>You may then allocate an array later to define its length using</a:t>
+            </a:r>
+          </a:p>
+          <a:p>
+            <a:pPr marL="0" indent="0">
+              <a:buNone/>
+            </a:pPr>
+            <a:r>
+              <a:rPr lang="en-GB" sz="3100" dirty="0"/>
+              <a:t>	</a:t>
+            </a:r>
+            <a:r>
+              <a:rPr lang="en-GB" sz="3100" dirty="0">
+                <a:solidFill>
+                  <a:schemeClr val="accent5"/>
+                </a:solidFill>
+              </a:rPr>
+              <a:t>allocate</a:t>
+            </a:r>
+            <a:r>
+              <a:rPr lang="en-GB" sz="3100" dirty="0"/>
+              <a:t>(</a:t>
+            </a:r>
+            <a:r>
+              <a:rPr lang="en-GB" sz="3100" dirty="0" err="1"/>
+              <a:t>array_name</a:t>
+            </a:r>
+            <a:r>
+              <a:rPr lang="en-GB" sz="3100" dirty="0"/>
+              <a:t>(size))</a:t>
+            </a:r>
+          </a:p>
+          <a:p>
+            <a:r>
+              <a:rPr lang="en-GB" sz="3100" dirty="0"/>
+              <a:t>Cannot assign to an entry in an array before it’s allocated</a:t>
+            </a:r>
+          </a:p>
+          <a:p>
+            <a:r>
+              <a:rPr lang="en-GB" sz="3100" dirty="0"/>
+              <a:t>Can assign an allocated array of the same dimension to an unallocated to allocate it </a:t>
+            </a:r>
+          </a:p>
+          <a:p>
+            <a:r>
+              <a:rPr lang="en-GB" sz="3100" dirty="0"/>
+              <a:t>Can check if an array is allocated using:</a:t>
+            </a:r>
+          </a:p>
+          <a:p>
+            <a:pPr marL="457200" lvl="1" indent="0">
+              <a:buNone/>
+            </a:pPr>
+            <a:r>
+              <a:rPr lang="en-GB" sz="3100" dirty="0">
+                <a:solidFill>
+                  <a:schemeClr val="accent5"/>
+                </a:solidFill>
+              </a:rPr>
+              <a:t>allocated</a:t>
+            </a:r>
+            <a:r>
+              <a:rPr lang="en-GB" sz="3100" dirty="0"/>
+              <a:t>(</a:t>
+            </a:r>
+            <a:r>
+              <a:rPr lang="en-GB" sz="3100" dirty="0" err="1"/>
+              <a:t>array_name</a:t>
+            </a:r>
+            <a:r>
+              <a:rPr lang="en-GB" sz="3100" dirty="0"/>
+              <a:t>)</a:t>
+            </a:r>
+          </a:p>
+          <a:p>
+            <a:r>
+              <a:rPr lang="en-GB" sz="3100" dirty="0"/>
+              <a:t>Can check the size of an array using</a:t>
+            </a:r>
+          </a:p>
+          <a:p>
+            <a:pPr marL="457200" lvl="1" indent="0">
+              <a:buNone/>
+            </a:pPr>
+            <a:r>
+              <a:rPr lang="en-GB" sz="3100" dirty="0">
+                <a:solidFill>
+                  <a:schemeClr val="accent5"/>
+                </a:solidFill>
+              </a:rPr>
+              <a:t>size</a:t>
+            </a:r>
+            <a:r>
+              <a:rPr lang="en-GB" sz="3100" dirty="0"/>
+              <a:t>(</a:t>
+            </a:r>
+            <a:r>
+              <a:rPr lang="en-GB" sz="3100" dirty="0" err="1"/>
+              <a:t>array_name</a:t>
+            </a:r>
+            <a:r>
+              <a:rPr lang="en-GB" sz="3100" dirty="0"/>
+              <a:t>, </a:t>
+            </a:r>
+            <a:r>
+              <a:rPr lang="en-GB" sz="3100" dirty="0" err="1"/>
+              <a:t>dimension_number</a:t>
+            </a:r>
+            <a:r>
+              <a:rPr lang="en-GB" sz="3100" dirty="0"/>
+              <a:t>)</a:t>
+            </a:r>
+          </a:p>
+          <a:p>
+            <a:r>
+              <a:rPr lang="en-GB" sz="3100" dirty="0"/>
+              <a:t>Can deallocate an array using</a:t>
+            </a:r>
+          </a:p>
+          <a:p>
+            <a:pPr marL="457200" lvl="1" indent="0">
+              <a:buNone/>
+            </a:pPr>
+            <a:r>
+              <a:rPr lang="en-GB" sz="3100" dirty="0">
+                <a:solidFill>
+                  <a:schemeClr val="accent5"/>
+                </a:solidFill>
+              </a:rPr>
+              <a:t>deallocate</a:t>
+            </a:r>
+            <a:r>
+              <a:rPr lang="en-GB" sz="3100" dirty="0"/>
+              <a:t>(</a:t>
+            </a:r>
+            <a:r>
+              <a:rPr lang="en-GB" sz="3100" dirty="0" err="1"/>
+              <a:t>array_name</a:t>
+            </a:r>
+            <a:r>
+              <a:rPr lang="en-GB" sz="3100" dirty="0"/>
+              <a:t>)</a:t>
+            </a:r>
+          </a:p>
+          <a:p>
+            <a:pPr lvl="1"/>
+            <a:endParaRPr lang="en-GB" sz="2200" dirty="0"/>
+          </a:p>
+          <a:p>
+            <a:endParaRPr lang="en-GB" sz="3000" dirty="0"/>
+          </a:p>
+        </p:txBody>
+      </p:sp>
     </p:spTree>
     <p:extLst>
       <p:ext uri="{BB962C8B-B14F-4D97-AF65-F5344CB8AC3E}">
-        <p14:creationId xmlns:p14="http://schemas.microsoft.com/office/powerpoint/2010/main" val="3749303348"/>
+        <p14:creationId xmlns:p14="http://schemas.microsoft.com/office/powerpoint/2010/main" val="3173781080"/>
       </p:ext>
     </p:extLst>
   </p:cSld>
@@ -17766,9 +17687,10 @@
           <a:lstStyle/>
           <a:p>
             <a:r>
-              <a:rPr lang="en-GB" sz="4000" dirty="0"/>
-              <a:t>Comparison Operators</a:t>
-            </a:r>
+              <a:rPr lang="en-GB" sz="4000" dirty="0" err="1"/>
+              <a:t>Logicals</a:t>
+            </a:r>
+            <a:endParaRPr lang="en-GB" sz="4000" dirty="0"/>
           </a:p>
         </p:txBody>
       </p:sp>
@@ -17790,29 +17712,73 @@
         </p:spPr>
         <p:txBody>
           <a:bodyPr>
-            <a:normAutofit/>
+            <a:normAutofit lnSpcReduction="10000"/>
           </a:bodyPr>
           <a:lstStyle/>
           <a:p>
             <a:r>
-              <a:rPr lang="en-GB" sz="2800" dirty="0"/>
-              <a:t>Comparison operators compare two values and return a logical</a:t>
-            </a:r>
+              <a:rPr lang="en-GB" sz="3000" dirty="0" err="1"/>
+              <a:t>Logicals</a:t>
+            </a:r>
+            <a:r>
+              <a:rPr lang="en-GB" sz="3000" dirty="0"/>
+              <a:t> are a type of variable</a:t>
+            </a:r>
+          </a:p>
+          <a:p>
+            <a:pPr lvl="1"/>
+            <a:r>
+              <a:rPr lang="en-GB" dirty="0"/>
+              <a:t>May be True or False</a:t>
+            </a:r>
+          </a:p>
+          <a:p>
+            <a:r>
+              <a:rPr lang="en-GB" dirty="0"/>
+              <a:t>Can be operated on with logical operations</a:t>
+            </a:r>
+          </a:p>
+          <a:p>
+            <a:r>
+              <a:rPr lang="en-GB" dirty="0"/>
+              <a:t>Commonly used to control the flow of the program</a:t>
+            </a:r>
+          </a:p>
+          <a:p>
             <a:endParaRPr lang="en-GB" dirty="0"/>
           </a:p>
           <a:p>
             <a:pPr marL="0" indent="0">
               <a:buNone/>
             </a:pPr>
-            <a:endParaRPr lang="en-GB" sz="2800" dirty="0"/>
+            <a:r>
+              <a:rPr lang="en-GB" dirty="0">
+                <a:solidFill>
+                  <a:schemeClr val="accent5"/>
+                </a:solidFill>
+              </a:rPr>
+              <a:t>logical</a:t>
+            </a:r>
+            <a:r>
+              <a:rPr lang="en-GB" dirty="0"/>
+              <a:t>	::	logical1, logical2</a:t>
+            </a:r>
           </a:p>
           <a:p>
             <a:pPr marL="0" indent="0">
               <a:buNone/>
             </a:pPr>
             <a:r>
-              <a:rPr lang="en-GB" sz="2800" dirty="0"/>
-              <a:t>logical1 = real1==real2</a:t>
+              <a:rPr lang="en-GB" dirty="0"/>
+              <a:t>logical1 =</a:t>
+            </a:r>
+            <a:r>
+              <a:rPr lang="en-GB" dirty="0">
+                <a:solidFill>
+                  <a:schemeClr val="accent5"/>
+                </a:solidFill>
+              </a:rPr>
+              <a:t> .true.</a:t>
             </a:r>
           </a:p>
           <a:p>
@@ -17820,137 +17786,31 @@
               <a:buNone/>
             </a:pPr>
             <a:r>
-              <a:rPr lang="en-GB" sz="2800" dirty="0"/>
-              <a:t>logical1 = real1 &gt; real2</a:t>
-            </a:r>
-          </a:p>
-          <a:p>
-            <a:pPr marL="0" indent="0">
-              <a:buNone/>
-            </a:pPr>
-            <a:r>
-              <a:rPr lang="en-GB" sz="2800" dirty="0"/>
-              <a:t>logical1 = real1 &lt;= real2</a:t>
-            </a:r>
-          </a:p>
-          <a:p>
-            <a:pPr marL="0" indent="0">
-              <a:buNone/>
-            </a:pPr>
-            <a:r>
-              <a:rPr lang="en-GB" sz="2800" dirty="0"/>
-              <a:t>logical1 = real1/=real2</a:t>
-            </a:r>
-          </a:p>
-          <a:p>
-            <a:pPr marL="0" indent="0">
-              <a:buNone/>
-            </a:pPr>
-            <a:r>
-              <a:rPr lang="en-GB" sz="2800" dirty="0"/>
-              <a:t>logical3 = logical1 .</a:t>
-            </a:r>
-            <a:r>
-              <a:rPr lang="en-GB" sz="2800" dirty="0" err="1"/>
-              <a:t>eqv</a:t>
-            </a:r>
-            <a:r>
-              <a:rPr lang="en-GB" sz="2800" dirty="0"/>
-              <a:t>. logical2</a:t>
-            </a:r>
-          </a:p>
-          <a:p>
-            <a:pPr marL="0" indent="0">
-              <a:buNone/>
-            </a:pPr>
-            <a:r>
-              <a:rPr lang="en-GB" sz="2800" dirty="0"/>
-              <a:t>logical3 = logical1 .</a:t>
-            </a:r>
-            <a:r>
-              <a:rPr lang="en-GB" sz="2800" dirty="0" err="1"/>
-              <a:t>neqv</a:t>
-            </a:r>
-            <a:r>
-              <a:rPr lang="en-GB" sz="2800" dirty="0"/>
-              <a:t>. logical2</a:t>
-            </a:r>
-          </a:p>
-          <a:p>
-            <a:pPr marL="0" indent="0">
-              <a:buNone/>
-            </a:pPr>
-            <a:endParaRPr lang="en-GB" sz="2800" dirty="0"/>
-          </a:p>
-          <a:p>
-            <a:pPr marL="0" indent="0">
-              <a:buNone/>
-            </a:pPr>
-            <a:endParaRPr lang="en-GB" sz="2800" dirty="0"/>
-          </a:p>
-          <a:p>
-            <a:pPr marL="0" indent="0">
-              <a:buNone/>
-            </a:pPr>
-            <a:endParaRPr lang="en-GB" sz="2600" dirty="0"/>
-          </a:p>
-          <a:p>
-            <a:pPr marL="0" indent="0">
-              <a:buNone/>
-            </a:pPr>
-            <a:endParaRPr lang="en-GB" sz="2600" dirty="0"/>
-          </a:p>
-          <a:p>
-            <a:pPr marL="0" indent="0">
-              <a:buNone/>
-            </a:pPr>
+              <a:rPr lang="en-GB" dirty="0"/>
+              <a:t>logical2 = </a:t>
+            </a:r>
+            <a:r>
+              <a:rPr lang="en-GB" dirty="0">
+                <a:solidFill>
+                  <a:schemeClr val="accent5"/>
+                </a:solidFill>
+              </a:rPr>
+              <a:t>.false.</a:t>
+            </a:r>
+          </a:p>
+          <a:p>
+            <a:pPr lvl="1"/>
+            <a:endParaRPr lang="en-GB" sz="2200" dirty="0"/>
+          </a:p>
+          <a:p>
             <a:endParaRPr lang="en-GB" sz="3000" dirty="0"/>
-          </a:p>
-        </p:txBody>
-      </p:sp>
-      <p:sp>
-        <p:nvSpPr>
-          <p:cNvPr id="4" name="TextBox 3">
-            <a:extLst>
-              <a:ext uri="{FF2B5EF4-FFF2-40B4-BE49-F238E27FC236}">
-                <a16:creationId xmlns:a16="http://schemas.microsoft.com/office/drawing/2014/main" id="{6FAB0CB6-79B2-4901-AFD9-92C5A0C9BFEB}"/>
-              </a:ext>
-            </a:extLst>
-          </p:cNvPr>
-          <p:cNvSpPr txBox="1"/>
-          <p:nvPr/>
-        </p:nvSpPr>
-        <p:spPr>
-          <a:xfrm>
-            <a:off x="5728138" y="6498021"/>
-            <a:ext cx="1765738" cy="369332"/>
-          </a:xfrm>
-          <a:prstGeom prst="rect">
-            <a:avLst/>
-          </a:prstGeom>
-          <a:noFill/>
-        </p:spPr>
-        <p:txBody>
-          <a:bodyPr wrap="square" rtlCol="0">
-            <a:spAutoFit/>
-          </a:bodyPr>
-          <a:lstStyle/>
-          <a:p>
-            <a:r>
-              <a:rPr lang="en-GB" dirty="0">
-                <a:solidFill>
-                  <a:schemeClr val="accent1"/>
-                </a:solidFill>
-              </a:rPr>
-              <a:t>Demonstration</a:t>
-            </a:r>
           </a:p>
         </p:txBody>
       </p:sp>
     </p:spTree>
     <p:extLst>
       <p:ext uri="{BB962C8B-B14F-4D97-AF65-F5344CB8AC3E}">
-        <p14:creationId xmlns:p14="http://schemas.microsoft.com/office/powerpoint/2010/main" val="933885824"/>
+        <p14:creationId xmlns:p14="http://schemas.microsoft.com/office/powerpoint/2010/main" val="1390760873"/>
       </p:ext>
     </p:extLst>
   </p:cSld>
@@ -18002,7 +17862,7 @@
           <a:p>
             <a:r>
               <a:rPr lang="en-GB" sz="4000" dirty="0"/>
-              <a:t>Precision and Comparison</a:t>
+              <a:t>Boolean Operators</a:t>
             </a:r>
           </a:p>
         </p:txBody>
@@ -18031,46 +17891,28 @@
           <a:p>
             <a:r>
               <a:rPr lang="en-GB" sz="2800" dirty="0"/>
-              <a:t>Reals in Fortran will often be approximations to values</a:t>
-            </a:r>
-          </a:p>
-          <a:p>
+              <a:t>Boolean operators operate on one or more </a:t>
+            </a:r>
+            <a:r>
+              <a:rPr lang="en-GB" sz="2800" dirty="0" err="1"/>
+              <a:t>logicals</a:t>
+            </a:r>
             <a:r>
               <a:rPr lang="en-GB" sz="2800" dirty="0"/>
-              <a:t>Means comparing reals will not always behave as expected</a:t>
+              <a:t> and returns  logical</a:t>
             </a:r>
           </a:p>
           <a:p>
             <a:r>
               <a:rPr lang="en-GB" sz="2800" dirty="0"/>
-              <a:t>Care should be taken when comparing reals</a:t>
+              <a:t>Can be combined</a:t>
             </a:r>
           </a:p>
           <a:p>
             <a:pPr lvl="1"/>
             <a:r>
-              <a:rPr lang="en-GB" sz="2400" dirty="0"/>
-              <a:t>Calculations, rounding an approximations may mean values are not exactly what you expect</a:t>
-            </a:r>
-          </a:p>
-          <a:p>
-            <a:r>
-              <a:rPr lang="en-GB" sz="2800" dirty="0"/>
-              <a:t>Reals may be declared to have higher precision</a:t>
-            </a:r>
-          </a:p>
-          <a:p>
-            <a:pPr lvl="1"/>
-            <a:r>
-              <a:rPr lang="en-GB" sz="2400" dirty="0"/>
-              <a:t>Doesn’t fundamentally solve this problem</a:t>
-            </a:r>
-          </a:p>
-          <a:p>
-            <a:pPr lvl="1"/>
-            <a:r>
-              <a:rPr lang="en-GB" sz="2400" dirty="0"/>
-              <a:t>Reduces effects of inaccuracy</a:t>
+              <a:rPr lang="en-GB" dirty="0"/>
+              <a:t>Easiest to use parentheses</a:t>
             </a:r>
           </a:p>
           <a:p>
@@ -18078,6 +17920,42 @@
               <a:buNone/>
             </a:pPr>
             <a:endParaRPr lang="en-GB" sz="2800" dirty="0"/>
+          </a:p>
+          <a:p>
+            <a:pPr marL="0" indent="0">
+              <a:buNone/>
+            </a:pPr>
+            <a:r>
+              <a:rPr lang="en-GB" sz="2800" dirty="0"/>
+              <a:t>logical2 = .not. logical1</a:t>
+            </a:r>
+          </a:p>
+          <a:p>
+            <a:pPr marL="0" indent="0">
+              <a:buNone/>
+            </a:pPr>
+            <a:r>
+              <a:rPr lang="en-GB" sz="2800" dirty="0"/>
+              <a:t>logical3 = logical1 .and. logical2</a:t>
+            </a:r>
+          </a:p>
+          <a:p>
+            <a:pPr marL="0" indent="0">
+              <a:buNone/>
+            </a:pPr>
+            <a:r>
+              <a:rPr lang="en-GB" sz="2800" dirty="0"/>
+              <a:t>logical3 = logical1 .or. logical2</a:t>
+            </a:r>
+          </a:p>
+          <a:p>
+            <a:pPr marL="0" indent="0">
+              <a:buNone/>
+            </a:pPr>
+            <a:r>
+              <a:rPr lang="en-GB" sz="2800" dirty="0"/>
+              <a:t>logical3 = .not. (logical1 .and. logical2)</a:t>
+            </a:r>
           </a:p>
           <a:p>
             <a:pPr marL="0" indent="0">
@@ -18141,7 +18019,7 @@
     </p:spTree>
     <p:extLst>
       <p:ext uri="{BB962C8B-B14F-4D97-AF65-F5344CB8AC3E}">
-        <p14:creationId xmlns:p14="http://schemas.microsoft.com/office/powerpoint/2010/main" val="1654254681"/>
+        <p14:creationId xmlns:p14="http://schemas.microsoft.com/office/powerpoint/2010/main" val="3749303348"/>
       </p:ext>
     </p:extLst>
   </p:cSld>
@@ -18193,7 +18071,7 @@
           <a:p>
             <a:r>
               <a:rPr lang="en-GB" sz="4000" dirty="0"/>
-              <a:t>Conditionals</a:t>
+              <a:t>Comparison Operators</a:t>
             </a:r>
           </a:p>
         </p:txBody>
@@ -18222,21 +18100,91 @@
           <a:p>
             <a:r>
               <a:rPr lang="en-GB" sz="2800" dirty="0"/>
-              <a:t>Conditionals allow the flow of a program to be controlled through the value of logical expressions</a:t>
-            </a:r>
-          </a:p>
-          <a:p>
+              <a:t>Comparison operators compare two values and return a logical</a:t>
+            </a:r>
+            <a:endParaRPr lang="en-GB" dirty="0"/>
+          </a:p>
+          <a:p>
+            <a:pPr marL="0" indent="0">
+              <a:buNone/>
+            </a:pPr>
+            <a:endParaRPr lang="en-GB" sz="2800" dirty="0"/>
+          </a:p>
+          <a:p>
+            <a:pPr marL="0" indent="0">
+              <a:buNone/>
+            </a:pPr>
             <a:r>
               <a:rPr lang="en-GB" sz="2800" dirty="0"/>
-              <a:t>Vital for structuring your code to handle different cases</a:t>
-            </a:r>
-          </a:p>
-          <a:p>
+              <a:t>logical1 = real1==real2</a:t>
+            </a:r>
+          </a:p>
+          <a:p>
+            <a:pPr marL="0" indent="0">
+              <a:buNone/>
+            </a:pPr>
             <a:r>
               <a:rPr lang="en-GB" sz="2800" dirty="0"/>
-              <a:t>Most common is the “if”, “else if”, “else” construct</a:t>
-            </a:r>
-            <a:endParaRPr lang="en-GB" sz="2400" dirty="0"/>
+              <a:t>logical1 = real1 &gt; real2</a:t>
+            </a:r>
+          </a:p>
+          <a:p>
+            <a:pPr marL="0" indent="0">
+              <a:buNone/>
+            </a:pPr>
+            <a:r>
+              <a:rPr lang="en-GB" sz="2800" dirty="0"/>
+              <a:t>logical1 = real1 &lt;= real2</a:t>
+            </a:r>
+          </a:p>
+          <a:p>
+            <a:pPr marL="0" indent="0">
+              <a:buNone/>
+            </a:pPr>
+            <a:r>
+              <a:rPr lang="en-GB" sz="2800" dirty="0"/>
+              <a:t>logical1 = real1/=real2</a:t>
+            </a:r>
+          </a:p>
+          <a:p>
+            <a:pPr marL="0" indent="0">
+              <a:buNone/>
+            </a:pPr>
+            <a:r>
+              <a:rPr lang="en-GB" sz="2800" dirty="0"/>
+              <a:t>logical3 = logical1 .</a:t>
+            </a:r>
+            <a:r>
+              <a:rPr lang="en-GB" sz="2800" dirty="0" err="1"/>
+              <a:t>eqv</a:t>
+            </a:r>
+            <a:r>
+              <a:rPr lang="en-GB" sz="2800" dirty="0"/>
+              <a:t>. logical2</a:t>
+            </a:r>
+          </a:p>
+          <a:p>
+            <a:pPr marL="0" indent="0">
+              <a:buNone/>
+            </a:pPr>
+            <a:r>
+              <a:rPr lang="en-GB" sz="2800" dirty="0"/>
+              <a:t>logical3 = logical1 .</a:t>
+            </a:r>
+            <a:r>
+              <a:rPr lang="en-GB" sz="2800" dirty="0" err="1"/>
+              <a:t>neqv</a:t>
+            </a:r>
+            <a:r>
+              <a:rPr lang="en-GB" sz="2800" dirty="0"/>
+              <a:t>. logical2</a:t>
+            </a:r>
+          </a:p>
+          <a:p>
+            <a:pPr marL="0" indent="0">
+              <a:buNone/>
+            </a:pPr>
+            <a:endParaRPr lang="en-GB" sz="2800" dirty="0"/>
           </a:p>
           <a:p>
             <a:pPr marL="0" indent="0">
@@ -18306,7 +18254,7 @@
     </p:spTree>
     <p:extLst>
       <p:ext uri="{BB962C8B-B14F-4D97-AF65-F5344CB8AC3E}">
-        <p14:creationId xmlns:p14="http://schemas.microsoft.com/office/powerpoint/2010/main" val="2312507278"/>
+        <p14:creationId xmlns:p14="http://schemas.microsoft.com/office/powerpoint/2010/main" val="933885824"/>
       </p:ext>
     </p:extLst>
   </p:cSld>
@@ -18343,113 +18291,141 @@
       </p:grpSpPr>
       <p:sp>
         <p:nvSpPr>
-          <p:cNvPr id="2" name="Title 1"/>
+          <p:cNvPr id="4" name="Title 1"/>
+          <p:cNvSpPr txBox="1">
+            <a:spLocks/>
+          </p:cNvSpPr>
+          <p:nvPr/>
+        </p:nvSpPr>
+        <p:spPr>
+          <a:xfrm>
+            <a:off x="401319" y="472966"/>
+            <a:ext cx="5558047" cy="930165"/>
+          </a:xfrm>
+          <a:prstGeom prst="rect">
+            <a:avLst/>
+          </a:prstGeom>
+        </p:spPr>
+        <p:txBody>
+          <a:bodyPr anchor="b"/>
+          <a:lstStyle>
+            <a:lvl1pPr algn="l" defTabSz="457200" rtl="0" eaLnBrk="1" latinLnBrk="0" hangingPunct="1">
+              <a:lnSpc>
+                <a:spcPct val="90000"/>
+              </a:lnSpc>
+              <a:spcBef>
+                <a:spcPct val="0"/>
+              </a:spcBef>
+              <a:buNone/>
+              <a:defRPr sz="4000" b="1" i="0" kern="1200" baseline="0">
+                <a:solidFill>
+                  <a:schemeClr val="tx2"/>
+                </a:solidFill>
+                <a:latin typeface="+mj-lt"/>
+                <a:ea typeface="+mj-ea"/>
+                <a:cs typeface="MetaOT-Bold"/>
+              </a:defRPr>
+            </a:lvl1pPr>
+          </a:lstStyle>
+          <a:p>
+            <a:r>
+              <a:rPr lang="en-US" sz="3200" dirty="0">
+                <a:solidFill>
+                  <a:schemeClr val="accent3"/>
+                </a:solidFill>
+              </a:rPr>
+              <a:t>Expectations:  Covid-safe teaching environments</a:t>
+            </a:r>
+          </a:p>
+        </p:txBody>
+      </p:sp>
+      <p:sp>
+        <p:nvSpPr>
+          <p:cNvPr id="5" name="Subtitle 2"/>
           <p:cNvSpPr>
             <a:spLocks noGrp="1"/>
           </p:cNvSpPr>
           <p:nvPr>
-            <p:ph type="title"/>
-          </p:nvPr>
-        </p:nvSpPr>
-        <p:spPr/>
-        <p:txBody>
-          <a:bodyPr/>
-          <a:lstStyle/>
-          <a:p>
-            <a:r>
-              <a:rPr lang="en-GB" sz="4000" dirty="0"/>
-              <a:t>What is Coding?</a:t>
-            </a:r>
-          </a:p>
-        </p:txBody>
-      </p:sp>
-      <p:sp>
-        <p:nvSpPr>
-          <p:cNvPr id="3" name="Content Placeholder 2"/>
-          <p:cNvSpPr>
-            <a:spLocks noGrp="1"/>
-          </p:cNvSpPr>
-          <p:nvPr>
-            <p:ph idx="1"/>
+            <p:ph type="subTitle" idx="1"/>
           </p:nvPr>
         </p:nvSpPr>
         <p:spPr>
           <a:xfrm>
-            <a:off x="457200" y="1600200"/>
-            <a:ext cx="8435280" cy="4876800"/>
+            <a:off x="189186" y="1450427"/>
+            <a:ext cx="8797158" cy="4020208"/>
           </a:xfrm>
         </p:spPr>
         <p:txBody>
-          <a:bodyPr>
-            <a:normAutofit/>
-          </a:bodyPr>
-          <a:lstStyle/>
-          <a:p>
-            <a:r>
-              <a:rPr lang="en-GB" sz="3000" dirty="0"/>
-              <a:t>Writing instructions for a computer: a program</a:t>
-            </a:r>
-          </a:p>
-          <a:p>
-            <a:r>
-              <a:rPr lang="en-GB" sz="3000" dirty="0"/>
-              <a:t>Resulting calculations achieve a goal</a:t>
-            </a:r>
-          </a:p>
-          <a:p>
-            <a:r>
-              <a:rPr lang="en-GB" sz="3000" dirty="0"/>
-              <a:t>Good for automating laborious calculations</a:t>
-            </a:r>
-          </a:p>
-          <a:p>
-            <a:pPr lvl="1"/>
-            <a:r>
-              <a:rPr lang="en-GB" sz="2600" dirty="0"/>
-              <a:t>Simulation</a:t>
-            </a:r>
-          </a:p>
-          <a:p>
-            <a:pPr lvl="1"/>
-            <a:r>
-              <a:rPr lang="en-GB" sz="2600" dirty="0"/>
-              <a:t>Data Analysis</a:t>
-            </a:r>
-          </a:p>
-          <a:p>
-            <a:pPr lvl="1"/>
-            <a:r>
-              <a:rPr lang="en-GB" sz="2600" dirty="0"/>
-              <a:t>Real-time control of complex systems</a:t>
-            </a:r>
-          </a:p>
-          <a:p>
-            <a:pPr lvl="1"/>
-            <a:r>
-              <a:rPr lang="en-GB" sz="2600" dirty="0"/>
-              <a:t>Rapid iteration over a number of related cases</a:t>
-            </a:r>
+          <a:bodyPr lIns="91440" tIns="45720" rIns="91440" bIns="45720" anchor="t"/>
+          <a:lstStyle/>
+          <a:p>
+            <a:r>
+              <a:rPr lang="en-US" sz="2200" u="sng" dirty="0"/>
+              <a:t>For the purpose of contact tracing</a:t>
+            </a:r>
+            <a:endParaRPr lang="en-US" sz="2200" dirty="0"/>
+          </a:p>
+          <a:p>
+            <a:endParaRPr lang="en-US" sz="2200" dirty="0"/>
+          </a:p>
+          <a:p>
+            <a:r>
+              <a:rPr lang="en-US" sz="2200" dirty="0"/>
+              <a:t>For our standard workshops:</a:t>
+            </a:r>
+          </a:p>
+          <a:p>
+            <a:pPr marL="342900" indent="-342900">
+              <a:buFont typeface="Arial" panose="020B0604020202020204" pitchFamily="34" charset="0"/>
+              <a:buChar char="•"/>
+            </a:pPr>
+            <a:r>
+              <a:rPr lang="en-US" sz="2200" dirty="0"/>
+              <a:t>We will provide the CCT Hub with the complete list of attendees at this workshop</a:t>
+            </a:r>
+          </a:p>
+          <a:p>
+            <a:endParaRPr lang="en-US" sz="2200" dirty="0"/>
+          </a:p>
+          <a:p>
+            <a:r>
+              <a:rPr lang="en-US" sz="2200" dirty="0"/>
+              <a:t>Where our workshops are held in lecture theatres:</a:t>
+            </a:r>
+          </a:p>
+          <a:p>
+            <a:pPr marL="342900" indent="-342900">
+              <a:buFont typeface="Arial" panose="020B0604020202020204" pitchFamily="34" charset="0"/>
+              <a:buChar char="•"/>
+            </a:pPr>
+            <a:r>
+              <a:rPr lang="en-US" sz="2200" dirty="0"/>
+              <a:t>You should keep a record of colleagues that you are sat in </a:t>
+            </a:r>
+            <a:r>
+              <a:rPr lang="en-US" sz="2200"/>
+              <a:t>close contact with </a:t>
+            </a:r>
+            <a:r>
+              <a:rPr lang="en-US" sz="2200" dirty="0"/>
+              <a:t>(within 2 meters)</a:t>
+            </a:r>
+          </a:p>
+          <a:p>
+            <a:endParaRPr lang="en-US" dirty="0"/>
           </a:p>
         </p:txBody>
       </p:sp>
     </p:spTree>
     <p:extLst>
       <p:ext uri="{BB962C8B-B14F-4D97-AF65-F5344CB8AC3E}">
-        <p14:creationId xmlns:p14="http://schemas.microsoft.com/office/powerpoint/2010/main" val="3227858941"/>
+        <p14:creationId xmlns:p14="http://schemas.microsoft.com/office/powerpoint/2010/main" val="3238657636"/>
       </p:ext>
     </p:extLst>
   </p:cSld>
   <p:clrMapOvr>
     <a:masterClrMapping/>
   </p:clrMapOvr>
-  <mc:AlternateContent xmlns:mc="http://schemas.openxmlformats.org/markup-compatibility/2006" xmlns:p14="http://schemas.microsoft.com/office/powerpoint/2010/main">
-    <mc:Choice Requires="p14">
-      <p:transition p14:dur="10"/>
-    </mc:Choice>
-    <mc:Fallback xmlns="">
-      <p:transition/>
-    </mc:Fallback>
-  </mc:AlternateContent>
 </p:sld>
 </file>
 
@@ -18487,7 +18463,7 @@
           <a:p>
             <a:r>
               <a:rPr lang="en-GB" sz="4000" dirty="0"/>
-              <a:t>If, else if, else</a:t>
+              <a:t>Precision and Comparison</a:t>
             </a:r>
           </a:p>
         </p:txBody>
@@ -18510,172 +18486,53 @@
         </p:spPr>
         <p:txBody>
           <a:bodyPr>
-            <a:normAutofit fontScale="85000" lnSpcReduction="20000"/>
+            <a:normAutofit/>
           </a:bodyPr>
           <a:lstStyle/>
           <a:p>
-            <a:pPr marL="0" indent="0">
-              <a:buNone/>
-            </a:pPr>
-            <a:r>
-              <a:rPr lang="en-GB" sz="2800" dirty="0">
-                <a:solidFill>
-                  <a:schemeClr val="accent1"/>
-                </a:solidFill>
-              </a:rPr>
-              <a:t>if</a:t>
-            </a:r>
             <a:r>
               <a:rPr lang="en-GB" sz="2800" dirty="0"/>
-              <a:t> (logical1)</a:t>
-            </a:r>
-            <a:r>
-              <a:rPr lang="en-GB" sz="2800" dirty="0">
-                <a:solidFill>
-                  <a:schemeClr val="accent1"/>
-                </a:solidFill>
-              </a:rPr>
-              <a:t>then</a:t>
-            </a:r>
-          </a:p>
-          <a:p>
-            <a:pPr marL="0" indent="0">
-              <a:buNone/>
-            </a:pPr>
+              <a:t>Reals in Fortran will often be approximations to values</a:t>
+            </a:r>
+          </a:p>
+          <a:p>
             <a:r>
               <a:rPr lang="en-GB" sz="2800" dirty="0"/>
-              <a:t>	[code to be executed if [logical expression 1] true]</a:t>
-            </a:r>
-          </a:p>
-          <a:p>
-            <a:pPr marL="0" indent="0">
-              <a:buNone/>
-            </a:pPr>
-            <a:r>
-              <a:rPr lang="en-GB" sz="2800" dirty="0">
-                <a:solidFill>
-                  <a:schemeClr val="accent1"/>
-                </a:solidFill>
-              </a:rPr>
-              <a:t>else if </a:t>
-            </a:r>
+              <a:t>Means comparing reals will not always behave as expected</a:t>
+            </a:r>
+          </a:p>
+          <a:p>
             <a:r>
               <a:rPr lang="en-GB" sz="2800" dirty="0"/>
-              <a:t>(logical2) </a:t>
-            </a:r>
-            <a:r>
-              <a:rPr lang="en-GB" sz="2800" dirty="0">
-                <a:solidFill>
-                  <a:schemeClr val="accent1"/>
-                </a:solidFill>
-              </a:rPr>
-              <a:t>then</a:t>
-            </a:r>
-          </a:p>
-          <a:p>
-            <a:pPr marL="0" indent="0">
-              <a:buNone/>
-            </a:pPr>
+              <a:t>Care should be taken when comparing reals</a:t>
+            </a:r>
+          </a:p>
+          <a:p>
+            <a:pPr lvl="1"/>
+            <a:r>
+              <a:rPr lang="en-GB" sz="2400" dirty="0"/>
+              <a:t>Calculations, rounding an approximations may mean values are not exactly what you expect</a:t>
+            </a:r>
+          </a:p>
+          <a:p>
             <a:r>
               <a:rPr lang="en-GB" sz="2800" dirty="0"/>
-              <a:t>	[code to be executed if logical1 false and logical2 true]</a:t>
-            </a:r>
-          </a:p>
-          <a:p>
-            <a:pPr marL="0" indent="0">
-              <a:buNone/>
-            </a:pPr>
-            <a:r>
-              <a:rPr lang="en-GB" sz="2800" dirty="0">
-                <a:solidFill>
-                  <a:schemeClr val="accent1"/>
-                </a:solidFill>
-              </a:rPr>
-              <a:t>else if </a:t>
-            </a:r>
-            <a:r>
-              <a:rPr lang="en-GB" sz="2800" dirty="0"/>
-              <a:t>(logical3) </a:t>
-            </a:r>
-            <a:r>
-              <a:rPr lang="en-GB" sz="2800" dirty="0">
-                <a:solidFill>
-                  <a:schemeClr val="accent1"/>
-                </a:solidFill>
-              </a:rPr>
-              <a:t>then</a:t>
-            </a:r>
-          </a:p>
-          <a:p>
-            <a:pPr marL="0" indent="0">
-              <a:buNone/>
-            </a:pPr>
-            <a:r>
-              <a:rPr lang="en-GB" sz="2800" dirty="0"/>
-              <a:t>	[code to be executed if logical 3 true and logical1 and logical2 false]</a:t>
-            </a:r>
-          </a:p>
-          <a:p>
-            <a:pPr marL="0" indent="0">
-              <a:buNone/>
-            </a:pPr>
-            <a:r>
-              <a:rPr lang="en-GB" sz="2800" dirty="0">
-                <a:solidFill>
-                  <a:schemeClr val="accent1"/>
-                </a:solidFill>
-              </a:rPr>
-              <a:t>else</a:t>
-            </a:r>
-          </a:p>
-          <a:p>
-            <a:pPr marL="0" indent="0">
-              <a:buNone/>
-            </a:pPr>
-            <a:r>
-              <a:rPr lang="en-GB" sz="2800" dirty="0"/>
-              <a:t>	[code to be executed if logical1, logical2 and logical3 false]</a:t>
-            </a:r>
-          </a:p>
-          <a:p>
-            <a:pPr marL="0" indent="0">
-              <a:buNone/>
-            </a:pPr>
-            <a:r>
-              <a:rPr lang="en-GB" sz="2800" dirty="0">
-                <a:solidFill>
-                  <a:schemeClr val="accent1"/>
-                </a:solidFill>
-              </a:rPr>
-              <a:t>end if</a:t>
-            </a:r>
-          </a:p>
-          <a:p>
-            <a:pPr marL="0" indent="0">
-              <a:buNone/>
-            </a:pPr>
-            <a:endParaRPr lang="en-GB" sz="2800" dirty="0"/>
-          </a:p>
-          <a:p>
-            <a:pPr marL="0" indent="0">
-              <a:buNone/>
-            </a:pPr>
-            <a:r>
-              <a:rPr lang="en-GB" sz="2800" dirty="0"/>
-              <a:t>[code to be executed next]</a:t>
-            </a:r>
-          </a:p>
-          <a:p>
-            <a:pPr marL="0" indent="0">
-              <a:buNone/>
-            </a:pPr>
-            <a:endParaRPr lang="en-GB" sz="2800" dirty="0"/>
-          </a:p>
-          <a:p>
-            <a:pPr marL="0" indent="0">
-              <a:buNone/>
-            </a:pPr>
-            <a:endParaRPr lang="en-GB" sz="2800" dirty="0"/>
+              <a:t>Reals may be declared to have higher precision</a:t>
+            </a:r>
+          </a:p>
+          <a:p>
+            <a:pPr lvl="1"/>
+            <a:r>
+              <a:rPr lang="en-GB" sz="2400" dirty="0"/>
+              <a:t>Doesn’t fundamentally solve this problem</a:t>
+            </a:r>
+          </a:p>
+          <a:p>
+            <a:pPr lvl="1"/>
+            <a:r>
+              <a:rPr lang="en-GB" sz="2400" dirty="0"/>
+              <a:t>Reduces effects of inaccuracy</a:t>
+            </a:r>
           </a:p>
           <a:p>
             <a:pPr marL="0" indent="0">
@@ -18742,49 +18599,10 @@
           </a:p>
         </p:txBody>
       </p:sp>
-      <p:sp>
-        <p:nvSpPr>
-          <p:cNvPr id="5" name="TextBox 4">
-            <a:extLst>
-              <a:ext uri="{FF2B5EF4-FFF2-40B4-BE49-F238E27FC236}">
-                <a16:creationId xmlns:a16="http://schemas.microsoft.com/office/drawing/2014/main" id="{04802720-F440-41B7-9540-A28C8F9A507C}"/>
-              </a:ext>
-            </a:extLst>
-          </p:cNvPr>
-          <p:cNvSpPr txBox="1"/>
-          <p:nvPr/>
-        </p:nvSpPr>
-        <p:spPr>
-          <a:xfrm>
-            <a:off x="7357241" y="6498021"/>
-            <a:ext cx="1697422" cy="369332"/>
-          </a:xfrm>
-          <a:prstGeom prst="rect">
-            <a:avLst/>
-          </a:prstGeom>
-          <a:noFill/>
-        </p:spPr>
-        <p:txBody>
-          <a:bodyPr wrap="square" rtlCol="0">
-            <a:spAutoFit/>
-          </a:bodyPr>
-          <a:lstStyle/>
-          <a:p>
-            <a:r>
-              <a:rPr lang="en-GB" dirty="0">
-                <a:solidFill>
-                  <a:schemeClr val="accent2"/>
-                </a:solidFill>
-              </a:rPr>
-              <a:t>Problem Sheet</a:t>
-            </a:r>
-          </a:p>
-        </p:txBody>
-      </p:sp>
     </p:spTree>
     <p:extLst>
       <p:ext uri="{BB962C8B-B14F-4D97-AF65-F5344CB8AC3E}">
-        <p14:creationId xmlns:p14="http://schemas.microsoft.com/office/powerpoint/2010/main" val="2539671263"/>
+        <p14:creationId xmlns:p14="http://schemas.microsoft.com/office/powerpoint/2010/main" val="1654254681"/>
       </p:ext>
     </p:extLst>
   </p:cSld>
@@ -18836,6 +18654,520 @@
           <a:p>
             <a:r>
               <a:rPr lang="en-GB" sz="4000" dirty="0"/>
+              <a:t>Conditionals</a:t>
+            </a:r>
+          </a:p>
+        </p:txBody>
+      </p:sp>
+      <p:sp>
+        <p:nvSpPr>
+          <p:cNvPr id="3" name="Content Placeholder 2"/>
+          <p:cNvSpPr>
+            <a:spLocks noGrp="1"/>
+          </p:cNvSpPr>
+          <p:nvPr>
+            <p:ph idx="1"/>
+          </p:nvPr>
+        </p:nvSpPr>
+        <p:spPr>
+          <a:xfrm>
+            <a:off x="457200" y="1600200"/>
+            <a:ext cx="8435280" cy="4876800"/>
+          </a:xfrm>
+        </p:spPr>
+        <p:txBody>
+          <a:bodyPr>
+            <a:normAutofit/>
+          </a:bodyPr>
+          <a:lstStyle/>
+          <a:p>
+            <a:r>
+              <a:rPr lang="en-GB" sz="2800" dirty="0"/>
+              <a:t>Conditionals allow the flow of a program to be controlled through the value of logical expressions</a:t>
+            </a:r>
+          </a:p>
+          <a:p>
+            <a:r>
+              <a:rPr lang="en-GB" sz="2800" dirty="0"/>
+              <a:t>Vital for structuring your code to handle different cases</a:t>
+            </a:r>
+          </a:p>
+          <a:p>
+            <a:r>
+              <a:rPr lang="en-GB" sz="2800" dirty="0"/>
+              <a:t>Most common is the “if”, “else if”, “else” construct</a:t>
+            </a:r>
+            <a:endParaRPr lang="en-GB" sz="2400" dirty="0"/>
+          </a:p>
+          <a:p>
+            <a:pPr marL="0" indent="0">
+              <a:buNone/>
+            </a:pPr>
+            <a:endParaRPr lang="en-GB" sz="2800" dirty="0"/>
+          </a:p>
+          <a:p>
+            <a:pPr marL="0" indent="0">
+              <a:buNone/>
+            </a:pPr>
+            <a:endParaRPr lang="en-GB" sz="2600" dirty="0"/>
+          </a:p>
+          <a:p>
+            <a:pPr marL="0" indent="0">
+              <a:buNone/>
+            </a:pPr>
+            <a:endParaRPr lang="en-GB" sz="2600" dirty="0"/>
+          </a:p>
+          <a:p>
+            <a:pPr marL="0" indent="0">
+              <a:buNone/>
+            </a:pPr>
+            <a:endParaRPr lang="en-GB" sz="3000" dirty="0"/>
+          </a:p>
+        </p:txBody>
+      </p:sp>
+      <p:sp>
+        <p:nvSpPr>
+          <p:cNvPr id="4" name="TextBox 3">
+            <a:extLst>
+              <a:ext uri="{FF2B5EF4-FFF2-40B4-BE49-F238E27FC236}">
+                <a16:creationId xmlns:a16="http://schemas.microsoft.com/office/drawing/2014/main" id="{6FAB0CB6-79B2-4901-AFD9-92C5A0C9BFEB}"/>
+              </a:ext>
+            </a:extLst>
+          </p:cNvPr>
+          <p:cNvSpPr txBox="1"/>
+          <p:nvPr/>
+        </p:nvSpPr>
+        <p:spPr>
+          <a:xfrm>
+            <a:off x="5728138" y="6498021"/>
+            <a:ext cx="1765738" cy="369332"/>
+          </a:xfrm>
+          <a:prstGeom prst="rect">
+            <a:avLst/>
+          </a:prstGeom>
+          <a:noFill/>
+        </p:spPr>
+        <p:txBody>
+          <a:bodyPr wrap="square" rtlCol="0">
+            <a:spAutoFit/>
+          </a:bodyPr>
+          <a:lstStyle/>
+          <a:p>
+            <a:r>
+              <a:rPr lang="en-GB" dirty="0">
+                <a:solidFill>
+                  <a:schemeClr val="accent1"/>
+                </a:solidFill>
+              </a:rPr>
+              <a:t>Demonstration</a:t>
+            </a:r>
+          </a:p>
+        </p:txBody>
+      </p:sp>
+    </p:spTree>
+    <p:extLst>
+      <p:ext uri="{BB962C8B-B14F-4D97-AF65-F5344CB8AC3E}">
+        <p14:creationId xmlns:p14="http://schemas.microsoft.com/office/powerpoint/2010/main" val="2312507278"/>
+      </p:ext>
+    </p:extLst>
+  </p:cSld>
+  <p:clrMapOvr>
+    <a:masterClrMapping/>
+  </p:clrMapOvr>
+  <mc:AlternateContent xmlns:mc="http://schemas.openxmlformats.org/markup-compatibility/2006" xmlns:p14="http://schemas.microsoft.com/office/powerpoint/2010/main">
+    <mc:Choice Requires="p14">
+      <p:transition p14:dur="10"/>
+    </mc:Choice>
+    <mc:Fallback xmlns="">
+      <p:transition/>
+    </mc:Fallback>
+  </mc:AlternateContent>
+</p:sld>
+</file>
+
+<file path=ppt/slides/slide32.xml><?xml version="1.0" encoding="utf-8"?>
+<p:sld xmlns:a="http://schemas.openxmlformats.org/drawingml/2006/main" xmlns:r="http://schemas.openxmlformats.org/officeDocument/2006/relationships" xmlns:p="http://schemas.openxmlformats.org/presentationml/2006/main">
+  <p:cSld>
+    <p:spTree>
+      <p:nvGrpSpPr>
+        <p:cNvPr id="1" name=""/>
+        <p:cNvGrpSpPr/>
+        <p:nvPr/>
+      </p:nvGrpSpPr>
+      <p:grpSpPr>
+        <a:xfrm>
+          <a:off x="0" y="0"/>
+          <a:ext cx="0" cy="0"/>
+          <a:chOff x="0" y="0"/>
+          <a:chExt cx="0" cy="0"/>
+        </a:xfrm>
+      </p:grpSpPr>
+      <p:sp>
+        <p:nvSpPr>
+          <p:cNvPr id="2" name="Title 1"/>
+          <p:cNvSpPr>
+            <a:spLocks noGrp="1"/>
+          </p:cNvSpPr>
+          <p:nvPr>
+            <p:ph type="title"/>
+          </p:nvPr>
+        </p:nvSpPr>
+        <p:spPr/>
+        <p:txBody>
+          <a:bodyPr/>
+          <a:lstStyle/>
+          <a:p>
+            <a:r>
+              <a:rPr lang="en-GB" sz="4000" dirty="0"/>
+              <a:t>If, else if, else</a:t>
+            </a:r>
+          </a:p>
+        </p:txBody>
+      </p:sp>
+      <p:sp>
+        <p:nvSpPr>
+          <p:cNvPr id="3" name="Content Placeholder 2"/>
+          <p:cNvSpPr>
+            <a:spLocks noGrp="1"/>
+          </p:cNvSpPr>
+          <p:nvPr>
+            <p:ph idx="1"/>
+          </p:nvPr>
+        </p:nvSpPr>
+        <p:spPr>
+          <a:xfrm>
+            <a:off x="457200" y="1600200"/>
+            <a:ext cx="8435280" cy="4876800"/>
+          </a:xfrm>
+        </p:spPr>
+        <p:txBody>
+          <a:bodyPr>
+            <a:normAutofit fontScale="85000" lnSpcReduction="20000"/>
+          </a:bodyPr>
+          <a:lstStyle/>
+          <a:p>
+            <a:pPr marL="0" indent="0">
+              <a:buNone/>
+            </a:pPr>
+            <a:r>
+              <a:rPr lang="en-GB" sz="2800" dirty="0">
+                <a:solidFill>
+                  <a:schemeClr val="accent1"/>
+                </a:solidFill>
+              </a:rPr>
+              <a:t>if</a:t>
+            </a:r>
+            <a:r>
+              <a:rPr lang="en-GB" sz="2800" dirty="0"/>
+              <a:t> (logical1)</a:t>
+            </a:r>
+            <a:r>
+              <a:rPr lang="en-GB" sz="2800" dirty="0">
+                <a:solidFill>
+                  <a:schemeClr val="accent1"/>
+                </a:solidFill>
+              </a:rPr>
+              <a:t>then</a:t>
+            </a:r>
+          </a:p>
+          <a:p>
+            <a:pPr marL="0" indent="0">
+              <a:buNone/>
+            </a:pPr>
+            <a:r>
+              <a:rPr lang="en-GB" sz="2800" dirty="0"/>
+              <a:t>	[code to be executed if [logical expression 1] true]</a:t>
+            </a:r>
+          </a:p>
+          <a:p>
+            <a:pPr marL="0" indent="0">
+              <a:buNone/>
+            </a:pPr>
+            <a:r>
+              <a:rPr lang="en-GB" sz="2800" dirty="0">
+                <a:solidFill>
+                  <a:schemeClr val="accent1"/>
+                </a:solidFill>
+              </a:rPr>
+              <a:t>else if </a:t>
+            </a:r>
+            <a:r>
+              <a:rPr lang="en-GB" sz="2800" dirty="0"/>
+              <a:t>(logical2) </a:t>
+            </a:r>
+            <a:r>
+              <a:rPr lang="en-GB" sz="2800" dirty="0">
+                <a:solidFill>
+                  <a:schemeClr val="accent1"/>
+                </a:solidFill>
+              </a:rPr>
+              <a:t>then</a:t>
+            </a:r>
+          </a:p>
+          <a:p>
+            <a:pPr marL="0" indent="0">
+              <a:buNone/>
+            </a:pPr>
+            <a:r>
+              <a:rPr lang="en-GB" sz="2800" dirty="0"/>
+              <a:t>	[code to be executed if logical1 false and logical2 true]</a:t>
+            </a:r>
+          </a:p>
+          <a:p>
+            <a:pPr marL="0" indent="0">
+              <a:buNone/>
+            </a:pPr>
+            <a:r>
+              <a:rPr lang="en-GB" sz="2800" dirty="0">
+                <a:solidFill>
+                  <a:schemeClr val="accent1"/>
+                </a:solidFill>
+              </a:rPr>
+              <a:t>else if </a:t>
+            </a:r>
+            <a:r>
+              <a:rPr lang="en-GB" sz="2800" dirty="0"/>
+              <a:t>(logical3) </a:t>
+            </a:r>
+            <a:r>
+              <a:rPr lang="en-GB" sz="2800" dirty="0">
+                <a:solidFill>
+                  <a:schemeClr val="accent1"/>
+                </a:solidFill>
+              </a:rPr>
+              <a:t>then</a:t>
+            </a:r>
+          </a:p>
+          <a:p>
+            <a:pPr marL="0" indent="0">
+              <a:buNone/>
+            </a:pPr>
+            <a:r>
+              <a:rPr lang="en-GB" sz="2800" dirty="0"/>
+              <a:t>	[code to be executed if logical 3 true and logical1 and logical2 false]</a:t>
+            </a:r>
+          </a:p>
+          <a:p>
+            <a:pPr marL="0" indent="0">
+              <a:buNone/>
+            </a:pPr>
+            <a:r>
+              <a:rPr lang="en-GB" sz="2800" dirty="0">
+                <a:solidFill>
+                  <a:schemeClr val="accent1"/>
+                </a:solidFill>
+              </a:rPr>
+              <a:t>else</a:t>
+            </a:r>
+          </a:p>
+          <a:p>
+            <a:pPr marL="0" indent="0">
+              <a:buNone/>
+            </a:pPr>
+            <a:r>
+              <a:rPr lang="en-GB" sz="2800" dirty="0"/>
+              <a:t>	[code to be executed if logical1, logical2 and logical3 false]</a:t>
+            </a:r>
+          </a:p>
+          <a:p>
+            <a:pPr marL="0" indent="0">
+              <a:buNone/>
+            </a:pPr>
+            <a:r>
+              <a:rPr lang="en-GB" sz="2800" dirty="0">
+                <a:solidFill>
+                  <a:schemeClr val="accent1"/>
+                </a:solidFill>
+              </a:rPr>
+              <a:t>end if</a:t>
+            </a:r>
+          </a:p>
+          <a:p>
+            <a:pPr marL="0" indent="0">
+              <a:buNone/>
+            </a:pPr>
+            <a:endParaRPr lang="en-GB" sz="2800" dirty="0"/>
+          </a:p>
+          <a:p>
+            <a:pPr marL="0" indent="0">
+              <a:buNone/>
+            </a:pPr>
+            <a:r>
+              <a:rPr lang="en-GB" sz="2800" dirty="0"/>
+              <a:t>[code to be executed next]</a:t>
+            </a:r>
+          </a:p>
+          <a:p>
+            <a:pPr marL="0" indent="0">
+              <a:buNone/>
+            </a:pPr>
+            <a:endParaRPr lang="en-GB" sz="2800" dirty="0"/>
+          </a:p>
+          <a:p>
+            <a:pPr marL="0" indent="0">
+              <a:buNone/>
+            </a:pPr>
+            <a:endParaRPr lang="en-GB" sz="2800" dirty="0"/>
+          </a:p>
+          <a:p>
+            <a:pPr marL="0" indent="0">
+              <a:buNone/>
+            </a:pPr>
+            <a:endParaRPr lang="en-GB" sz="2800" dirty="0"/>
+          </a:p>
+          <a:p>
+            <a:pPr marL="0" indent="0">
+              <a:buNone/>
+            </a:pPr>
+            <a:endParaRPr lang="en-GB" sz="2600" dirty="0"/>
+          </a:p>
+          <a:p>
+            <a:pPr marL="0" indent="0">
+              <a:buNone/>
+            </a:pPr>
+            <a:endParaRPr lang="en-GB" sz="2600" dirty="0"/>
+          </a:p>
+          <a:p>
+            <a:pPr marL="0" indent="0">
+              <a:buNone/>
+            </a:pPr>
+            <a:endParaRPr lang="en-GB" sz="3000" dirty="0"/>
+          </a:p>
+        </p:txBody>
+      </p:sp>
+      <p:sp>
+        <p:nvSpPr>
+          <p:cNvPr id="4" name="TextBox 3">
+            <a:extLst>
+              <a:ext uri="{FF2B5EF4-FFF2-40B4-BE49-F238E27FC236}">
+                <a16:creationId xmlns:a16="http://schemas.microsoft.com/office/drawing/2014/main" id="{6FAB0CB6-79B2-4901-AFD9-92C5A0C9BFEB}"/>
+              </a:ext>
+            </a:extLst>
+          </p:cNvPr>
+          <p:cNvSpPr txBox="1"/>
+          <p:nvPr/>
+        </p:nvSpPr>
+        <p:spPr>
+          <a:xfrm>
+            <a:off x="5728138" y="6498021"/>
+            <a:ext cx="1765738" cy="369332"/>
+          </a:xfrm>
+          <a:prstGeom prst="rect">
+            <a:avLst/>
+          </a:prstGeom>
+          <a:noFill/>
+        </p:spPr>
+        <p:txBody>
+          <a:bodyPr wrap="square" rtlCol="0">
+            <a:spAutoFit/>
+          </a:bodyPr>
+          <a:lstStyle/>
+          <a:p>
+            <a:r>
+              <a:rPr lang="en-GB" dirty="0">
+                <a:solidFill>
+                  <a:schemeClr val="accent1"/>
+                </a:solidFill>
+              </a:rPr>
+              <a:t>Demonstration</a:t>
+            </a:r>
+          </a:p>
+        </p:txBody>
+      </p:sp>
+      <p:sp>
+        <p:nvSpPr>
+          <p:cNvPr id="5" name="TextBox 4">
+            <a:extLst>
+              <a:ext uri="{FF2B5EF4-FFF2-40B4-BE49-F238E27FC236}">
+                <a16:creationId xmlns:a16="http://schemas.microsoft.com/office/drawing/2014/main" id="{04802720-F440-41B7-9540-A28C8F9A507C}"/>
+              </a:ext>
+            </a:extLst>
+          </p:cNvPr>
+          <p:cNvSpPr txBox="1"/>
+          <p:nvPr/>
+        </p:nvSpPr>
+        <p:spPr>
+          <a:xfrm>
+            <a:off x="7357241" y="6498021"/>
+            <a:ext cx="1697422" cy="369332"/>
+          </a:xfrm>
+          <a:prstGeom prst="rect">
+            <a:avLst/>
+          </a:prstGeom>
+          <a:noFill/>
+        </p:spPr>
+        <p:txBody>
+          <a:bodyPr wrap="square" rtlCol="0">
+            <a:spAutoFit/>
+          </a:bodyPr>
+          <a:lstStyle/>
+          <a:p>
+            <a:r>
+              <a:rPr lang="en-GB" dirty="0">
+                <a:solidFill>
+                  <a:schemeClr val="accent2"/>
+                </a:solidFill>
+              </a:rPr>
+              <a:t>Problem Sheet</a:t>
+            </a:r>
+          </a:p>
+        </p:txBody>
+      </p:sp>
+    </p:spTree>
+    <p:extLst>
+      <p:ext uri="{BB962C8B-B14F-4D97-AF65-F5344CB8AC3E}">
+        <p14:creationId xmlns:p14="http://schemas.microsoft.com/office/powerpoint/2010/main" val="2539671263"/>
+      </p:ext>
+    </p:extLst>
+  </p:cSld>
+  <p:clrMapOvr>
+    <a:masterClrMapping/>
+  </p:clrMapOvr>
+  <mc:AlternateContent xmlns:mc="http://schemas.openxmlformats.org/markup-compatibility/2006" xmlns:p14="http://schemas.microsoft.com/office/powerpoint/2010/main">
+    <mc:Choice Requires="p14">
+      <p:transition p14:dur="10"/>
+    </mc:Choice>
+    <mc:Fallback xmlns="">
+      <p:transition/>
+    </mc:Fallback>
+  </mc:AlternateContent>
+</p:sld>
+</file>
+
+<file path=ppt/slides/slide33.xml><?xml version="1.0" encoding="utf-8"?>
+<p:sld xmlns:a="http://schemas.openxmlformats.org/drawingml/2006/main" xmlns:r="http://schemas.openxmlformats.org/officeDocument/2006/relationships" xmlns:p="http://schemas.openxmlformats.org/presentationml/2006/main">
+  <p:cSld>
+    <p:spTree>
+      <p:nvGrpSpPr>
+        <p:cNvPr id="1" name=""/>
+        <p:cNvGrpSpPr/>
+        <p:nvPr/>
+      </p:nvGrpSpPr>
+      <p:grpSpPr>
+        <a:xfrm>
+          <a:off x="0" y="0"/>
+          <a:ext cx="0" cy="0"/>
+          <a:chOff x="0" y="0"/>
+          <a:chExt cx="0" cy="0"/>
+        </a:xfrm>
+      </p:grpSpPr>
+      <p:sp>
+        <p:nvSpPr>
+          <p:cNvPr id="2" name="Title 1"/>
+          <p:cNvSpPr>
+            <a:spLocks noGrp="1"/>
+          </p:cNvSpPr>
+          <p:nvPr>
+            <p:ph type="title"/>
+          </p:nvPr>
+        </p:nvSpPr>
+        <p:spPr/>
+        <p:txBody>
+          <a:bodyPr/>
+          <a:lstStyle/>
+          <a:p>
+            <a:r>
+              <a:rPr lang="en-GB" sz="4000" dirty="0"/>
               <a:t>Loops</a:t>
             </a:r>
           </a:p>
@@ -18935,7 +19267,7 @@
 </p:sld>
 </file>
 
-<file path=ppt/slides/slide32.xml><?xml version="1.0" encoding="utf-8"?>
+<file path=ppt/slides/slide34.xml><?xml version="1.0" encoding="utf-8"?>
 <p:sld xmlns:a="http://schemas.openxmlformats.org/drawingml/2006/main" xmlns:r="http://schemas.openxmlformats.org/officeDocument/2006/relationships" xmlns:p="http://schemas.openxmlformats.org/presentationml/2006/main">
   <p:cSld>
     <p:spTree>
@@ -19556,7 +19888,7 @@
 </p:sld>
 </file>
 
-<file path=ppt/slides/slide33.xml><?xml version="1.0" encoding="utf-8"?>
+<file path=ppt/slides/slide35.xml><?xml version="1.0" encoding="utf-8"?>
 <p:sld xmlns:a="http://schemas.openxmlformats.org/drawingml/2006/main" xmlns:r="http://schemas.openxmlformats.org/officeDocument/2006/relationships" xmlns:p="http://schemas.openxmlformats.org/presentationml/2006/main">
   <p:cSld>
     <p:spTree>
@@ -19983,7 +20315,7 @@
 </p:sld>
 </file>
 
-<file path=ppt/slides/slide34.xml><?xml version="1.0" encoding="utf-8"?>
+<file path=ppt/slides/slide36.xml><?xml version="1.0" encoding="utf-8"?>
 <p:sld xmlns:a="http://schemas.openxmlformats.org/drawingml/2006/main" xmlns:r="http://schemas.openxmlformats.org/officeDocument/2006/relationships" xmlns:p="http://schemas.openxmlformats.org/presentationml/2006/main">
   <p:cSld>
     <p:spTree>
@@ -20097,7 +20429,7 @@
 </p:sld>
 </file>
 
-<file path=ppt/slides/slide35.xml><?xml version="1.0" encoding="utf-8"?>
+<file path=ppt/slides/slide37.xml><?xml version="1.0" encoding="utf-8"?>
 <p:sld xmlns:a="http://schemas.openxmlformats.org/drawingml/2006/main" xmlns:r="http://schemas.openxmlformats.org/officeDocument/2006/relationships" xmlns:p="http://schemas.openxmlformats.org/presentationml/2006/main">
   <p:cSld>
     <p:spTree>
@@ -20197,7 +20529,7 @@
 </p:sld>
 </file>
 
-<file path=ppt/slides/slide36.xml><?xml version="1.0" encoding="utf-8"?>
+<file path=ppt/slides/slide38.xml><?xml version="1.0" encoding="utf-8"?>
 <p:sld xmlns:a="http://schemas.openxmlformats.org/drawingml/2006/main" xmlns:r="http://schemas.openxmlformats.org/officeDocument/2006/relationships" xmlns:p="http://schemas.openxmlformats.org/presentationml/2006/main">
   <p:cSld>
     <p:spTree>
@@ -20622,7 +20954,7 @@
 </p:sld>
 </file>
 
-<file path=ppt/slides/slide37.xml><?xml version="1.0" encoding="utf-8"?>
+<file path=ppt/slides/slide39.xml><?xml version="1.0" encoding="utf-8"?>
 <p:sld xmlns:a="http://schemas.openxmlformats.org/drawingml/2006/main" xmlns:r="http://schemas.openxmlformats.org/officeDocument/2006/relationships" xmlns:p="http://schemas.openxmlformats.org/presentationml/2006/main">
   <p:cSld>
     <p:spTree>
@@ -20997,7 +21329,157 @@
 </p:sld>
 </file>
 
-<file path=ppt/slides/slide38.xml><?xml version="1.0" encoding="utf-8"?>
+<file path=ppt/slides/slide4.xml><?xml version="1.0" encoding="utf-8"?>
+<p:sld xmlns:a="http://schemas.openxmlformats.org/drawingml/2006/main" xmlns:r="http://schemas.openxmlformats.org/officeDocument/2006/relationships" xmlns:p="http://schemas.openxmlformats.org/presentationml/2006/main">
+  <p:cSld>
+    <p:spTree>
+      <p:nvGrpSpPr>
+        <p:cNvPr id="1" name=""/>
+        <p:cNvGrpSpPr/>
+        <p:nvPr/>
+      </p:nvGrpSpPr>
+      <p:grpSpPr>
+        <a:xfrm>
+          <a:off x="0" y="0"/>
+          <a:ext cx="0" cy="0"/>
+          <a:chOff x="0" y="0"/>
+          <a:chExt cx="0" cy="0"/>
+        </a:xfrm>
+      </p:grpSpPr>
+      <p:sp>
+        <p:nvSpPr>
+          <p:cNvPr id="2" name="Title 1"/>
+          <p:cNvSpPr>
+            <a:spLocks noGrp="1"/>
+          </p:cNvSpPr>
+          <p:nvPr>
+            <p:ph type="title"/>
+          </p:nvPr>
+        </p:nvSpPr>
+        <p:spPr/>
+        <p:txBody>
+          <a:bodyPr/>
+          <a:lstStyle/>
+          <a:p>
+            <a:r>
+              <a:rPr lang="en-GB" sz="4000" dirty="0"/>
+              <a:t>Learning Outcomes</a:t>
+            </a:r>
+          </a:p>
+        </p:txBody>
+      </p:sp>
+      <p:sp>
+        <p:nvSpPr>
+          <p:cNvPr id="3" name="Content Placeholder 2"/>
+          <p:cNvSpPr>
+            <a:spLocks noGrp="1"/>
+          </p:cNvSpPr>
+          <p:nvPr>
+            <p:ph idx="1"/>
+          </p:nvPr>
+        </p:nvSpPr>
+        <p:spPr>
+          <a:xfrm>
+            <a:off x="457200" y="1600200"/>
+            <a:ext cx="8435280" cy="4876800"/>
+          </a:xfrm>
+        </p:spPr>
+        <p:txBody>
+          <a:bodyPr>
+            <a:normAutofit fontScale="92500" lnSpcReduction="20000"/>
+          </a:bodyPr>
+          <a:lstStyle/>
+          <a:p>
+            <a:pPr marL="514350" lvl="0" indent="-514350">
+              <a:buAutoNum type="arabicPeriod"/>
+            </a:pPr>
+            <a:r>
+              <a:rPr lang="en-GB" b="1" dirty="0"/>
+              <a:t>Define</a:t>
+            </a:r>
+            <a:r>
+              <a:rPr lang="en-GB" dirty="0"/>
+              <a:t> the terms source file, compiler and executable,</a:t>
+            </a:r>
+          </a:p>
+          <a:p>
+            <a:pPr marL="514350" lvl="0" indent="-514350">
+              <a:buAutoNum type="arabicPeriod"/>
+            </a:pPr>
+            <a:r>
+              <a:rPr lang="en-GB" b="1" dirty="0"/>
+              <a:t>Use</a:t>
+            </a:r>
+            <a:r>
+              <a:rPr lang="en-GB" dirty="0"/>
+              <a:t> a compiler to create and run simple codes,</a:t>
+            </a:r>
+          </a:p>
+          <a:p>
+            <a:pPr marL="514350" lvl="0" indent="-514350">
+              <a:buAutoNum type="arabicPeriod"/>
+            </a:pPr>
+            <a:r>
+              <a:rPr lang="en-GB" b="1" dirty="0"/>
+              <a:t>Apply</a:t>
+            </a:r>
+            <a:r>
+              <a:rPr lang="en-GB" dirty="0"/>
+              <a:t> fundamental components of the Fortran language including variables, loops, conditionals and subroutines,</a:t>
+            </a:r>
+          </a:p>
+          <a:p>
+            <a:pPr marL="514350" lvl="0" indent="-514350">
+              <a:buAutoNum type="arabicPeriod"/>
+            </a:pPr>
+            <a:r>
+              <a:rPr lang="en-GB" b="1" dirty="0"/>
+              <a:t>Create</a:t>
+            </a:r>
+            <a:r>
+              <a:rPr lang="en-GB" dirty="0"/>
+              <a:t> programs designed to solve simple numerical problems</a:t>
+            </a:r>
+            <a:endParaRPr lang="en-GB" i="1" dirty="0"/>
+          </a:p>
+          <a:p>
+            <a:pPr marL="514350" lvl="0" indent="-514350">
+              <a:buAutoNum type="arabicPeriod"/>
+            </a:pPr>
+            <a:r>
+              <a:rPr lang="en-GB" b="1" dirty="0"/>
+              <a:t>Interpret</a:t>
+            </a:r>
+            <a:r>
+              <a:rPr lang="en-GB" dirty="0"/>
+              <a:t> common compiler and run-time errors and use these to help debug a program</a:t>
+            </a:r>
+            <a:endParaRPr lang="en-GB" sz="3000" dirty="0"/>
+          </a:p>
+        </p:txBody>
+      </p:sp>
+    </p:spTree>
+    <p:extLst>
+      <p:ext uri="{BB962C8B-B14F-4D97-AF65-F5344CB8AC3E}">
+        <p14:creationId xmlns:p14="http://schemas.microsoft.com/office/powerpoint/2010/main" val="3248724752"/>
+      </p:ext>
+    </p:extLst>
+  </p:cSld>
+  <p:clrMapOvr>
+    <a:masterClrMapping/>
+  </p:clrMapOvr>
+  <mc:AlternateContent xmlns:mc="http://schemas.openxmlformats.org/markup-compatibility/2006" xmlns:p14="http://schemas.microsoft.com/office/powerpoint/2010/main">
+    <mc:Choice Requires="p14">
+      <p:transition p14:dur="10"/>
+    </mc:Choice>
+    <mc:Fallback xmlns="">
+      <p:transition/>
+    </mc:Fallback>
+  </mc:AlternateContent>
+</p:sld>
+</file>
+
+<file path=ppt/slides/slide40.xml><?xml version="1.0" encoding="utf-8"?>
 <p:sld xmlns:a="http://schemas.openxmlformats.org/drawingml/2006/main" xmlns:r="http://schemas.openxmlformats.org/officeDocument/2006/relationships" xmlns:p="http://schemas.openxmlformats.org/presentationml/2006/main">
   <p:cSld>
     <p:spTree>
@@ -21109,7 +21591,7 @@
 </p:sld>
 </file>
 
-<file path=ppt/slides/slide39.xml><?xml version="1.0" encoding="utf-8"?>
+<file path=ppt/slides/slide41.xml><?xml version="1.0" encoding="utf-8"?>
 <p:sld xmlns:a="http://schemas.openxmlformats.org/drawingml/2006/main" xmlns:r="http://schemas.openxmlformats.org/officeDocument/2006/relationships" xmlns:p="http://schemas.openxmlformats.org/presentationml/2006/main">
   <p:cSld>
     <p:spTree>
@@ -21608,114 +22090,7 @@
 </p:sld>
 </file>
 
-<file path=ppt/slides/slide4.xml><?xml version="1.0" encoding="utf-8"?>
-<p:sld xmlns:a="http://schemas.openxmlformats.org/drawingml/2006/main" xmlns:r="http://schemas.openxmlformats.org/officeDocument/2006/relationships" xmlns:p="http://schemas.openxmlformats.org/presentationml/2006/main">
-  <p:cSld>
-    <p:spTree>
-      <p:nvGrpSpPr>
-        <p:cNvPr id="1" name=""/>
-        <p:cNvGrpSpPr/>
-        <p:nvPr/>
-      </p:nvGrpSpPr>
-      <p:grpSpPr>
-        <a:xfrm>
-          <a:off x="0" y="0"/>
-          <a:ext cx="0" cy="0"/>
-          <a:chOff x="0" y="0"/>
-          <a:chExt cx="0" cy="0"/>
-        </a:xfrm>
-      </p:grpSpPr>
-      <p:sp>
-        <p:nvSpPr>
-          <p:cNvPr id="2" name="Title 1"/>
-          <p:cNvSpPr>
-            <a:spLocks noGrp="1"/>
-          </p:cNvSpPr>
-          <p:nvPr>
-            <p:ph type="title"/>
-          </p:nvPr>
-        </p:nvSpPr>
-        <p:spPr/>
-        <p:txBody>
-          <a:bodyPr/>
-          <a:lstStyle/>
-          <a:p>
-            <a:r>
-              <a:rPr lang="en-GB" sz="4000" dirty="0"/>
-              <a:t>How Do We Code?</a:t>
-            </a:r>
-          </a:p>
-        </p:txBody>
-      </p:sp>
-      <p:sp>
-        <p:nvSpPr>
-          <p:cNvPr id="3" name="Content Placeholder 2"/>
-          <p:cNvSpPr>
-            <a:spLocks noGrp="1"/>
-          </p:cNvSpPr>
-          <p:nvPr>
-            <p:ph idx="1"/>
-          </p:nvPr>
-        </p:nvSpPr>
-        <p:spPr>
-          <a:xfrm>
-            <a:off x="457200" y="1600200"/>
-            <a:ext cx="8435280" cy="4876800"/>
-          </a:xfrm>
-        </p:spPr>
-        <p:txBody>
-          <a:bodyPr>
-            <a:normAutofit/>
-          </a:bodyPr>
-          <a:lstStyle/>
-          <a:p>
-            <a:r>
-              <a:rPr lang="en-GB" sz="3000" dirty="0"/>
-              <a:t>Design an algorithm which solves your problem</a:t>
-            </a:r>
-          </a:p>
-          <a:p>
-            <a:r>
-              <a:rPr lang="en-GB" sz="3000" dirty="0"/>
-              <a:t>Translate it into source code</a:t>
-            </a:r>
-          </a:p>
-          <a:p>
-            <a:r>
-              <a:rPr lang="en-GB" sz="3000" dirty="0"/>
-              <a:t>Instruct the computer to carry out the instructions of the source code</a:t>
-            </a:r>
-          </a:p>
-          <a:p>
-            <a:r>
-              <a:rPr lang="en-GB" sz="3000" dirty="0"/>
-              <a:t>Each step is language dependent</a:t>
-            </a:r>
-          </a:p>
-        </p:txBody>
-      </p:sp>
-    </p:spTree>
-    <p:extLst>
-      <p:ext uri="{BB962C8B-B14F-4D97-AF65-F5344CB8AC3E}">
-        <p14:creationId xmlns:p14="http://schemas.microsoft.com/office/powerpoint/2010/main" val="766773942"/>
-      </p:ext>
-    </p:extLst>
-  </p:cSld>
-  <p:clrMapOvr>
-    <a:masterClrMapping/>
-  </p:clrMapOvr>
-  <mc:AlternateContent xmlns:mc="http://schemas.openxmlformats.org/markup-compatibility/2006" xmlns:p14="http://schemas.microsoft.com/office/powerpoint/2010/main">
-    <mc:Choice Requires="p14">
-      <p:transition p14:dur="10"/>
-    </mc:Choice>
-    <mc:Fallback xmlns="">
-      <p:transition/>
-    </mc:Fallback>
-  </mc:AlternateContent>
-</p:sld>
-</file>
-
-<file path=ppt/slides/slide40.xml><?xml version="1.0" encoding="utf-8"?>
+<file path=ppt/slides/slide42.xml><?xml version="1.0" encoding="utf-8"?>
 <p:sld xmlns:a="http://schemas.openxmlformats.org/drawingml/2006/main" xmlns:r="http://schemas.openxmlformats.org/officeDocument/2006/relationships" xmlns:p="http://schemas.openxmlformats.org/presentationml/2006/main">
   <p:cSld>
     <p:spTree>
@@ -22097,7 +22472,7 @@
 </p:sld>
 </file>
 
-<file path=ppt/slides/slide41.xml><?xml version="1.0" encoding="utf-8"?>
+<file path=ppt/slides/slide43.xml><?xml version="1.0" encoding="utf-8"?>
 <p:sld xmlns:a="http://schemas.openxmlformats.org/drawingml/2006/main" xmlns:r="http://schemas.openxmlformats.org/officeDocument/2006/relationships" xmlns:p="http://schemas.openxmlformats.org/presentationml/2006/main">
   <p:cSld>
     <p:spTree>
@@ -22451,7 +22826,7 @@
 </p:sld>
 </file>
 
-<file path=ppt/slides/slide42.xml><?xml version="1.0" encoding="utf-8"?>
+<file path=ppt/slides/slide44.xml><?xml version="1.0" encoding="utf-8"?>
 <p:sld xmlns:a="http://schemas.openxmlformats.org/drawingml/2006/main" xmlns:r="http://schemas.openxmlformats.org/officeDocument/2006/relationships" xmlns:p="http://schemas.openxmlformats.org/presentationml/2006/main">
   <p:cSld>
     <p:spTree>
@@ -22834,7 +23209,7 @@
 </p:sld>
 </file>
 
-<file path=ppt/slides/slide43.xml><?xml version="1.0" encoding="utf-8"?>
+<file path=ppt/slides/slide45.xml><?xml version="1.0" encoding="utf-8"?>
 <p:sld xmlns:a="http://schemas.openxmlformats.org/drawingml/2006/main" xmlns:r="http://schemas.openxmlformats.org/officeDocument/2006/relationships" xmlns:p="http://schemas.openxmlformats.org/presentationml/2006/main">
   <p:cSld>
     <p:spTree>
@@ -23395,7 +23770,7 @@
 </p:sld>
 </file>
 
-<file path=ppt/slides/slide44.xml><?xml version="1.0" encoding="utf-8"?>
+<file path=ppt/slides/slide46.xml><?xml version="1.0" encoding="utf-8"?>
 <p:sld xmlns:a="http://schemas.openxmlformats.org/drawingml/2006/main" xmlns:r="http://schemas.openxmlformats.org/officeDocument/2006/relationships" xmlns:p="http://schemas.openxmlformats.org/presentationml/2006/main">
   <p:cSld>
     <p:spTree>
@@ -23736,7 +24111,7 @@
 </p:sld>
 </file>
 
-<file path=ppt/slides/slide45.xml><?xml version="1.0" encoding="utf-8"?>
+<file path=ppt/slides/slide47.xml><?xml version="1.0" encoding="utf-8"?>
 <p:sld xmlns:a="http://schemas.openxmlformats.org/drawingml/2006/main" xmlns:r="http://schemas.openxmlformats.org/officeDocument/2006/relationships" xmlns:p="http://schemas.openxmlformats.org/presentationml/2006/main">
   <p:cSld>
     <p:spTree>
@@ -24333,373 +24708,6 @@
 </p:sld>
 </file>
 
-<file path=ppt/slides/slide46.xml><?xml version="1.0" encoding="utf-8"?>
-<p:sld xmlns:a="http://schemas.openxmlformats.org/drawingml/2006/main" xmlns:r="http://schemas.openxmlformats.org/officeDocument/2006/relationships" xmlns:p="http://schemas.openxmlformats.org/presentationml/2006/main">
-  <p:cSld>
-    <p:spTree>
-      <p:nvGrpSpPr>
-        <p:cNvPr id="1" name=""/>
-        <p:cNvGrpSpPr/>
-        <p:nvPr/>
-      </p:nvGrpSpPr>
-      <p:grpSpPr>
-        <a:xfrm>
-          <a:off x="0" y="0"/>
-          <a:ext cx="0" cy="0"/>
-          <a:chOff x="0" y="0"/>
-          <a:chExt cx="0" cy="0"/>
-        </a:xfrm>
-      </p:grpSpPr>
-      <p:sp>
-        <p:nvSpPr>
-          <p:cNvPr id="2" name="Title 1"/>
-          <p:cNvSpPr>
-            <a:spLocks noGrp="1"/>
-          </p:cNvSpPr>
-          <p:nvPr>
-            <p:ph type="title"/>
-          </p:nvPr>
-        </p:nvSpPr>
-        <p:spPr/>
-        <p:txBody>
-          <a:bodyPr/>
-          <a:lstStyle/>
-          <a:p>
-            <a:r>
-              <a:rPr lang="en-GB" sz="4000" dirty="0"/>
-              <a:t>Errors in Fortran</a:t>
-            </a:r>
-          </a:p>
-        </p:txBody>
-      </p:sp>
-      <p:sp>
-        <p:nvSpPr>
-          <p:cNvPr id="7" name="Content Placeholder 6">
-            <a:extLst>
-              <a:ext uri="{FF2B5EF4-FFF2-40B4-BE49-F238E27FC236}">
-                <a16:creationId xmlns:a16="http://schemas.microsoft.com/office/drawing/2014/main" id="{8704F1A3-720B-4123-B3B8-B6C05F8BAC14}"/>
-              </a:ext>
-            </a:extLst>
-          </p:cNvPr>
-          <p:cNvSpPr>
-            <a:spLocks noGrp="1"/>
-          </p:cNvSpPr>
-          <p:nvPr>
-            <p:ph idx="1"/>
-          </p:nvPr>
-        </p:nvSpPr>
-        <p:spPr/>
-        <p:txBody>
-          <a:bodyPr/>
-          <a:lstStyle/>
-          <a:p>
-            <a:r>
-              <a:rPr lang="en-GB" sz="2400" dirty="0"/>
-              <a:t>Compilation Errors</a:t>
-            </a:r>
-          </a:p>
-          <a:p>
-            <a:pPr lvl="1"/>
-            <a:r>
-              <a:rPr lang="en-GB" sz="2400" dirty="0"/>
-              <a:t>Picked up by the compiler</a:t>
-            </a:r>
-          </a:p>
-          <a:p>
-            <a:pPr lvl="1"/>
-            <a:r>
-              <a:rPr lang="en-GB" sz="2400" dirty="0"/>
-              <a:t>Will be phrased differently between different compilers</a:t>
-            </a:r>
-          </a:p>
-          <a:p>
-            <a:pPr lvl="1"/>
-            <a:r>
-              <a:rPr lang="en-GB" sz="2400" dirty="0"/>
-              <a:t>Compilers will sometimes pick up different errors</a:t>
-            </a:r>
-          </a:p>
-          <a:p>
-            <a:r>
-              <a:rPr lang="en-GB" sz="2400" dirty="0"/>
-              <a:t>Run-time errors</a:t>
-            </a:r>
-          </a:p>
-          <a:p>
-            <a:pPr lvl="1"/>
-            <a:r>
-              <a:rPr lang="en-GB" sz="2400" dirty="0"/>
-              <a:t>Code compiles correctly</a:t>
-            </a:r>
-          </a:p>
-          <a:p>
-            <a:pPr lvl="1"/>
-            <a:r>
-              <a:rPr lang="en-GB" sz="2400" dirty="0"/>
-              <a:t>When running the code an invalid operation is requested due to the state of one or more variables</a:t>
-            </a:r>
-          </a:p>
-        </p:txBody>
-      </p:sp>
-      <p:sp>
-        <p:nvSpPr>
-          <p:cNvPr id="4" name="TextBox 3">
-            <a:extLst>
-              <a:ext uri="{FF2B5EF4-FFF2-40B4-BE49-F238E27FC236}">
-                <a16:creationId xmlns:a16="http://schemas.microsoft.com/office/drawing/2014/main" id="{FE18D065-54F3-477E-A4A8-A9C295184741}"/>
-              </a:ext>
-            </a:extLst>
-          </p:cNvPr>
-          <p:cNvSpPr txBox="1"/>
-          <p:nvPr/>
-        </p:nvSpPr>
-        <p:spPr>
-          <a:xfrm>
-            <a:off x="5728138" y="6498021"/>
-            <a:ext cx="1765738" cy="369332"/>
-          </a:xfrm>
-          <a:prstGeom prst="rect">
-            <a:avLst/>
-          </a:prstGeom>
-          <a:noFill/>
-        </p:spPr>
-        <p:txBody>
-          <a:bodyPr wrap="square" rtlCol="0">
-            <a:spAutoFit/>
-          </a:bodyPr>
-          <a:lstStyle/>
-          <a:p>
-            <a:r>
-              <a:rPr lang="en-GB" dirty="0">
-                <a:solidFill>
-                  <a:schemeClr val="accent1"/>
-                </a:solidFill>
-              </a:rPr>
-              <a:t>Demonstration</a:t>
-            </a:r>
-          </a:p>
-        </p:txBody>
-      </p:sp>
-      <p:sp>
-        <p:nvSpPr>
-          <p:cNvPr id="5" name="TextBox 4">
-            <a:extLst>
-              <a:ext uri="{FF2B5EF4-FFF2-40B4-BE49-F238E27FC236}">
-                <a16:creationId xmlns:a16="http://schemas.microsoft.com/office/drawing/2014/main" id="{52437283-C048-4F57-A1B8-9AA1E11EA4CE}"/>
-              </a:ext>
-            </a:extLst>
-          </p:cNvPr>
-          <p:cNvSpPr txBox="1"/>
-          <p:nvPr/>
-        </p:nvSpPr>
-        <p:spPr>
-          <a:xfrm>
-            <a:off x="7357241" y="6498021"/>
-            <a:ext cx="1697422" cy="369332"/>
-          </a:xfrm>
-          <a:prstGeom prst="rect">
-            <a:avLst/>
-          </a:prstGeom>
-          <a:noFill/>
-        </p:spPr>
-        <p:txBody>
-          <a:bodyPr wrap="square" rtlCol="0">
-            <a:spAutoFit/>
-          </a:bodyPr>
-          <a:lstStyle/>
-          <a:p>
-            <a:r>
-              <a:rPr lang="en-GB" dirty="0">
-                <a:solidFill>
-                  <a:schemeClr val="accent2"/>
-                </a:solidFill>
-              </a:rPr>
-              <a:t>Problem Sheet</a:t>
-            </a:r>
-          </a:p>
-        </p:txBody>
-      </p:sp>
-    </p:spTree>
-    <p:extLst>
-      <p:ext uri="{BB962C8B-B14F-4D97-AF65-F5344CB8AC3E}">
-        <p14:creationId xmlns:p14="http://schemas.microsoft.com/office/powerpoint/2010/main" val="3099411356"/>
-      </p:ext>
-    </p:extLst>
-  </p:cSld>
-  <p:clrMapOvr>
-    <a:masterClrMapping/>
-  </p:clrMapOvr>
-  <mc:AlternateContent xmlns:mc="http://schemas.openxmlformats.org/markup-compatibility/2006" xmlns:p14="http://schemas.microsoft.com/office/powerpoint/2010/main">
-    <mc:Choice Requires="p14">
-      <p:transition p14:dur="10"/>
-    </mc:Choice>
-    <mc:Fallback xmlns="">
-      <p:transition/>
-    </mc:Fallback>
-  </mc:AlternateContent>
-</p:sld>
-</file>
-
-<file path=ppt/slides/slide47.xml><?xml version="1.0" encoding="utf-8"?>
-<p:sld xmlns:a="http://schemas.openxmlformats.org/drawingml/2006/main" xmlns:r="http://schemas.openxmlformats.org/officeDocument/2006/relationships" xmlns:p="http://schemas.openxmlformats.org/presentationml/2006/main">
-  <p:cSld>
-    <p:spTree>
-      <p:nvGrpSpPr>
-        <p:cNvPr id="1" name=""/>
-        <p:cNvGrpSpPr/>
-        <p:nvPr/>
-      </p:nvGrpSpPr>
-      <p:grpSpPr>
-        <a:xfrm>
-          <a:off x="0" y="0"/>
-          <a:ext cx="0" cy="0"/>
-          <a:chOff x="0" y="0"/>
-          <a:chExt cx="0" cy="0"/>
-        </a:xfrm>
-      </p:grpSpPr>
-      <p:sp>
-        <p:nvSpPr>
-          <p:cNvPr id="2" name="Title 1"/>
-          <p:cNvSpPr>
-            <a:spLocks noGrp="1"/>
-          </p:cNvSpPr>
-          <p:nvPr>
-            <p:ph type="title"/>
-          </p:nvPr>
-        </p:nvSpPr>
-        <p:spPr/>
-        <p:txBody>
-          <a:bodyPr/>
-          <a:lstStyle/>
-          <a:p>
-            <a:r>
-              <a:rPr lang="en-GB" sz="4000" dirty="0"/>
-              <a:t>Gotchas</a:t>
-            </a:r>
-          </a:p>
-        </p:txBody>
-      </p:sp>
-      <p:sp>
-        <p:nvSpPr>
-          <p:cNvPr id="7" name="Content Placeholder 6">
-            <a:extLst>
-              <a:ext uri="{FF2B5EF4-FFF2-40B4-BE49-F238E27FC236}">
-                <a16:creationId xmlns:a16="http://schemas.microsoft.com/office/drawing/2014/main" id="{8704F1A3-720B-4123-B3B8-B6C05F8BAC14}"/>
-              </a:ext>
-            </a:extLst>
-          </p:cNvPr>
-          <p:cNvSpPr>
-            <a:spLocks noGrp="1"/>
-          </p:cNvSpPr>
-          <p:nvPr>
-            <p:ph idx="1"/>
-          </p:nvPr>
-        </p:nvSpPr>
-        <p:spPr/>
-        <p:txBody>
-          <a:bodyPr/>
-          <a:lstStyle/>
-          <a:p>
-            <a:r>
-              <a:rPr lang="en-GB" sz="2400" dirty="0"/>
-              <a:t>There are lots of behaviours in Fortran that are not what you would expect</a:t>
-            </a:r>
-          </a:p>
-          <a:p>
-            <a:r>
-              <a:rPr lang="en-GB" sz="2400" dirty="0"/>
-              <a:t>In other languages, they may cause errors</a:t>
-            </a:r>
-          </a:p>
-          <a:p>
-            <a:r>
-              <a:rPr lang="en-GB" sz="2400" dirty="0"/>
-              <a:t>There’s usually some logic</a:t>
-            </a:r>
-          </a:p>
-          <a:p>
-            <a:pPr lvl="1"/>
-            <a:r>
-              <a:rPr lang="en-GB" sz="2000" dirty="0"/>
-              <a:t>Often that checking slows the program down</a:t>
-            </a:r>
-          </a:p>
-          <a:p>
-            <a:pPr lvl="1"/>
-            <a:r>
-              <a:rPr lang="en-GB" sz="2000" dirty="0"/>
-              <a:t>Sometimes that behaviour is sometimes desired</a:t>
-            </a:r>
-          </a:p>
-          <a:p>
-            <a:pPr lvl="2"/>
-            <a:r>
-              <a:rPr lang="en-GB" sz="1600" dirty="0"/>
-              <a:t>It’s your responsibility if you think it’s not desired</a:t>
-            </a:r>
-          </a:p>
-        </p:txBody>
-      </p:sp>
-      <p:sp>
-        <p:nvSpPr>
-          <p:cNvPr id="4" name="TextBox 3">
-            <a:extLst>
-              <a:ext uri="{FF2B5EF4-FFF2-40B4-BE49-F238E27FC236}">
-                <a16:creationId xmlns:a16="http://schemas.microsoft.com/office/drawing/2014/main" id="{A569C6F6-B098-4920-86A4-41DDD2204985}"/>
-              </a:ext>
-            </a:extLst>
-          </p:cNvPr>
-          <p:cNvSpPr txBox="1"/>
-          <p:nvPr/>
-        </p:nvSpPr>
-        <p:spPr>
-          <a:xfrm>
-            <a:off x="5728138" y="6498021"/>
-            <a:ext cx="1765738" cy="369332"/>
-          </a:xfrm>
-          <a:prstGeom prst="rect">
-            <a:avLst/>
-          </a:prstGeom>
-          <a:noFill/>
-        </p:spPr>
-        <p:txBody>
-          <a:bodyPr wrap="square" rtlCol="0">
-            <a:spAutoFit/>
-          </a:bodyPr>
-          <a:lstStyle/>
-          <a:p>
-            <a:r>
-              <a:rPr lang="en-GB" dirty="0">
-                <a:solidFill>
-                  <a:schemeClr val="accent1"/>
-                </a:solidFill>
-              </a:rPr>
-              <a:t>Demonstration</a:t>
-            </a:r>
-          </a:p>
-        </p:txBody>
-      </p:sp>
-    </p:spTree>
-    <p:extLst>
-      <p:ext uri="{BB962C8B-B14F-4D97-AF65-F5344CB8AC3E}">
-        <p14:creationId xmlns:p14="http://schemas.microsoft.com/office/powerpoint/2010/main" val="1839592679"/>
-      </p:ext>
-    </p:extLst>
-  </p:cSld>
-  <p:clrMapOvr>
-    <a:masterClrMapping/>
-  </p:clrMapOvr>
-  <mc:AlternateContent xmlns:mc="http://schemas.openxmlformats.org/markup-compatibility/2006" xmlns:p14="http://schemas.microsoft.com/office/powerpoint/2010/main">
-    <mc:Choice Requires="p14">
-      <p:transition p14:dur="10"/>
-    </mc:Choice>
-    <mc:Fallback xmlns="">
-      <p:transition/>
-    </mc:Fallback>
-  </mc:AlternateContent>
-</p:sld>
-</file>
-
 <file path=ppt/slides/slide48.xml><?xml version="1.0" encoding="utf-8"?>
 <p:sld xmlns:a="http://schemas.openxmlformats.org/drawingml/2006/main" xmlns:r="http://schemas.openxmlformats.org/officeDocument/2006/relationships" xmlns:p="http://schemas.openxmlformats.org/presentationml/2006/main">
   <p:cSld>
@@ -24734,14 +24742,20 @@
           <a:p>
             <a:r>
               <a:rPr lang="en-GB" sz="4000" dirty="0"/>
-              <a:t>Feedback</a:t>
-            </a:r>
-          </a:p>
-        </p:txBody>
-      </p:sp>
-      <p:sp>
-        <p:nvSpPr>
-          <p:cNvPr id="3" name="Content Placeholder 2"/>
+              <a:t>Errors in Fortran</a:t>
+            </a:r>
+          </a:p>
+        </p:txBody>
+      </p:sp>
+      <p:sp>
+        <p:nvSpPr>
+          <p:cNvPr id="7" name="Content Placeholder 6">
+            <a:extLst>
+              <a:ext uri="{FF2B5EF4-FFF2-40B4-BE49-F238E27FC236}">
+                <a16:creationId xmlns:a16="http://schemas.microsoft.com/office/drawing/2014/main" id="{8704F1A3-720B-4123-B3B8-B6C05F8BAC14}"/>
+              </a:ext>
+            </a:extLst>
+          </p:cNvPr>
           <p:cNvSpPr>
             <a:spLocks noGrp="1"/>
           </p:cNvSpPr>
@@ -24749,73 +24763,141 @@
             <p:ph idx="1"/>
           </p:nvPr>
         </p:nvSpPr>
+        <p:spPr/>
+        <p:txBody>
+          <a:bodyPr/>
+          <a:lstStyle/>
+          <a:p>
+            <a:r>
+              <a:rPr lang="en-GB" sz="2400" dirty="0"/>
+              <a:t>Compilation Errors</a:t>
+            </a:r>
+          </a:p>
+          <a:p>
+            <a:pPr lvl="1"/>
+            <a:r>
+              <a:rPr lang="en-GB" sz="2400" dirty="0"/>
+              <a:t>Picked up by the compiler</a:t>
+            </a:r>
+          </a:p>
+          <a:p>
+            <a:pPr lvl="1"/>
+            <a:r>
+              <a:rPr lang="en-GB" sz="2400" dirty="0"/>
+              <a:t>Will be phrased differently between different compilers</a:t>
+            </a:r>
+          </a:p>
+          <a:p>
+            <a:pPr lvl="1"/>
+            <a:r>
+              <a:rPr lang="en-GB" sz="2400" dirty="0"/>
+              <a:t>Compilers will sometimes pick up different errors</a:t>
+            </a:r>
+          </a:p>
+          <a:p>
+            <a:r>
+              <a:rPr lang="en-GB" sz="2400" dirty="0"/>
+              <a:t>Run-time errors</a:t>
+            </a:r>
+          </a:p>
+          <a:p>
+            <a:pPr lvl="1"/>
+            <a:r>
+              <a:rPr lang="en-GB" sz="2400" dirty="0"/>
+              <a:t>Code compiles correctly</a:t>
+            </a:r>
+          </a:p>
+          <a:p>
+            <a:pPr lvl="1"/>
+            <a:r>
+              <a:rPr lang="en-GB" sz="2400" dirty="0"/>
+              <a:t>When running the code an invalid operation is requested due to the state of one or more variables</a:t>
+            </a:r>
+          </a:p>
+        </p:txBody>
+      </p:sp>
+      <p:sp>
+        <p:nvSpPr>
+          <p:cNvPr id="4" name="TextBox 3">
+            <a:extLst>
+              <a:ext uri="{FF2B5EF4-FFF2-40B4-BE49-F238E27FC236}">
+                <a16:creationId xmlns:a16="http://schemas.microsoft.com/office/drawing/2014/main" id="{FE18D065-54F3-477E-A4A8-A9C295184741}"/>
+              </a:ext>
+            </a:extLst>
+          </p:cNvPr>
+          <p:cNvSpPr txBox="1"/>
+          <p:nvPr/>
+        </p:nvSpPr>
         <p:spPr>
           <a:xfrm>
-            <a:off x="457200" y="1600200"/>
-            <a:ext cx="8435280" cy="4876800"/>
+            <a:off x="5728138" y="6498021"/>
+            <a:ext cx="1765738" cy="369332"/>
           </a:xfrm>
+          <a:prstGeom prst="rect">
+            <a:avLst/>
+          </a:prstGeom>
+          <a:noFill/>
         </p:spPr>
         <p:txBody>
-          <a:bodyPr>
-            <a:normAutofit/>
+          <a:bodyPr wrap="square" rtlCol="0">
+            <a:spAutoFit/>
           </a:bodyPr>
           <a:lstStyle/>
           <a:p>
             <a:r>
-              <a:rPr lang="en-GB" sz="3000" dirty="0"/>
-              <a:t>Once you’ve completed this course, please provide feedback</a:t>
-            </a:r>
-          </a:p>
-          <a:p>
-            <a:pPr lvl="1"/>
-            <a:r>
-              <a:rPr lang="en-GB" sz="2600" dirty="0"/>
-              <a:t>The link is </a:t>
-            </a:r>
-            <a:r>
-              <a:rPr lang="en-GB" sz="2600" u="sng" dirty="0">
-                <a:solidFill>
-                  <a:srgbClr val="000000"/>
-                </a:solidFill>
-                <a:effectLst/>
-                <a:latin typeface="+mj-lt"/>
-                <a:ea typeface="Times New Roman" panose="02020603050405020304" pitchFamily="18" charset="0"/>
-                <a:hlinkClick r:id="rId3"/>
+              <a:rPr lang="en-GB" dirty="0">
+                <a:solidFill>
+                  <a:schemeClr val="accent1"/>
+                </a:solidFill>
               </a:rPr>
-              <a:t>tinyurl.com/rcds2021-22</a:t>
-            </a:r>
-            <a:endParaRPr lang="en-GB" sz="2600" u="sng" dirty="0">
-              <a:solidFill>
-                <a:srgbClr val="000000"/>
-              </a:solidFill>
-              <a:effectLst/>
-              <a:latin typeface="+mj-lt"/>
-              <a:ea typeface="Times New Roman" panose="02020603050405020304" pitchFamily="18" charset="0"/>
-            </a:endParaRPr>
-          </a:p>
-          <a:p>
-            <a:pPr lvl="1"/>
-            <a:r>
-              <a:rPr lang="en-GB" sz="2600" dirty="0"/>
-              <a:t>You should also have received an email with this link</a:t>
-            </a:r>
-          </a:p>
-          <a:p>
-            <a:pPr lvl="1"/>
-            <a:r>
-              <a:rPr lang="en-GB" sz="2600" dirty="0"/>
-              <a:t>This helps us improve the class for future students</a:t>
-            </a:r>
-          </a:p>
-          <a:p>
-            <a:endParaRPr lang="en-GB" sz="3000" dirty="0"/>
+              <a:t>Demonstration</a:t>
+            </a:r>
+          </a:p>
+        </p:txBody>
+      </p:sp>
+      <p:sp>
+        <p:nvSpPr>
+          <p:cNvPr id="5" name="TextBox 4">
+            <a:extLst>
+              <a:ext uri="{FF2B5EF4-FFF2-40B4-BE49-F238E27FC236}">
+                <a16:creationId xmlns:a16="http://schemas.microsoft.com/office/drawing/2014/main" id="{52437283-C048-4F57-A1B8-9AA1E11EA4CE}"/>
+              </a:ext>
+            </a:extLst>
+          </p:cNvPr>
+          <p:cNvSpPr txBox="1"/>
+          <p:nvPr/>
+        </p:nvSpPr>
+        <p:spPr>
+          <a:xfrm>
+            <a:off x="7357241" y="6498021"/>
+            <a:ext cx="1697422" cy="369332"/>
+          </a:xfrm>
+          <a:prstGeom prst="rect">
+            <a:avLst/>
+          </a:prstGeom>
+          <a:noFill/>
+        </p:spPr>
+        <p:txBody>
+          <a:bodyPr wrap="square" rtlCol="0">
+            <a:spAutoFit/>
+          </a:bodyPr>
+          <a:lstStyle/>
+          <a:p>
+            <a:r>
+              <a:rPr lang="en-GB" dirty="0">
+                <a:solidFill>
+                  <a:schemeClr val="accent2"/>
+                </a:solidFill>
+              </a:rPr>
+              <a:t>Problem Sheet</a:t>
+            </a:r>
           </a:p>
         </p:txBody>
       </p:sp>
     </p:spTree>
     <p:extLst>
       <p:ext uri="{BB962C8B-B14F-4D97-AF65-F5344CB8AC3E}">
-        <p14:creationId xmlns:p14="http://schemas.microsoft.com/office/powerpoint/2010/main" val="466020703"/>
+        <p14:creationId xmlns:p14="http://schemas.microsoft.com/office/powerpoint/2010/main" val="3099411356"/>
       </p:ext>
     </p:extLst>
   </p:cSld>
@@ -24852,238 +24934,130 @@
       </p:grpSpPr>
       <p:sp>
         <p:nvSpPr>
-          <p:cNvPr id="3074" name="Rectangle 2"/>
+          <p:cNvPr id="2" name="Title 1"/>
           <p:cNvSpPr>
-            <a:spLocks noGrp="1" noChangeArrowheads="1"/>
+            <a:spLocks noGrp="1"/>
           </p:cNvSpPr>
           <p:nvPr>
             <p:ph type="title"/>
           </p:nvPr>
         </p:nvSpPr>
-        <p:spPr>
-          <a:xfrm>
-            <a:off x="401319" y="1270635"/>
-            <a:ext cx="6981613" cy="1567815"/>
-          </a:xfrm>
-        </p:spPr>
-        <p:txBody>
-          <a:bodyPr>
-            <a:noAutofit/>
-          </a:bodyPr>
-          <a:lstStyle/>
-          <a:p>
-            <a:pPr marL="0" indent="0"/>
-            <a:r>
-              <a:rPr lang="en-GB" sz="4000" b="1" dirty="0"/>
-              <a:t>Introduction to Fortran</a:t>
-            </a:r>
-          </a:p>
-        </p:txBody>
-      </p:sp>
-      <p:sp>
-        <p:nvSpPr>
-          <p:cNvPr id="4" name="Subtitle 2">
+        <p:spPr/>
+        <p:txBody>
+          <a:bodyPr/>
+          <a:lstStyle/>
+          <a:p>
+            <a:r>
+              <a:rPr lang="en-GB" sz="4000" dirty="0"/>
+              <a:t>Gotchas</a:t>
+            </a:r>
+          </a:p>
+        </p:txBody>
+      </p:sp>
+      <p:sp>
+        <p:nvSpPr>
+          <p:cNvPr id="7" name="Content Placeholder 6">
             <a:extLst>
               <a:ext uri="{FF2B5EF4-FFF2-40B4-BE49-F238E27FC236}">
-                <a16:creationId xmlns:a16="http://schemas.microsoft.com/office/drawing/2014/main" id="{98AFEE1D-FAD0-48A0-BDEC-126036B6F897}"/>
+                <a16:creationId xmlns:a16="http://schemas.microsoft.com/office/drawing/2014/main" id="{8704F1A3-720B-4123-B3B8-B6C05F8BAC14}"/>
               </a:ext>
             </a:extLst>
           </p:cNvPr>
-          <p:cNvSpPr txBox="1">
-            <a:spLocks/>
-          </p:cNvSpPr>
+          <p:cNvSpPr>
+            <a:spLocks noGrp="1"/>
+          </p:cNvSpPr>
+          <p:nvPr>
+            <p:ph idx="1"/>
+          </p:nvPr>
+        </p:nvSpPr>
+        <p:spPr/>
+        <p:txBody>
+          <a:bodyPr/>
+          <a:lstStyle/>
+          <a:p>
+            <a:r>
+              <a:rPr lang="en-GB" sz="2400" dirty="0"/>
+              <a:t>There are lots of behaviours in Fortran that are not what you would expect</a:t>
+            </a:r>
+          </a:p>
+          <a:p>
+            <a:r>
+              <a:rPr lang="en-GB" sz="2400" dirty="0"/>
+              <a:t>In other languages, they may cause errors</a:t>
+            </a:r>
+          </a:p>
+          <a:p>
+            <a:r>
+              <a:rPr lang="en-GB" sz="2400" dirty="0"/>
+              <a:t>There’s usually some logic</a:t>
+            </a:r>
+          </a:p>
+          <a:p>
+            <a:pPr lvl="1"/>
+            <a:r>
+              <a:rPr lang="en-GB" sz="2000" dirty="0"/>
+              <a:t>Often that checking slows the program down</a:t>
+            </a:r>
+          </a:p>
+          <a:p>
+            <a:pPr lvl="1"/>
+            <a:r>
+              <a:rPr lang="en-GB" sz="2000" dirty="0"/>
+              <a:t>Sometimes that behaviour is sometimes desired</a:t>
+            </a:r>
+          </a:p>
+          <a:p>
+            <a:pPr lvl="2"/>
+            <a:r>
+              <a:rPr lang="en-GB" sz="1600" dirty="0"/>
+              <a:t>It’s your responsibility if you think it’s not desired</a:t>
+            </a:r>
+          </a:p>
+        </p:txBody>
+      </p:sp>
+      <p:sp>
+        <p:nvSpPr>
+          <p:cNvPr id="4" name="TextBox 3">
+            <a:extLst>
+              <a:ext uri="{FF2B5EF4-FFF2-40B4-BE49-F238E27FC236}">
+                <a16:creationId xmlns:a16="http://schemas.microsoft.com/office/drawing/2014/main" id="{A569C6F6-B098-4920-86A4-41DDD2204985}"/>
+              </a:ext>
+            </a:extLst>
+          </p:cNvPr>
+          <p:cNvSpPr txBox="1"/>
           <p:nvPr/>
         </p:nvSpPr>
         <p:spPr>
           <a:xfrm>
-            <a:off x="401319" y="3194756"/>
-            <a:ext cx="8341362" cy="383822"/>
+            <a:off x="5728138" y="6498021"/>
+            <a:ext cx="1765738" cy="369332"/>
           </a:xfrm>
           <a:prstGeom prst="rect">
             <a:avLst/>
           </a:prstGeom>
+          <a:noFill/>
         </p:spPr>
         <p:txBody>
-          <a:bodyPr/>
-          <a:lstStyle>
-            <a:lvl1pPr marL="0" indent="0" algn="l" defTabSz="457200" rtl="0" eaLnBrk="1" latinLnBrk="0" hangingPunct="1">
-              <a:spcBef>
-                <a:spcPct val="20000"/>
-              </a:spcBef>
-              <a:buFont typeface="Arial"/>
-              <a:buNone/>
-              <a:defRPr sz="2800" kern="1200">
-                <a:solidFill>
-                  <a:schemeClr val="accent3"/>
-                </a:solidFill>
-                <a:latin typeface="+mj-lt"/>
-                <a:ea typeface="+mn-ea"/>
-                <a:cs typeface="MetaOT-Bold"/>
-              </a:defRPr>
-            </a:lvl1pPr>
-            <a:lvl2pPr marL="457200" indent="0" algn="ctr" defTabSz="457200" rtl="0" eaLnBrk="1" latinLnBrk="0" hangingPunct="1">
-              <a:spcBef>
-                <a:spcPct val="20000"/>
-              </a:spcBef>
-              <a:buFont typeface="Arial"/>
-              <a:buNone/>
-              <a:defRPr sz="2800" kern="1200">
-                <a:solidFill>
-                  <a:schemeClr val="tx1">
-                    <a:tint val="75000"/>
-                  </a:schemeClr>
-                </a:solidFill>
-                <a:latin typeface="+mn-lt"/>
-                <a:ea typeface="+mn-ea"/>
-                <a:cs typeface="+mn-cs"/>
-              </a:defRPr>
-            </a:lvl2pPr>
-            <a:lvl3pPr marL="914400" indent="0" algn="ctr" defTabSz="457200" rtl="0" eaLnBrk="1" latinLnBrk="0" hangingPunct="1">
-              <a:spcBef>
-                <a:spcPct val="20000"/>
-              </a:spcBef>
-              <a:buFont typeface="Arial"/>
-              <a:buNone/>
-              <a:defRPr sz="2400" kern="1200">
-                <a:solidFill>
-                  <a:schemeClr val="tx1">
-                    <a:tint val="75000"/>
-                  </a:schemeClr>
-                </a:solidFill>
-                <a:latin typeface="+mn-lt"/>
-                <a:ea typeface="+mn-ea"/>
-                <a:cs typeface="+mn-cs"/>
-              </a:defRPr>
-            </a:lvl3pPr>
-            <a:lvl4pPr marL="1371600" indent="0" algn="ctr" defTabSz="457200" rtl="0" eaLnBrk="1" latinLnBrk="0" hangingPunct="1">
-              <a:spcBef>
-                <a:spcPct val="20000"/>
-              </a:spcBef>
-              <a:buFont typeface="Arial"/>
-              <a:buNone/>
-              <a:defRPr sz="2000" kern="1200">
-                <a:solidFill>
-                  <a:schemeClr val="tx1">
-                    <a:tint val="75000"/>
-                  </a:schemeClr>
-                </a:solidFill>
-                <a:latin typeface="+mn-lt"/>
-                <a:ea typeface="+mn-ea"/>
-                <a:cs typeface="+mn-cs"/>
-              </a:defRPr>
-            </a:lvl4pPr>
-            <a:lvl5pPr marL="1828800" indent="0" algn="ctr" defTabSz="457200" rtl="0" eaLnBrk="1" latinLnBrk="0" hangingPunct="1">
-              <a:spcBef>
-                <a:spcPct val="20000"/>
-              </a:spcBef>
-              <a:buFont typeface="Arial"/>
-              <a:buNone/>
-              <a:defRPr sz="2000" kern="1200">
-                <a:solidFill>
-                  <a:schemeClr val="tx1">
-                    <a:tint val="75000"/>
-                  </a:schemeClr>
-                </a:solidFill>
-                <a:latin typeface="+mn-lt"/>
-                <a:ea typeface="+mn-ea"/>
-                <a:cs typeface="+mn-cs"/>
-              </a:defRPr>
-            </a:lvl5pPr>
-            <a:lvl6pPr marL="2286000" indent="0" algn="ctr" defTabSz="457200" rtl="0" eaLnBrk="1" latinLnBrk="0" hangingPunct="1">
-              <a:spcBef>
-                <a:spcPct val="20000"/>
-              </a:spcBef>
-              <a:buFont typeface="Arial"/>
-              <a:buNone/>
-              <a:defRPr sz="2000" kern="1200">
-                <a:solidFill>
-                  <a:schemeClr val="tx1">
-                    <a:tint val="75000"/>
-                  </a:schemeClr>
-                </a:solidFill>
-                <a:latin typeface="+mn-lt"/>
-                <a:ea typeface="+mn-ea"/>
-                <a:cs typeface="+mn-cs"/>
-              </a:defRPr>
-            </a:lvl6pPr>
-            <a:lvl7pPr marL="2743200" indent="0" algn="ctr" defTabSz="457200" rtl="0" eaLnBrk="1" latinLnBrk="0" hangingPunct="1">
-              <a:spcBef>
-                <a:spcPct val="20000"/>
-              </a:spcBef>
-              <a:buFont typeface="Arial"/>
-              <a:buNone/>
-              <a:defRPr sz="2000" kern="1200">
-                <a:solidFill>
-                  <a:schemeClr val="tx1">
-                    <a:tint val="75000"/>
-                  </a:schemeClr>
-                </a:solidFill>
-                <a:latin typeface="+mn-lt"/>
-                <a:ea typeface="+mn-ea"/>
-                <a:cs typeface="+mn-cs"/>
-              </a:defRPr>
-            </a:lvl7pPr>
-            <a:lvl8pPr marL="3200400" indent="0" algn="ctr" defTabSz="457200" rtl="0" eaLnBrk="1" latinLnBrk="0" hangingPunct="1">
-              <a:spcBef>
-                <a:spcPct val="20000"/>
-              </a:spcBef>
-              <a:buFont typeface="Arial"/>
-              <a:buNone/>
-              <a:defRPr sz="2000" kern="1200">
-                <a:solidFill>
-                  <a:schemeClr val="tx1">
-                    <a:tint val="75000"/>
-                  </a:schemeClr>
-                </a:solidFill>
-                <a:latin typeface="+mn-lt"/>
-                <a:ea typeface="+mn-ea"/>
-                <a:cs typeface="+mn-cs"/>
-              </a:defRPr>
-            </a:lvl8pPr>
-            <a:lvl9pPr marL="3657600" indent="0" algn="ctr" defTabSz="457200" rtl="0" eaLnBrk="1" latinLnBrk="0" hangingPunct="1">
-              <a:spcBef>
-                <a:spcPct val="20000"/>
-              </a:spcBef>
-              <a:buFont typeface="Arial"/>
-              <a:buNone/>
-              <a:defRPr sz="2000" kern="1200">
-                <a:solidFill>
-                  <a:schemeClr val="tx1">
-                    <a:tint val="75000"/>
-                  </a:schemeClr>
-                </a:solidFill>
-                <a:latin typeface="+mn-lt"/>
-                <a:ea typeface="+mn-ea"/>
-                <a:cs typeface="+mn-cs"/>
-              </a:defRPr>
-            </a:lvl9pPr>
-          </a:lstStyle>
-          <a:p>
-            <a:r>
-              <a:rPr lang="en-GB" sz="1400"/>
-              <a:t>Distributed under </a:t>
-            </a:r>
-            <a:r>
-              <a:rPr lang="en-GB" sz="1400">
-                <a:hlinkClick r:id="rId3"/>
+          <a:bodyPr wrap="square" rtlCol="0">
+            <a:spAutoFit/>
+          </a:bodyPr>
+          <a:lstStyle/>
+          <a:p>
+            <a:r>
+              <a:rPr lang="en-GB" dirty="0">
+                <a:solidFill>
+                  <a:schemeClr val="accent1"/>
+                </a:solidFill>
               </a:rPr>
-              <a:t>Creative Commons Attribution-NonCommercial-ShareAlike 4.0 International</a:t>
-            </a:r>
-            <a:endParaRPr lang="en-GB" sz="1400"/>
-          </a:p>
-          <a:p>
-            <a:r>
-              <a:rPr lang="en-GB" sz="2400"/>
-              <a:t> </a:t>
-            </a:r>
-            <a:endParaRPr lang="en-GB" sz="2400" dirty="0"/>
+              <a:t>Demonstration</a:t>
+            </a:r>
           </a:p>
         </p:txBody>
       </p:sp>
     </p:spTree>
     <p:extLst>
       <p:ext uri="{BB962C8B-B14F-4D97-AF65-F5344CB8AC3E}">
-        <p14:creationId xmlns:p14="http://schemas.microsoft.com/office/powerpoint/2010/main" val="3649744382"/>
+        <p14:creationId xmlns:p14="http://schemas.microsoft.com/office/powerpoint/2010/main" val="1839592679"/>
       </p:ext>
     </p:extLst>
   </p:cSld>
@@ -25135,6 +25109,643 @@
           <a:p>
             <a:r>
               <a:rPr lang="en-GB" sz="4000" dirty="0"/>
+              <a:t>What is Coding?</a:t>
+            </a:r>
+          </a:p>
+        </p:txBody>
+      </p:sp>
+      <p:sp>
+        <p:nvSpPr>
+          <p:cNvPr id="3" name="Content Placeholder 2"/>
+          <p:cNvSpPr>
+            <a:spLocks noGrp="1"/>
+          </p:cNvSpPr>
+          <p:nvPr>
+            <p:ph idx="1"/>
+          </p:nvPr>
+        </p:nvSpPr>
+        <p:spPr>
+          <a:xfrm>
+            <a:off x="457200" y="1600200"/>
+            <a:ext cx="8435280" cy="4876800"/>
+          </a:xfrm>
+        </p:spPr>
+        <p:txBody>
+          <a:bodyPr>
+            <a:normAutofit/>
+          </a:bodyPr>
+          <a:lstStyle/>
+          <a:p>
+            <a:r>
+              <a:rPr lang="en-GB" sz="3000" dirty="0"/>
+              <a:t>Writing instructions for a computer: a program</a:t>
+            </a:r>
+          </a:p>
+          <a:p>
+            <a:r>
+              <a:rPr lang="en-GB" sz="3000" dirty="0"/>
+              <a:t>Resulting calculations achieve a goal</a:t>
+            </a:r>
+          </a:p>
+          <a:p>
+            <a:r>
+              <a:rPr lang="en-GB" sz="3000" dirty="0"/>
+              <a:t>Good for automating laborious calculations</a:t>
+            </a:r>
+          </a:p>
+          <a:p>
+            <a:pPr lvl="1"/>
+            <a:r>
+              <a:rPr lang="en-GB" sz="2600" dirty="0"/>
+              <a:t>Simulation</a:t>
+            </a:r>
+          </a:p>
+          <a:p>
+            <a:pPr lvl="1"/>
+            <a:r>
+              <a:rPr lang="en-GB" sz="2600" dirty="0"/>
+              <a:t>Data Analysis</a:t>
+            </a:r>
+          </a:p>
+          <a:p>
+            <a:pPr lvl="1"/>
+            <a:r>
+              <a:rPr lang="en-GB" sz="2600" dirty="0"/>
+              <a:t>Real-time control of complex systems</a:t>
+            </a:r>
+          </a:p>
+          <a:p>
+            <a:pPr lvl="1"/>
+            <a:r>
+              <a:rPr lang="en-GB" sz="2600" dirty="0"/>
+              <a:t>Rapid iteration over a number of related cases</a:t>
+            </a:r>
+          </a:p>
+        </p:txBody>
+      </p:sp>
+    </p:spTree>
+    <p:extLst>
+      <p:ext uri="{BB962C8B-B14F-4D97-AF65-F5344CB8AC3E}">
+        <p14:creationId xmlns:p14="http://schemas.microsoft.com/office/powerpoint/2010/main" val="3227858941"/>
+      </p:ext>
+    </p:extLst>
+  </p:cSld>
+  <p:clrMapOvr>
+    <a:masterClrMapping/>
+  </p:clrMapOvr>
+  <mc:AlternateContent xmlns:mc="http://schemas.openxmlformats.org/markup-compatibility/2006" xmlns:p14="http://schemas.microsoft.com/office/powerpoint/2010/main">
+    <mc:Choice Requires="p14">
+      <p:transition p14:dur="10"/>
+    </mc:Choice>
+    <mc:Fallback xmlns="">
+      <p:transition/>
+    </mc:Fallback>
+  </mc:AlternateContent>
+</p:sld>
+</file>
+
+<file path=ppt/slides/slide50.xml><?xml version="1.0" encoding="utf-8"?>
+<p:sld xmlns:a="http://schemas.openxmlformats.org/drawingml/2006/main" xmlns:r="http://schemas.openxmlformats.org/officeDocument/2006/relationships" xmlns:p="http://schemas.openxmlformats.org/presentationml/2006/main">
+  <p:cSld>
+    <p:spTree>
+      <p:nvGrpSpPr>
+        <p:cNvPr id="1" name=""/>
+        <p:cNvGrpSpPr/>
+        <p:nvPr/>
+      </p:nvGrpSpPr>
+      <p:grpSpPr>
+        <a:xfrm>
+          <a:off x="0" y="0"/>
+          <a:ext cx="0" cy="0"/>
+          <a:chOff x="0" y="0"/>
+          <a:chExt cx="0" cy="0"/>
+        </a:xfrm>
+      </p:grpSpPr>
+      <p:sp>
+        <p:nvSpPr>
+          <p:cNvPr id="2" name="Title 1"/>
+          <p:cNvSpPr>
+            <a:spLocks noGrp="1"/>
+          </p:cNvSpPr>
+          <p:nvPr>
+            <p:ph type="title"/>
+          </p:nvPr>
+        </p:nvSpPr>
+        <p:spPr/>
+        <p:txBody>
+          <a:bodyPr/>
+          <a:lstStyle/>
+          <a:p>
+            <a:r>
+              <a:rPr lang="en-GB" sz="4000" dirty="0"/>
+              <a:t>Feedback</a:t>
+            </a:r>
+          </a:p>
+        </p:txBody>
+      </p:sp>
+      <p:sp>
+        <p:nvSpPr>
+          <p:cNvPr id="3" name="Content Placeholder 2"/>
+          <p:cNvSpPr>
+            <a:spLocks noGrp="1"/>
+          </p:cNvSpPr>
+          <p:nvPr>
+            <p:ph idx="1"/>
+          </p:nvPr>
+        </p:nvSpPr>
+        <p:spPr>
+          <a:xfrm>
+            <a:off x="457200" y="1600200"/>
+            <a:ext cx="8435280" cy="4876800"/>
+          </a:xfrm>
+        </p:spPr>
+        <p:txBody>
+          <a:bodyPr>
+            <a:normAutofit/>
+          </a:bodyPr>
+          <a:lstStyle/>
+          <a:p>
+            <a:r>
+              <a:rPr lang="en-GB" sz="3000" dirty="0"/>
+              <a:t>Once you’ve completed this course, please provide feedback</a:t>
+            </a:r>
+          </a:p>
+          <a:p>
+            <a:pPr lvl="1"/>
+            <a:r>
+              <a:rPr lang="en-GB" sz="2600" dirty="0"/>
+              <a:t>The link is </a:t>
+            </a:r>
+            <a:r>
+              <a:rPr lang="en-GB" sz="2600" u="sng" dirty="0">
+                <a:solidFill>
+                  <a:srgbClr val="000000"/>
+                </a:solidFill>
+                <a:effectLst/>
+                <a:latin typeface="+mj-lt"/>
+                <a:ea typeface="Times New Roman" panose="02020603050405020304" pitchFamily="18" charset="0"/>
+                <a:hlinkClick r:id="rId3"/>
+              </a:rPr>
+              <a:t>tinyurl.com/rcds2021-22</a:t>
+            </a:r>
+            <a:endParaRPr lang="en-GB" sz="2600" u="sng" dirty="0">
+              <a:solidFill>
+                <a:srgbClr val="000000"/>
+              </a:solidFill>
+              <a:effectLst/>
+              <a:latin typeface="+mj-lt"/>
+              <a:ea typeface="Times New Roman" panose="02020603050405020304" pitchFamily="18" charset="0"/>
+            </a:endParaRPr>
+          </a:p>
+          <a:p>
+            <a:pPr lvl="1"/>
+            <a:r>
+              <a:rPr lang="en-GB" sz="2600" dirty="0"/>
+              <a:t>You should also have received an email with this link</a:t>
+            </a:r>
+          </a:p>
+          <a:p>
+            <a:pPr lvl="1"/>
+            <a:r>
+              <a:rPr lang="en-GB" sz="2600" dirty="0"/>
+              <a:t>This helps us improve the class for future students</a:t>
+            </a:r>
+          </a:p>
+          <a:p>
+            <a:endParaRPr lang="en-GB" sz="3000" dirty="0"/>
+          </a:p>
+        </p:txBody>
+      </p:sp>
+    </p:spTree>
+    <p:extLst>
+      <p:ext uri="{BB962C8B-B14F-4D97-AF65-F5344CB8AC3E}">
+        <p14:creationId xmlns:p14="http://schemas.microsoft.com/office/powerpoint/2010/main" val="466020703"/>
+      </p:ext>
+    </p:extLst>
+  </p:cSld>
+  <p:clrMapOvr>
+    <a:masterClrMapping/>
+  </p:clrMapOvr>
+  <mc:AlternateContent xmlns:mc="http://schemas.openxmlformats.org/markup-compatibility/2006" xmlns:p14="http://schemas.microsoft.com/office/powerpoint/2010/main">
+    <mc:Choice Requires="p14">
+      <p:transition p14:dur="10"/>
+    </mc:Choice>
+    <mc:Fallback xmlns="">
+      <p:transition/>
+    </mc:Fallback>
+  </mc:AlternateContent>
+</p:sld>
+</file>
+
+<file path=ppt/slides/slide51.xml><?xml version="1.0" encoding="utf-8"?>
+<p:sld xmlns:a="http://schemas.openxmlformats.org/drawingml/2006/main" xmlns:r="http://schemas.openxmlformats.org/officeDocument/2006/relationships" xmlns:p="http://schemas.openxmlformats.org/presentationml/2006/main">
+  <p:cSld>
+    <p:spTree>
+      <p:nvGrpSpPr>
+        <p:cNvPr id="1" name=""/>
+        <p:cNvGrpSpPr/>
+        <p:nvPr/>
+      </p:nvGrpSpPr>
+      <p:grpSpPr>
+        <a:xfrm>
+          <a:off x="0" y="0"/>
+          <a:ext cx="0" cy="0"/>
+          <a:chOff x="0" y="0"/>
+          <a:chExt cx="0" cy="0"/>
+        </a:xfrm>
+      </p:grpSpPr>
+      <p:sp>
+        <p:nvSpPr>
+          <p:cNvPr id="3074" name="Rectangle 2"/>
+          <p:cNvSpPr>
+            <a:spLocks noGrp="1" noChangeArrowheads="1"/>
+          </p:cNvSpPr>
+          <p:nvPr>
+            <p:ph type="title"/>
+          </p:nvPr>
+        </p:nvSpPr>
+        <p:spPr>
+          <a:xfrm>
+            <a:off x="401319" y="1270635"/>
+            <a:ext cx="6981613" cy="1567815"/>
+          </a:xfrm>
+        </p:spPr>
+        <p:txBody>
+          <a:bodyPr>
+            <a:noAutofit/>
+          </a:bodyPr>
+          <a:lstStyle/>
+          <a:p>
+            <a:pPr marL="0" indent="0"/>
+            <a:r>
+              <a:rPr lang="en-GB" sz="4000" b="1" dirty="0"/>
+              <a:t>Introduction to Fortran</a:t>
+            </a:r>
+          </a:p>
+        </p:txBody>
+      </p:sp>
+      <p:sp>
+        <p:nvSpPr>
+          <p:cNvPr id="4" name="Subtitle 2">
+            <a:extLst>
+              <a:ext uri="{FF2B5EF4-FFF2-40B4-BE49-F238E27FC236}">
+                <a16:creationId xmlns:a16="http://schemas.microsoft.com/office/drawing/2014/main" id="{98AFEE1D-FAD0-48A0-BDEC-126036B6F897}"/>
+              </a:ext>
+            </a:extLst>
+          </p:cNvPr>
+          <p:cNvSpPr txBox="1">
+            <a:spLocks/>
+          </p:cNvSpPr>
+          <p:nvPr/>
+        </p:nvSpPr>
+        <p:spPr>
+          <a:xfrm>
+            <a:off x="401319" y="3194756"/>
+            <a:ext cx="8341362" cy="383822"/>
+          </a:xfrm>
+          <a:prstGeom prst="rect">
+            <a:avLst/>
+          </a:prstGeom>
+        </p:spPr>
+        <p:txBody>
+          <a:bodyPr/>
+          <a:lstStyle>
+            <a:lvl1pPr marL="0" indent="0" algn="l" defTabSz="457200" rtl="0" eaLnBrk="1" latinLnBrk="0" hangingPunct="1">
+              <a:spcBef>
+                <a:spcPct val="20000"/>
+              </a:spcBef>
+              <a:buFont typeface="Arial"/>
+              <a:buNone/>
+              <a:defRPr sz="2800" kern="1200">
+                <a:solidFill>
+                  <a:schemeClr val="accent3"/>
+                </a:solidFill>
+                <a:latin typeface="+mj-lt"/>
+                <a:ea typeface="+mn-ea"/>
+                <a:cs typeface="MetaOT-Bold"/>
+              </a:defRPr>
+            </a:lvl1pPr>
+            <a:lvl2pPr marL="457200" indent="0" algn="ctr" defTabSz="457200" rtl="0" eaLnBrk="1" latinLnBrk="0" hangingPunct="1">
+              <a:spcBef>
+                <a:spcPct val="20000"/>
+              </a:spcBef>
+              <a:buFont typeface="Arial"/>
+              <a:buNone/>
+              <a:defRPr sz="2800" kern="1200">
+                <a:solidFill>
+                  <a:schemeClr val="tx1">
+                    <a:tint val="75000"/>
+                  </a:schemeClr>
+                </a:solidFill>
+                <a:latin typeface="+mn-lt"/>
+                <a:ea typeface="+mn-ea"/>
+                <a:cs typeface="+mn-cs"/>
+              </a:defRPr>
+            </a:lvl2pPr>
+            <a:lvl3pPr marL="914400" indent="0" algn="ctr" defTabSz="457200" rtl="0" eaLnBrk="1" latinLnBrk="0" hangingPunct="1">
+              <a:spcBef>
+                <a:spcPct val="20000"/>
+              </a:spcBef>
+              <a:buFont typeface="Arial"/>
+              <a:buNone/>
+              <a:defRPr sz="2400" kern="1200">
+                <a:solidFill>
+                  <a:schemeClr val="tx1">
+                    <a:tint val="75000"/>
+                  </a:schemeClr>
+                </a:solidFill>
+                <a:latin typeface="+mn-lt"/>
+                <a:ea typeface="+mn-ea"/>
+                <a:cs typeface="+mn-cs"/>
+              </a:defRPr>
+            </a:lvl3pPr>
+            <a:lvl4pPr marL="1371600" indent="0" algn="ctr" defTabSz="457200" rtl="0" eaLnBrk="1" latinLnBrk="0" hangingPunct="1">
+              <a:spcBef>
+                <a:spcPct val="20000"/>
+              </a:spcBef>
+              <a:buFont typeface="Arial"/>
+              <a:buNone/>
+              <a:defRPr sz="2000" kern="1200">
+                <a:solidFill>
+                  <a:schemeClr val="tx1">
+                    <a:tint val="75000"/>
+                  </a:schemeClr>
+                </a:solidFill>
+                <a:latin typeface="+mn-lt"/>
+                <a:ea typeface="+mn-ea"/>
+                <a:cs typeface="+mn-cs"/>
+              </a:defRPr>
+            </a:lvl4pPr>
+            <a:lvl5pPr marL="1828800" indent="0" algn="ctr" defTabSz="457200" rtl="0" eaLnBrk="1" latinLnBrk="0" hangingPunct="1">
+              <a:spcBef>
+                <a:spcPct val="20000"/>
+              </a:spcBef>
+              <a:buFont typeface="Arial"/>
+              <a:buNone/>
+              <a:defRPr sz="2000" kern="1200">
+                <a:solidFill>
+                  <a:schemeClr val="tx1">
+                    <a:tint val="75000"/>
+                  </a:schemeClr>
+                </a:solidFill>
+                <a:latin typeface="+mn-lt"/>
+                <a:ea typeface="+mn-ea"/>
+                <a:cs typeface="+mn-cs"/>
+              </a:defRPr>
+            </a:lvl5pPr>
+            <a:lvl6pPr marL="2286000" indent="0" algn="ctr" defTabSz="457200" rtl="0" eaLnBrk="1" latinLnBrk="0" hangingPunct="1">
+              <a:spcBef>
+                <a:spcPct val="20000"/>
+              </a:spcBef>
+              <a:buFont typeface="Arial"/>
+              <a:buNone/>
+              <a:defRPr sz="2000" kern="1200">
+                <a:solidFill>
+                  <a:schemeClr val="tx1">
+                    <a:tint val="75000"/>
+                  </a:schemeClr>
+                </a:solidFill>
+                <a:latin typeface="+mn-lt"/>
+                <a:ea typeface="+mn-ea"/>
+                <a:cs typeface="+mn-cs"/>
+              </a:defRPr>
+            </a:lvl6pPr>
+            <a:lvl7pPr marL="2743200" indent="0" algn="ctr" defTabSz="457200" rtl="0" eaLnBrk="1" latinLnBrk="0" hangingPunct="1">
+              <a:spcBef>
+                <a:spcPct val="20000"/>
+              </a:spcBef>
+              <a:buFont typeface="Arial"/>
+              <a:buNone/>
+              <a:defRPr sz="2000" kern="1200">
+                <a:solidFill>
+                  <a:schemeClr val="tx1">
+                    <a:tint val="75000"/>
+                  </a:schemeClr>
+                </a:solidFill>
+                <a:latin typeface="+mn-lt"/>
+                <a:ea typeface="+mn-ea"/>
+                <a:cs typeface="+mn-cs"/>
+              </a:defRPr>
+            </a:lvl7pPr>
+            <a:lvl8pPr marL="3200400" indent="0" algn="ctr" defTabSz="457200" rtl="0" eaLnBrk="1" latinLnBrk="0" hangingPunct="1">
+              <a:spcBef>
+                <a:spcPct val="20000"/>
+              </a:spcBef>
+              <a:buFont typeface="Arial"/>
+              <a:buNone/>
+              <a:defRPr sz="2000" kern="1200">
+                <a:solidFill>
+                  <a:schemeClr val="tx1">
+                    <a:tint val="75000"/>
+                  </a:schemeClr>
+                </a:solidFill>
+                <a:latin typeface="+mn-lt"/>
+                <a:ea typeface="+mn-ea"/>
+                <a:cs typeface="+mn-cs"/>
+              </a:defRPr>
+            </a:lvl8pPr>
+            <a:lvl9pPr marL="3657600" indent="0" algn="ctr" defTabSz="457200" rtl="0" eaLnBrk="1" latinLnBrk="0" hangingPunct="1">
+              <a:spcBef>
+                <a:spcPct val="20000"/>
+              </a:spcBef>
+              <a:buFont typeface="Arial"/>
+              <a:buNone/>
+              <a:defRPr sz="2000" kern="1200">
+                <a:solidFill>
+                  <a:schemeClr val="tx1">
+                    <a:tint val="75000"/>
+                  </a:schemeClr>
+                </a:solidFill>
+                <a:latin typeface="+mn-lt"/>
+                <a:ea typeface="+mn-ea"/>
+                <a:cs typeface="+mn-cs"/>
+              </a:defRPr>
+            </a:lvl9pPr>
+          </a:lstStyle>
+          <a:p>
+            <a:r>
+              <a:rPr lang="en-GB" sz="1400"/>
+              <a:t>Distributed under </a:t>
+            </a:r>
+            <a:r>
+              <a:rPr lang="en-GB" sz="1400">
+                <a:hlinkClick r:id="rId3"/>
+              </a:rPr>
+              <a:t>Creative Commons Attribution-NonCommercial-ShareAlike 4.0 International</a:t>
+            </a:r>
+            <a:endParaRPr lang="en-GB" sz="1400"/>
+          </a:p>
+          <a:p>
+            <a:r>
+              <a:rPr lang="en-GB" sz="2400"/>
+              <a:t> </a:t>
+            </a:r>
+            <a:endParaRPr lang="en-GB" sz="2400" dirty="0"/>
+          </a:p>
+        </p:txBody>
+      </p:sp>
+    </p:spTree>
+    <p:extLst>
+      <p:ext uri="{BB962C8B-B14F-4D97-AF65-F5344CB8AC3E}">
+        <p14:creationId xmlns:p14="http://schemas.microsoft.com/office/powerpoint/2010/main" val="3649744382"/>
+      </p:ext>
+    </p:extLst>
+  </p:cSld>
+  <p:clrMapOvr>
+    <a:masterClrMapping/>
+  </p:clrMapOvr>
+  <mc:AlternateContent xmlns:mc="http://schemas.openxmlformats.org/markup-compatibility/2006" xmlns:p14="http://schemas.microsoft.com/office/powerpoint/2010/main">
+    <mc:Choice Requires="p14">
+      <p:transition p14:dur="10"/>
+    </mc:Choice>
+    <mc:Fallback xmlns="">
+      <p:transition/>
+    </mc:Fallback>
+  </mc:AlternateContent>
+</p:sld>
+</file>
+
+<file path=ppt/slides/slide6.xml><?xml version="1.0" encoding="utf-8"?>
+<p:sld xmlns:a="http://schemas.openxmlformats.org/drawingml/2006/main" xmlns:r="http://schemas.openxmlformats.org/officeDocument/2006/relationships" xmlns:p="http://schemas.openxmlformats.org/presentationml/2006/main">
+  <p:cSld>
+    <p:spTree>
+      <p:nvGrpSpPr>
+        <p:cNvPr id="1" name=""/>
+        <p:cNvGrpSpPr/>
+        <p:nvPr/>
+      </p:nvGrpSpPr>
+      <p:grpSpPr>
+        <a:xfrm>
+          <a:off x="0" y="0"/>
+          <a:ext cx="0" cy="0"/>
+          <a:chOff x="0" y="0"/>
+          <a:chExt cx="0" cy="0"/>
+        </a:xfrm>
+      </p:grpSpPr>
+      <p:sp>
+        <p:nvSpPr>
+          <p:cNvPr id="2" name="Title 1"/>
+          <p:cNvSpPr>
+            <a:spLocks noGrp="1"/>
+          </p:cNvSpPr>
+          <p:nvPr>
+            <p:ph type="title"/>
+          </p:nvPr>
+        </p:nvSpPr>
+        <p:spPr/>
+        <p:txBody>
+          <a:bodyPr/>
+          <a:lstStyle/>
+          <a:p>
+            <a:r>
+              <a:rPr lang="en-GB" sz="4000" dirty="0"/>
+              <a:t>How Do We Code?</a:t>
+            </a:r>
+          </a:p>
+        </p:txBody>
+      </p:sp>
+      <p:sp>
+        <p:nvSpPr>
+          <p:cNvPr id="3" name="Content Placeholder 2"/>
+          <p:cNvSpPr>
+            <a:spLocks noGrp="1"/>
+          </p:cNvSpPr>
+          <p:nvPr>
+            <p:ph idx="1"/>
+          </p:nvPr>
+        </p:nvSpPr>
+        <p:spPr>
+          <a:xfrm>
+            <a:off x="457200" y="1600200"/>
+            <a:ext cx="8435280" cy="4876800"/>
+          </a:xfrm>
+        </p:spPr>
+        <p:txBody>
+          <a:bodyPr>
+            <a:normAutofit/>
+          </a:bodyPr>
+          <a:lstStyle/>
+          <a:p>
+            <a:r>
+              <a:rPr lang="en-GB" sz="3000" dirty="0"/>
+              <a:t>Design an algorithm which solves your problem</a:t>
+            </a:r>
+          </a:p>
+          <a:p>
+            <a:r>
+              <a:rPr lang="en-GB" sz="3000" dirty="0"/>
+              <a:t>Translate it into source code</a:t>
+            </a:r>
+          </a:p>
+          <a:p>
+            <a:r>
+              <a:rPr lang="en-GB" sz="3000" dirty="0"/>
+              <a:t>Instruct the computer to carry out the instructions of the source code</a:t>
+            </a:r>
+          </a:p>
+          <a:p>
+            <a:r>
+              <a:rPr lang="en-GB" sz="3000" dirty="0"/>
+              <a:t>Each step is language dependent</a:t>
+            </a:r>
+          </a:p>
+        </p:txBody>
+      </p:sp>
+    </p:spTree>
+    <p:extLst>
+      <p:ext uri="{BB962C8B-B14F-4D97-AF65-F5344CB8AC3E}">
+        <p14:creationId xmlns:p14="http://schemas.microsoft.com/office/powerpoint/2010/main" val="766773942"/>
+      </p:ext>
+    </p:extLst>
+  </p:cSld>
+  <p:clrMapOvr>
+    <a:masterClrMapping/>
+  </p:clrMapOvr>
+  <mc:AlternateContent xmlns:mc="http://schemas.openxmlformats.org/markup-compatibility/2006" xmlns:p14="http://schemas.microsoft.com/office/powerpoint/2010/main">
+    <mc:Choice Requires="p14">
+      <p:transition p14:dur="10"/>
+    </mc:Choice>
+    <mc:Fallback xmlns="">
+      <p:transition/>
+    </mc:Fallback>
+  </mc:AlternateContent>
+</p:sld>
+</file>
+
+<file path=ppt/slides/slide7.xml><?xml version="1.0" encoding="utf-8"?>
+<p:sld xmlns:a="http://schemas.openxmlformats.org/drawingml/2006/main" xmlns:r="http://schemas.openxmlformats.org/officeDocument/2006/relationships" xmlns:p="http://schemas.openxmlformats.org/presentationml/2006/main">
+  <p:cSld>
+    <p:spTree>
+      <p:nvGrpSpPr>
+        <p:cNvPr id="1" name=""/>
+        <p:cNvGrpSpPr/>
+        <p:nvPr/>
+      </p:nvGrpSpPr>
+      <p:grpSpPr>
+        <a:xfrm>
+          <a:off x="0" y="0"/>
+          <a:ext cx="0" cy="0"/>
+          <a:chOff x="0" y="0"/>
+          <a:chExt cx="0" cy="0"/>
+        </a:xfrm>
+      </p:grpSpPr>
+      <p:sp>
+        <p:nvSpPr>
+          <p:cNvPr id="2" name="Title 1"/>
+          <p:cNvSpPr>
+            <a:spLocks noGrp="1"/>
+          </p:cNvSpPr>
+          <p:nvPr>
+            <p:ph type="title"/>
+          </p:nvPr>
+        </p:nvSpPr>
+        <p:spPr/>
+        <p:txBody>
+          <a:bodyPr/>
+          <a:lstStyle/>
+          <a:p>
+            <a:r>
+              <a:rPr lang="en-GB" sz="4000" dirty="0"/>
               <a:t>What is Fortran?</a:t>
             </a:r>
           </a:p>
@@ -25214,7 +25825,7 @@
 </p:sld>
 </file>
 
-<file path=ppt/slides/slide6.xml><?xml version="1.0" encoding="utf-8"?>
+<file path=ppt/slides/slide8.xml><?xml version="1.0" encoding="utf-8"?>
 <p:sld xmlns:a="http://schemas.openxmlformats.org/drawingml/2006/main" xmlns:r="http://schemas.openxmlformats.org/officeDocument/2006/relationships" xmlns:p="http://schemas.openxmlformats.org/presentationml/2006/main">
   <p:cSld>
     <p:spTree>
@@ -25321,7 +25932,7 @@
 </p:sld>
 </file>
 
-<file path=ppt/slides/slide7.xml><?xml version="1.0" encoding="utf-8"?>
+<file path=ppt/slides/slide9.xml><?xml version="1.0" encoding="utf-8"?>
 <p:sld xmlns:a="http://schemas.openxmlformats.org/drawingml/2006/main" xmlns:r="http://schemas.openxmlformats.org/officeDocument/2006/relationships" xmlns:p="http://schemas.openxmlformats.org/presentationml/2006/main">
   <p:cSld>
     <p:spTree>
@@ -25761,250 +26372,6 @@
     <p:extLst>
       <p:ext uri="{BB962C8B-B14F-4D97-AF65-F5344CB8AC3E}">
         <p14:creationId xmlns:p14="http://schemas.microsoft.com/office/powerpoint/2010/main" val="2428056926"/>
-      </p:ext>
-    </p:extLst>
-  </p:cSld>
-  <p:clrMapOvr>
-    <a:masterClrMapping/>
-  </p:clrMapOvr>
-  <mc:AlternateContent xmlns:mc="http://schemas.openxmlformats.org/markup-compatibility/2006" xmlns:p14="http://schemas.microsoft.com/office/powerpoint/2010/main">
-    <mc:Choice Requires="p14">
-      <p:transition p14:dur="10"/>
-    </mc:Choice>
-    <mc:Fallback xmlns="">
-      <p:transition/>
-    </mc:Fallback>
-  </mc:AlternateContent>
-</p:sld>
-</file>
-
-<file path=ppt/slides/slide8.xml><?xml version="1.0" encoding="utf-8"?>
-<p:sld xmlns:a="http://schemas.openxmlformats.org/drawingml/2006/main" xmlns:r="http://schemas.openxmlformats.org/officeDocument/2006/relationships" xmlns:p="http://schemas.openxmlformats.org/presentationml/2006/main">
-  <p:cSld>
-    <p:spTree>
-      <p:nvGrpSpPr>
-        <p:cNvPr id="1" name=""/>
-        <p:cNvGrpSpPr/>
-        <p:nvPr/>
-      </p:nvGrpSpPr>
-      <p:grpSpPr>
-        <a:xfrm>
-          <a:off x="0" y="0"/>
-          <a:ext cx="0" cy="0"/>
-          <a:chOff x="0" y="0"/>
-          <a:chExt cx="0" cy="0"/>
-        </a:xfrm>
-      </p:grpSpPr>
-      <p:sp>
-        <p:nvSpPr>
-          <p:cNvPr id="2" name="Title 1"/>
-          <p:cNvSpPr>
-            <a:spLocks noGrp="1"/>
-          </p:cNvSpPr>
-          <p:nvPr>
-            <p:ph type="title"/>
-          </p:nvPr>
-        </p:nvSpPr>
-        <p:spPr/>
-        <p:txBody>
-          <a:bodyPr/>
-          <a:lstStyle/>
-          <a:p>
-            <a:r>
-              <a:rPr lang="en-GB" sz="4000" dirty="0"/>
-              <a:t>The Compiler</a:t>
-            </a:r>
-          </a:p>
-        </p:txBody>
-      </p:sp>
-      <p:sp>
-        <p:nvSpPr>
-          <p:cNvPr id="3" name="Content Placeholder 2"/>
-          <p:cNvSpPr>
-            <a:spLocks noGrp="1"/>
-          </p:cNvSpPr>
-          <p:nvPr>
-            <p:ph idx="1"/>
-          </p:nvPr>
-        </p:nvSpPr>
-        <p:spPr>
-          <a:xfrm>
-            <a:off x="457200" y="1600200"/>
-            <a:ext cx="8435280" cy="4876800"/>
-          </a:xfrm>
-        </p:spPr>
-        <p:txBody>
-          <a:bodyPr>
-            <a:normAutofit/>
-          </a:bodyPr>
-          <a:lstStyle/>
-          <a:p>
-            <a:r>
-              <a:rPr lang="en-GB" sz="3000" dirty="0"/>
-              <a:t>Scans code for syntax errors</a:t>
-            </a:r>
-          </a:p>
-          <a:p>
-            <a:r>
-              <a:rPr lang="en-GB" sz="3000" dirty="0"/>
-              <a:t>Optimises the code</a:t>
-            </a:r>
-          </a:p>
-          <a:p>
-            <a:r>
-              <a:rPr lang="en-GB" sz="3000" dirty="0"/>
-              <a:t>Creates machine code in the form of an object file or executable</a:t>
-            </a:r>
-          </a:p>
-          <a:p>
-            <a:r>
-              <a:rPr lang="en-GB" sz="3000" dirty="0"/>
-              <a:t>Does not:</a:t>
-            </a:r>
-          </a:p>
-          <a:p>
-            <a:pPr lvl="1"/>
-            <a:r>
-              <a:rPr lang="en-GB" sz="2600" dirty="0"/>
-              <a:t>Reveal run-time errors</a:t>
-            </a:r>
-          </a:p>
-          <a:p>
-            <a:pPr lvl="1"/>
-            <a:r>
-              <a:rPr lang="en-GB" sz="2600" dirty="0"/>
-              <a:t>Know what values will be used when the program is executed</a:t>
-            </a:r>
-          </a:p>
-          <a:p>
-            <a:pPr lvl="1"/>
-            <a:r>
-              <a:rPr lang="en-GB" sz="2600" dirty="0"/>
-              <a:t>Run any computations</a:t>
-            </a:r>
-          </a:p>
-        </p:txBody>
-      </p:sp>
-    </p:spTree>
-    <p:extLst>
-      <p:ext uri="{BB962C8B-B14F-4D97-AF65-F5344CB8AC3E}">
-        <p14:creationId xmlns:p14="http://schemas.microsoft.com/office/powerpoint/2010/main" val="3966698890"/>
-      </p:ext>
-    </p:extLst>
-  </p:cSld>
-  <p:clrMapOvr>
-    <a:masterClrMapping/>
-  </p:clrMapOvr>
-  <mc:AlternateContent xmlns:mc="http://schemas.openxmlformats.org/markup-compatibility/2006" xmlns:p14="http://schemas.microsoft.com/office/powerpoint/2010/main">
-    <mc:Choice Requires="p14">
-      <p:transition p14:dur="10"/>
-    </mc:Choice>
-    <mc:Fallback xmlns="">
-      <p:transition/>
-    </mc:Fallback>
-  </mc:AlternateContent>
-</p:sld>
-</file>
-
-<file path=ppt/slides/slide9.xml><?xml version="1.0" encoding="utf-8"?>
-<p:sld xmlns:a="http://schemas.openxmlformats.org/drawingml/2006/main" xmlns:r="http://schemas.openxmlformats.org/officeDocument/2006/relationships" xmlns:p="http://schemas.openxmlformats.org/presentationml/2006/main">
-  <p:cSld>
-    <p:spTree>
-      <p:nvGrpSpPr>
-        <p:cNvPr id="1" name=""/>
-        <p:cNvGrpSpPr/>
-        <p:nvPr/>
-      </p:nvGrpSpPr>
-      <p:grpSpPr>
-        <a:xfrm>
-          <a:off x="0" y="0"/>
-          <a:ext cx="0" cy="0"/>
-          <a:chOff x="0" y="0"/>
-          <a:chExt cx="0" cy="0"/>
-        </a:xfrm>
-      </p:grpSpPr>
-      <p:sp>
-        <p:nvSpPr>
-          <p:cNvPr id="2" name="Title 1"/>
-          <p:cNvSpPr>
-            <a:spLocks noGrp="1"/>
-          </p:cNvSpPr>
-          <p:nvPr>
-            <p:ph type="title"/>
-          </p:nvPr>
-        </p:nvSpPr>
-        <p:spPr/>
-        <p:txBody>
-          <a:bodyPr/>
-          <a:lstStyle/>
-          <a:p>
-            <a:r>
-              <a:rPr lang="en-GB" sz="4000" dirty="0"/>
-              <a:t>Compilers</a:t>
-            </a:r>
-          </a:p>
-        </p:txBody>
-      </p:sp>
-      <p:sp>
-        <p:nvSpPr>
-          <p:cNvPr id="3" name="Content Placeholder 2"/>
-          <p:cNvSpPr>
-            <a:spLocks noGrp="1"/>
-          </p:cNvSpPr>
-          <p:nvPr>
-            <p:ph idx="1"/>
-          </p:nvPr>
-        </p:nvSpPr>
-        <p:spPr>
-          <a:xfrm>
-            <a:off x="457200" y="1600200"/>
-            <a:ext cx="8435280" cy="4876800"/>
-          </a:xfrm>
-        </p:spPr>
-        <p:txBody>
-          <a:bodyPr>
-            <a:normAutofit/>
-          </a:bodyPr>
-          <a:lstStyle/>
-          <a:p>
-            <a:r>
-              <a:rPr lang="en-GB" sz="3000" dirty="0" err="1"/>
-              <a:t>gfortran</a:t>
-            </a:r>
-            <a:endParaRPr lang="en-GB" sz="3000" dirty="0"/>
-          </a:p>
-          <a:p>
-            <a:r>
-              <a:rPr lang="en-GB" sz="3000" dirty="0"/>
-              <a:t>PGI</a:t>
-            </a:r>
-          </a:p>
-          <a:p>
-            <a:r>
-              <a:rPr lang="en-GB" sz="3000" dirty="0" err="1"/>
-              <a:t>Absoft</a:t>
-            </a:r>
-            <a:endParaRPr lang="en-GB" sz="3000" dirty="0"/>
-          </a:p>
-          <a:p>
-            <a:r>
-              <a:rPr lang="en-GB" sz="3000" dirty="0" err="1"/>
-              <a:t>Ifort</a:t>
-            </a:r>
-            <a:endParaRPr lang="en-GB" sz="3000" dirty="0"/>
-          </a:p>
-          <a:p>
-            <a:r>
-              <a:rPr lang="en-GB" sz="3000" dirty="0"/>
-              <a:t>MinGW</a:t>
-            </a:r>
-          </a:p>
-        </p:txBody>
-      </p:sp>
-    </p:spTree>
-    <p:extLst>
-      <p:ext uri="{BB962C8B-B14F-4D97-AF65-F5344CB8AC3E}">
-        <p14:creationId xmlns:p14="http://schemas.microsoft.com/office/powerpoint/2010/main" val="3168009626"/>
       </p:ext>
     </p:extLst>
   </p:cSld>

--- a/Introduction to Fortran Slides.pptx
+++ b/Introduction to Fortran Slides.pptx
@@ -5,63 +5,64 @@
     <p:sldMasterId id="2147483648" r:id="rId1"/>
   </p:sldMasterIdLst>
   <p:notesMasterIdLst>
-    <p:notesMasterId r:id="rId53"/>
+    <p:notesMasterId r:id="rId54"/>
   </p:notesMasterIdLst>
   <p:handoutMasterIdLst>
-    <p:handoutMasterId r:id="rId54"/>
+    <p:handoutMasterId r:id="rId55"/>
   </p:handoutMasterIdLst>
   <p:sldIdLst>
     <p:sldId id="264" r:id="rId2"/>
-    <p:sldId id="258" r:id="rId3"/>
-    <p:sldId id="257" r:id="rId4"/>
-    <p:sldId id="267" r:id="rId5"/>
-    <p:sldId id="281" r:id="rId6"/>
-    <p:sldId id="282" r:id="rId7"/>
-    <p:sldId id="283" r:id="rId8"/>
-    <p:sldId id="285" r:id="rId9"/>
-    <p:sldId id="284" r:id="rId10"/>
-    <p:sldId id="286" r:id="rId11"/>
-    <p:sldId id="287" r:id="rId12"/>
-    <p:sldId id="289" r:id="rId13"/>
-    <p:sldId id="331" r:id="rId14"/>
-    <p:sldId id="288" r:id="rId15"/>
-    <p:sldId id="292" r:id="rId16"/>
-    <p:sldId id="294" r:id="rId17"/>
-    <p:sldId id="296" r:id="rId18"/>
-    <p:sldId id="299" r:id="rId19"/>
-    <p:sldId id="295" r:id="rId20"/>
-    <p:sldId id="297" r:id="rId21"/>
-    <p:sldId id="306" r:id="rId22"/>
-    <p:sldId id="300" r:id="rId23"/>
-    <p:sldId id="301" r:id="rId24"/>
-    <p:sldId id="302" r:id="rId25"/>
-    <p:sldId id="305" r:id="rId26"/>
-    <p:sldId id="325" r:id="rId27"/>
-    <p:sldId id="307" r:id="rId28"/>
-    <p:sldId id="308" r:id="rId29"/>
-    <p:sldId id="309" r:id="rId30"/>
-    <p:sldId id="310" r:id="rId31"/>
-    <p:sldId id="311" r:id="rId32"/>
-    <p:sldId id="312" r:id="rId33"/>
-    <p:sldId id="313" r:id="rId34"/>
-    <p:sldId id="314" r:id="rId35"/>
-    <p:sldId id="315" r:id="rId36"/>
-    <p:sldId id="316" r:id="rId37"/>
-    <p:sldId id="317" r:id="rId38"/>
-    <p:sldId id="324" r:id="rId39"/>
-    <p:sldId id="326" r:id="rId40"/>
-    <p:sldId id="323" r:id="rId41"/>
-    <p:sldId id="318" r:id="rId42"/>
-    <p:sldId id="319" r:id="rId43"/>
-    <p:sldId id="320" r:id="rId44"/>
-    <p:sldId id="333" r:id="rId45"/>
-    <p:sldId id="327" r:id="rId46"/>
-    <p:sldId id="328" r:id="rId47"/>
-    <p:sldId id="329" r:id="rId48"/>
-    <p:sldId id="330" r:id="rId49"/>
-    <p:sldId id="332" r:id="rId50"/>
-    <p:sldId id="335" r:id="rId51"/>
-    <p:sldId id="280" r:id="rId52"/>
+    <p:sldId id="504" r:id="rId3"/>
+    <p:sldId id="258" r:id="rId4"/>
+    <p:sldId id="257" r:id="rId5"/>
+    <p:sldId id="267" r:id="rId6"/>
+    <p:sldId id="281" r:id="rId7"/>
+    <p:sldId id="282" r:id="rId8"/>
+    <p:sldId id="283" r:id="rId9"/>
+    <p:sldId id="285" r:id="rId10"/>
+    <p:sldId id="284" r:id="rId11"/>
+    <p:sldId id="286" r:id="rId12"/>
+    <p:sldId id="287" r:id="rId13"/>
+    <p:sldId id="289" r:id="rId14"/>
+    <p:sldId id="331" r:id="rId15"/>
+    <p:sldId id="288" r:id="rId16"/>
+    <p:sldId id="292" r:id="rId17"/>
+    <p:sldId id="294" r:id="rId18"/>
+    <p:sldId id="296" r:id="rId19"/>
+    <p:sldId id="299" r:id="rId20"/>
+    <p:sldId id="295" r:id="rId21"/>
+    <p:sldId id="297" r:id="rId22"/>
+    <p:sldId id="306" r:id="rId23"/>
+    <p:sldId id="300" r:id="rId24"/>
+    <p:sldId id="301" r:id="rId25"/>
+    <p:sldId id="302" r:id="rId26"/>
+    <p:sldId id="305" r:id="rId27"/>
+    <p:sldId id="325" r:id="rId28"/>
+    <p:sldId id="307" r:id="rId29"/>
+    <p:sldId id="308" r:id="rId30"/>
+    <p:sldId id="309" r:id="rId31"/>
+    <p:sldId id="310" r:id="rId32"/>
+    <p:sldId id="311" r:id="rId33"/>
+    <p:sldId id="312" r:id="rId34"/>
+    <p:sldId id="313" r:id="rId35"/>
+    <p:sldId id="314" r:id="rId36"/>
+    <p:sldId id="315" r:id="rId37"/>
+    <p:sldId id="316" r:id="rId38"/>
+    <p:sldId id="317" r:id="rId39"/>
+    <p:sldId id="324" r:id="rId40"/>
+    <p:sldId id="326" r:id="rId41"/>
+    <p:sldId id="323" r:id="rId42"/>
+    <p:sldId id="318" r:id="rId43"/>
+    <p:sldId id="319" r:id="rId44"/>
+    <p:sldId id="320" r:id="rId45"/>
+    <p:sldId id="333" r:id="rId46"/>
+    <p:sldId id="327" r:id="rId47"/>
+    <p:sldId id="328" r:id="rId48"/>
+    <p:sldId id="329" r:id="rId49"/>
+    <p:sldId id="330" r:id="rId50"/>
+    <p:sldId id="332" r:id="rId51"/>
+    <p:sldId id="335" r:id="rId52"/>
+    <p:sldId id="280" r:id="rId53"/>
   </p:sldIdLst>
   <p:sldSz cx="9144000" cy="6858000" type="screen4x3"/>
   <p:notesSz cx="7099300" cy="10234613"/>
@@ -166,6 +167,7 @@
         <p14:section name="Introduction" id="{45EEEAF5-8C61-4410-A3AB-B2CD0B57ECF0}">
           <p14:sldIdLst>
             <p14:sldId id="264"/>
+            <p14:sldId id="504"/>
             <p14:sldId id="258"/>
             <p14:sldId id="257"/>
             <p14:sldId id="267"/>
@@ -490,7 +492,7 @@
           <a:p>
             <a:fld id="{88EB714B-C3CC-4216-88C1-02913905B1CF}" type="datetimeFigureOut">
               <a:rPr lang="en-GB" smtClean="0"/>
-              <a:t>04/10/2021</a:t>
+              <a:t>12/10/2021</a:t>
             </a:fld>
             <a:endParaRPr lang="en-GB"/>
           </a:p>
@@ -1136,7 +1138,7 @@
           <a:p>
             <a:fld id="{6A641EC8-C9F8-4A58-A1A7-F7D817526EEC}" type="slidenum">
               <a:rPr lang="en-GB" smtClean="0"/>
-              <a:t>12</a:t>
+              <a:t>13</a:t>
             </a:fld>
             <a:endParaRPr lang="en-GB"/>
           </a:p>
@@ -1290,7 +1292,7 @@
           <a:p>
             <a:fld id="{6A641EC8-C9F8-4A58-A1A7-F7D817526EEC}" type="slidenum">
               <a:rPr lang="en-GB" smtClean="0"/>
-              <a:t>14</a:t>
+              <a:t>15</a:t>
             </a:fld>
             <a:endParaRPr lang="en-GB"/>
           </a:p>
@@ -1387,7 +1389,7 @@
           <a:p>
             <a:fld id="{6A641EC8-C9F8-4A58-A1A7-F7D817526EEC}" type="slidenum">
               <a:rPr lang="en-GB" smtClean="0"/>
-              <a:t>15</a:t>
+              <a:t>16</a:t>
             </a:fld>
             <a:endParaRPr lang="en-GB"/>
           </a:p>
@@ -1502,7 +1504,7 @@
           <a:p>
             <a:fld id="{6A641EC8-C9F8-4A58-A1A7-F7D817526EEC}" type="slidenum">
               <a:rPr lang="en-GB" smtClean="0"/>
-              <a:t>16</a:t>
+              <a:t>17</a:t>
             </a:fld>
             <a:endParaRPr lang="en-GB"/>
           </a:p>
@@ -1606,7 +1608,7 @@
           <a:p>
             <a:fld id="{6A641EC8-C9F8-4A58-A1A7-F7D817526EEC}" type="slidenum">
               <a:rPr lang="en-GB" smtClean="0"/>
-              <a:t>17</a:t>
+              <a:t>18</a:t>
             </a:fld>
             <a:endParaRPr lang="en-GB"/>
           </a:p>
@@ -1719,7 +1721,7 @@
           <a:p>
             <a:fld id="{6A641EC8-C9F8-4A58-A1A7-F7D817526EEC}" type="slidenum">
               <a:rPr lang="en-GB" smtClean="0"/>
-              <a:t>18</a:t>
+              <a:t>19</a:t>
             </a:fld>
             <a:endParaRPr lang="en-GB"/>
           </a:p>
@@ -1828,7 +1830,7 @@
           <a:p>
             <a:fld id="{6A641EC8-C9F8-4A58-A1A7-F7D817526EEC}" type="slidenum">
               <a:rPr lang="en-GB" smtClean="0"/>
-              <a:t>19</a:t>
+              <a:t>20</a:t>
             </a:fld>
             <a:endParaRPr lang="en-GB"/>
           </a:p>
@@ -1932,7 +1934,7 @@
           <a:p>
             <a:fld id="{6A641EC8-C9F8-4A58-A1A7-F7D817526EEC}" type="slidenum">
               <a:rPr lang="en-GB" smtClean="0"/>
-              <a:t>20</a:t>
+              <a:t>21</a:t>
             </a:fld>
             <a:endParaRPr lang="en-GB"/>
           </a:p>
@@ -2041,7 +2043,7 @@
           <a:p>
             <a:fld id="{6A641EC8-C9F8-4A58-A1A7-F7D817526EEC}" type="slidenum">
               <a:rPr lang="en-GB" smtClean="0"/>
-              <a:t>21</a:t>
+              <a:t>22</a:t>
             </a:fld>
             <a:endParaRPr lang="en-GB"/>
           </a:p>
@@ -2125,7 +2127,7 @@
           <a:p>
             <a:fld id="{6A641EC8-C9F8-4A58-A1A7-F7D817526EEC}" type="slidenum">
               <a:rPr lang="en-GB" smtClean="0"/>
-              <a:t>4</a:t>
+              <a:t>5</a:t>
             </a:fld>
             <a:endParaRPr lang="en-GB"/>
           </a:p>
@@ -2238,7 +2240,7 @@
           <a:p>
             <a:fld id="{6A641EC8-C9F8-4A58-A1A7-F7D817526EEC}" type="slidenum">
               <a:rPr lang="en-GB" smtClean="0"/>
-              <a:t>22</a:t>
+              <a:t>23</a:t>
             </a:fld>
             <a:endParaRPr lang="en-GB"/>
           </a:p>
@@ -2491,7 +2493,7 @@
           <a:p>
             <a:fld id="{6A641EC8-C9F8-4A58-A1A7-F7D817526EEC}" type="slidenum">
               <a:rPr lang="en-GB" smtClean="0"/>
-              <a:t>23</a:t>
+              <a:t>24</a:t>
             </a:fld>
             <a:endParaRPr lang="en-GB"/>
           </a:p>
@@ -2613,7 +2615,7 @@
           <a:p>
             <a:fld id="{6A641EC8-C9F8-4A58-A1A7-F7D817526EEC}" type="slidenum">
               <a:rPr lang="en-GB" smtClean="0"/>
-              <a:t>24</a:t>
+              <a:t>25</a:t>
             </a:fld>
             <a:endParaRPr lang="en-GB"/>
           </a:p>
@@ -2787,7 +2789,7 @@
           <a:p>
             <a:fld id="{6A641EC8-C9F8-4A58-A1A7-F7D817526EEC}" type="slidenum">
               <a:rPr lang="en-GB" smtClean="0"/>
-              <a:t>25</a:t>
+              <a:t>26</a:t>
             </a:fld>
             <a:endParaRPr lang="en-GB"/>
           </a:p>
@@ -2892,7 +2894,7 @@
           <a:p>
             <a:fld id="{6A641EC8-C9F8-4A58-A1A7-F7D817526EEC}" type="slidenum">
               <a:rPr lang="en-GB" smtClean="0"/>
-              <a:t>26</a:t>
+              <a:t>27</a:t>
             </a:fld>
             <a:endParaRPr lang="en-GB"/>
           </a:p>
@@ -3078,7 +3080,7 @@
           <a:p>
             <a:fld id="{6A641EC8-C9F8-4A58-A1A7-F7D817526EEC}" type="slidenum">
               <a:rPr lang="en-GB" smtClean="0"/>
-              <a:t>27</a:t>
+              <a:t>28</a:t>
             </a:fld>
             <a:endParaRPr lang="en-GB"/>
           </a:p>
@@ -3338,7 +3340,7 @@
           <a:p>
             <a:fld id="{6A641EC8-C9F8-4A58-A1A7-F7D817526EEC}" type="slidenum">
               <a:rPr lang="en-GB" smtClean="0"/>
-              <a:t>28</a:t>
+              <a:t>29</a:t>
             </a:fld>
             <a:endParaRPr lang="en-GB"/>
           </a:p>
@@ -3624,7 +3626,7 @@
           <a:p>
             <a:fld id="{6A641EC8-C9F8-4A58-A1A7-F7D817526EEC}" type="slidenum">
               <a:rPr lang="en-GB" smtClean="0"/>
-              <a:t>29</a:t>
+              <a:t>30</a:t>
             </a:fld>
             <a:endParaRPr lang="en-GB"/>
           </a:p>
@@ -3814,7 +3816,7 @@
           <a:p>
             <a:fld id="{6A641EC8-C9F8-4A58-A1A7-F7D817526EEC}" type="slidenum">
               <a:rPr lang="en-GB" smtClean="0"/>
-              <a:t>30</a:t>
+              <a:t>31</a:t>
             </a:fld>
             <a:endParaRPr lang="en-GB"/>
           </a:p>
@@ -4009,7 +4011,7 @@
           <a:p>
             <a:fld id="{6A641EC8-C9F8-4A58-A1A7-F7D817526EEC}" type="slidenum">
               <a:rPr lang="en-GB" smtClean="0"/>
-              <a:t>31</a:t>
+              <a:t>32</a:t>
             </a:fld>
             <a:endParaRPr lang="en-GB"/>
           </a:p>
@@ -4113,7 +4115,7 @@
           <a:p>
             <a:fld id="{6A641EC8-C9F8-4A58-A1A7-F7D817526EEC}" type="slidenum">
               <a:rPr lang="en-GB" smtClean="0"/>
-              <a:t>5</a:t>
+              <a:t>6</a:t>
             </a:fld>
             <a:endParaRPr lang="en-GB"/>
           </a:p>
@@ -4389,7 +4391,7 @@
           <a:p>
             <a:fld id="{6A641EC8-C9F8-4A58-A1A7-F7D817526EEC}" type="slidenum">
               <a:rPr lang="en-GB" smtClean="0"/>
-              <a:t>32</a:t>
+              <a:t>33</a:t>
             </a:fld>
             <a:endParaRPr lang="en-GB"/>
           </a:p>
@@ -4490,7 +4492,7 @@
           <a:p>
             <a:fld id="{6A641EC8-C9F8-4A58-A1A7-F7D817526EEC}" type="slidenum">
               <a:rPr lang="en-GB" smtClean="0"/>
-              <a:t>33</a:t>
+              <a:t>34</a:t>
             </a:fld>
             <a:endParaRPr lang="en-GB"/>
           </a:p>
@@ -4680,7 +4682,7 @@
           <a:p>
             <a:fld id="{6A641EC8-C9F8-4A58-A1A7-F7D817526EEC}" type="slidenum">
               <a:rPr lang="en-GB" smtClean="0"/>
-              <a:t>34</a:t>
+              <a:t>35</a:t>
             </a:fld>
             <a:endParaRPr lang="en-GB"/>
           </a:p>
@@ -4913,7 +4915,7 @@
           <a:p>
             <a:fld id="{6A641EC8-C9F8-4A58-A1A7-F7D817526EEC}" type="slidenum">
               <a:rPr lang="en-GB" smtClean="0"/>
-              <a:t>35</a:t>
+              <a:t>36</a:t>
             </a:fld>
             <a:endParaRPr lang="en-GB"/>
           </a:p>
@@ -5060,7 +5062,7 @@
           <a:p>
             <a:fld id="{6A641EC8-C9F8-4A58-A1A7-F7D817526EEC}" type="slidenum">
               <a:rPr lang="en-GB" smtClean="0"/>
-              <a:t>36</a:t>
+              <a:t>37</a:t>
             </a:fld>
             <a:endParaRPr lang="en-GB"/>
           </a:p>
@@ -5207,7 +5209,7 @@
           <a:p>
             <a:fld id="{6A641EC8-C9F8-4A58-A1A7-F7D817526EEC}" type="slidenum">
               <a:rPr lang="en-GB" smtClean="0"/>
-              <a:t>37</a:t>
+              <a:t>38</a:t>
             </a:fld>
             <a:endParaRPr lang="en-GB"/>
           </a:p>
@@ -5440,7 +5442,7 @@
           <a:p>
             <a:fld id="{6A641EC8-C9F8-4A58-A1A7-F7D817526EEC}" type="slidenum">
               <a:rPr lang="en-GB" smtClean="0"/>
-              <a:t>38</a:t>
+              <a:t>39</a:t>
             </a:fld>
             <a:endParaRPr lang="en-GB"/>
           </a:p>
@@ -5587,7 +5589,7 @@
           <a:p>
             <a:fld id="{6A641EC8-C9F8-4A58-A1A7-F7D817526EEC}" type="slidenum">
               <a:rPr lang="en-GB" smtClean="0"/>
-              <a:t>39</a:t>
+              <a:t>40</a:t>
             </a:fld>
             <a:endParaRPr lang="en-GB"/>
           </a:p>
@@ -5777,7 +5779,7 @@
           <a:p>
             <a:fld id="{6A641EC8-C9F8-4A58-A1A7-F7D817526EEC}" type="slidenum">
               <a:rPr lang="en-GB" smtClean="0"/>
-              <a:t>40</a:t>
+              <a:t>41</a:t>
             </a:fld>
             <a:endParaRPr lang="en-GB"/>
           </a:p>
@@ -6010,7 +6012,7 @@
           <a:p>
             <a:fld id="{6A641EC8-C9F8-4A58-A1A7-F7D817526EEC}" type="slidenum">
               <a:rPr lang="en-GB" smtClean="0"/>
-              <a:t>41</a:t>
+              <a:t>42</a:t>
             </a:fld>
             <a:endParaRPr lang="en-GB"/>
           </a:p>
@@ -6139,7 +6141,7 @@
           <a:p>
             <a:fld id="{6A641EC8-C9F8-4A58-A1A7-F7D817526EEC}" type="slidenum">
               <a:rPr lang="en-GB" smtClean="0"/>
-              <a:t>6</a:t>
+              <a:t>7</a:t>
             </a:fld>
             <a:endParaRPr lang="en-GB"/>
           </a:p>
@@ -6286,7 +6288,7 @@
           <a:p>
             <a:fld id="{6A641EC8-C9F8-4A58-A1A7-F7D817526EEC}" type="slidenum">
               <a:rPr lang="en-GB" smtClean="0"/>
-              <a:t>42</a:t>
+              <a:t>43</a:t>
             </a:fld>
             <a:endParaRPr lang="en-GB"/>
           </a:p>
@@ -6390,7 +6392,7 @@
           <a:p>
             <a:fld id="{6A641EC8-C9F8-4A58-A1A7-F7D817526EEC}" type="slidenum">
               <a:rPr lang="en-GB" smtClean="0"/>
-              <a:t>43</a:t>
+              <a:t>44</a:t>
             </a:fld>
             <a:endParaRPr lang="en-GB"/>
           </a:p>
@@ -6494,7 +6496,7 @@
           <a:p>
             <a:fld id="{6A641EC8-C9F8-4A58-A1A7-F7D817526EEC}" type="slidenum">
               <a:rPr lang="en-GB" smtClean="0"/>
-              <a:t>44</a:t>
+              <a:t>45</a:t>
             </a:fld>
             <a:endParaRPr lang="en-GB"/>
           </a:p>
@@ -6641,7 +6643,7 @@
           <a:p>
             <a:fld id="{6A641EC8-C9F8-4A58-A1A7-F7D817526EEC}" type="slidenum">
               <a:rPr lang="en-GB" smtClean="0"/>
-              <a:t>45</a:t>
+              <a:t>46</a:t>
             </a:fld>
             <a:endParaRPr lang="en-GB"/>
           </a:p>
@@ -6788,7 +6790,7 @@
           <a:p>
             <a:fld id="{6A641EC8-C9F8-4A58-A1A7-F7D817526EEC}" type="slidenum">
               <a:rPr lang="en-GB" smtClean="0"/>
-              <a:t>46</a:t>
+              <a:t>47</a:t>
             </a:fld>
             <a:endParaRPr lang="en-GB"/>
           </a:p>
@@ -6935,7 +6937,7 @@
           <a:p>
             <a:fld id="{6A641EC8-C9F8-4A58-A1A7-F7D817526EEC}" type="slidenum">
               <a:rPr lang="en-GB" smtClean="0"/>
-              <a:t>47</a:t>
+              <a:t>48</a:t>
             </a:fld>
             <a:endParaRPr lang="en-GB"/>
           </a:p>
@@ -7282,7 +7284,7 @@
           <a:p>
             <a:fld id="{6A641EC8-C9F8-4A58-A1A7-F7D817526EEC}" type="slidenum">
               <a:rPr lang="en-GB" smtClean="0"/>
-              <a:t>50</a:t>
+              <a:t>51</a:t>
             </a:fld>
             <a:endParaRPr lang="en-GB"/>
           </a:p>
@@ -7478,7 +7480,7 @@
                   <a:spcPct val="0"/>
                 </a:spcBef>
               </a:pPr>
-              <a:t>51</a:t>
+              <a:t>52</a:t>
             </a:fld>
             <a:endParaRPr lang="en-US" altLang="en-US"/>
           </a:p>
@@ -7680,7 +7682,7 @@
           <a:p>
             <a:fld id="{6A641EC8-C9F8-4A58-A1A7-F7D817526EEC}" type="slidenum">
               <a:rPr lang="en-GB" smtClean="0"/>
-              <a:t>7</a:t>
+              <a:t>8</a:t>
             </a:fld>
             <a:endParaRPr lang="en-GB"/>
           </a:p>
@@ -7764,7 +7766,7 @@
           <a:p>
             <a:fld id="{6A641EC8-C9F8-4A58-A1A7-F7D817526EEC}" type="slidenum">
               <a:rPr lang="en-GB" smtClean="0"/>
-              <a:t>8</a:t>
+              <a:t>9</a:t>
             </a:fld>
             <a:endParaRPr lang="en-GB"/>
           </a:p>
@@ -7869,7 +7871,7 @@
           <a:p>
             <a:fld id="{6A641EC8-C9F8-4A58-A1A7-F7D817526EEC}" type="slidenum">
               <a:rPr lang="en-GB" smtClean="0"/>
-              <a:t>9</a:t>
+              <a:t>10</a:t>
             </a:fld>
             <a:endParaRPr lang="en-GB"/>
           </a:p>
@@ -7992,7 +7994,7 @@
           <a:p>
             <a:fld id="{6A641EC8-C9F8-4A58-A1A7-F7D817526EEC}" type="slidenum">
               <a:rPr lang="en-GB" smtClean="0"/>
-              <a:t>10</a:t>
+              <a:t>11</a:t>
             </a:fld>
             <a:endParaRPr lang="en-GB"/>
           </a:p>
@@ -8149,7 +8151,7 @@
           <a:p>
             <a:fld id="{6A641EC8-C9F8-4A58-A1A7-F7D817526EEC}" type="slidenum">
               <a:rPr lang="en-GB" smtClean="0"/>
-              <a:t>11</a:t>
+              <a:t>12</a:t>
             </a:fld>
             <a:endParaRPr lang="en-GB"/>
           </a:p>
@@ -8527,7 +8529,7 @@
           <a:p>
             <a:fld id="{EB0080F8-EA1C-491D-963C-2C881B2F918F}" type="datetimeFigureOut">
               <a:rPr lang="en-GB" smtClean="0"/>
-              <a:t>04/10/2021</a:t>
+              <a:t>12/10/2021</a:t>
             </a:fld>
             <a:endParaRPr lang="en-GB"/>
           </a:p>
@@ -8677,7 +8679,7 @@
           <a:p>
             <a:fld id="{EB0080F8-EA1C-491D-963C-2C881B2F918F}" type="datetimeFigureOut">
               <a:rPr lang="en-GB" smtClean="0"/>
-              <a:t>04/10/2021</a:t>
+              <a:t>12/10/2021</a:t>
             </a:fld>
             <a:endParaRPr lang="en-GB"/>
           </a:p>
@@ -10210,7 +10212,7 @@
           <a:p>
             <a:fld id="{EB0080F8-EA1C-491D-963C-2C881B2F918F}" type="datetimeFigureOut">
               <a:rPr lang="en-GB" smtClean="0"/>
-              <a:t>04/10/2021</a:t>
+              <a:t>12/10/2021</a:t>
             </a:fld>
             <a:endParaRPr lang="en-GB"/>
           </a:p>
@@ -10760,78 +10762,407 @@
           </a:p>
         </p:txBody>
       </p:sp>
-      <p:sp>
-        <p:nvSpPr>
-          <p:cNvPr id="3" name="Content Placeholder 2"/>
-          <p:cNvSpPr>
-            <a:spLocks noGrp="1"/>
-          </p:cNvSpPr>
-          <p:nvPr>
-            <p:ph idx="1"/>
-          </p:nvPr>
+      <p:graphicFrame>
+        <p:nvGraphicFramePr>
+          <p:cNvPr id="6" name="Table 5">
+            <a:extLst>
+              <a:ext uri="{FF2B5EF4-FFF2-40B4-BE49-F238E27FC236}">
+                <a16:creationId xmlns:a16="http://schemas.microsoft.com/office/drawing/2014/main" id="{D12B00F4-5C15-440A-B22F-6A524A68BAE5}"/>
+              </a:ext>
+            </a:extLst>
+          </p:cNvPr>
+          <p:cNvGraphicFramePr>
+            <a:graphicFrameLocks noGrp="1"/>
+          </p:cNvGraphicFramePr>
+          <p:nvPr>
+            <p:extLst>
+              <p:ext uri="{D42A27DB-BD31-4B8C-83A1-F6EECF244321}">
+                <p14:modId xmlns:p14="http://schemas.microsoft.com/office/powerpoint/2010/main" val="3382162690"/>
+              </p:ext>
+            </p:extLst>
+          </p:nvPr>
+        </p:nvGraphicFramePr>
+        <p:xfrm>
+          <a:off x="840828" y="2438400"/>
+          <a:ext cx="7514895" cy="1828800"/>
+        </p:xfrm>
+        <a:graphic>
+          <a:graphicData uri="http://schemas.openxmlformats.org/drawingml/2006/table">
+            <a:tbl>
+              <a:tblPr firstRow="1" bandRow="1">
+                <a:tableStyleId>{5C22544A-7EE6-4342-B048-85BDC9FD1C3A}</a:tableStyleId>
+              </a:tblPr>
+              <a:tblGrid>
+                <a:gridCol w="2504965">
+                  <a:extLst>
+                    <a:ext uri="{9D8B030D-6E8A-4147-A177-3AD203B41FA5}">
+                      <a16:colId xmlns:a16="http://schemas.microsoft.com/office/drawing/2014/main" val="620446185"/>
+                    </a:ext>
+                  </a:extLst>
+                </a:gridCol>
+                <a:gridCol w="2504965">
+                  <a:extLst>
+                    <a:ext uri="{9D8B030D-6E8A-4147-A177-3AD203B41FA5}">
+                      <a16:colId xmlns:a16="http://schemas.microsoft.com/office/drawing/2014/main" val="679079119"/>
+                    </a:ext>
+                  </a:extLst>
+                </a:gridCol>
+                <a:gridCol w="2504965">
+                  <a:extLst>
+                    <a:ext uri="{9D8B030D-6E8A-4147-A177-3AD203B41FA5}">
+                      <a16:colId xmlns:a16="http://schemas.microsoft.com/office/drawing/2014/main" val="3331666545"/>
+                    </a:ext>
+                  </a:extLst>
+                </a:gridCol>
+              </a:tblGrid>
+              <a:tr h="370840">
+                <a:tc>
+                  <a:txBody>
+                    <a:bodyPr/>
+                    <a:lstStyle/>
+                    <a:p>
+                      <a:r>
+                        <a:rPr lang="en-GB" dirty="0"/>
+                        <a:t>Fortran Instruction</a:t>
+                      </a:r>
+                    </a:p>
+                  </a:txBody>
+                  <a:tcPr/>
+                </a:tc>
+                <a:tc>
+                  <a:txBody>
+                    <a:bodyPr/>
+                    <a:lstStyle/>
+                    <a:p>
+                      <a:r>
+                        <a:rPr lang="en-GB" dirty="0"/>
+                        <a:t>Assembly Language Instructions</a:t>
+                      </a:r>
+                    </a:p>
+                  </a:txBody>
+                  <a:tcPr/>
+                </a:tc>
+                <a:tc>
+                  <a:txBody>
+                    <a:bodyPr/>
+                    <a:lstStyle/>
+                    <a:p>
+                      <a:r>
+                        <a:rPr lang="en-GB" dirty="0"/>
+                        <a:t>Machine Language Instructions</a:t>
+                      </a:r>
+                    </a:p>
+                  </a:txBody>
+                  <a:tcPr/>
+                </a:tc>
+                <a:extLst>
+                  <a:ext uri="{0D108BD9-81ED-4DB2-BD59-A6C34878D82A}">
+                    <a16:rowId xmlns:a16="http://schemas.microsoft.com/office/drawing/2014/main" val="2586946742"/>
+                  </a:ext>
+                </a:extLst>
+              </a:tr>
+              <a:tr h="370840">
+                <a:tc>
+                  <a:txBody>
+                    <a:bodyPr/>
+                    <a:lstStyle/>
+                    <a:p>
+                      <a:r>
+                        <a:rPr lang="en-GB" dirty="0"/>
+                        <a:t>D=X+Y+Z</a:t>
+                      </a:r>
+                    </a:p>
+                  </a:txBody>
+                  <a:tcPr/>
+                </a:tc>
+                <a:tc>
+                  <a:txBody>
+                    <a:bodyPr/>
+                    <a:lstStyle/>
+                    <a:p>
+                      <a:r>
+                        <a:rPr lang="en-GB" dirty="0"/>
+                        <a:t>LDA X</a:t>
+                      </a:r>
+                    </a:p>
+                    <a:p>
+                      <a:r>
+                        <a:rPr lang="en-GB" dirty="0"/>
+                        <a:t>ADA Y</a:t>
+                      </a:r>
+                    </a:p>
+                    <a:p>
+                      <a:r>
+                        <a:rPr lang="en-GB" dirty="0"/>
+                        <a:t>ADA Z</a:t>
+                      </a:r>
+                    </a:p>
+                    <a:p>
+                      <a:r>
+                        <a:rPr lang="en-GB" dirty="0"/>
+                        <a:t>STA D</a:t>
+                      </a:r>
+                    </a:p>
+                  </a:txBody>
+                  <a:tcPr/>
+                </a:tc>
+                <a:tc>
+                  <a:txBody>
+                    <a:bodyPr/>
+                    <a:lstStyle/>
+                    <a:p>
+                      <a:r>
+                        <a:rPr lang="en-GB" dirty="0"/>
+                        <a:t>0110 0011 0010 0001</a:t>
+                      </a:r>
+                    </a:p>
+                    <a:p>
+                      <a:r>
+                        <a:rPr lang="en-GB" dirty="0"/>
+                        <a:t>0100 0011 0010 0010 </a:t>
+                      </a:r>
+                    </a:p>
+                    <a:p>
+                      <a:r>
+                        <a:rPr lang="en-GB" dirty="0"/>
+                        <a:t>0100 0011 0010 0011</a:t>
+                      </a:r>
+                    </a:p>
+                    <a:p>
+                      <a:r>
+                        <a:rPr lang="en-GB" dirty="0"/>
+                        <a:t>0111 0011 0010 0100</a:t>
+                      </a:r>
+                    </a:p>
+                  </a:txBody>
+                  <a:tcPr/>
+                </a:tc>
+                <a:extLst>
+                  <a:ext uri="{0D108BD9-81ED-4DB2-BD59-A6C34878D82A}">
+                    <a16:rowId xmlns:a16="http://schemas.microsoft.com/office/drawing/2014/main" val="1602259348"/>
+                  </a:ext>
+                </a:extLst>
+              </a:tr>
+            </a:tbl>
+          </a:graphicData>
+        </a:graphic>
+      </p:graphicFrame>
+      <p:sp>
+        <p:nvSpPr>
+          <p:cNvPr id="8" name="Arrow: Curved Up 7">
+            <a:extLst>
+              <a:ext uri="{FF2B5EF4-FFF2-40B4-BE49-F238E27FC236}">
+                <a16:creationId xmlns:a16="http://schemas.microsoft.com/office/drawing/2014/main" id="{9FE256C4-F732-404F-81E2-71E8618961F8}"/>
+              </a:ext>
+            </a:extLst>
+          </p:cNvPr>
+          <p:cNvSpPr/>
+          <p:nvPr/>
         </p:nvSpPr>
         <p:spPr>
           <a:xfrm>
-            <a:off x="457200" y="1600200"/>
-            <a:ext cx="8435280" cy="4876800"/>
+            <a:off x="1797269" y="4394200"/>
+            <a:ext cx="5990897" cy="1828800"/>
           </a:xfrm>
+          <a:prstGeom prst="curvedUpArrow">
+            <a:avLst/>
+          </a:prstGeom>
         </p:spPr>
-        <p:txBody>
-          <a:bodyPr>
-            <a:normAutofit/>
+        <p:style>
+          <a:lnRef idx="1">
+            <a:schemeClr val="accent1"/>
+          </a:lnRef>
+          <a:fillRef idx="3">
+            <a:schemeClr val="accent1"/>
+          </a:fillRef>
+          <a:effectRef idx="2">
+            <a:schemeClr val="accent1"/>
+          </a:effectRef>
+          <a:fontRef idx="minor">
+            <a:schemeClr val="lt1"/>
+          </a:fontRef>
+        </p:style>
+        <p:txBody>
+          <a:bodyPr rtlCol="0" anchor="ctr"/>
+          <a:lstStyle/>
+          <a:p>
+            <a:pPr algn="ctr"/>
+            <a:endParaRPr lang="en-GB">
+              <a:solidFill>
+                <a:schemeClr val="tx1"/>
+              </a:solidFill>
+            </a:endParaRPr>
+          </a:p>
+        </p:txBody>
+      </p:sp>
+      <p:sp>
+        <p:nvSpPr>
+          <p:cNvPr id="7" name="TextBox 6">
+            <a:extLst>
+              <a:ext uri="{FF2B5EF4-FFF2-40B4-BE49-F238E27FC236}">
+                <a16:creationId xmlns:a16="http://schemas.microsoft.com/office/drawing/2014/main" id="{C950AC6F-179C-4D84-92E7-6BA017ADF94A}"/>
+              </a:ext>
+            </a:extLst>
+          </p:cNvPr>
+          <p:cNvSpPr txBox="1"/>
+          <p:nvPr/>
+        </p:nvSpPr>
+        <p:spPr>
+          <a:xfrm>
+            <a:off x="3026979" y="5519003"/>
+            <a:ext cx="3090041" cy="830997"/>
+          </a:xfrm>
+          <a:prstGeom prst="rect">
+            <a:avLst/>
+          </a:prstGeom>
+          <a:solidFill>
+            <a:schemeClr val="bg1"/>
+          </a:solidFill>
+          <a:ln>
+            <a:solidFill>
+              <a:schemeClr val="accent1"/>
+            </a:solidFill>
+          </a:ln>
+        </p:spPr>
+        <p:txBody>
+          <a:bodyPr wrap="square" rtlCol="0">
+            <a:spAutoFit/>
           </a:bodyPr>
           <a:lstStyle/>
           <a:p>
-            <a:r>
-              <a:rPr lang="en-GB" sz="3000" dirty="0"/>
-              <a:t>Scans code for syntax errors</a:t>
-            </a:r>
-          </a:p>
-          <a:p>
-            <a:r>
-              <a:rPr lang="en-GB" sz="3000" dirty="0"/>
-              <a:t>Optimises the code</a:t>
-            </a:r>
-          </a:p>
-          <a:p>
-            <a:r>
-              <a:rPr lang="en-GB" sz="3000" dirty="0"/>
-              <a:t>Creates machine code in the form of an object file or executable</a:t>
-            </a:r>
-          </a:p>
-          <a:p>
-            <a:r>
-              <a:rPr lang="en-GB" sz="3000" dirty="0"/>
-              <a:t>Does not:</a:t>
-            </a:r>
-          </a:p>
-          <a:p>
-            <a:pPr lvl="1"/>
-            <a:r>
-              <a:rPr lang="en-GB" sz="2600" dirty="0"/>
-              <a:t>Reveal run-time errors</a:t>
-            </a:r>
-          </a:p>
-          <a:p>
-            <a:pPr lvl="1"/>
-            <a:r>
-              <a:rPr lang="en-GB" sz="2600" dirty="0"/>
-              <a:t>Know what values will be used when the program is executed</a:t>
-            </a:r>
-          </a:p>
-          <a:p>
-            <a:pPr lvl="1"/>
-            <a:r>
-              <a:rPr lang="en-GB" sz="2600" dirty="0"/>
-              <a:t>Run any computations</a:t>
-            </a:r>
+            <a:pPr algn="ctr"/>
+            <a:r>
+              <a:rPr lang="en-GB" sz="4800" dirty="0"/>
+              <a:t>Compiler</a:t>
+            </a:r>
+          </a:p>
+        </p:txBody>
+      </p:sp>
+      <p:sp>
+        <p:nvSpPr>
+          <p:cNvPr id="9" name="TextBox 8">
+            <a:extLst>
+              <a:ext uri="{FF2B5EF4-FFF2-40B4-BE49-F238E27FC236}">
+                <a16:creationId xmlns:a16="http://schemas.microsoft.com/office/drawing/2014/main" id="{39880090-4A7E-428B-A6D6-EE334B93D6A5}"/>
+              </a:ext>
+            </a:extLst>
+          </p:cNvPr>
+          <p:cNvSpPr txBox="1"/>
+          <p:nvPr/>
+        </p:nvSpPr>
+        <p:spPr>
+          <a:xfrm>
+            <a:off x="977463" y="1666409"/>
+            <a:ext cx="2238702" cy="523220"/>
+          </a:xfrm>
+          <a:prstGeom prst="rect">
+            <a:avLst/>
+          </a:prstGeom>
+          <a:noFill/>
+          <a:ln w="38100">
+            <a:solidFill>
+              <a:schemeClr val="accent1"/>
+            </a:solidFill>
+          </a:ln>
+        </p:spPr>
+        <p:txBody>
+          <a:bodyPr wrap="square" rtlCol="0">
+            <a:spAutoFit/>
+          </a:bodyPr>
+          <a:lstStyle/>
+          <a:p>
+            <a:r>
+              <a:rPr lang="en-GB" sz="2800" dirty="0"/>
+              <a:t>My_code.f90</a:t>
+            </a:r>
+          </a:p>
+        </p:txBody>
+      </p:sp>
+      <p:sp>
+        <p:nvSpPr>
+          <p:cNvPr id="11" name="TextBox 10">
+            <a:extLst>
+              <a:ext uri="{FF2B5EF4-FFF2-40B4-BE49-F238E27FC236}">
+                <a16:creationId xmlns:a16="http://schemas.microsoft.com/office/drawing/2014/main" id="{D3754946-9B99-4475-8DB7-B29A135BF7A7}"/>
+              </a:ext>
+            </a:extLst>
+          </p:cNvPr>
+          <p:cNvSpPr txBox="1"/>
+          <p:nvPr/>
+        </p:nvSpPr>
+        <p:spPr>
+          <a:xfrm>
+            <a:off x="5927836" y="1666409"/>
+            <a:ext cx="2375335" cy="523220"/>
+          </a:xfrm>
+          <a:prstGeom prst="rect">
+            <a:avLst/>
+          </a:prstGeom>
+          <a:noFill/>
+          <a:ln w="38100">
+            <a:solidFill>
+              <a:schemeClr val="accent1"/>
+            </a:solidFill>
+          </a:ln>
+        </p:spPr>
+        <p:txBody>
+          <a:bodyPr wrap="square" rtlCol="0">
+            <a:spAutoFit/>
+          </a:bodyPr>
+          <a:lstStyle/>
+          <a:p>
+            <a:r>
+              <a:rPr lang="en-GB" sz="2800" dirty="0"/>
+              <a:t>My_code.exe</a:t>
+            </a:r>
+          </a:p>
+        </p:txBody>
+      </p:sp>
+      <p:sp>
+        <p:nvSpPr>
+          <p:cNvPr id="12" name="TextBox 11">
+            <a:extLst>
+              <a:ext uri="{FF2B5EF4-FFF2-40B4-BE49-F238E27FC236}">
+                <a16:creationId xmlns:a16="http://schemas.microsoft.com/office/drawing/2014/main" id="{EAC31B02-A902-4888-A581-6A27A4AFDBA0}"/>
+              </a:ext>
+            </a:extLst>
+          </p:cNvPr>
+          <p:cNvSpPr txBox="1"/>
+          <p:nvPr/>
+        </p:nvSpPr>
+        <p:spPr>
+          <a:xfrm>
+            <a:off x="5927836" y="1079689"/>
+            <a:ext cx="2375335" cy="523220"/>
+          </a:xfrm>
+          <a:prstGeom prst="rect">
+            <a:avLst/>
+          </a:prstGeom>
+          <a:noFill/>
+          <a:ln w="38100">
+            <a:solidFill>
+              <a:schemeClr val="accent1"/>
+            </a:solidFill>
+          </a:ln>
+        </p:spPr>
+        <p:txBody>
+          <a:bodyPr wrap="square" rtlCol="0">
+            <a:spAutoFit/>
+          </a:bodyPr>
+          <a:lstStyle/>
+          <a:p>
+            <a:r>
+              <a:rPr lang="en-GB" sz="2800" dirty="0" err="1"/>
+              <a:t>My_code.o</a:t>
+            </a:r>
+            <a:endParaRPr lang="en-GB" sz="2800" dirty="0"/>
           </a:p>
         </p:txBody>
       </p:sp>
     </p:spTree>
     <p:extLst>
       <p:ext uri="{BB962C8B-B14F-4D97-AF65-F5344CB8AC3E}">
-        <p14:creationId xmlns:p14="http://schemas.microsoft.com/office/powerpoint/2010/main" val="3966698890"/>
+        <p14:creationId xmlns:p14="http://schemas.microsoft.com/office/powerpoint/2010/main" val="2428056926"/>
       </p:ext>
     </p:extLst>
   </p:cSld>
@@ -10883,7 +11214,7 @@
           <a:p>
             <a:r>
               <a:rPr lang="en-GB" sz="4000" dirty="0"/>
-              <a:t>Compilers</a:t>
+              <a:t>The Compiler</a:t>
             </a:r>
           </a:p>
         </p:txBody>
@@ -10911,35 +11242,47 @@
           <a:lstStyle/>
           <a:p>
             <a:r>
-              <a:rPr lang="en-GB" sz="3000" dirty="0" err="1"/>
-              <a:t>gfortran</a:t>
-            </a:r>
-            <a:endParaRPr lang="en-GB" sz="3000" dirty="0"/>
-          </a:p>
-          <a:p>
-            <a:r>
               <a:rPr lang="en-GB" sz="3000" dirty="0"/>
-              <a:t>PGI</a:t>
-            </a:r>
-          </a:p>
-          <a:p>
-            <a:r>
-              <a:rPr lang="en-GB" sz="3000" dirty="0" err="1"/>
-              <a:t>Absoft</a:t>
-            </a:r>
-            <a:endParaRPr lang="en-GB" sz="3000" dirty="0"/>
-          </a:p>
-          <a:p>
-            <a:r>
-              <a:rPr lang="en-GB" sz="3000" dirty="0" err="1"/>
-              <a:t>Ifort</a:t>
-            </a:r>
-            <a:endParaRPr lang="en-GB" sz="3000" dirty="0"/>
+              <a:t>Scans code for syntax errors</a:t>
+            </a:r>
           </a:p>
           <a:p>
             <a:r>
               <a:rPr lang="en-GB" sz="3000" dirty="0"/>
-              <a:t>MinGW</a:t>
+              <a:t>Optimises the code</a:t>
+            </a:r>
+          </a:p>
+          <a:p>
+            <a:r>
+              <a:rPr lang="en-GB" sz="3000" dirty="0"/>
+              <a:t>Creates machine code in the form of an object file or executable</a:t>
+            </a:r>
+          </a:p>
+          <a:p>
+            <a:r>
+              <a:rPr lang="en-GB" sz="3000" dirty="0"/>
+              <a:t>Does not:</a:t>
+            </a:r>
+          </a:p>
+          <a:p>
+            <a:pPr lvl="1"/>
+            <a:r>
+              <a:rPr lang="en-GB" sz="2600" dirty="0"/>
+              <a:t>Reveal run-time errors</a:t>
+            </a:r>
+          </a:p>
+          <a:p>
+            <a:pPr lvl="1"/>
+            <a:r>
+              <a:rPr lang="en-GB" sz="2600" dirty="0"/>
+              <a:t>Know what values will be used when the program is executed</a:t>
+            </a:r>
+          </a:p>
+          <a:p>
+            <a:pPr lvl="1"/>
+            <a:r>
+              <a:rPr lang="en-GB" sz="2600" dirty="0"/>
+              <a:t>Run any computations</a:t>
             </a:r>
           </a:p>
         </p:txBody>
@@ -10947,7 +11290,7 @@
     </p:spTree>
     <p:extLst>
       <p:ext uri="{BB962C8B-B14F-4D97-AF65-F5344CB8AC3E}">
-        <p14:creationId xmlns:p14="http://schemas.microsoft.com/office/powerpoint/2010/main" val="3168009626"/>
+        <p14:creationId xmlns:p14="http://schemas.microsoft.com/office/powerpoint/2010/main" val="3966698890"/>
       </p:ext>
     </p:extLst>
   </p:cSld>
@@ -10999,6 +11342,122 @@
           <a:p>
             <a:r>
               <a:rPr lang="en-GB" sz="4000" dirty="0"/>
+              <a:t>Compilers</a:t>
+            </a:r>
+          </a:p>
+        </p:txBody>
+      </p:sp>
+      <p:sp>
+        <p:nvSpPr>
+          <p:cNvPr id="3" name="Content Placeholder 2"/>
+          <p:cNvSpPr>
+            <a:spLocks noGrp="1"/>
+          </p:cNvSpPr>
+          <p:nvPr>
+            <p:ph idx="1"/>
+          </p:nvPr>
+        </p:nvSpPr>
+        <p:spPr>
+          <a:xfrm>
+            <a:off x="457200" y="1600200"/>
+            <a:ext cx="8435280" cy="4876800"/>
+          </a:xfrm>
+        </p:spPr>
+        <p:txBody>
+          <a:bodyPr>
+            <a:normAutofit/>
+          </a:bodyPr>
+          <a:lstStyle/>
+          <a:p>
+            <a:r>
+              <a:rPr lang="en-GB" sz="3000" dirty="0" err="1"/>
+              <a:t>gfortran</a:t>
+            </a:r>
+            <a:endParaRPr lang="en-GB" sz="3000" dirty="0"/>
+          </a:p>
+          <a:p>
+            <a:r>
+              <a:rPr lang="en-GB" sz="3000" dirty="0"/>
+              <a:t>PGI</a:t>
+            </a:r>
+          </a:p>
+          <a:p>
+            <a:r>
+              <a:rPr lang="en-GB" sz="3000" dirty="0" err="1"/>
+              <a:t>Absoft</a:t>
+            </a:r>
+            <a:endParaRPr lang="en-GB" sz="3000" dirty="0"/>
+          </a:p>
+          <a:p>
+            <a:r>
+              <a:rPr lang="en-GB" sz="3000" dirty="0" err="1"/>
+              <a:t>Ifort</a:t>
+            </a:r>
+            <a:endParaRPr lang="en-GB" sz="3000" dirty="0"/>
+          </a:p>
+          <a:p>
+            <a:r>
+              <a:rPr lang="en-GB" sz="3000" dirty="0"/>
+              <a:t>MinGW</a:t>
+            </a:r>
+          </a:p>
+        </p:txBody>
+      </p:sp>
+    </p:spTree>
+    <p:extLst>
+      <p:ext uri="{BB962C8B-B14F-4D97-AF65-F5344CB8AC3E}">
+        <p14:creationId xmlns:p14="http://schemas.microsoft.com/office/powerpoint/2010/main" val="3168009626"/>
+      </p:ext>
+    </p:extLst>
+  </p:cSld>
+  <p:clrMapOvr>
+    <a:masterClrMapping/>
+  </p:clrMapOvr>
+  <mc:AlternateContent xmlns:mc="http://schemas.openxmlformats.org/markup-compatibility/2006" xmlns:p14="http://schemas.microsoft.com/office/powerpoint/2010/main">
+    <mc:Choice Requires="p14">
+      <p:transition p14:dur="10"/>
+    </mc:Choice>
+    <mc:Fallback xmlns="">
+      <p:transition/>
+    </mc:Fallback>
+  </mc:AlternateContent>
+</p:sld>
+</file>
+
+<file path=ppt/slides/slide13.xml><?xml version="1.0" encoding="utf-8"?>
+<p:sld xmlns:a="http://schemas.openxmlformats.org/drawingml/2006/main" xmlns:r="http://schemas.openxmlformats.org/officeDocument/2006/relationships" xmlns:p="http://schemas.openxmlformats.org/presentationml/2006/main">
+  <p:cSld>
+    <p:spTree>
+      <p:nvGrpSpPr>
+        <p:cNvPr id="1" name=""/>
+        <p:cNvGrpSpPr/>
+        <p:nvPr/>
+      </p:nvGrpSpPr>
+      <p:grpSpPr>
+        <a:xfrm>
+          <a:off x="0" y="0"/>
+          <a:ext cx="0" cy="0"/>
+          <a:chOff x="0" y="0"/>
+          <a:chExt cx="0" cy="0"/>
+        </a:xfrm>
+      </p:grpSpPr>
+      <p:sp>
+        <p:nvSpPr>
+          <p:cNvPr id="2" name="Title 1"/>
+          <p:cNvSpPr>
+            <a:spLocks noGrp="1"/>
+          </p:cNvSpPr>
+          <p:nvPr>
+            <p:ph type="title"/>
+          </p:nvPr>
+        </p:nvSpPr>
+        <p:spPr/>
+        <p:txBody>
+          <a:bodyPr/>
+          <a:lstStyle/>
+          <a:p>
+            <a:r>
+              <a:rPr lang="en-GB" sz="4000" dirty="0"/>
               <a:t>Compilation Example</a:t>
             </a:r>
           </a:p>
@@ -11198,7 +11657,7 @@
 </p:sld>
 </file>
 
-<file path=ppt/slides/slide13.xml><?xml version="1.0" encoding="utf-8"?>
+<file path=ppt/slides/slide14.xml><?xml version="1.0" encoding="utf-8"?>
 <p:sld xmlns:a="http://schemas.openxmlformats.org/drawingml/2006/main" xmlns:r="http://schemas.openxmlformats.org/officeDocument/2006/relationships" xmlns:p="http://schemas.openxmlformats.org/presentationml/2006/main">
   <p:cSld>
     <p:spTree>
@@ -11697,291 +12156,6 @@
 </p:sld>
 </file>
 
-<file path=ppt/slides/slide14.xml><?xml version="1.0" encoding="utf-8"?>
-<p:sld xmlns:a="http://schemas.openxmlformats.org/drawingml/2006/main" xmlns:r="http://schemas.openxmlformats.org/officeDocument/2006/relationships" xmlns:p="http://schemas.openxmlformats.org/presentationml/2006/main">
-  <p:cSld>
-    <p:spTree>
-      <p:nvGrpSpPr>
-        <p:cNvPr id="1" name=""/>
-        <p:cNvGrpSpPr/>
-        <p:nvPr/>
-      </p:nvGrpSpPr>
-      <p:grpSpPr>
-        <a:xfrm>
-          <a:off x="0" y="0"/>
-          <a:ext cx="0" cy="0"/>
-          <a:chOff x="0" y="0"/>
-          <a:chExt cx="0" cy="0"/>
-        </a:xfrm>
-      </p:grpSpPr>
-      <p:sp>
-        <p:nvSpPr>
-          <p:cNvPr id="2" name="Title 1"/>
-          <p:cNvSpPr>
-            <a:spLocks noGrp="1"/>
-          </p:cNvSpPr>
-          <p:nvPr>
-            <p:ph type="title"/>
-          </p:nvPr>
-        </p:nvSpPr>
-        <p:spPr/>
-        <p:txBody>
-          <a:bodyPr/>
-          <a:lstStyle/>
-          <a:p>
-            <a:r>
-              <a:rPr lang="en-GB" sz="4000" dirty="0"/>
-              <a:t>My First Program</a:t>
-            </a:r>
-          </a:p>
-        </p:txBody>
-      </p:sp>
-      <p:sp>
-        <p:nvSpPr>
-          <p:cNvPr id="3" name="Content Placeholder 2"/>
-          <p:cNvSpPr>
-            <a:spLocks noGrp="1"/>
-          </p:cNvSpPr>
-          <p:nvPr>
-            <p:ph idx="1"/>
-          </p:nvPr>
-        </p:nvSpPr>
-        <p:spPr>
-          <a:xfrm>
-            <a:off x="457200" y="1600200"/>
-            <a:ext cx="8435280" cy="4876800"/>
-          </a:xfrm>
-        </p:spPr>
-        <p:txBody>
-          <a:bodyPr>
-            <a:normAutofit/>
-          </a:bodyPr>
-          <a:lstStyle/>
-          <a:p>
-            <a:pPr marL="0" indent="0">
-              <a:buNone/>
-            </a:pPr>
-            <a:r>
-              <a:rPr lang="en-GB" sz="3000" dirty="0">
-                <a:solidFill>
-                  <a:schemeClr val="accent1"/>
-                </a:solidFill>
-              </a:rPr>
-              <a:t>program</a:t>
-            </a:r>
-            <a:r>
-              <a:rPr lang="en-GB" sz="3000" dirty="0"/>
-              <a:t> </a:t>
-            </a:r>
-            <a:r>
-              <a:rPr lang="en-GB" sz="3000" dirty="0" err="1"/>
-              <a:t>program_name</a:t>
-            </a:r>
-            <a:endParaRPr lang="en-GB" sz="3000" dirty="0"/>
-          </a:p>
-          <a:p>
-            <a:pPr marL="0" indent="0">
-              <a:buNone/>
-            </a:pPr>
-            <a:endParaRPr lang="en-GB" sz="3000" dirty="0"/>
-          </a:p>
-          <a:p>
-            <a:pPr marL="0" indent="0">
-              <a:buNone/>
-            </a:pPr>
-            <a:r>
-              <a:rPr lang="en-GB" sz="3000" dirty="0"/>
-              <a:t>	</a:t>
-            </a:r>
-            <a:r>
-              <a:rPr lang="en-GB" sz="3000" dirty="0">
-                <a:solidFill>
-                  <a:schemeClr val="accent6"/>
-                </a:solidFill>
-              </a:rPr>
-              <a:t>!This is a comment</a:t>
-            </a:r>
-          </a:p>
-          <a:p>
-            <a:pPr marL="0" indent="0">
-              <a:buNone/>
-            </a:pPr>
-            <a:endParaRPr lang="en-GB" sz="3000" dirty="0"/>
-          </a:p>
-          <a:p>
-            <a:pPr marL="0" indent="0">
-              <a:buNone/>
-            </a:pPr>
-            <a:r>
-              <a:rPr lang="en-GB" sz="3000" dirty="0"/>
-              <a:t>	</a:t>
-            </a:r>
-            <a:r>
-              <a:rPr lang="en-GB" sz="3000" dirty="0">
-                <a:solidFill>
-                  <a:schemeClr val="accent1"/>
-                </a:solidFill>
-              </a:rPr>
-              <a:t>print*</a:t>
-            </a:r>
-            <a:r>
-              <a:rPr lang="en-GB" sz="3000" dirty="0"/>
-              <a:t>,</a:t>
-            </a:r>
-            <a:r>
-              <a:rPr lang="en-GB" sz="3000" dirty="0">
-                <a:solidFill>
-                  <a:schemeClr val="accent1"/>
-                </a:solidFill>
-              </a:rPr>
-              <a:t> </a:t>
-            </a:r>
-            <a:r>
-              <a:rPr lang="en-GB" sz="3000" dirty="0">
-                <a:solidFill>
-                  <a:schemeClr val="accent4"/>
-                </a:solidFill>
-              </a:rPr>
-              <a:t>“Hello world” </a:t>
-            </a:r>
-            <a:r>
-              <a:rPr lang="en-GB" sz="3000" dirty="0">
-                <a:solidFill>
-                  <a:schemeClr val="accent6"/>
-                </a:solidFill>
-              </a:rPr>
-              <a:t>!I’ve just printed something!</a:t>
-            </a:r>
-          </a:p>
-          <a:p>
-            <a:pPr marL="0" indent="0">
-              <a:buNone/>
-            </a:pPr>
-            <a:endParaRPr lang="en-GB" sz="3000" dirty="0"/>
-          </a:p>
-          <a:p>
-            <a:pPr marL="0" indent="0">
-              <a:buNone/>
-            </a:pPr>
-            <a:r>
-              <a:rPr lang="en-GB" sz="3000" dirty="0">
-                <a:solidFill>
-                  <a:schemeClr val="accent1"/>
-                </a:solidFill>
-              </a:rPr>
-              <a:t>end program</a:t>
-            </a:r>
-            <a:r>
-              <a:rPr lang="en-GB" sz="3000" dirty="0"/>
-              <a:t> </a:t>
-            </a:r>
-            <a:r>
-              <a:rPr lang="en-GB" sz="3000" dirty="0" err="1"/>
-              <a:t>program_name</a:t>
-            </a:r>
-            <a:endParaRPr lang="en-GB" sz="3000" dirty="0"/>
-          </a:p>
-        </p:txBody>
-      </p:sp>
-      <p:sp>
-        <p:nvSpPr>
-          <p:cNvPr id="4" name="TextBox 3">
-            <a:extLst>
-              <a:ext uri="{FF2B5EF4-FFF2-40B4-BE49-F238E27FC236}">
-                <a16:creationId xmlns:a16="http://schemas.microsoft.com/office/drawing/2014/main" id="{A272A5A3-411E-4E84-948A-CB0C12587FD5}"/>
-              </a:ext>
-            </a:extLst>
-          </p:cNvPr>
-          <p:cNvSpPr txBox="1"/>
-          <p:nvPr/>
-        </p:nvSpPr>
-        <p:spPr>
-          <a:xfrm>
-            <a:off x="5728138" y="6498021"/>
-            <a:ext cx="1765738" cy="369332"/>
-          </a:xfrm>
-          <a:prstGeom prst="rect">
-            <a:avLst/>
-          </a:prstGeom>
-          <a:noFill/>
-        </p:spPr>
-        <p:txBody>
-          <a:bodyPr wrap="square" rtlCol="0">
-            <a:spAutoFit/>
-          </a:bodyPr>
-          <a:lstStyle/>
-          <a:p>
-            <a:r>
-              <a:rPr lang="en-GB" dirty="0">
-                <a:solidFill>
-                  <a:schemeClr val="accent1"/>
-                </a:solidFill>
-              </a:rPr>
-              <a:t>Demonstration</a:t>
-            </a:r>
-          </a:p>
-        </p:txBody>
-      </p:sp>
-      <p:sp>
-        <p:nvSpPr>
-          <p:cNvPr id="5" name="TextBox 4">
-            <a:extLst>
-              <a:ext uri="{FF2B5EF4-FFF2-40B4-BE49-F238E27FC236}">
-                <a16:creationId xmlns:a16="http://schemas.microsoft.com/office/drawing/2014/main" id="{DA57C239-F00E-48FE-95D5-C42BA114537F}"/>
-              </a:ext>
-            </a:extLst>
-          </p:cNvPr>
-          <p:cNvSpPr txBox="1"/>
-          <p:nvPr/>
-        </p:nvSpPr>
-        <p:spPr>
-          <a:xfrm>
-            <a:off x="7357241" y="6498021"/>
-            <a:ext cx="1697422" cy="369332"/>
-          </a:xfrm>
-          <a:prstGeom prst="rect">
-            <a:avLst/>
-          </a:prstGeom>
-          <a:noFill/>
-        </p:spPr>
-        <p:txBody>
-          <a:bodyPr wrap="square" rtlCol="0">
-            <a:spAutoFit/>
-          </a:bodyPr>
-          <a:lstStyle/>
-          <a:p>
-            <a:r>
-              <a:rPr lang="en-GB" dirty="0">
-                <a:solidFill>
-                  <a:schemeClr val="accent2"/>
-                </a:solidFill>
-              </a:rPr>
-              <a:t>Problem Sheet</a:t>
-            </a:r>
-          </a:p>
-        </p:txBody>
-      </p:sp>
-    </p:spTree>
-    <p:extLst>
-      <p:ext uri="{BB962C8B-B14F-4D97-AF65-F5344CB8AC3E}">
-        <p14:creationId xmlns:p14="http://schemas.microsoft.com/office/powerpoint/2010/main" val="746547034"/>
-      </p:ext>
-    </p:extLst>
-  </p:cSld>
-  <p:clrMapOvr>
-    <a:masterClrMapping/>
-  </p:clrMapOvr>
-  <mc:AlternateContent xmlns:mc="http://schemas.openxmlformats.org/markup-compatibility/2006" xmlns:p14="http://schemas.microsoft.com/office/powerpoint/2010/main">
-    <mc:Choice Requires="p14">
-      <p:transition p14:dur="10"/>
-    </mc:Choice>
-    <mc:Fallback xmlns="">
-      <p:transition/>
-    </mc:Fallback>
-  </mc:AlternateContent>
-</p:sld>
-</file>
-
 <file path=ppt/slides/slide15.xml><?xml version="1.0" encoding="utf-8"?>
 <p:sld xmlns:a="http://schemas.openxmlformats.org/drawingml/2006/main" xmlns:r="http://schemas.openxmlformats.org/officeDocument/2006/relationships" xmlns:p="http://schemas.openxmlformats.org/presentationml/2006/main">
   <p:cSld>
@@ -12016,7 +12190,7 @@
           <a:p>
             <a:r>
               <a:rPr lang="en-GB" sz="4000" dirty="0"/>
-              <a:t>Variables</a:t>
+              <a:t>My First Program</a:t>
             </a:r>
           </a:p>
         </p:txBody>
@@ -12039,45 +12213,209 @@
         </p:spPr>
         <p:txBody>
           <a:bodyPr>
-            <a:normAutofit fontScale="92500"/>
+            <a:normAutofit/>
           </a:bodyPr>
           <a:lstStyle/>
           <a:p>
+            <a:pPr marL="0" indent="0">
+              <a:buNone/>
+            </a:pPr>
+            <a:r>
+              <a:rPr lang="en-GB" sz="3000" dirty="0">
+                <a:solidFill>
+                  <a:schemeClr val="accent1"/>
+                </a:solidFill>
+              </a:rPr>
+              <a:t>program</a:t>
+            </a:r>
             <a:r>
               <a:rPr lang="en-GB" sz="3000" dirty="0"/>
-              <a:t>Variables are stored pieces of information within your code</a:t>
-            </a:r>
-          </a:p>
-          <a:p>
+              <a:t> </a:t>
+            </a:r>
+            <a:r>
+              <a:rPr lang="en-GB" sz="3000" dirty="0" err="1"/>
+              <a:t>program_name</a:t>
+            </a:r>
+            <a:endParaRPr lang="en-GB" sz="3000" dirty="0"/>
+          </a:p>
+          <a:p>
+            <a:pPr marL="0" indent="0">
+              <a:buNone/>
+            </a:pPr>
+            <a:endParaRPr lang="en-GB" sz="3000" dirty="0"/>
+          </a:p>
+          <a:p>
+            <a:pPr marL="0" indent="0">
+              <a:buNone/>
+            </a:pPr>
             <a:r>
               <a:rPr lang="en-GB" sz="3000" dirty="0"/>
-              <a:t>A variable has a label called the “variable name”</a:t>
-            </a:r>
-          </a:p>
-          <a:p>
+              <a:t>	</a:t>
+            </a:r>
+            <a:r>
+              <a:rPr lang="en-GB" sz="3000" dirty="0">
+                <a:solidFill>
+                  <a:schemeClr val="accent6"/>
+                </a:solidFill>
+              </a:rPr>
+              <a:t>!This is a comment</a:t>
+            </a:r>
+          </a:p>
+          <a:p>
+            <a:pPr marL="0" indent="0">
+              <a:buNone/>
+            </a:pPr>
+            <a:endParaRPr lang="en-GB" sz="3000" dirty="0"/>
+          </a:p>
+          <a:p>
+            <a:pPr marL="0" indent="0">
+              <a:buNone/>
+            </a:pPr>
             <a:r>
               <a:rPr lang="en-GB" sz="3000" dirty="0"/>
-              <a:t>Using the variable name, it is possible to assign a new value to a variable, or use the value stored in the variable for a calculation</a:t>
-            </a:r>
-          </a:p>
-          <a:p>
+              <a:t>	</a:t>
+            </a:r>
+            <a:r>
+              <a:rPr lang="en-GB" sz="3000" dirty="0">
+                <a:solidFill>
+                  <a:schemeClr val="accent1"/>
+                </a:solidFill>
+              </a:rPr>
+              <a:t>print*</a:t>
+            </a:r>
             <a:r>
               <a:rPr lang="en-GB" sz="3000" dirty="0"/>
-              <a:t>In Fortran, you must “declare” a variable before using it</a:t>
-            </a:r>
-          </a:p>
-          <a:p>
-            <a:pPr lvl="1"/>
-            <a:r>
-              <a:rPr lang="en-GB" sz="2600" dirty="0"/>
-              <a:t>Defines the name</a:t>
-            </a:r>
-          </a:p>
-          <a:p>
-            <a:pPr lvl="1"/>
-            <a:r>
-              <a:rPr lang="en-GB" sz="2600" dirty="0"/>
-              <a:t>Defines the type of value it may hold </a:t>
+              <a:t>,</a:t>
+            </a:r>
+            <a:r>
+              <a:rPr lang="en-GB" sz="3000" dirty="0">
+                <a:solidFill>
+                  <a:schemeClr val="accent1"/>
+                </a:solidFill>
+              </a:rPr>
+              <a:t> </a:t>
+            </a:r>
+            <a:r>
+              <a:rPr lang="en-GB" sz="3000" dirty="0">
+                <a:solidFill>
+                  <a:schemeClr val="accent4"/>
+                </a:solidFill>
+              </a:rPr>
+              <a:t>“Hello world” </a:t>
+            </a:r>
+            <a:r>
+              <a:rPr lang="en-GB" sz="3000" dirty="0">
+                <a:solidFill>
+                  <a:schemeClr val="accent6"/>
+                </a:solidFill>
+              </a:rPr>
+              <a:t>!I’ve just printed something!</a:t>
+            </a:r>
+          </a:p>
+          <a:p>
+            <a:pPr marL="0" indent="0">
+              <a:buNone/>
+            </a:pPr>
+            <a:endParaRPr lang="en-GB" sz="3000" dirty="0"/>
+          </a:p>
+          <a:p>
+            <a:pPr marL="0" indent="0">
+              <a:buNone/>
+            </a:pPr>
+            <a:r>
+              <a:rPr lang="en-GB" sz="3000" dirty="0">
+                <a:solidFill>
+                  <a:schemeClr val="accent1"/>
+                </a:solidFill>
+              </a:rPr>
+              <a:t>end program</a:t>
+            </a:r>
+            <a:r>
+              <a:rPr lang="en-GB" sz="3000" dirty="0"/>
+              <a:t> </a:t>
+            </a:r>
+            <a:r>
+              <a:rPr lang="en-GB" sz="3000" dirty="0" err="1"/>
+              <a:t>program_name</a:t>
+            </a:r>
+            <a:endParaRPr lang="en-GB" sz="3000" dirty="0"/>
+          </a:p>
+        </p:txBody>
+      </p:sp>
+      <p:sp>
+        <p:nvSpPr>
+          <p:cNvPr id="4" name="TextBox 3">
+            <a:extLst>
+              <a:ext uri="{FF2B5EF4-FFF2-40B4-BE49-F238E27FC236}">
+                <a16:creationId xmlns:a16="http://schemas.microsoft.com/office/drawing/2014/main" id="{A272A5A3-411E-4E84-948A-CB0C12587FD5}"/>
+              </a:ext>
+            </a:extLst>
+          </p:cNvPr>
+          <p:cNvSpPr txBox="1"/>
+          <p:nvPr/>
+        </p:nvSpPr>
+        <p:spPr>
+          <a:xfrm>
+            <a:off x="5728138" y="6498021"/>
+            <a:ext cx="1765738" cy="369332"/>
+          </a:xfrm>
+          <a:prstGeom prst="rect">
+            <a:avLst/>
+          </a:prstGeom>
+          <a:noFill/>
+        </p:spPr>
+        <p:txBody>
+          <a:bodyPr wrap="square" rtlCol="0">
+            <a:spAutoFit/>
+          </a:bodyPr>
+          <a:lstStyle/>
+          <a:p>
+            <a:r>
+              <a:rPr lang="en-GB" dirty="0">
+                <a:solidFill>
+                  <a:schemeClr val="accent1"/>
+                </a:solidFill>
+              </a:rPr>
+              <a:t>Demonstration</a:t>
+            </a:r>
+          </a:p>
+        </p:txBody>
+      </p:sp>
+      <p:sp>
+        <p:nvSpPr>
+          <p:cNvPr id="5" name="TextBox 4">
+            <a:extLst>
+              <a:ext uri="{FF2B5EF4-FFF2-40B4-BE49-F238E27FC236}">
+                <a16:creationId xmlns:a16="http://schemas.microsoft.com/office/drawing/2014/main" id="{DA57C239-F00E-48FE-95D5-C42BA114537F}"/>
+              </a:ext>
+            </a:extLst>
+          </p:cNvPr>
+          <p:cNvSpPr txBox="1"/>
+          <p:nvPr/>
+        </p:nvSpPr>
+        <p:spPr>
+          <a:xfrm>
+            <a:off x="7357241" y="6498021"/>
+            <a:ext cx="1697422" cy="369332"/>
+          </a:xfrm>
+          <a:prstGeom prst="rect">
+            <a:avLst/>
+          </a:prstGeom>
+          <a:noFill/>
+        </p:spPr>
+        <p:txBody>
+          <a:bodyPr wrap="square" rtlCol="0">
+            <a:spAutoFit/>
+          </a:bodyPr>
+          <a:lstStyle/>
+          <a:p>
+            <a:r>
+              <a:rPr lang="en-GB" dirty="0">
+                <a:solidFill>
+                  <a:schemeClr val="accent2"/>
+                </a:solidFill>
+              </a:rPr>
+              <a:t>Problem Sheet</a:t>
             </a:r>
           </a:p>
         </p:txBody>
@@ -12085,7 +12423,7 @@
     </p:spTree>
     <p:extLst>
       <p:ext uri="{BB962C8B-B14F-4D97-AF65-F5344CB8AC3E}">
-        <p14:creationId xmlns:p14="http://schemas.microsoft.com/office/powerpoint/2010/main" val="3140181227"/>
+        <p14:creationId xmlns:p14="http://schemas.microsoft.com/office/powerpoint/2010/main" val="746547034"/>
       </p:ext>
     </p:extLst>
   </p:cSld>
@@ -12160,181 +12498,45 @@
         </p:spPr>
         <p:txBody>
           <a:bodyPr>
-            <a:normAutofit/>
+            <a:normAutofit fontScale="92500"/>
           </a:bodyPr>
           <a:lstStyle/>
           <a:p>
-            <a:pPr marL="0" indent="0">
-              <a:buNone/>
-            </a:pPr>
-            <a:r>
-              <a:rPr lang="en-GB" dirty="0">
-                <a:solidFill>
-                  <a:schemeClr val="accent5"/>
-                </a:solidFill>
-              </a:rPr>
-              <a:t>integer </a:t>
-            </a:r>
-            <a:r>
-              <a:rPr lang="en-GB" dirty="0"/>
-              <a:t>					::  int1, int2, int3</a:t>
-            </a:r>
-          </a:p>
-          <a:p>
-            <a:pPr marL="0" indent="0">
-              <a:buNone/>
-            </a:pPr>
-            <a:r>
-              <a:rPr lang="en-GB" dirty="0">
-                <a:solidFill>
-                  <a:schemeClr val="accent5"/>
-                </a:solidFill>
-              </a:rPr>
-              <a:t>real</a:t>
-            </a:r>
-            <a:r>
-              <a:rPr lang="en-GB" dirty="0"/>
-              <a:t>    					::  real1</a:t>
-            </a:r>
-          </a:p>
-          <a:p>
-            <a:pPr marL="0" indent="0">
-              <a:buNone/>
-            </a:pPr>
-            <a:r>
-              <a:rPr lang="en-GB" dirty="0">
-                <a:solidFill>
-                  <a:schemeClr val="accent5"/>
-                </a:solidFill>
-              </a:rPr>
-              <a:t>real </a:t>
-            </a:r>
-            <a:r>
-              <a:rPr lang="en-GB" dirty="0"/>
-              <a:t>   					::  real2</a:t>
-            </a:r>
-          </a:p>
-          <a:p>
-            <a:pPr marL="0" indent="0">
-              <a:buNone/>
-            </a:pPr>
-            <a:r>
-              <a:rPr lang="en-GB" dirty="0">
-                <a:solidFill>
-                  <a:schemeClr val="accent5"/>
-                </a:solidFill>
-              </a:rPr>
-              <a:t>character</a:t>
-            </a:r>
-            <a:r>
-              <a:rPr lang="en-GB" dirty="0"/>
-              <a:t>(</a:t>
-            </a:r>
-            <a:r>
-              <a:rPr lang="en-GB" dirty="0">
-                <a:solidFill>
-                  <a:schemeClr val="accent2"/>
-                </a:solidFill>
-              </a:rPr>
-              <a:t>100</a:t>
-            </a:r>
-            <a:r>
-              <a:rPr lang="en-GB" dirty="0"/>
-              <a:t>)  	::  char1, char2</a:t>
-            </a:r>
-          </a:p>
-          <a:p>
-            <a:pPr marL="0" indent="0">
-              <a:buNone/>
-            </a:pPr>
-            <a:endParaRPr lang="en-GB" dirty="0"/>
-          </a:p>
-          <a:p>
-            <a:pPr marL="0" indent="0">
-              <a:buNone/>
-            </a:pPr>
-            <a:r>
-              <a:rPr lang="en-GB" dirty="0"/>
-              <a:t>int1=</a:t>
-            </a:r>
-            <a:r>
-              <a:rPr lang="en-GB" dirty="0">
-                <a:solidFill>
-                  <a:schemeClr val="accent2"/>
-                </a:solidFill>
-              </a:rPr>
-              <a:t>1</a:t>
-            </a:r>
-          </a:p>
-          <a:p>
-            <a:pPr marL="0" indent="0">
-              <a:buNone/>
-            </a:pPr>
-            <a:r>
-              <a:rPr lang="en-GB" dirty="0"/>
-              <a:t>int2=</a:t>
-            </a:r>
-            <a:r>
-              <a:rPr lang="en-GB" dirty="0">
-                <a:solidFill>
-                  <a:schemeClr val="accent2"/>
-                </a:solidFill>
-              </a:rPr>
-              <a:t>3</a:t>
-            </a:r>
-          </a:p>
-          <a:p>
-            <a:pPr marL="0" indent="0">
-              <a:buNone/>
-            </a:pPr>
-            <a:r>
-              <a:rPr lang="en-GB" dirty="0"/>
-              <a:t>int3=int1+int2</a:t>
-            </a:r>
-          </a:p>
-          <a:p>
-            <a:pPr marL="0" indent="0">
-              <a:buNone/>
-            </a:pPr>
-            <a:endParaRPr lang="en-GB" dirty="0"/>
-          </a:p>
-        </p:txBody>
-      </p:sp>
-      <p:sp>
-        <p:nvSpPr>
-          <p:cNvPr id="4" name="TextBox 3">
-            <a:extLst>
-              <a:ext uri="{FF2B5EF4-FFF2-40B4-BE49-F238E27FC236}">
-                <a16:creationId xmlns:a16="http://schemas.microsoft.com/office/drawing/2014/main" id="{BC5FB365-6269-4987-AD2B-497FC6B31569}"/>
-              </a:ext>
-            </a:extLst>
-          </p:cNvPr>
-          <p:cNvSpPr txBox="1"/>
-          <p:nvPr/>
-        </p:nvSpPr>
-        <p:spPr>
-          <a:xfrm>
-            <a:off x="5728138" y="6498021"/>
-            <a:ext cx="1765738" cy="369332"/>
-          </a:xfrm>
-          <a:prstGeom prst="rect">
-            <a:avLst/>
-          </a:prstGeom>
-          <a:noFill/>
-        </p:spPr>
-        <p:txBody>
-          <a:bodyPr wrap="square" rtlCol="0">
-            <a:spAutoFit/>
-          </a:bodyPr>
-          <a:lstStyle/>
-          <a:p>
-            <a:r>
-              <a:rPr lang="en-GB" dirty="0">
-                <a:solidFill>
-                  <a:schemeClr val="accent1"/>
-                </a:solidFill>
-              </a:rPr>
-              <a:t>Demonstration</a:t>
+            <a:r>
+              <a:rPr lang="en-GB" sz="3000" dirty="0"/>
+              <a:t>Variables are stored pieces of information within your code</a:t>
+            </a:r>
+          </a:p>
+          <a:p>
+            <a:r>
+              <a:rPr lang="en-GB" sz="3000" dirty="0"/>
+              <a:t>A variable has a label called the “variable name”</a:t>
+            </a:r>
+          </a:p>
+          <a:p>
+            <a:r>
+              <a:rPr lang="en-GB" sz="3000" dirty="0"/>
+              <a:t>Using the variable name, it is possible to assign a new value to a variable, or use the value stored in the variable for a calculation</a:t>
+            </a:r>
+          </a:p>
+          <a:p>
+            <a:r>
+              <a:rPr lang="en-GB" sz="3000" dirty="0"/>
+              <a:t>In Fortran, you must “declare” a variable before using it</a:t>
+            </a:r>
+          </a:p>
+          <a:p>
+            <a:pPr lvl="1"/>
+            <a:r>
+              <a:rPr lang="en-GB" sz="2600" dirty="0"/>
+              <a:t>Defines the name</a:t>
+            </a:r>
+          </a:p>
+          <a:p>
+            <a:pPr lvl="1"/>
+            <a:r>
+              <a:rPr lang="en-GB" sz="2600" dirty="0"/>
+              <a:t>Defines the type of value it may hold </a:t>
             </a:r>
           </a:p>
         </p:txBody>
@@ -12342,7 +12544,7 @@
     </p:spTree>
     <p:extLst>
       <p:ext uri="{BB962C8B-B14F-4D97-AF65-F5344CB8AC3E}">
-        <p14:creationId xmlns:p14="http://schemas.microsoft.com/office/powerpoint/2010/main" val="2454815734"/>
+        <p14:creationId xmlns:p14="http://schemas.microsoft.com/office/powerpoint/2010/main" val="3140181227"/>
       </p:ext>
     </p:extLst>
   </p:cSld>
@@ -12394,7 +12596,7 @@
           <a:p>
             <a:r>
               <a:rPr lang="en-GB" sz="4000" dirty="0"/>
-              <a:t>Variable Naming Rules</a:t>
+              <a:t>Variables</a:t>
             </a:r>
           </a:p>
         </p:txBody>
@@ -12417,51 +12619,181 @@
         </p:spPr>
         <p:txBody>
           <a:bodyPr>
-            <a:normAutofit lnSpcReduction="10000"/>
+            <a:normAutofit/>
           </a:bodyPr>
           <a:lstStyle/>
           <a:p>
-            <a:r>
-              <a:rPr lang="en-GB" sz="3000" dirty="0"/>
-              <a:t>Must start with a letter</a:t>
-            </a:r>
-          </a:p>
-          <a:p>
-            <a:r>
-              <a:rPr lang="en-GB" sz="3000" dirty="0"/>
-              <a:t>Must contain only letters, numbers and underscores</a:t>
-            </a:r>
-          </a:p>
-          <a:p>
-            <a:r>
-              <a:rPr lang="en-GB" sz="3000" dirty="0"/>
-              <a:t>Case-insensitive</a:t>
-            </a:r>
-          </a:p>
-          <a:p>
-            <a:r>
-              <a:rPr lang="en-GB" sz="3000" dirty="0"/>
-              <a:t>Must be 31 characters or less</a:t>
-            </a:r>
-          </a:p>
-          <a:p>
-            <a:r>
-              <a:rPr lang="en-GB" sz="3000" dirty="0"/>
-              <a:t>By default, variables will be assumed to have a particular type if they haven’t been declared</a:t>
-            </a:r>
-          </a:p>
-          <a:p>
-            <a:pPr lvl="1"/>
-            <a:r>
-              <a:rPr lang="en-GB" sz="2600" dirty="0"/>
-              <a:t>A bad idea</a:t>
-            </a:r>
-          </a:p>
-          <a:p>
-            <a:pPr lvl="1"/>
-            <a:r>
-              <a:rPr lang="en-GB" sz="2600" dirty="0"/>
-              <a:t>Can be suppressed by writing “implicit none” at the top of the routine: do this every time</a:t>
+            <a:pPr marL="0" indent="0">
+              <a:buNone/>
+            </a:pPr>
+            <a:r>
+              <a:rPr lang="en-GB" dirty="0">
+                <a:solidFill>
+                  <a:schemeClr val="accent5"/>
+                </a:solidFill>
+              </a:rPr>
+              <a:t>integer </a:t>
+            </a:r>
+            <a:r>
+              <a:rPr lang="en-GB" dirty="0"/>
+              <a:t>					::  int1, int2, int3</a:t>
+            </a:r>
+          </a:p>
+          <a:p>
+            <a:pPr marL="0" indent="0">
+              <a:buNone/>
+            </a:pPr>
+            <a:r>
+              <a:rPr lang="en-GB" dirty="0">
+                <a:solidFill>
+                  <a:schemeClr val="accent5"/>
+                </a:solidFill>
+              </a:rPr>
+              <a:t>real</a:t>
+            </a:r>
+            <a:r>
+              <a:rPr lang="en-GB" dirty="0"/>
+              <a:t>    					::  real1</a:t>
+            </a:r>
+          </a:p>
+          <a:p>
+            <a:pPr marL="0" indent="0">
+              <a:buNone/>
+            </a:pPr>
+            <a:r>
+              <a:rPr lang="en-GB" dirty="0">
+                <a:solidFill>
+                  <a:schemeClr val="accent5"/>
+                </a:solidFill>
+              </a:rPr>
+              <a:t>real </a:t>
+            </a:r>
+            <a:r>
+              <a:rPr lang="en-GB" dirty="0"/>
+              <a:t>   					::  real2</a:t>
+            </a:r>
+          </a:p>
+          <a:p>
+            <a:pPr marL="0" indent="0">
+              <a:buNone/>
+            </a:pPr>
+            <a:r>
+              <a:rPr lang="en-GB" dirty="0">
+                <a:solidFill>
+                  <a:schemeClr val="accent5"/>
+                </a:solidFill>
+              </a:rPr>
+              <a:t>character</a:t>
+            </a:r>
+            <a:r>
+              <a:rPr lang="en-GB" dirty="0"/>
+              <a:t>(</a:t>
+            </a:r>
+            <a:r>
+              <a:rPr lang="en-GB" dirty="0">
+                <a:solidFill>
+                  <a:schemeClr val="accent2"/>
+                </a:solidFill>
+              </a:rPr>
+              <a:t>100</a:t>
+            </a:r>
+            <a:r>
+              <a:rPr lang="en-GB" dirty="0"/>
+              <a:t>)  	::  char1, char2</a:t>
+            </a:r>
+          </a:p>
+          <a:p>
+            <a:pPr marL="0" indent="0">
+              <a:buNone/>
+            </a:pPr>
+            <a:endParaRPr lang="en-GB" dirty="0"/>
+          </a:p>
+          <a:p>
+            <a:pPr marL="0" indent="0">
+              <a:buNone/>
+            </a:pPr>
+            <a:r>
+              <a:rPr lang="en-GB" dirty="0"/>
+              <a:t>int1=</a:t>
+            </a:r>
+            <a:r>
+              <a:rPr lang="en-GB" dirty="0">
+                <a:solidFill>
+                  <a:schemeClr val="accent2"/>
+                </a:solidFill>
+              </a:rPr>
+              <a:t>1</a:t>
+            </a:r>
+          </a:p>
+          <a:p>
+            <a:pPr marL="0" indent="0">
+              <a:buNone/>
+            </a:pPr>
+            <a:r>
+              <a:rPr lang="en-GB" dirty="0"/>
+              <a:t>int2=</a:t>
+            </a:r>
+            <a:r>
+              <a:rPr lang="en-GB" dirty="0">
+                <a:solidFill>
+                  <a:schemeClr val="accent2"/>
+                </a:solidFill>
+              </a:rPr>
+              <a:t>3</a:t>
+            </a:r>
+          </a:p>
+          <a:p>
+            <a:pPr marL="0" indent="0">
+              <a:buNone/>
+            </a:pPr>
+            <a:r>
+              <a:rPr lang="en-GB" dirty="0"/>
+              <a:t>int3=int1+int2</a:t>
+            </a:r>
+          </a:p>
+          <a:p>
+            <a:pPr marL="0" indent="0">
+              <a:buNone/>
+            </a:pPr>
+            <a:endParaRPr lang="en-GB" dirty="0"/>
+          </a:p>
+        </p:txBody>
+      </p:sp>
+      <p:sp>
+        <p:nvSpPr>
+          <p:cNvPr id="4" name="TextBox 3">
+            <a:extLst>
+              <a:ext uri="{FF2B5EF4-FFF2-40B4-BE49-F238E27FC236}">
+                <a16:creationId xmlns:a16="http://schemas.microsoft.com/office/drawing/2014/main" id="{BC5FB365-6269-4987-AD2B-497FC6B31569}"/>
+              </a:ext>
+            </a:extLst>
+          </p:cNvPr>
+          <p:cNvSpPr txBox="1"/>
+          <p:nvPr/>
+        </p:nvSpPr>
+        <p:spPr>
+          <a:xfrm>
+            <a:off x="5728138" y="6498021"/>
+            <a:ext cx="1765738" cy="369332"/>
+          </a:xfrm>
+          <a:prstGeom prst="rect">
+            <a:avLst/>
+          </a:prstGeom>
+          <a:noFill/>
+        </p:spPr>
+        <p:txBody>
+          <a:bodyPr wrap="square" rtlCol="0">
+            <a:spAutoFit/>
+          </a:bodyPr>
+          <a:lstStyle/>
+          <a:p>
+            <a:r>
+              <a:rPr lang="en-GB" dirty="0">
+                <a:solidFill>
+                  <a:schemeClr val="accent1"/>
+                </a:solidFill>
+              </a:rPr>
+              <a:t>Demonstration</a:t>
             </a:r>
           </a:p>
         </p:txBody>
@@ -12469,7 +12801,7 @@
     </p:spTree>
     <p:extLst>
       <p:ext uri="{BB962C8B-B14F-4D97-AF65-F5344CB8AC3E}">
-        <p14:creationId xmlns:p14="http://schemas.microsoft.com/office/powerpoint/2010/main" val="2849987525"/>
+        <p14:creationId xmlns:p14="http://schemas.microsoft.com/office/powerpoint/2010/main" val="2454815734"/>
       </p:ext>
     </p:extLst>
   </p:cSld>
@@ -12521,6 +12853,133 @@
           <a:p>
             <a:r>
               <a:rPr lang="en-GB" sz="4000" dirty="0"/>
+              <a:t>Variable Naming Rules</a:t>
+            </a:r>
+          </a:p>
+        </p:txBody>
+      </p:sp>
+      <p:sp>
+        <p:nvSpPr>
+          <p:cNvPr id="3" name="Content Placeholder 2"/>
+          <p:cNvSpPr>
+            <a:spLocks noGrp="1"/>
+          </p:cNvSpPr>
+          <p:nvPr>
+            <p:ph idx="1"/>
+          </p:nvPr>
+        </p:nvSpPr>
+        <p:spPr>
+          <a:xfrm>
+            <a:off x="457200" y="1600200"/>
+            <a:ext cx="8435280" cy="4876800"/>
+          </a:xfrm>
+        </p:spPr>
+        <p:txBody>
+          <a:bodyPr>
+            <a:normAutofit lnSpcReduction="10000"/>
+          </a:bodyPr>
+          <a:lstStyle/>
+          <a:p>
+            <a:r>
+              <a:rPr lang="en-GB" sz="3000" dirty="0"/>
+              <a:t>Must start with a letter</a:t>
+            </a:r>
+          </a:p>
+          <a:p>
+            <a:r>
+              <a:rPr lang="en-GB" sz="3000" dirty="0"/>
+              <a:t>Must contain only letters, numbers and underscores</a:t>
+            </a:r>
+          </a:p>
+          <a:p>
+            <a:r>
+              <a:rPr lang="en-GB" sz="3000" dirty="0"/>
+              <a:t>Case-insensitive</a:t>
+            </a:r>
+          </a:p>
+          <a:p>
+            <a:r>
+              <a:rPr lang="en-GB" sz="3000" dirty="0"/>
+              <a:t>Must be 31 characters or less</a:t>
+            </a:r>
+          </a:p>
+          <a:p>
+            <a:r>
+              <a:rPr lang="en-GB" sz="3000" dirty="0"/>
+              <a:t>By default, variables will be assumed to have a particular type if they haven’t been declared</a:t>
+            </a:r>
+          </a:p>
+          <a:p>
+            <a:pPr lvl="1"/>
+            <a:r>
+              <a:rPr lang="en-GB" sz="2600" dirty="0"/>
+              <a:t>A bad idea</a:t>
+            </a:r>
+          </a:p>
+          <a:p>
+            <a:pPr lvl="1"/>
+            <a:r>
+              <a:rPr lang="en-GB" sz="2600" dirty="0"/>
+              <a:t>Can be suppressed by writing “implicit none” at the top of the routine: do this every time</a:t>
+            </a:r>
+          </a:p>
+        </p:txBody>
+      </p:sp>
+    </p:spTree>
+    <p:extLst>
+      <p:ext uri="{BB962C8B-B14F-4D97-AF65-F5344CB8AC3E}">
+        <p14:creationId xmlns:p14="http://schemas.microsoft.com/office/powerpoint/2010/main" val="2849987525"/>
+      </p:ext>
+    </p:extLst>
+  </p:cSld>
+  <p:clrMapOvr>
+    <a:masterClrMapping/>
+  </p:clrMapOvr>
+  <mc:AlternateContent xmlns:mc="http://schemas.openxmlformats.org/markup-compatibility/2006" xmlns:p14="http://schemas.microsoft.com/office/powerpoint/2010/main">
+    <mc:Choice Requires="p14">
+      <p:transition p14:dur="10"/>
+    </mc:Choice>
+    <mc:Fallback xmlns="">
+      <p:transition/>
+    </mc:Fallback>
+  </mc:AlternateContent>
+</p:sld>
+</file>
+
+<file path=ppt/slides/slide19.xml><?xml version="1.0" encoding="utf-8"?>
+<p:sld xmlns:a="http://schemas.openxmlformats.org/drawingml/2006/main" xmlns:r="http://schemas.openxmlformats.org/officeDocument/2006/relationships" xmlns:p="http://schemas.openxmlformats.org/presentationml/2006/main">
+  <p:cSld>
+    <p:spTree>
+      <p:nvGrpSpPr>
+        <p:cNvPr id="1" name=""/>
+        <p:cNvGrpSpPr/>
+        <p:nvPr/>
+      </p:nvGrpSpPr>
+      <p:grpSpPr>
+        <a:xfrm>
+          <a:off x="0" y="0"/>
+          <a:ext cx="0" cy="0"/>
+          <a:chOff x="0" y="0"/>
+          <a:chExt cx="0" cy="0"/>
+        </a:xfrm>
+      </p:grpSpPr>
+      <p:sp>
+        <p:nvSpPr>
+          <p:cNvPr id="2" name="Title 1"/>
+          <p:cNvSpPr>
+            <a:spLocks noGrp="1"/>
+          </p:cNvSpPr>
+          <p:nvPr>
+            <p:ph type="title"/>
+          </p:nvPr>
+        </p:nvSpPr>
+        <p:spPr/>
+        <p:txBody>
+          <a:bodyPr/>
+          <a:lstStyle/>
+          <a:p>
+            <a:r>
+              <a:rPr lang="en-GB" sz="4000" dirty="0"/>
               <a:t>Assignment</a:t>
             </a:r>
           </a:p>
@@ -12621,7 +13080,133 @@
 </p:sld>
 </file>
 
-<file path=ppt/slides/slide19.xml><?xml version="1.0" encoding="utf-8"?>
+<file path=ppt/slides/slide2.xml><?xml version="1.0" encoding="utf-8"?>
+<p:sld xmlns:a="http://schemas.openxmlformats.org/drawingml/2006/main" xmlns:r="http://schemas.openxmlformats.org/officeDocument/2006/relationships" xmlns:p="http://schemas.openxmlformats.org/presentationml/2006/main">
+  <p:cSld>
+    <p:spTree>
+      <p:nvGrpSpPr>
+        <p:cNvPr id="1" name=""/>
+        <p:cNvGrpSpPr/>
+        <p:nvPr/>
+      </p:nvGrpSpPr>
+      <p:grpSpPr>
+        <a:xfrm>
+          <a:off x="0" y="0"/>
+          <a:ext cx="0" cy="0"/>
+          <a:chOff x="0" y="0"/>
+          <a:chExt cx="0" cy="0"/>
+        </a:xfrm>
+      </p:grpSpPr>
+      <p:sp>
+        <p:nvSpPr>
+          <p:cNvPr id="2" name="Title 1"/>
+          <p:cNvSpPr>
+            <a:spLocks noGrp="1"/>
+          </p:cNvSpPr>
+          <p:nvPr>
+            <p:ph type="title"/>
+          </p:nvPr>
+        </p:nvSpPr>
+        <p:spPr>
+          <a:xfrm>
+            <a:off x="401319" y="1431416"/>
+            <a:ext cx="8388117" cy="4549506"/>
+          </a:xfrm>
+        </p:spPr>
+        <p:txBody>
+          <a:bodyPr/>
+          <a:lstStyle/>
+          <a:p>
+            <a:pPr algn="ctr"/>
+            <a:r>
+              <a:rPr lang="en-GB" sz="2800" u="sng" dirty="0"/>
+              <a:t>Important Information on Marking your Attendance on Inkpath</a:t>
+            </a:r>
+            <a:br>
+              <a:rPr lang="en-GB" sz="2800" u="sng" dirty="0"/>
+            </a:br>
+            <a:br>
+              <a:rPr lang="en-GB" sz="2800" u="sng" dirty="0"/>
+            </a:br>
+            <a:br>
+              <a:rPr lang="en-GB" sz="2800" dirty="0"/>
+            </a:br>
+            <a:r>
+              <a:rPr lang="en-GB" sz="2800" dirty="0"/>
+              <a:t>After this course you will receive an email from the Graduate School administration team which will provide you with a QR code and instructions to mark your attendance at this course on Inkpath. </a:t>
+            </a:r>
+            <a:br>
+              <a:rPr lang="en-GB" sz="2800" dirty="0"/>
+            </a:br>
+            <a:br>
+              <a:rPr lang="en-GB" sz="2800" dirty="0"/>
+            </a:br>
+            <a:r>
+              <a:rPr lang="en-GB" sz="2800" dirty="0"/>
+              <a:t>Please </a:t>
+            </a:r>
+            <a:r>
+              <a:rPr lang="en-GB" sz="2800" u="sng" dirty="0"/>
+              <a:t>do not</a:t>
+            </a:r>
+            <a:r>
+              <a:rPr lang="en-GB" sz="2800" dirty="0"/>
+              <a:t> mark your attendance until you have received an email from the Graduate School. </a:t>
+            </a:r>
+          </a:p>
+        </p:txBody>
+      </p:sp>
+      <p:sp>
+        <p:nvSpPr>
+          <p:cNvPr id="7" name="TextBox 6"/>
+          <p:cNvSpPr txBox="1"/>
+          <p:nvPr/>
+        </p:nvSpPr>
+        <p:spPr>
+          <a:xfrm>
+            <a:off x="552450" y="3214433"/>
+            <a:ext cx="2171700" cy="830997"/>
+          </a:xfrm>
+          <a:prstGeom prst="rect">
+            <a:avLst/>
+          </a:prstGeom>
+          <a:noFill/>
+        </p:spPr>
+        <p:txBody>
+          <a:bodyPr wrap="square" rtlCol="0">
+            <a:spAutoFit/>
+          </a:bodyPr>
+          <a:lstStyle/>
+          <a:p>
+            <a:endParaRPr lang="en-GB" sz="2400" dirty="0">
+              <a:solidFill>
+                <a:srgbClr val="002060"/>
+              </a:solidFill>
+            </a:endParaRPr>
+          </a:p>
+          <a:p>
+            <a:endParaRPr lang="en-GB" sz="2400" dirty="0">
+              <a:solidFill>
+                <a:srgbClr val="002060"/>
+              </a:solidFill>
+            </a:endParaRPr>
+          </a:p>
+        </p:txBody>
+      </p:sp>
+    </p:spTree>
+    <p:extLst>
+      <p:ext uri="{BB962C8B-B14F-4D97-AF65-F5344CB8AC3E}">
+        <p14:creationId xmlns:p14="http://schemas.microsoft.com/office/powerpoint/2010/main" val="3686223621"/>
+      </p:ext>
+    </p:extLst>
+  </p:cSld>
+  <p:clrMapOvr>
+    <a:masterClrMapping/>
+  </p:clrMapOvr>
+</p:sld>
+</file>
+
+<file path=ppt/slides/slide20.xml><?xml version="1.0" encoding="utf-8"?>
 <p:sld xmlns:a="http://schemas.openxmlformats.org/drawingml/2006/main" xmlns:r="http://schemas.openxmlformats.org/officeDocument/2006/relationships" xmlns:p="http://schemas.openxmlformats.org/presentationml/2006/main">
   <p:cSld>
     <p:spTree>
@@ -13125,213 +13710,7 @@
 </p:sld>
 </file>
 
-<file path=ppt/slides/slide2.xml><?xml version="1.0" encoding="utf-8"?>
-<p:sld xmlns:a="http://schemas.openxmlformats.org/drawingml/2006/main" xmlns:r="http://schemas.openxmlformats.org/officeDocument/2006/relationships" xmlns:p="http://schemas.openxmlformats.org/presentationml/2006/main">
-  <p:cSld>
-    <p:spTree>
-      <p:nvGrpSpPr>
-        <p:cNvPr id="1" name=""/>
-        <p:cNvGrpSpPr/>
-        <p:nvPr/>
-      </p:nvGrpSpPr>
-      <p:grpSpPr>
-        <a:xfrm>
-          <a:off x="0" y="0"/>
-          <a:ext cx="0" cy="0"/>
-          <a:chOff x="0" y="0"/>
-          <a:chExt cx="0" cy="0"/>
-        </a:xfrm>
-      </p:grpSpPr>
-      <p:sp>
-        <p:nvSpPr>
-          <p:cNvPr id="4" name="Title 1"/>
-          <p:cNvSpPr txBox="1">
-            <a:spLocks/>
-          </p:cNvSpPr>
-          <p:nvPr/>
-        </p:nvSpPr>
-        <p:spPr>
-          <a:xfrm>
-            <a:off x="401320" y="472966"/>
-            <a:ext cx="5778764" cy="961696"/>
-          </a:xfrm>
-          <a:prstGeom prst="rect">
-            <a:avLst/>
-          </a:prstGeom>
-        </p:spPr>
-        <p:txBody>
-          <a:bodyPr anchor="b"/>
-          <a:lstStyle>
-            <a:lvl1pPr algn="l" defTabSz="457200" rtl="0" eaLnBrk="1" latinLnBrk="0" hangingPunct="1">
-              <a:lnSpc>
-                <a:spcPct val="90000"/>
-              </a:lnSpc>
-              <a:spcBef>
-                <a:spcPct val="0"/>
-              </a:spcBef>
-              <a:buNone/>
-              <a:defRPr sz="4000" b="1" i="0" kern="1200" baseline="0">
-                <a:solidFill>
-                  <a:schemeClr val="tx2"/>
-                </a:solidFill>
-                <a:latin typeface="+mj-lt"/>
-                <a:ea typeface="+mj-ea"/>
-                <a:cs typeface="MetaOT-Bold"/>
-              </a:defRPr>
-            </a:lvl1pPr>
-          </a:lstStyle>
-          <a:p>
-            <a:r>
-              <a:rPr lang="en-US" sz="3200" dirty="0">
-                <a:solidFill>
-                  <a:schemeClr val="accent3"/>
-                </a:solidFill>
-              </a:rPr>
-              <a:t>Expectations:  Covid-safe teaching environments</a:t>
-            </a:r>
-          </a:p>
-        </p:txBody>
-      </p:sp>
-      <p:sp>
-        <p:nvSpPr>
-          <p:cNvPr id="5" name="Subtitle 2"/>
-          <p:cNvSpPr>
-            <a:spLocks noGrp="1"/>
-          </p:cNvSpPr>
-          <p:nvPr>
-            <p:ph type="subTitle" idx="1"/>
-          </p:nvPr>
-        </p:nvSpPr>
-        <p:spPr>
-          <a:xfrm>
-            <a:off x="401320" y="1631731"/>
-            <a:ext cx="8490432" cy="4548352"/>
-          </a:xfrm>
-        </p:spPr>
-        <p:txBody>
-          <a:bodyPr lIns="91440" tIns="45720" rIns="91440" bIns="45720" anchor="t"/>
-          <a:lstStyle/>
-          <a:p>
-            <a:r>
-              <a:rPr lang="en-US" sz="2200" u="sng" dirty="0">
-                <a:ea typeface="+mj-lt"/>
-                <a:cs typeface="+mj-lt"/>
-              </a:rPr>
-              <a:t>Face coverings</a:t>
-            </a:r>
-          </a:p>
-          <a:p>
-            <a:pPr marL="457200" indent="-457200">
-              <a:buFont typeface="Arial" panose="020B0604020202020204" pitchFamily="34" charset="0"/>
-              <a:buChar char="•"/>
-            </a:pPr>
-            <a:r>
-              <a:rPr lang="en-GB" sz="2200" dirty="0">
-                <a:latin typeface="+mn-lt"/>
-                <a:ea typeface="Calibri" panose="020F0502020204030204" pitchFamily="34" charset="0"/>
-                <a:cs typeface="Times New Roman"/>
-              </a:rPr>
-              <a:t>You are expected to wear a face covering </a:t>
-            </a:r>
-            <a:endParaRPr lang="en-GB" sz="2200" dirty="0"/>
-          </a:p>
-          <a:p>
-            <a:pPr marL="457200" indent="-457200">
-              <a:buFont typeface="Arial" panose="020B0604020202020204" pitchFamily="34" charset="0"/>
-              <a:buChar char="•"/>
-            </a:pPr>
-            <a:r>
-              <a:rPr lang="en-US" sz="2200" dirty="0">
-                <a:ea typeface="+mj-lt"/>
-                <a:cs typeface="+mj-lt"/>
-              </a:rPr>
-              <a:t>Tutors will deliver their workshop 2 meters distance from </a:t>
-            </a:r>
-            <a:r>
-              <a:rPr lang="en-US" sz="2200">
-                <a:ea typeface="+mj-lt"/>
-                <a:cs typeface="+mj-lt"/>
-              </a:rPr>
-              <a:t>you </a:t>
-            </a:r>
-            <a:endParaRPr lang="en-US" sz="2200" dirty="0">
-              <a:ea typeface="+mj-lt"/>
-              <a:cs typeface="+mj-lt"/>
-            </a:endParaRPr>
-          </a:p>
-          <a:p>
-            <a:endParaRPr lang="en-US" sz="2200" u="sng" dirty="0">
-              <a:latin typeface="+mn-lt"/>
-              <a:ea typeface="+mj-lt"/>
-              <a:cs typeface="+mj-lt"/>
-            </a:endParaRPr>
-          </a:p>
-          <a:p>
-            <a:r>
-              <a:rPr lang="en-US" sz="2200" u="sng" dirty="0">
-                <a:latin typeface="+mn-lt"/>
-                <a:ea typeface="+mj-lt"/>
-                <a:cs typeface="+mj-lt"/>
-              </a:rPr>
-              <a:t>Hygiene</a:t>
-            </a:r>
-            <a:endParaRPr lang="en-GB" sz="2200" u="sng" dirty="0">
-              <a:latin typeface="+mn-lt"/>
-              <a:ea typeface="Calibri" panose="020F0502020204030204" pitchFamily="34" charset="0"/>
-              <a:cs typeface="Times New Roman"/>
-            </a:endParaRPr>
-          </a:p>
-          <a:p>
-            <a:pPr marL="457200" indent="-457200">
-              <a:buFont typeface="Arial" panose="020B0604020202020204" pitchFamily="34" charset="0"/>
-              <a:buChar char="•"/>
-            </a:pPr>
-            <a:r>
-              <a:rPr lang="en-US" sz="2200" dirty="0"/>
-              <a:t>Where hand </a:t>
-            </a:r>
-            <a:r>
-              <a:rPr lang="en-US" sz="2200" dirty="0" err="1"/>
-              <a:t>sanitiser</a:t>
-            </a:r>
-            <a:r>
-              <a:rPr lang="en-US" sz="2200" dirty="0"/>
-              <a:t> is available, please use it</a:t>
-            </a:r>
-          </a:p>
-          <a:p>
-            <a:pPr marL="457200" indent="-457200">
-              <a:buFont typeface="Arial" panose="020B0604020202020204" pitchFamily="34" charset="0"/>
-              <a:buChar char="•"/>
-            </a:pPr>
-            <a:r>
-              <a:rPr lang="en-US" sz="2200" dirty="0"/>
-              <a:t>Please wipe down any communal/shared course materials/equipment </a:t>
-            </a:r>
-          </a:p>
-          <a:p>
-            <a:pPr marL="457200" indent="-457200">
-              <a:buFont typeface="Arial" panose="020B0604020202020204" pitchFamily="34" charset="0"/>
-              <a:buChar char="•"/>
-            </a:pPr>
-            <a:endParaRPr lang="en-US" sz="2400" dirty="0"/>
-          </a:p>
-        </p:txBody>
-      </p:sp>
-    </p:spTree>
-    <p:extLst>
-      <p:ext uri="{BB962C8B-B14F-4D97-AF65-F5344CB8AC3E}">
-        <p14:creationId xmlns:p14="http://schemas.microsoft.com/office/powerpoint/2010/main" val="70908208"/>
-      </p:ext>
-    </p:extLst>
-  </p:cSld>
-  <p:clrMapOvr>
-    <a:masterClrMapping/>
-  </p:clrMapOvr>
-</p:sld>
-</file>
-
-<file path=ppt/slides/slide20.xml><?xml version="1.0" encoding="utf-8"?>
+<file path=ppt/slides/slide21.xml><?xml version="1.0" encoding="utf-8"?>
 <p:sld xmlns:a="http://schemas.openxmlformats.org/drawingml/2006/main" xmlns:r="http://schemas.openxmlformats.org/officeDocument/2006/relationships" xmlns:p="http://schemas.openxmlformats.org/presentationml/2006/main">
   <p:cSld>
     <p:spTree>
@@ -13804,7 +14183,7 @@
 </p:sld>
 </file>
 
-<file path=ppt/slides/slide21.xml><?xml version="1.0" encoding="utf-8"?>
+<file path=ppt/slides/slide22.xml><?xml version="1.0" encoding="utf-8"?>
 <p:sld xmlns:a="http://schemas.openxmlformats.org/drawingml/2006/main" xmlns:r="http://schemas.openxmlformats.org/officeDocument/2006/relationships" xmlns:p="http://schemas.openxmlformats.org/presentationml/2006/main">
   <p:cSld>
     <p:spTree>
@@ -14574,7 +14953,7 @@
 </p:sld>
 </file>
 
-<file path=ppt/slides/slide22.xml><?xml version="1.0" encoding="utf-8"?>
+<file path=ppt/slides/slide23.xml><?xml version="1.0" encoding="utf-8"?>
 <p:sld xmlns:a="http://schemas.openxmlformats.org/drawingml/2006/main" xmlns:r="http://schemas.openxmlformats.org/officeDocument/2006/relationships" xmlns:p="http://schemas.openxmlformats.org/presentationml/2006/main">
   <p:cSld>
     <p:spTree>
@@ -14724,7 +15103,7 @@
 </p:sld>
 </file>
 
-<file path=ppt/slides/slide23.xml><?xml version="1.0" encoding="utf-8"?>
+<file path=ppt/slides/slide24.xml><?xml version="1.0" encoding="utf-8"?>
 <p:sld xmlns:a="http://schemas.openxmlformats.org/drawingml/2006/main" xmlns:r="http://schemas.openxmlformats.org/officeDocument/2006/relationships" xmlns:p="http://schemas.openxmlformats.org/presentationml/2006/main">
   <p:cSld>
     <p:spTree>
@@ -15526,7 +15905,7 @@
 </p:sld>
 </file>
 
-<file path=ppt/slides/slide24.xml><?xml version="1.0" encoding="utf-8"?>
+<file path=ppt/slides/slide25.xml><?xml version="1.0" encoding="utf-8"?>
 <p:sld xmlns:a="http://schemas.openxmlformats.org/drawingml/2006/main" xmlns:r="http://schemas.openxmlformats.org/officeDocument/2006/relationships" xmlns:p="http://schemas.openxmlformats.org/presentationml/2006/main">
   <p:cSld>
     <p:spTree>
@@ -16525,7 +16904,7 @@
 </p:sld>
 </file>
 
-<file path=ppt/slides/slide25.xml><?xml version="1.0" encoding="utf-8"?>
+<file path=ppt/slides/slide26.xml><?xml version="1.0" encoding="utf-8"?>
 <p:sld xmlns:a="http://schemas.openxmlformats.org/drawingml/2006/main" xmlns:r="http://schemas.openxmlformats.org/officeDocument/2006/relationships" xmlns:p="http://schemas.openxmlformats.org/presentationml/2006/main">
   <p:cSld>
     <p:spTree>
@@ -17331,329 +17710,6 @@
 </p:sld>
 </file>
 
-<file path=ppt/slides/slide26.xml><?xml version="1.0" encoding="utf-8"?>
-<p:sld xmlns:a="http://schemas.openxmlformats.org/drawingml/2006/main" xmlns:r="http://schemas.openxmlformats.org/officeDocument/2006/relationships" xmlns:p="http://schemas.openxmlformats.org/presentationml/2006/main">
-  <p:cSld>
-    <p:spTree>
-      <p:nvGrpSpPr>
-        <p:cNvPr id="1" name=""/>
-        <p:cNvGrpSpPr/>
-        <p:nvPr/>
-      </p:nvGrpSpPr>
-      <p:grpSpPr>
-        <a:xfrm>
-          <a:off x="0" y="0"/>
-          <a:ext cx="0" cy="0"/>
-          <a:chOff x="0" y="0"/>
-          <a:chExt cx="0" cy="0"/>
-        </a:xfrm>
-      </p:grpSpPr>
-      <p:sp>
-        <p:nvSpPr>
-          <p:cNvPr id="2" name="Title 1"/>
-          <p:cNvSpPr>
-            <a:spLocks noGrp="1"/>
-          </p:cNvSpPr>
-          <p:nvPr>
-            <p:ph type="title"/>
-          </p:nvPr>
-        </p:nvSpPr>
-        <p:spPr/>
-        <p:txBody>
-          <a:bodyPr/>
-          <a:lstStyle/>
-          <a:p>
-            <a:r>
-              <a:rPr lang="en-GB" sz="4000" dirty="0"/>
-              <a:t>Allocatable Arrays</a:t>
-            </a:r>
-          </a:p>
-        </p:txBody>
-      </p:sp>
-      <p:sp>
-        <p:nvSpPr>
-          <p:cNvPr id="8" name="TextBox 7">
-            <a:extLst>
-              <a:ext uri="{FF2B5EF4-FFF2-40B4-BE49-F238E27FC236}">
-                <a16:creationId xmlns:a16="http://schemas.microsoft.com/office/drawing/2014/main" id="{3DDD1C3F-84BE-4B14-A20B-C4525C3886D9}"/>
-              </a:ext>
-            </a:extLst>
-          </p:cNvPr>
-          <p:cNvSpPr txBox="1"/>
-          <p:nvPr/>
-        </p:nvSpPr>
-        <p:spPr>
-          <a:xfrm>
-            <a:off x="5728138" y="6498021"/>
-            <a:ext cx="1765738" cy="369332"/>
-          </a:xfrm>
-          <a:prstGeom prst="rect">
-            <a:avLst/>
-          </a:prstGeom>
-          <a:noFill/>
-        </p:spPr>
-        <p:txBody>
-          <a:bodyPr wrap="square" rtlCol="0">
-            <a:spAutoFit/>
-          </a:bodyPr>
-          <a:lstStyle/>
-          <a:p>
-            <a:r>
-              <a:rPr lang="en-GB" dirty="0">
-                <a:solidFill>
-                  <a:schemeClr val="accent1"/>
-                </a:solidFill>
-              </a:rPr>
-              <a:t>Demonstration</a:t>
-            </a:r>
-          </a:p>
-        </p:txBody>
-      </p:sp>
-      <p:sp>
-        <p:nvSpPr>
-          <p:cNvPr id="6" name="Content Placeholder 2">
-            <a:extLst>
-              <a:ext uri="{FF2B5EF4-FFF2-40B4-BE49-F238E27FC236}">
-                <a16:creationId xmlns:a16="http://schemas.microsoft.com/office/drawing/2014/main" id="{C94459EB-B5CC-4128-A805-FCBCD2C4D3F5}"/>
-              </a:ext>
-            </a:extLst>
-          </p:cNvPr>
-          <p:cNvSpPr>
-            <a:spLocks noGrp="1"/>
-          </p:cNvSpPr>
-          <p:nvPr>
-            <p:ph idx="1"/>
-          </p:nvPr>
-        </p:nvSpPr>
-        <p:spPr>
-          <a:xfrm>
-            <a:off x="457200" y="1600200"/>
-            <a:ext cx="8435280" cy="4876800"/>
-          </a:xfrm>
-        </p:spPr>
-        <p:txBody>
-          <a:bodyPr>
-            <a:normAutofit fontScale="70000" lnSpcReduction="20000"/>
-          </a:bodyPr>
-          <a:lstStyle/>
-          <a:p>
-            <a:r>
-              <a:rPr lang="en-GB" sz="3100" dirty="0"/>
-              <a:t>It’s possible to declare an array without specifying its length using:</a:t>
-            </a:r>
-          </a:p>
-          <a:p>
-            <a:pPr marL="0" indent="0">
-              <a:buNone/>
-            </a:pPr>
-            <a:r>
-              <a:rPr lang="en-GB" sz="3100" dirty="0">
-                <a:solidFill>
-                  <a:schemeClr val="accent5"/>
-                </a:solidFill>
-              </a:rPr>
-              <a:t>	integer</a:t>
-            </a:r>
-            <a:r>
-              <a:rPr lang="en-GB" sz="3100" dirty="0"/>
-              <a:t>, </a:t>
-            </a:r>
-            <a:r>
-              <a:rPr lang="en-GB" sz="3100" dirty="0">
-                <a:solidFill>
-                  <a:schemeClr val="accent5"/>
-                </a:solidFill>
-              </a:rPr>
-              <a:t>dimension</a:t>
-            </a:r>
-            <a:r>
-              <a:rPr lang="en-GB" sz="3100" dirty="0"/>
-              <a:t>(:), allocatable	::	</a:t>
-            </a:r>
-            <a:r>
-              <a:rPr lang="en-GB" sz="3100" dirty="0" err="1"/>
-              <a:t>array_name</a:t>
-            </a:r>
-            <a:endParaRPr lang="en-GB" sz="3100" dirty="0"/>
-          </a:p>
-          <a:p>
-            <a:r>
-              <a:rPr lang="en-GB" sz="3100" dirty="0"/>
-              <a:t>You may then allocate an array later to define its length using</a:t>
-            </a:r>
-          </a:p>
-          <a:p>
-            <a:pPr marL="0" indent="0">
-              <a:buNone/>
-            </a:pPr>
-            <a:r>
-              <a:rPr lang="en-GB" sz="3100" dirty="0"/>
-              <a:t>	</a:t>
-            </a:r>
-            <a:r>
-              <a:rPr lang="en-GB" sz="3100" dirty="0">
-                <a:solidFill>
-                  <a:schemeClr val="accent5"/>
-                </a:solidFill>
-              </a:rPr>
-              <a:t>allocate</a:t>
-            </a:r>
-            <a:r>
-              <a:rPr lang="en-GB" sz="3100" dirty="0"/>
-              <a:t>(</a:t>
-            </a:r>
-            <a:r>
-              <a:rPr lang="en-GB" sz="3100" dirty="0" err="1"/>
-              <a:t>array_name</a:t>
-            </a:r>
-            <a:r>
-              <a:rPr lang="en-GB" sz="3100" dirty="0"/>
-              <a:t>(size))</a:t>
-            </a:r>
-          </a:p>
-          <a:p>
-            <a:r>
-              <a:rPr lang="en-GB" sz="3100" dirty="0"/>
-              <a:t>Cannot assign to an entry in an array before it’s allocated</a:t>
-            </a:r>
-          </a:p>
-          <a:p>
-            <a:r>
-              <a:rPr lang="en-GB" sz="3100" dirty="0"/>
-              <a:t>Can assign an allocated array of the same dimension to an unallocated to allocate it </a:t>
-            </a:r>
-          </a:p>
-          <a:p>
-            <a:r>
-              <a:rPr lang="en-GB" sz="3100" dirty="0"/>
-              <a:t>Can check if an array is allocated using:</a:t>
-            </a:r>
-          </a:p>
-          <a:p>
-            <a:pPr marL="457200" lvl="1" indent="0">
-              <a:buNone/>
-            </a:pPr>
-            <a:r>
-              <a:rPr lang="en-GB" sz="3100" dirty="0">
-                <a:solidFill>
-                  <a:schemeClr val="accent5"/>
-                </a:solidFill>
-              </a:rPr>
-              <a:t>allocated</a:t>
-            </a:r>
-            <a:r>
-              <a:rPr lang="en-GB" sz="3100" dirty="0"/>
-              <a:t>(</a:t>
-            </a:r>
-            <a:r>
-              <a:rPr lang="en-GB" sz="3100" dirty="0" err="1"/>
-              <a:t>array_name</a:t>
-            </a:r>
-            <a:r>
-              <a:rPr lang="en-GB" sz="3100" dirty="0"/>
-              <a:t>)</a:t>
-            </a:r>
-          </a:p>
-          <a:p>
-            <a:r>
-              <a:rPr lang="en-GB" sz="3100" dirty="0"/>
-              <a:t>Can check the size of an array using</a:t>
-            </a:r>
-          </a:p>
-          <a:p>
-            <a:pPr marL="457200" lvl="1" indent="0">
-              <a:buNone/>
-            </a:pPr>
-            <a:r>
-              <a:rPr lang="en-GB" sz="3100" dirty="0">
-                <a:solidFill>
-                  <a:schemeClr val="accent5"/>
-                </a:solidFill>
-              </a:rPr>
-              <a:t>size</a:t>
-            </a:r>
-            <a:r>
-              <a:rPr lang="en-GB" sz="3100" dirty="0"/>
-              <a:t>(</a:t>
-            </a:r>
-            <a:r>
-              <a:rPr lang="en-GB" sz="3100" dirty="0" err="1"/>
-              <a:t>array_name</a:t>
-            </a:r>
-            <a:r>
-              <a:rPr lang="en-GB" sz="3100" dirty="0"/>
-              <a:t>, </a:t>
-            </a:r>
-            <a:r>
-              <a:rPr lang="en-GB" sz="3100" dirty="0" err="1"/>
-              <a:t>dimension_number</a:t>
-            </a:r>
-            <a:r>
-              <a:rPr lang="en-GB" sz="3100" dirty="0"/>
-              <a:t>)</a:t>
-            </a:r>
-          </a:p>
-          <a:p>
-            <a:r>
-              <a:rPr lang="en-GB" sz="3100" dirty="0"/>
-              <a:t>Can deallocate an array using</a:t>
-            </a:r>
-          </a:p>
-          <a:p>
-            <a:pPr marL="457200" lvl="1" indent="0">
-              <a:buNone/>
-            </a:pPr>
-            <a:r>
-              <a:rPr lang="en-GB" sz="3100" dirty="0">
-                <a:solidFill>
-                  <a:schemeClr val="accent5"/>
-                </a:solidFill>
-              </a:rPr>
-              <a:t>deallocate</a:t>
-            </a:r>
-            <a:r>
-              <a:rPr lang="en-GB" sz="3100" dirty="0"/>
-              <a:t>(</a:t>
-            </a:r>
-            <a:r>
-              <a:rPr lang="en-GB" sz="3100" dirty="0" err="1"/>
-              <a:t>array_name</a:t>
-            </a:r>
-            <a:r>
-              <a:rPr lang="en-GB" sz="3100" dirty="0"/>
-              <a:t>)</a:t>
-            </a:r>
-          </a:p>
-          <a:p>
-            <a:pPr lvl="1"/>
-            <a:endParaRPr lang="en-GB" sz="2200" dirty="0"/>
-          </a:p>
-          <a:p>
-            <a:endParaRPr lang="en-GB" sz="3000" dirty="0"/>
-          </a:p>
-        </p:txBody>
-      </p:sp>
-    </p:spTree>
-    <p:extLst>
-      <p:ext uri="{BB962C8B-B14F-4D97-AF65-F5344CB8AC3E}">
-        <p14:creationId xmlns:p14="http://schemas.microsoft.com/office/powerpoint/2010/main" val="3173781080"/>
-      </p:ext>
-    </p:extLst>
-  </p:cSld>
-  <p:clrMapOvr>
-    <a:masterClrMapping/>
-  </p:clrMapOvr>
-  <mc:AlternateContent xmlns:mc="http://schemas.openxmlformats.org/markup-compatibility/2006" xmlns:p14="http://schemas.microsoft.com/office/powerpoint/2010/main">
-    <mc:Choice Requires="p14">
-      <p:transition p14:dur="10"/>
-    </mc:Choice>
-    <mc:Fallback xmlns="">
-      <p:transition/>
-    </mc:Fallback>
-  </mc:AlternateContent>
-</p:sld>
-</file>
-
 <file path=ppt/slides/slide27.xml><?xml version="1.0" encoding="utf-8"?>
 <p:sld xmlns:a="http://schemas.openxmlformats.org/drawingml/2006/main" xmlns:r="http://schemas.openxmlformats.org/officeDocument/2006/relationships" xmlns:p="http://schemas.openxmlformats.org/presentationml/2006/main">
   <p:cSld>
@@ -17687,16 +17743,60 @@
           <a:lstStyle/>
           <a:p>
             <a:r>
-              <a:rPr lang="en-GB" sz="4000" dirty="0" err="1"/>
-              <a:t>Logicals</a:t>
-            </a:r>
-            <a:endParaRPr lang="en-GB" sz="4000" dirty="0"/>
-          </a:p>
-        </p:txBody>
-      </p:sp>
-      <p:sp>
-        <p:nvSpPr>
-          <p:cNvPr id="3" name="Content Placeholder 2"/>
+              <a:rPr lang="en-GB" sz="4000" dirty="0"/>
+              <a:t>Allocatable Arrays</a:t>
+            </a:r>
+          </a:p>
+        </p:txBody>
+      </p:sp>
+      <p:sp>
+        <p:nvSpPr>
+          <p:cNvPr id="8" name="TextBox 7">
+            <a:extLst>
+              <a:ext uri="{FF2B5EF4-FFF2-40B4-BE49-F238E27FC236}">
+                <a16:creationId xmlns:a16="http://schemas.microsoft.com/office/drawing/2014/main" id="{3DDD1C3F-84BE-4B14-A20B-C4525C3886D9}"/>
+              </a:ext>
+            </a:extLst>
+          </p:cNvPr>
+          <p:cNvSpPr txBox="1"/>
+          <p:nvPr/>
+        </p:nvSpPr>
+        <p:spPr>
+          <a:xfrm>
+            <a:off x="5728138" y="6498021"/>
+            <a:ext cx="1765738" cy="369332"/>
+          </a:xfrm>
+          <a:prstGeom prst="rect">
+            <a:avLst/>
+          </a:prstGeom>
+          <a:noFill/>
+        </p:spPr>
+        <p:txBody>
+          <a:bodyPr wrap="square" rtlCol="0">
+            <a:spAutoFit/>
+          </a:bodyPr>
+          <a:lstStyle/>
+          <a:p>
+            <a:r>
+              <a:rPr lang="en-GB" dirty="0">
+                <a:solidFill>
+                  <a:schemeClr val="accent1"/>
+                </a:solidFill>
+              </a:rPr>
+              <a:t>Demonstration</a:t>
+            </a:r>
+          </a:p>
+        </p:txBody>
+      </p:sp>
+      <p:sp>
+        <p:nvSpPr>
+          <p:cNvPr id="6" name="Content Placeholder 2">
+            <a:extLst>
+              <a:ext uri="{FF2B5EF4-FFF2-40B4-BE49-F238E27FC236}">
+                <a16:creationId xmlns:a16="http://schemas.microsoft.com/office/drawing/2014/main" id="{C94459EB-B5CC-4128-A805-FCBCD2C4D3F5}"/>
+              </a:ext>
+            </a:extLst>
+          </p:cNvPr>
           <p:cNvSpPr>
             <a:spLocks noGrp="1"/>
           </p:cNvSpPr>
@@ -17712,56 +17812,53 @@
         </p:spPr>
         <p:txBody>
           <a:bodyPr>
-            <a:normAutofit lnSpcReduction="10000"/>
+            <a:normAutofit fontScale="70000" lnSpcReduction="20000"/>
           </a:bodyPr>
           <a:lstStyle/>
           <a:p>
             <a:r>
-              <a:rPr lang="en-GB" sz="3000" dirty="0" err="1"/>
-              <a:t>Logicals</a:t>
-            </a:r>
-            <a:r>
-              <a:rPr lang="en-GB" sz="3000" dirty="0"/>
-              <a:t> are a type of variable</a:t>
-            </a:r>
-          </a:p>
-          <a:p>
-            <a:pPr lvl="1"/>
-            <a:r>
-              <a:rPr lang="en-GB" dirty="0"/>
-              <a:t>May be True or False</a:t>
-            </a:r>
-          </a:p>
-          <a:p>
-            <a:r>
-              <a:rPr lang="en-GB" dirty="0"/>
-              <a:t>Can be operated on with logical operations</a:t>
-            </a:r>
-          </a:p>
-          <a:p>
-            <a:r>
-              <a:rPr lang="en-GB" dirty="0"/>
-              <a:t>Commonly used to control the flow of the program</a:t>
-            </a:r>
-          </a:p>
-          <a:p>
-            <a:endParaRPr lang="en-GB" dirty="0"/>
+              <a:rPr lang="en-GB" sz="3100" dirty="0"/>
+              <a:t>It’s possible to declare an array without specifying its length using:</a:t>
+            </a:r>
           </a:p>
           <a:p>
             <a:pPr marL="0" indent="0">
               <a:buNone/>
             </a:pPr>
             <a:r>
-              <a:rPr lang="en-GB" dirty="0">
+              <a:rPr lang="en-GB" sz="3100" dirty="0">
                 <a:solidFill>
                   <a:schemeClr val="accent5"/>
                 </a:solidFill>
               </a:rPr>
-              <a:t>logical</a:t>
-            </a:r>
-            <a:r>
-              <a:rPr lang="en-GB" dirty="0"/>
-              <a:t>	::	logical1, logical2</a:t>
+              <a:t>	integer</a:t>
+            </a:r>
+            <a:r>
+              <a:rPr lang="en-GB" sz="3100" dirty="0"/>
+              <a:t>, </a:t>
+            </a:r>
+            <a:r>
+              <a:rPr lang="en-GB" sz="3100" dirty="0">
+                <a:solidFill>
+                  <a:schemeClr val="accent5"/>
+                </a:solidFill>
+              </a:rPr>
+              <a:t>dimension</a:t>
+            </a:r>
+            <a:r>
+              <a:rPr lang="en-GB" sz="3100" dirty="0"/>
+              <a:t>(:), allocatable	::	</a:t>
+            </a:r>
+            <a:r>
+              <a:rPr lang="en-GB" sz="3100" dirty="0" err="1"/>
+              <a:t>array_name</a:t>
+            </a:r>
+            <a:endParaRPr lang="en-GB" sz="3100" dirty="0"/>
+          </a:p>
+          <a:p>
+            <a:r>
+              <a:rPr lang="en-GB" sz="3100" dirty="0"/>
+              <a:t>You may then allocate an array later to define its length using</a:t>
             </a:r>
           </a:p>
           <a:p>
@@ -17769,33 +17866,141 @@
               <a:buNone/>
             </a:pPr>
             <a:r>
-              <a:rPr lang="en-GB" dirty="0"/>
-              <a:t>logical1 =</a:t>
-            </a:r>
-            <a:r>
-              <a:rPr lang="en-GB" dirty="0">
+              <a:rPr lang="en-GB" sz="3100" dirty="0"/>
+              <a:t>	</a:t>
+            </a:r>
+            <a:r>
+              <a:rPr lang="en-GB" sz="3100" dirty="0">
                 <a:solidFill>
                   <a:schemeClr val="accent5"/>
                 </a:solidFill>
               </a:rPr>
-              <a:t> .true.</a:t>
-            </a:r>
-          </a:p>
-          <a:p>
-            <a:pPr marL="0" indent="0">
+              <a:t>allocate</a:t>
+            </a:r>
+            <a:r>
+              <a:rPr lang="en-GB" sz="3100" dirty="0"/>
+              <a:t>(</a:t>
+            </a:r>
+            <a:r>
+              <a:rPr lang="en-GB" sz="3100" dirty="0" err="1"/>
+              <a:t>array_name</a:t>
+            </a:r>
+            <a:r>
+              <a:rPr lang="en-GB" sz="3100" dirty="0"/>
+              <a:t>(size))</a:t>
+            </a:r>
+          </a:p>
+          <a:p>
+            <a:r>
+              <a:rPr lang="en-GB" sz="3100" dirty="0"/>
+              <a:t>Cannot assign to an entry in an array before it’s allocated</a:t>
+            </a:r>
+          </a:p>
+          <a:p>
+            <a:r>
+              <a:rPr lang="en-GB" sz="3100" dirty="0"/>
+              <a:t>Can assign an allocated array of the same dimension to an unallocated to allocate it </a:t>
+            </a:r>
+          </a:p>
+          <a:p>
+            <a:r>
+              <a:rPr lang="en-GB" sz="3100" dirty="0"/>
+              <a:t>Can check if an array is allocated using:</a:t>
+            </a:r>
+          </a:p>
+          <a:p>
+            <a:pPr marL="457200" lvl="1" indent="0">
               <a:buNone/>
             </a:pPr>
             <a:r>
-              <a:rPr lang="en-GB" dirty="0"/>
-              <a:t>logical2 = </a:t>
-            </a:r>
-            <a:r>
-              <a:rPr lang="en-GB" dirty="0">
+              <a:rPr lang="en-GB" sz="3100" dirty="0">
                 <a:solidFill>
                   <a:schemeClr val="accent5"/>
                 </a:solidFill>
               </a:rPr>
-              <a:t>.false.</a:t>
+              <a:t>allocated</a:t>
+            </a:r>
+            <a:r>
+              <a:rPr lang="en-GB" sz="3100" dirty="0"/>
+              <a:t>(</a:t>
+            </a:r>
+            <a:r>
+              <a:rPr lang="en-GB" sz="3100" dirty="0" err="1"/>
+              <a:t>array_name</a:t>
+            </a:r>
+            <a:r>
+              <a:rPr lang="en-GB" sz="3100" dirty="0"/>
+              <a:t>)</a:t>
+            </a:r>
+          </a:p>
+          <a:p>
+            <a:r>
+              <a:rPr lang="en-GB" sz="3100" dirty="0"/>
+              <a:t>Can check the size of an array using</a:t>
+            </a:r>
+          </a:p>
+          <a:p>
+            <a:pPr marL="457200" lvl="1" indent="0">
+              <a:buNone/>
+            </a:pPr>
+            <a:r>
+              <a:rPr lang="en-GB" sz="3100" dirty="0">
+                <a:solidFill>
+                  <a:schemeClr val="accent5"/>
+                </a:solidFill>
+              </a:rPr>
+              <a:t>size</a:t>
+            </a:r>
+            <a:r>
+              <a:rPr lang="en-GB" sz="3100" dirty="0"/>
+              <a:t>(</a:t>
+            </a:r>
+            <a:r>
+              <a:rPr lang="en-GB" sz="3100" dirty="0" err="1"/>
+              <a:t>array_name</a:t>
+            </a:r>
+            <a:r>
+              <a:rPr lang="en-GB" sz="3100" dirty="0"/>
+              <a:t>, </a:t>
+            </a:r>
+            <a:r>
+              <a:rPr lang="en-GB" sz="3100" dirty="0" err="1"/>
+              <a:t>dimension_number</a:t>
+            </a:r>
+            <a:r>
+              <a:rPr lang="en-GB" sz="3100" dirty="0"/>
+              <a:t>)</a:t>
+            </a:r>
+          </a:p>
+          <a:p>
+            <a:r>
+              <a:rPr lang="en-GB" sz="3100" dirty="0"/>
+              <a:t>Can deallocate an array using</a:t>
+            </a:r>
+          </a:p>
+          <a:p>
+            <a:pPr marL="457200" lvl="1" indent="0">
+              <a:buNone/>
+            </a:pPr>
+            <a:r>
+              <a:rPr lang="en-GB" sz="3100" dirty="0">
+                <a:solidFill>
+                  <a:schemeClr val="accent5"/>
+                </a:solidFill>
+              </a:rPr>
+              <a:t>deallocate</a:t>
+            </a:r>
+            <a:r>
+              <a:rPr lang="en-GB" sz="3100" dirty="0"/>
+              <a:t>(</a:t>
+            </a:r>
+            <a:r>
+              <a:rPr lang="en-GB" sz="3100" dirty="0" err="1"/>
+              <a:t>array_name</a:t>
+            </a:r>
+            <a:r>
+              <a:rPr lang="en-GB" sz="3100" dirty="0"/>
+              <a:t>)</a:t>
             </a:r>
           </a:p>
           <a:p>
@@ -17810,7 +18015,7 @@
     </p:spTree>
     <p:extLst>
       <p:ext uri="{BB962C8B-B14F-4D97-AF65-F5344CB8AC3E}">
-        <p14:creationId xmlns:p14="http://schemas.microsoft.com/office/powerpoint/2010/main" val="1390760873"/>
+        <p14:creationId xmlns:p14="http://schemas.microsoft.com/office/powerpoint/2010/main" val="3173781080"/>
       </p:ext>
     </p:extLst>
   </p:cSld>
@@ -17861,9 +18066,10 @@
           <a:lstStyle/>
           <a:p>
             <a:r>
-              <a:rPr lang="en-GB" sz="4000" dirty="0"/>
-              <a:t>Boolean Operators</a:t>
-            </a:r>
+              <a:rPr lang="en-GB" sz="4000" dirty="0" err="1"/>
+              <a:t>Logicals</a:t>
+            </a:r>
+            <a:endParaRPr lang="en-GB" sz="4000" dirty="0"/>
           </a:p>
         </p:txBody>
       </p:sp>
@@ -17885,49 +18091,73 @@
         </p:spPr>
         <p:txBody>
           <a:bodyPr>
-            <a:normAutofit/>
+            <a:normAutofit lnSpcReduction="10000"/>
           </a:bodyPr>
           <a:lstStyle/>
           <a:p>
             <a:r>
-              <a:rPr lang="en-GB" sz="2800" dirty="0"/>
-              <a:t>Boolean operators operate on one or more </a:t>
-            </a:r>
-            <a:r>
-              <a:rPr lang="en-GB" sz="2800" dirty="0" err="1"/>
-              <a:t>logicals</a:t>
-            </a:r>
-            <a:r>
-              <a:rPr lang="en-GB" sz="2800" dirty="0"/>
-              <a:t> and returns  logical</a:t>
-            </a:r>
-          </a:p>
-          <a:p>
-            <a:r>
-              <a:rPr lang="en-GB" sz="2800" dirty="0"/>
-              <a:t>Can be combined</a:t>
+              <a:rPr lang="en-GB" sz="3000" dirty="0" err="1"/>
+              <a:t>Logicals</a:t>
+            </a:r>
+            <a:r>
+              <a:rPr lang="en-GB" sz="3000" dirty="0"/>
+              <a:t> are a type of variable</a:t>
             </a:r>
           </a:p>
           <a:p>
             <a:pPr lvl="1"/>
             <a:r>
               <a:rPr lang="en-GB" dirty="0"/>
-              <a:t>Easiest to use parentheses</a:t>
-            </a:r>
+              <a:t>May be True or False</a:t>
+            </a:r>
+          </a:p>
+          <a:p>
+            <a:r>
+              <a:rPr lang="en-GB" dirty="0"/>
+              <a:t>Can be operated on with logical operations</a:t>
+            </a:r>
+          </a:p>
+          <a:p>
+            <a:r>
+              <a:rPr lang="en-GB" dirty="0"/>
+              <a:t>Commonly used to control the flow of the program</a:t>
+            </a:r>
+          </a:p>
+          <a:p>
+            <a:endParaRPr lang="en-GB" dirty="0"/>
           </a:p>
           <a:p>
             <a:pPr marL="0" indent="0">
               <a:buNone/>
             </a:pPr>
-            <a:endParaRPr lang="en-GB" sz="2800" dirty="0"/>
+            <a:r>
+              <a:rPr lang="en-GB" dirty="0">
+                <a:solidFill>
+                  <a:schemeClr val="accent5"/>
+                </a:solidFill>
+              </a:rPr>
+              <a:t>logical</a:t>
+            </a:r>
+            <a:r>
+              <a:rPr lang="en-GB" dirty="0"/>
+              <a:t>	::	logical1, logical2</a:t>
+            </a:r>
           </a:p>
           <a:p>
             <a:pPr marL="0" indent="0">
               <a:buNone/>
             </a:pPr>
             <a:r>
-              <a:rPr lang="en-GB" sz="2800" dirty="0"/>
-              <a:t>logical2 = .not. logical1</a:t>
+              <a:rPr lang="en-GB" dirty="0"/>
+              <a:t>logical1 =</a:t>
+            </a:r>
+            <a:r>
+              <a:rPr lang="en-GB" dirty="0">
+                <a:solidFill>
+                  <a:schemeClr val="accent5"/>
+                </a:solidFill>
+              </a:rPr>
+              <a:t> .true.</a:t>
             </a:r>
           </a:p>
           <a:p>
@@ -17935,91 +18165,31 @@
               <a:buNone/>
             </a:pPr>
             <a:r>
-              <a:rPr lang="en-GB" sz="2800" dirty="0"/>
-              <a:t>logical3 = logical1 .and. logical2</a:t>
-            </a:r>
-          </a:p>
-          <a:p>
-            <a:pPr marL="0" indent="0">
-              <a:buNone/>
-            </a:pPr>
-            <a:r>
-              <a:rPr lang="en-GB" sz="2800" dirty="0"/>
-              <a:t>logical3 = logical1 .or. logical2</a:t>
-            </a:r>
-          </a:p>
-          <a:p>
-            <a:pPr marL="0" indent="0">
-              <a:buNone/>
-            </a:pPr>
-            <a:r>
-              <a:rPr lang="en-GB" sz="2800" dirty="0"/>
-              <a:t>logical3 = .not. (logical1 .and. logical2)</a:t>
-            </a:r>
-          </a:p>
-          <a:p>
-            <a:pPr marL="0" indent="0">
-              <a:buNone/>
-            </a:pPr>
-            <a:endParaRPr lang="en-GB" sz="2600" dirty="0"/>
-          </a:p>
-          <a:p>
-            <a:pPr marL="0" indent="0">
-              <a:buNone/>
-            </a:pPr>
-            <a:endParaRPr lang="en-GB" sz="2600" dirty="0"/>
-          </a:p>
-          <a:p>
-            <a:pPr marL="0" indent="0">
-              <a:buNone/>
-            </a:pPr>
+              <a:rPr lang="en-GB" dirty="0"/>
+              <a:t>logical2 = </a:t>
+            </a:r>
+            <a:r>
+              <a:rPr lang="en-GB" dirty="0">
+                <a:solidFill>
+                  <a:schemeClr val="accent5"/>
+                </a:solidFill>
+              </a:rPr>
+              <a:t>.false.</a:t>
+            </a:r>
+          </a:p>
+          <a:p>
+            <a:pPr lvl="1"/>
+            <a:endParaRPr lang="en-GB" sz="2200" dirty="0"/>
+          </a:p>
+          <a:p>
             <a:endParaRPr lang="en-GB" sz="3000" dirty="0"/>
-          </a:p>
-        </p:txBody>
-      </p:sp>
-      <p:sp>
-        <p:nvSpPr>
-          <p:cNvPr id="4" name="TextBox 3">
-            <a:extLst>
-              <a:ext uri="{FF2B5EF4-FFF2-40B4-BE49-F238E27FC236}">
-                <a16:creationId xmlns:a16="http://schemas.microsoft.com/office/drawing/2014/main" id="{6FAB0CB6-79B2-4901-AFD9-92C5A0C9BFEB}"/>
-              </a:ext>
-            </a:extLst>
-          </p:cNvPr>
-          <p:cNvSpPr txBox="1"/>
-          <p:nvPr/>
-        </p:nvSpPr>
-        <p:spPr>
-          <a:xfrm>
-            <a:off x="5728138" y="6498021"/>
-            <a:ext cx="1765738" cy="369332"/>
-          </a:xfrm>
-          <a:prstGeom prst="rect">
-            <a:avLst/>
-          </a:prstGeom>
-          <a:noFill/>
-        </p:spPr>
-        <p:txBody>
-          <a:bodyPr wrap="square" rtlCol="0">
-            <a:spAutoFit/>
-          </a:bodyPr>
-          <a:lstStyle/>
-          <a:p>
-            <a:r>
-              <a:rPr lang="en-GB" dirty="0">
-                <a:solidFill>
-                  <a:schemeClr val="accent1"/>
-                </a:solidFill>
-              </a:rPr>
-              <a:t>Demonstration</a:t>
-            </a:r>
           </a:p>
         </p:txBody>
       </p:sp>
     </p:spTree>
     <p:extLst>
       <p:ext uri="{BB962C8B-B14F-4D97-AF65-F5344CB8AC3E}">
-        <p14:creationId xmlns:p14="http://schemas.microsoft.com/office/powerpoint/2010/main" val="3749303348"/>
+        <p14:creationId xmlns:p14="http://schemas.microsoft.com/office/powerpoint/2010/main" val="1390760873"/>
       </p:ext>
     </p:extLst>
   </p:cSld>
@@ -18071,7 +18241,7 @@
           <a:p>
             <a:r>
               <a:rPr lang="en-GB" sz="4000" dirty="0"/>
-              <a:t>Comparison Operators</a:t>
+              <a:t>Boolean Operators</a:t>
             </a:r>
           </a:p>
         </p:txBody>
@@ -18100,9 +18270,29 @@
           <a:p>
             <a:r>
               <a:rPr lang="en-GB" sz="2800" dirty="0"/>
-              <a:t>Comparison operators compare two values and return a logical</a:t>
-            </a:r>
-            <a:endParaRPr lang="en-GB" dirty="0"/>
+              <a:t>Boolean operators operate on one or more </a:t>
+            </a:r>
+            <a:r>
+              <a:rPr lang="en-GB" sz="2800" dirty="0" err="1"/>
+              <a:t>logicals</a:t>
+            </a:r>
+            <a:r>
+              <a:rPr lang="en-GB" sz="2800" dirty="0"/>
+              <a:t> and returns  logical</a:t>
+            </a:r>
+          </a:p>
+          <a:p>
+            <a:r>
+              <a:rPr lang="en-GB" sz="2800" dirty="0"/>
+              <a:t>Can be combined</a:t>
+            </a:r>
+          </a:p>
+          <a:p>
+            <a:pPr lvl="1"/>
+            <a:r>
+              <a:rPr lang="en-GB" dirty="0"/>
+              <a:t>Easiest to use parentheses</a:t>
+            </a:r>
           </a:p>
           <a:p>
             <a:pPr marL="0" indent="0">
@@ -18116,7 +18306,7 @@
             </a:pPr>
             <a:r>
               <a:rPr lang="en-GB" sz="2800" dirty="0"/>
-              <a:t>logical1 = real1==real2</a:t>
+              <a:t>logical2 = .not. logical1</a:t>
             </a:r>
           </a:p>
           <a:p>
@@ -18125,7 +18315,7 @@
             </a:pPr>
             <a:r>
               <a:rPr lang="en-GB" sz="2800" dirty="0"/>
-              <a:t>logical1 = real1 &gt; real2</a:t>
+              <a:t>logical3 = logical1 .and. logical2</a:t>
             </a:r>
           </a:p>
           <a:p>
@@ -18134,7 +18324,7 @@
             </a:pPr>
             <a:r>
               <a:rPr lang="en-GB" sz="2800" dirty="0"/>
-              <a:t>logical1 = real1 &lt;= real2</a:t>
+              <a:t>logical3 = logical1 .or. logical2</a:t>
             </a:r>
           </a:p>
           <a:p>
@@ -18143,54 +18333,8 @@
             </a:pPr>
             <a:r>
               <a:rPr lang="en-GB" sz="2800" dirty="0"/>
-              <a:t>logical1 = real1/=real2</a:t>
-            </a:r>
-          </a:p>
-          <a:p>
-            <a:pPr marL="0" indent="0">
-              <a:buNone/>
-            </a:pPr>
-            <a:r>
-              <a:rPr lang="en-GB" sz="2800" dirty="0"/>
-              <a:t>logical3 = logical1 .</a:t>
-            </a:r>
-            <a:r>
-              <a:rPr lang="en-GB" sz="2800" dirty="0" err="1"/>
-              <a:t>eqv</a:t>
-            </a:r>
-            <a:r>
-              <a:rPr lang="en-GB" sz="2800" dirty="0"/>
-              <a:t>. logical2</a:t>
-            </a:r>
-          </a:p>
-          <a:p>
-            <a:pPr marL="0" indent="0">
-              <a:buNone/>
-            </a:pPr>
-            <a:r>
-              <a:rPr lang="en-GB" sz="2800" dirty="0"/>
-              <a:t>logical3 = logical1 .</a:t>
-            </a:r>
-            <a:r>
-              <a:rPr lang="en-GB" sz="2800" dirty="0" err="1"/>
-              <a:t>neqv</a:t>
-            </a:r>
-            <a:r>
-              <a:rPr lang="en-GB" sz="2800" dirty="0"/>
-              <a:t>. logical2</a:t>
-            </a:r>
-          </a:p>
-          <a:p>
-            <a:pPr marL="0" indent="0">
-              <a:buNone/>
-            </a:pPr>
-            <a:endParaRPr lang="en-GB" sz="2800" dirty="0"/>
-          </a:p>
-          <a:p>
-            <a:pPr marL="0" indent="0">
-              <a:buNone/>
-            </a:pPr>
-            <a:endParaRPr lang="en-GB" sz="2800" dirty="0"/>
+              <a:t>logical3 = .not. (logical1 .and. logical2)</a:t>
+            </a:r>
           </a:p>
           <a:p>
             <a:pPr marL="0" indent="0">
@@ -18254,7 +18398,7 @@
     </p:spTree>
     <p:extLst>
       <p:ext uri="{BB962C8B-B14F-4D97-AF65-F5344CB8AC3E}">
-        <p14:creationId xmlns:p14="http://schemas.microsoft.com/office/powerpoint/2010/main" val="933885824"/>
+        <p14:creationId xmlns:p14="http://schemas.microsoft.com/office/powerpoint/2010/main" val="3749303348"/>
       </p:ext>
     </p:extLst>
   </p:cSld>
@@ -18299,8 +18443,8 @@
         </p:nvSpPr>
         <p:spPr>
           <a:xfrm>
-            <a:off x="401319" y="472966"/>
-            <a:ext cx="5558047" cy="930165"/>
+            <a:off x="401320" y="472966"/>
+            <a:ext cx="5778764" cy="961696"/>
           </a:xfrm>
           <a:prstGeom prst="rect">
             <a:avLst/>
@@ -18351,8 +18495,8 @@
         </p:nvSpPr>
         <p:spPr>
           <a:xfrm>
-            <a:off x="189186" y="1450427"/>
-            <a:ext cx="8797158" cy="4020208"/>
+            <a:off x="401320" y="1631731"/>
+            <a:ext cx="8490432" cy="4548352"/>
           </a:xfrm>
         </p:spPr>
         <p:txBody>
@@ -18360,66 +18504,115 @@
           <a:lstStyle/>
           <a:p>
             <a:r>
-              <a:rPr lang="en-US" sz="2200" u="sng" dirty="0"/>
-              <a:t>For the purpose of contact tracing</a:t>
-            </a:r>
-            <a:endParaRPr lang="en-US" sz="2200" dirty="0"/>
-          </a:p>
-          <a:p>
-            <a:endParaRPr lang="en-US" sz="2200" dirty="0"/>
-          </a:p>
-          <a:p>
-            <a:r>
-              <a:rPr lang="en-US" sz="2200" dirty="0"/>
-              <a:t>For our standard workshops:</a:t>
-            </a:r>
-          </a:p>
-          <a:p>
-            <a:pPr marL="342900" indent="-342900">
+              <a:rPr lang="en-US" sz="2200" u="sng" dirty="0">
+                <a:ea typeface="+mj-lt"/>
+                <a:cs typeface="+mj-lt"/>
+              </a:rPr>
+              <a:t>Face coverings</a:t>
+            </a:r>
+          </a:p>
+          <a:p>
+            <a:pPr marL="457200" indent="-457200">
               <a:buFont typeface="Arial" panose="020B0604020202020204" pitchFamily="34" charset="0"/>
               <a:buChar char="•"/>
             </a:pPr>
             <a:r>
-              <a:rPr lang="en-US" sz="2200" dirty="0"/>
-              <a:t>We will provide the CCT Hub with the complete list of attendees at this workshop</a:t>
-            </a:r>
-          </a:p>
-          <a:p>
-            <a:endParaRPr lang="en-US" sz="2200" dirty="0"/>
-          </a:p>
-          <a:p>
-            <a:r>
-              <a:rPr lang="en-US" sz="2200" dirty="0"/>
-              <a:t>Where our workshops are held in lecture theatres:</a:t>
-            </a:r>
-          </a:p>
-          <a:p>
-            <a:pPr marL="342900" indent="-342900">
+              <a:rPr lang="en-GB" sz="2200" dirty="0">
+                <a:latin typeface="+mn-lt"/>
+                <a:ea typeface="Calibri" panose="020F0502020204030204" pitchFamily="34" charset="0"/>
+                <a:cs typeface="Times New Roman"/>
+              </a:rPr>
+              <a:t>You are expected to wear a face covering </a:t>
+            </a:r>
+            <a:endParaRPr lang="en-GB" sz="2200" dirty="0"/>
+          </a:p>
+          <a:p>
+            <a:pPr marL="457200" indent="-457200">
               <a:buFont typeface="Arial" panose="020B0604020202020204" pitchFamily="34" charset="0"/>
               <a:buChar char="•"/>
             </a:pPr>
             <a:r>
+              <a:rPr lang="en-US" sz="2200" dirty="0">
+                <a:ea typeface="+mj-lt"/>
+                <a:cs typeface="+mj-lt"/>
+              </a:rPr>
+              <a:t>Tutors will deliver their workshop 2 meters distance from </a:t>
+            </a:r>
+            <a:r>
+              <a:rPr lang="en-US" sz="2200">
+                <a:ea typeface="+mj-lt"/>
+                <a:cs typeface="+mj-lt"/>
+              </a:rPr>
+              <a:t>you </a:t>
+            </a:r>
+            <a:endParaRPr lang="en-US" sz="2200" dirty="0">
+              <a:ea typeface="+mj-lt"/>
+              <a:cs typeface="+mj-lt"/>
+            </a:endParaRPr>
+          </a:p>
+          <a:p>
+            <a:endParaRPr lang="en-US" sz="2200" u="sng" dirty="0">
+              <a:latin typeface="+mn-lt"/>
+              <a:ea typeface="+mj-lt"/>
+              <a:cs typeface="+mj-lt"/>
+            </a:endParaRPr>
+          </a:p>
+          <a:p>
+            <a:r>
+              <a:rPr lang="en-US" sz="2200" u="sng" dirty="0">
+                <a:latin typeface="+mn-lt"/>
+                <a:ea typeface="+mj-lt"/>
+                <a:cs typeface="+mj-lt"/>
+              </a:rPr>
+              <a:t>Hygiene</a:t>
+            </a:r>
+            <a:endParaRPr lang="en-GB" sz="2200" u="sng" dirty="0">
+              <a:latin typeface="+mn-lt"/>
+              <a:ea typeface="Calibri" panose="020F0502020204030204" pitchFamily="34" charset="0"/>
+              <a:cs typeface="Times New Roman"/>
+            </a:endParaRPr>
+          </a:p>
+          <a:p>
+            <a:pPr marL="457200" indent="-457200">
+              <a:buFont typeface="Arial" panose="020B0604020202020204" pitchFamily="34" charset="0"/>
+              <a:buChar char="•"/>
+            </a:pPr>
+            <a:r>
               <a:rPr lang="en-US" sz="2200" dirty="0"/>
-              <a:t>You should keep a record of colleagues that you are sat in </a:t>
-            </a:r>
-            <a:r>
-              <a:rPr lang="en-US" sz="2200"/>
-              <a:t>close contact with </a:t>
+              <a:t>Where hand </a:t>
+            </a:r>
+            <a:r>
+              <a:rPr lang="en-US" sz="2200" dirty="0" err="1"/>
+              <a:t>sanitiser</a:t>
             </a:r>
             <a:r>
               <a:rPr lang="en-US" sz="2200" dirty="0"/>
-              <a:t>(within 2 meters)</a:t>
-            </a:r>
-          </a:p>
-          <a:p>
-            <a:endParaRPr lang="en-US" dirty="0"/>
+              <a:t> is available, please use it</a:t>
+            </a:r>
+          </a:p>
+          <a:p>
+            <a:pPr marL="457200" indent="-457200">
+              <a:buFont typeface="Arial" panose="020B0604020202020204" pitchFamily="34" charset="0"/>
+              <a:buChar char="•"/>
+            </a:pPr>
+            <a:r>
+              <a:rPr lang="en-US" sz="2200" dirty="0"/>
+              <a:t>Please wipe down any communal/shared course materials/equipment </a:t>
+            </a:r>
+          </a:p>
+          <a:p>
+            <a:pPr marL="457200" indent="-457200">
+              <a:buFont typeface="Arial" panose="020B0604020202020204" pitchFamily="34" charset="0"/>
+              <a:buChar char="•"/>
+            </a:pPr>
+            <a:endParaRPr lang="en-US" sz="2400" dirty="0"/>
           </a:p>
         </p:txBody>
       </p:sp>
     </p:spTree>
     <p:extLst>
       <p:ext uri="{BB962C8B-B14F-4D97-AF65-F5344CB8AC3E}">
-        <p14:creationId xmlns:p14="http://schemas.microsoft.com/office/powerpoint/2010/main" val="3238657636"/>
+        <p14:creationId xmlns:p14="http://schemas.microsoft.com/office/powerpoint/2010/main" val="70908208"/>
       </p:ext>
     </p:extLst>
   </p:cSld>
@@ -18463,7 +18656,7 @@
           <a:p>
             <a:r>
               <a:rPr lang="en-GB" sz="4000" dirty="0"/>
-              <a:t>Precision and Comparison</a:t>
+              <a:t>Comparison Operators</a:t>
             </a:r>
           </a:p>
         </p:txBody>
@@ -18492,47 +18685,91 @@
           <a:p>
             <a:r>
               <a:rPr lang="en-GB" sz="2800" dirty="0"/>
-              <a:t>Reals in Fortran will often be approximations to values</a:t>
-            </a:r>
-          </a:p>
-          <a:p>
+              <a:t>Comparison operators compare two values and return a logical</a:t>
+            </a:r>
+            <a:endParaRPr lang="en-GB" dirty="0"/>
+          </a:p>
+          <a:p>
+            <a:pPr marL="0" indent="0">
+              <a:buNone/>
+            </a:pPr>
+            <a:endParaRPr lang="en-GB" sz="2800" dirty="0"/>
+          </a:p>
+          <a:p>
+            <a:pPr marL="0" indent="0">
+              <a:buNone/>
+            </a:pPr>
             <a:r>
               <a:rPr lang="en-GB" sz="2800" dirty="0"/>
-              <a:t>Means comparing reals will not always behave as expected</a:t>
-            </a:r>
-          </a:p>
-          <a:p>
+              <a:t>logical1 = real1==real2</a:t>
+            </a:r>
+          </a:p>
+          <a:p>
+            <a:pPr marL="0" indent="0">
+              <a:buNone/>
+            </a:pPr>
             <a:r>
               <a:rPr lang="en-GB" sz="2800" dirty="0"/>
-              <a:t>Care should be taken when comparing reals</a:t>
-            </a:r>
-          </a:p>
-          <a:p>
-            <a:pPr lvl="1"/>
-            <a:r>
-              <a:rPr lang="en-GB" sz="2400" dirty="0"/>
-              <a:t>Calculations, rounding an approximations may mean values are not exactly what you expect</a:t>
-            </a:r>
-          </a:p>
-          <a:p>
+              <a:t>logical1 = real1 &gt; real2</a:t>
+            </a:r>
+          </a:p>
+          <a:p>
+            <a:pPr marL="0" indent="0">
+              <a:buNone/>
+            </a:pPr>
             <a:r>
               <a:rPr lang="en-GB" sz="2800" dirty="0"/>
-              <a:t>Reals may be declared to have higher precision</a:t>
-            </a:r>
-          </a:p>
-          <a:p>
-            <a:pPr lvl="1"/>
-            <a:r>
-              <a:rPr lang="en-GB" sz="2400" dirty="0"/>
-              <a:t>Doesn’t fundamentally solve this problem</a:t>
-            </a:r>
-          </a:p>
-          <a:p>
-            <a:pPr lvl="1"/>
-            <a:r>
-              <a:rPr lang="en-GB" sz="2400" dirty="0"/>
-              <a:t>Reduces effects of inaccuracy</a:t>
-            </a:r>
+              <a:t>logical1 = real1 &lt;= real2</a:t>
+            </a:r>
+          </a:p>
+          <a:p>
+            <a:pPr marL="0" indent="0">
+              <a:buNone/>
+            </a:pPr>
+            <a:r>
+              <a:rPr lang="en-GB" sz="2800" dirty="0"/>
+              <a:t>logical1 = real1/=real2</a:t>
+            </a:r>
+          </a:p>
+          <a:p>
+            <a:pPr marL="0" indent="0">
+              <a:buNone/>
+            </a:pPr>
+            <a:r>
+              <a:rPr lang="en-GB" sz="2800" dirty="0"/>
+              <a:t>logical3 = logical1 .</a:t>
+            </a:r>
+            <a:r>
+              <a:rPr lang="en-GB" sz="2800" dirty="0" err="1"/>
+              <a:t>eqv</a:t>
+            </a:r>
+            <a:r>
+              <a:rPr lang="en-GB" sz="2800" dirty="0"/>
+              <a:t>. logical2</a:t>
+            </a:r>
+          </a:p>
+          <a:p>
+            <a:pPr marL="0" indent="0">
+              <a:buNone/>
+            </a:pPr>
+            <a:r>
+              <a:rPr lang="en-GB" sz="2800" dirty="0"/>
+              <a:t>logical3 = logical1 .</a:t>
+            </a:r>
+            <a:r>
+              <a:rPr lang="en-GB" sz="2800" dirty="0" err="1"/>
+              <a:t>neqv</a:t>
+            </a:r>
+            <a:r>
+              <a:rPr lang="en-GB" sz="2800" dirty="0"/>
+              <a:t>. logical2</a:t>
+            </a:r>
+          </a:p>
+          <a:p>
+            <a:pPr marL="0" indent="0">
+              <a:buNone/>
+            </a:pPr>
+            <a:endParaRPr lang="en-GB" sz="2800" dirty="0"/>
           </a:p>
           <a:p>
             <a:pPr marL="0" indent="0">
@@ -18602,7 +18839,7 @@
     </p:spTree>
     <p:extLst>
       <p:ext uri="{BB962C8B-B14F-4D97-AF65-F5344CB8AC3E}">
-        <p14:creationId xmlns:p14="http://schemas.microsoft.com/office/powerpoint/2010/main" val="1654254681"/>
+        <p14:creationId xmlns:p14="http://schemas.microsoft.com/office/powerpoint/2010/main" val="933885824"/>
       </p:ext>
     </p:extLst>
   </p:cSld>
@@ -18654,7 +18891,7 @@
           <a:p>
             <a:r>
               <a:rPr lang="en-GB" sz="4000" dirty="0"/>
-              <a:t>Conditionals</a:t>
+              <a:t>Precision and Comparison</a:t>
             </a:r>
           </a:p>
         </p:txBody>
@@ -18683,21 +18920,47 @@
           <a:p>
             <a:r>
               <a:rPr lang="en-GB" sz="2800" dirty="0"/>
-              <a:t>Conditionals allow the flow of a program to be controlled through the value of logical expressions</a:t>
+              <a:t>Reals in Fortran will often be approximations to values</a:t>
             </a:r>
           </a:p>
           <a:p>
             <a:r>
               <a:rPr lang="en-GB" sz="2800" dirty="0"/>
-              <a:t>Vital for structuring your code to handle different cases</a:t>
+              <a:t>Means comparing reals will not always behave as expected</a:t>
             </a:r>
           </a:p>
           <a:p>
             <a:r>
               <a:rPr lang="en-GB" sz="2800" dirty="0"/>
-              <a:t>Most common is the “if”, “else if”, “else” construct</a:t>
-            </a:r>
-            <a:endParaRPr lang="en-GB" sz="2400" dirty="0"/>
+              <a:t>Care should be taken when comparing reals</a:t>
+            </a:r>
+          </a:p>
+          <a:p>
+            <a:pPr lvl="1"/>
+            <a:r>
+              <a:rPr lang="en-GB" sz="2400" dirty="0"/>
+              <a:t>Calculations, rounding an approximations may mean values are not exactly what you expect</a:t>
+            </a:r>
+          </a:p>
+          <a:p>
+            <a:r>
+              <a:rPr lang="en-GB" sz="2800" dirty="0"/>
+              <a:t>Reals may be declared to have higher precision</a:t>
+            </a:r>
+          </a:p>
+          <a:p>
+            <a:pPr lvl="1"/>
+            <a:r>
+              <a:rPr lang="en-GB" sz="2400" dirty="0"/>
+              <a:t>Doesn’t fundamentally solve this problem</a:t>
+            </a:r>
+          </a:p>
+          <a:p>
+            <a:pPr lvl="1"/>
+            <a:r>
+              <a:rPr lang="en-GB" sz="2400" dirty="0"/>
+              <a:t>Reduces effects of inaccuracy</a:t>
+            </a:r>
           </a:p>
           <a:p>
             <a:pPr marL="0" indent="0">
@@ -18767,7 +19030,7 @@
     </p:spTree>
     <p:extLst>
       <p:ext uri="{BB962C8B-B14F-4D97-AF65-F5344CB8AC3E}">
-        <p14:creationId xmlns:p14="http://schemas.microsoft.com/office/powerpoint/2010/main" val="2312507278"/>
+        <p14:creationId xmlns:p14="http://schemas.microsoft.com/office/powerpoint/2010/main" val="1654254681"/>
       </p:ext>
     </p:extLst>
   </p:cSld>
@@ -18819,7 +19082,7 @@
           <a:p>
             <a:r>
               <a:rPr lang="en-GB" sz="4000" dirty="0"/>
-              <a:t>If, else if, else</a:t>
+              <a:t>Conditionals</a:t>
             </a:r>
           </a:p>
         </p:txBody>
@@ -18842,172 +19105,27 @@
         </p:spPr>
         <p:txBody>
           <a:bodyPr>
-            <a:normAutofit fontScale="85000" lnSpcReduction="20000"/>
+            <a:normAutofit/>
           </a:bodyPr>
           <a:lstStyle/>
           <a:p>
-            <a:pPr marL="0" indent="0">
-              <a:buNone/>
-            </a:pPr>
-            <a:r>
-              <a:rPr lang="en-GB" sz="2800" dirty="0">
-                <a:solidFill>
-                  <a:schemeClr val="accent1"/>
-                </a:solidFill>
-              </a:rPr>
-              <a:t>if</a:t>
-            </a:r>
             <a:r>
               <a:rPr lang="en-GB" sz="2800" dirty="0"/>
-              <a:t> (logical1)</a:t>
-            </a:r>
-            <a:r>
-              <a:rPr lang="en-GB" sz="2800" dirty="0">
-                <a:solidFill>
-                  <a:schemeClr val="accent1"/>
-                </a:solidFill>
-              </a:rPr>
-              <a:t>then</a:t>
-            </a:r>
-          </a:p>
-          <a:p>
-            <a:pPr marL="0" indent="0">
-              <a:buNone/>
-            </a:pPr>
+              <a:t>Conditionals allow the flow of a program to be controlled through the value of logical expressions</a:t>
+            </a:r>
+          </a:p>
+          <a:p>
             <a:r>
               <a:rPr lang="en-GB" sz="2800" dirty="0"/>
-              <a:t>	[code to be executed if [logical expression 1] true]</a:t>
-            </a:r>
-          </a:p>
-          <a:p>
-            <a:pPr marL="0" indent="0">
-              <a:buNone/>
-            </a:pPr>
-            <a:r>
-              <a:rPr lang="en-GB" sz="2800" dirty="0">
-                <a:solidFill>
-                  <a:schemeClr val="accent1"/>
-                </a:solidFill>
-              </a:rPr>
-              <a:t>else if </a:t>
-            </a:r>
+              <a:t>Vital for structuring your code to handle different cases</a:t>
+            </a:r>
+          </a:p>
+          <a:p>
             <a:r>
               <a:rPr lang="en-GB" sz="2800" dirty="0"/>
-              <a:t>(logical2) </a:t>
-            </a:r>
-            <a:r>
-              <a:rPr lang="en-GB" sz="2800" dirty="0">
-                <a:solidFill>
-                  <a:schemeClr val="accent1"/>
-                </a:solidFill>
-              </a:rPr>
-              <a:t>then</a:t>
-            </a:r>
-          </a:p>
-          <a:p>
-            <a:pPr marL="0" indent="0">
-              <a:buNone/>
-            </a:pPr>
-            <a:r>
-              <a:rPr lang="en-GB" sz="2800" dirty="0"/>
-              <a:t>	[code to be executed if logical1 false and logical2 true]</a:t>
-            </a:r>
-          </a:p>
-          <a:p>
-            <a:pPr marL="0" indent="0">
-              <a:buNone/>
-            </a:pPr>
-            <a:r>
-              <a:rPr lang="en-GB" sz="2800" dirty="0">
-                <a:solidFill>
-                  <a:schemeClr val="accent1"/>
-                </a:solidFill>
-              </a:rPr>
-              <a:t>else if </a:t>
-            </a:r>
-            <a:r>
-              <a:rPr lang="en-GB" sz="2800" dirty="0"/>
-              <a:t>(logical3) </a:t>
-            </a:r>
-            <a:r>
-              <a:rPr lang="en-GB" sz="2800" dirty="0">
-                <a:solidFill>
-                  <a:schemeClr val="accent1"/>
-                </a:solidFill>
-              </a:rPr>
-              <a:t>then</a:t>
-            </a:r>
-          </a:p>
-          <a:p>
-            <a:pPr marL="0" indent="0">
-              <a:buNone/>
-            </a:pPr>
-            <a:r>
-              <a:rPr lang="en-GB" sz="2800" dirty="0"/>
-              <a:t>	[code to be executed if logical 3 true and logical1 and logical2 false]</a:t>
-            </a:r>
-          </a:p>
-          <a:p>
-            <a:pPr marL="0" indent="0">
-              <a:buNone/>
-            </a:pPr>
-            <a:r>
-              <a:rPr lang="en-GB" sz="2800" dirty="0">
-                <a:solidFill>
-                  <a:schemeClr val="accent1"/>
-                </a:solidFill>
-              </a:rPr>
-              <a:t>else</a:t>
-            </a:r>
-          </a:p>
-          <a:p>
-            <a:pPr marL="0" indent="0">
-              <a:buNone/>
-            </a:pPr>
-            <a:r>
-              <a:rPr lang="en-GB" sz="2800" dirty="0"/>
-              <a:t>	[code to be executed if logical1, logical2 and logical3 false]</a:t>
-            </a:r>
-          </a:p>
-          <a:p>
-            <a:pPr marL="0" indent="0">
-              <a:buNone/>
-            </a:pPr>
-            <a:r>
-              <a:rPr lang="en-GB" sz="2800" dirty="0">
-                <a:solidFill>
-                  <a:schemeClr val="accent1"/>
-                </a:solidFill>
-              </a:rPr>
-              <a:t>end if</a:t>
-            </a:r>
-          </a:p>
-          <a:p>
-            <a:pPr marL="0" indent="0">
-              <a:buNone/>
-            </a:pPr>
-            <a:endParaRPr lang="en-GB" sz="2800" dirty="0"/>
-          </a:p>
-          <a:p>
-            <a:pPr marL="0" indent="0">
-              <a:buNone/>
-            </a:pPr>
-            <a:r>
-              <a:rPr lang="en-GB" sz="2800" dirty="0"/>
-              <a:t>[code to be executed next]</a:t>
-            </a:r>
-          </a:p>
-          <a:p>
-            <a:pPr marL="0" indent="0">
-              <a:buNone/>
-            </a:pPr>
-            <a:endParaRPr lang="en-GB" sz="2800" dirty="0"/>
-          </a:p>
-          <a:p>
-            <a:pPr marL="0" indent="0">
-              <a:buNone/>
-            </a:pPr>
-            <a:endParaRPr lang="en-GB" sz="2800" dirty="0"/>
+              <a:t>Most common is the “if”, “else if”, “else” construct</a:t>
+            </a:r>
+            <a:endParaRPr lang="en-GB" sz="2400" dirty="0"/>
           </a:p>
           <a:p>
             <a:pPr marL="0" indent="0">
@@ -19074,49 +19192,10 @@
           </a:p>
         </p:txBody>
       </p:sp>
-      <p:sp>
-        <p:nvSpPr>
-          <p:cNvPr id="5" name="TextBox 4">
-            <a:extLst>
-              <a:ext uri="{FF2B5EF4-FFF2-40B4-BE49-F238E27FC236}">
-                <a16:creationId xmlns:a16="http://schemas.microsoft.com/office/drawing/2014/main" id="{04802720-F440-41B7-9540-A28C8F9A507C}"/>
-              </a:ext>
-            </a:extLst>
-          </p:cNvPr>
-          <p:cNvSpPr txBox="1"/>
-          <p:nvPr/>
-        </p:nvSpPr>
-        <p:spPr>
-          <a:xfrm>
-            <a:off x="7357241" y="6498021"/>
-            <a:ext cx="1697422" cy="369332"/>
-          </a:xfrm>
-          <a:prstGeom prst="rect">
-            <a:avLst/>
-          </a:prstGeom>
-          <a:noFill/>
-        </p:spPr>
-        <p:txBody>
-          <a:bodyPr wrap="square" rtlCol="0">
-            <a:spAutoFit/>
-          </a:bodyPr>
-          <a:lstStyle/>
-          <a:p>
-            <a:r>
-              <a:rPr lang="en-GB" dirty="0">
-                <a:solidFill>
-                  <a:schemeClr val="accent2"/>
-                </a:solidFill>
-              </a:rPr>
-              <a:t>Problem Sheet</a:t>
-            </a:r>
-          </a:p>
-        </p:txBody>
-      </p:sp>
     </p:spTree>
     <p:extLst>
       <p:ext uri="{BB962C8B-B14F-4D97-AF65-F5344CB8AC3E}">
-        <p14:creationId xmlns:p14="http://schemas.microsoft.com/office/powerpoint/2010/main" val="2539671263"/>
+        <p14:creationId xmlns:p14="http://schemas.microsoft.com/office/powerpoint/2010/main" val="2312507278"/>
       </p:ext>
     </p:extLst>
   </p:cSld>
@@ -19168,6 +19247,355 @@
           <a:p>
             <a:r>
               <a:rPr lang="en-GB" sz="4000" dirty="0"/>
+              <a:t>If, else if, else</a:t>
+            </a:r>
+          </a:p>
+        </p:txBody>
+      </p:sp>
+      <p:sp>
+        <p:nvSpPr>
+          <p:cNvPr id="3" name="Content Placeholder 2"/>
+          <p:cNvSpPr>
+            <a:spLocks noGrp="1"/>
+          </p:cNvSpPr>
+          <p:nvPr>
+            <p:ph idx="1"/>
+          </p:nvPr>
+        </p:nvSpPr>
+        <p:spPr>
+          <a:xfrm>
+            <a:off x="457200" y="1600200"/>
+            <a:ext cx="8435280" cy="4876800"/>
+          </a:xfrm>
+        </p:spPr>
+        <p:txBody>
+          <a:bodyPr>
+            <a:normAutofit fontScale="85000" lnSpcReduction="20000"/>
+          </a:bodyPr>
+          <a:lstStyle/>
+          <a:p>
+            <a:pPr marL="0" indent="0">
+              <a:buNone/>
+            </a:pPr>
+            <a:r>
+              <a:rPr lang="en-GB" sz="2800" dirty="0">
+                <a:solidFill>
+                  <a:schemeClr val="accent1"/>
+                </a:solidFill>
+              </a:rPr>
+              <a:t>if</a:t>
+            </a:r>
+            <a:r>
+              <a:rPr lang="en-GB" sz="2800" dirty="0"/>
+              <a:t> (logical1)</a:t>
+            </a:r>
+            <a:r>
+              <a:rPr lang="en-GB" sz="2800" dirty="0">
+                <a:solidFill>
+                  <a:schemeClr val="accent1"/>
+                </a:solidFill>
+              </a:rPr>
+              <a:t>then</a:t>
+            </a:r>
+          </a:p>
+          <a:p>
+            <a:pPr marL="0" indent="0">
+              <a:buNone/>
+            </a:pPr>
+            <a:r>
+              <a:rPr lang="en-GB" sz="2800" dirty="0"/>
+              <a:t>	[code to be executed if [logical expression 1] true]</a:t>
+            </a:r>
+          </a:p>
+          <a:p>
+            <a:pPr marL="0" indent="0">
+              <a:buNone/>
+            </a:pPr>
+            <a:r>
+              <a:rPr lang="en-GB" sz="2800" dirty="0">
+                <a:solidFill>
+                  <a:schemeClr val="accent1"/>
+                </a:solidFill>
+              </a:rPr>
+              <a:t>else if </a:t>
+            </a:r>
+            <a:r>
+              <a:rPr lang="en-GB" sz="2800" dirty="0"/>
+              <a:t>(logical2) </a:t>
+            </a:r>
+            <a:r>
+              <a:rPr lang="en-GB" sz="2800" dirty="0">
+                <a:solidFill>
+                  <a:schemeClr val="accent1"/>
+                </a:solidFill>
+              </a:rPr>
+              <a:t>then</a:t>
+            </a:r>
+          </a:p>
+          <a:p>
+            <a:pPr marL="0" indent="0">
+              <a:buNone/>
+            </a:pPr>
+            <a:r>
+              <a:rPr lang="en-GB" sz="2800" dirty="0"/>
+              <a:t>	[code to be executed if logical1 false and logical2 true]</a:t>
+            </a:r>
+          </a:p>
+          <a:p>
+            <a:pPr marL="0" indent="0">
+              <a:buNone/>
+            </a:pPr>
+            <a:r>
+              <a:rPr lang="en-GB" sz="2800" dirty="0">
+                <a:solidFill>
+                  <a:schemeClr val="accent1"/>
+                </a:solidFill>
+              </a:rPr>
+              <a:t>else if </a:t>
+            </a:r>
+            <a:r>
+              <a:rPr lang="en-GB" sz="2800" dirty="0"/>
+              <a:t>(logical3) </a:t>
+            </a:r>
+            <a:r>
+              <a:rPr lang="en-GB" sz="2800" dirty="0">
+                <a:solidFill>
+                  <a:schemeClr val="accent1"/>
+                </a:solidFill>
+              </a:rPr>
+              <a:t>then</a:t>
+            </a:r>
+          </a:p>
+          <a:p>
+            <a:pPr marL="0" indent="0">
+              <a:buNone/>
+            </a:pPr>
+            <a:r>
+              <a:rPr lang="en-GB" sz="2800" dirty="0"/>
+              <a:t>	[code to be executed if logical 3 true and logical1 and logical2 false]</a:t>
+            </a:r>
+          </a:p>
+          <a:p>
+            <a:pPr marL="0" indent="0">
+              <a:buNone/>
+            </a:pPr>
+            <a:r>
+              <a:rPr lang="en-GB" sz="2800" dirty="0">
+                <a:solidFill>
+                  <a:schemeClr val="accent1"/>
+                </a:solidFill>
+              </a:rPr>
+              <a:t>else</a:t>
+            </a:r>
+          </a:p>
+          <a:p>
+            <a:pPr marL="0" indent="0">
+              <a:buNone/>
+            </a:pPr>
+            <a:r>
+              <a:rPr lang="en-GB" sz="2800" dirty="0"/>
+              <a:t>	[code to be executed if logical1, logical2 and logical3 false]</a:t>
+            </a:r>
+          </a:p>
+          <a:p>
+            <a:pPr marL="0" indent="0">
+              <a:buNone/>
+            </a:pPr>
+            <a:r>
+              <a:rPr lang="en-GB" sz="2800" dirty="0">
+                <a:solidFill>
+                  <a:schemeClr val="accent1"/>
+                </a:solidFill>
+              </a:rPr>
+              <a:t>end if</a:t>
+            </a:r>
+          </a:p>
+          <a:p>
+            <a:pPr marL="0" indent="0">
+              <a:buNone/>
+            </a:pPr>
+            <a:endParaRPr lang="en-GB" sz="2800" dirty="0"/>
+          </a:p>
+          <a:p>
+            <a:pPr marL="0" indent="0">
+              <a:buNone/>
+            </a:pPr>
+            <a:r>
+              <a:rPr lang="en-GB" sz="2800" dirty="0"/>
+              <a:t>[code to be executed next]</a:t>
+            </a:r>
+          </a:p>
+          <a:p>
+            <a:pPr marL="0" indent="0">
+              <a:buNone/>
+            </a:pPr>
+            <a:endParaRPr lang="en-GB" sz="2800" dirty="0"/>
+          </a:p>
+          <a:p>
+            <a:pPr marL="0" indent="0">
+              <a:buNone/>
+            </a:pPr>
+            <a:endParaRPr lang="en-GB" sz="2800" dirty="0"/>
+          </a:p>
+          <a:p>
+            <a:pPr marL="0" indent="0">
+              <a:buNone/>
+            </a:pPr>
+            <a:endParaRPr lang="en-GB" sz="2800" dirty="0"/>
+          </a:p>
+          <a:p>
+            <a:pPr marL="0" indent="0">
+              <a:buNone/>
+            </a:pPr>
+            <a:endParaRPr lang="en-GB" sz="2600" dirty="0"/>
+          </a:p>
+          <a:p>
+            <a:pPr marL="0" indent="0">
+              <a:buNone/>
+            </a:pPr>
+            <a:endParaRPr lang="en-GB" sz="2600" dirty="0"/>
+          </a:p>
+          <a:p>
+            <a:pPr marL="0" indent="0">
+              <a:buNone/>
+            </a:pPr>
+            <a:endParaRPr lang="en-GB" sz="3000" dirty="0"/>
+          </a:p>
+        </p:txBody>
+      </p:sp>
+      <p:sp>
+        <p:nvSpPr>
+          <p:cNvPr id="4" name="TextBox 3">
+            <a:extLst>
+              <a:ext uri="{FF2B5EF4-FFF2-40B4-BE49-F238E27FC236}">
+                <a16:creationId xmlns:a16="http://schemas.microsoft.com/office/drawing/2014/main" id="{6FAB0CB6-79B2-4901-AFD9-92C5A0C9BFEB}"/>
+              </a:ext>
+            </a:extLst>
+          </p:cNvPr>
+          <p:cNvSpPr txBox="1"/>
+          <p:nvPr/>
+        </p:nvSpPr>
+        <p:spPr>
+          <a:xfrm>
+            <a:off x="5728138" y="6498021"/>
+            <a:ext cx="1765738" cy="369332"/>
+          </a:xfrm>
+          <a:prstGeom prst="rect">
+            <a:avLst/>
+          </a:prstGeom>
+          <a:noFill/>
+        </p:spPr>
+        <p:txBody>
+          <a:bodyPr wrap="square" rtlCol="0">
+            <a:spAutoFit/>
+          </a:bodyPr>
+          <a:lstStyle/>
+          <a:p>
+            <a:r>
+              <a:rPr lang="en-GB" dirty="0">
+                <a:solidFill>
+                  <a:schemeClr val="accent1"/>
+                </a:solidFill>
+              </a:rPr>
+              <a:t>Demonstration</a:t>
+            </a:r>
+          </a:p>
+        </p:txBody>
+      </p:sp>
+      <p:sp>
+        <p:nvSpPr>
+          <p:cNvPr id="5" name="TextBox 4">
+            <a:extLst>
+              <a:ext uri="{FF2B5EF4-FFF2-40B4-BE49-F238E27FC236}">
+                <a16:creationId xmlns:a16="http://schemas.microsoft.com/office/drawing/2014/main" id="{04802720-F440-41B7-9540-A28C8F9A507C}"/>
+              </a:ext>
+            </a:extLst>
+          </p:cNvPr>
+          <p:cNvSpPr txBox="1"/>
+          <p:nvPr/>
+        </p:nvSpPr>
+        <p:spPr>
+          <a:xfrm>
+            <a:off x="7357241" y="6498021"/>
+            <a:ext cx="1697422" cy="369332"/>
+          </a:xfrm>
+          <a:prstGeom prst="rect">
+            <a:avLst/>
+          </a:prstGeom>
+          <a:noFill/>
+        </p:spPr>
+        <p:txBody>
+          <a:bodyPr wrap="square" rtlCol="0">
+            <a:spAutoFit/>
+          </a:bodyPr>
+          <a:lstStyle/>
+          <a:p>
+            <a:r>
+              <a:rPr lang="en-GB" dirty="0">
+                <a:solidFill>
+                  <a:schemeClr val="accent2"/>
+                </a:solidFill>
+              </a:rPr>
+              <a:t>Problem Sheet</a:t>
+            </a:r>
+          </a:p>
+        </p:txBody>
+      </p:sp>
+    </p:spTree>
+    <p:extLst>
+      <p:ext uri="{BB962C8B-B14F-4D97-AF65-F5344CB8AC3E}">
+        <p14:creationId xmlns:p14="http://schemas.microsoft.com/office/powerpoint/2010/main" val="2539671263"/>
+      </p:ext>
+    </p:extLst>
+  </p:cSld>
+  <p:clrMapOvr>
+    <a:masterClrMapping/>
+  </p:clrMapOvr>
+  <mc:AlternateContent xmlns:mc="http://schemas.openxmlformats.org/markup-compatibility/2006" xmlns:p14="http://schemas.microsoft.com/office/powerpoint/2010/main">
+    <mc:Choice Requires="p14">
+      <p:transition p14:dur="10"/>
+    </mc:Choice>
+    <mc:Fallback xmlns="">
+      <p:transition/>
+    </mc:Fallback>
+  </mc:AlternateContent>
+</p:sld>
+</file>
+
+<file path=ppt/slides/slide34.xml><?xml version="1.0" encoding="utf-8"?>
+<p:sld xmlns:a="http://schemas.openxmlformats.org/drawingml/2006/main" xmlns:r="http://schemas.openxmlformats.org/officeDocument/2006/relationships" xmlns:p="http://schemas.openxmlformats.org/presentationml/2006/main">
+  <p:cSld>
+    <p:spTree>
+      <p:nvGrpSpPr>
+        <p:cNvPr id="1" name=""/>
+        <p:cNvGrpSpPr/>
+        <p:nvPr/>
+      </p:nvGrpSpPr>
+      <p:grpSpPr>
+        <a:xfrm>
+          <a:off x="0" y="0"/>
+          <a:ext cx="0" cy="0"/>
+          <a:chOff x="0" y="0"/>
+          <a:chExt cx="0" cy="0"/>
+        </a:xfrm>
+      </p:grpSpPr>
+      <p:sp>
+        <p:nvSpPr>
+          <p:cNvPr id="2" name="Title 1"/>
+          <p:cNvSpPr>
+            <a:spLocks noGrp="1"/>
+          </p:cNvSpPr>
+          <p:nvPr>
+            <p:ph type="title"/>
+          </p:nvPr>
+        </p:nvSpPr>
+        <p:spPr/>
+        <p:txBody>
+          <a:bodyPr/>
+          <a:lstStyle/>
+          <a:p>
+            <a:r>
+              <a:rPr lang="en-GB" sz="4000" dirty="0"/>
               <a:t>Loops</a:t>
             </a:r>
           </a:p>
@@ -19267,7 +19695,7 @@
 </p:sld>
 </file>
 
-<file path=ppt/slides/slide34.xml><?xml version="1.0" encoding="utf-8"?>
+<file path=ppt/slides/slide35.xml><?xml version="1.0" encoding="utf-8"?>
 <p:sld xmlns:a="http://schemas.openxmlformats.org/drawingml/2006/main" xmlns:r="http://schemas.openxmlformats.org/officeDocument/2006/relationships" xmlns:p="http://schemas.openxmlformats.org/presentationml/2006/main">
   <p:cSld>
     <p:spTree>
@@ -19888,7 +20316,7 @@
 </p:sld>
 </file>
 
-<file path=ppt/slides/slide35.xml><?xml version="1.0" encoding="utf-8"?>
+<file path=ppt/slides/slide36.xml><?xml version="1.0" encoding="utf-8"?>
 <p:sld xmlns:a="http://schemas.openxmlformats.org/drawingml/2006/main" xmlns:r="http://schemas.openxmlformats.org/officeDocument/2006/relationships" xmlns:p="http://schemas.openxmlformats.org/presentationml/2006/main">
   <p:cSld>
     <p:spTree>
@@ -20315,7 +20743,7 @@
 </p:sld>
 </file>
 
-<file path=ppt/slides/slide36.xml><?xml version="1.0" encoding="utf-8"?>
+<file path=ppt/slides/slide37.xml><?xml version="1.0" encoding="utf-8"?>
 <p:sld xmlns:a="http://schemas.openxmlformats.org/drawingml/2006/main" xmlns:r="http://schemas.openxmlformats.org/officeDocument/2006/relationships" xmlns:p="http://schemas.openxmlformats.org/presentationml/2006/main">
   <p:cSld>
     <p:spTree>
@@ -20429,7 +20857,7 @@
 </p:sld>
 </file>
 
-<file path=ppt/slides/slide37.xml><?xml version="1.0" encoding="utf-8"?>
+<file path=ppt/slides/slide38.xml><?xml version="1.0" encoding="utf-8"?>
 <p:sld xmlns:a="http://schemas.openxmlformats.org/drawingml/2006/main" xmlns:r="http://schemas.openxmlformats.org/officeDocument/2006/relationships" xmlns:p="http://schemas.openxmlformats.org/presentationml/2006/main">
   <p:cSld>
     <p:spTree>
@@ -20529,7 +20957,7 @@
 </p:sld>
 </file>
 
-<file path=ppt/slides/slide38.xml><?xml version="1.0" encoding="utf-8"?>
+<file path=ppt/slides/slide39.xml><?xml version="1.0" encoding="utf-8"?>
 <p:sld xmlns:a="http://schemas.openxmlformats.org/drawingml/2006/main" xmlns:r="http://schemas.openxmlformats.org/officeDocument/2006/relationships" xmlns:p="http://schemas.openxmlformats.org/presentationml/2006/main">
   <p:cSld>
     <p:spTree>
@@ -20954,7 +21382,164 @@
 </p:sld>
 </file>
 
-<file path=ppt/slides/slide39.xml><?xml version="1.0" encoding="utf-8"?>
+<file path=ppt/slides/slide4.xml><?xml version="1.0" encoding="utf-8"?>
+<p:sld xmlns:a="http://schemas.openxmlformats.org/drawingml/2006/main" xmlns:r="http://schemas.openxmlformats.org/officeDocument/2006/relationships" xmlns:p="http://schemas.openxmlformats.org/presentationml/2006/main">
+  <p:cSld>
+    <p:spTree>
+      <p:nvGrpSpPr>
+        <p:cNvPr id="1" name=""/>
+        <p:cNvGrpSpPr/>
+        <p:nvPr/>
+      </p:nvGrpSpPr>
+      <p:grpSpPr>
+        <a:xfrm>
+          <a:off x="0" y="0"/>
+          <a:ext cx="0" cy="0"/>
+          <a:chOff x="0" y="0"/>
+          <a:chExt cx="0" cy="0"/>
+        </a:xfrm>
+      </p:grpSpPr>
+      <p:sp>
+        <p:nvSpPr>
+          <p:cNvPr id="4" name="Title 1"/>
+          <p:cNvSpPr txBox="1">
+            <a:spLocks/>
+          </p:cNvSpPr>
+          <p:nvPr/>
+        </p:nvSpPr>
+        <p:spPr>
+          <a:xfrm>
+            <a:off x="401319" y="472966"/>
+            <a:ext cx="5558047" cy="930165"/>
+          </a:xfrm>
+          <a:prstGeom prst="rect">
+            <a:avLst/>
+          </a:prstGeom>
+        </p:spPr>
+        <p:txBody>
+          <a:bodyPr anchor="b"/>
+          <a:lstStyle>
+            <a:lvl1pPr algn="l" defTabSz="457200" rtl="0" eaLnBrk="1" latinLnBrk="0" hangingPunct="1">
+              <a:lnSpc>
+                <a:spcPct val="90000"/>
+              </a:lnSpc>
+              <a:spcBef>
+                <a:spcPct val="0"/>
+              </a:spcBef>
+              <a:buNone/>
+              <a:defRPr sz="4000" b="1" i="0" kern="1200" baseline="0">
+                <a:solidFill>
+                  <a:schemeClr val="tx2"/>
+                </a:solidFill>
+                <a:latin typeface="+mj-lt"/>
+                <a:ea typeface="+mj-ea"/>
+                <a:cs typeface="MetaOT-Bold"/>
+              </a:defRPr>
+            </a:lvl1pPr>
+          </a:lstStyle>
+          <a:p>
+            <a:r>
+              <a:rPr lang="en-US" sz="3200" dirty="0">
+                <a:solidFill>
+                  <a:schemeClr val="accent3"/>
+                </a:solidFill>
+              </a:rPr>
+              <a:t>Expectations:  Covid-safe teaching environments</a:t>
+            </a:r>
+          </a:p>
+        </p:txBody>
+      </p:sp>
+      <p:sp>
+        <p:nvSpPr>
+          <p:cNvPr id="5" name="Subtitle 2"/>
+          <p:cNvSpPr>
+            <a:spLocks noGrp="1"/>
+          </p:cNvSpPr>
+          <p:nvPr>
+            <p:ph type="subTitle" idx="1"/>
+          </p:nvPr>
+        </p:nvSpPr>
+        <p:spPr>
+          <a:xfrm>
+            <a:off x="189186" y="1450427"/>
+            <a:ext cx="8797158" cy="4020208"/>
+          </a:xfrm>
+        </p:spPr>
+        <p:txBody>
+          <a:bodyPr lIns="91440" tIns="45720" rIns="91440" bIns="45720" anchor="t"/>
+          <a:lstStyle/>
+          <a:p>
+            <a:r>
+              <a:rPr lang="en-US" sz="2200" u="sng" dirty="0"/>
+              <a:t>For the purpose of contact tracing</a:t>
+            </a:r>
+            <a:endParaRPr lang="en-US" sz="2200" dirty="0"/>
+          </a:p>
+          <a:p>
+            <a:endParaRPr lang="en-US" sz="2200" dirty="0"/>
+          </a:p>
+          <a:p>
+            <a:r>
+              <a:rPr lang="en-US" sz="2200" dirty="0"/>
+              <a:t>For our standard workshops:</a:t>
+            </a:r>
+          </a:p>
+          <a:p>
+            <a:pPr marL="342900" indent="-342900">
+              <a:buFont typeface="Arial" panose="020B0604020202020204" pitchFamily="34" charset="0"/>
+              <a:buChar char="•"/>
+            </a:pPr>
+            <a:r>
+              <a:rPr lang="en-US" sz="2200" dirty="0"/>
+              <a:t>We will provide the CCT Hub with the complete list of attendees at this workshop</a:t>
+            </a:r>
+          </a:p>
+          <a:p>
+            <a:endParaRPr lang="en-US" sz="2200" dirty="0"/>
+          </a:p>
+          <a:p>
+            <a:r>
+              <a:rPr lang="en-US" sz="2200" dirty="0"/>
+              <a:t>Where our workshops are held in lecture theatres:</a:t>
+            </a:r>
+          </a:p>
+          <a:p>
+            <a:pPr marL="342900" indent="-342900">
+              <a:buFont typeface="Arial" panose="020B0604020202020204" pitchFamily="34" charset="0"/>
+              <a:buChar char="•"/>
+            </a:pPr>
+            <a:r>
+              <a:rPr lang="en-US" sz="2200" dirty="0"/>
+              <a:t>You should keep a record of colleagues that you are sat in </a:t>
+            </a:r>
+            <a:r>
+              <a:rPr lang="en-US" sz="2200"/>
+              <a:t>close contact with </a:t>
+            </a:r>
+            <a:r>
+              <a:rPr lang="en-US" sz="2200" dirty="0"/>
+              <a:t>(within 2 meters)</a:t>
+            </a:r>
+          </a:p>
+          <a:p>
+            <a:endParaRPr lang="en-US" dirty="0"/>
+          </a:p>
+        </p:txBody>
+      </p:sp>
+    </p:spTree>
+    <p:extLst>
+      <p:ext uri="{BB962C8B-B14F-4D97-AF65-F5344CB8AC3E}">
+        <p14:creationId xmlns:p14="http://schemas.microsoft.com/office/powerpoint/2010/main" val="3238657636"/>
+      </p:ext>
+    </p:extLst>
+  </p:cSld>
+  <p:clrMapOvr>
+    <a:masterClrMapping/>
+  </p:clrMapOvr>
+</p:sld>
+</file>
+
+<file path=ppt/slides/slide40.xml><?xml version="1.0" encoding="utf-8"?>
 <p:sld xmlns:a="http://schemas.openxmlformats.org/drawingml/2006/main" xmlns:r="http://schemas.openxmlformats.org/officeDocument/2006/relationships" xmlns:p="http://schemas.openxmlformats.org/presentationml/2006/main">
   <p:cSld>
     <p:spTree>
@@ -21329,157 +21914,7 @@
 </p:sld>
 </file>
 
-<file path=ppt/slides/slide4.xml><?xml version="1.0" encoding="utf-8"?>
-<p:sld xmlns:a="http://schemas.openxmlformats.org/drawingml/2006/main" xmlns:r="http://schemas.openxmlformats.org/officeDocument/2006/relationships" xmlns:p="http://schemas.openxmlformats.org/presentationml/2006/main">
-  <p:cSld>
-    <p:spTree>
-      <p:nvGrpSpPr>
-        <p:cNvPr id="1" name=""/>
-        <p:cNvGrpSpPr/>
-        <p:nvPr/>
-      </p:nvGrpSpPr>
-      <p:grpSpPr>
-        <a:xfrm>
-          <a:off x="0" y="0"/>
-          <a:ext cx="0" cy="0"/>
-          <a:chOff x="0" y="0"/>
-          <a:chExt cx="0" cy="0"/>
-        </a:xfrm>
-      </p:grpSpPr>
-      <p:sp>
-        <p:nvSpPr>
-          <p:cNvPr id="2" name="Title 1"/>
-          <p:cNvSpPr>
-            <a:spLocks noGrp="1"/>
-          </p:cNvSpPr>
-          <p:nvPr>
-            <p:ph type="title"/>
-          </p:nvPr>
-        </p:nvSpPr>
-        <p:spPr/>
-        <p:txBody>
-          <a:bodyPr/>
-          <a:lstStyle/>
-          <a:p>
-            <a:r>
-              <a:rPr lang="en-GB" sz="4000" dirty="0"/>
-              <a:t>Learning Outcomes</a:t>
-            </a:r>
-          </a:p>
-        </p:txBody>
-      </p:sp>
-      <p:sp>
-        <p:nvSpPr>
-          <p:cNvPr id="3" name="Content Placeholder 2"/>
-          <p:cNvSpPr>
-            <a:spLocks noGrp="1"/>
-          </p:cNvSpPr>
-          <p:nvPr>
-            <p:ph idx="1"/>
-          </p:nvPr>
-        </p:nvSpPr>
-        <p:spPr>
-          <a:xfrm>
-            <a:off x="457200" y="1600200"/>
-            <a:ext cx="8435280" cy="4876800"/>
-          </a:xfrm>
-        </p:spPr>
-        <p:txBody>
-          <a:bodyPr>
-            <a:normAutofit fontScale="92500" lnSpcReduction="20000"/>
-          </a:bodyPr>
-          <a:lstStyle/>
-          <a:p>
-            <a:pPr marL="514350" lvl="0" indent="-514350">
-              <a:buAutoNum type="arabicPeriod"/>
-            </a:pPr>
-            <a:r>
-              <a:rPr lang="en-GB" b="1" dirty="0"/>
-              <a:t>Define</a:t>
-            </a:r>
-            <a:r>
-              <a:rPr lang="en-GB" dirty="0"/>
-              <a:t> the terms source file, compiler and executable,</a:t>
-            </a:r>
-          </a:p>
-          <a:p>
-            <a:pPr marL="514350" lvl="0" indent="-514350">
-              <a:buAutoNum type="arabicPeriod"/>
-            </a:pPr>
-            <a:r>
-              <a:rPr lang="en-GB" b="1" dirty="0"/>
-              <a:t>Use</a:t>
-            </a:r>
-            <a:r>
-              <a:rPr lang="en-GB" dirty="0"/>
-              <a:t> a compiler to create and run simple codes,</a:t>
-            </a:r>
-          </a:p>
-          <a:p>
-            <a:pPr marL="514350" lvl="0" indent="-514350">
-              <a:buAutoNum type="arabicPeriod"/>
-            </a:pPr>
-            <a:r>
-              <a:rPr lang="en-GB" b="1" dirty="0"/>
-              <a:t>Apply</a:t>
-            </a:r>
-            <a:r>
-              <a:rPr lang="en-GB" dirty="0"/>
-              <a:t> fundamental components of the Fortran language including variables, loops, conditionals and subroutines,</a:t>
-            </a:r>
-          </a:p>
-          <a:p>
-            <a:pPr marL="514350" lvl="0" indent="-514350">
-              <a:buAutoNum type="arabicPeriod"/>
-            </a:pPr>
-            <a:r>
-              <a:rPr lang="en-GB" b="1" dirty="0"/>
-              <a:t>Create</a:t>
-            </a:r>
-            <a:r>
-              <a:rPr lang="en-GB" dirty="0"/>
-              <a:t> programs designed to solve simple numerical problems</a:t>
-            </a:r>
-            <a:endParaRPr lang="en-GB" i="1" dirty="0"/>
-          </a:p>
-          <a:p>
-            <a:pPr marL="514350" lvl="0" indent="-514350">
-              <a:buAutoNum type="arabicPeriod"/>
-            </a:pPr>
-            <a:r>
-              <a:rPr lang="en-GB" b="1" dirty="0"/>
-              <a:t>Interpret</a:t>
-            </a:r>
-            <a:r>
-              <a:rPr lang="en-GB" dirty="0"/>
-              <a:t> common compiler and run-time errors and use these to help debug a program</a:t>
-            </a:r>
-            <a:endParaRPr lang="en-GB" sz="3000" dirty="0"/>
-          </a:p>
-        </p:txBody>
-      </p:sp>
-    </p:spTree>
-    <p:extLst>
-      <p:ext uri="{BB962C8B-B14F-4D97-AF65-F5344CB8AC3E}">
-        <p14:creationId xmlns:p14="http://schemas.microsoft.com/office/powerpoint/2010/main" val="3248724752"/>
-      </p:ext>
-    </p:extLst>
-  </p:cSld>
-  <p:clrMapOvr>
-    <a:masterClrMapping/>
-  </p:clrMapOvr>
-  <mc:AlternateContent xmlns:mc="http://schemas.openxmlformats.org/markup-compatibility/2006" xmlns:p14="http://schemas.microsoft.com/office/powerpoint/2010/main">
-    <mc:Choice Requires="p14">
-      <p:transition p14:dur="10"/>
-    </mc:Choice>
-    <mc:Fallback xmlns="">
-      <p:transition/>
-    </mc:Fallback>
-  </mc:AlternateContent>
-</p:sld>
-</file>
-
-<file path=ppt/slides/slide40.xml><?xml version="1.0" encoding="utf-8"?>
+<file path=ppt/slides/slide41.xml><?xml version="1.0" encoding="utf-8"?>
 <p:sld xmlns:a="http://schemas.openxmlformats.org/drawingml/2006/main" xmlns:r="http://schemas.openxmlformats.org/officeDocument/2006/relationships" xmlns:p="http://schemas.openxmlformats.org/presentationml/2006/main">
   <p:cSld>
     <p:spTree>
@@ -21591,7 +22026,7 @@
 </p:sld>
 </file>
 
-<file path=ppt/slides/slide41.xml><?xml version="1.0" encoding="utf-8"?>
+<file path=ppt/slides/slide42.xml><?xml version="1.0" encoding="utf-8"?>
 <p:sld xmlns:a="http://schemas.openxmlformats.org/drawingml/2006/main" xmlns:r="http://schemas.openxmlformats.org/officeDocument/2006/relationships" xmlns:p="http://schemas.openxmlformats.org/presentationml/2006/main">
   <p:cSld>
     <p:spTree>
@@ -22090,388 +22525,6 @@
 </p:sld>
 </file>
 
-<file path=ppt/slides/slide42.xml><?xml version="1.0" encoding="utf-8"?>
-<p:sld xmlns:a="http://schemas.openxmlformats.org/drawingml/2006/main" xmlns:r="http://schemas.openxmlformats.org/officeDocument/2006/relationships" xmlns:p="http://schemas.openxmlformats.org/presentationml/2006/main">
-  <p:cSld>
-    <p:spTree>
-      <p:nvGrpSpPr>
-        <p:cNvPr id="1" name=""/>
-        <p:cNvGrpSpPr/>
-        <p:nvPr/>
-      </p:nvGrpSpPr>
-      <p:grpSpPr>
-        <a:xfrm>
-          <a:off x="0" y="0"/>
-          <a:ext cx="0" cy="0"/>
-          <a:chOff x="0" y="0"/>
-          <a:chExt cx="0" cy="0"/>
-        </a:xfrm>
-      </p:grpSpPr>
-      <p:sp>
-        <p:nvSpPr>
-          <p:cNvPr id="2" name="Title 1"/>
-          <p:cNvSpPr>
-            <a:spLocks noGrp="1"/>
-          </p:cNvSpPr>
-          <p:nvPr>
-            <p:ph type="title"/>
-          </p:nvPr>
-        </p:nvSpPr>
-        <p:spPr/>
-        <p:txBody>
-          <a:bodyPr/>
-          <a:lstStyle/>
-          <a:p>
-            <a:r>
-              <a:rPr lang="en-GB" sz="4000" dirty="0"/>
-              <a:t>Functions - Calling</a:t>
-            </a:r>
-          </a:p>
-        </p:txBody>
-      </p:sp>
-      <p:sp>
-        <p:nvSpPr>
-          <p:cNvPr id="7" name="Content Placeholder 6">
-            <a:extLst>
-              <a:ext uri="{FF2B5EF4-FFF2-40B4-BE49-F238E27FC236}">
-                <a16:creationId xmlns:a16="http://schemas.microsoft.com/office/drawing/2014/main" id="{8704F1A3-720B-4123-B3B8-B6C05F8BAC14}"/>
-              </a:ext>
-            </a:extLst>
-          </p:cNvPr>
-          <p:cNvSpPr>
-            <a:spLocks noGrp="1"/>
-          </p:cNvSpPr>
-          <p:nvPr>
-            <p:ph idx="1"/>
-          </p:nvPr>
-        </p:nvSpPr>
-        <p:spPr>
-          <a:xfrm>
-            <a:off x="457200" y="1466440"/>
-            <a:ext cx="8131996" cy="4879931"/>
-          </a:xfrm>
-        </p:spPr>
-        <p:txBody>
-          <a:bodyPr/>
-          <a:lstStyle/>
-          <a:p>
-            <a:pPr marL="0" indent="0">
-              <a:buNone/>
-            </a:pPr>
-            <a:r>
-              <a:rPr lang="en-GB" sz="2400" dirty="0">
-                <a:solidFill>
-                  <a:schemeClr val="accent5"/>
-                </a:solidFill>
-              </a:rPr>
-              <a:t>real</a:t>
-            </a:r>
-            <a:r>
-              <a:rPr lang="en-GB" sz="2400" dirty="0"/>
-              <a:t>    ::  real1, real2</a:t>
-            </a:r>
-          </a:p>
-          <a:p>
-            <a:pPr marL="0" indent="0">
-              <a:buNone/>
-            </a:pPr>
-            <a:endParaRPr lang="en-GB" sz="2400" dirty="0"/>
-          </a:p>
-          <a:p>
-            <a:pPr marL="0" indent="0">
-              <a:buNone/>
-            </a:pPr>
-            <a:r>
-              <a:rPr lang="en-GB" sz="2400" dirty="0">
-                <a:solidFill>
-                  <a:schemeClr val="accent1"/>
-                </a:solidFill>
-              </a:rPr>
-              <a:t>print</a:t>
-            </a:r>
-            <a:r>
-              <a:rPr lang="en-GB" sz="2400" dirty="0"/>
-              <a:t>*, function_name1(</a:t>
-            </a:r>
-            <a:r>
-              <a:rPr lang="en-GB" sz="2400" dirty="0">
-                <a:solidFill>
-                  <a:schemeClr val="accent2"/>
-                </a:solidFill>
-              </a:rPr>
-              <a:t>2.0</a:t>
-            </a:r>
-            <a:r>
-              <a:rPr lang="en-GB" sz="2400" dirty="0"/>
-              <a:t>, </a:t>
-            </a:r>
-            <a:r>
-              <a:rPr lang="en-GB" sz="2400" dirty="0">
-                <a:solidFill>
-                  <a:schemeClr val="accent2"/>
-                </a:solidFill>
-              </a:rPr>
-              <a:t>4.0</a:t>
-            </a:r>
-            <a:r>
-              <a:rPr lang="en-GB" sz="2400" dirty="0"/>
-              <a:t>)</a:t>
-            </a:r>
-          </a:p>
-          <a:p>
-            <a:pPr marL="0" indent="0">
-              <a:buNone/>
-            </a:pPr>
-            <a:r>
-              <a:rPr lang="en-GB" sz="2400" dirty="0">
-                <a:solidFill>
-                  <a:schemeClr val="accent1"/>
-                </a:solidFill>
-              </a:rPr>
-              <a:t>print</a:t>
-            </a:r>
-            <a:r>
-              <a:rPr lang="en-GB" sz="2400" dirty="0"/>
-              <a:t>*, function_name2(</a:t>
-            </a:r>
-            <a:r>
-              <a:rPr lang="en-GB" sz="2400" dirty="0">
-                <a:solidFill>
-                  <a:schemeClr val="accent2"/>
-                </a:solidFill>
-              </a:rPr>
-              <a:t>1.0</a:t>
-            </a:r>
-            <a:r>
-              <a:rPr lang="en-GB" sz="2400" dirty="0"/>
-              <a:t>, </a:t>
-            </a:r>
-            <a:r>
-              <a:rPr lang="en-GB" sz="2400" dirty="0">
-                <a:solidFill>
-                  <a:schemeClr val="accent2"/>
-                </a:solidFill>
-              </a:rPr>
-              <a:t>3.0</a:t>
-            </a:r>
-            <a:r>
-              <a:rPr lang="en-GB" sz="2400" dirty="0"/>
-              <a:t>)</a:t>
-            </a:r>
-          </a:p>
-          <a:p>
-            <a:pPr marL="0" indent="0">
-              <a:buNone/>
-            </a:pPr>
-            <a:endParaRPr lang="en-GB" sz="2400" dirty="0"/>
-          </a:p>
-          <a:p>
-            <a:pPr marL="0" indent="0">
-              <a:buNone/>
-            </a:pPr>
-            <a:r>
-              <a:rPr lang="en-GB" sz="2400" dirty="0"/>
-              <a:t>real1=function_name1 (</a:t>
-            </a:r>
-            <a:r>
-              <a:rPr lang="en-GB" sz="2400" dirty="0">
-                <a:solidFill>
-                  <a:schemeClr val="accent2"/>
-                </a:solidFill>
-              </a:rPr>
-              <a:t>2.0</a:t>
-            </a:r>
-            <a:r>
-              <a:rPr lang="en-GB" sz="2400" dirty="0"/>
-              <a:t>, </a:t>
-            </a:r>
-            <a:r>
-              <a:rPr lang="en-GB" sz="2400" dirty="0">
-                <a:solidFill>
-                  <a:schemeClr val="accent2"/>
-                </a:solidFill>
-              </a:rPr>
-              <a:t>3.0</a:t>
-            </a:r>
-            <a:r>
-              <a:rPr lang="en-GB" sz="2400" dirty="0"/>
-              <a:t>)</a:t>
-            </a:r>
-          </a:p>
-          <a:p>
-            <a:pPr marL="0" indent="0">
-              <a:buNone/>
-            </a:pPr>
-            <a:r>
-              <a:rPr lang="en-GB" sz="2400" dirty="0"/>
-              <a:t>real2=function_name2(real1, real1/</a:t>
-            </a:r>
-            <a:r>
-              <a:rPr lang="en-GB" sz="2400" dirty="0">
-                <a:solidFill>
-                  <a:schemeClr val="accent2"/>
-                </a:solidFill>
-              </a:rPr>
-              <a:t>3.0</a:t>
-            </a:r>
-            <a:r>
-              <a:rPr lang="en-GB" sz="2400" dirty="0"/>
-              <a:t>)*</a:t>
-            </a:r>
-            <a:r>
-              <a:rPr lang="en-GB" sz="2400" dirty="0">
-                <a:solidFill>
-                  <a:schemeClr val="accent2"/>
-                </a:solidFill>
-              </a:rPr>
-              <a:t>2.0</a:t>
-            </a:r>
-          </a:p>
-          <a:p>
-            <a:pPr marL="0" indent="0">
-              <a:buNone/>
-            </a:pPr>
-            <a:br>
-              <a:rPr lang="en-GB" sz="2400" dirty="0"/>
-            </a:br>
-            <a:r>
-              <a:rPr lang="en-GB" sz="2400" dirty="0">
-                <a:solidFill>
-                  <a:schemeClr val="accent1"/>
-                </a:solidFill>
-              </a:rPr>
-              <a:t>print</a:t>
-            </a:r>
-            <a:r>
-              <a:rPr lang="en-GB" sz="2400" dirty="0"/>
-              <a:t>*, function_name1(real2, function_name2(</a:t>
-            </a:r>
-            <a:r>
-              <a:rPr lang="en-GB" sz="2400" dirty="0">
-                <a:solidFill>
-                  <a:schemeClr val="accent2"/>
-                </a:solidFill>
-              </a:rPr>
-              <a:t>2.0</a:t>
-            </a:r>
-            <a:r>
-              <a:rPr lang="en-GB" sz="2400" dirty="0"/>
-              <a:t>, </a:t>
-            </a:r>
-            <a:r>
-              <a:rPr lang="en-GB" sz="2400" dirty="0">
-                <a:solidFill>
-                  <a:schemeClr val="accent2"/>
-                </a:solidFill>
-              </a:rPr>
-              <a:t>3.0</a:t>
-            </a:r>
-            <a:r>
-              <a:rPr lang="en-GB" sz="2400" dirty="0"/>
-              <a:t>))</a:t>
-            </a:r>
-          </a:p>
-        </p:txBody>
-      </p:sp>
-      <p:sp>
-        <p:nvSpPr>
-          <p:cNvPr id="11" name="TextBox 10">
-            <a:extLst>
-              <a:ext uri="{FF2B5EF4-FFF2-40B4-BE49-F238E27FC236}">
-                <a16:creationId xmlns:a16="http://schemas.microsoft.com/office/drawing/2014/main" id="{EE625C72-6D59-439C-96A8-3DEE7A0774D8}"/>
-              </a:ext>
-            </a:extLst>
-          </p:cNvPr>
-          <p:cNvSpPr txBox="1"/>
-          <p:nvPr/>
-        </p:nvSpPr>
-        <p:spPr>
-          <a:xfrm>
-            <a:off x="5728138" y="6498021"/>
-            <a:ext cx="1765738" cy="369332"/>
-          </a:xfrm>
-          <a:prstGeom prst="rect">
-            <a:avLst/>
-          </a:prstGeom>
-          <a:noFill/>
-        </p:spPr>
-        <p:txBody>
-          <a:bodyPr wrap="square" rtlCol="0">
-            <a:spAutoFit/>
-          </a:bodyPr>
-          <a:lstStyle/>
-          <a:p>
-            <a:r>
-              <a:rPr lang="en-GB" dirty="0">
-                <a:solidFill>
-                  <a:schemeClr val="accent1"/>
-                </a:solidFill>
-              </a:rPr>
-              <a:t>Demonstration</a:t>
-            </a:r>
-          </a:p>
-        </p:txBody>
-      </p:sp>
-      <p:sp>
-        <p:nvSpPr>
-          <p:cNvPr id="5" name="TextBox 4">
-            <a:extLst>
-              <a:ext uri="{FF2B5EF4-FFF2-40B4-BE49-F238E27FC236}">
-                <a16:creationId xmlns:a16="http://schemas.microsoft.com/office/drawing/2014/main" id="{14AD2C1F-43FF-4CF4-B8BB-C85A1A930793}"/>
-              </a:ext>
-            </a:extLst>
-          </p:cNvPr>
-          <p:cNvSpPr txBox="1"/>
-          <p:nvPr/>
-        </p:nvSpPr>
-        <p:spPr>
-          <a:xfrm>
-            <a:off x="7357241" y="6498021"/>
-            <a:ext cx="1697422" cy="369332"/>
-          </a:xfrm>
-          <a:prstGeom prst="rect">
-            <a:avLst/>
-          </a:prstGeom>
-          <a:noFill/>
-        </p:spPr>
-        <p:txBody>
-          <a:bodyPr wrap="square" rtlCol="0">
-            <a:spAutoFit/>
-          </a:bodyPr>
-          <a:lstStyle/>
-          <a:p>
-            <a:r>
-              <a:rPr lang="en-GB" dirty="0">
-                <a:solidFill>
-                  <a:schemeClr val="accent2"/>
-                </a:solidFill>
-              </a:rPr>
-              <a:t>Problem Sheet</a:t>
-            </a:r>
-          </a:p>
-        </p:txBody>
-      </p:sp>
-    </p:spTree>
-    <p:extLst>
-      <p:ext uri="{BB962C8B-B14F-4D97-AF65-F5344CB8AC3E}">
-        <p14:creationId xmlns:p14="http://schemas.microsoft.com/office/powerpoint/2010/main" val="265627358"/>
-      </p:ext>
-    </p:extLst>
-  </p:cSld>
-  <p:clrMapOvr>
-    <a:masterClrMapping/>
-  </p:clrMapOvr>
-  <mc:AlternateContent xmlns:mc="http://schemas.openxmlformats.org/markup-compatibility/2006" xmlns:p14="http://schemas.microsoft.com/office/powerpoint/2010/main">
-    <mc:Choice Requires="p14">
-      <p:transition p14:dur="10"/>
-    </mc:Choice>
-    <mc:Fallback xmlns="">
-      <p:transition/>
-    </mc:Fallback>
-  </mc:AlternateContent>
-</p:sld>
-</file>
-
 <file path=ppt/slides/slide43.xml><?xml version="1.0" encoding="utf-8"?>
 <p:sld xmlns:a="http://schemas.openxmlformats.org/drawingml/2006/main" xmlns:r="http://schemas.openxmlformats.org/officeDocument/2006/relationships" xmlns:p="http://schemas.openxmlformats.org/presentationml/2006/main">
   <p:cSld>
@@ -22506,7 +22559,7 @@
           <a:p>
             <a:r>
               <a:rPr lang="en-GB" sz="4000" dirty="0"/>
-              <a:t>Extension: Functions – Recursion</a:t>
+              <a:t>Functions - Calling</a:t>
             </a:r>
           </a:p>
         </p:txBody>
@@ -22529,7 +22582,7 @@
         </p:nvSpPr>
         <p:spPr>
           <a:xfrm>
-            <a:off x="272143" y="1466440"/>
+            <a:off x="457200" y="1466440"/>
             <a:ext cx="8131996" cy="4879931"/>
           </a:xfrm>
         </p:spPr>
@@ -22546,40 +22599,11 @@
                   <a:schemeClr val="accent5"/>
                 </a:solidFill>
               </a:rPr>
-              <a:t>recursive function </a:t>
-            </a:r>
-            <a:r>
-              <a:rPr lang="en-GB" sz="2400" dirty="0">
-                <a:solidFill>
-                  <a:schemeClr val="accent3"/>
-                </a:solidFill>
-              </a:rPr>
-              <a:t>factorial</a:t>
+              <a:t>real</a:t>
             </a:r>
             <a:r>
               <a:rPr lang="en-GB" sz="2400" dirty="0"/>
-              <a:t>(</a:t>
-            </a:r>
-            <a:r>
-              <a:rPr lang="en-GB" sz="2400" dirty="0">
-                <a:solidFill>
-                  <a:schemeClr val="accent2"/>
-                </a:solidFill>
-              </a:rPr>
-              <a:t>value</a:t>
-            </a:r>
-            <a:r>
-              <a:rPr lang="en-GB" sz="2400" dirty="0"/>
-              <a:t>)result(evaluation)</a:t>
-            </a:r>
-          </a:p>
-          <a:p>
-            <a:pPr marL="0" indent="0">
-              <a:buNone/>
-            </a:pPr>
-            <a:r>
-              <a:rPr lang="en-GB" sz="2400" dirty="0"/>
-              <a:t>	integer ::  value, evaluation</a:t>
+              <a:t>    ::  real1, real2</a:t>
             </a:r>
           </a:p>
           <a:p>
@@ -22589,7 +22613,7 @@
             <a:endParaRPr lang="en-GB" sz="2400" dirty="0"/>
           </a:p>
           <a:p>
-            <a:pPr marL="400050" lvl="1" indent="0">
+            <a:pPr marL="0" indent="0">
               <a:buNone/>
             </a:pPr>
             <a:r>
@@ -22598,11 +22622,11 @@
                   <a:schemeClr val="accent1"/>
                 </a:solidFill>
               </a:rPr>
-              <a:t>	if</a:t>
+              <a:t>print</a:t>
             </a:r>
             <a:r>
               <a:rPr lang="en-GB" sz="2400" dirty="0"/>
-              <a:t> (value==</a:t>
+              <a:t>*, function_name1(</a:t>
             </a:r>
             <a:r>
               <a:rPr lang="en-GB" sz="2400" dirty="0">
@@ -22610,11 +22634,11 @@
                   <a:schemeClr val="accent2"/>
                 </a:solidFill>
               </a:rPr>
-              <a:t>0</a:t>
+              <a:t>2.0</a:t>
             </a:r>
             <a:r>
               <a:rPr lang="en-GB" sz="2400" dirty="0"/>
-              <a:t> .or. value==</a:t>
+              <a:t>, </a:t>
             </a:r>
             <a:r>
               <a:rPr lang="en-GB" sz="2400" dirty="0">
@@ -22622,28 +22646,28 @@
                   <a:schemeClr val="accent2"/>
                 </a:solidFill>
               </a:rPr>
-              <a:t>1</a:t>
+              <a:t>4.0</a:t>
             </a:r>
             <a:r>
               <a:rPr lang="en-GB" sz="2400" dirty="0"/>
               <a:t>)</a:t>
             </a:r>
+          </a:p>
+          <a:p>
+            <a:pPr marL="0" indent="0">
+              <a:buNone/>
+            </a:pPr>
             <a:r>
               <a:rPr lang="en-GB" sz="2400" dirty="0">
                 <a:solidFill>
                   <a:schemeClr val="accent1"/>
                 </a:solidFill>
               </a:rPr>
-              <a:t>then</a:t>
-            </a:r>
-          </a:p>
-          <a:p>
-            <a:pPr marL="400050" lvl="1" indent="0">
-              <a:buNone/>
-            </a:pPr>
+              <a:t>print</a:t>
+            </a:r>
             <a:r>
               <a:rPr lang="en-GB" sz="2400" dirty="0"/>
-              <a:t>	  evaluation=</a:t>
+              <a:t>*, function_name2(</a:t>
             </a:r>
             <a:r>
               <a:rPr lang="en-GB" sz="2400" dirty="0">
@@ -22651,53 +22675,19 @@
                   <a:schemeClr val="accent2"/>
                 </a:solidFill>
               </a:rPr>
-              <a:t>1</a:t>
-            </a:r>
-          </a:p>
-          <a:p>
-            <a:pPr marL="400050" lvl="1" indent="0">
-              <a:buNone/>
-            </a:pPr>
+              <a:t>1.0</a:t>
+            </a:r>
+            <a:r>
+              <a:rPr lang="en-GB" sz="2400" dirty="0"/>
+              <a:t>, </a:t>
+            </a:r>
             <a:r>
               <a:rPr lang="en-GB" sz="2400" dirty="0">
                 <a:solidFill>
-                  <a:schemeClr val="accent1"/>
+                  <a:schemeClr val="accent2"/>
                 </a:solidFill>
               </a:rPr>
-              <a:t>else if</a:t>
-            </a:r>
-            <a:r>
-              <a:rPr lang="en-GB" sz="2400" dirty="0"/>
-              <a:t>(value&gt;</a:t>
-            </a:r>
-            <a:r>
-              <a:rPr lang="en-GB" sz="2400" dirty="0">
-                <a:solidFill>
-                  <a:schemeClr val="accent2"/>
-                </a:solidFill>
-              </a:rPr>
-              <a:t>1</a:t>
-            </a:r>
-            <a:r>
-              <a:rPr lang="en-GB" sz="2400" dirty="0"/>
-              <a:t>)then</a:t>
-            </a:r>
-          </a:p>
-          <a:p>
-            <a:pPr marL="400050" lvl="1" indent="0">
-              <a:buNone/>
-            </a:pPr>
-            <a:r>
-              <a:rPr lang="en-GB" sz="2400" dirty="0"/>
-              <a:t>  evaluation=value*factorial(value-</a:t>
-            </a:r>
-            <a:r>
-              <a:rPr lang="en-GB" sz="2400" dirty="0">
-                <a:solidFill>
-                  <a:schemeClr val="accent2"/>
-                </a:solidFill>
-              </a:rPr>
-              <a:t>1</a:t>
+              <a:t>3.0</a:t>
             </a:r>
             <a:r>
               <a:rPr lang="en-GB" sz="2400" dirty="0"/>
@@ -22705,63 +22695,115 @@
             </a:r>
           </a:p>
           <a:p>
-            <a:pPr marL="400050" lvl="1" indent="0">
+            <a:pPr marL="0" indent="0">
               <a:buNone/>
             </a:pPr>
+            <a:endParaRPr lang="en-GB" sz="2400" dirty="0"/>
+          </a:p>
+          <a:p>
+            <a:pPr marL="0" indent="0">
+              <a:buNone/>
+            </a:pPr>
+            <a:r>
+              <a:rPr lang="en-GB" sz="2400" dirty="0"/>
+              <a:t>real1=function_name1 (</a:t>
+            </a:r>
             <a:r>
               <a:rPr lang="en-GB" sz="2400" dirty="0">
                 <a:solidFill>
+                  <a:schemeClr val="accent2"/>
+                </a:solidFill>
+              </a:rPr>
+              <a:t>2.0</a:t>
+            </a:r>
+            <a:r>
+              <a:rPr lang="en-GB" sz="2400" dirty="0"/>
+              <a:t>, </a:t>
+            </a:r>
+            <a:r>
+              <a:rPr lang="en-GB" sz="2400" dirty="0">
+                <a:solidFill>
+                  <a:schemeClr val="accent2"/>
+                </a:solidFill>
+              </a:rPr>
+              <a:t>3.0</a:t>
+            </a:r>
+            <a:r>
+              <a:rPr lang="en-GB" sz="2400" dirty="0"/>
+              <a:t>)</a:t>
+            </a:r>
+          </a:p>
+          <a:p>
+            <a:pPr marL="0" indent="0">
+              <a:buNone/>
+            </a:pPr>
+            <a:r>
+              <a:rPr lang="en-GB" sz="2400" dirty="0"/>
+              <a:t>real2=function_name2(real1, real1/</a:t>
+            </a:r>
+            <a:r>
+              <a:rPr lang="en-GB" sz="2400" dirty="0">
+                <a:solidFill>
+                  <a:schemeClr val="accent2"/>
+                </a:solidFill>
+              </a:rPr>
+              <a:t>3.0</a:t>
+            </a:r>
+            <a:r>
+              <a:rPr lang="en-GB" sz="2400" dirty="0"/>
+              <a:t>)*</a:t>
+            </a:r>
+            <a:r>
+              <a:rPr lang="en-GB" sz="2400" dirty="0">
+                <a:solidFill>
+                  <a:schemeClr val="accent2"/>
+                </a:solidFill>
+              </a:rPr>
+              <a:t>2.0</a:t>
+            </a:r>
+          </a:p>
+          <a:p>
+            <a:pPr marL="0" indent="0">
+              <a:buNone/>
+            </a:pPr>
+            <a:br>
+              <a:rPr lang="en-GB" sz="2400" dirty="0"/>
+            </a:br>
+            <a:r>
+              <a:rPr lang="en-GB" sz="2400" dirty="0">
+                <a:solidFill>
                   <a:schemeClr val="accent1"/>
                 </a:solidFill>
               </a:rPr>
-              <a:t>else</a:t>
-            </a:r>
-          </a:p>
-          <a:p>
-            <a:pPr marL="400050" lvl="1" indent="0">
-              <a:buNone/>
-            </a:pPr>
+              <a:t>print</a:t>
+            </a:r>
+            <a:r>
+              <a:rPr lang="en-GB" sz="2400" dirty="0"/>
+              <a:t>*, function_name1(real2, function_name2(</a:t>
+            </a:r>
             <a:r>
               <a:rPr lang="en-GB" sz="2400" dirty="0">
                 <a:solidFill>
-                  <a:schemeClr val="accent1"/>
+                  <a:schemeClr val="accent2"/>
                 </a:solidFill>
               </a:rPr>
-              <a:t>  stop </a:t>
+              <a:t>2.0</a:t>
             </a:r>
             <a:r>
               <a:rPr lang="en-GB" sz="2400" dirty="0"/>
-              <a:t>"Cannot take the factorial of a negative number"</a:t>
-            </a:r>
-          </a:p>
-          <a:p>
-            <a:pPr marL="400050" lvl="1" indent="0">
-              <a:buNone/>
-            </a:pPr>
+              <a:t>, </a:t>
+            </a:r>
             <a:r>
               <a:rPr lang="en-GB" sz="2400" dirty="0">
                 <a:solidFill>
-                  <a:schemeClr val="accent1"/>
+                  <a:schemeClr val="accent2"/>
                 </a:solidFill>
               </a:rPr>
-              <a:t>end if</a:t>
-            </a:r>
-          </a:p>
-          <a:p>
-            <a:pPr marL="0" indent="0">
-              <a:buNone/>
-            </a:pPr>
-            <a:r>
-              <a:rPr lang="en-GB" sz="2400" dirty="0">
-                <a:solidFill>
-                  <a:schemeClr val="accent5"/>
-                </a:solidFill>
-              </a:rPr>
-              <a:t>end function </a:t>
+              <a:t>3.0</a:t>
             </a:r>
             <a:r>
               <a:rPr lang="en-GB" sz="2400" dirty="0"/>
-              <a:t>factorial</a:t>
+              <a:t>))</a:t>
             </a:r>
           </a:p>
         </p:txBody>
@@ -22805,10 +22847,49 @@
           </a:p>
         </p:txBody>
       </p:sp>
+      <p:sp>
+        <p:nvSpPr>
+          <p:cNvPr id="5" name="TextBox 4">
+            <a:extLst>
+              <a:ext uri="{FF2B5EF4-FFF2-40B4-BE49-F238E27FC236}">
+                <a16:creationId xmlns:a16="http://schemas.microsoft.com/office/drawing/2014/main" id="{14AD2C1F-43FF-4CF4-B8BB-C85A1A930793}"/>
+              </a:ext>
+            </a:extLst>
+          </p:cNvPr>
+          <p:cNvSpPr txBox="1"/>
+          <p:nvPr/>
+        </p:nvSpPr>
+        <p:spPr>
+          <a:xfrm>
+            <a:off x="7357241" y="6498021"/>
+            <a:ext cx="1697422" cy="369332"/>
+          </a:xfrm>
+          <a:prstGeom prst="rect">
+            <a:avLst/>
+          </a:prstGeom>
+          <a:noFill/>
+        </p:spPr>
+        <p:txBody>
+          <a:bodyPr wrap="square" rtlCol="0">
+            <a:spAutoFit/>
+          </a:bodyPr>
+          <a:lstStyle/>
+          <a:p>
+            <a:r>
+              <a:rPr lang="en-GB" dirty="0">
+                <a:solidFill>
+                  <a:schemeClr val="accent2"/>
+                </a:solidFill>
+              </a:rPr>
+              <a:t>Problem Sheet</a:t>
+            </a:r>
+          </a:p>
+        </p:txBody>
+      </p:sp>
     </p:spTree>
     <p:extLst>
       <p:ext uri="{BB962C8B-B14F-4D97-AF65-F5344CB8AC3E}">
-        <p14:creationId xmlns:p14="http://schemas.microsoft.com/office/powerpoint/2010/main" val="3716300829"/>
+        <p14:creationId xmlns:p14="http://schemas.microsoft.com/office/powerpoint/2010/main" val="265627358"/>
       </p:ext>
     </p:extLst>
   </p:cSld>
@@ -22860,6 +22941,360 @@
           <a:p>
             <a:r>
               <a:rPr lang="en-GB" sz="4000" dirty="0"/>
+              <a:t>Extension: Functions – Recursion</a:t>
+            </a:r>
+          </a:p>
+        </p:txBody>
+      </p:sp>
+      <p:sp>
+        <p:nvSpPr>
+          <p:cNvPr id="7" name="Content Placeholder 6">
+            <a:extLst>
+              <a:ext uri="{FF2B5EF4-FFF2-40B4-BE49-F238E27FC236}">
+                <a16:creationId xmlns:a16="http://schemas.microsoft.com/office/drawing/2014/main" id="{8704F1A3-720B-4123-B3B8-B6C05F8BAC14}"/>
+              </a:ext>
+            </a:extLst>
+          </p:cNvPr>
+          <p:cNvSpPr>
+            <a:spLocks noGrp="1"/>
+          </p:cNvSpPr>
+          <p:nvPr>
+            <p:ph idx="1"/>
+          </p:nvPr>
+        </p:nvSpPr>
+        <p:spPr>
+          <a:xfrm>
+            <a:off x="272143" y="1466440"/>
+            <a:ext cx="8131996" cy="4879931"/>
+          </a:xfrm>
+        </p:spPr>
+        <p:txBody>
+          <a:bodyPr/>
+          <a:lstStyle/>
+          <a:p>
+            <a:pPr marL="0" indent="0">
+              <a:buNone/>
+            </a:pPr>
+            <a:r>
+              <a:rPr lang="en-GB" sz="2400" dirty="0">
+                <a:solidFill>
+                  <a:schemeClr val="accent5"/>
+                </a:solidFill>
+              </a:rPr>
+              <a:t>recursive function </a:t>
+            </a:r>
+            <a:r>
+              <a:rPr lang="en-GB" sz="2400" dirty="0">
+                <a:solidFill>
+                  <a:schemeClr val="accent3"/>
+                </a:solidFill>
+              </a:rPr>
+              <a:t>factorial</a:t>
+            </a:r>
+            <a:r>
+              <a:rPr lang="en-GB" sz="2400" dirty="0"/>
+              <a:t>(</a:t>
+            </a:r>
+            <a:r>
+              <a:rPr lang="en-GB" sz="2400" dirty="0">
+                <a:solidFill>
+                  <a:schemeClr val="accent2"/>
+                </a:solidFill>
+              </a:rPr>
+              <a:t>value</a:t>
+            </a:r>
+            <a:r>
+              <a:rPr lang="en-GB" sz="2400" dirty="0"/>
+              <a:t>)result(evaluation)</a:t>
+            </a:r>
+          </a:p>
+          <a:p>
+            <a:pPr marL="0" indent="0">
+              <a:buNone/>
+            </a:pPr>
+            <a:r>
+              <a:rPr lang="en-GB" sz="2400" dirty="0"/>
+              <a:t>	integer ::  value, evaluation</a:t>
+            </a:r>
+          </a:p>
+          <a:p>
+            <a:pPr marL="0" indent="0">
+              <a:buNone/>
+            </a:pPr>
+            <a:endParaRPr lang="en-GB" sz="2400" dirty="0"/>
+          </a:p>
+          <a:p>
+            <a:pPr marL="400050" lvl="1" indent="0">
+              <a:buNone/>
+            </a:pPr>
+            <a:r>
+              <a:rPr lang="en-GB" sz="2400" dirty="0">
+                <a:solidFill>
+                  <a:schemeClr val="accent1"/>
+                </a:solidFill>
+              </a:rPr>
+              <a:t>	if</a:t>
+            </a:r>
+            <a:r>
+              <a:rPr lang="en-GB" sz="2400" dirty="0"/>
+              <a:t> (value==</a:t>
+            </a:r>
+            <a:r>
+              <a:rPr lang="en-GB" sz="2400" dirty="0">
+                <a:solidFill>
+                  <a:schemeClr val="accent2"/>
+                </a:solidFill>
+              </a:rPr>
+              <a:t>0</a:t>
+            </a:r>
+            <a:r>
+              <a:rPr lang="en-GB" sz="2400" dirty="0"/>
+              <a:t> .or. value==</a:t>
+            </a:r>
+            <a:r>
+              <a:rPr lang="en-GB" sz="2400" dirty="0">
+                <a:solidFill>
+                  <a:schemeClr val="accent2"/>
+                </a:solidFill>
+              </a:rPr>
+              <a:t>1</a:t>
+            </a:r>
+            <a:r>
+              <a:rPr lang="en-GB" sz="2400" dirty="0"/>
+              <a:t>)</a:t>
+            </a:r>
+            <a:r>
+              <a:rPr lang="en-GB" sz="2400" dirty="0">
+                <a:solidFill>
+                  <a:schemeClr val="accent1"/>
+                </a:solidFill>
+              </a:rPr>
+              <a:t>then</a:t>
+            </a:r>
+          </a:p>
+          <a:p>
+            <a:pPr marL="400050" lvl="1" indent="0">
+              <a:buNone/>
+            </a:pPr>
+            <a:r>
+              <a:rPr lang="en-GB" sz="2400" dirty="0"/>
+              <a:t>	  evaluation=</a:t>
+            </a:r>
+            <a:r>
+              <a:rPr lang="en-GB" sz="2400" dirty="0">
+                <a:solidFill>
+                  <a:schemeClr val="accent2"/>
+                </a:solidFill>
+              </a:rPr>
+              <a:t>1</a:t>
+            </a:r>
+          </a:p>
+          <a:p>
+            <a:pPr marL="400050" lvl="1" indent="0">
+              <a:buNone/>
+            </a:pPr>
+            <a:r>
+              <a:rPr lang="en-GB" sz="2400" dirty="0">
+                <a:solidFill>
+                  <a:schemeClr val="accent1"/>
+                </a:solidFill>
+              </a:rPr>
+              <a:t>else if</a:t>
+            </a:r>
+            <a:r>
+              <a:rPr lang="en-GB" sz="2400" dirty="0"/>
+              <a:t>(value&gt;</a:t>
+            </a:r>
+            <a:r>
+              <a:rPr lang="en-GB" sz="2400" dirty="0">
+                <a:solidFill>
+                  <a:schemeClr val="accent2"/>
+                </a:solidFill>
+              </a:rPr>
+              <a:t>1</a:t>
+            </a:r>
+            <a:r>
+              <a:rPr lang="en-GB" sz="2400" dirty="0"/>
+              <a:t>)then</a:t>
+            </a:r>
+          </a:p>
+          <a:p>
+            <a:pPr marL="400050" lvl="1" indent="0">
+              <a:buNone/>
+            </a:pPr>
+            <a:r>
+              <a:rPr lang="en-GB" sz="2400" dirty="0"/>
+              <a:t>  evaluation=value*factorial(value-</a:t>
+            </a:r>
+            <a:r>
+              <a:rPr lang="en-GB" sz="2400" dirty="0">
+                <a:solidFill>
+                  <a:schemeClr val="accent2"/>
+                </a:solidFill>
+              </a:rPr>
+              <a:t>1</a:t>
+            </a:r>
+            <a:r>
+              <a:rPr lang="en-GB" sz="2400" dirty="0"/>
+              <a:t>)</a:t>
+            </a:r>
+          </a:p>
+          <a:p>
+            <a:pPr marL="400050" lvl="1" indent="0">
+              <a:buNone/>
+            </a:pPr>
+            <a:r>
+              <a:rPr lang="en-GB" sz="2400" dirty="0">
+                <a:solidFill>
+                  <a:schemeClr val="accent1"/>
+                </a:solidFill>
+              </a:rPr>
+              <a:t>else</a:t>
+            </a:r>
+          </a:p>
+          <a:p>
+            <a:pPr marL="400050" lvl="1" indent="0">
+              <a:buNone/>
+            </a:pPr>
+            <a:r>
+              <a:rPr lang="en-GB" sz="2400" dirty="0">
+                <a:solidFill>
+                  <a:schemeClr val="accent1"/>
+                </a:solidFill>
+              </a:rPr>
+              <a:t>  stop </a:t>
+            </a:r>
+            <a:r>
+              <a:rPr lang="en-GB" sz="2400" dirty="0"/>
+              <a:t>"Cannot take the factorial of a negative number"</a:t>
+            </a:r>
+          </a:p>
+          <a:p>
+            <a:pPr marL="400050" lvl="1" indent="0">
+              <a:buNone/>
+            </a:pPr>
+            <a:r>
+              <a:rPr lang="en-GB" sz="2400" dirty="0">
+                <a:solidFill>
+                  <a:schemeClr val="accent1"/>
+                </a:solidFill>
+              </a:rPr>
+              <a:t>end if</a:t>
+            </a:r>
+          </a:p>
+          <a:p>
+            <a:pPr marL="0" indent="0">
+              <a:buNone/>
+            </a:pPr>
+            <a:r>
+              <a:rPr lang="en-GB" sz="2400" dirty="0">
+                <a:solidFill>
+                  <a:schemeClr val="accent5"/>
+                </a:solidFill>
+              </a:rPr>
+              <a:t>end function </a:t>
+            </a:r>
+            <a:r>
+              <a:rPr lang="en-GB" sz="2400" dirty="0"/>
+              <a:t>factorial</a:t>
+            </a:r>
+          </a:p>
+        </p:txBody>
+      </p:sp>
+      <p:sp>
+        <p:nvSpPr>
+          <p:cNvPr id="11" name="TextBox 10">
+            <a:extLst>
+              <a:ext uri="{FF2B5EF4-FFF2-40B4-BE49-F238E27FC236}">
+                <a16:creationId xmlns:a16="http://schemas.microsoft.com/office/drawing/2014/main" id="{EE625C72-6D59-439C-96A8-3DEE7A0774D8}"/>
+              </a:ext>
+            </a:extLst>
+          </p:cNvPr>
+          <p:cNvSpPr txBox="1"/>
+          <p:nvPr/>
+        </p:nvSpPr>
+        <p:spPr>
+          <a:xfrm>
+            <a:off x="5728138" y="6498021"/>
+            <a:ext cx="1765738" cy="369332"/>
+          </a:xfrm>
+          <a:prstGeom prst="rect">
+            <a:avLst/>
+          </a:prstGeom>
+          <a:noFill/>
+        </p:spPr>
+        <p:txBody>
+          <a:bodyPr wrap="square" rtlCol="0">
+            <a:spAutoFit/>
+          </a:bodyPr>
+          <a:lstStyle/>
+          <a:p>
+            <a:r>
+              <a:rPr lang="en-GB" dirty="0">
+                <a:solidFill>
+                  <a:schemeClr val="accent1"/>
+                </a:solidFill>
+              </a:rPr>
+              <a:t>Demonstration</a:t>
+            </a:r>
+          </a:p>
+        </p:txBody>
+      </p:sp>
+    </p:spTree>
+    <p:extLst>
+      <p:ext uri="{BB962C8B-B14F-4D97-AF65-F5344CB8AC3E}">
+        <p14:creationId xmlns:p14="http://schemas.microsoft.com/office/powerpoint/2010/main" val="3716300829"/>
+      </p:ext>
+    </p:extLst>
+  </p:cSld>
+  <p:clrMapOvr>
+    <a:masterClrMapping/>
+  </p:clrMapOvr>
+  <mc:AlternateContent xmlns:mc="http://schemas.openxmlformats.org/markup-compatibility/2006" xmlns:p14="http://schemas.microsoft.com/office/powerpoint/2010/main">
+    <mc:Choice Requires="p14">
+      <p:transition p14:dur="10"/>
+    </mc:Choice>
+    <mc:Fallback xmlns="">
+      <p:transition/>
+    </mc:Fallback>
+  </mc:AlternateContent>
+</p:sld>
+</file>
+
+<file path=ppt/slides/slide45.xml><?xml version="1.0" encoding="utf-8"?>
+<p:sld xmlns:a="http://schemas.openxmlformats.org/drawingml/2006/main" xmlns:r="http://schemas.openxmlformats.org/officeDocument/2006/relationships" xmlns:p="http://schemas.openxmlformats.org/presentationml/2006/main">
+  <p:cSld>
+    <p:spTree>
+      <p:nvGrpSpPr>
+        <p:cNvPr id="1" name=""/>
+        <p:cNvGrpSpPr/>
+        <p:nvPr/>
+      </p:nvGrpSpPr>
+      <p:grpSpPr>
+        <a:xfrm>
+          <a:off x="0" y="0"/>
+          <a:ext cx="0" cy="0"/>
+          <a:chOff x="0" y="0"/>
+          <a:chExt cx="0" cy="0"/>
+        </a:xfrm>
+      </p:grpSpPr>
+      <p:sp>
+        <p:nvSpPr>
+          <p:cNvPr id="2" name="Title 1"/>
+          <p:cNvSpPr>
+            <a:spLocks noGrp="1"/>
+          </p:cNvSpPr>
+          <p:nvPr>
+            <p:ph type="title"/>
+          </p:nvPr>
+        </p:nvSpPr>
+        <p:spPr/>
+        <p:txBody>
+          <a:bodyPr/>
+          <a:lstStyle/>
+          <a:p>
+            <a:r>
+              <a:rPr lang="en-GB" sz="4000" dirty="0"/>
               <a:t>Deferred Size Arguments</a:t>
             </a:r>
           </a:p>
@@ -23209,7 +23644,7 @@
 </p:sld>
 </file>
 
-<file path=ppt/slides/slide45.xml><?xml version="1.0" encoding="utf-8"?>
+<file path=ppt/slides/slide46.xml><?xml version="1.0" encoding="utf-8"?>
 <p:sld xmlns:a="http://schemas.openxmlformats.org/drawingml/2006/main" xmlns:r="http://schemas.openxmlformats.org/officeDocument/2006/relationships" xmlns:p="http://schemas.openxmlformats.org/presentationml/2006/main">
   <p:cSld>
     <p:spTree>
@@ -23770,7 +24205,7 @@
 </p:sld>
 </file>
 
-<file path=ppt/slides/slide46.xml><?xml version="1.0" encoding="utf-8"?>
+<file path=ppt/slides/slide47.xml><?xml version="1.0" encoding="utf-8"?>
 <p:sld xmlns:a="http://schemas.openxmlformats.org/drawingml/2006/main" xmlns:r="http://schemas.openxmlformats.org/officeDocument/2006/relationships" xmlns:p="http://schemas.openxmlformats.org/presentationml/2006/main">
   <p:cSld>
     <p:spTree>
@@ -24111,7 +24546,7 @@
 </p:sld>
 </file>
 
-<file path=ppt/slides/slide47.xml><?xml version="1.0" encoding="utf-8"?>
+<file path=ppt/slides/slide48.xml><?xml version="1.0" encoding="utf-8"?>
 <p:sld xmlns:a="http://schemas.openxmlformats.org/drawingml/2006/main" xmlns:r="http://schemas.openxmlformats.org/officeDocument/2006/relationships" xmlns:p="http://schemas.openxmlformats.org/presentationml/2006/main">
   <p:cSld>
     <p:spTree>
@@ -24708,213 +25143,6 @@
 </p:sld>
 </file>
 
-<file path=ppt/slides/slide48.xml><?xml version="1.0" encoding="utf-8"?>
-<p:sld xmlns:a="http://schemas.openxmlformats.org/drawingml/2006/main" xmlns:r="http://schemas.openxmlformats.org/officeDocument/2006/relationships" xmlns:p="http://schemas.openxmlformats.org/presentationml/2006/main">
-  <p:cSld>
-    <p:spTree>
-      <p:nvGrpSpPr>
-        <p:cNvPr id="1" name=""/>
-        <p:cNvGrpSpPr/>
-        <p:nvPr/>
-      </p:nvGrpSpPr>
-      <p:grpSpPr>
-        <a:xfrm>
-          <a:off x="0" y="0"/>
-          <a:ext cx="0" cy="0"/>
-          <a:chOff x="0" y="0"/>
-          <a:chExt cx="0" cy="0"/>
-        </a:xfrm>
-      </p:grpSpPr>
-      <p:sp>
-        <p:nvSpPr>
-          <p:cNvPr id="2" name="Title 1"/>
-          <p:cNvSpPr>
-            <a:spLocks noGrp="1"/>
-          </p:cNvSpPr>
-          <p:nvPr>
-            <p:ph type="title"/>
-          </p:nvPr>
-        </p:nvSpPr>
-        <p:spPr/>
-        <p:txBody>
-          <a:bodyPr/>
-          <a:lstStyle/>
-          <a:p>
-            <a:r>
-              <a:rPr lang="en-GB" sz="4000" dirty="0"/>
-              <a:t>Errors in Fortran</a:t>
-            </a:r>
-          </a:p>
-        </p:txBody>
-      </p:sp>
-      <p:sp>
-        <p:nvSpPr>
-          <p:cNvPr id="7" name="Content Placeholder 6">
-            <a:extLst>
-              <a:ext uri="{FF2B5EF4-FFF2-40B4-BE49-F238E27FC236}">
-                <a16:creationId xmlns:a16="http://schemas.microsoft.com/office/drawing/2014/main" id="{8704F1A3-720B-4123-B3B8-B6C05F8BAC14}"/>
-              </a:ext>
-            </a:extLst>
-          </p:cNvPr>
-          <p:cNvSpPr>
-            <a:spLocks noGrp="1"/>
-          </p:cNvSpPr>
-          <p:nvPr>
-            <p:ph idx="1"/>
-          </p:nvPr>
-        </p:nvSpPr>
-        <p:spPr/>
-        <p:txBody>
-          <a:bodyPr/>
-          <a:lstStyle/>
-          <a:p>
-            <a:r>
-              <a:rPr lang="en-GB" sz="2400" dirty="0"/>
-              <a:t>Compilation Errors</a:t>
-            </a:r>
-          </a:p>
-          <a:p>
-            <a:pPr lvl="1"/>
-            <a:r>
-              <a:rPr lang="en-GB" sz="2400" dirty="0"/>
-              <a:t>Picked up by the compiler</a:t>
-            </a:r>
-          </a:p>
-          <a:p>
-            <a:pPr lvl="1"/>
-            <a:r>
-              <a:rPr lang="en-GB" sz="2400" dirty="0"/>
-              <a:t>Will be phrased differently between different compilers</a:t>
-            </a:r>
-          </a:p>
-          <a:p>
-            <a:pPr lvl="1"/>
-            <a:r>
-              <a:rPr lang="en-GB" sz="2400" dirty="0"/>
-              <a:t>Compilers will sometimes pick up different errors</a:t>
-            </a:r>
-          </a:p>
-          <a:p>
-            <a:r>
-              <a:rPr lang="en-GB" sz="2400" dirty="0"/>
-              <a:t>Run-time errors</a:t>
-            </a:r>
-          </a:p>
-          <a:p>
-            <a:pPr lvl="1"/>
-            <a:r>
-              <a:rPr lang="en-GB" sz="2400" dirty="0"/>
-              <a:t>Code compiles correctly</a:t>
-            </a:r>
-          </a:p>
-          <a:p>
-            <a:pPr lvl="1"/>
-            <a:r>
-              <a:rPr lang="en-GB" sz="2400" dirty="0"/>
-              <a:t>When running the code an invalid operation is requested due to the state of one or more variables</a:t>
-            </a:r>
-          </a:p>
-        </p:txBody>
-      </p:sp>
-      <p:sp>
-        <p:nvSpPr>
-          <p:cNvPr id="4" name="TextBox 3">
-            <a:extLst>
-              <a:ext uri="{FF2B5EF4-FFF2-40B4-BE49-F238E27FC236}">
-                <a16:creationId xmlns:a16="http://schemas.microsoft.com/office/drawing/2014/main" id="{FE18D065-54F3-477E-A4A8-A9C295184741}"/>
-              </a:ext>
-            </a:extLst>
-          </p:cNvPr>
-          <p:cNvSpPr txBox="1"/>
-          <p:nvPr/>
-        </p:nvSpPr>
-        <p:spPr>
-          <a:xfrm>
-            <a:off x="5728138" y="6498021"/>
-            <a:ext cx="1765738" cy="369332"/>
-          </a:xfrm>
-          <a:prstGeom prst="rect">
-            <a:avLst/>
-          </a:prstGeom>
-          <a:noFill/>
-        </p:spPr>
-        <p:txBody>
-          <a:bodyPr wrap="square" rtlCol="0">
-            <a:spAutoFit/>
-          </a:bodyPr>
-          <a:lstStyle/>
-          <a:p>
-            <a:r>
-              <a:rPr lang="en-GB" dirty="0">
-                <a:solidFill>
-                  <a:schemeClr val="accent1"/>
-                </a:solidFill>
-              </a:rPr>
-              <a:t>Demonstration</a:t>
-            </a:r>
-          </a:p>
-        </p:txBody>
-      </p:sp>
-      <p:sp>
-        <p:nvSpPr>
-          <p:cNvPr id="5" name="TextBox 4">
-            <a:extLst>
-              <a:ext uri="{FF2B5EF4-FFF2-40B4-BE49-F238E27FC236}">
-                <a16:creationId xmlns:a16="http://schemas.microsoft.com/office/drawing/2014/main" id="{52437283-C048-4F57-A1B8-9AA1E11EA4CE}"/>
-              </a:ext>
-            </a:extLst>
-          </p:cNvPr>
-          <p:cNvSpPr txBox="1"/>
-          <p:nvPr/>
-        </p:nvSpPr>
-        <p:spPr>
-          <a:xfrm>
-            <a:off x="7357241" y="6498021"/>
-            <a:ext cx="1697422" cy="369332"/>
-          </a:xfrm>
-          <a:prstGeom prst="rect">
-            <a:avLst/>
-          </a:prstGeom>
-          <a:noFill/>
-        </p:spPr>
-        <p:txBody>
-          <a:bodyPr wrap="square" rtlCol="0">
-            <a:spAutoFit/>
-          </a:bodyPr>
-          <a:lstStyle/>
-          <a:p>
-            <a:r>
-              <a:rPr lang="en-GB" dirty="0">
-                <a:solidFill>
-                  <a:schemeClr val="accent2"/>
-                </a:solidFill>
-              </a:rPr>
-              <a:t>Problem Sheet</a:t>
-            </a:r>
-          </a:p>
-        </p:txBody>
-      </p:sp>
-    </p:spTree>
-    <p:extLst>
-      <p:ext uri="{BB962C8B-B14F-4D97-AF65-F5344CB8AC3E}">
-        <p14:creationId xmlns:p14="http://schemas.microsoft.com/office/powerpoint/2010/main" val="3099411356"/>
-      </p:ext>
-    </p:extLst>
-  </p:cSld>
-  <p:clrMapOvr>
-    <a:masterClrMapping/>
-  </p:clrMapOvr>
-  <mc:AlternateContent xmlns:mc="http://schemas.openxmlformats.org/markup-compatibility/2006" xmlns:p14="http://schemas.microsoft.com/office/powerpoint/2010/main">
-    <mc:Choice Requires="p14">
-      <p:transition p14:dur="10"/>
-    </mc:Choice>
-    <mc:Fallback xmlns="">
-      <p:transition/>
-    </mc:Fallback>
-  </mc:AlternateContent>
-</p:sld>
-</file>
-
 <file path=ppt/slides/slide49.xml><?xml version="1.0" encoding="utf-8"?>
 <p:sld xmlns:a="http://schemas.openxmlformats.org/drawingml/2006/main" xmlns:r="http://schemas.openxmlformats.org/officeDocument/2006/relationships" xmlns:p="http://schemas.openxmlformats.org/presentationml/2006/main">
   <p:cSld>
@@ -24949,7 +25177,7 @@
           <a:p>
             <a:r>
               <a:rPr lang="en-GB" sz="4000" dirty="0"/>
-              <a:t>Gotchas</a:t>
+              <a:t>Errors in Fortran</a:t>
             </a:r>
           </a:p>
         </p:txBody>
@@ -24977,40 +25205,48 @@
           <a:p>
             <a:r>
               <a:rPr lang="en-GB" sz="2400" dirty="0"/>
-              <a:t>There are lots of behaviours in Fortran that are not what you would expect</a:t>
-            </a:r>
-          </a:p>
-          <a:p>
+              <a:t>Compilation Errors</a:t>
+            </a:r>
+          </a:p>
+          <a:p>
+            <a:pPr lvl="1"/>
             <a:r>
               <a:rPr lang="en-GB" sz="2400" dirty="0"/>
-              <a:t>In other languages, they may cause errors</a:t>
-            </a:r>
-          </a:p>
-          <a:p>
+              <a:t>Picked up by the compiler</a:t>
+            </a:r>
+          </a:p>
+          <a:p>
+            <a:pPr lvl="1"/>
             <a:r>
               <a:rPr lang="en-GB" sz="2400" dirty="0"/>
-              <a:t>There’s usually some logic</a:t>
+              <a:t>Will be phrased differently between different compilers</a:t>
             </a:r>
           </a:p>
           <a:p>
             <a:pPr lvl="1"/>
             <a:r>
-              <a:rPr lang="en-GB" sz="2000" dirty="0"/>
-              <a:t>Often that checking slows the program down</a:t>
+              <a:rPr lang="en-GB" sz="2400" dirty="0"/>
+              <a:t>Compilers will sometimes pick up different errors</a:t>
+            </a:r>
+          </a:p>
+          <a:p>
+            <a:r>
+              <a:rPr lang="en-GB" sz="2400" dirty="0"/>
+              <a:t>Run-time errors</a:t>
             </a:r>
           </a:p>
           <a:p>
             <a:pPr lvl="1"/>
             <a:r>
-              <a:rPr lang="en-GB" sz="2000" dirty="0"/>
-              <a:t>Sometimes that behaviour is sometimes desired</a:t>
-            </a:r>
-          </a:p>
-          <a:p>
-            <a:pPr lvl="2"/>
-            <a:r>
-              <a:rPr lang="en-GB" sz="1600" dirty="0"/>
-              <a:t>It’s your responsibility if you think it’s not desired</a:t>
+              <a:rPr lang="en-GB" sz="2400" dirty="0"/>
+              <a:t>Code compiles correctly</a:t>
+            </a:r>
+          </a:p>
+          <a:p>
+            <a:pPr lvl="1"/>
+            <a:r>
+              <a:rPr lang="en-GB" sz="2400" dirty="0"/>
+              <a:t>When running the code an invalid operation is requested due to the state of one or more variables</a:t>
             </a:r>
           </a:p>
         </p:txBody>
@@ -25020,7 +25256,7 @@
           <p:cNvPr id="4" name="TextBox 3">
             <a:extLst>
               <a:ext uri="{FF2B5EF4-FFF2-40B4-BE49-F238E27FC236}">
-                <a16:creationId xmlns:a16="http://schemas.microsoft.com/office/drawing/2014/main" id="{A569C6F6-B098-4920-86A4-41DDD2204985}"/>
+                <a16:creationId xmlns:a16="http://schemas.microsoft.com/office/drawing/2014/main" id="{FE18D065-54F3-477E-A4A8-A9C295184741}"/>
               </a:ext>
             </a:extLst>
           </p:cNvPr>
@@ -25054,10 +25290,49 @@
           </a:p>
         </p:txBody>
       </p:sp>
+      <p:sp>
+        <p:nvSpPr>
+          <p:cNvPr id="5" name="TextBox 4">
+            <a:extLst>
+              <a:ext uri="{FF2B5EF4-FFF2-40B4-BE49-F238E27FC236}">
+                <a16:creationId xmlns:a16="http://schemas.microsoft.com/office/drawing/2014/main" id="{52437283-C048-4F57-A1B8-9AA1E11EA4CE}"/>
+              </a:ext>
+            </a:extLst>
+          </p:cNvPr>
+          <p:cNvSpPr txBox="1"/>
+          <p:nvPr/>
+        </p:nvSpPr>
+        <p:spPr>
+          <a:xfrm>
+            <a:off x="7357241" y="6498021"/>
+            <a:ext cx="1697422" cy="369332"/>
+          </a:xfrm>
+          <a:prstGeom prst="rect">
+            <a:avLst/>
+          </a:prstGeom>
+          <a:noFill/>
+        </p:spPr>
+        <p:txBody>
+          <a:bodyPr wrap="square" rtlCol="0">
+            <a:spAutoFit/>
+          </a:bodyPr>
+          <a:lstStyle/>
+          <a:p>
+            <a:r>
+              <a:rPr lang="en-GB" dirty="0">
+                <a:solidFill>
+                  <a:schemeClr val="accent2"/>
+                </a:solidFill>
+              </a:rPr>
+              <a:t>Problem Sheet</a:t>
+            </a:r>
+          </a:p>
+        </p:txBody>
+      </p:sp>
     </p:spTree>
     <p:extLst>
       <p:ext uri="{BB962C8B-B14F-4D97-AF65-F5344CB8AC3E}">
-        <p14:creationId xmlns:p14="http://schemas.microsoft.com/office/powerpoint/2010/main" val="1839592679"/>
+        <p14:creationId xmlns:p14="http://schemas.microsoft.com/office/powerpoint/2010/main" val="3099411356"/>
       </p:ext>
     </p:extLst>
   </p:cSld>
@@ -25109,7 +25384,7 @@
           <a:p>
             <a:r>
               <a:rPr lang="en-GB" sz="4000" dirty="0"/>
-              <a:t>What is Coding?</a:t>
+              <a:t>Learning Outcomes</a:t>
             </a:r>
           </a:p>
         </p:txBody>
@@ -25132,61 +25407,82 @@
         </p:spPr>
         <p:txBody>
           <a:bodyPr>
-            <a:normAutofit/>
+            <a:normAutofit fontScale="92500" lnSpcReduction="20000"/>
           </a:bodyPr>
           <a:lstStyle/>
           <a:p>
-            <a:r>
-              <a:rPr lang="en-GB" sz="3000" dirty="0"/>
-              <a:t>Writing instructions for a computer: a program</a:t>
-            </a:r>
-          </a:p>
-          <a:p>
-            <a:r>
-              <a:rPr lang="en-GB" sz="3000" dirty="0"/>
-              <a:t>Resulting calculations achieve a goal</a:t>
-            </a:r>
-          </a:p>
-          <a:p>
-            <a:r>
-              <a:rPr lang="en-GB" sz="3000" dirty="0"/>
-              <a:t>Good for automating laborious calculations</a:t>
-            </a:r>
-          </a:p>
-          <a:p>
-            <a:pPr lvl="1"/>
-            <a:r>
-              <a:rPr lang="en-GB" sz="2600" dirty="0"/>
-              <a:t>Simulation</a:t>
-            </a:r>
-          </a:p>
-          <a:p>
-            <a:pPr lvl="1"/>
-            <a:r>
-              <a:rPr lang="en-GB" sz="2600" dirty="0"/>
-              <a:t>Data Analysis</a:t>
-            </a:r>
-          </a:p>
-          <a:p>
-            <a:pPr lvl="1"/>
-            <a:r>
-              <a:rPr lang="en-GB" sz="2600" dirty="0"/>
-              <a:t>Real-time control of complex systems</a:t>
-            </a:r>
-          </a:p>
-          <a:p>
-            <a:pPr lvl="1"/>
-            <a:r>
-              <a:rPr lang="en-GB" sz="2600" dirty="0"/>
-              <a:t>Rapid iteration over a number of related cases</a:t>
-            </a:r>
+            <a:pPr marL="514350" lvl="0" indent="-514350">
+              <a:buAutoNum type="arabicPeriod"/>
+            </a:pPr>
+            <a:r>
+              <a:rPr lang="en-GB" b="1" dirty="0"/>
+              <a:t>Define</a:t>
+            </a:r>
+            <a:r>
+              <a:rPr lang="en-GB" dirty="0"/>
+              <a:t> the terms source file, compiler and executable,</a:t>
+            </a:r>
+          </a:p>
+          <a:p>
+            <a:pPr marL="514350" lvl="0" indent="-514350">
+              <a:buAutoNum type="arabicPeriod"/>
+            </a:pPr>
+            <a:r>
+              <a:rPr lang="en-GB" b="1" dirty="0"/>
+              <a:t>Use</a:t>
+            </a:r>
+            <a:r>
+              <a:rPr lang="en-GB" dirty="0"/>
+              <a:t> a compiler to create and run simple codes,</a:t>
+            </a:r>
+          </a:p>
+          <a:p>
+            <a:pPr marL="514350" lvl="0" indent="-514350">
+              <a:buAutoNum type="arabicPeriod"/>
+            </a:pPr>
+            <a:r>
+              <a:rPr lang="en-GB" b="1" dirty="0"/>
+              <a:t>Apply</a:t>
+            </a:r>
+            <a:r>
+              <a:rPr lang="en-GB" dirty="0"/>
+              <a:t> fundamental components of the Fortran language including variables, loops, conditionals and subroutines,</a:t>
+            </a:r>
+          </a:p>
+          <a:p>
+            <a:pPr marL="514350" lvl="0" indent="-514350">
+              <a:buAutoNum type="arabicPeriod"/>
+            </a:pPr>
+            <a:r>
+              <a:rPr lang="en-GB" b="1" dirty="0"/>
+              <a:t>Create</a:t>
+            </a:r>
+            <a:r>
+              <a:rPr lang="en-GB" dirty="0"/>
+              <a:t> programs designed to solve simple numerical problems</a:t>
+            </a:r>
+            <a:endParaRPr lang="en-GB" i="1" dirty="0"/>
+          </a:p>
+          <a:p>
+            <a:pPr marL="514350" lvl="0" indent="-514350">
+              <a:buAutoNum type="arabicPeriod"/>
+            </a:pPr>
+            <a:r>
+              <a:rPr lang="en-GB" b="1" dirty="0"/>
+              <a:t>Interpret</a:t>
+            </a:r>
+            <a:r>
+              <a:rPr lang="en-GB" dirty="0"/>
+              <a:t> common compiler and run-time errors and use these to help debug a program</a:t>
+            </a:r>
+            <a:endParaRPr lang="en-GB" sz="3000" dirty="0"/>
           </a:p>
         </p:txBody>
       </p:sp>
     </p:spTree>
     <p:extLst>
       <p:ext uri="{BB962C8B-B14F-4D97-AF65-F5344CB8AC3E}">
-        <p14:creationId xmlns:p14="http://schemas.microsoft.com/office/powerpoint/2010/main" val="3227858941"/>
+        <p14:creationId xmlns:p14="http://schemas.microsoft.com/office/powerpoint/2010/main" val="3248724752"/>
       </p:ext>
     </p:extLst>
   </p:cSld>
@@ -25238,6 +25534,166 @@
           <a:p>
             <a:r>
               <a:rPr lang="en-GB" sz="4000" dirty="0"/>
+              <a:t>Gotchas</a:t>
+            </a:r>
+          </a:p>
+        </p:txBody>
+      </p:sp>
+      <p:sp>
+        <p:nvSpPr>
+          <p:cNvPr id="7" name="Content Placeholder 6">
+            <a:extLst>
+              <a:ext uri="{FF2B5EF4-FFF2-40B4-BE49-F238E27FC236}">
+                <a16:creationId xmlns:a16="http://schemas.microsoft.com/office/drawing/2014/main" id="{8704F1A3-720B-4123-B3B8-B6C05F8BAC14}"/>
+              </a:ext>
+            </a:extLst>
+          </p:cNvPr>
+          <p:cNvSpPr>
+            <a:spLocks noGrp="1"/>
+          </p:cNvSpPr>
+          <p:nvPr>
+            <p:ph idx="1"/>
+          </p:nvPr>
+        </p:nvSpPr>
+        <p:spPr/>
+        <p:txBody>
+          <a:bodyPr/>
+          <a:lstStyle/>
+          <a:p>
+            <a:r>
+              <a:rPr lang="en-GB" sz="2400" dirty="0"/>
+              <a:t>There are lots of behaviours in Fortran that are not what you would expect</a:t>
+            </a:r>
+          </a:p>
+          <a:p>
+            <a:r>
+              <a:rPr lang="en-GB" sz="2400" dirty="0"/>
+              <a:t>In other languages, they may cause errors</a:t>
+            </a:r>
+          </a:p>
+          <a:p>
+            <a:r>
+              <a:rPr lang="en-GB" sz="2400" dirty="0"/>
+              <a:t>There’s usually some logic</a:t>
+            </a:r>
+          </a:p>
+          <a:p>
+            <a:pPr lvl="1"/>
+            <a:r>
+              <a:rPr lang="en-GB" sz="2000" dirty="0"/>
+              <a:t>Often that checking slows the program down</a:t>
+            </a:r>
+          </a:p>
+          <a:p>
+            <a:pPr lvl="1"/>
+            <a:r>
+              <a:rPr lang="en-GB" sz="2000" dirty="0"/>
+              <a:t>Sometimes that behaviour is sometimes desired</a:t>
+            </a:r>
+          </a:p>
+          <a:p>
+            <a:pPr lvl="2"/>
+            <a:r>
+              <a:rPr lang="en-GB" sz="1600" dirty="0"/>
+              <a:t>It’s your responsibility if you think it’s not desired</a:t>
+            </a:r>
+          </a:p>
+        </p:txBody>
+      </p:sp>
+      <p:sp>
+        <p:nvSpPr>
+          <p:cNvPr id="4" name="TextBox 3">
+            <a:extLst>
+              <a:ext uri="{FF2B5EF4-FFF2-40B4-BE49-F238E27FC236}">
+                <a16:creationId xmlns:a16="http://schemas.microsoft.com/office/drawing/2014/main" id="{A569C6F6-B098-4920-86A4-41DDD2204985}"/>
+              </a:ext>
+            </a:extLst>
+          </p:cNvPr>
+          <p:cNvSpPr txBox="1"/>
+          <p:nvPr/>
+        </p:nvSpPr>
+        <p:spPr>
+          <a:xfrm>
+            <a:off x="5728138" y="6498021"/>
+            <a:ext cx="1765738" cy="369332"/>
+          </a:xfrm>
+          <a:prstGeom prst="rect">
+            <a:avLst/>
+          </a:prstGeom>
+          <a:noFill/>
+        </p:spPr>
+        <p:txBody>
+          <a:bodyPr wrap="square" rtlCol="0">
+            <a:spAutoFit/>
+          </a:bodyPr>
+          <a:lstStyle/>
+          <a:p>
+            <a:r>
+              <a:rPr lang="en-GB" dirty="0">
+                <a:solidFill>
+                  <a:schemeClr val="accent1"/>
+                </a:solidFill>
+              </a:rPr>
+              <a:t>Demonstration</a:t>
+            </a:r>
+          </a:p>
+        </p:txBody>
+      </p:sp>
+    </p:spTree>
+    <p:extLst>
+      <p:ext uri="{BB962C8B-B14F-4D97-AF65-F5344CB8AC3E}">
+        <p14:creationId xmlns:p14="http://schemas.microsoft.com/office/powerpoint/2010/main" val="1839592679"/>
+      </p:ext>
+    </p:extLst>
+  </p:cSld>
+  <p:clrMapOvr>
+    <a:masterClrMapping/>
+  </p:clrMapOvr>
+  <mc:AlternateContent xmlns:mc="http://schemas.openxmlformats.org/markup-compatibility/2006" xmlns:p14="http://schemas.microsoft.com/office/powerpoint/2010/main">
+    <mc:Choice Requires="p14">
+      <p:transition p14:dur="10"/>
+    </mc:Choice>
+    <mc:Fallback xmlns="">
+      <p:transition/>
+    </mc:Fallback>
+  </mc:AlternateContent>
+</p:sld>
+</file>
+
+<file path=ppt/slides/slide51.xml><?xml version="1.0" encoding="utf-8"?>
+<p:sld xmlns:a="http://schemas.openxmlformats.org/drawingml/2006/main" xmlns:r="http://schemas.openxmlformats.org/officeDocument/2006/relationships" xmlns:p="http://schemas.openxmlformats.org/presentationml/2006/main">
+  <p:cSld>
+    <p:spTree>
+      <p:nvGrpSpPr>
+        <p:cNvPr id="1" name=""/>
+        <p:cNvGrpSpPr/>
+        <p:nvPr/>
+      </p:nvGrpSpPr>
+      <p:grpSpPr>
+        <a:xfrm>
+          <a:off x="0" y="0"/>
+          <a:ext cx="0" cy="0"/>
+          <a:chOff x="0" y="0"/>
+          <a:chExt cx="0" cy="0"/>
+        </a:xfrm>
+      </p:grpSpPr>
+      <p:sp>
+        <p:nvSpPr>
+          <p:cNvPr id="2" name="Title 1"/>
+          <p:cNvSpPr>
+            <a:spLocks noGrp="1"/>
+          </p:cNvSpPr>
+          <p:nvPr>
+            <p:ph type="title"/>
+          </p:nvPr>
+        </p:nvSpPr>
+        <p:spPr/>
+        <p:txBody>
+          <a:bodyPr/>
+          <a:lstStyle/>
+          <a:p>
+            <a:r>
+              <a:rPr lang="en-GB" sz="4000" dirty="0"/>
               <a:t>Feedback</a:t>
             </a:r>
           </a:p>
@@ -25337,7 +25793,7 @@
 </p:sld>
 </file>
 
-<file path=ppt/slides/slide51.xml><?xml version="1.0" encoding="utf-8"?>
+<file path=ppt/slides/slide52.xml><?xml version="1.0" encoding="utf-8"?>
 <p:sld xmlns:a="http://schemas.openxmlformats.org/drawingml/2006/main" xmlns:r="http://schemas.openxmlformats.org/officeDocument/2006/relationships" xmlns:p="http://schemas.openxmlformats.org/presentationml/2006/main">
   <p:cSld>
     <p:spTree>
@@ -25639,7 +26095,7 @@
           <a:p>
             <a:r>
               <a:rPr lang="en-GB" sz="4000" dirty="0"/>
-              <a:t>How Do We Code?</a:t>
+              <a:t>What is Coding?</a:t>
             </a:r>
           </a:p>
         </p:txBody>
@@ -25668,25 +26124,47 @@
           <a:p>
             <a:r>
               <a:rPr lang="en-GB" sz="3000" dirty="0"/>
-              <a:t>Design an algorithm which solves your problem</a:t>
+              <a:t>Writing instructions for a computer: a program</a:t>
             </a:r>
           </a:p>
           <a:p>
             <a:r>
               <a:rPr lang="en-GB" sz="3000" dirty="0"/>
-              <a:t>Translate it into source code</a:t>
+              <a:t>Resulting calculations achieve a goal</a:t>
             </a:r>
           </a:p>
           <a:p>
             <a:r>
               <a:rPr lang="en-GB" sz="3000" dirty="0"/>
-              <a:t>Instruct the computer to carry out the instructions of the source code</a:t>
-            </a:r>
-          </a:p>
-          <a:p>
-            <a:r>
-              <a:rPr lang="en-GB" sz="3000" dirty="0"/>
-              <a:t>Each step is language dependent</a:t>
+              <a:t>Good for automating laborious calculations</a:t>
+            </a:r>
+          </a:p>
+          <a:p>
+            <a:pPr lvl="1"/>
+            <a:r>
+              <a:rPr lang="en-GB" sz="2600" dirty="0"/>
+              <a:t>Simulation</a:t>
+            </a:r>
+          </a:p>
+          <a:p>
+            <a:pPr lvl="1"/>
+            <a:r>
+              <a:rPr lang="en-GB" sz="2600" dirty="0"/>
+              <a:t>Data Analysis</a:t>
+            </a:r>
+          </a:p>
+          <a:p>
+            <a:pPr lvl="1"/>
+            <a:r>
+              <a:rPr lang="en-GB" sz="2600" dirty="0"/>
+              <a:t>Real-time control of complex systems</a:t>
+            </a:r>
+          </a:p>
+          <a:p>
+            <a:pPr lvl="1"/>
+            <a:r>
+              <a:rPr lang="en-GB" sz="2600" dirty="0"/>
+              <a:t>Rapid iteration over a number of related cases</a:t>
             </a:r>
           </a:p>
         </p:txBody>
@@ -25694,7 +26172,7 @@
     </p:spTree>
     <p:extLst>
       <p:ext uri="{BB962C8B-B14F-4D97-AF65-F5344CB8AC3E}">
-        <p14:creationId xmlns:p14="http://schemas.microsoft.com/office/powerpoint/2010/main" val="766773942"/>
+        <p14:creationId xmlns:p14="http://schemas.microsoft.com/office/powerpoint/2010/main" val="3227858941"/>
       </p:ext>
     </p:extLst>
   </p:cSld>
@@ -25746,6 +26224,113 @@
           <a:p>
             <a:r>
               <a:rPr lang="en-GB" sz="4000" dirty="0"/>
+              <a:t>How Do We Code?</a:t>
+            </a:r>
+          </a:p>
+        </p:txBody>
+      </p:sp>
+      <p:sp>
+        <p:nvSpPr>
+          <p:cNvPr id="3" name="Content Placeholder 2"/>
+          <p:cNvSpPr>
+            <a:spLocks noGrp="1"/>
+          </p:cNvSpPr>
+          <p:nvPr>
+            <p:ph idx="1"/>
+          </p:nvPr>
+        </p:nvSpPr>
+        <p:spPr>
+          <a:xfrm>
+            <a:off x="457200" y="1600200"/>
+            <a:ext cx="8435280" cy="4876800"/>
+          </a:xfrm>
+        </p:spPr>
+        <p:txBody>
+          <a:bodyPr>
+            <a:normAutofit/>
+          </a:bodyPr>
+          <a:lstStyle/>
+          <a:p>
+            <a:r>
+              <a:rPr lang="en-GB" sz="3000" dirty="0"/>
+              <a:t>Design an algorithm which solves your problem</a:t>
+            </a:r>
+          </a:p>
+          <a:p>
+            <a:r>
+              <a:rPr lang="en-GB" sz="3000" dirty="0"/>
+              <a:t>Translate it into source code</a:t>
+            </a:r>
+          </a:p>
+          <a:p>
+            <a:r>
+              <a:rPr lang="en-GB" sz="3000" dirty="0"/>
+              <a:t>Instruct the computer to carry out the instructions of the source code</a:t>
+            </a:r>
+          </a:p>
+          <a:p>
+            <a:r>
+              <a:rPr lang="en-GB" sz="3000" dirty="0"/>
+              <a:t>Each step is language dependent</a:t>
+            </a:r>
+          </a:p>
+        </p:txBody>
+      </p:sp>
+    </p:spTree>
+    <p:extLst>
+      <p:ext uri="{BB962C8B-B14F-4D97-AF65-F5344CB8AC3E}">
+        <p14:creationId xmlns:p14="http://schemas.microsoft.com/office/powerpoint/2010/main" val="766773942"/>
+      </p:ext>
+    </p:extLst>
+  </p:cSld>
+  <p:clrMapOvr>
+    <a:masterClrMapping/>
+  </p:clrMapOvr>
+  <mc:AlternateContent xmlns:mc="http://schemas.openxmlformats.org/markup-compatibility/2006" xmlns:p14="http://schemas.microsoft.com/office/powerpoint/2010/main">
+    <mc:Choice Requires="p14">
+      <p:transition p14:dur="10"/>
+    </mc:Choice>
+    <mc:Fallback xmlns="">
+      <p:transition/>
+    </mc:Fallback>
+  </mc:AlternateContent>
+</p:sld>
+</file>
+
+<file path=ppt/slides/slide8.xml><?xml version="1.0" encoding="utf-8"?>
+<p:sld xmlns:a="http://schemas.openxmlformats.org/drawingml/2006/main" xmlns:r="http://schemas.openxmlformats.org/officeDocument/2006/relationships" xmlns:p="http://schemas.openxmlformats.org/presentationml/2006/main">
+  <p:cSld>
+    <p:spTree>
+      <p:nvGrpSpPr>
+        <p:cNvPr id="1" name=""/>
+        <p:cNvGrpSpPr/>
+        <p:nvPr/>
+      </p:nvGrpSpPr>
+      <p:grpSpPr>
+        <a:xfrm>
+          <a:off x="0" y="0"/>
+          <a:ext cx="0" cy="0"/>
+          <a:chOff x="0" y="0"/>
+          <a:chExt cx="0" cy="0"/>
+        </a:xfrm>
+      </p:grpSpPr>
+      <p:sp>
+        <p:nvSpPr>
+          <p:cNvPr id="2" name="Title 1"/>
+          <p:cNvSpPr>
+            <a:spLocks noGrp="1"/>
+          </p:cNvSpPr>
+          <p:nvPr>
+            <p:ph type="title"/>
+          </p:nvPr>
+        </p:nvSpPr>
+        <p:spPr/>
+        <p:txBody>
+          <a:bodyPr/>
+          <a:lstStyle/>
+          <a:p>
+            <a:r>
+              <a:rPr lang="en-GB" sz="4000" dirty="0"/>
               <a:t>What is Fortran?</a:t>
             </a:r>
           </a:p>
@@ -25825,7 +26410,7 @@
 </p:sld>
 </file>
 
-<file path=ppt/slides/slide8.xml><?xml version="1.0" encoding="utf-8"?>
+<file path=ppt/slides/slide9.xml><?xml version="1.0" encoding="utf-8"?>
 <p:sld xmlns:a="http://schemas.openxmlformats.org/drawingml/2006/main" xmlns:r="http://schemas.openxmlformats.org/officeDocument/2006/relationships" xmlns:p="http://schemas.openxmlformats.org/presentationml/2006/main">
   <p:cSld>
     <p:spTree>
@@ -25915,463 +26500,6 @@
     <p:extLst>
       <p:ext uri="{BB962C8B-B14F-4D97-AF65-F5344CB8AC3E}">
         <p14:creationId xmlns:p14="http://schemas.microsoft.com/office/powerpoint/2010/main" val="735192102"/>
-      </p:ext>
-    </p:extLst>
-  </p:cSld>
-  <p:clrMapOvr>
-    <a:masterClrMapping/>
-  </p:clrMapOvr>
-  <mc:AlternateContent xmlns:mc="http://schemas.openxmlformats.org/markup-compatibility/2006" xmlns:p14="http://schemas.microsoft.com/office/powerpoint/2010/main">
-    <mc:Choice Requires="p14">
-      <p:transition p14:dur="10"/>
-    </mc:Choice>
-    <mc:Fallback xmlns="">
-      <p:transition/>
-    </mc:Fallback>
-  </mc:AlternateContent>
-</p:sld>
-</file>
-
-<file path=ppt/slides/slide9.xml><?xml version="1.0" encoding="utf-8"?>
-<p:sld xmlns:a="http://schemas.openxmlformats.org/drawingml/2006/main" xmlns:r="http://schemas.openxmlformats.org/officeDocument/2006/relationships" xmlns:p="http://schemas.openxmlformats.org/presentationml/2006/main">
-  <p:cSld>
-    <p:spTree>
-      <p:nvGrpSpPr>
-        <p:cNvPr id="1" name=""/>
-        <p:cNvGrpSpPr/>
-        <p:nvPr/>
-      </p:nvGrpSpPr>
-      <p:grpSpPr>
-        <a:xfrm>
-          <a:off x="0" y="0"/>
-          <a:ext cx="0" cy="0"/>
-          <a:chOff x="0" y="0"/>
-          <a:chExt cx="0" cy="0"/>
-        </a:xfrm>
-      </p:grpSpPr>
-      <p:sp>
-        <p:nvSpPr>
-          <p:cNvPr id="2" name="Title 1"/>
-          <p:cNvSpPr>
-            <a:spLocks noGrp="1"/>
-          </p:cNvSpPr>
-          <p:nvPr>
-            <p:ph type="title"/>
-          </p:nvPr>
-        </p:nvSpPr>
-        <p:spPr/>
-        <p:txBody>
-          <a:bodyPr/>
-          <a:lstStyle/>
-          <a:p>
-            <a:r>
-              <a:rPr lang="en-GB" sz="4000" dirty="0"/>
-              <a:t>The Compiler</a:t>
-            </a:r>
-          </a:p>
-        </p:txBody>
-      </p:sp>
-      <p:graphicFrame>
-        <p:nvGraphicFramePr>
-          <p:cNvPr id="6" name="Table 5">
-            <a:extLst>
-              <a:ext uri="{FF2B5EF4-FFF2-40B4-BE49-F238E27FC236}">
-                <a16:creationId xmlns:a16="http://schemas.microsoft.com/office/drawing/2014/main" id="{D12B00F4-5C15-440A-B22F-6A524A68BAE5}"/>
-              </a:ext>
-            </a:extLst>
-          </p:cNvPr>
-          <p:cNvGraphicFramePr>
-            <a:graphicFrameLocks noGrp="1"/>
-          </p:cNvGraphicFramePr>
-          <p:nvPr>
-            <p:extLst>
-              <p:ext uri="{D42A27DB-BD31-4B8C-83A1-F6EECF244321}">
-                <p14:modId xmlns:p14="http://schemas.microsoft.com/office/powerpoint/2010/main" val="3382162690"/>
-              </p:ext>
-            </p:extLst>
-          </p:nvPr>
-        </p:nvGraphicFramePr>
-        <p:xfrm>
-          <a:off x="840828" y="2438400"/>
-          <a:ext cx="7514895" cy="1828800"/>
-        </p:xfrm>
-        <a:graphic>
-          <a:graphicData uri="http://schemas.openxmlformats.org/drawingml/2006/table">
-            <a:tbl>
-              <a:tblPr firstRow="1" bandRow="1">
-                <a:tableStyleId>{5C22544A-7EE6-4342-B048-85BDC9FD1C3A}</a:tableStyleId>
-              </a:tblPr>
-              <a:tblGrid>
-                <a:gridCol w="2504965">
-                  <a:extLst>
-                    <a:ext uri="{9D8B030D-6E8A-4147-A177-3AD203B41FA5}">
-                      <a16:colId xmlns:a16="http://schemas.microsoft.com/office/drawing/2014/main" val="620446185"/>
-                    </a:ext>
-                  </a:extLst>
-                </a:gridCol>
-                <a:gridCol w="2504965">
-                  <a:extLst>
-                    <a:ext uri="{9D8B030D-6E8A-4147-A177-3AD203B41FA5}">
-                      <a16:colId xmlns:a16="http://schemas.microsoft.com/office/drawing/2014/main" val="679079119"/>
-                    </a:ext>
-                  </a:extLst>
-                </a:gridCol>
-                <a:gridCol w="2504965">
-                  <a:extLst>
-                    <a:ext uri="{9D8B030D-6E8A-4147-A177-3AD203B41FA5}">
-                      <a16:colId xmlns:a16="http://schemas.microsoft.com/office/drawing/2014/main" val="3331666545"/>
-                    </a:ext>
-                  </a:extLst>
-                </a:gridCol>
-              </a:tblGrid>
-              <a:tr h="370840">
-                <a:tc>
-                  <a:txBody>
-                    <a:bodyPr/>
-                    <a:lstStyle/>
-                    <a:p>
-                      <a:r>
-                        <a:rPr lang="en-GB" dirty="0"/>
-                        <a:t>Fortran Instruction</a:t>
-                      </a:r>
-                    </a:p>
-                  </a:txBody>
-                  <a:tcPr/>
-                </a:tc>
-                <a:tc>
-                  <a:txBody>
-                    <a:bodyPr/>
-                    <a:lstStyle/>
-                    <a:p>
-                      <a:r>
-                        <a:rPr lang="en-GB" dirty="0"/>
-                        <a:t>Assembly Language Instructions</a:t>
-                      </a:r>
-                    </a:p>
-                  </a:txBody>
-                  <a:tcPr/>
-                </a:tc>
-                <a:tc>
-                  <a:txBody>
-                    <a:bodyPr/>
-                    <a:lstStyle/>
-                    <a:p>
-                      <a:r>
-                        <a:rPr lang="en-GB" dirty="0"/>
-                        <a:t>Machine Language Instructions</a:t>
-                      </a:r>
-                    </a:p>
-                  </a:txBody>
-                  <a:tcPr/>
-                </a:tc>
-                <a:extLst>
-                  <a:ext uri="{0D108BD9-81ED-4DB2-BD59-A6C34878D82A}">
-                    <a16:rowId xmlns:a16="http://schemas.microsoft.com/office/drawing/2014/main" val="2586946742"/>
-                  </a:ext>
-                </a:extLst>
-              </a:tr>
-              <a:tr h="370840">
-                <a:tc>
-                  <a:txBody>
-                    <a:bodyPr/>
-                    <a:lstStyle/>
-                    <a:p>
-                      <a:r>
-                        <a:rPr lang="en-GB" dirty="0"/>
-                        <a:t>D=X+Y+Z</a:t>
-                      </a:r>
-                    </a:p>
-                  </a:txBody>
-                  <a:tcPr/>
-                </a:tc>
-                <a:tc>
-                  <a:txBody>
-                    <a:bodyPr/>
-                    <a:lstStyle/>
-                    <a:p>
-                      <a:r>
-                        <a:rPr lang="en-GB" dirty="0"/>
-                        <a:t>LDA X</a:t>
-                      </a:r>
-                    </a:p>
-                    <a:p>
-                      <a:r>
-                        <a:rPr lang="en-GB" dirty="0"/>
-                        <a:t>ADA Y</a:t>
-                      </a:r>
-                    </a:p>
-                    <a:p>
-                      <a:r>
-                        <a:rPr lang="en-GB" dirty="0"/>
-                        <a:t>ADA Z</a:t>
-                      </a:r>
-                    </a:p>
-                    <a:p>
-                      <a:r>
-                        <a:rPr lang="en-GB" dirty="0"/>
-                        <a:t>STA D</a:t>
-                      </a:r>
-                    </a:p>
-                  </a:txBody>
-                  <a:tcPr/>
-                </a:tc>
-                <a:tc>
-                  <a:txBody>
-                    <a:bodyPr/>
-                    <a:lstStyle/>
-                    <a:p>
-                      <a:r>
-                        <a:rPr lang="en-GB" dirty="0"/>
-                        <a:t>0110 0011 0010 0001</a:t>
-                      </a:r>
-                    </a:p>
-                    <a:p>
-                      <a:r>
-                        <a:rPr lang="en-GB" dirty="0"/>
-                        <a:t>0100 0011 0010 0010 </a:t>
-                      </a:r>
-                    </a:p>
-                    <a:p>
-                      <a:r>
-                        <a:rPr lang="en-GB" dirty="0"/>
-                        <a:t>0100 0011 0010 0011</a:t>
-                      </a:r>
-                    </a:p>
-                    <a:p>
-                      <a:r>
-                        <a:rPr lang="en-GB" dirty="0"/>
-                        <a:t>0111 0011 0010 0100</a:t>
-                      </a:r>
-                    </a:p>
-                  </a:txBody>
-                  <a:tcPr/>
-                </a:tc>
-                <a:extLst>
-                  <a:ext uri="{0D108BD9-81ED-4DB2-BD59-A6C34878D82A}">
-                    <a16:rowId xmlns:a16="http://schemas.microsoft.com/office/drawing/2014/main" val="1602259348"/>
-                  </a:ext>
-                </a:extLst>
-              </a:tr>
-            </a:tbl>
-          </a:graphicData>
-        </a:graphic>
-      </p:graphicFrame>
-      <p:sp>
-        <p:nvSpPr>
-          <p:cNvPr id="8" name="Arrow: Curved Up 7">
-            <a:extLst>
-              <a:ext uri="{FF2B5EF4-FFF2-40B4-BE49-F238E27FC236}">
-                <a16:creationId xmlns:a16="http://schemas.microsoft.com/office/drawing/2014/main" id="{9FE256C4-F732-404F-81E2-71E8618961F8}"/>
-              </a:ext>
-            </a:extLst>
-          </p:cNvPr>
-          <p:cNvSpPr/>
-          <p:nvPr/>
-        </p:nvSpPr>
-        <p:spPr>
-          <a:xfrm>
-            <a:off x="1797269" y="4394200"/>
-            <a:ext cx="5990897" cy="1828800"/>
-          </a:xfrm>
-          <a:prstGeom prst="curvedUpArrow">
-            <a:avLst/>
-          </a:prstGeom>
-        </p:spPr>
-        <p:style>
-          <a:lnRef idx="1">
-            <a:schemeClr val="accent1"/>
-          </a:lnRef>
-          <a:fillRef idx="3">
-            <a:schemeClr val="accent1"/>
-          </a:fillRef>
-          <a:effectRef idx="2">
-            <a:schemeClr val="accent1"/>
-          </a:effectRef>
-          <a:fontRef idx="minor">
-            <a:schemeClr val="lt1"/>
-          </a:fontRef>
-        </p:style>
-        <p:txBody>
-          <a:bodyPr rtlCol="0" anchor="ctr"/>
-          <a:lstStyle/>
-          <a:p>
-            <a:pPr algn="ctr"/>
-            <a:endParaRPr lang="en-GB">
-              <a:solidFill>
-                <a:schemeClr val="tx1"/>
-              </a:solidFill>
-            </a:endParaRPr>
-          </a:p>
-        </p:txBody>
-      </p:sp>
-      <p:sp>
-        <p:nvSpPr>
-          <p:cNvPr id="7" name="TextBox 6">
-            <a:extLst>
-              <a:ext uri="{FF2B5EF4-FFF2-40B4-BE49-F238E27FC236}">
-                <a16:creationId xmlns:a16="http://schemas.microsoft.com/office/drawing/2014/main" id="{C950AC6F-179C-4D84-92E7-6BA017ADF94A}"/>
-              </a:ext>
-            </a:extLst>
-          </p:cNvPr>
-          <p:cNvSpPr txBox="1"/>
-          <p:nvPr/>
-        </p:nvSpPr>
-        <p:spPr>
-          <a:xfrm>
-            <a:off x="3026979" y="5519003"/>
-            <a:ext cx="3090041" cy="830997"/>
-          </a:xfrm>
-          <a:prstGeom prst="rect">
-            <a:avLst/>
-          </a:prstGeom>
-          <a:solidFill>
-            <a:schemeClr val="bg1"/>
-          </a:solidFill>
-          <a:ln>
-            <a:solidFill>
-              <a:schemeClr val="accent1"/>
-            </a:solidFill>
-          </a:ln>
-        </p:spPr>
-        <p:txBody>
-          <a:bodyPr wrap="square" rtlCol="0">
-            <a:spAutoFit/>
-          </a:bodyPr>
-          <a:lstStyle/>
-          <a:p>
-            <a:pPr algn="ctr"/>
-            <a:r>
-              <a:rPr lang="en-GB" sz="4800" dirty="0"/>
-              <a:t>Compiler</a:t>
-            </a:r>
-          </a:p>
-        </p:txBody>
-      </p:sp>
-      <p:sp>
-        <p:nvSpPr>
-          <p:cNvPr id="9" name="TextBox 8">
-            <a:extLst>
-              <a:ext uri="{FF2B5EF4-FFF2-40B4-BE49-F238E27FC236}">
-                <a16:creationId xmlns:a16="http://schemas.microsoft.com/office/drawing/2014/main" id="{39880090-4A7E-428B-A6D6-EE334B93D6A5}"/>
-              </a:ext>
-            </a:extLst>
-          </p:cNvPr>
-          <p:cNvSpPr txBox="1"/>
-          <p:nvPr/>
-        </p:nvSpPr>
-        <p:spPr>
-          <a:xfrm>
-            <a:off x="977463" y="1666409"/>
-            <a:ext cx="2238702" cy="523220"/>
-          </a:xfrm>
-          <a:prstGeom prst="rect">
-            <a:avLst/>
-          </a:prstGeom>
-          <a:noFill/>
-          <a:ln w="38100">
-            <a:solidFill>
-              <a:schemeClr val="accent1"/>
-            </a:solidFill>
-          </a:ln>
-        </p:spPr>
-        <p:txBody>
-          <a:bodyPr wrap="square" rtlCol="0">
-            <a:spAutoFit/>
-          </a:bodyPr>
-          <a:lstStyle/>
-          <a:p>
-            <a:r>
-              <a:rPr lang="en-GB" sz="2800" dirty="0"/>
-              <a:t>My_code.f90</a:t>
-            </a:r>
-          </a:p>
-        </p:txBody>
-      </p:sp>
-      <p:sp>
-        <p:nvSpPr>
-          <p:cNvPr id="11" name="TextBox 10">
-            <a:extLst>
-              <a:ext uri="{FF2B5EF4-FFF2-40B4-BE49-F238E27FC236}">
-                <a16:creationId xmlns:a16="http://schemas.microsoft.com/office/drawing/2014/main" id="{D3754946-9B99-4475-8DB7-B29A135BF7A7}"/>
-              </a:ext>
-            </a:extLst>
-          </p:cNvPr>
-          <p:cNvSpPr txBox="1"/>
-          <p:nvPr/>
-        </p:nvSpPr>
-        <p:spPr>
-          <a:xfrm>
-            <a:off x="5927836" y="1666409"/>
-            <a:ext cx="2375335" cy="523220"/>
-          </a:xfrm>
-          <a:prstGeom prst="rect">
-            <a:avLst/>
-          </a:prstGeom>
-          <a:noFill/>
-          <a:ln w="38100">
-            <a:solidFill>
-              <a:schemeClr val="accent1"/>
-            </a:solidFill>
-          </a:ln>
-        </p:spPr>
-        <p:txBody>
-          <a:bodyPr wrap="square" rtlCol="0">
-            <a:spAutoFit/>
-          </a:bodyPr>
-          <a:lstStyle/>
-          <a:p>
-            <a:r>
-              <a:rPr lang="en-GB" sz="2800" dirty="0"/>
-              <a:t>My_code.exe</a:t>
-            </a:r>
-          </a:p>
-        </p:txBody>
-      </p:sp>
-      <p:sp>
-        <p:nvSpPr>
-          <p:cNvPr id="12" name="TextBox 11">
-            <a:extLst>
-              <a:ext uri="{FF2B5EF4-FFF2-40B4-BE49-F238E27FC236}">
-                <a16:creationId xmlns:a16="http://schemas.microsoft.com/office/drawing/2014/main" id="{EAC31B02-A902-4888-A581-6A27A4AFDBA0}"/>
-              </a:ext>
-            </a:extLst>
-          </p:cNvPr>
-          <p:cNvSpPr txBox="1"/>
-          <p:nvPr/>
-        </p:nvSpPr>
-        <p:spPr>
-          <a:xfrm>
-            <a:off x="5927836" y="1079689"/>
-            <a:ext cx="2375335" cy="523220"/>
-          </a:xfrm>
-          <a:prstGeom prst="rect">
-            <a:avLst/>
-          </a:prstGeom>
-          <a:noFill/>
-          <a:ln w="38100">
-            <a:solidFill>
-              <a:schemeClr val="accent1"/>
-            </a:solidFill>
-          </a:ln>
-        </p:spPr>
-        <p:txBody>
-          <a:bodyPr wrap="square" rtlCol="0">
-            <a:spAutoFit/>
-          </a:bodyPr>
-          <a:lstStyle/>
-          <a:p>
-            <a:r>
-              <a:rPr lang="en-GB" sz="2800" dirty="0" err="1"/>
-              <a:t>My_code.o</a:t>
-            </a:r>
-            <a:endParaRPr lang="en-GB" sz="2800" dirty="0"/>
-          </a:p>
-        </p:txBody>
-      </p:sp>
-    </p:spTree>
-    <p:extLst>
-      <p:ext uri="{BB962C8B-B14F-4D97-AF65-F5344CB8AC3E}">
-        <p14:creationId xmlns:p14="http://schemas.microsoft.com/office/powerpoint/2010/main" val="2428056926"/>
       </p:ext>
     </p:extLst>
   </p:cSld>

--- a/Introduction to Fortran Slides.pptx
+++ b/Introduction to Fortran Slides.pptx
@@ -492,7 +492,7 @@
           <a:p>
             <a:fld id="{88EB714B-C3CC-4216-88C1-02913905B1CF}" type="datetimeFigureOut">
               <a:rPr lang="en-GB" smtClean="0"/>
-              <a:t>12/10/2021</a:t>
+              <a:t>19/11/2021</a:t>
             </a:fld>
             <a:endParaRPr lang="en-GB"/>
           </a:p>
@@ -8529,7 +8529,7 @@
           <a:p>
             <a:fld id="{EB0080F8-EA1C-491D-963C-2C881B2F918F}" type="datetimeFigureOut">
               <a:rPr lang="en-GB" smtClean="0"/>
-              <a:t>12/10/2021</a:t>
+              <a:t>19/11/2021</a:t>
             </a:fld>
             <a:endParaRPr lang="en-GB"/>
           </a:p>
@@ -8679,7 +8679,7 @@
           <a:p>
             <a:fld id="{EB0080F8-EA1C-491D-963C-2C881B2F918F}" type="datetimeFigureOut">
               <a:rPr lang="en-GB" smtClean="0"/>
-              <a:t>12/10/2021</a:t>
+              <a:t>19/11/2021</a:t>
             </a:fld>
             <a:endParaRPr lang="en-GB"/>
           </a:p>
@@ -10212,7 +10212,7 @@
           <a:p>
             <a:fld id="{EB0080F8-EA1C-491D-963C-2C881B2F918F}" type="datetimeFigureOut">
               <a:rPr lang="en-GB" smtClean="0"/>
-              <a:t>12/10/2021</a:t>
+              <a:t>19/11/2021</a:t>
             </a:fld>
             <a:endParaRPr lang="en-GB"/>
           </a:p>
@@ -13133,26 +13133,26 @@
             </a:br>
             <a:r>
               <a:rPr lang="en-GB" sz="2800" dirty="0"/>
-              <a:t>After this course you will receive an email from the Graduate School administration team which will provide you with a QR code and instructions to mark your attendance at this course on Inkpath. </a:t>
+              <a:t>I will show you a QR code at the end of the session allowing you to mark your attendance on Inkpath. Please do not mark your attendance until then.</a:t>
             </a:r>
             <a:br>
               <a:rPr lang="en-GB" sz="2800" dirty="0"/>
             </a:br>
             <a:br>
-              <a:rPr lang="en-GB" sz="2800" dirty="0"/>
+              <a:rPr lang="en-GB" sz="2800" dirty="0">
+                <a:latin typeface="Calibri" panose="020F0502020204030204" pitchFamily="34" charset="0"/>
+                <a:cs typeface="Calibri" panose="020F0502020204030204" pitchFamily="34" charset="0"/>
+              </a:rPr>
             </a:br>
             <a:r>
-              <a:rPr lang="en-GB" sz="2800" dirty="0"/>
-              <a:t>Please </a:t>
-            </a:r>
-            <a:r>
-              <a:rPr lang="en-GB" sz="2800" u="sng" dirty="0"/>
-              <a:t>do not</a:t>
-            </a:r>
-            <a:r>
-              <a:rPr lang="en-GB" sz="2800" dirty="0"/>
-              <a:t> mark your attendance until you have received an email from the Graduate School. </a:t>
-            </a:r>
+              <a:rPr lang="en-GB" sz="2800" dirty="0">
+                <a:effectLst/>
+                <a:ea typeface="Times New Roman" panose="02020603050405020304" pitchFamily="18" charset="0"/>
+                <a:cs typeface="Calibri" panose="020F0502020204030204" pitchFamily="34" charset="0"/>
+              </a:rPr>
+              <a:t>If you are not a Postgraduate Research student and didn’t book via Inkpath, your attendance will be marked on a separate database.</a:t>
+            </a:r>
+            <a:endParaRPr lang="en-GB" sz="2800" dirty="0"/>
           </a:p>
         </p:txBody>
       </p:sp>

--- a/Introduction to Fortran Slides.pptx
+++ b/Introduction to Fortran Slides.pptx
@@ -13,8 +13,8 @@
   <p:sldIdLst>
     <p:sldId id="264" r:id="rId2"/>
     <p:sldId id="504" r:id="rId3"/>
-    <p:sldId id="258" r:id="rId4"/>
-    <p:sldId id="257" r:id="rId5"/>
+    <p:sldId id="505" r:id="rId4"/>
+    <p:sldId id="506" r:id="rId5"/>
     <p:sldId id="267" r:id="rId6"/>
     <p:sldId id="281" r:id="rId7"/>
     <p:sldId id="282" r:id="rId8"/>
@@ -168,8 +168,8 @@
           <p14:sldIdLst>
             <p14:sldId id="264"/>
             <p14:sldId id="504"/>
-            <p14:sldId id="258"/>
-            <p14:sldId id="257"/>
+            <p14:sldId id="505"/>
+            <p14:sldId id="506"/>
             <p14:sldId id="267"/>
             <p14:sldId id="281"/>
             <p14:sldId id="282"/>
@@ -492,7 +492,7 @@
           <a:p>
             <a:fld id="{88EB714B-C3CC-4216-88C1-02913905B1CF}" type="datetimeFigureOut">
               <a:rPr lang="en-GB" smtClean="0"/>
-              <a:t>19/11/2021</a:t>
+              <a:t>02/02/2022</a:t>
             </a:fld>
             <a:endParaRPr lang="en-GB"/>
           </a:p>
@@ -8529,7 +8529,7 @@
           <a:p>
             <a:fld id="{EB0080F8-EA1C-491D-963C-2C881B2F918F}" type="datetimeFigureOut">
               <a:rPr lang="en-GB" smtClean="0"/>
-              <a:t>19/11/2021</a:t>
+              <a:t>02/02/2022</a:t>
             </a:fld>
             <a:endParaRPr lang="en-GB"/>
           </a:p>
@@ -8679,7 +8679,7 @@
           <a:p>
             <a:fld id="{EB0080F8-EA1C-491D-963C-2C881B2F918F}" type="datetimeFigureOut">
               <a:rPr lang="en-GB" smtClean="0"/>
-              <a:t>19/11/2021</a:t>
+              <a:t>02/02/2022</a:t>
             </a:fld>
             <a:endParaRPr lang="en-GB"/>
           </a:p>
@@ -10212,7 +10212,7 @@
           <a:p>
             <a:fld id="{EB0080F8-EA1C-491D-963C-2C881B2F918F}" type="datetimeFigureOut">
               <a:rPr lang="en-GB" smtClean="0"/>
-              <a:t>19/11/2021</a:t>
+              <a:t>02/02/2022</a:t>
             </a:fld>
             <a:endParaRPr lang="en-GB"/>
           </a:p>
@@ -16512,15 +16512,7 @@
           <a:p>
             <a:r>
               <a:rPr lang="en-GB" dirty="0"/>
-              <a:t>Value of </a:t>
-            </a:r>
-            <a:r>
-              <a:rPr lang="en-GB" dirty="0" err="1"/>
-              <a:t>my_array</a:t>
-            </a:r>
-            <a:r>
-              <a:rPr lang="en-GB" dirty="0"/>
-              <a:t>(</a:t>
+              <a:t>Value of array1(</a:t>
             </a:r>
             <a:r>
               <a:rPr lang="en-GB" dirty="0" err="1"/>
@@ -18473,7 +18465,7 @@
           </a:lstStyle>
           <a:p>
             <a:r>
-              <a:rPr lang="en-US" sz="3200" dirty="0">
+              <a:rPr lang="en-US" sz="3200">
                 <a:solidFill>
                   <a:schemeClr val="accent3"/>
                 </a:solidFill>
@@ -18504,7 +18496,7 @@
           <a:lstStyle/>
           <a:p>
             <a:r>
-              <a:rPr lang="en-US" sz="2200" u="sng" dirty="0">
+              <a:rPr lang="en-US" sz="2200" u="sng">
                 <a:ea typeface="+mj-lt"/>
                 <a:cs typeface="+mj-lt"/>
               </a:rPr>
@@ -18517,14 +18509,14 @@
               <a:buChar char="•"/>
             </a:pPr>
             <a:r>
-              <a:rPr lang="en-GB" sz="2200" dirty="0">
+              <a:rPr lang="en-GB" sz="2200">
                 <a:latin typeface="+mn-lt"/>
                 <a:ea typeface="Calibri" panose="020F0502020204030204" pitchFamily="34" charset="0"/>
                 <a:cs typeface="Times New Roman"/>
               </a:rPr>
               <a:t>You are expected to wear a face covering </a:t>
             </a:r>
-            <a:endParaRPr lang="en-GB" sz="2200" dirty="0"/>
+            <a:endParaRPr lang="en-GB" sz="2200"/>
           </a:p>
           <a:p>
             <a:pPr marL="457200" indent="-457200">
@@ -18532,26 +18524,15 @@
               <a:buChar char="•"/>
             </a:pPr>
             <a:r>
-              <a:rPr lang="en-US" sz="2200" dirty="0">
-                <a:ea typeface="+mj-lt"/>
-                <a:cs typeface="+mj-lt"/>
-              </a:rPr>
-              <a:t>Tutors will deliver their workshop 2 meters distance from </a:t>
-            </a:r>
-            <a:r>
               <a:rPr lang="en-US" sz="2200">
                 <a:ea typeface="+mj-lt"/>
                 <a:cs typeface="+mj-lt"/>
               </a:rPr>
-              <a:t>you </a:t>
-            </a:r>
-            <a:endParaRPr lang="en-US" sz="2200" dirty="0">
-              <a:ea typeface="+mj-lt"/>
-              <a:cs typeface="+mj-lt"/>
-            </a:endParaRPr>
-          </a:p>
-          <a:p>
-            <a:endParaRPr lang="en-US" sz="2200" u="sng" dirty="0">
+              <a:t>Tutors will deliver their workshop 2 meters distance from you </a:t>
+            </a:r>
+          </a:p>
+          <a:p>
+            <a:endParaRPr lang="en-US" sz="2200" u="sng">
               <a:latin typeface="+mn-lt"/>
               <a:ea typeface="+mj-lt"/>
               <a:cs typeface="+mj-lt"/>
@@ -18559,14 +18540,14 @@
           </a:p>
           <a:p>
             <a:r>
-              <a:rPr lang="en-US" sz="2200" u="sng" dirty="0">
+              <a:rPr lang="en-US" sz="2200" u="sng">
                 <a:latin typeface="+mn-lt"/>
                 <a:ea typeface="+mj-lt"/>
                 <a:cs typeface="+mj-lt"/>
               </a:rPr>
               <a:t>Hygiene</a:t>
             </a:r>
-            <a:endParaRPr lang="en-GB" sz="2200" u="sng" dirty="0">
+            <a:endParaRPr lang="en-GB" sz="2200" u="sng">
               <a:latin typeface="+mn-lt"/>
               <a:ea typeface="Calibri" panose="020F0502020204030204" pitchFamily="34" charset="0"/>
               <a:cs typeface="Times New Roman"/>
@@ -18578,15 +18559,15 @@
               <a:buChar char="•"/>
             </a:pPr>
             <a:r>
-              <a:rPr lang="en-US" sz="2200" dirty="0"/>
+              <a:rPr lang="en-US" sz="2200"/>
               <a:t>Where hand </a:t>
             </a:r>
             <a:r>
-              <a:rPr lang="en-US" sz="2200" dirty="0" err="1"/>
+              <a:rPr lang="en-US" sz="2200" err="1"/>
               <a:t>sanitiser</a:t>
             </a:r>
             <a:r>
-              <a:rPr lang="en-US" sz="2200" dirty="0"/>
+              <a:rPr lang="en-US" sz="2200"/>
               <a:t> is available, please use it</a:t>
             </a:r>
           </a:p>
@@ -18596,7 +18577,7 @@
               <a:buChar char="•"/>
             </a:pPr>
             <a:r>
-              <a:rPr lang="en-US" sz="2200" dirty="0"/>
+              <a:rPr lang="en-US" sz="2200"/>
               <a:t>Please wipe down any communal/shared course materials/equipment </a:t>
             </a:r>
           </a:p>
@@ -18605,14 +18586,14 @@
               <a:buFont typeface="Arial" panose="020B0604020202020204" pitchFamily="34" charset="0"/>
               <a:buChar char="•"/>
             </a:pPr>
-            <a:endParaRPr lang="en-US" sz="2400" dirty="0"/>
+            <a:endParaRPr lang="en-US" sz="2400"/>
           </a:p>
         </p:txBody>
       </p:sp>
     </p:spTree>
     <p:extLst>
       <p:ext uri="{BB962C8B-B14F-4D97-AF65-F5344CB8AC3E}">
-        <p14:creationId xmlns:p14="http://schemas.microsoft.com/office/powerpoint/2010/main" val="70908208"/>
+        <p14:creationId xmlns:p14="http://schemas.microsoft.com/office/powerpoint/2010/main" val="3349666574"/>
       </p:ext>
     </p:extLst>
   </p:cSld>
@@ -21439,7 +21420,7 @@
           </a:lstStyle>
           <a:p>
             <a:r>
-              <a:rPr lang="en-US" sz="3200" dirty="0">
+              <a:rPr lang="en-US" sz="3200">
                 <a:solidFill>
                   <a:schemeClr val="accent3"/>
                 </a:solidFill>
@@ -21470,17 +21451,17 @@
           <a:lstStyle/>
           <a:p>
             <a:r>
-              <a:rPr lang="en-US" sz="2200" u="sng" dirty="0"/>
+              <a:rPr lang="en-US" sz="2200" u="sng"/>
               <a:t>For the purpose of contact tracing</a:t>
             </a:r>
-            <a:endParaRPr lang="en-US" sz="2200" dirty="0"/>
-          </a:p>
-          <a:p>
-            <a:endParaRPr lang="en-US" sz="2200" dirty="0"/>
-          </a:p>
-          <a:p>
-            <a:r>
-              <a:rPr lang="en-US" sz="2200" dirty="0"/>
+            <a:endParaRPr lang="en-US" sz="2200"/>
+          </a:p>
+          <a:p>
+            <a:endParaRPr lang="en-US" sz="2200"/>
+          </a:p>
+          <a:p>
+            <a:r>
+              <a:rPr lang="en-US" sz="2200"/>
               <a:t>For our standard workshops:</a:t>
             </a:r>
           </a:p>
@@ -21490,16 +21471,16 @@
               <a:buChar char="•"/>
             </a:pPr>
             <a:r>
-              <a:rPr lang="en-US" sz="2200" dirty="0"/>
+              <a:rPr lang="en-US" sz="2200"/>
               <a:t>We will provide the CCT Hub with the complete list of attendees at this workshop</a:t>
             </a:r>
           </a:p>
           <a:p>
-            <a:endParaRPr lang="en-US" sz="2200" dirty="0"/>
-          </a:p>
-          <a:p>
-            <a:r>
-              <a:rPr lang="en-US" sz="2200" dirty="0"/>
+            <a:endParaRPr lang="en-US" sz="2200"/>
+          </a:p>
+          <a:p>
+            <a:r>
+              <a:rPr lang="en-US" sz="2200"/>
               <a:t>Where our workshops are held in lecture theatres:</a:t>
             </a:r>
           </a:p>
@@ -21509,27 +21490,19 @@
               <a:buChar char="•"/>
             </a:pPr>
             <a:r>
-              <a:rPr lang="en-US" sz="2200" dirty="0"/>
-              <a:t>You should keep a record of colleagues that you are sat in </a:t>
-            </a:r>
-            <a:r>
               <a:rPr lang="en-US" sz="2200"/>
-              <a:t>close contact with </a:t>
-            </a:r>
-            <a:r>
-              <a:rPr lang="en-US" sz="2200" dirty="0"/>
-              <a:t>(within 2 meters)</a:t>
-            </a:r>
-          </a:p>
-          <a:p>
-            <a:endParaRPr lang="en-US" dirty="0"/>
+              <a:t>You should keep a record of colleagues that you are sat in close contact with (within 2 meters)</a:t>
+            </a:r>
+          </a:p>
+          <a:p>
+            <a:endParaRPr lang="en-US"/>
           </a:p>
         </p:txBody>
       </p:sp>
     </p:spTree>
     <p:extLst>
       <p:ext uri="{BB962C8B-B14F-4D97-AF65-F5344CB8AC3E}">
-        <p14:creationId xmlns:p14="http://schemas.microsoft.com/office/powerpoint/2010/main" val="3238657636"/>
+        <p14:creationId xmlns:p14="http://schemas.microsoft.com/office/powerpoint/2010/main" val="3010181281"/>
       </p:ext>
     </p:extLst>
   </p:cSld>

--- a/Introduction to Fortran Slides.pptx
+++ b/Introduction to Fortran Slides.pptx
@@ -5,64 +5,63 @@
     <p:sldMasterId id="2147483648" r:id="rId1"/>
   </p:sldMasterIdLst>
   <p:notesMasterIdLst>
-    <p:notesMasterId r:id="rId54"/>
+    <p:notesMasterId r:id="rId53"/>
   </p:notesMasterIdLst>
   <p:handoutMasterIdLst>
-    <p:handoutMasterId r:id="rId55"/>
+    <p:handoutMasterId r:id="rId54"/>
   </p:handoutMasterIdLst>
   <p:sldIdLst>
     <p:sldId id="264" r:id="rId2"/>
     <p:sldId id="504" r:id="rId3"/>
-    <p:sldId id="505" r:id="rId4"/>
-    <p:sldId id="506" r:id="rId5"/>
-    <p:sldId id="267" r:id="rId6"/>
-    <p:sldId id="281" r:id="rId7"/>
-    <p:sldId id="282" r:id="rId8"/>
-    <p:sldId id="283" r:id="rId9"/>
-    <p:sldId id="285" r:id="rId10"/>
-    <p:sldId id="284" r:id="rId11"/>
-    <p:sldId id="286" r:id="rId12"/>
-    <p:sldId id="287" r:id="rId13"/>
-    <p:sldId id="289" r:id="rId14"/>
-    <p:sldId id="331" r:id="rId15"/>
-    <p:sldId id="288" r:id="rId16"/>
-    <p:sldId id="292" r:id="rId17"/>
-    <p:sldId id="294" r:id="rId18"/>
-    <p:sldId id="296" r:id="rId19"/>
-    <p:sldId id="299" r:id="rId20"/>
-    <p:sldId id="295" r:id="rId21"/>
-    <p:sldId id="297" r:id="rId22"/>
-    <p:sldId id="306" r:id="rId23"/>
-    <p:sldId id="300" r:id="rId24"/>
-    <p:sldId id="301" r:id="rId25"/>
-    <p:sldId id="302" r:id="rId26"/>
-    <p:sldId id="305" r:id="rId27"/>
-    <p:sldId id="325" r:id="rId28"/>
-    <p:sldId id="307" r:id="rId29"/>
-    <p:sldId id="308" r:id="rId30"/>
-    <p:sldId id="309" r:id="rId31"/>
-    <p:sldId id="310" r:id="rId32"/>
-    <p:sldId id="311" r:id="rId33"/>
-    <p:sldId id="312" r:id="rId34"/>
-    <p:sldId id="313" r:id="rId35"/>
-    <p:sldId id="314" r:id="rId36"/>
-    <p:sldId id="315" r:id="rId37"/>
-    <p:sldId id="316" r:id="rId38"/>
-    <p:sldId id="317" r:id="rId39"/>
-    <p:sldId id="324" r:id="rId40"/>
-    <p:sldId id="326" r:id="rId41"/>
-    <p:sldId id="323" r:id="rId42"/>
-    <p:sldId id="318" r:id="rId43"/>
-    <p:sldId id="319" r:id="rId44"/>
-    <p:sldId id="320" r:id="rId45"/>
-    <p:sldId id="333" r:id="rId46"/>
-    <p:sldId id="327" r:id="rId47"/>
-    <p:sldId id="328" r:id="rId48"/>
-    <p:sldId id="329" r:id="rId49"/>
-    <p:sldId id="330" r:id="rId50"/>
-    <p:sldId id="332" r:id="rId51"/>
-    <p:sldId id="335" r:id="rId52"/>
-    <p:sldId id="280" r:id="rId53"/>
+    <p:sldId id="258" r:id="rId4"/>
+    <p:sldId id="267" r:id="rId5"/>
+    <p:sldId id="281" r:id="rId6"/>
+    <p:sldId id="282" r:id="rId7"/>
+    <p:sldId id="283" r:id="rId8"/>
+    <p:sldId id="285" r:id="rId9"/>
+    <p:sldId id="284" r:id="rId10"/>
+    <p:sldId id="286" r:id="rId11"/>
+    <p:sldId id="287" r:id="rId12"/>
+    <p:sldId id="289" r:id="rId13"/>
+    <p:sldId id="331" r:id="rId14"/>
+    <p:sldId id="288" r:id="rId15"/>
+    <p:sldId id="292" r:id="rId16"/>
+    <p:sldId id="294" r:id="rId17"/>
+    <p:sldId id="296" r:id="rId18"/>
+    <p:sldId id="299" r:id="rId19"/>
+    <p:sldId id="295" r:id="rId20"/>
+    <p:sldId id="297" r:id="rId21"/>
+    <p:sldId id="306" r:id="rId22"/>
+    <p:sldId id="300" r:id="rId23"/>
+    <p:sldId id="301" r:id="rId24"/>
+    <p:sldId id="302" r:id="rId25"/>
+    <p:sldId id="305" r:id="rId26"/>
+    <p:sldId id="325" r:id="rId27"/>
+    <p:sldId id="307" r:id="rId28"/>
+    <p:sldId id="308" r:id="rId29"/>
+    <p:sldId id="309" r:id="rId30"/>
+    <p:sldId id="310" r:id="rId31"/>
+    <p:sldId id="311" r:id="rId32"/>
+    <p:sldId id="312" r:id="rId33"/>
+    <p:sldId id="313" r:id="rId34"/>
+    <p:sldId id="314" r:id="rId35"/>
+    <p:sldId id="315" r:id="rId36"/>
+    <p:sldId id="316" r:id="rId37"/>
+    <p:sldId id="317" r:id="rId38"/>
+    <p:sldId id="324" r:id="rId39"/>
+    <p:sldId id="326" r:id="rId40"/>
+    <p:sldId id="323" r:id="rId41"/>
+    <p:sldId id="318" r:id="rId42"/>
+    <p:sldId id="319" r:id="rId43"/>
+    <p:sldId id="320" r:id="rId44"/>
+    <p:sldId id="333" r:id="rId45"/>
+    <p:sldId id="327" r:id="rId46"/>
+    <p:sldId id="328" r:id="rId47"/>
+    <p:sldId id="329" r:id="rId48"/>
+    <p:sldId id="330" r:id="rId49"/>
+    <p:sldId id="332" r:id="rId50"/>
+    <p:sldId id="335" r:id="rId51"/>
+    <p:sldId id="280" r:id="rId52"/>
   </p:sldIdLst>
   <p:sldSz cx="9144000" cy="6858000" type="screen4x3"/>
   <p:notesSz cx="7099300" cy="10234613"/>
@@ -168,8 +167,7 @@
           <p14:sldIdLst>
             <p14:sldId id="264"/>
             <p14:sldId id="504"/>
-            <p14:sldId id="505"/>
-            <p14:sldId id="506"/>
+            <p14:sldId id="258"/>
             <p14:sldId id="267"/>
             <p14:sldId id="281"/>
             <p14:sldId id="282"/>
@@ -492,7 +490,7 @@
           <a:p>
             <a:fld id="{88EB714B-C3CC-4216-88C1-02913905B1CF}" type="datetimeFigureOut">
               <a:rPr lang="en-GB" smtClean="0"/>
-              <a:t>02/02/2022</a:t>
+              <a:t>08/03/2022</a:t>
             </a:fld>
             <a:endParaRPr lang="en-GB"/>
           </a:p>
@@ -1138,7 +1136,7 @@
           <a:p>
             <a:fld id="{6A641EC8-C9F8-4A58-A1A7-F7D817526EEC}" type="slidenum">
               <a:rPr lang="en-GB" smtClean="0"/>
-              <a:t>13</a:t>
+              <a:t>12</a:t>
             </a:fld>
             <a:endParaRPr lang="en-GB"/>
           </a:p>
@@ -1292,7 +1290,7 @@
           <a:p>
             <a:fld id="{6A641EC8-C9F8-4A58-A1A7-F7D817526EEC}" type="slidenum">
               <a:rPr lang="en-GB" smtClean="0"/>
-              <a:t>15</a:t>
+              <a:t>14</a:t>
             </a:fld>
             <a:endParaRPr lang="en-GB"/>
           </a:p>
@@ -1389,7 +1387,7 @@
           <a:p>
             <a:fld id="{6A641EC8-C9F8-4A58-A1A7-F7D817526EEC}" type="slidenum">
               <a:rPr lang="en-GB" smtClean="0"/>
-              <a:t>16</a:t>
+              <a:t>15</a:t>
             </a:fld>
             <a:endParaRPr lang="en-GB"/>
           </a:p>
@@ -1504,7 +1502,7 @@
           <a:p>
             <a:fld id="{6A641EC8-C9F8-4A58-A1A7-F7D817526EEC}" type="slidenum">
               <a:rPr lang="en-GB" smtClean="0"/>
-              <a:t>17</a:t>
+              <a:t>16</a:t>
             </a:fld>
             <a:endParaRPr lang="en-GB"/>
           </a:p>
@@ -1608,7 +1606,7 @@
           <a:p>
             <a:fld id="{6A641EC8-C9F8-4A58-A1A7-F7D817526EEC}" type="slidenum">
               <a:rPr lang="en-GB" smtClean="0"/>
-              <a:t>18</a:t>
+              <a:t>17</a:t>
             </a:fld>
             <a:endParaRPr lang="en-GB"/>
           </a:p>
@@ -1721,7 +1719,7 @@
           <a:p>
             <a:fld id="{6A641EC8-C9F8-4A58-A1A7-F7D817526EEC}" type="slidenum">
               <a:rPr lang="en-GB" smtClean="0"/>
-              <a:t>19</a:t>
+              <a:t>18</a:t>
             </a:fld>
             <a:endParaRPr lang="en-GB"/>
           </a:p>
@@ -1830,7 +1828,7 @@
           <a:p>
             <a:fld id="{6A641EC8-C9F8-4A58-A1A7-F7D817526EEC}" type="slidenum">
               <a:rPr lang="en-GB" smtClean="0"/>
-              <a:t>20</a:t>
+              <a:t>19</a:t>
             </a:fld>
             <a:endParaRPr lang="en-GB"/>
           </a:p>
@@ -1934,7 +1932,7 @@
           <a:p>
             <a:fld id="{6A641EC8-C9F8-4A58-A1A7-F7D817526EEC}" type="slidenum">
               <a:rPr lang="en-GB" smtClean="0"/>
-              <a:t>21</a:t>
+              <a:t>20</a:t>
             </a:fld>
             <a:endParaRPr lang="en-GB"/>
           </a:p>
@@ -2043,7 +2041,7 @@
           <a:p>
             <a:fld id="{6A641EC8-C9F8-4A58-A1A7-F7D817526EEC}" type="slidenum">
               <a:rPr lang="en-GB" smtClean="0"/>
-              <a:t>22</a:t>
+              <a:t>21</a:t>
             </a:fld>
             <a:endParaRPr lang="en-GB"/>
           </a:p>
@@ -2127,7 +2125,7 @@
           <a:p>
             <a:fld id="{6A641EC8-C9F8-4A58-A1A7-F7D817526EEC}" type="slidenum">
               <a:rPr lang="en-GB" smtClean="0"/>
-              <a:t>5</a:t>
+              <a:t>4</a:t>
             </a:fld>
             <a:endParaRPr lang="en-GB"/>
           </a:p>
@@ -2240,7 +2238,7 @@
           <a:p>
             <a:fld id="{6A641EC8-C9F8-4A58-A1A7-F7D817526EEC}" type="slidenum">
               <a:rPr lang="en-GB" smtClean="0"/>
-              <a:t>23</a:t>
+              <a:t>22</a:t>
             </a:fld>
             <a:endParaRPr lang="en-GB"/>
           </a:p>
@@ -2493,7 +2491,7 @@
           <a:p>
             <a:fld id="{6A641EC8-C9F8-4A58-A1A7-F7D817526EEC}" type="slidenum">
               <a:rPr lang="en-GB" smtClean="0"/>
-              <a:t>24</a:t>
+              <a:t>23</a:t>
             </a:fld>
             <a:endParaRPr lang="en-GB"/>
           </a:p>
@@ -2615,7 +2613,7 @@
           <a:p>
             <a:fld id="{6A641EC8-C9F8-4A58-A1A7-F7D817526EEC}" type="slidenum">
               <a:rPr lang="en-GB" smtClean="0"/>
-              <a:t>25</a:t>
+              <a:t>24</a:t>
             </a:fld>
             <a:endParaRPr lang="en-GB"/>
           </a:p>
@@ -2789,7 +2787,7 @@
           <a:p>
             <a:fld id="{6A641EC8-C9F8-4A58-A1A7-F7D817526EEC}" type="slidenum">
               <a:rPr lang="en-GB" smtClean="0"/>
-              <a:t>26</a:t>
+              <a:t>25</a:t>
             </a:fld>
             <a:endParaRPr lang="en-GB"/>
           </a:p>
@@ -2894,7 +2892,7 @@
           <a:p>
             <a:fld id="{6A641EC8-C9F8-4A58-A1A7-F7D817526EEC}" type="slidenum">
               <a:rPr lang="en-GB" smtClean="0"/>
-              <a:t>27</a:t>
+              <a:t>26</a:t>
             </a:fld>
             <a:endParaRPr lang="en-GB"/>
           </a:p>
@@ -3080,7 +3078,7 @@
           <a:p>
             <a:fld id="{6A641EC8-C9F8-4A58-A1A7-F7D817526EEC}" type="slidenum">
               <a:rPr lang="en-GB" smtClean="0"/>
-              <a:t>28</a:t>
+              <a:t>27</a:t>
             </a:fld>
             <a:endParaRPr lang="en-GB"/>
           </a:p>
@@ -3340,7 +3338,7 @@
           <a:p>
             <a:fld id="{6A641EC8-C9F8-4A58-A1A7-F7D817526EEC}" type="slidenum">
               <a:rPr lang="en-GB" smtClean="0"/>
-              <a:t>29</a:t>
+              <a:t>28</a:t>
             </a:fld>
             <a:endParaRPr lang="en-GB"/>
           </a:p>
@@ -3626,7 +3624,7 @@
           <a:p>
             <a:fld id="{6A641EC8-C9F8-4A58-A1A7-F7D817526EEC}" type="slidenum">
               <a:rPr lang="en-GB" smtClean="0"/>
-              <a:t>30</a:t>
+              <a:t>29</a:t>
             </a:fld>
             <a:endParaRPr lang="en-GB"/>
           </a:p>
@@ -3816,7 +3814,7 @@
           <a:p>
             <a:fld id="{6A641EC8-C9F8-4A58-A1A7-F7D817526EEC}" type="slidenum">
               <a:rPr lang="en-GB" smtClean="0"/>
-              <a:t>31</a:t>
+              <a:t>30</a:t>
             </a:fld>
             <a:endParaRPr lang="en-GB"/>
           </a:p>
@@ -4011,7 +4009,7 @@
           <a:p>
             <a:fld id="{6A641EC8-C9F8-4A58-A1A7-F7D817526EEC}" type="slidenum">
               <a:rPr lang="en-GB" smtClean="0"/>
-              <a:t>32</a:t>
+              <a:t>31</a:t>
             </a:fld>
             <a:endParaRPr lang="en-GB"/>
           </a:p>
@@ -4115,7 +4113,7 @@
           <a:p>
             <a:fld id="{6A641EC8-C9F8-4A58-A1A7-F7D817526EEC}" type="slidenum">
               <a:rPr lang="en-GB" smtClean="0"/>
-              <a:t>6</a:t>
+              <a:t>5</a:t>
             </a:fld>
             <a:endParaRPr lang="en-GB"/>
           </a:p>
@@ -4391,7 +4389,7 @@
           <a:p>
             <a:fld id="{6A641EC8-C9F8-4A58-A1A7-F7D817526EEC}" type="slidenum">
               <a:rPr lang="en-GB" smtClean="0"/>
-              <a:t>33</a:t>
+              <a:t>32</a:t>
             </a:fld>
             <a:endParaRPr lang="en-GB"/>
           </a:p>
@@ -4492,7 +4490,7 @@
           <a:p>
             <a:fld id="{6A641EC8-C9F8-4A58-A1A7-F7D817526EEC}" type="slidenum">
               <a:rPr lang="en-GB" smtClean="0"/>
-              <a:t>34</a:t>
+              <a:t>33</a:t>
             </a:fld>
             <a:endParaRPr lang="en-GB"/>
           </a:p>
@@ -4682,7 +4680,7 @@
           <a:p>
             <a:fld id="{6A641EC8-C9F8-4A58-A1A7-F7D817526EEC}" type="slidenum">
               <a:rPr lang="en-GB" smtClean="0"/>
-              <a:t>35</a:t>
+              <a:t>34</a:t>
             </a:fld>
             <a:endParaRPr lang="en-GB"/>
           </a:p>
@@ -4915,7 +4913,7 @@
           <a:p>
             <a:fld id="{6A641EC8-C9F8-4A58-A1A7-F7D817526EEC}" type="slidenum">
               <a:rPr lang="en-GB" smtClean="0"/>
-              <a:t>36</a:t>
+              <a:t>35</a:t>
             </a:fld>
             <a:endParaRPr lang="en-GB"/>
           </a:p>
@@ -5062,7 +5060,7 @@
           <a:p>
             <a:fld id="{6A641EC8-C9F8-4A58-A1A7-F7D817526EEC}" type="slidenum">
               <a:rPr lang="en-GB" smtClean="0"/>
-              <a:t>37</a:t>
+              <a:t>36</a:t>
             </a:fld>
             <a:endParaRPr lang="en-GB"/>
           </a:p>
@@ -5209,7 +5207,7 @@
           <a:p>
             <a:fld id="{6A641EC8-C9F8-4A58-A1A7-F7D817526EEC}" type="slidenum">
               <a:rPr lang="en-GB" smtClean="0"/>
-              <a:t>38</a:t>
+              <a:t>37</a:t>
             </a:fld>
             <a:endParaRPr lang="en-GB"/>
           </a:p>
@@ -5442,7 +5440,7 @@
           <a:p>
             <a:fld id="{6A641EC8-C9F8-4A58-A1A7-F7D817526EEC}" type="slidenum">
               <a:rPr lang="en-GB" smtClean="0"/>
-              <a:t>39</a:t>
+              <a:t>38</a:t>
             </a:fld>
             <a:endParaRPr lang="en-GB"/>
           </a:p>
@@ -5589,7 +5587,7 @@
           <a:p>
             <a:fld id="{6A641EC8-C9F8-4A58-A1A7-F7D817526EEC}" type="slidenum">
               <a:rPr lang="en-GB" smtClean="0"/>
-              <a:t>40</a:t>
+              <a:t>39</a:t>
             </a:fld>
             <a:endParaRPr lang="en-GB"/>
           </a:p>
@@ -5779,7 +5777,7 @@
           <a:p>
             <a:fld id="{6A641EC8-C9F8-4A58-A1A7-F7D817526EEC}" type="slidenum">
               <a:rPr lang="en-GB" smtClean="0"/>
-              <a:t>41</a:t>
+              <a:t>40</a:t>
             </a:fld>
             <a:endParaRPr lang="en-GB"/>
           </a:p>
@@ -6012,7 +6010,7 @@
           <a:p>
             <a:fld id="{6A641EC8-C9F8-4A58-A1A7-F7D817526EEC}" type="slidenum">
               <a:rPr lang="en-GB" smtClean="0"/>
-              <a:t>42</a:t>
+              <a:t>41</a:t>
             </a:fld>
             <a:endParaRPr lang="en-GB"/>
           </a:p>
@@ -6141,7 +6139,7 @@
           <a:p>
             <a:fld id="{6A641EC8-C9F8-4A58-A1A7-F7D817526EEC}" type="slidenum">
               <a:rPr lang="en-GB" smtClean="0"/>
-              <a:t>7</a:t>
+              <a:t>6</a:t>
             </a:fld>
             <a:endParaRPr lang="en-GB"/>
           </a:p>
@@ -6288,7 +6286,7 @@
           <a:p>
             <a:fld id="{6A641EC8-C9F8-4A58-A1A7-F7D817526EEC}" type="slidenum">
               <a:rPr lang="en-GB" smtClean="0"/>
-              <a:t>43</a:t>
+              <a:t>42</a:t>
             </a:fld>
             <a:endParaRPr lang="en-GB"/>
           </a:p>
@@ -6392,7 +6390,7 @@
           <a:p>
             <a:fld id="{6A641EC8-C9F8-4A58-A1A7-F7D817526EEC}" type="slidenum">
               <a:rPr lang="en-GB" smtClean="0"/>
-              <a:t>44</a:t>
+              <a:t>43</a:t>
             </a:fld>
             <a:endParaRPr lang="en-GB"/>
           </a:p>
@@ -6496,7 +6494,7 @@
           <a:p>
             <a:fld id="{6A641EC8-C9F8-4A58-A1A7-F7D817526EEC}" type="slidenum">
               <a:rPr lang="en-GB" smtClean="0"/>
-              <a:t>45</a:t>
+              <a:t>44</a:t>
             </a:fld>
             <a:endParaRPr lang="en-GB"/>
           </a:p>
@@ -6643,7 +6641,7 @@
           <a:p>
             <a:fld id="{6A641EC8-C9F8-4A58-A1A7-F7D817526EEC}" type="slidenum">
               <a:rPr lang="en-GB" smtClean="0"/>
-              <a:t>46</a:t>
+              <a:t>45</a:t>
             </a:fld>
             <a:endParaRPr lang="en-GB"/>
           </a:p>
@@ -6790,7 +6788,7 @@
           <a:p>
             <a:fld id="{6A641EC8-C9F8-4A58-A1A7-F7D817526EEC}" type="slidenum">
               <a:rPr lang="en-GB" smtClean="0"/>
-              <a:t>47</a:t>
+              <a:t>46</a:t>
             </a:fld>
             <a:endParaRPr lang="en-GB"/>
           </a:p>
@@ -6937,7 +6935,7 @@
           <a:p>
             <a:fld id="{6A641EC8-C9F8-4A58-A1A7-F7D817526EEC}" type="slidenum">
               <a:rPr lang="en-GB" smtClean="0"/>
-              <a:t>48</a:t>
+              <a:t>47</a:t>
             </a:fld>
             <a:endParaRPr lang="en-GB"/>
           </a:p>
@@ -7284,7 +7282,7 @@
           <a:p>
             <a:fld id="{6A641EC8-C9F8-4A58-A1A7-F7D817526EEC}" type="slidenum">
               <a:rPr lang="en-GB" smtClean="0"/>
-              <a:t>51</a:t>
+              <a:t>50</a:t>
             </a:fld>
             <a:endParaRPr lang="en-GB"/>
           </a:p>
@@ -7480,7 +7478,7 @@
                   <a:spcPct val="0"/>
                 </a:spcBef>
               </a:pPr>
-              <a:t>52</a:t>
+              <a:t>51</a:t>
             </a:fld>
             <a:endParaRPr lang="en-US" altLang="en-US"/>
           </a:p>
@@ -7682,7 +7680,7 @@
           <a:p>
             <a:fld id="{6A641EC8-C9F8-4A58-A1A7-F7D817526EEC}" type="slidenum">
               <a:rPr lang="en-GB" smtClean="0"/>
-              <a:t>8</a:t>
+              <a:t>7</a:t>
             </a:fld>
             <a:endParaRPr lang="en-GB"/>
           </a:p>
@@ -7766,7 +7764,7 @@
           <a:p>
             <a:fld id="{6A641EC8-C9F8-4A58-A1A7-F7D817526EEC}" type="slidenum">
               <a:rPr lang="en-GB" smtClean="0"/>
-              <a:t>9</a:t>
+              <a:t>8</a:t>
             </a:fld>
             <a:endParaRPr lang="en-GB"/>
           </a:p>
@@ -7871,7 +7869,7 @@
           <a:p>
             <a:fld id="{6A641EC8-C9F8-4A58-A1A7-F7D817526EEC}" type="slidenum">
               <a:rPr lang="en-GB" smtClean="0"/>
-              <a:t>10</a:t>
+              <a:t>9</a:t>
             </a:fld>
             <a:endParaRPr lang="en-GB"/>
           </a:p>
@@ -7994,7 +7992,7 @@
           <a:p>
             <a:fld id="{6A641EC8-C9F8-4A58-A1A7-F7D817526EEC}" type="slidenum">
               <a:rPr lang="en-GB" smtClean="0"/>
-              <a:t>11</a:t>
+              <a:t>10</a:t>
             </a:fld>
             <a:endParaRPr lang="en-GB"/>
           </a:p>
@@ -8151,7 +8149,7 @@
           <a:p>
             <a:fld id="{6A641EC8-C9F8-4A58-A1A7-F7D817526EEC}" type="slidenum">
               <a:rPr lang="en-GB" smtClean="0"/>
-              <a:t>12</a:t>
+              <a:t>11</a:t>
             </a:fld>
             <a:endParaRPr lang="en-GB"/>
           </a:p>
@@ -8529,7 +8527,7 @@
           <a:p>
             <a:fld id="{EB0080F8-EA1C-491D-963C-2C881B2F918F}" type="datetimeFigureOut">
               <a:rPr lang="en-GB" smtClean="0"/>
-              <a:t>02/02/2022</a:t>
+              <a:t>08/03/2022</a:t>
             </a:fld>
             <a:endParaRPr lang="en-GB"/>
           </a:p>
@@ -8679,7 +8677,7 @@
           <a:p>
             <a:fld id="{EB0080F8-EA1C-491D-963C-2C881B2F918F}" type="datetimeFigureOut">
               <a:rPr lang="en-GB" smtClean="0"/>
-              <a:t>02/02/2022</a:t>
+              <a:t>08/03/2022</a:t>
             </a:fld>
             <a:endParaRPr lang="en-GB"/>
           </a:p>
@@ -10212,7 +10210,7 @@
           <a:p>
             <a:fld id="{EB0080F8-EA1C-491D-963C-2C881B2F918F}" type="datetimeFigureOut">
               <a:rPr lang="en-GB" smtClean="0"/>
-              <a:t>02/02/2022</a:t>
+              <a:t>08/03/2022</a:t>
             </a:fld>
             <a:endParaRPr lang="en-GB"/>
           </a:p>
@@ -10762,407 +10760,78 @@
           </a:p>
         </p:txBody>
       </p:sp>
-      <p:graphicFrame>
-        <p:nvGraphicFramePr>
-          <p:cNvPr id="6" name="Table 5">
-            <a:extLst>
-              <a:ext uri="{FF2B5EF4-FFF2-40B4-BE49-F238E27FC236}">
-                <a16:creationId xmlns:a16="http://schemas.microsoft.com/office/drawing/2014/main" id="{D12B00F4-5C15-440A-B22F-6A524A68BAE5}"/>
-              </a:ext>
-            </a:extLst>
-          </p:cNvPr>
-          <p:cNvGraphicFramePr>
-            <a:graphicFrameLocks noGrp="1"/>
-          </p:cNvGraphicFramePr>
-          <p:nvPr>
-            <p:extLst>
-              <p:ext uri="{D42A27DB-BD31-4B8C-83A1-F6EECF244321}">
-                <p14:modId xmlns:p14="http://schemas.microsoft.com/office/powerpoint/2010/main" val="3382162690"/>
-              </p:ext>
-            </p:extLst>
-          </p:nvPr>
-        </p:nvGraphicFramePr>
-        <p:xfrm>
-          <a:off x="840828" y="2438400"/>
-          <a:ext cx="7514895" cy="1828800"/>
-        </p:xfrm>
-        <a:graphic>
-          <a:graphicData uri="http://schemas.openxmlformats.org/drawingml/2006/table">
-            <a:tbl>
-              <a:tblPr firstRow="1" bandRow="1">
-                <a:tableStyleId>{5C22544A-7EE6-4342-B048-85BDC9FD1C3A}</a:tableStyleId>
-              </a:tblPr>
-              <a:tblGrid>
-                <a:gridCol w="2504965">
-                  <a:extLst>
-                    <a:ext uri="{9D8B030D-6E8A-4147-A177-3AD203B41FA5}">
-                      <a16:colId xmlns:a16="http://schemas.microsoft.com/office/drawing/2014/main" val="620446185"/>
-                    </a:ext>
-                  </a:extLst>
-                </a:gridCol>
-                <a:gridCol w="2504965">
-                  <a:extLst>
-                    <a:ext uri="{9D8B030D-6E8A-4147-A177-3AD203B41FA5}">
-                      <a16:colId xmlns:a16="http://schemas.microsoft.com/office/drawing/2014/main" val="679079119"/>
-                    </a:ext>
-                  </a:extLst>
-                </a:gridCol>
-                <a:gridCol w="2504965">
-                  <a:extLst>
-                    <a:ext uri="{9D8B030D-6E8A-4147-A177-3AD203B41FA5}">
-                      <a16:colId xmlns:a16="http://schemas.microsoft.com/office/drawing/2014/main" val="3331666545"/>
-                    </a:ext>
-                  </a:extLst>
-                </a:gridCol>
-              </a:tblGrid>
-              <a:tr h="370840">
-                <a:tc>
-                  <a:txBody>
-                    <a:bodyPr/>
-                    <a:lstStyle/>
-                    <a:p>
-                      <a:r>
-                        <a:rPr lang="en-GB" dirty="0"/>
-                        <a:t>Fortran Instruction</a:t>
-                      </a:r>
-                    </a:p>
-                  </a:txBody>
-                  <a:tcPr/>
-                </a:tc>
-                <a:tc>
-                  <a:txBody>
-                    <a:bodyPr/>
-                    <a:lstStyle/>
-                    <a:p>
-                      <a:r>
-                        <a:rPr lang="en-GB" dirty="0"/>
-                        <a:t>Assembly Language Instructions</a:t>
-                      </a:r>
-                    </a:p>
-                  </a:txBody>
-                  <a:tcPr/>
-                </a:tc>
-                <a:tc>
-                  <a:txBody>
-                    <a:bodyPr/>
-                    <a:lstStyle/>
-                    <a:p>
-                      <a:r>
-                        <a:rPr lang="en-GB" dirty="0"/>
-                        <a:t>Machine Language Instructions</a:t>
-                      </a:r>
-                    </a:p>
-                  </a:txBody>
-                  <a:tcPr/>
-                </a:tc>
-                <a:extLst>
-                  <a:ext uri="{0D108BD9-81ED-4DB2-BD59-A6C34878D82A}">
-                    <a16:rowId xmlns:a16="http://schemas.microsoft.com/office/drawing/2014/main" val="2586946742"/>
-                  </a:ext>
-                </a:extLst>
-              </a:tr>
-              <a:tr h="370840">
-                <a:tc>
-                  <a:txBody>
-                    <a:bodyPr/>
-                    <a:lstStyle/>
-                    <a:p>
-                      <a:r>
-                        <a:rPr lang="en-GB" dirty="0"/>
-                        <a:t>D=X+Y+Z</a:t>
-                      </a:r>
-                    </a:p>
-                  </a:txBody>
-                  <a:tcPr/>
-                </a:tc>
-                <a:tc>
-                  <a:txBody>
-                    <a:bodyPr/>
-                    <a:lstStyle/>
-                    <a:p>
-                      <a:r>
-                        <a:rPr lang="en-GB" dirty="0"/>
-                        <a:t>LDA X</a:t>
-                      </a:r>
-                    </a:p>
-                    <a:p>
-                      <a:r>
-                        <a:rPr lang="en-GB" dirty="0"/>
-                        <a:t>ADA Y</a:t>
-                      </a:r>
-                    </a:p>
-                    <a:p>
-                      <a:r>
-                        <a:rPr lang="en-GB" dirty="0"/>
-                        <a:t>ADA Z</a:t>
-                      </a:r>
-                    </a:p>
-                    <a:p>
-                      <a:r>
-                        <a:rPr lang="en-GB" dirty="0"/>
-                        <a:t>STA D</a:t>
-                      </a:r>
-                    </a:p>
-                  </a:txBody>
-                  <a:tcPr/>
-                </a:tc>
-                <a:tc>
-                  <a:txBody>
-                    <a:bodyPr/>
-                    <a:lstStyle/>
-                    <a:p>
-                      <a:r>
-                        <a:rPr lang="en-GB" dirty="0"/>
-                        <a:t>0110 0011 0010 0001</a:t>
-                      </a:r>
-                    </a:p>
-                    <a:p>
-                      <a:r>
-                        <a:rPr lang="en-GB" dirty="0"/>
-                        <a:t>0100 0011 0010 0010 </a:t>
-                      </a:r>
-                    </a:p>
-                    <a:p>
-                      <a:r>
-                        <a:rPr lang="en-GB" dirty="0"/>
-                        <a:t>0100 0011 0010 0011</a:t>
-                      </a:r>
-                    </a:p>
-                    <a:p>
-                      <a:r>
-                        <a:rPr lang="en-GB" dirty="0"/>
-                        <a:t>0111 0011 0010 0100</a:t>
-                      </a:r>
-                    </a:p>
-                  </a:txBody>
-                  <a:tcPr/>
-                </a:tc>
-                <a:extLst>
-                  <a:ext uri="{0D108BD9-81ED-4DB2-BD59-A6C34878D82A}">
-                    <a16:rowId xmlns:a16="http://schemas.microsoft.com/office/drawing/2014/main" val="1602259348"/>
-                  </a:ext>
-                </a:extLst>
-              </a:tr>
-            </a:tbl>
-          </a:graphicData>
-        </a:graphic>
-      </p:graphicFrame>
-      <p:sp>
-        <p:nvSpPr>
-          <p:cNvPr id="8" name="Arrow: Curved Up 7">
-            <a:extLst>
-              <a:ext uri="{FF2B5EF4-FFF2-40B4-BE49-F238E27FC236}">
-                <a16:creationId xmlns:a16="http://schemas.microsoft.com/office/drawing/2014/main" id="{9FE256C4-F732-404F-81E2-71E8618961F8}"/>
-              </a:ext>
-            </a:extLst>
-          </p:cNvPr>
-          <p:cNvSpPr/>
-          <p:nvPr/>
+      <p:sp>
+        <p:nvSpPr>
+          <p:cNvPr id="3" name="Content Placeholder 2"/>
+          <p:cNvSpPr>
+            <a:spLocks noGrp="1"/>
+          </p:cNvSpPr>
+          <p:nvPr>
+            <p:ph idx="1"/>
+          </p:nvPr>
         </p:nvSpPr>
         <p:spPr>
           <a:xfrm>
-            <a:off x="1797269" y="4394200"/>
-            <a:ext cx="5990897" cy="1828800"/>
+            <a:off x="457200" y="1600200"/>
+            <a:ext cx="8435280" cy="4876800"/>
           </a:xfrm>
-          <a:prstGeom prst="curvedUpArrow">
-            <a:avLst/>
-          </a:prstGeom>
         </p:spPr>
-        <p:style>
-          <a:lnRef idx="1">
-            <a:schemeClr val="accent1"/>
-          </a:lnRef>
-          <a:fillRef idx="3">
-            <a:schemeClr val="accent1"/>
-          </a:fillRef>
-          <a:effectRef idx="2">
-            <a:schemeClr val="accent1"/>
-          </a:effectRef>
-          <a:fontRef idx="minor">
-            <a:schemeClr val="lt1"/>
-          </a:fontRef>
-        </p:style>
-        <p:txBody>
-          <a:bodyPr rtlCol="0" anchor="ctr"/>
-          <a:lstStyle/>
-          <a:p>
-            <a:pPr algn="ctr"/>
-            <a:endParaRPr lang="en-GB">
-              <a:solidFill>
-                <a:schemeClr val="tx1"/>
-              </a:solidFill>
-            </a:endParaRPr>
-          </a:p>
-        </p:txBody>
-      </p:sp>
-      <p:sp>
-        <p:nvSpPr>
-          <p:cNvPr id="7" name="TextBox 6">
-            <a:extLst>
-              <a:ext uri="{FF2B5EF4-FFF2-40B4-BE49-F238E27FC236}">
-                <a16:creationId xmlns:a16="http://schemas.microsoft.com/office/drawing/2014/main" id="{C950AC6F-179C-4D84-92E7-6BA017ADF94A}"/>
-              </a:ext>
-            </a:extLst>
-          </p:cNvPr>
-          <p:cNvSpPr txBox="1"/>
-          <p:nvPr/>
-        </p:nvSpPr>
-        <p:spPr>
-          <a:xfrm>
-            <a:off x="3026979" y="5519003"/>
-            <a:ext cx="3090041" cy="830997"/>
-          </a:xfrm>
-          <a:prstGeom prst="rect">
-            <a:avLst/>
-          </a:prstGeom>
-          <a:solidFill>
-            <a:schemeClr val="bg1"/>
-          </a:solidFill>
-          <a:ln>
-            <a:solidFill>
-              <a:schemeClr val="accent1"/>
-            </a:solidFill>
-          </a:ln>
-        </p:spPr>
-        <p:txBody>
-          <a:bodyPr wrap="square" rtlCol="0">
-            <a:spAutoFit/>
+        <p:txBody>
+          <a:bodyPr>
+            <a:normAutofit/>
           </a:bodyPr>
           <a:lstStyle/>
           <a:p>
-            <a:pPr algn="ctr"/>
-            <a:r>
-              <a:rPr lang="en-GB" sz="4800" dirty="0"/>
-              <a:t>Compiler</a:t>
-            </a:r>
-          </a:p>
-        </p:txBody>
-      </p:sp>
-      <p:sp>
-        <p:nvSpPr>
-          <p:cNvPr id="9" name="TextBox 8">
-            <a:extLst>
-              <a:ext uri="{FF2B5EF4-FFF2-40B4-BE49-F238E27FC236}">
-                <a16:creationId xmlns:a16="http://schemas.microsoft.com/office/drawing/2014/main" id="{39880090-4A7E-428B-A6D6-EE334B93D6A5}"/>
-              </a:ext>
-            </a:extLst>
-          </p:cNvPr>
-          <p:cNvSpPr txBox="1"/>
-          <p:nvPr/>
-        </p:nvSpPr>
-        <p:spPr>
-          <a:xfrm>
-            <a:off x="977463" y="1666409"/>
-            <a:ext cx="2238702" cy="523220"/>
-          </a:xfrm>
-          <a:prstGeom prst="rect">
-            <a:avLst/>
-          </a:prstGeom>
-          <a:noFill/>
-          <a:ln w="38100">
-            <a:solidFill>
-              <a:schemeClr val="accent1"/>
-            </a:solidFill>
-          </a:ln>
-        </p:spPr>
-        <p:txBody>
-          <a:bodyPr wrap="square" rtlCol="0">
-            <a:spAutoFit/>
-          </a:bodyPr>
-          <a:lstStyle/>
-          <a:p>
-            <a:r>
-              <a:rPr lang="en-GB" sz="2800" dirty="0"/>
-              <a:t>My_code.f90</a:t>
-            </a:r>
-          </a:p>
-        </p:txBody>
-      </p:sp>
-      <p:sp>
-        <p:nvSpPr>
-          <p:cNvPr id="11" name="TextBox 10">
-            <a:extLst>
-              <a:ext uri="{FF2B5EF4-FFF2-40B4-BE49-F238E27FC236}">
-                <a16:creationId xmlns:a16="http://schemas.microsoft.com/office/drawing/2014/main" id="{D3754946-9B99-4475-8DB7-B29A135BF7A7}"/>
-              </a:ext>
-            </a:extLst>
-          </p:cNvPr>
-          <p:cNvSpPr txBox="1"/>
-          <p:nvPr/>
-        </p:nvSpPr>
-        <p:spPr>
-          <a:xfrm>
-            <a:off x="5927836" y="1666409"/>
-            <a:ext cx="2375335" cy="523220"/>
-          </a:xfrm>
-          <a:prstGeom prst="rect">
-            <a:avLst/>
-          </a:prstGeom>
-          <a:noFill/>
-          <a:ln w="38100">
-            <a:solidFill>
-              <a:schemeClr val="accent1"/>
-            </a:solidFill>
-          </a:ln>
-        </p:spPr>
-        <p:txBody>
-          <a:bodyPr wrap="square" rtlCol="0">
-            <a:spAutoFit/>
-          </a:bodyPr>
-          <a:lstStyle/>
-          <a:p>
-            <a:r>
-              <a:rPr lang="en-GB" sz="2800" dirty="0"/>
-              <a:t>My_code.exe</a:t>
-            </a:r>
-          </a:p>
-        </p:txBody>
-      </p:sp>
-      <p:sp>
-        <p:nvSpPr>
-          <p:cNvPr id="12" name="TextBox 11">
-            <a:extLst>
-              <a:ext uri="{FF2B5EF4-FFF2-40B4-BE49-F238E27FC236}">
-                <a16:creationId xmlns:a16="http://schemas.microsoft.com/office/drawing/2014/main" id="{EAC31B02-A902-4888-A581-6A27A4AFDBA0}"/>
-              </a:ext>
-            </a:extLst>
-          </p:cNvPr>
-          <p:cNvSpPr txBox="1"/>
-          <p:nvPr/>
-        </p:nvSpPr>
-        <p:spPr>
-          <a:xfrm>
-            <a:off x="5927836" y="1079689"/>
-            <a:ext cx="2375335" cy="523220"/>
-          </a:xfrm>
-          <a:prstGeom prst="rect">
-            <a:avLst/>
-          </a:prstGeom>
-          <a:noFill/>
-          <a:ln w="38100">
-            <a:solidFill>
-              <a:schemeClr val="accent1"/>
-            </a:solidFill>
-          </a:ln>
-        </p:spPr>
-        <p:txBody>
-          <a:bodyPr wrap="square" rtlCol="0">
-            <a:spAutoFit/>
-          </a:bodyPr>
-          <a:lstStyle/>
-          <a:p>
-            <a:r>
-              <a:rPr lang="en-GB" sz="2800" dirty="0" err="1"/>
-              <a:t>My_code.o</a:t>
-            </a:r>
-            <a:endParaRPr lang="en-GB" sz="2800" dirty="0"/>
+            <a:r>
+              <a:rPr lang="en-GB" sz="3000" dirty="0"/>
+              <a:t>Scans code for syntax errors</a:t>
+            </a:r>
+          </a:p>
+          <a:p>
+            <a:r>
+              <a:rPr lang="en-GB" sz="3000" dirty="0"/>
+              <a:t>Optimises the code</a:t>
+            </a:r>
+          </a:p>
+          <a:p>
+            <a:r>
+              <a:rPr lang="en-GB" sz="3000" dirty="0"/>
+              <a:t>Creates machine code in the form of an object file or executable</a:t>
+            </a:r>
+          </a:p>
+          <a:p>
+            <a:r>
+              <a:rPr lang="en-GB" sz="3000" dirty="0"/>
+              <a:t>Does not:</a:t>
+            </a:r>
+          </a:p>
+          <a:p>
+            <a:pPr lvl="1"/>
+            <a:r>
+              <a:rPr lang="en-GB" sz="2600" dirty="0"/>
+              <a:t>Reveal run-time errors</a:t>
+            </a:r>
+          </a:p>
+          <a:p>
+            <a:pPr lvl="1"/>
+            <a:r>
+              <a:rPr lang="en-GB" sz="2600" dirty="0"/>
+              <a:t>Know what values will be used when the program is executed</a:t>
+            </a:r>
+          </a:p>
+          <a:p>
+            <a:pPr lvl="1"/>
+            <a:r>
+              <a:rPr lang="en-GB" sz="2600" dirty="0"/>
+              <a:t>Run any computations</a:t>
+            </a:r>
           </a:p>
         </p:txBody>
       </p:sp>
     </p:spTree>
     <p:extLst>
       <p:ext uri="{BB962C8B-B14F-4D97-AF65-F5344CB8AC3E}">
-        <p14:creationId xmlns:p14="http://schemas.microsoft.com/office/powerpoint/2010/main" val="2428056926"/>
+        <p14:creationId xmlns:p14="http://schemas.microsoft.com/office/powerpoint/2010/main" val="3966698890"/>
       </p:ext>
     </p:extLst>
   </p:cSld>
@@ -11214,7 +10883,7 @@
           <a:p>
             <a:r>
               <a:rPr lang="en-GB" sz="4000" dirty="0"/>
-              <a:t>The Compiler</a:t>
+              <a:t>Compilers</a:t>
             </a:r>
           </a:p>
         </p:txBody>
@@ -11242,47 +10911,35 @@
           <a:lstStyle/>
           <a:p>
             <a:r>
+              <a:rPr lang="en-GB" sz="3000" dirty="0" err="1"/>
+              <a:t>gfortran</a:t>
+            </a:r>
+            <a:endParaRPr lang="en-GB" sz="3000" dirty="0"/>
+          </a:p>
+          <a:p>
+            <a:r>
               <a:rPr lang="en-GB" sz="3000" dirty="0"/>
-              <a:t>Scans code for syntax errors</a:t>
-            </a:r>
+              <a:t>PGI</a:t>
+            </a:r>
+          </a:p>
+          <a:p>
+            <a:r>
+              <a:rPr lang="en-GB" sz="3000" dirty="0" err="1"/>
+              <a:t>Absoft</a:t>
+            </a:r>
+            <a:endParaRPr lang="en-GB" sz="3000" dirty="0"/>
+          </a:p>
+          <a:p>
+            <a:r>
+              <a:rPr lang="en-GB" sz="3000" dirty="0" err="1"/>
+              <a:t>Ifort</a:t>
+            </a:r>
+            <a:endParaRPr lang="en-GB" sz="3000" dirty="0"/>
           </a:p>
           <a:p>
             <a:r>
               <a:rPr lang="en-GB" sz="3000" dirty="0"/>
-              <a:t>Optimises the code</a:t>
-            </a:r>
-          </a:p>
-          <a:p>
-            <a:r>
-              <a:rPr lang="en-GB" sz="3000" dirty="0"/>
-              <a:t>Creates machine code in the form of an object file or executable</a:t>
-            </a:r>
-          </a:p>
-          <a:p>
-            <a:r>
-              <a:rPr lang="en-GB" sz="3000" dirty="0"/>
-              <a:t>Does not:</a:t>
-            </a:r>
-          </a:p>
-          <a:p>
-            <a:pPr lvl="1"/>
-            <a:r>
-              <a:rPr lang="en-GB" sz="2600" dirty="0"/>
-              <a:t>Reveal run-time errors</a:t>
-            </a:r>
-          </a:p>
-          <a:p>
-            <a:pPr lvl="1"/>
-            <a:r>
-              <a:rPr lang="en-GB" sz="2600" dirty="0"/>
-              <a:t>Know what values will be used when the program is executed</a:t>
-            </a:r>
-          </a:p>
-          <a:p>
-            <a:pPr lvl="1"/>
-            <a:r>
-              <a:rPr lang="en-GB" sz="2600" dirty="0"/>
-              <a:t>Run any computations</a:t>
+              <a:t>MinGW</a:t>
             </a:r>
           </a:p>
         </p:txBody>
@@ -11290,7 +10947,7 @@
     </p:spTree>
     <p:extLst>
       <p:ext uri="{BB962C8B-B14F-4D97-AF65-F5344CB8AC3E}">
-        <p14:creationId xmlns:p14="http://schemas.microsoft.com/office/powerpoint/2010/main" val="3966698890"/>
+        <p14:creationId xmlns:p14="http://schemas.microsoft.com/office/powerpoint/2010/main" val="3168009626"/>
       </p:ext>
     </p:extLst>
   </p:cSld>
@@ -11342,122 +10999,6 @@
           <a:p>
             <a:r>
               <a:rPr lang="en-GB" sz="4000" dirty="0"/>
-              <a:t>Compilers</a:t>
-            </a:r>
-          </a:p>
-        </p:txBody>
-      </p:sp>
-      <p:sp>
-        <p:nvSpPr>
-          <p:cNvPr id="3" name="Content Placeholder 2"/>
-          <p:cNvSpPr>
-            <a:spLocks noGrp="1"/>
-          </p:cNvSpPr>
-          <p:nvPr>
-            <p:ph idx="1"/>
-          </p:nvPr>
-        </p:nvSpPr>
-        <p:spPr>
-          <a:xfrm>
-            <a:off x="457200" y="1600200"/>
-            <a:ext cx="8435280" cy="4876800"/>
-          </a:xfrm>
-        </p:spPr>
-        <p:txBody>
-          <a:bodyPr>
-            <a:normAutofit/>
-          </a:bodyPr>
-          <a:lstStyle/>
-          <a:p>
-            <a:r>
-              <a:rPr lang="en-GB" sz="3000" dirty="0" err="1"/>
-              <a:t>gfortran</a:t>
-            </a:r>
-            <a:endParaRPr lang="en-GB" sz="3000" dirty="0"/>
-          </a:p>
-          <a:p>
-            <a:r>
-              <a:rPr lang="en-GB" sz="3000" dirty="0"/>
-              <a:t>PGI</a:t>
-            </a:r>
-          </a:p>
-          <a:p>
-            <a:r>
-              <a:rPr lang="en-GB" sz="3000" dirty="0" err="1"/>
-              <a:t>Absoft</a:t>
-            </a:r>
-            <a:endParaRPr lang="en-GB" sz="3000" dirty="0"/>
-          </a:p>
-          <a:p>
-            <a:r>
-              <a:rPr lang="en-GB" sz="3000" dirty="0" err="1"/>
-              <a:t>Ifort</a:t>
-            </a:r>
-            <a:endParaRPr lang="en-GB" sz="3000" dirty="0"/>
-          </a:p>
-          <a:p>
-            <a:r>
-              <a:rPr lang="en-GB" sz="3000" dirty="0"/>
-              <a:t>MinGW</a:t>
-            </a:r>
-          </a:p>
-        </p:txBody>
-      </p:sp>
-    </p:spTree>
-    <p:extLst>
-      <p:ext uri="{BB962C8B-B14F-4D97-AF65-F5344CB8AC3E}">
-        <p14:creationId xmlns:p14="http://schemas.microsoft.com/office/powerpoint/2010/main" val="3168009626"/>
-      </p:ext>
-    </p:extLst>
-  </p:cSld>
-  <p:clrMapOvr>
-    <a:masterClrMapping/>
-  </p:clrMapOvr>
-  <mc:AlternateContent xmlns:mc="http://schemas.openxmlformats.org/markup-compatibility/2006" xmlns:p14="http://schemas.microsoft.com/office/powerpoint/2010/main">
-    <mc:Choice Requires="p14">
-      <p:transition p14:dur="10"/>
-    </mc:Choice>
-    <mc:Fallback xmlns="">
-      <p:transition/>
-    </mc:Fallback>
-  </mc:AlternateContent>
-</p:sld>
-</file>
-
-<file path=ppt/slides/slide13.xml><?xml version="1.0" encoding="utf-8"?>
-<p:sld xmlns:a="http://schemas.openxmlformats.org/drawingml/2006/main" xmlns:r="http://schemas.openxmlformats.org/officeDocument/2006/relationships" xmlns:p="http://schemas.openxmlformats.org/presentationml/2006/main">
-  <p:cSld>
-    <p:spTree>
-      <p:nvGrpSpPr>
-        <p:cNvPr id="1" name=""/>
-        <p:cNvGrpSpPr/>
-        <p:nvPr/>
-      </p:nvGrpSpPr>
-      <p:grpSpPr>
-        <a:xfrm>
-          <a:off x="0" y="0"/>
-          <a:ext cx="0" cy="0"/>
-          <a:chOff x="0" y="0"/>
-          <a:chExt cx="0" cy="0"/>
-        </a:xfrm>
-      </p:grpSpPr>
-      <p:sp>
-        <p:nvSpPr>
-          <p:cNvPr id="2" name="Title 1"/>
-          <p:cNvSpPr>
-            <a:spLocks noGrp="1"/>
-          </p:cNvSpPr>
-          <p:nvPr>
-            <p:ph type="title"/>
-          </p:nvPr>
-        </p:nvSpPr>
-        <p:spPr/>
-        <p:txBody>
-          <a:bodyPr/>
-          <a:lstStyle/>
-          <a:p>
-            <a:r>
-              <a:rPr lang="en-GB" sz="4000" dirty="0"/>
               <a:t>Compilation Example</a:t>
             </a:r>
           </a:p>
@@ -11657,7 +11198,7 @@
 </p:sld>
 </file>
 
-<file path=ppt/slides/slide14.xml><?xml version="1.0" encoding="utf-8"?>
+<file path=ppt/slides/slide13.xml><?xml version="1.0" encoding="utf-8"?>
 <p:sld xmlns:a="http://schemas.openxmlformats.org/drawingml/2006/main" xmlns:r="http://schemas.openxmlformats.org/officeDocument/2006/relationships" xmlns:p="http://schemas.openxmlformats.org/presentationml/2006/main">
   <p:cSld>
     <p:spTree>
@@ -12156,6 +11697,291 @@
 </p:sld>
 </file>
 
+<file path=ppt/slides/slide14.xml><?xml version="1.0" encoding="utf-8"?>
+<p:sld xmlns:a="http://schemas.openxmlformats.org/drawingml/2006/main" xmlns:r="http://schemas.openxmlformats.org/officeDocument/2006/relationships" xmlns:p="http://schemas.openxmlformats.org/presentationml/2006/main">
+  <p:cSld>
+    <p:spTree>
+      <p:nvGrpSpPr>
+        <p:cNvPr id="1" name=""/>
+        <p:cNvGrpSpPr/>
+        <p:nvPr/>
+      </p:nvGrpSpPr>
+      <p:grpSpPr>
+        <a:xfrm>
+          <a:off x="0" y="0"/>
+          <a:ext cx="0" cy="0"/>
+          <a:chOff x="0" y="0"/>
+          <a:chExt cx="0" cy="0"/>
+        </a:xfrm>
+      </p:grpSpPr>
+      <p:sp>
+        <p:nvSpPr>
+          <p:cNvPr id="2" name="Title 1"/>
+          <p:cNvSpPr>
+            <a:spLocks noGrp="1"/>
+          </p:cNvSpPr>
+          <p:nvPr>
+            <p:ph type="title"/>
+          </p:nvPr>
+        </p:nvSpPr>
+        <p:spPr/>
+        <p:txBody>
+          <a:bodyPr/>
+          <a:lstStyle/>
+          <a:p>
+            <a:r>
+              <a:rPr lang="en-GB" sz="4000" dirty="0"/>
+              <a:t>My First Program</a:t>
+            </a:r>
+          </a:p>
+        </p:txBody>
+      </p:sp>
+      <p:sp>
+        <p:nvSpPr>
+          <p:cNvPr id="3" name="Content Placeholder 2"/>
+          <p:cNvSpPr>
+            <a:spLocks noGrp="1"/>
+          </p:cNvSpPr>
+          <p:nvPr>
+            <p:ph idx="1"/>
+          </p:nvPr>
+        </p:nvSpPr>
+        <p:spPr>
+          <a:xfrm>
+            <a:off x="457200" y="1600200"/>
+            <a:ext cx="8435280" cy="4876800"/>
+          </a:xfrm>
+        </p:spPr>
+        <p:txBody>
+          <a:bodyPr>
+            <a:normAutofit/>
+          </a:bodyPr>
+          <a:lstStyle/>
+          <a:p>
+            <a:pPr marL="0" indent="0">
+              <a:buNone/>
+            </a:pPr>
+            <a:r>
+              <a:rPr lang="en-GB" sz="3000" dirty="0">
+                <a:solidFill>
+                  <a:schemeClr val="accent1"/>
+                </a:solidFill>
+              </a:rPr>
+              <a:t>program</a:t>
+            </a:r>
+            <a:r>
+              <a:rPr lang="en-GB" sz="3000" dirty="0"/>
+              <a:t> </a:t>
+            </a:r>
+            <a:r>
+              <a:rPr lang="en-GB" sz="3000" dirty="0" err="1"/>
+              <a:t>program_name</a:t>
+            </a:r>
+            <a:endParaRPr lang="en-GB" sz="3000" dirty="0"/>
+          </a:p>
+          <a:p>
+            <a:pPr marL="0" indent="0">
+              <a:buNone/>
+            </a:pPr>
+            <a:endParaRPr lang="en-GB" sz="3000" dirty="0"/>
+          </a:p>
+          <a:p>
+            <a:pPr marL="0" indent="0">
+              <a:buNone/>
+            </a:pPr>
+            <a:r>
+              <a:rPr lang="en-GB" sz="3000" dirty="0"/>
+              <a:t>	</a:t>
+            </a:r>
+            <a:r>
+              <a:rPr lang="en-GB" sz="3000" dirty="0">
+                <a:solidFill>
+                  <a:schemeClr val="accent6"/>
+                </a:solidFill>
+              </a:rPr>
+              <a:t>!This is a comment</a:t>
+            </a:r>
+          </a:p>
+          <a:p>
+            <a:pPr marL="0" indent="0">
+              <a:buNone/>
+            </a:pPr>
+            <a:endParaRPr lang="en-GB" sz="3000" dirty="0"/>
+          </a:p>
+          <a:p>
+            <a:pPr marL="0" indent="0">
+              <a:buNone/>
+            </a:pPr>
+            <a:r>
+              <a:rPr lang="en-GB" sz="3000" dirty="0"/>
+              <a:t>	</a:t>
+            </a:r>
+            <a:r>
+              <a:rPr lang="en-GB" sz="3000" dirty="0">
+                <a:solidFill>
+                  <a:schemeClr val="accent1"/>
+                </a:solidFill>
+              </a:rPr>
+              <a:t>print*</a:t>
+            </a:r>
+            <a:r>
+              <a:rPr lang="en-GB" sz="3000" dirty="0"/>
+              <a:t>,</a:t>
+            </a:r>
+            <a:r>
+              <a:rPr lang="en-GB" sz="3000" dirty="0">
+                <a:solidFill>
+                  <a:schemeClr val="accent1"/>
+                </a:solidFill>
+              </a:rPr>
+              <a:t> </a:t>
+            </a:r>
+            <a:r>
+              <a:rPr lang="en-GB" sz="3000" dirty="0">
+                <a:solidFill>
+                  <a:schemeClr val="accent4"/>
+                </a:solidFill>
+              </a:rPr>
+              <a:t>“Hello world” </a:t>
+            </a:r>
+            <a:r>
+              <a:rPr lang="en-GB" sz="3000" dirty="0">
+                <a:solidFill>
+                  <a:schemeClr val="accent6"/>
+                </a:solidFill>
+              </a:rPr>
+              <a:t>!I’ve just printed something!</a:t>
+            </a:r>
+          </a:p>
+          <a:p>
+            <a:pPr marL="0" indent="0">
+              <a:buNone/>
+            </a:pPr>
+            <a:endParaRPr lang="en-GB" sz="3000" dirty="0"/>
+          </a:p>
+          <a:p>
+            <a:pPr marL="0" indent="0">
+              <a:buNone/>
+            </a:pPr>
+            <a:r>
+              <a:rPr lang="en-GB" sz="3000" dirty="0">
+                <a:solidFill>
+                  <a:schemeClr val="accent1"/>
+                </a:solidFill>
+              </a:rPr>
+              <a:t>end program</a:t>
+            </a:r>
+            <a:r>
+              <a:rPr lang="en-GB" sz="3000" dirty="0"/>
+              <a:t> </a:t>
+            </a:r>
+            <a:r>
+              <a:rPr lang="en-GB" sz="3000" dirty="0" err="1"/>
+              <a:t>program_name</a:t>
+            </a:r>
+            <a:endParaRPr lang="en-GB" sz="3000" dirty="0"/>
+          </a:p>
+        </p:txBody>
+      </p:sp>
+      <p:sp>
+        <p:nvSpPr>
+          <p:cNvPr id="4" name="TextBox 3">
+            <a:extLst>
+              <a:ext uri="{FF2B5EF4-FFF2-40B4-BE49-F238E27FC236}">
+                <a16:creationId xmlns:a16="http://schemas.microsoft.com/office/drawing/2014/main" id="{A272A5A3-411E-4E84-948A-CB0C12587FD5}"/>
+              </a:ext>
+            </a:extLst>
+          </p:cNvPr>
+          <p:cNvSpPr txBox="1"/>
+          <p:nvPr/>
+        </p:nvSpPr>
+        <p:spPr>
+          <a:xfrm>
+            <a:off x="5728138" y="6498021"/>
+            <a:ext cx="1765738" cy="369332"/>
+          </a:xfrm>
+          <a:prstGeom prst="rect">
+            <a:avLst/>
+          </a:prstGeom>
+          <a:noFill/>
+        </p:spPr>
+        <p:txBody>
+          <a:bodyPr wrap="square" rtlCol="0">
+            <a:spAutoFit/>
+          </a:bodyPr>
+          <a:lstStyle/>
+          <a:p>
+            <a:r>
+              <a:rPr lang="en-GB" dirty="0">
+                <a:solidFill>
+                  <a:schemeClr val="accent1"/>
+                </a:solidFill>
+              </a:rPr>
+              <a:t>Demonstration</a:t>
+            </a:r>
+          </a:p>
+        </p:txBody>
+      </p:sp>
+      <p:sp>
+        <p:nvSpPr>
+          <p:cNvPr id="5" name="TextBox 4">
+            <a:extLst>
+              <a:ext uri="{FF2B5EF4-FFF2-40B4-BE49-F238E27FC236}">
+                <a16:creationId xmlns:a16="http://schemas.microsoft.com/office/drawing/2014/main" id="{DA57C239-F00E-48FE-95D5-C42BA114537F}"/>
+              </a:ext>
+            </a:extLst>
+          </p:cNvPr>
+          <p:cNvSpPr txBox="1"/>
+          <p:nvPr/>
+        </p:nvSpPr>
+        <p:spPr>
+          <a:xfrm>
+            <a:off x="7357241" y="6498021"/>
+            <a:ext cx="1697422" cy="369332"/>
+          </a:xfrm>
+          <a:prstGeom prst="rect">
+            <a:avLst/>
+          </a:prstGeom>
+          <a:noFill/>
+        </p:spPr>
+        <p:txBody>
+          <a:bodyPr wrap="square" rtlCol="0">
+            <a:spAutoFit/>
+          </a:bodyPr>
+          <a:lstStyle/>
+          <a:p>
+            <a:r>
+              <a:rPr lang="en-GB" dirty="0">
+                <a:solidFill>
+                  <a:schemeClr val="accent2"/>
+                </a:solidFill>
+              </a:rPr>
+              <a:t>Problem Sheet</a:t>
+            </a:r>
+          </a:p>
+        </p:txBody>
+      </p:sp>
+    </p:spTree>
+    <p:extLst>
+      <p:ext uri="{BB962C8B-B14F-4D97-AF65-F5344CB8AC3E}">
+        <p14:creationId xmlns:p14="http://schemas.microsoft.com/office/powerpoint/2010/main" val="746547034"/>
+      </p:ext>
+    </p:extLst>
+  </p:cSld>
+  <p:clrMapOvr>
+    <a:masterClrMapping/>
+  </p:clrMapOvr>
+  <mc:AlternateContent xmlns:mc="http://schemas.openxmlformats.org/markup-compatibility/2006" xmlns:p14="http://schemas.microsoft.com/office/powerpoint/2010/main">
+    <mc:Choice Requires="p14">
+      <p:transition p14:dur="10"/>
+    </mc:Choice>
+    <mc:Fallback xmlns="">
+      <p:transition/>
+    </mc:Fallback>
+  </mc:AlternateContent>
+</p:sld>
+</file>
+
 <file path=ppt/slides/slide15.xml><?xml version="1.0" encoding="utf-8"?>
 <p:sld xmlns:a="http://schemas.openxmlformats.org/drawingml/2006/main" xmlns:r="http://schemas.openxmlformats.org/officeDocument/2006/relationships" xmlns:p="http://schemas.openxmlformats.org/presentationml/2006/main">
   <p:cSld>
@@ -12190,7 +12016,7 @@
           <a:p>
             <a:r>
               <a:rPr lang="en-GB" sz="4000" dirty="0"/>
-              <a:t>My First Program</a:t>
+              <a:t>Variables</a:t>
             </a:r>
           </a:p>
         </p:txBody>
@@ -12213,209 +12039,45 @@
         </p:spPr>
         <p:txBody>
           <a:bodyPr>
-            <a:normAutofit/>
+            <a:normAutofit fontScale="92500"/>
           </a:bodyPr>
           <a:lstStyle/>
           <a:p>
-            <a:pPr marL="0" indent="0">
-              <a:buNone/>
-            </a:pPr>
-            <a:r>
-              <a:rPr lang="en-GB" sz="3000" dirty="0">
-                <a:solidFill>
-                  <a:schemeClr val="accent1"/>
-                </a:solidFill>
-              </a:rPr>
-              <a:t>program</a:t>
-            </a:r>
             <a:r>
               <a:rPr lang="en-GB" sz="3000" dirty="0"/>
-              <a:t> </a:t>
-            </a:r>
-            <a:r>
-              <a:rPr lang="en-GB" sz="3000" dirty="0" err="1"/>
-              <a:t>program_name</a:t>
-            </a:r>
-            <a:endParaRPr lang="en-GB" sz="3000" dirty="0"/>
-          </a:p>
-          <a:p>
-            <a:pPr marL="0" indent="0">
-              <a:buNone/>
-            </a:pPr>
-            <a:endParaRPr lang="en-GB" sz="3000" dirty="0"/>
-          </a:p>
-          <a:p>
-            <a:pPr marL="0" indent="0">
-              <a:buNone/>
-            </a:pPr>
+              <a:t>Variables are stored pieces of information within your code</a:t>
+            </a:r>
+          </a:p>
+          <a:p>
             <a:r>
               <a:rPr lang="en-GB" sz="3000" dirty="0"/>
-              <a:t>	</a:t>
-            </a:r>
-            <a:r>
-              <a:rPr lang="en-GB" sz="3000" dirty="0">
-                <a:solidFill>
-                  <a:schemeClr val="accent6"/>
-                </a:solidFill>
-              </a:rPr>
-              <a:t>!This is a comment</a:t>
-            </a:r>
-          </a:p>
-          <a:p>
-            <a:pPr marL="0" indent="0">
-              <a:buNone/>
-            </a:pPr>
-            <a:endParaRPr lang="en-GB" sz="3000" dirty="0"/>
-          </a:p>
-          <a:p>
-            <a:pPr marL="0" indent="0">
-              <a:buNone/>
-            </a:pPr>
+              <a:t>A variable has a label called the “variable name”</a:t>
+            </a:r>
+          </a:p>
+          <a:p>
             <a:r>
               <a:rPr lang="en-GB" sz="3000" dirty="0"/>
-              <a:t>	</a:t>
-            </a:r>
-            <a:r>
-              <a:rPr lang="en-GB" sz="3000" dirty="0">
-                <a:solidFill>
-                  <a:schemeClr val="accent1"/>
-                </a:solidFill>
-              </a:rPr>
-              <a:t>print*</a:t>
-            </a:r>
+              <a:t>Using the variable name, it is possible to assign a new value to a variable, or use the value stored in the variable for a calculation</a:t>
+            </a:r>
+          </a:p>
+          <a:p>
             <a:r>
               <a:rPr lang="en-GB" sz="3000" dirty="0"/>
-              <a:t>,</a:t>
-            </a:r>
-            <a:r>
-              <a:rPr lang="en-GB" sz="3000" dirty="0">
-                <a:solidFill>
-                  <a:schemeClr val="accent1"/>
-                </a:solidFill>
-              </a:rPr>
-              <a:t> </a:t>
-            </a:r>
-            <a:r>
-              <a:rPr lang="en-GB" sz="3000" dirty="0">
-                <a:solidFill>
-                  <a:schemeClr val="accent4"/>
-                </a:solidFill>
-              </a:rPr>
-              <a:t>“Hello world” </a:t>
-            </a:r>
-            <a:r>
-              <a:rPr lang="en-GB" sz="3000" dirty="0">
-                <a:solidFill>
-                  <a:schemeClr val="accent6"/>
-                </a:solidFill>
-              </a:rPr>
-              <a:t>!I’ve just printed something!</a:t>
-            </a:r>
-          </a:p>
-          <a:p>
-            <a:pPr marL="0" indent="0">
-              <a:buNone/>
-            </a:pPr>
-            <a:endParaRPr lang="en-GB" sz="3000" dirty="0"/>
-          </a:p>
-          <a:p>
-            <a:pPr marL="0" indent="0">
-              <a:buNone/>
-            </a:pPr>
-            <a:r>
-              <a:rPr lang="en-GB" sz="3000" dirty="0">
-                <a:solidFill>
-                  <a:schemeClr val="accent1"/>
-                </a:solidFill>
-              </a:rPr>
-              <a:t>end program</a:t>
-            </a:r>
-            <a:r>
-              <a:rPr lang="en-GB" sz="3000" dirty="0"/>
-              <a:t> </a:t>
-            </a:r>
-            <a:r>
-              <a:rPr lang="en-GB" sz="3000" dirty="0" err="1"/>
-              <a:t>program_name</a:t>
-            </a:r>
-            <a:endParaRPr lang="en-GB" sz="3000" dirty="0"/>
-          </a:p>
-        </p:txBody>
-      </p:sp>
-      <p:sp>
-        <p:nvSpPr>
-          <p:cNvPr id="4" name="TextBox 3">
-            <a:extLst>
-              <a:ext uri="{FF2B5EF4-FFF2-40B4-BE49-F238E27FC236}">
-                <a16:creationId xmlns:a16="http://schemas.microsoft.com/office/drawing/2014/main" id="{A272A5A3-411E-4E84-948A-CB0C12587FD5}"/>
-              </a:ext>
-            </a:extLst>
-          </p:cNvPr>
-          <p:cNvSpPr txBox="1"/>
-          <p:nvPr/>
-        </p:nvSpPr>
-        <p:spPr>
-          <a:xfrm>
-            <a:off x="5728138" y="6498021"/>
-            <a:ext cx="1765738" cy="369332"/>
-          </a:xfrm>
-          <a:prstGeom prst="rect">
-            <a:avLst/>
-          </a:prstGeom>
-          <a:noFill/>
-        </p:spPr>
-        <p:txBody>
-          <a:bodyPr wrap="square" rtlCol="0">
-            <a:spAutoFit/>
-          </a:bodyPr>
-          <a:lstStyle/>
-          <a:p>
-            <a:r>
-              <a:rPr lang="en-GB" dirty="0">
-                <a:solidFill>
-                  <a:schemeClr val="accent1"/>
-                </a:solidFill>
-              </a:rPr>
-              <a:t>Demonstration</a:t>
-            </a:r>
-          </a:p>
-        </p:txBody>
-      </p:sp>
-      <p:sp>
-        <p:nvSpPr>
-          <p:cNvPr id="5" name="TextBox 4">
-            <a:extLst>
-              <a:ext uri="{FF2B5EF4-FFF2-40B4-BE49-F238E27FC236}">
-                <a16:creationId xmlns:a16="http://schemas.microsoft.com/office/drawing/2014/main" id="{DA57C239-F00E-48FE-95D5-C42BA114537F}"/>
-              </a:ext>
-            </a:extLst>
-          </p:cNvPr>
-          <p:cNvSpPr txBox="1"/>
-          <p:nvPr/>
-        </p:nvSpPr>
-        <p:spPr>
-          <a:xfrm>
-            <a:off x="7357241" y="6498021"/>
-            <a:ext cx="1697422" cy="369332"/>
-          </a:xfrm>
-          <a:prstGeom prst="rect">
-            <a:avLst/>
-          </a:prstGeom>
-          <a:noFill/>
-        </p:spPr>
-        <p:txBody>
-          <a:bodyPr wrap="square" rtlCol="0">
-            <a:spAutoFit/>
-          </a:bodyPr>
-          <a:lstStyle/>
-          <a:p>
-            <a:r>
-              <a:rPr lang="en-GB" dirty="0">
-                <a:solidFill>
-                  <a:schemeClr val="accent2"/>
-                </a:solidFill>
-              </a:rPr>
-              <a:t>Problem Sheet</a:t>
+              <a:t>In Fortran, you must “declare” a variable before using it</a:t>
+            </a:r>
+          </a:p>
+          <a:p>
+            <a:pPr lvl="1"/>
+            <a:r>
+              <a:rPr lang="en-GB" sz="2600" dirty="0"/>
+              <a:t>Defines the name</a:t>
+            </a:r>
+          </a:p>
+          <a:p>
+            <a:pPr lvl="1"/>
+            <a:r>
+              <a:rPr lang="en-GB" sz="2600" dirty="0"/>
+              <a:t>Defines the type of value it may hold </a:t>
             </a:r>
           </a:p>
         </p:txBody>
@@ -12423,7 +12085,7 @@
     </p:spTree>
     <p:extLst>
       <p:ext uri="{BB962C8B-B14F-4D97-AF65-F5344CB8AC3E}">
-        <p14:creationId xmlns:p14="http://schemas.microsoft.com/office/powerpoint/2010/main" val="746547034"/>
+        <p14:creationId xmlns:p14="http://schemas.microsoft.com/office/powerpoint/2010/main" val="3140181227"/>
       </p:ext>
     </p:extLst>
   </p:cSld>
@@ -12498,45 +12160,181 @@
         </p:spPr>
         <p:txBody>
           <a:bodyPr>
-            <a:normAutofit fontScale="92500"/>
+            <a:normAutofit/>
           </a:bodyPr>
           <a:lstStyle/>
           <a:p>
-            <a:r>
-              <a:rPr lang="en-GB" sz="3000" dirty="0"/>
-              <a:t>Variables are stored pieces of information within your code</a:t>
-            </a:r>
-          </a:p>
-          <a:p>
-            <a:r>
-              <a:rPr lang="en-GB" sz="3000" dirty="0"/>
-              <a:t>A variable has a label called the “variable name”</a:t>
-            </a:r>
-          </a:p>
-          <a:p>
-            <a:r>
-              <a:rPr lang="en-GB" sz="3000" dirty="0"/>
-              <a:t>Using the variable name, it is possible to assign a new value to a variable, or use the value stored in the variable for a calculation</a:t>
-            </a:r>
-          </a:p>
-          <a:p>
-            <a:r>
-              <a:rPr lang="en-GB" sz="3000" dirty="0"/>
-              <a:t>In Fortran, you must “declare” a variable before using it</a:t>
-            </a:r>
-          </a:p>
-          <a:p>
-            <a:pPr lvl="1"/>
-            <a:r>
-              <a:rPr lang="en-GB" sz="2600" dirty="0"/>
-              <a:t>Defines the name</a:t>
-            </a:r>
-          </a:p>
-          <a:p>
-            <a:pPr lvl="1"/>
-            <a:r>
-              <a:rPr lang="en-GB" sz="2600" dirty="0"/>
-              <a:t>Defines the type of value it may hold </a:t>
+            <a:pPr marL="0" indent="0">
+              <a:buNone/>
+            </a:pPr>
+            <a:r>
+              <a:rPr lang="en-GB" dirty="0">
+                <a:solidFill>
+                  <a:schemeClr val="accent5"/>
+                </a:solidFill>
+              </a:rPr>
+              <a:t>integer </a:t>
+            </a:r>
+            <a:r>
+              <a:rPr lang="en-GB" dirty="0"/>
+              <a:t>					::  int1, int2, int3</a:t>
+            </a:r>
+          </a:p>
+          <a:p>
+            <a:pPr marL="0" indent="0">
+              <a:buNone/>
+            </a:pPr>
+            <a:r>
+              <a:rPr lang="en-GB" dirty="0">
+                <a:solidFill>
+                  <a:schemeClr val="accent5"/>
+                </a:solidFill>
+              </a:rPr>
+              <a:t>real</a:t>
+            </a:r>
+            <a:r>
+              <a:rPr lang="en-GB" dirty="0"/>
+              <a:t>    					::  real1</a:t>
+            </a:r>
+          </a:p>
+          <a:p>
+            <a:pPr marL="0" indent="0">
+              <a:buNone/>
+            </a:pPr>
+            <a:r>
+              <a:rPr lang="en-GB" dirty="0">
+                <a:solidFill>
+                  <a:schemeClr val="accent5"/>
+                </a:solidFill>
+              </a:rPr>
+              <a:t>real </a:t>
+            </a:r>
+            <a:r>
+              <a:rPr lang="en-GB" dirty="0"/>
+              <a:t>   					::  real2</a:t>
+            </a:r>
+          </a:p>
+          <a:p>
+            <a:pPr marL="0" indent="0">
+              <a:buNone/>
+            </a:pPr>
+            <a:r>
+              <a:rPr lang="en-GB" dirty="0">
+                <a:solidFill>
+                  <a:schemeClr val="accent5"/>
+                </a:solidFill>
+              </a:rPr>
+              <a:t>character</a:t>
+            </a:r>
+            <a:r>
+              <a:rPr lang="en-GB" dirty="0"/>
+              <a:t>(</a:t>
+            </a:r>
+            <a:r>
+              <a:rPr lang="en-GB" dirty="0">
+                <a:solidFill>
+                  <a:schemeClr val="accent2"/>
+                </a:solidFill>
+              </a:rPr>
+              <a:t>100</a:t>
+            </a:r>
+            <a:r>
+              <a:rPr lang="en-GB" dirty="0"/>
+              <a:t>)  	::  char1, char2</a:t>
+            </a:r>
+          </a:p>
+          <a:p>
+            <a:pPr marL="0" indent="0">
+              <a:buNone/>
+            </a:pPr>
+            <a:endParaRPr lang="en-GB" dirty="0"/>
+          </a:p>
+          <a:p>
+            <a:pPr marL="0" indent="0">
+              <a:buNone/>
+            </a:pPr>
+            <a:r>
+              <a:rPr lang="en-GB" dirty="0"/>
+              <a:t>int1=</a:t>
+            </a:r>
+            <a:r>
+              <a:rPr lang="en-GB" dirty="0">
+                <a:solidFill>
+                  <a:schemeClr val="accent2"/>
+                </a:solidFill>
+              </a:rPr>
+              <a:t>1</a:t>
+            </a:r>
+          </a:p>
+          <a:p>
+            <a:pPr marL="0" indent="0">
+              <a:buNone/>
+            </a:pPr>
+            <a:r>
+              <a:rPr lang="en-GB" dirty="0"/>
+              <a:t>int2=</a:t>
+            </a:r>
+            <a:r>
+              <a:rPr lang="en-GB" dirty="0">
+                <a:solidFill>
+                  <a:schemeClr val="accent2"/>
+                </a:solidFill>
+              </a:rPr>
+              <a:t>3</a:t>
+            </a:r>
+          </a:p>
+          <a:p>
+            <a:pPr marL="0" indent="0">
+              <a:buNone/>
+            </a:pPr>
+            <a:r>
+              <a:rPr lang="en-GB" dirty="0"/>
+              <a:t>int3=int1+int2</a:t>
+            </a:r>
+          </a:p>
+          <a:p>
+            <a:pPr marL="0" indent="0">
+              <a:buNone/>
+            </a:pPr>
+            <a:endParaRPr lang="en-GB" dirty="0"/>
+          </a:p>
+        </p:txBody>
+      </p:sp>
+      <p:sp>
+        <p:nvSpPr>
+          <p:cNvPr id="4" name="TextBox 3">
+            <a:extLst>
+              <a:ext uri="{FF2B5EF4-FFF2-40B4-BE49-F238E27FC236}">
+                <a16:creationId xmlns:a16="http://schemas.microsoft.com/office/drawing/2014/main" id="{BC5FB365-6269-4987-AD2B-497FC6B31569}"/>
+              </a:ext>
+            </a:extLst>
+          </p:cNvPr>
+          <p:cNvSpPr txBox="1"/>
+          <p:nvPr/>
+        </p:nvSpPr>
+        <p:spPr>
+          <a:xfrm>
+            <a:off x="5728138" y="6498021"/>
+            <a:ext cx="1765738" cy="369332"/>
+          </a:xfrm>
+          <a:prstGeom prst="rect">
+            <a:avLst/>
+          </a:prstGeom>
+          <a:noFill/>
+        </p:spPr>
+        <p:txBody>
+          <a:bodyPr wrap="square" rtlCol="0">
+            <a:spAutoFit/>
+          </a:bodyPr>
+          <a:lstStyle/>
+          <a:p>
+            <a:r>
+              <a:rPr lang="en-GB" dirty="0">
+                <a:solidFill>
+                  <a:schemeClr val="accent1"/>
+                </a:solidFill>
+              </a:rPr>
+              <a:t>Demonstration</a:t>
             </a:r>
           </a:p>
         </p:txBody>
@@ -12544,7 +12342,7 @@
     </p:spTree>
     <p:extLst>
       <p:ext uri="{BB962C8B-B14F-4D97-AF65-F5344CB8AC3E}">
-        <p14:creationId xmlns:p14="http://schemas.microsoft.com/office/powerpoint/2010/main" val="3140181227"/>
+        <p14:creationId xmlns:p14="http://schemas.microsoft.com/office/powerpoint/2010/main" val="2454815734"/>
       </p:ext>
     </p:extLst>
   </p:cSld>
@@ -12596,7 +12394,7 @@
           <a:p>
             <a:r>
               <a:rPr lang="en-GB" sz="4000" dirty="0"/>
-              <a:t>Variables</a:t>
+              <a:t>Variable Naming Rules</a:t>
             </a:r>
           </a:p>
         </p:txBody>
@@ -12619,181 +12417,51 @@
         </p:spPr>
         <p:txBody>
           <a:bodyPr>
-            <a:normAutofit/>
+            <a:normAutofit lnSpcReduction="10000"/>
           </a:bodyPr>
           <a:lstStyle/>
           <a:p>
-            <a:pPr marL="0" indent="0">
-              <a:buNone/>
-            </a:pPr>
-            <a:r>
-              <a:rPr lang="en-GB" dirty="0">
-                <a:solidFill>
-                  <a:schemeClr val="accent5"/>
-                </a:solidFill>
-              </a:rPr>
-              <a:t>integer </a:t>
-            </a:r>
-            <a:r>
-              <a:rPr lang="en-GB" dirty="0"/>
-              <a:t>					::  int1, int2, int3</a:t>
-            </a:r>
-          </a:p>
-          <a:p>
-            <a:pPr marL="0" indent="0">
-              <a:buNone/>
-            </a:pPr>
-            <a:r>
-              <a:rPr lang="en-GB" dirty="0">
-                <a:solidFill>
-                  <a:schemeClr val="accent5"/>
-                </a:solidFill>
-              </a:rPr>
-              <a:t>real</a:t>
-            </a:r>
-            <a:r>
-              <a:rPr lang="en-GB" dirty="0"/>
-              <a:t>    					::  real1</a:t>
-            </a:r>
-          </a:p>
-          <a:p>
-            <a:pPr marL="0" indent="0">
-              <a:buNone/>
-            </a:pPr>
-            <a:r>
-              <a:rPr lang="en-GB" dirty="0">
-                <a:solidFill>
-                  <a:schemeClr val="accent5"/>
-                </a:solidFill>
-              </a:rPr>
-              <a:t>real </a:t>
-            </a:r>
-            <a:r>
-              <a:rPr lang="en-GB" dirty="0"/>
-              <a:t>   					::  real2</a:t>
-            </a:r>
-          </a:p>
-          <a:p>
-            <a:pPr marL="0" indent="0">
-              <a:buNone/>
-            </a:pPr>
-            <a:r>
-              <a:rPr lang="en-GB" dirty="0">
-                <a:solidFill>
-                  <a:schemeClr val="accent5"/>
-                </a:solidFill>
-              </a:rPr>
-              <a:t>character</a:t>
-            </a:r>
-            <a:r>
-              <a:rPr lang="en-GB" dirty="0"/>
-              <a:t>(</a:t>
-            </a:r>
-            <a:r>
-              <a:rPr lang="en-GB" dirty="0">
-                <a:solidFill>
-                  <a:schemeClr val="accent2"/>
-                </a:solidFill>
-              </a:rPr>
-              <a:t>100</a:t>
-            </a:r>
-            <a:r>
-              <a:rPr lang="en-GB" dirty="0"/>
-              <a:t>)  	::  char1, char2</a:t>
-            </a:r>
-          </a:p>
-          <a:p>
-            <a:pPr marL="0" indent="0">
-              <a:buNone/>
-            </a:pPr>
-            <a:endParaRPr lang="en-GB" dirty="0"/>
-          </a:p>
-          <a:p>
-            <a:pPr marL="0" indent="0">
-              <a:buNone/>
-            </a:pPr>
-            <a:r>
-              <a:rPr lang="en-GB" dirty="0"/>
-              <a:t>int1=</a:t>
-            </a:r>
-            <a:r>
-              <a:rPr lang="en-GB" dirty="0">
-                <a:solidFill>
-                  <a:schemeClr val="accent2"/>
-                </a:solidFill>
-              </a:rPr>
-              <a:t>1</a:t>
-            </a:r>
-          </a:p>
-          <a:p>
-            <a:pPr marL="0" indent="0">
-              <a:buNone/>
-            </a:pPr>
-            <a:r>
-              <a:rPr lang="en-GB" dirty="0"/>
-              <a:t>int2=</a:t>
-            </a:r>
-            <a:r>
-              <a:rPr lang="en-GB" dirty="0">
-                <a:solidFill>
-                  <a:schemeClr val="accent2"/>
-                </a:solidFill>
-              </a:rPr>
-              <a:t>3</a:t>
-            </a:r>
-          </a:p>
-          <a:p>
-            <a:pPr marL="0" indent="0">
-              <a:buNone/>
-            </a:pPr>
-            <a:r>
-              <a:rPr lang="en-GB" dirty="0"/>
-              <a:t>int3=int1+int2</a:t>
-            </a:r>
-          </a:p>
-          <a:p>
-            <a:pPr marL="0" indent="0">
-              <a:buNone/>
-            </a:pPr>
-            <a:endParaRPr lang="en-GB" dirty="0"/>
-          </a:p>
-        </p:txBody>
-      </p:sp>
-      <p:sp>
-        <p:nvSpPr>
-          <p:cNvPr id="4" name="TextBox 3">
-            <a:extLst>
-              <a:ext uri="{FF2B5EF4-FFF2-40B4-BE49-F238E27FC236}">
-                <a16:creationId xmlns:a16="http://schemas.microsoft.com/office/drawing/2014/main" id="{BC5FB365-6269-4987-AD2B-497FC6B31569}"/>
-              </a:ext>
-            </a:extLst>
-          </p:cNvPr>
-          <p:cNvSpPr txBox="1"/>
-          <p:nvPr/>
-        </p:nvSpPr>
-        <p:spPr>
-          <a:xfrm>
-            <a:off x="5728138" y="6498021"/>
-            <a:ext cx="1765738" cy="369332"/>
-          </a:xfrm>
-          <a:prstGeom prst="rect">
-            <a:avLst/>
-          </a:prstGeom>
-          <a:noFill/>
-        </p:spPr>
-        <p:txBody>
-          <a:bodyPr wrap="square" rtlCol="0">
-            <a:spAutoFit/>
-          </a:bodyPr>
-          <a:lstStyle/>
-          <a:p>
-            <a:r>
-              <a:rPr lang="en-GB" dirty="0">
-                <a:solidFill>
-                  <a:schemeClr val="accent1"/>
-                </a:solidFill>
-              </a:rPr>
-              <a:t>Demonstration</a:t>
+            <a:r>
+              <a:rPr lang="en-GB" sz="3000" dirty="0"/>
+              <a:t>Must start with a letter</a:t>
+            </a:r>
+          </a:p>
+          <a:p>
+            <a:r>
+              <a:rPr lang="en-GB" sz="3000" dirty="0"/>
+              <a:t>Must contain only letters, numbers and underscores</a:t>
+            </a:r>
+          </a:p>
+          <a:p>
+            <a:r>
+              <a:rPr lang="en-GB" sz="3000" dirty="0"/>
+              <a:t>Case-insensitive</a:t>
+            </a:r>
+          </a:p>
+          <a:p>
+            <a:r>
+              <a:rPr lang="en-GB" sz="3000" dirty="0"/>
+              <a:t>Must be 31 characters or less</a:t>
+            </a:r>
+          </a:p>
+          <a:p>
+            <a:r>
+              <a:rPr lang="en-GB" sz="3000" dirty="0"/>
+              <a:t>By default, variables will be assumed to have a particular type if they haven’t been declared</a:t>
+            </a:r>
+          </a:p>
+          <a:p>
+            <a:pPr lvl="1"/>
+            <a:r>
+              <a:rPr lang="en-GB" sz="2600" dirty="0"/>
+              <a:t>A bad idea</a:t>
+            </a:r>
+          </a:p>
+          <a:p>
+            <a:pPr lvl="1"/>
+            <a:r>
+              <a:rPr lang="en-GB" sz="2600" dirty="0"/>
+              <a:t>Can be suppressed by writing “implicit none” at the top of the routine: do this every time</a:t>
             </a:r>
           </a:p>
         </p:txBody>
@@ -12801,7 +12469,7 @@
     </p:spTree>
     <p:extLst>
       <p:ext uri="{BB962C8B-B14F-4D97-AF65-F5344CB8AC3E}">
-        <p14:creationId xmlns:p14="http://schemas.microsoft.com/office/powerpoint/2010/main" val="2454815734"/>
+        <p14:creationId xmlns:p14="http://schemas.microsoft.com/office/powerpoint/2010/main" val="2849987525"/>
       </p:ext>
     </p:extLst>
   </p:cSld>
@@ -12853,133 +12521,6 @@
           <a:p>
             <a:r>
               <a:rPr lang="en-GB" sz="4000" dirty="0"/>
-              <a:t>Variable Naming Rules</a:t>
-            </a:r>
-          </a:p>
-        </p:txBody>
-      </p:sp>
-      <p:sp>
-        <p:nvSpPr>
-          <p:cNvPr id="3" name="Content Placeholder 2"/>
-          <p:cNvSpPr>
-            <a:spLocks noGrp="1"/>
-          </p:cNvSpPr>
-          <p:nvPr>
-            <p:ph idx="1"/>
-          </p:nvPr>
-        </p:nvSpPr>
-        <p:spPr>
-          <a:xfrm>
-            <a:off x="457200" y="1600200"/>
-            <a:ext cx="8435280" cy="4876800"/>
-          </a:xfrm>
-        </p:spPr>
-        <p:txBody>
-          <a:bodyPr>
-            <a:normAutofit lnSpcReduction="10000"/>
-          </a:bodyPr>
-          <a:lstStyle/>
-          <a:p>
-            <a:r>
-              <a:rPr lang="en-GB" sz="3000" dirty="0"/>
-              <a:t>Must start with a letter</a:t>
-            </a:r>
-          </a:p>
-          <a:p>
-            <a:r>
-              <a:rPr lang="en-GB" sz="3000" dirty="0"/>
-              <a:t>Must contain only letters, numbers and underscores</a:t>
-            </a:r>
-          </a:p>
-          <a:p>
-            <a:r>
-              <a:rPr lang="en-GB" sz="3000" dirty="0"/>
-              <a:t>Case-insensitive</a:t>
-            </a:r>
-          </a:p>
-          <a:p>
-            <a:r>
-              <a:rPr lang="en-GB" sz="3000" dirty="0"/>
-              <a:t>Must be 31 characters or less</a:t>
-            </a:r>
-          </a:p>
-          <a:p>
-            <a:r>
-              <a:rPr lang="en-GB" sz="3000" dirty="0"/>
-              <a:t>By default, variables will be assumed to have a particular type if they haven’t been declared</a:t>
-            </a:r>
-          </a:p>
-          <a:p>
-            <a:pPr lvl="1"/>
-            <a:r>
-              <a:rPr lang="en-GB" sz="2600" dirty="0"/>
-              <a:t>A bad idea</a:t>
-            </a:r>
-          </a:p>
-          <a:p>
-            <a:pPr lvl="1"/>
-            <a:r>
-              <a:rPr lang="en-GB" sz="2600" dirty="0"/>
-              <a:t>Can be suppressed by writing “implicit none” at the top of the routine: do this every time</a:t>
-            </a:r>
-          </a:p>
-        </p:txBody>
-      </p:sp>
-    </p:spTree>
-    <p:extLst>
-      <p:ext uri="{BB962C8B-B14F-4D97-AF65-F5344CB8AC3E}">
-        <p14:creationId xmlns:p14="http://schemas.microsoft.com/office/powerpoint/2010/main" val="2849987525"/>
-      </p:ext>
-    </p:extLst>
-  </p:cSld>
-  <p:clrMapOvr>
-    <a:masterClrMapping/>
-  </p:clrMapOvr>
-  <mc:AlternateContent xmlns:mc="http://schemas.openxmlformats.org/markup-compatibility/2006" xmlns:p14="http://schemas.microsoft.com/office/powerpoint/2010/main">
-    <mc:Choice Requires="p14">
-      <p:transition p14:dur="10"/>
-    </mc:Choice>
-    <mc:Fallback xmlns="">
-      <p:transition/>
-    </mc:Fallback>
-  </mc:AlternateContent>
-</p:sld>
-</file>
-
-<file path=ppt/slides/slide19.xml><?xml version="1.0" encoding="utf-8"?>
-<p:sld xmlns:a="http://schemas.openxmlformats.org/drawingml/2006/main" xmlns:r="http://schemas.openxmlformats.org/officeDocument/2006/relationships" xmlns:p="http://schemas.openxmlformats.org/presentationml/2006/main">
-  <p:cSld>
-    <p:spTree>
-      <p:nvGrpSpPr>
-        <p:cNvPr id="1" name=""/>
-        <p:cNvGrpSpPr/>
-        <p:nvPr/>
-      </p:nvGrpSpPr>
-      <p:grpSpPr>
-        <a:xfrm>
-          <a:off x="0" y="0"/>
-          <a:ext cx="0" cy="0"/>
-          <a:chOff x="0" y="0"/>
-          <a:chExt cx="0" cy="0"/>
-        </a:xfrm>
-      </p:grpSpPr>
-      <p:sp>
-        <p:nvSpPr>
-          <p:cNvPr id="2" name="Title 1"/>
-          <p:cNvSpPr>
-            <a:spLocks noGrp="1"/>
-          </p:cNvSpPr>
-          <p:nvPr>
-            <p:ph type="title"/>
-          </p:nvPr>
-        </p:nvSpPr>
-        <p:spPr/>
-        <p:txBody>
-          <a:bodyPr/>
-          <a:lstStyle/>
-          <a:p>
-            <a:r>
-              <a:rPr lang="en-GB" sz="4000" dirty="0"/>
               <a:t>Assignment</a:t>
             </a:r>
           </a:p>
@@ -13080,133 +12621,7 @@
 </p:sld>
 </file>
 
-<file path=ppt/slides/slide2.xml><?xml version="1.0" encoding="utf-8"?>
-<p:sld xmlns:a="http://schemas.openxmlformats.org/drawingml/2006/main" xmlns:r="http://schemas.openxmlformats.org/officeDocument/2006/relationships" xmlns:p="http://schemas.openxmlformats.org/presentationml/2006/main">
-  <p:cSld>
-    <p:spTree>
-      <p:nvGrpSpPr>
-        <p:cNvPr id="1" name=""/>
-        <p:cNvGrpSpPr/>
-        <p:nvPr/>
-      </p:nvGrpSpPr>
-      <p:grpSpPr>
-        <a:xfrm>
-          <a:off x="0" y="0"/>
-          <a:ext cx="0" cy="0"/>
-          <a:chOff x="0" y="0"/>
-          <a:chExt cx="0" cy="0"/>
-        </a:xfrm>
-      </p:grpSpPr>
-      <p:sp>
-        <p:nvSpPr>
-          <p:cNvPr id="2" name="Title 1"/>
-          <p:cNvSpPr>
-            <a:spLocks noGrp="1"/>
-          </p:cNvSpPr>
-          <p:nvPr>
-            <p:ph type="title"/>
-          </p:nvPr>
-        </p:nvSpPr>
-        <p:spPr>
-          <a:xfrm>
-            <a:off x="401319" y="1431416"/>
-            <a:ext cx="8388117" cy="4549506"/>
-          </a:xfrm>
-        </p:spPr>
-        <p:txBody>
-          <a:bodyPr/>
-          <a:lstStyle/>
-          <a:p>
-            <a:pPr algn="ctr"/>
-            <a:r>
-              <a:rPr lang="en-GB" sz="2800" u="sng" dirty="0"/>
-              <a:t>Important Information on Marking your Attendance on Inkpath</a:t>
-            </a:r>
-            <a:br>
-              <a:rPr lang="en-GB" sz="2800" u="sng" dirty="0"/>
-            </a:br>
-            <a:br>
-              <a:rPr lang="en-GB" sz="2800" u="sng" dirty="0"/>
-            </a:br>
-            <a:br>
-              <a:rPr lang="en-GB" sz="2800" dirty="0"/>
-            </a:br>
-            <a:r>
-              <a:rPr lang="en-GB" sz="2800" dirty="0"/>
-              <a:t>I will show you a QR code at the end of the session allowing you to mark your attendance on Inkpath. Please do not mark your attendance until then.</a:t>
-            </a:r>
-            <a:br>
-              <a:rPr lang="en-GB" sz="2800" dirty="0"/>
-            </a:br>
-            <a:br>
-              <a:rPr lang="en-GB" sz="2800" dirty="0">
-                <a:latin typeface="Calibri" panose="020F0502020204030204" pitchFamily="34" charset="0"/>
-                <a:cs typeface="Calibri" panose="020F0502020204030204" pitchFamily="34" charset="0"/>
-              </a:rPr>
-            </a:br>
-            <a:r>
-              <a:rPr lang="en-GB" sz="2800" dirty="0">
-                <a:effectLst/>
-                <a:ea typeface="Times New Roman" panose="02020603050405020304" pitchFamily="18" charset="0"/>
-                <a:cs typeface="Calibri" panose="020F0502020204030204" pitchFamily="34" charset="0"/>
-              </a:rPr>
-              <a:t>If you are not a Postgraduate Research student and didn’t book via Inkpath, your attendance will be marked on a separate database.</a:t>
-            </a:r>
-            <a:endParaRPr lang="en-GB" sz="2800" dirty="0"/>
-          </a:p>
-        </p:txBody>
-      </p:sp>
-      <p:sp>
-        <p:nvSpPr>
-          <p:cNvPr id="7" name="TextBox 6"/>
-          <p:cNvSpPr txBox="1"/>
-          <p:nvPr/>
-        </p:nvSpPr>
-        <p:spPr>
-          <a:xfrm>
-            <a:off x="552450" y="3214433"/>
-            <a:ext cx="2171700" cy="830997"/>
-          </a:xfrm>
-          <a:prstGeom prst="rect">
-            <a:avLst/>
-          </a:prstGeom>
-          <a:noFill/>
-        </p:spPr>
-        <p:txBody>
-          <a:bodyPr wrap="square" rtlCol="0">
-            <a:spAutoFit/>
-          </a:bodyPr>
-          <a:lstStyle/>
-          <a:p>
-            <a:endParaRPr lang="en-GB" sz="2400" dirty="0">
-              <a:solidFill>
-                <a:srgbClr val="002060"/>
-              </a:solidFill>
-            </a:endParaRPr>
-          </a:p>
-          <a:p>
-            <a:endParaRPr lang="en-GB" sz="2400" dirty="0">
-              <a:solidFill>
-                <a:srgbClr val="002060"/>
-              </a:solidFill>
-            </a:endParaRPr>
-          </a:p>
-        </p:txBody>
-      </p:sp>
-    </p:spTree>
-    <p:extLst>
-      <p:ext uri="{BB962C8B-B14F-4D97-AF65-F5344CB8AC3E}">
-        <p14:creationId xmlns:p14="http://schemas.microsoft.com/office/powerpoint/2010/main" val="3686223621"/>
-      </p:ext>
-    </p:extLst>
-  </p:cSld>
-  <p:clrMapOvr>
-    <a:masterClrMapping/>
-  </p:clrMapOvr>
-</p:sld>
-</file>
-
-<file path=ppt/slides/slide20.xml><?xml version="1.0" encoding="utf-8"?>
+<file path=ppt/slides/slide19.xml><?xml version="1.0" encoding="utf-8"?>
 <p:sld xmlns:a="http://schemas.openxmlformats.org/drawingml/2006/main" xmlns:r="http://schemas.openxmlformats.org/officeDocument/2006/relationships" xmlns:p="http://schemas.openxmlformats.org/presentationml/2006/main">
   <p:cSld>
     <p:spTree>
@@ -13710,7 +13125,133 @@
 </p:sld>
 </file>
 
-<file path=ppt/slides/slide21.xml><?xml version="1.0" encoding="utf-8"?>
+<file path=ppt/slides/slide2.xml><?xml version="1.0" encoding="utf-8"?>
+<p:sld xmlns:a="http://schemas.openxmlformats.org/drawingml/2006/main" xmlns:r="http://schemas.openxmlformats.org/officeDocument/2006/relationships" xmlns:p="http://schemas.openxmlformats.org/presentationml/2006/main">
+  <p:cSld>
+    <p:spTree>
+      <p:nvGrpSpPr>
+        <p:cNvPr id="1" name=""/>
+        <p:cNvGrpSpPr/>
+        <p:nvPr/>
+      </p:nvGrpSpPr>
+      <p:grpSpPr>
+        <a:xfrm>
+          <a:off x="0" y="0"/>
+          <a:ext cx="0" cy="0"/>
+          <a:chOff x="0" y="0"/>
+          <a:chExt cx="0" cy="0"/>
+        </a:xfrm>
+      </p:grpSpPr>
+      <p:sp>
+        <p:nvSpPr>
+          <p:cNvPr id="2" name="Title 1"/>
+          <p:cNvSpPr>
+            <a:spLocks noGrp="1"/>
+          </p:cNvSpPr>
+          <p:nvPr>
+            <p:ph type="title"/>
+          </p:nvPr>
+        </p:nvSpPr>
+        <p:spPr>
+          <a:xfrm>
+            <a:off x="401319" y="1431416"/>
+            <a:ext cx="8388117" cy="4549506"/>
+          </a:xfrm>
+        </p:spPr>
+        <p:txBody>
+          <a:bodyPr/>
+          <a:lstStyle/>
+          <a:p>
+            <a:pPr algn="ctr"/>
+            <a:r>
+              <a:rPr lang="en-GB" sz="2800" u="sng" dirty="0"/>
+              <a:t>Important Information on Marking your Attendance on Inkpath</a:t>
+            </a:r>
+            <a:br>
+              <a:rPr lang="en-GB" sz="2800" u="sng" dirty="0"/>
+            </a:br>
+            <a:br>
+              <a:rPr lang="en-GB" sz="2800" u="sng" dirty="0"/>
+            </a:br>
+            <a:br>
+              <a:rPr lang="en-GB" sz="2800" dirty="0"/>
+            </a:br>
+            <a:r>
+              <a:rPr lang="en-GB" sz="2800" dirty="0"/>
+              <a:t>I will show you a QR code at the end of the session allowing you to mark your attendance on Inkpath. Please do not mark your attendance until then.</a:t>
+            </a:r>
+            <a:br>
+              <a:rPr lang="en-GB" sz="2800" dirty="0"/>
+            </a:br>
+            <a:br>
+              <a:rPr lang="en-GB" sz="2800" dirty="0">
+                <a:latin typeface="Calibri" panose="020F0502020204030204" pitchFamily="34" charset="0"/>
+                <a:cs typeface="Calibri" panose="020F0502020204030204" pitchFamily="34" charset="0"/>
+              </a:rPr>
+            </a:br>
+            <a:r>
+              <a:rPr lang="en-GB" sz="2800" dirty="0">
+                <a:effectLst/>
+                <a:ea typeface="Times New Roman" panose="02020603050405020304" pitchFamily="18" charset="0"/>
+                <a:cs typeface="Calibri" panose="020F0502020204030204" pitchFamily="34" charset="0"/>
+              </a:rPr>
+              <a:t>If you are not a Postgraduate Research student and didn’t book via Inkpath, your attendance will be marked on a separate database.</a:t>
+            </a:r>
+            <a:endParaRPr lang="en-GB" sz="2800" dirty="0"/>
+          </a:p>
+        </p:txBody>
+      </p:sp>
+      <p:sp>
+        <p:nvSpPr>
+          <p:cNvPr id="7" name="TextBox 6"/>
+          <p:cNvSpPr txBox="1"/>
+          <p:nvPr/>
+        </p:nvSpPr>
+        <p:spPr>
+          <a:xfrm>
+            <a:off x="552450" y="3214433"/>
+            <a:ext cx="2171700" cy="830997"/>
+          </a:xfrm>
+          <a:prstGeom prst="rect">
+            <a:avLst/>
+          </a:prstGeom>
+          <a:noFill/>
+        </p:spPr>
+        <p:txBody>
+          <a:bodyPr wrap="square" rtlCol="0">
+            <a:spAutoFit/>
+          </a:bodyPr>
+          <a:lstStyle/>
+          <a:p>
+            <a:endParaRPr lang="en-GB" sz="2400" dirty="0">
+              <a:solidFill>
+                <a:srgbClr val="002060"/>
+              </a:solidFill>
+            </a:endParaRPr>
+          </a:p>
+          <a:p>
+            <a:endParaRPr lang="en-GB" sz="2400" dirty="0">
+              <a:solidFill>
+                <a:srgbClr val="002060"/>
+              </a:solidFill>
+            </a:endParaRPr>
+          </a:p>
+        </p:txBody>
+      </p:sp>
+    </p:spTree>
+    <p:extLst>
+      <p:ext uri="{BB962C8B-B14F-4D97-AF65-F5344CB8AC3E}">
+        <p14:creationId xmlns:p14="http://schemas.microsoft.com/office/powerpoint/2010/main" val="3686223621"/>
+      </p:ext>
+    </p:extLst>
+  </p:cSld>
+  <p:clrMapOvr>
+    <a:masterClrMapping/>
+  </p:clrMapOvr>
+</p:sld>
+</file>
+
+<file path=ppt/slides/slide20.xml><?xml version="1.0" encoding="utf-8"?>
 <p:sld xmlns:a="http://schemas.openxmlformats.org/drawingml/2006/main" xmlns:r="http://schemas.openxmlformats.org/officeDocument/2006/relationships" xmlns:p="http://schemas.openxmlformats.org/presentationml/2006/main">
   <p:cSld>
     <p:spTree>
@@ -14183,7 +13724,7 @@
 </p:sld>
 </file>
 
-<file path=ppt/slides/slide22.xml><?xml version="1.0" encoding="utf-8"?>
+<file path=ppt/slides/slide21.xml><?xml version="1.0" encoding="utf-8"?>
 <p:sld xmlns:a="http://schemas.openxmlformats.org/drawingml/2006/main" xmlns:r="http://schemas.openxmlformats.org/officeDocument/2006/relationships" xmlns:p="http://schemas.openxmlformats.org/presentationml/2006/main">
   <p:cSld>
     <p:spTree>
@@ -14953,7 +14494,7 @@
 </p:sld>
 </file>
 
-<file path=ppt/slides/slide23.xml><?xml version="1.0" encoding="utf-8"?>
+<file path=ppt/slides/slide22.xml><?xml version="1.0" encoding="utf-8"?>
 <p:sld xmlns:a="http://schemas.openxmlformats.org/drawingml/2006/main" xmlns:r="http://schemas.openxmlformats.org/officeDocument/2006/relationships" xmlns:p="http://schemas.openxmlformats.org/presentationml/2006/main">
   <p:cSld>
     <p:spTree>
@@ -15103,7 +14644,7 @@
 </p:sld>
 </file>
 
-<file path=ppt/slides/slide24.xml><?xml version="1.0" encoding="utf-8"?>
+<file path=ppt/slides/slide23.xml><?xml version="1.0" encoding="utf-8"?>
 <p:sld xmlns:a="http://schemas.openxmlformats.org/drawingml/2006/main" xmlns:r="http://schemas.openxmlformats.org/officeDocument/2006/relationships" xmlns:p="http://schemas.openxmlformats.org/presentationml/2006/main">
   <p:cSld>
     <p:spTree>
@@ -15905,7 +15446,7 @@
 </p:sld>
 </file>
 
-<file path=ppt/slides/slide25.xml><?xml version="1.0" encoding="utf-8"?>
+<file path=ppt/slides/slide24.xml><?xml version="1.0" encoding="utf-8"?>
 <p:sld xmlns:a="http://schemas.openxmlformats.org/drawingml/2006/main" xmlns:r="http://schemas.openxmlformats.org/officeDocument/2006/relationships" xmlns:p="http://schemas.openxmlformats.org/presentationml/2006/main">
   <p:cSld>
     <p:spTree>
@@ -16896,7 +16437,7 @@
 </p:sld>
 </file>
 
-<file path=ppt/slides/slide26.xml><?xml version="1.0" encoding="utf-8"?>
+<file path=ppt/slides/slide25.xml><?xml version="1.0" encoding="utf-8"?>
 <p:sld xmlns:a="http://schemas.openxmlformats.org/drawingml/2006/main" xmlns:r="http://schemas.openxmlformats.org/officeDocument/2006/relationships" xmlns:p="http://schemas.openxmlformats.org/presentationml/2006/main">
   <p:cSld>
     <p:spTree>
@@ -17702,6 +17243,329 @@
 </p:sld>
 </file>
 
+<file path=ppt/slides/slide26.xml><?xml version="1.0" encoding="utf-8"?>
+<p:sld xmlns:a="http://schemas.openxmlformats.org/drawingml/2006/main" xmlns:r="http://schemas.openxmlformats.org/officeDocument/2006/relationships" xmlns:p="http://schemas.openxmlformats.org/presentationml/2006/main">
+  <p:cSld>
+    <p:spTree>
+      <p:nvGrpSpPr>
+        <p:cNvPr id="1" name=""/>
+        <p:cNvGrpSpPr/>
+        <p:nvPr/>
+      </p:nvGrpSpPr>
+      <p:grpSpPr>
+        <a:xfrm>
+          <a:off x="0" y="0"/>
+          <a:ext cx="0" cy="0"/>
+          <a:chOff x="0" y="0"/>
+          <a:chExt cx="0" cy="0"/>
+        </a:xfrm>
+      </p:grpSpPr>
+      <p:sp>
+        <p:nvSpPr>
+          <p:cNvPr id="2" name="Title 1"/>
+          <p:cNvSpPr>
+            <a:spLocks noGrp="1"/>
+          </p:cNvSpPr>
+          <p:nvPr>
+            <p:ph type="title"/>
+          </p:nvPr>
+        </p:nvSpPr>
+        <p:spPr/>
+        <p:txBody>
+          <a:bodyPr/>
+          <a:lstStyle/>
+          <a:p>
+            <a:r>
+              <a:rPr lang="en-GB" sz="4000" dirty="0"/>
+              <a:t>Allocatable Arrays</a:t>
+            </a:r>
+          </a:p>
+        </p:txBody>
+      </p:sp>
+      <p:sp>
+        <p:nvSpPr>
+          <p:cNvPr id="8" name="TextBox 7">
+            <a:extLst>
+              <a:ext uri="{FF2B5EF4-FFF2-40B4-BE49-F238E27FC236}">
+                <a16:creationId xmlns:a16="http://schemas.microsoft.com/office/drawing/2014/main" id="{3DDD1C3F-84BE-4B14-A20B-C4525C3886D9}"/>
+              </a:ext>
+            </a:extLst>
+          </p:cNvPr>
+          <p:cNvSpPr txBox="1"/>
+          <p:nvPr/>
+        </p:nvSpPr>
+        <p:spPr>
+          <a:xfrm>
+            <a:off x="5728138" y="6498021"/>
+            <a:ext cx="1765738" cy="369332"/>
+          </a:xfrm>
+          <a:prstGeom prst="rect">
+            <a:avLst/>
+          </a:prstGeom>
+          <a:noFill/>
+        </p:spPr>
+        <p:txBody>
+          <a:bodyPr wrap="square" rtlCol="0">
+            <a:spAutoFit/>
+          </a:bodyPr>
+          <a:lstStyle/>
+          <a:p>
+            <a:r>
+              <a:rPr lang="en-GB" dirty="0">
+                <a:solidFill>
+                  <a:schemeClr val="accent1"/>
+                </a:solidFill>
+              </a:rPr>
+              <a:t>Demonstration</a:t>
+            </a:r>
+          </a:p>
+        </p:txBody>
+      </p:sp>
+      <p:sp>
+        <p:nvSpPr>
+          <p:cNvPr id="6" name="Content Placeholder 2">
+            <a:extLst>
+              <a:ext uri="{FF2B5EF4-FFF2-40B4-BE49-F238E27FC236}">
+                <a16:creationId xmlns:a16="http://schemas.microsoft.com/office/drawing/2014/main" id="{C94459EB-B5CC-4128-A805-FCBCD2C4D3F5}"/>
+              </a:ext>
+            </a:extLst>
+          </p:cNvPr>
+          <p:cNvSpPr>
+            <a:spLocks noGrp="1"/>
+          </p:cNvSpPr>
+          <p:nvPr>
+            <p:ph idx="1"/>
+          </p:nvPr>
+        </p:nvSpPr>
+        <p:spPr>
+          <a:xfrm>
+            <a:off x="457200" y="1600200"/>
+            <a:ext cx="8435280" cy="4876800"/>
+          </a:xfrm>
+        </p:spPr>
+        <p:txBody>
+          <a:bodyPr>
+            <a:normAutofit fontScale="70000" lnSpcReduction="20000"/>
+          </a:bodyPr>
+          <a:lstStyle/>
+          <a:p>
+            <a:r>
+              <a:rPr lang="en-GB" sz="3100" dirty="0"/>
+              <a:t>It’s possible to declare an array without specifying its length using:</a:t>
+            </a:r>
+          </a:p>
+          <a:p>
+            <a:pPr marL="0" indent="0">
+              <a:buNone/>
+            </a:pPr>
+            <a:r>
+              <a:rPr lang="en-GB" sz="3100" dirty="0">
+                <a:solidFill>
+                  <a:schemeClr val="accent5"/>
+                </a:solidFill>
+              </a:rPr>
+              <a:t>	integer</a:t>
+            </a:r>
+            <a:r>
+              <a:rPr lang="en-GB" sz="3100" dirty="0"/>
+              <a:t>, </a:t>
+            </a:r>
+            <a:r>
+              <a:rPr lang="en-GB" sz="3100" dirty="0">
+                <a:solidFill>
+                  <a:schemeClr val="accent5"/>
+                </a:solidFill>
+              </a:rPr>
+              <a:t>dimension</a:t>
+            </a:r>
+            <a:r>
+              <a:rPr lang="en-GB" sz="3100" dirty="0"/>
+              <a:t>(:), allocatable	::	</a:t>
+            </a:r>
+            <a:r>
+              <a:rPr lang="en-GB" sz="3100" dirty="0" err="1"/>
+              <a:t>array_name</a:t>
+            </a:r>
+            <a:endParaRPr lang="en-GB" sz="3100" dirty="0"/>
+          </a:p>
+          <a:p>
+            <a:r>
+              <a:rPr lang="en-GB" sz="3100" dirty="0"/>
+              <a:t>You may then allocate an array later to define its length using</a:t>
+            </a:r>
+          </a:p>
+          <a:p>
+            <a:pPr marL="0" indent="0">
+              <a:buNone/>
+            </a:pPr>
+            <a:r>
+              <a:rPr lang="en-GB" sz="3100" dirty="0"/>
+              <a:t>	</a:t>
+            </a:r>
+            <a:r>
+              <a:rPr lang="en-GB" sz="3100" dirty="0">
+                <a:solidFill>
+                  <a:schemeClr val="accent5"/>
+                </a:solidFill>
+              </a:rPr>
+              <a:t>allocate</a:t>
+            </a:r>
+            <a:r>
+              <a:rPr lang="en-GB" sz="3100" dirty="0"/>
+              <a:t>(</a:t>
+            </a:r>
+            <a:r>
+              <a:rPr lang="en-GB" sz="3100" dirty="0" err="1"/>
+              <a:t>array_name</a:t>
+            </a:r>
+            <a:r>
+              <a:rPr lang="en-GB" sz="3100" dirty="0"/>
+              <a:t>(size))</a:t>
+            </a:r>
+          </a:p>
+          <a:p>
+            <a:r>
+              <a:rPr lang="en-GB" sz="3100" dirty="0"/>
+              <a:t>Cannot assign to an entry in an array before it’s allocated</a:t>
+            </a:r>
+          </a:p>
+          <a:p>
+            <a:r>
+              <a:rPr lang="en-GB" sz="3100" dirty="0"/>
+              <a:t>Can assign an allocated array of the same dimension to an unallocated to allocate it </a:t>
+            </a:r>
+          </a:p>
+          <a:p>
+            <a:r>
+              <a:rPr lang="en-GB" sz="3100" dirty="0"/>
+              <a:t>Can check if an array is allocated using:</a:t>
+            </a:r>
+          </a:p>
+          <a:p>
+            <a:pPr marL="457200" lvl="1" indent="0">
+              <a:buNone/>
+            </a:pPr>
+            <a:r>
+              <a:rPr lang="en-GB" sz="3100" dirty="0">
+                <a:solidFill>
+                  <a:schemeClr val="accent5"/>
+                </a:solidFill>
+              </a:rPr>
+              <a:t>allocated</a:t>
+            </a:r>
+            <a:r>
+              <a:rPr lang="en-GB" sz="3100" dirty="0"/>
+              <a:t>(</a:t>
+            </a:r>
+            <a:r>
+              <a:rPr lang="en-GB" sz="3100" dirty="0" err="1"/>
+              <a:t>array_name</a:t>
+            </a:r>
+            <a:r>
+              <a:rPr lang="en-GB" sz="3100" dirty="0"/>
+              <a:t>)</a:t>
+            </a:r>
+          </a:p>
+          <a:p>
+            <a:r>
+              <a:rPr lang="en-GB" sz="3100" dirty="0"/>
+              <a:t>Can check the size of an array using</a:t>
+            </a:r>
+          </a:p>
+          <a:p>
+            <a:pPr marL="457200" lvl="1" indent="0">
+              <a:buNone/>
+            </a:pPr>
+            <a:r>
+              <a:rPr lang="en-GB" sz="3100" dirty="0">
+                <a:solidFill>
+                  <a:schemeClr val="accent5"/>
+                </a:solidFill>
+              </a:rPr>
+              <a:t>size</a:t>
+            </a:r>
+            <a:r>
+              <a:rPr lang="en-GB" sz="3100" dirty="0"/>
+              <a:t>(</a:t>
+            </a:r>
+            <a:r>
+              <a:rPr lang="en-GB" sz="3100" dirty="0" err="1"/>
+              <a:t>array_name</a:t>
+            </a:r>
+            <a:r>
+              <a:rPr lang="en-GB" sz="3100" dirty="0"/>
+              <a:t>, </a:t>
+            </a:r>
+            <a:r>
+              <a:rPr lang="en-GB" sz="3100" dirty="0" err="1"/>
+              <a:t>dimension_number</a:t>
+            </a:r>
+            <a:r>
+              <a:rPr lang="en-GB" sz="3100" dirty="0"/>
+              <a:t>)</a:t>
+            </a:r>
+          </a:p>
+          <a:p>
+            <a:r>
+              <a:rPr lang="en-GB" sz="3100" dirty="0"/>
+              <a:t>Can deallocate an array using</a:t>
+            </a:r>
+          </a:p>
+          <a:p>
+            <a:pPr marL="457200" lvl="1" indent="0">
+              <a:buNone/>
+            </a:pPr>
+            <a:r>
+              <a:rPr lang="en-GB" sz="3100" dirty="0">
+                <a:solidFill>
+                  <a:schemeClr val="accent5"/>
+                </a:solidFill>
+              </a:rPr>
+              <a:t>deallocate</a:t>
+            </a:r>
+            <a:r>
+              <a:rPr lang="en-GB" sz="3100" dirty="0"/>
+              <a:t>(</a:t>
+            </a:r>
+            <a:r>
+              <a:rPr lang="en-GB" sz="3100" dirty="0" err="1"/>
+              <a:t>array_name</a:t>
+            </a:r>
+            <a:r>
+              <a:rPr lang="en-GB" sz="3100" dirty="0"/>
+              <a:t>)</a:t>
+            </a:r>
+          </a:p>
+          <a:p>
+            <a:pPr lvl="1"/>
+            <a:endParaRPr lang="en-GB" sz="2200" dirty="0"/>
+          </a:p>
+          <a:p>
+            <a:endParaRPr lang="en-GB" sz="3000" dirty="0"/>
+          </a:p>
+        </p:txBody>
+      </p:sp>
+    </p:spTree>
+    <p:extLst>
+      <p:ext uri="{BB962C8B-B14F-4D97-AF65-F5344CB8AC3E}">
+        <p14:creationId xmlns:p14="http://schemas.microsoft.com/office/powerpoint/2010/main" val="3173781080"/>
+      </p:ext>
+    </p:extLst>
+  </p:cSld>
+  <p:clrMapOvr>
+    <a:masterClrMapping/>
+  </p:clrMapOvr>
+  <mc:AlternateContent xmlns:mc="http://schemas.openxmlformats.org/markup-compatibility/2006" xmlns:p14="http://schemas.microsoft.com/office/powerpoint/2010/main">
+    <mc:Choice Requires="p14">
+      <p:transition p14:dur="10"/>
+    </mc:Choice>
+    <mc:Fallback xmlns="">
+      <p:transition/>
+    </mc:Fallback>
+  </mc:AlternateContent>
+</p:sld>
+</file>
+
 <file path=ppt/slides/slide27.xml><?xml version="1.0" encoding="utf-8"?>
 <p:sld xmlns:a="http://schemas.openxmlformats.org/drawingml/2006/main" xmlns:r="http://schemas.openxmlformats.org/officeDocument/2006/relationships" xmlns:p="http://schemas.openxmlformats.org/presentationml/2006/main">
   <p:cSld>
@@ -17735,60 +17599,16 @@
           <a:lstStyle/>
           <a:p>
             <a:r>
-              <a:rPr lang="en-GB" sz="4000" dirty="0"/>
-              <a:t>Allocatable Arrays</a:t>
-            </a:r>
-          </a:p>
-        </p:txBody>
-      </p:sp>
-      <p:sp>
-        <p:nvSpPr>
-          <p:cNvPr id="8" name="TextBox 7">
-            <a:extLst>
-              <a:ext uri="{FF2B5EF4-FFF2-40B4-BE49-F238E27FC236}">
-                <a16:creationId xmlns:a16="http://schemas.microsoft.com/office/drawing/2014/main" id="{3DDD1C3F-84BE-4B14-A20B-C4525C3886D9}"/>
-              </a:ext>
-            </a:extLst>
-          </p:cNvPr>
-          <p:cNvSpPr txBox="1"/>
-          <p:nvPr/>
-        </p:nvSpPr>
-        <p:spPr>
-          <a:xfrm>
-            <a:off x="5728138" y="6498021"/>
-            <a:ext cx="1765738" cy="369332"/>
-          </a:xfrm>
-          <a:prstGeom prst="rect">
-            <a:avLst/>
-          </a:prstGeom>
-          <a:noFill/>
-        </p:spPr>
-        <p:txBody>
-          <a:bodyPr wrap="square" rtlCol="0">
-            <a:spAutoFit/>
-          </a:bodyPr>
-          <a:lstStyle/>
-          <a:p>
-            <a:r>
-              <a:rPr lang="en-GB" dirty="0">
-                <a:solidFill>
-                  <a:schemeClr val="accent1"/>
-                </a:solidFill>
-              </a:rPr>
-              <a:t>Demonstration</a:t>
-            </a:r>
-          </a:p>
-        </p:txBody>
-      </p:sp>
-      <p:sp>
-        <p:nvSpPr>
-          <p:cNvPr id="6" name="Content Placeholder 2">
-            <a:extLst>
-              <a:ext uri="{FF2B5EF4-FFF2-40B4-BE49-F238E27FC236}">
-                <a16:creationId xmlns:a16="http://schemas.microsoft.com/office/drawing/2014/main" id="{C94459EB-B5CC-4128-A805-FCBCD2C4D3F5}"/>
-              </a:ext>
-            </a:extLst>
-          </p:cNvPr>
+              <a:rPr lang="en-GB" sz="4000" dirty="0" err="1"/>
+              <a:t>Logicals</a:t>
+            </a:r>
+            <a:endParaRPr lang="en-GB" sz="4000" dirty="0"/>
+          </a:p>
+        </p:txBody>
+      </p:sp>
+      <p:sp>
+        <p:nvSpPr>
+          <p:cNvPr id="3" name="Content Placeholder 2"/>
           <p:cNvSpPr>
             <a:spLocks noGrp="1"/>
           </p:cNvSpPr>
@@ -17804,53 +17624,73 @@
         </p:spPr>
         <p:txBody>
           <a:bodyPr>
-            <a:normAutofit fontScale="70000" lnSpcReduction="20000"/>
+            <a:normAutofit lnSpcReduction="10000"/>
           </a:bodyPr>
           <a:lstStyle/>
           <a:p>
             <a:r>
-              <a:rPr lang="en-GB" sz="3100" dirty="0"/>
-              <a:t>It’s possible to declare an array without specifying its length using:</a:t>
-            </a:r>
+              <a:rPr lang="en-GB" sz="3000" dirty="0" err="1"/>
+              <a:t>Logicals</a:t>
+            </a:r>
+            <a:r>
+              <a:rPr lang="en-GB" sz="3000" dirty="0"/>
+              <a:t> are a type of variable</a:t>
+            </a:r>
+          </a:p>
+          <a:p>
+            <a:pPr lvl="1"/>
+            <a:r>
+              <a:rPr lang="en-GB" dirty="0"/>
+              <a:t>May be True or False</a:t>
+            </a:r>
+          </a:p>
+          <a:p>
+            <a:r>
+              <a:rPr lang="en-GB" dirty="0"/>
+              <a:t>Can be operated on with logical operations</a:t>
+            </a:r>
+          </a:p>
+          <a:p>
+            <a:r>
+              <a:rPr lang="en-GB" dirty="0"/>
+              <a:t>Commonly used to control the flow of the program</a:t>
+            </a:r>
+          </a:p>
+          <a:p>
+            <a:endParaRPr lang="en-GB" dirty="0"/>
           </a:p>
           <a:p>
             <a:pPr marL="0" indent="0">
               <a:buNone/>
             </a:pPr>
             <a:r>
-              <a:rPr lang="en-GB" sz="3100" dirty="0">
+              <a:rPr lang="en-GB" dirty="0">
                 <a:solidFill>
                   <a:schemeClr val="accent5"/>
                 </a:solidFill>
               </a:rPr>
-              <a:t>	integer</a:t>
-            </a:r>
-            <a:r>
-              <a:rPr lang="en-GB" sz="3100" dirty="0"/>
-              <a:t>, </a:t>
-            </a:r>
-            <a:r>
-              <a:rPr lang="en-GB" sz="3100" dirty="0">
+              <a:t>logical</a:t>
+            </a:r>
+            <a:r>
+              <a:rPr lang="en-GB" dirty="0"/>
+              <a:t>	::	logical1, logical2</a:t>
+            </a:r>
+          </a:p>
+          <a:p>
+            <a:pPr marL="0" indent="0">
+              <a:buNone/>
+            </a:pPr>
+            <a:r>
+              <a:rPr lang="en-GB" dirty="0"/>
+              <a:t>logical1 =</a:t>
+            </a:r>
+            <a:r>
+              <a:rPr lang="en-GB" dirty="0">
                 <a:solidFill>
                   <a:schemeClr val="accent5"/>
                 </a:solidFill>
               </a:rPr>
-              <a:t>dimension</a:t>
-            </a:r>
-            <a:r>
-              <a:rPr lang="en-GB" sz="3100" dirty="0"/>
-              <a:t>(:), allocatable	::	</a:t>
-            </a:r>
-            <a:r>
-              <a:rPr lang="en-GB" sz="3100" dirty="0" err="1"/>
-              <a:t>array_name</a:t>
-            </a:r>
-            <a:endParaRPr lang="en-GB" sz="3100" dirty="0"/>
-          </a:p>
-          <a:p>
-            <a:r>
-              <a:rPr lang="en-GB" sz="3100" dirty="0"/>
-              <a:t>You may then allocate an array later to define its length using</a:t>
+              <a:t> .true.</a:t>
             </a:r>
           </a:p>
           <a:p>
@@ -17858,141 +17698,16 @@
               <a:buNone/>
             </a:pPr>
             <a:r>
-              <a:rPr lang="en-GB" sz="3100" dirty="0"/>
-              <a:t>	</a:t>
-            </a:r>
-            <a:r>
-              <a:rPr lang="en-GB" sz="3100" dirty="0">
+              <a:rPr lang="en-GB" dirty="0"/>
+              <a:t>logical2 = </a:t>
+            </a:r>
+            <a:r>
+              <a:rPr lang="en-GB" dirty="0">
                 <a:solidFill>
                   <a:schemeClr val="accent5"/>
                 </a:solidFill>
               </a:rPr>
-              <a:t>allocate</a:t>
-            </a:r>
-            <a:r>
-              <a:rPr lang="en-GB" sz="3100" dirty="0"/>
-              <a:t>(</a:t>
-            </a:r>
-            <a:r>
-              <a:rPr lang="en-GB" sz="3100" dirty="0" err="1"/>
-              <a:t>array_name</a:t>
-            </a:r>
-            <a:r>
-              <a:rPr lang="en-GB" sz="3100" dirty="0"/>
-              <a:t>(size))</a:t>
-            </a:r>
-          </a:p>
-          <a:p>
-            <a:r>
-              <a:rPr lang="en-GB" sz="3100" dirty="0"/>
-              <a:t>Cannot assign to an entry in an array before it’s allocated</a:t>
-            </a:r>
-          </a:p>
-          <a:p>
-            <a:r>
-              <a:rPr lang="en-GB" sz="3100" dirty="0"/>
-              <a:t>Can assign an allocated array of the same dimension to an unallocated to allocate it </a:t>
-            </a:r>
-          </a:p>
-          <a:p>
-            <a:r>
-              <a:rPr lang="en-GB" sz="3100" dirty="0"/>
-              <a:t>Can check if an array is allocated using:</a:t>
-            </a:r>
-          </a:p>
-          <a:p>
-            <a:pPr marL="457200" lvl="1" indent="0">
-              <a:buNone/>
-            </a:pPr>
-            <a:r>
-              <a:rPr lang="en-GB" sz="3100" dirty="0">
-                <a:solidFill>
-                  <a:schemeClr val="accent5"/>
-                </a:solidFill>
-              </a:rPr>
-              <a:t>allocated</a:t>
-            </a:r>
-            <a:r>
-              <a:rPr lang="en-GB" sz="3100" dirty="0"/>
-              <a:t>(</a:t>
-            </a:r>
-            <a:r>
-              <a:rPr lang="en-GB" sz="3100" dirty="0" err="1"/>
-              <a:t>array_name</a:t>
-            </a:r>
-            <a:r>
-              <a:rPr lang="en-GB" sz="3100" dirty="0"/>
-              <a:t>)</a:t>
-            </a:r>
-          </a:p>
-          <a:p>
-            <a:r>
-              <a:rPr lang="en-GB" sz="3100" dirty="0"/>
-              <a:t>Can check the size of an array using</a:t>
-            </a:r>
-          </a:p>
-          <a:p>
-            <a:pPr marL="457200" lvl="1" indent="0">
-              <a:buNone/>
-            </a:pPr>
-            <a:r>
-              <a:rPr lang="en-GB" sz="3100" dirty="0">
-                <a:solidFill>
-                  <a:schemeClr val="accent5"/>
-                </a:solidFill>
-              </a:rPr>
-              <a:t>size</a:t>
-            </a:r>
-            <a:r>
-              <a:rPr lang="en-GB" sz="3100" dirty="0"/>
-              <a:t>(</a:t>
-            </a:r>
-            <a:r>
-              <a:rPr lang="en-GB" sz="3100" dirty="0" err="1"/>
-              <a:t>array_name</a:t>
-            </a:r>
-            <a:r>
-              <a:rPr lang="en-GB" sz="3100" dirty="0"/>
-              <a:t>, </a:t>
-            </a:r>
-            <a:r>
-              <a:rPr lang="en-GB" sz="3100" dirty="0" err="1"/>
-              <a:t>dimension_number</a:t>
-            </a:r>
-            <a:r>
-              <a:rPr lang="en-GB" sz="3100" dirty="0"/>
-              <a:t>)</a:t>
-            </a:r>
-          </a:p>
-          <a:p>
-            <a:r>
-              <a:rPr lang="en-GB" sz="3100" dirty="0"/>
-              <a:t>Can deallocate an array using</a:t>
-            </a:r>
-          </a:p>
-          <a:p>
-            <a:pPr marL="457200" lvl="1" indent="0">
-              <a:buNone/>
-            </a:pPr>
-            <a:r>
-              <a:rPr lang="en-GB" sz="3100" dirty="0">
-                <a:solidFill>
-                  <a:schemeClr val="accent5"/>
-                </a:solidFill>
-              </a:rPr>
-              <a:t>deallocate</a:t>
-            </a:r>
-            <a:r>
-              <a:rPr lang="en-GB" sz="3100" dirty="0"/>
-              <a:t>(</a:t>
-            </a:r>
-            <a:r>
-              <a:rPr lang="en-GB" sz="3100" dirty="0" err="1"/>
-              <a:t>array_name</a:t>
-            </a:r>
-            <a:r>
-              <a:rPr lang="en-GB" sz="3100" dirty="0"/>
-              <a:t>)</a:t>
+              <a:t>.false.</a:t>
             </a:r>
           </a:p>
           <a:p>
@@ -18007,7 +17722,7 @@
     </p:spTree>
     <p:extLst>
       <p:ext uri="{BB962C8B-B14F-4D97-AF65-F5344CB8AC3E}">
-        <p14:creationId xmlns:p14="http://schemas.microsoft.com/office/powerpoint/2010/main" val="3173781080"/>
+        <p14:creationId xmlns:p14="http://schemas.microsoft.com/office/powerpoint/2010/main" val="1390760873"/>
       </p:ext>
     </p:extLst>
   </p:cSld>
@@ -18058,10 +17773,9 @@
           <a:lstStyle/>
           <a:p>
             <a:r>
-              <a:rPr lang="en-GB" sz="4000" dirty="0" err="1"/>
-              <a:t>Logicals</a:t>
-            </a:r>
-            <a:endParaRPr lang="en-GB" sz="4000" dirty="0"/>
+              <a:rPr lang="en-GB" sz="4000" dirty="0"/>
+              <a:t>Boolean Operators</a:t>
+            </a:r>
           </a:p>
         </p:txBody>
       </p:sp>
@@ -18083,105 +17797,141 @@
         </p:spPr>
         <p:txBody>
           <a:bodyPr>
-            <a:normAutofit lnSpcReduction="10000"/>
+            <a:normAutofit/>
           </a:bodyPr>
           <a:lstStyle/>
           <a:p>
             <a:r>
-              <a:rPr lang="en-GB" sz="3000" dirty="0" err="1"/>
-              <a:t>Logicals</a:t>
-            </a:r>
-            <a:r>
-              <a:rPr lang="en-GB" sz="3000" dirty="0"/>
-              <a:t> are a type of variable</a:t>
+              <a:rPr lang="en-GB" sz="2800" dirty="0"/>
+              <a:t>Boolean operators operate on one or more </a:t>
+            </a:r>
+            <a:r>
+              <a:rPr lang="en-GB" sz="2800" dirty="0" err="1"/>
+              <a:t>logicals</a:t>
+            </a:r>
+            <a:r>
+              <a:rPr lang="en-GB" sz="2800" dirty="0"/>
+              <a:t> and returns  logical</a:t>
+            </a:r>
+          </a:p>
+          <a:p>
+            <a:r>
+              <a:rPr lang="en-GB" sz="2800" dirty="0"/>
+              <a:t>Can be combined</a:t>
             </a:r>
           </a:p>
           <a:p>
             <a:pPr lvl="1"/>
             <a:r>
               <a:rPr lang="en-GB" dirty="0"/>
-              <a:t>May be True or False</a:t>
-            </a:r>
-          </a:p>
-          <a:p>
-            <a:r>
-              <a:rPr lang="en-GB" dirty="0"/>
-              <a:t>Can be operated on with logical operations</a:t>
-            </a:r>
-          </a:p>
-          <a:p>
-            <a:r>
-              <a:rPr lang="en-GB" dirty="0"/>
-              <a:t>Commonly used to control the flow of the program</a:t>
-            </a:r>
-          </a:p>
-          <a:p>
-            <a:endParaRPr lang="en-GB" dirty="0"/>
+              <a:t>Easiest to use parentheses</a:t>
+            </a:r>
           </a:p>
           <a:p>
             <a:pPr marL="0" indent="0">
               <a:buNone/>
             </a:pPr>
+            <a:endParaRPr lang="en-GB" sz="2800" dirty="0"/>
+          </a:p>
+          <a:p>
+            <a:pPr marL="0" indent="0">
+              <a:buNone/>
+            </a:pPr>
+            <a:r>
+              <a:rPr lang="en-GB" sz="2800" dirty="0"/>
+              <a:t>logical2 = .not. logical1</a:t>
+            </a:r>
+          </a:p>
+          <a:p>
+            <a:pPr marL="0" indent="0">
+              <a:buNone/>
+            </a:pPr>
+            <a:r>
+              <a:rPr lang="en-GB" sz="2800" dirty="0"/>
+              <a:t>logical3 = logical1 .and. logical2</a:t>
+            </a:r>
+          </a:p>
+          <a:p>
+            <a:pPr marL="0" indent="0">
+              <a:buNone/>
+            </a:pPr>
+            <a:r>
+              <a:rPr lang="en-GB" sz="2800" dirty="0"/>
+              <a:t>logical3 = logical1 .or. logical2</a:t>
+            </a:r>
+          </a:p>
+          <a:p>
+            <a:pPr marL="0" indent="0">
+              <a:buNone/>
+            </a:pPr>
+            <a:r>
+              <a:rPr lang="en-GB" sz="2800" dirty="0"/>
+              <a:t>logical3 = .not. (logical1 .and. logical2)</a:t>
+            </a:r>
+          </a:p>
+          <a:p>
+            <a:pPr marL="0" indent="0">
+              <a:buNone/>
+            </a:pPr>
+            <a:endParaRPr lang="en-GB" sz="2600" dirty="0"/>
+          </a:p>
+          <a:p>
+            <a:pPr marL="0" indent="0">
+              <a:buNone/>
+            </a:pPr>
+            <a:endParaRPr lang="en-GB" sz="2600" dirty="0"/>
+          </a:p>
+          <a:p>
+            <a:pPr marL="0" indent="0">
+              <a:buNone/>
+            </a:pPr>
+            <a:endParaRPr lang="en-GB" sz="3000" dirty="0"/>
+          </a:p>
+        </p:txBody>
+      </p:sp>
+      <p:sp>
+        <p:nvSpPr>
+          <p:cNvPr id="4" name="TextBox 3">
+            <a:extLst>
+              <a:ext uri="{FF2B5EF4-FFF2-40B4-BE49-F238E27FC236}">
+                <a16:creationId xmlns:a16="http://schemas.microsoft.com/office/drawing/2014/main" id="{6FAB0CB6-79B2-4901-AFD9-92C5A0C9BFEB}"/>
+              </a:ext>
+            </a:extLst>
+          </p:cNvPr>
+          <p:cNvSpPr txBox="1"/>
+          <p:nvPr/>
+        </p:nvSpPr>
+        <p:spPr>
+          <a:xfrm>
+            <a:off x="5728138" y="6498021"/>
+            <a:ext cx="1765738" cy="369332"/>
+          </a:xfrm>
+          <a:prstGeom prst="rect">
+            <a:avLst/>
+          </a:prstGeom>
+          <a:noFill/>
+        </p:spPr>
+        <p:txBody>
+          <a:bodyPr wrap="square" rtlCol="0">
+            <a:spAutoFit/>
+          </a:bodyPr>
+          <a:lstStyle/>
+          <a:p>
             <a:r>
               <a:rPr lang="en-GB" dirty="0">
                 <a:solidFill>
-                  <a:schemeClr val="accent5"/>
+                  <a:schemeClr val="accent1"/>
                 </a:solidFill>
               </a:rPr>
-              <a:t>logical</a:t>
-            </a:r>
-            <a:r>
-              <a:rPr lang="en-GB" dirty="0"/>
-              <a:t>	::	logical1, logical2</a:t>
-            </a:r>
-          </a:p>
-          <a:p>
-            <a:pPr marL="0" indent="0">
-              <a:buNone/>
-            </a:pPr>
-            <a:r>
-              <a:rPr lang="en-GB" dirty="0"/>
-              <a:t>logical1 =</a:t>
-            </a:r>
-            <a:r>
-              <a:rPr lang="en-GB" dirty="0">
-                <a:solidFill>
-                  <a:schemeClr val="accent5"/>
-                </a:solidFill>
-              </a:rPr>
-              <a:t> .true.</a:t>
-            </a:r>
-          </a:p>
-          <a:p>
-            <a:pPr marL="0" indent="0">
-              <a:buNone/>
-            </a:pPr>
-            <a:r>
-              <a:rPr lang="en-GB" dirty="0"/>
-              <a:t>logical2 = </a:t>
-            </a:r>
-            <a:r>
-              <a:rPr lang="en-GB" dirty="0">
-                <a:solidFill>
-                  <a:schemeClr val="accent5"/>
-                </a:solidFill>
-              </a:rPr>
-              <a:t>.false.</a:t>
-            </a:r>
-          </a:p>
-          <a:p>
-            <a:pPr lvl="1"/>
-            <a:endParaRPr lang="en-GB" sz="2200" dirty="0"/>
-          </a:p>
-          <a:p>
-            <a:endParaRPr lang="en-GB" sz="3000" dirty="0"/>
+              <a:t>Demonstration</a:t>
+            </a:r>
           </a:p>
         </p:txBody>
       </p:sp>
     </p:spTree>
     <p:extLst>
       <p:ext uri="{BB962C8B-B14F-4D97-AF65-F5344CB8AC3E}">
-        <p14:creationId xmlns:p14="http://schemas.microsoft.com/office/powerpoint/2010/main" val="1390760873"/>
+        <p14:creationId xmlns:p14="http://schemas.microsoft.com/office/powerpoint/2010/main" val="3749303348"/>
       </p:ext>
     </p:extLst>
   </p:cSld>
@@ -18233,7 +17983,7 @@
           <a:p>
             <a:r>
               <a:rPr lang="en-GB" sz="4000" dirty="0"/>
-              <a:t>Boolean Operators</a:t>
+              <a:t>Comparison Operators</a:t>
             </a:r>
           </a:p>
         </p:txBody>
@@ -18262,29 +18012,9 @@
           <a:p>
             <a:r>
               <a:rPr lang="en-GB" sz="2800" dirty="0"/>
-              <a:t>Boolean operators operate on one or more </a:t>
-            </a:r>
-            <a:r>
-              <a:rPr lang="en-GB" sz="2800" dirty="0" err="1"/>
-              <a:t>logicals</a:t>
-            </a:r>
-            <a:r>
-              <a:rPr lang="en-GB" sz="2800" dirty="0"/>
-              <a:t> and returns  logical</a:t>
-            </a:r>
-          </a:p>
-          <a:p>
-            <a:r>
-              <a:rPr lang="en-GB" sz="2800" dirty="0"/>
-              <a:t>Can be combined</a:t>
-            </a:r>
-          </a:p>
-          <a:p>
-            <a:pPr lvl="1"/>
-            <a:r>
-              <a:rPr lang="en-GB" dirty="0"/>
-              <a:t>Easiest to use parentheses</a:t>
-            </a:r>
+              <a:t>Comparison operators compare two values and return a logical</a:t>
+            </a:r>
+            <a:endParaRPr lang="en-GB" dirty="0"/>
           </a:p>
           <a:p>
             <a:pPr marL="0" indent="0">
@@ -18298,7 +18028,7 @@
             </a:pPr>
             <a:r>
               <a:rPr lang="en-GB" sz="2800" dirty="0"/>
-              <a:t>logical2 = .not. logical1</a:t>
+              <a:t>logical1 = real1==real2</a:t>
             </a:r>
           </a:p>
           <a:p>
@@ -18307,7 +18037,7 @@
             </a:pPr>
             <a:r>
               <a:rPr lang="en-GB" sz="2800" dirty="0"/>
-              <a:t>logical3 = logical1 .and. logical2</a:t>
+              <a:t>logical1 = real1 &gt; real2</a:t>
             </a:r>
           </a:p>
           <a:p>
@@ -18316,7 +18046,7 @@
             </a:pPr>
             <a:r>
               <a:rPr lang="en-GB" sz="2800" dirty="0"/>
-              <a:t>logical3 = logical1 .or. logical2</a:t>
+              <a:t>logical1 = real1 &lt;= real2</a:t>
             </a:r>
           </a:p>
           <a:p>
@@ -18325,8 +18055,54 @@
             </a:pPr>
             <a:r>
               <a:rPr lang="en-GB" sz="2800" dirty="0"/>
-              <a:t>logical3 = .not. (logical1 .and. logical2)</a:t>
-            </a:r>
+              <a:t>logical1 = real1/=real2</a:t>
+            </a:r>
+          </a:p>
+          <a:p>
+            <a:pPr marL="0" indent="0">
+              <a:buNone/>
+            </a:pPr>
+            <a:r>
+              <a:rPr lang="en-GB" sz="2800" dirty="0"/>
+              <a:t>logical3 = logical1 .</a:t>
+            </a:r>
+            <a:r>
+              <a:rPr lang="en-GB" sz="2800" dirty="0" err="1"/>
+              <a:t>eqv</a:t>
+            </a:r>
+            <a:r>
+              <a:rPr lang="en-GB" sz="2800" dirty="0"/>
+              <a:t>. logical2</a:t>
+            </a:r>
+          </a:p>
+          <a:p>
+            <a:pPr marL="0" indent="0">
+              <a:buNone/>
+            </a:pPr>
+            <a:r>
+              <a:rPr lang="en-GB" sz="2800" dirty="0"/>
+              <a:t>logical3 = logical1 .</a:t>
+            </a:r>
+            <a:r>
+              <a:rPr lang="en-GB" sz="2800" dirty="0" err="1"/>
+              <a:t>neqv</a:t>
+            </a:r>
+            <a:r>
+              <a:rPr lang="en-GB" sz="2800" dirty="0"/>
+              <a:t>. logical2</a:t>
+            </a:r>
+          </a:p>
+          <a:p>
+            <a:pPr marL="0" indent="0">
+              <a:buNone/>
+            </a:pPr>
+            <a:endParaRPr lang="en-GB" sz="2800" dirty="0"/>
+          </a:p>
+          <a:p>
+            <a:pPr marL="0" indent="0">
+              <a:buNone/>
+            </a:pPr>
+            <a:endParaRPr lang="en-GB" sz="2800" dirty="0"/>
           </a:p>
           <a:p>
             <a:pPr marL="0" indent="0">
@@ -18390,7 +18166,7 @@
     </p:spTree>
     <p:extLst>
       <p:ext uri="{BB962C8B-B14F-4D97-AF65-F5344CB8AC3E}">
-        <p14:creationId xmlns:p14="http://schemas.microsoft.com/office/powerpoint/2010/main" val="3749303348"/>
+        <p14:creationId xmlns:p14="http://schemas.microsoft.com/office/powerpoint/2010/main" val="933885824"/>
       </p:ext>
     </p:extLst>
   </p:cSld>
@@ -18497,6 +18273,9 @@
           <a:p>
             <a:r>
               <a:rPr lang="en-US" sz="2200" u="sng">
+                <a:solidFill>
+                  <a:schemeClr val="tx1"/>
+                </a:solidFill>
                 <a:ea typeface="+mj-lt"/>
                 <a:cs typeface="+mj-lt"/>
               </a:rPr>
@@ -18509,31 +18288,21 @@
               <a:buChar char="•"/>
             </a:pPr>
             <a:r>
-              <a:rPr lang="en-GB" sz="2200">
+              <a:rPr lang="en-GB" sz="2200" b="0" i="0">
+                <a:solidFill>
+                  <a:schemeClr val="tx1"/>
+                </a:solidFill>
+                <a:effectLst/>
                 <a:latin typeface="+mn-lt"/>
-                <a:ea typeface="Calibri" panose="020F0502020204030204" pitchFamily="34" charset="0"/>
-                <a:cs typeface="Times New Roman"/>
               </a:rPr>
-              <a:t>You are expected to wear a face covering </a:t>
-            </a:r>
-            <a:endParaRPr lang="en-GB" sz="2200"/>
-          </a:p>
-          <a:p>
-            <a:pPr marL="457200" indent="-457200">
-              <a:buFont typeface="Arial" panose="020B0604020202020204" pitchFamily="34" charset="0"/>
-              <a:buChar char="•"/>
-            </a:pPr>
-            <a:r>
-              <a:rPr lang="en-US" sz="2200">
-                <a:ea typeface="+mj-lt"/>
-                <a:cs typeface="+mj-lt"/>
-              </a:rPr>
-              <a:t>Tutors will deliver their workshop 2 meters distance from you </a:t>
+              <a:t>While infection rates remain high, we encourage all members of our community to continue wearing face coverings in most indoor settings on campus, including Graduate School workshops</a:t>
             </a:r>
           </a:p>
           <a:p>
             <a:endParaRPr lang="en-US" sz="2200" u="sng">
-              <a:latin typeface="+mn-lt"/>
+              <a:solidFill>
+                <a:schemeClr val="tx1"/>
+              </a:solidFill>
               <a:ea typeface="+mj-lt"/>
               <a:cs typeface="+mj-lt"/>
             </a:endParaRPr>
@@ -18541,6 +18310,9 @@
           <a:p>
             <a:r>
               <a:rPr lang="en-US" sz="2200" u="sng">
+                <a:solidFill>
+                  <a:schemeClr val="tx1"/>
+                </a:solidFill>
                 <a:latin typeface="+mn-lt"/>
                 <a:ea typeface="+mj-lt"/>
                 <a:cs typeface="+mj-lt"/>
@@ -18548,6 +18320,9 @@
               <a:t>Hygiene</a:t>
             </a:r>
             <a:endParaRPr lang="en-GB" sz="2200" u="sng">
+              <a:solidFill>
+                <a:schemeClr val="tx1"/>
+              </a:solidFill>
               <a:latin typeface="+mn-lt"/>
               <a:ea typeface="Calibri" panose="020F0502020204030204" pitchFamily="34" charset="0"/>
               <a:cs typeface="Times New Roman"/>
@@ -18559,33 +18334,31 @@
               <a:buChar char="•"/>
             </a:pPr>
             <a:r>
-              <a:rPr lang="en-US" sz="2200"/>
+              <a:rPr lang="en-US" sz="2200">
+                <a:solidFill>
+                  <a:schemeClr val="tx1"/>
+                </a:solidFill>
+              </a:rPr>
               <a:t>Where hand </a:t>
             </a:r>
             <a:r>
-              <a:rPr lang="en-US" sz="2200" err="1"/>
+              <a:rPr lang="en-US" sz="2200" err="1">
+                <a:solidFill>
+                  <a:schemeClr val="tx1"/>
+                </a:solidFill>
+              </a:rPr>
               <a:t>sanitiser</a:t>
             </a:r>
             <a:r>
-              <a:rPr lang="en-US" sz="2200"/>
+              <a:rPr lang="en-US" sz="2200">
+                <a:solidFill>
+                  <a:schemeClr val="tx1"/>
+                </a:solidFill>
+              </a:rPr>
               <a:t> is available, please use it</a:t>
             </a:r>
           </a:p>
           <a:p>
-            <a:pPr marL="457200" indent="-457200">
-              <a:buFont typeface="Arial" panose="020B0604020202020204" pitchFamily="34" charset="0"/>
-              <a:buChar char="•"/>
-            </a:pPr>
-            <a:r>
-              <a:rPr lang="en-US" sz="2200"/>
-              <a:t>Please wipe down any communal/shared course materials/equipment </a:t>
-            </a:r>
-          </a:p>
-          <a:p>
-            <a:pPr marL="457200" indent="-457200">
-              <a:buFont typeface="Arial" panose="020B0604020202020204" pitchFamily="34" charset="0"/>
-              <a:buChar char="•"/>
-            </a:pPr>
             <a:endParaRPr lang="en-US" sz="2400"/>
           </a:p>
         </p:txBody>
@@ -18593,7 +18366,7 @@
     </p:spTree>
     <p:extLst>
       <p:ext uri="{BB962C8B-B14F-4D97-AF65-F5344CB8AC3E}">
-        <p14:creationId xmlns:p14="http://schemas.microsoft.com/office/powerpoint/2010/main" val="3349666574"/>
+        <p14:creationId xmlns:p14="http://schemas.microsoft.com/office/powerpoint/2010/main" val="70908208"/>
       </p:ext>
     </p:extLst>
   </p:cSld>
@@ -18637,7 +18410,7 @@
           <a:p>
             <a:r>
               <a:rPr lang="en-GB" sz="4000" dirty="0"/>
-              <a:t>Comparison Operators</a:t>
+              <a:t>Precision and Comparison</a:t>
             </a:r>
           </a:p>
         </p:txBody>
@@ -18666,91 +18439,47 @@
           <a:p>
             <a:r>
               <a:rPr lang="en-GB" sz="2800" dirty="0"/>
-              <a:t>Comparison operators compare two values and return a logical</a:t>
-            </a:r>
-            <a:endParaRPr lang="en-GB" dirty="0"/>
-          </a:p>
-          <a:p>
-            <a:pPr marL="0" indent="0">
-              <a:buNone/>
-            </a:pPr>
-            <a:endParaRPr lang="en-GB" sz="2800" dirty="0"/>
-          </a:p>
-          <a:p>
-            <a:pPr marL="0" indent="0">
-              <a:buNone/>
-            </a:pPr>
+              <a:t>Reals in Fortran will often be approximations to values</a:t>
+            </a:r>
+          </a:p>
+          <a:p>
             <a:r>
               <a:rPr lang="en-GB" sz="2800" dirty="0"/>
-              <a:t>logical1 = real1==real2</a:t>
-            </a:r>
-          </a:p>
-          <a:p>
-            <a:pPr marL="0" indent="0">
-              <a:buNone/>
-            </a:pPr>
+              <a:t>Means comparing reals will not always behave as expected</a:t>
+            </a:r>
+          </a:p>
+          <a:p>
             <a:r>
               <a:rPr lang="en-GB" sz="2800" dirty="0"/>
-              <a:t>logical1 = real1 &gt; real2</a:t>
-            </a:r>
-          </a:p>
-          <a:p>
-            <a:pPr marL="0" indent="0">
-              <a:buNone/>
-            </a:pPr>
+              <a:t>Care should be taken when comparing reals</a:t>
+            </a:r>
+          </a:p>
+          <a:p>
+            <a:pPr lvl="1"/>
+            <a:r>
+              <a:rPr lang="en-GB" sz="2400" dirty="0"/>
+              <a:t>Calculations, rounding an approximations may mean values are not exactly what you expect</a:t>
+            </a:r>
+          </a:p>
+          <a:p>
             <a:r>
               <a:rPr lang="en-GB" sz="2800" dirty="0"/>
-              <a:t>logical1 = real1 &lt;= real2</a:t>
-            </a:r>
-          </a:p>
-          <a:p>
-            <a:pPr marL="0" indent="0">
-              <a:buNone/>
-            </a:pPr>
-            <a:r>
-              <a:rPr lang="en-GB" sz="2800" dirty="0"/>
-              <a:t>logical1 = real1/=real2</a:t>
-            </a:r>
-          </a:p>
-          <a:p>
-            <a:pPr marL="0" indent="0">
-              <a:buNone/>
-            </a:pPr>
-            <a:r>
-              <a:rPr lang="en-GB" sz="2800" dirty="0"/>
-              <a:t>logical3 = logical1 .</a:t>
-            </a:r>
-            <a:r>
-              <a:rPr lang="en-GB" sz="2800" dirty="0" err="1"/>
-              <a:t>eqv</a:t>
-            </a:r>
-            <a:r>
-              <a:rPr lang="en-GB" sz="2800" dirty="0"/>
-              <a:t>. logical2</a:t>
-            </a:r>
-          </a:p>
-          <a:p>
-            <a:pPr marL="0" indent="0">
-              <a:buNone/>
-            </a:pPr>
-            <a:r>
-              <a:rPr lang="en-GB" sz="2800" dirty="0"/>
-              <a:t>logical3 = logical1 .</a:t>
-            </a:r>
-            <a:r>
-              <a:rPr lang="en-GB" sz="2800" dirty="0" err="1"/>
-              <a:t>neqv</a:t>
-            </a:r>
-            <a:r>
-              <a:rPr lang="en-GB" sz="2800" dirty="0"/>
-              <a:t>. logical2</a:t>
-            </a:r>
-          </a:p>
-          <a:p>
-            <a:pPr marL="0" indent="0">
-              <a:buNone/>
-            </a:pPr>
-            <a:endParaRPr lang="en-GB" sz="2800" dirty="0"/>
+              <a:t>Reals may be declared to have higher precision</a:t>
+            </a:r>
+          </a:p>
+          <a:p>
+            <a:pPr lvl="1"/>
+            <a:r>
+              <a:rPr lang="en-GB" sz="2400" dirty="0"/>
+              <a:t>Doesn’t fundamentally solve this problem</a:t>
+            </a:r>
+          </a:p>
+          <a:p>
+            <a:pPr lvl="1"/>
+            <a:r>
+              <a:rPr lang="en-GB" sz="2400" dirty="0"/>
+              <a:t>Reduces effects of inaccuracy</a:t>
+            </a:r>
           </a:p>
           <a:p>
             <a:pPr marL="0" indent="0">
@@ -18820,7 +18549,7 @@
     </p:spTree>
     <p:extLst>
       <p:ext uri="{BB962C8B-B14F-4D97-AF65-F5344CB8AC3E}">
-        <p14:creationId xmlns:p14="http://schemas.microsoft.com/office/powerpoint/2010/main" val="933885824"/>
+        <p14:creationId xmlns:p14="http://schemas.microsoft.com/office/powerpoint/2010/main" val="1654254681"/>
       </p:ext>
     </p:extLst>
   </p:cSld>
@@ -18872,7 +18601,7 @@
           <a:p>
             <a:r>
               <a:rPr lang="en-GB" sz="4000" dirty="0"/>
-              <a:t>Precision and Comparison</a:t>
+              <a:t>Conditionals</a:t>
             </a:r>
           </a:p>
         </p:txBody>
@@ -18901,47 +18630,21 @@
           <a:p>
             <a:r>
               <a:rPr lang="en-GB" sz="2800" dirty="0"/>
-              <a:t>Reals in Fortran will often be approximations to values</a:t>
+              <a:t>Conditionals allow the flow of a program to be controlled through the value of logical expressions</a:t>
             </a:r>
           </a:p>
           <a:p>
             <a:r>
               <a:rPr lang="en-GB" sz="2800" dirty="0"/>
-              <a:t>Means comparing reals will not always behave as expected</a:t>
+              <a:t>Vital for structuring your code to handle different cases</a:t>
             </a:r>
           </a:p>
           <a:p>
             <a:r>
               <a:rPr lang="en-GB" sz="2800" dirty="0"/>
-              <a:t>Care should be taken when comparing reals</a:t>
-            </a:r>
-          </a:p>
-          <a:p>
-            <a:pPr lvl="1"/>
-            <a:r>
-              <a:rPr lang="en-GB" sz="2400" dirty="0"/>
-              <a:t>Calculations, rounding an approximations may mean values are not exactly what you expect</a:t>
-            </a:r>
-          </a:p>
-          <a:p>
-            <a:r>
-              <a:rPr lang="en-GB" sz="2800" dirty="0"/>
-              <a:t>Reals may be declared to have higher precision</a:t>
-            </a:r>
-          </a:p>
-          <a:p>
-            <a:pPr lvl="1"/>
-            <a:r>
-              <a:rPr lang="en-GB" sz="2400" dirty="0"/>
-              <a:t>Doesn’t fundamentally solve this problem</a:t>
-            </a:r>
-          </a:p>
-          <a:p>
-            <a:pPr lvl="1"/>
-            <a:r>
-              <a:rPr lang="en-GB" sz="2400" dirty="0"/>
-              <a:t>Reduces effects of inaccuracy</a:t>
-            </a:r>
+              <a:t>Most common is the “if”, “else if”, “else” construct</a:t>
+            </a:r>
+            <a:endParaRPr lang="en-GB" sz="2400" dirty="0"/>
           </a:p>
           <a:p>
             <a:pPr marL="0" indent="0">
@@ -19011,7 +18714,7 @@
     </p:spTree>
     <p:extLst>
       <p:ext uri="{BB962C8B-B14F-4D97-AF65-F5344CB8AC3E}">
-        <p14:creationId xmlns:p14="http://schemas.microsoft.com/office/powerpoint/2010/main" val="1654254681"/>
+        <p14:creationId xmlns:p14="http://schemas.microsoft.com/office/powerpoint/2010/main" val="2312507278"/>
       </p:ext>
     </p:extLst>
   </p:cSld>
@@ -19063,7 +18766,7 @@
           <a:p>
             <a:r>
               <a:rPr lang="en-GB" sz="4000" dirty="0"/>
-              <a:t>Conditionals</a:t>
+              <a:t>If, else if, else</a:t>
             </a:r>
           </a:p>
         </p:txBody>
@@ -19086,27 +18789,172 @@
         </p:spPr>
         <p:txBody>
           <a:bodyPr>
-            <a:normAutofit/>
+            <a:normAutofit fontScale="85000" lnSpcReduction="20000"/>
           </a:bodyPr>
           <a:lstStyle/>
           <a:p>
+            <a:pPr marL="0" indent="0">
+              <a:buNone/>
+            </a:pPr>
+            <a:r>
+              <a:rPr lang="en-GB" sz="2800" dirty="0">
+                <a:solidFill>
+                  <a:schemeClr val="accent1"/>
+                </a:solidFill>
+              </a:rPr>
+              <a:t>if</a:t>
+            </a:r>
             <a:r>
               <a:rPr lang="en-GB" sz="2800" dirty="0"/>
-              <a:t>Conditionals allow the flow of a program to be controlled through the value of logical expressions</a:t>
-            </a:r>
-          </a:p>
-          <a:p>
+              <a:t> (logical1)</a:t>
+            </a:r>
+            <a:r>
+              <a:rPr lang="en-GB" sz="2800" dirty="0">
+                <a:solidFill>
+                  <a:schemeClr val="accent1"/>
+                </a:solidFill>
+              </a:rPr>
+              <a:t>then</a:t>
+            </a:r>
+          </a:p>
+          <a:p>
+            <a:pPr marL="0" indent="0">
+              <a:buNone/>
+            </a:pPr>
             <a:r>
               <a:rPr lang="en-GB" sz="2800" dirty="0"/>
-              <a:t>Vital for structuring your code to handle different cases</a:t>
-            </a:r>
-          </a:p>
-          <a:p>
+              <a:t>	[code to be executed if [logical expression 1] true]</a:t>
+            </a:r>
+          </a:p>
+          <a:p>
+            <a:pPr marL="0" indent="0">
+              <a:buNone/>
+            </a:pPr>
+            <a:r>
+              <a:rPr lang="en-GB" sz="2800" dirty="0">
+                <a:solidFill>
+                  <a:schemeClr val="accent1"/>
+                </a:solidFill>
+              </a:rPr>
+              <a:t>else if </a:t>
+            </a:r>
             <a:r>
               <a:rPr lang="en-GB" sz="2800" dirty="0"/>
-              <a:t>Most common is the “if”, “else if”, “else” construct</a:t>
-            </a:r>
-            <a:endParaRPr lang="en-GB" sz="2400" dirty="0"/>
+              <a:t>(logical2) </a:t>
+            </a:r>
+            <a:r>
+              <a:rPr lang="en-GB" sz="2800" dirty="0">
+                <a:solidFill>
+                  <a:schemeClr val="accent1"/>
+                </a:solidFill>
+              </a:rPr>
+              <a:t>then</a:t>
+            </a:r>
+          </a:p>
+          <a:p>
+            <a:pPr marL="0" indent="0">
+              <a:buNone/>
+            </a:pPr>
+            <a:r>
+              <a:rPr lang="en-GB" sz="2800" dirty="0"/>
+              <a:t>	[code to be executed if logical1 false and logical2 true]</a:t>
+            </a:r>
+          </a:p>
+          <a:p>
+            <a:pPr marL="0" indent="0">
+              <a:buNone/>
+            </a:pPr>
+            <a:r>
+              <a:rPr lang="en-GB" sz="2800" dirty="0">
+                <a:solidFill>
+                  <a:schemeClr val="accent1"/>
+                </a:solidFill>
+              </a:rPr>
+              <a:t>else if </a:t>
+            </a:r>
+            <a:r>
+              <a:rPr lang="en-GB" sz="2800" dirty="0"/>
+              <a:t>(logical3) </a:t>
+            </a:r>
+            <a:r>
+              <a:rPr lang="en-GB" sz="2800" dirty="0">
+                <a:solidFill>
+                  <a:schemeClr val="accent1"/>
+                </a:solidFill>
+              </a:rPr>
+              <a:t>then</a:t>
+            </a:r>
+          </a:p>
+          <a:p>
+            <a:pPr marL="0" indent="0">
+              <a:buNone/>
+            </a:pPr>
+            <a:r>
+              <a:rPr lang="en-GB" sz="2800" dirty="0"/>
+              <a:t>	[code to be executed if logical 3 true and logical1 and logical2 false]</a:t>
+            </a:r>
+          </a:p>
+          <a:p>
+            <a:pPr marL="0" indent="0">
+              <a:buNone/>
+            </a:pPr>
+            <a:r>
+              <a:rPr lang="en-GB" sz="2800" dirty="0">
+                <a:solidFill>
+                  <a:schemeClr val="accent1"/>
+                </a:solidFill>
+              </a:rPr>
+              <a:t>else</a:t>
+            </a:r>
+          </a:p>
+          <a:p>
+            <a:pPr marL="0" indent="0">
+              <a:buNone/>
+            </a:pPr>
+            <a:r>
+              <a:rPr lang="en-GB" sz="2800" dirty="0"/>
+              <a:t>	[code to be executed if logical1, logical2 and logical3 false]</a:t>
+            </a:r>
+          </a:p>
+          <a:p>
+            <a:pPr marL="0" indent="0">
+              <a:buNone/>
+            </a:pPr>
+            <a:r>
+              <a:rPr lang="en-GB" sz="2800" dirty="0">
+                <a:solidFill>
+                  <a:schemeClr val="accent1"/>
+                </a:solidFill>
+              </a:rPr>
+              <a:t>end if</a:t>
+            </a:r>
+          </a:p>
+          <a:p>
+            <a:pPr marL="0" indent="0">
+              <a:buNone/>
+            </a:pPr>
+            <a:endParaRPr lang="en-GB" sz="2800" dirty="0"/>
+          </a:p>
+          <a:p>
+            <a:pPr marL="0" indent="0">
+              <a:buNone/>
+            </a:pPr>
+            <a:r>
+              <a:rPr lang="en-GB" sz="2800" dirty="0"/>
+              <a:t>[code to be executed next]</a:t>
+            </a:r>
+          </a:p>
+          <a:p>
+            <a:pPr marL="0" indent="0">
+              <a:buNone/>
+            </a:pPr>
+            <a:endParaRPr lang="en-GB" sz="2800" dirty="0"/>
+          </a:p>
+          <a:p>
+            <a:pPr marL="0" indent="0">
+              <a:buNone/>
+            </a:pPr>
+            <a:endParaRPr lang="en-GB" sz="2800" dirty="0"/>
           </a:p>
           <a:p>
             <a:pPr marL="0" indent="0">
@@ -19173,10 +19021,49 @@
           </a:p>
         </p:txBody>
       </p:sp>
+      <p:sp>
+        <p:nvSpPr>
+          <p:cNvPr id="5" name="TextBox 4">
+            <a:extLst>
+              <a:ext uri="{FF2B5EF4-FFF2-40B4-BE49-F238E27FC236}">
+                <a16:creationId xmlns:a16="http://schemas.microsoft.com/office/drawing/2014/main" id="{04802720-F440-41B7-9540-A28C8F9A507C}"/>
+              </a:ext>
+            </a:extLst>
+          </p:cNvPr>
+          <p:cNvSpPr txBox="1"/>
+          <p:nvPr/>
+        </p:nvSpPr>
+        <p:spPr>
+          <a:xfrm>
+            <a:off x="7357241" y="6498021"/>
+            <a:ext cx="1697422" cy="369332"/>
+          </a:xfrm>
+          <a:prstGeom prst="rect">
+            <a:avLst/>
+          </a:prstGeom>
+          <a:noFill/>
+        </p:spPr>
+        <p:txBody>
+          <a:bodyPr wrap="square" rtlCol="0">
+            <a:spAutoFit/>
+          </a:bodyPr>
+          <a:lstStyle/>
+          <a:p>
+            <a:r>
+              <a:rPr lang="en-GB" dirty="0">
+                <a:solidFill>
+                  <a:schemeClr val="accent2"/>
+                </a:solidFill>
+              </a:rPr>
+              <a:t>Problem Sheet</a:t>
+            </a:r>
+          </a:p>
+        </p:txBody>
+      </p:sp>
     </p:spTree>
     <p:extLst>
       <p:ext uri="{BB962C8B-B14F-4D97-AF65-F5344CB8AC3E}">
-        <p14:creationId xmlns:p14="http://schemas.microsoft.com/office/powerpoint/2010/main" val="2312507278"/>
+        <p14:creationId xmlns:p14="http://schemas.microsoft.com/office/powerpoint/2010/main" val="2539671263"/>
       </p:ext>
     </p:extLst>
   </p:cSld>
@@ -19228,355 +19115,6 @@
           <a:p>
             <a:r>
               <a:rPr lang="en-GB" sz="4000" dirty="0"/>
-              <a:t>If, else if, else</a:t>
-            </a:r>
-          </a:p>
-        </p:txBody>
-      </p:sp>
-      <p:sp>
-        <p:nvSpPr>
-          <p:cNvPr id="3" name="Content Placeholder 2"/>
-          <p:cNvSpPr>
-            <a:spLocks noGrp="1"/>
-          </p:cNvSpPr>
-          <p:nvPr>
-            <p:ph idx="1"/>
-          </p:nvPr>
-        </p:nvSpPr>
-        <p:spPr>
-          <a:xfrm>
-            <a:off x="457200" y="1600200"/>
-            <a:ext cx="8435280" cy="4876800"/>
-          </a:xfrm>
-        </p:spPr>
-        <p:txBody>
-          <a:bodyPr>
-            <a:normAutofit fontScale="85000" lnSpcReduction="20000"/>
-          </a:bodyPr>
-          <a:lstStyle/>
-          <a:p>
-            <a:pPr marL="0" indent="0">
-              <a:buNone/>
-            </a:pPr>
-            <a:r>
-              <a:rPr lang="en-GB" sz="2800" dirty="0">
-                <a:solidFill>
-                  <a:schemeClr val="accent1"/>
-                </a:solidFill>
-              </a:rPr>
-              <a:t>if</a:t>
-            </a:r>
-            <a:r>
-              <a:rPr lang="en-GB" sz="2800" dirty="0"/>
-              <a:t> (logical1)</a:t>
-            </a:r>
-            <a:r>
-              <a:rPr lang="en-GB" sz="2800" dirty="0">
-                <a:solidFill>
-                  <a:schemeClr val="accent1"/>
-                </a:solidFill>
-              </a:rPr>
-              <a:t>then</a:t>
-            </a:r>
-          </a:p>
-          <a:p>
-            <a:pPr marL="0" indent="0">
-              <a:buNone/>
-            </a:pPr>
-            <a:r>
-              <a:rPr lang="en-GB" sz="2800" dirty="0"/>
-              <a:t>	[code to be executed if [logical expression 1] true]</a:t>
-            </a:r>
-          </a:p>
-          <a:p>
-            <a:pPr marL="0" indent="0">
-              <a:buNone/>
-            </a:pPr>
-            <a:r>
-              <a:rPr lang="en-GB" sz="2800" dirty="0">
-                <a:solidFill>
-                  <a:schemeClr val="accent1"/>
-                </a:solidFill>
-              </a:rPr>
-              <a:t>else if </a:t>
-            </a:r>
-            <a:r>
-              <a:rPr lang="en-GB" sz="2800" dirty="0"/>
-              <a:t>(logical2) </a:t>
-            </a:r>
-            <a:r>
-              <a:rPr lang="en-GB" sz="2800" dirty="0">
-                <a:solidFill>
-                  <a:schemeClr val="accent1"/>
-                </a:solidFill>
-              </a:rPr>
-              <a:t>then</a:t>
-            </a:r>
-          </a:p>
-          <a:p>
-            <a:pPr marL="0" indent="0">
-              <a:buNone/>
-            </a:pPr>
-            <a:r>
-              <a:rPr lang="en-GB" sz="2800" dirty="0"/>
-              <a:t>	[code to be executed if logical1 false and logical2 true]</a:t>
-            </a:r>
-          </a:p>
-          <a:p>
-            <a:pPr marL="0" indent="0">
-              <a:buNone/>
-            </a:pPr>
-            <a:r>
-              <a:rPr lang="en-GB" sz="2800" dirty="0">
-                <a:solidFill>
-                  <a:schemeClr val="accent1"/>
-                </a:solidFill>
-              </a:rPr>
-              <a:t>else if </a:t>
-            </a:r>
-            <a:r>
-              <a:rPr lang="en-GB" sz="2800" dirty="0"/>
-              <a:t>(logical3) </a:t>
-            </a:r>
-            <a:r>
-              <a:rPr lang="en-GB" sz="2800" dirty="0">
-                <a:solidFill>
-                  <a:schemeClr val="accent1"/>
-                </a:solidFill>
-              </a:rPr>
-              <a:t>then</a:t>
-            </a:r>
-          </a:p>
-          <a:p>
-            <a:pPr marL="0" indent="0">
-              <a:buNone/>
-            </a:pPr>
-            <a:r>
-              <a:rPr lang="en-GB" sz="2800" dirty="0"/>
-              <a:t>	[code to be executed if logical 3 true and logical1 and logical2 false]</a:t>
-            </a:r>
-          </a:p>
-          <a:p>
-            <a:pPr marL="0" indent="0">
-              <a:buNone/>
-            </a:pPr>
-            <a:r>
-              <a:rPr lang="en-GB" sz="2800" dirty="0">
-                <a:solidFill>
-                  <a:schemeClr val="accent1"/>
-                </a:solidFill>
-              </a:rPr>
-              <a:t>else</a:t>
-            </a:r>
-          </a:p>
-          <a:p>
-            <a:pPr marL="0" indent="0">
-              <a:buNone/>
-            </a:pPr>
-            <a:r>
-              <a:rPr lang="en-GB" sz="2800" dirty="0"/>
-              <a:t>	[code to be executed if logical1, logical2 and logical3 false]</a:t>
-            </a:r>
-          </a:p>
-          <a:p>
-            <a:pPr marL="0" indent="0">
-              <a:buNone/>
-            </a:pPr>
-            <a:r>
-              <a:rPr lang="en-GB" sz="2800" dirty="0">
-                <a:solidFill>
-                  <a:schemeClr val="accent1"/>
-                </a:solidFill>
-              </a:rPr>
-              <a:t>end if</a:t>
-            </a:r>
-          </a:p>
-          <a:p>
-            <a:pPr marL="0" indent="0">
-              <a:buNone/>
-            </a:pPr>
-            <a:endParaRPr lang="en-GB" sz="2800" dirty="0"/>
-          </a:p>
-          <a:p>
-            <a:pPr marL="0" indent="0">
-              <a:buNone/>
-            </a:pPr>
-            <a:r>
-              <a:rPr lang="en-GB" sz="2800" dirty="0"/>
-              <a:t>[code to be executed next]</a:t>
-            </a:r>
-          </a:p>
-          <a:p>
-            <a:pPr marL="0" indent="0">
-              <a:buNone/>
-            </a:pPr>
-            <a:endParaRPr lang="en-GB" sz="2800" dirty="0"/>
-          </a:p>
-          <a:p>
-            <a:pPr marL="0" indent="0">
-              <a:buNone/>
-            </a:pPr>
-            <a:endParaRPr lang="en-GB" sz="2800" dirty="0"/>
-          </a:p>
-          <a:p>
-            <a:pPr marL="0" indent="0">
-              <a:buNone/>
-            </a:pPr>
-            <a:endParaRPr lang="en-GB" sz="2800" dirty="0"/>
-          </a:p>
-          <a:p>
-            <a:pPr marL="0" indent="0">
-              <a:buNone/>
-            </a:pPr>
-            <a:endParaRPr lang="en-GB" sz="2600" dirty="0"/>
-          </a:p>
-          <a:p>
-            <a:pPr marL="0" indent="0">
-              <a:buNone/>
-            </a:pPr>
-            <a:endParaRPr lang="en-GB" sz="2600" dirty="0"/>
-          </a:p>
-          <a:p>
-            <a:pPr marL="0" indent="0">
-              <a:buNone/>
-            </a:pPr>
-            <a:endParaRPr lang="en-GB" sz="3000" dirty="0"/>
-          </a:p>
-        </p:txBody>
-      </p:sp>
-      <p:sp>
-        <p:nvSpPr>
-          <p:cNvPr id="4" name="TextBox 3">
-            <a:extLst>
-              <a:ext uri="{FF2B5EF4-FFF2-40B4-BE49-F238E27FC236}">
-                <a16:creationId xmlns:a16="http://schemas.microsoft.com/office/drawing/2014/main" id="{6FAB0CB6-79B2-4901-AFD9-92C5A0C9BFEB}"/>
-              </a:ext>
-            </a:extLst>
-          </p:cNvPr>
-          <p:cNvSpPr txBox="1"/>
-          <p:nvPr/>
-        </p:nvSpPr>
-        <p:spPr>
-          <a:xfrm>
-            <a:off x="5728138" y="6498021"/>
-            <a:ext cx="1765738" cy="369332"/>
-          </a:xfrm>
-          <a:prstGeom prst="rect">
-            <a:avLst/>
-          </a:prstGeom>
-          <a:noFill/>
-        </p:spPr>
-        <p:txBody>
-          <a:bodyPr wrap="square" rtlCol="0">
-            <a:spAutoFit/>
-          </a:bodyPr>
-          <a:lstStyle/>
-          <a:p>
-            <a:r>
-              <a:rPr lang="en-GB" dirty="0">
-                <a:solidFill>
-                  <a:schemeClr val="accent1"/>
-                </a:solidFill>
-              </a:rPr>
-              <a:t>Demonstration</a:t>
-            </a:r>
-          </a:p>
-        </p:txBody>
-      </p:sp>
-      <p:sp>
-        <p:nvSpPr>
-          <p:cNvPr id="5" name="TextBox 4">
-            <a:extLst>
-              <a:ext uri="{FF2B5EF4-FFF2-40B4-BE49-F238E27FC236}">
-                <a16:creationId xmlns:a16="http://schemas.microsoft.com/office/drawing/2014/main" id="{04802720-F440-41B7-9540-A28C8F9A507C}"/>
-              </a:ext>
-            </a:extLst>
-          </p:cNvPr>
-          <p:cNvSpPr txBox="1"/>
-          <p:nvPr/>
-        </p:nvSpPr>
-        <p:spPr>
-          <a:xfrm>
-            <a:off x="7357241" y="6498021"/>
-            <a:ext cx="1697422" cy="369332"/>
-          </a:xfrm>
-          <a:prstGeom prst="rect">
-            <a:avLst/>
-          </a:prstGeom>
-          <a:noFill/>
-        </p:spPr>
-        <p:txBody>
-          <a:bodyPr wrap="square" rtlCol="0">
-            <a:spAutoFit/>
-          </a:bodyPr>
-          <a:lstStyle/>
-          <a:p>
-            <a:r>
-              <a:rPr lang="en-GB" dirty="0">
-                <a:solidFill>
-                  <a:schemeClr val="accent2"/>
-                </a:solidFill>
-              </a:rPr>
-              <a:t>Problem Sheet</a:t>
-            </a:r>
-          </a:p>
-        </p:txBody>
-      </p:sp>
-    </p:spTree>
-    <p:extLst>
-      <p:ext uri="{BB962C8B-B14F-4D97-AF65-F5344CB8AC3E}">
-        <p14:creationId xmlns:p14="http://schemas.microsoft.com/office/powerpoint/2010/main" val="2539671263"/>
-      </p:ext>
-    </p:extLst>
-  </p:cSld>
-  <p:clrMapOvr>
-    <a:masterClrMapping/>
-  </p:clrMapOvr>
-  <mc:AlternateContent xmlns:mc="http://schemas.openxmlformats.org/markup-compatibility/2006" xmlns:p14="http://schemas.microsoft.com/office/powerpoint/2010/main">
-    <mc:Choice Requires="p14">
-      <p:transition p14:dur="10"/>
-    </mc:Choice>
-    <mc:Fallback xmlns="">
-      <p:transition/>
-    </mc:Fallback>
-  </mc:AlternateContent>
-</p:sld>
-</file>
-
-<file path=ppt/slides/slide34.xml><?xml version="1.0" encoding="utf-8"?>
-<p:sld xmlns:a="http://schemas.openxmlformats.org/drawingml/2006/main" xmlns:r="http://schemas.openxmlformats.org/officeDocument/2006/relationships" xmlns:p="http://schemas.openxmlformats.org/presentationml/2006/main">
-  <p:cSld>
-    <p:spTree>
-      <p:nvGrpSpPr>
-        <p:cNvPr id="1" name=""/>
-        <p:cNvGrpSpPr/>
-        <p:nvPr/>
-      </p:nvGrpSpPr>
-      <p:grpSpPr>
-        <a:xfrm>
-          <a:off x="0" y="0"/>
-          <a:ext cx="0" cy="0"/>
-          <a:chOff x="0" y="0"/>
-          <a:chExt cx="0" cy="0"/>
-        </a:xfrm>
-      </p:grpSpPr>
-      <p:sp>
-        <p:nvSpPr>
-          <p:cNvPr id="2" name="Title 1"/>
-          <p:cNvSpPr>
-            <a:spLocks noGrp="1"/>
-          </p:cNvSpPr>
-          <p:nvPr>
-            <p:ph type="title"/>
-          </p:nvPr>
-        </p:nvSpPr>
-        <p:spPr/>
-        <p:txBody>
-          <a:bodyPr/>
-          <a:lstStyle/>
-          <a:p>
-            <a:r>
-              <a:rPr lang="en-GB" sz="4000" dirty="0"/>
               <a:t>Loops</a:t>
             </a:r>
           </a:p>
@@ -19676,7 +19214,7 @@
 </p:sld>
 </file>
 
-<file path=ppt/slides/slide35.xml><?xml version="1.0" encoding="utf-8"?>
+<file path=ppt/slides/slide34.xml><?xml version="1.0" encoding="utf-8"?>
 <p:sld xmlns:a="http://schemas.openxmlformats.org/drawingml/2006/main" xmlns:r="http://schemas.openxmlformats.org/officeDocument/2006/relationships" xmlns:p="http://schemas.openxmlformats.org/presentationml/2006/main">
   <p:cSld>
     <p:spTree>
@@ -20297,7 +19835,7 @@
 </p:sld>
 </file>
 
-<file path=ppt/slides/slide36.xml><?xml version="1.0" encoding="utf-8"?>
+<file path=ppt/slides/slide35.xml><?xml version="1.0" encoding="utf-8"?>
 <p:sld xmlns:a="http://schemas.openxmlformats.org/drawingml/2006/main" xmlns:r="http://schemas.openxmlformats.org/officeDocument/2006/relationships" xmlns:p="http://schemas.openxmlformats.org/presentationml/2006/main">
   <p:cSld>
     <p:spTree>
@@ -20724,7 +20262,7 @@
 </p:sld>
 </file>
 
-<file path=ppt/slides/slide37.xml><?xml version="1.0" encoding="utf-8"?>
+<file path=ppt/slides/slide36.xml><?xml version="1.0" encoding="utf-8"?>
 <p:sld xmlns:a="http://schemas.openxmlformats.org/drawingml/2006/main" xmlns:r="http://schemas.openxmlformats.org/officeDocument/2006/relationships" xmlns:p="http://schemas.openxmlformats.org/presentationml/2006/main">
   <p:cSld>
     <p:spTree>
@@ -20838,7 +20376,7 @@
 </p:sld>
 </file>
 
-<file path=ppt/slides/slide38.xml><?xml version="1.0" encoding="utf-8"?>
+<file path=ppt/slides/slide37.xml><?xml version="1.0" encoding="utf-8"?>
 <p:sld xmlns:a="http://schemas.openxmlformats.org/drawingml/2006/main" xmlns:r="http://schemas.openxmlformats.org/officeDocument/2006/relationships" xmlns:p="http://schemas.openxmlformats.org/presentationml/2006/main">
   <p:cSld>
     <p:spTree>
@@ -20938,7 +20476,7 @@
 </p:sld>
 </file>
 
-<file path=ppt/slides/slide39.xml><?xml version="1.0" encoding="utf-8"?>
+<file path=ppt/slides/slide38.xml><?xml version="1.0" encoding="utf-8"?>
 <p:sld xmlns:a="http://schemas.openxmlformats.org/drawingml/2006/main" xmlns:r="http://schemas.openxmlformats.org/officeDocument/2006/relationships" xmlns:p="http://schemas.openxmlformats.org/presentationml/2006/main">
   <p:cSld>
     <p:spTree>
@@ -21363,156 +20901,7 @@
 </p:sld>
 </file>
 
-<file path=ppt/slides/slide4.xml><?xml version="1.0" encoding="utf-8"?>
-<p:sld xmlns:a="http://schemas.openxmlformats.org/drawingml/2006/main" xmlns:r="http://schemas.openxmlformats.org/officeDocument/2006/relationships" xmlns:p="http://schemas.openxmlformats.org/presentationml/2006/main">
-  <p:cSld>
-    <p:spTree>
-      <p:nvGrpSpPr>
-        <p:cNvPr id="1" name=""/>
-        <p:cNvGrpSpPr/>
-        <p:nvPr/>
-      </p:nvGrpSpPr>
-      <p:grpSpPr>
-        <a:xfrm>
-          <a:off x="0" y="0"/>
-          <a:ext cx="0" cy="0"/>
-          <a:chOff x="0" y="0"/>
-          <a:chExt cx="0" cy="0"/>
-        </a:xfrm>
-      </p:grpSpPr>
-      <p:sp>
-        <p:nvSpPr>
-          <p:cNvPr id="4" name="Title 1"/>
-          <p:cNvSpPr txBox="1">
-            <a:spLocks/>
-          </p:cNvSpPr>
-          <p:nvPr/>
-        </p:nvSpPr>
-        <p:spPr>
-          <a:xfrm>
-            <a:off x="401319" y="472966"/>
-            <a:ext cx="5558047" cy="930165"/>
-          </a:xfrm>
-          <a:prstGeom prst="rect">
-            <a:avLst/>
-          </a:prstGeom>
-        </p:spPr>
-        <p:txBody>
-          <a:bodyPr anchor="b"/>
-          <a:lstStyle>
-            <a:lvl1pPr algn="l" defTabSz="457200" rtl="0" eaLnBrk="1" latinLnBrk="0" hangingPunct="1">
-              <a:lnSpc>
-                <a:spcPct val="90000"/>
-              </a:lnSpc>
-              <a:spcBef>
-                <a:spcPct val="0"/>
-              </a:spcBef>
-              <a:buNone/>
-              <a:defRPr sz="4000" b="1" i="0" kern="1200" baseline="0">
-                <a:solidFill>
-                  <a:schemeClr val="tx2"/>
-                </a:solidFill>
-                <a:latin typeface="+mj-lt"/>
-                <a:ea typeface="+mj-ea"/>
-                <a:cs typeface="MetaOT-Bold"/>
-              </a:defRPr>
-            </a:lvl1pPr>
-          </a:lstStyle>
-          <a:p>
-            <a:r>
-              <a:rPr lang="en-US" sz="3200">
-                <a:solidFill>
-                  <a:schemeClr val="accent3"/>
-                </a:solidFill>
-              </a:rPr>
-              <a:t>Expectations:  Covid-safe teaching environments</a:t>
-            </a:r>
-          </a:p>
-        </p:txBody>
-      </p:sp>
-      <p:sp>
-        <p:nvSpPr>
-          <p:cNvPr id="5" name="Subtitle 2"/>
-          <p:cNvSpPr>
-            <a:spLocks noGrp="1"/>
-          </p:cNvSpPr>
-          <p:nvPr>
-            <p:ph type="subTitle" idx="1"/>
-          </p:nvPr>
-        </p:nvSpPr>
-        <p:spPr>
-          <a:xfrm>
-            <a:off x="189186" y="1450427"/>
-            <a:ext cx="8797158" cy="4020208"/>
-          </a:xfrm>
-        </p:spPr>
-        <p:txBody>
-          <a:bodyPr lIns="91440" tIns="45720" rIns="91440" bIns="45720" anchor="t"/>
-          <a:lstStyle/>
-          <a:p>
-            <a:r>
-              <a:rPr lang="en-US" sz="2200" u="sng"/>
-              <a:t>For the purpose of contact tracing</a:t>
-            </a:r>
-            <a:endParaRPr lang="en-US" sz="2200"/>
-          </a:p>
-          <a:p>
-            <a:endParaRPr lang="en-US" sz="2200"/>
-          </a:p>
-          <a:p>
-            <a:r>
-              <a:rPr lang="en-US" sz="2200"/>
-              <a:t>For our standard workshops:</a:t>
-            </a:r>
-          </a:p>
-          <a:p>
-            <a:pPr marL="342900" indent="-342900">
-              <a:buFont typeface="Arial" panose="020B0604020202020204" pitchFamily="34" charset="0"/>
-              <a:buChar char="•"/>
-            </a:pPr>
-            <a:r>
-              <a:rPr lang="en-US" sz="2200"/>
-              <a:t>We will provide the CCT Hub with the complete list of attendees at this workshop</a:t>
-            </a:r>
-          </a:p>
-          <a:p>
-            <a:endParaRPr lang="en-US" sz="2200"/>
-          </a:p>
-          <a:p>
-            <a:r>
-              <a:rPr lang="en-US" sz="2200"/>
-              <a:t>Where our workshops are held in lecture theatres:</a:t>
-            </a:r>
-          </a:p>
-          <a:p>
-            <a:pPr marL="342900" indent="-342900">
-              <a:buFont typeface="Arial" panose="020B0604020202020204" pitchFamily="34" charset="0"/>
-              <a:buChar char="•"/>
-            </a:pPr>
-            <a:r>
-              <a:rPr lang="en-US" sz="2200"/>
-              <a:t>You should keep a record of colleagues that you are sat in close contact with (within 2 meters)</a:t>
-            </a:r>
-          </a:p>
-          <a:p>
-            <a:endParaRPr lang="en-US"/>
-          </a:p>
-        </p:txBody>
-      </p:sp>
-    </p:spTree>
-    <p:extLst>
-      <p:ext uri="{BB962C8B-B14F-4D97-AF65-F5344CB8AC3E}">
-        <p14:creationId xmlns:p14="http://schemas.microsoft.com/office/powerpoint/2010/main" val="3010181281"/>
-      </p:ext>
-    </p:extLst>
-  </p:cSld>
-  <p:clrMapOvr>
-    <a:masterClrMapping/>
-  </p:clrMapOvr>
-</p:sld>
-</file>
-
-<file path=ppt/slides/slide40.xml><?xml version="1.0" encoding="utf-8"?>
+<file path=ppt/slides/slide39.xml><?xml version="1.0" encoding="utf-8"?>
 <p:sld xmlns:a="http://schemas.openxmlformats.org/drawingml/2006/main" xmlns:r="http://schemas.openxmlformats.org/officeDocument/2006/relationships" xmlns:p="http://schemas.openxmlformats.org/presentationml/2006/main">
   <p:cSld>
     <p:spTree>
@@ -21887,7 +21276,157 @@
 </p:sld>
 </file>
 
-<file path=ppt/slides/slide41.xml><?xml version="1.0" encoding="utf-8"?>
+<file path=ppt/slides/slide4.xml><?xml version="1.0" encoding="utf-8"?>
+<p:sld xmlns:a="http://schemas.openxmlformats.org/drawingml/2006/main" xmlns:r="http://schemas.openxmlformats.org/officeDocument/2006/relationships" xmlns:p="http://schemas.openxmlformats.org/presentationml/2006/main">
+  <p:cSld>
+    <p:spTree>
+      <p:nvGrpSpPr>
+        <p:cNvPr id="1" name=""/>
+        <p:cNvGrpSpPr/>
+        <p:nvPr/>
+      </p:nvGrpSpPr>
+      <p:grpSpPr>
+        <a:xfrm>
+          <a:off x="0" y="0"/>
+          <a:ext cx="0" cy="0"/>
+          <a:chOff x="0" y="0"/>
+          <a:chExt cx="0" cy="0"/>
+        </a:xfrm>
+      </p:grpSpPr>
+      <p:sp>
+        <p:nvSpPr>
+          <p:cNvPr id="2" name="Title 1"/>
+          <p:cNvSpPr>
+            <a:spLocks noGrp="1"/>
+          </p:cNvSpPr>
+          <p:nvPr>
+            <p:ph type="title"/>
+          </p:nvPr>
+        </p:nvSpPr>
+        <p:spPr/>
+        <p:txBody>
+          <a:bodyPr/>
+          <a:lstStyle/>
+          <a:p>
+            <a:r>
+              <a:rPr lang="en-GB" sz="4000" dirty="0"/>
+              <a:t>Learning Outcomes</a:t>
+            </a:r>
+          </a:p>
+        </p:txBody>
+      </p:sp>
+      <p:sp>
+        <p:nvSpPr>
+          <p:cNvPr id="3" name="Content Placeholder 2"/>
+          <p:cNvSpPr>
+            <a:spLocks noGrp="1"/>
+          </p:cNvSpPr>
+          <p:nvPr>
+            <p:ph idx="1"/>
+          </p:nvPr>
+        </p:nvSpPr>
+        <p:spPr>
+          <a:xfrm>
+            <a:off x="457200" y="1600200"/>
+            <a:ext cx="8435280" cy="4876800"/>
+          </a:xfrm>
+        </p:spPr>
+        <p:txBody>
+          <a:bodyPr>
+            <a:normAutofit fontScale="92500" lnSpcReduction="20000"/>
+          </a:bodyPr>
+          <a:lstStyle/>
+          <a:p>
+            <a:pPr marL="514350" lvl="0" indent="-514350">
+              <a:buAutoNum type="arabicPeriod"/>
+            </a:pPr>
+            <a:r>
+              <a:rPr lang="en-GB" b="1" dirty="0"/>
+              <a:t>Define</a:t>
+            </a:r>
+            <a:r>
+              <a:rPr lang="en-GB" dirty="0"/>
+              <a:t> the terms source file, compiler and executable,</a:t>
+            </a:r>
+          </a:p>
+          <a:p>
+            <a:pPr marL="514350" lvl="0" indent="-514350">
+              <a:buAutoNum type="arabicPeriod"/>
+            </a:pPr>
+            <a:r>
+              <a:rPr lang="en-GB" b="1" dirty="0"/>
+              <a:t>Use</a:t>
+            </a:r>
+            <a:r>
+              <a:rPr lang="en-GB" dirty="0"/>
+              <a:t> a compiler to create and run simple codes,</a:t>
+            </a:r>
+          </a:p>
+          <a:p>
+            <a:pPr marL="514350" lvl="0" indent="-514350">
+              <a:buAutoNum type="arabicPeriod"/>
+            </a:pPr>
+            <a:r>
+              <a:rPr lang="en-GB" b="1" dirty="0"/>
+              <a:t>Apply</a:t>
+            </a:r>
+            <a:r>
+              <a:rPr lang="en-GB" dirty="0"/>
+              <a:t> fundamental components of the Fortran language including variables, loops, conditionals and subroutines,</a:t>
+            </a:r>
+          </a:p>
+          <a:p>
+            <a:pPr marL="514350" lvl="0" indent="-514350">
+              <a:buAutoNum type="arabicPeriod"/>
+            </a:pPr>
+            <a:r>
+              <a:rPr lang="en-GB" b="1" dirty="0"/>
+              <a:t>Create</a:t>
+            </a:r>
+            <a:r>
+              <a:rPr lang="en-GB" dirty="0"/>
+              <a:t> programs designed to solve simple numerical problems</a:t>
+            </a:r>
+            <a:endParaRPr lang="en-GB" i="1" dirty="0"/>
+          </a:p>
+          <a:p>
+            <a:pPr marL="514350" lvl="0" indent="-514350">
+              <a:buAutoNum type="arabicPeriod"/>
+            </a:pPr>
+            <a:r>
+              <a:rPr lang="en-GB" b="1" dirty="0"/>
+              <a:t>Interpret</a:t>
+            </a:r>
+            <a:r>
+              <a:rPr lang="en-GB" dirty="0"/>
+              <a:t> common compiler and run-time errors and use these to help debug a program</a:t>
+            </a:r>
+            <a:endParaRPr lang="en-GB" sz="3000" dirty="0"/>
+          </a:p>
+        </p:txBody>
+      </p:sp>
+    </p:spTree>
+    <p:extLst>
+      <p:ext uri="{BB962C8B-B14F-4D97-AF65-F5344CB8AC3E}">
+        <p14:creationId xmlns:p14="http://schemas.microsoft.com/office/powerpoint/2010/main" val="3248724752"/>
+      </p:ext>
+    </p:extLst>
+  </p:cSld>
+  <p:clrMapOvr>
+    <a:masterClrMapping/>
+  </p:clrMapOvr>
+  <mc:AlternateContent xmlns:mc="http://schemas.openxmlformats.org/markup-compatibility/2006" xmlns:p14="http://schemas.microsoft.com/office/powerpoint/2010/main">
+    <mc:Choice Requires="p14">
+      <p:transition p14:dur="10"/>
+    </mc:Choice>
+    <mc:Fallback xmlns="">
+      <p:transition/>
+    </mc:Fallback>
+  </mc:AlternateContent>
+</p:sld>
+</file>
+
+<file path=ppt/slides/slide40.xml><?xml version="1.0" encoding="utf-8"?>
 <p:sld xmlns:a="http://schemas.openxmlformats.org/drawingml/2006/main" xmlns:r="http://schemas.openxmlformats.org/officeDocument/2006/relationships" xmlns:p="http://schemas.openxmlformats.org/presentationml/2006/main">
   <p:cSld>
     <p:spTree>
@@ -21999,7 +21538,7 @@
 </p:sld>
 </file>
 
-<file path=ppt/slides/slide42.xml><?xml version="1.0" encoding="utf-8"?>
+<file path=ppt/slides/slide41.xml><?xml version="1.0" encoding="utf-8"?>
 <p:sld xmlns:a="http://schemas.openxmlformats.org/drawingml/2006/main" xmlns:r="http://schemas.openxmlformats.org/officeDocument/2006/relationships" xmlns:p="http://schemas.openxmlformats.org/presentationml/2006/main">
   <p:cSld>
     <p:spTree>
@@ -22498,6 +22037,388 @@
 </p:sld>
 </file>
 
+<file path=ppt/slides/slide42.xml><?xml version="1.0" encoding="utf-8"?>
+<p:sld xmlns:a="http://schemas.openxmlformats.org/drawingml/2006/main" xmlns:r="http://schemas.openxmlformats.org/officeDocument/2006/relationships" xmlns:p="http://schemas.openxmlformats.org/presentationml/2006/main">
+  <p:cSld>
+    <p:spTree>
+      <p:nvGrpSpPr>
+        <p:cNvPr id="1" name=""/>
+        <p:cNvGrpSpPr/>
+        <p:nvPr/>
+      </p:nvGrpSpPr>
+      <p:grpSpPr>
+        <a:xfrm>
+          <a:off x="0" y="0"/>
+          <a:ext cx="0" cy="0"/>
+          <a:chOff x="0" y="0"/>
+          <a:chExt cx="0" cy="0"/>
+        </a:xfrm>
+      </p:grpSpPr>
+      <p:sp>
+        <p:nvSpPr>
+          <p:cNvPr id="2" name="Title 1"/>
+          <p:cNvSpPr>
+            <a:spLocks noGrp="1"/>
+          </p:cNvSpPr>
+          <p:nvPr>
+            <p:ph type="title"/>
+          </p:nvPr>
+        </p:nvSpPr>
+        <p:spPr/>
+        <p:txBody>
+          <a:bodyPr/>
+          <a:lstStyle/>
+          <a:p>
+            <a:r>
+              <a:rPr lang="en-GB" sz="4000" dirty="0"/>
+              <a:t>Functions - Calling</a:t>
+            </a:r>
+          </a:p>
+        </p:txBody>
+      </p:sp>
+      <p:sp>
+        <p:nvSpPr>
+          <p:cNvPr id="7" name="Content Placeholder 6">
+            <a:extLst>
+              <a:ext uri="{FF2B5EF4-FFF2-40B4-BE49-F238E27FC236}">
+                <a16:creationId xmlns:a16="http://schemas.microsoft.com/office/drawing/2014/main" id="{8704F1A3-720B-4123-B3B8-B6C05F8BAC14}"/>
+              </a:ext>
+            </a:extLst>
+          </p:cNvPr>
+          <p:cNvSpPr>
+            <a:spLocks noGrp="1"/>
+          </p:cNvSpPr>
+          <p:nvPr>
+            <p:ph idx="1"/>
+          </p:nvPr>
+        </p:nvSpPr>
+        <p:spPr>
+          <a:xfrm>
+            <a:off x="457200" y="1466440"/>
+            <a:ext cx="8131996" cy="4879931"/>
+          </a:xfrm>
+        </p:spPr>
+        <p:txBody>
+          <a:bodyPr/>
+          <a:lstStyle/>
+          <a:p>
+            <a:pPr marL="0" indent="0">
+              <a:buNone/>
+            </a:pPr>
+            <a:r>
+              <a:rPr lang="en-GB" sz="2400" dirty="0">
+                <a:solidFill>
+                  <a:schemeClr val="accent5"/>
+                </a:solidFill>
+              </a:rPr>
+              <a:t>real</a:t>
+            </a:r>
+            <a:r>
+              <a:rPr lang="en-GB" sz="2400" dirty="0"/>
+              <a:t>    ::  real1, real2</a:t>
+            </a:r>
+          </a:p>
+          <a:p>
+            <a:pPr marL="0" indent="0">
+              <a:buNone/>
+            </a:pPr>
+            <a:endParaRPr lang="en-GB" sz="2400" dirty="0"/>
+          </a:p>
+          <a:p>
+            <a:pPr marL="0" indent="0">
+              <a:buNone/>
+            </a:pPr>
+            <a:r>
+              <a:rPr lang="en-GB" sz="2400" dirty="0">
+                <a:solidFill>
+                  <a:schemeClr val="accent1"/>
+                </a:solidFill>
+              </a:rPr>
+              <a:t>print</a:t>
+            </a:r>
+            <a:r>
+              <a:rPr lang="en-GB" sz="2400" dirty="0"/>
+              <a:t>*, function_name1(</a:t>
+            </a:r>
+            <a:r>
+              <a:rPr lang="en-GB" sz="2400" dirty="0">
+                <a:solidFill>
+                  <a:schemeClr val="accent2"/>
+                </a:solidFill>
+              </a:rPr>
+              <a:t>2.0</a:t>
+            </a:r>
+            <a:r>
+              <a:rPr lang="en-GB" sz="2400" dirty="0"/>
+              <a:t>, </a:t>
+            </a:r>
+            <a:r>
+              <a:rPr lang="en-GB" sz="2400" dirty="0">
+                <a:solidFill>
+                  <a:schemeClr val="accent2"/>
+                </a:solidFill>
+              </a:rPr>
+              <a:t>4.0</a:t>
+            </a:r>
+            <a:r>
+              <a:rPr lang="en-GB" sz="2400" dirty="0"/>
+              <a:t>)</a:t>
+            </a:r>
+          </a:p>
+          <a:p>
+            <a:pPr marL="0" indent="0">
+              <a:buNone/>
+            </a:pPr>
+            <a:r>
+              <a:rPr lang="en-GB" sz="2400" dirty="0">
+                <a:solidFill>
+                  <a:schemeClr val="accent1"/>
+                </a:solidFill>
+              </a:rPr>
+              <a:t>print</a:t>
+            </a:r>
+            <a:r>
+              <a:rPr lang="en-GB" sz="2400" dirty="0"/>
+              <a:t>*, function_name2(</a:t>
+            </a:r>
+            <a:r>
+              <a:rPr lang="en-GB" sz="2400" dirty="0">
+                <a:solidFill>
+                  <a:schemeClr val="accent2"/>
+                </a:solidFill>
+              </a:rPr>
+              <a:t>1.0</a:t>
+            </a:r>
+            <a:r>
+              <a:rPr lang="en-GB" sz="2400" dirty="0"/>
+              <a:t>, </a:t>
+            </a:r>
+            <a:r>
+              <a:rPr lang="en-GB" sz="2400" dirty="0">
+                <a:solidFill>
+                  <a:schemeClr val="accent2"/>
+                </a:solidFill>
+              </a:rPr>
+              <a:t>3.0</a:t>
+            </a:r>
+            <a:r>
+              <a:rPr lang="en-GB" sz="2400" dirty="0"/>
+              <a:t>)</a:t>
+            </a:r>
+          </a:p>
+          <a:p>
+            <a:pPr marL="0" indent="0">
+              <a:buNone/>
+            </a:pPr>
+            <a:endParaRPr lang="en-GB" sz="2400" dirty="0"/>
+          </a:p>
+          <a:p>
+            <a:pPr marL="0" indent="0">
+              <a:buNone/>
+            </a:pPr>
+            <a:r>
+              <a:rPr lang="en-GB" sz="2400" dirty="0"/>
+              <a:t>real1=function_name1 (</a:t>
+            </a:r>
+            <a:r>
+              <a:rPr lang="en-GB" sz="2400" dirty="0">
+                <a:solidFill>
+                  <a:schemeClr val="accent2"/>
+                </a:solidFill>
+              </a:rPr>
+              <a:t>2.0</a:t>
+            </a:r>
+            <a:r>
+              <a:rPr lang="en-GB" sz="2400" dirty="0"/>
+              <a:t>, </a:t>
+            </a:r>
+            <a:r>
+              <a:rPr lang="en-GB" sz="2400" dirty="0">
+                <a:solidFill>
+                  <a:schemeClr val="accent2"/>
+                </a:solidFill>
+              </a:rPr>
+              <a:t>3.0</a:t>
+            </a:r>
+            <a:r>
+              <a:rPr lang="en-GB" sz="2400" dirty="0"/>
+              <a:t>)</a:t>
+            </a:r>
+          </a:p>
+          <a:p>
+            <a:pPr marL="0" indent="0">
+              <a:buNone/>
+            </a:pPr>
+            <a:r>
+              <a:rPr lang="en-GB" sz="2400" dirty="0"/>
+              <a:t>real2=function_name2(real1, real1/</a:t>
+            </a:r>
+            <a:r>
+              <a:rPr lang="en-GB" sz="2400" dirty="0">
+                <a:solidFill>
+                  <a:schemeClr val="accent2"/>
+                </a:solidFill>
+              </a:rPr>
+              <a:t>3.0</a:t>
+            </a:r>
+            <a:r>
+              <a:rPr lang="en-GB" sz="2400" dirty="0"/>
+              <a:t>)*</a:t>
+            </a:r>
+            <a:r>
+              <a:rPr lang="en-GB" sz="2400" dirty="0">
+                <a:solidFill>
+                  <a:schemeClr val="accent2"/>
+                </a:solidFill>
+              </a:rPr>
+              <a:t>2.0</a:t>
+            </a:r>
+          </a:p>
+          <a:p>
+            <a:pPr marL="0" indent="0">
+              <a:buNone/>
+            </a:pPr>
+            <a:br>
+              <a:rPr lang="en-GB" sz="2400" dirty="0"/>
+            </a:br>
+            <a:r>
+              <a:rPr lang="en-GB" sz="2400" dirty="0">
+                <a:solidFill>
+                  <a:schemeClr val="accent1"/>
+                </a:solidFill>
+              </a:rPr>
+              <a:t>print</a:t>
+            </a:r>
+            <a:r>
+              <a:rPr lang="en-GB" sz="2400" dirty="0"/>
+              <a:t>*, function_name1(real2, function_name2(</a:t>
+            </a:r>
+            <a:r>
+              <a:rPr lang="en-GB" sz="2400" dirty="0">
+                <a:solidFill>
+                  <a:schemeClr val="accent2"/>
+                </a:solidFill>
+              </a:rPr>
+              <a:t>2.0</a:t>
+            </a:r>
+            <a:r>
+              <a:rPr lang="en-GB" sz="2400" dirty="0"/>
+              <a:t>, </a:t>
+            </a:r>
+            <a:r>
+              <a:rPr lang="en-GB" sz="2400" dirty="0">
+                <a:solidFill>
+                  <a:schemeClr val="accent2"/>
+                </a:solidFill>
+              </a:rPr>
+              <a:t>3.0</a:t>
+            </a:r>
+            <a:r>
+              <a:rPr lang="en-GB" sz="2400" dirty="0"/>
+              <a:t>))</a:t>
+            </a:r>
+          </a:p>
+        </p:txBody>
+      </p:sp>
+      <p:sp>
+        <p:nvSpPr>
+          <p:cNvPr id="11" name="TextBox 10">
+            <a:extLst>
+              <a:ext uri="{FF2B5EF4-FFF2-40B4-BE49-F238E27FC236}">
+                <a16:creationId xmlns:a16="http://schemas.microsoft.com/office/drawing/2014/main" id="{EE625C72-6D59-439C-96A8-3DEE7A0774D8}"/>
+              </a:ext>
+            </a:extLst>
+          </p:cNvPr>
+          <p:cNvSpPr txBox="1"/>
+          <p:nvPr/>
+        </p:nvSpPr>
+        <p:spPr>
+          <a:xfrm>
+            <a:off x="5728138" y="6498021"/>
+            <a:ext cx="1765738" cy="369332"/>
+          </a:xfrm>
+          <a:prstGeom prst="rect">
+            <a:avLst/>
+          </a:prstGeom>
+          <a:noFill/>
+        </p:spPr>
+        <p:txBody>
+          <a:bodyPr wrap="square" rtlCol="0">
+            <a:spAutoFit/>
+          </a:bodyPr>
+          <a:lstStyle/>
+          <a:p>
+            <a:r>
+              <a:rPr lang="en-GB" dirty="0">
+                <a:solidFill>
+                  <a:schemeClr val="accent1"/>
+                </a:solidFill>
+              </a:rPr>
+              <a:t>Demonstration</a:t>
+            </a:r>
+          </a:p>
+        </p:txBody>
+      </p:sp>
+      <p:sp>
+        <p:nvSpPr>
+          <p:cNvPr id="5" name="TextBox 4">
+            <a:extLst>
+              <a:ext uri="{FF2B5EF4-FFF2-40B4-BE49-F238E27FC236}">
+                <a16:creationId xmlns:a16="http://schemas.microsoft.com/office/drawing/2014/main" id="{14AD2C1F-43FF-4CF4-B8BB-C85A1A930793}"/>
+              </a:ext>
+            </a:extLst>
+          </p:cNvPr>
+          <p:cNvSpPr txBox="1"/>
+          <p:nvPr/>
+        </p:nvSpPr>
+        <p:spPr>
+          <a:xfrm>
+            <a:off x="7357241" y="6498021"/>
+            <a:ext cx="1697422" cy="369332"/>
+          </a:xfrm>
+          <a:prstGeom prst="rect">
+            <a:avLst/>
+          </a:prstGeom>
+          <a:noFill/>
+        </p:spPr>
+        <p:txBody>
+          <a:bodyPr wrap="square" rtlCol="0">
+            <a:spAutoFit/>
+          </a:bodyPr>
+          <a:lstStyle/>
+          <a:p>
+            <a:r>
+              <a:rPr lang="en-GB" dirty="0">
+                <a:solidFill>
+                  <a:schemeClr val="accent2"/>
+                </a:solidFill>
+              </a:rPr>
+              <a:t>Problem Sheet</a:t>
+            </a:r>
+          </a:p>
+        </p:txBody>
+      </p:sp>
+    </p:spTree>
+    <p:extLst>
+      <p:ext uri="{BB962C8B-B14F-4D97-AF65-F5344CB8AC3E}">
+        <p14:creationId xmlns:p14="http://schemas.microsoft.com/office/powerpoint/2010/main" val="265627358"/>
+      </p:ext>
+    </p:extLst>
+  </p:cSld>
+  <p:clrMapOvr>
+    <a:masterClrMapping/>
+  </p:clrMapOvr>
+  <mc:AlternateContent xmlns:mc="http://schemas.openxmlformats.org/markup-compatibility/2006" xmlns:p14="http://schemas.microsoft.com/office/powerpoint/2010/main">
+    <mc:Choice Requires="p14">
+      <p:transition p14:dur="10"/>
+    </mc:Choice>
+    <mc:Fallback xmlns="">
+      <p:transition/>
+    </mc:Fallback>
+  </mc:AlternateContent>
+</p:sld>
+</file>
+
 <file path=ppt/slides/slide43.xml><?xml version="1.0" encoding="utf-8"?>
 <p:sld xmlns:a="http://schemas.openxmlformats.org/drawingml/2006/main" xmlns:r="http://schemas.openxmlformats.org/officeDocument/2006/relationships" xmlns:p="http://schemas.openxmlformats.org/presentationml/2006/main">
   <p:cSld>
@@ -22532,7 +22453,7 @@
           <a:p>
             <a:r>
               <a:rPr lang="en-GB" sz="4000" dirty="0"/>
-              <a:t>Functions - Calling</a:t>
+              <a:t>Extension: Functions – Recursion</a:t>
             </a:r>
           </a:p>
         </p:txBody>
@@ -22555,7 +22476,7 @@
         </p:nvSpPr>
         <p:spPr>
           <a:xfrm>
-            <a:off x="457200" y="1466440"/>
+            <a:off x="272143" y="1466440"/>
             <a:ext cx="8131996" cy="4879931"/>
           </a:xfrm>
         </p:spPr>
@@ -22572,11 +22493,40 @@
                   <a:schemeClr val="accent5"/>
                 </a:solidFill>
               </a:rPr>
-              <a:t>real</a:t>
+              <a:t>recursive function </a:t>
+            </a:r>
+            <a:r>
+              <a:rPr lang="en-GB" sz="2400" dirty="0">
+                <a:solidFill>
+                  <a:schemeClr val="accent3"/>
+                </a:solidFill>
+              </a:rPr>
+              <a:t>factorial</a:t>
             </a:r>
             <a:r>
               <a:rPr lang="en-GB" sz="2400" dirty="0"/>
-              <a:t>    ::  real1, real2</a:t>
+              <a:t>(</a:t>
+            </a:r>
+            <a:r>
+              <a:rPr lang="en-GB" sz="2400" dirty="0">
+                <a:solidFill>
+                  <a:schemeClr val="accent2"/>
+                </a:solidFill>
+              </a:rPr>
+              <a:t>value</a:t>
+            </a:r>
+            <a:r>
+              <a:rPr lang="en-GB" sz="2400" dirty="0"/>
+              <a:t>)result(evaluation)</a:t>
+            </a:r>
+          </a:p>
+          <a:p>
+            <a:pPr marL="0" indent="0">
+              <a:buNone/>
+            </a:pPr>
+            <a:r>
+              <a:rPr lang="en-GB" sz="2400" dirty="0"/>
+              <a:t>	integer ::  value, evaluation</a:t>
             </a:r>
           </a:p>
           <a:p>
@@ -22586,7 +22536,7 @@
             <a:endParaRPr lang="en-GB" sz="2400" dirty="0"/>
           </a:p>
           <a:p>
-            <a:pPr marL="0" indent="0">
+            <a:pPr marL="400050" lvl="1" indent="0">
               <a:buNone/>
             </a:pPr>
             <a:r>
@@ -22595,11 +22545,11 @@
                   <a:schemeClr val="accent1"/>
                 </a:solidFill>
               </a:rPr>
-              <a:t>print</a:t>
+              <a:t>	if</a:t>
             </a:r>
             <a:r>
               <a:rPr lang="en-GB" sz="2400" dirty="0"/>
-              <a:t>*, function_name1(</a:t>
+              <a:t> (value==</a:t>
             </a:r>
             <a:r>
               <a:rPr lang="en-GB" sz="2400" dirty="0">
@@ -22607,11 +22557,11 @@
                   <a:schemeClr val="accent2"/>
                 </a:solidFill>
               </a:rPr>
-              <a:t>2.0</a:t>
+              <a:t>0</a:t>
             </a:r>
             <a:r>
               <a:rPr lang="en-GB" sz="2400" dirty="0"/>
-              <a:t>, </a:t>
+              <a:t> .or. value==</a:t>
             </a:r>
             <a:r>
               <a:rPr lang="en-GB" sz="2400" dirty="0">
@@ -22619,28 +22569,53 @@
                   <a:schemeClr val="accent2"/>
                 </a:solidFill>
               </a:rPr>
-              <a:t>4.0</a:t>
+              <a:t>1</a:t>
             </a:r>
             <a:r>
               <a:rPr lang="en-GB" sz="2400" dirty="0"/>
               <a:t>)</a:t>
             </a:r>
-          </a:p>
-          <a:p>
-            <a:pPr marL="0" indent="0">
+            <a:r>
+              <a:rPr lang="en-GB" sz="2400" dirty="0">
+                <a:solidFill>
+                  <a:schemeClr val="accent1"/>
+                </a:solidFill>
+              </a:rPr>
+              <a:t>then</a:t>
+            </a:r>
+          </a:p>
+          <a:p>
+            <a:pPr marL="400050" lvl="1" indent="0">
               <a:buNone/>
             </a:pPr>
             <a:r>
+              <a:rPr lang="en-GB" sz="2400" dirty="0"/>
+              <a:t>	  evaluation=</a:t>
+            </a:r>
+            <a:r>
               <a:rPr lang="en-GB" sz="2400" dirty="0">
                 <a:solidFill>
+                  <a:schemeClr val="accent2"/>
+                </a:solidFill>
+              </a:rPr>
+              <a:t>1</a:t>
+            </a:r>
+          </a:p>
+          <a:p>
+            <a:pPr marL="400050" lvl="1" indent="0">
+              <a:buNone/>
+            </a:pPr>
+            <a:r>
+              <a:rPr lang="en-GB" sz="2400" dirty="0">
+                <a:solidFill>
                   <a:schemeClr val="accent1"/>
                 </a:solidFill>
               </a:rPr>
-              <a:t>print</a:t>
+              <a:t>else if</a:t>
             </a:r>
             <a:r>
               <a:rPr lang="en-GB" sz="2400" dirty="0"/>
-              <a:t>*, function_name2(</a:t>
+              <a:t>(value&gt;</a:t>
             </a:r>
             <a:r>
               <a:rPr lang="en-GB" sz="2400" dirty="0">
@@ -22648,11 +22623,20 @@
                   <a:schemeClr val="accent2"/>
                 </a:solidFill>
               </a:rPr>
-              <a:t>1.0</a:t>
+              <a:t>1</a:t>
             </a:r>
             <a:r>
               <a:rPr lang="en-GB" sz="2400" dirty="0"/>
-              <a:t>, </a:t>
+              <a:t>)then</a:t>
+            </a:r>
+          </a:p>
+          <a:p>
+            <a:pPr marL="400050" lvl="1" indent="0">
+              <a:buNone/>
+            </a:pPr>
+            <a:r>
+              <a:rPr lang="en-GB" sz="2400" dirty="0"/>
+              <a:t>  evaluation=value*factorial(value-</a:t>
             </a:r>
             <a:r>
               <a:rPr lang="en-GB" sz="2400" dirty="0">
@@ -22660,7 +22644,7 @@
                   <a:schemeClr val="accent2"/>
                 </a:solidFill>
               </a:rPr>
-              <a:t>3.0</a:t>
+              <a:t>1</a:t>
             </a:r>
             <a:r>
               <a:rPr lang="en-GB" sz="2400" dirty="0"/>
@@ -22668,115 +22652,63 @@
             </a:r>
           </a:p>
           <a:p>
+            <a:pPr marL="400050" lvl="1" indent="0">
+              <a:buNone/>
+            </a:pPr>
+            <a:r>
+              <a:rPr lang="en-GB" sz="2400" dirty="0">
+                <a:solidFill>
+                  <a:schemeClr val="accent1"/>
+                </a:solidFill>
+              </a:rPr>
+              <a:t>else</a:t>
+            </a:r>
+          </a:p>
+          <a:p>
+            <a:pPr marL="400050" lvl="1" indent="0">
+              <a:buNone/>
+            </a:pPr>
+            <a:r>
+              <a:rPr lang="en-GB" sz="2400" dirty="0">
+                <a:solidFill>
+                  <a:schemeClr val="accent1"/>
+                </a:solidFill>
+              </a:rPr>
+              <a:t>  stop </a:t>
+            </a:r>
+            <a:r>
+              <a:rPr lang="en-GB" sz="2400" dirty="0"/>
+              <a:t>"Cannot take the factorial of a negative number"</a:t>
+            </a:r>
+          </a:p>
+          <a:p>
+            <a:pPr marL="400050" lvl="1" indent="0">
+              <a:buNone/>
+            </a:pPr>
+            <a:r>
+              <a:rPr lang="en-GB" sz="2400" dirty="0">
+                <a:solidFill>
+                  <a:schemeClr val="accent1"/>
+                </a:solidFill>
+              </a:rPr>
+              <a:t>end if</a:t>
+            </a:r>
+          </a:p>
+          <a:p>
             <a:pPr marL="0" indent="0">
               <a:buNone/>
             </a:pPr>
-            <a:endParaRPr lang="en-GB" sz="2400" dirty="0"/>
-          </a:p>
-          <a:p>
-            <a:pPr marL="0" indent="0">
-              <a:buNone/>
-            </a:pPr>
+            <a:r>
+              <a:rPr lang="en-GB" sz="2400" dirty="0">
+                <a:solidFill>
+                  <a:schemeClr val="accent5"/>
+                </a:solidFill>
+              </a:rPr>
+              <a:t>end function </a:t>
+            </a:r>
             <a:r>
               <a:rPr lang="en-GB" sz="2400" dirty="0"/>
-              <a:t>real1=function_name1 (</a:t>
-            </a:r>
-            <a:r>
-              <a:rPr lang="en-GB" sz="2400" dirty="0">
-                <a:solidFill>
-                  <a:schemeClr val="accent2"/>
-                </a:solidFill>
-              </a:rPr>
-              <a:t>2.0</a:t>
-            </a:r>
-            <a:r>
-              <a:rPr lang="en-GB" sz="2400" dirty="0"/>
-              <a:t>, </a:t>
-            </a:r>
-            <a:r>
-              <a:rPr lang="en-GB" sz="2400" dirty="0">
-                <a:solidFill>
-                  <a:schemeClr val="accent2"/>
-                </a:solidFill>
-              </a:rPr>
-              <a:t>3.0</a:t>
-            </a:r>
-            <a:r>
-              <a:rPr lang="en-GB" sz="2400" dirty="0"/>
-              <a:t>)</a:t>
-            </a:r>
-          </a:p>
-          <a:p>
-            <a:pPr marL="0" indent="0">
-              <a:buNone/>
-            </a:pPr>
-            <a:r>
-              <a:rPr lang="en-GB" sz="2400" dirty="0"/>
-              <a:t>real2=function_name2(real1, real1/</a:t>
-            </a:r>
-            <a:r>
-              <a:rPr lang="en-GB" sz="2400" dirty="0">
-                <a:solidFill>
-                  <a:schemeClr val="accent2"/>
-                </a:solidFill>
-              </a:rPr>
-              <a:t>3.0</a:t>
-            </a:r>
-            <a:r>
-              <a:rPr lang="en-GB" sz="2400" dirty="0"/>
-              <a:t>)*</a:t>
-            </a:r>
-            <a:r>
-              <a:rPr lang="en-GB" sz="2400" dirty="0">
-                <a:solidFill>
-                  <a:schemeClr val="accent2"/>
-                </a:solidFill>
-              </a:rPr>
-              <a:t>2.0</a:t>
-            </a:r>
-          </a:p>
-          <a:p>
-            <a:pPr marL="0" indent="0">
-              <a:buNone/>
-            </a:pPr>
-            <a:br>
-              <a:rPr lang="en-GB" sz="2400" dirty="0"/>
-            </a:br>
-            <a:r>
-              <a:rPr lang="en-GB" sz="2400" dirty="0">
-                <a:solidFill>
-                  <a:schemeClr val="accent1"/>
-                </a:solidFill>
-              </a:rPr>
-              <a:t>print</a:t>
-            </a:r>
-            <a:r>
-              <a:rPr lang="en-GB" sz="2400" dirty="0"/>
-              <a:t>*, function_name1(real2, function_name2(</a:t>
-            </a:r>
-            <a:r>
-              <a:rPr lang="en-GB" sz="2400" dirty="0">
-                <a:solidFill>
-                  <a:schemeClr val="accent2"/>
-                </a:solidFill>
-              </a:rPr>
-              <a:t>2.0</a:t>
-            </a:r>
-            <a:r>
-              <a:rPr lang="en-GB" sz="2400" dirty="0"/>
-              <a:t>, </a:t>
-            </a:r>
-            <a:r>
-              <a:rPr lang="en-GB" sz="2400" dirty="0">
-                <a:solidFill>
-                  <a:schemeClr val="accent2"/>
-                </a:solidFill>
-              </a:rPr>
-              <a:t>3.0</a:t>
-            </a:r>
-            <a:r>
-              <a:rPr lang="en-GB" sz="2400" dirty="0"/>
-              <a:t>))</a:t>
+              <a:t>factorial</a:t>
             </a:r>
           </a:p>
         </p:txBody>
@@ -22820,49 +22752,10 @@
           </a:p>
         </p:txBody>
       </p:sp>
-      <p:sp>
-        <p:nvSpPr>
-          <p:cNvPr id="5" name="TextBox 4">
-            <a:extLst>
-              <a:ext uri="{FF2B5EF4-FFF2-40B4-BE49-F238E27FC236}">
-                <a16:creationId xmlns:a16="http://schemas.microsoft.com/office/drawing/2014/main" id="{14AD2C1F-43FF-4CF4-B8BB-C85A1A930793}"/>
-              </a:ext>
-            </a:extLst>
-          </p:cNvPr>
-          <p:cNvSpPr txBox="1"/>
-          <p:nvPr/>
-        </p:nvSpPr>
-        <p:spPr>
-          <a:xfrm>
-            <a:off x="7357241" y="6498021"/>
-            <a:ext cx="1697422" cy="369332"/>
-          </a:xfrm>
-          <a:prstGeom prst="rect">
-            <a:avLst/>
-          </a:prstGeom>
-          <a:noFill/>
-        </p:spPr>
-        <p:txBody>
-          <a:bodyPr wrap="square" rtlCol="0">
-            <a:spAutoFit/>
-          </a:bodyPr>
-          <a:lstStyle/>
-          <a:p>
-            <a:r>
-              <a:rPr lang="en-GB" dirty="0">
-                <a:solidFill>
-                  <a:schemeClr val="accent2"/>
-                </a:solidFill>
-              </a:rPr>
-              <a:t>Problem Sheet</a:t>
-            </a:r>
-          </a:p>
-        </p:txBody>
-      </p:sp>
     </p:spTree>
     <p:extLst>
       <p:ext uri="{BB962C8B-B14F-4D97-AF65-F5344CB8AC3E}">
-        <p14:creationId xmlns:p14="http://schemas.microsoft.com/office/powerpoint/2010/main" val="265627358"/>
+        <p14:creationId xmlns:p14="http://schemas.microsoft.com/office/powerpoint/2010/main" val="3716300829"/>
       </p:ext>
     </p:extLst>
   </p:cSld>
@@ -22914,360 +22807,6 @@
           <a:p>
             <a:r>
               <a:rPr lang="en-GB" sz="4000" dirty="0"/>
-              <a:t>Extension: Functions – Recursion</a:t>
-            </a:r>
-          </a:p>
-        </p:txBody>
-      </p:sp>
-      <p:sp>
-        <p:nvSpPr>
-          <p:cNvPr id="7" name="Content Placeholder 6">
-            <a:extLst>
-              <a:ext uri="{FF2B5EF4-FFF2-40B4-BE49-F238E27FC236}">
-                <a16:creationId xmlns:a16="http://schemas.microsoft.com/office/drawing/2014/main" id="{8704F1A3-720B-4123-B3B8-B6C05F8BAC14}"/>
-              </a:ext>
-            </a:extLst>
-          </p:cNvPr>
-          <p:cNvSpPr>
-            <a:spLocks noGrp="1"/>
-          </p:cNvSpPr>
-          <p:nvPr>
-            <p:ph idx="1"/>
-          </p:nvPr>
-        </p:nvSpPr>
-        <p:spPr>
-          <a:xfrm>
-            <a:off x="272143" y="1466440"/>
-            <a:ext cx="8131996" cy="4879931"/>
-          </a:xfrm>
-        </p:spPr>
-        <p:txBody>
-          <a:bodyPr/>
-          <a:lstStyle/>
-          <a:p>
-            <a:pPr marL="0" indent="0">
-              <a:buNone/>
-            </a:pPr>
-            <a:r>
-              <a:rPr lang="en-GB" sz="2400" dirty="0">
-                <a:solidFill>
-                  <a:schemeClr val="accent5"/>
-                </a:solidFill>
-              </a:rPr>
-              <a:t>recursive function </a:t>
-            </a:r>
-            <a:r>
-              <a:rPr lang="en-GB" sz="2400" dirty="0">
-                <a:solidFill>
-                  <a:schemeClr val="accent3"/>
-                </a:solidFill>
-              </a:rPr>
-              <a:t>factorial</a:t>
-            </a:r>
-            <a:r>
-              <a:rPr lang="en-GB" sz="2400" dirty="0"/>
-              <a:t>(</a:t>
-            </a:r>
-            <a:r>
-              <a:rPr lang="en-GB" sz="2400" dirty="0">
-                <a:solidFill>
-                  <a:schemeClr val="accent2"/>
-                </a:solidFill>
-              </a:rPr>
-              <a:t>value</a:t>
-            </a:r>
-            <a:r>
-              <a:rPr lang="en-GB" sz="2400" dirty="0"/>
-              <a:t>)result(evaluation)</a:t>
-            </a:r>
-          </a:p>
-          <a:p>
-            <a:pPr marL="0" indent="0">
-              <a:buNone/>
-            </a:pPr>
-            <a:r>
-              <a:rPr lang="en-GB" sz="2400" dirty="0"/>
-              <a:t>	integer ::  value, evaluation</a:t>
-            </a:r>
-          </a:p>
-          <a:p>
-            <a:pPr marL="0" indent="0">
-              <a:buNone/>
-            </a:pPr>
-            <a:endParaRPr lang="en-GB" sz="2400" dirty="0"/>
-          </a:p>
-          <a:p>
-            <a:pPr marL="400050" lvl="1" indent="0">
-              <a:buNone/>
-            </a:pPr>
-            <a:r>
-              <a:rPr lang="en-GB" sz="2400" dirty="0">
-                <a:solidFill>
-                  <a:schemeClr val="accent1"/>
-                </a:solidFill>
-              </a:rPr>
-              <a:t>	if</a:t>
-            </a:r>
-            <a:r>
-              <a:rPr lang="en-GB" sz="2400" dirty="0"/>
-              <a:t> (value==</a:t>
-            </a:r>
-            <a:r>
-              <a:rPr lang="en-GB" sz="2400" dirty="0">
-                <a:solidFill>
-                  <a:schemeClr val="accent2"/>
-                </a:solidFill>
-              </a:rPr>
-              <a:t>0</a:t>
-            </a:r>
-            <a:r>
-              <a:rPr lang="en-GB" sz="2400" dirty="0"/>
-              <a:t> .or. value==</a:t>
-            </a:r>
-            <a:r>
-              <a:rPr lang="en-GB" sz="2400" dirty="0">
-                <a:solidFill>
-                  <a:schemeClr val="accent2"/>
-                </a:solidFill>
-              </a:rPr>
-              <a:t>1</a:t>
-            </a:r>
-            <a:r>
-              <a:rPr lang="en-GB" sz="2400" dirty="0"/>
-              <a:t>)</a:t>
-            </a:r>
-            <a:r>
-              <a:rPr lang="en-GB" sz="2400" dirty="0">
-                <a:solidFill>
-                  <a:schemeClr val="accent1"/>
-                </a:solidFill>
-              </a:rPr>
-              <a:t>then</a:t>
-            </a:r>
-          </a:p>
-          <a:p>
-            <a:pPr marL="400050" lvl="1" indent="0">
-              <a:buNone/>
-            </a:pPr>
-            <a:r>
-              <a:rPr lang="en-GB" sz="2400" dirty="0"/>
-              <a:t>	  evaluation=</a:t>
-            </a:r>
-            <a:r>
-              <a:rPr lang="en-GB" sz="2400" dirty="0">
-                <a:solidFill>
-                  <a:schemeClr val="accent2"/>
-                </a:solidFill>
-              </a:rPr>
-              <a:t>1</a:t>
-            </a:r>
-          </a:p>
-          <a:p>
-            <a:pPr marL="400050" lvl="1" indent="0">
-              <a:buNone/>
-            </a:pPr>
-            <a:r>
-              <a:rPr lang="en-GB" sz="2400" dirty="0">
-                <a:solidFill>
-                  <a:schemeClr val="accent1"/>
-                </a:solidFill>
-              </a:rPr>
-              <a:t>else if</a:t>
-            </a:r>
-            <a:r>
-              <a:rPr lang="en-GB" sz="2400" dirty="0"/>
-              <a:t>(value&gt;</a:t>
-            </a:r>
-            <a:r>
-              <a:rPr lang="en-GB" sz="2400" dirty="0">
-                <a:solidFill>
-                  <a:schemeClr val="accent2"/>
-                </a:solidFill>
-              </a:rPr>
-              <a:t>1</a:t>
-            </a:r>
-            <a:r>
-              <a:rPr lang="en-GB" sz="2400" dirty="0"/>
-              <a:t>)then</a:t>
-            </a:r>
-          </a:p>
-          <a:p>
-            <a:pPr marL="400050" lvl="1" indent="0">
-              <a:buNone/>
-            </a:pPr>
-            <a:r>
-              <a:rPr lang="en-GB" sz="2400" dirty="0"/>
-              <a:t>  evaluation=value*factorial(value-</a:t>
-            </a:r>
-            <a:r>
-              <a:rPr lang="en-GB" sz="2400" dirty="0">
-                <a:solidFill>
-                  <a:schemeClr val="accent2"/>
-                </a:solidFill>
-              </a:rPr>
-              <a:t>1</a:t>
-            </a:r>
-            <a:r>
-              <a:rPr lang="en-GB" sz="2400" dirty="0"/>
-              <a:t>)</a:t>
-            </a:r>
-          </a:p>
-          <a:p>
-            <a:pPr marL="400050" lvl="1" indent="0">
-              <a:buNone/>
-            </a:pPr>
-            <a:r>
-              <a:rPr lang="en-GB" sz="2400" dirty="0">
-                <a:solidFill>
-                  <a:schemeClr val="accent1"/>
-                </a:solidFill>
-              </a:rPr>
-              <a:t>else</a:t>
-            </a:r>
-          </a:p>
-          <a:p>
-            <a:pPr marL="400050" lvl="1" indent="0">
-              <a:buNone/>
-            </a:pPr>
-            <a:r>
-              <a:rPr lang="en-GB" sz="2400" dirty="0">
-                <a:solidFill>
-                  <a:schemeClr val="accent1"/>
-                </a:solidFill>
-              </a:rPr>
-              <a:t>  stop </a:t>
-            </a:r>
-            <a:r>
-              <a:rPr lang="en-GB" sz="2400" dirty="0"/>
-              <a:t>"Cannot take the factorial of a negative number"</a:t>
-            </a:r>
-          </a:p>
-          <a:p>
-            <a:pPr marL="400050" lvl="1" indent="0">
-              <a:buNone/>
-            </a:pPr>
-            <a:r>
-              <a:rPr lang="en-GB" sz="2400" dirty="0">
-                <a:solidFill>
-                  <a:schemeClr val="accent1"/>
-                </a:solidFill>
-              </a:rPr>
-              <a:t>end if</a:t>
-            </a:r>
-          </a:p>
-          <a:p>
-            <a:pPr marL="0" indent="0">
-              <a:buNone/>
-            </a:pPr>
-            <a:r>
-              <a:rPr lang="en-GB" sz="2400" dirty="0">
-                <a:solidFill>
-                  <a:schemeClr val="accent5"/>
-                </a:solidFill>
-              </a:rPr>
-              <a:t>end function </a:t>
-            </a:r>
-            <a:r>
-              <a:rPr lang="en-GB" sz="2400" dirty="0"/>
-              <a:t>factorial</a:t>
-            </a:r>
-          </a:p>
-        </p:txBody>
-      </p:sp>
-      <p:sp>
-        <p:nvSpPr>
-          <p:cNvPr id="11" name="TextBox 10">
-            <a:extLst>
-              <a:ext uri="{FF2B5EF4-FFF2-40B4-BE49-F238E27FC236}">
-                <a16:creationId xmlns:a16="http://schemas.microsoft.com/office/drawing/2014/main" id="{EE625C72-6D59-439C-96A8-3DEE7A0774D8}"/>
-              </a:ext>
-            </a:extLst>
-          </p:cNvPr>
-          <p:cNvSpPr txBox="1"/>
-          <p:nvPr/>
-        </p:nvSpPr>
-        <p:spPr>
-          <a:xfrm>
-            <a:off x="5728138" y="6498021"/>
-            <a:ext cx="1765738" cy="369332"/>
-          </a:xfrm>
-          <a:prstGeom prst="rect">
-            <a:avLst/>
-          </a:prstGeom>
-          <a:noFill/>
-        </p:spPr>
-        <p:txBody>
-          <a:bodyPr wrap="square" rtlCol="0">
-            <a:spAutoFit/>
-          </a:bodyPr>
-          <a:lstStyle/>
-          <a:p>
-            <a:r>
-              <a:rPr lang="en-GB" dirty="0">
-                <a:solidFill>
-                  <a:schemeClr val="accent1"/>
-                </a:solidFill>
-              </a:rPr>
-              <a:t>Demonstration</a:t>
-            </a:r>
-          </a:p>
-        </p:txBody>
-      </p:sp>
-    </p:spTree>
-    <p:extLst>
-      <p:ext uri="{BB962C8B-B14F-4D97-AF65-F5344CB8AC3E}">
-        <p14:creationId xmlns:p14="http://schemas.microsoft.com/office/powerpoint/2010/main" val="3716300829"/>
-      </p:ext>
-    </p:extLst>
-  </p:cSld>
-  <p:clrMapOvr>
-    <a:masterClrMapping/>
-  </p:clrMapOvr>
-  <mc:AlternateContent xmlns:mc="http://schemas.openxmlformats.org/markup-compatibility/2006" xmlns:p14="http://schemas.microsoft.com/office/powerpoint/2010/main">
-    <mc:Choice Requires="p14">
-      <p:transition p14:dur="10"/>
-    </mc:Choice>
-    <mc:Fallback xmlns="">
-      <p:transition/>
-    </mc:Fallback>
-  </mc:AlternateContent>
-</p:sld>
-</file>
-
-<file path=ppt/slides/slide45.xml><?xml version="1.0" encoding="utf-8"?>
-<p:sld xmlns:a="http://schemas.openxmlformats.org/drawingml/2006/main" xmlns:r="http://schemas.openxmlformats.org/officeDocument/2006/relationships" xmlns:p="http://schemas.openxmlformats.org/presentationml/2006/main">
-  <p:cSld>
-    <p:spTree>
-      <p:nvGrpSpPr>
-        <p:cNvPr id="1" name=""/>
-        <p:cNvGrpSpPr/>
-        <p:nvPr/>
-      </p:nvGrpSpPr>
-      <p:grpSpPr>
-        <a:xfrm>
-          <a:off x="0" y="0"/>
-          <a:ext cx="0" cy="0"/>
-          <a:chOff x="0" y="0"/>
-          <a:chExt cx="0" cy="0"/>
-        </a:xfrm>
-      </p:grpSpPr>
-      <p:sp>
-        <p:nvSpPr>
-          <p:cNvPr id="2" name="Title 1"/>
-          <p:cNvSpPr>
-            <a:spLocks noGrp="1"/>
-          </p:cNvSpPr>
-          <p:nvPr>
-            <p:ph type="title"/>
-          </p:nvPr>
-        </p:nvSpPr>
-        <p:spPr/>
-        <p:txBody>
-          <a:bodyPr/>
-          <a:lstStyle/>
-          <a:p>
-            <a:r>
-              <a:rPr lang="en-GB" sz="4000" dirty="0"/>
               <a:t>Deferred Size Arguments</a:t>
             </a:r>
           </a:p>
@@ -23617,7 +23156,7 @@
 </p:sld>
 </file>
 
-<file path=ppt/slides/slide46.xml><?xml version="1.0" encoding="utf-8"?>
+<file path=ppt/slides/slide45.xml><?xml version="1.0" encoding="utf-8"?>
 <p:sld xmlns:a="http://schemas.openxmlformats.org/drawingml/2006/main" xmlns:r="http://schemas.openxmlformats.org/officeDocument/2006/relationships" xmlns:p="http://schemas.openxmlformats.org/presentationml/2006/main">
   <p:cSld>
     <p:spTree>
@@ -24178,7 +23717,7 @@
 </p:sld>
 </file>
 
-<file path=ppt/slides/slide47.xml><?xml version="1.0" encoding="utf-8"?>
+<file path=ppt/slides/slide46.xml><?xml version="1.0" encoding="utf-8"?>
 <p:sld xmlns:a="http://schemas.openxmlformats.org/drawingml/2006/main" xmlns:r="http://schemas.openxmlformats.org/officeDocument/2006/relationships" xmlns:p="http://schemas.openxmlformats.org/presentationml/2006/main">
   <p:cSld>
     <p:spTree>
@@ -24519,7 +24058,7 @@
 </p:sld>
 </file>
 
-<file path=ppt/slides/slide48.xml><?xml version="1.0" encoding="utf-8"?>
+<file path=ppt/slides/slide47.xml><?xml version="1.0" encoding="utf-8"?>
 <p:sld xmlns:a="http://schemas.openxmlformats.org/drawingml/2006/main" xmlns:r="http://schemas.openxmlformats.org/officeDocument/2006/relationships" xmlns:p="http://schemas.openxmlformats.org/presentationml/2006/main">
   <p:cSld>
     <p:spTree>
@@ -25116,6 +24655,213 @@
 </p:sld>
 </file>
 
+<file path=ppt/slides/slide48.xml><?xml version="1.0" encoding="utf-8"?>
+<p:sld xmlns:a="http://schemas.openxmlformats.org/drawingml/2006/main" xmlns:r="http://schemas.openxmlformats.org/officeDocument/2006/relationships" xmlns:p="http://schemas.openxmlformats.org/presentationml/2006/main">
+  <p:cSld>
+    <p:spTree>
+      <p:nvGrpSpPr>
+        <p:cNvPr id="1" name=""/>
+        <p:cNvGrpSpPr/>
+        <p:nvPr/>
+      </p:nvGrpSpPr>
+      <p:grpSpPr>
+        <a:xfrm>
+          <a:off x="0" y="0"/>
+          <a:ext cx="0" cy="0"/>
+          <a:chOff x="0" y="0"/>
+          <a:chExt cx="0" cy="0"/>
+        </a:xfrm>
+      </p:grpSpPr>
+      <p:sp>
+        <p:nvSpPr>
+          <p:cNvPr id="2" name="Title 1"/>
+          <p:cNvSpPr>
+            <a:spLocks noGrp="1"/>
+          </p:cNvSpPr>
+          <p:nvPr>
+            <p:ph type="title"/>
+          </p:nvPr>
+        </p:nvSpPr>
+        <p:spPr/>
+        <p:txBody>
+          <a:bodyPr/>
+          <a:lstStyle/>
+          <a:p>
+            <a:r>
+              <a:rPr lang="en-GB" sz="4000" dirty="0"/>
+              <a:t>Errors in Fortran</a:t>
+            </a:r>
+          </a:p>
+        </p:txBody>
+      </p:sp>
+      <p:sp>
+        <p:nvSpPr>
+          <p:cNvPr id="7" name="Content Placeholder 6">
+            <a:extLst>
+              <a:ext uri="{FF2B5EF4-FFF2-40B4-BE49-F238E27FC236}">
+                <a16:creationId xmlns:a16="http://schemas.microsoft.com/office/drawing/2014/main" id="{8704F1A3-720B-4123-B3B8-B6C05F8BAC14}"/>
+              </a:ext>
+            </a:extLst>
+          </p:cNvPr>
+          <p:cNvSpPr>
+            <a:spLocks noGrp="1"/>
+          </p:cNvSpPr>
+          <p:nvPr>
+            <p:ph idx="1"/>
+          </p:nvPr>
+        </p:nvSpPr>
+        <p:spPr/>
+        <p:txBody>
+          <a:bodyPr/>
+          <a:lstStyle/>
+          <a:p>
+            <a:r>
+              <a:rPr lang="en-GB" sz="2400" dirty="0"/>
+              <a:t>Compilation Errors</a:t>
+            </a:r>
+          </a:p>
+          <a:p>
+            <a:pPr lvl="1"/>
+            <a:r>
+              <a:rPr lang="en-GB" sz="2400" dirty="0"/>
+              <a:t>Picked up by the compiler</a:t>
+            </a:r>
+          </a:p>
+          <a:p>
+            <a:pPr lvl="1"/>
+            <a:r>
+              <a:rPr lang="en-GB" sz="2400" dirty="0"/>
+              <a:t>Will be phrased differently between different compilers</a:t>
+            </a:r>
+          </a:p>
+          <a:p>
+            <a:pPr lvl="1"/>
+            <a:r>
+              <a:rPr lang="en-GB" sz="2400" dirty="0"/>
+              <a:t>Compilers will sometimes pick up different errors</a:t>
+            </a:r>
+          </a:p>
+          <a:p>
+            <a:r>
+              <a:rPr lang="en-GB" sz="2400" dirty="0"/>
+              <a:t>Run-time errors</a:t>
+            </a:r>
+          </a:p>
+          <a:p>
+            <a:pPr lvl="1"/>
+            <a:r>
+              <a:rPr lang="en-GB" sz="2400" dirty="0"/>
+              <a:t>Code compiles correctly</a:t>
+            </a:r>
+          </a:p>
+          <a:p>
+            <a:pPr lvl="1"/>
+            <a:r>
+              <a:rPr lang="en-GB" sz="2400" dirty="0"/>
+              <a:t>When running the code an invalid operation is requested due to the state of one or more variables</a:t>
+            </a:r>
+          </a:p>
+        </p:txBody>
+      </p:sp>
+      <p:sp>
+        <p:nvSpPr>
+          <p:cNvPr id="4" name="TextBox 3">
+            <a:extLst>
+              <a:ext uri="{FF2B5EF4-FFF2-40B4-BE49-F238E27FC236}">
+                <a16:creationId xmlns:a16="http://schemas.microsoft.com/office/drawing/2014/main" id="{FE18D065-54F3-477E-A4A8-A9C295184741}"/>
+              </a:ext>
+            </a:extLst>
+          </p:cNvPr>
+          <p:cNvSpPr txBox="1"/>
+          <p:nvPr/>
+        </p:nvSpPr>
+        <p:spPr>
+          <a:xfrm>
+            <a:off x="5728138" y="6498021"/>
+            <a:ext cx="1765738" cy="369332"/>
+          </a:xfrm>
+          <a:prstGeom prst="rect">
+            <a:avLst/>
+          </a:prstGeom>
+          <a:noFill/>
+        </p:spPr>
+        <p:txBody>
+          <a:bodyPr wrap="square" rtlCol="0">
+            <a:spAutoFit/>
+          </a:bodyPr>
+          <a:lstStyle/>
+          <a:p>
+            <a:r>
+              <a:rPr lang="en-GB" dirty="0">
+                <a:solidFill>
+                  <a:schemeClr val="accent1"/>
+                </a:solidFill>
+              </a:rPr>
+              <a:t>Demonstration</a:t>
+            </a:r>
+          </a:p>
+        </p:txBody>
+      </p:sp>
+      <p:sp>
+        <p:nvSpPr>
+          <p:cNvPr id="5" name="TextBox 4">
+            <a:extLst>
+              <a:ext uri="{FF2B5EF4-FFF2-40B4-BE49-F238E27FC236}">
+                <a16:creationId xmlns:a16="http://schemas.microsoft.com/office/drawing/2014/main" id="{52437283-C048-4F57-A1B8-9AA1E11EA4CE}"/>
+              </a:ext>
+            </a:extLst>
+          </p:cNvPr>
+          <p:cNvSpPr txBox="1"/>
+          <p:nvPr/>
+        </p:nvSpPr>
+        <p:spPr>
+          <a:xfrm>
+            <a:off x="7357241" y="6498021"/>
+            <a:ext cx="1697422" cy="369332"/>
+          </a:xfrm>
+          <a:prstGeom prst="rect">
+            <a:avLst/>
+          </a:prstGeom>
+          <a:noFill/>
+        </p:spPr>
+        <p:txBody>
+          <a:bodyPr wrap="square" rtlCol="0">
+            <a:spAutoFit/>
+          </a:bodyPr>
+          <a:lstStyle/>
+          <a:p>
+            <a:r>
+              <a:rPr lang="en-GB" dirty="0">
+                <a:solidFill>
+                  <a:schemeClr val="accent2"/>
+                </a:solidFill>
+              </a:rPr>
+              <a:t>Problem Sheet</a:t>
+            </a:r>
+          </a:p>
+        </p:txBody>
+      </p:sp>
+    </p:spTree>
+    <p:extLst>
+      <p:ext uri="{BB962C8B-B14F-4D97-AF65-F5344CB8AC3E}">
+        <p14:creationId xmlns:p14="http://schemas.microsoft.com/office/powerpoint/2010/main" val="3099411356"/>
+      </p:ext>
+    </p:extLst>
+  </p:cSld>
+  <p:clrMapOvr>
+    <a:masterClrMapping/>
+  </p:clrMapOvr>
+  <mc:AlternateContent xmlns:mc="http://schemas.openxmlformats.org/markup-compatibility/2006" xmlns:p14="http://schemas.microsoft.com/office/powerpoint/2010/main">
+    <mc:Choice Requires="p14">
+      <p:transition p14:dur="10"/>
+    </mc:Choice>
+    <mc:Fallback xmlns="">
+      <p:transition/>
+    </mc:Fallback>
+  </mc:AlternateContent>
+</p:sld>
+</file>
+
 <file path=ppt/slides/slide49.xml><?xml version="1.0" encoding="utf-8"?>
 <p:sld xmlns:a="http://schemas.openxmlformats.org/drawingml/2006/main" xmlns:r="http://schemas.openxmlformats.org/officeDocument/2006/relationships" xmlns:p="http://schemas.openxmlformats.org/presentationml/2006/main">
   <p:cSld>
@@ -25150,7 +24896,7 @@
           <a:p>
             <a:r>
               <a:rPr lang="en-GB" sz="4000" dirty="0"/>
-              <a:t>Errors in Fortran</a:t>
+              <a:t>Gotchas</a:t>
             </a:r>
           </a:p>
         </p:txBody>
@@ -25178,48 +24924,40 @@
           <a:p>
             <a:r>
               <a:rPr lang="en-GB" sz="2400" dirty="0"/>
-              <a:t>Compilation Errors</a:t>
+              <a:t>There are lots of behaviours in Fortran that are not what you would expect</a:t>
+            </a:r>
+          </a:p>
+          <a:p>
+            <a:r>
+              <a:rPr lang="en-GB" sz="2400" dirty="0"/>
+              <a:t>In other languages, they may cause errors</a:t>
+            </a:r>
+          </a:p>
+          <a:p>
+            <a:r>
+              <a:rPr lang="en-GB" sz="2400" dirty="0"/>
+              <a:t>There’s usually some logic</a:t>
             </a:r>
           </a:p>
           <a:p>
             <a:pPr lvl="1"/>
             <a:r>
-              <a:rPr lang="en-GB" sz="2400" dirty="0"/>
-              <a:t>Picked up by the compiler</a:t>
+              <a:rPr lang="en-GB" sz="2000" dirty="0"/>
+              <a:t>Often that checking slows the program down</a:t>
             </a:r>
           </a:p>
           <a:p>
             <a:pPr lvl="1"/>
             <a:r>
-              <a:rPr lang="en-GB" sz="2400" dirty="0"/>
-              <a:t>Will be phrased differently between different compilers</a:t>
-            </a:r>
-          </a:p>
-          <a:p>
-            <a:pPr lvl="1"/>
-            <a:r>
-              <a:rPr lang="en-GB" sz="2400" dirty="0"/>
-              <a:t>Compilers will sometimes pick up different errors</a:t>
-            </a:r>
-          </a:p>
-          <a:p>
-            <a:r>
-              <a:rPr lang="en-GB" sz="2400" dirty="0"/>
-              <a:t>Run-time errors</a:t>
-            </a:r>
-          </a:p>
-          <a:p>
-            <a:pPr lvl="1"/>
-            <a:r>
-              <a:rPr lang="en-GB" sz="2400" dirty="0"/>
-              <a:t>Code compiles correctly</a:t>
-            </a:r>
-          </a:p>
-          <a:p>
-            <a:pPr lvl="1"/>
-            <a:r>
-              <a:rPr lang="en-GB" sz="2400" dirty="0"/>
-              <a:t>When running the code an invalid operation is requested due to the state of one or more variables</a:t>
+              <a:rPr lang="en-GB" sz="2000" dirty="0"/>
+              <a:t>Sometimes that behaviour is sometimes desired</a:t>
+            </a:r>
+          </a:p>
+          <a:p>
+            <a:pPr lvl="2"/>
+            <a:r>
+              <a:rPr lang="en-GB" sz="1600" dirty="0"/>
+              <a:t>It’s your responsibility if you think it’s not desired</a:t>
             </a:r>
           </a:p>
         </p:txBody>
@@ -25229,7 +24967,7 @@
           <p:cNvPr id="4" name="TextBox 3">
             <a:extLst>
               <a:ext uri="{FF2B5EF4-FFF2-40B4-BE49-F238E27FC236}">
-                <a16:creationId xmlns:a16="http://schemas.microsoft.com/office/drawing/2014/main" id="{FE18D065-54F3-477E-A4A8-A9C295184741}"/>
+                <a16:creationId xmlns:a16="http://schemas.microsoft.com/office/drawing/2014/main" id="{A569C6F6-B098-4920-86A4-41DDD2204985}"/>
               </a:ext>
             </a:extLst>
           </p:cNvPr>
@@ -25263,49 +25001,10 @@
           </a:p>
         </p:txBody>
       </p:sp>
-      <p:sp>
-        <p:nvSpPr>
-          <p:cNvPr id="5" name="TextBox 4">
-            <a:extLst>
-              <a:ext uri="{FF2B5EF4-FFF2-40B4-BE49-F238E27FC236}">
-                <a16:creationId xmlns:a16="http://schemas.microsoft.com/office/drawing/2014/main" id="{52437283-C048-4F57-A1B8-9AA1E11EA4CE}"/>
-              </a:ext>
-            </a:extLst>
-          </p:cNvPr>
-          <p:cNvSpPr txBox="1"/>
-          <p:nvPr/>
-        </p:nvSpPr>
-        <p:spPr>
-          <a:xfrm>
-            <a:off x="7357241" y="6498021"/>
-            <a:ext cx="1697422" cy="369332"/>
-          </a:xfrm>
-          <a:prstGeom prst="rect">
-            <a:avLst/>
-          </a:prstGeom>
-          <a:noFill/>
-        </p:spPr>
-        <p:txBody>
-          <a:bodyPr wrap="square" rtlCol="0">
-            <a:spAutoFit/>
-          </a:bodyPr>
-          <a:lstStyle/>
-          <a:p>
-            <a:r>
-              <a:rPr lang="en-GB" dirty="0">
-                <a:solidFill>
-                  <a:schemeClr val="accent2"/>
-                </a:solidFill>
-              </a:rPr>
-              <a:t>Problem Sheet</a:t>
-            </a:r>
-          </a:p>
-        </p:txBody>
-      </p:sp>
     </p:spTree>
     <p:extLst>
       <p:ext uri="{BB962C8B-B14F-4D97-AF65-F5344CB8AC3E}">
-        <p14:creationId xmlns:p14="http://schemas.microsoft.com/office/powerpoint/2010/main" val="3099411356"/>
+        <p14:creationId xmlns:p14="http://schemas.microsoft.com/office/powerpoint/2010/main" val="1839592679"/>
       </p:ext>
     </p:extLst>
   </p:cSld>
@@ -25357,7 +25056,7 @@
           <a:p>
             <a:r>
               <a:rPr lang="en-GB" sz="4000" dirty="0"/>
-              <a:t>Learning Outcomes</a:t>
+              <a:t>What is Coding?</a:t>
             </a:r>
           </a:p>
         </p:txBody>
@@ -25380,82 +25079,61 @@
         </p:spPr>
         <p:txBody>
           <a:bodyPr>
-            <a:normAutofit fontScale="92500" lnSpcReduction="20000"/>
+            <a:normAutofit/>
           </a:bodyPr>
           <a:lstStyle/>
           <a:p>
-            <a:pPr marL="514350" lvl="0" indent="-514350">
-              <a:buAutoNum type="arabicPeriod"/>
-            </a:pPr>
-            <a:r>
-              <a:rPr lang="en-GB" b="1" dirty="0"/>
-              <a:t>Define</a:t>
-            </a:r>
-            <a:r>
-              <a:rPr lang="en-GB" dirty="0"/>
-              <a:t> the terms source file, compiler and executable,</a:t>
-            </a:r>
-          </a:p>
-          <a:p>
-            <a:pPr marL="514350" lvl="0" indent="-514350">
-              <a:buAutoNum type="arabicPeriod"/>
-            </a:pPr>
-            <a:r>
-              <a:rPr lang="en-GB" b="1" dirty="0"/>
-              <a:t>Use</a:t>
-            </a:r>
-            <a:r>
-              <a:rPr lang="en-GB" dirty="0"/>
-              <a:t> a compiler to create and run simple codes,</a:t>
-            </a:r>
-          </a:p>
-          <a:p>
-            <a:pPr marL="514350" lvl="0" indent="-514350">
-              <a:buAutoNum type="arabicPeriod"/>
-            </a:pPr>
-            <a:r>
-              <a:rPr lang="en-GB" b="1" dirty="0"/>
-              <a:t>Apply</a:t>
-            </a:r>
-            <a:r>
-              <a:rPr lang="en-GB" dirty="0"/>
-              <a:t> fundamental components of the Fortran language including variables, loops, conditionals and subroutines,</a:t>
-            </a:r>
-          </a:p>
-          <a:p>
-            <a:pPr marL="514350" lvl="0" indent="-514350">
-              <a:buAutoNum type="arabicPeriod"/>
-            </a:pPr>
-            <a:r>
-              <a:rPr lang="en-GB" b="1" dirty="0"/>
-              <a:t>Create</a:t>
-            </a:r>
-            <a:r>
-              <a:rPr lang="en-GB" dirty="0"/>
-              <a:t> programs designed to solve simple numerical problems</a:t>
-            </a:r>
-            <a:endParaRPr lang="en-GB" i="1" dirty="0"/>
-          </a:p>
-          <a:p>
-            <a:pPr marL="514350" lvl="0" indent="-514350">
-              <a:buAutoNum type="arabicPeriod"/>
-            </a:pPr>
-            <a:r>
-              <a:rPr lang="en-GB" b="1" dirty="0"/>
-              <a:t>Interpret</a:t>
-            </a:r>
-            <a:r>
-              <a:rPr lang="en-GB" dirty="0"/>
-              <a:t> common compiler and run-time errors and use these to help debug a program</a:t>
-            </a:r>
-            <a:endParaRPr lang="en-GB" sz="3000" dirty="0"/>
+            <a:r>
+              <a:rPr lang="en-GB" sz="3000" dirty="0"/>
+              <a:t>Writing instructions for a computer: a program</a:t>
+            </a:r>
+          </a:p>
+          <a:p>
+            <a:r>
+              <a:rPr lang="en-GB" sz="3000" dirty="0"/>
+              <a:t>Resulting calculations achieve a goal</a:t>
+            </a:r>
+          </a:p>
+          <a:p>
+            <a:r>
+              <a:rPr lang="en-GB" sz="3000" dirty="0"/>
+              <a:t>Good for automating laborious calculations</a:t>
+            </a:r>
+          </a:p>
+          <a:p>
+            <a:pPr lvl="1"/>
+            <a:r>
+              <a:rPr lang="en-GB" sz="2600" dirty="0"/>
+              <a:t>Simulation</a:t>
+            </a:r>
+          </a:p>
+          <a:p>
+            <a:pPr lvl="1"/>
+            <a:r>
+              <a:rPr lang="en-GB" sz="2600" dirty="0"/>
+              <a:t>Data Analysis</a:t>
+            </a:r>
+          </a:p>
+          <a:p>
+            <a:pPr lvl="1"/>
+            <a:r>
+              <a:rPr lang="en-GB" sz="2600" dirty="0"/>
+              <a:t>Real-time control of complex systems</a:t>
+            </a:r>
+          </a:p>
+          <a:p>
+            <a:pPr lvl="1"/>
+            <a:r>
+              <a:rPr lang="en-GB" sz="2600" dirty="0"/>
+              <a:t>Rapid iteration over a number of related cases</a:t>
+            </a:r>
           </a:p>
         </p:txBody>
       </p:sp>
     </p:spTree>
     <p:extLst>
       <p:ext uri="{BB962C8B-B14F-4D97-AF65-F5344CB8AC3E}">
-        <p14:creationId xmlns:p14="http://schemas.microsoft.com/office/powerpoint/2010/main" val="3248724752"/>
+        <p14:creationId xmlns:p14="http://schemas.microsoft.com/office/powerpoint/2010/main" val="3227858941"/>
       </p:ext>
     </p:extLst>
   </p:cSld>
@@ -25507,166 +25185,6 @@
           <a:p>
             <a:r>
               <a:rPr lang="en-GB" sz="4000" dirty="0"/>
-              <a:t>Gotchas</a:t>
-            </a:r>
-          </a:p>
-        </p:txBody>
-      </p:sp>
-      <p:sp>
-        <p:nvSpPr>
-          <p:cNvPr id="7" name="Content Placeholder 6">
-            <a:extLst>
-              <a:ext uri="{FF2B5EF4-FFF2-40B4-BE49-F238E27FC236}">
-                <a16:creationId xmlns:a16="http://schemas.microsoft.com/office/drawing/2014/main" id="{8704F1A3-720B-4123-B3B8-B6C05F8BAC14}"/>
-              </a:ext>
-            </a:extLst>
-          </p:cNvPr>
-          <p:cNvSpPr>
-            <a:spLocks noGrp="1"/>
-          </p:cNvSpPr>
-          <p:nvPr>
-            <p:ph idx="1"/>
-          </p:nvPr>
-        </p:nvSpPr>
-        <p:spPr/>
-        <p:txBody>
-          <a:bodyPr/>
-          <a:lstStyle/>
-          <a:p>
-            <a:r>
-              <a:rPr lang="en-GB" sz="2400" dirty="0"/>
-              <a:t>There are lots of behaviours in Fortran that are not what you would expect</a:t>
-            </a:r>
-          </a:p>
-          <a:p>
-            <a:r>
-              <a:rPr lang="en-GB" sz="2400" dirty="0"/>
-              <a:t>In other languages, they may cause errors</a:t>
-            </a:r>
-          </a:p>
-          <a:p>
-            <a:r>
-              <a:rPr lang="en-GB" sz="2400" dirty="0"/>
-              <a:t>There’s usually some logic</a:t>
-            </a:r>
-          </a:p>
-          <a:p>
-            <a:pPr lvl="1"/>
-            <a:r>
-              <a:rPr lang="en-GB" sz="2000" dirty="0"/>
-              <a:t>Often that checking slows the program down</a:t>
-            </a:r>
-          </a:p>
-          <a:p>
-            <a:pPr lvl="1"/>
-            <a:r>
-              <a:rPr lang="en-GB" sz="2000" dirty="0"/>
-              <a:t>Sometimes that behaviour is sometimes desired</a:t>
-            </a:r>
-          </a:p>
-          <a:p>
-            <a:pPr lvl="2"/>
-            <a:r>
-              <a:rPr lang="en-GB" sz="1600" dirty="0"/>
-              <a:t>It’s your responsibility if you think it’s not desired</a:t>
-            </a:r>
-          </a:p>
-        </p:txBody>
-      </p:sp>
-      <p:sp>
-        <p:nvSpPr>
-          <p:cNvPr id="4" name="TextBox 3">
-            <a:extLst>
-              <a:ext uri="{FF2B5EF4-FFF2-40B4-BE49-F238E27FC236}">
-                <a16:creationId xmlns:a16="http://schemas.microsoft.com/office/drawing/2014/main" id="{A569C6F6-B098-4920-86A4-41DDD2204985}"/>
-              </a:ext>
-            </a:extLst>
-          </p:cNvPr>
-          <p:cNvSpPr txBox="1"/>
-          <p:nvPr/>
-        </p:nvSpPr>
-        <p:spPr>
-          <a:xfrm>
-            <a:off x="5728138" y="6498021"/>
-            <a:ext cx="1765738" cy="369332"/>
-          </a:xfrm>
-          <a:prstGeom prst="rect">
-            <a:avLst/>
-          </a:prstGeom>
-          <a:noFill/>
-        </p:spPr>
-        <p:txBody>
-          <a:bodyPr wrap="square" rtlCol="0">
-            <a:spAutoFit/>
-          </a:bodyPr>
-          <a:lstStyle/>
-          <a:p>
-            <a:r>
-              <a:rPr lang="en-GB" dirty="0">
-                <a:solidFill>
-                  <a:schemeClr val="accent1"/>
-                </a:solidFill>
-              </a:rPr>
-              <a:t>Demonstration</a:t>
-            </a:r>
-          </a:p>
-        </p:txBody>
-      </p:sp>
-    </p:spTree>
-    <p:extLst>
-      <p:ext uri="{BB962C8B-B14F-4D97-AF65-F5344CB8AC3E}">
-        <p14:creationId xmlns:p14="http://schemas.microsoft.com/office/powerpoint/2010/main" val="1839592679"/>
-      </p:ext>
-    </p:extLst>
-  </p:cSld>
-  <p:clrMapOvr>
-    <a:masterClrMapping/>
-  </p:clrMapOvr>
-  <mc:AlternateContent xmlns:mc="http://schemas.openxmlformats.org/markup-compatibility/2006" xmlns:p14="http://schemas.microsoft.com/office/powerpoint/2010/main">
-    <mc:Choice Requires="p14">
-      <p:transition p14:dur="10"/>
-    </mc:Choice>
-    <mc:Fallback xmlns="">
-      <p:transition/>
-    </mc:Fallback>
-  </mc:AlternateContent>
-</p:sld>
-</file>
-
-<file path=ppt/slides/slide51.xml><?xml version="1.0" encoding="utf-8"?>
-<p:sld xmlns:a="http://schemas.openxmlformats.org/drawingml/2006/main" xmlns:r="http://schemas.openxmlformats.org/officeDocument/2006/relationships" xmlns:p="http://schemas.openxmlformats.org/presentationml/2006/main">
-  <p:cSld>
-    <p:spTree>
-      <p:nvGrpSpPr>
-        <p:cNvPr id="1" name=""/>
-        <p:cNvGrpSpPr/>
-        <p:nvPr/>
-      </p:nvGrpSpPr>
-      <p:grpSpPr>
-        <a:xfrm>
-          <a:off x="0" y="0"/>
-          <a:ext cx="0" cy="0"/>
-          <a:chOff x="0" y="0"/>
-          <a:chExt cx="0" cy="0"/>
-        </a:xfrm>
-      </p:grpSpPr>
-      <p:sp>
-        <p:nvSpPr>
-          <p:cNvPr id="2" name="Title 1"/>
-          <p:cNvSpPr>
-            <a:spLocks noGrp="1"/>
-          </p:cNvSpPr>
-          <p:nvPr>
-            <p:ph type="title"/>
-          </p:nvPr>
-        </p:nvSpPr>
-        <p:spPr/>
-        <p:txBody>
-          <a:bodyPr/>
-          <a:lstStyle/>
-          <a:p>
-            <a:r>
-              <a:rPr lang="en-GB" sz="4000" dirty="0"/>
               <a:t>Feedback</a:t>
             </a:r>
           </a:p>
@@ -25766,7 +25284,7 @@
 </p:sld>
 </file>
 
-<file path=ppt/slides/slide52.xml><?xml version="1.0" encoding="utf-8"?>
+<file path=ppt/slides/slide51.xml><?xml version="1.0" encoding="utf-8"?>
 <p:sld xmlns:a="http://schemas.openxmlformats.org/drawingml/2006/main" xmlns:r="http://schemas.openxmlformats.org/officeDocument/2006/relationships" xmlns:p="http://schemas.openxmlformats.org/presentationml/2006/main">
   <p:cSld>
     <p:spTree>
@@ -26068,7 +25586,7 @@
           <a:p>
             <a:r>
               <a:rPr lang="en-GB" sz="4000" dirty="0"/>
-              <a:t>What is Coding?</a:t>
+              <a:t>How Do We Code?</a:t>
             </a:r>
           </a:p>
         </p:txBody>
@@ -26097,47 +25615,25 @@
           <a:p>
             <a:r>
               <a:rPr lang="en-GB" sz="3000" dirty="0"/>
-              <a:t>Writing instructions for a computer: a program</a:t>
+              <a:t>Design an algorithm which solves your problem</a:t>
             </a:r>
           </a:p>
           <a:p>
             <a:r>
               <a:rPr lang="en-GB" sz="3000" dirty="0"/>
-              <a:t>Resulting calculations achieve a goal</a:t>
+              <a:t>Translate it into source code</a:t>
             </a:r>
           </a:p>
           <a:p>
             <a:r>
               <a:rPr lang="en-GB" sz="3000" dirty="0"/>
-              <a:t>Good for automating laborious calculations</a:t>
-            </a:r>
-          </a:p>
-          <a:p>
-            <a:pPr lvl="1"/>
-            <a:r>
-              <a:rPr lang="en-GB" sz="2600" dirty="0"/>
-              <a:t>Simulation</a:t>
-            </a:r>
-          </a:p>
-          <a:p>
-            <a:pPr lvl="1"/>
-            <a:r>
-              <a:rPr lang="en-GB" sz="2600" dirty="0"/>
-              <a:t>Data Analysis</a:t>
-            </a:r>
-          </a:p>
-          <a:p>
-            <a:pPr lvl="1"/>
-            <a:r>
-              <a:rPr lang="en-GB" sz="2600" dirty="0"/>
-              <a:t>Real-time control of complex systems</a:t>
-            </a:r>
-          </a:p>
-          <a:p>
-            <a:pPr lvl="1"/>
-            <a:r>
-              <a:rPr lang="en-GB" sz="2600" dirty="0"/>
-              <a:t>Rapid iteration over a number of related cases</a:t>
+              <a:t>Instruct the computer to carry out the instructions of the source code</a:t>
+            </a:r>
+          </a:p>
+          <a:p>
+            <a:r>
+              <a:rPr lang="en-GB" sz="3000" dirty="0"/>
+              <a:t>Each step is language dependent</a:t>
             </a:r>
           </a:p>
         </p:txBody>
@@ -26145,7 +25641,7 @@
     </p:spTree>
     <p:extLst>
       <p:ext uri="{BB962C8B-B14F-4D97-AF65-F5344CB8AC3E}">
-        <p14:creationId xmlns:p14="http://schemas.microsoft.com/office/powerpoint/2010/main" val="3227858941"/>
+        <p14:creationId xmlns:p14="http://schemas.microsoft.com/office/powerpoint/2010/main" val="766773942"/>
       </p:ext>
     </p:extLst>
   </p:cSld>
@@ -26197,113 +25693,6 @@
           <a:p>
             <a:r>
               <a:rPr lang="en-GB" sz="4000" dirty="0"/>
-              <a:t>How Do We Code?</a:t>
-            </a:r>
-          </a:p>
-        </p:txBody>
-      </p:sp>
-      <p:sp>
-        <p:nvSpPr>
-          <p:cNvPr id="3" name="Content Placeholder 2"/>
-          <p:cNvSpPr>
-            <a:spLocks noGrp="1"/>
-          </p:cNvSpPr>
-          <p:nvPr>
-            <p:ph idx="1"/>
-          </p:nvPr>
-        </p:nvSpPr>
-        <p:spPr>
-          <a:xfrm>
-            <a:off x="457200" y="1600200"/>
-            <a:ext cx="8435280" cy="4876800"/>
-          </a:xfrm>
-        </p:spPr>
-        <p:txBody>
-          <a:bodyPr>
-            <a:normAutofit/>
-          </a:bodyPr>
-          <a:lstStyle/>
-          <a:p>
-            <a:r>
-              <a:rPr lang="en-GB" sz="3000" dirty="0"/>
-              <a:t>Design an algorithm which solves your problem</a:t>
-            </a:r>
-          </a:p>
-          <a:p>
-            <a:r>
-              <a:rPr lang="en-GB" sz="3000" dirty="0"/>
-              <a:t>Translate it into source code</a:t>
-            </a:r>
-          </a:p>
-          <a:p>
-            <a:r>
-              <a:rPr lang="en-GB" sz="3000" dirty="0"/>
-              <a:t>Instruct the computer to carry out the instructions of the source code</a:t>
-            </a:r>
-          </a:p>
-          <a:p>
-            <a:r>
-              <a:rPr lang="en-GB" sz="3000" dirty="0"/>
-              <a:t>Each step is language dependent</a:t>
-            </a:r>
-          </a:p>
-        </p:txBody>
-      </p:sp>
-    </p:spTree>
-    <p:extLst>
-      <p:ext uri="{BB962C8B-B14F-4D97-AF65-F5344CB8AC3E}">
-        <p14:creationId xmlns:p14="http://schemas.microsoft.com/office/powerpoint/2010/main" val="766773942"/>
-      </p:ext>
-    </p:extLst>
-  </p:cSld>
-  <p:clrMapOvr>
-    <a:masterClrMapping/>
-  </p:clrMapOvr>
-  <mc:AlternateContent xmlns:mc="http://schemas.openxmlformats.org/markup-compatibility/2006" xmlns:p14="http://schemas.microsoft.com/office/powerpoint/2010/main">
-    <mc:Choice Requires="p14">
-      <p:transition p14:dur="10"/>
-    </mc:Choice>
-    <mc:Fallback xmlns="">
-      <p:transition/>
-    </mc:Fallback>
-  </mc:AlternateContent>
-</p:sld>
-</file>
-
-<file path=ppt/slides/slide8.xml><?xml version="1.0" encoding="utf-8"?>
-<p:sld xmlns:a="http://schemas.openxmlformats.org/drawingml/2006/main" xmlns:r="http://schemas.openxmlformats.org/officeDocument/2006/relationships" xmlns:p="http://schemas.openxmlformats.org/presentationml/2006/main">
-  <p:cSld>
-    <p:spTree>
-      <p:nvGrpSpPr>
-        <p:cNvPr id="1" name=""/>
-        <p:cNvGrpSpPr/>
-        <p:nvPr/>
-      </p:nvGrpSpPr>
-      <p:grpSpPr>
-        <a:xfrm>
-          <a:off x="0" y="0"/>
-          <a:ext cx="0" cy="0"/>
-          <a:chOff x="0" y="0"/>
-          <a:chExt cx="0" cy="0"/>
-        </a:xfrm>
-      </p:grpSpPr>
-      <p:sp>
-        <p:nvSpPr>
-          <p:cNvPr id="2" name="Title 1"/>
-          <p:cNvSpPr>
-            <a:spLocks noGrp="1"/>
-          </p:cNvSpPr>
-          <p:nvPr>
-            <p:ph type="title"/>
-          </p:nvPr>
-        </p:nvSpPr>
-        <p:spPr/>
-        <p:txBody>
-          <a:bodyPr/>
-          <a:lstStyle/>
-          <a:p>
-            <a:r>
-              <a:rPr lang="en-GB" sz="4000" dirty="0"/>
               <a:t>What is Fortran?</a:t>
             </a:r>
           </a:p>
@@ -26383,7 +25772,7 @@
 </p:sld>
 </file>
 
-<file path=ppt/slides/slide9.xml><?xml version="1.0" encoding="utf-8"?>
+<file path=ppt/slides/slide8.xml><?xml version="1.0" encoding="utf-8"?>
 <p:sld xmlns:a="http://schemas.openxmlformats.org/drawingml/2006/main" xmlns:r="http://schemas.openxmlformats.org/officeDocument/2006/relationships" xmlns:p="http://schemas.openxmlformats.org/presentationml/2006/main">
   <p:cSld>
     <p:spTree>
@@ -26473,6 +25862,463 @@
     <p:extLst>
       <p:ext uri="{BB962C8B-B14F-4D97-AF65-F5344CB8AC3E}">
         <p14:creationId xmlns:p14="http://schemas.microsoft.com/office/powerpoint/2010/main" val="735192102"/>
+      </p:ext>
+    </p:extLst>
+  </p:cSld>
+  <p:clrMapOvr>
+    <a:masterClrMapping/>
+  </p:clrMapOvr>
+  <mc:AlternateContent xmlns:mc="http://schemas.openxmlformats.org/markup-compatibility/2006" xmlns:p14="http://schemas.microsoft.com/office/powerpoint/2010/main">
+    <mc:Choice Requires="p14">
+      <p:transition p14:dur="10"/>
+    </mc:Choice>
+    <mc:Fallback xmlns="">
+      <p:transition/>
+    </mc:Fallback>
+  </mc:AlternateContent>
+</p:sld>
+</file>
+
+<file path=ppt/slides/slide9.xml><?xml version="1.0" encoding="utf-8"?>
+<p:sld xmlns:a="http://schemas.openxmlformats.org/drawingml/2006/main" xmlns:r="http://schemas.openxmlformats.org/officeDocument/2006/relationships" xmlns:p="http://schemas.openxmlformats.org/presentationml/2006/main">
+  <p:cSld>
+    <p:spTree>
+      <p:nvGrpSpPr>
+        <p:cNvPr id="1" name=""/>
+        <p:cNvGrpSpPr/>
+        <p:nvPr/>
+      </p:nvGrpSpPr>
+      <p:grpSpPr>
+        <a:xfrm>
+          <a:off x="0" y="0"/>
+          <a:ext cx="0" cy="0"/>
+          <a:chOff x="0" y="0"/>
+          <a:chExt cx="0" cy="0"/>
+        </a:xfrm>
+      </p:grpSpPr>
+      <p:sp>
+        <p:nvSpPr>
+          <p:cNvPr id="2" name="Title 1"/>
+          <p:cNvSpPr>
+            <a:spLocks noGrp="1"/>
+          </p:cNvSpPr>
+          <p:nvPr>
+            <p:ph type="title"/>
+          </p:nvPr>
+        </p:nvSpPr>
+        <p:spPr/>
+        <p:txBody>
+          <a:bodyPr/>
+          <a:lstStyle/>
+          <a:p>
+            <a:r>
+              <a:rPr lang="en-GB" sz="4000" dirty="0"/>
+              <a:t>The Compiler</a:t>
+            </a:r>
+          </a:p>
+        </p:txBody>
+      </p:sp>
+      <p:graphicFrame>
+        <p:nvGraphicFramePr>
+          <p:cNvPr id="6" name="Table 5">
+            <a:extLst>
+              <a:ext uri="{FF2B5EF4-FFF2-40B4-BE49-F238E27FC236}">
+                <a16:creationId xmlns:a16="http://schemas.microsoft.com/office/drawing/2014/main" id="{D12B00F4-5C15-440A-B22F-6A524A68BAE5}"/>
+              </a:ext>
+            </a:extLst>
+          </p:cNvPr>
+          <p:cNvGraphicFramePr>
+            <a:graphicFrameLocks noGrp="1"/>
+          </p:cNvGraphicFramePr>
+          <p:nvPr>
+            <p:extLst>
+              <p:ext uri="{D42A27DB-BD31-4B8C-83A1-F6EECF244321}">
+                <p14:modId xmlns:p14="http://schemas.microsoft.com/office/powerpoint/2010/main" val="3382162690"/>
+              </p:ext>
+            </p:extLst>
+          </p:nvPr>
+        </p:nvGraphicFramePr>
+        <p:xfrm>
+          <a:off x="840828" y="2438400"/>
+          <a:ext cx="7514895" cy="1828800"/>
+        </p:xfrm>
+        <a:graphic>
+          <a:graphicData uri="http://schemas.openxmlformats.org/drawingml/2006/table">
+            <a:tbl>
+              <a:tblPr firstRow="1" bandRow="1">
+                <a:tableStyleId>{5C22544A-7EE6-4342-B048-85BDC9FD1C3A}</a:tableStyleId>
+              </a:tblPr>
+              <a:tblGrid>
+                <a:gridCol w="2504965">
+                  <a:extLst>
+                    <a:ext uri="{9D8B030D-6E8A-4147-A177-3AD203B41FA5}">
+                      <a16:colId xmlns:a16="http://schemas.microsoft.com/office/drawing/2014/main" val="620446185"/>
+                    </a:ext>
+                  </a:extLst>
+                </a:gridCol>
+                <a:gridCol w="2504965">
+                  <a:extLst>
+                    <a:ext uri="{9D8B030D-6E8A-4147-A177-3AD203B41FA5}">
+                      <a16:colId xmlns:a16="http://schemas.microsoft.com/office/drawing/2014/main" val="679079119"/>
+                    </a:ext>
+                  </a:extLst>
+                </a:gridCol>
+                <a:gridCol w="2504965">
+                  <a:extLst>
+                    <a:ext uri="{9D8B030D-6E8A-4147-A177-3AD203B41FA5}">
+                      <a16:colId xmlns:a16="http://schemas.microsoft.com/office/drawing/2014/main" val="3331666545"/>
+                    </a:ext>
+                  </a:extLst>
+                </a:gridCol>
+              </a:tblGrid>
+              <a:tr h="370840">
+                <a:tc>
+                  <a:txBody>
+                    <a:bodyPr/>
+                    <a:lstStyle/>
+                    <a:p>
+                      <a:r>
+                        <a:rPr lang="en-GB" dirty="0"/>
+                        <a:t>Fortran Instruction</a:t>
+                      </a:r>
+                    </a:p>
+                  </a:txBody>
+                  <a:tcPr/>
+                </a:tc>
+                <a:tc>
+                  <a:txBody>
+                    <a:bodyPr/>
+                    <a:lstStyle/>
+                    <a:p>
+                      <a:r>
+                        <a:rPr lang="en-GB" dirty="0"/>
+                        <a:t>Assembly Language Instructions</a:t>
+                      </a:r>
+                    </a:p>
+                  </a:txBody>
+                  <a:tcPr/>
+                </a:tc>
+                <a:tc>
+                  <a:txBody>
+                    <a:bodyPr/>
+                    <a:lstStyle/>
+                    <a:p>
+                      <a:r>
+                        <a:rPr lang="en-GB" dirty="0"/>
+                        <a:t>Machine Language Instructions</a:t>
+                      </a:r>
+                    </a:p>
+                  </a:txBody>
+                  <a:tcPr/>
+                </a:tc>
+                <a:extLst>
+                  <a:ext uri="{0D108BD9-81ED-4DB2-BD59-A6C34878D82A}">
+                    <a16:rowId xmlns:a16="http://schemas.microsoft.com/office/drawing/2014/main" val="2586946742"/>
+                  </a:ext>
+                </a:extLst>
+              </a:tr>
+              <a:tr h="370840">
+                <a:tc>
+                  <a:txBody>
+                    <a:bodyPr/>
+                    <a:lstStyle/>
+                    <a:p>
+                      <a:r>
+                        <a:rPr lang="en-GB" dirty="0"/>
+                        <a:t>D=X+Y+Z</a:t>
+                      </a:r>
+                    </a:p>
+                  </a:txBody>
+                  <a:tcPr/>
+                </a:tc>
+                <a:tc>
+                  <a:txBody>
+                    <a:bodyPr/>
+                    <a:lstStyle/>
+                    <a:p>
+                      <a:r>
+                        <a:rPr lang="en-GB" dirty="0"/>
+                        <a:t>LDA X</a:t>
+                      </a:r>
+                    </a:p>
+                    <a:p>
+                      <a:r>
+                        <a:rPr lang="en-GB" dirty="0"/>
+                        <a:t>ADA Y</a:t>
+                      </a:r>
+                    </a:p>
+                    <a:p>
+                      <a:r>
+                        <a:rPr lang="en-GB" dirty="0"/>
+                        <a:t>ADA Z</a:t>
+                      </a:r>
+                    </a:p>
+                    <a:p>
+                      <a:r>
+                        <a:rPr lang="en-GB" dirty="0"/>
+                        <a:t>STA D</a:t>
+                      </a:r>
+                    </a:p>
+                  </a:txBody>
+                  <a:tcPr/>
+                </a:tc>
+                <a:tc>
+                  <a:txBody>
+                    <a:bodyPr/>
+                    <a:lstStyle/>
+                    <a:p>
+                      <a:r>
+                        <a:rPr lang="en-GB" dirty="0"/>
+                        <a:t>0110 0011 0010 0001</a:t>
+                      </a:r>
+                    </a:p>
+                    <a:p>
+                      <a:r>
+                        <a:rPr lang="en-GB" dirty="0"/>
+                        <a:t>0100 0011 0010 0010 </a:t>
+                      </a:r>
+                    </a:p>
+                    <a:p>
+                      <a:r>
+                        <a:rPr lang="en-GB" dirty="0"/>
+                        <a:t>0100 0011 0010 0011</a:t>
+                      </a:r>
+                    </a:p>
+                    <a:p>
+                      <a:r>
+                        <a:rPr lang="en-GB" dirty="0"/>
+                        <a:t>0111 0011 0010 0100</a:t>
+                      </a:r>
+                    </a:p>
+                  </a:txBody>
+                  <a:tcPr/>
+                </a:tc>
+                <a:extLst>
+                  <a:ext uri="{0D108BD9-81ED-4DB2-BD59-A6C34878D82A}">
+                    <a16:rowId xmlns:a16="http://schemas.microsoft.com/office/drawing/2014/main" val="1602259348"/>
+                  </a:ext>
+                </a:extLst>
+              </a:tr>
+            </a:tbl>
+          </a:graphicData>
+        </a:graphic>
+      </p:graphicFrame>
+      <p:sp>
+        <p:nvSpPr>
+          <p:cNvPr id="8" name="Arrow: Curved Up 7">
+            <a:extLst>
+              <a:ext uri="{FF2B5EF4-FFF2-40B4-BE49-F238E27FC236}">
+                <a16:creationId xmlns:a16="http://schemas.microsoft.com/office/drawing/2014/main" id="{9FE256C4-F732-404F-81E2-71E8618961F8}"/>
+              </a:ext>
+            </a:extLst>
+          </p:cNvPr>
+          <p:cNvSpPr/>
+          <p:nvPr/>
+        </p:nvSpPr>
+        <p:spPr>
+          <a:xfrm>
+            <a:off x="1797269" y="4394200"/>
+            <a:ext cx="5990897" cy="1828800"/>
+          </a:xfrm>
+          <a:prstGeom prst="curvedUpArrow">
+            <a:avLst/>
+          </a:prstGeom>
+        </p:spPr>
+        <p:style>
+          <a:lnRef idx="1">
+            <a:schemeClr val="accent1"/>
+          </a:lnRef>
+          <a:fillRef idx="3">
+            <a:schemeClr val="accent1"/>
+          </a:fillRef>
+          <a:effectRef idx="2">
+            <a:schemeClr val="accent1"/>
+          </a:effectRef>
+          <a:fontRef idx="minor">
+            <a:schemeClr val="lt1"/>
+          </a:fontRef>
+        </p:style>
+        <p:txBody>
+          <a:bodyPr rtlCol="0" anchor="ctr"/>
+          <a:lstStyle/>
+          <a:p>
+            <a:pPr algn="ctr"/>
+            <a:endParaRPr lang="en-GB">
+              <a:solidFill>
+                <a:schemeClr val="tx1"/>
+              </a:solidFill>
+            </a:endParaRPr>
+          </a:p>
+        </p:txBody>
+      </p:sp>
+      <p:sp>
+        <p:nvSpPr>
+          <p:cNvPr id="7" name="TextBox 6">
+            <a:extLst>
+              <a:ext uri="{FF2B5EF4-FFF2-40B4-BE49-F238E27FC236}">
+                <a16:creationId xmlns:a16="http://schemas.microsoft.com/office/drawing/2014/main" id="{C950AC6F-179C-4D84-92E7-6BA017ADF94A}"/>
+              </a:ext>
+            </a:extLst>
+          </p:cNvPr>
+          <p:cNvSpPr txBox="1"/>
+          <p:nvPr/>
+        </p:nvSpPr>
+        <p:spPr>
+          <a:xfrm>
+            <a:off x="3026979" y="5519003"/>
+            <a:ext cx="3090041" cy="830997"/>
+          </a:xfrm>
+          <a:prstGeom prst="rect">
+            <a:avLst/>
+          </a:prstGeom>
+          <a:solidFill>
+            <a:schemeClr val="bg1"/>
+          </a:solidFill>
+          <a:ln>
+            <a:solidFill>
+              <a:schemeClr val="accent1"/>
+            </a:solidFill>
+          </a:ln>
+        </p:spPr>
+        <p:txBody>
+          <a:bodyPr wrap="square" rtlCol="0">
+            <a:spAutoFit/>
+          </a:bodyPr>
+          <a:lstStyle/>
+          <a:p>
+            <a:pPr algn="ctr"/>
+            <a:r>
+              <a:rPr lang="en-GB" sz="4800" dirty="0"/>
+              <a:t>Compiler</a:t>
+            </a:r>
+          </a:p>
+        </p:txBody>
+      </p:sp>
+      <p:sp>
+        <p:nvSpPr>
+          <p:cNvPr id="9" name="TextBox 8">
+            <a:extLst>
+              <a:ext uri="{FF2B5EF4-FFF2-40B4-BE49-F238E27FC236}">
+                <a16:creationId xmlns:a16="http://schemas.microsoft.com/office/drawing/2014/main" id="{39880090-4A7E-428B-A6D6-EE334B93D6A5}"/>
+              </a:ext>
+            </a:extLst>
+          </p:cNvPr>
+          <p:cNvSpPr txBox="1"/>
+          <p:nvPr/>
+        </p:nvSpPr>
+        <p:spPr>
+          <a:xfrm>
+            <a:off x="977463" y="1666409"/>
+            <a:ext cx="2238702" cy="523220"/>
+          </a:xfrm>
+          <a:prstGeom prst="rect">
+            <a:avLst/>
+          </a:prstGeom>
+          <a:noFill/>
+          <a:ln w="38100">
+            <a:solidFill>
+              <a:schemeClr val="accent1"/>
+            </a:solidFill>
+          </a:ln>
+        </p:spPr>
+        <p:txBody>
+          <a:bodyPr wrap="square" rtlCol="0">
+            <a:spAutoFit/>
+          </a:bodyPr>
+          <a:lstStyle/>
+          <a:p>
+            <a:r>
+              <a:rPr lang="en-GB" sz="2800" dirty="0"/>
+              <a:t>My_code.f90</a:t>
+            </a:r>
+          </a:p>
+        </p:txBody>
+      </p:sp>
+      <p:sp>
+        <p:nvSpPr>
+          <p:cNvPr id="11" name="TextBox 10">
+            <a:extLst>
+              <a:ext uri="{FF2B5EF4-FFF2-40B4-BE49-F238E27FC236}">
+                <a16:creationId xmlns:a16="http://schemas.microsoft.com/office/drawing/2014/main" id="{D3754946-9B99-4475-8DB7-B29A135BF7A7}"/>
+              </a:ext>
+            </a:extLst>
+          </p:cNvPr>
+          <p:cNvSpPr txBox="1"/>
+          <p:nvPr/>
+        </p:nvSpPr>
+        <p:spPr>
+          <a:xfrm>
+            <a:off x="5927836" y="1666409"/>
+            <a:ext cx="2375335" cy="523220"/>
+          </a:xfrm>
+          <a:prstGeom prst="rect">
+            <a:avLst/>
+          </a:prstGeom>
+          <a:noFill/>
+          <a:ln w="38100">
+            <a:solidFill>
+              <a:schemeClr val="accent1"/>
+            </a:solidFill>
+          </a:ln>
+        </p:spPr>
+        <p:txBody>
+          <a:bodyPr wrap="square" rtlCol="0">
+            <a:spAutoFit/>
+          </a:bodyPr>
+          <a:lstStyle/>
+          <a:p>
+            <a:r>
+              <a:rPr lang="en-GB" sz="2800" dirty="0"/>
+              <a:t>My_code.exe</a:t>
+            </a:r>
+          </a:p>
+        </p:txBody>
+      </p:sp>
+      <p:sp>
+        <p:nvSpPr>
+          <p:cNvPr id="12" name="TextBox 11">
+            <a:extLst>
+              <a:ext uri="{FF2B5EF4-FFF2-40B4-BE49-F238E27FC236}">
+                <a16:creationId xmlns:a16="http://schemas.microsoft.com/office/drawing/2014/main" id="{EAC31B02-A902-4888-A581-6A27A4AFDBA0}"/>
+              </a:ext>
+            </a:extLst>
+          </p:cNvPr>
+          <p:cNvSpPr txBox="1"/>
+          <p:nvPr/>
+        </p:nvSpPr>
+        <p:spPr>
+          <a:xfrm>
+            <a:off x="5927836" y="1079689"/>
+            <a:ext cx="2375335" cy="523220"/>
+          </a:xfrm>
+          <a:prstGeom prst="rect">
+            <a:avLst/>
+          </a:prstGeom>
+          <a:noFill/>
+          <a:ln w="38100">
+            <a:solidFill>
+              <a:schemeClr val="accent1"/>
+            </a:solidFill>
+          </a:ln>
+        </p:spPr>
+        <p:txBody>
+          <a:bodyPr wrap="square" rtlCol="0">
+            <a:spAutoFit/>
+          </a:bodyPr>
+          <a:lstStyle/>
+          <a:p>
+            <a:r>
+              <a:rPr lang="en-GB" sz="2800" dirty="0" err="1"/>
+              <a:t>My_code.o</a:t>
+            </a:r>
+            <a:endParaRPr lang="en-GB" sz="2800" dirty="0"/>
+          </a:p>
+        </p:txBody>
+      </p:sp>
+    </p:spTree>
+    <p:extLst>
+      <p:ext uri="{BB962C8B-B14F-4D97-AF65-F5344CB8AC3E}">
+        <p14:creationId xmlns:p14="http://schemas.microsoft.com/office/powerpoint/2010/main" val="2428056926"/>
       </p:ext>
     </p:extLst>
   </p:cSld>

--- a/Introduction to Fortran Slides.pptx
+++ b/Introduction to Fortran Slides.pptx
@@ -13,7 +13,7 @@
   <p:sldIdLst>
     <p:sldId id="264" r:id="rId2"/>
     <p:sldId id="504" r:id="rId3"/>
-    <p:sldId id="258" r:id="rId4"/>
+    <p:sldId id="538" r:id="rId4"/>
     <p:sldId id="267" r:id="rId5"/>
     <p:sldId id="281" r:id="rId6"/>
     <p:sldId id="282" r:id="rId7"/>
@@ -167,7 +167,7 @@
           <p14:sldIdLst>
             <p14:sldId id="264"/>
             <p14:sldId id="504"/>
-            <p14:sldId id="258"/>
+            <p14:sldId id="538"/>
             <p14:sldId id="267"/>
             <p14:sldId id="281"/>
             <p14:sldId id="282"/>
@@ -490,7 +490,7 @@
           <a:p>
             <a:fld id="{88EB714B-C3CC-4216-88C1-02913905B1CF}" type="datetimeFigureOut">
               <a:rPr lang="en-GB" smtClean="0"/>
-              <a:t>08/03/2022</a:t>
+              <a:t>08/04/2022</a:t>
             </a:fld>
             <a:endParaRPr lang="en-GB"/>
           </a:p>
@@ -8527,7 +8527,7 @@
           <a:p>
             <a:fld id="{EB0080F8-EA1C-491D-963C-2C881B2F918F}" type="datetimeFigureOut">
               <a:rPr lang="en-GB" smtClean="0"/>
-              <a:t>08/03/2022</a:t>
+              <a:t>08/04/2022</a:t>
             </a:fld>
             <a:endParaRPr lang="en-GB"/>
           </a:p>
@@ -8677,7 +8677,7 @@
           <a:p>
             <a:fld id="{EB0080F8-EA1C-491D-963C-2C881B2F918F}" type="datetimeFigureOut">
               <a:rPr lang="en-GB" smtClean="0"/>
-              <a:t>08/03/2022</a:t>
+              <a:t>08/04/2022</a:t>
             </a:fld>
             <a:endParaRPr lang="en-GB"/>
           </a:p>
@@ -10210,7 +10210,7 @@
           <a:p>
             <a:fld id="{EB0080F8-EA1C-491D-963C-2C881B2F918F}" type="datetimeFigureOut">
               <a:rPr lang="en-GB" smtClean="0"/>
-              <a:t>08/03/2022</a:t>
+              <a:t>08/04/2022</a:t>
             </a:fld>
             <a:endParaRPr lang="en-GB"/>
           </a:p>
@@ -18241,7 +18241,7 @@
           </a:lstStyle>
           <a:p>
             <a:r>
-              <a:rPr lang="en-US" sz="3200">
+              <a:rPr lang="en-US" sz="3200" dirty="0">
                 <a:solidFill>
                   <a:schemeClr val="accent3"/>
                 </a:solidFill>
@@ -18271,102 +18271,137 @@
           <a:bodyPr lIns="91440" tIns="45720" rIns="91440" bIns="45720" anchor="t"/>
           <a:lstStyle/>
           <a:p>
-            <a:r>
-              <a:rPr lang="en-US" sz="2200" u="sng">
-                <a:solidFill>
-                  <a:schemeClr val="tx1"/>
-                </a:solidFill>
-                <a:ea typeface="+mj-lt"/>
-                <a:cs typeface="+mj-lt"/>
-              </a:rPr>
-              <a:t>Face coverings</a:t>
-            </a:r>
-          </a:p>
-          <a:p>
-            <a:pPr marL="457200" indent="-457200">
+            <a:pPr marL="285750" indent="-285750">
               <a:buFont typeface="Arial" panose="020B0604020202020204" pitchFamily="34" charset="0"/>
               <a:buChar char="•"/>
             </a:pPr>
             <a:r>
-              <a:rPr lang="en-GB" sz="2200" b="0" i="0">
+              <a:rPr lang="en-GB" sz="2400" dirty="0">
                 <a:solidFill>
                   <a:schemeClr val="tx1"/>
                 </a:solidFill>
-                <a:effectLst/>
-                <a:latin typeface="+mn-lt"/>
+                <a:latin typeface="Arial" panose="020B0604020202020204" pitchFamily="34" charset="0"/>
+                <a:ea typeface="MS PGothic" panose="020B0600070205080204" pitchFamily="34" charset="-128"/>
               </a:rPr>
-              <a:t>While infection rates remain high, we encourage all members of our community to continue wearing face coverings in most indoor settings on campus, including Graduate School workshops</a:t>
-            </a:r>
-          </a:p>
-          <a:p>
-            <a:endParaRPr lang="en-US" sz="2200" u="sng">
+              <a:t>You are encouraged to wear a face covering indoors, especially in crowded, enclosed spaces, unless you are exempt.  This includes </a:t>
+            </a:r>
+            <a:r>
+              <a:rPr lang="en-GB" sz="2400" b="1" dirty="0">
+                <a:solidFill>
+                  <a:schemeClr val="tx1"/>
+                </a:solidFill>
+                <a:latin typeface="Arial" panose="020B0604020202020204" pitchFamily="34" charset="0"/>
+                <a:ea typeface="MS PGothic" panose="020B0600070205080204" pitchFamily="34" charset="-128"/>
+              </a:rPr>
+              <a:t>for Graduate School workshops</a:t>
+            </a:r>
+          </a:p>
+          <a:p>
+            <a:endParaRPr lang="en-US" sz="2400" dirty="0">
               <a:solidFill>
                 <a:schemeClr val="tx1"/>
               </a:solidFill>
-              <a:ea typeface="+mj-lt"/>
-              <a:cs typeface="+mj-lt"/>
             </a:endParaRPr>
           </a:p>
           <a:p>
-            <a:r>
-              <a:rPr lang="en-US" sz="2200" u="sng">
+            <a:pPr marL="285750" indent="-285750">
+              <a:buFont typeface="Arial" panose="020B0604020202020204" pitchFamily="34" charset="0"/>
+              <a:buChar char="•"/>
+            </a:pPr>
+            <a:r>
+              <a:rPr lang="en-GB" sz="2400" dirty="0">
                 <a:solidFill>
                   <a:schemeClr val="tx1"/>
                 </a:solidFill>
-                <a:latin typeface="+mn-lt"/>
-                <a:ea typeface="+mj-lt"/>
-                <a:cs typeface="+mj-lt"/>
+                <a:effectLst/>
+                <a:latin typeface="Arial" panose="020B0604020202020204" pitchFamily="34" charset="0"/>
+                <a:ea typeface="MS PGothic" panose="020B0600070205080204" pitchFamily="34" charset="-128"/>
               </a:rPr>
-              <a:t>Hygiene</a:t>
-            </a:r>
-            <a:endParaRPr lang="en-GB" sz="2200" u="sng">
+              <a:t>Cover your coughs and sneezes to reduce the spread of particles </a:t>
+            </a:r>
+          </a:p>
+          <a:p>
+            <a:endParaRPr lang="en-GB" sz="2400" dirty="0">
               <a:solidFill>
                 <a:schemeClr val="tx1"/>
               </a:solidFill>
-              <a:latin typeface="+mn-lt"/>
-              <a:ea typeface="Calibri" panose="020F0502020204030204" pitchFamily="34" charset="0"/>
-              <a:cs typeface="Times New Roman"/>
+              <a:effectLst/>
+              <a:latin typeface="Arial" panose="020B0604020202020204" pitchFamily="34" charset="0"/>
+              <a:ea typeface="MS PGothic" panose="020B0600070205080204" pitchFamily="34" charset="-128"/>
             </a:endParaRPr>
           </a:p>
           <a:p>
-            <a:pPr marL="457200" indent="-457200">
+            <a:pPr marL="285750" indent="-285750">
               <a:buFont typeface="Arial" panose="020B0604020202020204" pitchFamily="34" charset="0"/>
               <a:buChar char="•"/>
             </a:pPr>
             <a:r>
-              <a:rPr lang="en-US" sz="2200">
+              <a:rPr lang="en-GB" sz="2400" dirty="0">
                 <a:solidFill>
                   <a:schemeClr val="tx1"/>
                 </a:solidFill>
+                <a:latin typeface="Arial" panose="020B0604020202020204" pitchFamily="34" charset="0"/>
+                <a:ea typeface="MS PGothic" panose="020B0600070205080204" pitchFamily="34" charset="-128"/>
               </a:rPr>
-              <a:t>Where hand </a:t>
-            </a:r>
-            <a:r>
-              <a:rPr lang="en-US" sz="2200" err="1">
+              <a:t>R</a:t>
+            </a:r>
+            <a:r>
+              <a:rPr lang="en-GB" sz="2400" dirty="0">
                 <a:solidFill>
                   <a:schemeClr val="tx1"/>
                 </a:solidFill>
+                <a:effectLst/>
+                <a:latin typeface="Arial" panose="020B0604020202020204" pitchFamily="34" charset="0"/>
+                <a:ea typeface="MS PGothic" panose="020B0600070205080204" pitchFamily="34" charset="-128"/>
               </a:rPr>
-              <a:t>sanitiser</a:t>
-            </a:r>
-            <a:r>
-              <a:rPr lang="en-US" sz="2200">
+              <a:t>espect people’s wishes for extra space </a:t>
+            </a:r>
+          </a:p>
+          <a:p>
+            <a:endParaRPr lang="en-GB" sz="2400" dirty="0">
+              <a:solidFill>
+                <a:schemeClr val="tx1"/>
+              </a:solidFill>
+              <a:latin typeface="Arial" panose="020B0604020202020204" pitchFamily="34" charset="0"/>
+              <a:ea typeface="MS PGothic" panose="020B0600070205080204" pitchFamily="34" charset="-128"/>
+            </a:endParaRPr>
+          </a:p>
+          <a:p>
+            <a:pPr marL="285750" indent="-285750">
+              <a:buFont typeface="Arial" panose="020B0604020202020204" pitchFamily="34" charset="0"/>
+              <a:buChar char="•"/>
+            </a:pPr>
+            <a:r>
+              <a:rPr lang="en-GB" sz="2400" dirty="0">
                 <a:solidFill>
                   <a:schemeClr val="tx1"/>
                 </a:solidFill>
+                <a:effectLst/>
+                <a:latin typeface="Arial" panose="020B0604020202020204" pitchFamily="34" charset="0"/>
+                <a:ea typeface="MS PGothic" panose="020B0600070205080204" pitchFamily="34" charset="-128"/>
               </a:rPr>
-              <a:t> is available, please use it</a:t>
-            </a:r>
-          </a:p>
-          <a:p>
-            <a:endParaRPr lang="en-US" sz="2400"/>
+              <a:t>Use hand sanitiser where it is available to you</a:t>
+            </a:r>
+          </a:p>
+          <a:p>
+            <a:r>
+              <a:rPr lang="en-GB" sz="2400" dirty="0">
+                <a:solidFill>
+                  <a:schemeClr val="tx1"/>
+                </a:solidFill>
+                <a:effectLst/>
+                <a:latin typeface="Arial" panose="020B0604020202020204" pitchFamily="34" charset="0"/>
+                <a:ea typeface="MS PGothic" panose="020B0600070205080204" pitchFamily="34" charset="-128"/>
+              </a:rPr>
+              <a:t> </a:t>
+            </a:r>
           </a:p>
         </p:txBody>
       </p:sp>
     </p:spTree>
     <p:extLst>
       <p:ext uri="{BB962C8B-B14F-4D97-AF65-F5344CB8AC3E}">
-        <p14:creationId xmlns:p14="http://schemas.microsoft.com/office/powerpoint/2010/main" val="70908208"/>
+        <p14:creationId xmlns:p14="http://schemas.microsoft.com/office/powerpoint/2010/main" val="2596273163"/>
       </p:ext>
     </p:extLst>
   </p:cSld>

--- a/Introduction to Fortran Slides.pptx
+++ b/Introduction to Fortran Slides.pptx
@@ -5,63 +5,62 @@
     <p:sldMasterId id="2147483648" r:id="rId1"/>
   </p:sldMasterIdLst>
   <p:notesMasterIdLst>
-    <p:notesMasterId r:id="rId53"/>
+    <p:notesMasterId r:id="rId52"/>
   </p:notesMasterIdLst>
   <p:handoutMasterIdLst>
-    <p:handoutMasterId r:id="rId54"/>
+    <p:handoutMasterId r:id="rId53"/>
   </p:handoutMasterIdLst>
   <p:sldIdLst>
     <p:sldId id="264" r:id="rId2"/>
     <p:sldId id="504" r:id="rId3"/>
-    <p:sldId id="538" r:id="rId4"/>
-    <p:sldId id="267" r:id="rId5"/>
-    <p:sldId id="281" r:id="rId6"/>
-    <p:sldId id="282" r:id="rId7"/>
-    <p:sldId id="283" r:id="rId8"/>
-    <p:sldId id="285" r:id="rId9"/>
-    <p:sldId id="284" r:id="rId10"/>
-    <p:sldId id="286" r:id="rId11"/>
-    <p:sldId id="287" r:id="rId12"/>
-    <p:sldId id="289" r:id="rId13"/>
-    <p:sldId id="331" r:id="rId14"/>
-    <p:sldId id="288" r:id="rId15"/>
-    <p:sldId id="292" r:id="rId16"/>
-    <p:sldId id="294" r:id="rId17"/>
-    <p:sldId id="296" r:id="rId18"/>
-    <p:sldId id="299" r:id="rId19"/>
-    <p:sldId id="295" r:id="rId20"/>
-    <p:sldId id="297" r:id="rId21"/>
-    <p:sldId id="306" r:id="rId22"/>
-    <p:sldId id="300" r:id="rId23"/>
-    <p:sldId id="301" r:id="rId24"/>
-    <p:sldId id="302" r:id="rId25"/>
-    <p:sldId id="305" r:id="rId26"/>
-    <p:sldId id="325" r:id="rId27"/>
-    <p:sldId id="307" r:id="rId28"/>
-    <p:sldId id="308" r:id="rId29"/>
-    <p:sldId id="309" r:id="rId30"/>
-    <p:sldId id="310" r:id="rId31"/>
-    <p:sldId id="311" r:id="rId32"/>
-    <p:sldId id="312" r:id="rId33"/>
-    <p:sldId id="313" r:id="rId34"/>
-    <p:sldId id="314" r:id="rId35"/>
-    <p:sldId id="315" r:id="rId36"/>
-    <p:sldId id="316" r:id="rId37"/>
-    <p:sldId id="317" r:id="rId38"/>
-    <p:sldId id="324" r:id="rId39"/>
-    <p:sldId id="326" r:id="rId40"/>
-    <p:sldId id="323" r:id="rId41"/>
-    <p:sldId id="318" r:id="rId42"/>
-    <p:sldId id="319" r:id="rId43"/>
-    <p:sldId id="320" r:id="rId44"/>
-    <p:sldId id="333" r:id="rId45"/>
-    <p:sldId id="327" r:id="rId46"/>
-    <p:sldId id="328" r:id="rId47"/>
-    <p:sldId id="329" r:id="rId48"/>
-    <p:sldId id="330" r:id="rId49"/>
-    <p:sldId id="332" r:id="rId50"/>
-    <p:sldId id="335" r:id="rId51"/>
-    <p:sldId id="280" r:id="rId52"/>
+    <p:sldId id="267" r:id="rId4"/>
+    <p:sldId id="281" r:id="rId5"/>
+    <p:sldId id="282" r:id="rId6"/>
+    <p:sldId id="283" r:id="rId7"/>
+    <p:sldId id="285" r:id="rId8"/>
+    <p:sldId id="284" r:id="rId9"/>
+    <p:sldId id="286" r:id="rId10"/>
+    <p:sldId id="287" r:id="rId11"/>
+    <p:sldId id="289" r:id="rId12"/>
+    <p:sldId id="331" r:id="rId13"/>
+    <p:sldId id="288" r:id="rId14"/>
+    <p:sldId id="292" r:id="rId15"/>
+    <p:sldId id="294" r:id="rId16"/>
+    <p:sldId id="296" r:id="rId17"/>
+    <p:sldId id="299" r:id="rId18"/>
+    <p:sldId id="295" r:id="rId19"/>
+    <p:sldId id="297" r:id="rId20"/>
+    <p:sldId id="306" r:id="rId21"/>
+    <p:sldId id="300" r:id="rId22"/>
+    <p:sldId id="301" r:id="rId23"/>
+    <p:sldId id="302" r:id="rId24"/>
+    <p:sldId id="305" r:id="rId25"/>
+    <p:sldId id="325" r:id="rId26"/>
+    <p:sldId id="307" r:id="rId27"/>
+    <p:sldId id="308" r:id="rId28"/>
+    <p:sldId id="309" r:id="rId29"/>
+    <p:sldId id="310" r:id="rId30"/>
+    <p:sldId id="311" r:id="rId31"/>
+    <p:sldId id="312" r:id="rId32"/>
+    <p:sldId id="313" r:id="rId33"/>
+    <p:sldId id="314" r:id="rId34"/>
+    <p:sldId id="315" r:id="rId35"/>
+    <p:sldId id="316" r:id="rId36"/>
+    <p:sldId id="317" r:id="rId37"/>
+    <p:sldId id="324" r:id="rId38"/>
+    <p:sldId id="326" r:id="rId39"/>
+    <p:sldId id="323" r:id="rId40"/>
+    <p:sldId id="318" r:id="rId41"/>
+    <p:sldId id="319" r:id="rId42"/>
+    <p:sldId id="320" r:id="rId43"/>
+    <p:sldId id="333" r:id="rId44"/>
+    <p:sldId id="327" r:id="rId45"/>
+    <p:sldId id="328" r:id="rId46"/>
+    <p:sldId id="329" r:id="rId47"/>
+    <p:sldId id="330" r:id="rId48"/>
+    <p:sldId id="332" r:id="rId49"/>
+    <p:sldId id="335" r:id="rId50"/>
+    <p:sldId id="280" r:id="rId51"/>
   </p:sldIdLst>
   <p:sldSz cx="9144000" cy="6858000" type="screen4x3"/>
   <p:notesSz cx="7099300" cy="10234613"/>
@@ -167,7 +166,6 @@
           <p14:sldIdLst>
             <p14:sldId id="264"/>
             <p14:sldId id="504"/>
-            <p14:sldId id="538"/>
             <p14:sldId id="267"/>
             <p14:sldId id="281"/>
             <p14:sldId id="282"/>
@@ -490,7 +488,7 @@
           <a:p>
             <a:fld id="{88EB714B-C3CC-4216-88C1-02913905B1CF}" type="datetimeFigureOut">
               <a:rPr lang="en-GB" smtClean="0"/>
-              <a:t>08/04/2022</a:t>
+              <a:t>20/05/2022</a:t>
             </a:fld>
             <a:endParaRPr lang="en-GB"/>
           </a:p>
@@ -1136,7 +1134,7 @@
           <a:p>
             <a:fld id="{6A641EC8-C9F8-4A58-A1A7-F7D817526EEC}" type="slidenum">
               <a:rPr lang="en-GB" smtClean="0"/>
-              <a:t>12</a:t>
+              <a:t>11</a:t>
             </a:fld>
             <a:endParaRPr lang="en-GB"/>
           </a:p>
@@ -1290,7 +1288,7 @@
           <a:p>
             <a:fld id="{6A641EC8-C9F8-4A58-A1A7-F7D817526EEC}" type="slidenum">
               <a:rPr lang="en-GB" smtClean="0"/>
-              <a:t>14</a:t>
+              <a:t>13</a:t>
             </a:fld>
             <a:endParaRPr lang="en-GB"/>
           </a:p>
@@ -1387,7 +1385,7 @@
           <a:p>
             <a:fld id="{6A641EC8-C9F8-4A58-A1A7-F7D817526EEC}" type="slidenum">
               <a:rPr lang="en-GB" smtClean="0"/>
-              <a:t>15</a:t>
+              <a:t>14</a:t>
             </a:fld>
             <a:endParaRPr lang="en-GB"/>
           </a:p>
@@ -1502,7 +1500,7 @@
           <a:p>
             <a:fld id="{6A641EC8-C9F8-4A58-A1A7-F7D817526EEC}" type="slidenum">
               <a:rPr lang="en-GB" smtClean="0"/>
-              <a:t>16</a:t>
+              <a:t>15</a:t>
             </a:fld>
             <a:endParaRPr lang="en-GB"/>
           </a:p>
@@ -1606,7 +1604,7 @@
           <a:p>
             <a:fld id="{6A641EC8-C9F8-4A58-A1A7-F7D817526EEC}" type="slidenum">
               <a:rPr lang="en-GB" smtClean="0"/>
-              <a:t>17</a:t>
+              <a:t>16</a:t>
             </a:fld>
             <a:endParaRPr lang="en-GB"/>
           </a:p>
@@ -1719,7 +1717,7 @@
           <a:p>
             <a:fld id="{6A641EC8-C9F8-4A58-A1A7-F7D817526EEC}" type="slidenum">
               <a:rPr lang="en-GB" smtClean="0"/>
-              <a:t>18</a:t>
+              <a:t>17</a:t>
             </a:fld>
             <a:endParaRPr lang="en-GB"/>
           </a:p>
@@ -1828,7 +1826,7 @@
           <a:p>
             <a:fld id="{6A641EC8-C9F8-4A58-A1A7-F7D817526EEC}" type="slidenum">
               <a:rPr lang="en-GB" smtClean="0"/>
-              <a:t>19</a:t>
+              <a:t>18</a:t>
             </a:fld>
             <a:endParaRPr lang="en-GB"/>
           </a:p>
@@ -1932,7 +1930,7 @@
           <a:p>
             <a:fld id="{6A641EC8-C9F8-4A58-A1A7-F7D817526EEC}" type="slidenum">
               <a:rPr lang="en-GB" smtClean="0"/>
-              <a:t>20</a:t>
+              <a:t>19</a:t>
             </a:fld>
             <a:endParaRPr lang="en-GB"/>
           </a:p>
@@ -2041,7 +2039,7 @@
           <a:p>
             <a:fld id="{6A641EC8-C9F8-4A58-A1A7-F7D817526EEC}" type="slidenum">
               <a:rPr lang="en-GB" smtClean="0"/>
-              <a:t>21</a:t>
+              <a:t>20</a:t>
             </a:fld>
             <a:endParaRPr lang="en-GB"/>
           </a:p>
@@ -2125,7 +2123,7 @@
           <a:p>
             <a:fld id="{6A641EC8-C9F8-4A58-A1A7-F7D817526EEC}" type="slidenum">
               <a:rPr lang="en-GB" smtClean="0"/>
-              <a:t>4</a:t>
+              <a:t>3</a:t>
             </a:fld>
             <a:endParaRPr lang="en-GB"/>
           </a:p>
@@ -2238,7 +2236,7 @@
           <a:p>
             <a:fld id="{6A641EC8-C9F8-4A58-A1A7-F7D817526EEC}" type="slidenum">
               <a:rPr lang="en-GB" smtClean="0"/>
-              <a:t>22</a:t>
+              <a:t>21</a:t>
             </a:fld>
             <a:endParaRPr lang="en-GB"/>
           </a:p>
@@ -2491,7 +2489,7 @@
           <a:p>
             <a:fld id="{6A641EC8-C9F8-4A58-A1A7-F7D817526EEC}" type="slidenum">
               <a:rPr lang="en-GB" smtClean="0"/>
-              <a:t>23</a:t>
+              <a:t>22</a:t>
             </a:fld>
             <a:endParaRPr lang="en-GB"/>
           </a:p>
@@ -2613,7 +2611,7 @@
           <a:p>
             <a:fld id="{6A641EC8-C9F8-4A58-A1A7-F7D817526EEC}" type="slidenum">
               <a:rPr lang="en-GB" smtClean="0"/>
-              <a:t>24</a:t>
+              <a:t>23</a:t>
             </a:fld>
             <a:endParaRPr lang="en-GB"/>
           </a:p>
@@ -2787,7 +2785,7 @@
           <a:p>
             <a:fld id="{6A641EC8-C9F8-4A58-A1A7-F7D817526EEC}" type="slidenum">
               <a:rPr lang="en-GB" smtClean="0"/>
-              <a:t>25</a:t>
+              <a:t>24</a:t>
             </a:fld>
             <a:endParaRPr lang="en-GB"/>
           </a:p>
@@ -2892,7 +2890,7 @@
           <a:p>
             <a:fld id="{6A641EC8-C9F8-4A58-A1A7-F7D817526EEC}" type="slidenum">
               <a:rPr lang="en-GB" smtClean="0"/>
-              <a:t>26</a:t>
+              <a:t>25</a:t>
             </a:fld>
             <a:endParaRPr lang="en-GB"/>
           </a:p>
@@ -3078,7 +3076,7 @@
           <a:p>
             <a:fld id="{6A641EC8-C9F8-4A58-A1A7-F7D817526EEC}" type="slidenum">
               <a:rPr lang="en-GB" smtClean="0"/>
-              <a:t>27</a:t>
+              <a:t>26</a:t>
             </a:fld>
             <a:endParaRPr lang="en-GB"/>
           </a:p>
@@ -3338,7 +3336,7 @@
           <a:p>
             <a:fld id="{6A641EC8-C9F8-4A58-A1A7-F7D817526EEC}" type="slidenum">
               <a:rPr lang="en-GB" smtClean="0"/>
-              <a:t>28</a:t>
+              <a:t>27</a:t>
             </a:fld>
             <a:endParaRPr lang="en-GB"/>
           </a:p>
@@ -3624,7 +3622,7 @@
           <a:p>
             <a:fld id="{6A641EC8-C9F8-4A58-A1A7-F7D817526EEC}" type="slidenum">
               <a:rPr lang="en-GB" smtClean="0"/>
-              <a:t>29</a:t>
+              <a:t>28</a:t>
             </a:fld>
             <a:endParaRPr lang="en-GB"/>
           </a:p>
@@ -3814,7 +3812,7 @@
           <a:p>
             <a:fld id="{6A641EC8-C9F8-4A58-A1A7-F7D817526EEC}" type="slidenum">
               <a:rPr lang="en-GB" smtClean="0"/>
-              <a:t>30</a:t>
+              <a:t>29</a:t>
             </a:fld>
             <a:endParaRPr lang="en-GB"/>
           </a:p>
@@ -4009,7 +4007,7 @@
           <a:p>
             <a:fld id="{6A641EC8-C9F8-4A58-A1A7-F7D817526EEC}" type="slidenum">
               <a:rPr lang="en-GB" smtClean="0"/>
-              <a:t>31</a:t>
+              <a:t>30</a:t>
             </a:fld>
             <a:endParaRPr lang="en-GB"/>
           </a:p>
@@ -4113,7 +4111,7 @@
           <a:p>
             <a:fld id="{6A641EC8-C9F8-4A58-A1A7-F7D817526EEC}" type="slidenum">
               <a:rPr lang="en-GB" smtClean="0"/>
-              <a:t>5</a:t>
+              <a:t>4</a:t>
             </a:fld>
             <a:endParaRPr lang="en-GB"/>
           </a:p>
@@ -4389,7 +4387,7 @@
           <a:p>
             <a:fld id="{6A641EC8-C9F8-4A58-A1A7-F7D817526EEC}" type="slidenum">
               <a:rPr lang="en-GB" smtClean="0"/>
-              <a:t>32</a:t>
+              <a:t>31</a:t>
             </a:fld>
             <a:endParaRPr lang="en-GB"/>
           </a:p>
@@ -4490,7 +4488,7 @@
           <a:p>
             <a:fld id="{6A641EC8-C9F8-4A58-A1A7-F7D817526EEC}" type="slidenum">
               <a:rPr lang="en-GB" smtClean="0"/>
-              <a:t>33</a:t>
+              <a:t>32</a:t>
             </a:fld>
             <a:endParaRPr lang="en-GB"/>
           </a:p>
@@ -4680,7 +4678,7 @@
           <a:p>
             <a:fld id="{6A641EC8-C9F8-4A58-A1A7-F7D817526EEC}" type="slidenum">
               <a:rPr lang="en-GB" smtClean="0"/>
-              <a:t>34</a:t>
+              <a:t>33</a:t>
             </a:fld>
             <a:endParaRPr lang="en-GB"/>
           </a:p>
@@ -4913,7 +4911,7 @@
           <a:p>
             <a:fld id="{6A641EC8-C9F8-4A58-A1A7-F7D817526EEC}" type="slidenum">
               <a:rPr lang="en-GB" smtClean="0"/>
-              <a:t>35</a:t>
+              <a:t>34</a:t>
             </a:fld>
             <a:endParaRPr lang="en-GB"/>
           </a:p>
@@ -5060,7 +5058,7 @@
           <a:p>
             <a:fld id="{6A641EC8-C9F8-4A58-A1A7-F7D817526EEC}" type="slidenum">
               <a:rPr lang="en-GB" smtClean="0"/>
-              <a:t>36</a:t>
+              <a:t>35</a:t>
             </a:fld>
             <a:endParaRPr lang="en-GB"/>
           </a:p>
@@ -5207,7 +5205,7 @@
           <a:p>
             <a:fld id="{6A641EC8-C9F8-4A58-A1A7-F7D817526EEC}" type="slidenum">
               <a:rPr lang="en-GB" smtClean="0"/>
-              <a:t>37</a:t>
+              <a:t>36</a:t>
             </a:fld>
             <a:endParaRPr lang="en-GB"/>
           </a:p>
@@ -5440,7 +5438,7 @@
           <a:p>
             <a:fld id="{6A641EC8-C9F8-4A58-A1A7-F7D817526EEC}" type="slidenum">
               <a:rPr lang="en-GB" smtClean="0"/>
-              <a:t>38</a:t>
+              <a:t>37</a:t>
             </a:fld>
             <a:endParaRPr lang="en-GB"/>
           </a:p>
@@ -5587,7 +5585,7 @@
           <a:p>
             <a:fld id="{6A641EC8-C9F8-4A58-A1A7-F7D817526EEC}" type="slidenum">
               <a:rPr lang="en-GB" smtClean="0"/>
-              <a:t>39</a:t>
+              <a:t>38</a:t>
             </a:fld>
             <a:endParaRPr lang="en-GB"/>
           </a:p>
@@ -5777,7 +5775,7 @@
           <a:p>
             <a:fld id="{6A641EC8-C9F8-4A58-A1A7-F7D817526EEC}" type="slidenum">
               <a:rPr lang="en-GB" smtClean="0"/>
-              <a:t>40</a:t>
+              <a:t>39</a:t>
             </a:fld>
             <a:endParaRPr lang="en-GB"/>
           </a:p>
@@ -6010,7 +6008,7 @@
           <a:p>
             <a:fld id="{6A641EC8-C9F8-4A58-A1A7-F7D817526EEC}" type="slidenum">
               <a:rPr lang="en-GB" smtClean="0"/>
-              <a:t>41</a:t>
+              <a:t>40</a:t>
             </a:fld>
             <a:endParaRPr lang="en-GB"/>
           </a:p>
@@ -6139,7 +6137,7 @@
           <a:p>
             <a:fld id="{6A641EC8-C9F8-4A58-A1A7-F7D817526EEC}" type="slidenum">
               <a:rPr lang="en-GB" smtClean="0"/>
-              <a:t>6</a:t>
+              <a:t>5</a:t>
             </a:fld>
             <a:endParaRPr lang="en-GB"/>
           </a:p>
@@ -6286,7 +6284,7 @@
           <a:p>
             <a:fld id="{6A641EC8-C9F8-4A58-A1A7-F7D817526EEC}" type="slidenum">
               <a:rPr lang="en-GB" smtClean="0"/>
-              <a:t>42</a:t>
+              <a:t>41</a:t>
             </a:fld>
             <a:endParaRPr lang="en-GB"/>
           </a:p>
@@ -6390,7 +6388,7 @@
           <a:p>
             <a:fld id="{6A641EC8-C9F8-4A58-A1A7-F7D817526EEC}" type="slidenum">
               <a:rPr lang="en-GB" smtClean="0"/>
-              <a:t>43</a:t>
+              <a:t>42</a:t>
             </a:fld>
             <a:endParaRPr lang="en-GB"/>
           </a:p>
@@ -6494,7 +6492,7 @@
           <a:p>
             <a:fld id="{6A641EC8-C9F8-4A58-A1A7-F7D817526EEC}" type="slidenum">
               <a:rPr lang="en-GB" smtClean="0"/>
-              <a:t>44</a:t>
+              <a:t>43</a:t>
             </a:fld>
             <a:endParaRPr lang="en-GB"/>
           </a:p>
@@ -6641,7 +6639,7 @@
           <a:p>
             <a:fld id="{6A641EC8-C9F8-4A58-A1A7-F7D817526EEC}" type="slidenum">
               <a:rPr lang="en-GB" smtClean="0"/>
-              <a:t>45</a:t>
+              <a:t>44</a:t>
             </a:fld>
             <a:endParaRPr lang="en-GB"/>
           </a:p>
@@ -6788,7 +6786,7 @@
           <a:p>
             <a:fld id="{6A641EC8-C9F8-4A58-A1A7-F7D817526EEC}" type="slidenum">
               <a:rPr lang="en-GB" smtClean="0"/>
-              <a:t>46</a:t>
+              <a:t>45</a:t>
             </a:fld>
             <a:endParaRPr lang="en-GB"/>
           </a:p>
@@ -6935,7 +6933,7 @@
           <a:p>
             <a:fld id="{6A641EC8-C9F8-4A58-A1A7-F7D817526EEC}" type="slidenum">
               <a:rPr lang="en-GB" smtClean="0"/>
-              <a:t>47</a:t>
+              <a:t>46</a:t>
             </a:fld>
             <a:endParaRPr lang="en-GB"/>
           </a:p>
@@ -7282,7 +7280,7 @@
           <a:p>
             <a:fld id="{6A641EC8-C9F8-4A58-A1A7-F7D817526EEC}" type="slidenum">
               <a:rPr lang="en-GB" smtClean="0"/>
-              <a:t>50</a:t>
+              <a:t>49</a:t>
             </a:fld>
             <a:endParaRPr lang="en-GB"/>
           </a:p>
@@ -7478,7 +7476,7 @@
                   <a:spcPct val="0"/>
                 </a:spcBef>
               </a:pPr>
-              <a:t>51</a:t>
+              <a:t>50</a:t>
             </a:fld>
             <a:endParaRPr lang="en-US" altLang="en-US"/>
           </a:p>
@@ -7680,7 +7678,7 @@
           <a:p>
             <a:fld id="{6A641EC8-C9F8-4A58-A1A7-F7D817526EEC}" type="slidenum">
               <a:rPr lang="en-GB" smtClean="0"/>
-              <a:t>7</a:t>
+              <a:t>6</a:t>
             </a:fld>
             <a:endParaRPr lang="en-GB"/>
           </a:p>
@@ -7764,7 +7762,7 @@
           <a:p>
             <a:fld id="{6A641EC8-C9F8-4A58-A1A7-F7D817526EEC}" type="slidenum">
               <a:rPr lang="en-GB" smtClean="0"/>
-              <a:t>8</a:t>
+              <a:t>7</a:t>
             </a:fld>
             <a:endParaRPr lang="en-GB"/>
           </a:p>
@@ -7869,7 +7867,7 @@
           <a:p>
             <a:fld id="{6A641EC8-C9F8-4A58-A1A7-F7D817526EEC}" type="slidenum">
               <a:rPr lang="en-GB" smtClean="0"/>
-              <a:t>9</a:t>
+              <a:t>8</a:t>
             </a:fld>
             <a:endParaRPr lang="en-GB"/>
           </a:p>
@@ -7992,7 +7990,7 @@
           <a:p>
             <a:fld id="{6A641EC8-C9F8-4A58-A1A7-F7D817526EEC}" type="slidenum">
               <a:rPr lang="en-GB" smtClean="0"/>
-              <a:t>10</a:t>
+              <a:t>9</a:t>
             </a:fld>
             <a:endParaRPr lang="en-GB"/>
           </a:p>
@@ -8149,7 +8147,7 @@
           <a:p>
             <a:fld id="{6A641EC8-C9F8-4A58-A1A7-F7D817526EEC}" type="slidenum">
               <a:rPr lang="en-GB" smtClean="0"/>
-              <a:t>11</a:t>
+              <a:t>10</a:t>
             </a:fld>
             <a:endParaRPr lang="en-GB"/>
           </a:p>
@@ -8527,7 +8525,7 @@
           <a:p>
             <a:fld id="{EB0080F8-EA1C-491D-963C-2C881B2F918F}" type="datetimeFigureOut">
               <a:rPr lang="en-GB" smtClean="0"/>
-              <a:t>08/04/2022</a:t>
+              <a:t>20/05/2022</a:t>
             </a:fld>
             <a:endParaRPr lang="en-GB"/>
           </a:p>
@@ -8677,7 +8675,7 @@
           <a:p>
             <a:fld id="{EB0080F8-EA1C-491D-963C-2C881B2F918F}" type="datetimeFigureOut">
               <a:rPr lang="en-GB" smtClean="0"/>
-              <a:t>08/04/2022</a:t>
+              <a:t>20/05/2022</a:t>
             </a:fld>
             <a:endParaRPr lang="en-GB"/>
           </a:p>
@@ -10210,7 +10208,7 @@
           <a:p>
             <a:fld id="{EB0080F8-EA1C-491D-963C-2C881B2F918F}" type="datetimeFigureOut">
               <a:rPr lang="en-GB" smtClean="0"/>
-              <a:t>08/04/2022</a:t>
+              <a:t>20/05/2022</a:t>
             </a:fld>
             <a:endParaRPr lang="en-GB"/>
           </a:p>
@@ -10755,7 +10753,7 @@
           <a:p>
             <a:r>
               <a:rPr lang="en-GB" sz="4000" dirty="0"/>
-              <a:t>The Compiler</a:t>
+              <a:t>Compilers</a:t>
             </a:r>
           </a:p>
         </p:txBody>
@@ -10783,47 +10781,35 @@
           <a:lstStyle/>
           <a:p>
             <a:r>
+              <a:rPr lang="en-GB" sz="3000" dirty="0" err="1"/>
+              <a:t>gfortran</a:t>
+            </a:r>
+            <a:endParaRPr lang="en-GB" sz="3000" dirty="0"/>
+          </a:p>
+          <a:p>
+            <a:r>
               <a:rPr lang="en-GB" sz="3000" dirty="0"/>
-              <a:t>Scans code for syntax errors</a:t>
-            </a:r>
+              <a:t>PGI</a:t>
+            </a:r>
+          </a:p>
+          <a:p>
+            <a:r>
+              <a:rPr lang="en-GB" sz="3000" dirty="0" err="1"/>
+              <a:t>Absoft</a:t>
+            </a:r>
+            <a:endParaRPr lang="en-GB" sz="3000" dirty="0"/>
+          </a:p>
+          <a:p>
+            <a:r>
+              <a:rPr lang="en-GB" sz="3000" dirty="0" err="1"/>
+              <a:t>Ifort</a:t>
+            </a:r>
+            <a:endParaRPr lang="en-GB" sz="3000" dirty="0"/>
           </a:p>
           <a:p>
             <a:r>
               <a:rPr lang="en-GB" sz="3000" dirty="0"/>
-              <a:t>Optimises the code</a:t>
-            </a:r>
-          </a:p>
-          <a:p>
-            <a:r>
-              <a:rPr lang="en-GB" sz="3000" dirty="0"/>
-              <a:t>Creates machine code in the form of an object file or executable</a:t>
-            </a:r>
-          </a:p>
-          <a:p>
-            <a:r>
-              <a:rPr lang="en-GB" sz="3000" dirty="0"/>
-              <a:t>Does not:</a:t>
-            </a:r>
-          </a:p>
-          <a:p>
-            <a:pPr lvl="1"/>
-            <a:r>
-              <a:rPr lang="en-GB" sz="2600" dirty="0"/>
-              <a:t>Reveal run-time errors</a:t>
-            </a:r>
-          </a:p>
-          <a:p>
-            <a:pPr lvl="1"/>
-            <a:r>
-              <a:rPr lang="en-GB" sz="2600" dirty="0"/>
-              <a:t>Know what values will be used when the program is executed</a:t>
-            </a:r>
-          </a:p>
-          <a:p>
-            <a:pPr lvl="1"/>
-            <a:r>
-              <a:rPr lang="en-GB" sz="2600" dirty="0"/>
-              <a:t>Run any computations</a:t>
+              <a:t>MinGW</a:t>
             </a:r>
           </a:p>
         </p:txBody>
@@ -10831,7 +10817,7 @@
     </p:spTree>
     <p:extLst>
       <p:ext uri="{BB962C8B-B14F-4D97-AF65-F5344CB8AC3E}">
-        <p14:creationId xmlns:p14="http://schemas.microsoft.com/office/powerpoint/2010/main" val="3966698890"/>
+        <p14:creationId xmlns:p14="http://schemas.microsoft.com/office/powerpoint/2010/main" val="3168009626"/>
       </p:ext>
     </p:extLst>
   </p:cSld>
@@ -10883,122 +10869,6 @@
           <a:p>
             <a:r>
               <a:rPr lang="en-GB" sz="4000" dirty="0"/>
-              <a:t>Compilers</a:t>
-            </a:r>
-          </a:p>
-        </p:txBody>
-      </p:sp>
-      <p:sp>
-        <p:nvSpPr>
-          <p:cNvPr id="3" name="Content Placeholder 2"/>
-          <p:cNvSpPr>
-            <a:spLocks noGrp="1"/>
-          </p:cNvSpPr>
-          <p:nvPr>
-            <p:ph idx="1"/>
-          </p:nvPr>
-        </p:nvSpPr>
-        <p:spPr>
-          <a:xfrm>
-            <a:off x="457200" y="1600200"/>
-            <a:ext cx="8435280" cy="4876800"/>
-          </a:xfrm>
-        </p:spPr>
-        <p:txBody>
-          <a:bodyPr>
-            <a:normAutofit/>
-          </a:bodyPr>
-          <a:lstStyle/>
-          <a:p>
-            <a:r>
-              <a:rPr lang="en-GB" sz="3000" dirty="0" err="1"/>
-              <a:t>gfortran</a:t>
-            </a:r>
-            <a:endParaRPr lang="en-GB" sz="3000" dirty="0"/>
-          </a:p>
-          <a:p>
-            <a:r>
-              <a:rPr lang="en-GB" sz="3000" dirty="0"/>
-              <a:t>PGI</a:t>
-            </a:r>
-          </a:p>
-          <a:p>
-            <a:r>
-              <a:rPr lang="en-GB" sz="3000" dirty="0" err="1"/>
-              <a:t>Absoft</a:t>
-            </a:r>
-            <a:endParaRPr lang="en-GB" sz="3000" dirty="0"/>
-          </a:p>
-          <a:p>
-            <a:r>
-              <a:rPr lang="en-GB" sz="3000" dirty="0" err="1"/>
-              <a:t>Ifort</a:t>
-            </a:r>
-            <a:endParaRPr lang="en-GB" sz="3000" dirty="0"/>
-          </a:p>
-          <a:p>
-            <a:r>
-              <a:rPr lang="en-GB" sz="3000" dirty="0"/>
-              <a:t>MinGW</a:t>
-            </a:r>
-          </a:p>
-        </p:txBody>
-      </p:sp>
-    </p:spTree>
-    <p:extLst>
-      <p:ext uri="{BB962C8B-B14F-4D97-AF65-F5344CB8AC3E}">
-        <p14:creationId xmlns:p14="http://schemas.microsoft.com/office/powerpoint/2010/main" val="3168009626"/>
-      </p:ext>
-    </p:extLst>
-  </p:cSld>
-  <p:clrMapOvr>
-    <a:masterClrMapping/>
-  </p:clrMapOvr>
-  <mc:AlternateContent xmlns:mc="http://schemas.openxmlformats.org/markup-compatibility/2006" xmlns:p14="http://schemas.microsoft.com/office/powerpoint/2010/main">
-    <mc:Choice Requires="p14">
-      <p:transition p14:dur="10"/>
-    </mc:Choice>
-    <mc:Fallback xmlns="">
-      <p:transition/>
-    </mc:Fallback>
-  </mc:AlternateContent>
-</p:sld>
-</file>
-
-<file path=ppt/slides/slide12.xml><?xml version="1.0" encoding="utf-8"?>
-<p:sld xmlns:a="http://schemas.openxmlformats.org/drawingml/2006/main" xmlns:r="http://schemas.openxmlformats.org/officeDocument/2006/relationships" xmlns:p="http://schemas.openxmlformats.org/presentationml/2006/main">
-  <p:cSld>
-    <p:spTree>
-      <p:nvGrpSpPr>
-        <p:cNvPr id="1" name=""/>
-        <p:cNvGrpSpPr/>
-        <p:nvPr/>
-      </p:nvGrpSpPr>
-      <p:grpSpPr>
-        <a:xfrm>
-          <a:off x="0" y="0"/>
-          <a:ext cx="0" cy="0"/>
-          <a:chOff x="0" y="0"/>
-          <a:chExt cx="0" cy="0"/>
-        </a:xfrm>
-      </p:grpSpPr>
-      <p:sp>
-        <p:nvSpPr>
-          <p:cNvPr id="2" name="Title 1"/>
-          <p:cNvSpPr>
-            <a:spLocks noGrp="1"/>
-          </p:cNvSpPr>
-          <p:nvPr>
-            <p:ph type="title"/>
-          </p:nvPr>
-        </p:nvSpPr>
-        <p:spPr/>
-        <p:txBody>
-          <a:bodyPr/>
-          <a:lstStyle/>
-          <a:p>
-            <a:r>
-              <a:rPr lang="en-GB" sz="4000" dirty="0"/>
               <a:t>Compilation Example</a:t>
             </a:r>
           </a:p>
@@ -11198,7 +11068,7 @@
 </p:sld>
 </file>
 
-<file path=ppt/slides/slide13.xml><?xml version="1.0" encoding="utf-8"?>
+<file path=ppt/slides/slide12.xml><?xml version="1.0" encoding="utf-8"?>
 <p:sld xmlns:a="http://schemas.openxmlformats.org/drawingml/2006/main" xmlns:r="http://schemas.openxmlformats.org/officeDocument/2006/relationships" xmlns:p="http://schemas.openxmlformats.org/presentationml/2006/main">
   <p:cSld>
     <p:spTree>
@@ -11697,6 +11567,291 @@
 </p:sld>
 </file>
 
+<file path=ppt/slides/slide13.xml><?xml version="1.0" encoding="utf-8"?>
+<p:sld xmlns:a="http://schemas.openxmlformats.org/drawingml/2006/main" xmlns:r="http://schemas.openxmlformats.org/officeDocument/2006/relationships" xmlns:p="http://schemas.openxmlformats.org/presentationml/2006/main">
+  <p:cSld>
+    <p:spTree>
+      <p:nvGrpSpPr>
+        <p:cNvPr id="1" name=""/>
+        <p:cNvGrpSpPr/>
+        <p:nvPr/>
+      </p:nvGrpSpPr>
+      <p:grpSpPr>
+        <a:xfrm>
+          <a:off x="0" y="0"/>
+          <a:ext cx="0" cy="0"/>
+          <a:chOff x="0" y="0"/>
+          <a:chExt cx="0" cy="0"/>
+        </a:xfrm>
+      </p:grpSpPr>
+      <p:sp>
+        <p:nvSpPr>
+          <p:cNvPr id="2" name="Title 1"/>
+          <p:cNvSpPr>
+            <a:spLocks noGrp="1"/>
+          </p:cNvSpPr>
+          <p:nvPr>
+            <p:ph type="title"/>
+          </p:nvPr>
+        </p:nvSpPr>
+        <p:spPr/>
+        <p:txBody>
+          <a:bodyPr/>
+          <a:lstStyle/>
+          <a:p>
+            <a:r>
+              <a:rPr lang="en-GB" sz="4000" dirty="0"/>
+              <a:t>My First Program</a:t>
+            </a:r>
+          </a:p>
+        </p:txBody>
+      </p:sp>
+      <p:sp>
+        <p:nvSpPr>
+          <p:cNvPr id="3" name="Content Placeholder 2"/>
+          <p:cNvSpPr>
+            <a:spLocks noGrp="1"/>
+          </p:cNvSpPr>
+          <p:nvPr>
+            <p:ph idx="1"/>
+          </p:nvPr>
+        </p:nvSpPr>
+        <p:spPr>
+          <a:xfrm>
+            <a:off x="457200" y="1600200"/>
+            <a:ext cx="8435280" cy="4876800"/>
+          </a:xfrm>
+        </p:spPr>
+        <p:txBody>
+          <a:bodyPr>
+            <a:normAutofit/>
+          </a:bodyPr>
+          <a:lstStyle/>
+          <a:p>
+            <a:pPr marL="0" indent="0">
+              <a:buNone/>
+            </a:pPr>
+            <a:r>
+              <a:rPr lang="en-GB" sz="3000" dirty="0">
+                <a:solidFill>
+                  <a:schemeClr val="accent1"/>
+                </a:solidFill>
+              </a:rPr>
+              <a:t>program</a:t>
+            </a:r>
+            <a:r>
+              <a:rPr lang="en-GB" sz="3000" dirty="0"/>
+              <a:t> </a:t>
+            </a:r>
+            <a:r>
+              <a:rPr lang="en-GB" sz="3000" dirty="0" err="1"/>
+              <a:t>program_name</a:t>
+            </a:r>
+            <a:endParaRPr lang="en-GB" sz="3000" dirty="0"/>
+          </a:p>
+          <a:p>
+            <a:pPr marL="0" indent="0">
+              <a:buNone/>
+            </a:pPr>
+            <a:endParaRPr lang="en-GB" sz="3000" dirty="0"/>
+          </a:p>
+          <a:p>
+            <a:pPr marL="0" indent="0">
+              <a:buNone/>
+            </a:pPr>
+            <a:r>
+              <a:rPr lang="en-GB" sz="3000" dirty="0"/>
+              <a:t>	</a:t>
+            </a:r>
+            <a:r>
+              <a:rPr lang="en-GB" sz="3000" dirty="0">
+                <a:solidFill>
+                  <a:schemeClr val="accent6"/>
+                </a:solidFill>
+              </a:rPr>
+              <a:t>!This is a comment</a:t>
+            </a:r>
+          </a:p>
+          <a:p>
+            <a:pPr marL="0" indent="0">
+              <a:buNone/>
+            </a:pPr>
+            <a:endParaRPr lang="en-GB" sz="3000" dirty="0"/>
+          </a:p>
+          <a:p>
+            <a:pPr marL="0" indent="0">
+              <a:buNone/>
+            </a:pPr>
+            <a:r>
+              <a:rPr lang="en-GB" sz="3000" dirty="0"/>
+              <a:t>	</a:t>
+            </a:r>
+            <a:r>
+              <a:rPr lang="en-GB" sz="3000" dirty="0">
+                <a:solidFill>
+                  <a:schemeClr val="accent1"/>
+                </a:solidFill>
+              </a:rPr>
+              <a:t>print*</a:t>
+            </a:r>
+            <a:r>
+              <a:rPr lang="en-GB" sz="3000" dirty="0"/>
+              <a:t>,</a:t>
+            </a:r>
+            <a:r>
+              <a:rPr lang="en-GB" sz="3000" dirty="0">
+                <a:solidFill>
+                  <a:schemeClr val="accent1"/>
+                </a:solidFill>
+              </a:rPr>
+              <a:t> </a:t>
+            </a:r>
+            <a:r>
+              <a:rPr lang="en-GB" sz="3000" dirty="0">
+                <a:solidFill>
+                  <a:schemeClr val="accent4"/>
+                </a:solidFill>
+              </a:rPr>
+              <a:t>“Hello world” </a:t>
+            </a:r>
+            <a:r>
+              <a:rPr lang="en-GB" sz="3000" dirty="0">
+                <a:solidFill>
+                  <a:schemeClr val="accent6"/>
+                </a:solidFill>
+              </a:rPr>
+              <a:t>!I’ve just printed something!</a:t>
+            </a:r>
+          </a:p>
+          <a:p>
+            <a:pPr marL="0" indent="0">
+              <a:buNone/>
+            </a:pPr>
+            <a:endParaRPr lang="en-GB" sz="3000" dirty="0"/>
+          </a:p>
+          <a:p>
+            <a:pPr marL="0" indent="0">
+              <a:buNone/>
+            </a:pPr>
+            <a:r>
+              <a:rPr lang="en-GB" sz="3000" dirty="0">
+                <a:solidFill>
+                  <a:schemeClr val="accent1"/>
+                </a:solidFill>
+              </a:rPr>
+              <a:t>end program</a:t>
+            </a:r>
+            <a:r>
+              <a:rPr lang="en-GB" sz="3000" dirty="0"/>
+              <a:t> </a:t>
+            </a:r>
+            <a:r>
+              <a:rPr lang="en-GB" sz="3000" dirty="0" err="1"/>
+              <a:t>program_name</a:t>
+            </a:r>
+            <a:endParaRPr lang="en-GB" sz="3000" dirty="0"/>
+          </a:p>
+        </p:txBody>
+      </p:sp>
+      <p:sp>
+        <p:nvSpPr>
+          <p:cNvPr id="4" name="TextBox 3">
+            <a:extLst>
+              <a:ext uri="{FF2B5EF4-FFF2-40B4-BE49-F238E27FC236}">
+                <a16:creationId xmlns:a16="http://schemas.microsoft.com/office/drawing/2014/main" id="{A272A5A3-411E-4E84-948A-CB0C12587FD5}"/>
+              </a:ext>
+            </a:extLst>
+          </p:cNvPr>
+          <p:cNvSpPr txBox="1"/>
+          <p:nvPr/>
+        </p:nvSpPr>
+        <p:spPr>
+          <a:xfrm>
+            <a:off x="5728138" y="6498021"/>
+            <a:ext cx="1765738" cy="369332"/>
+          </a:xfrm>
+          <a:prstGeom prst="rect">
+            <a:avLst/>
+          </a:prstGeom>
+          <a:noFill/>
+        </p:spPr>
+        <p:txBody>
+          <a:bodyPr wrap="square" rtlCol="0">
+            <a:spAutoFit/>
+          </a:bodyPr>
+          <a:lstStyle/>
+          <a:p>
+            <a:r>
+              <a:rPr lang="en-GB" dirty="0">
+                <a:solidFill>
+                  <a:schemeClr val="accent1"/>
+                </a:solidFill>
+              </a:rPr>
+              <a:t>Demonstration</a:t>
+            </a:r>
+          </a:p>
+        </p:txBody>
+      </p:sp>
+      <p:sp>
+        <p:nvSpPr>
+          <p:cNvPr id="5" name="TextBox 4">
+            <a:extLst>
+              <a:ext uri="{FF2B5EF4-FFF2-40B4-BE49-F238E27FC236}">
+                <a16:creationId xmlns:a16="http://schemas.microsoft.com/office/drawing/2014/main" id="{DA57C239-F00E-48FE-95D5-C42BA114537F}"/>
+              </a:ext>
+            </a:extLst>
+          </p:cNvPr>
+          <p:cNvSpPr txBox="1"/>
+          <p:nvPr/>
+        </p:nvSpPr>
+        <p:spPr>
+          <a:xfrm>
+            <a:off x="7357241" y="6498021"/>
+            <a:ext cx="1697422" cy="369332"/>
+          </a:xfrm>
+          <a:prstGeom prst="rect">
+            <a:avLst/>
+          </a:prstGeom>
+          <a:noFill/>
+        </p:spPr>
+        <p:txBody>
+          <a:bodyPr wrap="square" rtlCol="0">
+            <a:spAutoFit/>
+          </a:bodyPr>
+          <a:lstStyle/>
+          <a:p>
+            <a:r>
+              <a:rPr lang="en-GB" dirty="0">
+                <a:solidFill>
+                  <a:schemeClr val="accent2"/>
+                </a:solidFill>
+              </a:rPr>
+              <a:t>Problem Sheet</a:t>
+            </a:r>
+          </a:p>
+        </p:txBody>
+      </p:sp>
+    </p:spTree>
+    <p:extLst>
+      <p:ext uri="{BB962C8B-B14F-4D97-AF65-F5344CB8AC3E}">
+        <p14:creationId xmlns:p14="http://schemas.microsoft.com/office/powerpoint/2010/main" val="746547034"/>
+      </p:ext>
+    </p:extLst>
+  </p:cSld>
+  <p:clrMapOvr>
+    <a:masterClrMapping/>
+  </p:clrMapOvr>
+  <mc:AlternateContent xmlns:mc="http://schemas.openxmlformats.org/markup-compatibility/2006" xmlns:p14="http://schemas.microsoft.com/office/powerpoint/2010/main">
+    <mc:Choice Requires="p14">
+      <p:transition p14:dur="10"/>
+    </mc:Choice>
+    <mc:Fallback xmlns="">
+      <p:transition/>
+    </mc:Fallback>
+  </mc:AlternateContent>
+</p:sld>
+</file>
+
 <file path=ppt/slides/slide14.xml><?xml version="1.0" encoding="utf-8"?>
 <p:sld xmlns:a="http://schemas.openxmlformats.org/drawingml/2006/main" xmlns:r="http://schemas.openxmlformats.org/officeDocument/2006/relationships" xmlns:p="http://schemas.openxmlformats.org/presentationml/2006/main">
   <p:cSld>
@@ -11731,7 +11886,7 @@
           <a:p>
             <a:r>
               <a:rPr lang="en-GB" sz="4000" dirty="0"/>
-              <a:t>My First Program</a:t>
+              <a:t>Variables</a:t>
             </a:r>
           </a:p>
         </p:txBody>
@@ -11754,209 +11909,45 @@
         </p:spPr>
         <p:txBody>
           <a:bodyPr>
-            <a:normAutofit/>
+            <a:normAutofit fontScale="92500"/>
           </a:bodyPr>
           <a:lstStyle/>
           <a:p>
-            <a:pPr marL="0" indent="0">
-              <a:buNone/>
-            </a:pPr>
-            <a:r>
-              <a:rPr lang="en-GB" sz="3000" dirty="0">
-                <a:solidFill>
-                  <a:schemeClr val="accent1"/>
-                </a:solidFill>
-              </a:rPr>
-              <a:t>program</a:t>
-            </a:r>
             <a:r>
               <a:rPr lang="en-GB" sz="3000" dirty="0"/>
-              <a:t> </a:t>
-            </a:r>
-            <a:r>
-              <a:rPr lang="en-GB" sz="3000" dirty="0" err="1"/>
-              <a:t>program_name</a:t>
-            </a:r>
-            <a:endParaRPr lang="en-GB" sz="3000" dirty="0"/>
-          </a:p>
-          <a:p>
-            <a:pPr marL="0" indent="0">
-              <a:buNone/>
-            </a:pPr>
-            <a:endParaRPr lang="en-GB" sz="3000" dirty="0"/>
-          </a:p>
-          <a:p>
-            <a:pPr marL="0" indent="0">
-              <a:buNone/>
-            </a:pPr>
+              <a:t>Variables are stored pieces of information within your code</a:t>
+            </a:r>
+          </a:p>
+          <a:p>
             <a:r>
               <a:rPr lang="en-GB" sz="3000" dirty="0"/>
-              <a:t>	</a:t>
-            </a:r>
-            <a:r>
-              <a:rPr lang="en-GB" sz="3000" dirty="0">
-                <a:solidFill>
-                  <a:schemeClr val="accent6"/>
-                </a:solidFill>
-              </a:rPr>
-              <a:t>!This is a comment</a:t>
-            </a:r>
-          </a:p>
-          <a:p>
-            <a:pPr marL="0" indent="0">
-              <a:buNone/>
-            </a:pPr>
-            <a:endParaRPr lang="en-GB" sz="3000" dirty="0"/>
-          </a:p>
-          <a:p>
-            <a:pPr marL="0" indent="0">
-              <a:buNone/>
-            </a:pPr>
+              <a:t>A variable has a label called the “variable name”</a:t>
+            </a:r>
+          </a:p>
+          <a:p>
             <a:r>
               <a:rPr lang="en-GB" sz="3000" dirty="0"/>
-              <a:t>	</a:t>
-            </a:r>
-            <a:r>
-              <a:rPr lang="en-GB" sz="3000" dirty="0">
-                <a:solidFill>
-                  <a:schemeClr val="accent1"/>
-                </a:solidFill>
-              </a:rPr>
-              <a:t>print*</a:t>
-            </a:r>
+              <a:t>Using the variable name, it is possible to assign a new value to a variable, or use the value stored in the variable for a calculation</a:t>
+            </a:r>
+          </a:p>
+          <a:p>
             <a:r>
               <a:rPr lang="en-GB" sz="3000" dirty="0"/>
-              <a:t>,</a:t>
-            </a:r>
-            <a:r>
-              <a:rPr lang="en-GB" sz="3000" dirty="0">
-                <a:solidFill>
-                  <a:schemeClr val="accent1"/>
-                </a:solidFill>
-              </a:rPr>
-              <a:t> </a:t>
-            </a:r>
-            <a:r>
-              <a:rPr lang="en-GB" sz="3000" dirty="0">
-                <a:solidFill>
-                  <a:schemeClr val="accent4"/>
-                </a:solidFill>
-              </a:rPr>
-              <a:t>“Hello world” </a:t>
-            </a:r>
-            <a:r>
-              <a:rPr lang="en-GB" sz="3000" dirty="0">
-                <a:solidFill>
-                  <a:schemeClr val="accent6"/>
-                </a:solidFill>
-              </a:rPr>
-              <a:t>!I’ve just printed something!</a:t>
-            </a:r>
-          </a:p>
-          <a:p>
-            <a:pPr marL="0" indent="0">
-              <a:buNone/>
-            </a:pPr>
-            <a:endParaRPr lang="en-GB" sz="3000" dirty="0"/>
-          </a:p>
-          <a:p>
-            <a:pPr marL="0" indent="0">
-              <a:buNone/>
-            </a:pPr>
-            <a:r>
-              <a:rPr lang="en-GB" sz="3000" dirty="0">
-                <a:solidFill>
-                  <a:schemeClr val="accent1"/>
-                </a:solidFill>
-              </a:rPr>
-              <a:t>end program</a:t>
-            </a:r>
-            <a:r>
-              <a:rPr lang="en-GB" sz="3000" dirty="0"/>
-              <a:t> </a:t>
-            </a:r>
-            <a:r>
-              <a:rPr lang="en-GB" sz="3000" dirty="0" err="1"/>
-              <a:t>program_name</a:t>
-            </a:r>
-            <a:endParaRPr lang="en-GB" sz="3000" dirty="0"/>
-          </a:p>
-        </p:txBody>
-      </p:sp>
-      <p:sp>
-        <p:nvSpPr>
-          <p:cNvPr id="4" name="TextBox 3">
-            <a:extLst>
-              <a:ext uri="{FF2B5EF4-FFF2-40B4-BE49-F238E27FC236}">
-                <a16:creationId xmlns:a16="http://schemas.microsoft.com/office/drawing/2014/main" id="{A272A5A3-411E-4E84-948A-CB0C12587FD5}"/>
-              </a:ext>
-            </a:extLst>
-          </p:cNvPr>
-          <p:cNvSpPr txBox="1"/>
-          <p:nvPr/>
-        </p:nvSpPr>
-        <p:spPr>
-          <a:xfrm>
-            <a:off x="5728138" y="6498021"/>
-            <a:ext cx="1765738" cy="369332"/>
-          </a:xfrm>
-          <a:prstGeom prst="rect">
-            <a:avLst/>
-          </a:prstGeom>
-          <a:noFill/>
-        </p:spPr>
-        <p:txBody>
-          <a:bodyPr wrap="square" rtlCol="0">
-            <a:spAutoFit/>
-          </a:bodyPr>
-          <a:lstStyle/>
-          <a:p>
-            <a:r>
-              <a:rPr lang="en-GB" dirty="0">
-                <a:solidFill>
-                  <a:schemeClr val="accent1"/>
-                </a:solidFill>
-              </a:rPr>
-              <a:t>Demonstration</a:t>
-            </a:r>
-          </a:p>
-        </p:txBody>
-      </p:sp>
-      <p:sp>
-        <p:nvSpPr>
-          <p:cNvPr id="5" name="TextBox 4">
-            <a:extLst>
-              <a:ext uri="{FF2B5EF4-FFF2-40B4-BE49-F238E27FC236}">
-                <a16:creationId xmlns:a16="http://schemas.microsoft.com/office/drawing/2014/main" id="{DA57C239-F00E-48FE-95D5-C42BA114537F}"/>
-              </a:ext>
-            </a:extLst>
-          </p:cNvPr>
-          <p:cNvSpPr txBox="1"/>
-          <p:nvPr/>
-        </p:nvSpPr>
-        <p:spPr>
-          <a:xfrm>
-            <a:off x="7357241" y="6498021"/>
-            <a:ext cx="1697422" cy="369332"/>
-          </a:xfrm>
-          <a:prstGeom prst="rect">
-            <a:avLst/>
-          </a:prstGeom>
-          <a:noFill/>
-        </p:spPr>
-        <p:txBody>
-          <a:bodyPr wrap="square" rtlCol="0">
-            <a:spAutoFit/>
-          </a:bodyPr>
-          <a:lstStyle/>
-          <a:p>
-            <a:r>
-              <a:rPr lang="en-GB" dirty="0">
-                <a:solidFill>
-                  <a:schemeClr val="accent2"/>
-                </a:solidFill>
-              </a:rPr>
-              <a:t>Problem Sheet</a:t>
+              <a:t>In Fortran, you must “declare” a variable before using it</a:t>
+            </a:r>
+          </a:p>
+          <a:p>
+            <a:pPr lvl="1"/>
+            <a:r>
+              <a:rPr lang="en-GB" sz="2600" dirty="0"/>
+              <a:t>Defines the name</a:t>
+            </a:r>
+          </a:p>
+          <a:p>
+            <a:pPr lvl="1"/>
+            <a:r>
+              <a:rPr lang="en-GB" sz="2600" dirty="0"/>
+              <a:t>Defines the type of value it may hold </a:t>
             </a:r>
           </a:p>
         </p:txBody>
@@ -11964,7 +11955,7 @@
     </p:spTree>
     <p:extLst>
       <p:ext uri="{BB962C8B-B14F-4D97-AF65-F5344CB8AC3E}">
-        <p14:creationId xmlns:p14="http://schemas.microsoft.com/office/powerpoint/2010/main" val="746547034"/>
+        <p14:creationId xmlns:p14="http://schemas.microsoft.com/office/powerpoint/2010/main" val="3140181227"/>
       </p:ext>
     </p:extLst>
   </p:cSld>
@@ -12039,45 +12030,181 @@
         </p:spPr>
         <p:txBody>
           <a:bodyPr>
-            <a:normAutofit fontScale="92500"/>
+            <a:normAutofit/>
           </a:bodyPr>
           <a:lstStyle/>
           <a:p>
-            <a:r>
-              <a:rPr lang="en-GB" sz="3000" dirty="0"/>
-              <a:t>Variables are stored pieces of information within your code</a:t>
-            </a:r>
-          </a:p>
-          <a:p>
-            <a:r>
-              <a:rPr lang="en-GB" sz="3000" dirty="0"/>
-              <a:t>A variable has a label called the “variable name”</a:t>
-            </a:r>
-          </a:p>
-          <a:p>
-            <a:r>
-              <a:rPr lang="en-GB" sz="3000" dirty="0"/>
-              <a:t>Using the variable name, it is possible to assign a new value to a variable, or use the value stored in the variable for a calculation</a:t>
-            </a:r>
-          </a:p>
-          <a:p>
-            <a:r>
-              <a:rPr lang="en-GB" sz="3000" dirty="0"/>
-              <a:t>In Fortran, you must “declare” a variable before using it</a:t>
-            </a:r>
-          </a:p>
-          <a:p>
-            <a:pPr lvl="1"/>
-            <a:r>
-              <a:rPr lang="en-GB" sz="2600" dirty="0"/>
-              <a:t>Defines the name</a:t>
-            </a:r>
-          </a:p>
-          <a:p>
-            <a:pPr lvl="1"/>
-            <a:r>
-              <a:rPr lang="en-GB" sz="2600" dirty="0"/>
-              <a:t>Defines the type of value it may hold </a:t>
+            <a:pPr marL="0" indent="0">
+              <a:buNone/>
+            </a:pPr>
+            <a:r>
+              <a:rPr lang="en-GB" dirty="0">
+                <a:solidFill>
+                  <a:schemeClr val="accent5"/>
+                </a:solidFill>
+              </a:rPr>
+              <a:t>integer </a:t>
+            </a:r>
+            <a:r>
+              <a:rPr lang="en-GB" dirty="0"/>
+              <a:t>					::  int1, int2, int3</a:t>
+            </a:r>
+          </a:p>
+          <a:p>
+            <a:pPr marL="0" indent="0">
+              <a:buNone/>
+            </a:pPr>
+            <a:r>
+              <a:rPr lang="en-GB" dirty="0">
+                <a:solidFill>
+                  <a:schemeClr val="accent5"/>
+                </a:solidFill>
+              </a:rPr>
+              <a:t>real</a:t>
+            </a:r>
+            <a:r>
+              <a:rPr lang="en-GB" dirty="0"/>
+              <a:t>    					::  real1</a:t>
+            </a:r>
+          </a:p>
+          <a:p>
+            <a:pPr marL="0" indent="0">
+              <a:buNone/>
+            </a:pPr>
+            <a:r>
+              <a:rPr lang="en-GB" dirty="0">
+                <a:solidFill>
+                  <a:schemeClr val="accent5"/>
+                </a:solidFill>
+              </a:rPr>
+              <a:t>real </a:t>
+            </a:r>
+            <a:r>
+              <a:rPr lang="en-GB" dirty="0"/>
+              <a:t>   					::  real2</a:t>
+            </a:r>
+          </a:p>
+          <a:p>
+            <a:pPr marL="0" indent="0">
+              <a:buNone/>
+            </a:pPr>
+            <a:r>
+              <a:rPr lang="en-GB" dirty="0">
+                <a:solidFill>
+                  <a:schemeClr val="accent5"/>
+                </a:solidFill>
+              </a:rPr>
+              <a:t>character</a:t>
+            </a:r>
+            <a:r>
+              <a:rPr lang="en-GB" dirty="0"/>
+              <a:t>(</a:t>
+            </a:r>
+            <a:r>
+              <a:rPr lang="en-GB" dirty="0">
+                <a:solidFill>
+                  <a:schemeClr val="accent2"/>
+                </a:solidFill>
+              </a:rPr>
+              <a:t>100</a:t>
+            </a:r>
+            <a:r>
+              <a:rPr lang="en-GB" dirty="0"/>
+              <a:t>)  	::  char1, char2</a:t>
+            </a:r>
+          </a:p>
+          <a:p>
+            <a:pPr marL="0" indent="0">
+              <a:buNone/>
+            </a:pPr>
+            <a:endParaRPr lang="en-GB" dirty="0"/>
+          </a:p>
+          <a:p>
+            <a:pPr marL="0" indent="0">
+              <a:buNone/>
+            </a:pPr>
+            <a:r>
+              <a:rPr lang="en-GB" dirty="0"/>
+              <a:t>int1=</a:t>
+            </a:r>
+            <a:r>
+              <a:rPr lang="en-GB" dirty="0">
+                <a:solidFill>
+                  <a:schemeClr val="accent2"/>
+                </a:solidFill>
+              </a:rPr>
+              <a:t>1</a:t>
+            </a:r>
+          </a:p>
+          <a:p>
+            <a:pPr marL="0" indent="0">
+              <a:buNone/>
+            </a:pPr>
+            <a:r>
+              <a:rPr lang="en-GB" dirty="0"/>
+              <a:t>int2=</a:t>
+            </a:r>
+            <a:r>
+              <a:rPr lang="en-GB" dirty="0">
+                <a:solidFill>
+                  <a:schemeClr val="accent2"/>
+                </a:solidFill>
+              </a:rPr>
+              <a:t>3</a:t>
+            </a:r>
+          </a:p>
+          <a:p>
+            <a:pPr marL="0" indent="0">
+              <a:buNone/>
+            </a:pPr>
+            <a:r>
+              <a:rPr lang="en-GB" dirty="0"/>
+              <a:t>int3=int1+int2</a:t>
+            </a:r>
+          </a:p>
+          <a:p>
+            <a:pPr marL="0" indent="0">
+              <a:buNone/>
+            </a:pPr>
+            <a:endParaRPr lang="en-GB" dirty="0"/>
+          </a:p>
+        </p:txBody>
+      </p:sp>
+      <p:sp>
+        <p:nvSpPr>
+          <p:cNvPr id="4" name="TextBox 3">
+            <a:extLst>
+              <a:ext uri="{FF2B5EF4-FFF2-40B4-BE49-F238E27FC236}">
+                <a16:creationId xmlns:a16="http://schemas.microsoft.com/office/drawing/2014/main" id="{BC5FB365-6269-4987-AD2B-497FC6B31569}"/>
+              </a:ext>
+            </a:extLst>
+          </p:cNvPr>
+          <p:cNvSpPr txBox="1"/>
+          <p:nvPr/>
+        </p:nvSpPr>
+        <p:spPr>
+          <a:xfrm>
+            <a:off x="5728138" y="6498021"/>
+            <a:ext cx="1765738" cy="369332"/>
+          </a:xfrm>
+          <a:prstGeom prst="rect">
+            <a:avLst/>
+          </a:prstGeom>
+          <a:noFill/>
+        </p:spPr>
+        <p:txBody>
+          <a:bodyPr wrap="square" rtlCol="0">
+            <a:spAutoFit/>
+          </a:bodyPr>
+          <a:lstStyle/>
+          <a:p>
+            <a:r>
+              <a:rPr lang="en-GB" dirty="0">
+                <a:solidFill>
+                  <a:schemeClr val="accent1"/>
+                </a:solidFill>
+              </a:rPr>
+              <a:t>Demonstration</a:t>
             </a:r>
           </a:p>
         </p:txBody>
@@ -12085,7 +12212,7 @@
     </p:spTree>
     <p:extLst>
       <p:ext uri="{BB962C8B-B14F-4D97-AF65-F5344CB8AC3E}">
-        <p14:creationId xmlns:p14="http://schemas.microsoft.com/office/powerpoint/2010/main" val="3140181227"/>
+        <p14:creationId xmlns:p14="http://schemas.microsoft.com/office/powerpoint/2010/main" val="2454815734"/>
       </p:ext>
     </p:extLst>
   </p:cSld>
@@ -12137,7 +12264,7 @@
           <a:p>
             <a:r>
               <a:rPr lang="en-GB" sz="4000" dirty="0"/>
-              <a:t>Variables</a:t>
+              <a:t>Variable Naming Rules</a:t>
             </a:r>
           </a:p>
         </p:txBody>
@@ -12160,181 +12287,51 @@
         </p:spPr>
         <p:txBody>
           <a:bodyPr>
-            <a:normAutofit/>
+            <a:normAutofit lnSpcReduction="10000"/>
           </a:bodyPr>
           <a:lstStyle/>
           <a:p>
-            <a:pPr marL="0" indent="0">
-              <a:buNone/>
-            </a:pPr>
-            <a:r>
-              <a:rPr lang="en-GB" dirty="0">
-                <a:solidFill>
-                  <a:schemeClr val="accent5"/>
-                </a:solidFill>
-              </a:rPr>
-              <a:t>integer </a:t>
-            </a:r>
-            <a:r>
-              <a:rPr lang="en-GB" dirty="0"/>
-              <a:t>					::  int1, int2, int3</a:t>
-            </a:r>
-          </a:p>
-          <a:p>
-            <a:pPr marL="0" indent="0">
-              <a:buNone/>
-            </a:pPr>
-            <a:r>
-              <a:rPr lang="en-GB" dirty="0">
-                <a:solidFill>
-                  <a:schemeClr val="accent5"/>
-                </a:solidFill>
-              </a:rPr>
-              <a:t>real</a:t>
-            </a:r>
-            <a:r>
-              <a:rPr lang="en-GB" dirty="0"/>
-              <a:t>    					::  real1</a:t>
-            </a:r>
-          </a:p>
-          <a:p>
-            <a:pPr marL="0" indent="0">
-              <a:buNone/>
-            </a:pPr>
-            <a:r>
-              <a:rPr lang="en-GB" dirty="0">
-                <a:solidFill>
-                  <a:schemeClr val="accent5"/>
-                </a:solidFill>
-              </a:rPr>
-              <a:t>real </a:t>
-            </a:r>
-            <a:r>
-              <a:rPr lang="en-GB" dirty="0"/>
-              <a:t>   					::  real2</a:t>
-            </a:r>
-          </a:p>
-          <a:p>
-            <a:pPr marL="0" indent="0">
-              <a:buNone/>
-            </a:pPr>
-            <a:r>
-              <a:rPr lang="en-GB" dirty="0">
-                <a:solidFill>
-                  <a:schemeClr val="accent5"/>
-                </a:solidFill>
-              </a:rPr>
-              <a:t>character</a:t>
-            </a:r>
-            <a:r>
-              <a:rPr lang="en-GB" dirty="0"/>
-              <a:t>(</a:t>
-            </a:r>
-            <a:r>
-              <a:rPr lang="en-GB" dirty="0">
-                <a:solidFill>
-                  <a:schemeClr val="accent2"/>
-                </a:solidFill>
-              </a:rPr>
-              <a:t>100</a:t>
-            </a:r>
-            <a:r>
-              <a:rPr lang="en-GB" dirty="0"/>
-              <a:t>)  	::  char1, char2</a:t>
-            </a:r>
-          </a:p>
-          <a:p>
-            <a:pPr marL="0" indent="0">
-              <a:buNone/>
-            </a:pPr>
-            <a:endParaRPr lang="en-GB" dirty="0"/>
-          </a:p>
-          <a:p>
-            <a:pPr marL="0" indent="0">
-              <a:buNone/>
-            </a:pPr>
-            <a:r>
-              <a:rPr lang="en-GB" dirty="0"/>
-              <a:t>int1=</a:t>
-            </a:r>
-            <a:r>
-              <a:rPr lang="en-GB" dirty="0">
-                <a:solidFill>
-                  <a:schemeClr val="accent2"/>
-                </a:solidFill>
-              </a:rPr>
-              <a:t>1</a:t>
-            </a:r>
-          </a:p>
-          <a:p>
-            <a:pPr marL="0" indent="0">
-              <a:buNone/>
-            </a:pPr>
-            <a:r>
-              <a:rPr lang="en-GB" dirty="0"/>
-              <a:t>int2=</a:t>
-            </a:r>
-            <a:r>
-              <a:rPr lang="en-GB" dirty="0">
-                <a:solidFill>
-                  <a:schemeClr val="accent2"/>
-                </a:solidFill>
-              </a:rPr>
-              <a:t>3</a:t>
-            </a:r>
-          </a:p>
-          <a:p>
-            <a:pPr marL="0" indent="0">
-              <a:buNone/>
-            </a:pPr>
-            <a:r>
-              <a:rPr lang="en-GB" dirty="0"/>
-              <a:t>int3=int1+int2</a:t>
-            </a:r>
-          </a:p>
-          <a:p>
-            <a:pPr marL="0" indent="0">
-              <a:buNone/>
-            </a:pPr>
-            <a:endParaRPr lang="en-GB" dirty="0"/>
-          </a:p>
-        </p:txBody>
-      </p:sp>
-      <p:sp>
-        <p:nvSpPr>
-          <p:cNvPr id="4" name="TextBox 3">
-            <a:extLst>
-              <a:ext uri="{FF2B5EF4-FFF2-40B4-BE49-F238E27FC236}">
-                <a16:creationId xmlns:a16="http://schemas.microsoft.com/office/drawing/2014/main" id="{BC5FB365-6269-4987-AD2B-497FC6B31569}"/>
-              </a:ext>
-            </a:extLst>
-          </p:cNvPr>
-          <p:cNvSpPr txBox="1"/>
-          <p:nvPr/>
-        </p:nvSpPr>
-        <p:spPr>
-          <a:xfrm>
-            <a:off x="5728138" y="6498021"/>
-            <a:ext cx="1765738" cy="369332"/>
-          </a:xfrm>
-          <a:prstGeom prst="rect">
-            <a:avLst/>
-          </a:prstGeom>
-          <a:noFill/>
-        </p:spPr>
-        <p:txBody>
-          <a:bodyPr wrap="square" rtlCol="0">
-            <a:spAutoFit/>
-          </a:bodyPr>
-          <a:lstStyle/>
-          <a:p>
-            <a:r>
-              <a:rPr lang="en-GB" dirty="0">
-                <a:solidFill>
-                  <a:schemeClr val="accent1"/>
-                </a:solidFill>
-              </a:rPr>
-              <a:t>Demonstration</a:t>
+            <a:r>
+              <a:rPr lang="en-GB" sz="3000" dirty="0"/>
+              <a:t>Must start with a letter</a:t>
+            </a:r>
+          </a:p>
+          <a:p>
+            <a:r>
+              <a:rPr lang="en-GB" sz="3000" dirty="0"/>
+              <a:t>Must contain only letters, numbers and underscores</a:t>
+            </a:r>
+          </a:p>
+          <a:p>
+            <a:r>
+              <a:rPr lang="en-GB" sz="3000" dirty="0"/>
+              <a:t>Case-insensitive</a:t>
+            </a:r>
+          </a:p>
+          <a:p>
+            <a:r>
+              <a:rPr lang="en-GB" sz="3000" dirty="0"/>
+              <a:t>Must be 31 characters or less</a:t>
+            </a:r>
+          </a:p>
+          <a:p>
+            <a:r>
+              <a:rPr lang="en-GB" sz="3000" dirty="0"/>
+              <a:t>By default, variables will be assumed to have a particular type if they haven’t been declared</a:t>
+            </a:r>
+          </a:p>
+          <a:p>
+            <a:pPr lvl="1"/>
+            <a:r>
+              <a:rPr lang="en-GB" sz="2600" dirty="0"/>
+              <a:t>A bad idea</a:t>
+            </a:r>
+          </a:p>
+          <a:p>
+            <a:pPr lvl="1"/>
+            <a:r>
+              <a:rPr lang="en-GB" sz="2600" dirty="0"/>
+              <a:t>Can be suppressed by writing “implicit none” at the top of the routine: do this every time</a:t>
             </a:r>
           </a:p>
         </p:txBody>
@@ -12342,7 +12339,7 @@
     </p:spTree>
     <p:extLst>
       <p:ext uri="{BB962C8B-B14F-4D97-AF65-F5344CB8AC3E}">
-        <p14:creationId xmlns:p14="http://schemas.microsoft.com/office/powerpoint/2010/main" val="2454815734"/>
+        <p14:creationId xmlns:p14="http://schemas.microsoft.com/office/powerpoint/2010/main" val="2849987525"/>
       </p:ext>
     </p:extLst>
   </p:cSld>
@@ -12394,133 +12391,6 @@
           <a:p>
             <a:r>
               <a:rPr lang="en-GB" sz="4000" dirty="0"/>
-              <a:t>Variable Naming Rules</a:t>
-            </a:r>
-          </a:p>
-        </p:txBody>
-      </p:sp>
-      <p:sp>
-        <p:nvSpPr>
-          <p:cNvPr id="3" name="Content Placeholder 2"/>
-          <p:cNvSpPr>
-            <a:spLocks noGrp="1"/>
-          </p:cNvSpPr>
-          <p:nvPr>
-            <p:ph idx="1"/>
-          </p:nvPr>
-        </p:nvSpPr>
-        <p:spPr>
-          <a:xfrm>
-            <a:off x="457200" y="1600200"/>
-            <a:ext cx="8435280" cy="4876800"/>
-          </a:xfrm>
-        </p:spPr>
-        <p:txBody>
-          <a:bodyPr>
-            <a:normAutofit lnSpcReduction="10000"/>
-          </a:bodyPr>
-          <a:lstStyle/>
-          <a:p>
-            <a:r>
-              <a:rPr lang="en-GB" sz="3000" dirty="0"/>
-              <a:t>Must start with a letter</a:t>
-            </a:r>
-          </a:p>
-          <a:p>
-            <a:r>
-              <a:rPr lang="en-GB" sz="3000" dirty="0"/>
-              <a:t>Must contain only letters, numbers and underscores</a:t>
-            </a:r>
-          </a:p>
-          <a:p>
-            <a:r>
-              <a:rPr lang="en-GB" sz="3000" dirty="0"/>
-              <a:t>Case-insensitive</a:t>
-            </a:r>
-          </a:p>
-          <a:p>
-            <a:r>
-              <a:rPr lang="en-GB" sz="3000" dirty="0"/>
-              <a:t>Must be 31 characters or less</a:t>
-            </a:r>
-          </a:p>
-          <a:p>
-            <a:r>
-              <a:rPr lang="en-GB" sz="3000" dirty="0"/>
-              <a:t>By default, variables will be assumed to have a particular type if they haven’t been declared</a:t>
-            </a:r>
-          </a:p>
-          <a:p>
-            <a:pPr lvl="1"/>
-            <a:r>
-              <a:rPr lang="en-GB" sz="2600" dirty="0"/>
-              <a:t>A bad idea</a:t>
-            </a:r>
-          </a:p>
-          <a:p>
-            <a:pPr lvl="1"/>
-            <a:r>
-              <a:rPr lang="en-GB" sz="2600" dirty="0"/>
-              <a:t>Can be suppressed by writing “implicit none” at the top of the routine: do this every time</a:t>
-            </a:r>
-          </a:p>
-        </p:txBody>
-      </p:sp>
-    </p:spTree>
-    <p:extLst>
-      <p:ext uri="{BB962C8B-B14F-4D97-AF65-F5344CB8AC3E}">
-        <p14:creationId xmlns:p14="http://schemas.microsoft.com/office/powerpoint/2010/main" val="2849987525"/>
-      </p:ext>
-    </p:extLst>
-  </p:cSld>
-  <p:clrMapOvr>
-    <a:masterClrMapping/>
-  </p:clrMapOvr>
-  <mc:AlternateContent xmlns:mc="http://schemas.openxmlformats.org/markup-compatibility/2006" xmlns:p14="http://schemas.microsoft.com/office/powerpoint/2010/main">
-    <mc:Choice Requires="p14">
-      <p:transition p14:dur="10"/>
-    </mc:Choice>
-    <mc:Fallback xmlns="">
-      <p:transition/>
-    </mc:Fallback>
-  </mc:AlternateContent>
-</p:sld>
-</file>
-
-<file path=ppt/slides/slide18.xml><?xml version="1.0" encoding="utf-8"?>
-<p:sld xmlns:a="http://schemas.openxmlformats.org/drawingml/2006/main" xmlns:r="http://schemas.openxmlformats.org/officeDocument/2006/relationships" xmlns:p="http://schemas.openxmlformats.org/presentationml/2006/main">
-  <p:cSld>
-    <p:spTree>
-      <p:nvGrpSpPr>
-        <p:cNvPr id="1" name=""/>
-        <p:cNvGrpSpPr/>
-        <p:nvPr/>
-      </p:nvGrpSpPr>
-      <p:grpSpPr>
-        <a:xfrm>
-          <a:off x="0" y="0"/>
-          <a:ext cx="0" cy="0"/>
-          <a:chOff x="0" y="0"/>
-          <a:chExt cx="0" cy="0"/>
-        </a:xfrm>
-      </p:grpSpPr>
-      <p:sp>
-        <p:nvSpPr>
-          <p:cNvPr id="2" name="Title 1"/>
-          <p:cNvSpPr>
-            <a:spLocks noGrp="1"/>
-          </p:cNvSpPr>
-          <p:nvPr>
-            <p:ph type="title"/>
-          </p:nvPr>
-        </p:nvSpPr>
-        <p:spPr/>
-        <p:txBody>
-          <a:bodyPr/>
-          <a:lstStyle/>
-          <a:p>
-            <a:r>
-              <a:rPr lang="en-GB" sz="4000" dirty="0"/>
               <a:t>Assignment</a:t>
             </a:r>
           </a:p>
@@ -12621,7 +12491,7 @@
 </p:sld>
 </file>
 
-<file path=ppt/slides/slide19.xml><?xml version="1.0" encoding="utf-8"?>
+<file path=ppt/slides/slide18.xml><?xml version="1.0" encoding="utf-8"?>
 <p:sld xmlns:a="http://schemas.openxmlformats.org/drawingml/2006/main" xmlns:r="http://schemas.openxmlformats.org/officeDocument/2006/relationships" xmlns:p="http://schemas.openxmlformats.org/presentationml/2006/main">
   <p:cSld>
     <p:spTree>
@@ -13125,133 +12995,7 @@
 </p:sld>
 </file>
 
-<file path=ppt/slides/slide2.xml><?xml version="1.0" encoding="utf-8"?>
-<p:sld xmlns:a="http://schemas.openxmlformats.org/drawingml/2006/main" xmlns:r="http://schemas.openxmlformats.org/officeDocument/2006/relationships" xmlns:p="http://schemas.openxmlformats.org/presentationml/2006/main">
-  <p:cSld>
-    <p:spTree>
-      <p:nvGrpSpPr>
-        <p:cNvPr id="1" name=""/>
-        <p:cNvGrpSpPr/>
-        <p:nvPr/>
-      </p:nvGrpSpPr>
-      <p:grpSpPr>
-        <a:xfrm>
-          <a:off x="0" y="0"/>
-          <a:ext cx="0" cy="0"/>
-          <a:chOff x="0" y="0"/>
-          <a:chExt cx="0" cy="0"/>
-        </a:xfrm>
-      </p:grpSpPr>
-      <p:sp>
-        <p:nvSpPr>
-          <p:cNvPr id="2" name="Title 1"/>
-          <p:cNvSpPr>
-            <a:spLocks noGrp="1"/>
-          </p:cNvSpPr>
-          <p:nvPr>
-            <p:ph type="title"/>
-          </p:nvPr>
-        </p:nvSpPr>
-        <p:spPr>
-          <a:xfrm>
-            <a:off x="401319" y="1431416"/>
-            <a:ext cx="8388117" cy="4549506"/>
-          </a:xfrm>
-        </p:spPr>
-        <p:txBody>
-          <a:bodyPr/>
-          <a:lstStyle/>
-          <a:p>
-            <a:pPr algn="ctr"/>
-            <a:r>
-              <a:rPr lang="en-GB" sz="2800" u="sng" dirty="0"/>
-              <a:t>Important Information on Marking your Attendance on Inkpath</a:t>
-            </a:r>
-            <a:br>
-              <a:rPr lang="en-GB" sz="2800" u="sng" dirty="0"/>
-            </a:br>
-            <a:br>
-              <a:rPr lang="en-GB" sz="2800" u="sng" dirty="0"/>
-            </a:br>
-            <a:br>
-              <a:rPr lang="en-GB" sz="2800" dirty="0"/>
-            </a:br>
-            <a:r>
-              <a:rPr lang="en-GB" sz="2800" dirty="0"/>
-              <a:t>I will show you a QR code at the end of the session allowing you to mark your attendance on Inkpath. Please do not mark your attendance until then.</a:t>
-            </a:r>
-            <a:br>
-              <a:rPr lang="en-GB" sz="2800" dirty="0"/>
-            </a:br>
-            <a:br>
-              <a:rPr lang="en-GB" sz="2800" dirty="0">
-                <a:latin typeface="Calibri" panose="020F0502020204030204" pitchFamily="34" charset="0"/>
-                <a:cs typeface="Calibri" panose="020F0502020204030204" pitchFamily="34" charset="0"/>
-              </a:rPr>
-            </a:br>
-            <a:r>
-              <a:rPr lang="en-GB" sz="2800" dirty="0">
-                <a:effectLst/>
-                <a:ea typeface="Times New Roman" panose="02020603050405020304" pitchFamily="18" charset="0"/>
-                <a:cs typeface="Calibri" panose="020F0502020204030204" pitchFamily="34" charset="0"/>
-              </a:rPr>
-              <a:t>If you are not a Postgraduate Research student and didn’t book via Inkpath, your attendance will be marked on a separate database.</a:t>
-            </a:r>
-            <a:endParaRPr lang="en-GB" sz="2800" dirty="0"/>
-          </a:p>
-        </p:txBody>
-      </p:sp>
-      <p:sp>
-        <p:nvSpPr>
-          <p:cNvPr id="7" name="TextBox 6"/>
-          <p:cNvSpPr txBox="1"/>
-          <p:nvPr/>
-        </p:nvSpPr>
-        <p:spPr>
-          <a:xfrm>
-            <a:off x="552450" y="3214433"/>
-            <a:ext cx="2171700" cy="830997"/>
-          </a:xfrm>
-          <a:prstGeom prst="rect">
-            <a:avLst/>
-          </a:prstGeom>
-          <a:noFill/>
-        </p:spPr>
-        <p:txBody>
-          <a:bodyPr wrap="square" rtlCol="0">
-            <a:spAutoFit/>
-          </a:bodyPr>
-          <a:lstStyle/>
-          <a:p>
-            <a:endParaRPr lang="en-GB" sz="2400" dirty="0">
-              <a:solidFill>
-                <a:srgbClr val="002060"/>
-              </a:solidFill>
-            </a:endParaRPr>
-          </a:p>
-          <a:p>
-            <a:endParaRPr lang="en-GB" sz="2400" dirty="0">
-              <a:solidFill>
-                <a:srgbClr val="002060"/>
-              </a:solidFill>
-            </a:endParaRPr>
-          </a:p>
-        </p:txBody>
-      </p:sp>
-    </p:spTree>
-    <p:extLst>
-      <p:ext uri="{BB962C8B-B14F-4D97-AF65-F5344CB8AC3E}">
-        <p14:creationId xmlns:p14="http://schemas.microsoft.com/office/powerpoint/2010/main" val="3686223621"/>
-      </p:ext>
-    </p:extLst>
-  </p:cSld>
-  <p:clrMapOvr>
-    <a:masterClrMapping/>
-  </p:clrMapOvr>
-</p:sld>
-</file>
-
-<file path=ppt/slides/slide20.xml><?xml version="1.0" encoding="utf-8"?>
+<file path=ppt/slides/slide19.xml><?xml version="1.0" encoding="utf-8"?>
 <p:sld xmlns:a="http://schemas.openxmlformats.org/drawingml/2006/main" xmlns:r="http://schemas.openxmlformats.org/officeDocument/2006/relationships" xmlns:p="http://schemas.openxmlformats.org/presentationml/2006/main">
   <p:cSld>
     <p:spTree>
@@ -13724,7 +13468,133 @@
 </p:sld>
 </file>
 
-<file path=ppt/slides/slide21.xml><?xml version="1.0" encoding="utf-8"?>
+<file path=ppt/slides/slide2.xml><?xml version="1.0" encoding="utf-8"?>
+<p:sld xmlns:a="http://schemas.openxmlformats.org/drawingml/2006/main" xmlns:r="http://schemas.openxmlformats.org/officeDocument/2006/relationships" xmlns:p="http://schemas.openxmlformats.org/presentationml/2006/main">
+  <p:cSld>
+    <p:spTree>
+      <p:nvGrpSpPr>
+        <p:cNvPr id="1" name=""/>
+        <p:cNvGrpSpPr/>
+        <p:nvPr/>
+      </p:nvGrpSpPr>
+      <p:grpSpPr>
+        <a:xfrm>
+          <a:off x="0" y="0"/>
+          <a:ext cx="0" cy="0"/>
+          <a:chOff x="0" y="0"/>
+          <a:chExt cx="0" cy="0"/>
+        </a:xfrm>
+      </p:grpSpPr>
+      <p:sp>
+        <p:nvSpPr>
+          <p:cNvPr id="2" name="Title 1"/>
+          <p:cNvSpPr>
+            <a:spLocks noGrp="1"/>
+          </p:cNvSpPr>
+          <p:nvPr>
+            <p:ph type="title"/>
+          </p:nvPr>
+        </p:nvSpPr>
+        <p:spPr>
+          <a:xfrm>
+            <a:off x="401319" y="1431416"/>
+            <a:ext cx="8388117" cy="4549506"/>
+          </a:xfrm>
+        </p:spPr>
+        <p:txBody>
+          <a:bodyPr/>
+          <a:lstStyle/>
+          <a:p>
+            <a:pPr algn="ctr"/>
+            <a:r>
+              <a:rPr lang="en-GB" sz="2800" u="sng" dirty="0"/>
+              <a:t>Important Information on Marking your Attendance on Inkpath</a:t>
+            </a:r>
+            <a:br>
+              <a:rPr lang="en-GB" sz="2800" u="sng" dirty="0"/>
+            </a:br>
+            <a:br>
+              <a:rPr lang="en-GB" sz="2800" u="sng" dirty="0"/>
+            </a:br>
+            <a:br>
+              <a:rPr lang="en-GB" sz="2800" dirty="0"/>
+            </a:br>
+            <a:r>
+              <a:rPr lang="en-GB" sz="2800" dirty="0"/>
+              <a:t>I will show you a QR code at the end of the session allowing you to mark your attendance on Inkpath. Please do not mark your attendance until then.</a:t>
+            </a:r>
+            <a:br>
+              <a:rPr lang="en-GB" sz="2800" dirty="0"/>
+            </a:br>
+            <a:br>
+              <a:rPr lang="en-GB" sz="2800" dirty="0">
+                <a:latin typeface="Calibri" panose="020F0502020204030204" pitchFamily="34" charset="0"/>
+                <a:cs typeface="Calibri" panose="020F0502020204030204" pitchFamily="34" charset="0"/>
+              </a:rPr>
+            </a:br>
+            <a:r>
+              <a:rPr lang="en-GB" sz="2800" dirty="0">
+                <a:effectLst/>
+                <a:ea typeface="Times New Roman" panose="02020603050405020304" pitchFamily="18" charset="0"/>
+                <a:cs typeface="Calibri" panose="020F0502020204030204" pitchFamily="34" charset="0"/>
+              </a:rPr>
+              <a:t>If you are not a Postgraduate Research student and didn’t book via Inkpath, your attendance will be marked on a separate database.</a:t>
+            </a:r>
+            <a:endParaRPr lang="en-GB" sz="2800" dirty="0"/>
+          </a:p>
+        </p:txBody>
+      </p:sp>
+      <p:sp>
+        <p:nvSpPr>
+          <p:cNvPr id="7" name="TextBox 6"/>
+          <p:cNvSpPr txBox="1"/>
+          <p:nvPr/>
+        </p:nvSpPr>
+        <p:spPr>
+          <a:xfrm>
+            <a:off x="552450" y="3214433"/>
+            <a:ext cx="2171700" cy="830997"/>
+          </a:xfrm>
+          <a:prstGeom prst="rect">
+            <a:avLst/>
+          </a:prstGeom>
+          <a:noFill/>
+        </p:spPr>
+        <p:txBody>
+          <a:bodyPr wrap="square" rtlCol="0">
+            <a:spAutoFit/>
+          </a:bodyPr>
+          <a:lstStyle/>
+          <a:p>
+            <a:endParaRPr lang="en-GB" sz="2400" dirty="0">
+              <a:solidFill>
+                <a:srgbClr val="002060"/>
+              </a:solidFill>
+            </a:endParaRPr>
+          </a:p>
+          <a:p>
+            <a:endParaRPr lang="en-GB" sz="2400" dirty="0">
+              <a:solidFill>
+                <a:srgbClr val="002060"/>
+              </a:solidFill>
+            </a:endParaRPr>
+          </a:p>
+        </p:txBody>
+      </p:sp>
+    </p:spTree>
+    <p:extLst>
+      <p:ext uri="{BB962C8B-B14F-4D97-AF65-F5344CB8AC3E}">
+        <p14:creationId xmlns:p14="http://schemas.microsoft.com/office/powerpoint/2010/main" val="3686223621"/>
+      </p:ext>
+    </p:extLst>
+  </p:cSld>
+  <p:clrMapOvr>
+    <a:masterClrMapping/>
+  </p:clrMapOvr>
+</p:sld>
+</file>
+
+<file path=ppt/slides/slide20.xml><?xml version="1.0" encoding="utf-8"?>
 <p:sld xmlns:a="http://schemas.openxmlformats.org/drawingml/2006/main" xmlns:r="http://schemas.openxmlformats.org/officeDocument/2006/relationships" xmlns:p="http://schemas.openxmlformats.org/presentationml/2006/main">
   <p:cSld>
     <p:spTree>
@@ -14494,7 +14364,7 @@
 </p:sld>
 </file>
 
-<file path=ppt/slides/slide22.xml><?xml version="1.0" encoding="utf-8"?>
+<file path=ppt/slides/slide21.xml><?xml version="1.0" encoding="utf-8"?>
 <p:sld xmlns:a="http://schemas.openxmlformats.org/drawingml/2006/main" xmlns:r="http://schemas.openxmlformats.org/officeDocument/2006/relationships" xmlns:p="http://schemas.openxmlformats.org/presentationml/2006/main">
   <p:cSld>
     <p:spTree>
@@ -14644,7 +14514,7 @@
 </p:sld>
 </file>
 
-<file path=ppt/slides/slide23.xml><?xml version="1.0" encoding="utf-8"?>
+<file path=ppt/slides/slide22.xml><?xml version="1.0" encoding="utf-8"?>
 <p:sld xmlns:a="http://schemas.openxmlformats.org/drawingml/2006/main" xmlns:r="http://schemas.openxmlformats.org/officeDocument/2006/relationships" xmlns:p="http://schemas.openxmlformats.org/presentationml/2006/main">
   <p:cSld>
     <p:spTree>
@@ -15446,7 +15316,7 @@
 </p:sld>
 </file>
 
-<file path=ppt/slides/slide24.xml><?xml version="1.0" encoding="utf-8"?>
+<file path=ppt/slides/slide23.xml><?xml version="1.0" encoding="utf-8"?>
 <p:sld xmlns:a="http://schemas.openxmlformats.org/drawingml/2006/main" xmlns:r="http://schemas.openxmlformats.org/officeDocument/2006/relationships" xmlns:p="http://schemas.openxmlformats.org/presentationml/2006/main">
   <p:cSld>
     <p:spTree>
@@ -16437,7 +16307,7 @@
 </p:sld>
 </file>
 
-<file path=ppt/slides/slide25.xml><?xml version="1.0" encoding="utf-8"?>
+<file path=ppt/slides/slide24.xml><?xml version="1.0" encoding="utf-8"?>
 <p:sld xmlns:a="http://schemas.openxmlformats.org/drawingml/2006/main" xmlns:r="http://schemas.openxmlformats.org/officeDocument/2006/relationships" xmlns:p="http://schemas.openxmlformats.org/presentationml/2006/main">
   <p:cSld>
     <p:spTree>
@@ -17243,6 +17113,329 @@
 </p:sld>
 </file>
 
+<file path=ppt/slides/slide25.xml><?xml version="1.0" encoding="utf-8"?>
+<p:sld xmlns:a="http://schemas.openxmlformats.org/drawingml/2006/main" xmlns:r="http://schemas.openxmlformats.org/officeDocument/2006/relationships" xmlns:p="http://schemas.openxmlformats.org/presentationml/2006/main">
+  <p:cSld>
+    <p:spTree>
+      <p:nvGrpSpPr>
+        <p:cNvPr id="1" name=""/>
+        <p:cNvGrpSpPr/>
+        <p:nvPr/>
+      </p:nvGrpSpPr>
+      <p:grpSpPr>
+        <a:xfrm>
+          <a:off x="0" y="0"/>
+          <a:ext cx="0" cy="0"/>
+          <a:chOff x="0" y="0"/>
+          <a:chExt cx="0" cy="0"/>
+        </a:xfrm>
+      </p:grpSpPr>
+      <p:sp>
+        <p:nvSpPr>
+          <p:cNvPr id="2" name="Title 1"/>
+          <p:cNvSpPr>
+            <a:spLocks noGrp="1"/>
+          </p:cNvSpPr>
+          <p:nvPr>
+            <p:ph type="title"/>
+          </p:nvPr>
+        </p:nvSpPr>
+        <p:spPr/>
+        <p:txBody>
+          <a:bodyPr/>
+          <a:lstStyle/>
+          <a:p>
+            <a:r>
+              <a:rPr lang="en-GB" sz="4000" dirty="0"/>
+              <a:t>Allocatable Arrays</a:t>
+            </a:r>
+          </a:p>
+        </p:txBody>
+      </p:sp>
+      <p:sp>
+        <p:nvSpPr>
+          <p:cNvPr id="8" name="TextBox 7">
+            <a:extLst>
+              <a:ext uri="{FF2B5EF4-FFF2-40B4-BE49-F238E27FC236}">
+                <a16:creationId xmlns:a16="http://schemas.microsoft.com/office/drawing/2014/main" id="{3DDD1C3F-84BE-4B14-A20B-C4525C3886D9}"/>
+              </a:ext>
+            </a:extLst>
+          </p:cNvPr>
+          <p:cNvSpPr txBox="1"/>
+          <p:nvPr/>
+        </p:nvSpPr>
+        <p:spPr>
+          <a:xfrm>
+            <a:off x="5728138" y="6498021"/>
+            <a:ext cx="1765738" cy="369332"/>
+          </a:xfrm>
+          <a:prstGeom prst="rect">
+            <a:avLst/>
+          </a:prstGeom>
+          <a:noFill/>
+        </p:spPr>
+        <p:txBody>
+          <a:bodyPr wrap="square" rtlCol="0">
+            <a:spAutoFit/>
+          </a:bodyPr>
+          <a:lstStyle/>
+          <a:p>
+            <a:r>
+              <a:rPr lang="en-GB" dirty="0">
+                <a:solidFill>
+                  <a:schemeClr val="accent1"/>
+                </a:solidFill>
+              </a:rPr>
+              <a:t>Demonstration</a:t>
+            </a:r>
+          </a:p>
+        </p:txBody>
+      </p:sp>
+      <p:sp>
+        <p:nvSpPr>
+          <p:cNvPr id="6" name="Content Placeholder 2">
+            <a:extLst>
+              <a:ext uri="{FF2B5EF4-FFF2-40B4-BE49-F238E27FC236}">
+                <a16:creationId xmlns:a16="http://schemas.microsoft.com/office/drawing/2014/main" id="{C94459EB-B5CC-4128-A805-FCBCD2C4D3F5}"/>
+              </a:ext>
+            </a:extLst>
+          </p:cNvPr>
+          <p:cNvSpPr>
+            <a:spLocks noGrp="1"/>
+          </p:cNvSpPr>
+          <p:nvPr>
+            <p:ph idx="1"/>
+          </p:nvPr>
+        </p:nvSpPr>
+        <p:spPr>
+          <a:xfrm>
+            <a:off x="457200" y="1600200"/>
+            <a:ext cx="8435280" cy="4876800"/>
+          </a:xfrm>
+        </p:spPr>
+        <p:txBody>
+          <a:bodyPr>
+            <a:normAutofit fontScale="70000" lnSpcReduction="20000"/>
+          </a:bodyPr>
+          <a:lstStyle/>
+          <a:p>
+            <a:r>
+              <a:rPr lang="en-GB" sz="3100" dirty="0"/>
+              <a:t>It’s possible to declare an array without specifying its length using:</a:t>
+            </a:r>
+          </a:p>
+          <a:p>
+            <a:pPr marL="0" indent="0">
+              <a:buNone/>
+            </a:pPr>
+            <a:r>
+              <a:rPr lang="en-GB" sz="3100" dirty="0">
+                <a:solidFill>
+                  <a:schemeClr val="accent5"/>
+                </a:solidFill>
+              </a:rPr>
+              <a:t>	integer</a:t>
+            </a:r>
+            <a:r>
+              <a:rPr lang="en-GB" sz="3100" dirty="0"/>
+              <a:t>, </a:t>
+            </a:r>
+            <a:r>
+              <a:rPr lang="en-GB" sz="3100" dirty="0">
+                <a:solidFill>
+                  <a:schemeClr val="accent5"/>
+                </a:solidFill>
+              </a:rPr>
+              <a:t>dimension</a:t>
+            </a:r>
+            <a:r>
+              <a:rPr lang="en-GB" sz="3100" dirty="0"/>
+              <a:t>(:), allocatable	::	</a:t>
+            </a:r>
+            <a:r>
+              <a:rPr lang="en-GB" sz="3100" dirty="0" err="1"/>
+              <a:t>array_name</a:t>
+            </a:r>
+            <a:endParaRPr lang="en-GB" sz="3100" dirty="0"/>
+          </a:p>
+          <a:p>
+            <a:r>
+              <a:rPr lang="en-GB" sz="3100" dirty="0"/>
+              <a:t>You may then allocate an array later to define its length using</a:t>
+            </a:r>
+          </a:p>
+          <a:p>
+            <a:pPr marL="0" indent="0">
+              <a:buNone/>
+            </a:pPr>
+            <a:r>
+              <a:rPr lang="en-GB" sz="3100" dirty="0"/>
+              <a:t>	</a:t>
+            </a:r>
+            <a:r>
+              <a:rPr lang="en-GB" sz="3100" dirty="0">
+                <a:solidFill>
+                  <a:schemeClr val="accent5"/>
+                </a:solidFill>
+              </a:rPr>
+              <a:t>allocate</a:t>
+            </a:r>
+            <a:r>
+              <a:rPr lang="en-GB" sz="3100" dirty="0"/>
+              <a:t>(</a:t>
+            </a:r>
+            <a:r>
+              <a:rPr lang="en-GB" sz="3100" dirty="0" err="1"/>
+              <a:t>array_name</a:t>
+            </a:r>
+            <a:r>
+              <a:rPr lang="en-GB" sz="3100" dirty="0"/>
+              <a:t>(size))</a:t>
+            </a:r>
+          </a:p>
+          <a:p>
+            <a:r>
+              <a:rPr lang="en-GB" sz="3100" dirty="0"/>
+              <a:t>Cannot assign to an entry in an array before it’s allocated</a:t>
+            </a:r>
+          </a:p>
+          <a:p>
+            <a:r>
+              <a:rPr lang="en-GB" sz="3100" dirty="0"/>
+              <a:t>Can assign an allocated array of the same dimension to an unallocated to allocate it </a:t>
+            </a:r>
+          </a:p>
+          <a:p>
+            <a:r>
+              <a:rPr lang="en-GB" sz="3100" dirty="0"/>
+              <a:t>Can check if an array is allocated using:</a:t>
+            </a:r>
+          </a:p>
+          <a:p>
+            <a:pPr marL="457200" lvl="1" indent="0">
+              <a:buNone/>
+            </a:pPr>
+            <a:r>
+              <a:rPr lang="en-GB" sz="3100" dirty="0">
+                <a:solidFill>
+                  <a:schemeClr val="accent5"/>
+                </a:solidFill>
+              </a:rPr>
+              <a:t>allocated</a:t>
+            </a:r>
+            <a:r>
+              <a:rPr lang="en-GB" sz="3100" dirty="0"/>
+              <a:t>(</a:t>
+            </a:r>
+            <a:r>
+              <a:rPr lang="en-GB" sz="3100" dirty="0" err="1"/>
+              <a:t>array_name</a:t>
+            </a:r>
+            <a:r>
+              <a:rPr lang="en-GB" sz="3100" dirty="0"/>
+              <a:t>)</a:t>
+            </a:r>
+          </a:p>
+          <a:p>
+            <a:r>
+              <a:rPr lang="en-GB" sz="3100" dirty="0"/>
+              <a:t>Can check the size of an array using</a:t>
+            </a:r>
+          </a:p>
+          <a:p>
+            <a:pPr marL="457200" lvl="1" indent="0">
+              <a:buNone/>
+            </a:pPr>
+            <a:r>
+              <a:rPr lang="en-GB" sz="3100" dirty="0">
+                <a:solidFill>
+                  <a:schemeClr val="accent5"/>
+                </a:solidFill>
+              </a:rPr>
+              <a:t>size</a:t>
+            </a:r>
+            <a:r>
+              <a:rPr lang="en-GB" sz="3100" dirty="0"/>
+              <a:t>(</a:t>
+            </a:r>
+            <a:r>
+              <a:rPr lang="en-GB" sz="3100" dirty="0" err="1"/>
+              <a:t>array_name</a:t>
+            </a:r>
+            <a:r>
+              <a:rPr lang="en-GB" sz="3100" dirty="0"/>
+              <a:t>, </a:t>
+            </a:r>
+            <a:r>
+              <a:rPr lang="en-GB" sz="3100" dirty="0" err="1"/>
+              <a:t>dimension_number</a:t>
+            </a:r>
+            <a:r>
+              <a:rPr lang="en-GB" sz="3100" dirty="0"/>
+              <a:t>)</a:t>
+            </a:r>
+          </a:p>
+          <a:p>
+            <a:r>
+              <a:rPr lang="en-GB" sz="3100" dirty="0"/>
+              <a:t>Can deallocate an array using</a:t>
+            </a:r>
+          </a:p>
+          <a:p>
+            <a:pPr marL="457200" lvl="1" indent="0">
+              <a:buNone/>
+            </a:pPr>
+            <a:r>
+              <a:rPr lang="en-GB" sz="3100" dirty="0">
+                <a:solidFill>
+                  <a:schemeClr val="accent5"/>
+                </a:solidFill>
+              </a:rPr>
+              <a:t>deallocate</a:t>
+            </a:r>
+            <a:r>
+              <a:rPr lang="en-GB" sz="3100" dirty="0"/>
+              <a:t>(</a:t>
+            </a:r>
+            <a:r>
+              <a:rPr lang="en-GB" sz="3100" dirty="0" err="1"/>
+              <a:t>array_name</a:t>
+            </a:r>
+            <a:r>
+              <a:rPr lang="en-GB" sz="3100" dirty="0"/>
+              <a:t>)</a:t>
+            </a:r>
+          </a:p>
+          <a:p>
+            <a:pPr lvl="1"/>
+            <a:endParaRPr lang="en-GB" sz="2200" dirty="0"/>
+          </a:p>
+          <a:p>
+            <a:endParaRPr lang="en-GB" sz="3000" dirty="0"/>
+          </a:p>
+        </p:txBody>
+      </p:sp>
+    </p:spTree>
+    <p:extLst>
+      <p:ext uri="{BB962C8B-B14F-4D97-AF65-F5344CB8AC3E}">
+        <p14:creationId xmlns:p14="http://schemas.microsoft.com/office/powerpoint/2010/main" val="3173781080"/>
+      </p:ext>
+    </p:extLst>
+  </p:cSld>
+  <p:clrMapOvr>
+    <a:masterClrMapping/>
+  </p:clrMapOvr>
+  <mc:AlternateContent xmlns:mc="http://schemas.openxmlformats.org/markup-compatibility/2006" xmlns:p14="http://schemas.microsoft.com/office/powerpoint/2010/main">
+    <mc:Choice Requires="p14">
+      <p:transition p14:dur="10"/>
+    </mc:Choice>
+    <mc:Fallback xmlns="">
+      <p:transition/>
+    </mc:Fallback>
+  </mc:AlternateContent>
+</p:sld>
+</file>
+
 <file path=ppt/slides/slide26.xml><?xml version="1.0" encoding="utf-8"?>
 <p:sld xmlns:a="http://schemas.openxmlformats.org/drawingml/2006/main" xmlns:r="http://schemas.openxmlformats.org/officeDocument/2006/relationships" xmlns:p="http://schemas.openxmlformats.org/presentationml/2006/main">
   <p:cSld>
@@ -17276,60 +17469,16 @@
           <a:lstStyle/>
           <a:p>
             <a:r>
-              <a:rPr lang="en-GB" sz="4000" dirty="0"/>
-              <a:t>Allocatable Arrays</a:t>
-            </a:r>
-          </a:p>
-        </p:txBody>
-      </p:sp>
-      <p:sp>
-        <p:nvSpPr>
-          <p:cNvPr id="8" name="TextBox 7">
-            <a:extLst>
-              <a:ext uri="{FF2B5EF4-FFF2-40B4-BE49-F238E27FC236}">
-                <a16:creationId xmlns:a16="http://schemas.microsoft.com/office/drawing/2014/main" id="{3DDD1C3F-84BE-4B14-A20B-C4525C3886D9}"/>
-              </a:ext>
-            </a:extLst>
-          </p:cNvPr>
-          <p:cNvSpPr txBox="1"/>
-          <p:nvPr/>
-        </p:nvSpPr>
-        <p:spPr>
-          <a:xfrm>
-            <a:off x="5728138" y="6498021"/>
-            <a:ext cx="1765738" cy="369332"/>
-          </a:xfrm>
-          <a:prstGeom prst="rect">
-            <a:avLst/>
-          </a:prstGeom>
-          <a:noFill/>
-        </p:spPr>
-        <p:txBody>
-          <a:bodyPr wrap="square" rtlCol="0">
-            <a:spAutoFit/>
-          </a:bodyPr>
-          <a:lstStyle/>
-          <a:p>
-            <a:r>
-              <a:rPr lang="en-GB" dirty="0">
-                <a:solidFill>
-                  <a:schemeClr val="accent1"/>
-                </a:solidFill>
-              </a:rPr>
-              <a:t>Demonstration</a:t>
-            </a:r>
-          </a:p>
-        </p:txBody>
-      </p:sp>
-      <p:sp>
-        <p:nvSpPr>
-          <p:cNvPr id="6" name="Content Placeholder 2">
-            <a:extLst>
-              <a:ext uri="{FF2B5EF4-FFF2-40B4-BE49-F238E27FC236}">
-                <a16:creationId xmlns:a16="http://schemas.microsoft.com/office/drawing/2014/main" id="{C94459EB-B5CC-4128-A805-FCBCD2C4D3F5}"/>
-              </a:ext>
-            </a:extLst>
-          </p:cNvPr>
+              <a:rPr lang="en-GB" sz="4000" dirty="0" err="1"/>
+              <a:t>Logicals</a:t>
+            </a:r>
+            <a:endParaRPr lang="en-GB" sz="4000" dirty="0"/>
+          </a:p>
+        </p:txBody>
+      </p:sp>
+      <p:sp>
+        <p:nvSpPr>
+          <p:cNvPr id="3" name="Content Placeholder 2"/>
           <p:cNvSpPr>
             <a:spLocks noGrp="1"/>
           </p:cNvSpPr>
@@ -17345,53 +17494,73 @@
         </p:spPr>
         <p:txBody>
           <a:bodyPr>
-            <a:normAutofit fontScale="70000" lnSpcReduction="20000"/>
+            <a:normAutofit lnSpcReduction="10000"/>
           </a:bodyPr>
           <a:lstStyle/>
           <a:p>
             <a:r>
-              <a:rPr lang="en-GB" sz="3100" dirty="0"/>
-              <a:t>It’s possible to declare an array without specifying its length using:</a:t>
-            </a:r>
+              <a:rPr lang="en-GB" sz="3000" dirty="0" err="1"/>
+              <a:t>Logicals</a:t>
+            </a:r>
+            <a:r>
+              <a:rPr lang="en-GB" sz="3000" dirty="0"/>
+              <a:t> are a type of variable</a:t>
+            </a:r>
+          </a:p>
+          <a:p>
+            <a:pPr lvl="1"/>
+            <a:r>
+              <a:rPr lang="en-GB" dirty="0"/>
+              <a:t>May be True or False</a:t>
+            </a:r>
+          </a:p>
+          <a:p>
+            <a:r>
+              <a:rPr lang="en-GB" dirty="0"/>
+              <a:t>Can be operated on with logical operations</a:t>
+            </a:r>
+          </a:p>
+          <a:p>
+            <a:r>
+              <a:rPr lang="en-GB" dirty="0"/>
+              <a:t>Commonly used to control the flow of the program</a:t>
+            </a:r>
+          </a:p>
+          <a:p>
+            <a:endParaRPr lang="en-GB" dirty="0"/>
           </a:p>
           <a:p>
             <a:pPr marL="0" indent="0">
               <a:buNone/>
             </a:pPr>
             <a:r>
-              <a:rPr lang="en-GB" sz="3100" dirty="0">
+              <a:rPr lang="en-GB" dirty="0">
                 <a:solidFill>
                   <a:schemeClr val="accent5"/>
                 </a:solidFill>
               </a:rPr>
-              <a:t>	integer</a:t>
-            </a:r>
-            <a:r>
-              <a:rPr lang="en-GB" sz="3100" dirty="0"/>
-              <a:t>, </a:t>
-            </a:r>
-            <a:r>
-              <a:rPr lang="en-GB" sz="3100" dirty="0">
+              <a:t>logical</a:t>
+            </a:r>
+            <a:r>
+              <a:rPr lang="en-GB" dirty="0"/>
+              <a:t>	::	logical1, logical2</a:t>
+            </a:r>
+          </a:p>
+          <a:p>
+            <a:pPr marL="0" indent="0">
+              <a:buNone/>
+            </a:pPr>
+            <a:r>
+              <a:rPr lang="en-GB" dirty="0"/>
+              <a:t>logical1 =</a:t>
+            </a:r>
+            <a:r>
+              <a:rPr lang="en-GB" dirty="0">
                 <a:solidFill>
                   <a:schemeClr val="accent5"/>
                 </a:solidFill>
               </a:rPr>
-              <a:t>dimension</a:t>
-            </a:r>
-            <a:r>
-              <a:rPr lang="en-GB" sz="3100" dirty="0"/>
-              <a:t>(:), allocatable	::	</a:t>
-            </a:r>
-            <a:r>
-              <a:rPr lang="en-GB" sz="3100" dirty="0" err="1"/>
-              <a:t>array_name</a:t>
-            </a:r>
-            <a:endParaRPr lang="en-GB" sz="3100" dirty="0"/>
-          </a:p>
-          <a:p>
-            <a:r>
-              <a:rPr lang="en-GB" sz="3100" dirty="0"/>
-              <a:t>You may then allocate an array later to define its length using</a:t>
+              <a:t> .true.</a:t>
             </a:r>
           </a:p>
           <a:p>
@@ -17399,141 +17568,16 @@
               <a:buNone/>
             </a:pPr>
             <a:r>
-              <a:rPr lang="en-GB" sz="3100" dirty="0"/>
-              <a:t>	</a:t>
-            </a:r>
-            <a:r>
-              <a:rPr lang="en-GB" sz="3100" dirty="0">
+              <a:rPr lang="en-GB" dirty="0"/>
+              <a:t>logical2 = </a:t>
+            </a:r>
+            <a:r>
+              <a:rPr lang="en-GB" dirty="0">
                 <a:solidFill>
                   <a:schemeClr val="accent5"/>
                 </a:solidFill>
               </a:rPr>
-              <a:t>allocate</a:t>
-            </a:r>
-            <a:r>
-              <a:rPr lang="en-GB" sz="3100" dirty="0"/>
-              <a:t>(</a:t>
-            </a:r>
-            <a:r>
-              <a:rPr lang="en-GB" sz="3100" dirty="0" err="1"/>
-              <a:t>array_name</a:t>
-            </a:r>
-            <a:r>
-              <a:rPr lang="en-GB" sz="3100" dirty="0"/>
-              <a:t>(size))</a:t>
-            </a:r>
-          </a:p>
-          <a:p>
-            <a:r>
-              <a:rPr lang="en-GB" sz="3100" dirty="0"/>
-              <a:t>Cannot assign to an entry in an array before it’s allocated</a:t>
-            </a:r>
-          </a:p>
-          <a:p>
-            <a:r>
-              <a:rPr lang="en-GB" sz="3100" dirty="0"/>
-              <a:t>Can assign an allocated array of the same dimension to an unallocated to allocate it </a:t>
-            </a:r>
-          </a:p>
-          <a:p>
-            <a:r>
-              <a:rPr lang="en-GB" sz="3100" dirty="0"/>
-              <a:t>Can check if an array is allocated using:</a:t>
-            </a:r>
-          </a:p>
-          <a:p>
-            <a:pPr marL="457200" lvl="1" indent="0">
-              <a:buNone/>
-            </a:pPr>
-            <a:r>
-              <a:rPr lang="en-GB" sz="3100" dirty="0">
-                <a:solidFill>
-                  <a:schemeClr val="accent5"/>
-                </a:solidFill>
-              </a:rPr>
-              <a:t>allocated</a:t>
-            </a:r>
-            <a:r>
-              <a:rPr lang="en-GB" sz="3100" dirty="0"/>
-              <a:t>(</a:t>
-            </a:r>
-            <a:r>
-              <a:rPr lang="en-GB" sz="3100" dirty="0" err="1"/>
-              <a:t>array_name</a:t>
-            </a:r>
-            <a:r>
-              <a:rPr lang="en-GB" sz="3100" dirty="0"/>
-              <a:t>)</a:t>
-            </a:r>
-          </a:p>
-          <a:p>
-            <a:r>
-              <a:rPr lang="en-GB" sz="3100" dirty="0"/>
-              <a:t>Can check the size of an array using</a:t>
-            </a:r>
-          </a:p>
-          <a:p>
-            <a:pPr marL="457200" lvl="1" indent="0">
-              <a:buNone/>
-            </a:pPr>
-            <a:r>
-              <a:rPr lang="en-GB" sz="3100" dirty="0">
-                <a:solidFill>
-                  <a:schemeClr val="accent5"/>
-                </a:solidFill>
-              </a:rPr>
-              <a:t>size</a:t>
-            </a:r>
-            <a:r>
-              <a:rPr lang="en-GB" sz="3100" dirty="0"/>
-              <a:t>(</a:t>
-            </a:r>
-            <a:r>
-              <a:rPr lang="en-GB" sz="3100" dirty="0" err="1"/>
-              <a:t>array_name</a:t>
-            </a:r>
-            <a:r>
-              <a:rPr lang="en-GB" sz="3100" dirty="0"/>
-              <a:t>, </a:t>
-            </a:r>
-            <a:r>
-              <a:rPr lang="en-GB" sz="3100" dirty="0" err="1"/>
-              <a:t>dimension_number</a:t>
-            </a:r>
-            <a:r>
-              <a:rPr lang="en-GB" sz="3100" dirty="0"/>
-              <a:t>)</a:t>
-            </a:r>
-          </a:p>
-          <a:p>
-            <a:r>
-              <a:rPr lang="en-GB" sz="3100" dirty="0"/>
-              <a:t>Can deallocate an array using</a:t>
-            </a:r>
-          </a:p>
-          <a:p>
-            <a:pPr marL="457200" lvl="1" indent="0">
-              <a:buNone/>
-            </a:pPr>
-            <a:r>
-              <a:rPr lang="en-GB" sz="3100" dirty="0">
-                <a:solidFill>
-                  <a:schemeClr val="accent5"/>
-                </a:solidFill>
-              </a:rPr>
-              <a:t>deallocate</a:t>
-            </a:r>
-            <a:r>
-              <a:rPr lang="en-GB" sz="3100" dirty="0"/>
-              <a:t>(</a:t>
-            </a:r>
-            <a:r>
-              <a:rPr lang="en-GB" sz="3100" dirty="0" err="1"/>
-              <a:t>array_name</a:t>
-            </a:r>
-            <a:r>
-              <a:rPr lang="en-GB" sz="3100" dirty="0"/>
-              <a:t>)</a:t>
+              <a:t>.false.</a:t>
             </a:r>
           </a:p>
           <a:p>
@@ -17548,7 +17592,7 @@
     </p:spTree>
     <p:extLst>
       <p:ext uri="{BB962C8B-B14F-4D97-AF65-F5344CB8AC3E}">
-        <p14:creationId xmlns:p14="http://schemas.microsoft.com/office/powerpoint/2010/main" val="3173781080"/>
+        <p14:creationId xmlns:p14="http://schemas.microsoft.com/office/powerpoint/2010/main" val="1390760873"/>
       </p:ext>
     </p:extLst>
   </p:cSld>
@@ -17599,10 +17643,9 @@
           <a:lstStyle/>
           <a:p>
             <a:r>
-              <a:rPr lang="en-GB" sz="4000" dirty="0" err="1"/>
-              <a:t>Logicals</a:t>
-            </a:r>
-            <a:endParaRPr lang="en-GB" sz="4000" dirty="0"/>
+              <a:rPr lang="en-GB" sz="4000" dirty="0"/>
+              <a:t>Boolean Operators</a:t>
+            </a:r>
           </a:p>
         </p:txBody>
       </p:sp>
@@ -17624,105 +17667,141 @@
         </p:spPr>
         <p:txBody>
           <a:bodyPr>
-            <a:normAutofit lnSpcReduction="10000"/>
+            <a:normAutofit/>
           </a:bodyPr>
           <a:lstStyle/>
           <a:p>
             <a:r>
-              <a:rPr lang="en-GB" sz="3000" dirty="0" err="1"/>
-              <a:t>Logicals</a:t>
-            </a:r>
-            <a:r>
-              <a:rPr lang="en-GB" sz="3000" dirty="0"/>
-              <a:t> are a type of variable</a:t>
+              <a:rPr lang="en-GB" sz="2800" dirty="0"/>
+              <a:t>Boolean operators operate on one or more </a:t>
+            </a:r>
+            <a:r>
+              <a:rPr lang="en-GB" sz="2800" dirty="0" err="1"/>
+              <a:t>logicals</a:t>
+            </a:r>
+            <a:r>
+              <a:rPr lang="en-GB" sz="2800" dirty="0"/>
+              <a:t> and returns  logical</a:t>
+            </a:r>
+          </a:p>
+          <a:p>
+            <a:r>
+              <a:rPr lang="en-GB" sz="2800" dirty="0"/>
+              <a:t>Can be combined</a:t>
             </a:r>
           </a:p>
           <a:p>
             <a:pPr lvl="1"/>
             <a:r>
               <a:rPr lang="en-GB" dirty="0"/>
-              <a:t>May be True or False</a:t>
-            </a:r>
-          </a:p>
-          <a:p>
-            <a:r>
-              <a:rPr lang="en-GB" dirty="0"/>
-              <a:t>Can be operated on with logical operations</a:t>
-            </a:r>
-          </a:p>
-          <a:p>
-            <a:r>
-              <a:rPr lang="en-GB" dirty="0"/>
-              <a:t>Commonly used to control the flow of the program</a:t>
-            </a:r>
-          </a:p>
-          <a:p>
-            <a:endParaRPr lang="en-GB" dirty="0"/>
+              <a:t>Easiest to use parentheses</a:t>
+            </a:r>
           </a:p>
           <a:p>
             <a:pPr marL="0" indent="0">
               <a:buNone/>
             </a:pPr>
+            <a:endParaRPr lang="en-GB" sz="2800" dirty="0"/>
+          </a:p>
+          <a:p>
+            <a:pPr marL="0" indent="0">
+              <a:buNone/>
+            </a:pPr>
+            <a:r>
+              <a:rPr lang="en-GB" sz="2800" dirty="0"/>
+              <a:t>logical2 = .not. logical1</a:t>
+            </a:r>
+          </a:p>
+          <a:p>
+            <a:pPr marL="0" indent="0">
+              <a:buNone/>
+            </a:pPr>
+            <a:r>
+              <a:rPr lang="en-GB" sz="2800" dirty="0"/>
+              <a:t>logical3 = logical1 .and. logical2</a:t>
+            </a:r>
+          </a:p>
+          <a:p>
+            <a:pPr marL="0" indent="0">
+              <a:buNone/>
+            </a:pPr>
+            <a:r>
+              <a:rPr lang="en-GB" sz="2800" dirty="0"/>
+              <a:t>logical3 = logical1 .or. logical2</a:t>
+            </a:r>
+          </a:p>
+          <a:p>
+            <a:pPr marL="0" indent="0">
+              <a:buNone/>
+            </a:pPr>
+            <a:r>
+              <a:rPr lang="en-GB" sz="2800" dirty="0"/>
+              <a:t>logical3 = .not. (logical1 .and. logical2)</a:t>
+            </a:r>
+          </a:p>
+          <a:p>
+            <a:pPr marL="0" indent="0">
+              <a:buNone/>
+            </a:pPr>
+            <a:endParaRPr lang="en-GB" sz="2600" dirty="0"/>
+          </a:p>
+          <a:p>
+            <a:pPr marL="0" indent="0">
+              <a:buNone/>
+            </a:pPr>
+            <a:endParaRPr lang="en-GB" sz="2600" dirty="0"/>
+          </a:p>
+          <a:p>
+            <a:pPr marL="0" indent="0">
+              <a:buNone/>
+            </a:pPr>
+            <a:endParaRPr lang="en-GB" sz="3000" dirty="0"/>
+          </a:p>
+        </p:txBody>
+      </p:sp>
+      <p:sp>
+        <p:nvSpPr>
+          <p:cNvPr id="4" name="TextBox 3">
+            <a:extLst>
+              <a:ext uri="{FF2B5EF4-FFF2-40B4-BE49-F238E27FC236}">
+                <a16:creationId xmlns:a16="http://schemas.microsoft.com/office/drawing/2014/main" id="{6FAB0CB6-79B2-4901-AFD9-92C5A0C9BFEB}"/>
+              </a:ext>
+            </a:extLst>
+          </p:cNvPr>
+          <p:cNvSpPr txBox="1"/>
+          <p:nvPr/>
+        </p:nvSpPr>
+        <p:spPr>
+          <a:xfrm>
+            <a:off x="5728138" y="6498021"/>
+            <a:ext cx="1765738" cy="369332"/>
+          </a:xfrm>
+          <a:prstGeom prst="rect">
+            <a:avLst/>
+          </a:prstGeom>
+          <a:noFill/>
+        </p:spPr>
+        <p:txBody>
+          <a:bodyPr wrap="square" rtlCol="0">
+            <a:spAutoFit/>
+          </a:bodyPr>
+          <a:lstStyle/>
+          <a:p>
             <a:r>
               <a:rPr lang="en-GB" dirty="0">
                 <a:solidFill>
-                  <a:schemeClr val="accent5"/>
+                  <a:schemeClr val="accent1"/>
                 </a:solidFill>
               </a:rPr>
-              <a:t>logical</a:t>
-            </a:r>
-            <a:r>
-              <a:rPr lang="en-GB" dirty="0"/>
-              <a:t>	::	logical1, logical2</a:t>
-            </a:r>
-          </a:p>
-          <a:p>
-            <a:pPr marL="0" indent="0">
-              <a:buNone/>
-            </a:pPr>
-            <a:r>
-              <a:rPr lang="en-GB" dirty="0"/>
-              <a:t>logical1 =</a:t>
-            </a:r>
-            <a:r>
-              <a:rPr lang="en-GB" dirty="0">
-                <a:solidFill>
-                  <a:schemeClr val="accent5"/>
-                </a:solidFill>
-              </a:rPr>
-              <a:t> .true.</a:t>
-            </a:r>
-          </a:p>
-          <a:p>
-            <a:pPr marL="0" indent="0">
-              <a:buNone/>
-            </a:pPr>
-            <a:r>
-              <a:rPr lang="en-GB" dirty="0"/>
-              <a:t>logical2 = </a:t>
-            </a:r>
-            <a:r>
-              <a:rPr lang="en-GB" dirty="0">
-                <a:solidFill>
-                  <a:schemeClr val="accent5"/>
-                </a:solidFill>
-              </a:rPr>
-              <a:t>.false.</a:t>
-            </a:r>
-          </a:p>
-          <a:p>
-            <a:pPr lvl="1"/>
-            <a:endParaRPr lang="en-GB" sz="2200" dirty="0"/>
-          </a:p>
-          <a:p>
-            <a:endParaRPr lang="en-GB" sz="3000" dirty="0"/>
+              <a:t>Demonstration</a:t>
+            </a:r>
           </a:p>
         </p:txBody>
       </p:sp>
     </p:spTree>
     <p:extLst>
       <p:ext uri="{BB962C8B-B14F-4D97-AF65-F5344CB8AC3E}">
-        <p14:creationId xmlns:p14="http://schemas.microsoft.com/office/powerpoint/2010/main" val="1390760873"/>
+        <p14:creationId xmlns:p14="http://schemas.microsoft.com/office/powerpoint/2010/main" val="3749303348"/>
       </p:ext>
     </p:extLst>
   </p:cSld>
@@ -17774,7 +17853,7 @@
           <a:p>
             <a:r>
               <a:rPr lang="en-GB" sz="4000" dirty="0"/>
-              <a:t>Boolean Operators</a:t>
+              <a:t>Comparison Operators</a:t>
             </a:r>
           </a:p>
         </p:txBody>
@@ -17803,29 +17882,9 @@
           <a:p>
             <a:r>
               <a:rPr lang="en-GB" sz="2800" dirty="0"/>
-              <a:t>Boolean operators operate on one or more </a:t>
-            </a:r>
-            <a:r>
-              <a:rPr lang="en-GB" sz="2800" dirty="0" err="1"/>
-              <a:t>logicals</a:t>
-            </a:r>
-            <a:r>
-              <a:rPr lang="en-GB" sz="2800" dirty="0"/>
-              <a:t> and returns  logical</a:t>
-            </a:r>
-          </a:p>
-          <a:p>
-            <a:r>
-              <a:rPr lang="en-GB" sz="2800" dirty="0"/>
-              <a:t>Can be combined</a:t>
-            </a:r>
-          </a:p>
-          <a:p>
-            <a:pPr lvl="1"/>
-            <a:r>
-              <a:rPr lang="en-GB" dirty="0"/>
-              <a:t>Easiest to use parentheses</a:t>
-            </a:r>
+              <a:t>Comparison operators compare two values and return a logical</a:t>
+            </a:r>
+            <a:endParaRPr lang="en-GB" dirty="0"/>
           </a:p>
           <a:p>
             <a:pPr marL="0" indent="0">
@@ -17839,7 +17898,7 @@
             </a:pPr>
             <a:r>
               <a:rPr lang="en-GB" sz="2800" dirty="0"/>
-              <a:t>logical2 = .not. logical1</a:t>
+              <a:t>logical1 = real1==real2</a:t>
             </a:r>
           </a:p>
           <a:p>
@@ -17848,7 +17907,7 @@
             </a:pPr>
             <a:r>
               <a:rPr lang="en-GB" sz="2800" dirty="0"/>
-              <a:t>logical3 = logical1 .and. logical2</a:t>
+              <a:t>logical1 = real1 &gt; real2</a:t>
             </a:r>
           </a:p>
           <a:p>
@@ -17857,7 +17916,7 @@
             </a:pPr>
             <a:r>
               <a:rPr lang="en-GB" sz="2800" dirty="0"/>
-              <a:t>logical3 = logical1 .or. logical2</a:t>
+              <a:t>logical1 = real1 &lt;= real2</a:t>
             </a:r>
           </a:p>
           <a:p>
@@ -17866,8 +17925,54 @@
             </a:pPr>
             <a:r>
               <a:rPr lang="en-GB" sz="2800" dirty="0"/>
-              <a:t>logical3 = .not. (logical1 .and. logical2)</a:t>
-            </a:r>
+              <a:t>logical1 = real1/=real2</a:t>
+            </a:r>
+          </a:p>
+          <a:p>
+            <a:pPr marL="0" indent="0">
+              <a:buNone/>
+            </a:pPr>
+            <a:r>
+              <a:rPr lang="en-GB" sz="2800" dirty="0"/>
+              <a:t>logical3 = logical1 .</a:t>
+            </a:r>
+            <a:r>
+              <a:rPr lang="en-GB" sz="2800" dirty="0" err="1"/>
+              <a:t>eqv</a:t>
+            </a:r>
+            <a:r>
+              <a:rPr lang="en-GB" sz="2800" dirty="0"/>
+              <a:t>. logical2</a:t>
+            </a:r>
+          </a:p>
+          <a:p>
+            <a:pPr marL="0" indent="0">
+              <a:buNone/>
+            </a:pPr>
+            <a:r>
+              <a:rPr lang="en-GB" sz="2800" dirty="0"/>
+              <a:t>logical3 = logical1 .</a:t>
+            </a:r>
+            <a:r>
+              <a:rPr lang="en-GB" sz="2800" dirty="0" err="1"/>
+              <a:t>neqv</a:t>
+            </a:r>
+            <a:r>
+              <a:rPr lang="en-GB" sz="2800" dirty="0"/>
+              <a:t>. logical2</a:t>
+            </a:r>
+          </a:p>
+          <a:p>
+            <a:pPr marL="0" indent="0">
+              <a:buNone/>
+            </a:pPr>
+            <a:endParaRPr lang="en-GB" sz="2800" dirty="0"/>
+          </a:p>
+          <a:p>
+            <a:pPr marL="0" indent="0">
+              <a:buNone/>
+            </a:pPr>
+            <a:endParaRPr lang="en-GB" sz="2800" dirty="0"/>
           </a:p>
           <a:p>
             <a:pPr marL="0" indent="0">
@@ -17931,7 +18036,7 @@
     </p:spTree>
     <p:extLst>
       <p:ext uri="{BB962C8B-B14F-4D97-AF65-F5344CB8AC3E}">
-        <p14:creationId xmlns:p14="http://schemas.microsoft.com/office/powerpoint/2010/main" val="3749303348"/>
+        <p14:creationId xmlns:p14="http://schemas.microsoft.com/office/powerpoint/2010/main" val="933885824"/>
       </p:ext>
     </p:extLst>
   </p:cSld>
@@ -17983,7 +18088,7 @@
           <a:p>
             <a:r>
               <a:rPr lang="en-GB" sz="4000" dirty="0"/>
-              <a:t>Comparison Operators</a:t>
+              <a:t>Precision and Comparison</a:t>
             </a:r>
           </a:p>
         </p:txBody>
@@ -18012,91 +18117,47 @@
           <a:p>
             <a:r>
               <a:rPr lang="en-GB" sz="2800" dirty="0"/>
-              <a:t>Comparison operators compare two values and return a logical</a:t>
-            </a:r>
-            <a:endParaRPr lang="en-GB" dirty="0"/>
-          </a:p>
-          <a:p>
-            <a:pPr marL="0" indent="0">
-              <a:buNone/>
-            </a:pPr>
-            <a:endParaRPr lang="en-GB" sz="2800" dirty="0"/>
-          </a:p>
-          <a:p>
-            <a:pPr marL="0" indent="0">
-              <a:buNone/>
-            </a:pPr>
+              <a:t>Reals in Fortran will often be approximations to values</a:t>
+            </a:r>
+          </a:p>
+          <a:p>
             <a:r>
               <a:rPr lang="en-GB" sz="2800" dirty="0"/>
-              <a:t>logical1 = real1==real2</a:t>
-            </a:r>
-          </a:p>
-          <a:p>
-            <a:pPr marL="0" indent="0">
-              <a:buNone/>
-            </a:pPr>
+              <a:t>Means comparing reals will not always behave as expected</a:t>
+            </a:r>
+          </a:p>
+          <a:p>
             <a:r>
               <a:rPr lang="en-GB" sz="2800" dirty="0"/>
-              <a:t>logical1 = real1 &gt; real2</a:t>
-            </a:r>
-          </a:p>
-          <a:p>
-            <a:pPr marL="0" indent="0">
-              <a:buNone/>
-            </a:pPr>
+              <a:t>Care should be taken when comparing reals</a:t>
+            </a:r>
+          </a:p>
+          <a:p>
+            <a:pPr lvl="1"/>
+            <a:r>
+              <a:rPr lang="en-GB" sz="2400" dirty="0"/>
+              <a:t>Calculations, rounding an approximations may mean values are not exactly what you expect</a:t>
+            </a:r>
+          </a:p>
+          <a:p>
             <a:r>
               <a:rPr lang="en-GB" sz="2800" dirty="0"/>
-              <a:t>logical1 = real1 &lt;= real2</a:t>
-            </a:r>
-          </a:p>
-          <a:p>
-            <a:pPr marL="0" indent="0">
-              <a:buNone/>
-            </a:pPr>
-            <a:r>
-              <a:rPr lang="en-GB" sz="2800" dirty="0"/>
-              <a:t>logical1 = real1/=real2</a:t>
-            </a:r>
-          </a:p>
-          <a:p>
-            <a:pPr marL="0" indent="0">
-              <a:buNone/>
-            </a:pPr>
-            <a:r>
-              <a:rPr lang="en-GB" sz="2800" dirty="0"/>
-              <a:t>logical3 = logical1 .</a:t>
-            </a:r>
-            <a:r>
-              <a:rPr lang="en-GB" sz="2800" dirty="0" err="1"/>
-              <a:t>eqv</a:t>
-            </a:r>
-            <a:r>
-              <a:rPr lang="en-GB" sz="2800" dirty="0"/>
-              <a:t>. logical2</a:t>
-            </a:r>
-          </a:p>
-          <a:p>
-            <a:pPr marL="0" indent="0">
-              <a:buNone/>
-            </a:pPr>
-            <a:r>
-              <a:rPr lang="en-GB" sz="2800" dirty="0"/>
-              <a:t>logical3 = logical1 .</a:t>
-            </a:r>
-            <a:r>
-              <a:rPr lang="en-GB" sz="2800" dirty="0" err="1"/>
-              <a:t>neqv</a:t>
-            </a:r>
-            <a:r>
-              <a:rPr lang="en-GB" sz="2800" dirty="0"/>
-              <a:t>. logical2</a:t>
-            </a:r>
-          </a:p>
-          <a:p>
-            <a:pPr marL="0" indent="0">
-              <a:buNone/>
-            </a:pPr>
-            <a:endParaRPr lang="en-GB" sz="2800" dirty="0"/>
+              <a:t>Reals may be declared to have higher precision</a:t>
+            </a:r>
+          </a:p>
+          <a:p>
+            <a:pPr lvl="1"/>
+            <a:r>
+              <a:rPr lang="en-GB" sz="2400" dirty="0"/>
+              <a:t>Doesn’t fundamentally solve this problem</a:t>
+            </a:r>
+          </a:p>
+          <a:p>
+            <a:pPr lvl="1"/>
+            <a:r>
+              <a:rPr lang="en-GB" sz="2400" dirty="0"/>
+              <a:t>Reduces effects of inaccuracy</a:t>
+            </a:r>
           </a:p>
           <a:p>
             <a:pPr marL="0" indent="0">
@@ -18166,7 +18227,7 @@
     </p:spTree>
     <p:extLst>
       <p:ext uri="{BB962C8B-B14F-4D97-AF65-F5344CB8AC3E}">
-        <p14:creationId xmlns:p14="http://schemas.microsoft.com/office/powerpoint/2010/main" val="933885824"/>
+        <p14:creationId xmlns:p14="http://schemas.microsoft.com/office/powerpoint/2010/main" val="1654254681"/>
       </p:ext>
     </p:extLst>
   </p:cSld>
@@ -18203,211 +18264,134 @@
       </p:grpSpPr>
       <p:sp>
         <p:nvSpPr>
-          <p:cNvPr id="4" name="Title 1"/>
-          <p:cNvSpPr txBox="1">
-            <a:spLocks/>
-          </p:cNvSpPr>
-          <p:nvPr/>
+          <p:cNvPr id="2" name="Title 1"/>
+          <p:cNvSpPr>
+            <a:spLocks noGrp="1"/>
+          </p:cNvSpPr>
+          <p:nvPr>
+            <p:ph type="title"/>
+          </p:nvPr>
+        </p:nvSpPr>
+        <p:spPr/>
+        <p:txBody>
+          <a:bodyPr/>
+          <a:lstStyle/>
+          <a:p>
+            <a:r>
+              <a:rPr lang="en-GB" sz="4000" dirty="0"/>
+              <a:t>Learning Outcomes</a:t>
+            </a:r>
+          </a:p>
+        </p:txBody>
+      </p:sp>
+      <p:sp>
+        <p:nvSpPr>
+          <p:cNvPr id="3" name="Content Placeholder 2"/>
+          <p:cNvSpPr>
+            <a:spLocks noGrp="1"/>
+          </p:cNvSpPr>
+          <p:nvPr>
+            <p:ph idx="1"/>
+          </p:nvPr>
         </p:nvSpPr>
         <p:spPr>
           <a:xfrm>
-            <a:off x="401320" y="472966"/>
-            <a:ext cx="5778764" cy="961696"/>
-          </a:xfrm>
-          <a:prstGeom prst="rect">
-            <a:avLst/>
-          </a:prstGeom>
-        </p:spPr>
-        <p:txBody>
-          <a:bodyPr anchor="b"/>
-          <a:lstStyle>
-            <a:lvl1pPr algn="l" defTabSz="457200" rtl="0" eaLnBrk="1" latinLnBrk="0" hangingPunct="1">
-              <a:lnSpc>
-                <a:spcPct val="90000"/>
-              </a:lnSpc>
-              <a:spcBef>
-                <a:spcPct val="0"/>
-              </a:spcBef>
-              <a:buNone/>
-              <a:defRPr sz="4000" b="1" i="0" kern="1200" baseline="0">
-                <a:solidFill>
-                  <a:schemeClr val="tx2"/>
-                </a:solidFill>
-                <a:latin typeface="+mj-lt"/>
-                <a:ea typeface="+mj-ea"/>
-                <a:cs typeface="MetaOT-Bold"/>
-              </a:defRPr>
-            </a:lvl1pPr>
-          </a:lstStyle>
-          <a:p>
-            <a:r>
-              <a:rPr lang="en-US" sz="3200" dirty="0">
-                <a:solidFill>
-                  <a:schemeClr val="accent3"/>
-                </a:solidFill>
-              </a:rPr>
-              <a:t>Expectations:  Covid-safe teaching environments</a:t>
-            </a:r>
-          </a:p>
-        </p:txBody>
-      </p:sp>
-      <p:sp>
-        <p:nvSpPr>
-          <p:cNvPr id="5" name="Subtitle 2"/>
-          <p:cNvSpPr>
-            <a:spLocks noGrp="1"/>
-          </p:cNvSpPr>
-          <p:nvPr>
-            <p:ph type="subTitle" idx="1"/>
-          </p:nvPr>
-        </p:nvSpPr>
-        <p:spPr>
-          <a:xfrm>
-            <a:off x="401320" y="1631731"/>
-            <a:ext cx="8490432" cy="4548352"/>
+            <a:off x="457200" y="1600200"/>
+            <a:ext cx="8435280" cy="4876800"/>
           </a:xfrm>
         </p:spPr>
         <p:txBody>
-          <a:bodyPr lIns="91440" tIns="45720" rIns="91440" bIns="45720" anchor="t"/>
-          <a:lstStyle/>
-          <a:p>
-            <a:pPr marL="285750" indent="-285750">
-              <a:buFont typeface="Arial" panose="020B0604020202020204" pitchFamily="34" charset="0"/>
-              <a:buChar char="•"/>
+          <a:bodyPr>
+            <a:normAutofit fontScale="92500" lnSpcReduction="20000"/>
+          </a:bodyPr>
+          <a:lstStyle/>
+          <a:p>
+            <a:pPr marL="514350" lvl="0" indent="-514350">
+              <a:buAutoNum type="arabicPeriod"/>
             </a:pPr>
             <a:r>
-              <a:rPr lang="en-GB" sz="2400" dirty="0">
-                <a:solidFill>
-                  <a:schemeClr val="tx1"/>
-                </a:solidFill>
-                <a:latin typeface="Arial" panose="020B0604020202020204" pitchFamily="34" charset="0"/>
-                <a:ea typeface="MS PGothic" panose="020B0600070205080204" pitchFamily="34" charset="-128"/>
-              </a:rPr>
-              <a:t>You are encouraged to wear a face covering indoors, especially in crowded, enclosed spaces, unless you are exempt.  This includes </a:t>
-            </a:r>
-            <a:r>
-              <a:rPr lang="en-GB" sz="2400" b="1" dirty="0">
-                <a:solidFill>
-                  <a:schemeClr val="tx1"/>
-                </a:solidFill>
-                <a:latin typeface="Arial" panose="020B0604020202020204" pitchFamily="34" charset="0"/>
-                <a:ea typeface="MS PGothic" panose="020B0600070205080204" pitchFamily="34" charset="-128"/>
-              </a:rPr>
-              <a:t>for Graduate School workshops</a:t>
-            </a:r>
-          </a:p>
-          <a:p>
-            <a:endParaRPr lang="en-US" sz="2400" dirty="0">
-              <a:solidFill>
-                <a:schemeClr val="tx1"/>
-              </a:solidFill>
-            </a:endParaRPr>
-          </a:p>
-          <a:p>
-            <a:pPr marL="285750" indent="-285750">
-              <a:buFont typeface="Arial" panose="020B0604020202020204" pitchFamily="34" charset="0"/>
-              <a:buChar char="•"/>
+              <a:rPr lang="en-GB" b="1" dirty="0"/>
+              <a:t>Define</a:t>
+            </a:r>
+            <a:r>
+              <a:rPr lang="en-GB" dirty="0"/>
+              <a:t> the terms source file, compiler and executable,</a:t>
+            </a:r>
+          </a:p>
+          <a:p>
+            <a:pPr marL="514350" lvl="0" indent="-514350">
+              <a:buAutoNum type="arabicPeriod"/>
             </a:pPr>
             <a:r>
-              <a:rPr lang="en-GB" sz="2400" dirty="0">
-                <a:solidFill>
-                  <a:schemeClr val="tx1"/>
-                </a:solidFill>
-                <a:effectLst/>
-                <a:latin typeface="Arial" panose="020B0604020202020204" pitchFamily="34" charset="0"/>
-                <a:ea typeface="MS PGothic" panose="020B0600070205080204" pitchFamily="34" charset="-128"/>
-              </a:rPr>
-              <a:t>Cover your coughs and sneezes to reduce the spread of particles </a:t>
-            </a:r>
-          </a:p>
-          <a:p>
-            <a:endParaRPr lang="en-GB" sz="2400" dirty="0">
-              <a:solidFill>
-                <a:schemeClr val="tx1"/>
-              </a:solidFill>
-              <a:effectLst/>
-              <a:latin typeface="Arial" panose="020B0604020202020204" pitchFamily="34" charset="0"/>
-              <a:ea typeface="MS PGothic" panose="020B0600070205080204" pitchFamily="34" charset="-128"/>
-            </a:endParaRPr>
-          </a:p>
-          <a:p>
-            <a:pPr marL="285750" indent="-285750">
-              <a:buFont typeface="Arial" panose="020B0604020202020204" pitchFamily="34" charset="0"/>
-              <a:buChar char="•"/>
+              <a:rPr lang="en-GB" b="1" dirty="0"/>
+              <a:t>Use</a:t>
+            </a:r>
+            <a:r>
+              <a:rPr lang="en-GB" dirty="0"/>
+              <a:t> a compiler to create and run simple codes,</a:t>
+            </a:r>
+          </a:p>
+          <a:p>
+            <a:pPr marL="514350" lvl="0" indent="-514350">
+              <a:buAutoNum type="arabicPeriod"/>
             </a:pPr>
             <a:r>
-              <a:rPr lang="en-GB" sz="2400" dirty="0">
-                <a:solidFill>
-                  <a:schemeClr val="tx1"/>
-                </a:solidFill>
-                <a:latin typeface="Arial" panose="020B0604020202020204" pitchFamily="34" charset="0"/>
-                <a:ea typeface="MS PGothic" panose="020B0600070205080204" pitchFamily="34" charset="-128"/>
-              </a:rPr>
-              <a:t>R</a:t>
-            </a:r>
-            <a:r>
-              <a:rPr lang="en-GB" sz="2400" dirty="0">
-                <a:solidFill>
-                  <a:schemeClr val="tx1"/>
-                </a:solidFill>
-                <a:effectLst/>
-                <a:latin typeface="Arial" panose="020B0604020202020204" pitchFamily="34" charset="0"/>
-                <a:ea typeface="MS PGothic" panose="020B0600070205080204" pitchFamily="34" charset="-128"/>
-              </a:rPr>
-              <a:t>espect people’s wishes for extra space </a:t>
-            </a:r>
-          </a:p>
-          <a:p>
-            <a:endParaRPr lang="en-GB" sz="2400" dirty="0">
-              <a:solidFill>
-                <a:schemeClr val="tx1"/>
-              </a:solidFill>
-              <a:latin typeface="Arial" panose="020B0604020202020204" pitchFamily="34" charset="0"/>
-              <a:ea typeface="MS PGothic" panose="020B0600070205080204" pitchFamily="34" charset="-128"/>
-            </a:endParaRPr>
-          </a:p>
-          <a:p>
-            <a:pPr marL="285750" indent="-285750">
-              <a:buFont typeface="Arial" panose="020B0604020202020204" pitchFamily="34" charset="0"/>
-              <a:buChar char="•"/>
+              <a:rPr lang="en-GB" b="1" dirty="0"/>
+              <a:t>Apply</a:t>
+            </a:r>
+            <a:r>
+              <a:rPr lang="en-GB" dirty="0"/>
+              <a:t> fundamental components of the Fortran language including variables, loops, conditionals and subroutines,</a:t>
+            </a:r>
+          </a:p>
+          <a:p>
+            <a:pPr marL="514350" lvl="0" indent="-514350">
+              <a:buAutoNum type="arabicPeriod"/>
             </a:pPr>
             <a:r>
-              <a:rPr lang="en-GB" sz="2400" dirty="0">
-                <a:solidFill>
-                  <a:schemeClr val="tx1"/>
-                </a:solidFill>
-                <a:effectLst/>
-                <a:latin typeface="Arial" panose="020B0604020202020204" pitchFamily="34" charset="0"/>
-                <a:ea typeface="MS PGothic" panose="020B0600070205080204" pitchFamily="34" charset="-128"/>
-              </a:rPr>
-              <a:t>Use hand sanitiser where it is available to you</a:t>
-            </a:r>
-          </a:p>
-          <a:p>
-            <a:r>
-              <a:rPr lang="en-GB" sz="2400" dirty="0">
-                <a:solidFill>
-                  <a:schemeClr val="tx1"/>
-                </a:solidFill>
-                <a:effectLst/>
-                <a:latin typeface="Arial" panose="020B0604020202020204" pitchFamily="34" charset="0"/>
-                <a:ea typeface="MS PGothic" panose="020B0600070205080204" pitchFamily="34" charset="-128"/>
-              </a:rPr>
-              <a:t> </a:t>
-            </a:r>
+              <a:rPr lang="en-GB" b="1" dirty="0"/>
+              <a:t>Create</a:t>
+            </a:r>
+            <a:r>
+              <a:rPr lang="en-GB" dirty="0"/>
+              <a:t> programs designed to solve simple numerical problems</a:t>
+            </a:r>
+            <a:endParaRPr lang="en-GB" i="1" dirty="0"/>
+          </a:p>
+          <a:p>
+            <a:pPr marL="514350" lvl="0" indent="-514350">
+              <a:buAutoNum type="arabicPeriod"/>
+            </a:pPr>
+            <a:r>
+              <a:rPr lang="en-GB" b="1" dirty="0"/>
+              <a:t>Interpret</a:t>
+            </a:r>
+            <a:r>
+              <a:rPr lang="en-GB" dirty="0"/>
+              <a:t> common compiler and run-time errors and use these to help debug a program</a:t>
+            </a:r>
+            <a:endParaRPr lang="en-GB" sz="3000" dirty="0"/>
           </a:p>
         </p:txBody>
       </p:sp>
     </p:spTree>
     <p:extLst>
       <p:ext uri="{BB962C8B-B14F-4D97-AF65-F5344CB8AC3E}">
-        <p14:creationId xmlns:p14="http://schemas.microsoft.com/office/powerpoint/2010/main" val="2596273163"/>
+        <p14:creationId xmlns:p14="http://schemas.microsoft.com/office/powerpoint/2010/main" val="3248724752"/>
       </p:ext>
     </p:extLst>
   </p:cSld>
   <p:clrMapOvr>
     <a:masterClrMapping/>
   </p:clrMapOvr>
+  <mc:AlternateContent xmlns:mc="http://schemas.openxmlformats.org/markup-compatibility/2006" xmlns:p14="http://schemas.microsoft.com/office/powerpoint/2010/main">
+    <mc:Choice Requires="p14">
+      <p:transition p14:dur="10"/>
+    </mc:Choice>
+    <mc:Fallback xmlns="">
+      <p:transition/>
+    </mc:Fallback>
+  </mc:AlternateContent>
 </p:sld>
 </file>
 
@@ -18445,7 +18429,7 @@
           <a:p>
             <a:r>
               <a:rPr lang="en-GB" sz="4000" dirty="0"/>
-              <a:t>Precision and Comparison</a:t>
+              <a:t>Conditionals</a:t>
             </a:r>
           </a:p>
         </p:txBody>
@@ -18474,47 +18458,21 @@
           <a:p>
             <a:r>
               <a:rPr lang="en-GB" sz="2800" dirty="0"/>
-              <a:t>Reals in Fortran will often be approximations to values</a:t>
+              <a:t>Conditionals allow the flow of a program to be controlled through the value of logical expressions</a:t>
             </a:r>
           </a:p>
           <a:p>
             <a:r>
               <a:rPr lang="en-GB" sz="2800" dirty="0"/>
-              <a:t>Means comparing reals will not always behave as expected</a:t>
+              <a:t>Vital for structuring your code to handle different cases</a:t>
             </a:r>
           </a:p>
           <a:p>
             <a:r>
               <a:rPr lang="en-GB" sz="2800" dirty="0"/>
-              <a:t>Care should be taken when comparing reals</a:t>
-            </a:r>
-          </a:p>
-          <a:p>
-            <a:pPr lvl="1"/>
-            <a:r>
-              <a:rPr lang="en-GB" sz="2400" dirty="0"/>
-              <a:t>Calculations, rounding an approximations may mean values are not exactly what you expect</a:t>
-            </a:r>
-          </a:p>
-          <a:p>
-            <a:r>
-              <a:rPr lang="en-GB" sz="2800" dirty="0"/>
-              <a:t>Reals may be declared to have higher precision</a:t>
-            </a:r>
-          </a:p>
-          <a:p>
-            <a:pPr lvl="1"/>
-            <a:r>
-              <a:rPr lang="en-GB" sz="2400" dirty="0"/>
-              <a:t>Doesn’t fundamentally solve this problem</a:t>
-            </a:r>
-          </a:p>
-          <a:p>
-            <a:pPr lvl="1"/>
-            <a:r>
-              <a:rPr lang="en-GB" sz="2400" dirty="0"/>
-              <a:t>Reduces effects of inaccuracy</a:t>
-            </a:r>
+              <a:t>Most common is the “if”, “else if”, “else” construct</a:t>
+            </a:r>
+            <a:endParaRPr lang="en-GB" sz="2400" dirty="0"/>
           </a:p>
           <a:p>
             <a:pPr marL="0" indent="0">
@@ -18584,7 +18542,7 @@
     </p:spTree>
     <p:extLst>
       <p:ext uri="{BB962C8B-B14F-4D97-AF65-F5344CB8AC3E}">
-        <p14:creationId xmlns:p14="http://schemas.microsoft.com/office/powerpoint/2010/main" val="1654254681"/>
+        <p14:creationId xmlns:p14="http://schemas.microsoft.com/office/powerpoint/2010/main" val="2312507278"/>
       </p:ext>
     </p:extLst>
   </p:cSld>
@@ -18636,7 +18594,7 @@
           <a:p>
             <a:r>
               <a:rPr lang="en-GB" sz="4000" dirty="0"/>
-              <a:t>Conditionals</a:t>
+              <a:t>If, else if, else</a:t>
             </a:r>
           </a:p>
         </p:txBody>
@@ -18659,27 +18617,172 @@
         </p:spPr>
         <p:txBody>
           <a:bodyPr>
-            <a:normAutofit/>
+            <a:normAutofit fontScale="85000" lnSpcReduction="20000"/>
           </a:bodyPr>
           <a:lstStyle/>
           <a:p>
+            <a:pPr marL="0" indent="0">
+              <a:buNone/>
+            </a:pPr>
+            <a:r>
+              <a:rPr lang="en-GB" sz="2800" dirty="0">
+                <a:solidFill>
+                  <a:schemeClr val="accent1"/>
+                </a:solidFill>
+              </a:rPr>
+              <a:t>if</a:t>
+            </a:r>
             <a:r>
               <a:rPr lang="en-GB" sz="2800" dirty="0"/>
-              <a:t>Conditionals allow the flow of a program to be controlled through the value of logical expressions</a:t>
-            </a:r>
-          </a:p>
-          <a:p>
+              <a:t> (logical1)</a:t>
+            </a:r>
+            <a:r>
+              <a:rPr lang="en-GB" sz="2800" dirty="0">
+                <a:solidFill>
+                  <a:schemeClr val="accent1"/>
+                </a:solidFill>
+              </a:rPr>
+              <a:t>then</a:t>
+            </a:r>
+          </a:p>
+          <a:p>
+            <a:pPr marL="0" indent="0">
+              <a:buNone/>
+            </a:pPr>
             <a:r>
               <a:rPr lang="en-GB" sz="2800" dirty="0"/>
-              <a:t>Vital for structuring your code to handle different cases</a:t>
-            </a:r>
-          </a:p>
-          <a:p>
+              <a:t>	[code to be executed if [logical expression 1] true]</a:t>
+            </a:r>
+          </a:p>
+          <a:p>
+            <a:pPr marL="0" indent="0">
+              <a:buNone/>
+            </a:pPr>
+            <a:r>
+              <a:rPr lang="en-GB" sz="2800" dirty="0">
+                <a:solidFill>
+                  <a:schemeClr val="accent1"/>
+                </a:solidFill>
+              </a:rPr>
+              <a:t>else if </a:t>
+            </a:r>
             <a:r>
               <a:rPr lang="en-GB" sz="2800" dirty="0"/>
-              <a:t>Most common is the “if”, “else if”, “else” construct</a:t>
-            </a:r>
-            <a:endParaRPr lang="en-GB" sz="2400" dirty="0"/>
+              <a:t>(logical2) </a:t>
+            </a:r>
+            <a:r>
+              <a:rPr lang="en-GB" sz="2800" dirty="0">
+                <a:solidFill>
+                  <a:schemeClr val="accent1"/>
+                </a:solidFill>
+              </a:rPr>
+              <a:t>then</a:t>
+            </a:r>
+          </a:p>
+          <a:p>
+            <a:pPr marL="0" indent="0">
+              <a:buNone/>
+            </a:pPr>
+            <a:r>
+              <a:rPr lang="en-GB" sz="2800" dirty="0"/>
+              <a:t>	[code to be executed if logical1 false and logical2 true]</a:t>
+            </a:r>
+          </a:p>
+          <a:p>
+            <a:pPr marL="0" indent="0">
+              <a:buNone/>
+            </a:pPr>
+            <a:r>
+              <a:rPr lang="en-GB" sz="2800" dirty="0">
+                <a:solidFill>
+                  <a:schemeClr val="accent1"/>
+                </a:solidFill>
+              </a:rPr>
+              <a:t>else if </a:t>
+            </a:r>
+            <a:r>
+              <a:rPr lang="en-GB" sz="2800" dirty="0"/>
+              <a:t>(logical3) </a:t>
+            </a:r>
+            <a:r>
+              <a:rPr lang="en-GB" sz="2800" dirty="0">
+                <a:solidFill>
+                  <a:schemeClr val="accent1"/>
+                </a:solidFill>
+              </a:rPr>
+              <a:t>then</a:t>
+            </a:r>
+          </a:p>
+          <a:p>
+            <a:pPr marL="0" indent="0">
+              <a:buNone/>
+            </a:pPr>
+            <a:r>
+              <a:rPr lang="en-GB" sz="2800" dirty="0"/>
+              <a:t>	[code to be executed if logical 3 true and logical1 and logical2 false]</a:t>
+            </a:r>
+          </a:p>
+          <a:p>
+            <a:pPr marL="0" indent="0">
+              <a:buNone/>
+            </a:pPr>
+            <a:r>
+              <a:rPr lang="en-GB" sz="2800" dirty="0">
+                <a:solidFill>
+                  <a:schemeClr val="accent1"/>
+                </a:solidFill>
+              </a:rPr>
+              <a:t>else</a:t>
+            </a:r>
+          </a:p>
+          <a:p>
+            <a:pPr marL="0" indent="0">
+              <a:buNone/>
+            </a:pPr>
+            <a:r>
+              <a:rPr lang="en-GB" sz="2800" dirty="0"/>
+              <a:t>	[code to be executed if logical1, logical2 and logical3 false]</a:t>
+            </a:r>
+          </a:p>
+          <a:p>
+            <a:pPr marL="0" indent="0">
+              <a:buNone/>
+            </a:pPr>
+            <a:r>
+              <a:rPr lang="en-GB" sz="2800" dirty="0">
+                <a:solidFill>
+                  <a:schemeClr val="accent1"/>
+                </a:solidFill>
+              </a:rPr>
+              <a:t>end if</a:t>
+            </a:r>
+          </a:p>
+          <a:p>
+            <a:pPr marL="0" indent="0">
+              <a:buNone/>
+            </a:pPr>
+            <a:endParaRPr lang="en-GB" sz="2800" dirty="0"/>
+          </a:p>
+          <a:p>
+            <a:pPr marL="0" indent="0">
+              <a:buNone/>
+            </a:pPr>
+            <a:r>
+              <a:rPr lang="en-GB" sz="2800" dirty="0"/>
+              <a:t>[code to be executed next]</a:t>
+            </a:r>
+          </a:p>
+          <a:p>
+            <a:pPr marL="0" indent="0">
+              <a:buNone/>
+            </a:pPr>
+            <a:endParaRPr lang="en-GB" sz="2800" dirty="0"/>
+          </a:p>
+          <a:p>
+            <a:pPr marL="0" indent="0">
+              <a:buNone/>
+            </a:pPr>
+            <a:endParaRPr lang="en-GB" sz="2800" dirty="0"/>
           </a:p>
           <a:p>
             <a:pPr marL="0" indent="0">
@@ -18746,10 +18849,49 @@
           </a:p>
         </p:txBody>
       </p:sp>
+      <p:sp>
+        <p:nvSpPr>
+          <p:cNvPr id="5" name="TextBox 4">
+            <a:extLst>
+              <a:ext uri="{FF2B5EF4-FFF2-40B4-BE49-F238E27FC236}">
+                <a16:creationId xmlns:a16="http://schemas.microsoft.com/office/drawing/2014/main" id="{04802720-F440-41B7-9540-A28C8F9A507C}"/>
+              </a:ext>
+            </a:extLst>
+          </p:cNvPr>
+          <p:cNvSpPr txBox="1"/>
+          <p:nvPr/>
+        </p:nvSpPr>
+        <p:spPr>
+          <a:xfrm>
+            <a:off x="7357241" y="6498021"/>
+            <a:ext cx="1697422" cy="369332"/>
+          </a:xfrm>
+          <a:prstGeom prst="rect">
+            <a:avLst/>
+          </a:prstGeom>
+          <a:noFill/>
+        </p:spPr>
+        <p:txBody>
+          <a:bodyPr wrap="square" rtlCol="0">
+            <a:spAutoFit/>
+          </a:bodyPr>
+          <a:lstStyle/>
+          <a:p>
+            <a:r>
+              <a:rPr lang="en-GB" dirty="0">
+                <a:solidFill>
+                  <a:schemeClr val="accent2"/>
+                </a:solidFill>
+              </a:rPr>
+              <a:t>Problem Sheet</a:t>
+            </a:r>
+          </a:p>
+        </p:txBody>
+      </p:sp>
     </p:spTree>
     <p:extLst>
       <p:ext uri="{BB962C8B-B14F-4D97-AF65-F5344CB8AC3E}">
-        <p14:creationId xmlns:p14="http://schemas.microsoft.com/office/powerpoint/2010/main" val="2312507278"/>
+        <p14:creationId xmlns:p14="http://schemas.microsoft.com/office/powerpoint/2010/main" val="2539671263"/>
       </p:ext>
     </p:extLst>
   </p:cSld>
@@ -18801,355 +18943,6 @@
           <a:p>
             <a:r>
               <a:rPr lang="en-GB" sz="4000" dirty="0"/>
-              <a:t>If, else if, else</a:t>
-            </a:r>
-          </a:p>
-        </p:txBody>
-      </p:sp>
-      <p:sp>
-        <p:nvSpPr>
-          <p:cNvPr id="3" name="Content Placeholder 2"/>
-          <p:cNvSpPr>
-            <a:spLocks noGrp="1"/>
-          </p:cNvSpPr>
-          <p:nvPr>
-            <p:ph idx="1"/>
-          </p:nvPr>
-        </p:nvSpPr>
-        <p:spPr>
-          <a:xfrm>
-            <a:off x="457200" y="1600200"/>
-            <a:ext cx="8435280" cy="4876800"/>
-          </a:xfrm>
-        </p:spPr>
-        <p:txBody>
-          <a:bodyPr>
-            <a:normAutofit fontScale="85000" lnSpcReduction="20000"/>
-          </a:bodyPr>
-          <a:lstStyle/>
-          <a:p>
-            <a:pPr marL="0" indent="0">
-              <a:buNone/>
-            </a:pPr>
-            <a:r>
-              <a:rPr lang="en-GB" sz="2800" dirty="0">
-                <a:solidFill>
-                  <a:schemeClr val="accent1"/>
-                </a:solidFill>
-              </a:rPr>
-              <a:t>if</a:t>
-            </a:r>
-            <a:r>
-              <a:rPr lang="en-GB" sz="2800" dirty="0"/>
-              <a:t> (logical1)</a:t>
-            </a:r>
-            <a:r>
-              <a:rPr lang="en-GB" sz="2800" dirty="0">
-                <a:solidFill>
-                  <a:schemeClr val="accent1"/>
-                </a:solidFill>
-              </a:rPr>
-              <a:t>then</a:t>
-            </a:r>
-          </a:p>
-          <a:p>
-            <a:pPr marL="0" indent="0">
-              <a:buNone/>
-            </a:pPr>
-            <a:r>
-              <a:rPr lang="en-GB" sz="2800" dirty="0"/>
-              <a:t>	[code to be executed if [logical expression 1] true]</a:t>
-            </a:r>
-          </a:p>
-          <a:p>
-            <a:pPr marL="0" indent="0">
-              <a:buNone/>
-            </a:pPr>
-            <a:r>
-              <a:rPr lang="en-GB" sz="2800" dirty="0">
-                <a:solidFill>
-                  <a:schemeClr val="accent1"/>
-                </a:solidFill>
-              </a:rPr>
-              <a:t>else if </a:t>
-            </a:r>
-            <a:r>
-              <a:rPr lang="en-GB" sz="2800" dirty="0"/>
-              <a:t>(logical2) </a:t>
-            </a:r>
-            <a:r>
-              <a:rPr lang="en-GB" sz="2800" dirty="0">
-                <a:solidFill>
-                  <a:schemeClr val="accent1"/>
-                </a:solidFill>
-              </a:rPr>
-              <a:t>then</a:t>
-            </a:r>
-          </a:p>
-          <a:p>
-            <a:pPr marL="0" indent="0">
-              <a:buNone/>
-            </a:pPr>
-            <a:r>
-              <a:rPr lang="en-GB" sz="2800" dirty="0"/>
-              <a:t>	[code to be executed if logical1 false and logical2 true]</a:t>
-            </a:r>
-          </a:p>
-          <a:p>
-            <a:pPr marL="0" indent="0">
-              <a:buNone/>
-            </a:pPr>
-            <a:r>
-              <a:rPr lang="en-GB" sz="2800" dirty="0">
-                <a:solidFill>
-                  <a:schemeClr val="accent1"/>
-                </a:solidFill>
-              </a:rPr>
-              <a:t>else if </a:t>
-            </a:r>
-            <a:r>
-              <a:rPr lang="en-GB" sz="2800" dirty="0"/>
-              <a:t>(logical3) </a:t>
-            </a:r>
-            <a:r>
-              <a:rPr lang="en-GB" sz="2800" dirty="0">
-                <a:solidFill>
-                  <a:schemeClr val="accent1"/>
-                </a:solidFill>
-              </a:rPr>
-              <a:t>then</a:t>
-            </a:r>
-          </a:p>
-          <a:p>
-            <a:pPr marL="0" indent="0">
-              <a:buNone/>
-            </a:pPr>
-            <a:r>
-              <a:rPr lang="en-GB" sz="2800" dirty="0"/>
-              <a:t>	[code to be executed if logical 3 true and logical1 and logical2 false]</a:t>
-            </a:r>
-          </a:p>
-          <a:p>
-            <a:pPr marL="0" indent="0">
-              <a:buNone/>
-            </a:pPr>
-            <a:r>
-              <a:rPr lang="en-GB" sz="2800" dirty="0">
-                <a:solidFill>
-                  <a:schemeClr val="accent1"/>
-                </a:solidFill>
-              </a:rPr>
-              <a:t>else</a:t>
-            </a:r>
-          </a:p>
-          <a:p>
-            <a:pPr marL="0" indent="0">
-              <a:buNone/>
-            </a:pPr>
-            <a:r>
-              <a:rPr lang="en-GB" sz="2800" dirty="0"/>
-              <a:t>	[code to be executed if logical1, logical2 and logical3 false]</a:t>
-            </a:r>
-          </a:p>
-          <a:p>
-            <a:pPr marL="0" indent="0">
-              <a:buNone/>
-            </a:pPr>
-            <a:r>
-              <a:rPr lang="en-GB" sz="2800" dirty="0">
-                <a:solidFill>
-                  <a:schemeClr val="accent1"/>
-                </a:solidFill>
-              </a:rPr>
-              <a:t>end if</a:t>
-            </a:r>
-          </a:p>
-          <a:p>
-            <a:pPr marL="0" indent="0">
-              <a:buNone/>
-            </a:pPr>
-            <a:endParaRPr lang="en-GB" sz="2800" dirty="0"/>
-          </a:p>
-          <a:p>
-            <a:pPr marL="0" indent="0">
-              <a:buNone/>
-            </a:pPr>
-            <a:r>
-              <a:rPr lang="en-GB" sz="2800" dirty="0"/>
-              <a:t>[code to be executed next]</a:t>
-            </a:r>
-          </a:p>
-          <a:p>
-            <a:pPr marL="0" indent="0">
-              <a:buNone/>
-            </a:pPr>
-            <a:endParaRPr lang="en-GB" sz="2800" dirty="0"/>
-          </a:p>
-          <a:p>
-            <a:pPr marL="0" indent="0">
-              <a:buNone/>
-            </a:pPr>
-            <a:endParaRPr lang="en-GB" sz="2800" dirty="0"/>
-          </a:p>
-          <a:p>
-            <a:pPr marL="0" indent="0">
-              <a:buNone/>
-            </a:pPr>
-            <a:endParaRPr lang="en-GB" sz="2800" dirty="0"/>
-          </a:p>
-          <a:p>
-            <a:pPr marL="0" indent="0">
-              <a:buNone/>
-            </a:pPr>
-            <a:endParaRPr lang="en-GB" sz="2600" dirty="0"/>
-          </a:p>
-          <a:p>
-            <a:pPr marL="0" indent="0">
-              <a:buNone/>
-            </a:pPr>
-            <a:endParaRPr lang="en-GB" sz="2600" dirty="0"/>
-          </a:p>
-          <a:p>
-            <a:pPr marL="0" indent="0">
-              <a:buNone/>
-            </a:pPr>
-            <a:endParaRPr lang="en-GB" sz="3000" dirty="0"/>
-          </a:p>
-        </p:txBody>
-      </p:sp>
-      <p:sp>
-        <p:nvSpPr>
-          <p:cNvPr id="4" name="TextBox 3">
-            <a:extLst>
-              <a:ext uri="{FF2B5EF4-FFF2-40B4-BE49-F238E27FC236}">
-                <a16:creationId xmlns:a16="http://schemas.microsoft.com/office/drawing/2014/main" id="{6FAB0CB6-79B2-4901-AFD9-92C5A0C9BFEB}"/>
-              </a:ext>
-            </a:extLst>
-          </p:cNvPr>
-          <p:cNvSpPr txBox="1"/>
-          <p:nvPr/>
-        </p:nvSpPr>
-        <p:spPr>
-          <a:xfrm>
-            <a:off x="5728138" y="6498021"/>
-            <a:ext cx="1765738" cy="369332"/>
-          </a:xfrm>
-          <a:prstGeom prst="rect">
-            <a:avLst/>
-          </a:prstGeom>
-          <a:noFill/>
-        </p:spPr>
-        <p:txBody>
-          <a:bodyPr wrap="square" rtlCol="0">
-            <a:spAutoFit/>
-          </a:bodyPr>
-          <a:lstStyle/>
-          <a:p>
-            <a:r>
-              <a:rPr lang="en-GB" dirty="0">
-                <a:solidFill>
-                  <a:schemeClr val="accent1"/>
-                </a:solidFill>
-              </a:rPr>
-              <a:t>Demonstration</a:t>
-            </a:r>
-          </a:p>
-        </p:txBody>
-      </p:sp>
-      <p:sp>
-        <p:nvSpPr>
-          <p:cNvPr id="5" name="TextBox 4">
-            <a:extLst>
-              <a:ext uri="{FF2B5EF4-FFF2-40B4-BE49-F238E27FC236}">
-                <a16:creationId xmlns:a16="http://schemas.microsoft.com/office/drawing/2014/main" id="{04802720-F440-41B7-9540-A28C8F9A507C}"/>
-              </a:ext>
-            </a:extLst>
-          </p:cNvPr>
-          <p:cNvSpPr txBox="1"/>
-          <p:nvPr/>
-        </p:nvSpPr>
-        <p:spPr>
-          <a:xfrm>
-            <a:off x="7357241" y="6498021"/>
-            <a:ext cx="1697422" cy="369332"/>
-          </a:xfrm>
-          <a:prstGeom prst="rect">
-            <a:avLst/>
-          </a:prstGeom>
-          <a:noFill/>
-        </p:spPr>
-        <p:txBody>
-          <a:bodyPr wrap="square" rtlCol="0">
-            <a:spAutoFit/>
-          </a:bodyPr>
-          <a:lstStyle/>
-          <a:p>
-            <a:r>
-              <a:rPr lang="en-GB" dirty="0">
-                <a:solidFill>
-                  <a:schemeClr val="accent2"/>
-                </a:solidFill>
-              </a:rPr>
-              <a:t>Problem Sheet</a:t>
-            </a:r>
-          </a:p>
-        </p:txBody>
-      </p:sp>
-    </p:spTree>
-    <p:extLst>
-      <p:ext uri="{BB962C8B-B14F-4D97-AF65-F5344CB8AC3E}">
-        <p14:creationId xmlns:p14="http://schemas.microsoft.com/office/powerpoint/2010/main" val="2539671263"/>
-      </p:ext>
-    </p:extLst>
-  </p:cSld>
-  <p:clrMapOvr>
-    <a:masterClrMapping/>
-  </p:clrMapOvr>
-  <mc:AlternateContent xmlns:mc="http://schemas.openxmlformats.org/markup-compatibility/2006" xmlns:p14="http://schemas.microsoft.com/office/powerpoint/2010/main">
-    <mc:Choice Requires="p14">
-      <p:transition p14:dur="10"/>
-    </mc:Choice>
-    <mc:Fallback xmlns="">
-      <p:transition/>
-    </mc:Fallback>
-  </mc:AlternateContent>
-</p:sld>
-</file>
-
-<file path=ppt/slides/slide33.xml><?xml version="1.0" encoding="utf-8"?>
-<p:sld xmlns:a="http://schemas.openxmlformats.org/drawingml/2006/main" xmlns:r="http://schemas.openxmlformats.org/officeDocument/2006/relationships" xmlns:p="http://schemas.openxmlformats.org/presentationml/2006/main">
-  <p:cSld>
-    <p:spTree>
-      <p:nvGrpSpPr>
-        <p:cNvPr id="1" name=""/>
-        <p:cNvGrpSpPr/>
-        <p:nvPr/>
-      </p:nvGrpSpPr>
-      <p:grpSpPr>
-        <a:xfrm>
-          <a:off x="0" y="0"/>
-          <a:ext cx="0" cy="0"/>
-          <a:chOff x="0" y="0"/>
-          <a:chExt cx="0" cy="0"/>
-        </a:xfrm>
-      </p:grpSpPr>
-      <p:sp>
-        <p:nvSpPr>
-          <p:cNvPr id="2" name="Title 1"/>
-          <p:cNvSpPr>
-            <a:spLocks noGrp="1"/>
-          </p:cNvSpPr>
-          <p:nvPr>
-            <p:ph type="title"/>
-          </p:nvPr>
-        </p:nvSpPr>
-        <p:spPr/>
-        <p:txBody>
-          <a:bodyPr/>
-          <a:lstStyle/>
-          <a:p>
-            <a:r>
-              <a:rPr lang="en-GB" sz="4000" dirty="0"/>
               <a:t>Loops</a:t>
             </a:r>
           </a:p>
@@ -19249,7 +19042,7 @@
 </p:sld>
 </file>
 
-<file path=ppt/slides/slide34.xml><?xml version="1.0" encoding="utf-8"?>
+<file path=ppt/slides/slide33.xml><?xml version="1.0" encoding="utf-8"?>
 <p:sld xmlns:a="http://schemas.openxmlformats.org/drawingml/2006/main" xmlns:r="http://schemas.openxmlformats.org/officeDocument/2006/relationships" xmlns:p="http://schemas.openxmlformats.org/presentationml/2006/main">
   <p:cSld>
     <p:spTree>
@@ -19870,7 +19663,7 @@
 </p:sld>
 </file>
 
-<file path=ppt/slides/slide35.xml><?xml version="1.0" encoding="utf-8"?>
+<file path=ppt/slides/slide34.xml><?xml version="1.0" encoding="utf-8"?>
 <p:sld xmlns:a="http://schemas.openxmlformats.org/drawingml/2006/main" xmlns:r="http://schemas.openxmlformats.org/officeDocument/2006/relationships" xmlns:p="http://schemas.openxmlformats.org/presentationml/2006/main">
   <p:cSld>
     <p:spTree>
@@ -20297,7 +20090,7 @@
 </p:sld>
 </file>
 
-<file path=ppt/slides/slide36.xml><?xml version="1.0" encoding="utf-8"?>
+<file path=ppt/slides/slide35.xml><?xml version="1.0" encoding="utf-8"?>
 <p:sld xmlns:a="http://schemas.openxmlformats.org/drawingml/2006/main" xmlns:r="http://schemas.openxmlformats.org/officeDocument/2006/relationships" xmlns:p="http://schemas.openxmlformats.org/presentationml/2006/main">
   <p:cSld>
     <p:spTree>
@@ -20411,7 +20204,7 @@
 </p:sld>
 </file>
 
-<file path=ppt/slides/slide37.xml><?xml version="1.0" encoding="utf-8"?>
+<file path=ppt/slides/slide36.xml><?xml version="1.0" encoding="utf-8"?>
 <p:sld xmlns:a="http://schemas.openxmlformats.org/drawingml/2006/main" xmlns:r="http://schemas.openxmlformats.org/officeDocument/2006/relationships" xmlns:p="http://schemas.openxmlformats.org/presentationml/2006/main">
   <p:cSld>
     <p:spTree>
@@ -20511,7 +20304,7 @@
 </p:sld>
 </file>
 
-<file path=ppt/slides/slide38.xml><?xml version="1.0" encoding="utf-8"?>
+<file path=ppt/slides/slide37.xml><?xml version="1.0" encoding="utf-8"?>
 <p:sld xmlns:a="http://schemas.openxmlformats.org/drawingml/2006/main" xmlns:r="http://schemas.openxmlformats.org/officeDocument/2006/relationships" xmlns:p="http://schemas.openxmlformats.org/presentationml/2006/main">
   <p:cSld>
     <p:spTree>
@@ -20936,7 +20729,7 @@
 </p:sld>
 </file>
 
-<file path=ppt/slides/slide39.xml><?xml version="1.0" encoding="utf-8"?>
+<file path=ppt/slides/slide38.xml><?xml version="1.0" encoding="utf-8"?>
 <p:sld xmlns:a="http://schemas.openxmlformats.org/drawingml/2006/main" xmlns:r="http://schemas.openxmlformats.org/officeDocument/2006/relationships" xmlns:p="http://schemas.openxmlformats.org/presentationml/2006/main">
   <p:cSld>
     <p:spTree>
@@ -21311,157 +21104,7 @@
 </p:sld>
 </file>
 
-<file path=ppt/slides/slide4.xml><?xml version="1.0" encoding="utf-8"?>
-<p:sld xmlns:a="http://schemas.openxmlformats.org/drawingml/2006/main" xmlns:r="http://schemas.openxmlformats.org/officeDocument/2006/relationships" xmlns:p="http://schemas.openxmlformats.org/presentationml/2006/main">
-  <p:cSld>
-    <p:spTree>
-      <p:nvGrpSpPr>
-        <p:cNvPr id="1" name=""/>
-        <p:cNvGrpSpPr/>
-        <p:nvPr/>
-      </p:nvGrpSpPr>
-      <p:grpSpPr>
-        <a:xfrm>
-          <a:off x="0" y="0"/>
-          <a:ext cx="0" cy="0"/>
-          <a:chOff x="0" y="0"/>
-          <a:chExt cx="0" cy="0"/>
-        </a:xfrm>
-      </p:grpSpPr>
-      <p:sp>
-        <p:nvSpPr>
-          <p:cNvPr id="2" name="Title 1"/>
-          <p:cNvSpPr>
-            <a:spLocks noGrp="1"/>
-          </p:cNvSpPr>
-          <p:nvPr>
-            <p:ph type="title"/>
-          </p:nvPr>
-        </p:nvSpPr>
-        <p:spPr/>
-        <p:txBody>
-          <a:bodyPr/>
-          <a:lstStyle/>
-          <a:p>
-            <a:r>
-              <a:rPr lang="en-GB" sz="4000" dirty="0"/>
-              <a:t>Learning Outcomes</a:t>
-            </a:r>
-          </a:p>
-        </p:txBody>
-      </p:sp>
-      <p:sp>
-        <p:nvSpPr>
-          <p:cNvPr id="3" name="Content Placeholder 2"/>
-          <p:cNvSpPr>
-            <a:spLocks noGrp="1"/>
-          </p:cNvSpPr>
-          <p:nvPr>
-            <p:ph idx="1"/>
-          </p:nvPr>
-        </p:nvSpPr>
-        <p:spPr>
-          <a:xfrm>
-            <a:off x="457200" y="1600200"/>
-            <a:ext cx="8435280" cy="4876800"/>
-          </a:xfrm>
-        </p:spPr>
-        <p:txBody>
-          <a:bodyPr>
-            <a:normAutofit fontScale="92500" lnSpcReduction="20000"/>
-          </a:bodyPr>
-          <a:lstStyle/>
-          <a:p>
-            <a:pPr marL="514350" lvl="0" indent="-514350">
-              <a:buAutoNum type="arabicPeriod"/>
-            </a:pPr>
-            <a:r>
-              <a:rPr lang="en-GB" b="1" dirty="0"/>
-              <a:t>Define</a:t>
-            </a:r>
-            <a:r>
-              <a:rPr lang="en-GB" dirty="0"/>
-              <a:t> the terms source file, compiler and executable,</a:t>
-            </a:r>
-          </a:p>
-          <a:p>
-            <a:pPr marL="514350" lvl="0" indent="-514350">
-              <a:buAutoNum type="arabicPeriod"/>
-            </a:pPr>
-            <a:r>
-              <a:rPr lang="en-GB" b="1" dirty="0"/>
-              <a:t>Use</a:t>
-            </a:r>
-            <a:r>
-              <a:rPr lang="en-GB" dirty="0"/>
-              <a:t> a compiler to create and run simple codes,</a:t>
-            </a:r>
-          </a:p>
-          <a:p>
-            <a:pPr marL="514350" lvl="0" indent="-514350">
-              <a:buAutoNum type="arabicPeriod"/>
-            </a:pPr>
-            <a:r>
-              <a:rPr lang="en-GB" b="1" dirty="0"/>
-              <a:t>Apply</a:t>
-            </a:r>
-            <a:r>
-              <a:rPr lang="en-GB" dirty="0"/>
-              <a:t> fundamental components of the Fortran language including variables, loops, conditionals and subroutines,</a:t>
-            </a:r>
-          </a:p>
-          <a:p>
-            <a:pPr marL="514350" lvl="0" indent="-514350">
-              <a:buAutoNum type="arabicPeriod"/>
-            </a:pPr>
-            <a:r>
-              <a:rPr lang="en-GB" b="1" dirty="0"/>
-              <a:t>Create</a:t>
-            </a:r>
-            <a:r>
-              <a:rPr lang="en-GB" dirty="0"/>
-              <a:t> programs designed to solve simple numerical problems</a:t>
-            </a:r>
-            <a:endParaRPr lang="en-GB" i="1" dirty="0"/>
-          </a:p>
-          <a:p>
-            <a:pPr marL="514350" lvl="0" indent="-514350">
-              <a:buAutoNum type="arabicPeriod"/>
-            </a:pPr>
-            <a:r>
-              <a:rPr lang="en-GB" b="1" dirty="0"/>
-              <a:t>Interpret</a:t>
-            </a:r>
-            <a:r>
-              <a:rPr lang="en-GB" dirty="0"/>
-              <a:t> common compiler and run-time errors and use these to help debug a program</a:t>
-            </a:r>
-            <a:endParaRPr lang="en-GB" sz="3000" dirty="0"/>
-          </a:p>
-        </p:txBody>
-      </p:sp>
-    </p:spTree>
-    <p:extLst>
-      <p:ext uri="{BB962C8B-B14F-4D97-AF65-F5344CB8AC3E}">
-        <p14:creationId xmlns:p14="http://schemas.microsoft.com/office/powerpoint/2010/main" val="3248724752"/>
-      </p:ext>
-    </p:extLst>
-  </p:cSld>
-  <p:clrMapOvr>
-    <a:masterClrMapping/>
-  </p:clrMapOvr>
-  <mc:AlternateContent xmlns:mc="http://schemas.openxmlformats.org/markup-compatibility/2006" xmlns:p14="http://schemas.microsoft.com/office/powerpoint/2010/main">
-    <mc:Choice Requires="p14">
-      <p:transition p14:dur="10"/>
-    </mc:Choice>
-    <mc:Fallback xmlns="">
-      <p:transition/>
-    </mc:Fallback>
-  </mc:AlternateContent>
-</p:sld>
-</file>
-
-<file path=ppt/slides/slide40.xml><?xml version="1.0" encoding="utf-8"?>
+<file path=ppt/slides/slide39.xml><?xml version="1.0" encoding="utf-8"?>
 <p:sld xmlns:a="http://schemas.openxmlformats.org/drawingml/2006/main" xmlns:r="http://schemas.openxmlformats.org/officeDocument/2006/relationships" xmlns:p="http://schemas.openxmlformats.org/presentationml/2006/main">
   <p:cSld>
     <p:spTree>
@@ -21573,7 +21216,136 @@
 </p:sld>
 </file>
 
-<file path=ppt/slides/slide41.xml><?xml version="1.0" encoding="utf-8"?>
+<file path=ppt/slides/slide4.xml><?xml version="1.0" encoding="utf-8"?>
+<p:sld xmlns:a="http://schemas.openxmlformats.org/drawingml/2006/main" xmlns:r="http://schemas.openxmlformats.org/officeDocument/2006/relationships" xmlns:p="http://schemas.openxmlformats.org/presentationml/2006/main">
+  <p:cSld>
+    <p:spTree>
+      <p:nvGrpSpPr>
+        <p:cNvPr id="1" name=""/>
+        <p:cNvGrpSpPr/>
+        <p:nvPr/>
+      </p:nvGrpSpPr>
+      <p:grpSpPr>
+        <a:xfrm>
+          <a:off x="0" y="0"/>
+          <a:ext cx="0" cy="0"/>
+          <a:chOff x="0" y="0"/>
+          <a:chExt cx="0" cy="0"/>
+        </a:xfrm>
+      </p:grpSpPr>
+      <p:sp>
+        <p:nvSpPr>
+          <p:cNvPr id="2" name="Title 1"/>
+          <p:cNvSpPr>
+            <a:spLocks noGrp="1"/>
+          </p:cNvSpPr>
+          <p:nvPr>
+            <p:ph type="title"/>
+          </p:nvPr>
+        </p:nvSpPr>
+        <p:spPr/>
+        <p:txBody>
+          <a:bodyPr/>
+          <a:lstStyle/>
+          <a:p>
+            <a:r>
+              <a:rPr lang="en-GB" sz="4000" dirty="0"/>
+              <a:t>What is Coding?</a:t>
+            </a:r>
+          </a:p>
+        </p:txBody>
+      </p:sp>
+      <p:sp>
+        <p:nvSpPr>
+          <p:cNvPr id="3" name="Content Placeholder 2"/>
+          <p:cNvSpPr>
+            <a:spLocks noGrp="1"/>
+          </p:cNvSpPr>
+          <p:nvPr>
+            <p:ph idx="1"/>
+          </p:nvPr>
+        </p:nvSpPr>
+        <p:spPr>
+          <a:xfrm>
+            <a:off x="457200" y="1600200"/>
+            <a:ext cx="8435280" cy="4876800"/>
+          </a:xfrm>
+        </p:spPr>
+        <p:txBody>
+          <a:bodyPr>
+            <a:normAutofit/>
+          </a:bodyPr>
+          <a:lstStyle/>
+          <a:p>
+            <a:r>
+              <a:rPr lang="en-GB" sz="3000" dirty="0"/>
+              <a:t>Writing instructions for a computer: a program</a:t>
+            </a:r>
+          </a:p>
+          <a:p>
+            <a:r>
+              <a:rPr lang="en-GB" sz="3000" dirty="0"/>
+              <a:t>Resulting calculations achieve a goal</a:t>
+            </a:r>
+          </a:p>
+          <a:p>
+            <a:r>
+              <a:rPr lang="en-GB" sz="3000" dirty="0"/>
+              <a:t>Good for automating laborious calculations</a:t>
+            </a:r>
+          </a:p>
+          <a:p>
+            <a:pPr lvl="1"/>
+            <a:r>
+              <a:rPr lang="en-GB" sz="2600" dirty="0"/>
+              <a:t>Simulation</a:t>
+            </a:r>
+          </a:p>
+          <a:p>
+            <a:pPr lvl="1"/>
+            <a:r>
+              <a:rPr lang="en-GB" sz="2600" dirty="0"/>
+              <a:t>Data Analysis</a:t>
+            </a:r>
+          </a:p>
+          <a:p>
+            <a:pPr lvl="1"/>
+            <a:r>
+              <a:rPr lang="en-GB" sz="2600" dirty="0"/>
+              <a:t>Real-time control of complex systems</a:t>
+            </a:r>
+          </a:p>
+          <a:p>
+            <a:pPr lvl="1"/>
+            <a:r>
+              <a:rPr lang="en-GB" sz="2600" dirty="0"/>
+              <a:t>Rapid iteration over a number of related cases</a:t>
+            </a:r>
+          </a:p>
+        </p:txBody>
+      </p:sp>
+    </p:spTree>
+    <p:extLst>
+      <p:ext uri="{BB962C8B-B14F-4D97-AF65-F5344CB8AC3E}">
+        <p14:creationId xmlns:p14="http://schemas.microsoft.com/office/powerpoint/2010/main" val="3227858941"/>
+      </p:ext>
+    </p:extLst>
+  </p:cSld>
+  <p:clrMapOvr>
+    <a:masterClrMapping/>
+  </p:clrMapOvr>
+  <mc:AlternateContent xmlns:mc="http://schemas.openxmlformats.org/markup-compatibility/2006" xmlns:p14="http://schemas.microsoft.com/office/powerpoint/2010/main">
+    <mc:Choice Requires="p14">
+      <p:transition p14:dur="10"/>
+    </mc:Choice>
+    <mc:Fallback xmlns="">
+      <p:transition/>
+    </mc:Fallback>
+  </mc:AlternateContent>
+</p:sld>
+</file>
+
+<file path=ppt/slides/slide40.xml><?xml version="1.0" encoding="utf-8"?>
 <p:sld xmlns:a="http://schemas.openxmlformats.org/drawingml/2006/main" xmlns:r="http://schemas.openxmlformats.org/officeDocument/2006/relationships" xmlns:p="http://schemas.openxmlformats.org/presentationml/2006/main">
   <p:cSld>
     <p:spTree>
@@ -22072,6 +21844,388 @@
 </p:sld>
 </file>
 
+<file path=ppt/slides/slide41.xml><?xml version="1.0" encoding="utf-8"?>
+<p:sld xmlns:a="http://schemas.openxmlformats.org/drawingml/2006/main" xmlns:r="http://schemas.openxmlformats.org/officeDocument/2006/relationships" xmlns:p="http://schemas.openxmlformats.org/presentationml/2006/main">
+  <p:cSld>
+    <p:spTree>
+      <p:nvGrpSpPr>
+        <p:cNvPr id="1" name=""/>
+        <p:cNvGrpSpPr/>
+        <p:nvPr/>
+      </p:nvGrpSpPr>
+      <p:grpSpPr>
+        <a:xfrm>
+          <a:off x="0" y="0"/>
+          <a:ext cx="0" cy="0"/>
+          <a:chOff x="0" y="0"/>
+          <a:chExt cx="0" cy="0"/>
+        </a:xfrm>
+      </p:grpSpPr>
+      <p:sp>
+        <p:nvSpPr>
+          <p:cNvPr id="2" name="Title 1"/>
+          <p:cNvSpPr>
+            <a:spLocks noGrp="1"/>
+          </p:cNvSpPr>
+          <p:nvPr>
+            <p:ph type="title"/>
+          </p:nvPr>
+        </p:nvSpPr>
+        <p:spPr/>
+        <p:txBody>
+          <a:bodyPr/>
+          <a:lstStyle/>
+          <a:p>
+            <a:r>
+              <a:rPr lang="en-GB" sz="4000" dirty="0"/>
+              <a:t>Functions - Calling</a:t>
+            </a:r>
+          </a:p>
+        </p:txBody>
+      </p:sp>
+      <p:sp>
+        <p:nvSpPr>
+          <p:cNvPr id="7" name="Content Placeholder 6">
+            <a:extLst>
+              <a:ext uri="{FF2B5EF4-FFF2-40B4-BE49-F238E27FC236}">
+                <a16:creationId xmlns:a16="http://schemas.microsoft.com/office/drawing/2014/main" id="{8704F1A3-720B-4123-B3B8-B6C05F8BAC14}"/>
+              </a:ext>
+            </a:extLst>
+          </p:cNvPr>
+          <p:cNvSpPr>
+            <a:spLocks noGrp="1"/>
+          </p:cNvSpPr>
+          <p:nvPr>
+            <p:ph idx="1"/>
+          </p:nvPr>
+        </p:nvSpPr>
+        <p:spPr>
+          <a:xfrm>
+            <a:off x="457200" y="1466440"/>
+            <a:ext cx="8131996" cy="4879931"/>
+          </a:xfrm>
+        </p:spPr>
+        <p:txBody>
+          <a:bodyPr/>
+          <a:lstStyle/>
+          <a:p>
+            <a:pPr marL="0" indent="0">
+              <a:buNone/>
+            </a:pPr>
+            <a:r>
+              <a:rPr lang="en-GB" sz="2400" dirty="0">
+                <a:solidFill>
+                  <a:schemeClr val="accent5"/>
+                </a:solidFill>
+              </a:rPr>
+              <a:t>real</a:t>
+            </a:r>
+            <a:r>
+              <a:rPr lang="en-GB" sz="2400" dirty="0"/>
+              <a:t>    ::  real1, real2</a:t>
+            </a:r>
+          </a:p>
+          <a:p>
+            <a:pPr marL="0" indent="0">
+              <a:buNone/>
+            </a:pPr>
+            <a:endParaRPr lang="en-GB" sz="2400" dirty="0"/>
+          </a:p>
+          <a:p>
+            <a:pPr marL="0" indent="0">
+              <a:buNone/>
+            </a:pPr>
+            <a:r>
+              <a:rPr lang="en-GB" sz="2400" dirty="0">
+                <a:solidFill>
+                  <a:schemeClr val="accent1"/>
+                </a:solidFill>
+              </a:rPr>
+              <a:t>print</a:t>
+            </a:r>
+            <a:r>
+              <a:rPr lang="en-GB" sz="2400" dirty="0"/>
+              <a:t>*, function_name1(</a:t>
+            </a:r>
+            <a:r>
+              <a:rPr lang="en-GB" sz="2400" dirty="0">
+                <a:solidFill>
+                  <a:schemeClr val="accent2"/>
+                </a:solidFill>
+              </a:rPr>
+              <a:t>2.0</a:t>
+            </a:r>
+            <a:r>
+              <a:rPr lang="en-GB" sz="2400" dirty="0"/>
+              <a:t>, </a:t>
+            </a:r>
+            <a:r>
+              <a:rPr lang="en-GB" sz="2400" dirty="0">
+                <a:solidFill>
+                  <a:schemeClr val="accent2"/>
+                </a:solidFill>
+              </a:rPr>
+              <a:t>4.0</a:t>
+            </a:r>
+            <a:r>
+              <a:rPr lang="en-GB" sz="2400" dirty="0"/>
+              <a:t>)</a:t>
+            </a:r>
+          </a:p>
+          <a:p>
+            <a:pPr marL="0" indent="0">
+              <a:buNone/>
+            </a:pPr>
+            <a:r>
+              <a:rPr lang="en-GB" sz="2400" dirty="0">
+                <a:solidFill>
+                  <a:schemeClr val="accent1"/>
+                </a:solidFill>
+              </a:rPr>
+              <a:t>print</a:t>
+            </a:r>
+            <a:r>
+              <a:rPr lang="en-GB" sz="2400" dirty="0"/>
+              <a:t>*, function_name2(</a:t>
+            </a:r>
+            <a:r>
+              <a:rPr lang="en-GB" sz="2400" dirty="0">
+                <a:solidFill>
+                  <a:schemeClr val="accent2"/>
+                </a:solidFill>
+              </a:rPr>
+              <a:t>1.0</a:t>
+            </a:r>
+            <a:r>
+              <a:rPr lang="en-GB" sz="2400" dirty="0"/>
+              <a:t>, </a:t>
+            </a:r>
+            <a:r>
+              <a:rPr lang="en-GB" sz="2400" dirty="0">
+                <a:solidFill>
+                  <a:schemeClr val="accent2"/>
+                </a:solidFill>
+              </a:rPr>
+              <a:t>3.0</a:t>
+            </a:r>
+            <a:r>
+              <a:rPr lang="en-GB" sz="2400" dirty="0"/>
+              <a:t>)</a:t>
+            </a:r>
+          </a:p>
+          <a:p>
+            <a:pPr marL="0" indent="0">
+              <a:buNone/>
+            </a:pPr>
+            <a:endParaRPr lang="en-GB" sz="2400" dirty="0"/>
+          </a:p>
+          <a:p>
+            <a:pPr marL="0" indent="0">
+              <a:buNone/>
+            </a:pPr>
+            <a:r>
+              <a:rPr lang="en-GB" sz="2400" dirty="0"/>
+              <a:t>real1=function_name1 (</a:t>
+            </a:r>
+            <a:r>
+              <a:rPr lang="en-GB" sz="2400" dirty="0">
+                <a:solidFill>
+                  <a:schemeClr val="accent2"/>
+                </a:solidFill>
+              </a:rPr>
+              <a:t>2.0</a:t>
+            </a:r>
+            <a:r>
+              <a:rPr lang="en-GB" sz="2400" dirty="0"/>
+              <a:t>, </a:t>
+            </a:r>
+            <a:r>
+              <a:rPr lang="en-GB" sz="2400" dirty="0">
+                <a:solidFill>
+                  <a:schemeClr val="accent2"/>
+                </a:solidFill>
+              </a:rPr>
+              <a:t>3.0</a:t>
+            </a:r>
+            <a:r>
+              <a:rPr lang="en-GB" sz="2400" dirty="0"/>
+              <a:t>)</a:t>
+            </a:r>
+          </a:p>
+          <a:p>
+            <a:pPr marL="0" indent="0">
+              <a:buNone/>
+            </a:pPr>
+            <a:r>
+              <a:rPr lang="en-GB" sz="2400" dirty="0"/>
+              <a:t>real2=function_name2(real1, real1/</a:t>
+            </a:r>
+            <a:r>
+              <a:rPr lang="en-GB" sz="2400" dirty="0">
+                <a:solidFill>
+                  <a:schemeClr val="accent2"/>
+                </a:solidFill>
+              </a:rPr>
+              <a:t>3.0</a:t>
+            </a:r>
+            <a:r>
+              <a:rPr lang="en-GB" sz="2400" dirty="0"/>
+              <a:t>)*</a:t>
+            </a:r>
+            <a:r>
+              <a:rPr lang="en-GB" sz="2400" dirty="0">
+                <a:solidFill>
+                  <a:schemeClr val="accent2"/>
+                </a:solidFill>
+              </a:rPr>
+              <a:t>2.0</a:t>
+            </a:r>
+          </a:p>
+          <a:p>
+            <a:pPr marL="0" indent="0">
+              <a:buNone/>
+            </a:pPr>
+            <a:br>
+              <a:rPr lang="en-GB" sz="2400" dirty="0"/>
+            </a:br>
+            <a:r>
+              <a:rPr lang="en-GB" sz="2400" dirty="0">
+                <a:solidFill>
+                  <a:schemeClr val="accent1"/>
+                </a:solidFill>
+              </a:rPr>
+              <a:t>print</a:t>
+            </a:r>
+            <a:r>
+              <a:rPr lang="en-GB" sz="2400" dirty="0"/>
+              <a:t>*, function_name1(real2, function_name2(</a:t>
+            </a:r>
+            <a:r>
+              <a:rPr lang="en-GB" sz="2400" dirty="0">
+                <a:solidFill>
+                  <a:schemeClr val="accent2"/>
+                </a:solidFill>
+              </a:rPr>
+              <a:t>2.0</a:t>
+            </a:r>
+            <a:r>
+              <a:rPr lang="en-GB" sz="2400" dirty="0"/>
+              <a:t>, </a:t>
+            </a:r>
+            <a:r>
+              <a:rPr lang="en-GB" sz="2400" dirty="0">
+                <a:solidFill>
+                  <a:schemeClr val="accent2"/>
+                </a:solidFill>
+              </a:rPr>
+              <a:t>3.0</a:t>
+            </a:r>
+            <a:r>
+              <a:rPr lang="en-GB" sz="2400" dirty="0"/>
+              <a:t>))</a:t>
+            </a:r>
+          </a:p>
+        </p:txBody>
+      </p:sp>
+      <p:sp>
+        <p:nvSpPr>
+          <p:cNvPr id="11" name="TextBox 10">
+            <a:extLst>
+              <a:ext uri="{FF2B5EF4-FFF2-40B4-BE49-F238E27FC236}">
+                <a16:creationId xmlns:a16="http://schemas.microsoft.com/office/drawing/2014/main" id="{EE625C72-6D59-439C-96A8-3DEE7A0774D8}"/>
+              </a:ext>
+            </a:extLst>
+          </p:cNvPr>
+          <p:cNvSpPr txBox="1"/>
+          <p:nvPr/>
+        </p:nvSpPr>
+        <p:spPr>
+          <a:xfrm>
+            <a:off x="5728138" y="6498021"/>
+            <a:ext cx="1765738" cy="369332"/>
+          </a:xfrm>
+          <a:prstGeom prst="rect">
+            <a:avLst/>
+          </a:prstGeom>
+          <a:noFill/>
+        </p:spPr>
+        <p:txBody>
+          <a:bodyPr wrap="square" rtlCol="0">
+            <a:spAutoFit/>
+          </a:bodyPr>
+          <a:lstStyle/>
+          <a:p>
+            <a:r>
+              <a:rPr lang="en-GB" dirty="0">
+                <a:solidFill>
+                  <a:schemeClr val="accent1"/>
+                </a:solidFill>
+              </a:rPr>
+              <a:t>Demonstration</a:t>
+            </a:r>
+          </a:p>
+        </p:txBody>
+      </p:sp>
+      <p:sp>
+        <p:nvSpPr>
+          <p:cNvPr id="5" name="TextBox 4">
+            <a:extLst>
+              <a:ext uri="{FF2B5EF4-FFF2-40B4-BE49-F238E27FC236}">
+                <a16:creationId xmlns:a16="http://schemas.microsoft.com/office/drawing/2014/main" id="{14AD2C1F-43FF-4CF4-B8BB-C85A1A930793}"/>
+              </a:ext>
+            </a:extLst>
+          </p:cNvPr>
+          <p:cNvSpPr txBox="1"/>
+          <p:nvPr/>
+        </p:nvSpPr>
+        <p:spPr>
+          <a:xfrm>
+            <a:off x="7357241" y="6498021"/>
+            <a:ext cx="1697422" cy="369332"/>
+          </a:xfrm>
+          <a:prstGeom prst="rect">
+            <a:avLst/>
+          </a:prstGeom>
+          <a:noFill/>
+        </p:spPr>
+        <p:txBody>
+          <a:bodyPr wrap="square" rtlCol="0">
+            <a:spAutoFit/>
+          </a:bodyPr>
+          <a:lstStyle/>
+          <a:p>
+            <a:r>
+              <a:rPr lang="en-GB" dirty="0">
+                <a:solidFill>
+                  <a:schemeClr val="accent2"/>
+                </a:solidFill>
+              </a:rPr>
+              <a:t>Problem Sheet</a:t>
+            </a:r>
+          </a:p>
+        </p:txBody>
+      </p:sp>
+    </p:spTree>
+    <p:extLst>
+      <p:ext uri="{BB962C8B-B14F-4D97-AF65-F5344CB8AC3E}">
+        <p14:creationId xmlns:p14="http://schemas.microsoft.com/office/powerpoint/2010/main" val="265627358"/>
+      </p:ext>
+    </p:extLst>
+  </p:cSld>
+  <p:clrMapOvr>
+    <a:masterClrMapping/>
+  </p:clrMapOvr>
+  <mc:AlternateContent xmlns:mc="http://schemas.openxmlformats.org/markup-compatibility/2006" xmlns:p14="http://schemas.microsoft.com/office/powerpoint/2010/main">
+    <mc:Choice Requires="p14">
+      <p:transition p14:dur="10"/>
+    </mc:Choice>
+    <mc:Fallback xmlns="">
+      <p:transition/>
+    </mc:Fallback>
+  </mc:AlternateContent>
+</p:sld>
+</file>
+
 <file path=ppt/slides/slide42.xml><?xml version="1.0" encoding="utf-8"?>
 <p:sld xmlns:a="http://schemas.openxmlformats.org/drawingml/2006/main" xmlns:r="http://schemas.openxmlformats.org/officeDocument/2006/relationships" xmlns:p="http://schemas.openxmlformats.org/presentationml/2006/main">
   <p:cSld>
@@ -22106,7 +22260,7 @@
           <a:p>
             <a:r>
               <a:rPr lang="en-GB" sz="4000" dirty="0"/>
-              <a:t>Functions - Calling</a:t>
+              <a:t>Extension: Functions – Recursion</a:t>
             </a:r>
           </a:p>
         </p:txBody>
@@ -22129,7 +22283,7 @@
         </p:nvSpPr>
         <p:spPr>
           <a:xfrm>
-            <a:off x="457200" y="1466440"/>
+            <a:off x="272143" y="1466440"/>
             <a:ext cx="8131996" cy="4879931"/>
           </a:xfrm>
         </p:spPr>
@@ -22146,11 +22300,40 @@
                   <a:schemeClr val="accent5"/>
                 </a:solidFill>
               </a:rPr>
-              <a:t>real</a:t>
+              <a:t>recursive function </a:t>
+            </a:r>
+            <a:r>
+              <a:rPr lang="en-GB" sz="2400" dirty="0">
+                <a:solidFill>
+                  <a:schemeClr val="accent3"/>
+                </a:solidFill>
+              </a:rPr>
+              <a:t>factorial</a:t>
             </a:r>
             <a:r>
               <a:rPr lang="en-GB" sz="2400" dirty="0"/>
-              <a:t>    ::  real1, real2</a:t>
+              <a:t>(</a:t>
+            </a:r>
+            <a:r>
+              <a:rPr lang="en-GB" sz="2400" dirty="0">
+                <a:solidFill>
+                  <a:schemeClr val="accent2"/>
+                </a:solidFill>
+              </a:rPr>
+              <a:t>value</a:t>
+            </a:r>
+            <a:r>
+              <a:rPr lang="en-GB" sz="2400" dirty="0"/>
+              <a:t>)result(evaluation)</a:t>
+            </a:r>
+          </a:p>
+          <a:p>
+            <a:pPr marL="0" indent="0">
+              <a:buNone/>
+            </a:pPr>
+            <a:r>
+              <a:rPr lang="en-GB" sz="2400" dirty="0"/>
+              <a:t>	integer ::  value, evaluation</a:t>
             </a:r>
           </a:p>
           <a:p>
@@ -22160,7 +22343,7 @@
             <a:endParaRPr lang="en-GB" sz="2400" dirty="0"/>
           </a:p>
           <a:p>
-            <a:pPr marL="0" indent="0">
+            <a:pPr marL="400050" lvl="1" indent="0">
               <a:buNone/>
             </a:pPr>
             <a:r>
@@ -22169,11 +22352,11 @@
                   <a:schemeClr val="accent1"/>
                 </a:solidFill>
               </a:rPr>
-              <a:t>print</a:t>
+              <a:t>	if</a:t>
             </a:r>
             <a:r>
               <a:rPr lang="en-GB" sz="2400" dirty="0"/>
-              <a:t>*, function_name1(</a:t>
+              <a:t> (value==</a:t>
             </a:r>
             <a:r>
               <a:rPr lang="en-GB" sz="2400" dirty="0">
@@ -22181,11 +22364,11 @@
                   <a:schemeClr val="accent2"/>
                 </a:solidFill>
               </a:rPr>
-              <a:t>2.0</a:t>
+              <a:t>0</a:t>
             </a:r>
             <a:r>
               <a:rPr lang="en-GB" sz="2400" dirty="0"/>
-              <a:t>, </a:t>
+              <a:t> .or. value==</a:t>
             </a:r>
             <a:r>
               <a:rPr lang="en-GB" sz="2400" dirty="0">
@@ -22193,28 +22376,53 @@
                   <a:schemeClr val="accent2"/>
                 </a:solidFill>
               </a:rPr>
-              <a:t>4.0</a:t>
+              <a:t>1</a:t>
             </a:r>
             <a:r>
               <a:rPr lang="en-GB" sz="2400" dirty="0"/>
               <a:t>)</a:t>
             </a:r>
-          </a:p>
-          <a:p>
-            <a:pPr marL="0" indent="0">
+            <a:r>
+              <a:rPr lang="en-GB" sz="2400" dirty="0">
+                <a:solidFill>
+                  <a:schemeClr val="accent1"/>
+                </a:solidFill>
+              </a:rPr>
+              <a:t>then</a:t>
+            </a:r>
+          </a:p>
+          <a:p>
+            <a:pPr marL="400050" lvl="1" indent="0">
               <a:buNone/>
             </a:pPr>
             <a:r>
+              <a:rPr lang="en-GB" sz="2400" dirty="0"/>
+              <a:t>	  evaluation=</a:t>
+            </a:r>
+            <a:r>
               <a:rPr lang="en-GB" sz="2400" dirty="0">
                 <a:solidFill>
+                  <a:schemeClr val="accent2"/>
+                </a:solidFill>
+              </a:rPr>
+              <a:t>1</a:t>
+            </a:r>
+          </a:p>
+          <a:p>
+            <a:pPr marL="400050" lvl="1" indent="0">
+              <a:buNone/>
+            </a:pPr>
+            <a:r>
+              <a:rPr lang="en-GB" sz="2400" dirty="0">
+                <a:solidFill>
                   <a:schemeClr val="accent1"/>
                 </a:solidFill>
               </a:rPr>
-              <a:t>print</a:t>
+              <a:t>else if</a:t>
             </a:r>
             <a:r>
               <a:rPr lang="en-GB" sz="2400" dirty="0"/>
-              <a:t>*, function_name2(</a:t>
+              <a:t>(value&gt;</a:t>
             </a:r>
             <a:r>
               <a:rPr lang="en-GB" sz="2400" dirty="0">
@@ -22222,11 +22430,20 @@
                   <a:schemeClr val="accent2"/>
                 </a:solidFill>
               </a:rPr>
-              <a:t>1.0</a:t>
+              <a:t>1</a:t>
             </a:r>
             <a:r>
               <a:rPr lang="en-GB" sz="2400" dirty="0"/>
-              <a:t>, </a:t>
+              <a:t>)then</a:t>
+            </a:r>
+          </a:p>
+          <a:p>
+            <a:pPr marL="400050" lvl="1" indent="0">
+              <a:buNone/>
+            </a:pPr>
+            <a:r>
+              <a:rPr lang="en-GB" sz="2400" dirty="0"/>
+              <a:t>  evaluation=value*factorial(value-</a:t>
             </a:r>
             <a:r>
               <a:rPr lang="en-GB" sz="2400" dirty="0">
@@ -22234,7 +22451,7 @@
                   <a:schemeClr val="accent2"/>
                 </a:solidFill>
               </a:rPr>
-              <a:t>3.0</a:t>
+              <a:t>1</a:t>
             </a:r>
             <a:r>
               <a:rPr lang="en-GB" sz="2400" dirty="0"/>
@@ -22242,115 +22459,63 @@
             </a:r>
           </a:p>
           <a:p>
+            <a:pPr marL="400050" lvl="1" indent="0">
+              <a:buNone/>
+            </a:pPr>
+            <a:r>
+              <a:rPr lang="en-GB" sz="2400" dirty="0">
+                <a:solidFill>
+                  <a:schemeClr val="accent1"/>
+                </a:solidFill>
+              </a:rPr>
+              <a:t>else</a:t>
+            </a:r>
+          </a:p>
+          <a:p>
+            <a:pPr marL="400050" lvl="1" indent="0">
+              <a:buNone/>
+            </a:pPr>
+            <a:r>
+              <a:rPr lang="en-GB" sz="2400" dirty="0">
+                <a:solidFill>
+                  <a:schemeClr val="accent1"/>
+                </a:solidFill>
+              </a:rPr>
+              <a:t>  stop </a:t>
+            </a:r>
+            <a:r>
+              <a:rPr lang="en-GB" sz="2400" dirty="0"/>
+              <a:t>"Cannot take the factorial of a negative number"</a:t>
+            </a:r>
+          </a:p>
+          <a:p>
+            <a:pPr marL="400050" lvl="1" indent="0">
+              <a:buNone/>
+            </a:pPr>
+            <a:r>
+              <a:rPr lang="en-GB" sz="2400" dirty="0">
+                <a:solidFill>
+                  <a:schemeClr val="accent1"/>
+                </a:solidFill>
+              </a:rPr>
+              <a:t>end if</a:t>
+            </a:r>
+          </a:p>
+          <a:p>
             <a:pPr marL="0" indent="0">
               <a:buNone/>
             </a:pPr>
-            <a:endParaRPr lang="en-GB" sz="2400" dirty="0"/>
-          </a:p>
-          <a:p>
-            <a:pPr marL="0" indent="0">
-              <a:buNone/>
-            </a:pPr>
+            <a:r>
+              <a:rPr lang="en-GB" sz="2400" dirty="0">
+                <a:solidFill>
+                  <a:schemeClr val="accent5"/>
+                </a:solidFill>
+              </a:rPr>
+              <a:t>end function </a:t>
+            </a:r>
             <a:r>
               <a:rPr lang="en-GB" sz="2400" dirty="0"/>
-              <a:t>real1=function_name1 (</a:t>
-            </a:r>
-            <a:r>
-              <a:rPr lang="en-GB" sz="2400" dirty="0">
-                <a:solidFill>
-                  <a:schemeClr val="accent2"/>
-                </a:solidFill>
-              </a:rPr>
-              <a:t>2.0</a:t>
-            </a:r>
-            <a:r>
-              <a:rPr lang="en-GB" sz="2400" dirty="0"/>
-              <a:t>, </a:t>
-            </a:r>
-            <a:r>
-              <a:rPr lang="en-GB" sz="2400" dirty="0">
-                <a:solidFill>
-                  <a:schemeClr val="accent2"/>
-                </a:solidFill>
-              </a:rPr>
-              <a:t>3.0</a:t>
-            </a:r>
-            <a:r>
-              <a:rPr lang="en-GB" sz="2400" dirty="0"/>
-              <a:t>)</a:t>
-            </a:r>
-          </a:p>
-          <a:p>
-            <a:pPr marL="0" indent="0">
-              <a:buNone/>
-            </a:pPr>
-            <a:r>
-              <a:rPr lang="en-GB" sz="2400" dirty="0"/>
-              <a:t>real2=function_name2(real1, real1/</a:t>
-            </a:r>
-            <a:r>
-              <a:rPr lang="en-GB" sz="2400" dirty="0">
-                <a:solidFill>
-                  <a:schemeClr val="accent2"/>
-                </a:solidFill>
-              </a:rPr>
-              <a:t>3.0</a:t>
-            </a:r>
-            <a:r>
-              <a:rPr lang="en-GB" sz="2400" dirty="0"/>
-              <a:t>)*</a:t>
-            </a:r>
-            <a:r>
-              <a:rPr lang="en-GB" sz="2400" dirty="0">
-                <a:solidFill>
-                  <a:schemeClr val="accent2"/>
-                </a:solidFill>
-              </a:rPr>
-              <a:t>2.0</a:t>
-            </a:r>
-          </a:p>
-          <a:p>
-            <a:pPr marL="0" indent="0">
-              <a:buNone/>
-            </a:pPr>
-            <a:br>
-              <a:rPr lang="en-GB" sz="2400" dirty="0"/>
-            </a:br>
-            <a:r>
-              <a:rPr lang="en-GB" sz="2400" dirty="0">
-                <a:solidFill>
-                  <a:schemeClr val="accent1"/>
-                </a:solidFill>
-              </a:rPr>
-              <a:t>print</a:t>
-            </a:r>
-            <a:r>
-              <a:rPr lang="en-GB" sz="2400" dirty="0"/>
-              <a:t>*, function_name1(real2, function_name2(</a:t>
-            </a:r>
-            <a:r>
-              <a:rPr lang="en-GB" sz="2400" dirty="0">
-                <a:solidFill>
-                  <a:schemeClr val="accent2"/>
-                </a:solidFill>
-              </a:rPr>
-              <a:t>2.0</a:t>
-            </a:r>
-            <a:r>
-              <a:rPr lang="en-GB" sz="2400" dirty="0"/>
-              <a:t>, </a:t>
-            </a:r>
-            <a:r>
-              <a:rPr lang="en-GB" sz="2400" dirty="0">
-                <a:solidFill>
-                  <a:schemeClr val="accent2"/>
-                </a:solidFill>
-              </a:rPr>
-              <a:t>3.0</a:t>
-            </a:r>
-            <a:r>
-              <a:rPr lang="en-GB" sz="2400" dirty="0"/>
-              <a:t>))</a:t>
+              <a:t>factorial</a:t>
             </a:r>
           </a:p>
         </p:txBody>
@@ -22394,49 +22559,10 @@
           </a:p>
         </p:txBody>
       </p:sp>
-      <p:sp>
-        <p:nvSpPr>
-          <p:cNvPr id="5" name="TextBox 4">
-            <a:extLst>
-              <a:ext uri="{FF2B5EF4-FFF2-40B4-BE49-F238E27FC236}">
-                <a16:creationId xmlns:a16="http://schemas.microsoft.com/office/drawing/2014/main" id="{14AD2C1F-43FF-4CF4-B8BB-C85A1A930793}"/>
-              </a:ext>
-            </a:extLst>
-          </p:cNvPr>
-          <p:cNvSpPr txBox="1"/>
-          <p:nvPr/>
-        </p:nvSpPr>
-        <p:spPr>
-          <a:xfrm>
-            <a:off x="7357241" y="6498021"/>
-            <a:ext cx="1697422" cy="369332"/>
-          </a:xfrm>
-          <a:prstGeom prst="rect">
-            <a:avLst/>
-          </a:prstGeom>
-          <a:noFill/>
-        </p:spPr>
-        <p:txBody>
-          <a:bodyPr wrap="square" rtlCol="0">
-            <a:spAutoFit/>
-          </a:bodyPr>
-          <a:lstStyle/>
-          <a:p>
-            <a:r>
-              <a:rPr lang="en-GB" dirty="0">
-                <a:solidFill>
-                  <a:schemeClr val="accent2"/>
-                </a:solidFill>
-              </a:rPr>
-              <a:t>Problem Sheet</a:t>
-            </a:r>
-          </a:p>
-        </p:txBody>
-      </p:sp>
     </p:spTree>
     <p:extLst>
       <p:ext uri="{BB962C8B-B14F-4D97-AF65-F5344CB8AC3E}">
-        <p14:creationId xmlns:p14="http://schemas.microsoft.com/office/powerpoint/2010/main" val="265627358"/>
+        <p14:creationId xmlns:p14="http://schemas.microsoft.com/office/powerpoint/2010/main" val="3716300829"/>
       </p:ext>
     </p:extLst>
   </p:cSld>
@@ -22488,360 +22614,6 @@
           <a:p>
             <a:r>
               <a:rPr lang="en-GB" sz="4000" dirty="0"/>
-              <a:t>Extension: Functions – Recursion</a:t>
-            </a:r>
-          </a:p>
-        </p:txBody>
-      </p:sp>
-      <p:sp>
-        <p:nvSpPr>
-          <p:cNvPr id="7" name="Content Placeholder 6">
-            <a:extLst>
-              <a:ext uri="{FF2B5EF4-FFF2-40B4-BE49-F238E27FC236}">
-                <a16:creationId xmlns:a16="http://schemas.microsoft.com/office/drawing/2014/main" id="{8704F1A3-720B-4123-B3B8-B6C05F8BAC14}"/>
-              </a:ext>
-            </a:extLst>
-          </p:cNvPr>
-          <p:cNvSpPr>
-            <a:spLocks noGrp="1"/>
-          </p:cNvSpPr>
-          <p:nvPr>
-            <p:ph idx="1"/>
-          </p:nvPr>
-        </p:nvSpPr>
-        <p:spPr>
-          <a:xfrm>
-            <a:off x="272143" y="1466440"/>
-            <a:ext cx="8131996" cy="4879931"/>
-          </a:xfrm>
-        </p:spPr>
-        <p:txBody>
-          <a:bodyPr/>
-          <a:lstStyle/>
-          <a:p>
-            <a:pPr marL="0" indent="0">
-              <a:buNone/>
-            </a:pPr>
-            <a:r>
-              <a:rPr lang="en-GB" sz="2400" dirty="0">
-                <a:solidFill>
-                  <a:schemeClr val="accent5"/>
-                </a:solidFill>
-              </a:rPr>
-              <a:t>recursive function </a:t>
-            </a:r>
-            <a:r>
-              <a:rPr lang="en-GB" sz="2400" dirty="0">
-                <a:solidFill>
-                  <a:schemeClr val="accent3"/>
-                </a:solidFill>
-              </a:rPr>
-              <a:t>factorial</a:t>
-            </a:r>
-            <a:r>
-              <a:rPr lang="en-GB" sz="2400" dirty="0"/>
-              <a:t>(</a:t>
-            </a:r>
-            <a:r>
-              <a:rPr lang="en-GB" sz="2400" dirty="0">
-                <a:solidFill>
-                  <a:schemeClr val="accent2"/>
-                </a:solidFill>
-              </a:rPr>
-              <a:t>value</a:t>
-            </a:r>
-            <a:r>
-              <a:rPr lang="en-GB" sz="2400" dirty="0"/>
-              <a:t>)result(evaluation)</a:t>
-            </a:r>
-          </a:p>
-          <a:p>
-            <a:pPr marL="0" indent="0">
-              <a:buNone/>
-            </a:pPr>
-            <a:r>
-              <a:rPr lang="en-GB" sz="2400" dirty="0"/>
-              <a:t>	integer ::  value, evaluation</a:t>
-            </a:r>
-          </a:p>
-          <a:p>
-            <a:pPr marL="0" indent="0">
-              <a:buNone/>
-            </a:pPr>
-            <a:endParaRPr lang="en-GB" sz="2400" dirty="0"/>
-          </a:p>
-          <a:p>
-            <a:pPr marL="400050" lvl="1" indent="0">
-              <a:buNone/>
-            </a:pPr>
-            <a:r>
-              <a:rPr lang="en-GB" sz="2400" dirty="0">
-                <a:solidFill>
-                  <a:schemeClr val="accent1"/>
-                </a:solidFill>
-              </a:rPr>
-              <a:t>	if</a:t>
-            </a:r>
-            <a:r>
-              <a:rPr lang="en-GB" sz="2400" dirty="0"/>
-              <a:t> (value==</a:t>
-            </a:r>
-            <a:r>
-              <a:rPr lang="en-GB" sz="2400" dirty="0">
-                <a:solidFill>
-                  <a:schemeClr val="accent2"/>
-                </a:solidFill>
-              </a:rPr>
-              <a:t>0</a:t>
-            </a:r>
-            <a:r>
-              <a:rPr lang="en-GB" sz="2400" dirty="0"/>
-              <a:t> .or. value==</a:t>
-            </a:r>
-            <a:r>
-              <a:rPr lang="en-GB" sz="2400" dirty="0">
-                <a:solidFill>
-                  <a:schemeClr val="accent2"/>
-                </a:solidFill>
-              </a:rPr>
-              <a:t>1</a:t>
-            </a:r>
-            <a:r>
-              <a:rPr lang="en-GB" sz="2400" dirty="0"/>
-              <a:t>)</a:t>
-            </a:r>
-            <a:r>
-              <a:rPr lang="en-GB" sz="2400" dirty="0">
-                <a:solidFill>
-                  <a:schemeClr val="accent1"/>
-                </a:solidFill>
-              </a:rPr>
-              <a:t>then</a:t>
-            </a:r>
-          </a:p>
-          <a:p>
-            <a:pPr marL="400050" lvl="1" indent="0">
-              <a:buNone/>
-            </a:pPr>
-            <a:r>
-              <a:rPr lang="en-GB" sz="2400" dirty="0"/>
-              <a:t>	  evaluation=</a:t>
-            </a:r>
-            <a:r>
-              <a:rPr lang="en-GB" sz="2400" dirty="0">
-                <a:solidFill>
-                  <a:schemeClr val="accent2"/>
-                </a:solidFill>
-              </a:rPr>
-              <a:t>1</a:t>
-            </a:r>
-          </a:p>
-          <a:p>
-            <a:pPr marL="400050" lvl="1" indent="0">
-              <a:buNone/>
-            </a:pPr>
-            <a:r>
-              <a:rPr lang="en-GB" sz="2400" dirty="0">
-                <a:solidFill>
-                  <a:schemeClr val="accent1"/>
-                </a:solidFill>
-              </a:rPr>
-              <a:t>else if</a:t>
-            </a:r>
-            <a:r>
-              <a:rPr lang="en-GB" sz="2400" dirty="0"/>
-              <a:t>(value&gt;</a:t>
-            </a:r>
-            <a:r>
-              <a:rPr lang="en-GB" sz="2400" dirty="0">
-                <a:solidFill>
-                  <a:schemeClr val="accent2"/>
-                </a:solidFill>
-              </a:rPr>
-              <a:t>1</a:t>
-            </a:r>
-            <a:r>
-              <a:rPr lang="en-GB" sz="2400" dirty="0"/>
-              <a:t>)then</a:t>
-            </a:r>
-          </a:p>
-          <a:p>
-            <a:pPr marL="400050" lvl="1" indent="0">
-              <a:buNone/>
-            </a:pPr>
-            <a:r>
-              <a:rPr lang="en-GB" sz="2400" dirty="0"/>
-              <a:t>  evaluation=value*factorial(value-</a:t>
-            </a:r>
-            <a:r>
-              <a:rPr lang="en-GB" sz="2400" dirty="0">
-                <a:solidFill>
-                  <a:schemeClr val="accent2"/>
-                </a:solidFill>
-              </a:rPr>
-              <a:t>1</a:t>
-            </a:r>
-            <a:r>
-              <a:rPr lang="en-GB" sz="2400" dirty="0"/>
-              <a:t>)</a:t>
-            </a:r>
-          </a:p>
-          <a:p>
-            <a:pPr marL="400050" lvl="1" indent="0">
-              <a:buNone/>
-            </a:pPr>
-            <a:r>
-              <a:rPr lang="en-GB" sz="2400" dirty="0">
-                <a:solidFill>
-                  <a:schemeClr val="accent1"/>
-                </a:solidFill>
-              </a:rPr>
-              <a:t>else</a:t>
-            </a:r>
-          </a:p>
-          <a:p>
-            <a:pPr marL="400050" lvl="1" indent="0">
-              <a:buNone/>
-            </a:pPr>
-            <a:r>
-              <a:rPr lang="en-GB" sz="2400" dirty="0">
-                <a:solidFill>
-                  <a:schemeClr val="accent1"/>
-                </a:solidFill>
-              </a:rPr>
-              <a:t>  stop </a:t>
-            </a:r>
-            <a:r>
-              <a:rPr lang="en-GB" sz="2400" dirty="0"/>
-              <a:t>"Cannot take the factorial of a negative number"</a:t>
-            </a:r>
-          </a:p>
-          <a:p>
-            <a:pPr marL="400050" lvl="1" indent="0">
-              <a:buNone/>
-            </a:pPr>
-            <a:r>
-              <a:rPr lang="en-GB" sz="2400" dirty="0">
-                <a:solidFill>
-                  <a:schemeClr val="accent1"/>
-                </a:solidFill>
-              </a:rPr>
-              <a:t>end if</a:t>
-            </a:r>
-          </a:p>
-          <a:p>
-            <a:pPr marL="0" indent="0">
-              <a:buNone/>
-            </a:pPr>
-            <a:r>
-              <a:rPr lang="en-GB" sz="2400" dirty="0">
-                <a:solidFill>
-                  <a:schemeClr val="accent5"/>
-                </a:solidFill>
-              </a:rPr>
-              <a:t>end function </a:t>
-            </a:r>
-            <a:r>
-              <a:rPr lang="en-GB" sz="2400" dirty="0"/>
-              <a:t>factorial</a:t>
-            </a:r>
-          </a:p>
-        </p:txBody>
-      </p:sp>
-      <p:sp>
-        <p:nvSpPr>
-          <p:cNvPr id="11" name="TextBox 10">
-            <a:extLst>
-              <a:ext uri="{FF2B5EF4-FFF2-40B4-BE49-F238E27FC236}">
-                <a16:creationId xmlns:a16="http://schemas.microsoft.com/office/drawing/2014/main" id="{EE625C72-6D59-439C-96A8-3DEE7A0774D8}"/>
-              </a:ext>
-            </a:extLst>
-          </p:cNvPr>
-          <p:cNvSpPr txBox="1"/>
-          <p:nvPr/>
-        </p:nvSpPr>
-        <p:spPr>
-          <a:xfrm>
-            <a:off x="5728138" y="6498021"/>
-            <a:ext cx="1765738" cy="369332"/>
-          </a:xfrm>
-          <a:prstGeom prst="rect">
-            <a:avLst/>
-          </a:prstGeom>
-          <a:noFill/>
-        </p:spPr>
-        <p:txBody>
-          <a:bodyPr wrap="square" rtlCol="0">
-            <a:spAutoFit/>
-          </a:bodyPr>
-          <a:lstStyle/>
-          <a:p>
-            <a:r>
-              <a:rPr lang="en-GB" dirty="0">
-                <a:solidFill>
-                  <a:schemeClr val="accent1"/>
-                </a:solidFill>
-              </a:rPr>
-              <a:t>Demonstration</a:t>
-            </a:r>
-          </a:p>
-        </p:txBody>
-      </p:sp>
-    </p:spTree>
-    <p:extLst>
-      <p:ext uri="{BB962C8B-B14F-4D97-AF65-F5344CB8AC3E}">
-        <p14:creationId xmlns:p14="http://schemas.microsoft.com/office/powerpoint/2010/main" val="3716300829"/>
-      </p:ext>
-    </p:extLst>
-  </p:cSld>
-  <p:clrMapOvr>
-    <a:masterClrMapping/>
-  </p:clrMapOvr>
-  <mc:AlternateContent xmlns:mc="http://schemas.openxmlformats.org/markup-compatibility/2006" xmlns:p14="http://schemas.microsoft.com/office/powerpoint/2010/main">
-    <mc:Choice Requires="p14">
-      <p:transition p14:dur="10"/>
-    </mc:Choice>
-    <mc:Fallback xmlns="">
-      <p:transition/>
-    </mc:Fallback>
-  </mc:AlternateContent>
-</p:sld>
-</file>
-
-<file path=ppt/slides/slide44.xml><?xml version="1.0" encoding="utf-8"?>
-<p:sld xmlns:a="http://schemas.openxmlformats.org/drawingml/2006/main" xmlns:r="http://schemas.openxmlformats.org/officeDocument/2006/relationships" xmlns:p="http://schemas.openxmlformats.org/presentationml/2006/main">
-  <p:cSld>
-    <p:spTree>
-      <p:nvGrpSpPr>
-        <p:cNvPr id="1" name=""/>
-        <p:cNvGrpSpPr/>
-        <p:nvPr/>
-      </p:nvGrpSpPr>
-      <p:grpSpPr>
-        <a:xfrm>
-          <a:off x="0" y="0"/>
-          <a:ext cx="0" cy="0"/>
-          <a:chOff x="0" y="0"/>
-          <a:chExt cx="0" cy="0"/>
-        </a:xfrm>
-      </p:grpSpPr>
-      <p:sp>
-        <p:nvSpPr>
-          <p:cNvPr id="2" name="Title 1"/>
-          <p:cNvSpPr>
-            <a:spLocks noGrp="1"/>
-          </p:cNvSpPr>
-          <p:nvPr>
-            <p:ph type="title"/>
-          </p:nvPr>
-        </p:nvSpPr>
-        <p:spPr/>
-        <p:txBody>
-          <a:bodyPr/>
-          <a:lstStyle/>
-          <a:p>
-            <a:r>
-              <a:rPr lang="en-GB" sz="4000" dirty="0"/>
               <a:t>Deferred Size Arguments</a:t>
             </a:r>
           </a:p>
@@ -23191,7 +22963,7 @@
 </p:sld>
 </file>
 
-<file path=ppt/slides/slide45.xml><?xml version="1.0" encoding="utf-8"?>
+<file path=ppt/slides/slide44.xml><?xml version="1.0" encoding="utf-8"?>
 <p:sld xmlns:a="http://schemas.openxmlformats.org/drawingml/2006/main" xmlns:r="http://schemas.openxmlformats.org/officeDocument/2006/relationships" xmlns:p="http://schemas.openxmlformats.org/presentationml/2006/main">
   <p:cSld>
     <p:spTree>
@@ -23752,7 +23524,7 @@
 </p:sld>
 </file>
 
-<file path=ppt/slides/slide46.xml><?xml version="1.0" encoding="utf-8"?>
+<file path=ppt/slides/slide45.xml><?xml version="1.0" encoding="utf-8"?>
 <p:sld xmlns:a="http://schemas.openxmlformats.org/drawingml/2006/main" xmlns:r="http://schemas.openxmlformats.org/officeDocument/2006/relationships" xmlns:p="http://schemas.openxmlformats.org/presentationml/2006/main">
   <p:cSld>
     <p:spTree>
@@ -24093,7 +23865,7 @@
 </p:sld>
 </file>
 
-<file path=ppt/slides/slide47.xml><?xml version="1.0" encoding="utf-8"?>
+<file path=ppt/slides/slide46.xml><?xml version="1.0" encoding="utf-8"?>
 <p:sld xmlns:a="http://schemas.openxmlformats.org/drawingml/2006/main" xmlns:r="http://schemas.openxmlformats.org/officeDocument/2006/relationships" xmlns:p="http://schemas.openxmlformats.org/presentationml/2006/main">
   <p:cSld>
     <p:spTree>
@@ -24690,6 +24462,213 @@
 </p:sld>
 </file>
 
+<file path=ppt/slides/slide47.xml><?xml version="1.0" encoding="utf-8"?>
+<p:sld xmlns:a="http://schemas.openxmlformats.org/drawingml/2006/main" xmlns:r="http://schemas.openxmlformats.org/officeDocument/2006/relationships" xmlns:p="http://schemas.openxmlformats.org/presentationml/2006/main">
+  <p:cSld>
+    <p:spTree>
+      <p:nvGrpSpPr>
+        <p:cNvPr id="1" name=""/>
+        <p:cNvGrpSpPr/>
+        <p:nvPr/>
+      </p:nvGrpSpPr>
+      <p:grpSpPr>
+        <a:xfrm>
+          <a:off x="0" y="0"/>
+          <a:ext cx="0" cy="0"/>
+          <a:chOff x="0" y="0"/>
+          <a:chExt cx="0" cy="0"/>
+        </a:xfrm>
+      </p:grpSpPr>
+      <p:sp>
+        <p:nvSpPr>
+          <p:cNvPr id="2" name="Title 1"/>
+          <p:cNvSpPr>
+            <a:spLocks noGrp="1"/>
+          </p:cNvSpPr>
+          <p:nvPr>
+            <p:ph type="title"/>
+          </p:nvPr>
+        </p:nvSpPr>
+        <p:spPr/>
+        <p:txBody>
+          <a:bodyPr/>
+          <a:lstStyle/>
+          <a:p>
+            <a:r>
+              <a:rPr lang="en-GB" sz="4000" dirty="0"/>
+              <a:t>Errors in Fortran</a:t>
+            </a:r>
+          </a:p>
+        </p:txBody>
+      </p:sp>
+      <p:sp>
+        <p:nvSpPr>
+          <p:cNvPr id="7" name="Content Placeholder 6">
+            <a:extLst>
+              <a:ext uri="{FF2B5EF4-FFF2-40B4-BE49-F238E27FC236}">
+                <a16:creationId xmlns:a16="http://schemas.microsoft.com/office/drawing/2014/main" id="{8704F1A3-720B-4123-B3B8-B6C05F8BAC14}"/>
+              </a:ext>
+            </a:extLst>
+          </p:cNvPr>
+          <p:cNvSpPr>
+            <a:spLocks noGrp="1"/>
+          </p:cNvSpPr>
+          <p:nvPr>
+            <p:ph idx="1"/>
+          </p:nvPr>
+        </p:nvSpPr>
+        <p:spPr/>
+        <p:txBody>
+          <a:bodyPr/>
+          <a:lstStyle/>
+          <a:p>
+            <a:r>
+              <a:rPr lang="en-GB" sz="2400" dirty="0"/>
+              <a:t>Compilation Errors</a:t>
+            </a:r>
+          </a:p>
+          <a:p>
+            <a:pPr lvl="1"/>
+            <a:r>
+              <a:rPr lang="en-GB" sz="2400" dirty="0"/>
+              <a:t>Picked up by the compiler</a:t>
+            </a:r>
+          </a:p>
+          <a:p>
+            <a:pPr lvl="1"/>
+            <a:r>
+              <a:rPr lang="en-GB" sz="2400" dirty="0"/>
+              <a:t>Will be phrased differently between different compilers</a:t>
+            </a:r>
+          </a:p>
+          <a:p>
+            <a:pPr lvl="1"/>
+            <a:r>
+              <a:rPr lang="en-GB" sz="2400" dirty="0"/>
+              <a:t>Compilers will sometimes pick up different errors</a:t>
+            </a:r>
+          </a:p>
+          <a:p>
+            <a:r>
+              <a:rPr lang="en-GB" sz="2400" dirty="0"/>
+              <a:t>Run-time errors</a:t>
+            </a:r>
+          </a:p>
+          <a:p>
+            <a:pPr lvl="1"/>
+            <a:r>
+              <a:rPr lang="en-GB" sz="2400" dirty="0"/>
+              <a:t>Code compiles correctly</a:t>
+            </a:r>
+          </a:p>
+          <a:p>
+            <a:pPr lvl="1"/>
+            <a:r>
+              <a:rPr lang="en-GB" sz="2400" dirty="0"/>
+              <a:t>When running the code an invalid operation is requested due to the state of one or more variables</a:t>
+            </a:r>
+          </a:p>
+        </p:txBody>
+      </p:sp>
+      <p:sp>
+        <p:nvSpPr>
+          <p:cNvPr id="4" name="TextBox 3">
+            <a:extLst>
+              <a:ext uri="{FF2B5EF4-FFF2-40B4-BE49-F238E27FC236}">
+                <a16:creationId xmlns:a16="http://schemas.microsoft.com/office/drawing/2014/main" id="{FE18D065-54F3-477E-A4A8-A9C295184741}"/>
+              </a:ext>
+            </a:extLst>
+          </p:cNvPr>
+          <p:cNvSpPr txBox="1"/>
+          <p:nvPr/>
+        </p:nvSpPr>
+        <p:spPr>
+          <a:xfrm>
+            <a:off x="5728138" y="6498021"/>
+            <a:ext cx="1765738" cy="369332"/>
+          </a:xfrm>
+          <a:prstGeom prst="rect">
+            <a:avLst/>
+          </a:prstGeom>
+          <a:noFill/>
+        </p:spPr>
+        <p:txBody>
+          <a:bodyPr wrap="square" rtlCol="0">
+            <a:spAutoFit/>
+          </a:bodyPr>
+          <a:lstStyle/>
+          <a:p>
+            <a:r>
+              <a:rPr lang="en-GB" dirty="0">
+                <a:solidFill>
+                  <a:schemeClr val="accent1"/>
+                </a:solidFill>
+              </a:rPr>
+              <a:t>Demonstration</a:t>
+            </a:r>
+          </a:p>
+        </p:txBody>
+      </p:sp>
+      <p:sp>
+        <p:nvSpPr>
+          <p:cNvPr id="5" name="TextBox 4">
+            <a:extLst>
+              <a:ext uri="{FF2B5EF4-FFF2-40B4-BE49-F238E27FC236}">
+                <a16:creationId xmlns:a16="http://schemas.microsoft.com/office/drawing/2014/main" id="{52437283-C048-4F57-A1B8-9AA1E11EA4CE}"/>
+              </a:ext>
+            </a:extLst>
+          </p:cNvPr>
+          <p:cNvSpPr txBox="1"/>
+          <p:nvPr/>
+        </p:nvSpPr>
+        <p:spPr>
+          <a:xfrm>
+            <a:off x="7357241" y="6498021"/>
+            <a:ext cx="1697422" cy="369332"/>
+          </a:xfrm>
+          <a:prstGeom prst="rect">
+            <a:avLst/>
+          </a:prstGeom>
+          <a:noFill/>
+        </p:spPr>
+        <p:txBody>
+          <a:bodyPr wrap="square" rtlCol="0">
+            <a:spAutoFit/>
+          </a:bodyPr>
+          <a:lstStyle/>
+          <a:p>
+            <a:r>
+              <a:rPr lang="en-GB" dirty="0">
+                <a:solidFill>
+                  <a:schemeClr val="accent2"/>
+                </a:solidFill>
+              </a:rPr>
+              <a:t>Problem Sheet</a:t>
+            </a:r>
+          </a:p>
+        </p:txBody>
+      </p:sp>
+    </p:spTree>
+    <p:extLst>
+      <p:ext uri="{BB962C8B-B14F-4D97-AF65-F5344CB8AC3E}">
+        <p14:creationId xmlns:p14="http://schemas.microsoft.com/office/powerpoint/2010/main" val="3099411356"/>
+      </p:ext>
+    </p:extLst>
+  </p:cSld>
+  <p:clrMapOvr>
+    <a:masterClrMapping/>
+  </p:clrMapOvr>
+  <mc:AlternateContent xmlns:mc="http://schemas.openxmlformats.org/markup-compatibility/2006" xmlns:p14="http://schemas.microsoft.com/office/powerpoint/2010/main">
+    <mc:Choice Requires="p14">
+      <p:transition p14:dur="10"/>
+    </mc:Choice>
+    <mc:Fallback xmlns="">
+      <p:transition/>
+    </mc:Fallback>
+  </mc:AlternateContent>
+</p:sld>
+</file>
+
 <file path=ppt/slides/slide48.xml><?xml version="1.0" encoding="utf-8"?>
 <p:sld xmlns:a="http://schemas.openxmlformats.org/drawingml/2006/main" xmlns:r="http://schemas.openxmlformats.org/officeDocument/2006/relationships" xmlns:p="http://schemas.openxmlformats.org/presentationml/2006/main">
   <p:cSld>
@@ -24724,7 +24703,7 @@
           <a:p>
             <a:r>
               <a:rPr lang="en-GB" sz="4000" dirty="0"/>
-              <a:t>Errors in Fortran</a:t>
+              <a:t>Gotchas</a:t>
             </a:r>
           </a:p>
         </p:txBody>
@@ -24752,48 +24731,40 @@
           <a:p>
             <a:r>
               <a:rPr lang="en-GB" sz="2400" dirty="0"/>
-              <a:t>Compilation Errors</a:t>
+              <a:t>There are lots of behaviours in Fortran that are not what you would expect</a:t>
+            </a:r>
+          </a:p>
+          <a:p>
+            <a:r>
+              <a:rPr lang="en-GB" sz="2400" dirty="0"/>
+              <a:t>In other languages, they may cause errors</a:t>
+            </a:r>
+          </a:p>
+          <a:p>
+            <a:r>
+              <a:rPr lang="en-GB" sz="2400" dirty="0"/>
+              <a:t>There’s usually some logic</a:t>
             </a:r>
           </a:p>
           <a:p>
             <a:pPr lvl="1"/>
             <a:r>
-              <a:rPr lang="en-GB" sz="2400" dirty="0"/>
-              <a:t>Picked up by the compiler</a:t>
+              <a:rPr lang="en-GB" sz="2000" dirty="0"/>
+              <a:t>Often that checking slows the program down</a:t>
             </a:r>
           </a:p>
           <a:p>
             <a:pPr lvl="1"/>
             <a:r>
-              <a:rPr lang="en-GB" sz="2400" dirty="0"/>
-              <a:t>Will be phrased differently between different compilers</a:t>
-            </a:r>
-          </a:p>
-          <a:p>
-            <a:pPr lvl="1"/>
-            <a:r>
-              <a:rPr lang="en-GB" sz="2400" dirty="0"/>
-              <a:t>Compilers will sometimes pick up different errors</a:t>
-            </a:r>
-          </a:p>
-          <a:p>
-            <a:r>
-              <a:rPr lang="en-GB" sz="2400" dirty="0"/>
-              <a:t>Run-time errors</a:t>
-            </a:r>
-          </a:p>
-          <a:p>
-            <a:pPr lvl="1"/>
-            <a:r>
-              <a:rPr lang="en-GB" sz="2400" dirty="0"/>
-              <a:t>Code compiles correctly</a:t>
-            </a:r>
-          </a:p>
-          <a:p>
-            <a:pPr lvl="1"/>
-            <a:r>
-              <a:rPr lang="en-GB" sz="2400" dirty="0"/>
-              <a:t>When running the code an invalid operation is requested due to the state of one or more variables</a:t>
+              <a:rPr lang="en-GB" sz="2000" dirty="0"/>
+              <a:t>Sometimes that behaviour is sometimes desired</a:t>
+            </a:r>
+          </a:p>
+          <a:p>
+            <a:pPr lvl="2"/>
+            <a:r>
+              <a:rPr lang="en-GB" sz="1600" dirty="0"/>
+              <a:t>It’s your responsibility if you think it’s not desired</a:t>
             </a:r>
           </a:p>
         </p:txBody>
@@ -24803,7 +24774,7 @@
           <p:cNvPr id="4" name="TextBox 3">
             <a:extLst>
               <a:ext uri="{FF2B5EF4-FFF2-40B4-BE49-F238E27FC236}">
-                <a16:creationId xmlns:a16="http://schemas.microsoft.com/office/drawing/2014/main" id="{FE18D065-54F3-477E-A4A8-A9C295184741}"/>
+                <a16:creationId xmlns:a16="http://schemas.microsoft.com/office/drawing/2014/main" id="{A569C6F6-B098-4920-86A4-41DDD2204985}"/>
               </a:ext>
             </a:extLst>
           </p:cNvPr>
@@ -24837,49 +24808,10 @@
           </a:p>
         </p:txBody>
       </p:sp>
-      <p:sp>
-        <p:nvSpPr>
-          <p:cNvPr id="5" name="TextBox 4">
-            <a:extLst>
-              <a:ext uri="{FF2B5EF4-FFF2-40B4-BE49-F238E27FC236}">
-                <a16:creationId xmlns:a16="http://schemas.microsoft.com/office/drawing/2014/main" id="{52437283-C048-4F57-A1B8-9AA1E11EA4CE}"/>
-              </a:ext>
-            </a:extLst>
-          </p:cNvPr>
-          <p:cNvSpPr txBox="1"/>
-          <p:nvPr/>
-        </p:nvSpPr>
-        <p:spPr>
-          <a:xfrm>
-            <a:off x="7357241" y="6498021"/>
-            <a:ext cx="1697422" cy="369332"/>
-          </a:xfrm>
-          <a:prstGeom prst="rect">
-            <a:avLst/>
-          </a:prstGeom>
-          <a:noFill/>
-        </p:spPr>
-        <p:txBody>
-          <a:bodyPr wrap="square" rtlCol="0">
-            <a:spAutoFit/>
-          </a:bodyPr>
-          <a:lstStyle/>
-          <a:p>
-            <a:r>
-              <a:rPr lang="en-GB" dirty="0">
-                <a:solidFill>
-                  <a:schemeClr val="accent2"/>
-                </a:solidFill>
-              </a:rPr>
-              <a:t>Problem Sheet</a:t>
-            </a:r>
-          </a:p>
-        </p:txBody>
-      </p:sp>
     </p:spTree>
     <p:extLst>
       <p:ext uri="{BB962C8B-B14F-4D97-AF65-F5344CB8AC3E}">
-        <p14:creationId xmlns:p14="http://schemas.microsoft.com/office/powerpoint/2010/main" val="3099411356"/>
+        <p14:creationId xmlns:p14="http://schemas.microsoft.com/office/powerpoint/2010/main" val="1839592679"/>
       </p:ext>
     </p:extLst>
   </p:cSld>
@@ -24931,115 +24863,88 @@
           <a:p>
             <a:r>
               <a:rPr lang="en-GB" sz="4000" dirty="0"/>
-              <a:t>Gotchas</a:t>
-            </a:r>
-          </a:p>
-        </p:txBody>
-      </p:sp>
-      <p:sp>
-        <p:nvSpPr>
-          <p:cNvPr id="7" name="Content Placeholder 6">
-            <a:extLst>
-              <a:ext uri="{FF2B5EF4-FFF2-40B4-BE49-F238E27FC236}">
-                <a16:creationId xmlns:a16="http://schemas.microsoft.com/office/drawing/2014/main" id="{8704F1A3-720B-4123-B3B8-B6C05F8BAC14}"/>
-              </a:ext>
-            </a:extLst>
-          </p:cNvPr>
+              <a:t>Feedback</a:t>
+            </a:r>
+          </a:p>
+        </p:txBody>
+      </p:sp>
+      <p:sp>
+        <p:nvSpPr>
+          <p:cNvPr id="3" name="Content Placeholder 2"/>
           <p:cNvSpPr>
             <a:spLocks noGrp="1"/>
           </p:cNvSpPr>
           <p:nvPr>
             <p:ph idx="1"/>
           </p:nvPr>
-        </p:nvSpPr>
-        <p:spPr/>
-        <p:txBody>
-          <a:bodyPr/>
-          <a:lstStyle/>
-          <a:p>
-            <a:r>
-              <a:rPr lang="en-GB" sz="2400" dirty="0"/>
-              <a:t>There are lots of behaviours in Fortran that are not what you would expect</a:t>
-            </a:r>
-          </a:p>
-          <a:p>
-            <a:r>
-              <a:rPr lang="en-GB" sz="2400" dirty="0"/>
-              <a:t>In other languages, they may cause errors</a:t>
-            </a:r>
-          </a:p>
-          <a:p>
-            <a:r>
-              <a:rPr lang="en-GB" sz="2400" dirty="0"/>
-              <a:t>There’s usually some logic</a:t>
-            </a:r>
-          </a:p>
-          <a:p>
-            <a:pPr lvl="1"/>
-            <a:r>
-              <a:rPr lang="en-GB" sz="2000" dirty="0"/>
-              <a:t>Often that checking slows the program down</a:t>
-            </a:r>
-          </a:p>
-          <a:p>
-            <a:pPr lvl="1"/>
-            <a:r>
-              <a:rPr lang="en-GB" sz="2000" dirty="0"/>
-              <a:t>Sometimes that behaviour is sometimes desired</a:t>
-            </a:r>
-          </a:p>
-          <a:p>
-            <a:pPr lvl="2"/>
-            <a:r>
-              <a:rPr lang="en-GB" sz="1600" dirty="0"/>
-              <a:t>It’s your responsibility if you think it’s not desired</a:t>
-            </a:r>
-          </a:p>
-        </p:txBody>
-      </p:sp>
-      <p:sp>
-        <p:nvSpPr>
-          <p:cNvPr id="4" name="TextBox 3">
-            <a:extLst>
-              <a:ext uri="{FF2B5EF4-FFF2-40B4-BE49-F238E27FC236}">
-                <a16:creationId xmlns:a16="http://schemas.microsoft.com/office/drawing/2014/main" id="{A569C6F6-B098-4920-86A4-41DDD2204985}"/>
-              </a:ext>
-            </a:extLst>
-          </p:cNvPr>
-          <p:cNvSpPr txBox="1"/>
-          <p:nvPr/>
         </p:nvSpPr>
         <p:spPr>
           <a:xfrm>
-            <a:off x="5728138" y="6498021"/>
-            <a:ext cx="1765738" cy="369332"/>
+            <a:off x="457200" y="1600200"/>
+            <a:ext cx="8435280" cy="4876800"/>
           </a:xfrm>
-          <a:prstGeom prst="rect">
-            <a:avLst/>
-          </a:prstGeom>
-          <a:noFill/>
         </p:spPr>
         <p:txBody>
-          <a:bodyPr wrap="square" rtlCol="0">
-            <a:spAutoFit/>
+          <a:bodyPr>
+            <a:normAutofit/>
           </a:bodyPr>
           <a:lstStyle/>
           <a:p>
             <a:r>
-              <a:rPr lang="en-GB" dirty="0">
-                <a:solidFill>
-                  <a:schemeClr val="accent1"/>
-                </a:solidFill>
+              <a:rPr lang="en-GB" sz="3000" dirty="0"/>
+              <a:t>Once you’ve completed this course, please provide feedback</a:t>
+            </a:r>
+          </a:p>
+          <a:p>
+            <a:pPr lvl="1"/>
+            <a:r>
+              <a:rPr lang="en-GB" sz="2600" dirty="0"/>
+              <a:t>The link is </a:t>
+            </a:r>
+            <a:r>
+              <a:rPr lang="en-GB" sz="2600" u="sng" dirty="0">
+                <a:solidFill>
+                  <a:srgbClr val="000000"/>
+                </a:solidFill>
+                <a:effectLst/>
+                <a:latin typeface="+mj-lt"/>
+                <a:ea typeface="Times New Roman" panose="02020603050405020304" pitchFamily="18" charset="0"/>
+                <a:hlinkClick r:id="rId3"/>
               </a:rPr>
-              <a:t>Demonstration</a:t>
-            </a:r>
+              <a:t>tinyurl.com/rcds2021-22</a:t>
+            </a:r>
+            <a:endParaRPr lang="en-GB" sz="2600" u="sng" dirty="0">
+              <a:solidFill>
+                <a:srgbClr val="000000"/>
+              </a:solidFill>
+              <a:effectLst/>
+              <a:latin typeface="+mj-lt"/>
+              <a:ea typeface="Times New Roman" panose="02020603050405020304" pitchFamily="18" charset="0"/>
+            </a:endParaRPr>
+          </a:p>
+          <a:p>
+            <a:pPr lvl="1"/>
+            <a:r>
+              <a:rPr lang="en-GB" sz="2600" dirty="0"/>
+              <a:t>You should also have received an email with this link</a:t>
+            </a:r>
+          </a:p>
+          <a:p>
+            <a:pPr lvl="1"/>
+            <a:r>
+              <a:rPr lang="en-GB" sz="2600" dirty="0"/>
+              <a:t>This helps us improve the class for future students</a:t>
+            </a:r>
+          </a:p>
+          <a:p>
+            <a:endParaRPr lang="en-GB" sz="3000" dirty="0"/>
           </a:p>
         </p:txBody>
       </p:sp>
     </p:spTree>
     <p:extLst>
       <p:ext uri="{BB962C8B-B14F-4D97-AF65-F5344CB8AC3E}">
-        <p14:creationId xmlns:p14="http://schemas.microsoft.com/office/powerpoint/2010/main" val="1839592679"/>
+        <p14:creationId xmlns:p14="http://schemas.microsoft.com/office/powerpoint/2010/main" val="466020703"/>
       </p:ext>
     </p:extLst>
   </p:cSld>
@@ -25091,7 +24996,7 @@
           <a:p>
             <a:r>
               <a:rPr lang="en-GB" sz="4000" dirty="0"/>
-              <a:t>What is Coding?</a:t>
+              <a:t>How Do We Code?</a:t>
             </a:r>
           </a:p>
         </p:txBody>
@@ -25120,47 +25025,25 @@
           <a:p>
             <a:r>
               <a:rPr lang="en-GB" sz="3000" dirty="0"/>
-              <a:t>Writing instructions for a computer: a program</a:t>
+              <a:t>Design an algorithm which solves your problem</a:t>
             </a:r>
           </a:p>
           <a:p>
             <a:r>
               <a:rPr lang="en-GB" sz="3000" dirty="0"/>
-              <a:t>Resulting calculations achieve a goal</a:t>
+              <a:t>Translate it into source code</a:t>
             </a:r>
           </a:p>
           <a:p>
             <a:r>
               <a:rPr lang="en-GB" sz="3000" dirty="0"/>
-              <a:t>Good for automating laborious calculations</a:t>
-            </a:r>
-          </a:p>
-          <a:p>
-            <a:pPr lvl="1"/>
-            <a:r>
-              <a:rPr lang="en-GB" sz="2600" dirty="0"/>
-              <a:t>Simulation</a:t>
-            </a:r>
-          </a:p>
-          <a:p>
-            <a:pPr lvl="1"/>
-            <a:r>
-              <a:rPr lang="en-GB" sz="2600" dirty="0"/>
-              <a:t>Data Analysis</a:t>
-            </a:r>
-          </a:p>
-          <a:p>
-            <a:pPr lvl="1"/>
-            <a:r>
-              <a:rPr lang="en-GB" sz="2600" dirty="0"/>
-              <a:t>Real-time control of complex systems</a:t>
-            </a:r>
-          </a:p>
-          <a:p>
-            <a:pPr lvl="1"/>
-            <a:r>
-              <a:rPr lang="en-GB" sz="2600" dirty="0"/>
-              <a:t>Rapid iteration over a number of related cases</a:t>
+              <a:t>Instruct the computer to carry out the instructions of the source code</a:t>
+            </a:r>
+          </a:p>
+          <a:p>
+            <a:r>
+              <a:rPr lang="en-GB" sz="3000" dirty="0"/>
+              <a:t>Each step is language dependent</a:t>
             </a:r>
           </a:p>
         </p:txBody>
@@ -25168,7 +25051,7 @@
     </p:spTree>
     <p:extLst>
       <p:ext uri="{BB962C8B-B14F-4D97-AF65-F5344CB8AC3E}">
-        <p14:creationId xmlns:p14="http://schemas.microsoft.com/office/powerpoint/2010/main" val="3227858941"/>
+        <p14:creationId xmlns:p14="http://schemas.microsoft.com/office/powerpoint/2010/main" val="766773942"/>
       </p:ext>
     </p:extLst>
   </p:cSld>
@@ -25187,139 +25070,6 @@
 </file>
 
 <file path=ppt/slides/slide50.xml><?xml version="1.0" encoding="utf-8"?>
-<p:sld xmlns:a="http://schemas.openxmlformats.org/drawingml/2006/main" xmlns:r="http://schemas.openxmlformats.org/officeDocument/2006/relationships" xmlns:p="http://schemas.openxmlformats.org/presentationml/2006/main">
-  <p:cSld>
-    <p:spTree>
-      <p:nvGrpSpPr>
-        <p:cNvPr id="1" name=""/>
-        <p:cNvGrpSpPr/>
-        <p:nvPr/>
-      </p:nvGrpSpPr>
-      <p:grpSpPr>
-        <a:xfrm>
-          <a:off x="0" y="0"/>
-          <a:ext cx="0" cy="0"/>
-          <a:chOff x="0" y="0"/>
-          <a:chExt cx="0" cy="0"/>
-        </a:xfrm>
-      </p:grpSpPr>
-      <p:sp>
-        <p:nvSpPr>
-          <p:cNvPr id="2" name="Title 1"/>
-          <p:cNvSpPr>
-            <a:spLocks noGrp="1"/>
-          </p:cNvSpPr>
-          <p:nvPr>
-            <p:ph type="title"/>
-          </p:nvPr>
-        </p:nvSpPr>
-        <p:spPr/>
-        <p:txBody>
-          <a:bodyPr/>
-          <a:lstStyle/>
-          <a:p>
-            <a:r>
-              <a:rPr lang="en-GB" sz="4000" dirty="0"/>
-              <a:t>Feedback</a:t>
-            </a:r>
-          </a:p>
-        </p:txBody>
-      </p:sp>
-      <p:sp>
-        <p:nvSpPr>
-          <p:cNvPr id="3" name="Content Placeholder 2"/>
-          <p:cNvSpPr>
-            <a:spLocks noGrp="1"/>
-          </p:cNvSpPr>
-          <p:nvPr>
-            <p:ph idx="1"/>
-          </p:nvPr>
-        </p:nvSpPr>
-        <p:spPr>
-          <a:xfrm>
-            <a:off x="457200" y="1600200"/>
-            <a:ext cx="8435280" cy="4876800"/>
-          </a:xfrm>
-        </p:spPr>
-        <p:txBody>
-          <a:bodyPr>
-            <a:normAutofit/>
-          </a:bodyPr>
-          <a:lstStyle/>
-          <a:p>
-            <a:r>
-              <a:rPr lang="en-GB" sz="3000" dirty="0"/>
-              <a:t>Once you’ve completed this course, please provide feedback</a:t>
-            </a:r>
-          </a:p>
-          <a:p>
-            <a:pPr lvl="1"/>
-            <a:r>
-              <a:rPr lang="en-GB" sz="2600" dirty="0"/>
-              <a:t>The link is </a:t>
-            </a:r>
-            <a:r>
-              <a:rPr lang="en-GB" sz="2600" u="sng" dirty="0">
-                <a:solidFill>
-                  <a:srgbClr val="000000"/>
-                </a:solidFill>
-                <a:effectLst/>
-                <a:latin typeface="+mj-lt"/>
-                <a:ea typeface="Times New Roman" panose="02020603050405020304" pitchFamily="18" charset="0"/>
-                <a:hlinkClick r:id="rId3"/>
-              </a:rPr>
-              <a:t>tinyurl.com/rcds2021-22</a:t>
-            </a:r>
-            <a:endParaRPr lang="en-GB" sz="2600" u="sng" dirty="0">
-              <a:solidFill>
-                <a:srgbClr val="000000"/>
-              </a:solidFill>
-              <a:effectLst/>
-              <a:latin typeface="+mj-lt"/>
-              <a:ea typeface="Times New Roman" panose="02020603050405020304" pitchFamily="18" charset="0"/>
-            </a:endParaRPr>
-          </a:p>
-          <a:p>
-            <a:pPr lvl="1"/>
-            <a:r>
-              <a:rPr lang="en-GB" sz="2600" dirty="0"/>
-              <a:t>You should also have received an email with this link</a:t>
-            </a:r>
-          </a:p>
-          <a:p>
-            <a:pPr lvl="1"/>
-            <a:r>
-              <a:rPr lang="en-GB" sz="2600" dirty="0"/>
-              <a:t>This helps us improve the class for future students</a:t>
-            </a:r>
-          </a:p>
-          <a:p>
-            <a:endParaRPr lang="en-GB" sz="3000" dirty="0"/>
-          </a:p>
-        </p:txBody>
-      </p:sp>
-    </p:spTree>
-    <p:extLst>
-      <p:ext uri="{BB962C8B-B14F-4D97-AF65-F5344CB8AC3E}">
-        <p14:creationId xmlns:p14="http://schemas.microsoft.com/office/powerpoint/2010/main" val="466020703"/>
-      </p:ext>
-    </p:extLst>
-  </p:cSld>
-  <p:clrMapOvr>
-    <a:masterClrMapping/>
-  </p:clrMapOvr>
-  <mc:AlternateContent xmlns:mc="http://schemas.openxmlformats.org/markup-compatibility/2006" xmlns:p14="http://schemas.microsoft.com/office/powerpoint/2010/main">
-    <mc:Choice Requires="p14">
-      <p:transition p14:dur="10"/>
-    </mc:Choice>
-    <mc:Fallback xmlns="">
-      <p:transition/>
-    </mc:Fallback>
-  </mc:AlternateContent>
-</p:sld>
-</file>
-
-<file path=ppt/slides/slide51.xml><?xml version="1.0" encoding="utf-8"?>
 <p:sld xmlns:a="http://schemas.openxmlformats.org/drawingml/2006/main" xmlns:r="http://schemas.openxmlformats.org/officeDocument/2006/relationships" xmlns:p="http://schemas.openxmlformats.org/presentationml/2006/main">
   <p:cSld>
     <p:spTree>
@@ -25621,113 +25371,6 @@
           <a:p>
             <a:r>
               <a:rPr lang="en-GB" sz="4000" dirty="0"/>
-              <a:t>How Do We Code?</a:t>
-            </a:r>
-          </a:p>
-        </p:txBody>
-      </p:sp>
-      <p:sp>
-        <p:nvSpPr>
-          <p:cNvPr id="3" name="Content Placeholder 2"/>
-          <p:cNvSpPr>
-            <a:spLocks noGrp="1"/>
-          </p:cNvSpPr>
-          <p:nvPr>
-            <p:ph idx="1"/>
-          </p:nvPr>
-        </p:nvSpPr>
-        <p:spPr>
-          <a:xfrm>
-            <a:off x="457200" y="1600200"/>
-            <a:ext cx="8435280" cy="4876800"/>
-          </a:xfrm>
-        </p:spPr>
-        <p:txBody>
-          <a:bodyPr>
-            <a:normAutofit/>
-          </a:bodyPr>
-          <a:lstStyle/>
-          <a:p>
-            <a:r>
-              <a:rPr lang="en-GB" sz="3000" dirty="0"/>
-              <a:t>Design an algorithm which solves your problem</a:t>
-            </a:r>
-          </a:p>
-          <a:p>
-            <a:r>
-              <a:rPr lang="en-GB" sz="3000" dirty="0"/>
-              <a:t>Translate it into source code</a:t>
-            </a:r>
-          </a:p>
-          <a:p>
-            <a:r>
-              <a:rPr lang="en-GB" sz="3000" dirty="0"/>
-              <a:t>Instruct the computer to carry out the instructions of the source code</a:t>
-            </a:r>
-          </a:p>
-          <a:p>
-            <a:r>
-              <a:rPr lang="en-GB" sz="3000" dirty="0"/>
-              <a:t>Each step is language dependent</a:t>
-            </a:r>
-          </a:p>
-        </p:txBody>
-      </p:sp>
-    </p:spTree>
-    <p:extLst>
-      <p:ext uri="{BB962C8B-B14F-4D97-AF65-F5344CB8AC3E}">
-        <p14:creationId xmlns:p14="http://schemas.microsoft.com/office/powerpoint/2010/main" val="766773942"/>
-      </p:ext>
-    </p:extLst>
-  </p:cSld>
-  <p:clrMapOvr>
-    <a:masterClrMapping/>
-  </p:clrMapOvr>
-  <mc:AlternateContent xmlns:mc="http://schemas.openxmlformats.org/markup-compatibility/2006" xmlns:p14="http://schemas.microsoft.com/office/powerpoint/2010/main">
-    <mc:Choice Requires="p14">
-      <p:transition p14:dur="10"/>
-    </mc:Choice>
-    <mc:Fallback xmlns="">
-      <p:transition/>
-    </mc:Fallback>
-  </mc:AlternateContent>
-</p:sld>
-</file>
-
-<file path=ppt/slides/slide7.xml><?xml version="1.0" encoding="utf-8"?>
-<p:sld xmlns:a="http://schemas.openxmlformats.org/drawingml/2006/main" xmlns:r="http://schemas.openxmlformats.org/officeDocument/2006/relationships" xmlns:p="http://schemas.openxmlformats.org/presentationml/2006/main">
-  <p:cSld>
-    <p:spTree>
-      <p:nvGrpSpPr>
-        <p:cNvPr id="1" name=""/>
-        <p:cNvGrpSpPr/>
-        <p:nvPr/>
-      </p:nvGrpSpPr>
-      <p:grpSpPr>
-        <a:xfrm>
-          <a:off x="0" y="0"/>
-          <a:ext cx="0" cy="0"/>
-          <a:chOff x="0" y="0"/>
-          <a:chExt cx="0" cy="0"/>
-        </a:xfrm>
-      </p:grpSpPr>
-      <p:sp>
-        <p:nvSpPr>
-          <p:cNvPr id="2" name="Title 1"/>
-          <p:cNvSpPr>
-            <a:spLocks noGrp="1"/>
-          </p:cNvSpPr>
-          <p:nvPr>
-            <p:ph type="title"/>
-          </p:nvPr>
-        </p:nvSpPr>
-        <p:spPr/>
-        <p:txBody>
-          <a:bodyPr/>
-          <a:lstStyle/>
-          <a:p>
-            <a:r>
-              <a:rPr lang="en-GB" sz="4000" dirty="0"/>
               <a:t>What is Fortran?</a:t>
             </a:r>
           </a:p>
@@ -25807,7 +25450,7 @@
 </p:sld>
 </file>
 
-<file path=ppt/slides/slide8.xml><?xml version="1.0" encoding="utf-8"?>
+<file path=ppt/slides/slide7.xml><?xml version="1.0" encoding="utf-8"?>
 <p:sld xmlns:a="http://schemas.openxmlformats.org/drawingml/2006/main" xmlns:r="http://schemas.openxmlformats.org/officeDocument/2006/relationships" xmlns:p="http://schemas.openxmlformats.org/presentationml/2006/main">
   <p:cSld>
     <p:spTree>
@@ -25914,7 +25557,7 @@
 </p:sld>
 </file>
 
-<file path=ppt/slides/slide9.xml><?xml version="1.0" encoding="utf-8"?>
+<file path=ppt/slides/slide8.xml><?xml version="1.0" encoding="utf-8"?>
 <p:sld xmlns:a="http://schemas.openxmlformats.org/drawingml/2006/main" xmlns:r="http://schemas.openxmlformats.org/officeDocument/2006/relationships" xmlns:p="http://schemas.openxmlformats.org/presentationml/2006/main">
   <p:cSld>
     <p:spTree>
@@ -26354,6 +25997,134 @@
     <p:extLst>
       <p:ext uri="{BB962C8B-B14F-4D97-AF65-F5344CB8AC3E}">
         <p14:creationId xmlns:p14="http://schemas.microsoft.com/office/powerpoint/2010/main" val="2428056926"/>
+      </p:ext>
+    </p:extLst>
+  </p:cSld>
+  <p:clrMapOvr>
+    <a:masterClrMapping/>
+  </p:clrMapOvr>
+  <mc:AlternateContent xmlns:mc="http://schemas.openxmlformats.org/markup-compatibility/2006" xmlns:p14="http://schemas.microsoft.com/office/powerpoint/2010/main">
+    <mc:Choice Requires="p14">
+      <p:transition p14:dur="10"/>
+    </mc:Choice>
+    <mc:Fallback xmlns="">
+      <p:transition/>
+    </mc:Fallback>
+  </mc:AlternateContent>
+</p:sld>
+</file>
+
+<file path=ppt/slides/slide9.xml><?xml version="1.0" encoding="utf-8"?>
+<p:sld xmlns:a="http://schemas.openxmlformats.org/drawingml/2006/main" xmlns:r="http://schemas.openxmlformats.org/officeDocument/2006/relationships" xmlns:p="http://schemas.openxmlformats.org/presentationml/2006/main">
+  <p:cSld>
+    <p:spTree>
+      <p:nvGrpSpPr>
+        <p:cNvPr id="1" name=""/>
+        <p:cNvGrpSpPr/>
+        <p:nvPr/>
+      </p:nvGrpSpPr>
+      <p:grpSpPr>
+        <a:xfrm>
+          <a:off x="0" y="0"/>
+          <a:ext cx="0" cy="0"/>
+          <a:chOff x="0" y="0"/>
+          <a:chExt cx="0" cy="0"/>
+        </a:xfrm>
+      </p:grpSpPr>
+      <p:sp>
+        <p:nvSpPr>
+          <p:cNvPr id="2" name="Title 1"/>
+          <p:cNvSpPr>
+            <a:spLocks noGrp="1"/>
+          </p:cNvSpPr>
+          <p:nvPr>
+            <p:ph type="title"/>
+          </p:nvPr>
+        </p:nvSpPr>
+        <p:spPr/>
+        <p:txBody>
+          <a:bodyPr/>
+          <a:lstStyle/>
+          <a:p>
+            <a:r>
+              <a:rPr lang="en-GB" sz="4000" dirty="0"/>
+              <a:t>The Compiler</a:t>
+            </a:r>
+          </a:p>
+        </p:txBody>
+      </p:sp>
+      <p:sp>
+        <p:nvSpPr>
+          <p:cNvPr id="3" name="Content Placeholder 2"/>
+          <p:cNvSpPr>
+            <a:spLocks noGrp="1"/>
+          </p:cNvSpPr>
+          <p:nvPr>
+            <p:ph idx="1"/>
+          </p:nvPr>
+        </p:nvSpPr>
+        <p:spPr>
+          <a:xfrm>
+            <a:off x="457200" y="1600200"/>
+            <a:ext cx="8435280" cy="4876800"/>
+          </a:xfrm>
+        </p:spPr>
+        <p:txBody>
+          <a:bodyPr>
+            <a:normAutofit/>
+          </a:bodyPr>
+          <a:lstStyle/>
+          <a:p>
+            <a:r>
+              <a:rPr lang="en-GB" sz="3000" dirty="0"/>
+              <a:t>Scans code for syntax errors</a:t>
+            </a:r>
+          </a:p>
+          <a:p>
+            <a:r>
+              <a:rPr lang="en-GB" sz="3000" dirty="0"/>
+              <a:t>Optimises the code</a:t>
+            </a:r>
+          </a:p>
+          <a:p>
+            <a:r>
+              <a:rPr lang="en-GB" sz="3000" dirty="0"/>
+              <a:t>Creates machine code in the form of an object file or executable</a:t>
+            </a:r>
+          </a:p>
+          <a:p>
+            <a:r>
+              <a:rPr lang="en-GB" sz="3000" dirty="0"/>
+              <a:t>Does not:</a:t>
+            </a:r>
+          </a:p>
+          <a:p>
+            <a:pPr lvl="1"/>
+            <a:r>
+              <a:rPr lang="en-GB" sz="2600" dirty="0"/>
+              <a:t>Reveal run-time errors</a:t>
+            </a:r>
+          </a:p>
+          <a:p>
+            <a:pPr lvl="1"/>
+            <a:r>
+              <a:rPr lang="en-GB" sz="2600" dirty="0"/>
+              <a:t>Know what values will be used when the program is executed</a:t>
+            </a:r>
+          </a:p>
+          <a:p>
+            <a:pPr lvl="1"/>
+            <a:r>
+              <a:rPr lang="en-GB" sz="2600" dirty="0"/>
+              <a:t>Run any computations</a:t>
+            </a:r>
+          </a:p>
+        </p:txBody>
+      </p:sp>
+    </p:spTree>
+    <p:extLst>
+      <p:ext uri="{BB962C8B-B14F-4D97-AF65-F5344CB8AC3E}">
+        <p14:creationId xmlns:p14="http://schemas.microsoft.com/office/powerpoint/2010/main" val="3966698890"/>
       </p:ext>
     </p:extLst>
   </p:cSld>

--- a/Introduction to Fortran Slides.pptx
+++ b/Introduction to Fortran Slides.pptx
@@ -239,6 +239,51 @@
 </p:presentation>
 </file>
 
+<file path=ppt/revisionInfo.xml><?xml version="1.0" encoding="utf-8"?>
+<p1510:revInfo xmlns:a="http://schemas.openxmlformats.org/drawingml/2006/main" xmlns:r="http://schemas.openxmlformats.org/officeDocument/2006/relationships" xmlns:p1510="http://schemas.microsoft.com/office/powerpoint/2015/10/main">
+  <p1510:revLst>
+    <p1510:client id="{BEEBFBF1-0F96-44BB-806D-61315DFB645B}" v="2" dt="2022-10-10T13:48:59.599"/>
+  </p1510:revLst>
+</p1510:revInfo>
+</file>
+
+<file path=ppt/changesInfos/changesInfo1.xml><?xml version="1.0" encoding="utf-8"?>
+<pc:chgInfo xmlns:a="http://schemas.openxmlformats.org/drawingml/2006/main" xmlns:r="http://schemas.openxmlformats.org/officeDocument/2006/relationships" xmlns:ac="http://schemas.microsoft.com/office/drawing/2013/main/command" xmlns:pc="http://schemas.microsoft.com/office/powerpoint/2013/main/command">
+  <pc:docChgLst>
+    <pc:chgData name="Cooling, Chris" userId="6dcf99c9-2ba5-410a-8445-0893a3d1421f" providerId="ADAL" clId="{BEEBFBF1-0F96-44BB-806D-61315DFB645B}"/>
+    <pc:docChg chg="custSel modSld">
+      <pc:chgData name="Cooling, Chris" userId="6dcf99c9-2ba5-410a-8445-0893a3d1421f" providerId="ADAL" clId="{BEEBFBF1-0F96-44BB-806D-61315DFB645B}" dt="2022-10-10T13:49:16.891" v="12" actId="167"/>
+      <pc:docMkLst>
+        <pc:docMk/>
+      </pc:docMkLst>
+      <pc:sldChg chg="addSp modSp mod">
+        <pc:chgData name="Cooling, Chris" userId="6dcf99c9-2ba5-410a-8445-0893a3d1421f" providerId="ADAL" clId="{BEEBFBF1-0F96-44BB-806D-61315DFB645B}" dt="2022-10-10T13:49:16.891" v="12" actId="167"/>
+        <pc:sldMkLst>
+          <pc:docMk/>
+          <pc:sldMk cId="466020703" sldId="335"/>
+        </pc:sldMkLst>
+        <pc:spChg chg="mod">
+          <ac:chgData name="Cooling, Chris" userId="6dcf99c9-2ba5-410a-8445-0893a3d1421f" providerId="ADAL" clId="{BEEBFBF1-0F96-44BB-806D-61315DFB645B}" dt="2022-10-10T13:49:05.026" v="8" actId="27636"/>
+          <ac:spMkLst>
+            <pc:docMk/>
+            <pc:sldMk cId="466020703" sldId="335"/>
+            <ac:spMk id="3" creationId="{00000000-0000-0000-0000-000000000000}"/>
+          </ac:spMkLst>
+        </pc:spChg>
+        <pc:picChg chg="add mod ord">
+          <ac:chgData name="Cooling, Chris" userId="6dcf99c9-2ba5-410a-8445-0893a3d1421f" providerId="ADAL" clId="{BEEBFBF1-0F96-44BB-806D-61315DFB645B}" dt="2022-10-10T13:49:16.891" v="12" actId="167"/>
+          <ac:picMkLst>
+            <pc:docMk/>
+            <pc:sldMk cId="466020703" sldId="335"/>
+            <ac:picMk id="5" creationId="{6EC95C70-AC70-4FEA-AC75-84A729884BE8}"/>
+          </ac:picMkLst>
+        </pc:picChg>
+      </pc:sldChg>
+    </pc:docChg>
+  </pc:docChgLst>
+</pc:chgInfo>
+</file>
+
 <file path=ppt/handoutMasters/handoutMaster1.xml><?xml version="1.0" encoding="utf-8"?>
 <p:handoutMaster xmlns:a="http://schemas.openxmlformats.org/drawingml/2006/main" xmlns:r="http://schemas.openxmlformats.org/officeDocument/2006/relationships" xmlns:p="http://schemas.openxmlformats.org/presentationml/2006/main">
   <p:cSld>
@@ -488,7 +533,7 @@
           <a:p>
             <a:fld id="{88EB714B-C3CC-4216-88C1-02913905B1CF}" type="datetimeFigureOut">
               <a:rPr lang="en-GB" smtClean="0"/>
-              <a:t>20/05/2022</a:t>
+              <a:t>10/10/2022</a:t>
             </a:fld>
             <a:endParaRPr lang="en-GB"/>
           </a:p>
@@ -8525,7 +8570,7 @@
           <a:p>
             <a:fld id="{EB0080F8-EA1C-491D-963C-2C881B2F918F}" type="datetimeFigureOut">
               <a:rPr lang="en-GB" smtClean="0"/>
-              <a:t>20/05/2022</a:t>
+              <a:t>10/10/2022</a:t>
             </a:fld>
             <a:endParaRPr lang="en-GB"/>
           </a:p>
@@ -8675,7 +8720,7 @@
           <a:p>
             <a:fld id="{EB0080F8-EA1C-491D-963C-2C881B2F918F}" type="datetimeFigureOut">
               <a:rPr lang="en-GB" smtClean="0"/>
-              <a:t>20/05/2022</a:t>
+              <a:t>10/10/2022</a:t>
             </a:fld>
             <a:endParaRPr lang="en-GB"/>
           </a:p>
@@ -10208,7 +10253,7 @@
           <a:p>
             <a:fld id="{EB0080F8-EA1C-491D-963C-2C881B2F918F}" type="datetimeFigureOut">
               <a:rPr lang="en-GB" smtClean="0"/>
-              <a:t>20/05/2022</a:t>
+              <a:t>10/10/2022</a:t>
             </a:fld>
             <a:endParaRPr lang="en-GB"/>
           </a:p>
@@ -24846,6 +24891,36 @@
           <a:chExt cx="0" cy="0"/>
         </a:xfrm>
       </p:grpSpPr>
+      <p:pic>
+        <p:nvPicPr>
+          <p:cNvPr id="5" name="Picture 4" descr="Qr code&#10;&#10;Description automatically generated">
+            <a:extLst>
+              <a:ext uri="{FF2B5EF4-FFF2-40B4-BE49-F238E27FC236}">
+                <a16:creationId xmlns:a16="http://schemas.microsoft.com/office/drawing/2014/main" id="{6EC95C70-AC70-4FEA-AC75-84A729884BE8}"/>
+              </a:ext>
+            </a:extLst>
+          </p:cNvPr>
+          <p:cNvPicPr>
+            <a:picLocks noChangeAspect="1"/>
+          </p:cNvPicPr>
+          <p:nvPr/>
+        </p:nvPicPr>
+        <p:blipFill>
+          <a:blip r:embed="rId3"/>
+          <a:stretch>
+            <a:fillRect/>
+          </a:stretch>
+        </p:blipFill>
+        <p:spPr>
+          <a:xfrm>
+            <a:off x="3111335" y="3921107"/>
+            <a:ext cx="2921330" cy="2921330"/>
+          </a:xfrm>
+          <a:prstGeom prst="rect">
+            <a:avLst/>
+          </a:prstGeom>
+        </p:spPr>
+      </p:pic>
       <p:sp>
         <p:nvSpPr>
           <p:cNvPr id="2" name="Title 1"/>
@@ -24881,12 +24956,12 @@
         <p:spPr>
           <a:xfrm>
             <a:off x="457200" y="1600200"/>
-            <a:ext cx="8435280" cy="4876800"/>
+            <a:ext cx="8435280" cy="2787732"/>
           </a:xfrm>
         </p:spPr>
         <p:txBody>
           <a:bodyPr>
-            <a:normAutofit/>
+            <a:normAutofit lnSpcReduction="10000"/>
           </a:bodyPr>
           <a:lstStyle/>
           <a:p>
@@ -24902,25 +24977,12 @@
               <a:t>The link is </a:t>
             </a:r>
             <a:r>
-              <a:rPr lang="en-GB" sz="2600" u="sng" dirty="0">
-                <a:solidFill>
-                  <a:srgbClr val="000000"/>
-                </a:solidFill>
-                <a:effectLst/>
-                <a:latin typeface="+mj-lt"/>
-                <a:ea typeface="Times New Roman" panose="02020603050405020304" pitchFamily="18" charset="0"/>
-                <a:hlinkClick r:id="rId3"/>
+              <a:rPr lang="en-GB" sz="2600" dirty="0">
+                <a:hlinkClick r:id="rId4"/>
               </a:rPr>
-              <a:t>tinyurl.com/rcds2021-22</a:t>
-            </a:r>
-            <a:endParaRPr lang="en-GB" sz="2600" u="sng" dirty="0">
-              <a:solidFill>
-                <a:srgbClr val="000000"/>
-              </a:solidFill>
-              <a:effectLst/>
-              <a:latin typeface="+mj-lt"/>
-              <a:ea typeface="Times New Roman" panose="02020603050405020304" pitchFamily="18" charset="0"/>
-            </a:endParaRPr>
+              <a:t>https://tinyurl.com/rcds2022-23</a:t>
+            </a:r>
+            <a:endParaRPr lang="en-GB" sz="2600" dirty="0"/>
           </a:p>
           <a:p>
             <a:pPr lvl="1"/>

--- a/Introduction to Fortran Slides.pptx
+++ b/Introduction to Fortran Slides.pptx
@@ -239,14 +239,6 @@
 </p:presentation>
 </file>
 
-<file path=ppt/revisionInfo.xml><?xml version="1.0" encoding="utf-8"?>
-<p1510:revInfo xmlns:a="http://schemas.openxmlformats.org/drawingml/2006/main" xmlns:r="http://schemas.openxmlformats.org/officeDocument/2006/relationships" xmlns:p1510="http://schemas.microsoft.com/office/powerpoint/2015/10/main">
-  <p1510:revLst>
-    <p1510:client id="{BEEBFBF1-0F96-44BB-806D-61315DFB645B}" v="2" dt="2022-10-10T13:48:59.599"/>
-  </p1510:revLst>
-</p1510:revInfo>
-</file>
-
 <file path=ppt/changesInfos/changesInfo1.xml><?xml version="1.0" encoding="utf-8"?>
 <pc:chgInfo xmlns:a="http://schemas.openxmlformats.org/drawingml/2006/main" xmlns:r="http://schemas.openxmlformats.org/officeDocument/2006/relationships" xmlns:ac="http://schemas.microsoft.com/office/drawing/2013/main/command" xmlns:pc="http://schemas.microsoft.com/office/powerpoint/2013/main/command">
   <pc:docChgLst>
@@ -281,6 +273,30 @@
       </pc:sldChg>
     </pc:docChg>
   </pc:docChgLst>
+  <pc:docChgLst>
+    <pc:chgData name="Cooling, Chris" userId="6dcf99c9-2ba5-410a-8445-0893a3d1421f" providerId="ADAL" clId="{62C01029-F242-4F4B-9E5A-5CFE37C23535}"/>
+    <pc:docChg chg="modSld">
+      <pc:chgData name="Cooling, Chris" userId="6dcf99c9-2ba5-410a-8445-0893a3d1421f" providerId="ADAL" clId="{62C01029-F242-4F4B-9E5A-5CFE37C23535}" dt="2022-11-04T13:49:28.414" v="5" actId="20577"/>
+      <pc:docMkLst>
+        <pc:docMk/>
+      </pc:docMkLst>
+      <pc:sldChg chg="modSp mod">
+        <pc:chgData name="Cooling, Chris" userId="6dcf99c9-2ba5-410a-8445-0893a3d1421f" providerId="ADAL" clId="{62C01029-F242-4F4B-9E5A-5CFE37C23535}" dt="2022-11-04T13:49:28.414" v="5" actId="20577"/>
+        <pc:sldMkLst>
+          <pc:docMk/>
+          <pc:sldMk cId="3173781080" sldId="325"/>
+        </pc:sldMkLst>
+        <pc:spChg chg="mod">
+          <ac:chgData name="Cooling, Chris" userId="6dcf99c9-2ba5-410a-8445-0893a3d1421f" providerId="ADAL" clId="{62C01029-F242-4F4B-9E5A-5CFE37C23535}" dt="2022-11-04T13:49:28.414" v="5" actId="20577"/>
+          <ac:spMkLst>
+            <pc:docMk/>
+            <pc:sldMk cId="3173781080" sldId="325"/>
+            <ac:spMk id="6" creationId="{C94459EB-B5CC-4128-A805-FCBCD2C4D3F5}"/>
+          </ac:spMkLst>
+        </pc:spChg>
+      </pc:sldChg>
+    </pc:docChg>
+  </pc:docChgLst>
 </pc:chgInfo>
 </file>
 
@@ -533,7 +549,7 @@
           <a:p>
             <a:fld id="{88EB714B-C3CC-4216-88C1-02913905B1CF}" type="datetimeFigureOut">
               <a:rPr lang="en-GB" smtClean="0"/>
-              <a:t>10/10/2022</a:t>
+              <a:t>04/11/2022</a:t>
             </a:fld>
             <a:endParaRPr lang="en-GB"/>
           </a:p>
@@ -8570,7 +8586,7 @@
           <a:p>
             <a:fld id="{EB0080F8-EA1C-491D-963C-2C881B2F918F}" type="datetimeFigureOut">
               <a:rPr lang="en-GB" smtClean="0"/>
-              <a:t>10/10/2022</a:t>
+              <a:t>04/11/2022</a:t>
             </a:fld>
             <a:endParaRPr lang="en-GB"/>
           </a:p>
@@ -8720,7 +8736,7 @@
           <a:p>
             <a:fld id="{EB0080F8-EA1C-491D-963C-2C881B2F918F}" type="datetimeFigureOut">
               <a:rPr lang="en-GB" smtClean="0"/>
-              <a:t>10/10/2022</a:t>
+              <a:t>04/11/2022</a:t>
             </a:fld>
             <a:endParaRPr lang="en-GB"/>
           </a:p>
@@ -10253,7 +10269,7 @@
           <a:p>
             <a:fld id="{EB0080F8-EA1C-491D-963C-2C881B2F918F}" type="datetimeFigureOut">
               <a:rPr lang="en-GB" smtClean="0"/>
-              <a:t>10/10/2022</a:t>
+              <a:t>04/11/2022</a:t>
             </a:fld>
             <a:endParaRPr lang="en-GB"/>
           </a:p>
@@ -17347,7 +17363,15 @@
           <a:p>
             <a:r>
               <a:rPr lang="en-GB" sz="3100" dirty="0"/>
-              <a:t>Can assign an allocated array of the same dimension to an unallocated to allocate it </a:t>
+              <a:t>Can assign an allocated array of the same dimension to an </a:t>
+            </a:r>
+            <a:r>
+              <a:rPr lang="en-GB" sz="3100"/>
+              <a:t>unallocated array to </a:t>
+            </a:r>
+            <a:r>
+              <a:rPr lang="en-GB" sz="3100" dirty="0"/>
+              <a:t>allocate it </a:t>
             </a:r>
           </a:p>
           <a:p>

--- a/Introduction to Fortran Slides.pptx
+++ b/Introduction to Fortran Slides.pptx
@@ -12,7 +12,7 @@
   </p:handoutMasterIdLst>
   <p:sldIdLst>
     <p:sldId id="264" r:id="rId2"/>
-    <p:sldId id="504" r:id="rId3"/>
+    <p:sldId id="505" r:id="rId3"/>
     <p:sldId id="267" r:id="rId4"/>
     <p:sldId id="281" r:id="rId5"/>
     <p:sldId id="282" r:id="rId6"/>
@@ -165,7 +165,7 @@
         <p14:section name="Introduction" id="{45EEEAF5-8C61-4410-A3AB-B2CD0B57ECF0}">
           <p14:sldIdLst>
             <p14:sldId id="264"/>
-            <p14:sldId id="504"/>
+            <p14:sldId id="505"/>
             <p14:sldId id="267"/>
             <p14:sldId id="281"/>
             <p14:sldId id="282"/>
@@ -239,6 +239,14 @@
 </p:presentation>
 </file>
 
+<file path=ppt/revisionInfo.xml><?xml version="1.0" encoding="utf-8"?>
+<p1510:revInfo xmlns:a="http://schemas.openxmlformats.org/drawingml/2006/main" xmlns:r="http://schemas.openxmlformats.org/officeDocument/2006/relationships" xmlns:p1510="http://schemas.microsoft.com/office/powerpoint/2015/10/main">
+  <p1510:revLst>
+    <p1510:client id="{102F9877-C7F0-434D-B323-B1534C5F6E71}" v="1" dt="2023-02-24T16:45:29.049"/>
+  </p1510:revLst>
+</p1510:revInfo>
+</file>
+
 <file path=ppt/changesInfos/changesInfo1.xml><?xml version="1.0" encoding="utf-8"?>
 <pc:chgInfo xmlns:a="http://schemas.openxmlformats.org/drawingml/2006/main" xmlns:r="http://schemas.openxmlformats.org/officeDocument/2006/relationships" xmlns:ac="http://schemas.microsoft.com/office/drawing/2013/main/command" xmlns:pc="http://schemas.microsoft.com/office/powerpoint/2013/main/command">
   <pc:docChgLst>
@@ -297,6 +305,29 @@
       </pc:sldChg>
     </pc:docChg>
   </pc:docChgLst>
+  <pc:docChgLst>
+    <pc:chgData name="Cooling, Chris" userId="6dcf99c9-2ba5-410a-8445-0893a3d1421f" providerId="ADAL" clId="{102F9877-C7F0-434D-B323-B1534C5F6E71}"/>
+    <pc:docChg chg="addSld delSld modSld modSection">
+      <pc:chgData name="Cooling, Chris" userId="6dcf99c9-2ba5-410a-8445-0893a3d1421f" providerId="ADAL" clId="{102F9877-C7F0-434D-B323-B1534C5F6E71}" dt="2023-02-24T16:45:30.999" v="1" actId="47"/>
+      <pc:docMkLst>
+        <pc:docMk/>
+      </pc:docMkLst>
+      <pc:sldChg chg="del">
+        <pc:chgData name="Cooling, Chris" userId="6dcf99c9-2ba5-410a-8445-0893a3d1421f" providerId="ADAL" clId="{102F9877-C7F0-434D-B323-B1534C5F6E71}" dt="2023-02-24T16:45:30.999" v="1" actId="47"/>
+        <pc:sldMkLst>
+          <pc:docMk/>
+          <pc:sldMk cId="3686223621" sldId="504"/>
+        </pc:sldMkLst>
+      </pc:sldChg>
+      <pc:sldChg chg="add">
+        <pc:chgData name="Cooling, Chris" userId="6dcf99c9-2ba5-410a-8445-0893a3d1421f" providerId="ADAL" clId="{102F9877-C7F0-434D-B323-B1534C5F6E71}" dt="2023-02-24T16:45:29.040" v="0"/>
+        <pc:sldMkLst>
+          <pc:docMk/>
+          <pc:sldMk cId="1454384184" sldId="505"/>
+        </pc:sldMkLst>
+      </pc:sldChg>
+    </pc:docChg>
+  </pc:docChgLst>
 </pc:chgInfo>
 </file>
 
@@ -549,7 +580,7 @@
           <a:p>
             <a:fld id="{88EB714B-C3CC-4216-88C1-02913905B1CF}" type="datetimeFigureOut">
               <a:rPr lang="en-GB" smtClean="0"/>
-              <a:t>04/11/2022</a:t>
+              <a:t>24/02/2023</a:t>
             </a:fld>
             <a:endParaRPr lang="en-GB"/>
           </a:p>
@@ -1114,6 +1145,163 @@
           <a:p>
             <a:r>
               <a:rPr lang="en-GB" dirty="0"/>
+              <a:t>The most common compiler you might come across is the </a:t>
+            </a:r>
+            <a:r>
+              <a:rPr lang="en-GB" dirty="0" err="1"/>
+              <a:t>gfortran</a:t>
+            </a:r>
+            <a:r>
+              <a:rPr lang="en-GB" dirty="0"/>
+              <a:t> compiler, which is part of the GNU project. It’s fairly complete, free and available on many operation systems. This is probably the easiest place to begin.</a:t>
+            </a:r>
+          </a:p>
+          <a:p>
+            <a:endParaRPr lang="en-GB" dirty="0"/>
+          </a:p>
+          <a:p>
+            <a:r>
+              <a:rPr lang="en-GB" dirty="0"/>
+              <a:t>You may also encounter the PGI and </a:t>
+            </a:r>
+            <a:r>
+              <a:rPr lang="en-GB" dirty="0" err="1"/>
+              <a:t>Absoft</a:t>
+            </a:r>
+            <a:r>
+              <a:rPr lang="en-GB" dirty="0"/>
+              <a:t> compilers. The PGI compiler has a free community version and a paid-for version.</a:t>
+            </a:r>
+          </a:p>
+          <a:p>
+            <a:endParaRPr lang="en-GB" dirty="0"/>
+          </a:p>
+          <a:p>
+            <a:r>
+              <a:rPr lang="en-GB" dirty="0"/>
+              <a:t>Intel’s </a:t>
+            </a:r>
+            <a:r>
+              <a:rPr lang="en-GB" dirty="0" err="1"/>
+              <a:t>ifort</a:t>
+            </a:r>
+            <a:r>
+              <a:rPr lang="en-GB" dirty="0"/>
+              <a:t> compiler is a paid for compiler that is perhaps the most professional and well-supported compiler. It has a number of features that can be used to speed up code.</a:t>
+            </a:r>
+          </a:p>
+          <a:p>
+            <a:endParaRPr lang="en-GB" dirty="0"/>
+          </a:p>
+          <a:p>
+            <a:r>
+              <a:rPr lang="en-GB" dirty="0"/>
+              <a:t>MinGW is a port of the GNU compiler collection designed to produce windows applications,</a:t>
+            </a:r>
+          </a:p>
+          <a:p>
+            <a:endParaRPr lang="en-GB" dirty="0"/>
+          </a:p>
+          <a:p>
+            <a:r>
+              <a:rPr lang="en-GB" dirty="0"/>
+              <a:t>It’s my experience that getting a compiler working on Windows is more difficult than getting it working on Linux or Apple machines, but it is possible. As installation instructions vary with OS and compiler, it’s not a goal of this course to get a Fortran compiler installed on your system. If you have a compiler installed, you are most welcome to use it. If not, you may use an online development environment: </a:t>
+            </a:r>
+            <a:r>
+              <a:rPr lang="en-GB" dirty="0">
+                <a:hlinkClick r:id="rId3"/>
+              </a:rPr>
+              <a:t>https://www.onlinegdb.com/</a:t>
+            </a:r>
+            <a:r>
+              <a:rPr lang="en-GB" dirty="0"/>
+              <a:t> Select “Fortran” in the language drop-down menu on the top-right.</a:t>
+            </a:r>
+          </a:p>
+        </p:txBody>
+      </p:sp>
+      <p:sp>
+        <p:nvSpPr>
+          <p:cNvPr id="4" name="Slide Number Placeholder 3"/>
+          <p:cNvSpPr>
+            <a:spLocks noGrp="1"/>
+          </p:cNvSpPr>
+          <p:nvPr>
+            <p:ph type="sldNum" sz="quarter" idx="10"/>
+          </p:nvPr>
+        </p:nvSpPr>
+        <p:spPr/>
+        <p:txBody>
+          <a:bodyPr/>
+          <a:lstStyle/>
+          <a:p>
+            <a:fld id="{6A641EC8-C9F8-4A58-A1A7-F7D817526EEC}" type="slidenum">
+              <a:rPr lang="en-GB" smtClean="0"/>
+              <a:t>10</a:t>
+            </a:fld>
+            <a:endParaRPr lang="en-GB"/>
+          </a:p>
+        </p:txBody>
+      </p:sp>
+    </p:spTree>
+    <p:extLst>
+      <p:ext uri="{BB962C8B-B14F-4D97-AF65-F5344CB8AC3E}">
+        <p14:creationId xmlns:p14="http://schemas.microsoft.com/office/powerpoint/2010/main" val="77121474"/>
+      </p:ext>
+    </p:extLst>
+  </p:cSld>
+  <p:clrMapOvr>
+    <a:masterClrMapping/>
+  </p:clrMapOvr>
+</p:notes>
+</file>
+
+<file path=ppt/notesSlides/notesSlide11.xml><?xml version="1.0" encoding="utf-8"?>
+<p:notes xmlns:a="http://schemas.openxmlformats.org/drawingml/2006/main" xmlns:r="http://schemas.openxmlformats.org/officeDocument/2006/relationships" xmlns:p="http://schemas.openxmlformats.org/presentationml/2006/main">
+  <p:cSld>
+    <p:spTree>
+      <p:nvGrpSpPr>
+        <p:cNvPr id="1" name=""/>
+        <p:cNvGrpSpPr/>
+        <p:nvPr/>
+      </p:nvGrpSpPr>
+      <p:grpSpPr>
+        <a:xfrm>
+          <a:off x="0" y="0"/>
+          <a:ext cx="0" cy="0"/>
+          <a:chOff x="0" y="0"/>
+          <a:chExt cx="0" cy="0"/>
+        </a:xfrm>
+      </p:grpSpPr>
+      <p:sp>
+        <p:nvSpPr>
+          <p:cNvPr id="2" name="Slide Image Placeholder 1"/>
+          <p:cNvSpPr>
+            <a:spLocks noGrp="1" noRot="1" noChangeAspect="1"/>
+          </p:cNvSpPr>
+          <p:nvPr>
+            <p:ph type="sldImg"/>
+          </p:nvPr>
+        </p:nvSpPr>
+        <p:spPr/>
+      </p:sp>
+      <p:sp>
+        <p:nvSpPr>
+          <p:cNvPr id="3" name="Notes Placeholder 2"/>
+          <p:cNvSpPr>
+            <a:spLocks noGrp="1"/>
+          </p:cNvSpPr>
+          <p:nvPr>
+            <p:ph type="body" idx="1"/>
+          </p:nvPr>
+        </p:nvSpPr>
+        <p:spPr/>
+        <p:txBody>
+          <a:bodyPr/>
+          <a:lstStyle/>
+          <a:p>
+            <a:r>
+              <a:rPr lang="en-GB" dirty="0"/>
               <a:t>If you want to compile a single file in Fortran, this may be achieved by opening a terminal in the directory of the source file you want to compile and entering the command above. Here, “</a:t>
             </a:r>
             <a:r>
@@ -1214,7 +1402,7 @@
 </p:notes>
 </file>
 
-<file path=ppt/notesSlides/notesSlide11.xml><?xml version="1.0" encoding="utf-8"?>
+<file path=ppt/notesSlides/notesSlide12.xml><?xml version="1.0" encoding="utf-8"?>
 <p:notes xmlns:a="http://schemas.openxmlformats.org/drawingml/2006/main" xmlns:r="http://schemas.openxmlformats.org/officeDocument/2006/relationships" xmlns:p="http://schemas.openxmlformats.org/presentationml/2006/main">
   <p:cSld>
     <p:spTree>
@@ -1244,130 +1432,6 @@
 </p:notes>
 </file>
 
-<file path=ppt/notesSlides/notesSlide12.xml><?xml version="1.0" encoding="utf-8"?>
-<p:notes xmlns:a="http://schemas.openxmlformats.org/drawingml/2006/main" xmlns:r="http://schemas.openxmlformats.org/officeDocument/2006/relationships" xmlns:p="http://schemas.openxmlformats.org/presentationml/2006/main">
-  <p:cSld>
-    <p:spTree>
-      <p:nvGrpSpPr>
-        <p:cNvPr id="1" name=""/>
-        <p:cNvGrpSpPr/>
-        <p:nvPr/>
-      </p:nvGrpSpPr>
-      <p:grpSpPr>
-        <a:xfrm>
-          <a:off x="0" y="0"/>
-          <a:ext cx="0" cy="0"/>
-          <a:chOff x="0" y="0"/>
-          <a:chExt cx="0" cy="0"/>
-        </a:xfrm>
-      </p:grpSpPr>
-      <p:sp>
-        <p:nvSpPr>
-          <p:cNvPr id="2" name="Slide Image Placeholder 1"/>
-          <p:cNvSpPr>
-            <a:spLocks noGrp="1" noRot="1" noChangeAspect="1"/>
-          </p:cNvSpPr>
-          <p:nvPr>
-            <p:ph type="sldImg"/>
-          </p:nvPr>
-        </p:nvSpPr>
-        <p:spPr/>
-      </p:sp>
-      <p:sp>
-        <p:nvSpPr>
-          <p:cNvPr id="3" name="Notes Placeholder 2"/>
-          <p:cNvSpPr>
-            <a:spLocks noGrp="1"/>
-          </p:cNvSpPr>
-          <p:nvPr>
-            <p:ph type="body" idx="1"/>
-          </p:nvPr>
-        </p:nvSpPr>
-        <p:spPr/>
-        <p:txBody>
-          <a:bodyPr/>
-          <a:lstStyle/>
-          <a:p>
-            <a:r>
-              <a:rPr lang="en-GB" dirty="0"/>
-              <a:t>The minimum required for a Fortran program are the statements “PROGRAM” and “END PROGRAM” statements. The “PROGRAM” statement must be followed a name for your program. The “END PROGRAM” statement may be followed by the same program name, but doesn’t strictly need to be.</a:t>
-            </a:r>
-          </a:p>
-          <a:p>
-            <a:endParaRPr lang="en-GB" dirty="0"/>
-          </a:p>
-          <a:p>
-            <a:r>
-              <a:rPr lang="en-GB" dirty="0"/>
-              <a:t>An empty program isn’t much fun, however. We would run it another nothing would happen. So, we’ve also included a simple “print” statement. This is done using the syntax “print*, “ and is followed by whatever you want to print. Here we’ve enclosed the phrase “Hello world” in quotation marks. This means the print statement will print the phrase “Hello world” to the standard output. This is to the terminal using to run the executable by default.</a:t>
-            </a:r>
-            <a:br>
-              <a:rPr lang="en-GB" dirty="0"/>
-            </a:br>
-            <a:br>
-              <a:rPr lang="en-GB" dirty="0"/>
-            </a:br>
-            <a:r>
-              <a:rPr lang="en-GB" dirty="0"/>
-              <a:t>There’s couple of things to note here, particularly if you’re coming from another computing language. Firstly, Fortran syntax is case insensitive. Here, “PROGRAM” and “PROGRAM END” are written in capitals, but this is entirely optional and this capitalisation has been chosen to follow a convention rather than for any syntax purpose. </a:t>
-            </a:r>
-          </a:p>
-          <a:p>
-            <a:endParaRPr lang="en-GB" dirty="0"/>
-          </a:p>
-          <a:p>
-            <a:r>
-              <a:rPr lang="en-GB" dirty="0"/>
-              <a:t>Secondly, Fortran entirely ignores indentation. An entirely un-indented program. However, indentation can still be very useful to show visually which code is within different constructs. Here, we’ve indented the body of our program to show it falls between the “PROGRAM” and “END PROGRAM” statements.</a:t>
-            </a:r>
-          </a:p>
-          <a:p>
-            <a:endParaRPr lang="en-GB" dirty="0"/>
-          </a:p>
-          <a:p>
-            <a:r>
-              <a:rPr lang="en-GB" dirty="0"/>
-              <a:t>Thirdly, any characters on a line after an exclamation mark will be ignored by the compiler. These are comments. Comments are very useful for annotating your code. They allow you to describe what your code is doing, which is very useful if you ever pass your code to someone else or come back to your code after not working on it for a while, and may help you unpick logical problems with your code by making the function of it more obvious.</a:t>
-            </a:r>
-          </a:p>
-        </p:txBody>
-      </p:sp>
-      <p:sp>
-        <p:nvSpPr>
-          <p:cNvPr id="4" name="Slide Number Placeholder 3"/>
-          <p:cNvSpPr>
-            <a:spLocks noGrp="1"/>
-          </p:cNvSpPr>
-          <p:nvPr>
-            <p:ph type="sldNum" sz="quarter" idx="10"/>
-          </p:nvPr>
-        </p:nvSpPr>
-        <p:spPr/>
-        <p:txBody>
-          <a:bodyPr/>
-          <a:lstStyle/>
-          <a:p>
-            <a:fld id="{6A641EC8-C9F8-4A58-A1A7-F7D817526EEC}" type="slidenum">
-              <a:rPr lang="en-GB" smtClean="0"/>
-              <a:t>13</a:t>
-            </a:fld>
-            <a:endParaRPr lang="en-GB"/>
-          </a:p>
-        </p:txBody>
-      </p:sp>
-    </p:spTree>
-    <p:extLst>
-      <p:ext uri="{BB962C8B-B14F-4D97-AF65-F5344CB8AC3E}">
-        <p14:creationId xmlns:p14="http://schemas.microsoft.com/office/powerpoint/2010/main" val="3884083766"/>
-      </p:ext>
-    </p:extLst>
-  </p:cSld>
-  <p:clrMapOvr>
-    <a:masterClrMapping/>
-  </p:clrMapOvr>
-</p:notes>
-</file>
-
 <file path=ppt/notesSlides/notesSlide13.xml><?xml version="1.0" encoding="utf-8"?>
 <p:notes xmlns:a="http://schemas.openxmlformats.org/drawingml/2006/main" xmlns:r="http://schemas.openxmlformats.org/officeDocument/2006/relationships" xmlns:p="http://schemas.openxmlformats.org/presentationml/2006/main">
   <p:cSld>
@@ -1414,7 +1478,16 @@
           <a:p>
             <a:r>
               <a:rPr lang="en-GB" dirty="0"/>
-              <a:t>Variables are key in any programming languages. They allowed calculated values to be stored and re-used in future calculations. A variable has a “variable name” which allows it to be referenced or assigned.</a:t>
+              <a:t>The minimum required for a Fortran program are the statements “PROGRAM” and “END PROGRAM” statements. The “PROGRAM” statement must be followed a name for your program. The “END PROGRAM” statement may be followed by the same program name, but doesn’t strictly need to be.</a:t>
+            </a:r>
+          </a:p>
+          <a:p>
+            <a:endParaRPr lang="en-GB" dirty="0"/>
+          </a:p>
+          <a:p>
+            <a:r>
+              <a:rPr lang="en-GB" dirty="0"/>
+              <a:t>An empty program isn’t much fun, however. We would run it another nothing would happen. So, we’ve also included a simple “print” statement. This is done using the syntax “print*, “ and is followed by whatever you want to print. Here we’ve enclosed the phrase “Hello world” in quotation marks. This means the print statement will print the phrase “Hello world” to the standard output. This is to the terminal using to run the executable by default.</a:t>
             </a:r>
             <a:br>
               <a:rPr lang="en-GB" dirty="0"/>
@@ -1424,7 +1497,25 @@
             </a:br>
             <a:r>
               <a:rPr lang="en-GB" dirty="0"/>
-              <a:t>Fortran is unlike some popular languages such as Python in the sense that variables must be declared before they are used. This means you must tell Fortran what variables will exist within a routine and what type they have. Trying to put values of a different type into a variable will often result in an error.</a:t>
+              <a:t>There’s couple of things to note here, particularly if you’re coming from another computing language. Firstly, Fortran syntax is case insensitive. Here, “PROGRAM” and “PROGRAM END” are written in capitals, but this is entirely optional and this capitalisation has been chosen to follow a convention rather than for any syntax purpose. </a:t>
+            </a:r>
+          </a:p>
+          <a:p>
+            <a:endParaRPr lang="en-GB" dirty="0"/>
+          </a:p>
+          <a:p>
+            <a:r>
+              <a:rPr lang="en-GB" dirty="0"/>
+              <a:t>Secondly, Fortran entirely ignores indentation. An entirely un-indented program. However, indentation can still be very useful to show visually which code is within different constructs. Here, we’ve indented the body of our program to show it falls between the “PROGRAM” and “END PROGRAM” statements.</a:t>
+            </a:r>
+          </a:p>
+          <a:p>
+            <a:endParaRPr lang="en-GB" dirty="0"/>
+          </a:p>
+          <a:p>
+            <a:r>
+              <a:rPr lang="en-GB" dirty="0"/>
+              <a:t>Thirdly, any characters on a line after an exclamation mark will be ignored by the compiler. These are comments. Comments are very useful for annotating your code. They allow you to describe what your code is doing, which is very useful if you ever pass your code to someone else or come back to your code after not working on it for a while, and may help you unpick logical problems with your code by making the function of it more obvious.</a:t>
             </a:r>
           </a:p>
         </p:txBody>
@@ -1446,7 +1537,7 @@
           <a:p>
             <a:fld id="{6A641EC8-C9F8-4A58-A1A7-F7D817526EEC}" type="slidenum">
               <a:rPr lang="en-GB" smtClean="0"/>
-              <a:t>14</a:t>
+              <a:t>13</a:t>
             </a:fld>
             <a:endParaRPr lang="en-GB"/>
           </a:p>
@@ -1455,7 +1546,7 @@
     </p:spTree>
     <p:extLst>
       <p:ext uri="{BB962C8B-B14F-4D97-AF65-F5344CB8AC3E}">
-        <p14:creationId xmlns:p14="http://schemas.microsoft.com/office/powerpoint/2010/main" val="2395338496"/>
+        <p14:creationId xmlns:p14="http://schemas.microsoft.com/office/powerpoint/2010/main" val="3884083766"/>
       </p:ext>
     </p:extLst>
   </p:cSld>
@@ -1511,16 +1602,7 @@
           <a:p>
             <a:r>
               <a:rPr lang="en-GB" dirty="0"/>
-              <a:t>Variables must be declared before the main body of the program. When a variable is declared, it means it is recorded that variable exists and, for simple variables such as the ones above, it will be allocated a location in the memory to contain its value. To declare a variable, the type of the variable being declared is written, followed by double colons. The spacing used above isn’t mandatory, although it does improve readability. The double colons are followed by the name of variables of that type that you wish to declare. You can declare multiple values on a line, separating them with commas, or only a single variable. You can use many declaration statements including repetitions of the same type.</a:t>
-            </a:r>
-          </a:p>
-          <a:p>
-            <a:endParaRPr lang="en-GB" dirty="0"/>
-          </a:p>
-          <a:p>
-            <a:r>
-              <a:rPr lang="en-GB" dirty="0"/>
-              <a:t>Here, we’ve defined variables of three types. Integers are values which are whole numbers. Floats are numbers with a decimal point and numbers after the decimal point, such as 2.2. Characters are lists of characters (similar to strings in other languages). When specifying a character, you must also specify the number of characters in the variable.</a:t>
+              <a:t>Variables are key in any programming languages. They allowed calculated values to be stored and re-used in future calculations. A variable has a “variable name” which allows it to be referenced or assigned.</a:t>
             </a:r>
             <a:br>
               <a:rPr lang="en-GB" dirty="0"/>
@@ -1530,16 +1612,7 @@
             </a:br>
             <a:r>
               <a:rPr lang="en-GB" dirty="0"/>
-              <a:t>Once variables have been declared, they may be assigned to. We’ll talk more about this later, but it essentially means given a value. Between the declaration of a variable and it being assigned to for the first time, the value of the variable is unspecified. Some compilers may set the initial value to zero when it is declared. Other compilers may allocate the variable some memory, but not examine or change the value stored in the memory. This can essentially lead to variables containing random information when they’re first declared. In short – you can’t assume anything about the value of a variable before it’s been assigned to.</a:t>
-            </a:r>
-          </a:p>
-          <a:p>
-            <a:endParaRPr lang="en-GB" dirty="0"/>
-          </a:p>
-          <a:p>
-            <a:r>
-              <a:rPr lang="en-GB" dirty="0"/>
-              <a:t>Check Variables/single_variables.f90 for an example.</a:t>
+              <a:t>Fortran is unlike some popular languages such as Python in the sense that variables must be declared before they are used. This means you must tell Fortran what variables will exist within a routine and what type they have. Trying to put values of a different type into a variable will often result in an error.</a:t>
             </a:r>
           </a:p>
         </p:txBody>
@@ -1561,7 +1634,7 @@
           <a:p>
             <a:fld id="{6A641EC8-C9F8-4A58-A1A7-F7D817526EEC}" type="slidenum">
               <a:rPr lang="en-GB" smtClean="0"/>
-              <a:t>15</a:t>
+              <a:t>14</a:t>
             </a:fld>
             <a:endParaRPr lang="en-GB"/>
           </a:p>
@@ -1570,7 +1643,7 @@
     </p:spTree>
     <p:extLst>
       <p:ext uri="{BB962C8B-B14F-4D97-AF65-F5344CB8AC3E}">
-        <p14:creationId xmlns:p14="http://schemas.microsoft.com/office/powerpoint/2010/main" val="2384116183"/>
+        <p14:creationId xmlns:p14="http://schemas.microsoft.com/office/powerpoint/2010/main" val="2395338496"/>
       </p:ext>
     </p:extLst>
   </p:cSld>
@@ -1626,7 +1699,7 @@
           <a:p>
             <a:r>
               <a:rPr lang="en-GB" dirty="0"/>
-              <a:t>Variable names in Fortran have certain requirements. These mainly exist so the compiler can recognise them as variable names in the script and to avoid them getting confused with operators and other constructs. The limit of variable name length is a hangover from the days when memory was expensive and had to be saved whenever possible.</a:t>
+              <a:t>Variables must be declared before the main body of the program. When a variable is declared, it means it is recorded that variable exists and, for simple variables such as the ones above, it will be allocated a location in the memory to contain its value. To declare a variable, the type of the variable being declared is written, followed by double colons. The spacing used above isn’t mandatory, although it does improve readability. The double colons are followed by the name of variables of that type that you wish to declare. You can declare multiple values on a line, separating them with commas, or only a single variable. You can use many declaration statements including repetitions of the same type.</a:t>
             </a:r>
           </a:p>
           <a:p>
@@ -1635,15 +1708,26 @@
           <a:p>
             <a:r>
               <a:rPr lang="en-GB" dirty="0"/>
-              <a:t>Fortran also has some other weird behaviours when it comes to variable names. By default, a variable can be used without it being declared. If it begins with an </a:t>
-            </a:r>
-            <a:r>
-              <a:rPr lang="en-GB" dirty="0" err="1"/>
-              <a:t>i</a:t>
-            </a:r>
-            <a:r>
-              <a:rPr lang="en-GB" dirty="0"/>
-              <a:t>, j, k, l, m or n it would implicitly be given the type of integer and if it begins with other characters it will be a real. This is overridden by any explicit declarations. This feature exists to reduce the number of lines of code that were needed back when code was expensive and laborious to write. However, it’s now a feature whose downsides outweigh its upsides. It means that, if you mis-type a variable name your code may still run but with values assigned to a variable you’ve created accidentally. Fortunately, this feature can easily be turned off by typing ”implicit none” at the top of your routine. This means only explicitly declared variables will exist.</a:t>
+              <a:t>Here, we’ve defined variables of three types. Integers are values which are whole numbers. Floats are numbers with a decimal point and numbers after the decimal point, such as 2.2. Characters are lists of characters (similar to strings in other languages). When specifying a character, you must also specify the number of characters in the variable.</a:t>
+            </a:r>
+            <a:br>
+              <a:rPr lang="en-GB" dirty="0"/>
+            </a:br>
+            <a:br>
+              <a:rPr lang="en-GB" dirty="0"/>
+            </a:br>
+            <a:r>
+              <a:rPr lang="en-GB" dirty="0"/>
+              <a:t>Once variables have been declared, they may be assigned to. We’ll talk more about this later, but it essentially means given a value. Between the declaration of a variable and it being assigned to for the first time, the value of the variable is unspecified. Some compilers may set the initial value to zero when it is declared. Other compilers may allocate the variable some memory, but not examine or change the value stored in the memory. This can essentially lead to variables containing random information when they’re first declared. In short – you can’t assume anything about the value of a variable before it’s been assigned to.</a:t>
+            </a:r>
+          </a:p>
+          <a:p>
+            <a:endParaRPr lang="en-GB" dirty="0"/>
+          </a:p>
+          <a:p>
+            <a:r>
+              <a:rPr lang="en-GB" dirty="0"/>
+              <a:t>Check Variables/single_variables.f90 for an example.</a:t>
             </a:r>
           </a:p>
         </p:txBody>
@@ -1665,7 +1749,7 @@
           <a:p>
             <a:fld id="{6A641EC8-C9F8-4A58-A1A7-F7D817526EEC}" type="slidenum">
               <a:rPr lang="en-GB" smtClean="0"/>
-              <a:t>16</a:t>
+              <a:t>15</a:t>
             </a:fld>
             <a:endParaRPr lang="en-GB"/>
           </a:p>
@@ -1674,7 +1758,7 @@
     </p:spTree>
     <p:extLst>
       <p:ext uri="{BB962C8B-B14F-4D97-AF65-F5344CB8AC3E}">
-        <p14:creationId xmlns:p14="http://schemas.microsoft.com/office/powerpoint/2010/main" val="4156414960"/>
+        <p14:creationId xmlns:p14="http://schemas.microsoft.com/office/powerpoint/2010/main" val="2384116183"/>
       </p:ext>
     </p:extLst>
   </p:cSld>
@@ -1730,7 +1814,7 @@
           <a:p>
             <a:r>
               <a:rPr lang="en-GB" dirty="0"/>
-              <a:t>We’ve been using the assignment operator for a while now. But now it’s time to look a bit more closely at what it actually does.</a:t>
+              <a:t>Variable names in Fortran have certain requirements. These mainly exist so the compiler can recognise them as variable names in the script and to avoid them getting confused with operators and other constructs. The limit of variable name length is a hangover from the days when memory was expensive and had to be saved whenever possible.</a:t>
             </a:r>
           </a:p>
           <a:p>
@@ -1739,24 +1823,15 @@
           <a:p>
             <a:r>
               <a:rPr lang="en-GB" dirty="0"/>
-              <a:t>The assignment operator is fundamentally different from an equals sign in an algebraic equation, despite using the same character. When an assignment operator is used, the value of the expression to the right of it is evaluated and this value is assigned to the variable whose name appears to the left of it.</a:t>
-            </a:r>
-          </a:p>
-          <a:p>
-            <a:endParaRPr lang="en-GB" dirty="0"/>
-          </a:p>
-          <a:p>
-            <a:r>
-              <a:rPr lang="en-GB" dirty="0"/>
-              <a:t>This means the statement “3=x” would be invalid, even though it’s valid algebra – whatever the value of x is, it can’t be assigned to the value of 3 as it is not a variable.  However, the statement x=</a:t>
+              <a:t>Fortran also has some other weird behaviours when it comes to variable names. By default, a variable can be used without it being declared. If it begins with an </a:t>
             </a:r>
             <a:r>
               <a:rPr lang="en-GB" dirty="0" err="1"/>
-              <a:t>x+x</a:t>
-            </a:r>
-            <a:r>
-              <a:rPr lang="en-GB" dirty="0"/>
-              <a:t> is valid for all numerical values of x and will double the value of x.</a:t>
+              <a:t>i</a:t>
+            </a:r>
+            <a:r>
+              <a:rPr lang="en-GB" dirty="0"/>
+              <a:t>, j, k, l, m or n it would implicitly be given the type of integer and if it begins with other characters it will be a real. This is overridden by any explicit declarations. This feature exists to reduce the number of lines of code that were needed back when code was expensive and laborious to write. However, it’s now a feature whose downsides outweigh its upsides. It means that, if you mis-type a variable name your code may still run but with values assigned to a variable you’ve created accidentally. Fortunately, this feature can easily be turned off by typing ”implicit none” at the top of your routine. This means only explicitly declared variables will exist.</a:t>
             </a:r>
           </a:p>
         </p:txBody>
@@ -1778,7 +1853,7 @@
           <a:p>
             <a:fld id="{6A641EC8-C9F8-4A58-A1A7-F7D817526EEC}" type="slidenum">
               <a:rPr lang="en-GB" smtClean="0"/>
-              <a:t>17</a:t>
+              <a:t>16</a:t>
             </a:fld>
             <a:endParaRPr lang="en-GB"/>
           </a:p>
@@ -1787,7 +1862,7 @@
     </p:spTree>
     <p:extLst>
       <p:ext uri="{BB962C8B-B14F-4D97-AF65-F5344CB8AC3E}">
-        <p14:creationId xmlns:p14="http://schemas.microsoft.com/office/powerpoint/2010/main" val="3042305623"/>
+        <p14:creationId xmlns:p14="http://schemas.microsoft.com/office/powerpoint/2010/main" val="4156414960"/>
       </p:ext>
     </p:extLst>
   </p:cSld>
@@ -1843,17 +1918,7 @@
           <a:p>
             <a:r>
               <a:rPr lang="en-GB" dirty="0"/>
-              <a:t>Variables are key in any programming languages. They allowed calculated values to be stored and re-used in future calculations. A variable has a “variable name” which allows it to be referenced or assigned.</a:t>
-            </a:r>
-            <a:br>
-              <a:rPr lang="en-GB" dirty="0"/>
-            </a:br>
-            <a:br>
-              <a:rPr lang="en-GB" dirty="0"/>
-            </a:br>
-            <a:r>
-              <a:rPr lang="en-GB" dirty="0"/>
-              <a:t>Fortran is unlike some popular languages such as Python in the sense that variables must be declared before they are used. This means you must tell Fortran what variables will exist within a routine and what type they have. Trying to put values of a different type into a variable will often result in an error.</a:t>
+              <a:t>We’ve been using the assignment operator for a while now. But now it’s time to look a bit more closely at what it actually does.</a:t>
             </a:r>
           </a:p>
           <a:p>
@@ -1862,11 +1927,25 @@
           <a:p>
             <a:r>
               <a:rPr lang="en-GB" dirty="0"/>
-              <a:t>Check Variables/mathematical_operators.f90 for an example.</a:t>
+              <a:t>The assignment operator is fundamentally different from an equals sign in an algebraic equation, despite using the same character. When an assignment operator is used, the value of the expression to the right of it is evaluated and this value is assigned to the variable whose name appears to the left of it.</a:t>
             </a:r>
           </a:p>
           <a:p>
             <a:endParaRPr lang="en-GB" dirty="0"/>
+          </a:p>
+          <a:p>
+            <a:r>
+              <a:rPr lang="en-GB" dirty="0"/>
+              <a:t>This means the statement “3=x” would be invalid, even though it’s valid algebra – whatever the value of x is, it can’t be assigned to the value of 3 as it is not a variable.  However, the statement x=</a:t>
+            </a:r>
+            <a:r>
+              <a:rPr lang="en-GB" dirty="0" err="1"/>
+              <a:t>x+x</a:t>
+            </a:r>
+            <a:r>
+              <a:rPr lang="en-GB" dirty="0"/>
+              <a:t> is valid for all numerical values of x and will double the value of x.</a:t>
+            </a:r>
           </a:p>
         </p:txBody>
       </p:sp>
@@ -1887,7 +1966,7 @@
           <a:p>
             <a:fld id="{6A641EC8-C9F8-4A58-A1A7-F7D817526EEC}" type="slidenum">
               <a:rPr lang="en-GB" smtClean="0"/>
-              <a:t>18</a:t>
+              <a:t>17</a:t>
             </a:fld>
             <a:endParaRPr lang="en-GB"/>
           </a:p>
@@ -1896,7 +1975,7 @@
     </p:spTree>
     <p:extLst>
       <p:ext uri="{BB962C8B-B14F-4D97-AF65-F5344CB8AC3E}">
-        <p14:creationId xmlns:p14="http://schemas.microsoft.com/office/powerpoint/2010/main" val="1911299524"/>
+        <p14:creationId xmlns:p14="http://schemas.microsoft.com/office/powerpoint/2010/main" val="3042305623"/>
       </p:ext>
     </p:extLst>
   </p:cSld>
@@ -1952,7 +2031,17 @@
           <a:p>
             <a:r>
               <a:rPr lang="en-GB" dirty="0"/>
-              <a:t>Variable names in Fortran have certain requirements. These mainly exist so the compiler can recognise them as variable names in the script and to avoid them getting confused with operators and other constructs. The limit of variable name length is a hangover from the days when memory was expensive and had to be saved whenever possible.</a:t>
+              <a:t>Variables are key in any programming languages. They allowed calculated values to be stored and re-used in future calculations. A variable has a “variable name” which allows it to be referenced or assigned.</a:t>
+            </a:r>
+            <a:br>
+              <a:rPr lang="en-GB" dirty="0"/>
+            </a:br>
+            <a:br>
+              <a:rPr lang="en-GB" dirty="0"/>
+            </a:br>
+            <a:r>
+              <a:rPr lang="en-GB" dirty="0"/>
+              <a:t>Fortran is unlike some popular languages such as Python in the sense that variables must be declared before they are used. This means you must tell Fortran what variables will exist within a routine and what type they have. Trying to put values of a different type into a variable will often result in an error.</a:t>
             </a:r>
           </a:p>
           <a:p>
@@ -1961,16 +2050,11 @@
           <a:p>
             <a:r>
               <a:rPr lang="en-GB" dirty="0"/>
-              <a:t>Fortran also has some other weird behaviours when it comes to variable names. By default, a variable can be used without it being declared. If it begins with an </a:t>
-            </a:r>
-            <a:r>
-              <a:rPr lang="en-GB" dirty="0" err="1"/>
-              <a:t>i</a:t>
-            </a:r>
-            <a:r>
-              <a:rPr lang="en-GB" dirty="0"/>
-              <a:t>, j, k, l, m or n it would implicitly be given the type of integer and if it begins with other characters it will be a real. This is overridden by any explicit declarations. This feature exists to reduce the number of lines of code that were needed back when code was expensive and laborious to write. However, it’s now a feature whose downsides outweigh its upsides. It means that, if you mis-type a variable name your code may still run but with values assigned to a variable you’ve created accidentally. Fortunately, this feature can easily be turned off by typing ”implicit none” at the top of your routine. This means only explicitly declared variables will exist.</a:t>
-            </a:r>
+              <a:t>Check Variables/mathematical_operators.f90 for an example.</a:t>
+            </a:r>
+          </a:p>
+          <a:p>
+            <a:endParaRPr lang="en-GB" dirty="0"/>
           </a:p>
         </p:txBody>
       </p:sp>
@@ -1991,7 +2075,7 @@
           <a:p>
             <a:fld id="{6A641EC8-C9F8-4A58-A1A7-F7D817526EEC}" type="slidenum">
               <a:rPr lang="en-GB" smtClean="0"/>
-              <a:t>19</a:t>
+              <a:t>18</a:t>
             </a:fld>
             <a:endParaRPr lang="en-GB"/>
           </a:p>
@@ -2000,7 +2084,7 @@
     </p:spTree>
     <p:extLst>
       <p:ext uri="{BB962C8B-B14F-4D97-AF65-F5344CB8AC3E}">
-        <p14:creationId xmlns:p14="http://schemas.microsoft.com/office/powerpoint/2010/main" val="3119045874"/>
+        <p14:creationId xmlns:p14="http://schemas.microsoft.com/office/powerpoint/2010/main" val="1911299524"/>
       </p:ext>
     </p:extLst>
   </p:cSld>
@@ -2056,17 +2140,7 @@
           <a:p>
             <a:r>
               <a:rPr lang="en-GB" dirty="0"/>
-              <a:t>Variables are key in any programming languages. They allowed calculated values to be stored and re-used in future calculations. A variable has a “variable name” which allows it to be referenced or assigned.</a:t>
-            </a:r>
-            <a:br>
-              <a:rPr lang="en-GB" dirty="0"/>
-            </a:br>
-            <a:br>
-              <a:rPr lang="en-GB" dirty="0"/>
-            </a:br>
-            <a:r>
-              <a:rPr lang="en-GB" dirty="0"/>
-              <a:t>Fortran is unlike some popular languages such as Python in the sense that variables must be declared before they are used. This means you must tell Fortran what variables will exist within a routine and what type they have. Trying to put values of a different type into a variable will often result in an error.</a:t>
+              <a:t>Variable names in Fortran have certain requirements. These mainly exist so the compiler can recognise them as variable names in the script and to avoid them getting confused with operators and other constructs. The limit of variable name length is a hangover from the days when memory was expensive and had to be saved whenever possible.</a:t>
             </a:r>
           </a:p>
           <a:p>
@@ -2075,11 +2149,16 @@
           <a:p>
             <a:r>
               <a:rPr lang="en-GB" dirty="0"/>
-              <a:t>Check Variables/mathematical_operators.f90 for an example.</a:t>
-            </a:r>
-          </a:p>
-          <a:p>
-            <a:endParaRPr lang="en-GB" dirty="0"/>
+              <a:t>Fortran also has some other weird behaviours when it comes to variable names. By default, a variable can be used without it being declared. If it begins with an </a:t>
+            </a:r>
+            <a:r>
+              <a:rPr lang="en-GB" dirty="0" err="1"/>
+              <a:t>i</a:t>
+            </a:r>
+            <a:r>
+              <a:rPr lang="en-GB" dirty="0"/>
+              <a:t>, j, k, l, m or n it would implicitly be given the type of integer and if it begins with other characters it will be a real. This is overridden by any explicit declarations. This feature exists to reduce the number of lines of code that were needed back when code was expensive and laborious to write. However, it’s now a feature whose downsides outweigh its upsides. It means that, if you mis-type a variable name your code may still run but with values assigned to a variable you’ve created accidentally. Fortunately, this feature can easily be turned off by typing ”implicit none” at the top of your routine. This means only explicitly declared variables will exist.</a:t>
+            </a:r>
           </a:p>
         </p:txBody>
       </p:sp>
@@ -2100,7 +2179,7 @@
           <a:p>
             <a:fld id="{6A641EC8-C9F8-4A58-A1A7-F7D817526EEC}" type="slidenum">
               <a:rPr lang="en-GB" smtClean="0"/>
-              <a:t>20</a:t>
+              <a:t>19</a:t>
             </a:fld>
             <a:endParaRPr lang="en-GB"/>
           </a:p>
@@ -2109,7 +2188,7 @@
     </p:spTree>
     <p:extLst>
       <p:ext uri="{BB962C8B-B14F-4D97-AF65-F5344CB8AC3E}">
-        <p14:creationId xmlns:p14="http://schemas.microsoft.com/office/powerpoint/2010/main" val="3445477637"/>
+        <p14:creationId xmlns:p14="http://schemas.microsoft.com/office/powerpoint/2010/main" val="3119045874"/>
       </p:ext>
     </p:extLst>
   </p:cSld>
@@ -2163,6 +2242,29 @@
           <a:bodyPr/>
           <a:lstStyle/>
           <a:p>
+            <a:pPr marL="0" marR="0" lvl="0" indent="0" algn="l" defTabSz="914400" rtl="0" eaLnBrk="1" fontAlgn="auto" latinLnBrk="0" hangingPunct="1">
+              <a:lnSpc>
+                <a:spcPct val="100000"/>
+              </a:lnSpc>
+              <a:spcBef>
+                <a:spcPts val="0"/>
+              </a:spcBef>
+              <a:spcAft>
+                <a:spcPts val="0"/>
+              </a:spcAft>
+              <a:buClrTx/>
+              <a:buSzTx/>
+              <a:buFontTx/>
+              <a:buNone/>
+              <a:tabLst/>
+              <a:defRPr/>
+            </a:pPr>
+            <a:r>
+              <a:rPr lang="en-GB" dirty="0"/>
+              <a:t>No additional notes.</a:t>
+            </a:r>
+          </a:p>
+          <a:p>
             <a:endParaRPr lang="en-GB" dirty="0"/>
           </a:p>
         </p:txBody>
@@ -2174,7 +2276,7 @@
             <a:spLocks noGrp="1"/>
           </p:cNvSpPr>
           <p:nvPr>
-            <p:ph type="sldNum" sz="quarter" idx="10"/>
+            <p:ph type="sldNum" sz="quarter" idx="5"/>
           </p:nvPr>
         </p:nvSpPr>
         <p:spPr/>
@@ -2182,9 +2284,9 @@
           <a:bodyPr/>
           <a:lstStyle/>
           <a:p>
-            <a:fld id="{6A641EC8-C9F8-4A58-A1A7-F7D817526EEC}" type="slidenum">
+            <a:fld id="{3AE2EC8F-0D0C-480E-9701-891381D03195}" type="slidenum">
               <a:rPr lang="en-GB" smtClean="0"/>
-              <a:t>3</a:t>
+              <a:t>2</a:t>
             </a:fld>
             <a:endParaRPr lang="en-GB"/>
           </a:p>
@@ -2193,7 +2295,7 @@
     </p:spTree>
     <p:extLst>
       <p:ext uri="{BB962C8B-B14F-4D97-AF65-F5344CB8AC3E}">
-        <p14:creationId xmlns:p14="http://schemas.microsoft.com/office/powerpoint/2010/main" val="2283586298"/>
+        <p14:creationId xmlns:p14="http://schemas.microsoft.com/office/powerpoint/2010/main" val="2116338273"/>
       </p:ext>
     </p:extLst>
   </p:cSld>
@@ -2249,15 +2351,17 @@
           <a:p>
             <a:r>
               <a:rPr lang="en-GB" dirty="0"/>
-              <a:t>An array is a variable which contains a number of pieces of data of the same type. For instance, you may a one-dimensional array of integers which are labelled with sequential indices or a four-dimensional array of reals which are accessed by four indices and might represent a fourth-order tensor. This is not limited to numerical data types and you may have arrays of characters, </a:t>
-            </a:r>
-            <a:r>
-              <a:rPr lang="en-GB" dirty="0" err="1"/>
-              <a:t>logicals</a:t>
-            </a:r>
-            <a:r>
-              <a:rPr lang="en-GB" dirty="0"/>
-              <a:t>, etc.</a:t>
+              <a:t>Variables are key in any programming languages. They allowed calculated values to be stored and re-used in future calculations. A variable has a “variable name” which allows it to be referenced or assigned.</a:t>
+            </a:r>
+            <a:br>
+              <a:rPr lang="en-GB" dirty="0"/>
+            </a:br>
+            <a:br>
+              <a:rPr lang="en-GB" dirty="0"/>
+            </a:br>
+            <a:r>
+              <a:rPr lang="en-GB" dirty="0"/>
+              <a:t>Fortran is unlike some popular languages such as Python in the sense that variables must be declared before they are used. This means you must tell Fortran what variables will exist within a routine and what type they have. Trying to put values of a different type into a variable will often result in an error.</a:t>
             </a:r>
           </a:p>
           <a:p>
@@ -2266,17 +2370,11 @@
           <a:p>
             <a:r>
               <a:rPr lang="en-GB" dirty="0"/>
-              <a:t>Fortran is very good with arrays. Vanilla versions of many modern languages do not include arrays in the way that Fortran does, which includes multiple dimensions, included array operations and computational speed.</a:t>
+              <a:t>Check Variables/mathematical_operators.f90 for an example.</a:t>
             </a:r>
           </a:p>
           <a:p>
             <a:endParaRPr lang="en-GB" dirty="0"/>
-          </a:p>
-          <a:p>
-            <a:r>
-              <a:rPr lang="en-GB" dirty="0"/>
-              <a:t>However, Fortran arrays have some limitations compared to other popular languages. The size of an array must be specified at some stage and you cannot simply append or insert values in a way that would change the size of the array as with lists or vectors in some other languages. You cannot have a jagged array in Fortran (i.e. where different rows of a 2d array have a different number of columns for example).</a:t>
-            </a:r>
           </a:p>
         </p:txBody>
       </p:sp>
@@ -2297,7 +2395,7 @@
           <a:p>
             <a:fld id="{6A641EC8-C9F8-4A58-A1A7-F7D817526EEC}" type="slidenum">
               <a:rPr lang="en-GB" smtClean="0"/>
-              <a:t>21</a:t>
+              <a:t>20</a:t>
             </a:fld>
             <a:endParaRPr lang="en-GB"/>
           </a:p>
@@ -2306,7 +2404,7 @@
     </p:spTree>
     <p:extLst>
       <p:ext uri="{BB962C8B-B14F-4D97-AF65-F5344CB8AC3E}">
-        <p14:creationId xmlns:p14="http://schemas.microsoft.com/office/powerpoint/2010/main" val="759824982"/>
+        <p14:creationId xmlns:p14="http://schemas.microsoft.com/office/powerpoint/2010/main" val="3445477637"/>
       </p:ext>
     </p:extLst>
   </p:cSld>
@@ -2362,15 +2460,15 @@
           <a:p>
             <a:r>
               <a:rPr lang="en-GB" dirty="0"/>
-              <a:t>An array is a variable which contains a number of pieces of data of the same type. For instance, the array in the slide is named “</a:t>
+              <a:t>An array is a variable which contains a number of pieces of data of the same type. For instance, you may a one-dimensional array of integers which are labelled with sequential indices or a four-dimensional array of reals which are accessed by four indices and might represent a fourth-order tensor. This is not limited to numerical data types and you may have arrays of characters, </a:t>
             </a:r>
             <a:r>
               <a:rPr lang="en-GB" dirty="0" err="1"/>
-              <a:t>my_array</a:t>
-            </a:r>
-            <a:r>
-              <a:rPr lang="en-GB" dirty="0"/>
-              <a:t>” and contains 6 integers. These values have the “indices” 1-6. An index a supplementary piece of information which defined where a variable is within an array. Note the indices are numbered from 1 in Fortran, in contrast to some other languages.</a:t>
+              <a:t>logicals</a:t>
+            </a:r>
+            <a:r>
+              <a:rPr lang="en-GB" dirty="0"/>
+              <a:t>, etc.</a:t>
             </a:r>
           </a:p>
           <a:p>
@@ -2379,23 +2477,7 @@
           <a:p>
             <a:r>
               <a:rPr lang="en-GB" dirty="0"/>
-              <a:t>To declare an array, there are a couple of options. The first is to write (for an array of integers) “integer, dimension(N) :: </a:t>
-            </a:r>
-            <a:r>
-              <a:rPr lang="en-GB" dirty="0" err="1"/>
-              <a:t>array_name</a:t>
-            </a:r>
-            <a:r>
-              <a:rPr lang="en-GB" dirty="0"/>
-              <a:t>” and replace “N” with the number of items in the array. You may also write “integer :: </a:t>
-            </a:r>
-            <a:r>
-              <a:rPr lang="en-GB" dirty="0" err="1"/>
-              <a:t>array_name</a:t>
-            </a:r>
-            <a:r>
-              <a:rPr lang="en-GB" dirty="0"/>
-              <a:t>(N)”.</a:t>
+              <a:t>Fortran is very good with arrays. Vanilla versions of many modern languages do not include arrays in the way that Fortran does, which includes multiple dimensions, included array operations and computational speed.</a:t>
             </a:r>
           </a:p>
           <a:p>
@@ -2404,131 +2486,7 @@
           <a:p>
             <a:r>
               <a:rPr lang="en-GB" dirty="0"/>
-              <a:t>To access individual items in an array, you may write “</a:t>
-            </a:r>
-            <a:r>
-              <a:rPr lang="en-GB" dirty="0" err="1"/>
-              <a:t>array_name</a:t>
-            </a:r>
-            <a:r>
-              <a:rPr lang="en-GB" dirty="0"/>
-              <a:t>(N)” to access the Nth item in the array. You can use this to set or retrieve a value for use in a calculation. You can set each value in an array to the same value by entering “</a:t>
-            </a:r>
-            <a:r>
-              <a:rPr lang="en-GB" dirty="0" err="1"/>
-              <a:t>array_name</a:t>
-            </a:r>
-            <a:r>
-              <a:rPr lang="en-GB" dirty="0"/>
-              <a:t>=1”, for example.</a:t>
-            </a:r>
-            <a:br>
-              <a:rPr lang="en-GB" dirty="0"/>
-            </a:br>
-            <a:br>
-              <a:rPr lang="en-GB" dirty="0"/>
-            </a:br>
-            <a:r>
-              <a:rPr lang="en-GB" dirty="0"/>
-              <a:t>It’s also possible to set the values of part of the array only using the syntax “</a:t>
-            </a:r>
-            <a:r>
-              <a:rPr lang="en-GB" dirty="0" err="1"/>
-              <a:t>array_name</a:t>
-            </a:r>
-            <a:r>
-              <a:rPr lang="en-GB" dirty="0"/>
-              <a:t>(</a:t>
-            </a:r>
-            <a:r>
-              <a:rPr lang="en-GB" dirty="0" err="1"/>
-              <a:t>start_index:stop_index</a:t>
-            </a:r>
-            <a:r>
-              <a:rPr lang="en-GB" dirty="0"/>
-              <a:t>)=1”. This will set the items of the array with indices between </a:t>
-            </a:r>
-            <a:r>
-              <a:rPr lang="en-GB" dirty="0" err="1"/>
-              <a:t>start_index</a:t>
-            </a:r>
-            <a:r>
-              <a:rPr lang="en-GB" dirty="0"/>
-              <a:t> and </a:t>
-            </a:r>
-            <a:r>
-              <a:rPr lang="en-GB" dirty="0" err="1"/>
-              <a:t>stop_index</a:t>
-            </a:r>
-            <a:r>
-              <a:rPr lang="en-GB" dirty="0"/>
-              <a:t> (inclusive) to the specified value. It’s also possible to create a new array (or reference part of the array) by entering “</a:t>
-            </a:r>
-            <a:r>
-              <a:rPr lang="en-GB" dirty="0" err="1"/>
-              <a:t>new_array</a:t>
-            </a:r>
-            <a:r>
-              <a:rPr lang="en-GB" dirty="0"/>
-              <a:t>=</a:t>
-            </a:r>
-            <a:r>
-              <a:rPr lang="en-GB" dirty="0" err="1"/>
-              <a:t>array_name</a:t>
-            </a:r>
-            <a:r>
-              <a:rPr lang="en-GB" dirty="0"/>
-              <a:t>(</a:t>
-            </a:r>
-            <a:r>
-              <a:rPr lang="en-GB" dirty="0" err="1"/>
-              <a:t>start_index:stop_index</a:t>
-            </a:r>
-            <a:r>
-              <a:rPr lang="en-GB" dirty="0"/>
-              <a:t>)”. Note that </a:t>
-            </a:r>
-            <a:r>
-              <a:rPr lang="en-GB" dirty="0" err="1"/>
-              <a:t>new_array</a:t>
-            </a:r>
-            <a:r>
-              <a:rPr lang="en-GB" dirty="0"/>
-              <a:t> will still need to be declared and have the right number of items to hold the values in the specified range of the “</a:t>
-            </a:r>
-            <a:r>
-              <a:rPr lang="en-GB" dirty="0" err="1"/>
-              <a:t>array_name</a:t>
-            </a:r>
-            <a:r>
-              <a:rPr lang="en-GB" dirty="0"/>
-              <a:t>”.</a:t>
-            </a:r>
-          </a:p>
-          <a:p>
-            <a:endParaRPr lang="en-GB" dirty="0"/>
-          </a:p>
-          <a:p>
-            <a:r>
-              <a:rPr lang="en-GB" dirty="0"/>
-              <a:t>It’s also possible to create an array on-the-fly by using the syntax (/x1, x2…</a:t>
-            </a:r>
-            <a:r>
-              <a:rPr lang="en-GB" dirty="0" err="1"/>
-              <a:t>xn</a:t>
-            </a:r>
-            <a:r>
-              <a:rPr lang="en-GB" dirty="0"/>
-              <a:t>/). This may be used to assign the values of an array or part of an array or to be used in array operations.</a:t>
-            </a:r>
-          </a:p>
-          <a:p>
-            <a:endParaRPr lang="en-GB" dirty="0"/>
-          </a:p>
-          <a:p>
-            <a:r>
-              <a:rPr lang="en-GB" dirty="0"/>
-              <a:t>Check Variables/arrays1d.f90 for an example.</a:t>
+              <a:t>However, Fortran arrays have some limitations compared to other popular languages. The size of an array must be specified at some stage and you cannot simply append or insert values in a way that would change the size of the array as with lists or vectors in some other languages. You cannot have a jagged array in Fortran (i.e. where different rows of a 2d array have a different number of columns for example).</a:t>
             </a:r>
           </a:p>
         </p:txBody>
@@ -2550,7 +2508,7 @@
           <a:p>
             <a:fld id="{6A641EC8-C9F8-4A58-A1A7-F7D817526EEC}" type="slidenum">
               <a:rPr lang="en-GB" smtClean="0"/>
-              <a:t>22</a:t>
+              <a:t>21</a:t>
             </a:fld>
             <a:endParaRPr lang="en-GB"/>
           </a:p>
@@ -2559,7 +2517,7 @@
     </p:spTree>
     <p:extLst>
       <p:ext uri="{BB962C8B-B14F-4D97-AF65-F5344CB8AC3E}">
-        <p14:creationId xmlns:p14="http://schemas.microsoft.com/office/powerpoint/2010/main" val="4231602208"/>
+        <p14:creationId xmlns:p14="http://schemas.microsoft.com/office/powerpoint/2010/main" val="759824982"/>
       </p:ext>
     </p:extLst>
   </p:cSld>
@@ -2615,7 +2573,15 @@
           <a:p>
             <a:r>
               <a:rPr lang="en-GB" dirty="0"/>
-              <a:t>It’s possible to define an array containing multiple dimensions. In this example, we have used a two-dimensional matrix, but the principle can be applied to higher dimensional arrays without limit.</a:t>
+              <a:t>An array is a variable which contains a number of pieces of data of the same type. For instance, the array in the slide is named “</a:t>
+            </a:r>
+            <a:r>
+              <a:rPr lang="en-GB" dirty="0" err="1"/>
+              <a:t>my_array</a:t>
+            </a:r>
+            <a:r>
+              <a:rPr lang="en-GB" dirty="0"/>
+              <a:t>” and contains 6 integers. These values have the “indices” 1-6. An index a supplementary piece of information which defined where a variable is within an array. Note the indices are numbered from 1 in Fortran, in contrast to some other languages.</a:t>
             </a:r>
           </a:p>
           <a:p>
@@ -2624,7 +2590,23 @@
           <a:p>
             <a:r>
               <a:rPr lang="en-GB" dirty="0"/>
-              <a:t>The lengths of the array in each dimension may be specified inside the parentheses following the “dimension” statement divided by commas. The length does not need to be the same in each dimension. The number of dimensions is defined by the number of values in parentheses.</a:t>
+              <a:t>To declare an array, there are a couple of options. The first is to write (for an array of integers) “integer, dimension(N) :: </a:t>
+            </a:r>
+            <a:r>
+              <a:rPr lang="en-GB" dirty="0" err="1"/>
+              <a:t>array_name</a:t>
+            </a:r>
+            <a:r>
+              <a:rPr lang="en-GB" dirty="0"/>
+              <a:t>” and replace “N” with the number of items in the array. You may also write “integer :: </a:t>
+            </a:r>
+            <a:r>
+              <a:rPr lang="en-GB" dirty="0" err="1"/>
+              <a:t>array_name</a:t>
+            </a:r>
+            <a:r>
+              <a:rPr lang="en-GB" dirty="0"/>
+              <a:t>(N)”.</a:t>
             </a:r>
           </a:p>
           <a:p>
@@ -2633,16 +2615,57 @@
           <a:p>
             <a:r>
               <a:rPr lang="en-GB" dirty="0"/>
-              <a:t>When accessing a single value of a multi-dimensional array, the indices in parentheses are separated by commas. The first index refers to the location in the first dimension , the second to the position in the second dimension and so on. For instance, in the array above, array1(1,2) is the value 1.</a:t>
-            </a:r>
-          </a:p>
-          <a:p>
-            <a:endParaRPr lang="en-GB" dirty="0"/>
-          </a:p>
-          <a:p>
-            <a:r>
-              <a:rPr lang="en-GB" dirty="0"/>
-              <a:t>You can also assign entire sections of an array at a time, as with a 1D array. In the final command in the slide, we assign to the section of the array with row and column indices of 2 or greater. This is indicated by the lack of a “</a:t>
+              <a:t>To access individual items in an array, you may write “</a:t>
+            </a:r>
+            <a:r>
+              <a:rPr lang="en-GB" dirty="0" err="1"/>
+              <a:t>array_name</a:t>
+            </a:r>
+            <a:r>
+              <a:rPr lang="en-GB" dirty="0"/>
+              <a:t>(N)” to access the Nth item in the array. You can use this to set or retrieve a value for use in a calculation. You can set each value in an array to the same value by entering “</a:t>
+            </a:r>
+            <a:r>
+              <a:rPr lang="en-GB" dirty="0" err="1"/>
+              <a:t>array_name</a:t>
+            </a:r>
+            <a:r>
+              <a:rPr lang="en-GB" dirty="0"/>
+              <a:t>=1”, for example.</a:t>
+            </a:r>
+            <a:br>
+              <a:rPr lang="en-GB" dirty="0"/>
+            </a:br>
+            <a:br>
+              <a:rPr lang="en-GB" dirty="0"/>
+            </a:br>
+            <a:r>
+              <a:rPr lang="en-GB" dirty="0"/>
+              <a:t>It’s also possible to set the values of part of the array only using the syntax “</a:t>
+            </a:r>
+            <a:r>
+              <a:rPr lang="en-GB" dirty="0" err="1"/>
+              <a:t>array_name</a:t>
+            </a:r>
+            <a:r>
+              <a:rPr lang="en-GB" dirty="0"/>
+              <a:t>(</a:t>
+            </a:r>
+            <a:r>
+              <a:rPr lang="en-GB" dirty="0" err="1"/>
+              <a:t>start_index:stop_index</a:t>
+            </a:r>
+            <a:r>
+              <a:rPr lang="en-GB" dirty="0"/>
+              <a:t>)=1”. This will set the items of the array with indices between </a:t>
+            </a:r>
+            <a:r>
+              <a:rPr lang="en-GB" dirty="0" err="1"/>
+              <a:t>start_index</a:t>
+            </a:r>
+            <a:r>
+              <a:rPr lang="en-GB" dirty="0"/>
+              <a:t> and </a:t>
             </a:r>
             <a:r>
               <a:rPr lang="en-GB" dirty="0" err="1"/>
@@ -2650,7 +2673,73 @@
             </a:r>
             <a:r>
               <a:rPr lang="en-GB" dirty="0"/>
-              <a:t>” in the index specification (i.e. “2:”). The values we assign to it are half the values of array1 with a row index of 2 or more and a column index of 3 or less. Note that, both of these sections of the array contain 2 rows and 3 columns and that the value on the right is calculated from array1 before any assignment is made to that variable.</a:t>
+              <a:t> (inclusive) to the specified value. It’s also possible to create a new array (or reference part of the array) by entering “</a:t>
+            </a:r>
+            <a:r>
+              <a:rPr lang="en-GB" dirty="0" err="1"/>
+              <a:t>new_array</a:t>
+            </a:r>
+            <a:r>
+              <a:rPr lang="en-GB" dirty="0"/>
+              <a:t>=</a:t>
+            </a:r>
+            <a:r>
+              <a:rPr lang="en-GB" dirty="0" err="1"/>
+              <a:t>array_name</a:t>
+            </a:r>
+            <a:r>
+              <a:rPr lang="en-GB" dirty="0"/>
+              <a:t>(</a:t>
+            </a:r>
+            <a:r>
+              <a:rPr lang="en-GB" dirty="0" err="1"/>
+              <a:t>start_index:stop_index</a:t>
+            </a:r>
+            <a:r>
+              <a:rPr lang="en-GB" dirty="0"/>
+              <a:t>)”. Note that </a:t>
+            </a:r>
+            <a:r>
+              <a:rPr lang="en-GB" dirty="0" err="1"/>
+              <a:t>new_array</a:t>
+            </a:r>
+            <a:r>
+              <a:rPr lang="en-GB" dirty="0"/>
+              <a:t> will still need to be declared and have the right number of items to hold the values in the specified range of the “</a:t>
+            </a:r>
+            <a:r>
+              <a:rPr lang="en-GB" dirty="0" err="1"/>
+              <a:t>array_name</a:t>
+            </a:r>
+            <a:r>
+              <a:rPr lang="en-GB" dirty="0"/>
+              <a:t>”.</a:t>
+            </a:r>
+          </a:p>
+          <a:p>
+            <a:endParaRPr lang="en-GB" dirty="0"/>
+          </a:p>
+          <a:p>
+            <a:r>
+              <a:rPr lang="en-GB" dirty="0"/>
+              <a:t>It’s also possible to create an array on-the-fly by using the syntax (/x1, x2…</a:t>
+            </a:r>
+            <a:r>
+              <a:rPr lang="en-GB" dirty="0" err="1"/>
+              <a:t>xn</a:t>
+            </a:r>
+            <a:r>
+              <a:rPr lang="en-GB" dirty="0"/>
+              <a:t>/). This may be used to assign the values of an array or part of an array or to be used in array operations.</a:t>
+            </a:r>
+          </a:p>
+          <a:p>
+            <a:endParaRPr lang="en-GB" dirty="0"/>
+          </a:p>
+          <a:p>
+            <a:r>
+              <a:rPr lang="en-GB" dirty="0"/>
+              <a:t>Check Variables/arrays1d.f90 for an example.</a:t>
             </a:r>
           </a:p>
         </p:txBody>
@@ -2672,7 +2761,7 @@
           <a:p>
             <a:fld id="{6A641EC8-C9F8-4A58-A1A7-F7D817526EEC}" type="slidenum">
               <a:rPr lang="en-GB" smtClean="0"/>
-              <a:t>23</a:t>
+              <a:t>22</a:t>
             </a:fld>
             <a:endParaRPr lang="en-GB"/>
           </a:p>
@@ -2681,7 +2770,7 @@
     </p:spTree>
     <p:extLst>
       <p:ext uri="{BB962C8B-B14F-4D97-AF65-F5344CB8AC3E}">
-        <p14:creationId xmlns:p14="http://schemas.microsoft.com/office/powerpoint/2010/main" val="2058704525"/>
+        <p14:creationId xmlns:p14="http://schemas.microsoft.com/office/powerpoint/2010/main" val="4231602208"/>
       </p:ext>
     </p:extLst>
   </p:cSld>
@@ -2737,94 +2826,42 @@
           <a:p>
             <a:r>
               <a:rPr lang="en-GB" dirty="0"/>
-              <a:t>Many mathematical operators can be applied to arrays the same as scalar variables. The result is calculated “element-wise” – that is it is as if the operator has been applied independently to value </a:t>
+              <a:t>It’s possible to define an array containing multiple dimensions. In this example, we have used a two-dimensional matrix, but the principle can be applied to higher dimensional arrays without limit.</a:t>
+            </a:r>
+          </a:p>
+          <a:p>
+            <a:endParaRPr lang="en-GB" dirty="0"/>
+          </a:p>
+          <a:p>
+            <a:r>
+              <a:rPr lang="en-GB" dirty="0"/>
+              <a:t>The lengths of the array in each dimension may be specified inside the parentheses following the “dimension” statement divided by commas. The length does not need to be the same in each dimension. The number of dimensions is defined by the number of values in parentheses.</a:t>
+            </a:r>
+          </a:p>
+          <a:p>
+            <a:endParaRPr lang="en-GB" dirty="0"/>
+          </a:p>
+          <a:p>
+            <a:r>
+              <a:rPr lang="en-GB" dirty="0"/>
+              <a:t>When accessing a single value of a multi-dimensional array, the indices in parentheses are separated by commas. The first index refers to the location in the first dimension , the second to the position in the second dimension and so on. For instance, in the array above, array1(1,2) is the value 1.</a:t>
+            </a:r>
+          </a:p>
+          <a:p>
+            <a:endParaRPr lang="en-GB" dirty="0"/>
+          </a:p>
+          <a:p>
+            <a:r>
+              <a:rPr lang="en-GB" dirty="0"/>
+              <a:t>You can also assign entire sections of an array at a time, as with a 1D array. In the final command in the slide, we assign to the section of the array with row and column indices of 2 or greater. This is indicated by the lack of a “</a:t>
             </a:r>
             <a:r>
               <a:rPr lang="en-GB" dirty="0" err="1"/>
-              <a:t>i</a:t>
-            </a:r>
-            <a:r>
-              <a:rPr lang="en-GB" dirty="0"/>
-              <a:t> in each array sequentially and the result put into index </a:t>
-            </a:r>
-            <a:r>
-              <a:rPr lang="en-GB" dirty="0" err="1"/>
-              <a:t>i</a:t>
-            </a:r>
-            <a:r>
-              <a:rPr lang="en-GB" dirty="0"/>
-              <a:t> of the resultant array. This requires the arrays operated on to be the same shape (i.e. the same number of dimensions and the same extent in each dimension).</a:t>
-            </a:r>
-          </a:p>
-          <a:p>
-            <a:endParaRPr lang="en-GB" dirty="0"/>
-          </a:p>
-          <a:p>
-            <a:r>
-              <a:rPr lang="en-GB" dirty="0"/>
-              <a:t>Also of interest are the </a:t>
-            </a:r>
-            <a:r>
-              <a:rPr lang="en-GB" dirty="0" err="1"/>
-              <a:t>dot_produt</a:t>
-            </a:r>
-            <a:r>
-              <a:rPr lang="en-GB" dirty="0"/>
-              <a:t> and </a:t>
-            </a:r>
-            <a:r>
-              <a:rPr lang="en-GB" dirty="0" err="1"/>
-              <a:t>matmul</a:t>
-            </a:r>
-            <a:r>
-              <a:rPr lang="en-GB" dirty="0"/>
-              <a:t> functions. The first takes two dimension 1 scalars of the same length and calculates the dot-product of them (i.e. the sum of the products of the value pairs). The second takes a matrix (2d array) and a vector (1d array). The value returned is a 1d array containing the vector formed by multiplying the vector with the matrix. The matrix’s size in the second dimension must be equal to the size of the vector (as is required for matrix multiplication).</a:t>
-            </a:r>
-          </a:p>
-          <a:p>
-            <a:endParaRPr lang="en-GB" dirty="0"/>
-          </a:p>
-          <a:p>
-            <a:r>
-              <a:rPr lang="en-GB" dirty="0" err="1"/>
-              <a:t>Minval</a:t>
-            </a:r>
-            <a:r>
-              <a:rPr lang="en-GB" dirty="0"/>
-              <a:t> and </a:t>
-            </a:r>
-            <a:r>
-              <a:rPr lang="en-GB" dirty="0" err="1"/>
-              <a:t>maxval</a:t>
-            </a:r>
-            <a:r>
-              <a:rPr lang="en-GB" dirty="0"/>
-              <a:t> provide the minimum and maximum value in an array respectively. </a:t>
-            </a:r>
-            <a:r>
-              <a:rPr lang="en-GB" dirty="0" err="1"/>
-              <a:t>Minloc</a:t>
-            </a:r>
-            <a:r>
-              <a:rPr lang="en-GB" dirty="0"/>
-              <a:t> and </a:t>
-            </a:r>
-            <a:r>
-              <a:rPr lang="en-GB" dirty="0" err="1"/>
-              <a:t>maxlox</a:t>
-            </a:r>
-            <a:r>
-              <a:rPr lang="en-GB" dirty="0"/>
-              <a:t> returns the location of the minimum of an array and a location of the maximum of an array respectively. These locations are returned as a 1d array with as many entries as there are dimensions in the array. The values will be the indices of array a which relate to the value with the smallest or largest value in a respectively.</a:t>
-            </a:r>
-          </a:p>
-          <a:p>
-            <a:endParaRPr lang="en-GB" dirty="0"/>
-          </a:p>
-          <a:p>
-            <a:r>
-              <a:rPr lang="en-GB" dirty="0"/>
-              <a:t>The sum function returns a scalar value equal to the sum of all items in the array.</a:t>
+              <a:t>stop_index</a:t>
+            </a:r>
+            <a:r>
+              <a:rPr lang="en-GB" dirty="0"/>
+              <a:t>” in the index specification (i.e. “2:”). The values we assign to it are half the values of array1 with a row index of 2 or more and a column index of 3 or less. Note that, both of these sections of the array contain 2 rows and 3 columns and that the value on the right is calculated from array1 before any assignment is made to that variable.</a:t>
             </a:r>
           </a:p>
         </p:txBody>
@@ -2846,7 +2883,7 @@
           <a:p>
             <a:fld id="{6A641EC8-C9F8-4A58-A1A7-F7D817526EEC}" type="slidenum">
               <a:rPr lang="en-GB" smtClean="0"/>
-              <a:t>24</a:t>
+              <a:t>23</a:t>
             </a:fld>
             <a:endParaRPr lang="en-GB"/>
           </a:p>
@@ -2855,7 +2892,7 @@
     </p:spTree>
     <p:extLst>
       <p:ext uri="{BB962C8B-B14F-4D97-AF65-F5344CB8AC3E}">
-        <p14:creationId xmlns:p14="http://schemas.microsoft.com/office/powerpoint/2010/main" val="3558871536"/>
+        <p14:creationId xmlns:p14="http://schemas.microsoft.com/office/powerpoint/2010/main" val="2058704525"/>
       </p:ext>
     </p:extLst>
   </p:cSld>
@@ -2911,7 +2948,23 @@
           <a:p>
             <a:r>
               <a:rPr lang="en-GB" dirty="0"/>
-              <a:t>When declaring an array, it’s not always necessary to specify its length. This is very useful when writing code which must handle different numbers of values. This is done by declaring the array to be “allocatable”. You may later specify the size of the array using the “allocate” command.</a:t>
+              <a:t>Many mathematical operators can be applied to arrays the same as scalar variables. The result is calculated “element-wise” – that is it is as if the operator has been applied independently to value </a:t>
+            </a:r>
+            <a:r>
+              <a:rPr lang="en-GB" dirty="0" err="1"/>
+              <a:t>i</a:t>
+            </a:r>
+            <a:r>
+              <a:rPr lang="en-GB" dirty="0"/>
+              <a:t> in each array sequentially and the result put into index </a:t>
+            </a:r>
+            <a:r>
+              <a:rPr lang="en-GB" dirty="0" err="1"/>
+              <a:t>i</a:t>
+            </a:r>
+            <a:r>
+              <a:rPr lang="en-GB" dirty="0"/>
+              <a:t> of the resultant array. This requires the arrays operated on to be the same shape (i.e. the same number of dimensions and the same extent in each dimension).</a:t>
             </a:r>
           </a:p>
           <a:p>
@@ -2920,7 +2973,23 @@
           <a:p>
             <a:r>
               <a:rPr lang="en-GB" dirty="0"/>
-              <a:t>Before the array is allocated, it has no been allocated addresses in the memory of your machine to store values. This means an unallocated array may not have values assigned to entries in it or have entries within it accessed. This is because it has no entries to assign to or read from.</a:t>
+              <a:t>Also of interest are the </a:t>
+            </a:r>
+            <a:r>
+              <a:rPr lang="en-GB" dirty="0" err="1"/>
+              <a:t>dot_produt</a:t>
+            </a:r>
+            <a:r>
+              <a:rPr lang="en-GB" dirty="0"/>
+              <a:t> and </a:t>
+            </a:r>
+            <a:r>
+              <a:rPr lang="en-GB" dirty="0" err="1"/>
+              <a:t>matmul</a:t>
+            </a:r>
+            <a:r>
+              <a:rPr lang="en-GB" dirty="0"/>
+              <a:t> functions. The first takes two dimension 1 scalars of the same length and calculates the dot-product of them (i.e. the sum of the products of the value pairs). The second takes a matrix (2d array) and a vector (1d array). The value returned is a 1d array containing the vector formed by multiplying the vector with the matrix. The matrix’s size in the second dimension must be equal to the size of the vector (as is required for matrix multiplication).</a:t>
             </a:r>
           </a:p>
           <a:p>
@@ -2928,8 +2997,45 @@
           </a:p>
           <a:p>
             <a:r>
-              <a:rPr lang="en-GB" dirty="0"/>
-              <a:t>However, it is possible to assign to an unallocated array with another array of the same dimension. This allocates the array being assigned to and copies the values of the other array into it.</a:t>
+              <a:rPr lang="en-GB" dirty="0" err="1"/>
+              <a:t>Minval</a:t>
+            </a:r>
+            <a:r>
+              <a:rPr lang="en-GB" dirty="0"/>
+              <a:t> and </a:t>
+            </a:r>
+            <a:r>
+              <a:rPr lang="en-GB" dirty="0" err="1"/>
+              <a:t>maxval</a:t>
+            </a:r>
+            <a:r>
+              <a:rPr lang="en-GB" dirty="0"/>
+              <a:t> provide the minimum and maximum value in an array respectively. </a:t>
+            </a:r>
+            <a:r>
+              <a:rPr lang="en-GB" dirty="0" err="1"/>
+              <a:t>Minloc</a:t>
+            </a:r>
+            <a:r>
+              <a:rPr lang="en-GB" dirty="0"/>
+              <a:t> and </a:t>
+            </a:r>
+            <a:r>
+              <a:rPr lang="en-GB" dirty="0" err="1"/>
+              <a:t>maxlox</a:t>
+            </a:r>
+            <a:r>
+              <a:rPr lang="en-GB" dirty="0"/>
+              <a:t> returns the location of the minimum of an array and a location of the maximum of an array respectively. These locations are returned as a 1d array with as many entries as there are dimensions in the array. The values will be the indices of array a which relate to the value with the smallest or largest value in a respectively.</a:t>
+            </a:r>
+          </a:p>
+          <a:p>
+            <a:endParaRPr lang="en-GB" dirty="0"/>
+          </a:p>
+          <a:p>
+            <a:r>
+              <a:rPr lang="en-GB" dirty="0"/>
+              <a:t>The sum function returns a scalar value equal to the sum of all items in the array.</a:t>
             </a:r>
           </a:p>
         </p:txBody>
@@ -2951,7 +3057,7 @@
           <a:p>
             <a:fld id="{6A641EC8-C9F8-4A58-A1A7-F7D817526EEC}" type="slidenum">
               <a:rPr lang="en-GB" smtClean="0"/>
-              <a:t>25</a:t>
+              <a:t>24</a:t>
             </a:fld>
             <a:endParaRPr lang="en-GB"/>
           </a:p>
@@ -2960,7 +3066,7 @@
     </p:spTree>
     <p:extLst>
       <p:ext uri="{BB962C8B-B14F-4D97-AF65-F5344CB8AC3E}">
-        <p14:creationId xmlns:p14="http://schemas.microsoft.com/office/powerpoint/2010/main" val="3286780223"/>
+        <p14:creationId xmlns:p14="http://schemas.microsoft.com/office/powerpoint/2010/main" val="3558871536"/>
       </p:ext>
     </p:extLst>
   </p:cSld>
@@ -3014,109 +3120,28 @@
           <a:bodyPr/>
           <a:lstStyle/>
           <a:p>
-            <a:pPr marL="0" marR="0" lvl="0" indent="0" algn="l" defTabSz="914400" rtl="0" eaLnBrk="1" fontAlgn="auto" latinLnBrk="0" hangingPunct="1">
-              <a:lnSpc>
-                <a:spcPct val="100000"/>
-              </a:lnSpc>
-              <a:spcBef>
-                <a:spcPts val="0"/>
-              </a:spcBef>
-              <a:spcAft>
-                <a:spcPts val="0"/>
-              </a:spcAft>
-              <a:buClrTx/>
-              <a:buSzTx/>
-              <a:buFontTx/>
-              <a:buNone/>
-              <a:tabLst/>
-              <a:defRPr/>
-            </a:pPr>
-            <a:r>
-              <a:rPr lang="en-GB" dirty="0" err="1"/>
-              <a:t>Logicals</a:t>
-            </a:r>
-            <a:r>
-              <a:rPr lang="en-GB" dirty="0"/>
-              <a:t> are another type of variable in Fortran. They may have only two values – true and false. Just as mathematical </a:t>
-            </a:r>
-            <a:r>
-              <a:rPr lang="en-GB" dirty="0" err="1"/>
-              <a:t>opertors</a:t>
-            </a:r>
-            <a:r>
-              <a:rPr lang="en-GB" dirty="0"/>
-              <a:t> may be used on numerical types, Boolean operators may be used on logical types and </a:t>
-            </a:r>
-            <a:r>
-              <a:rPr lang="en-GB" dirty="0" err="1"/>
-              <a:t>logicals</a:t>
-            </a:r>
-            <a:r>
-              <a:rPr lang="en-GB" dirty="0"/>
-              <a:t> may the result of comparison operators. </a:t>
-            </a:r>
-            <a:r>
-              <a:rPr lang="en-GB" dirty="0" err="1"/>
-              <a:t>Logicals</a:t>
-            </a:r>
-            <a:r>
-              <a:rPr lang="en-GB" dirty="0"/>
-              <a:t> are commonly used to control the flow of a program using “if” statements. All of these will be covered in upcoming slides.</a:t>
-            </a:r>
-          </a:p>
-          <a:p>
-            <a:pPr marL="0" marR="0" lvl="0" indent="0" algn="l" defTabSz="914400" rtl="0" eaLnBrk="1" fontAlgn="auto" latinLnBrk="0" hangingPunct="1">
-              <a:lnSpc>
-                <a:spcPct val="100000"/>
-              </a:lnSpc>
-              <a:spcBef>
-                <a:spcPts val="0"/>
-              </a:spcBef>
-              <a:spcAft>
-                <a:spcPts val="0"/>
-              </a:spcAft>
-              <a:buClrTx/>
-              <a:buSzTx/>
-              <a:buFontTx/>
-              <a:buNone/>
-              <a:tabLst/>
-              <a:defRPr/>
-            </a:pPr>
+            <a:r>
+              <a:rPr lang="en-GB" dirty="0"/>
+              <a:t>When declaring an array, it’s not always necessary to specify its length. This is very useful when writing code which must handle different numbers of values. This is done by declaring the array to be “allocatable”. You may later specify the size of the array using the “allocate” command.</a:t>
+            </a:r>
+          </a:p>
+          <a:p>
             <a:endParaRPr lang="en-GB" dirty="0"/>
           </a:p>
           <a:p>
-            <a:pPr marL="0" marR="0" lvl="0" indent="0" algn="l" defTabSz="914400" rtl="0" eaLnBrk="1" fontAlgn="auto" latinLnBrk="0" hangingPunct="1">
-              <a:lnSpc>
-                <a:spcPct val="100000"/>
-              </a:lnSpc>
-              <a:spcBef>
-                <a:spcPts val="0"/>
-              </a:spcBef>
-              <a:spcAft>
-                <a:spcPts val="0"/>
-              </a:spcAft>
-              <a:buClrTx/>
-              <a:buSzTx/>
-              <a:buFontTx/>
-              <a:buNone/>
-              <a:tabLst/>
-              <a:defRPr/>
-            </a:pPr>
-            <a:r>
-              <a:rPr lang="en-GB" dirty="0"/>
-              <a:t>To declare a logical, the word “logical” is put in the declaration statement before the double colons. You may create arrays of </a:t>
-            </a:r>
-            <a:r>
-              <a:rPr lang="en-GB" dirty="0" err="1"/>
-              <a:t>logicals</a:t>
-            </a:r>
-            <a:r>
-              <a:rPr lang="en-GB" dirty="0"/>
-              <a:t> if you wish. You can assign a value to a logical variable by putting “.true.” or “.false.” after the assignment operator.</a:t>
+            <a:r>
+              <a:rPr lang="en-GB" dirty="0"/>
+              <a:t>Before the array is allocated, it has no been allocated addresses in the memory of your machine to store values. This means an unallocated array may not have values assigned to entries in it or have entries within it accessed. This is because it has no entries to assign to or read from.</a:t>
             </a:r>
           </a:p>
           <a:p>
             <a:endParaRPr lang="en-GB" dirty="0"/>
+          </a:p>
+          <a:p>
+            <a:r>
+              <a:rPr lang="en-GB" dirty="0"/>
+              <a:t>However, it is possible to assign to an unallocated array with another array of the same dimension. This allocates the array being assigned to and copies the values of the other array into it.</a:t>
+            </a:r>
           </a:p>
         </p:txBody>
       </p:sp>
@@ -3137,7 +3162,7 @@
           <a:p>
             <a:fld id="{6A641EC8-C9F8-4A58-A1A7-F7D817526EEC}" type="slidenum">
               <a:rPr lang="en-GB" smtClean="0"/>
-              <a:t>26</a:t>
+              <a:t>25</a:t>
             </a:fld>
             <a:endParaRPr lang="en-GB"/>
           </a:p>
@@ -3146,7 +3171,7 @@
     </p:spTree>
     <p:extLst>
       <p:ext uri="{BB962C8B-B14F-4D97-AF65-F5344CB8AC3E}">
-        <p14:creationId xmlns:p14="http://schemas.microsoft.com/office/powerpoint/2010/main" val="857190503"/>
+        <p14:creationId xmlns:p14="http://schemas.microsoft.com/office/powerpoint/2010/main" val="3286780223"/>
       </p:ext>
     </p:extLst>
   </p:cSld>
@@ -3218,8 +3243,20 @@
               <a:defRPr/>
             </a:pPr>
             <a:r>
-              <a:rPr lang="en-GB" dirty="0"/>
-              <a:t>Boolean operators operate on one or more </a:t>
+              <a:rPr lang="en-GB" dirty="0" err="1"/>
+              <a:t>Logicals</a:t>
+            </a:r>
+            <a:r>
+              <a:rPr lang="en-GB" dirty="0"/>
+              <a:t> are another type of variable in Fortran. They may have only two values – true and false. Just as mathematical </a:t>
+            </a:r>
+            <a:r>
+              <a:rPr lang="en-GB" dirty="0" err="1"/>
+              <a:t>opertors</a:t>
+            </a:r>
+            <a:r>
+              <a:rPr lang="en-GB" dirty="0"/>
+              <a:t> may be used on numerical types, Boolean operators may be used on logical types and </a:t>
             </a:r>
             <a:r>
               <a:rPr lang="en-GB" dirty="0" err="1"/>
@@ -3227,7 +3264,15 @@
             </a:r>
             <a:r>
               <a:rPr lang="en-GB" dirty="0"/>
-              <a:t> and return a logical.</a:t>
+              <a:t> may the result of comparison operators. </a:t>
+            </a:r>
+            <a:r>
+              <a:rPr lang="en-GB" dirty="0" err="1"/>
+              <a:t>Logicals</a:t>
+            </a:r>
+            <a:r>
+              <a:rPr lang="en-GB" dirty="0"/>
+              <a:t> are commonly used to control the flow of a program using “if” statements. All of these will be covered in upcoming slides.</a:t>
             </a:r>
           </a:p>
           <a:p>
@@ -3270,30 +3315,7 @@
             </a:pPr>
             <a:r>
               <a:rPr lang="en-GB" dirty="0"/>
-              <a:t>“.not.” returns the opposite value to the following logical value.</a:t>
-            </a:r>
-          </a:p>
-          <a:p>
-            <a:pPr marL="0" marR="0" lvl="0" indent="0" algn="l" defTabSz="914400" rtl="0" eaLnBrk="1" fontAlgn="auto" latinLnBrk="0" hangingPunct="1">
-              <a:lnSpc>
-                <a:spcPct val="100000"/>
-              </a:lnSpc>
-              <a:spcBef>
-                <a:spcPts val="0"/>
-              </a:spcBef>
-              <a:spcAft>
-                <a:spcPts val="0"/>
-              </a:spcAft>
-              <a:buClrTx/>
-              <a:buSzTx/>
-              <a:buFontTx/>
-              <a:buNone/>
-              <a:tabLst/>
-              <a:defRPr/>
-            </a:pPr>
-            <a:r>
-              <a:rPr lang="en-GB" dirty="0"/>
-              <a:t>“.and.” is placed between two </a:t>
+              <a:t>To declare a logical, the word “logical” is put in the declaration statement before the double colons. You may create arrays of </a:t>
             </a:r>
             <a:r>
               <a:rPr lang="en-GB" dirty="0" err="1"/>
@@ -3301,82 +3323,11 @@
             </a:r>
             <a:r>
               <a:rPr lang="en-GB" dirty="0"/>
-              <a:t> and returns .true. if both are .true. and false otherwise</a:t>
-            </a:r>
-          </a:p>
-          <a:p>
-            <a:pPr marL="0" marR="0" lvl="0" indent="0" algn="l" defTabSz="914400" rtl="0" eaLnBrk="1" fontAlgn="auto" latinLnBrk="0" hangingPunct="1">
-              <a:lnSpc>
-                <a:spcPct val="100000"/>
-              </a:lnSpc>
-              <a:spcBef>
-                <a:spcPts val="0"/>
-              </a:spcBef>
-              <a:spcAft>
-                <a:spcPts val="0"/>
-              </a:spcAft>
-              <a:buClrTx/>
-              <a:buSzTx/>
-              <a:buFontTx/>
-              <a:buNone/>
-              <a:tabLst/>
-              <a:defRPr/>
-            </a:pPr>
-            <a:r>
-              <a:rPr lang="en-GB" dirty="0"/>
-              <a:t>“.or.” is placed between two </a:t>
-            </a:r>
-            <a:r>
-              <a:rPr lang="en-GB" dirty="0" err="1"/>
-              <a:t>logicals</a:t>
-            </a:r>
-            <a:r>
-              <a:rPr lang="en-GB" dirty="0"/>
-              <a:t> and returns .true. if either or both are true and false otherwise</a:t>
-            </a:r>
-          </a:p>
-          <a:p>
-            <a:pPr marL="0" marR="0" lvl="0" indent="0" algn="l" defTabSz="914400" rtl="0" eaLnBrk="1" fontAlgn="auto" latinLnBrk="0" hangingPunct="1">
-              <a:lnSpc>
-                <a:spcPct val="100000"/>
-              </a:lnSpc>
-              <a:spcBef>
-                <a:spcPts val="0"/>
-              </a:spcBef>
-              <a:spcAft>
-                <a:spcPts val="0"/>
-              </a:spcAft>
-              <a:buClrTx/>
-              <a:buSzTx/>
-              <a:buFontTx/>
-              <a:buNone/>
-              <a:tabLst/>
-              <a:defRPr/>
-            </a:pPr>
+              <a:t> if you wish. You can assign a value to a logical variable by putting “.true.” or “.false.” after the assignment operator.</a:t>
+            </a:r>
+          </a:p>
+          <a:p>
             <a:endParaRPr lang="en-GB" dirty="0"/>
-          </a:p>
-          <a:p>
-            <a:pPr marL="0" marR="0" lvl="0" indent="0" algn="l" defTabSz="914400" rtl="0" eaLnBrk="1" fontAlgn="auto" latinLnBrk="0" hangingPunct="1">
-              <a:lnSpc>
-                <a:spcPct val="100000"/>
-              </a:lnSpc>
-              <a:spcBef>
-                <a:spcPts val="0"/>
-              </a:spcBef>
-              <a:spcAft>
-                <a:spcPts val="0"/>
-              </a:spcAft>
-              <a:buClrTx/>
-              <a:buSzTx/>
-              <a:buFontTx/>
-              <a:buNone/>
-              <a:tabLst/>
-              <a:defRPr/>
-            </a:pPr>
-            <a:r>
-              <a:rPr lang="en-GB" dirty="0"/>
-              <a:t>Multiple Boolean operators can be combined. It’s generally clearest to use parentheses to show the order operations are to be performed in.</a:t>
-            </a:r>
           </a:p>
         </p:txBody>
       </p:sp>
@@ -3397,7 +3348,7 @@
           <a:p>
             <a:fld id="{6A641EC8-C9F8-4A58-A1A7-F7D817526EEC}" type="slidenum">
               <a:rPr lang="en-GB" smtClean="0"/>
-              <a:t>27</a:t>
+              <a:t>26</a:t>
             </a:fld>
             <a:endParaRPr lang="en-GB"/>
           </a:p>
@@ -3406,7 +3357,7 @@
     </p:spTree>
     <p:extLst>
       <p:ext uri="{BB962C8B-B14F-4D97-AF65-F5344CB8AC3E}">
-        <p14:creationId xmlns:p14="http://schemas.microsoft.com/office/powerpoint/2010/main" val="384580650"/>
+        <p14:creationId xmlns:p14="http://schemas.microsoft.com/office/powerpoint/2010/main" val="857190503"/>
       </p:ext>
     </p:extLst>
   </p:cSld>
@@ -3479,7 +3430,15 @@
             </a:pPr>
             <a:r>
               <a:rPr lang="en-GB" dirty="0"/>
-              <a:t>Comparison operators compare two variables and return a logical. The logical returned depends on the value of the values being compared and the operator used.</a:t>
+              <a:t>Boolean operators operate on one or more </a:t>
+            </a:r>
+            <a:r>
+              <a:rPr lang="en-GB" dirty="0" err="1"/>
+              <a:t>logicals</a:t>
+            </a:r>
+            <a:r>
+              <a:rPr lang="en-GB" dirty="0"/>
+              <a:t> and return a logical.</a:t>
             </a:r>
           </a:p>
           <a:p>
@@ -3522,7 +3481,7 @@
             </a:pPr>
             <a:r>
               <a:rPr lang="en-GB" dirty="0"/>
-              <a:t>The equality operator checks if the expressions either side of it have the same value. If they are, .true. is returned, otherwise .false. is returned.</a:t>
+              <a:t>“.not.” returns the opposite value to the following logical value.</a:t>
             </a:r>
           </a:p>
           <a:p>
@@ -3545,7 +3504,15 @@
             </a:pPr>
             <a:r>
               <a:rPr lang="en-GB" dirty="0"/>
-              <a:t>The “greater than” operator tests if the expression on the left is greater than the expression on the right. If it is, .true. is returned, otherwise, .false. is. There is also a “less than” operator.</a:t>
+              <a:t>“.and.” is placed between two </a:t>
+            </a:r>
+            <a:r>
+              <a:rPr lang="en-GB" dirty="0" err="1"/>
+              <a:t>logicals</a:t>
+            </a:r>
+            <a:r>
+              <a:rPr lang="en-GB" dirty="0"/>
+              <a:t> and returns .true. if both are .true. and false otherwise</a:t>
             </a:r>
           </a:p>
           <a:p>
@@ -3568,7 +3535,15 @@
             </a:pPr>
             <a:r>
               <a:rPr lang="en-GB" dirty="0"/>
-              <a:t>The “less than or equal to” operator checks if the expression on the left is less than or equal to the expression on the right. If it is, .true. is returned, otherwise, .false. is returned.</a:t>
+              <a:t>“.or.” is placed between two </a:t>
+            </a:r>
+            <a:r>
+              <a:rPr lang="en-GB" dirty="0" err="1"/>
+              <a:t>logicals</a:t>
+            </a:r>
+            <a:r>
+              <a:rPr lang="en-GB" dirty="0"/>
+              <a:t> and returns .true. if either or both are true and false otherwise</a:t>
             </a:r>
           </a:p>
           <a:p>
@@ -3589,10 +3564,7 @@
               <a:tabLst/>
               <a:defRPr/>
             </a:pPr>
-            <a:r>
-              <a:rPr lang="en-GB" dirty="0"/>
-              <a:t>The “not equal” operator checks if the expressions to the left and right have different values. If so, .true. is returned, otherwise .false. is returned.</a:t>
-            </a:r>
+            <a:endParaRPr lang="en-GB" dirty="0"/>
           </a:p>
           <a:p>
             <a:pPr marL="0" marR="0" lvl="0" indent="0" algn="l" defTabSz="914400" rtl="0" eaLnBrk="1" fontAlgn="auto" latinLnBrk="0" hangingPunct="1">
@@ -3614,54 +3586,7 @@
             </a:pPr>
             <a:r>
               <a:rPr lang="en-GB" dirty="0"/>
-              <a:t> The “.</a:t>
-            </a:r>
-            <a:r>
-              <a:rPr lang="en-GB" dirty="0" err="1"/>
-              <a:t>eqv</a:t>
-            </a:r>
-            <a:r>
-              <a:rPr lang="en-GB" dirty="0"/>
-              <a:t>.” operator is similar to the equality operator, except it operates on </a:t>
-            </a:r>
-            <a:r>
-              <a:rPr lang="en-GB" dirty="0" err="1"/>
-              <a:t>logicals</a:t>
-            </a:r>
-            <a:r>
-              <a:rPr lang="en-GB" dirty="0"/>
-              <a:t>.</a:t>
-            </a:r>
-          </a:p>
-          <a:p>
-            <a:pPr marL="0" marR="0" lvl="0" indent="0" algn="l" defTabSz="914400" rtl="0" eaLnBrk="1" fontAlgn="auto" latinLnBrk="0" hangingPunct="1">
-              <a:lnSpc>
-                <a:spcPct val="100000"/>
-              </a:lnSpc>
-              <a:spcBef>
-                <a:spcPts val="0"/>
-              </a:spcBef>
-              <a:spcAft>
-                <a:spcPts val="0"/>
-              </a:spcAft>
-              <a:buClrTx/>
-              <a:buSzTx/>
-              <a:buFontTx/>
-              <a:buNone/>
-              <a:tabLst/>
-              <a:defRPr/>
-            </a:pPr>
-            <a:r>
-              <a:rPr lang="en-GB" dirty="0"/>
-              <a:t>The “.neqv.2 operator is similar to not equal operator, except it operates on </a:t>
-            </a:r>
-            <a:r>
-              <a:rPr lang="en-GB" dirty="0" err="1"/>
-              <a:t>logicals</a:t>
-            </a:r>
-            <a:r>
-              <a:rPr lang="en-GB" dirty="0"/>
-              <a:t>.</a:t>
+              <a:t>Multiple Boolean operators can be combined. It’s generally clearest to use parentheses to show the order operations are to be performed in.</a:t>
             </a:r>
           </a:p>
         </p:txBody>
@@ -3683,7 +3608,7 @@
           <a:p>
             <a:fld id="{6A641EC8-C9F8-4A58-A1A7-F7D817526EEC}" type="slidenum">
               <a:rPr lang="en-GB" smtClean="0"/>
-              <a:t>28</a:t>
+              <a:t>27</a:t>
             </a:fld>
             <a:endParaRPr lang="en-GB"/>
           </a:p>
@@ -3692,7 +3617,7 @@
     </p:spTree>
     <p:extLst>
       <p:ext uri="{BB962C8B-B14F-4D97-AF65-F5344CB8AC3E}">
-        <p14:creationId xmlns:p14="http://schemas.microsoft.com/office/powerpoint/2010/main" val="826029385"/>
+        <p14:creationId xmlns:p14="http://schemas.microsoft.com/office/powerpoint/2010/main" val="384580650"/>
       </p:ext>
     </p:extLst>
   </p:cSld>
@@ -3765,7 +3690,7 @@
             </a:pPr>
             <a:r>
               <a:rPr lang="en-GB" dirty="0"/>
-              <a:t>Like all programming languages, real numbers are actually approximations to their actual values. This is because a finite number of bits of memory are used to represent real numbers, but there are an infinite number of possible real numbers. Thus, it follows that not all real numbers can be represented exactly.</a:t>
+              <a:t>Comparison operators compare two variables and return a logical. The logical returned depends on the value of the values being compared and the operator used.</a:t>
             </a:r>
           </a:p>
           <a:p>
@@ -3808,7 +3733,7 @@
             </a:pPr>
             <a:r>
               <a:rPr lang="en-GB" dirty="0"/>
-              <a:t>This means that, depending on the route of a calculation, two reals which you might expect to have the same value actually do not have the same value exactly. Thus, using the “==“ operator may not give you the answer you expect. This behaviour may vary from compiler to compiler if they use different strategies to deal with the limited precision of reals.</a:t>
+              <a:t>The equality operator checks if the expressions either side of it have the same value. If they are, .true. is returned, otherwise .false. is returned.</a:t>
             </a:r>
           </a:p>
           <a:p>
@@ -3829,7 +3754,10 @@
               <a:tabLst/>
               <a:defRPr/>
             </a:pPr>
-            <a:endParaRPr lang="en-GB" dirty="0"/>
+            <a:r>
+              <a:rPr lang="en-GB" dirty="0"/>
+              <a:t>The “greater than” operator tests if the expression on the left is greater than the expression on the right. If it is, .true. is returned, otherwise, .false. is. There is also a “less than” operator.</a:t>
+            </a:r>
           </a:p>
           <a:p>
             <a:pPr marL="0" marR="0" lvl="0" indent="0" algn="l" defTabSz="914400" rtl="0" eaLnBrk="1" fontAlgn="auto" latinLnBrk="0" hangingPunct="1">
@@ -3851,7 +3779,100 @@
             </a:pPr>
             <a:r>
               <a:rPr lang="en-GB" dirty="0"/>
-              <a:t>It’s possible to define a real to have a higher “precision”, essentially giving more bits of memory to the representation of a real. This will sometimes reduce this problem, but does not eliminate it. We won’t dwell on the details of this, but an example is given in the demonstration.</a:t>
+              <a:t>The “less than or equal to” operator checks if the expression on the left is less than or equal to the expression on the right. If it is, .true. is returned, otherwise, .false. is returned.</a:t>
+            </a:r>
+          </a:p>
+          <a:p>
+            <a:pPr marL="0" marR="0" lvl="0" indent="0" algn="l" defTabSz="914400" rtl="0" eaLnBrk="1" fontAlgn="auto" latinLnBrk="0" hangingPunct="1">
+              <a:lnSpc>
+                <a:spcPct val="100000"/>
+              </a:lnSpc>
+              <a:spcBef>
+                <a:spcPts val="0"/>
+              </a:spcBef>
+              <a:spcAft>
+                <a:spcPts val="0"/>
+              </a:spcAft>
+              <a:buClrTx/>
+              <a:buSzTx/>
+              <a:buFontTx/>
+              <a:buNone/>
+              <a:tabLst/>
+              <a:defRPr/>
+            </a:pPr>
+            <a:r>
+              <a:rPr lang="en-GB" dirty="0"/>
+              <a:t>The “not equal” operator checks if the expressions to the left and right have different values. If so, .true. is returned, otherwise .false. is returned.</a:t>
+            </a:r>
+          </a:p>
+          <a:p>
+            <a:pPr marL="0" marR="0" lvl="0" indent="0" algn="l" defTabSz="914400" rtl="0" eaLnBrk="1" fontAlgn="auto" latinLnBrk="0" hangingPunct="1">
+              <a:lnSpc>
+                <a:spcPct val="100000"/>
+              </a:lnSpc>
+              <a:spcBef>
+                <a:spcPts val="0"/>
+              </a:spcBef>
+              <a:spcAft>
+                <a:spcPts val="0"/>
+              </a:spcAft>
+              <a:buClrTx/>
+              <a:buSzTx/>
+              <a:buFontTx/>
+              <a:buNone/>
+              <a:tabLst/>
+              <a:defRPr/>
+            </a:pPr>
+            <a:r>
+              <a:rPr lang="en-GB" dirty="0"/>
+              <a:t> The “.</a:t>
+            </a:r>
+            <a:r>
+              <a:rPr lang="en-GB" dirty="0" err="1"/>
+              <a:t>eqv</a:t>
+            </a:r>
+            <a:r>
+              <a:rPr lang="en-GB" dirty="0"/>
+              <a:t>.” operator is similar to the equality operator, except it operates on </a:t>
+            </a:r>
+            <a:r>
+              <a:rPr lang="en-GB" dirty="0" err="1"/>
+              <a:t>logicals</a:t>
+            </a:r>
+            <a:r>
+              <a:rPr lang="en-GB" dirty="0"/>
+              <a:t>.</a:t>
+            </a:r>
+          </a:p>
+          <a:p>
+            <a:pPr marL="0" marR="0" lvl="0" indent="0" algn="l" defTabSz="914400" rtl="0" eaLnBrk="1" fontAlgn="auto" latinLnBrk="0" hangingPunct="1">
+              <a:lnSpc>
+                <a:spcPct val="100000"/>
+              </a:lnSpc>
+              <a:spcBef>
+                <a:spcPts val="0"/>
+              </a:spcBef>
+              <a:spcAft>
+                <a:spcPts val="0"/>
+              </a:spcAft>
+              <a:buClrTx/>
+              <a:buSzTx/>
+              <a:buFontTx/>
+              <a:buNone/>
+              <a:tabLst/>
+              <a:defRPr/>
+            </a:pPr>
+            <a:r>
+              <a:rPr lang="en-GB" dirty="0"/>
+              <a:t>The “.neqv.2 operator is similar to not equal operator, except it operates on </a:t>
+            </a:r>
+            <a:r>
+              <a:rPr lang="en-GB" dirty="0" err="1"/>
+              <a:t>logicals</a:t>
+            </a:r>
+            <a:r>
+              <a:rPr lang="en-GB" dirty="0"/>
+              <a:t>.</a:t>
             </a:r>
           </a:p>
         </p:txBody>
@@ -3873,7 +3894,7 @@
           <a:p>
             <a:fld id="{6A641EC8-C9F8-4A58-A1A7-F7D817526EEC}" type="slidenum">
               <a:rPr lang="en-GB" smtClean="0"/>
-              <a:t>29</a:t>
+              <a:t>28</a:t>
             </a:fld>
             <a:endParaRPr lang="en-GB"/>
           </a:p>
@@ -3882,7 +3903,7 @@
     </p:spTree>
     <p:extLst>
       <p:ext uri="{BB962C8B-B14F-4D97-AF65-F5344CB8AC3E}">
-        <p14:creationId xmlns:p14="http://schemas.microsoft.com/office/powerpoint/2010/main" val="899205214"/>
+        <p14:creationId xmlns:p14="http://schemas.microsoft.com/office/powerpoint/2010/main" val="826029385"/>
       </p:ext>
     </p:extLst>
   </p:cSld>
@@ -3955,7 +3976,7 @@
             </a:pPr>
             <a:r>
               <a:rPr lang="en-GB" dirty="0"/>
-              <a:t>Conditionals use the value of logical expressions, which are evaluated when the executable is run, to determine which operations will occur.</a:t>
+              <a:t>Like all programming languages, real numbers are actually approximations to their actual values. This is because a finite number of bits of memory are used to represent real numbers, but there are an infinite number of possible real numbers. Thus, it follows that not all real numbers can be represented exactly.</a:t>
             </a:r>
           </a:p>
           <a:p>
@@ -3998,7 +4019,7 @@
             </a:pPr>
             <a:r>
               <a:rPr lang="en-GB" dirty="0"/>
-              <a:t>This is vital for controlling a more complex code, where the same section of source file may be called multiple times (more on this later) with different values which make different operations appropriate.</a:t>
+              <a:t>This means that, depending on the route of a calculation, two reals which you might expect to have the same value actually do not have the same value exactly. Thus, using the “==“ operator may not give you the answer you expect. This behaviour may vary from compiler to compiler if they use different strategies to deal with the limited precision of reals.</a:t>
             </a:r>
           </a:p>
           <a:p>
@@ -4041,13 +4062,8 @@
             </a:pPr>
             <a:r>
               <a:rPr lang="en-GB" dirty="0"/>
-              <a:t>The most common conditional construct is the </a:t>
-            </a:r>
-            <a:r>
-              <a:rPr lang="en-GB" sz="1200" dirty="0"/>
-              <a:t>“if”, “else if”, “else” construct…</a:t>
-            </a:r>
-            <a:endParaRPr lang="en-GB" dirty="0"/>
+              <a:t>It’s possible to define a real to have a higher “precision”, essentially giving more bits of memory to the representation of a real. This will sometimes reduce this problem, but does not eliminate it. We won’t dwell on the details of this, but an example is given in the demonstration.</a:t>
+            </a:r>
           </a:p>
         </p:txBody>
       </p:sp>
@@ -4068,7 +4084,7 @@
           <a:p>
             <a:fld id="{6A641EC8-C9F8-4A58-A1A7-F7D817526EEC}" type="slidenum">
               <a:rPr lang="en-GB" smtClean="0"/>
-              <a:t>30</a:t>
+              <a:t>29</a:t>
             </a:fld>
             <a:endParaRPr lang="en-GB"/>
           </a:p>
@@ -4077,7 +4093,7 @@
     </p:spTree>
     <p:extLst>
       <p:ext uri="{BB962C8B-B14F-4D97-AF65-F5344CB8AC3E}">
-        <p14:creationId xmlns:p14="http://schemas.microsoft.com/office/powerpoint/2010/main" val="229418490"/>
+        <p14:creationId xmlns:p14="http://schemas.microsoft.com/office/powerpoint/2010/main" val="899205214"/>
       </p:ext>
     </p:extLst>
   </p:cSld>
@@ -4131,27 +4147,7 @@
           <a:bodyPr/>
           <a:lstStyle/>
           <a:p>
-            <a:r>
-              <a:rPr lang="en-GB" dirty="0"/>
-              <a:t>At its heart, coding is the act of writing instructions for a computer to perform. Normally, this done in order to achieve a particular goal. The resulting set </a:t>
-            </a:r>
-            <a:r>
-              <a:rPr lang="en-GB" dirty="0" err="1"/>
-              <a:t>fo</a:t>
-            </a:r>
-            <a:r>
-              <a:rPr lang="en-GB" dirty="0"/>
-              <a:t> instructions is called a program. Computers are very adept at carrying out large numbers of calculations very quickly and this makes the production and use of code very useful for the automation of laborious calculations. This might include simulation of a physical system, the analysis of data or the real-time control of complex systems.</a:t>
-            </a:r>
-          </a:p>
-          <a:p>
             <a:endParaRPr lang="en-GB" dirty="0"/>
-          </a:p>
-          <a:p>
-            <a:r>
-              <a:rPr lang="en-GB" dirty="0"/>
-              <a:t>As a program produced by a piece of code may be used over and over again, it can be designed to be reapplied to a number of related cases.</a:t>
-            </a:r>
           </a:p>
         </p:txBody>
       </p:sp>
@@ -4172,7 +4168,7 @@
           <a:p>
             <a:fld id="{6A641EC8-C9F8-4A58-A1A7-F7D817526EEC}" type="slidenum">
               <a:rPr lang="en-GB" smtClean="0"/>
-              <a:t>4</a:t>
+              <a:t>3</a:t>
             </a:fld>
             <a:endParaRPr lang="en-GB"/>
           </a:p>
@@ -4181,7 +4177,7 @@
     </p:spTree>
     <p:extLst>
       <p:ext uri="{BB962C8B-B14F-4D97-AF65-F5344CB8AC3E}">
-        <p14:creationId xmlns:p14="http://schemas.microsoft.com/office/powerpoint/2010/main" val="2194246595"/>
+        <p14:creationId xmlns:p14="http://schemas.microsoft.com/office/powerpoint/2010/main" val="2283586298"/>
       </p:ext>
     </p:extLst>
   </p:cSld>
@@ -4254,7 +4250,7 @@
             </a:pPr>
             <a:r>
               <a:rPr lang="en-GB" dirty="0"/>
-              <a:t>Within an “if” block there will always be one “if” statement. There may zero or more “else if” statements and zero or one “else” statements. The block is finished with an “end if” statement.</a:t>
+              <a:t>Conditionals use the value of logical expressions, which are evaluated when the executable is run, to determine which operations will occur.</a:t>
             </a:r>
           </a:p>
           <a:p>
@@ -4297,7 +4293,7 @@
             </a:pPr>
             <a:r>
               <a:rPr lang="en-GB" dirty="0"/>
-              <a:t>Each statement contains an expression within parentheses, followed a “then” statement. That expression may be a single variable, a comparison operator, or any other expression which evaluates to a logical value.</a:t>
+              <a:t>This is vital for controlling a more complex code, where the same section of source file may be called multiple times (more on this later) with different values which make different operations appropriate.</a:t>
             </a:r>
           </a:p>
           <a:p>
@@ -4340,94 +4336,13 @@
             </a:pPr>
             <a:r>
               <a:rPr lang="en-GB" dirty="0"/>
-              <a:t>If that expression is true then the code which follows it will be executed and all other “else if” and “else” statements will be ignored. If an “else” statement is included, there is no expression in parentheses – if none of the logical expressions associated with previous “if” or “else if” statements were true, the code following the “else” statement will be executed.</a:t>
-            </a:r>
-          </a:p>
-          <a:p>
-            <a:pPr marL="0" marR="0" lvl="0" indent="0" algn="l" defTabSz="914400" rtl="0" eaLnBrk="1" fontAlgn="auto" latinLnBrk="0" hangingPunct="1">
-              <a:lnSpc>
-                <a:spcPct val="100000"/>
-              </a:lnSpc>
-              <a:spcBef>
-                <a:spcPts val="0"/>
-              </a:spcBef>
-              <a:spcAft>
-                <a:spcPts val="0"/>
-              </a:spcAft>
-              <a:buClrTx/>
-              <a:buSzTx/>
-              <a:buFontTx/>
-              <a:buNone/>
-              <a:tabLst/>
-              <a:defRPr/>
-            </a:pPr>
+              <a:t>The most common conditional construct is the </a:t>
+            </a:r>
+            <a:r>
+              <a:rPr lang="en-GB" sz="1200" dirty="0"/>
+              <a:t>“if”, “else if”, “else” construct…</a:t>
+            </a:r>
             <a:endParaRPr lang="en-GB" dirty="0"/>
-          </a:p>
-          <a:p>
-            <a:pPr marL="0" marR="0" lvl="0" indent="0" algn="l" defTabSz="914400" rtl="0" eaLnBrk="1" fontAlgn="auto" latinLnBrk="0" hangingPunct="1">
-              <a:lnSpc>
-                <a:spcPct val="100000"/>
-              </a:lnSpc>
-              <a:spcBef>
-                <a:spcPts val="0"/>
-              </a:spcBef>
-              <a:spcAft>
-                <a:spcPts val="0"/>
-              </a:spcAft>
-              <a:buClrTx/>
-              <a:buSzTx/>
-              <a:buFontTx/>
-              <a:buNone/>
-              <a:tabLst/>
-              <a:defRPr/>
-            </a:pPr>
-            <a:r>
-              <a:rPr lang="en-GB" dirty="0"/>
-              <a:t>This means that at most one set of code will be executed within an “if” block. Following the “if” block, the code will carrying on executing normally.</a:t>
-            </a:r>
-          </a:p>
-          <a:p>
-            <a:pPr marL="0" marR="0" lvl="0" indent="0" algn="l" defTabSz="914400" rtl="0" eaLnBrk="1" fontAlgn="auto" latinLnBrk="0" hangingPunct="1">
-              <a:lnSpc>
-                <a:spcPct val="100000"/>
-              </a:lnSpc>
-              <a:spcBef>
-                <a:spcPts val="0"/>
-              </a:spcBef>
-              <a:spcAft>
-                <a:spcPts val="0"/>
-              </a:spcAft>
-              <a:buClrTx/>
-              <a:buSzTx/>
-              <a:buFontTx/>
-              <a:buNone/>
-              <a:tabLst/>
-              <a:defRPr/>
-            </a:pPr>
-            <a:endParaRPr lang="en-GB" dirty="0"/>
-          </a:p>
-          <a:p>
-            <a:pPr marL="0" marR="0" lvl="0" indent="0" algn="l" defTabSz="914400" rtl="0" eaLnBrk="1" fontAlgn="auto" latinLnBrk="0" hangingPunct="1">
-              <a:lnSpc>
-                <a:spcPct val="100000"/>
-              </a:lnSpc>
-              <a:spcBef>
-                <a:spcPts val="0"/>
-              </a:spcBef>
-              <a:spcAft>
-                <a:spcPts val="0"/>
-              </a:spcAft>
-              <a:buClrTx/>
-              <a:buSzTx/>
-              <a:buFontTx/>
-              <a:buNone/>
-              <a:tabLst/>
-              <a:defRPr/>
-            </a:pPr>
-            <a:r>
-              <a:rPr lang="en-GB" dirty="0"/>
-              <a:t>It’s common practice (but not required) to indent the code to be executed if the appropriate statement in the “if” block is triggered. This makes it easier to see the structure of the “if” block at a glance.</a:t>
-            </a:r>
           </a:p>
         </p:txBody>
       </p:sp>
@@ -4448,7 +4363,7 @@
           <a:p>
             <a:fld id="{6A641EC8-C9F8-4A58-A1A7-F7D817526EEC}" type="slidenum">
               <a:rPr lang="en-GB" smtClean="0"/>
-              <a:t>31</a:t>
+              <a:t>30</a:t>
             </a:fld>
             <a:endParaRPr lang="en-GB"/>
           </a:p>
@@ -4457,7 +4372,7 @@
     </p:spTree>
     <p:extLst>
       <p:ext uri="{BB962C8B-B14F-4D97-AF65-F5344CB8AC3E}">
-        <p14:creationId xmlns:p14="http://schemas.microsoft.com/office/powerpoint/2010/main" val="237064897"/>
+        <p14:creationId xmlns:p14="http://schemas.microsoft.com/office/powerpoint/2010/main" val="229418490"/>
       </p:ext>
     </p:extLst>
   </p:cSld>
@@ -4528,7 +4443,182 @@
               <a:tabLst/>
               <a:defRPr/>
             </a:pPr>
+            <a:r>
+              <a:rPr lang="en-GB" dirty="0"/>
+              <a:t>Within an “if” block there will always be one “if” statement. There may zero or more “else if” statements and zero or one “else” statements. The block is finished with an “end if” statement.</a:t>
+            </a:r>
+          </a:p>
+          <a:p>
+            <a:pPr marL="0" marR="0" lvl="0" indent="0" algn="l" defTabSz="914400" rtl="0" eaLnBrk="1" fontAlgn="auto" latinLnBrk="0" hangingPunct="1">
+              <a:lnSpc>
+                <a:spcPct val="100000"/>
+              </a:lnSpc>
+              <a:spcBef>
+                <a:spcPts val="0"/>
+              </a:spcBef>
+              <a:spcAft>
+                <a:spcPts val="0"/>
+              </a:spcAft>
+              <a:buClrTx/>
+              <a:buSzTx/>
+              <a:buFontTx/>
+              <a:buNone/>
+              <a:tabLst/>
+              <a:defRPr/>
+            </a:pPr>
             <a:endParaRPr lang="en-GB" dirty="0"/>
+          </a:p>
+          <a:p>
+            <a:pPr marL="0" marR="0" lvl="0" indent="0" algn="l" defTabSz="914400" rtl="0" eaLnBrk="1" fontAlgn="auto" latinLnBrk="0" hangingPunct="1">
+              <a:lnSpc>
+                <a:spcPct val="100000"/>
+              </a:lnSpc>
+              <a:spcBef>
+                <a:spcPts val="0"/>
+              </a:spcBef>
+              <a:spcAft>
+                <a:spcPts val="0"/>
+              </a:spcAft>
+              <a:buClrTx/>
+              <a:buSzTx/>
+              <a:buFontTx/>
+              <a:buNone/>
+              <a:tabLst/>
+              <a:defRPr/>
+            </a:pPr>
+            <a:r>
+              <a:rPr lang="en-GB" dirty="0"/>
+              <a:t>Each statement contains an expression within parentheses, followed a “then” statement. That expression may be a single variable, a comparison operator, or any other expression which evaluates to a logical value.</a:t>
+            </a:r>
+          </a:p>
+          <a:p>
+            <a:pPr marL="0" marR="0" lvl="0" indent="0" algn="l" defTabSz="914400" rtl="0" eaLnBrk="1" fontAlgn="auto" latinLnBrk="0" hangingPunct="1">
+              <a:lnSpc>
+                <a:spcPct val="100000"/>
+              </a:lnSpc>
+              <a:spcBef>
+                <a:spcPts val="0"/>
+              </a:spcBef>
+              <a:spcAft>
+                <a:spcPts val="0"/>
+              </a:spcAft>
+              <a:buClrTx/>
+              <a:buSzTx/>
+              <a:buFontTx/>
+              <a:buNone/>
+              <a:tabLst/>
+              <a:defRPr/>
+            </a:pPr>
+            <a:endParaRPr lang="en-GB" dirty="0"/>
+          </a:p>
+          <a:p>
+            <a:pPr marL="0" marR="0" lvl="0" indent="0" algn="l" defTabSz="914400" rtl="0" eaLnBrk="1" fontAlgn="auto" latinLnBrk="0" hangingPunct="1">
+              <a:lnSpc>
+                <a:spcPct val="100000"/>
+              </a:lnSpc>
+              <a:spcBef>
+                <a:spcPts val="0"/>
+              </a:spcBef>
+              <a:spcAft>
+                <a:spcPts val="0"/>
+              </a:spcAft>
+              <a:buClrTx/>
+              <a:buSzTx/>
+              <a:buFontTx/>
+              <a:buNone/>
+              <a:tabLst/>
+              <a:defRPr/>
+            </a:pPr>
+            <a:r>
+              <a:rPr lang="en-GB" dirty="0"/>
+              <a:t>If that expression is true then the code which follows it will be executed and all other “else if” and “else” statements will be ignored. If an “else” statement is included, there is no expression in parentheses – if none of the logical expressions associated with previous “if” or “else if” statements were true, the code following the “else” statement will be executed.</a:t>
+            </a:r>
+          </a:p>
+          <a:p>
+            <a:pPr marL="0" marR="0" lvl="0" indent="0" algn="l" defTabSz="914400" rtl="0" eaLnBrk="1" fontAlgn="auto" latinLnBrk="0" hangingPunct="1">
+              <a:lnSpc>
+                <a:spcPct val="100000"/>
+              </a:lnSpc>
+              <a:spcBef>
+                <a:spcPts val="0"/>
+              </a:spcBef>
+              <a:spcAft>
+                <a:spcPts val="0"/>
+              </a:spcAft>
+              <a:buClrTx/>
+              <a:buSzTx/>
+              <a:buFontTx/>
+              <a:buNone/>
+              <a:tabLst/>
+              <a:defRPr/>
+            </a:pPr>
+            <a:endParaRPr lang="en-GB" dirty="0"/>
+          </a:p>
+          <a:p>
+            <a:pPr marL="0" marR="0" lvl="0" indent="0" algn="l" defTabSz="914400" rtl="0" eaLnBrk="1" fontAlgn="auto" latinLnBrk="0" hangingPunct="1">
+              <a:lnSpc>
+                <a:spcPct val="100000"/>
+              </a:lnSpc>
+              <a:spcBef>
+                <a:spcPts val="0"/>
+              </a:spcBef>
+              <a:spcAft>
+                <a:spcPts val="0"/>
+              </a:spcAft>
+              <a:buClrTx/>
+              <a:buSzTx/>
+              <a:buFontTx/>
+              <a:buNone/>
+              <a:tabLst/>
+              <a:defRPr/>
+            </a:pPr>
+            <a:r>
+              <a:rPr lang="en-GB" dirty="0"/>
+              <a:t>This means that at most one set of code will be executed within an “if” block. Following the “if” block, the code will carrying on executing normally.</a:t>
+            </a:r>
+          </a:p>
+          <a:p>
+            <a:pPr marL="0" marR="0" lvl="0" indent="0" algn="l" defTabSz="914400" rtl="0" eaLnBrk="1" fontAlgn="auto" latinLnBrk="0" hangingPunct="1">
+              <a:lnSpc>
+                <a:spcPct val="100000"/>
+              </a:lnSpc>
+              <a:spcBef>
+                <a:spcPts val="0"/>
+              </a:spcBef>
+              <a:spcAft>
+                <a:spcPts val="0"/>
+              </a:spcAft>
+              <a:buClrTx/>
+              <a:buSzTx/>
+              <a:buFontTx/>
+              <a:buNone/>
+              <a:tabLst/>
+              <a:defRPr/>
+            </a:pPr>
+            <a:endParaRPr lang="en-GB" dirty="0"/>
+          </a:p>
+          <a:p>
+            <a:pPr marL="0" marR="0" lvl="0" indent="0" algn="l" defTabSz="914400" rtl="0" eaLnBrk="1" fontAlgn="auto" latinLnBrk="0" hangingPunct="1">
+              <a:lnSpc>
+                <a:spcPct val="100000"/>
+              </a:lnSpc>
+              <a:spcBef>
+                <a:spcPts val="0"/>
+              </a:spcBef>
+              <a:spcAft>
+                <a:spcPts val="0"/>
+              </a:spcAft>
+              <a:buClrTx/>
+              <a:buSzTx/>
+              <a:buFontTx/>
+              <a:buNone/>
+              <a:tabLst/>
+              <a:defRPr/>
+            </a:pPr>
+            <a:r>
+              <a:rPr lang="en-GB" dirty="0"/>
+              <a:t>It’s common practice (but not required) to indent the code to be executed if the appropriate statement in the “if” block is triggered. This makes it easier to see the structure of the “if” block at a glance.</a:t>
+            </a:r>
           </a:p>
         </p:txBody>
       </p:sp>
@@ -4549,7 +4639,7 @@
           <a:p>
             <a:fld id="{6A641EC8-C9F8-4A58-A1A7-F7D817526EEC}" type="slidenum">
               <a:rPr lang="en-GB" smtClean="0"/>
-              <a:t>32</a:t>
+              <a:t>31</a:t>
             </a:fld>
             <a:endParaRPr lang="en-GB"/>
           </a:p>
@@ -4558,7 +4648,7 @@
     </p:spTree>
     <p:extLst>
       <p:ext uri="{BB962C8B-B14F-4D97-AF65-F5344CB8AC3E}">
-        <p14:creationId xmlns:p14="http://schemas.microsoft.com/office/powerpoint/2010/main" val="2911835610"/>
+        <p14:creationId xmlns:p14="http://schemas.microsoft.com/office/powerpoint/2010/main" val="237064897"/>
       </p:ext>
     </p:extLst>
   </p:cSld>
@@ -4629,96 +4719,7 @@
               <a:tabLst/>
               <a:defRPr/>
             </a:pPr>
-            <a:r>
-              <a:rPr lang="en-GB" dirty="0"/>
-              <a:t>Do loop use a loop counter (which must be an integer), which changes by a specified “step” each iteration of the loop. It begins at an initial value and finishes once the counter exceeds a specified final value. During each iteration of the loop, all code between the “do” and “end do” statements will be executed.</a:t>
-            </a:r>
-          </a:p>
-          <a:p>
-            <a:pPr marL="0" marR="0" lvl="0" indent="0" algn="l" defTabSz="914400" rtl="0" eaLnBrk="1" fontAlgn="auto" latinLnBrk="0" hangingPunct="1">
-              <a:lnSpc>
-                <a:spcPct val="100000"/>
-              </a:lnSpc>
-              <a:spcBef>
-                <a:spcPts val="0"/>
-              </a:spcBef>
-              <a:spcAft>
-                <a:spcPts val="0"/>
-              </a:spcAft>
-              <a:buClrTx/>
-              <a:buSzTx/>
-              <a:buFontTx/>
-              <a:buNone/>
-              <a:tabLst/>
-              <a:defRPr/>
-            </a:pPr>
             <a:endParaRPr lang="en-GB" dirty="0"/>
-          </a:p>
-          <a:p>
-            <a:pPr marL="0" marR="0" lvl="0" indent="0" algn="l" defTabSz="914400" rtl="0" eaLnBrk="1" fontAlgn="auto" latinLnBrk="0" hangingPunct="1">
-              <a:lnSpc>
-                <a:spcPct val="100000"/>
-              </a:lnSpc>
-              <a:spcBef>
-                <a:spcPts val="0"/>
-              </a:spcBef>
-              <a:spcAft>
-                <a:spcPts val="0"/>
-              </a:spcAft>
-              <a:buClrTx/>
-              <a:buSzTx/>
-              <a:buFontTx/>
-              <a:buNone/>
-              <a:tabLst/>
-              <a:defRPr/>
-            </a:pPr>
-            <a:r>
-              <a:rPr lang="en-GB" dirty="0"/>
-              <a:t>The “step” may be specified in the same line as the “do” statement but may excluded. If it isn’t included, it will take a default value of 1. If a negative step is given, the counter will decrease each iteration of the loop.</a:t>
-            </a:r>
-          </a:p>
-          <a:p>
-            <a:pPr marL="0" marR="0" lvl="0" indent="0" algn="l" defTabSz="914400" rtl="0" eaLnBrk="1" fontAlgn="auto" latinLnBrk="0" hangingPunct="1">
-              <a:lnSpc>
-                <a:spcPct val="100000"/>
-              </a:lnSpc>
-              <a:spcBef>
-                <a:spcPts val="0"/>
-              </a:spcBef>
-              <a:spcAft>
-                <a:spcPts val="0"/>
-              </a:spcAft>
-              <a:buClrTx/>
-              <a:buSzTx/>
-              <a:buFontTx/>
-              <a:buNone/>
-              <a:tabLst/>
-              <a:defRPr/>
-            </a:pPr>
-            <a:endParaRPr lang="en-GB" dirty="0"/>
-          </a:p>
-          <a:p>
-            <a:pPr marL="0" marR="0" lvl="0" indent="0" algn="l" defTabSz="914400" rtl="0" eaLnBrk="1" fontAlgn="auto" latinLnBrk="0" hangingPunct="1">
-              <a:lnSpc>
-                <a:spcPct val="100000"/>
-              </a:lnSpc>
-              <a:spcBef>
-                <a:spcPts val="0"/>
-              </a:spcBef>
-              <a:spcAft>
-                <a:spcPts val="0"/>
-              </a:spcAft>
-              <a:buClrTx/>
-              <a:buSzTx/>
-              <a:buFontTx/>
-              <a:buNone/>
-              <a:tabLst/>
-              <a:defRPr/>
-            </a:pPr>
-            <a:r>
-              <a:rPr lang="en-GB" dirty="0"/>
-              <a:t>If the “step” value is positive, the lop will stop when the counter is larger than the final value. If “step” is negative, the loop will stop when the counter is smaller than the final value. This means that it’s possible for no iterations of a loop to be conducted if the initial value is greater than the final value and the step is positive, or if the initial value is less than the final value and the step is negative.</a:t>
-            </a:r>
           </a:p>
         </p:txBody>
       </p:sp>
@@ -4739,7 +4740,7 @@
           <a:p>
             <a:fld id="{6A641EC8-C9F8-4A58-A1A7-F7D817526EEC}" type="slidenum">
               <a:rPr lang="en-GB" smtClean="0"/>
-              <a:t>33</a:t>
+              <a:t>32</a:t>
             </a:fld>
             <a:endParaRPr lang="en-GB"/>
           </a:p>
@@ -4748,7 +4749,7 @@
     </p:spTree>
     <p:extLst>
       <p:ext uri="{BB962C8B-B14F-4D97-AF65-F5344CB8AC3E}">
-        <p14:creationId xmlns:p14="http://schemas.microsoft.com/office/powerpoint/2010/main" val="2984129182"/>
+        <p14:creationId xmlns:p14="http://schemas.microsoft.com/office/powerpoint/2010/main" val="2911835610"/>
       </p:ext>
     </p:extLst>
   </p:cSld>
@@ -4821,7 +4822,7 @@
             </a:pPr>
             <a:r>
               <a:rPr lang="en-GB" dirty="0"/>
-              <a:t>Do while loops are similar to do loops in the sense that a piece of code to be repeated is sandwiched between a “do” statement which defines the loop and an end do statement. However,  a do while loop is more useful when you don’t know in advance how many iterations of the loop you want to complete, but you do know the condition you want the loop to terminate for.</a:t>
+              <a:t>Do loop use a loop counter (which must be an integer), which changes by a specified “step” each iteration of the loop. It begins at an initial value and finishes once the counter exceeds a specified final value. During each iteration of the loop, all code between the “do” and “end do” statements will be executed.</a:t>
             </a:r>
           </a:p>
           <a:p>
@@ -4864,7 +4865,7 @@
             </a:pPr>
             <a:r>
               <a:rPr lang="en-GB" dirty="0"/>
-              <a:t>To achieve this, a logical expression is placed within parentheses. This will be evaluated at the start of each iteration. If the expression is true, the iteration will continue. If it’s false, the iteration won’t be performed and the code will continue from after the “end do” statement.</a:t>
+              <a:t>The “step” may be specified in the same line as the “do” statement but may excluded. If it isn’t included, it will take a default value of 1. If a negative step is given, the counter will decrease each iteration of the loop.</a:t>
             </a:r>
           </a:p>
           <a:p>
@@ -4907,50 +4908,7 @@
             </a:pPr>
             <a:r>
               <a:rPr lang="en-GB" dirty="0"/>
-              <a:t>This means, if the expression in parentheses following “do while” is never false, the loop will continue to be executed forever. As a result, care must be taken that this doesn’t occur.</a:t>
-            </a:r>
-          </a:p>
-          <a:p>
-            <a:pPr marL="0" marR="0" lvl="0" indent="0" algn="l" defTabSz="914400" rtl="0" eaLnBrk="1" fontAlgn="auto" latinLnBrk="0" hangingPunct="1">
-              <a:lnSpc>
-                <a:spcPct val="100000"/>
-              </a:lnSpc>
-              <a:spcBef>
-                <a:spcPts val="0"/>
-              </a:spcBef>
-              <a:spcAft>
-                <a:spcPts val="0"/>
-              </a:spcAft>
-              <a:buClrTx/>
-              <a:buSzTx/>
-              <a:buFontTx/>
-              <a:buNone/>
-              <a:tabLst/>
-              <a:defRPr/>
-            </a:pPr>
-            <a:endParaRPr lang="en-GB" dirty="0"/>
-          </a:p>
-          <a:p>
-            <a:pPr marL="0" marR="0" lvl="0" indent="0" algn="l" defTabSz="914400" rtl="0" eaLnBrk="1" fontAlgn="auto" latinLnBrk="0" hangingPunct="1">
-              <a:lnSpc>
-                <a:spcPct val="100000"/>
-              </a:lnSpc>
-              <a:spcBef>
-                <a:spcPts val="0"/>
-              </a:spcBef>
-              <a:spcAft>
-                <a:spcPts val="0"/>
-              </a:spcAft>
-              <a:buClrTx/>
-              <a:buSzTx/>
-              <a:buFontTx/>
-              <a:buNone/>
-              <a:tabLst/>
-              <a:defRPr/>
-            </a:pPr>
-            <a:r>
-              <a:rPr lang="en-GB" dirty="0"/>
-              <a:t>The loop in this case will produce an identical result to the loop in the previous slide.</a:t>
+              <a:t>If the “step” value is positive, the lop will stop when the counter is larger than the final value. If “step” is negative, the loop will stop when the counter is smaller than the final value. This means that it’s possible for no iterations of a loop to be conducted if the initial value is greater than the final value and the step is positive, or if the initial value is less than the final value and the step is negative.</a:t>
             </a:r>
           </a:p>
         </p:txBody>
@@ -4972,7 +4930,7 @@
           <a:p>
             <a:fld id="{6A641EC8-C9F8-4A58-A1A7-F7D817526EEC}" type="slidenum">
               <a:rPr lang="en-GB" smtClean="0"/>
-              <a:t>34</a:t>
+              <a:t>33</a:t>
             </a:fld>
             <a:endParaRPr lang="en-GB"/>
           </a:p>
@@ -4981,7 +4939,7 @@
     </p:spTree>
     <p:extLst>
       <p:ext uri="{BB962C8B-B14F-4D97-AF65-F5344CB8AC3E}">
-        <p14:creationId xmlns:p14="http://schemas.microsoft.com/office/powerpoint/2010/main" val="2091042849"/>
+        <p14:creationId xmlns:p14="http://schemas.microsoft.com/office/powerpoint/2010/main" val="2984129182"/>
       </p:ext>
     </p:extLst>
   </p:cSld>
@@ -5054,7 +5012,7 @@
             </a:pPr>
             <a:r>
               <a:rPr lang="en-GB" dirty="0"/>
-              <a:t>The definition of functions and subroutines is where your code really begins to be flexible and powerful. Both of these constructs allow you to define pieces of code which can be called repeatedly from different parts of your code. This is very powerful as it allows a piece of code to be written which achieves a particular small task. This can then be used in other subroutines and functions which performed slightly larger and more complex tasks and so on and so on, until your code completes the entire task you want it to perform. This allows a large and complex task to be broken down into small and manageable tasks.</a:t>
+              <a:t>Do while loops are similar to do loops in the sense that a piece of code to be repeated is sandwiched between a “do” statement which defines the loop and an end do statement. However,  a do while loop is more useful when you don’t know in advance how many iterations of the loop you want to complete, but you do know the condition you want the loop to terminate for.</a:t>
             </a:r>
           </a:p>
           <a:p>
@@ -5097,7 +5055,93 @@
             </a:pPr>
             <a:r>
               <a:rPr lang="en-GB" dirty="0"/>
-              <a:t>Functions and subroutines may be called with different values, passed in as “arguments”. Functions will return a value whilst subroutines do not. This will become clear with some examples.</a:t>
+              <a:t>To achieve this, a logical expression is placed within parentheses. This will be evaluated at the start of each iteration. If the expression is true, the iteration will continue. If it’s false, the iteration won’t be performed and the code will continue from after the “end do” statement.</a:t>
+            </a:r>
+          </a:p>
+          <a:p>
+            <a:pPr marL="0" marR="0" lvl="0" indent="0" algn="l" defTabSz="914400" rtl="0" eaLnBrk="1" fontAlgn="auto" latinLnBrk="0" hangingPunct="1">
+              <a:lnSpc>
+                <a:spcPct val="100000"/>
+              </a:lnSpc>
+              <a:spcBef>
+                <a:spcPts val="0"/>
+              </a:spcBef>
+              <a:spcAft>
+                <a:spcPts val="0"/>
+              </a:spcAft>
+              <a:buClrTx/>
+              <a:buSzTx/>
+              <a:buFontTx/>
+              <a:buNone/>
+              <a:tabLst/>
+              <a:defRPr/>
+            </a:pPr>
+            <a:endParaRPr lang="en-GB" dirty="0"/>
+          </a:p>
+          <a:p>
+            <a:pPr marL="0" marR="0" lvl="0" indent="0" algn="l" defTabSz="914400" rtl="0" eaLnBrk="1" fontAlgn="auto" latinLnBrk="0" hangingPunct="1">
+              <a:lnSpc>
+                <a:spcPct val="100000"/>
+              </a:lnSpc>
+              <a:spcBef>
+                <a:spcPts val="0"/>
+              </a:spcBef>
+              <a:spcAft>
+                <a:spcPts val="0"/>
+              </a:spcAft>
+              <a:buClrTx/>
+              <a:buSzTx/>
+              <a:buFontTx/>
+              <a:buNone/>
+              <a:tabLst/>
+              <a:defRPr/>
+            </a:pPr>
+            <a:r>
+              <a:rPr lang="en-GB" dirty="0"/>
+              <a:t>This means, if the expression in parentheses following “do while” is never false, the loop will continue to be executed forever. As a result, care must be taken that this doesn’t occur.</a:t>
+            </a:r>
+          </a:p>
+          <a:p>
+            <a:pPr marL="0" marR="0" lvl="0" indent="0" algn="l" defTabSz="914400" rtl="0" eaLnBrk="1" fontAlgn="auto" latinLnBrk="0" hangingPunct="1">
+              <a:lnSpc>
+                <a:spcPct val="100000"/>
+              </a:lnSpc>
+              <a:spcBef>
+                <a:spcPts val="0"/>
+              </a:spcBef>
+              <a:spcAft>
+                <a:spcPts val="0"/>
+              </a:spcAft>
+              <a:buClrTx/>
+              <a:buSzTx/>
+              <a:buFontTx/>
+              <a:buNone/>
+              <a:tabLst/>
+              <a:defRPr/>
+            </a:pPr>
+            <a:endParaRPr lang="en-GB" dirty="0"/>
+          </a:p>
+          <a:p>
+            <a:pPr marL="0" marR="0" lvl="0" indent="0" algn="l" defTabSz="914400" rtl="0" eaLnBrk="1" fontAlgn="auto" latinLnBrk="0" hangingPunct="1">
+              <a:lnSpc>
+                <a:spcPct val="100000"/>
+              </a:lnSpc>
+              <a:spcBef>
+                <a:spcPts val="0"/>
+              </a:spcBef>
+              <a:spcAft>
+                <a:spcPts val="0"/>
+              </a:spcAft>
+              <a:buClrTx/>
+              <a:buSzTx/>
+              <a:buFontTx/>
+              <a:buNone/>
+              <a:tabLst/>
+              <a:defRPr/>
+            </a:pPr>
+            <a:r>
+              <a:rPr lang="en-GB" dirty="0"/>
+              <a:t>The loop in this case will produce an identical result to the loop in the previous slide.</a:t>
             </a:r>
           </a:p>
         </p:txBody>
@@ -5119,7 +5163,7 @@
           <a:p>
             <a:fld id="{6A641EC8-C9F8-4A58-A1A7-F7D817526EEC}" type="slidenum">
               <a:rPr lang="en-GB" smtClean="0"/>
-              <a:t>35</a:t>
+              <a:t>34</a:t>
             </a:fld>
             <a:endParaRPr lang="en-GB"/>
           </a:p>
@@ -5128,7 +5172,7 @@
     </p:spTree>
     <p:extLst>
       <p:ext uri="{BB962C8B-B14F-4D97-AF65-F5344CB8AC3E}">
-        <p14:creationId xmlns:p14="http://schemas.microsoft.com/office/powerpoint/2010/main" val="1788333832"/>
+        <p14:creationId xmlns:p14="http://schemas.microsoft.com/office/powerpoint/2010/main" val="2091042849"/>
       </p:ext>
     </p:extLst>
   </p:cSld>
@@ -5201,7 +5245,7 @@
             </a:pPr>
             <a:r>
               <a:rPr lang="en-GB" dirty="0"/>
-              <a:t>A subroutine must be defined following a “contains” statement within your code. The “contains” statement can be put in a few places. To begin with, we’ll consider when it occurs in between the “program…” and “end program…” statements. This serves to divide the code of your program which will be executed sequentially (above “contains”) and the definition of functions, subroutines, etc.</a:t>
+              <a:t>The definition of functions and subroutines is where your code really begins to be flexible and powerful. Both of these constructs allow you to define pieces of code which can be called repeatedly from different parts of your code. This is very powerful as it allows a piece of code to be written which achieves a particular small task. This can then be used in other subroutines and functions which performed slightly larger and more complex tasks and so on and so on, until your code completes the entire task you want it to perform. This allows a large and complex task to be broken down into small and manageable tasks.</a:t>
             </a:r>
           </a:p>
           <a:p>
@@ -5244,7 +5288,7 @@
             </a:pPr>
             <a:r>
               <a:rPr lang="en-GB" dirty="0"/>
-              <a:t>Subroutines may contain the declaration of variables to be used within that subroutine. Each time the function is called, a new variable with that name will be created and will exist for the duration of the call to that subroutine. The variable will cease to exist when the subroutine finishes. Variables declared in a subroutine are only accessible from within the code contained in that subroutine and are not accessible from the piece of code which called the subroutine or from any functions or subroutines called from within the subroutine.</a:t>
+              <a:t>Functions and subroutines may be called with different values, passed in as “arguments”. Functions will return a value whilst subroutines do not. This will become clear with some examples.</a:t>
             </a:r>
           </a:p>
         </p:txBody>
@@ -5266,7 +5310,7 @@
           <a:p>
             <a:fld id="{6A641EC8-C9F8-4A58-A1A7-F7D817526EEC}" type="slidenum">
               <a:rPr lang="en-GB" smtClean="0"/>
-              <a:t>36</a:t>
+              <a:t>35</a:t>
             </a:fld>
             <a:endParaRPr lang="en-GB"/>
           </a:p>
@@ -5275,7 +5319,7 @@
     </p:spTree>
     <p:extLst>
       <p:ext uri="{BB962C8B-B14F-4D97-AF65-F5344CB8AC3E}">
-        <p14:creationId xmlns:p14="http://schemas.microsoft.com/office/powerpoint/2010/main" val="3277135252"/>
+        <p14:creationId xmlns:p14="http://schemas.microsoft.com/office/powerpoint/2010/main" val="1788333832"/>
       </p:ext>
     </p:extLst>
   </p:cSld>
@@ -5348,7 +5392,7 @@
             </a:pPr>
             <a:r>
               <a:rPr lang="en-GB" dirty="0"/>
-              <a:t>The word “subroutine” signals the start of a subroutine definition. This is followed by the name of the subroutine (which has the same restrictions as a variable name). This is then followed by a set of parentheses which contain a number of “arguments” separated by commas. A subroutine may have no arguments, a small number or many. Arguments are variables which will be used in the execution of the subroutine and whose values are provided by the code which calls the subroutine and whose values will be passed back to the calling code when the subroutine is complete.</a:t>
+              <a:t>A subroutine must be defined following a “contains” statement within your code. The “contains” statement can be put in a few places. To begin with, we’ll consider when it occurs in between the “program…” and “end program…” statements. This serves to divide the code of your program which will be executed sequentially (above “contains”) and the definition of functions, subroutines, etc.</a:t>
             </a:r>
           </a:p>
           <a:p>
@@ -5391,93 +5435,7 @@
             </a:pPr>
             <a:r>
               <a:rPr lang="en-GB" dirty="0"/>
-              <a:t>Next, any variables used in the subroutine are declared (including any arguments). These variable names are only relevant within the subroutine itself and cannot be accessed from outside the subroutine. They may be the same variable names as variables elsewhere in the code.</a:t>
-            </a:r>
-          </a:p>
-          <a:p>
-            <a:pPr marL="0" marR="0" lvl="0" indent="0" algn="l" defTabSz="914400" rtl="0" eaLnBrk="1" fontAlgn="auto" latinLnBrk="0" hangingPunct="1">
-              <a:lnSpc>
-                <a:spcPct val="100000"/>
-              </a:lnSpc>
-              <a:spcBef>
-                <a:spcPts val="0"/>
-              </a:spcBef>
-              <a:spcAft>
-                <a:spcPts val="0"/>
-              </a:spcAft>
-              <a:buClrTx/>
-              <a:buSzTx/>
-              <a:buFontTx/>
-              <a:buNone/>
-              <a:tabLst/>
-              <a:defRPr/>
-            </a:pPr>
-            <a:endParaRPr lang="en-GB" dirty="0"/>
-          </a:p>
-          <a:p>
-            <a:pPr marL="0" marR="0" lvl="0" indent="0" algn="l" defTabSz="914400" rtl="0" eaLnBrk="1" fontAlgn="auto" latinLnBrk="0" hangingPunct="1">
-              <a:lnSpc>
-                <a:spcPct val="100000"/>
-              </a:lnSpc>
-              <a:spcBef>
-                <a:spcPts val="0"/>
-              </a:spcBef>
-              <a:spcAft>
-                <a:spcPts val="0"/>
-              </a:spcAft>
-              <a:buClrTx/>
-              <a:buSzTx/>
-              <a:buFontTx/>
-              <a:buNone/>
-              <a:tabLst/>
-              <a:defRPr/>
-            </a:pPr>
-            <a:r>
-              <a:rPr lang="en-GB" dirty="0"/>
-              <a:t>Next, any operations to be carried out by the subroutine are defined. These will be carried out in order as they would be elsewhere in a Fortran program.</a:t>
-            </a:r>
-          </a:p>
-          <a:p>
-            <a:pPr marL="0" marR="0" lvl="0" indent="0" algn="l" defTabSz="914400" rtl="0" eaLnBrk="1" fontAlgn="auto" latinLnBrk="0" hangingPunct="1">
-              <a:lnSpc>
-                <a:spcPct val="100000"/>
-              </a:lnSpc>
-              <a:spcBef>
-                <a:spcPts val="0"/>
-              </a:spcBef>
-              <a:spcAft>
-                <a:spcPts val="0"/>
-              </a:spcAft>
-              <a:buClrTx/>
-              <a:buSzTx/>
-              <a:buFontTx/>
-              <a:buNone/>
-              <a:tabLst/>
-              <a:defRPr/>
-            </a:pPr>
-            <a:endParaRPr lang="en-GB" dirty="0"/>
-          </a:p>
-          <a:p>
-            <a:pPr marL="0" marR="0" lvl="0" indent="0" algn="l" defTabSz="914400" rtl="0" eaLnBrk="1" fontAlgn="auto" latinLnBrk="0" hangingPunct="1">
-              <a:lnSpc>
-                <a:spcPct val="100000"/>
-              </a:lnSpc>
-              <a:spcBef>
-                <a:spcPts val="0"/>
-              </a:spcBef>
-              <a:spcAft>
-                <a:spcPts val="0"/>
-              </a:spcAft>
-              <a:buClrTx/>
-              <a:buSzTx/>
-              <a:buFontTx/>
-              <a:buNone/>
-              <a:tabLst/>
-              <a:defRPr/>
-            </a:pPr>
-            <a:r>
-              <a:rPr lang="en-GB" dirty="0"/>
-              <a:t>The end of a subroutine is marked with the “end subroutine” statement. This may optionally be followed by the name of the subroutine. It’s god practice to include the name of the subroutine here as, when defining multiple long subroutines, it makes the code easier to read.</a:t>
+              <a:t>Subroutines may contain the declaration of variables to be used within that subroutine. Each time the function is called, a new variable with that name will be created and will exist for the duration of the call to that subroutine. The variable will cease to exist when the subroutine finishes. Variables declared in a subroutine are only accessible from within the code contained in that subroutine and are not accessible from the piece of code which called the subroutine or from any functions or subroutines called from within the subroutine.</a:t>
             </a:r>
           </a:p>
         </p:txBody>
@@ -5499,7 +5457,7 @@
           <a:p>
             <a:fld id="{6A641EC8-C9F8-4A58-A1A7-F7D817526EEC}" type="slidenum">
               <a:rPr lang="en-GB" smtClean="0"/>
-              <a:t>37</a:t>
+              <a:t>36</a:t>
             </a:fld>
             <a:endParaRPr lang="en-GB"/>
           </a:p>
@@ -5508,7 +5466,7 @@
     </p:spTree>
     <p:extLst>
       <p:ext uri="{BB962C8B-B14F-4D97-AF65-F5344CB8AC3E}">
-        <p14:creationId xmlns:p14="http://schemas.microsoft.com/office/powerpoint/2010/main" val="3982370110"/>
+        <p14:creationId xmlns:p14="http://schemas.microsoft.com/office/powerpoint/2010/main" val="3277135252"/>
       </p:ext>
     </p:extLst>
   </p:cSld>
@@ -5581,7 +5539,7 @@
             </a:pPr>
             <a:r>
               <a:rPr lang="en-GB" dirty="0"/>
-              <a:t>A subroutine is called by using the “call” statement followed by the name of the subroutine. The names of the variables whose values are to be used in the call to the subroutine. The variables used here may have the same or different names to the names of the arguments as defined in subroutine declaration.</a:t>
+              <a:t>The word “subroutine” signals the start of a subroutine definition. This is followed by the name of the subroutine (which has the same restrictions as a variable name). This is then followed by a set of parentheses which contain a number of “arguments” separated by commas. A subroutine may have no arguments, a small number or many. Arguments are variables which will be used in the execution of the subroutine and whose values are provided by the code which calls the subroutine and whose values will be passed back to the calling code when the subroutine is complete.</a:t>
             </a:r>
           </a:p>
           <a:p>
@@ -5624,7 +5582,93 @@
             </a:pPr>
             <a:r>
               <a:rPr lang="en-GB" dirty="0"/>
-              <a:t>Once the call to the subroutine has been completed, the values of the variables in the argument list will take the value of the corresponding argument in the subroutine at the end of the subroutine call.</a:t>
+              <a:t>Next, any variables used in the subroutine are declared (including any arguments). These variable names are only relevant within the subroutine itself and cannot be accessed from outside the subroutine. They may be the same variable names as variables elsewhere in the code.</a:t>
+            </a:r>
+          </a:p>
+          <a:p>
+            <a:pPr marL="0" marR="0" lvl="0" indent="0" algn="l" defTabSz="914400" rtl="0" eaLnBrk="1" fontAlgn="auto" latinLnBrk="0" hangingPunct="1">
+              <a:lnSpc>
+                <a:spcPct val="100000"/>
+              </a:lnSpc>
+              <a:spcBef>
+                <a:spcPts val="0"/>
+              </a:spcBef>
+              <a:spcAft>
+                <a:spcPts val="0"/>
+              </a:spcAft>
+              <a:buClrTx/>
+              <a:buSzTx/>
+              <a:buFontTx/>
+              <a:buNone/>
+              <a:tabLst/>
+              <a:defRPr/>
+            </a:pPr>
+            <a:endParaRPr lang="en-GB" dirty="0"/>
+          </a:p>
+          <a:p>
+            <a:pPr marL="0" marR="0" lvl="0" indent="0" algn="l" defTabSz="914400" rtl="0" eaLnBrk="1" fontAlgn="auto" latinLnBrk="0" hangingPunct="1">
+              <a:lnSpc>
+                <a:spcPct val="100000"/>
+              </a:lnSpc>
+              <a:spcBef>
+                <a:spcPts val="0"/>
+              </a:spcBef>
+              <a:spcAft>
+                <a:spcPts val="0"/>
+              </a:spcAft>
+              <a:buClrTx/>
+              <a:buSzTx/>
+              <a:buFontTx/>
+              <a:buNone/>
+              <a:tabLst/>
+              <a:defRPr/>
+            </a:pPr>
+            <a:r>
+              <a:rPr lang="en-GB" dirty="0"/>
+              <a:t>Next, any operations to be carried out by the subroutine are defined. These will be carried out in order as they would be elsewhere in a Fortran program.</a:t>
+            </a:r>
+          </a:p>
+          <a:p>
+            <a:pPr marL="0" marR="0" lvl="0" indent="0" algn="l" defTabSz="914400" rtl="0" eaLnBrk="1" fontAlgn="auto" latinLnBrk="0" hangingPunct="1">
+              <a:lnSpc>
+                <a:spcPct val="100000"/>
+              </a:lnSpc>
+              <a:spcBef>
+                <a:spcPts val="0"/>
+              </a:spcBef>
+              <a:spcAft>
+                <a:spcPts val="0"/>
+              </a:spcAft>
+              <a:buClrTx/>
+              <a:buSzTx/>
+              <a:buFontTx/>
+              <a:buNone/>
+              <a:tabLst/>
+              <a:defRPr/>
+            </a:pPr>
+            <a:endParaRPr lang="en-GB" dirty="0"/>
+          </a:p>
+          <a:p>
+            <a:pPr marL="0" marR="0" lvl="0" indent="0" algn="l" defTabSz="914400" rtl="0" eaLnBrk="1" fontAlgn="auto" latinLnBrk="0" hangingPunct="1">
+              <a:lnSpc>
+                <a:spcPct val="100000"/>
+              </a:lnSpc>
+              <a:spcBef>
+                <a:spcPts val="0"/>
+              </a:spcBef>
+              <a:spcAft>
+                <a:spcPts val="0"/>
+              </a:spcAft>
+              <a:buClrTx/>
+              <a:buSzTx/>
+              <a:buFontTx/>
+              <a:buNone/>
+              <a:tabLst/>
+              <a:defRPr/>
+            </a:pPr>
+            <a:r>
+              <a:rPr lang="en-GB" dirty="0"/>
+              <a:t>The end of a subroutine is marked with the “end subroutine” statement. This may optionally be followed by the name of the subroutine. It’s god practice to include the name of the subroutine here as, when defining multiple long subroutines, it makes the code easier to read.</a:t>
             </a:r>
           </a:p>
         </p:txBody>
@@ -5646,7 +5690,7 @@
           <a:p>
             <a:fld id="{6A641EC8-C9F8-4A58-A1A7-F7D817526EEC}" type="slidenum">
               <a:rPr lang="en-GB" smtClean="0"/>
-              <a:t>38</a:t>
+              <a:t>37</a:t>
             </a:fld>
             <a:endParaRPr lang="en-GB"/>
           </a:p>
@@ -5655,7 +5699,7 @@
     </p:spTree>
     <p:extLst>
       <p:ext uri="{BB962C8B-B14F-4D97-AF65-F5344CB8AC3E}">
-        <p14:creationId xmlns:p14="http://schemas.microsoft.com/office/powerpoint/2010/main" val="1299901112"/>
+        <p14:creationId xmlns:p14="http://schemas.microsoft.com/office/powerpoint/2010/main" val="3982370110"/>
       </p:ext>
     </p:extLst>
   </p:cSld>
@@ -5728,7 +5772,7 @@
             </a:pPr>
             <a:r>
               <a:rPr lang="en-GB" dirty="0"/>
-              <a:t>A function must be defined following a “contains” statement within your code. The “contains” statement can be put in a few places. To begin with, we’ll consider when it occurs in between the “program…” and “end program…” statements. This serves to divide the code of your program which will be executed sequentially (above “contains”) and the definition of functions, subroutines, etc.</a:t>
+              <a:t>A subroutine is called by using the “call” statement followed by the name of the subroutine. The names of the variables whose values are to be used in the call to the subroutine. The variables used here may have the same or different names to the names of the arguments as defined in subroutine declaration.</a:t>
             </a:r>
           </a:p>
           <a:p>
@@ -5771,50 +5815,7 @@
             </a:pPr>
             <a:r>
               <a:rPr lang="en-GB" dirty="0"/>
-              <a:t>Functions may contain the declaration of variables to be used within that function. Each time the function is called, a new variable with that name will be created and will exist for the duration of the call to that function. The variable will cease to exist when the function finishes. Variables declared in a function are only accessible from within the code contained in that function and are not accessible from the piece of code which called the function or from any functions or subroutines called from within the function.</a:t>
-            </a:r>
-          </a:p>
-          <a:p>
-            <a:pPr marL="0" marR="0" lvl="0" indent="0" algn="l" defTabSz="914400" rtl="0" eaLnBrk="1" fontAlgn="auto" latinLnBrk="0" hangingPunct="1">
-              <a:lnSpc>
-                <a:spcPct val="100000"/>
-              </a:lnSpc>
-              <a:spcBef>
-                <a:spcPts val="0"/>
-              </a:spcBef>
-              <a:spcAft>
-                <a:spcPts val="0"/>
-              </a:spcAft>
-              <a:buClrTx/>
-              <a:buSzTx/>
-              <a:buFontTx/>
-              <a:buNone/>
-              <a:tabLst/>
-              <a:defRPr/>
-            </a:pPr>
-            <a:endParaRPr lang="en-GB" dirty="0"/>
-          </a:p>
-          <a:p>
-            <a:pPr marL="0" marR="0" lvl="0" indent="0" algn="l" defTabSz="914400" rtl="0" eaLnBrk="1" fontAlgn="auto" latinLnBrk="0" hangingPunct="1">
-              <a:lnSpc>
-                <a:spcPct val="100000"/>
-              </a:lnSpc>
-              <a:spcBef>
-                <a:spcPts val="0"/>
-              </a:spcBef>
-              <a:spcAft>
-                <a:spcPts val="0"/>
-              </a:spcAft>
-              <a:buClrTx/>
-              <a:buSzTx/>
-              <a:buFontTx/>
-              <a:buNone/>
-              <a:tabLst/>
-              <a:defRPr/>
-            </a:pPr>
-            <a:r>
-              <a:rPr lang="en-GB" dirty="0"/>
-              <a:t>Functions have a type and will “return” a value of that type.</a:t>
+              <a:t>Once the call to the subroutine has been completed, the values of the variables in the argument list will take the value of the corresponding argument in the subroutine at the end of the subroutine call.</a:t>
             </a:r>
           </a:p>
         </p:txBody>
@@ -5836,7 +5837,7 @@
           <a:p>
             <a:fld id="{6A641EC8-C9F8-4A58-A1A7-F7D817526EEC}" type="slidenum">
               <a:rPr lang="en-GB" smtClean="0"/>
-              <a:t>39</a:t>
+              <a:t>38</a:t>
             </a:fld>
             <a:endParaRPr lang="en-GB"/>
           </a:p>
@@ -5845,7 +5846,7 @@
     </p:spTree>
     <p:extLst>
       <p:ext uri="{BB962C8B-B14F-4D97-AF65-F5344CB8AC3E}">
-        <p14:creationId xmlns:p14="http://schemas.microsoft.com/office/powerpoint/2010/main" val="2879707264"/>
+        <p14:creationId xmlns:p14="http://schemas.microsoft.com/office/powerpoint/2010/main" val="1299901112"/>
       </p:ext>
     </p:extLst>
   </p:cSld>
@@ -5918,7 +5919,7 @@
             </a:pPr>
             <a:r>
               <a:rPr lang="en-GB" dirty="0"/>
-              <a:t>These two functions will produce the same result but demonstrate two different ways of specifying a function. They have some things in common. Both use the word “function” to begin the specification of the function and finish with the “end function” statement. Both of these statements are followed by the name of the function. The “end function” statement does not necessarily need to be followed by the function name, but it is good practice to so as it makes your code more readable.</a:t>
+              <a:t>A function must be defined following a “contains” statement within your code. The “contains” statement can be put in a few places. To begin with, we’ll consider when it occurs in between the “program…” and “end program…” statements. This serves to divide the code of your program which will be executed sequentially (above “contains”) and the definition of functions, subroutines, etc.</a:t>
             </a:r>
           </a:p>
           <a:p>
@@ -5961,7 +5962,7 @@
             </a:pPr>
             <a:r>
               <a:rPr lang="en-GB" dirty="0"/>
-              <a:t>Following the specification of the function name, a list of variable names separated by commas are contained within parentheses. This is the list of arguments that the function takes and will be given values when the function is called (more on that later). Next any variables which will be used in the function are declared. The declared variables must include all arguments from the argument list. Following the declaration of variables, any calculations to be performed in the function are written.</a:t>
+              <a:t>Functions may contain the declaration of variables to be used within that function. Each time the function is called, a new variable with that name will be created and will exist for the duration of the call to that function. The variable will cease to exist when the function finishes. Variables declared in a function are only accessible from within the code contained in that function and are not accessible from the piece of code which called the function or from any functions or subroutines called from within the function.</a:t>
             </a:r>
           </a:p>
           <a:p>
@@ -6004,50 +6005,7 @@
             </a:pPr>
             <a:r>
               <a:rPr lang="en-GB" dirty="0"/>
-              <a:t>In the first function definition, the word “real” preceding the word “function” specifies that the function will return a real value. This allows assignment to the name of the function (in this case “function_name1”). The value of this variable at the end of the function will be the value returned by the call to the function.</a:t>
-            </a:r>
-          </a:p>
-          <a:p>
-            <a:pPr marL="0" marR="0" lvl="0" indent="0" algn="l" defTabSz="914400" rtl="0" eaLnBrk="1" fontAlgn="auto" latinLnBrk="0" hangingPunct="1">
-              <a:lnSpc>
-                <a:spcPct val="100000"/>
-              </a:lnSpc>
-              <a:spcBef>
-                <a:spcPts val="0"/>
-              </a:spcBef>
-              <a:spcAft>
-                <a:spcPts val="0"/>
-              </a:spcAft>
-              <a:buClrTx/>
-              <a:buSzTx/>
-              <a:buFontTx/>
-              <a:buNone/>
-              <a:tabLst/>
-              <a:defRPr/>
-            </a:pPr>
-            <a:endParaRPr lang="en-GB" dirty="0"/>
-          </a:p>
-          <a:p>
-            <a:pPr marL="0" marR="0" lvl="0" indent="0" algn="l" defTabSz="914400" rtl="0" eaLnBrk="1" fontAlgn="auto" latinLnBrk="0" hangingPunct="1">
-              <a:lnSpc>
-                <a:spcPct val="100000"/>
-              </a:lnSpc>
-              <a:spcBef>
-                <a:spcPts val="0"/>
-              </a:spcBef>
-              <a:spcAft>
-                <a:spcPts val="0"/>
-              </a:spcAft>
-              <a:buClrTx/>
-              <a:buSzTx/>
-              <a:buFontTx/>
-              <a:buNone/>
-              <a:tabLst/>
-              <a:defRPr/>
-            </a:pPr>
-            <a:r>
-              <a:rPr lang="en-GB" dirty="0"/>
-              <a:t>In the second example, the word “real” is not placed before the word “function”. Instead, the statement “result(evaluation)” is placed after the argument list. This specifies that the value of the variable named “evaluation” at the end of the function will be returned. This also means that a variable named “evaluation” must be declared and that the function’s return type will be specified by the type of the variable “evaluation”. Any variable name could be used here, I have chosen “evaluation” because its descriptive within the scope of the function.</a:t>
+              <a:t>Functions have a type and will “return” a value of that type.</a:t>
             </a:r>
           </a:p>
         </p:txBody>
@@ -6069,7 +6027,7 @@
           <a:p>
             <a:fld id="{6A641EC8-C9F8-4A58-A1A7-F7D817526EEC}" type="slidenum">
               <a:rPr lang="en-GB" smtClean="0"/>
-              <a:t>40</a:t>
+              <a:t>39</a:t>
             </a:fld>
             <a:endParaRPr lang="en-GB"/>
           </a:p>
@@ -6078,7 +6036,7 @@
     </p:spTree>
     <p:extLst>
       <p:ext uri="{BB962C8B-B14F-4D97-AF65-F5344CB8AC3E}">
-        <p14:creationId xmlns:p14="http://schemas.microsoft.com/office/powerpoint/2010/main" val="3379787824"/>
+        <p14:creationId xmlns:p14="http://schemas.microsoft.com/office/powerpoint/2010/main" val="2879707264"/>
       </p:ext>
     </p:extLst>
   </p:cSld>
@@ -6134,7 +6092,15 @@
           <a:p>
             <a:r>
               <a:rPr lang="en-GB" dirty="0"/>
-              <a:t>To develop a code, the first step is to work out the algorithm you want to use to achieve your desired outcome. This means you need to work out what steps will be carried out and in what order. This is a tricky skill to master and only comes with practice.</a:t>
+              <a:t>At its heart, coding is the act of writing instructions for a computer to perform. Normally, this done in order to achieve a particular goal. The resulting set </a:t>
+            </a:r>
+            <a:r>
+              <a:rPr lang="en-GB" dirty="0" err="1"/>
+              <a:t>fo</a:t>
+            </a:r>
+            <a:r>
+              <a:rPr lang="en-GB" dirty="0"/>
+              <a:t> instructions is called a program. Computers are very adept at carrying out large numbers of calculations very quickly and this makes the production and use of code very useful for the automation of laborious calculations. This might include simulation of a physical system, the analysis of data or the real-time control of complex systems.</a:t>
             </a:r>
           </a:p>
           <a:p>
@@ -6143,40 +6109,7 @@
           <a:p>
             <a:r>
               <a:rPr lang="en-GB" dirty="0"/>
-              <a:t>The next step is to translate the algorithm into a set of instructions written in a human-readable source code file. This is the file you write when you code.</a:t>
-            </a:r>
-          </a:p>
-          <a:p>
-            <a:r>
-              <a:rPr lang="en-GB" dirty="0"/>
-              <a:t>The final step is to instruct the computer to carry out the instructions.</a:t>
-            </a:r>
-          </a:p>
-          <a:p>
-            <a:endParaRPr lang="en-GB" dirty="0"/>
-          </a:p>
-          <a:p>
-            <a:r>
-              <a:rPr lang="en-GB" dirty="0"/>
-              <a:t>The exact manner of how you achieve each of these three steps is dependent on the computer language you ae using. Different languages have different features and properties and this can affect the tools available to carry out a task, or the efficiency of those tools. This can mean you might use a different algorithm in different coding languages. The source code you write will look very different dependent on the language you use as the syntax for achieve even identical simple commands might vary significantly. The process you go through to cause your computer to execute the code will also vary from language to language. Some languages (including Fortran) require passing through a special program called a “compiler” before they can be executed. More on this later.</a:t>
-            </a:r>
-          </a:p>
-          <a:p>
-            <a:endParaRPr lang="en-GB" dirty="0"/>
-          </a:p>
-          <a:p>
-            <a:r>
-              <a:rPr lang="en-GB" dirty="0"/>
-              <a:t>Some languages have features which are particularly well-suited to some types of problem and this might affect the language you chose to use.</a:t>
-            </a:r>
-          </a:p>
-          <a:p>
-            <a:endParaRPr lang="en-GB" dirty="0"/>
-          </a:p>
-          <a:p>
-            <a:r>
-              <a:rPr lang="en-GB" dirty="0"/>
-              <a:t>One piece of good news is that once you’ve learned how to do the first step efficiently in any language, the process of learning how to do the second and third steps in a new language gets significantly easier.</a:t>
+              <a:t>As a program produced by a piece of code may be used over and over again, it can be designed to be reapplied to a number of related cases.</a:t>
             </a:r>
           </a:p>
         </p:txBody>
@@ -6198,7 +6131,7 @@
           <a:p>
             <a:fld id="{6A641EC8-C9F8-4A58-A1A7-F7D817526EEC}" type="slidenum">
               <a:rPr lang="en-GB" smtClean="0"/>
-              <a:t>5</a:t>
+              <a:t>4</a:t>
             </a:fld>
             <a:endParaRPr lang="en-GB"/>
           </a:p>
@@ -6207,7 +6140,7 @@
     </p:spTree>
     <p:extLst>
       <p:ext uri="{BB962C8B-B14F-4D97-AF65-F5344CB8AC3E}">
-        <p14:creationId xmlns:p14="http://schemas.microsoft.com/office/powerpoint/2010/main" val="4198700250"/>
+        <p14:creationId xmlns:p14="http://schemas.microsoft.com/office/powerpoint/2010/main" val="2194246595"/>
       </p:ext>
     </p:extLst>
   </p:cSld>
@@ -6280,7 +6213,7 @@
             </a:pPr>
             <a:r>
               <a:rPr lang="en-GB" dirty="0"/>
-              <a:t>When a function is called, it may be placed in the same place in a statement as another variable of that type may be placed. This is done by writing the name of the function and then, in parentheses, the values which the corresponding arguments in the argument list of the function will take during this call to the function. These may be values specified explicitly, the names of variables or statements which will be evaluated when the function is called. The specification of the arguments are separated by commas and each must have the same type as the argument that they are being passed to in the function.</a:t>
+              <a:t>These two functions will produce the same result but demonstrate two different ways of specifying a function. They have some things in common. Both use the word “function” to begin the specification of the function and finish with the “end function” statement. Both of these statements are followed by the name of the function. The “end function” statement does not necessarily need to be followed by the function name, but it is good practice to so as it makes your code more readable.</a:t>
             </a:r>
           </a:p>
           <a:p>
@@ -6323,7 +6256,93 @@
             </a:pPr>
             <a:r>
               <a:rPr lang="en-GB" dirty="0"/>
-              <a:t>This call to the function may be placed anywhere a variable name of the same type may be placed. It may be printed to the screen, assigned to a variable or used as part of a calculation. It may be even be placed in the argument list of a call to a function.</a:t>
+              <a:t>Following the specification of the function name, a list of variable names separated by commas are contained within parentheses. This is the list of arguments that the function takes and will be given values when the function is called (more on that later). Next any variables which will be used in the function are declared. The declared variables must include all arguments from the argument list. Following the declaration of variables, any calculations to be performed in the function are written.</a:t>
+            </a:r>
+          </a:p>
+          <a:p>
+            <a:pPr marL="0" marR="0" lvl="0" indent="0" algn="l" defTabSz="914400" rtl="0" eaLnBrk="1" fontAlgn="auto" latinLnBrk="0" hangingPunct="1">
+              <a:lnSpc>
+                <a:spcPct val="100000"/>
+              </a:lnSpc>
+              <a:spcBef>
+                <a:spcPts val="0"/>
+              </a:spcBef>
+              <a:spcAft>
+                <a:spcPts val="0"/>
+              </a:spcAft>
+              <a:buClrTx/>
+              <a:buSzTx/>
+              <a:buFontTx/>
+              <a:buNone/>
+              <a:tabLst/>
+              <a:defRPr/>
+            </a:pPr>
+            <a:endParaRPr lang="en-GB" dirty="0"/>
+          </a:p>
+          <a:p>
+            <a:pPr marL="0" marR="0" lvl="0" indent="0" algn="l" defTabSz="914400" rtl="0" eaLnBrk="1" fontAlgn="auto" latinLnBrk="0" hangingPunct="1">
+              <a:lnSpc>
+                <a:spcPct val="100000"/>
+              </a:lnSpc>
+              <a:spcBef>
+                <a:spcPts val="0"/>
+              </a:spcBef>
+              <a:spcAft>
+                <a:spcPts val="0"/>
+              </a:spcAft>
+              <a:buClrTx/>
+              <a:buSzTx/>
+              <a:buFontTx/>
+              <a:buNone/>
+              <a:tabLst/>
+              <a:defRPr/>
+            </a:pPr>
+            <a:r>
+              <a:rPr lang="en-GB" dirty="0"/>
+              <a:t>In the first function definition, the word “real” preceding the word “function” specifies that the function will return a real value. This allows assignment to the name of the function (in this case “function_name1”). The value of this variable at the end of the function will be the value returned by the call to the function.</a:t>
+            </a:r>
+          </a:p>
+          <a:p>
+            <a:pPr marL="0" marR="0" lvl="0" indent="0" algn="l" defTabSz="914400" rtl="0" eaLnBrk="1" fontAlgn="auto" latinLnBrk="0" hangingPunct="1">
+              <a:lnSpc>
+                <a:spcPct val="100000"/>
+              </a:lnSpc>
+              <a:spcBef>
+                <a:spcPts val="0"/>
+              </a:spcBef>
+              <a:spcAft>
+                <a:spcPts val="0"/>
+              </a:spcAft>
+              <a:buClrTx/>
+              <a:buSzTx/>
+              <a:buFontTx/>
+              <a:buNone/>
+              <a:tabLst/>
+              <a:defRPr/>
+            </a:pPr>
+            <a:endParaRPr lang="en-GB" dirty="0"/>
+          </a:p>
+          <a:p>
+            <a:pPr marL="0" marR="0" lvl="0" indent="0" algn="l" defTabSz="914400" rtl="0" eaLnBrk="1" fontAlgn="auto" latinLnBrk="0" hangingPunct="1">
+              <a:lnSpc>
+                <a:spcPct val="100000"/>
+              </a:lnSpc>
+              <a:spcBef>
+                <a:spcPts val="0"/>
+              </a:spcBef>
+              <a:spcAft>
+                <a:spcPts val="0"/>
+              </a:spcAft>
+              <a:buClrTx/>
+              <a:buSzTx/>
+              <a:buFontTx/>
+              <a:buNone/>
+              <a:tabLst/>
+              <a:defRPr/>
+            </a:pPr>
+            <a:r>
+              <a:rPr lang="en-GB" dirty="0"/>
+              <a:t>In the second example, the word “real” is not placed before the word “function”. Instead, the statement “result(evaluation)” is placed after the argument list. This specifies that the value of the variable named “evaluation” at the end of the function will be returned. This also means that a variable named “evaluation” must be declared and that the function’s return type will be specified by the type of the variable “evaluation”. Any variable name could be used here, I have chosen “evaluation” because its descriptive within the scope of the function.</a:t>
             </a:r>
           </a:p>
         </p:txBody>
@@ -6345,7 +6364,7 @@
           <a:p>
             <a:fld id="{6A641EC8-C9F8-4A58-A1A7-F7D817526EEC}" type="slidenum">
               <a:rPr lang="en-GB" smtClean="0"/>
-              <a:t>41</a:t>
+              <a:t>40</a:t>
             </a:fld>
             <a:endParaRPr lang="en-GB"/>
           </a:p>
@@ -6354,7 +6373,7 @@
     </p:spTree>
     <p:extLst>
       <p:ext uri="{BB962C8B-B14F-4D97-AF65-F5344CB8AC3E}">
-        <p14:creationId xmlns:p14="http://schemas.microsoft.com/office/powerpoint/2010/main" val="2238695586"/>
+        <p14:creationId xmlns:p14="http://schemas.microsoft.com/office/powerpoint/2010/main" val="3379787824"/>
       </p:ext>
     </p:extLst>
   </p:cSld>
@@ -6427,7 +6446,50 @@
             </a:pPr>
             <a:r>
               <a:rPr lang="en-GB" dirty="0"/>
-              <a:t>A function in Fortran can be defined to be “recursive”, meaning it is able to call itself. In this example, we have written a recursive function to calculate the factorial of a number. It does this by checking if the value is 0 or 1 (and so the factorial of the value is 1) and, if so, returning that value. If the value is larger, it calls itself to calculate the factorial of a value one lower than the current value, and multiplies it by the current value before returning the result.</a:t>
+              <a:t>When a function is called, it may be placed in the same place in a statement as another variable of that type may be placed. This is done by writing the name of the function and then, in parentheses, the values which the corresponding arguments in the argument list of the function will take during this call to the function. These may be values specified explicitly, the names of variables or statements which will be evaluated when the function is called. The specification of the arguments are separated by commas and each must have the same type as the argument that they are being passed to in the function.</a:t>
+            </a:r>
+          </a:p>
+          <a:p>
+            <a:pPr marL="0" marR="0" lvl="0" indent="0" algn="l" defTabSz="914400" rtl="0" eaLnBrk="1" fontAlgn="auto" latinLnBrk="0" hangingPunct="1">
+              <a:lnSpc>
+                <a:spcPct val="100000"/>
+              </a:lnSpc>
+              <a:spcBef>
+                <a:spcPts val="0"/>
+              </a:spcBef>
+              <a:spcAft>
+                <a:spcPts val="0"/>
+              </a:spcAft>
+              <a:buClrTx/>
+              <a:buSzTx/>
+              <a:buFontTx/>
+              <a:buNone/>
+              <a:tabLst/>
+              <a:defRPr/>
+            </a:pPr>
+            <a:endParaRPr lang="en-GB" dirty="0"/>
+          </a:p>
+          <a:p>
+            <a:pPr marL="0" marR="0" lvl="0" indent="0" algn="l" defTabSz="914400" rtl="0" eaLnBrk="1" fontAlgn="auto" latinLnBrk="0" hangingPunct="1">
+              <a:lnSpc>
+                <a:spcPct val="100000"/>
+              </a:lnSpc>
+              <a:spcBef>
+                <a:spcPts val="0"/>
+              </a:spcBef>
+              <a:spcAft>
+                <a:spcPts val="0"/>
+              </a:spcAft>
+              <a:buClrTx/>
+              <a:buSzTx/>
+              <a:buFontTx/>
+              <a:buNone/>
+              <a:tabLst/>
+              <a:defRPr/>
+            </a:pPr>
+            <a:r>
+              <a:rPr lang="en-GB" dirty="0"/>
+              <a:t>This call to the function may be placed anywhere a variable name of the same type may be placed. It may be printed to the screen, assigned to a variable or used as part of a calculation. It may be even be placed in the argument list of a call to a function.</a:t>
             </a:r>
           </a:p>
         </p:txBody>
@@ -6449,7 +6511,7 @@
           <a:p>
             <a:fld id="{6A641EC8-C9F8-4A58-A1A7-F7D817526EEC}" type="slidenum">
               <a:rPr lang="en-GB" smtClean="0"/>
-              <a:t>42</a:t>
+              <a:t>41</a:t>
             </a:fld>
             <a:endParaRPr lang="en-GB"/>
           </a:p>
@@ -6458,7 +6520,7 @@
     </p:spTree>
     <p:extLst>
       <p:ext uri="{BB962C8B-B14F-4D97-AF65-F5344CB8AC3E}">
-        <p14:creationId xmlns:p14="http://schemas.microsoft.com/office/powerpoint/2010/main" val="2122932727"/>
+        <p14:creationId xmlns:p14="http://schemas.microsoft.com/office/powerpoint/2010/main" val="2238695586"/>
       </p:ext>
     </p:extLst>
   </p:cSld>
@@ -6531,7 +6593,7 @@
             </a:pPr>
             <a:r>
               <a:rPr lang="en-GB" dirty="0"/>
-              <a:t>When using an array as an argument for a function or subroutine, it’s not necessary to specify the size of the array. By using one or more colons separated by commas in the dimension statement, it’s possible to specify the dimension, but not the size of an array argument. The function can then be called with an array of the appropriate size used as the argument.</a:t>
+              <a:t>A function in Fortran can be defined to be “recursive”, meaning it is able to call itself. In this example, we have written a recursive function to calculate the factorial of a number. It does this by checking if the value is 0 or 1 (and so the factorial of the value is 1) and, if so, returning that value. If the value is larger, it calls itself to calculate the factorial of a value one lower than the current value, and multiplies it by the current value before returning the result.</a:t>
             </a:r>
           </a:p>
         </p:txBody>
@@ -6553,7 +6615,7 @@
           <a:p>
             <a:fld id="{6A641EC8-C9F8-4A58-A1A7-F7D817526EEC}" type="slidenum">
               <a:rPr lang="en-GB" smtClean="0"/>
-              <a:t>43</a:t>
+              <a:t>42</a:t>
             </a:fld>
             <a:endParaRPr lang="en-GB"/>
           </a:p>
@@ -6562,7 +6624,7 @@
     </p:spTree>
     <p:extLst>
       <p:ext uri="{BB962C8B-B14F-4D97-AF65-F5344CB8AC3E}">
-        <p14:creationId xmlns:p14="http://schemas.microsoft.com/office/powerpoint/2010/main" val="3155736512"/>
+        <p14:creationId xmlns:p14="http://schemas.microsoft.com/office/powerpoint/2010/main" val="2122932727"/>
       </p:ext>
     </p:extLst>
   </p:cSld>
@@ -6635,50 +6697,7 @@
             </a:pPr>
             <a:r>
               <a:rPr lang="en-GB" dirty="0"/>
-              <a:t>The definition of a module begins with the word “module” and is followed by the name of the module. Following this are the declaration of so-called “global” variables. These variables are accessible from anywhere within this module (such as in functions or subroutines) or from any module which “uses” this module (more on that in the next slide).</a:t>
-            </a:r>
-          </a:p>
-          <a:p>
-            <a:pPr marL="0" marR="0" lvl="0" indent="0" algn="l" defTabSz="914400" rtl="0" eaLnBrk="1" fontAlgn="auto" latinLnBrk="0" hangingPunct="1">
-              <a:lnSpc>
-                <a:spcPct val="100000"/>
-              </a:lnSpc>
-              <a:spcBef>
-                <a:spcPts val="0"/>
-              </a:spcBef>
-              <a:spcAft>
-                <a:spcPts val="0"/>
-              </a:spcAft>
-              <a:buClrTx/>
-              <a:buSzTx/>
-              <a:buFontTx/>
-              <a:buNone/>
-              <a:tabLst/>
-              <a:defRPr/>
-            </a:pPr>
-            <a:endParaRPr lang="en-GB" dirty="0"/>
-          </a:p>
-          <a:p>
-            <a:pPr marL="0" marR="0" lvl="0" indent="0" algn="l" defTabSz="914400" rtl="0" eaLnBrk="1" fontAlgn="auto" latinLnBrk="0" hangingPunct="1">
-              <a:lnSpc>
-                <a:spcPct val="100000"/>
-              </a:lnSpc>
-              <a:spcBef>
-                <a:spcPts val="0"/>
-              </a:spcBef>
-              <a:spcAft>
-                <a:spcPts val="0"/>
-              </a:spcAft>
-              <a:buClrTx/>
-              <a:buSzTx/>
-              <a:buFontTx/>
-              <a:buNone/>
-              <a:tabLst/>
-              <a:defRPr/>
-            </a:pPr>
-            <a:r>
-              <a:rPr lang="en-GB" dirty="0"/>
-              <a:t>Next, comes the “contains” keyword. Following, any number of functions and/or subroutines may be defined. The end of the module specification is marked by the phrase “end module” and (optionally) the module name</a:t>
+              <a:t>When using an array as an argument for a function or subroutine, it’s not necessary to specify the size of the array. By using one or more colons separated by commas in the dimension statement, it’s possible to specify the dimension, but not the size of an array argument. The function can then be called with an array of the appropriate size used as the argument.</a:t>
             </a:r>
           </a:p>
         </p:txBody>
@@ -6700,7 +6719,7 @@
           <a:p>
             <a:fld id="{6A641EC8-C9F8-4A58-A1A7-F7D817526EEC}" type="slidenum">
               <a:rPr lang="en-GB" smtClean="0"/>
-              <a:t>44</a:t>
+              <a:t>43</a:t>
             </a:fld>
             <a:endParaRPr lang="en-GB"/>
           </a:p>
@@ -6709,7 +6728,7 @@
     </p:spTree>
     <p:extLst>
       <p:ext uri="{BB962C8B-B14F-4D97-AF65-F5344CB8AC3E}">
-        <p14:creationId xmlns:p14="http://schemas.microsoft.com/office/powerpoint/2010/main" val="609607135"/>
+        <p14:creationId xmlns:p14="http://schemas.microsoft.com/office/powerpoint/2010/main" val="3155736512"/>
       </p:ext>
     </p:extLst>
   </p:cSld>
@@ -6782,7 +6801,7 @@
             </a:pPr>
             <a:r>
               <a:rPr lang="en-GB" dirty="0"/>
-              <a:t>To make the content of a module usable elsewhere in code, it must be “used” from the place you wish to use it from. This is done by writing “use” and then the name of the module you wish to use. This can be in another module, or from in the main program. The “use” statement must come before any “implicit none” statement or variable declarations.</a:t>
+              <a:t>The definition of a module begins with the word “module” and is followed by the name of the module. Following this are the declaration of so-called “global” variables. These variables are accessible from anywhere within this module (such as in functions or subroutines) or from any module which “uses” this module (more on that in the next slide).</a:t>
             </a:r>
           </a:p>
           <a:p>
@@ -6825,7 +6844,7 @@
             </a:pPr>
             <a:r>
               <a:rPr lang="en-GB" dirty="0"/>
-              <a:t>This allows the module or program using the module to access any of the global variables declared or subroutines and functions defined in the module.</a:t>
+              <a:t>Next, comes the “contains” keyword. Following, any number of functions and/or subroutines may be defined. The end of the module specification is marked by the phrase “end module” and (optionally) the module name</a:t>
             </a:r>
           </a:p>
         </p:txBody>
@@ -6847,7 +6866,7 @@
           <a:p>
             <a:fld id="{6A641EC8-C9F8-4A58-A1A7-F7D817526EEC}" type="slidenum">
               <a:rPr lang="en-GB" smtClean="0"/>
-              <a:t>45</a:t>
+              <a:t>44</a:t>
             </a:fld>
             <a:endParaRPr lang="en-GB"/>
           </a:p>
@@ -6856,7 +6875,7 @@
     </p:spTree>
     <p:extLst>
       <p:ext uri="{BB962C8B-B14F-4D97-AF65-F5344CB8AC3E}">
-        <p14:creationId xmlns:p14="http://schemas.microsoft.com/office/powerpoint/2010/main" val="2960212540"/>
+        <p14:creationId xmlns:p14="http://schemas.microsoft.com/office/powerpoint/2010/main" val="609607135"/>
       </p:ext>
     </p:extLst>
   </p:cSld>
@@ -6929,7 +6948,7 @@
             </a:pPr>
             <a:r>
               <a:rPr lang="en-GB" dirty="0"/>
-              <a:t>If Module A uses Module B and Module B uses Module C, the contents of Module C will also be available from Module A. In this case, importing Module C from Module A will not cause a problem, but won’t have any effect.</a:t>
+              <a:t>To make the content of a module usable elsewhere in code, it must be “used” from the place you wish to use it from. This is done by writing “use” and then the name of the module you wish to use. This can be in another module, or from in the main program. The “use” statement must come before any “implicit none” statement or variable declarations.</a:t>
             </a:r>
           </a:p>
           <a:p>
@@ -6972,7 +6991,7 @@
             </a:pPr>
             <a:r>
               <a:rPr lang="en-GB" dirty="0"/>
-              <a:t>If Module A uses Module B, Module B cannot use module A, either directly, or through a chain of modules using one another. This means careful planning can be required in complex projects to make sure the subroutines and functions are placed within appropriate modules which use each other in an appropriate pattern.</a:t>
+              <a:t>This allows the module or program using the module to access any of the global variables declared or subroutines and functions defined in the module.</a:t>
             </a:r>
           </a:p>
         </p:txBody>
@@ -6994,7 +7013,7 @@
           <a:p>
             <a:fld id="{6A641EC8-C9F8-4A58-A1A7-F7D817526EEC}" type="slidenum">
               <a:rPr lang="en-GB" smtClean="0"/>
-              <a:t>46</a:t>
+              <a:t>45</a:t>
             </a:fld>
             <a:endParaRPr lang="en-GB"/>
           </a:p>
@@ -7003,7 +7022,7 @@
     </p:spTree>
     <p:extLst>
       <p:ext uri="{BB962C8B-B14F-4D97-AF65-F5344CB8AC3E}">
-        <p14:creationId xmlns:p14="http://schemas.microsoft.com/office/powerpoint/2010/main" val="3343411188"/>
+        <p14:creationId xmlns:p14="http://schemas.microsoft.com/office/powerpoint/2010/main" val="2960212540"/>
       </p:ext>
     </p:extLst>
   </p:cSld>
@@ -7032,13 +7051,19 @@
       </p:grpSpPr>
       <p:sp>
         <p:nvSpPr>
-          <p:cNvPr id="2" name="Notes Placeholder 1">
-            <a:extLst>
-              <a:ext uri="{FF2B5EF4-FFF2-40B4-BE49-F238E27FC236}">
-                <a16:creationId xmlns:a16="http://schemas.microsoft.com/office/drawing/2014/main" id="{50EFE6BF-E4A8-4E27-8C94-0E633E72D8B2}"/>
-              </a:ext>
-            </a:extLst>
-          </p:cNvPr>
+          <p:cNvPr id="2" name="Slide Image Placeholder 1"/>
+          <p:cNvSpPr>
+            <a:spLocks noGrp="1" noRot="1" noChangeAspect="1"/>
+          </p:cNvSpPr>
+          <p:nvPr>
+            <p:ph type="sldImg"/>
+          </p:nvPr>
+        </p:nvSpPr>
+        <p:spPr/>
+      </p:sp>
+      <p:sp>
+        <p:nvSpPr>
+          <p:cNvPr id="3" name="Notes Placeholder 2"/>
           <p:cNvSpPr>
             <a:spLocks noGrp="1"/>
           </p:cNvSpPr>
@@ -7051,90 +7076,102 @@
           <a:bodyPr/>
           <a:lstStyle/>
           <a:p>
-            <a:r>
-              <a:rPr lang="en-GB" dirty="0"/>
-              <a:t>There are two main types of error in Fortran (as in most compiled languages).</a:t>
-            </a:r>
-          </a:p>
-          <a:p>
+            <a:pPr marL="0" marR="0" lvl="0" indent="0" algn="l" defTabSz="914400" rtl="0" eaLnBrk="1" fontAlgn="auto" latinLnBrk="0" hangingPunct="1">
+              <a:lnSpc>
+                <a:spcPct val="100000"/>
+              </a:lnSpc>
+              <a:spcBef>
+                <a:spcPts val="0"/>
+              </a:spcBef>
+              <a:spcAft>
+                <a:spcPts val="0"/>
+              </a:spcAft>
+              <a:buClrTx/>
+              <a:buSzTx/>
+              <a:buFontTx/>
+              <a:buNone/>
+              <a:tabLst/>
+              <a:defRPr/>
+            </a:pPr>
+            <a:r>
+              <a:rPr lang="en-GB" dirty="0"/>
+              <a:t>If Module A uses Module B and Module B uses Module C, the contents of Module C will also be available from Module A. In this case, importing Module C from Module A will not cause a problem, but won’t have any effect.</a:t>
+            </a:r>
+          </a:p>
+          <a:p>
+            <a:pPr marL="0" marR="0" lvl="0" indent="0" algn="l" defTabSz="914400" rtl="0" eaLnBrk="1" fontAlgn="auto" latinLnBrk="0" hangingPunct="1">
+              <a:lnSpc>
+                <a:spcPct val="100000"/>
+              </a:lnSpc>
+              <a:spcBef>
+                <a:spcPts val="0"/>
+              </a:spcBef>
+              <a:spcAft>
+                <a:spcPts val="0"/>
+              </a:spcAft>
+              <a:buClrTx/>
+              <a:buSzTx/>
+              <a:buFontTx/>
+              <a:buNone/>
+              <a:tabLst/>
+              <a:defRPr/>
+            </a:pPr>
             <a:endParaRPr lang="en-GB" dirty="0"/>
           </a:p>
           <a:p>
-            <a:r>
-              <a:rPr lang="en-GB" dirty="0"/>
-              <a:t>The first is a compilation error. This is where you have written something that is syntactically invalid and the problem is found when the compiler examines the source code. For instance, using an undeclared variable or starting a “do” loop but not using an “end do” would be examples of compilation errors because the compiler can work out the syntax is wrong from simply looking at the source code. Every compiler is slightly different and so compilation errors will be phrased differently by different compilers. In addition, some compilers may have more advanced logic and so may be able to spot different problems. Compilers may also provide warnings for things which aren’t technically wrong, but may be mistake the programmer has made, such as declaring a variable but never using it. Which warnings compilers display by default will vary from compiler to compiler and may be further toggled with compiler flags.</a:t>
-            </a:r>
-          </a:p>
-          <a:p>
-            <a:endParaRPr lang="en-GB" dirty="0"/>
-          </a:p>
-          <a:p>
-            <a:r>
-              <a:rPr lang="en-GB" dirty="0"/>
-              <a:t>Run-time errors occur when the syntax of a code is correct, but there are problems when the code is run due to the values of particular variables. As the compiler doesn’t run the code, it cannot spot these problems. They can only be found by running the code, often with different variables and in different contexts in the case of a subroutine or function. A common run-time error is a “</a:t>
-            </a:r>
-            <a:r>
-              <a:rPr lang="en-GB" dirty="0" err="1"/>
-              <a:t>segfault</a:t>
-            </a:r>
-            <a:r>
-              <a:rPr lang="en-GB" dirty="0"/>
-              <a:t>”, which commonly occurs when you try to read from or to a piece of memory which isn’t allocated. For example, reading from an unallocated array, or writing to the fourth element of an array with three entries. This type of </a:t>
-            </a:r>
-            <a:r>
-              <a:rPr lang="en-GB" dirty="0" err="1"/>
-              <a:t>errordoes</a:t>
-            </a:r>
-            <a:r>
-              <a:rPr lang="en-GB" dirty="0"/>
-              <a:t> not always give a useful error message and so can be tricky to track down. In the worst cases, may not even be picked up on as the code runs and may simply cause “wrong” results. For many compilers, extra compilation options will put in explicit checks for such errors and will also be able to provide more useful error messages. An example would be the “-</a:t>
-            </a:r>
-            <a:r>
-              <a:rPr lang="en-GB" dirty="0" err="1"/>
-              <a:t>fcheck</a:t>
-            </a:r>
-            <a:r>
-              <a:rPr lang="en-GB" dirty="0"/>
-              <a:t>=bounds” option for </a:t>
-            </a:r>
-            <a:r>
-              <a:rPr lang="en-GB" dirty="0" err="1"/>
-              <a:t>gfortran</a:t>
-            </a:r>
-            <a:r>
-              <a:rPr lang="en-GB" dirty="0"/>
-              <a:t> would check for accessing an element of an array beyond the bounds of the array. There are also specialised tools such as </a:t>
-            </a:r>
-            <a:r>
-              <a:rPr lang="en-GB" dirty="0" err="1"/>
-              <a:t>valgrind</a:t>
-            </a:r>
-            <a:r>
-              <a:rPr lang="en-GB" dirty="0"/>
-              <a:t> </a:t>
-            </a:r>
-            <a:r>
-              <a:rPr lang="en-GB" dirty="0">
-                <a:hlinkClick r:id="rId3"/>
-              </a:rPr>
-              <a:t>https://valgrind.org/</a:t>
-            </a:r>
-            <a:r>
-              <a:rPr lang="en-GB" dirty="0"/>
-              <a:t> which perform detailed and helpful checks of many run-time errors. However, using debugging flags or external tools such as </a:t>
-            </a:r>
-            <a:r>
-              <a:rPr lang="en-GB" dirty="0" err="1"/>
-              <a:t>valgrind</a:t>
-            </a:r>
-            <a:r>
-              <a:rPr lang="en-GB" dirty="0"/>
-              <a:t> will slow down your code a lot. As a result, these tools are best used in the development phase of your project.</a:t>
-            </a:r>
+            <a:pPr marL="0" marR="0" lvl="0" indent="0" algn="l" defTabSz="914400" rtl="0" eaLnBrk="1" fontAlgn="auto" latinLnBrk="0" hangingPunct="1">
+              <a:lnSpc>
+                <a:spcPct val="100000"/>
+              </a:lnSpc>
+              <a:spcBef>
+                <a:spcPts val="0"/>
+              </a:spcBef>
+              <a:spcAft>
+                <a:spcPts val="0"/>
+              </a:spcAft>
+              <a:buClrTx/>
+              <a:buSzTx/>
+              <a:buFontTx/>
+              <a:buNone/>
+              <a:tabLst/>
+              <a:defRPr/>
+            </a:pPr>
+            <a:r>
+              <a:rPr lang="en-GB" dirty="0"/>
+              <a:t>If Module A uses Module B, Module B cannot use module A, either directly, or through a chain of modules using one another. This means careful planning can be required in complex projects to make sure the subroutines and functions are placed within appropriate modules which use each other in an appropriate pattern.</a:t>
+            </a:r>
+          </a:p>
+        </p:txBody>
+      </p:sp>
+      <p:sp>
+        <p:nvSpPr>
+          <p:cNvPr id="4" name="Slide Number Placeholder 3"/>
+          <p:cNvSpPr>
+            <a:spLocks noGrp="1"/>
+          </p:cNvSpPr>
+          <p:nvPr>
+            <p:ph type="sldNum" sz="quarter" idx="10"/>
+          </p:nvPr>
+        </p:nvSpPr>
+        <p:spPr/>
+        <p:txBody>
+          <a:bodyPr/>
+          <a:lstStyle/>
+          <a:p>
+            <a:fld id="{6A641EC8-C9F8-4A58-A1A7-F7D817526EEC}" type="slidenum">
+              <a:rPr lang="en-GB" smtClean="0"/>
+              <a:t>46</a:t>
+            </a:fld>
+            <a:endParaRPr lang="en-GB"/>
           </a:p>
         </p:txBody>
       </p:sp>
     </p:spTree>
+    <p:extLst>
+      <p:ext uri="{BB962C8B-B14F-4D97-AF65-F5344CB8AC3E}">
+        <p14:creationId xmlns:p14="http://schemas.microsoft.com/office/powerpoint/2010/main" val="3343411188"/>
+      </p:ext>
+    </p:extLst>
   </p:cSld>
   <p:clrMapOvr>
     <a:masterClrMapping/>
@@ -7264,11 +7301,6 @@
         </p:txBody>
       </p:sp>
     </p:spTree>
-    <p:extLst>
-      <p:ext uri="{BB962C8B-B14F-4D97-AF65-F5344CB8AC3E}">
-        <p14:creationId xmlns:p14="http://schemas.microsoft.com/office/powerpoint/2010/main" val="840145397"/>
-      </p:ext>
-    </p:extLst>
   </p:cSld>
   <p:clrMapOvr>
     <a:masterClrMapping/>
@@ -7295,62 +7327,112 @@
       </p:grpSpPr>
       <p:sp>
         <p:nvSpPr>
-          <p:cNvPr id="2" name="Slide Image Placeholder 1"/>
-          <p:cNvSpPr>
-            <a:spLocks noGrp="1" noRot="1" noChangeAspect="1"/>
-          </p:cNvSpPr>
-          <p:nvPr>
-            <p:ph type="sldImg"/>
+          <p:cNvPr id="2" name="Notes Placeholder 1">
+            <a:extLst>
+              <a:ext uri="{FF2B5EF4-FFF2-40B4-BE49-F238E27FC236}">
+                <a16:creationId xmlns:a16="http://schemas.microsoft.com/office/drawing/2014/main" id="{50EFE6BF-E4A8-4E27-8C94-0E633E72D8B2}"/>
+              </a:ext>
+            </a:extLst>
+          </p:cNvPr>
+          <p:cNvSpPr>
+            <a:spLocks noGrp="1"/>
+          </p:cNvSpPr>
+          <p:nvPr>
+            <p:ph type="body" idx="1"/>
           </p:nvPr>
         </p:nvSpPr>
         <p:spPr/>
-      </p:sp>
-      <p:sp>
-        <p:nvSpPr>
-          <p:cNvPr id="3" name="Notes Placeholder 2"/>
-          <p:cNvSpPr>
-            <a:spLocks noGrp="1"/>
-          </p:cNvSpPr>
-          <p:nvPr>
-            <p:ph type="body" idx="1"/>
-          </p:nvPr>
-        </p:nvSpPr>
-        <p:spPr/>
         <p:txBody>
           <a:bodyPr/>
           <a:lstStyle/>
           <a:p>
+            <a:r>
+              <a:rPr lang="en-GB" dirty="0"/>
+              <a:t>There are two main types of error in Fortran (as in most compiled languages).</a:t>
+            </a:r>
+          </a:p>
+          <a:p>
             <a:endParaRPr lang="en-GB" dirty="0"/>
           </a:p>
-        </p:txBody>
-      </p:sp>
-      <p:sp>
-        <p:nvSpPr>
-          <p:cNvPr id="4" name="Slide Number Placeholder 3"/>
-          <p:cNvSpPr>
-            <a:spLocks noGrp="1"/>
-          </p:cNvSpPr>
-          <p:nvPr>
-            <p:ph type="sldNum" sz="quarter" idx="10"/>
-          </p:nvPr>
-        </p:nvSpPr>
-        <p:spPr/>
-        <p:txBody>
-          <a:bodyPr/>
-          <a:lstStyle/>
-          <a:p>
-            <a:fld id="{6A641EC8-C9F8-4A58-A1A7-F7D817526EEC}" type="slidenum">
-              <a:rPr lang="en-GB" smtClean="0"/>
-              <a:t>49</a:t>
-            </a:fld>
-            <a:endParaRPr lang="en-GB"/>
+          <a:p>
+            <a:r>
+              <a:rPr lang="en-GB" dirty="0"/>
+              <a:t>The first is a compilation error. This is where you have written something that is syntactically invalid and the problem is found when the compiler examines the source code. For instance, using an undeclared variable or starting a “do” loop but not using an “end do” would be examples of compilation errors because the compiler can work out the syntax is wrong from simply looking at the source code. Every compiler is slightly different and so compilation errors will be phrased differently by different compilers. In addition, some compilers may have more advanced logic and so may be able to spot different problems. Compilers may also provide warnings for things which aren’t technically wrong, but may be mistake the programmer has made, such as declaring a variable but never using it. Which warnings compilers display by default will vary from compiler to compiler and may be further toggled with compiler flags.</a:t>
+            </a:r>
+          </a:p>
+          <a:p>
+            <a:endParaRPr lang="en-GB" dirty="0"/>
+          </a:p>
+          <a:p>
+            <a:r>
+              <a:rPr lang="en-GB" dirty="0"/>
+              <a:t>Run-time errors occur when the syntax of a code is correct, but there are problems when the code is run due to the values of particular variables. As the compiler doesn’t run the code, it cannot spot these problems. They can only be found by running the code, often with different variables and in different contexts in the case of a subroutine or function. A common run-time error is a “</a:t>
+            </a:r>
+            <a:r>
+              <a:rPr lang="en-GB" dirty="0" err="1"/>
+              <a:t>segfault</a:t>
+            </a:r>
+            <a:r>
+              <a:rPr lang="en-GB" dirty="0"/>
+              <a:t>”, which commonly occurs when you try to read from or to a piece of memory which isn’t allocated. For example, reading from an unallocated array, or writing to the fourth element of an array with three entries. This type of </a:t>
+            </a:r>
+            <a:r>
+              <a:rPr lang="en-GB" dirty="0" err="1"/>
+              <a:t>errordoes</a:t>
+            </a:r>
+            <a:r>
+              <a:rPr lang="en-GB" dirty="0"/>
+              <a:t> not always give a useful error message and so can be tricky to track down. In the worst cases, may not even be picked up on as the code runs and may simply cause “wrong” results. For many compilers, extra compilation options will put in explicit checks for such errors and will also be able to provide more useful error messages. An example would be the “-</a:t>
+            </a:r>
+            <a:r>
+              <a:rPr lang="en-GB" dirty="0" err="1"/>
+              <a:t>fcheck</a:t>
+            </a:r>
+            <a:r>
+              <a:rPr lang="en-GB" dirty="0"/>
+              <a:t>=bounds” option for </a:t>
+            </a:r>
+            <a:r>
+              <a:rPr lang="en-GB" dirty="0" err="1"/>
+              <a:t>gfortran</a:t>
+            </a:r>
+            <a:r>
+              <a:rPr lang="en-GB" dirty="0"/>
+              <a:t> would check for accessing an element of an array beyond the bounds of the array. There are also specialised tools such as </a:t>
+            </a:r>
+            <a:r>
+              <a:rPr lang="en-GB" dirty="0" err="1"/>
+              <a:t>valgrind</a:t>
+            </a:r>
+            <a:r>
+              <a:rPr lang="en-GB" dirty="0"/>
+              <a:t> </a:t>
+            </a:r>
+            <a:r>
+              <a:rPr lang="en-GB" dirty="0">
+                <a:hlinkClick r:id="rId3"/>
+              </a:rPr>
+              <a:t>https://valgrind.org/</a:t>
+            </a:r>
+            <a:r>
+              <a:rPr lang="en-GB" dirty="0"/>
+              <a:t> which perform detailed and helpful checks of many run-time errors. However, using debugging flags or external tools such as </a:t>
+            </a:r>
+            <a:r>
+              <a:rPr lang="en-GB" dirty="0" err="1"/>
+              <a:t>valgrind</a:t>
+            </a:r>
+            <a:r>
+              <a:rPr lang="en-GB" dirty="0"/>
+              <a:t> will slow down your code a lot. As a result, these tools are best used in the development phase of your project.</a:t>
+            </a:r>
           </a:p>
         </p:txBody>
       </p:sp>
     </p:spTree>
     <p:extLst>
       <p:ext uri="{BB962C8B-B14F-4D97-AF65-F5344CB8AC3E}">
-        <p14:creationId xmlns:p14="http://schemas.microsoft.com/office/powerpoint/2010/main" val="1492413823"/>
+        <p14:creationId xmlns:p14="http://schemas.microsoft.com/office/powerpoint/2010/main" val="840145397"/>
       </p:ext>
     </p:extLst>
   </p:cSld>
@@ -7379,229 +7461,62 @@
       </p:grpSpPr>
       <p:sp>
         <p:nvSpPr>
-          <p:cNvPr id="108546" name="Rectangle 7"/>
-          <p:cNvSpPr>
-            <a:spLocks noGrp="1" noChangeArrowheads="1"/>
-          </p:cNvSpPr>
-          <p:nvPr>
-            <p:ph type="sldNum" sz="quarter" idx="5"/>
-          </p:nvPr>
-        </p:nvSpPr>
-        <p:spPr>
-          <a:noFill/>
-          <a:extLst>
-            <a:ext uri="{909E8E84-426E-40DD-AFC4-6F175D3DCCD1}">
-              <a14:hiddenFill xmlns:a14="http://schemas.microsoft.com/office/drawing/2010/main">
-                <a:solidFill>
-                  <a:srgbClr val="FFFFFF"/>
-                </a:solidFill>
-              </a14:hiddenFill>
-            </a:ext>
-            <a:ext uri="{91240B29-F687-4F45-9708-019B960494DF}">
-              <a14:hiddenLine xmlns:a14="http://schemas.microsoft.com/office/drawing/2010/main" w="9525">
-                <a:solidFill>
-                  <a:srgbClr val="000000"/>
-                </a:solidFill>
-                <a:miter lim="800000"/>
-                <a:headEnd/>
-                <a:tailEnd/>
-              </a14:hiddenLine>
-            </a:ext>
-          </a:extLst>
-        </p:spPr>
+          <p:cNvPr id="2" name="Slide Image Placeholder 1"/>
+          <p:cNvSpPr>
+            <a:spLocks noGrp="1" noRot="1" noChangeAspect="1"/>
+          </p:cNvSpPr>
+          <p:nvPr>
+            <p:ph type="sldImg"/>
+          </p:nvPr>
+        </p:nvSpPr>
+        <p:spPr/>
+      </p:sp>
+      <p:sp>
+        <p:nvSpPr>
+          <p:cNvPr id="3" name="Notes Placeholder 2"/>
+          <p:cNvSpPr>
+            <a:spLocks noGrp="1"/>
+          </p:cNvSpPr>
+          <p:nvPr>
+            <p:ph type="body" idx="1"/>
+          </p:nvPr>
+        </p:nvSpPr>
+        <p:spPr/>
         <p:txBody>
           <a:bodyPr/>
-          <a:lstStyle>
-            <a:lvl1pPr eaLnBrk="0" hangingPunct="0">
-              <a:spcBef>
-                <a:spcPct val="30000"/>
-              </a:spcBef>
-              <a:defRPr sz="1400">
-                <a:solidFill>
-                  <a:schemeClr val="tx1"/>
-                </a:solidFill>
-                <a:latin typeface="Times New Roman" pitchFamily="18" charset="0"/>
-              </a:defRPr>
-            </a:lvl1pPr>
-            <a:lvl2pPr marL="867807" indent="-333772" eaLnBrk="0" hangingPunct="0">
-              <a:spcBef>
-                <a:spcPct val="30000"/>
-              </a:spcBef>
-              <a:defRPr sz="1400">
-                <a:solidFill>
-                  <a:schemeClr val="tx1"/>
-                </a:solidFill>
-                <a:latin typeface="Times New Roman" pitchFamily="18" charset="0"/>
-              </a:defRPr>
-            </a:lvl2pPr>
-            <a:lvl3pPr marL="1335090" indent="-267019" eaLnBrk="0" hangingPunct="0">
-              <a:spcBef>
-                <a:spcPct val="30000"/>
-              </a:spcBef>
-              <a:defRPr sz="1400">
-                <a:solidFill>
-                  <a:schemeClr val="tx1"/>
-                </a:solidFill>
-                <a:latin typeface="Times New Roman" pitchFamily="18" charset="0"/>
-              </a:defRPr>
-            </a:lvl3pPr>
-            <a:lvl4pPr marL="1869126" indent="-267019" eaLnBrk="0" hangingPunct="0">
-              <a:spcBef>
-                <a:spcPct val="30000"/>
-              </a:spcBef>
-              <a:defRPr sz="1400">
-                <a:solidFill>
-                  <a:schemeClr val="tx1"/>
-                </a:solidFill>
-                <a:latin typeface="Times New Roman" pitchFamily="18" charset="0"/>
-              </a:defRPr>
-            </a:lvl4pPr>
-            <a:lvl5pPr marL="2403162" indent="-267019" eaLnBrk="0" hangingPunct="0">
-              <a:spcBef>
-                <a:spcPct val="30000"/>
-              </a:spcBef>
-              <a:defRPr sz="1400">
-                <a:solidFill>
-                  <a:schemeClr val="tx1"/>
-                </a:solidFill>
-                <a:latin typeface="Times New Roman" pitchFamily="18" charset="0"/>
-              </a:defRPr>
-            </a:lvl5pPr>
-            <a:lvl6pPr marL="2937196" indent="-267019" eaLnBrk="0" fontAlgn="base" hangingPunct="0">
-              <a:spcBef>
-                <a:spcPct val="30000"/>
-              </a:spcBef>
-              <a:spcAft>
-                <a:spcPct val="0"/>
-              </a:spcAft>
-              <a:defRPr sz="1400">
-                <a:solidFill>
-                  <a:schemeClr val="tx1"/>
-                </a:solidFill>
-                <a:latin typeface="Times New Roman" pitchFamily="18" charset="0"/>
-              </a:defRPr>
-            </a:lvl6pPr>
-            <a:lvl7pPr marL="3471233" indent="-267019" eaLnBrk="0" fontAlgn="base" hangingPunct="0">
-              <a:spcBef>
-                <a:spcPct val="30000"/>
-              </a:spcBef>
-              <a:spcAft>
-                <a:spcPct val="0"/>
-              </a:spcAft>
-              <a:defRPr sz="1400">
-                <a:solidFill>
-                  <a:schemeClr val="tx1"/>
-                </a:solidFill>
-                <a:latin typeface="Times New Roman" pitchFamily="18" charset="0"/>
-              </a:defRPr>
-            </a:lvl7pPr>
-            <a:lvl8pPr marL="4005269" indent="-267019" eaLnBrk="0" fontAlgn="base" hangingPunct="0">
-              <a:spcBef>
-                <a:spcPct val="30000"/>
-              </a:spcBef>
-              <a:spcAft>
-                <a:spcPct val="0"/>
-              </a:spcAft>
-              <a:defRPr sz="1400">
-                <a:solidFill>
-                  <a:schemeClr val="tx1"/>
-                </a:solidFill>
-                <a:latin typeface="Times New Roman" pitchFamily="18" charset="0"/>
-              </a:defRPr>
-            </a:lvl8pPr>
-            <a:lvl9pPr marL="4539304" indent="-267019" eaLnBrk="0" fontAlgn="base" hangingPunct="0">
-              <a:spcBef>
-                <a:spcPct val="30000"/>
-              </a:spcBef>
-              <a:spcAft>
-                <a:spcPct val="0"/>
-              </a:spcAft>
-              <a:defRPr sz="1400">
-                <a:solidFill>
-                  <a:schemeClr val="tx1"/>
-                </a:solidFill>
-                <a:latin typeface="Times New Roman" pitchFamily="18" charset="0"/>
-              </a:defRPr>
-            </a:lvl9pPr>
-          </a:lstStyle>
-          <a:p>
-            <a:pPr eaLnBrk="1" hangingPunct="1">
-              <a:spcBef>
-                <a:spcPct val="0"/>
-              </a:spcBef>
-            </a:pPr>
-            <a:fld id="{02925A89-94DB-4D01-BF69-778533A1DF9B}" type="slidenum">
-              <a:rPr lang="en-US" altLang="en-US" smtClean="0"/>
-              <a:pPr eaLnBrk="1" hangingPunct="1">
-                <a:spcBef>
-                  <a:spcPct val="0"/>
-                </a:spcBef>
-              </a:pPr>
-              <a:t>50</a:t>
+          <a:lstStyle/>
+          <a:p>
+            <a:endParaRPr lang="en-GB" dirty="0"/>
+          </a:p>
+        </p:txBody>
+      </p:sp>
+      <p:sp>
+        <p:nvSpPr>
+          <p:cNvPr id="4" name="Slide Number Placeholder 3"/>
+          <p:cNvSpPr>
+            <a:spLocks noGrp="1"/>
+          </p:cNvSpPr>
+          <p:nvPr>
+            <p:ph type="sldNum" sz="quarter" idx="10"/>
+          </p:nvPr>
+        </p:nvSpPr>
+        <p:spPr/>
+        <p:txBody>
+          <a:bodyPr/>
+          <a:lstStyle/>
+          <a:p>
+            <a:fld id="{6A641EC8-C9F8-4A58-A1A7-F7D817526EEC}" type="slidenum">
+              <a:rPr lang="en-GB" smtClean="0"/>
+              <a:t>49</a:t>
             </a:fld>
-            <a:endParaRPr lang="en-US" altLang="en-US"/>
-          </a:p>
-        </p:txBody>
-      </p:sp>
-      <p:sp>
-        <p:nvSpPr>
-          <p:cNvPr id="108547" name="Rectangle 2"/>
-          <p:cNvSpPr>
-            <a:spLocks noGrp="1" noRot="1" noChangeAspect="1" noChangeArrowheads="1" noTextEdit="1"/>
-          </p:cNvSpPr>
-          <p:nvPr>
-            <p:ph type="sldImg"/>
-          </p:nvPr>
-        </p:nvSpPr>
-        <p:spPr>
-          <a:ln/>
-        </p:spPr>
-      </p:sp>
-      <p:sp>
-        <p:nvSpPr>
-          <p:cNvPr id="108548" name="Rectangle 3"/>
-          <p:cNvSpPr>
-            <a:spLocks noGrp="1" noChangeArrowheads="1"/>
-          </p:cNvSpPr>
-          <p:nvPr>
-            <p:ph type="body" idx="1"/>
-          </p:nvPr>
-        </p:nvSpPr>
-        <p:spPr>
-          <a:noFill/>
-          <a:extLst>
-            <a:ext uri="{909E8E84-426E-40DD-AFC4-6F175D3DCCD1}">
-              <a14:hiddenFill xmlns:a14="http://schemas.microsoft.com/office/drawing/2010/main">
-                <a:solidFill>
-                  <a:srgbClr val="FFFFFF"/>
-                </a:solidFill>
-              </a14:hiddenFill>
-            </a:ext>
-            <a:ext uri="{91240B29-F687-4F45-9708-019B960494DF}">
-              <a14:hiddenLine xmlns:a14="http://schemas.microsoft.com/office/drawing/2010/main" w="9525">
-                <a:solidFill>
-                  <a:srgbClr val="000000"/>
-                </a:solidFill>
-                <a:miter lim="800000"/>
-                <a:headEnd/>
-                <a:tailEnd/>
-              </a14:hiddenLine>
-            </a:ext>
-          </a:extLst>
-        </p:spPr>
-        <p:txBody>
-          <a:bodyPr/>
-          <a:lstStyle/>
-          <a:p>
-            <a:pPr eaLnBrk="1" hangingPunct="1"/>
-            <a:endParaRPr lang="en-GB" altLang="en-US" dirty="0"/>
+            <a:endParaRPr lang="en-GB"/>
           </a:p>
         </p:txBody>
       </p:sp>
     </p:spTree>
     <p:extLst>
       <p:ext uri="{BB962C8B-B14F-4D97-AF65-F5344CB8AC3E}">
-        <p14:creationId xmlns:p14="http://schemas.microsoft.com/office/powerpoint/2010/main" val="1829525107"/>
+        <p14:creationId xmlns:p14="http://schemas.microsoft.com/office/powerpoint/2010/main" val="1492413823"/>
       </p:ext>
     </p:extLst>
   </p:cSld>
@@ -7657,7 +7572,7 @@
           <a:p>
             <a:r>
               <a:rPr lang="en-GB" dirty="0"/>
-              <a:t>If you look up Fortran on Wikipedia you will see it is described as “general-purpose compiled programming language”. To break this down, “general-purpose” relates to the fact that Fortran is not specialised to any specific application (in contrast to languages such as R, which is specialised for statistics) and, instead, provides basic building blocks that could be sued for any application. The word “compiled” relates to the fact that Fortran source code is usually read by a program called a “compiler” which interprets it and creates an executable. An executable is a program (often with a .exe extension) which is written in machine-code, which is a low-level and efficient language. You will not normally interact with the code on this level. Finally, “programming language” means it’s an agreed-upon and defined mapping between a string of characters in a source file to a set of actions carried out by the computer.</a:t>
+              <a:t>To develop a code, the first step is to work out the algorithm you want to use to achieve your desired outcome. This means you need to work out what steps will be carried out and in what order. This is a tricky skill to master and only comes with practice.</a:t>
             </a:r>
           </a:p>
           <a:p>
@@ -7666,7 +7581,13 @@
           <a:p>
             <a:r>
               <a:rPr lang="en-GB" dirty="0"/>
-              <a:t>For Fortran, this agreed-upon and defined mapping is defined in a series of Fortran Standards. These standard behaviours are defined by an Standard Committee. Many compilers will describe themselves as being compliant with a particular Fortran Standard, meaning that they contain all the functionality of that standard and should produce the same results as any other compiler compliant with that Fortran Standard.</a:t>
+              <a:t>The next step is to translate the algorithm into a set of instructions written in a human-readable source code file. This is the file you write when you code.</a:t>
+            </a:r>
+          </a:p>
+          <a:p>
+            <a:r>
+              <a:rPr lang="en-GB" dirty="0"/>
+              <a:t>The final step is to instruct the computer to carry out the instructions.</a:t>
             </a:r>
           </a:p>
           <a:p>
@@ -7675,7 +7596,7 @@
           <a:p>
             <a:r>
               <a:rPr lang="en-GB" dirty="0"/>
-              <a:t>Fortran dates back to development by IBM in the 1950s for scientific and engineering applications. It has been updated many times since then with the release of new Fortran Standards, which has increased its functionality and kept its features similar to that of other younger languages. It’s common to make fun of Fortran for its age, but these constant updates means the language is not as out of date as many of its detractors may think.</a:t>
+              <a:t>The exact manner of how you achieve each of these three steps is dependent on the computer language you ae using. Different languages have different features and properties and this can affect the tools available to carry out a task, or the efficiency of those tools. This can mean you might use a different algorithm in different coding languages. The source code you write will look very different dependent on the language you use as the syntax for achieve even identical simple commands might vary significantly. The process you go through to cause your computer to execute the code will also vary from language to language. Some languages (including Fortran) require passing through a special program called a “compiler” before they can be executed. More on this later.</a:t>
             </a:r>
           </a:p>
           <a:p>
@@ -7684,7 +7605,7 @@
           <a:p>
             <a:r>
               <a:rPr lang="en-GB" dirty="0"/>
-              <a:t>Fortran is a lower level language than many other modern languages, meaning you have to be more specific in what the compute. This is helpful in the sense that you can tell the compiler more specifically what the code will be doing and so it can optimise it more aggressively and produce a more efficient code. It can also make the code easier to read as the source code is more specific. However, it also means you often have to enter more lines of codes to get the same effect.</a:t>
+              <a:t>Some languages have features which are particularly well-suited to some types of problem and this might affect the language you chose to use.</a:t>
             </a:r>
           </a:p>
           <a:p>
@@ -7693,32 +7614,8 @@
           <a:p>
             <a:r>
               <a:rPr lang="en-GB" dirty="0"/>
-              <a:t>Fortran is a very efficient code in terms of how fast a given piece of code will be executed on a computer. This is partially due to the fact it is a slightly lower level code than its compatriots and partially because it’s compiled before use. This means it’s very well suited to areas which involve large numbers of calculation such as weather prediction.</a:t>
-            </a:r>
-          </a:p>
-          <a:p>
-            <a:endParaRPr lang="en-GB" dirty="0"/>
-          </a:p>
-          <a:p>
-            <a:r>
-              <a:rPr lang="en-GB" dirty="0"/>
-              <a:t>Many higher-level codes such as Python contain functionality which actually calls lower-level codes such as Fortran or C routines, which helps these codes close the gap somewhat it terms of performance but, even so, it is difficult to approach the raw speed of pure Fortran.</a:t>
-            </a:r>
-          </a:p>
-          <a:p>
-            <a:endParaRPr lang="en-GB" dirty="0"/>
-          </a:p>
-          <a:p>
-            <a:r>
-              <a:rPr lang="en-GB" dirty="0"/>
-              <a:t>If you’re producing a computationally intensive code, Fortran is likely to be a viable choice of programming language. If you’re producing a code where performance is less important, you may be better off choosing a higher-level language which is a little more user-friendly, eve if that’s at the expense of some speed.</a:t>
-            </a:r>
-          </a:p>
-          <a:p>
-            <a:endParaRPr lang="en-GB" dirty="0"/>
-          </a:p>
-          <a:p>
-            <a:endParaRPr lang="en-GB" dirty="0"/>
+              <a:t>One piece of good news is that once you’ve learned how to do the first step efficiently in any language, the process of learning how to do the second and third steps in a new language gets significantly easier.</a:t>
+            </a:r>
           </a:p>
         </p:txBody>
       </p:sp>
@@ -7739,7 +7636,7 @@
           <a:p>
             <a:fld id="{6A641EC8-C9F8-4A58-A1A7-F7D817526EEC}" type="slidenum">
               <a:rPr lang="en-GB" smtClean="0"/>
-              <a:t>6</a:t>
+              <a:t>5</a:t>
             </a:fld>
             <a:endParaRPr lang="en-GB"/>
           </a:p>
@@ -7748,7 +7645,258 @@
     </p:spTree>
     <p:extLst>
       <p:ext uri="{BB962C8B-B14F-4D97-AF65-F5344CB8AC3E}">
-        <p14:creationId xmlns:p14="http://schemas.microsoft.com/office/powerpoint/2010/main" val="2600875460"/>
+        <p14:creationId xmlns:p14="http://schemas.microsoft.com/office/powerpoint/2010/main" val="4198700250"/>
+      </p:ext>
+    </p:extLst>
+  </p:cSld>
+  <p:clrMapOvr>
+    <a:masterClrMapping/>
+  </p:clrMapOvr>
+</p:notes>
+</file>
+
+<file path=ppt/notesSlides/notesSlide50.xml><?xml version="1.0" encoding="utf-8"?>
+<p:notes xmlns:a="http://schemas.openxmlformats.org/drawingml/2006/main" xmlns:r="http://schemas.openxmlformats.org/officeDocument/2006/relationships" xmlns:p="http://schemas.openxmlformats.org/presentationml/2006/main">
+  <p:cSld>
+    <p:spTree>
+      <p:nvGrpSpPr>
+        <p:cNvPr id="1" name=""/>
+        <p:cNvGrpSpPr/>
+        <p:nvPr/>
+      </p:nvGrpSpPr>
+      <p:grpSpPr>
+        <a:xfrm>
+          <a:off x="0" y="0"/>
+          <a:ext cx="0" cy="0"/>
+          <a:chOff x="0" y="0"/>
+          <a:chExt cx="0" cy="0"/>
+        </a:xfrm>
+      </p:grpSpPr>
+      <p:sp>
+        <p:nvSpPr>
+          <p:cNvPr id="108546" name="Rectangle 7"/>
+          <p:cNvSpPr>
+            <a:spLocks noGrp="1" noChangeArrowheads="1"/>
+          </p:cNvSpPr>
+          <p:nvPr>
+            <p:ph type="sldNum" sz="quarter" idx="5"/>
+          </p:nvPr>
+        </p:nvSpPr>
+        <p:spPr>
+          <a:noFill/>
+          <a:extLst>
+            <a:ext uri="{909E8E84-426E-40DD-AFC4-6F175D3DCCD1}">
+              <a14:hiddenFill xmlns:a14="http://schemas.microsoft.com/office/drawing/2010/main">
+                <a:solidFill>
+                  <a:srgbClr val="FFFFFF"/>
+                </a:solidFill>
+              </a14:hiddenFill>
+            </a:ext>
+            <a:ext uri="{91240B29-F687-4F45-9708-019B960494DF}">
+              <a14:hiddenLine xmlns:a14="http://schemas.microsoft.com/office/drawing/2010/main" w="9525">
+                <a:solidFill>
+                  <a:srgbClr val="000000"/>
+                </a:solidFill>
+                <a:miter lim="800000"/>
+                <a:headEnd/>
+                <a:tailEnd/>
+              </a14:hiddenLine>
+            </a:ext>
+          </a:extLst>
+        </p:spPr>
+        <p:txBody>
+          <a:bodyPr/>
+          <a:lstStyle>
+            <a:lvl1pPr eaLnBrk="0" hangingPunct="0">
+              <a:spcBef>
+                <a:spcPct val="30000"/>
+              </a:spcBef>
+              <a:defRPr sz="1400">
+                <a:solidFill>
+                  <a:schemeClr val="tx1"/>
+                </a:solidFill>
+                <a:latin typeface="Times New Roman" pitchFamily="18" charset="0"/>
+              </a:defRPr>
+            </a:lvl1pPr>
+            <a:lvl2pPr marL="867807" indent="-333772" eaLnBrk="0" hangingPunct="0">
+              <a:spcBef>
+                <a:spcPct val="30000"/>
+              </a:spcBef>
+              <a:defRPr sz="1400">
+                <a:solidFill>
+                  <a:schemeClr val="tx1"/>
+                </a:solidFill>
+                <a:latin typeface="Times New Roman" pitchFamily="18" charset="0"/>
+              </a:defRPr>
+            </a:lvl2pPr>
+            <a:lvl3pPr marL="1335090" indent="-267019" eaLnBrk="0" hangingPunct="0">
+              <a:spcBef>
+                <a:spcPct val="30000"/>
+              </a:spcBef>
+              <a:defRPr sz="1400">
+                <a:solidFill>
+                  <a:schemeClr val="tx1"/>
+                </a:solidFill>
+                <a:latin typeface="Times New Roman" pitchFamily="18" charset="0"/>
+              </a:defRPr>
+            </a:lvl3pPr>
+            <a:lvl4pPr marL="1869126" indent="-267019" eaLnBrk="0" hangingPunct="0">
+              <a:spcBef>
+                <a:spcPct val="30000"/>
+              </a:spcBef>
+              <a:defRPr sz="1400">
+                <a:solidFill>
+                  <a:schemeClr val="tx1"/>
+                </a:solidFill>
+                <a:latin typeface="Times New Roman" pitchFamily="18" charset="0"/>
+              </a:defRPr>
+            </a:lvl4pPr>
+            <a:lvl5pPr marL="2403162" indent="-267019" eaLnBrk="0" hangingPunct="0">
+              <a:spcBef>
+                <a:spcPct val="30000"/>
+              </a:spcBef>
+              <a:defRPr sz="1400">
+                <a:solidFill>
+                  <a:schemeClr val="tx1"/>
+                </a:solidFill>
+                <a:latin typeface="Times New Roman" pitchFamily="18" charset="0"/>
+              </a:defRPr>
+            </a:lvl5pPr>
+            <a:lvl6pPr marL="2937196" indent="-267019" eaLnBrk="0" fontAlgn="base" hangingPunct="0">
+              <a:spcBef>
+                <a:spcPct val="30000"/>
+              </a:spcBef>
+              <a:spcAft>
+                <a:spcPct val="0"/>
+              </a:spcAft>
+              <a:defRPr sz="1400">
+                <a:solidFill>
+                  <a:schemeClr val="tx1"/>
+                </a:solidFill>
+                <a:latin typeface="Times New Roman" pitchFamily="18" charset="0"/>
+              </a:defRPr>
+            </a:lvl6pPr>
+            <a:lvl7pPr marL="3471233" indent="-267019" eaLnBrk="0" fontAlgn="base" hangingPunct="0">
+              <a:spcBef>
+                <a:spcPct val="30000"/>
+              </a:spcBef>
+              <a:spcAft>
+                <a:spcPct val="0"/>
+              </a:spcAft>
+              <a:defRPr sz="1400">
+                <a:solidFill>
+                  <a:schemeClr val="tx1"/>
+                </a:solidFill>
+                <a:latin typeface="Times New Roman" pitchFamily="18" charset="0"/>
+              </a:defRPr>
+            </a:lvl7pPr>
+            <a:lvl8pPr marL="4005269" indent="-267019" eaLnBrk="0" fontAlgn="base" hangingPunct="0">
+              <a:spcBef>
+                <a:spcPct val="30000"/>
+              </a:spcBef>
+              <a:spcAft>
+                <a:spcPct val="0"/>
+              </a:spcAft>
+              <a:defRPr sz="1400">
+                <a:solidFill>
+                  <a:schemeClr val="tx1"/>
+                </a:solidFill>
+                <a:latin typeface="Times New Roman" pitchFamily="18" charset="0"/>
+              </a:defRPr>
+            </a:lvl8pPr>
+            <a:lvl9pPr marL="4539304" indent="-267019" eaLnBrk="0" fontAlgn="base" hangingPunct="0">
+              <a:spcBef>
+                <a:spcPct val="30000"/>
+              </a:spcBef>
+              <a:spcAft>
+                <a:spcPct val="0"/>
+              </a:spcAft>
+              <a:defRPr sz="1400">
+                <a:solidFill>
+                  <a:schemeClr val="tx1"/>
+                </a:solidFill>
+                <a:latin typeface="Times New Roman" pitchFamily="18" charset="0"/>
+              </a:defRPr>
+            </a:lvl9pPr>
+          </a:lstStyle>
+          <a:p>
+            <a:pPr eaLnBrk="1" hangingPunct="1">
+              <a:spcBef>
+                <a:spcPct val="0"/>
+              </a:spcBef>
+            </a:pPr>
+            <a:fld id="{02925A89-94DB-4D01-BF69-778533A1DF9B}" type="slidenum">
+              <a:rPr lang="en-US" altLang="en-US" smtClean="0"/>
+              <a:pPr eaLnBrk="1" hangingPunct="1">
+                <a:spcBef>
+                  <a:spcPct val="0"/>
+                </a:spcBef>
+              </a:pPr>
+              <a:t>50</a:t>
+            </a:fld>
+            <a:endParaRPr lang="en-US" altLang="en-US"/>
+          </a:p>
+        </p:txBody>
+      </p:sp>
+      <p:sp>
+        <p:nvSpPr>
+          <p:cNvPr id="108547" name="Rectangle 2"/>
+          <p:cNvSpPr>
+            <a:spLocks noGrp="1" noRot="1" noChangeAspect="1" noChangeArrowheads="1" noTextEdit="1"/>
+          </p:cNvSpPr>
+          <p:nvPr>
+            <p:ph type="sldImg"/>
+          </p:nvPr>
+        </p:nvSpPr>
+        <p:spPr>
+          <a:ln/>
+        </p:spPr>
+      </p:sp>
+      <p:sp>
+        <p:nvSpPr>
+          <p:cNvPr id="108548" name="Rectangle 3"/>
+          <p:cNvSpPr>
+            <a:spLocks noGrp="1" noChangeArrowheads="1"/>
+          </p:cNvSpPr>
+          <p:nvPr>
+            <p:ph type="body" idx="1"/>
+          </p:nvPr>
+        </p:nvSpPr>
+        <p:spPr>
+          <a:noFill/>
+          <a:extLst>
+            <a:ext uri="{909E8E84-426E-40DD-AFC4-6F175D3DCCD1}">
+              <a14:hiddenFill xmlns:a14="http://schemas.microsoft.com/office/drawing/2010/main">
+                <a:solidFill>
+                  <a:srgbClr val="FFFFFF"/>
+                </a:solidFill>
+              </a14:hiddenFill>
+            </a:ext>
+            <a:ext uri="{91240B29-F687-4F45-9708-019B960494DF}">
+              <a14:hiddenLine xmlns:a14="http://schemas.microsoft.com/office/drawing/2010/main" w="9525">
+                <a:solidFill>
+                  <a:srgbClr val="000000"/>
+                </a:solidFill>
+                <a:miter lim="800000"/>
+                <a:headEnd/>
+                <a:tailEnd/>
+              </a14:hiddenLine>
+            </a:ext>
+          </a:extLst>
+        </p:spPr>
+        <p:txBody>
+          <a:bodyPr/>
+          <a:lstStyle/>
+          <a:p>
+            <a:pPr eaLnBrk="1" hangingPunct="1"/>
+            <a:endParaRPr lang="en-GB" altLang="en-US" dirty="0"/>
+          </a:p>
+        </p:txBody>
+      </p:sp>
+    </p:spTree>
+    <p:extLst>
+      <p:ext uri="{BB962C8B-B14F-4D97-AF65-F5344CB8AC3E}">
+        <p14:creationId xmlns:p14="http://schemas.microsoft.com/office/powerpoint/2010/main" val="1829525107"/>
       </p:ext>
     </p:extLst>
   </p:cSld>
@@ -7802,6 +7950,69 @@
           <a:bodyPr/>
           <a:lstStyle/>
           <a:p>
+            <a:r>
+              <a:rPr lang="en-GB" dirty="0"/>
+              <a:t>If you look up Fortran on Wikipedia you will see it is described as “general-purpose compiled programming language”. To break this down, “general-purpose” relates to the fact that Fortran is not specialised to any specific application (in contrast to languages such as R, which is specialised for statistics) and, instead, provides basic building blocks that could be sued for any application. The word “compiled” relates to the fact that Fortran source code is usually read by a program called a “compiler” which interprets it and creates an executable. An executable is a program (often with a .exe extension) which is written in machine-code, which is a low-level and efficient language. You will not normally interact with the code on this level. Finally, “programming language” means it’s an agreed-upon and defined mapping between a string of characters in a source file to a set of actions carried out by the computer.</a:t>
+            </a:r>
+          </a:p>
+          <a:p>
+            <a:endParaRPr lang="en-GB" dirty="0"/>
+          </a:p>
+          <a:p>
+            <a:r>
+              <a:rPr lang="en-GB" dirty="0"/>
+              <a:t>For Fortran, this agreed-upon and defined mapping is defined in a series of Fortran Standards. These standard behaviours are defined by an Standard Committee. Many compilers will describe themselves as being compliant with a particular Fortran Standard, meaning that they contain all the functionality of that standard and should produce the same results as any other compiler compliant with that Fortran Standard.</a:t>
+            </a:r>
+          </a:p>
+          <a:p>
+            <a:endParaRPr lang="en-GB" dirty="0"/>
+          </a:p>
+          <a:p>
+            <a:r>
+              <a:rPr lang="en-GB" dirty="0"/>
+              <a:t>Fortran dates back to development by IBM in the 1950s for scientific and engineering applications. It has been updated many times since then with the release of new Fortran Standards, which has increased its functionality and kept its features similar to that of other younger languages. It’s common to make fun of Fortran for its age, but these constant updates means the language is not as out of date as many of its detractors may think.</a:t>
+            </a:r>
+          </a:p>
+          <a:p>
+            <a:endParaRPr lang="en-GB" dirty="0"/>
+          </a:p>
+          <a:p>
+            <a:r>
+              <a:rPr lang="en-GB" dirty="0"/>
+              <a:t>Fortran is a lower level language than many other modern languages, meaning you have to be more specific in what the compute. This is helpful in the sense that you can tell the compiler more specifically what the code will be doing and so it can optimise it more aggressively and produce a more efficient code. It can also make the code easier to read as the source code is more specific. However, it also means you often have to enter more lines of codes to get the same effect.</a:t>
+            </a:r>
+          </a:p>
+          <a:p>
+            <a:endParaRPr lang="en-GB" dirty="0"/>
+          </a:p>
+          <a:p>
+            <a:r>
+              <a:rPr lang="en-GB" dirty="0"/>
+              <a:t>Fortran is a very efficient code in terms of how fast a given piece of code will be executed on a computer. This is partially due to the fact it is a slightly lower level code than its compatriots and partially because it’s compiled before use. This means it’s very well suited to areas which involve large numbers of calculation such as weather prediction.</a:t>
+            </a:r>
+          </a:p>
+          <a:p>
+            <a:endParaRPr lang="en-GB" dirty="0"/>
+          </a:p>
+          <a:p>
+            <a:r>
+              <a:rPr lang="en-GB" dirty="0"/>
+              <a:t>Many higher-level codes such as Python contain functionality which actually calls lower-level codes such as Fortran or C routines, which helps these codes close the gap somewhat it terms of performance but, even so, it is difficult to approach the raw speed of pure Fortran.</a:t>
+            </a:r>
+          </a:p>
+          <a:p>
+            <a:endParaRPr lang="en-GB" dirty="0"/>
+          </a:p>
+          <a:p>
+            <a:r>
+              <a:rPr lang="en-GB" dirty="0"/>
+              <a:t>If you’re producing a computationally intensive code, Fortran is likely to be a viable choice of programming language. If you’re producing a code where performance is less important, you may be better off choosing a higher-level language which is a little more user-friendly, eve if that’s at the expense of some speed.</a:t>
+            </a:r>
+          </a:p>
+          <a:p>
+            <a:endParaRPr lang="en-GB" dirty="0"/>
+          </a:p>
+          <a:p>
             <a:endParaRPr lang="en-GB" dirty="0"/>
           </a:p>
         </p:txBody>
@@ -7823,7 +8034,7 @@
           <a:p>
             <a:fld id="{6A641EC8-C9F8-4A58-A1A7-F7D817526EEC}" type="slidenum">
               <a:rPr lang="en-GB" smtClean="0"/>
-              <a:t>7</a:t>
+              <a:t>6</a:t>
             </a:fld>
             <a:endParaRPr lang="en-GB"/>
           </a:p>
@@ -7832,7 +8043,7 @@
     </p:spTree>
     <p:extLst>
       <p:ext uri="{BB962C8B-B14F-4D97-AF65-F5344CB8AC3E}">
-        <p14:creationId xmlns:p14="http://schemas.microsoft.com/office/powerpoint/2010/main" val="2911596545"/>
+        <p14:creationId xmlns:p14="http://schemas.microsoft.com/office/powerpoint/2010/main" val="2600875460"/>
       </p:ext>
     </p:extLst>
   </p:cSld>
@@ -7886,28 +8097,7 @@
           <a:bodyPr/>
           <a:lstStyle/>
           <a:p>
-            <a:r>
-              <a:rPr lang="en-GB" dirty="0"/>
-              <a:t>The role of the compiler is to take your human-</a:t>
-            </a:r>
-            <a:r>
-              <a:rPr lang="en-GB" dirty="0" err="1"/>
-              <a:t>readbale</a:t>
-            </a:r>
-            <a:r>
-              <a:rPr lang="en-GB" dirty="0"/>
-              <a:t> source code, which will normally be written in “.f90” or “.F90” files and convert it into a set of machine code instructions stored in an executable, which normally has an “.exe” extension. This is the version of the code which is actually run. Sometimes, a “.o” file is create, which is an intermediate step to a “.exe” file.</a:t>
-            </a:r>
-            <a:br>
-              <a:rPr lang="en-GB" dirty="0"/>
-            </a:br>
-            <a:br>
-              <a:rPr lang="en-GB" dirty="0"/>
-            </a:br>
-            <a:r>
-              <a:rPr lang="en-GB" dirty="0"/>
-              <a:t>For context, it’s worth knowing that there exists a level of instructions which sits between source code and machine code – assembly language instructions, which are largely language agnostic and relate to individual actions performed by the computer. Assembly language is what most code was written in before the advent of Fortran. It’s more readable than machine code, but you still won’t have to deal with it in normal use. Some compilers might perform an intermediate compilation to assembly language before making the final compilation to machine code. This is so related compilers can take source code from a number of languages and interpret it into assembly instructions, and then use the same procedure to convert from assembly language to machine code.</a:t>
-            </a:r>
+            <a:endParaRPr lang="en-GB" dirty="0"/>
           </a:p>
         </p:txBody>
       </p:sp>
@@ -7928,7 +8118,7 @@
           <a:p>
             <a:fld id="{6A641EC8-C9F8-4A58-A1A7-F7D817526EEC}" type="slidenum">
               <a:rPr lang="en-GB" smtClean="0"/>
-              <a:t>8</a:t>
+              <a:t>7</a:t>
             </a:fld>
             <a:endParaRPr lang="en-GB"/>
           </a:p>
@@ -7937,7 +8127,7 @@
     </p:spTree>
     <p:extLst>
       <p:ext uri="{BB962C8B-B14F-4D97-AF65-F5344CB8AC3E}">
-        <p14:creationId xmlns:p14="http://schemas.microsoft.com/office/powerpoint/2010/main" val="984306255"/>
+        <p14:creationId xmlns:p14="http://schemas.microsoft.com/office/powerpoint/2010/main" val="2911596545"/>
       </p:ext>
     </p:extLst>
   </p:cSld>
@@ -7993,7 +8183,15 @@
           <a:p>
             <a:r>
               <a:rPr lang="en-GB" dirty="0"/>
-              <a:t>When you run a compiler on your source code, one of the first things it will do is check the code for syntax errors, such as opening a set of parentheses, but not closing them. If your code is not syntactically valid, the compilation will halt and you’ll receive one or more error messages. For this reason alone, it is worth compiling your code often while developing it, even if you have no intention to run it – it’s much easier to be faced with one or two syntax error at a time than dozens.</a:t>
+              <a:t>The role of the compiler is to take your human-</a:t>
+            </a:r>
+            <a:r>
+              <a:rPr lang="en-GB" dirty="0" err="1"/>
+              <a:t>readbale</a:t>
+            </a:r>
+            <a:r>
+              <a:rPr lang="en-GB" dirty="0"/>
+              <a:t> source code, which will normally be written in “.f90” or “.F90” files and convert it into a set of machine code instructions stored in an executable, which normally has an “.exe” extension. This is the version of the code which is actually run. Sometimes, a “.o” file is create, which is an intermediate step to a “.exe” file.</a:t>
             </a:r>
             <a:br>
               <a:rPr lang="en-GB" dirty="0"/>
@@ -8003,33 +8201,7 @@
             </a:br>
             <a:r>
               <a:rPr lang="en-GB" dirty="0"/>
-              <a:t>Another important thing the compiler does is to optimise your code. For many compilers, it’s possible to determine the level of optimisation a compiler will perform. However aggressive the optimisation of the compiler, it should always produce identical answers. An example of optimisation could be that it may be more efficient to add a number to itself than to multiply it by 2, as a addition is a less costly operation than multiplication in terms of computing time. So a compiler may replace a “2*a” with “</a:t>
-            </a:r>
-            <a:r>
-              <a:rPr lang="en-GB" dirty="0" err="1"/>
-              <a:t>a+a</a:t>
-            </a:r>
-            <a:r>
-              <a:rPr lang="en-GB" dirty="0"/>
-              <a:t>”. This is largely done out of your sight and you don’t need to worry about it at all until you start writing code you want to optimise. Some optimisations might be specific to the hardware the computer is compiled on, taking advantage of specific properties of chips in your machine, but most is hardware agnostic.</a:t>
-            </a:r>
-          </a:p>
-          <a:p>
-            <a:endParaRPr lang="en-GB" dirty="0"/>
-          </a:p>
-          <a:p>
-            <a:r>
-              <a:rPr lang="en-GB" dirty="0"/>
-              <a:t>The most important thing a compiler does is create machine code in the form of an object file or executable file, as discussed in the previous slide.</a:t>
-            </a:r>
-          </a:p>
-          <a:p>
-            <a:endParaRPr lang="en-GB" dirty="0"/>
-          </a:p>
-          <a:p>
-            <a:r>
-              <a:rPr lang="en-GB" dirty="0"/>
-              <a:t>A compiler does not reveal anything about run-time errors. For instance, if you set a=0 and then calculate 1/a, the compiler will not be able to tell you that something an error will be raised at this point. This is because the compiler has no way of knowing what values different variables will have when the code is run, as this may change as you run the code with different inputs. This also means that, in general, the compiler will not execute your code or perform any calculations itself. You will need to execute the resultant executable to get your results.</a:t>
+              <a:t>For context, it’s worth knowing that there exists a level of instructions which sits between source code and machine code – assembly language instructions, which are largely language agnostic and relate to individual actions performed by the computer. Assembly language is what most code was written in before the advent of Fortran. It’s more readable than machine code, but you still won’t have to deal with it in normal use. Some compilers might perform an intermediate compilation to assembly language before making the final compilation to machine code. This is so related compilers can take source code from a number of languages and interpret it into assembly instructions, and then use the same procedure to convert from assembly language to machine code.</a:t>
             </a:r>
           </a:p>
         </p:txBody>
@@ -8051,7 +8223,7 @@
           <a:p>
             <a:fld id="{6A641EC8-C9F8-4A58-A1A7-F7D817526EEC}" type="slidenum">
               <a:rPr lang="en-GB" smtClean="0"/>
-              <a:t>9</a:t>
+              <a:t>8</a:t>
             </a:fld>
             <a:endParaRPr lang="en-GB"/>
           </a:p>
@@ -8060,7 +8232,7 @@
     </p:spTree>
     <p:extLst>
       <p:ext uri="{BB962C8B-B14F-4D97-AF65-F5344CB8AC3E}">
-        <p14:creationId xmlns:p14="http://schemas.microsoft.com/office/powerpoint/2010/main" val="1563254218"/>
+        <p14:creationId xmlns:p14="http://schemas.microsoft.com/office/powerpoint/2010/main" val="984306255"/>
       </p:ext>
     </p:extLst>
   </p:cSld>
@@ -8116,15 +8288,25 @@
           <a:p>
             <a:r>
               <a:rPr lang="en-GB" dirty="0"/>
-              <a:t>The most common compiler you might come across is the </a:t>
+              <a:t>When you run a compiler on your source code, one of the first things it will do is check the code for syntax errors, such as opening a set of parentheses, but not closing them. If your code is not syntactically valid, the compilation will halt and you’ll receive one or more error messages. For this reason alone, it is worth compiling your code often while developing it, even if you have no intention to run it – it’s much easier to be faced with one or two syntax error at a time than dozens.</a:t>
+            </a:r>
+            <a:br>
+              <a:rPr lang="en-GB" dirty="0"/>
+            </a:br>
+            <a:br>
+              <a:rPr lang="en-GB" dirty="0"/>
+            </a:br>
+            <a:r>
+              <a:rPr lang="en-GB" dirty="0"/>
+              <a:t>Another important thing the compiler does is to optimise your code. For many compilers, it’s possible to determine the level of optimisation a compiler will perform. However aggressive the optimisation of the compiler, it should always produce identical answers. An example of optimisation could be that it may be more efficient to add a number to itself than to multiply it by 2, as a addition is a less costly operation than multiplication in terms of computing time. So a compiler may replace a “2*a” with “</a:t>
             </a:r>
             <a:r>
               <a:rPr lang="en-GB" dirty="0" err="1"/>
-              <a:t>gfortran</a:t>
-            </a:r>
-            <a:r>
-              <a:rPr lang="en-GB" dirty="0"/>
-              <a:t> compiler, which is part of the GNU project. It’s fairly complete, free and available on many operation systems. This is probably the easiest place to begin.</a:t>
+              <a:t>a+a</a:t>
+            </a:r>
+            <a:r>
+              <a:rPr lang="en-GB" dirty="0"/>
+              <a:t>”. This is largely done out of your sight and you don’t need to worry about it at all until you start writing code you want to optimise. Some optimisations might be specific to the hardware the computer is compiled on, taking advantage of specific properties of chips in your machine, but most is hardware agnostic.</a:t>
             </a:r>
           </a:p>
           <a:p>
@@ -8133,15 +8315,7 @@
           <a:p>
             <a:r>
               <a:rPr lang="en-GB" dirty="0"/>
-              <a:t>You may also encounter the PGI and </a:t>
-            </a:r>
-            <a:r>
-              <a:rPr lang="en-GB" dirty="0" err="1"/>
-              <a:t>Absoft</a:t>
-            </a:r>
-            <a:r>
-              <a:rPr lang="en-GB" dirty="0"/>
-              <a:t> compilers. The PGI compiler has a free community version and a paid-for version.</a:t>
+              <a:t>The most important thing a compiler does is create machine code in the form of an object file or executable file, as discussed in the previous slide.</a:t>
             </a:r>
           </a:p>
           <a:p>
@@ -8150,43 +8324,7 @@
           <a:p>
             <a:r>
               <a:rPr lang="en-GB" dirty="0"/>
-              <a:t>Intel’s </a:t>
-            </a:r>
-            <a:r>
-              <a:rPr lang="en-GB" dirty="0" err="1"/>
-              <a:t>ifort</a:t>
-            </a:r>
-            <a:r>
-              <a:rPr lang="en-GB" dirty="0"/>
-              <a:t> compiler is a paid for compiler that is perhaps the most professional and well-supported compiler. It has a number of features that can be used to speed up code.</a:t>
-            </a:r>
-          </a:p>
-          <a:p>
-            <a:endParaRPr lang="en-GB" dirty="0"/>
-          </a:p>
-          <a:p>
-            <a:r>
-              <a:rPr lang="en-GB" dirty="0"/>
-              <a:t>MinGW is a port of the GNU compiler collection designed to produce windows applications,</a:t>
-            </a:r>
-          </a:p>
-          <a:p>
-            <a:endParaRPr lang="en-GB" dirty="0"/>
-          </a:p>
-          <a:p>
-            <a:r>
-              <a:rPr lang="en-GB" dirty="0"/>
-              <a:t>It’s my experience that getting a compiler working on Windows is more difficult than getting it working on Linux or Apple machines, but it is possible. As installation instructions vary with OS and compiler, it’s not a goal of this course to get a Fortran compiler installed on your system. If you have a compiler installed, you are most welcome to use it. If not, you may use an online development environment: </a:t>
-            </a:r>
-            <a:r>
-              <a:rPr lang="en-GB" dirty="0">
-                <a:hlinkClick r:id="rId3"/>
-              </a:rPr>
-              <a:t>https://www.onlinegdb.com/</a:t>
-            </a:r>
-            <a:r>
-              <a:rPr lang="en-GB" dirty="0"/>
-              <a:t> Select “Fortran” in the language drop-down menu on the top-right.</a:t>
+              <a:t>A compiler does not reveal anything about run-time errors. For instance, if you set a=0 and then calculate 1/a, the compiler will not be able to tell you that something an error will be raised at this point. This is because the compiler has no way of knowing what values different variables will have when the code is run, as this may change as you run the code with different inputs. This also means that, in general, the compiler will not execute your code or perform any calculations itself. You will need to execute the resultant executable to get your results.</a:t>
             </a:r>
           </a:p>
         </p:txBody>
@@ -8208,7 +8346,7 @@
           <a:p>
             <a:fld id="{6A641EC8-C9F8-4A58-A1A7-F7D817526EEC}" type="slidenum">
               <a:rPr lang="en-GB" smtClean="0"/>
-              <a:t>10</a:t>
+              <a:t>9</a:t>
             </a:fld>
             <a:endParaRPr lang="en-GB"/>
           </a:p>
@@ -8217,7 +8355,7 @@
     </p:spTree>
     <p:extLst>
       <p:ext uri="{BB962C8B-B14F-4D97-AF65-F5344CB8AC3E}">
-        <p14:creationId xmlns:p14="http://schemas.microsoft.com/office/powerpoint/2010/main" val="77121474"/>
+        <p14:creationId xmlns:p14="http://schemas.microsoft.com/office/powerpoint/2010/main" val="1563254218"/>
       </p:ext>
     </p:extLst>
   </p:cSld>
@@ -8586,7 +8724,7 @@
           <a:p>
             <a:fld id="{EB0080F8-EA1C-491D-963C-2C881B2F918F}" type="datetimeFigureOut">
               <a:rPr lang="en-GB" smtClean="0"/>
-              <a:t>04/11/2022</a:t>
+              <a:t>24/02/2023</a:t>
             </a:fld>
             <a:endParaRPr lang="en-GB"/>
           </a:p>
@@ -8736,7 +8874,7 @@
           <a:p>
             <a:fld id="{EB0080F8-EA1C-491D-963C-2C881B2F918F}" type="datetimeFigureOut">
               <a:rPr lang="en-GB" smtClean="0"/>
-              <a:t>04/11/2022</a:t>
+              <a:t>24/02/2023</a:t>
             </a:fld>
             <a:endParaRPr lang="en-GB"/>
           </a:p>
@@ -10269,7 +10407,7 @@
           <a:p>
             <a:fld id="{EB0080F8-EA1C-491D-963C-2C881B2F918F}" type="datetimeFigureOut">
               <a:rPr lang="en-GB" smtClean="0"/>
-              <a:t>04/11/2022</a:t>
+              <a:t>24/02/2023</a:t>
             </a:fld>
             <a:endParaRPr lang="en-GB"/>
           </a:p>
@@ -13599,7 +13737,7 @@
                 <a:ea typeface="Times New Roman" panose="02020603050405020304" pitchFamily="18" charset="0"/>
                 <a:cs typeface="Calibri" panose="020F0502020204030204" pitchFamily="34" charset="0"/>
               </a:rPr>
-              <a:t>If you are not a Postgraduate Research student and didn’t book via Inkpath, your attendance will be marked on a separate database.</a:t>
+              <a:t>If you are a Postgraduate Research student, this is required for receiving your Graduate School credit for this course.</a:t>
             </a:r>
             <a:endParaRPr lang="en-GB" sz="2800" dirty="0"/>
           </a:p>
@@ -13645,7 +13783,7 @@
     </p:spTree>
     <p:extLst>
       <p:ext uri="{BB962C8B-B14F-4D97-AF65-F5344CB8AC3E}">
-        <p14:creationId xmlns:p14="http://schemas.microsoft.com/office/powerpoint/2010/main" val="3686223621"/>
+        <p14:creationId xmlns:p14="http://schemas.microsoft.com/office/powerpoint/2010/main" val="1454384184"/>
       </p:ext>
     </p:extLst>
   </p:cSld>

--- a/Introduction to Fortran Slides.pptx
+++ b/Introduction to Fortran Slides.pptx
@@ -242,7 +242,7 @@
 <file path=ppt/revisionInfo.xml><?xml version="1.0" encoding="utf-8"?>
 <p1510:revInfo xmlns:a="http://schemas.openxmlformats.org/drawingml/2006/main" xmlns:r="http://schemas.openxmlformats.org/officeDocument/2006/relationships" xmlns:p1510="http://schemas.microsoft.com/office/powerpoint/2015/10/main">
   <p1510:revLst>
-    <p1510:client id="{102F9877-C7F0-434D-B323-B1534C5F6E71}" v="1" dt="2023-02-24T16:45:29.049"/>
+    <p1510:client id="{8A0B4976-DB51-4A8D-9122-C312C8E1E01D}" v="1" dt="2023-11-03T15:54:22.075"/>
   </p1510:revLst>
 </p1510:revInfo>
 </file>
@@ -278,6 +278,30 @@
             <ac:picMk id="5" creationId="{6EC95C70-AC70-4FEA-AC75-84A729884BE8}"/>
           </ac:picMkLst>
         </pc:picChg>
+      </pc:sldChg>
+    </pc:docChg>
+  </pc:docChgLst>
+  <pc:docChgLst>
+    <pc:chgData name="Cooling, Chris" userId="6dcf99c9-2ba5-410a-8445-0893a3d1421f" providerId="ADAL" clId="{8A0B4976-DB51-4A8D-9122-C312C8E1E01D}"/>
+    <pc:docChg chg="custSel modSld">
+      <pc:chgData name="Cooling, Chris" userId="6dcf99c9-2ba5-410a-8445-0893a3d1421f" providerId="ADAL" clId="{8A0B4976-DB51-4A8D-9122-C312C8E1E01D}" dt="2023-11-03T15:54:34.533" v="5" actId="2711"/>
+      <pc:docMkLst>
+        <pc:docMk/>
+      </pc:docMkLst>
+      <pc:sldChg chg="modSp mod">
+        <pc:chgData name="Cooling, Chris" userId="6dcf99c9-2ba5-410a-8445-0893a3d1421f" providerId="ADAL" clId="{8A0B4976-DB51-4A8D-9122-C312C8E1E01D}" dt="2023-11-03T15:54:34.533" v="5" actId="2711"/>
+        <pc:sldMkLst>
+          <pc:docMk/>
+          <pc:sldMk cId="466020703" sldId="335"/>
+        </pc:sldMkLst>
+        <pc:spChg chg="mod">
+          <ac:chgData name="Cooling, Chris" userId="6dcf99c9-2ba5-410a-8445-0893a3d1421f" providerId="ADAL" clId="{8A0B4976-DB51-4A8D-9122-C312C8E1E01D}" dt="2023-11-03T15:54:34.533" v="5" actId="2711"/>
+          <ac:spMkLst>
+            <pc:docMk/>
+            <pc:sldMk cId="466020703" sldId="335"/>
+            <ac:spMk id="3" creationId="{00000000-0000-0000-0000-000000000000}"/>
+          </ac:spMkLst>
+        </pc:spChg>
       </pc:sldChg>
     </pc:docChg>
   </pc:docChgLst>
@@ -580,7 +604,7 @@
           <a:p>
             <a:fld id="{88EB714B-C3CC-4216-88C1-02913905B1CF}" type="datetimeFigureOut">
               <a:rPr lang="en-GB" smtClean="0"/>
-              <a:t>24/02/2023</a:t>
+              <a:t>03/11/2023</a:t>
             </a:fld>
             <a:endParaRPr lang="en-GB"/>
           </a:p>
@@ -8724,7 +8748,7 @@
           <a:p>
             <a:fld id="{EB0080F8-EA1C-491D-963C-2C881B2F918F}" type="datetimeFigureOut">
               <a:rPr lang="en-GB" smtClean="0"/>
-              <a:t>24/02/2023</a:t>
+              <a:t>03/11/2023</a:t>
             </a:fld>
             <a:endParaRPr lang="en-GB"/>
           </a:p>
@@ -8874,7 +8898,7 @@
           <a:p>
             <a:fld id="{EB0080F8-EA1C-491D-963C-2C881B2F918F}" type="datetimeFigureOut">
               <a:rPr lang="en-GB" smtClean="0"/>
-              <a:t>24/02/2023</a:t>
+              <a:t>03/11/2023</a:t>
             </a:fld>
             <a:endParaRPr lang="en-GB"/>
           </a:p>
@@ -10407,7 +10431,7 @@
           <a:p>
             <a:fld id="{EB0080F8-EA1C-491D-963C-2C881B2F918F}" type="datetimeFigureOut">
               <a:rPr lang="en-GB" smtClean="0"/>
-              <a:t>24/02/2023</a:t>
+              <a:t>03/11/2023</a:t>
             </a:fld>
             <a:endParaRPr lang="en-GB"/>
           </a:p>
@@ -25139,12 +25163,21 @@
               <a:t>The link is </a:t>
             </a:r>
             <a:r>
-              <a:rPr lang="en-GB" sz="2600" dirty="0">
+              <a:rPr lang="en-GB" sz="2600" b="0" i="0" u="sng" dirty="0">
+                <a:solidFill>
+                  <a:srgbClr val="0563C1"/>
+                </a:solidFill>
+                <a:effectLst/>
                 <a:hlinkClick r:id="rId4"/>
               </a:rPr>
-              <a:t>https://tinyurl.com/rcds2022-23</a:t>
-            </a:r>
-            <a:endParaRPr lang="en-GB" sz="2600" dirty="0"/>
+              <a:t>https://tinyurl.com/feedback-rcds</a:t>
+            </a:r>
+            <a:endParaRPr lang="en-GB" sz="2600" b="0" i="0" u="sng" dirty="0">
+              <a:solidFill>
+                <a:srgbClr val="0563C1"/>
+              </a:solidFill>
+              <a:effectLst/>
+            </a:endParaRPr>
           </a:p>
           <a:p>
             <a:pPr lvl="1"/>
